--- a/CPlusPlus/09_essential_cpp_containers.pptx
+++ b/CPlusPlus/09_essential_cpp_containers.pptx
@@ -5,7 +5,7 @@
     <p:sldMasterId id="2147483660" r:id="rId1"/>
   </p:sldMasterIdLst>
   <p:notesMasterIdLst>
-    <p:notesMasterId r:id="rId40"/>
+    <p:notesMasterId r:id="rId43"/>
   </p:notesMasterIdLst>
   <p:sldIdLst>
     <p:sldId id="302" r:id="rId2"/>
@@ -19,33 +19,36 @@
     <p:sldId id="261" r:id="rId10"/>
     <p:sldId id="276" r:id="rId11"/>
     <p:sldId id="267" r:id="rId12"/>
-    <p:sldId id="265" r:id="rId13"/>
-    <p:sldId id="277" r:id="rId14"/>
-    <p:sldId id="269" r:id="rId15"/>
-    <p:sldId id="262" r:id="rId16"/>
-    <p:sldId id="278" r:id="rId17"/>
-    <p:sldId id="270" r:id="rId18"/>
-    <p:sldId id="263" r:id="rId19"/>
-    <p:sldId id="279" r:id="rId20"/>
-    <p:sldId id="271" r:id="rId21"/>
-    <p:sldId id="264" r:id="rId22"/>
-    <p:sldId id="280" r:id="rId23"/>
-    <p:sldId id="272" r:id="rId24"/>
-    <p:sldId id="290" r:id="rId25"/>
-    <p:sldId id="291" r:id="rId26"/>
-    <p:sldId id="275" r:id="rId27"/>
-    <p:sldId id="281" r:id="rId28"/>
-    <p:sldId id="282" r:id="rId29"/>
-    <p:sldId id="284" r:id="rId30"/>
-    <p:sldId id="283" r:id="rId31"/>
-    <p:sldId id="285" r:id="rId32"/>
-    <p:sldId id="292" r:id="rId33"/>
-    <p:sldId id="293" r:id="rId34"/>
-    <p:sldId id="286" r:id="rId35"/>
-    <p:sldId id="287" r:id="rId36"/>
-    <p:sldId id="289" r:id="rId37"/>
-    <p:sldId id="288" r:id="rId38"/>
-    <p:sldId id="300" r:id="rId39"/>
+    <p:sldId id="304" r:id="rId13"/>
+    <p:sldId id="306" r:id="rId14"/>
+    <p:sldId id="305" r:id="rId15"/>
+    <p:sldId id="265" r:id="rId16"/>
+    <p:sldId id="277" r:id="rId17"/>
+    <p:sldId id="269" r:id="rId18"/>
+    <p:sldId id="262" r:id="rId19"/>
+    <p:sldId id="278" r:id="rId20"/>
+    <p:sldId id="270" r:id="rId21"/>
+    <p:sldId id="263" r:id="rId22"/>
+    <p:sldId id="279" r:id="rId23"/>
+    <p:sldId id="271" r:id="rId24"/>
+    <p:sldId id="264" r:id="rId25"/>
+    <p:sldId id="280" r:id="rId26"/>
+    <p:sldId id="272" r:id="rId27"/>
+    <p:sldId id="290" r:id="rId28"/>
+    <p:sldId id="291" r:id="rId29"/>
+    <p:sldId id="275" r:id="rId30"/>
+    <p:sldId id="281" r:id="rId31"/>
+    <p:sldId id="282" r:id="rId32"/>
+    <p:sldId id="284" r:id="rId33"/>
+    <p:sldId id="283" r:id="rId34"/>
+    <p:sldId id="285" r:id="rId35"/>
+    <p:sldId id="292" r:id="rId36"/>
+    <p:sldId id="293" r:id="rId37"/>
+    <p:sldId id="286" r:id="rId38"/>
+    <p:sldId id="287" r:id="rId39"/>
+    <p:sldId id="289" r:id="rId40"/>
+    <p:sldId id="288" r:id="rId41"/>
+    <p:sldId id="300" r:id="rId42"/>
   </p:sldIdLst>
   <p:sldSz cx="9144000" cy="6858000" type="screen4x3"/>
   <p:notesSz cx="6858000" cy="9144000"/>
@@ -234,7 +237,7 @@
           <a:p>
             <a:fld id="{D3AF4CC3-573B-48A2-BA19-C88E9EEB8008}" type="datetimeFigureOut">
               <a:rPr lang="en-US" smtClean="0"/>
-              <a:t>2017-03-01</a:t>
+              <a:t>2017-03-02</a:t>
             </a:fld>
             <a:endParaRPr lang="en-US"/>
           </a:p>
@@ -651,7 +654,7 @@
           <a:p>
             <a:fld id="{377ED49E-3B52-4D1C-85F4-C21F07234187}" type="slidenum">
               <a:rPr lang="en-US" smtClean="0"/>
-              <a:t>22</a:t>
+              <a:t>25</a:t>
             </a:fld>
             <a:endParaRPr lang="en-US"/>
           </a:p>
@@ -801,7 +804,7 @@
           <a:p>
             <a:fld id="{E7395A51-B5B5-44D7-85E1-1556CCB9180F}" type="datetime1">
               <a:rPr lang="en-US" smtClean="0"/>
-              <a:t>2017-03-01</a:t>
+              <a:t>2017-03-02</a:t>
             </a:fld>
             <a:endParaRPr lang="en-US"/>
           </a:p>
@@ -971,7 +974,7 @@
           <a:p>
             <a:fld id="{BEDB066D-DA80-4992-B507-A911EFD1878C}" type="datetime1">
               <a:rPr lang="en-US" smtClean="0"/>
-              <a:t>2017-03-01</a:t>
+              <a:t>2017-03-02</a:t>
             </a:fld>
             <a:endParaRPr lang="en-US"/>
           </a:p>
@@ -1151,7 +1154,7 @@
           <a:p>
             <a:fld id="{21259CBD-682A-4ABE-AFE9-CACFF55FE875}" type="datetime1">
               <a:rPr lang="en-US" smtClean="0"/>
-              <a:t>2017-03-01</a:t>
+              <a:t>2017-03-02</a:t>
             </a:fld>
             <a:endParaRPr lang="en-US"/>
           </a:p>
@@ -1321,7 +1324,7 @@
           <a:p>
             <a:fld id="{5F76F78E-A200-421E-B0AA-A6018E81E55E}" type="datetime1">
               <a:rPr lang="en-US" smtClean="0"/>
-              <a:t>2017-03-01</a:t>
+              <a:t>2017-03-02</a:t>
             </a:fld>
             <a:endParaRPr lang="en-US"/>
           </a:p>
@@ -1565,7 +1568,7 @@
           <a:p>
             <a:fld id="{EBEC21EE-ED62-44E3-A586-FF0104F19B99}" type="datetime1">
               <a:rPr lang="en-US" smtClean="0"/>
-              <a:t>2017-03-01</a:t>
+              <a:t>2017-03-02</a:t>
             </a:fld>
             <a:endParaRPr lang="en-US"/>
           </a:p>
@@ -1797,7 +1800,7 @@
           <a:p>
             <a:fld id="{30049BC0-4C66-4CED-BC8E-7AF0BD49C9B5}" type="datetime1">
               <a:rPr lang="en-US" smtClean="0"/>
-              <a:t>2017-03-01</a:t>
+              <a:t>2017-03-02</a:t>
             </a:fld>
             <a:endParaRPr lang="en-US"/>
           </a:p>
@@ -2164,7 +2167,7 @@
           <a:p>
             <a:fld id="{C7C90E0A-53F1-4115-8AB2-2E28E481FF48}" type="datetime1">
               <a:rPr lang="en-US" smtClean="0"/>
-              <a:t>2017-03-01</a:t>
+              <a:t>2017-03-02</a:t>
             </a:fld>
             <a:endParaRPr lang="en-US"/>
           </a:p>
@@ -2282,7 +2285,7 @@
           <a:p>
             <a:fld id="{AF79CAB3-789B-4117-A859-FC7082686441}" type="datetime1">
               <a:rPr lang="en-US" smtClean="0"/>
-              <a:t>2017-03-01</a:t>
+              <a:t>2017-03-02</a:t>
             </a:fld>
             <a:endParaRPr lang="en-US"/>
           </a:p>
@@ -2377,7 +2380,7 @@
           <a:p>
             <a:fld id="{82AE2AC5-51ED-46C8-8F1B-788630EE802E}" type="datetime1">
               <a:rPr lang="en-US" smtClean="0"/>
-              <a:t>2017-03-01</a:t>
+              <a:t>2017-03-02</a:t>
             </a:fld>
             <a:endParaRPr lang="en-US"/>
           </a:p>
@@ -2654,7 +2657,7 @@
           <a:p>
             <a:fld id="{49D0F6DD-6796-44CA-AF4C-1B2A2288F444}" type="datetime1">
               <a:rPr lang="en-US" smtClean="0"/>
-              <a:t>2017-03-01</a:t>
+              <a:t>2017-03-02</a:t>
             </a:fld>
             <a:endParaRPr lang="en-US"/>
           </a:p>
@@ -2911,7 +2914,7 @@
           <a:p>
             <a:fld id="{57F6808E-F05D-421A-97B7-12B728993E3B}" type="datetime1">
               <a:rPr lang="en-US" smtClean="0"/>
-              <a:t>2017-03-01</a:t>
+              <a:t>2017-03-02</a:t>
             </a:fld>
             <a:endParaRPr lang="en-US"/>
           </a:p>
@@ -3124,7 +3127,7 @@
           <a:p>
             <a:fld id="{7B995810-2FB7-4DE8-B622-97729F9C53CB}" type="datetime1">
               <a:rPr lang="en-US" smtClean="0"/>
-              <a:t>2017-03-01</a:t>
+              <a:t>2017-03-02</a:t>
             </a:fld>
             <a:endParaRPr lang="en-US"/>
           </a:p>
@@ -4589,10 +4592,6 @@
               </a:rPr>
               <a:t>}</a:t>
             </a:r>
-            <a:endParaRPr lang="en-US" dirty="0" smtClean="0">
-              <a:latin typeface="Courier New" panose="02070309020205020404" pitchFamily="49" charset="0"/>
-              <a:cs typeface="Courier New" panose="02070309020205020404" pitchFamily="49" charset="0"/>
-            </a:endParaRPr>
           </a:p>
         </p:txBody>
       </p:sp>
@@ -4641,22 +4640,15 @@
                 <a:latin typeface="Courier New" panose="02070309020205020404" pitchFamily="49" charset="0"/>
                 <a:cs typeface="Courier New" panose="02070309020205020404" pitchFamily="49" charset="0"/>
               </a:rPr>
-              <a:t>a[0</a:t>
-            </a:r>
+              <a:t>a[0] = 12;</a:t>
+            </a:r>
+          </a:p>
+          <a:p>
             <a:r>
               <a:rPr lang="en-US" dirty="0" smtClean="0">
                 <a:latin typeface="Courier New" panose="02070309020205020404" pitchFamily="49" charset="0"/>
                 <a:cs typeface="Courier New" panose="02070309020205020404" pitchFamily="49" charset="0"/>
               </a:rPr>
-              <a:t>] = 12;</a:t>
-            </a:r>
-          </a:p>
-          <a:p>
-            <a:r>
-              <a:rPr lang="en-US" dirty="0" smtClean="0">
-                <a:latin typeface="Courier New" panose="02070309020205020404" pitchFamily="49" charset="0"/>
-                <a:cs typeface="Courier New" panose="02070309020205020404" pitchFamily="49" charset="0"/>
-              </a:rPr>
               <a:t>a[1] = a[0] + </a:t>
             </a:r>
             <a:r>
@@ -4664,14 +4656,7 @@
                 <a:latin typeface="Courier New" panose="02070309020205020404" pitchFamily="49" charset="0"/>
                 <a:cs typeface="Courier New" panose="02070309020205020404" pitchFamily="49" charset="0"/>
               </a:rPr>
-              <a:t>13</a:t>
-            </a:r>
-            <a:r>
-              <a:rPr lang="en-US" smtClean="0">
-                <a:latin typeface="Courier New" panose="02070309020205020404" pitchFamily="49" charset="0"/>
-                <a:cs typeface="Courier New" panose="02070309020205020404" pitchFamily="49" charset="0"/>
-              </a:rPr>
-              <a:t>;</a:t>
+              <a:t>13;</a:t>
             </a:r>
             <a:endParaRPr lang="en-US" dirty="0" smtClean="0">
               <a:latin typeface="Courier New" panose="02070309020205020404" pitchFamily="49" charset="0"/>
@@ -4769,7 +4754,7 @@
           <a:p>
             <a:r>
               <a:rPr lang="en-US" dirty="0" smtClean="0"/>
-              <a:t>Tuple</a:t>
+              <a:t>Vector</a:t>
             </a:r>
             <a:endParaRPr lang="en-US" dirty="0"/>
           </a:p>
@@ -4801,13 +4786,8 @@
             <a:pPr lvl="1"/>
             <a:r>
               <a:rPr lang="en-US" dirty="0" smtClean="0"/>
-              <a:t>access: random by ordinal </a:t>
-            </a:r>
-            <a:r>
-              <a:rPr lang="en-US" dirty="0" smtClean="0"/>
-              <a:t>index</a:t>
-            </a:r>
-            <a:endParaRPr lang="en-US" dirty="0" smtClean="0"/>
+              <a:t>access: random by ordinal index</a:t>
+            </a:r>
           </a:p>
           <a:p>
             <a:pPr lvl="1"/>
@@ -4820,6 +4800,2488 @@
             <a:pPr lvl="1"/>
             <a:r>
               <a:rPr lang="en-US" dirty="0" smtClean="0"/>
+              <a:t>length can vary</a:t>
+            </a:r>
+            <a:endParaRPr lang="en-US" dirty="0" smtClean="0"/>
+          </a:p>
+          <a:p>
+            <a:pPr lvl="1"/>
+            <a:r>
+              <a:rPr lang="en-US" dirty="0" smtClean="0"/>
+              <a:t>update</a:t>
+            </a:r>
+            <a:r>
+              <a:rPr lang="en-US" dirty="0" smtClean="0"/>
+              <a:t>: O(1)</a:t>
+            </a:r>
+          </a:p>
+          <a:p>
+            <a:pPr lvl="1"/>
+            <a:r>
+              <a:rPr lang="en-US" dirty="0" smtClean="0"/>
+              <a:t>retrieval: O(1)</a:t>
+            </a:r>
+          </a:p>
+          <a:p>
+            <a:pPr lvl="1"/>
+            <a:r>
+              <a:rPr lang="en-US" dirty="0" smtClean="0"/>
+              <a:t>search: O(n)</a:t>
+            </a:r>
+          </a:p>
+          <a:p>
+            <a:pPr lvl="1"/>
+            <a:r>
+              <a:rPr lang="en-US" dirty="0" smtClean="0"/>
+              <a:t>element type: homogenous</a:t>
+            </a:r>
+          </a:p>
+          <a:p>
+            <a:r>
+              <a:rPr lang="en-US" dirty="0" smtClean="0"/>
+              <a:t>Implementations: </a:t>
+            </a:r>
+            <a:r>
+              <a:rPr lang="en-US" dirty="0" smtClean="0"/>
+              <a:t>STL</a:t>
+            </a:r>
+            <a:endParaRPr lang="en-US" dirty="0" smtClean="0"/>
+          </a:p>
+          <a:p>
+            <a:pPr lvl="1"/>
+            <a:endParaRPr lang="en-US" dirty="0"/>
+          </a:p>
+        </p:txBody>
+      </p:sp>
+      <p:grpSp>
+        <p:nvGrpSpPr>
+          <p:cNvPr id="6" name="Group 5"/>
+          <p:cNvGrpSpPr/>
+          <p:nvPr/>
+        </p:nvGrpSpPr>
+        <p:grpSpPr>
+          <a:xfrm>
+            <a:off x="4730462" y="2782169"/>
+            <a:ext cx="2538580" cy="777007"/>
+            <a:chOff x="6307280" y="2566553"/>
+            <a:chExt cx="3384774" cy="1036008"/>
+          </a:xfrm>
+        </p:grpSpPr>
+        <p:graphicFrame>
+          <p:nvGraphicFramePr>
+            <p:cNvPr id="4" name="Object 3"/>
+            <p:cNvGraphicFramePr>
+              <a:graphicFrameLocks noChangeAspect="1"/>
+            </p:cNvGraphicFramePr>
+            <p:nvPr>
+              <p:extLst>
+                <p:ext uri="{D42A27DB-BD31-4B8C-83A1-F6EECF244321}">
+                  <p14:modId xmlns:p14="http://schemas.microsoft.com/office/powerpoint/2010/main" val="3563583526"/>
+                </p:ext>
+              </p:extLst>
+            </p:nvPr>
+          </p:nvGraphicFramePr>
+          <p:xfrm>
+            <a:off x="8161864" y="3147479"/>
+            <a:ext cx="937684" cy="455082"/>
+          </p:xfrm>
+          <a:graphic>
+            <a:graphicData uri="http://schemas.openxmlformats.org/presentationml/2006/ole">
+              <mc:AlternateContent xmlns:mc="http://schemas.openxmlformats.org/markup-compatibility/2006">
+                <mc:Choice xmlns:v="urn:schemas-microsoft-com:vml" Requires="v">
+                  <p:oleObj spid="_x0000_s11267" name="Equation" r:id="rId3" imgW="419040" imgH="203040" progId="Equation.3">
+                    <p:embed/>
+                  </p:oleObj>
+                </mc:Choice>
+                <mc:Fallback>
+                  <p:oleObj name="Equation" r:id="rId3" imgW="419040" imgH="203040" progId="Equation.3">
+                    <p:embed/>
+                    <p:pic>
+                      <p:nvPicPr>
+                        <p:cNvPr id="0" name=""/>
+                        <p:cNvPicPr/>
+                        <p:nvPr/>
+                      </p:nvPicPr>
+                      <p:blipFill>
+                        <a:blip r:embed="rId4"/>
+                        <a:stretch>
+                          <a:fillRect/>
+                        </a:stretch>
+                      </p:blipFill>
+                      <p:spPr>
+                        <a:xfrm>
+                          <a:off x="8161864" y="3147479"/>
+                          <a:ext cx="937684" cy="455082"/>
+                        </a:xfrm>
+                        <a:prstGeom prst="rect">
+                          <a:avLst/>
+                        </a:prstGeom>
+                      </p:spPr>
+                    </p:pic>
+                  </p:oleObj>
+                </mc:Fallback>
+              </mc:AlternateContent>
+            </a:graphicData>
+          </a:graphic>
+        </p:graphicFrame>
+        <p:sp>
+          <p:nvSpPr>
+            <p:cNvPr id="5" name="TextBox 4"/>
+            <p:cNvSpPr txBox="1"/>
+            <p:nvPr/>
+          </p:nvSpPr>
+          <p:spPr>
+            <a:xfrm>
+              <a:off x="6307280" y="2566553"/>
+              <a:ext cx="3384774" cy="553997"/>
+            </a:xfrm>
+            <a:prstGeom prst="rect">
+              <a:avLst/>
+            </a:prstGeom>
+            <a:noFill/>
+          </p:spPr>
+          <p:txBody>
+            <a:bodyPr wrap="none" rtlCol="0">
+              <a:spAutoFit/>
+            </a:bodyPr>
+            <a:lstStyle/>
+            <a:p>
+              <a:r>
+                <a:rPr lang="en-US" sz="2100" dirty="0" smtClean="0"/>
+                <a:t>1-dimensional </a:t>
+              </a:r>
+              <a:r>
+                <a:rPr lang="en-US" sz="2100" dirty="0"/>
+                <a:t>array </a:t>
+              </a:r>
+              <a:r>
+                <a:rPr lang="en-US" sz="2100" i="1" dirty="0">
+                  <a:latin typeface="Palatino Linotype" panose="02040502050505030304" pitchFamily="18" charset="0"/>
+                </a:rPr>
+                <a:t>a</a:t>
+              </a:r>
+            </a:p>
+          </p:txBody>
+        </p:sp>
+      </p:grpSp>
+      <p:sp>
+        <p:nvSpPr>
+          <p:cNvPr id="7" name="Slide Number Placeholder 6"/>
+          <p:cNvSpPr>
+            <a:spLocks noGrp="1"/>
+          </p:cNvSpPr>
+          <p:nvPr>
+            <p:ph type="sldNum" sz="quarter" idx="12"/>
+          </p:nvPr>
+        </p:nvSpPr>
+        <p:spPr/>
+        <p:txBody>
+          <a:bodyPr/>
+          <a:lstStyle/>
+          <a:p>
+            <a:fld id="{11AD1F4E-1E51-402E-B221-310F004E7D3B}" type="slidenum">
+              <a:rPr lang="en-US" smtClean="0"/>
+              <a:t>12</a:t>
+            </a:fld>
+            <a:endParaRPr lang="en-US"/>
+          </a:p>
+        </p:txBody>
+      </p:sp>
+      <p:grpSp>
+        <p:nvGrpSpPr>
+          <p:cNvPr id="20" name="Group 19"/>
+          <p:cNvGrpSpPr/>
+          <p:nvPr/>
+        </p:nvGrpSpPr>
+        <p:grpSpPr>
+          <a:xfrm>
+            <a:off x="5431341" y="5693496"/>
+            <a:ext cx="1839304" cy="222972"/>
+            <a:chOff x="5330430" y="5953991"/>
+            <a:chExt cx="1839304" cy="222972"/>
+          </a:xfrm>
+        </p:grpSpPr>
+        <p:sp>
+          <p:nvSpPr>
+            <p:cNvPr id="8" name="Rectangle 7"/>
+            <p:cNvSpPr/>
+            <p:nvPr/>
+          </p:nvSpPr>
+          <p:spPr>
+            <a:xfrm>
+              <a:off x="5330430" y="5953991"/>
+              <a:ext cx="301443" cy="222972"/>
+            </a:xfrm>
+            <a:prstGeom prst="rect">
+              <a:avLst/>
+            </a:prstGeom>
+            <a:noFill/>
+            <a:ln>
+              <a:solidFill>
+                <a:schemeClr val="tx1"/>
+              </a:solidFill>
+            </a:ln>
+          </p:spPr>
+          <p:style>
+            <a:lnRef idx="2">
+              <a:schemeClr val="accent1">
+                <a:shade val="50000"/>
+              </a:schemeClr>
+            </a:lnRef>
+            <a:fillRef idx="1">
+              <a:schemeClr val="accent1"/>
+            </a:fillRef>
+            <a:effectRef idx="0">
+              <a:schemeClr val="accent1"/>
+            </a:effectRef>
+            <a:fontRef idx="minor">
+              <a:schemeClr val="lt1"/>
+            </a:fontRef>
+          </p:style>
+          <p:txBody>
+            <a:bodyPr rtlCol="0" anchor="ctr"/>
+            <a:lstStyle/>
+            <a:p>
+              <a:pPr algn="ctr"/>
+              <a:endParaRPr lang="en-US"/>
+            </a:p>
+          </p:txBody>
+        </p:sp>
+        <p:sp>
+          <p:nvSpPr>
+            <p:cNvPr id="9" name="Rectangle 8"/>
+            <p:cNvSpPr/>
+            <p:nvPr/>
+          </p:nvSpPr>
+          <p:spPr>
+            <a:xfrm>
+              <a:off x="5638695" y="5953991"/>
+              <a:ext cx="301443" cy="222972"/>
+            </a:xfrm>
+            <a:prstGeom prst="rect">
+              <a:avLst/>
+            </a:prstGeom>
+            <a:noFill/>
+            <a:ln>
+              <a:solidFill>
+                <a:schemeClr val="tx1"/>
+              </a:solidFill>
+            </a:ln>
+          </p:spPr>
+          <p:style>
+            <a:lnRef idx="2">
+              <a:schemeClr val="accent1">
+                <a:shade val="50000"/>
+              </a:schemeClr>
+            </a:lnRef>
+            <a:fillRef idx="1">
+              <a:schemeClr val="accent1"/>
+            </a:fillRef>
+            <a:effectRef idx="0">
+              <a:schemeClr val="accent1"/>
+            </a:effectRef>
+            <a:fontRef idx="minor">
+              <a:schemeClr val="lt1"/>
+            </a:fontRef>
+          </p:style>
+          <p:txBody>
+            <a:bodyPr rtlCol="0" anchor="ctr"/>
+            <a:lstStyle/>
+            <a:p>
+              <a:pPr algn="ctr"/>
+              <a:endParaRPr lang="en-US"/>
+            </a:p>
+          </p:txBody>
+        </p:sp>
+        <p:sp>
+          <p:nvSpPr>
+            <p:cNvPr id="10" name="Rectangle 9"/>
+            <p:cNvSpPr/>
+            <p:nvPr/>
+          </p:nvSpPr>
+          <p:spPr>
+            <a:xfrm>
+              <a:off x="5940034" y="5953991"/>
+              <a:ext cx="301443" cy="222972"/>
+            </a:xfrm>
+            <a:prstGeom prst="rect">
+              <a:avLst/>
+            </a:prstGeom>
+            <a:noFill/>
+            <a:ln>
+              <a:solidFill>
+                <a:schemeClr val="tx1"/>
+              </a:solidFill>
+            </a:ln>
+          </p:spPr>
+          <p:style>
+            <a:lnRef idx="2">
+              <a:schemeClr val="accent1">
+                <a:shade val="50000"/>
+              </a:schemeClr>
+            </a:lnRef>
+            <a:fillRef idx="1">
+              <a:schemeClr val="accent1"/>
+            </a:fillRef>
+            <a:effectRef idx="0">
+              <a:schemeClr val="accent1"/>
+            </a:effectRef>
+            <a:fontRef idx="minor">
+              <a:schemeClr val="lt1"/>
+            </a:fontRef>
+          </p:style>
+          <p:txBody>
+            <a:bodyPr rtlCol="0" anchor="ctr"/>
+            <a:lstStyle/>
+            <a:p>
+              <a:pPr algn="ctr"/>
+              <a:endParaRPr lang="en-US"/>
+            </a:p>
+          </p:txBody>
+        </p:sp>
+        <p:sp>
+          <p:nvSpPr>
+            <p:cNvPr id="11" name="Rectangle 10"/>
+            <p:cNvSpPr/>
+            <p:nvPr/>
+          </p:nvSpPr>
+          <p:spPr>
+            <a:xfrm>
+              <a:off x="6248299" y="5953991"/>
+              <a:ext cx="301443" cy="222972"/>
+            </a:xfrm>
+            <a:prstGeom prst="rect">
+              <a:avLst/>
+            </a:prstGeom>
+            <a:noFill/>
+            <a:ln>
+              <a:solidFill>
+                <a:schemeClr val="tx1"/>
+              </a:solidFill>
+            </a:ln>
+          </p:spPr>
+          <p:style>
+            <a:lnRef idx="2">
+              <a:schemeClr val="accent1">
+                <a:shade val="50000"/>
+              </a:schemeClr>
+            </a:lnRef>
+            <a:fillRef idx="1">
+              <a:schemeClr val="accent1"/>
+            </a:fillRef>
+            <a:effectRef idx="0">
+              <a:schemeClr val="accent1"/>
+            </a:effectRef>
+            <a:fontRef idx="minor">
+              <a:schemeClr val="lt1"/>
+            </a:fontRef>
+          </p:style>
+          <p:txBody>
+            <a:bodyPr rtlCol="0" anchor="ctr"/>
+            <a:lstStyle/>
+            <a:p>
+              <a:pPr algn="ctr"/>
+              <a:endParaRPr lang="en-US"/>
+            </a:p>
+          </p:txBody>
+        </p:sp>
+        <p:sp>
+          <p:nvSpPr>
+            <p:cNvPr id="12" name="Rectangle 11"/>
+            <p:cNvSpPr/>
+            <p:nvPr/>
+          </p:nvSpPr>
+          <p:spPr>
+            <a:xfrm>
+              <a:off x="6560026" y="5953991"/>
+              <a:ext cx="301443" cy="222972"/>
+            </a:xfrm>
+            <a:prstGeom prst="rect">
+              <a:avLst/>
+            </a:prstGeom>
+            <a:noFill/>
+            <a:ln>
+              <a:solidFill>
+                <a:schemeClr val="tx1"/>
+              </a:solidFill>
+            </a:ln>
+          </p:spPr>
+          <p:style>
+            <a:lnRef idx="2">
+              <a:schemeClr val="accent1">
+                <a:shade val="50000"/>
+              </a:schemeClr>
+            </a:lnRef>
+            <a:fillRef idx="1">
+              <a:schemeClr val="accent1"/>
+            </a:fillRef>
+            <a:effectRef idx="0">
+              <a:schemeClr val="accent1"/>
+            </a:effectRef>
+            <a:fontRef idx="minor">
+              <a:schemeClr val="lt1"/>
+            </a:fontRef>
+          </p:style>
+          <p:txBody>
+            <a:bodyPr rtlCol="0" anchor="ctr"/>
+            <a:lstStyle/>
+            <a:p>
+              <a:pPr algn="ctr"/>
+              <a:endParaRPr lang="en-US"/>
+            </a:p>
+          </p:txBody>
+        </p:sp>
+        <p:sp>
+          <p:nvSpPr>
+            <p:cNvPr id="13" name="Rectangle 12"/>
+            <p:cNvSpPr/>
+            <p:nvPr/>
+          </p:nvSpPr>
+          <p:spPr>
+            <a:xfrm>
+              <a:off x="6868291" y="5953991"/>
+              <a:ext cx="301443" cy="222972"/>
+            </a:xfrm>
+            <a:prstGeom prst="rect">
+              <a:avLst/>
+            </a:prstGeom>
+            <a:noFill/>
+            <a:ln>
+              <a:solidFill>
+                <a:schemeClr val="tx1"/>
+              </a:solidFill>
+            </a:ln>
+          </p:spPr>
+          <p:style>
+            <a:lnRef idx="2">
+              <a:schemeClr val="accent1">
+                <a:shade val="50000"/>
+              </a:schemeClr>
+            </a:lnRef>
+            <a:fillRef idx="1">
+              <a:schemeClr val="accent1"/>
+            </a:fillRef>
+            <a:effectRef idx="0">
+              <a:schemeClr val="accent1"/>
+            </a:effectRef>
+            <a:fontRef idx="minor">
+              <a:schemeClr val="lt1"/>
+            </a:fontRef>
+          </p:style>
+          <p:txBody>
+            <a:bodyPr rtlCol="0" anchor="ctr"/>
+            <a:lstStyle/>
+            <a:p>
+              <a:pPr algn="ctr"/>
+              <a:endParaRPr lang="en-US"/>
+            </a:p>
+          </p:txBody>
+        </p:sp>
+        <p:sp>
+          <p:nvSpPr>
+            <p:cNvPr id="14" name="Oval 13"/>
+            <p:cNvSpPr/>
+            <p:nvPr/>
+          </p:nvSpPr>
+          <p:spPr>
+            <a:xfrm>
+              <a:off x="5446462" y="6023914"/>
+              <a:ext cx="83127" cy="83127"/>
+            </a:xfrm>
+            <a:prstGeom prst="ellipse">
+              <a:avLst/>
+            </a:prstGeom>
+            <a:solidFill>
+              <a:schemeClr val="tx1"/>
+            </a:solidFill>
+            <a:ln>
+              <a:solidFill>
+                <a:schemeClr val="tx1"/>
+              </a:solidFill>
+            </a:ln>
+          </p:spPr>
+          <p:style>
+            <a:lnRef idx="2">
+              <a:schemeClr val="accent1">
+                <a:shade val="50000"/>
+              </a:schemeClr>
+            </a:lnRef>
+            <a:fillRef idx="1">
+              <a:schemeClr val="accent1"/>
+            </a:fillRef>
+            <a:effectRef idx="0">
+              <a:schemeClr val="accent1"/>
+            </a:effectRef>
+            <a:fontRef idx="minor">
+              <a:schemeClr val="lt1"/>
+            </a:fontRef>
+          </p:style>
+          <p:txBody>
+            <a:bodyPr rtlCol="0" anchor="ctr"/>
+            <a:lstStyle/>
+            <a:p>
+              <a:pPr algn="ctr"/>
+              <a:endParaRPr lang="en-US"/>
+            </a:p>
+          </p:txBody>
+        </p:sp>
+        <p:sp>
+          <p:nvSpPr>
+            <p:cNvPr id="15" name="Oval 14"/>
+            <p:cNvSpPr/>
+            <p:nvPr/>
+          </p:nvSpPr>
+          <p:spPr>
+            <a:xfrm>
+              <a:off x="5740979" y="6023914"/>
+              <a:ext cx="83127" cy="83127"/>
+            </a:xfrm>
+            <a:prstGeom prst="ellipse">
+              <a:avLst/>
+            </a:prstGeom>
+            <a:solidFill>
+              <a:schemeClr val="tx1"/>
+            </a:solidFill>
+            <a:ln>
+              <a:solidFill>
+                <a:schemeClr val="tx1"/>
+              </a:solidFill>
+            </a:ln>
+          </p:spPr>
+          <p:style>
+            <a:lnRef idx="2">
+              <a:schemeClr val="accent1">
+                <a:shade val="50000"/>
+              </a:schemeClr>
+            </a:lnRef>
+            <a:fillRef idx="1">
+              <a:schemeClr val="accent1"/>
+            </a:fillRef>
+            <a:effectRef idx="0">
+              <a:schemeClr val="accent1"/>
+            </a:effectRef>
+            <a:fontRef idx="minor">
+              <a:schemeClr val="lt1"/>
+            </a:fontRef>
+          </p:style>
+          <p:txBody>
+            <a:bodyPr rtlCol="0" anchor="ctr"/>
+            <a:lstStyle/>
+            <a:p>
+              <a:pPr algn="ctr"/>
+              <a:endParaRPr lang="en-US"/>
+            </a:p>
+          </p:txBody>
+        </p:sp>
+        <p:sp>
+          <p:nvSpPr>
+            <p:cNvPr id="16" name="Oval 15"/>
+            <p:cNvSpPr/>
+            <p:nvPr/>
+          </p:nvSpPr>
+          <p:spPr>
+            <a:xfrm>
+              <a:off x="6059582" y="6023914"/>
+              <a:ext cx="83127" cy="83127"/>
+            </a:xfrm>
+            <a:prstGeom prst="ellipse">
+              <a:avLst/>
+            </a:prstGeom>
+            <a:solidFill>
+              <a:schemeClr val="tx1"/>
+            </a:solidFill>
+            <a:ln>
+              <a:solidFill>
+                <a:schemeClr val="tx1"/>
+              </a:solidFill>
+            </a:ln>
+          </p:spPr>
+          <p:style>
+            <a:lnRef idx="2">
+              <a:schemeClr val="accent1">
+                <a:shade val="50000"/>
+              </a:schemeClr>
+            </a:lnRef>
+            <a:fillRef idx="1">
+              <a:schemeClr val="accent1"/>
+            </a:fillRef>
+            <a:effectRef idx="0">
+              <a:schemeClr val="accent1"/>
+            </a:effectRef>
+            <a:fontRef idx="minor">
+              <a:schemeClr val="lt1"/>
+            </a:fontRef>
+          </p:style>
+          <p:txBody>
+            <a:bodyPr rtlCol="0" anchor="ctr"/>
+            <a:lstStyle/>
+            <a:p>
+              <a:pPr algn="ctr"/>
+              <a:endParaRPr lang="en-US"/>
+            </a:p>
+          </p:txBody>
+        </p:sp>
+        <p:sp>
+          <p:nvSpPr>
+            <p:cNvPr id="17" name="Oval 16"/>
+            <p:cNvSpPr/>
+            <p:nvPr/>
+          </p:nvSpPr>
+          <p:spPr>
+            <a:xfrm>
+              <a:off x="6357456" y="6023914"/>
+              <a:ext cx="83127" cy="83127"/>
+            </a:xfrm>
+            <a:prstGeom prst="ellipse">
+              <a:avLst/>
+            </a:prstGeom>
+            <a:solidFill>
+              <a:schemeClr val="tx1"/>
+            </a:solidFill>
+            <a:ln>
+              <a:solidFill>
+                <a:schemeClr val="tx1"/>
+              </a:solidFill>
+            </a:ln>
+          </p:spPr>
+          <p:style>
+            <a:lnRef idx="2">
+              <a:schemeClr val="accent1">
+                <a:shade val="50000"/>
+              </a:schemeClr>
+            </a:lnRef>
+            <a:fillRef idx="1">
+              <a:schemeClr val="accent1"/>
+            </a:fillRef>
+            <a:effectRef idx="0">
+              <a:schemeClr val="accent1"/>
+            </a:effectRef>
+            <a:fontRef idx="minor">
+              <a:schemeClr val="lt1"/>
+            </a:fontRef>
+          </p:style>
+          <p:txBody>
+            <a:bodyPr rtlCol="0" anchor="ctr"/>
+            <a:lstStyle/>
+            <a:p>
+              <a:pPr algn="ctr"/>
+              <a:endParaRPr lang="en-US"/>
+            </a:p>
+          </p:txBody>
+        </p:sp>
+        <p:sp>
+          <p:nvSpPr>
+            <p:cNvPr id="18" name="Oval 17"/>
+            <p:cNvSpPr/>
+            <p:nvPr/>
+          </p:nvSpPr>
+          <p:spPr>
+            <a:xfrm>
+              <a:off x="6651870" y="6023914"/>
+              <a:ext cx="83127" cy="83127"/>
+            </a:xfrm>
+            <a:prstGeom prst="ellipse">
+              <a:avLst/>
+            </a:prstGeom>
+            <a:solidFill>
+              <a:schemeClr val="tx1"/>
+            </a:solidFill>
+            <a:ln>
+              <a:solidFill>
+                <a:schemeClr val="tx1"/>
+              </a:solidFill>
+            </a:ln>
+          </p:spPr>
+          <p:style>
+            <a:lnRef idx="2">
+              <a:schemeClr val="accent1">
+                <a:shade val="50000"/>
+              </a:schemeClr>
+            </a:lnRef>
+            <a:fillRef idx="1">
+              <a:schemeClr val="accent1"/>
+            </a:fillRef>
+            <a:effectRef idx="0">
+              <a:schemeClr val="accent1"/>
+            </a:effectRef>
+            <a:fontRef idx="minor">
+              <a:schemeClr val="lt1"/>
+            </a:fontRef>
+          </p:style>
+          <p:txBody>
+            <a:bodyPr rtlCol="0" anchor="ctr"/>
+            <a:lstStyle/>
+            <a:p>
+              <a:pPr algn="ctr"/>
+              <a:endParaRPr lang="en-US"/>
+            </a:p>
+          </p:txBody>
+        </p:sp>
+        <p:sp>
+          <p:nvSpPr>
+            <p:cNvPr id="19" name="Oval 18"/>
+            <p:cNvSpPr/>
+            <p:nvPr/>
+          </p:nvSpPr>
+          <p:spPr>
+            <a:xfrm>
+              <a:off x="6971387" y="6023914"/>
+              <a:ext cx="83127" cy="83127"/>
+            </a:xfrm>
+            <a:prstGeom prst="ellipse">
+              <a:avLst/>
+            </a:prstGeom>
+            <a:solidFill>
+              <a:schemeClr val="tx1"/>
+            </a:solidFill>
+            <a:ln>
+              <a:solidFill>
+                <a:schemeClr val="tx1"/>
+              </a:solidFill>
+            </a:ln>
+          </p:spPr>
+          <p:style>
+            <a:lnRef idx="2">
+              <a:schemeClr val="accent1">
+                <a:shade val="50000"/>
+              </a:schemeClr>
+            </a:lnRef>
+            <a:fillRef idx="1">
+              <a:schemeClr val="accent1"/>
+            </a:fillRef>
+            <a:effectRef idx="0">
+              <a:schemeClr val="accent1"/>
+            </a:effectRef>
+            <a:fontRef idx="minor">
+              <a:schemeClr val="lt1"/>
+            </a:fontRef>
+          </p:style>
+          <p:txBody>
+            <a:bodyPr rtlCol="0" anchor="ctr"/>
+            <a:lstStyle/>
+            <a:p>
+              <a:pPr algn="ctr"/>
+              <a:endParaRPr lang="en-US"/>
+            </a:p>
+          </p:txBody>
+        </p:sp>
+      </p:grpSp>
+    </p:spTree>
+    <p:extLst>
+      <p:ext uri="{BB962C8B-B14F-4D97-AF65-F5344CB8AC3E}">
+        <p14:creationId xmlns:p14="http://schemas.microsoft.com/office/powerpoint/2010/main" val="4008751314"/>
+      </p:ext>
+    </p:extLst>
+  </p:cSld>
+  <p:clrMapOvr>
+    <a:masterClrMapping/>
+  </p:clrMapOvr>
+  <p:timing>
+    <p:tnLst>
+      <p:par>
+        <p:cTn id="1" dur="indefinite" restart="never" nodeType="tmRoot">
+          <p:childTnLst>
+            <p:seq concurrent="1" nextAc="seek">
+              <p:cTn id="2" dur="indefinite" nodeType="mainSeq">
+                <p:childTnLst>
+                  <p:par>
+                    <p:cTn id="3" fill="hold">
+                      <p:stCondLst>
+                        <p:cond delay="indefinite"/>
+                        <p:cond evt="onBegin" delay="0">
+                          <p:tn val="2"/>
+                        </p:cond>
+                      </p:stCondLst>
+                      <p:childTnLst>
+                        <p:par>
+                          <p:cTn id="4" fill="hold">
+                            <p:stCondLst>
+                              <p:cond delay="0"/>
+                            </p:stCondLst>
+                            <p:childTnLst>
+                              <p:par>
+                                <p:cTn id="5" presetID="1" presetClass="entr" presetSubtype="0" fill="hold" grpId="0" nodeType="withEffect">
+                                  <p:stCondLst>
+                                    <p:cond delay="0"/>
+                                  </p:stCondLst>
+                                  <p:childTnLst>
+                                    <p:set>
+                                      <p:cBhvr>
+                                        <p:cTn id="6" dur="1" fill="hold">
+                                          <p:stCondLst>
+                                            <p:cond delay="0"/>
+                                          </p:stCondLst>
+                                        </p:cTn>
+                                        <p:tgtEl>
+                                          <p:spTgt spid="3">
+                                            <p:txEl>
+                                              <p:pRg st="0" end="0"/>
+                                            </p:txEl>
+                                          </p:spTgt>
+                                        </p:tgtEl>
+                                        <p:attrNameLst>
+                                          <p:attrName>style.visibility</p:attrName>
+                                        </p:attrNameLst>
+                                      </p:cBhvr>
+                                      <p:to>
+                                        <p:strVal val="visible"/>
+                                      </p:to>
+                                    </p:set>
+                                  </p:childTnLst>
+                                </p:cTn>
+                              </p:par>
+                            </p:childTnLst>
+                          </p:cTn>
+                        </p:par>
+                      </p:childTnLst>
+                    </p:cTn>
+                  </p:par>
+                  <p:par>
+                    <p:cTn id="7" fill="hold">
+                      <p:stCondLst>
+                        <p:cond delay="indefinite"/>
+                      </p:stCondLst>
+                      <p:childTnLst>
+                        <p:par>
+                          <p:cTn id="8" fill="hold">
+                            <p:stCondLst>
+                              <p:cond delay="0"/>
+                            </p:stCondLst>
+                            <p:childTnLst>
+                              <p:par>
+                                <p:cTn id="9" presetID="1" presetClass="entr" presetSubtype="0" fill="hold" grpId="0" nodeType="clickEffect">
+                                  <p:stCondLst>
+                                    <p:cond delay="0"/>
+                                  </p:stCondLst>
+                                  <p:childTnLst>
+                                    <p:set>
+                                      <p:cBhvr>
+                                        <p:cTn id="10" dur="1" fill="hold">
+                                          <p:stCondLst>
+                                            <p:cond delay="0"/>
+                                          </p:stCondLst>
+                                        </p:cTn>
+                                        <p:tgtEl>
+                                          <p:spTgt spid="3">
+                                            <p:txEl>
+                                              <p:pRg st="1" end="1"/>
+                                            </p:txEl>
+                                          </p:spTgt>
+                                        </p:tgtEl>
+                                        <p:attrNameLst>
+                                          <p:attrName>style.visibility</p:attrName>
+                                        </p:attrNameLst>
+                                      </p:cBhvr>
+                                      <p:to>
+                                        <p:strVal val="visible"/>
+                                      </p:to>
+                                    </p:set>
+                                  </p:childTnLst>
+                                </p:cTn>
+                              </p:par>
+                            </p:childTnLst>
+                          </p:cTn>
+                        </p:par>
+                      </p:childTnLst>
+                    </p:cTn>
+                  </p:par>
+                  <p:par>
+                    <p:cTn id="11" fill="hold">
+                      <p:stCondLst>
+                        <p:cond delay="indefinite"/>
+                      </p:stCondLst>
+                      <p:childTnLst>
+                        <p:par>
+                          <p:cTn id="12" fill="hold">
+                            <p:stCondLst>
+                              <p:cond delay="0"/>
+                            </p:stCondLst>
+                            <p:childTnLst>
+                              <p:par>
+                                <p:cTn id="13" presetID="1" presetClass="entr" presetSubtype="0" fill="hold" grpId="0" nodeType="clickEffect">
+                                  <p:stCondLst>
+                                    <p:cond delay="0"/>
+                                  </p:stCondLst>
+                                  <p:childTnLst>
+                                    <p:set>
+                                      <p:cBhvr>
+                                        <p:cTn id="14" dur="1" fill="hold">
+                                          <p:stCondLst>
+                                            <p:cond delay="0"/>
+                                          </p:stCondLst>
+                                        </p:cTn>
+                                        <p:tgtEl>
+                                          <p:spTgt spid="3">
+                                            <p:txEl>
+                                              <p:pRg st="2" end="2"/>
+                                            </p:txEl>
+                                          </p:spTgt>
+                                        </p:tgtEl>
+                                        <p:attrNameLst>
+                                          <p:attrName>style.visibility</p:attrName>
+                                        </p:attrNameLst>
+                                      </p:cBhvr>
+                                      <p:to>
+                                        <p:strVal val="visible"/>
+                                      </p:to>
+                                    </p:set>
+                                  </p:childTnLst>
+                                </p:cTn>
+                              </p:par>
+                            </p:childTnLst>
+                          </p:cTn>
+                        </p:par>
+                      </p:childTnLst>
+                    </p:cTn>
+                  </p:par>
+                  <p:par>
+                    <p:cTn id="15" fill="hold">
+                      <p:stCondLst>
+                        <p:cond delay="indefinite"/>
+                      </p:stCondLst>
+                      <p:childTnLst>
+                        <p:par>
+                          <p:cTn id="16" fill="hold">
+                            <p:stCondLst>
+                              <p:cond delay="0"/>
+                            </p:stCondLst>
+                            <p:childTnLst>
+                              <p:par>
+                                <p:cTn id="17" presetID="1" presetClass="entr" presetSubtype="0" fill="hold" grpId="0" nodeType="clickEffect">
+                                  <p:stCondLst>
+                                    <p:cond delay="0"/>
+                                  </p:stCondLst>
+                                  <p:childTnLst>
+                                    <p:set>
+                                      <p:cBhvr>
+                                        <p:cTn id="18" dur="1" fill="hold">
+                                          <p:stCondLst>
+                                            <p:cond delay="0"/>
+                                          </p:stCondLst>
+                                        </p:cTn>
+                                        <p:tgtEl>
+                                          <p:spTgt spid="3">
+                                            <p:txEl>
+                                              <p:pRg st="3" end="3"/>
+                                            </p:txEl>
+                                          </p:spTgt>
+                                        </p:tgtEl>
+                                        <p:attrNameLst>
+                                          <p:attrName>style.visibility</p:attrName>
+                                        </p:attrNameLst>
+                                      </p:cBhvr>
+                                      <p:to>
+                                        <p:strVal val="visible"/>
+                                      </p:to>
+                                    </p:set>
+                                  </p:childTnLst>
+                                </p:cTn>
+                              </p:par>
+                            </p:childTnLst>
+                          </p:cTn>
+                        </p:par>
+                      </p:childTnLst>
+                    </p:cTn>
+                  </p:par>
+                  <p:par>
+                    <p:cTn id="19" fill="hold">
+                      <p:stCondLst>
+                        <p:cond delay="indefinite"/>
+                      </p:stCondLst>
+                      <p:childTnLst>
+                        <p:par>
+                          <p:cTn id="20" fill="hold">
+                            <p:stCondLst>
+                              <p:cond delay="0"/>
+                            </p:stCondLst>
+                            <p:childTnLst>
+                              <p:par>
+                                <p:cTn id="21" presetID="1" presetClass="entr" presetSubtype="0" fill="hold" grpId="0" nodeType="clickEffect">
+                                  <p:stCondLst>
+                                    <p:cond delay="0"/>
+                                  </p:stCondLst>
+                                  <p:childTnLst>
+                                    <p:set>
+                                      <p:cBhvr>
+                                        <p:cTn id="22" dur="1" fill="hold">
+                                          <p:stCondLst>
+                                            <p:cond delay="0"/>
+                                          </p:stCondLst>
+                                        </p:cTn>
+                                        <p:tgtEl>
+                                          <p:spTgt spid="3">
+                                            <p:txEl>
+                                              <p:pRg st="4" end="4"/>
+                                            </p:txEl>
+                                          </p:spTgt>
+                                        </p:tgtEl>
+                                        <p:attrNameLst>
+                                          <p:attrName>style.visibility</p:attrName>
+                                        </p:attrNameLst>
+                                      </p:cBhvr>
+                                      <p:to>
+                                        <p:strVal val="visible"/>
+                                      </p:to>
+                                    </p:set>
+                                  </p:childTnLst>
+                                </p:cTn>
+                              </p:par>
+                            </p:childTnLst>
+                          </p:cTn>
+                        </p:par>
+                      </p:childTnLst>
+                    </p:cTn>
+                  </p:par>
+                  <p:par>
+                    <p:cTn id="23" fill="hold">
+                      <p:stCondLst>
+                        <p:cond delay="indefinite"/>
+                      </p:stCondLst>
+                      <p:childTnLst>
+                        <p:par>
+                          <p:cTn id="24" fill="hold">
+                            <p:stCondLst>
+                              <p:cond delay="0"/>
+                            </p:stCondLst>
+                            <p:childTnLst>
+                              <p:par>
+                                <p:cTn id="25" presetID="1" presetClass="entr" presetSubtype="0" fill="hold" grpId="0" nodeType="clickEffect">
+                                  <p:stCondLst>
+                                    <p:cond delay="0"/>
+                                  </p:stCondLst>
+                                  <p:childTnLst>
+                                    <p:set>
+                                      <p:cBhvr>
+                                        <p:cTn id="26" dur="1" fill="hold">
+                                          <p:stCondLst>
+                                            <p:cond delay="0"/>
+                                          </p:stCondLst>
+                                        </p:cTn>
+                                        <p:tgtEl>
+                                          <p:spTgt spid="3">
+                                            <p:txEl>
+                                              <p:pRg st="5" end="5"/>
+                                            </p:txEl>
+                                          </p:spTgt>
+                                        </p:tgtEl>
+                                        <p:attrNameLst>
+                                          <p:attrName>style.visibility</p:attrName>
+                                        </p:attrNameLst>
+                                      </p:cBhvr>
+                                      <p:to>
+                                        <p:strVal val="visible"/>
+                                      </p:to>
+                                    </p:set>
+                                  </p:childTnLst>
+                                </p:cTn>
+                              </p:par>
+                            </p:childTnLst>
+                          </p:cTn>
+                        </p:par>
+                      </p:childTnLst>
+                    </p:cTn>
+                  </p:par>
+                  <p:par>
+                    <p:cTn id="27" fill="hold">
+                      <p:stCondLst>
+                        <p:cond delay="indefinite"/>
+                      </p:stCondLst>
+                      <p:childTnLst>
+                        <p:par>
+                          <p:cTn id="28" fill="hold">
+                            <p:stCondLst>
+                              <p:cond delay="0"/>
+                            </p:stCondLst>
+                            <p:childTnLst>
+                              <p:par>
+                                <p:cTn id="29" presetID="1" presetClass="entr" presetSubtype="0" fill="hold" grpId="0" nodeType="clickEffect">
+                                  <p:stCondLst>
+                                    <p:cond delay="0"/>
+                                  </p:stCondLst>
+                                  <p:childTnLst>
+                                    <p:set>
+                                      <p:cBhvr>
+                                        <p:cTn id="30" dur="1" fill="hold">
+                                          <p:stCondLst>
+                                            <p:cond delay="0"/>
+                                          </p:stCondLst>
+                                        </p:cTn>
+                                        <p:tgtEl>
+                                          <p:spTgt spid="3">
+                                            <p:txEl>
+                                              <p:pRg st="6" end="6"/>
+                                            </p:txEl>
+                                          </p:spTgt>
+                                        </p:tgtEl>
+                                        <p:attrNameLst>
+                                          <p:attrName>style.visibility</p:attrName>
+                                        </p:attrNameLst>
+                                      </p:cBhvr>
+                                      <p:to>
+                                        <p:strVal val="visible"/>
+                                      </p:to>
+                                    </p:set>
+                                  </p:childTnLst>
+                                </p:cTn>
+                              </p:par>
+                            </p:childTnLst>
+                          </p:cTn>
+                        </p:par>
+                      </p:childTnLst>
+                    </p:cTn>
+                  </p:par>
+                  <p:par>
+                    <p:cTn id="31" fill="hold">
+                      <p:stCondLst>
+                        <p:cond delay="indefinite"/>
+                      </p:stCondLst>
+                      <p:childTnLst>
+                        <p:par>
+                          <p:cTn id="32" fill="hold">
+                            <p:stCondLst>
+                              <p:cond delay="0"/>
+                            </p:stCondLst>
+                            <p:childTnLst>
+                              <p:par>
+                                <p:cTn id="33" presetID="1" presetClass="entr" presetSubtype="0" fill="hold" grpId="0" nodeType="clickEffect">
+                                  <p:stCondLst>
+                                    <p:cond delay="0"/>
+                                  </p:stCondLst>
+                                  <p:childTnLst>
+                                    <p:set>
+                                      <p:cBhvr>
+                                        <p:cTn id="34" dur="1" fill="hold">
+                                          <p:stCondLst>
+                                            <p:cond delay="0"/>
+                                          </p:stCondLst>
+                                        </p:cTn>
+                                        <p:tgtEl>
+                                          <p:spTgt spid="3">
+                                            <p:txEl>
+                                              <p:pRg st="7" end="7"/>
+                                            </p:txEl>
+                                          </p:spTgt>
+                                        </p:tgtEl>
+                                        <p:attrNameLst>
+                                          <p:attrName>style.visibility</p:attrName>
+                                        </p:attrNameLst>
+                                      </p:cBhvr>
+                                      <p:to>
+                                        <p:strVal val="visible"/>
+                                      </p:to>
+                                    </p:set>
+                                  </p:childTnLst>
+                                </p:cTn>
+                              </p:par>
+                            </p:childTnLst>
+                          </p:cTn>
+                        </p:par>
+                      </p:childTnLst>
+                    </p:cTn>
+                  </p:par>
+                  <p:par>
+                    <p:cTn id="35" fill="hold">
+                      <p:stCondLst>
+                        <p:cond delay="indefinite"/>
+                      </p:stCondLst>
+                      <p:childTnLst>
+                        <p:par>
+                          <p:cTn id="36" fill="hold">
+                            <p:stCondLst>
+                              <p:cond delay="0"/>
+                            </p:stCondLst>
+                            <p:childTnLst>
+                              <p:par>
+                                <p:cTn id="37" presetID="1" presetClass="entr" presetSubtype="0" fill="hold" nodeType="clickEffect">
+                                  <p:stCondLst>
+                                    <p:cond delay="0"/>
+                                  </p:stCondLst>
+                                  <p:childTnLst>
+                                    <p:set>
+                                      <p:cBhvr>
+                                        <p:cTn id="38" dur="1" fill="hold">
+                                          <p:stCondLst>
+                                            <p:cond delay="0"/>
+                                          </p:stCondLst>
+                                        </p:cTn>
+                                        <p:tgtEl>
+                                          <p:spTgt spid="6"/>
+                                        </p:tgtEl>
+                                        <p:attrNameLst>
+                                          <p:attrName>style.visibility</p:attrName>
+                                        </p:attrNameLst>
+                                      </p:cBhvr>
+                                      <p:to>
+                                        <p:strVal val="visible"/>
+                                      </p:to>
+                                    </p:set>
+                                  </p:childTnLst>
+                                </p:cTn>
+                              </p:par>
+                            </p:childTnLst>
+                          </p:cTn>
+                        </p:par>
+                      </p:childTnLst>
+                    </p:cTn>
+                  </p:par>
+                  <p:par>
+                    <p:cTn id="39" fill="hold">
+                      <p:stCondLst>
+                        <p:cond delay="indefinite"/>
+                      </p:stCondLst>
+                      <p:childTnLst>
+                        <p:par>
+                          <p:cTn id="40" fill="hold">
+                            <p:stCondLst>
+                              <p:cond delay="0"/>
+                            </p:stCondLst>
+                            <p:childTnLst>
+                              <p:par>
+                                <p:cTn id="41" presetID="1" presetClass="entr" presetSubtype="0" fill="hold" grpId="0" nodeType="clickEffect">
+                                  <p:stCondLst>
+                                    <p:cond delay="0"/>
+                                  </p:stCondLst>
+                                  <p:childTnLst>
+                                    <p:set>
+                                      <p:cBhvr>
+                                        <p:cTn id="42" dur="1" fill="hold">
+                                          <p:stCondLst>
+                                            <p:cond delay="0"/>
+                                          </p:stCondLst>
+                                        </p:cTn>
+                                        <p:tgtEl>
+                                          <p:spTgt spid="3">
+                                            <p:txEl>
+                                              <p:pRg st="8" end="8"/>
+                                            </p:txEl>
+                                          </p:spTgt>
+                                        </p:tgtEl>
+                                        <p:attrNameLst>
+                                          <p:attrName>style.visibility</p:attrName>
+                                        </p:attrNameLst>
+                                      </p:cBhvr>
+                                      <p:to>
+                                        <p:strVal val="visible"/>
+                                      </p:to>
+                                    </p:set>
+                                  </p:childTnLst>
+                                </p:cTn>
+                              </p:par>
+                            </p:childTnLst>
+                          </p:cTn>
+                        </p:par>
+                      </p:childTnLst>
+                    </p:cTn>
+                  </p:par>
+                </p:childTnLst>
+              </p:cTn>
+              <p:prevCondLst>
+                <p:cond evt="onPrev" delay="0">
+                  <p:tgtEl>
+                    <p:sldTgt/>
+                  </p:tgtEl>
+                </p:cond>
+              </p:prevCondLst>
+              <p:nextCondLst>
+                <p:cond evt="onNext" delay="0">
+                  <p:tgtEl>
+                    <p:sldTgt/>
+                  </p:tgtEl>
+                </p:cond>
+              </p:nextCondLst>
+            </p:seq>
+          </p:childTnLst>
+        </p:cTn>
+      </p:par>
+    </p:tnLst>
+    <p:bldLst>
+      <p:bldP spid="3" grpId="0" build="p" bldLvl="2"/>
+    </p:bldLst>
+  </p:timing>
+</p:sld>
+</file>
+
+<file path=ppt/slides/slide13.xml><?xml version="1.0" encoding="utf-8"?>
+<p:sld xmlns:a="http://schemas.openxmlformats.org/drawingml/2006/main" xmlns:r="http://schemas.openxmlformats.org/officeDocument/2006/relationships" xmlns:p="http://schemas.openxmlformats.org/presentationml/2006/main">
+  <p:cSld>
+    <p:spTree>
+      <p:nvGrpSpPr>
+        <p:cNvPr id="1" name=""/>
+        <p:cNvGrpSpPr/>
+        <p:nvPr/>
+      </p:nvGrpSpPr>
+      <p:grpSpPr>
+        <a:xfrm>
+          <a:off x="0" y="0"/>
+          <a:ext cx="0" cy="0"/>
+          <a:chOff x="0" y="0"/>
+          <a:chExt cx="0" cy="0"/>
+        </a:xfrm>
+      </p:grpSpPr>
+      <p:sp>
+        <p:nvSpPr>
+          <p:cNvPr id="2" name="Title 1"/>
+          <p:cNvSpPr>
+            <a:spLocks noGrp="1"/>
+          </p:cNvSpPr>
+          <p:nvPr>
+            <p:ph type="title"/>
+          </p:nvPr>
+        </p:nvSpPr>
+        <p:spPr/>
+        <p:txBody>
+          <a:bodyPr/>
+          <a:lstStyle/>
+          <a:p>
+            <a:r>
+              <a:rPr lang="en-US" dirty="0" smtClean="0"/>
+              <a:t>Vector examples</a:t>
+            </a:r>
+            <a:endParaRPr lang="en-US" dirty="0"/>
+          </a:p>
+        </p:txBody>
+      </p:sp>
+      <p:sp>
+        <p:nvSpPr>
+          <p:cNvPr id="4" name="Slide Number Placeholder 3"/>
+          <p:cNvSpPr>
+            <a:spLocks noGrp="1"/>
+          </p:cNvSpPr>
+          <p:nvPr>
+            <p:ph type="sldNum" sz="quarter" idx="12"/>
+          </p:nvPr>
+        </p:nvSpPr>
+        <p:spPr/>
+        <p:txBody>
+          <a:bodyPr/>
+          <a:lstStyle/>
+          <a:p>
+            <a:fld id="{11AD1F4E-1E51-402E-B221-310F004E7D3B}" type="slidenum">
+              <a:rPr lang="en-US" smtClean="0"/>
+              <a:t>13</a:t>
+            </a:fld>
+            <a:endParaRPr lang="en-US"/>
+          </a:p>
+        </p:txBody>
+      </p:sp>
+      <p:sp>
+        <p:nvSpPr>
+          <p:cNvPr id="7" name="TextBox 6"/>
+          <p:cNvSpPr txBox="1"/>
+          <p:nvPr/>
+        </p:nvSpPr>
+        <p:spPr>
+          <a:xfrm>
+            <a:off x="628649" y="1953400"/>
+            <a:ext cx="6260523" cy="3693319"/>
+          </a:xfrm>
+          <a:prstGeom prst="rect">
+            <a:avLst/>
+          </a:prstGeom>
+          <a:solidFill>
+            <a:schemeClr val="bg1">
+              <a:lumMod val="75000"/>
+            </a:schemeClr>
+          </a:solidFill>
+          <a:ln>
+            <a:solidFill>
+              <a:schemeClr val="tx1"/>
+            </a:solidFill>
+          </a:ln>
+        </p:spPr>
+        <p:txBody>
+          <a:bodyPr wrap="square" rtlCol="0">
+            <a:spAutoFit/>
+          </a:bodyPr>
+          <a:lstStyle/>
+          <a:p>
+            <a:r>
+              <a:rPr lang="en-US" dirty="0" smtClean="0">
+                <a:latin typeface="Courier New" panose="02070309020205020404" pitchFamily="49" charset="0"/>
+                <a:cs typeface="Courier New" panose="02070309020205020404" pitchFamily="49" charset="0"/>
+              </a:rPr>
+              <a:t>#include &lt;vector&gt;</a:t>
+            </a:r>
+          </a:p>
+          <a:p>
+            <a:r>
+              <a:rPr lang="en-US" dirty="0" smtClean="0">
+                <a:latin typeface="Courier New" panose="02070309020205020404" pitchFamily="49" charset="0"/>
+                <a:cs typeface="Courier New" panose="02070309020205020404" pitchFamily="49" charset="0"/>
+              </a:rPr>
+              <a:t>…</a:t>
+            </a:r>
+          </a:p>
+          <a:p>
+            <a:r>
+              <a:rPr lang="en-US" dirty="0" err="1" smtClean="0">
+                <a:latin typeface="Courier New" panose="02070309020205020404" pitchFamily="49" charset="0"/>
+                <a:cs typeface="Courier New" panose="02070309020205020404" pitchFamily="49" charset="0"/>
+              </a:rPr>
+              <a:t>std</a:t>
+            </a:r>
+            <a:r>
+              <a:rPr lang="en-US" dirty="0">
+                <a:latin typeface="Courier New" panose="02070309020205020404" pitchFamily="49" charset="0"/>
+                <a:cs typeface="Courier New" panose="02070309020205020404" pitchFamily="49" charset="0"/>
+              </a:rPr>
+              <a:t>::vector&lt;</a:t>
+            </a:r>
+            <a:r>
+              <a:rPr lang="en-US" dirty="0" err="1">
+                <a:latin typeface="Courier New" panose="02070309020205020404" pitchFamily="49" charset="0"/>
+                <a:cs typeface="Courier New" panose="02070309020205020404" pitchFamily="49" charset="0"/>
+              </a:rPr>
+              <a:t>int</a:t>
+            </a:r>
+            <a:r>
+              <a:rPr lang="en-US" dirty="0">
+                <a:latin typeface="Courier New" panose="02070309020205020404" pitchFamily="49" charset="0"/>
+                <a:cs typeface="Courier New" panose="02070309020205020404" pitchFamily="49" charset="0"/>
+              </a:rPr>
+              <a:t>&gt; v1;</a:t>
+            </a:r>
+          </a:p>
+          <a:p>
+            <a:r>
+              <a:rPr lang="en-US" dirty="0" smtClean="0">
+                <a:latin typeface="Courier New" panose="02070309020205020404" pitchFamily="49" charset="0"/>
+                <a:cs typeface="Courier New" panose="02070309020205020404" pitchFamily="49" charset="0"/>
+              </a:rPr>
+              <a:t>for </a:t>
+            </a:r>
+            <a:r>
+              <a:rPr lang="en-US" dirty="0">
+                <a:latin typeface="Courier New" panose="02070309020205020404" pitchFamily="49" charset="0"/>
+                <a:cs typeface="Courier New" panose="02070309020205020404" pitchFamily="49" charset="0"/>
+              </a:rPr>
+              <a:t>(</a:t>
+            </a:r>
+            <a:r>
+              <a:rPr lang="en-US" dirty="0" err="1">
+                <a:latin typeface="Courier New" panose="02070309020205020404" pitchFamily="49" charset="0"/>
+                <a:cs typeface="Courier New" panose="02070309020205020404" pitchFamily="49" charset="0"/>
+              </a:rPr>
+              <a:t>int</a:t>
+            </a:r>
+            <a:r>
+              <a:rPr lang="en-US" dirty="0">
+                <a:latin typeface="Courier New" panose="02070309020205020404" pitchFamily="49" charset="0"/>
+                <a:cs typeface="Courier New" panose="02070309020205020404" pitchFamily="49" charset="0"/>
+              </a:rPr>
+              <a:t> </a:t>
+            </a:r>
+            <a:r>
+              <a:rPr lang="en-US" dirty="0" err="1">
+                <a:latin typeface="Courier New" panose="02070309020205020404" pitchFamily="49" charset="0"/>
+                <a:cs typeface="Courier New" panose="02070309020205020404" pitchFamily="49" charset="0"/>
+              </a:rPr>
+              <a:t>i</a:t>
+            </a:r>
+            <a:r>
+              <a:rPr lang="en-US" dirty="0">
+                <a:latin typeface="Courier New" panose="02070309020205020404" pitchFamily="49" charset="0"/>
+                <a:cs typeface="Courier New" panose="02070309020205020404" pitchFamily="49" charset="0"/>
+              </a:rPr>
+              <a:t> = 0; </a:t>
+            </a:r>
+            <a:r>
+              <a:rPr lang="en-US" dirty="0" err="1">
+                <a:latin typeface="Courier New" panose="02070309020205020404" pitchFamily="49" charset="0"/>
+                <a:cs typeface="Courier New" panose="02070309020205020404" pitchFamily="49" charset="0"/>
+              </a:rPr>
+              <a:t>i</a:t>
+            </a:r>
+            <a:r>
+              <a:rPr lang="en-US" dirty="0">
+                <a:latin typeface="Courier New" panose="02070309020205020404" pitchFamily="49" charset="0"/>
+                <a:cs typeface="Courier New" panose="02070309020205020404" pitchFamily="49" charset="0"/>
+              </a:rPr>
+              <a:t> &lt; </a:t>
+            </a:r>
+            <a:r>
+              <a:rPr lang="en-US" dirty="0" smtClean="0">
+                <a:latin typeface="Courier New" panose="02070309020205020404" pitchFamily="49" charset="0"/>
+                <a:cs typeface="Courier New" panose="02070309020205020404" pitchFamily="49" charset="0"/>
+              </a:rPr>
+              <a:t>5; </a:t>
+            </a:r>
+            <a:r>
+              <a:rPr lang="en-US" dirty="0" err="1">
+                <a:latin typeface="Courier New" panose="02070309020205020404" pitchFamily="49" charset="0"/>
+                <a:cs typeface="Courier New" panose="02070309020205020404" pitchFamily="49" charset="0"/>
+              </a:rPr>
+              <a:t>i</a:t>
+            </a:r>
+            <a:r>
+              <a:rPr lang="en-US" dirty="0">
+                <a:latin typeface="Courier New" panose="02070309020205020404" pitchFamily="49" charset="0"/>
+                <a:cs typeface="Courier New" panose="02070309020205020404" pitchFamily="49" charset="0"/>
+              </a:rPr>
+              <a:t>++) {</a:t>
+            </a:r>
+          </a:p>
+          <a:p>
+            <a:r>
+              <a:rPr lang="en-US" dirty="0" smtClean="0">
+                <a:latin typeface="Courier New" panose="02070309020205020404" pitchFamily="49" charset="0"/>
+                <a:cs typeface="Courier New" panose="02070309020205020404" pitchFamily="49" charset="0"/>
+              </a:rPr>
+              <a:t>    </a:t>
+            </a:r>
+            <a:r>
+              <a:rPr lang="en-US" dirty="0">
+                <a:latin typeface="Courier New" panose="02070309020205020404" pitchFamily="49" charset="0"/>
+                <a:cs typeface="Courier New" panose="02070309020205020404" pitchFamily="49" charset="0"/>
+              </a:rPr>
+              <a:t>v1.push_back(2*</a:t>
+            </a:r>
+            <a:r>
+              <a:rPr lang="en-US" dirty="0" err="1">
+                <a:latin typeface="Courier New" panose="02070309020205020404" pitchFamily="49" charset="0"/>
+                <a:cs typeface="Courier New" panose="02070309020205020404" pitchFamily="49" charset="0"/>
+              </a:rPr>
+              <a:t>i</a:t>
+            </a:r>
+            <a:r>
+              <a:rPr lang="en-US" dirty="0">
+                <a:latin typeface="Courier New" panose="02070309020205020404" pitchFamily="49" charset="0"/>
+                <a:cs typeface="Courier New" panose="02070309020205020404" pitchFamily="49" charset="0"/>
+              </a:rPr>
+              <a:t>);</a:t>
+            </a:r>
+          </a:p>
+          <a:p>
+            <a:r>
+              <a:rPr lang="en-US" dirty="0" smtClean="0">
+                <a:latin typeface="Courier New" panose="02070309020205020404" pitchFamily="49" charset="0"/>
+                <a:cs typeface="Courier New" panose="02070309020205020404" pitchFamily="49" charset="0"/>
+              </a:rPr>
+              <a:t>}</a:t>
+            </a:r>
+            <a:endParaRPr lang="en-US" dirty="0">
+              <a:latin typeface="Courier New" panose="02070309020205020404" pitchFamily="49" charset="0"/>
+              <a:cs typeface="Courier New" panose="02070309020205020404" pitchFamily="49" charset="0"/>
+            </a:endParaRPr>
+          </a:p>
+          <a:p>
+            <a:r>
+              <a:rPr lang="en-US" dirty="0" err="1" smtClean="0">
+                <a:latin typeface="Courier New" panose="02070309020205020404" pitchFamily="49" charset="0"/>
+                <a:cs typeface="Courier New" panose="02070309020205020404" pitchFamily="49" charset="0"/>
+              </a:rPr>
+              <a:t>std</a:t>
+            </a:r>
+            <a:r>
+              <a:rPr lang="en-US" dirty="0">
+                <a:latin typeface="Courier New" panose="02070309020205020404" pitchFamily="49" charset="0"/>
+                <a:cs typeface="Courier New" panose="02070309020205020404" pitchFamily="49" charset="0"/>
+              </a:rPr>
+              <a:t>::vector&lt;</a:t>
+            </a:r>
+            <a:r>
+              <a:rPr lang="en-US" dirty="0" err="1">
+                <a:latin typeface="Courier New" panose="02070309020205020404" pitchFamily="49" charset="0"/>
+                <a:cs typeface="Courier New" panose="02070309020205020404" pitchFamily="49" charset="0"/>
+              </a:rPr>
+              <a:t>int</a:t>
+            </a:r>
+            <a:r>
+              <a:rPr lang="en-US" dirty="0">
+                <a:latin typeface="Courier New" panose="02070309020205020404" pitchFamily="49" charset="0"/>
+                <a:cs typeface="Courier New" panose="02070309020205020404" pitchFamily="49" charset="0"/>
+              </a:rPr>
+              <a:t>&gt; v2(v1.size());</a:t>
+            </a:r>
+          </a:p>
+          <a:p>
+            <a:r>
+              <a:rPr lang="en-US" dirty="0" smtClean="0">
+                <a:latin typeface="Courier New" panose="02070309020205020404" pitchFamily="49" charset="0"/>
+                <a:cs typeface="Courier New" panose="02070309020205020404" pitchFamily="49" charset="0"/>
+              </a:rPr>
+              <a:t>for </a:t>
+            </a:r>
+            <a:r>
+              <a:rPr lang="en-US" dirty="0">
+                <a:latin typeface="Courier New" panose="02070309020205020404" pitchFamily="49" charset="0"/>
+                <a:cs typeface="Courier New" panose="02070309020205020404" pitchFamily="49" charset="0"/>
+              </a:rPr>
+              <a:t>(unsigned </a:t>
+            </a:r>
+            <a:r>
+              <a:rPr lang="en-US" dirty="0" err="1">
+                <a:latin typeface="Courier New" panose="02070309020205020404" pitchFamily="49" charset="0"/>
+                <a:cs typeface="Courier New" panose="02070309020205020404" pitchFamily="49" charset="0"/>
+              </a:rPr>
+              <a:t>i</a:t>
+            </a:r>
+            <a:r>
+              <a:rPr lang="en-US" dirty="0">
+                <a:latin typeface="Courier New" panose="02070309020205020404" pitchFamily="49" charset="0"/>
+                <a:cs typeface="Courier New" panose="02070309020205020404" pitchFamily="49" charset="0"/>
+              </a:rPr>
+              <a:t> = 0; </a:t>
+            </a:r>
+            <a:r>
+              <a:rPr lang="en-US" dirty="0" err="1">
+                <a:latin typeface="Courier New" panose="02070309020205020404" pitchFamily="49" charset="0"/>
+                <a:cs typeface="Courier New" panose="02070309020205020404" pitchFamily="49" charset="0"/>
+              </a:rPr>
+              <a:t>i</a:t>
+            </a:r>
+            <a:r>
+              <a:rPr lang="en-US" dirty="0">
+                <a:latin typeface="Courier New" panose="02070309020205020404" pitchFamily="49" charset="0"/>
+                <a:cs typeface="Courier New" panose="02070309020205020404" pitchFamily="49" charset="0"/>
+              </a:rPr>
+              <a:t> &lt; v1.size(); </a:t>
+            </a:r>
+            <a:r>
+              <a:rPr lang="en-US" dirty="0" err="1">
+                <a:latin typeface="Courier New" panose="02070309020205020404" pitchFamily="49" charset="0"/>
+                <a:cs typeface="Courier New" panose="02070309020205020404" pitchFamily="49" charset="0"/>
+              </a:rPr>
+              <a:t>i</a:t>
+            </a:r>
+            <a:r>
+              <a:rPr lang="en-US" dirty="0">
+                <a:latin typeface="Courier New" panose="02070309020205020404" pitchFamily="49" charset="0"/>
+                <a:cs typeface="Courier New" panose="02070309020205020404" pitchFamily="49" charset="0"/>
+              </a:rPr>
+              <a:t>++) {</a:t>
+            </a:r>
+          </a:p>
+          <a:p>
+            <a:r>
+              <a:rPr lang="en-US" dirty="0" smtClean="0">
+                <a:latin typeface="Courier New" panose="02070309020205020404" pitchFamily="49" charset="0"/>
+                <a:cs typeface="Courier New" panose="02070309020205020404" pitchFamily="49" charset="0"/>
+              </a:rPr>
+              <a:t>    </a:t>
+            </a:r>
+            <a:r>
+              <a:rPr lang="en-US" dirty="0">
+                <a:latin typeface="Courier New" panose="02070309020205020404" pitchFamily="49" charset="0"/>
+                <a:cs typeface="Courier New" panose="02070309020205020404" pitchFamily="49" charset="0"/>
+              </a:rPr>
+              <a:t>v2[</a:t>
+            </a:r>
+            <a:r>
+              <a:rPr lang="en-US" dirty="0" err="1">
+                <a:latin typeface="Courier New" panose="02070309020205020404" pitchFamily="49" charset="0"/>
+                <a:cs typeface="Courier New" panose="02070309020205020404" pitchFamily="49" charset="0"/>
+              </a:rPr>
+              <a:t>i</a:t>
+            </a:r>
+            <a:r>
+              <a:rPr lang="en-US" dirty="0">
+                <a:latin typeface="Courier New" panose="02070309020205020404" pitchFamily="49" charset="0"/>
+                <a:cs typeface="Courier New" panose="02070309020205020404" pitchFamily="49" charset="0"/>
+              </a:rPr>
+              <a:t>] = v1[</a:t>
+            </a:r>
+            <a:r>
+              <a:rPr lang="en-US" dirty="0" err="1">
+                <a:latin typeface="Courier New" panose="02070309020205020404" pitchFamily="49" charset="0"/>
+                <a:cs typeface="Courier New" panose="02070309020205020404" pitchFamily="49" charset="0"/>
+              </a:rPr>
+              <a:t>i</a:t>
+            </a:r>
+            <a:r>
+              <a:rPr lang="en-US" dirty="0">
+                <a:latin typeface="Courier New" panose="02070309020205020404" pitchFamily="49" charset="0"/>
+                <a:cs typeface="Courier New" panose="02070309020205020404" pitchFamily="49" charset="0"/>
+              </a:rPr>
+              <a:t>]*v1[</a:t>
+            </a:r>
+            <a:r>
+              <a:rPr lang="en-US" dirty="0" err="1">
+                <a:latin typeface="Courier New" panose="02070309020205020404" pitchFamily="49" charset="0"/>
+                <a:cs typeface="Courier New" panose="02070309020205020404" pitchFamily="49" charset="0"/>
+              </a:rPr>
+              <a:t>i</a:t>
+            </a:r>
+            <a:r>
+              <a:rPr lang="en-US" dirty="0">
+                <a:latin typeface="Courier New" panose="02070309020205020404" pitchFamily="49" charset="0"/>
+                <a:cs typeface="Courier New" panose="02070309020205020404" pitchFamily="49" charset="0"/>
+              </a:rPr>
+              <a:t>];</a:t>
+            </a:r>
+          </a:p>
+          <a:p>
+            <a:r>
+              <a:rPr lang="en-US" dirty="0" smtClean="0">
+                <a:latin typeface="Courier New" panose="02070309020205020404" pitchFamily="49" charset="0"/>
+                <a:cs typeface="Courier New" panose="02070309020205020404" pitchFamily="49" charset="0"/>
+              </a:rPr>
+              <a:t>}</a:t>
+            </a:r>
+          </a:p>
+          <a:p>
+            <a:r>
+              <a:rPr lang="en-US" dirty="0" smtClean="0">
+                <a:latin typeface="Courier New" panose="02070309020205020404" pitchFamily="49" charset="0"/>
+                <a:cs typeface="Courier New" panose="02070309020205020404" pitchFamily="49" charset="0"/>
+              </a:rPr>
+              <a:t>for (</a:t>
+            </a:r>
+            <a:r>
+              <a:rPr lang="en-US" dirty="0" err="1" smtClean="0">
+                <a:latin typeface="Courier New" panose="02070309020205020404" pitchFamily="49" charset="0"/>
+                <a:cs typeface="Courier New" panose="02070309020205020404" pitchFamily="49" charset="0"/>
+              </a:rPr>
+              <a:t>int</a:t>
+            </a:r>
+            <a:r>
+              <a:rPr lang="en-US" dirty="0" smtClean="0">
+                <a:latin typeface="Courier New" panose="02070309020205020404" pitchFamily="49" charset="0"/>
+                <a:cs typeface="Courier New" panose="02070309020205020404" pitchFamily="49" charset="0"/>
+              </a:rPr>
+              <a:t> value: v2) {</a:t>
+            </a:r>
+          </a:p>
+          <a:p>
+            <a:r>
+              <a:rPr lang="en-US" dirty="0">
+                <a:latin typeface="Courier New" panose="02070309020205020404" pitchFamily="49" charset="0"/>
+                <a:cs typeface="Courier New" panose="02070309020205020404" pitchFamily="49" charset="0"/>
+              </a:rPr>
+              <a:t> </a:t>
+            </a:r>
+            <a:r>
+              <a:rPr lang="en-US" dirty="0" smtClean="0">
+                <a:latin typeface="Courier New" panose="02070309020205020404" pitchFamily="49" charset="0"/>
+                <a:cs typeface="Courier New" panose="02070309020205020404" pitchFamily="49" charset="0"/>
+              </a:rPr>
+              <a:t>   </a:t>
+            </a:r>
+            <a:r>
+              <a:rPr lang="en-US" dirty="0" err="1" smtClean="0">
+                <a:latin typeface="Courier New" panose="02070309020205020404" pitchFamily="49" charset="0"/>
+                <a:cs typeface="Courier New" panose="02070309020205020404" pitchFamily="49" charset="0"/>
+              </a:rPr>
+              <a:t>std</a:t>
+            </a:r>
+            <a:r>
+              <a:rPr lang="en-US" dirty="0" smtClean="0">
+                <a:latin typeface="Courier New" panose="02070309020205020404" pitchFamily="49" charset="0"/>
+                <a:cs typeface="Courier New" panose="02070309020205020404" pitchFamily="49" charset="0"/>
+              </a:rPr>
+              <a:t>::</a:t>
+            </a:r>
+            <a:r>
+              <a:rPr lang="en-US" dirty="0" err="1" smtClean="0">
+                <a:latin typeface="Courier New" panose="02070309020205020404" pitchFamily="49" charset="0"/>
+                <a:cs typeface="Courier New" panose="02070309020205020404" pitchFamily="49" charset="0"/>
+              </a:rPr>
+              <a:t>cout</a:t>
+            </a:r>
+            <a:r>
+              <a:rPr lang="en-US" dirty="0" smtClean="0">
+                <a:latin typeface="Courier New" panose="02070309020205020404" pitchFamily="49" charset="0"/>
+                <a:cs typeface="Courier New" panose="02070309020205020404" pitchFamily="49" charset="0"/>
+              </a:rPr>
+              <a:t> &lt;&lt; value &lt;&lt; </a:t>
+            </a:r>
+            <a:r>
+              <a:rPr lang="en-US" dirty="0" err="1" smtClean="0">
+                <a:latin typeface="Courier New" panose="02070309020205020404" pitchFamily="49" charset="0"/>
+                <a:cs typeface="Courier New" panose="02070309020205020404" pitchFamily="49" charset="0"/>
+              </a:rPr>
+              <a:t>std</a:t>
+            </a:r>
+            <a:r>
+              <a:rPr lang="en-US" dirty="0" smtClean="0">
+                <a:latin typeface="Courier New" panose="02070309020205020404" pitchFamily="49" charset="0"/>
+                <a:cs typeface="Courier New" panose="02070309020205020404" pitchFamily="49" charset="0"/>
+              </a:rPr>
+              <a:t>::</a:t>
+            </a:r>
+            <a:r>
+              <a:rPr lang="en-US" dirty="0" err="1" smtClean="0">
+                <a:latin typeface="Courier New" panose="02070309020205020404" pitchFamily="49" charset="0"/>
+                <a:cs typeface="Courier New" panose="02070309020205020404" pitchFamily="49" charset="0"/>
+              </a:rPr>
+              <a:t>endl</a:t>
+            </a:r>
+            <a:r>
+              <a:rPr lang="en-US" dirty="0" smtClean="0">
+                <a:latin typeface="Courier New" panose="02070309020205020404" pitchFamily="49" charset="0"/>
+                <a:cs typeface="Courier New" panose="02070309020205020404" pitchFamily="49" charset="0"/>
+              </a:rPr>
+              <a:t>;</a:t>
+            </a:r>
+          </a:p>
+          <a:p>
+            <a:r>
+              <a:rPr lang="en-US" dirty="0">
+                <a:latin typeface="Courier New" panose="02070309020205020404" pitchFamily="49" charset="0"/>
+                <a:cs typeface="Courier New" panose="02070309020205020404" pitchFamily="49" charset="0"/>
+              </a:rPr>
+              <a:t>}</a:t>
+            </a:r>
+            <a:endParaRPr lang="en-US" dirty="0" smtClean="0">
+              <a:latin typeface="Courier New" panose="02070309020205020404" pitchFamily="49" charset="0"/>
+              <a:cs typeface="Courier New" panose="02070309020205020404" pitchFamily="49" charset="0"/>
+            </a:endParaRPr>
+          </a:p>
+        </p:txBody>
+      </p:sp>
+      <p:sp>
+        <p:nvSpPr>
+          <p:cNvPr id="3" name="TextBox 2"/>
+          <p:cNvSpPr txBox="1"/>
+          <p:nvPr/>
+        </p:nvSpPr>
+        <p:spPr>
+          <a:xfrm>
+            <a:off x="2015837" y="5899039"/>
+            <a:ext cx="5380255" cy="523220"/>
+          </a:xfrm>
+          <a:prstGeom prst="rect">
+            <a:avLst/>
+          </a:prstGeom>
+          <a:noFill/>
+          <a:ln>
+            <a:solidFill>
+              <a:schemeClr val="tx1"/>
+            </a:solidFill>
+          </a:ln>
+        </p:spPr>
+        <p:txBody>
+          <a:bodyPr wrap="none" rtlCol="0">
+            <a:spAutoFit/>
+          </a:bodyPr>
+          <a:lstStyle/>
+          <a:p>
+            <a:r>
+              <a:rPr lang="en-US" sz="2800" dirty="0" smtClean="0"/>
+              <a:t>Note: </a:t>
+            </a:r>
+            <a:r>
+              <a:rPr lang="en-US" sz="2800" dirty="0" smtClean="0"/>
+              <a:t>vector indexing </a:t>
+            </a:r>
+            <a:r>
+              <a:rPr lang="en-US" sz="2800" dirty="0" smtClean="0"/>
+              <a:t>is zero based!</a:t>
+            </a:r>
+            <a:endParaRPr lang="en-US" sz="2800" dirty="0"/>
+          </a:p>
+        </p:txBody>
+      </p:sp>
+    </p:spTree>
+    <p:extLst>
+      <p:ext uri="{BB962C8B-B14F-4D97-AF65-F5344CB8AC3E}">
+        <p14:creationId xmlns:p14="http://schemas.microsoft.com/office/powerpoint/2010/main" val="3242179123"/>
+      </p:ext>
+    </p:extLst>
+  </p:cSld>
+  <p:clrMapOvr>
+    <a:masterClrMapping/>
+  </p:clrMapOvr>
+  <p:timing>
+    <p:tnLst>
+      <p:par>
+        <p:cTn id="1" dur="indefinite" restart="never" nodeType="tmRoot"/>
+      </p:par>
+    </p:tnLst>
+  </p:timing>
+</p:sld>
+</file>
+
+<file path=ppt/slides/slide14.xml><?xml version="1.0" encoding="utf-8"?>
+<p:sld xmlns:a="http://schemas.openxmlformats.org/drawingml/2006/main" xmlns:r="http://schemas.openxmlformats.org/officeDocument/2006/relationships" xmlns:p="http://schemas.openxmlformats.org/presentationml/2006/main">
+  <p:cSld>
+    <p:spTree>
+      <p:nvGrpSpPr>
+        <p:cNvPr id="1" name=""/>
+        <p:cNvGrpSpPr/>
+        <p:nvPr/>
+      </p:nvGrpSpPr>
+      <p:grpSpPr>
+        <a:xfrm>
+          <a:off x="0" y="0"/>
+          <a:ext cx="0" cy="0"/>
+          <a:chOff x="0" y="0"/>
+          <a:chExt cx="0" cy="0"/>
+        </a:xfrm>
+      </p:grpSpPr>
+      <p:sp>
+        <p:nvSpPr>
+          <p:cNvPr id="2" name="Title 1"/>
+          <p:cNvSpPr>
+            <a:spLocks noGrp="1"/>
+          </p:cNvSpPr>
+          <p:nvPr>
+            <p:ph type="title"/>
+          </p:nvPr>
+        </p:nvSpPr>
+        <p:spPr/>
+        <p:txBody>
+          <a:bodyPr/>
+          <a:lstStyle/>
+          <a:p>
+            <a:r>
+              <a:rPr lang="en-US" dirty="0" smtClean="0"/>
+              <a:t>Vector ADT</a:t>
+            </a:r>
+            <a:endParaRPr lang="en-US" dirty="0"/>
+          </a:p>
+        </p:txBody>
+      </p:sp>
+      <p:sp>
+        <p:nvSpPr>
+          <p:cNvPr id="3" name="Content Placeholder 2"/>
+          <p:cNvSpPr>
+            <a:spLocks noGrp="1"/>
+          </p:cNvSpPr>
+          <p:nvPr>
+            <p:ph idx="1"/>
+          </p:nvPr>
+        </p:nvSpPr>
+        <p:spPr/>
+        <p:txBody>
+          <a:bodyPr/>
+          <a:lstStyle/>
+          <a:p>
+            <a:r>
+              <a:rPr lang="en-US" dirty="0" smtClean="0"/>
+              <a:t>EMPTY_VECTOR([length]) </a:t>
+            </a:r>
+            <a:r>
+              <a:rPr lang="en-US" dirty="0">
+                <a:sym typeface="Symbol" panose="05050102010706020507" pitchFamily="18" charset="2"/>
+              </a:rPr>
+              <a:t> </a:t>
+            </a:r>
+            <a:r>
+              <a:rPr lang="en-US" dirty="0" smtClean="0">
+                <a:sym typeface="Symbol" panose="05050102010706020507" pitchFamily="18" charset="2"/>
+              </a:rPr>
+              <a:t>vector</a:t>
+            </a:r>
+            <a:endParaRPr lang="en-US" dirty="0" smtClean="0"/>
+          </a:p>
+          <a:p>
+            <a:r>
+              <a:rPr lang="en-US" dirty="0" smtClean="0"/>
+              <a:t>VECTOR</a:t>
+            </a:r>
+            <a:r>
+              <a:rPr lang="en-US" dirty="0" smtClean="0"/>
+              <a:t>.SET(index, </a:t>
+            </a:r>
+            <a:r>
+              <a:rPr lang="en-US" dirty="0" smtClean="0"/>
+              <a:t>value)</a:t>
+            </a:r>
+          </a:p>
+          <a:p>
+            <a:r>
+              <a:rPr lang="en-US" dirty="0" smtClean="0"/>
+              <a:t>VECTOR</a:t>
+            </a:r>
+            <a:r>
+              <a:rPr lang="en-US" dirty="0" smtClean="0"/>
+              <a:t>.GET(index) </a:t>
+            </a:r>
+            <a:r>
+              <a:rPr lang="en-US" dirty="0">
+                <a:sym typeface="Symbol" panose="05050102010706020507" pitchFamily="18" charset="2"/>
+              </a:rPr>
+              <a:t> value</a:t>
+            </a:r>
+            <a:endParaRPr lang="en-US" dirty="0" smtClean="0"/>
+          </a:p>
+          <a:p>
+            <a:r>
+              <a:rPr lang="en-US" dirty="0" smtClean="0"/>
+              <a:t>VECTOR</a:t>
+            </a:r>
+            <a:r>
+              <a:rPr lang="en-US" dirty="0" smtClean="0"/>
+              <a:t>.LENGTH() </a:t>
+            </a:r>
+            <a:r>
+              <a:rPr lang="en-US" dirty="0">
+                <a:sym typeface="Symbol" panose="05050102010706020507" pitchFamily="18" charset="2"/>
+              </a:rPr>
+              <a:t> </a:t>
+            </a:r>
+            <a:r>
+              <a:rPr lang="en-US" dirty="0" smtClean="0">
+                <a:sym typeface="Symbol" panose="05050102010706020507" pitchFamily="18" charset="2"/>
+              </a:rPr>
+              <a:t>length</a:t>
+            </a:r>
+            <a:endParaRPr lang="en-US" i="1" baseline="-25000" dirty="0"/>
+          </a:p>
+        </p:txBody>
+      </p:sp>
+      <p:sp>
+        <p:nvSpPr>
+          <p:cNvPr id="4" name="Slide Number Placeholder 3"/>
+          <p:cNvSpPr>
+            <a:spLocks noGrp="1"/>
+          </p:cNvSpPr>
+          <p:nvPr>
+            <p:ph type="sldNum" sz="quarter" idx="12"/>
+          </p:nvPr>
+        </p:nvSpPr>
+        <p:spPr/>
+        <p:txBody>
+          <a:bodyPr/>
+          <a:lstStyle/>
+          <a:p>
+            <a:fld id="{11AD1F4E-1E51-402E-B221-310F004E7D3B}" type="slidenum">
+              <a:rPr lang="en-US" smtClean="0"/>
+              <a:t>14</a:t>
+            </a:fld>
+            <a:endParaRPr lang="en-US"/>
+          </a:p>
+        </p:txBody>
+      </p:sp>
+      <p:sp>
+        <p:nvSpPr>
+          <p:cNvPr id="5" name="TextBox 4"/>
+          <p:cNvSpPr txBox="1"/>
+          <p:nvPr/>
+        </p:nvSpPr>
+        <p:spPr>
+          <a:xfrm>
+            <a:off x="1652153" y="4218709"/>
+            <a:ext cx="3363741" cy="523220"/>
+          </a:xfrm>
+          <a:prstGeom prst="rect">
+            <a:avLst/>
+          </a:prstGeom>
+          <a:noFill/>
+          <a:ln>
+            <a:solidFill>
+              <a:schemeClr val="tx1"/>
+            </a:solidFill>
+          </a:ln>
+        </p:spPr>
+        <p:txBody>
+          <a:bodyPr wrap="none" rtlCol="0">
+            <a:spAutoFit/>
+          </a:bodyPr>
+          <a:lstStyle/>
+          <a:p>
+            <a:r>
+              <a:rPr lang="en-US" sz="2800" dirty="0" smtClean="0"/>
+              <a:t>0 </a:t>
+            </a:r>
+            <a:r>
+              <a:rPr lang="en-US" sz="2800" dirty="0" smtClean="0">
+                <a:sym typeface="Symbol" panose="05050102010706020507" pitchFamily="18" charset="2"/>
+              </a:rPr>
+              <a:t></a:t>
+            </a:r>
+            <a:r>
+              <a:rPr lang="en-US" sz="2800" dirty="0" smtClean="0"/>
+              <a:t> </a:t>
+            </a:r>
+            <a:r>
+              <a:rPr lang="en-US" sz="2800" dirty="0" smtClean="0"/>
+              <a:t>index </a:t>
+            </a:r>
+            <a:r>
+              <a:rPr lang="en-US" sz="2800" dirty="0">
+                <a:sym typeface="Symbol" panose="05050102010706020507" pitchFamily="18" charset="2"/>
+              </a:rPr>
+              <a:t></a:t>
+            </a:r>
+            <a:r>
+              <a:rPr lang="en-US" sz="2800" dirty="0" smtClean="0"/>
+              <a:t> </a:t>
+            </a:r>
+            <a:r>
+              <a:rPr lang="en-US" sz="2800" dirty="0" smtClean="0"/>
+              <a:t>length </a:t>
+            </a:r>
+            <a:r>
+              <a:rPr lang="en-US" sz="2800" dirty="0" smtClean="0"/>
+              <a:t>- 1</a:t>
+            </a:r>
+            <a:endParaRPr lang="en-US" sz="2800" dirty="0"/>
+          </a:p>
+        </p:txBody>
+      </p:sp>
+    </p:spTree>
+    <p:extLst>
+      <p:ext uri="{BB962C8B-B14F-4D97-AF65-F5344CB8AC3E}">
+        <p14:creationId xmlns:p14="http://schemas.microsoft.com/office/powerpoint/2010/main" val="3489346979"/>
+      </p:ext>
+    </p:extLst>
+  </p:cSld>
+  <p:clrMapOvr>
+    <a:masterClrMapping/>
+  </p:clrMapOvr>
+  <p:timing>
+    <p:tnLst>
+      <p:par>
+        <p:cTn id="1" dur="indefinite" restart="never" nodeType="tmRoot">
+          <p:childTnLst>
+            <p:seq concurrent="1" nextAc="seek">
+              <p:cTn id="2" dur="indefinite" nodeType="mainSeq">
+                <p:childTnLst>
+                  <p:par>
+                    <p:cTn id="3" fill="hold">
+                      <p:stCondLst>
+                        <p:cond delay="indefinite"/>
+                        <p:cond evt="onBegin" delay="0">
+                          <p:tn val="2"/>
+                        </p:cond>
+                      </p:stCondLst>
+                      <p:childTnLst>
+                        <p:par>
+                          <p:cTn id="4" fill="hold">
+                            <p:stCondLst>
+                              <p:cond delay="0"/>
+                            </p:stCondLst>
+                            <p:childTnLst>
+                              <p:par>
+                                <p:cTn id="5" presetID="1" presetClass="entr" presetSubtype="0" fill="hold" grpId="0" nodeType="withEffect">
+                                  <p:stCondLst>
+                                    <p:cond delay="0"/>
+                                  </p:stCondLst>
+                                  <p:childTnLst>
+                                    <p:set>
+                                      <p:cBhvr>
+                                        <p:cTn id="6" dur="1" fill="hold">
+                                          <p:stCondLst>
+                                            <p:cond delay="0"/>
+                                          </p:stCondLst>
+                                        </p:cTn>
+                                        <p:tgtEl>
+                                          <p:spTgt spid="3">
+                                            <p:txEl>
+                                              <p:pRg st="0" end="0"/>
+                                            </p:txEl>
+                                          </p:spTgt>
+                                        </p:tgtEl>
+                                        <p:attrNameLst>
+                                          <p:attrName>style.visibility</p:attrName>
+                                        </p:attrNameLst>
+                                      </p:cBhvr>
+                                      <p:to>
+                                        <p:strVal val="visible"/>
+                                      </p:to>
+                                    </p:set>
+                                  </p:childTnLst>
+                                </p:cTn>
+                              </p:par>
+                            </p:childTnLst>
+                          </p:cTn>
+                        </p:par>
+                      </p:childTnLst>
+                    </p:cTn>
+                  </p:par>
+                  <p:par>
+                    <p:cTn id="7" fill="hold">
+                      <p:stCondLst>
+                        <p:cond delay="indefinite"/>
+                      </p:stCondLst>
+                      <p:childTnLst>
+                        <p:par>
+                          <p:cTn id="8" fill="hold">
+                            <p:stCondLst>
+                              <p:cond delay="0"/>
+                            </p:stCondLst>
+                            <p:childTnLst>
+                              <p:par>
+                                <p:cTn id="9" presetID="1" presetClass="entr" presetSubtype="0" fill="hold" grpId="0" nodeType="clickEffect">
+                                  <p:stCondLst>
+                                    <p:cond delay="0"/>
+                                  </p:stCondLst>
+                                  <p:childTnLst>
+                                    <p:set>
+                                      <p:cBhvr>
+                                        <p:cTn id="10" dur="1" fill="hold">
+                                          <p:stCondLst>
+                                            <p:cond delay="0"/>
+                                          </p:stCondLst>
+                                        </p:cTn>
+                                        <p:tgtEl>
+                                          <p:spTgt spid="3">
+                                            <p:txEl>
+                                              <p:pRg st="1" end="1"/>
+                                            </p:txEl>
+                                          </p:spTgt>
+                                        </p:tgtEl>
+                                        <p:attrNameLst>
+                                          <p:attrName>style.visibility</p:attrName>
+                                        </p:attrNameLst>
+                                      </p:cBhvr>
+                                      <p:to>
+                                        <p:strVal val="visible"/>
+                                      </p:to>
+                                    </p:set>
+                                  </p:childTnLst>
+                                </p:cTn>
+                              </p:par>
+                            </p:childTnLst>
+                          </p:cTn>
+                        </p:par>
+                      </p:childTnLst>
+                    </p:cTn>
+                  </p:par>
+                  <p:par>
+                    <p:cTn id="11" fill="hold">
+                      <p:stCondLst>
+                        <p:cond delay="indefinite"/>
+                      </p:stCondLst>
+                      <p:childTnLst>
+                        <p:par>
+                          <p:cTn id="12" fill="hold">
+                            <p:stCondLst>
+                              <p:cond delay="0"/>
+                            </p:stCondLst>
+                            <p:childTnLst>
+                              <p:par>
+                                <p:cTn id="13" presetID="1" presetClass="entr" presetSubtype="0" fill="hold" grpId="0" nodeType="clickEffect">
+                                  <p:stCondLst>
+                                    <p:cond delay="0"/>
+                                  </p:stCondLst>
+                                  <p:childTnLst>
+                                    <p:set>
+                                      <p:cBhvr>
+                                        <p:cTn id="14" dur="1" fill="hold">
+                                          <p:stCondLst>
+                                            <p:cond delay="0"/>
+                                          </p:stCondLst>
+                                        </p:cTn>
+                                        <p:tgtEl>
+                                          <p:spTgt spid="3">
+                                            <p:txEl>
+                                              <p:pRg st="2" end="2"/>
+                                            </p:txEl>
+                                          </p:spTgt>
+                                        </p:tgtEl>
+                                        <p:attrNameLst>
+                                          <p:attrName>style.visibility</p:attrName>
+                                        </p:attrNameLst>
+                                      </p:cBhvr>
+                                      <p:to>
+                                        <p:strVal val="visible"/>
+                                      </p:to>
+                                    </p:set>
+                                  </p:childTnLst>
+                                </p:cTn>
+                              </p:par>
+                            </p:childTnLst>
+                          </p:cTn>
+                        </p:par>
+                      </p:childTnLst>
+                    </p:cTn>
+                  </p:par>
+                  <p:par>
+                    <p:cTn id="15" fill="hold">
+                      <p:stCondLst>
+                        <p:cond delay="indefinite"/>
+                      </p:stCondLst>
+                      <p:childTnLst>
+                        <p:par>
+                          <p:cTn id="16" fill="hold">
+                            <p:stCondLst>
+                              <p:cond delay="0"/>
+                            </p:stCondLst>
+                            <p:childTnLst>
+                              <p:par>
+                                <p:cTn id="17" presetID="1" presetClass="entr" presetSubtype="0" fill="hold" grpId="0" nodeType="clickEffect">
+                                  <p:stCondLst>
+                                    <p:cond delay="0"/>
+                                  </p:stCondLst>
+                                  <p:childTnLst>
+                                    <p:set>
+                                      <p:cBhvr>
+                                        <p:cTn id="18" dur="1" fill="hold">
+                                          <p:stCondLst>
+                                            <p:cond delay="0"/>
+                                          </p:stCondLst>
+                                        </p:cTn>
+                                        <p:tgtEl>
+                                          <p:spTgt spid="3">
+                                            <p:txEl>
+                                              <p:pRg st="3" end="3"/>
+                                            </p:txEl>
+                                          </p:spTgt>
+                                        </p:tgtEl>
+                                        <p:attrNameLst>
+                                          <p:attrName>style.visibility</p:attrName>
+                                        </p:attrNameLst>
+                                      </p:cBhvr>
+                                      <p:to>
+                                        <p:strVal val="visible"/>
+                                      </p:to>
+                                    </p:set>
+                                  </p:childTnLst>
+                                </p:cTn>
+                              </p:par>
+                            </p:childTnLst>
+                          </p:cTn>
+                        </p:par>
+                      </p:childTnLst>
+                    </p:cTn>
+                  </p:par>
+                  <p:par>
+                    <p:cTn id="19" fill="hold">
+                      <p:stCondLst>
+                        <p:cond delay="indefinite"/>
+                      </p:stCondLst>
+                      <p:childTnLst>
+                        <p:par>
+                          <p:cTn id="20" fill="hold">
+                            <p:stCondLst>
+                              <p:cond delay="0"/>
+                            </p:stCondLst>
+                            <p:childTnLst>
+                              <p:par>
+                                <p:cTn id="21" presetID="1" presetClass="entr" presetSubtype="0" fill="hold" grpId="0" nodeType="clickEffect">
+                                  <p:stCondLst>
+                                    <p:cond delay="0"/>
+                                  </p:stCondLst>
+                                  <p:childTnLst>
+                                    <p:set>
+                                      <p:cBhvr>
+                                        <p:cTn id="22" dur="1" fill="hold">
+                                          <p:stCondLst>
+                                            <p:cond delay="0"/>
+                                          </p:stCondLst>
+                                        </p:cTn>
+                                        <p:tgtEl>
+                                          <p:spTgt spid="5"/>
+                                        </p:tgtEl>
+                                        <p:attrNameLst>
+                                          <p:attrName>style.visibility</p:attrName>
+                                        </p:attrNameLst>
+                                      </p:cBhvr>
+                                      <p:to>
+                                        <p:strVal val="visible"/>
+                                      </p:to>
+                                    </p:set>
+                                  </p:childTnLst>
+                                </p:cTn>
+                              </p:par>
+                            </p:childTnLst>
+                          </p:cTn>
+                        </p:par>
+                      </p:childTnLst>
+                    </p:cTn>
+                  </p:par>
+                </p:childTnLst>
+              </p:cTn>
+              <p:prevCondLst>
+                <p:cond evt="onPrev" delay="0">
+                  <p:tgtEl>
+                    <p:sldTgt/>
+                  </p:tgtEl>
+                </p:cond>
+              </p:prevCondLst>
+              <p:nextCondLst>
+                <p:cond evt="onNext" delay="0">
+                  <p:tgtEl>
+                    <p:sldTgt/>
+                  </p:tgtEl>
+                </p:cond>
+              </p:nextCondLst>
+            </p:seq>
+          </p:childTnLst>
+        </p:cTn>
+      </p:par>
+    </p:tnLst>
+    <p:bldLst>
+      <p:bldP spid="3" grpId="0" build="p"/>
+      <p:bldP spid="5" grpId="0" animBg="1"/>
+    </p:bldLst>
+  </p:timing>
+</p:sld>
+</file>
+
+<file path=ppt/slides/slide15.xml><?xml version="1.0" encoding="utf-8"?>
+<p:sld xmlns:a="http://schemas.openxmlformats.org/drawingml/2006/main" xmlns:r="http://schemas.openxmlformats.org/officeDocument/2006/relationships" xmlns:p="http://schemas.openxmlformats.org/presentationml/2006/main">
+  <p:cSld>
+    <p:spTree>
+      <p:nvGrpSpPr>
+        <p:cNvPr id="1" name=""/>
+        <p:cNvGrpSpPr/>
+        <p:nvPr/>
+      </p:nvGrpSpPr>
+      <p:grpSpPr>
+        <a:xfrm>
+          <a:off x="0" y="0"/>
+          <a:ext cx="0" cy="0"/>
+          <a:chOff x="0" y="0"/>
+          <a:chExt cx="0" cy="0"/>
+        </a:xfrm>
+      </p:grpSpPr>
+      <p:sp>
+        <p:nvSpPr>
+          <p:cNvPr id="2" name="Title 1"/>
+          <p:cNvSpPr>
+            <a:spLocks noGrp="1"/>
+          </p:cNvSpPr>
+          <p:nvPr>
+            <p:ph type="title"/>
+          </p:nvPr>
+        </p:nvSpPr>
+        <p:spPr/>
+        <p:txBody>
+          <a:bodyPr/>
+          <a:lstStyle/>
+          <a:p>
+            <a:r>
+              <a:rPr lang="en-US" dirty="0" smtClean="0"/>
+              <a:t>Tuple</a:t>
+            </a:r>
+            <a:endParaRPr lang="en-US" dirty="0"/>
+          </a:p>
+        </p:txBody>
+      </p:sp>
+      <p:sp>
+        <p:nvSpPr>
+          <p:cNvPr id="3" name="Content Placeholder 2"/>
+          <p:cNvSpPr>
+            <a:spLocks noGrp="1"/>
+          </p:cNvSpPr>
+          <p:nvPr>
+            <p:ph idx="1"/>
+          </p:nvPr>
+        </p:nvSpPr>
+        <p:spPr/>
+        <p:txBody>
+          <a:bodyPr>
+            <a:normAutofit/>
+          </a:bodyPr>
+          <a:lstStyle/>
+          <a:p>
+            <a:r>
+              <a:rPr lang="en-US" dirty="0" smtClean="0"/>
+              <a:t>Characteristics</a:t>
+            </a:r>
+          </a:p>
+          <a:p>
+            <a:pPr lvl="1"/>
+            <a:r>
+              <a:rPr lang="en-US" dirty="0" smtClean="0"/>
+              <a:t>access: random by ordinal index</a:t>
+            </a:r>
+          </a:p>
+          <a:p>
+            <a:pPr lvl="1"/>
+            <a:r>
+              <a:rPr lang="en-US" dirty="0" smtClean="0"/>
+              <a:t>ordered</a:t>
+            </a:r>
+          </a:p>
+          <a:p>
+            <a:pPr lvl="1"/>
+            <a:r>
+              <a:rPr lang="en-US" dirty="0" smtClean="0"/>
               <a:t>fixed length</a:t>
             </a:r>
           </a:p>
@@ -4856,7 +7318,6 @@
               <a:rPr lang="en-US" dirty="0" smtClean="0"/>
               <a:t>Implementations: STL</a:t>
             </a:r>
-            <a:endParaRPr lang="en-US" dirty="0" smtClean="0"/>
           </a:p>
           <a:p>
             <a:pPr lvl="1"/>
@@ -4900,7 +7361,7 @@
             <a:graphicData uri="http://schemas.openxmlformats.org/presentationml/2006/ole">
               <mc:AlternateContent xmlns:mc="http://schemas.openxmlformats.org/markup-compatibility/2006">
                 <mc:Choice xmlns:v="urn:schemas-microsoft-com:vml" Requires="v">
-                  <p:oleObj spid="_x0000_s3162" name="Equation" r:id="rId3" imgW="1180800" imgH="228600" progId="Equation.3">
+                  <p:oleObj spid="_x0000_s3164" name="Equation" r:id="rId3" imgW="1180800" imgH="228600" progId="Equation.3">
                     <p:embed/>
                   </p:oleObj>
                 </mc:Choice>
@@ -4992,7 +7453,7 @@
           <a:p>
             <a:fld id="{11AD1F4E-1E51-402E-B221-310F004E7D3B}" type="slidenum">
               <a:rPr lang="en-US" smtClean="0"/>
-              <a:t>12</a:t>
+              <a:t>15</a:t>
             </a:fld>
             <a:endParaRPr lang="en-US"/>
           </a:p>
@@ -5698,7 +8159,7 @@
 </p:sld>
 </file>
 
-<file path=ppt/slides/slide13.xml><?xml version="1.0" encoding="utf-8"?>
+<file path=ppt/slides/slide16.xml><?xml version="1.0" encoding="utf-8"?>
 <p:sld xmlns:a="http://schemas.openxmlformats.org/drawingml/2006/main" xmlns:r="http://schemas.openxmlformats.org/officeDocument/2006/relationships" xmlns:p="http://schemas.openxmlformats.org/presentationml/2006/main">
   <p:cSld>
     <p:spTree>
@@ -5763,11 +8224,7 @@
             </a:r>
             <a:r>
               <a:rPr lang="en-US" dirty="0" smtClean="0"/>
-              <a:t>, …, </a:t>
-            </a:r>
-            <a:r>
-              <a:rPr lang="en-US" dirty="0" smtClean="0"/>
-              <a:t>value</a:t>
+              <a:t>, …, value</a:t>
             </a:r>
             <a:r>
               <a:rPr lang="en-US" i="1" baseline="-25000" dirty="0" smtClean="0"/>
@@ -5805,13 +8262,7 @@
               <a:rPr lang="en-US" dirty="0" smtClean="0">
                 <a:sym typeface="Symbol" panose="05050102010706020507" pitchFamily="18" charset="2"/>
               </a:rPr>
-              <a:t> </a:t>
-            </a:r>
-            <a:r>
-              <a:rPr lang="en-US" dirty="0" smtClean="0">
-                <a:sym typeface="Symbol" panose="05050102010706020507" pitchFamily="18" charset="2"/>
-              </a:rPr>
-              <a:t>value</a:t>
+              <a:t> value</a:t>
             </a:r>
             <a:endParaRPr lang="en-US" dirty="0"/>
           </a:p>
@@ -5834,7 +8285,7 @@
           <a:p>
             <a:fld id="{11AD1F4E-1E51-402E-B221-310F004E7D3B}" type="slidenum">
               <a:rPr lang="en-US" smtClean="0"/>
-              <a:t>13</a:t>
+              <a:t>16</a:t>
             </a:fld>
             <a:endParaRPr lang="en-US"/>
           </a:p>
@@ -5879,11 +8330,7 @@
             </a:r>
             <a:r>
               <a:rPr lang="en-US" sz="2800" dirty="0" smtClean="0"/>
-              <a:t> {0, </a:t>
-            </a:r>
-            <a:r>
-              <a:rPr lang="en-US" sz="2800" dirty="0" smtClean="0"/>
-              <a:t>…, </a:t>
+              <a:t> {0, …, </a:t>
             </a:r>
             <a:r>
               <a:rPr lang="en-US" sz="2800" i="1" dirty="0" smtClean="0"/>
@@ -6090,7 +8537,7 @@
 </p:sld>
 </file>
 
-<file path=ppt/slides/slide14.xml><?xml version="1.0" encoding="utf-8"?>
+<file path=ppt/slides/slide17.xml><?xml version="1.0" encoding="utf-8"?>
 <p:sld xmlns:a="http://schemas.openxmlformats.org/drawingml/2006/main" xmlns:r="http://schemas.openxmlformats.org/officeDocument/2006/relationships" xmlns:p="http://schemas.openxmlformats.org/presentationml/2006/main">
   <p:cSld>
     <p:spTree>
@@ -6147,7 +8594,7 @@
           <a:p>
             <a:fld id="{11AD1F4E-1E51-402E-B221-310F004E7D3B}" type="slidenum">
               <a:rPr lang="en-US" smtClean="0"/>
-              <a:t>14</a:t>
+              <a:t>17</a:t>
             </a:fld>
             <a:endParaRPr lang="en-US"/>
           </a:p>
@@ -6260,10 +8707,6 @@
               </a:rPr>
               <a:t>…</a:t>
             </a:r>
-            <a:endParaRPr lang="en-US" dirty="0" smtClean="0">
-              <a:latin typeface="Courier New" panose="02070309020205020404" pitchFamily="49" charset="0"/>
-              <a:cs typeface="Courier New" panose="02070309020205020404" pitchFamily="49" charset="0"/>
-            </a:endParaRPr>
           </a:p>
           <a:p>
             <a:r>
@@ -6480,10 +8923,6 @@
               </a:rPr>
               <a:t>double mass;</a:t>
             </a:r>
-            <a:endParaRPr lang="en-US" dirty="0" smtClean="0">
-              <a:latin typeface="Courier New" panose="02070309020205020404" pitchFamily="49" charset="0"/>
-              <a:cs typeface="Courier New" panose="02070309020205020404" pitchFamily="49" charset="0"/>
-            </a:endParaRPr>
           </a:p>
           <a:p>
             <a:r>
@@ -6726,15 +9165,7 @@
           <a:p>
             <a:r>
               <a:rPr lang="en-US" sz="2800" dirty="0" smtClean="0"/>
-              <a:t>Note: </a:t>
-            </a:r>
-            <a:r>
-              <a:rPr lang="en-US" sz="2800" dirty="0" smtClean="0"/>
-              <a:t>tuple indexing </a:t>
-            </a:r>
-            <a:r>
-              <a:rPr lang="en-US" sz="2800" dirty="0" smtClean="0"/>
-              <a:t>is zero based!</a:t>
+              <a:t>Note: tuple indexing is zero based!</a:t>
             </a:r>
             <a:endParaRPr lang="en-US" sz="2800" dirty="0"/>
           </a:p>
@@ -6760,7 +9191,7 @@
 </p:sld>
 </file>
 
-<file path=ppt/slides/slide15.xml><?xml version="1.0" encoding="utf-8"?>
+<file path=ppt/slides/slide18.xml><?xml version="1.0" encoding="utf-8"?>
 <p:sld xmlns:a="http://schemas.openxmlformats.org/drawingml/2006/main" xmlns:r="http://schemas.openxmlformats.org/officeDocument/2006/relationships" xmlns:p="http://schemas.openxmlformats.org/presentationml/2006/main">
   <p:cSld>
     <p:spTree>
@@ -6955,7 +9386,7 @@
             <a:graphicData uri="http://schemas.openxmlformats.org/presentationml/2006/ole">
               <mc:AlternateContent xmlns:mc="http://schemas.openxmlformats.org/markup-compatibility/2006">
                 <mc:Choice xmlns:v="urn:schemas-microsoft-com:vml" Requires="v">
-                  <p:oleObj spid="_x0000_s4177" name="Equation" r:id="rId3" imgW="419040" imgH="241200" progId="Equation.3">
+                  <p:oleObj spid="_x0000_s4179" name="Equation" r:id="rId3" imgW="419040" imgH="241200" progId="Equation.3">
                     <p:embed/>
                   </p:oleObj>
                 </mc:Choice>
@@ -7043,7 +9474,7 @@
           <a:p>
             <a:fld id="{11AD1F4E-1E51-402E-B221-310F004E7D3B}" type="slidenum">
               <a:rPr lang="en-US" smtClean="0"/>
-              <a:t>15</a:t>
+              <a:t>18</a:t>
             </a:fld>
             <a:endParaRPr lang="en-US"/>
           </a:p>
@@ -8634,7 +11065,7 @@
 </p:sld>
 </file>
 
-<file path=ppt/slides/slide16.xml><?xml version="1.0" encoding="utf-8"?>
+<file path=ppt/slides/slide19.xml><?xml version="1.0" encoding="utf-8"?>
 <p:sld xmlns:a="http://schemas.openxmlformats.org/drawingml/2006/main" xmlns:r="http://schemas.openxmlformats.org/officeDocument/2006/relationships" xmlns:p="http://schemas.openxmlformats.org/presentationml/2006/main">
   <p:cSld>
     <p:spTree>
@@ -8838,7 +11269,7 @@
           <a:p>
             <a:fld id="{11AD1F4E-1E51-402E-B221-310F004E7D3B}" type="slidenum">
               <a:rPr lang="en-US" smtClean="0"/>
-              <a:t>16</a:t>
+              <a:t>19</a:t>
             </a:fld>
             <a:endParaRPr lang="en-US"/>
           </a:p>
@@ -9386,7 +11817,201 @@
 </p:sld>
 </file>
 
-<file path=ppt/slides/slide17.xml><?xml version="1.0" encoding="utf-8"?>
+<file path=ppt/slides/slide2.xml><?xml version="1.0" encoding="utf-8"?>
+<p:sld xmlns:a="http://schemas.openxmlformats.org/drawingml/2006/main" xmlns:r="http://schemas.openxmlformats.org/officeDocument/2006/relationships" xmlns:p="http://schemas.openxmlformats.org/presentationml/2006/main">
+  <p:cSld>
+    <p:spTree>
+      <p:nvGrpSpPr>
+        <p:cNvPr id="1" name=""/>
+        <p:cNvGrpSpPr/>
+        <p:nvPr/>
+      </p:nvGrpSpPr>
+      <p:grpSpPr>
+        <a:xfrm>
+          <a:off x="0" y="0"/>
+          <a:ext cx="0" cy="0"/>
+          <a:chOff x="0" y="0"/>
+          <a:chExt cx="0" cy="0"/>
+        </a:xfrm>
+      </p:grpSpPr>
+      <p:sp>
+        <p:nvSpPr>
+          <p:cNvPr id="2" name="Slide Number Placeholder 1"/>
+          <p:cNvSpPr>
+            <a:spLocks noGrp="1"/>
+          </p:cNvSpPr>
+          <p:nvPr>
+            <p:ph type="sldNum" sz="quarter" idx="12"/>
+          </p:nvPr>
+        </p:nvSpPr>
+        <p:spPr/>
+        <p:txBody>
+          <a:bodyPr/>
+          <a:lstStyle/>
+          <a:p>
+            <a:fld id="{033373DF-BCDA-4600-B448-AFBDB22F4A39}" type="slidenum">
+              <a:rPr lang="en-US" smtClean="0"/>
+              <a:t>2</a:t>
+            </a:fld>
+            <a:endParaRPr lang="en-US"/>
+          </a:p>
+        </p:txBody>
+      </p:sp>
+      <p:sp>
+        <p:nvSpPr>
+          <p:cNvPr id="3" name="TextBox 2"/>
+          <p:cNvSpPr txBox="1"/>
+          <p:nvPr/>
+        </p:nvSpPr>
+        <p:spPr>
+          <a:xfrm>
+            <a:off x="1193194" y="2423057"/>
+            <a:ext cx="3404137" cy="1692771"/>
+          </a:xfrm>
+          <a:prstGeom prst="rect">
+            <a:avLst/>
+          </a:prstGeom>
+          <a:noFill/>
+          <a:ln>
+            <a:solidFill>
+              <a:schemeClr val="tx1"/>
+            </a:solidFill>
+          </a:ln>
+        </p:spPr>
+        <p:txBody>
+          <a:bodyPr wrap="none" rtlCol="0">
+            <a:spAutoFit/>
+          </a:bodyPr>
+          <a:lstStyle/>
+          <a:p>
+            <a:r>
+              <a:rPr lang="en-US" dirty="0"/>
+              <a:t>Presentation based on:</a:t>
+            </a:r>
+            <a:br>
+              <a:rPr lang="en-US" dirty="0"/>
+            </a:br>
+            <a:r>
+              <a:rPr lang="en-US" sz="2800" i="1" dirty="0"/>
+              <a:t>A tour of C++</a:t>
+            </a:r>
+            <a:r>
+              <a:rPr lang="en-US" sz="2800" dirty="0"/>
+              <a:t/>
+            </a:r>
+            <a:br>
+              <a:rPr lang="en-US" sz="2800" dirty="0"/>
+            </a:br>
+            <a:r>
+              <a:rPr lang="en-US" sz="2800" dirty="0"/>
+              <a:t>Bjarne </a:t>
+            </a:r>
+            <a:r>
+              <a:rPr lang="en-US" sz="2800" dirty="0" err="1"/>
+              <a:t>Stroustrup</a:t>
+            </a:r>
+            <a:endParaRPr lang="en-US" sz="2800" dirty="0"/>
+          </a:p>
+          <a:p>
+            <a:r>
+              <a:rPr lang="en-US" sz="2800" dirty="0"/>
+              <a:t>Addison-Wesley, 2014</a:t>
+            </a:r>
+          </a:p>
+        </p:txBody>
+      </p:sp>
+    </p:spTree>
+    <p:extLst>
+      <p:ext uri="{BB962C8B-B14F-4D97-AF65-F5344CB8AC3E}">
+        <p14:creationId xmlns:p14="http://schemas.microsoft.com/office/powerpoint/2010/main" val="2596996315"/>
+      </p:ext>
+    </p:extLst>
+  </p:cSld>
+  <p:clrMapOvr>
+    <a:masterClrMapping/>
+  </p:clrMapOvr>
+  <p:timing>
+    <p:tnLst>
+      <p:par>
+        <p:cTn id="1" dur="indefinite" restart="never" nodeType="tmRoot">
+          <p:childTnLst>
+            <p:seq concurrent="1" nextAc="seek">
+              <p:cTn id="2" dur="indefinite" nodeType="mainSeq">
+                <p:childTnLst>
+                  <p:par>
+                    <p:cTn id="3" fill="hold">
+                      <p:stCondLst>
+                        <p:cond delay="indefinite"/>
+                      </p:stCondLst>
+                      <p:childTnLst>
+                        <p:par>
+                          <p:cTn id="4" fill="hold">
+                            <p:stCondLst>
+                              <p:cond delay="0"/>
+                            </p:stCondLst>
+                            <p:childTnLst>
+                              <p:par>
+                                <p:cTn id="5" presetID="1" presetClass="entr" presetSubtype="0" fill="hold" grpId="0" nodeType="clickEffect">
+                                  <p:stCondLst>
+                                    <p:cond delay="0"/>
+                                  </p:stCondLst>
+                                  <p:childTnLst>
+                                    <p:set>
+                                      <p:cBhvr>
+                                        <p:cTn id="6" dur="1" fill="hold">
+                                          <p:stCondLst>
+                                            <p:cond delay="0"/>
+                                          </p:stCondLst>
+                                        </p:cTn>
+                                        <p:tgtEl>
+                                          <p:spTgt spid="3"/>
+                                        </p:tgtEl>
+                                        <p:attrNameLst>
+                                          <p:attrName>style.visibility</p:attrName>
+                                        </p:attrNameLst>
+                                      </p:cBhvr>
+                                      <p:to>
+                                        <p:strVal val="visible"/>
+                                      </p:to>
+                                    </p:set>
+                                  </p:childTnLst>
+                                </p:cTn>
+                              </p:par>
+                            </p:childTnLst>
+                          </p:cTn>
+                        </p:par>
+                      </p:childTnLst>
+                    </p:cTn>
+                  </p:par>
+                </p:childTnLst>
+              </p:cTn>
+              <p:prevCondLst>
+                <p:cond evt="onPrev" delay="0">
+                  <p:tgtEl>
+                    <p:sldTgt/>
+                  </p:tgtEl>
+                </p:cond>
+              </p:prevCondLst>
+              <p:nextCondLst>
+                <p:cond evt="onNext" delay="0">
+                  <p:tgtEl>
+                    <p:sldTgt/>
+                  </p:tgtEl>
+                </p:cond>
+              </p:nextCondLst>
+            </p:seq>
+          </p:childTnLst>
+        </p:cTn>
+      </p:par>
+    </p:tnLst>
+    <p:bldLst>
+      <p:bldP spid="3" grpId="0" animBg="1"/>
+    </p:bldLst>
+  </p:timing>
+</p:sld>
+</file>
+
+<file path=ppt/slides/slide20.xml><?xml version="1.0" encoding="utf-8"?>
 <p:sld xmlns:a="http://schemas.openxmlformats.org/drawingml/2006/main" xmlns:r="http://schemas.openxmlformats.org/officeDocument/2006/relationships" xmlns:p="http://schemas.openxmlformats.org/presentationml/2006/main">
   <p:cSld>
     <p:spTree>
@@ -9443,7 +12068,7 @@
           <a:p>
             <a:fld id="{11AD1F4E-1E51-402E-B221-310F004E7D3B}" type="slidenum">
               <a:rPr lang="en-US" smtClean="0"/>
-              <a:t>17</a:t>
+              <a:t>20</a:t>
             </a:fld>
             <a:endParaRPr lang="en-US"/>
           </a:p>
@@ -9485,14 +12110,7 @@
                 <a:latin typeface="Courier New" panose="02070309020205020404" pitchFamily="49" charset="0"/>
                 <a:cs typeface="Courier New" panose="02070309020205020404" pitchFamily="49" charset="0"/>
               </a:rPr>
-              <a:t>#</a:t>
-            </a:r>
-            <a:r>
-              <a:rPr lang="en-US" dirty="0" smtClean="0">
-                <a:latin typeface="Courier New" panose="02070309020205020404" pitchFamily="49" charset="0"/>
-                <a:cs typeface="Courier New" panose="02070309020205020404" pitchFamily="49" charset="0"/>
-              </a:rPr>
-              <a:t>include &lt;list&gt;</a:t>
+              <a:t>#include &lt;list&gt;</a:t>
             </a:r>
           </a:p>
           <a:p>
@@ -9810,7 +12428,7 @@
 </p:sld>
 </file>
 
-<file path=ppt/slides/slide18.xml><?xml version="1.0" encoding="utf-8"?>
+<file path=ppt/slides/slide21.xml><?xml version="1.0" encoding="utf-8"?>
 <p:sld xmlns:a="http://schemas.openxmlformats.org/drawingml/2006/main" xmlns:r="http://schemas.openxmlformats.org/officeDocument/2006/relationships" xmlns:p="http://schemas.openxmlformats.org/presentationml/2006/main">
   <p:cSld>
     <p:spTree>
@@ -9938,7 +12556,6 @@
               <a:rPr lang="en-US" dirty="0" smtClean="0"/>
               <a:t>Implementations: STL</a:t>
             </a:r>
-            <a:endParaRPr lang="en-US" dirty="0" smtClean="0"/>
           </a:p>
           <a:p>
             <a:pPr lvl="1"/>
@@ -9982,7 +12599,7 @@
             <a:graphicData uri="http://schemas.openxmlformats.org/presentationml/2006/ole">
               <mc:AlternateContent xmlns:mc="http://schemas.openxmlformats.org/markup-compatibility/2006">
                 <mc:Choice xmlns:v="urn:schemas-microsoft-com:vml" Requires="v">
-                  <p:oleObj spid="_x0000_s5255" name="Equation" r:id="rId3" imgW="444240" imgH="203040" progId="Equation.3">
+                  <p:oleObj spid="_x0000_s5259" name="Equation" r:id="rId3" imgW="444240" imgH="203040" progId="Equation.3">
                     <p:embed/>
                   </p:oleObj>
                 </mc:Choice>
@@ -10070,7 +12687,7 @@
           <a:p>
             <a:fld id="{11AD1F4E-1E51-402E-B221-310F004E7D3B}" type="slidenum">
               <a:rPr lang="en-US" smtClean="0"/>
-              <a:t>18</a:t>
+              <a:t>21</a:t>
             </a:fld>
             <a:endParaRPr lang="en-US"/>
           </a:p>
@@ -10163,7 +12780,7 @@
             <a:graphicData uri="http://schemas.openxmlformats.org/presentationml/2006/ole">
               <mc:AlternateContent xmlns:mc="http://schemas.openxmlformats.org/markup-compatibility/2006">
                 <mc:Choice xmlns:v="urn:schemas-microsoft-com:vml" Requires="v">
-                  <p:oleObj spid="_x0000_s5256" name="Equation" r:id="rId5" imgW="419040" imgH="215640" progId="Equation.3">
+                  <p:oleObj spid="_x0000_s5260" name="Equation" r:id="rId5" imgW="419040" imgH="215640" progId="Equation.3">
                     <p:embed/>
                   </p:oleObj>
                 </mc:Choice>
@@ -10972,7 +13589,7 @@
 </p:sld>
 </file>
 
-<file path=ppt/slides/slide19.xml><?xml version="1.0" encoding="utf-8"?>
+<file path=ppt/slides/slide22.xml><?xml version="1.0" encoding="utf-8"?>
 <p:sld xmlns:a="http://schemas.openxmlformats.org/drawingml/2006/main" xmlns:r="http://schemas.openxmlformats.org/officeDocument/2006/relationships" xmlns:p="http://schemas.openxmlformats.org/presentationml/2006/main">
   <p:cSld>
     <p:spTree>
@@ -11156,7 +13773,7 @@
           <a:p>
             <a:fld id="{11AD1F4E-1E51-402E-B221-310F004E7D3B}" type="slidenum">
               <a:rPr lang="en-US" smtClean="0"/>
-              <a:t>19</a:t>
+              <a:t>22</a:t>
             </a:fld>
             <a:endParaRPr lang="en-US"/>
           </a:p>
@@ -11753,201 +14370,7 @@
 </p:sld>
 </file>
 
-<file path=ppt/slides/slide2.xml><?xml version="1.0" encoding="utf-8"?>
-<p:sld xmlns:a="http://schemas.openxmlformats.org/drawingml/2006/main" xmlns:r="http://schemas.openxmlformats.org/officeDocument/2006/relationships" xmlns:p="http://schemas.openxmlformats.org/presentationml/2006/main">
-  <p:cSld>
-    <p:spTree>
-      <p:nvGrpSpPr>
-        <p:cNvPr id="1" name=""/>
-        <p:cNvGrpSpPr/>
-        <p:nvPr/>
-      </p:nvGrpSpPr>
-      <p:grpSpPr>
-        <a:xfrm>
-          <a:off x="0" y="0"/>
-          <a:ext cx="0" cy="0"/>
-          <a:chOff x="0" y="0"/>
-          <a:chExt cx="0" cy="0"/>
-        </a:xfrm>
-      </p:grpSpPr>
-      <p:sp>
-        <p:nvSpPr>
-          <p:cNvPr id="2" name="Slide Number Placeholder 1"/>
-          <p:cNvSpPr>
-            <a:spLocks noGrp="1"/>
-          </p:cNvSpPr>
-          <p:nvPr>
-            <p:ph type="sldNum" sz="quarter" idx="12"/>
-          </p:nvPr>
-        </p:nvSpPr>
-        <p:spPr/>
-        <p:txBody>
-          <a:bodyPr/>
-          <a:lstStyle/>
-          <a:p>
-            <a:fld id="{033373DF-BCDA-4600-B448-AFBDB22F4A39}" type="slidenum">
-              <a:rPr lang="en-US" smtClean="0"/>
-              <a:t>2</a:t>
-            </a:fld>
-            <a:endParaRPr lang="en-US"/>
-          </a:p>
-        </p:txBody>
-      </p:sp>
-      <p:sp>
-        <p:nvSpPr>
-          <p:cNvPr id="3" name="TextBox 2"/>
-          <p:cNvSpPr txBox="1"/>
-          <p:nvPr/>
-        </p:nvSpPr>
-        <p:spPr>
-          <a:xfrm>
-            <a:off x="1193194" y="2423057"/>
-            <a:ext cx="3404137" cy="1692771"/>
-          </a:xfrm>
-          <a:prstGeom prst="rect">
-            <a:avLst/>
-          </a:prstGeom>
-          <a:noFill/>
-          <a:ln>
-            <a:solidFill>
-              <a:schemeClr val="tx1"/>
-            </a:solidFill>
-          </a:ln>
-        </p:spPr>
-        <p:txBody>
-          <a:bodyPr wrap="none" rtlCol="0">
-            <a:spAutoFit/>
-          </a:bodyPr>
-          <a:lstStyle/>
-          <a:p>
-            <a:r>
-              <a:rPr lang="en-US" dirty="0"/>
-              <a:t>Presentation based on:</a:t>
-            </a:r>
-            <a:br>
-              <a:rPr lang="en-US" dirty="0"/>
-            </a:br>
-            <a:r>
-              <a:rPr lang="en-US" sz="2800" i="1" dirty="0"/>
-              <a:t>A tour of C++</a:t>
-            </a:r>
-            <a:r>
-              <a:rPr lang="en-US" sz="2800" dirty="0"/>
-              <a:t/>
-            </a:r>
-            <a:br>
-              <a:rPr lang="en-US" sz="2800" dirty="0"/>
-            </a:br>
-            <a:r>
-              <a:rPr lang="en-US" sz="2800" dirty="0"/>
-              <a:t>Bjarne </a:t>
-            </a:r>
-            <a:r>
-              <a:rPr lang="en-US" sz="2800" dirty="0" err="1"/>
-              <a:t>Stroustrup</a:t>
-            </a:r>
-            <a:endParaRPr lang="en-US" sz="2800" dirty="0"/>
-          </a:p>
-          <a:p>
-            <a:r>
-              <a:rPr lang="en-US" sz="2800" dirty="0"/>
-              <a:t>Addison-Wesley, 2014</a:t>
-            </a:r>
-          </a:p>
-        </p:txBody>
-      </p:sp>
-    </p:spTree>
-    <p:extLst>
-      <p:ext uri="{BB962C8B-B14F-4D97-AF65-F5344CB8AC3E}">
-        <p14:creationId xmlns:p14="http://schemas.microsoft.com/office/powerpoint/2010/main" val="2596996315"/>
-      </p:ext>
-    </p:extLst>
-  </p:cSld>
-  <p:clrMapOvr>
-    <a:masterClrMapping/>
-  </p:clrMapOvr>
-  <p:timing>
-    <p:tnLst>
-      <p:par>
-        <p:cTn id="1" dur="indefinite" restart="never" nodeType="tmRoot">
-          <p:childTnLst>
-            <p:seq concurrent="1" nextAc="seek">
-              <p:cTn id="2" dur="indefinite" nodeType="mainSeq">
-                <p:childTnLst>
-                  <p:par>
-                    <p:cTn id="3" fill="hold">
-                      <p:stCondLst>
-                        <p:cond delay="indefinite"/>
-                      </p:stCondLst>
-                      <p:childTnLst>
-                        <p:par>
-                          <p:cTn id="4" fill="hold">
-                            <p:stCondLst>
-                              <p:cond delay="0"/>
-                            </p:stCondLst>
-                            <p:childTnLst>
-                              <p:par>
-                                <p:cTn id="5" presetID="1" presetClass="entr" presetSubtype="0" fill="hold" grpId="0" nodeType="clickEffect">
-                                  <p:stCondLst>
-                                    <p:cond delay="0"/>
-                                  </p:stCondLst>
-                                  <p:childTnLst>
-                                    <p:set>
-                                      <p:cBhvr>
-                                        <p:cTn id="6" dur="1" fill="hold">
-                                          <p:stCondLst>
-                                            <p:cond delay="0"/>
-                                          </p:stCondLst>
-                                        </p:cTn>
-                                        <p:tgtEl>
-                                          <p:spTgt spid="3"/>
-                                        </p:tgtEl>
-                                        <p:attrNameLst>
-                                          <p:attrName>style.visibility</p:attrName>
-                                        </p:attrNameLst>
-                                      </p:cBhvr>
-                                      <p:to>
-                                        <p:strVal val="visible"/>
-                                      </p:to>
-                                    </p:set>
-                                  </p:childTnLst>
-                                </p:cTn>
-                              </p:par>
-                            </p:childTnLst>
-                          </p:cTn>
-                        </p:par>
-                      </p:childTnLst>
-                    </p:cTn>
-                  </p:par>
-                </p:childTnLst>
-              </p:cTn>
-              <p:prevCondLst>
-                <p:cond evt="onPrev" delay="0">
-                  <p:tgtEl>
-                    <p:sldTgt/>
-                  </p:tgtEl>
-                </p:cond>
-              </p:prevCondLst>
-              <p:nextCondLst>
-                <p:cond evt="onNext" delay="0">
-                  <p:tgtEl>
-                    <p:sldTgt/>
-                  </p:tgtEl>
-                </p:cond>
-              </p:nextCondLst>
-            </p:seq>
-          </p:childTnLst>
-        </p:cTn>
-      </p:par>
-    </p:tnLst>
-    <p:bldLst>
-      <p:bldP spid="3" grpId="0" animBg="1"/>
-    </p:bldLst>
-  </p:timing>
-</p:sld>
-</file>
-
-<file path=ppt/slides/slide20.xml><?xml version="1.0" encoding="utf-8"?>
+<file path=ppt/slides/slide23.xml><?xml version="1.0" encoding="utf-8"?>
 <p:sld xmlns:a="http://schemas.openxmlformats.org/drawingml/2006/main" xmlns:r="http://schemas.openxmlformats.org/officeDocument/2006/relationships" xmlns:p="http://schemas.openxmlformats.org/presentationml/2006/main">
   <p:cSld>
     <p:spTree>
@@ -12004,7 +14427,7 @@
           <a:p>
             <a:fld id="{11AD1F4E-1E51-402E-B221-310F004E7D3B}" type="slidenum">
               <a:rPr lang="en-US" smtClean="0"/>
-              <a:t>20</a:t>
+              <a:t>23</a:t>
             </a:fld>
             <a:endParaRPr lang="en-US"/>
           </a:p>
@@ -12479,7 +14902,7 @@
 </p:sld>
 </file>
 
-<file path=ppt/slides/slide21.xml><?xml version="1.0" encoding="utf-8"?>
+<file path=ppt/slides/slide24.xml><?xml version="1.0" encoding="utf-8"?>
 <p:sld xmlns:a="http://schemas.openxmlformats.org/drawingml/2006/main" xmlns:r="http://schemas.openxmlformats.org/officeDocument/2006/relationships" xmlns:p="http://schemas.openxmlformats.org/presentationml/2006/main">
   <p:cSld>
     <p:spTree>
@@ -12614,7 +15037,6 @@
               <a:rPr lang="en-US" dirty="0" smtClean="0"/>
               <a:t>Implementations: STL</a:t>
             </a:r>
-            <a:endParaRPr lang="en-US" dirty="0" smtClean="0"/>
           </a:p>
           <a:p>
             <a:pPr lvl="1"/>
@@ -12658,7 +15080,7 @@
             <a:graphicData uri="http://schemas.openxmlformats.org/presentationml/2006/ole">
               <mc:AlternateContent xmlns:mc="http://schemas.openxmlformats.org/markup-compatibility/2006">
                 <mc:Choice xmlns:v="urn:schemas-microsoft-com:vml" Requires="v">
-                  <p:oleObj spid="_x0000_s6372" name="Equation" r:id="rId3" imgW="774360" imgH="215640" progId="Equation.3">
+                  <p:oleObj spid="_x0000_s6378" name="Equation" r:id="rId3" imgW="774360" imgH="215640" progId="Equation.3">
                     <p:embed/>
                   </p:oleObj>
                 </mc:Choice>
@@ -12749,7 +15171,7 @@
           <a:p>
             <a:fld id="{11AD1F4E-1E51-402E-B221-310F004E7D3B}" type="slidenum">
               <a:rPr lang="en-US" smtClean="0"/>
-              <a:t>21</a:t>
+              <a:t>24</a:t>
             </a:fld>
             <a:endParaRPr lang="en-US"/>
           </a:p>
@@ -12893,7 +15315,7 @@
             <a:graphicData uri="http://schemas.openxmlformats.org/presentationml/2006/ole">
               <mc:AlternateContent xmlns:mc="http://schemas.openxmlformats.org/markup-compatibility/2006">
                 <mc:Choice xmlns:v="urn:schemas-microsoft-com:vml" Requires="v">
-                  <p:oleObj spid="_x0000_s6373" name="Equation" r:id="rId5" imgW="622080" imgH="215640" progId="Equation.3">
+                  <p:oleObj spid="_x0000_s6379" name="Equation" r:id="rId5" imgW="622080" imgH="215640" progId="Equation.3">
                     <p:embed/>
                   </p:oleObj>
                 </mc:Choice>
@@ -12950,7 +15372,7 @@
             <a:graphicData uri="http://schemas.openxmlformats.org/presentationml/2006/ole">
               <mc:AlternateContent xmlns:mc="http://schemas.openxmlformats.org/markup-compatibility/2006">
                 <mc:Choice xmlns:v="urn:schemas-microsoft-com:vml" Requires="v">
-                  <p:oleObj spid="_x0000_s6374" name="Equation" r:id="rId7" imgW="749160" imgH="215640" progId="Equation.3">
+                  <p:oleObj spid="_x0000_s6380" name="Equation" r:id="rId7" imgW="749160" imgH="215640" progId="Equation.3">
                     <p:embed/>
                   </p:oleObj>
                 </mc:Choice>
@@ -14097,7 +16519,7 @@
 </p:sld>
 </file>
 
-<file path=ppt/slides/slide22.xml><?xml version="1.0" encoding="utf-8"?>
+<file path=ppt/slides/slide25.xml><?xml version="1.0" encoding="utf-8"?>
 <p:sld xmlns:a="http://schemas.openxmlformats.org/drawingml/2006/main" xmlns:r="http://schemas.openxmlformats.org/officeDocument/2006/relationships" xmlns:p="http://schemas.openxmlformats.org/presentationml/2006/main">
   <p:cSld>
     <p:spTree>
@@ -14168,6 +16590,44 @@
               </a:rPr>
               <a:t>map</a:t>
             </a:r>
+          </a:p>
+          <a:p>
+            <a:r>
+              <a:rPr lang="en-US" dirty="0" smtClean="0">
+                <a:sym typeface="Symbol" panose="05050102010706020507" pitchFamily="18" charset="2"/>
+              </a:rPr>
+              <a:t>MAP.SET(key, value)</a:t>
+            </a:r>
+          </a:p>
+          <a:p>
+            <a:r>
+              <a:rPr lang="en-US" dirty="0" smtClean="0">
+                <a:sym typeface="Symbol" panose="05050102010706020507" pitchFamily="18" charset="2"/>
+              </a:rPr>
+              <a:t>MAP.HAS_KEY(key)</a:t>
+            </a:r>
+            <a:r>
+              <a:rPr lang="en-US" dirty="0"/>
+              <a:t> </a:t>
+            </a:r>
+            <a:r>
+              <a:rPr lang="en-US" dirty="0">
+                <a:sym typeface="Symbol" panose="05050102010706020507" pitchFamily="18" charset="2"/>
+              </a:rPr>
+              <a:t> </a:t>
+            </a:r>
+            <a:r>
+              <a:rPr lang="en-US" dirty="0" err="1">
+                <a:sym typeface="Symbol" panose="05050102010706020507" pitchFamily="18" charset="2"/>
+              </a:rPr>
+              <a:t>b</a:t>
+            </a:r>
+            <a:r>
+              <a:rPr lang="en-US" dirty="0" err="1" smtClean="0">
+                <a:sym typeface="Symbol" panose="05050102010706020507" pitchFamily="18" charset="2"/>
+              </a:rPr>
+              <a:t>oolean</a:t>
+            </a:r>
             <a:endParaRPr lang="en-US" dirty="0" smtClean="0">
               <a:sym typeface="Symbol" panose="05050102010706020507" pitchFamily="18" charset="2"/>
             </a:endParaRPr>
@@ -14177,13 +16637,23 @@
               <a:rPr lang="en-US" dirty="0" smtClean="0">
                 <a:sym typeface="Symbol" panose="05050102010706020507" pitchFamily="18" charset="2"/>
               </a:rPr>
-              <a:t>MAP.SET(key</a:t>
+              <a:t>MAP.GET(key)</a:t>
+            </a:r>
+            <a:r>
+              <a:rPr lang="en-US" dirty="0"/>
+              <a:t> </a:t>
+            </a:r>
+            <a:r>
+              <a:rPr lang="en-US" dirty="0">
+                <a:sym typeface="Symbol" panose="05050102010706020507" pitchFamily="18" charset="2"/>
+              </a:rPr>
+              <a:t> </a:t>
             </a:r>
             <a:r>
               <a:rPr lang="en-US" dirty="0" smtClean="0">
                 <a:sym typeface="Symbol" panose="05050102010706020507" pitchFamily="18" charset="2"/>
               </a:rPr>
-              <a:t>, value)</a:t>
+              <a:t>value if MAP.HAS_KEY(key)</a:t>
             </a:r>
           </a:p>
           <a:p>
@@ -14191,13 +16661,27 @@
               <a:rPr lang="en-US" dirty="0" smtClean="0">
                 <a:sym typeface="Symbol" panose="05050102010706020507" pitchFamily="18" charset="2"/>
               </a:rPr>
-              <a:t>MAP.HAS_KEY(key</a:t>
+              <a:t>MAP.REMOVE(key)</a:t>
+            </a:r>
+            <a:r>
+              <a:rPr lang="en-US" dirty="0">
+                <a:sym typeface="Symbol" panose="05050102010706020507" pitchFamily="18" charset="2"/>
+              </a:rPr>
+              <a:t> if </a:t>
             </a:r>
             <a:r>
               <a:rPr lang="en-US" dirty="0" smtClean="0">
                 <a:sym typeface="Symbol" panose="05050102010706020507" pitchFamily="18" charset="2"/>
               </a:rPr>
-              <a:t>)</a:t>
+              <a:t>MAP.HAS_KEY(key)</a:t>
+            </a:r>
+          </a:p>
+          <a:p>
+            <a:r>
+              <a:rPr lang="en-US" dirty="0" smtClean="0">
+                <a:sym typeface="Symbol" panose="05050102010706020507" pitchFamily="18" charset="2"/>
+              </a:rPr>
+              <a:t>MAP.IS_EMPTY()</a:t>
             </a:r>
             <a:r>
               <a:rPr lang="en-US" dirty="0"/>
@@ -14210,16 +16694,10 @@
               <a:t> </a:t>
             </a:r>
             <a:r>
-              <a:rPr lang="en-US" dirty="0" err="1">
-                <a:sym typeface="Symbol" panose="05050102010706020507" pitchFamily="18" charset="2"/>
-              </a:rPr>
-              <a:t>b</a:t>
-            </a:r>
-            <a:r>
               <a:rPr lang="en-US" dirty="0" err="1" smtClean="0">
                 <a:sym typeface="Symbol" panose="05050102010706020507" pitchFamily="18" charset="2"/>
               </a:rPr>
-              <a:t>oolean</a:t>
+              <a:t>boolean</a:t>
             </a:r>
             <a:endParaRPr lang="en-US" dirty="0" smtClean="0">
               <a:sym typeface="Symbol" panose="05050102010706020507" pitchFamily="18" charset="2"/>
@@ -14230,138 +16708,7 @@
               <a:rPr lang="en-US" dirty="0" smtClean="0">
                 <a:sym typeface="Symbol" panose="05050102010706020507" pitchFamily="18" charset="2"/>
               </a:rPr>
-              <a:t>MAP.GET(key</a:t>
-            </a:r>
-            <a:r>
-              <a:rPr lang="en-US" dirty="0" smtClean="0">
-                <a:sym typeface="Symbol" panose="05050102010706020507" pitchFamily="18" charset="2"/>
-              </a:rPr>
-              <a:t>)</a:t>
-            </a:r>
-            <a:r>
-              <a:rPr lang="en-US" dirty="0"/>
-              <a:t> </a:t>
-            </a:r>
-            <a:r>
-              <a:rPr lang="en-US" dirty="0">
-                <a:sym typeface="Symbol" panose="05050102010706020507" pitchFamily="18" charset="2"/>
-              </a:rPr>
-              <a:t> </a:t>
-            </a:r>
-            <a:r>
-              <a:rPr lang="en-US" dirty="0" smtClean="0">
-                <a:sym typeface="Symbol" panose="05050102010706020507" pitchFamily="18" charset="2"/>
-              </a:rPr>
-              <a:t>value if </a:t>
-            </a:r>
-            <a:r>
-              <a:rPr lang="en-US" dirty="0" smtClean="0">
-                <a:sym typeface="Symbol" panose="05050102010706020507" pitchFamily="18" charset="2"/>
-              </a:rPr>
-              <a:t>MAP.HAS_KEY(key</a:t>
-            </a:r>
-            <a:r>
-              <a:rPr lang="en-US" dirty="0" smtClean="0">
-                <a:sym typeface="Symbol" panose="05050102010706020507" pitchFamily="18" charset="2"/>
-              </a:rPr>
-              <a:t>)</a:t>
-            </a:r>
-          </a:p>
-          <a:p>
-            <a:r>
-              <a:rPr lang="en-US" dirty="0" smtClean="0">
-                <a:sym typeface="Symbol" panose="05050102010706020507" pitchFamily="18" charset="2"/>
-              </a:rPr>
-              <a:t>MAP</a:t>
-            </a:r>
-            <a:r>
-              <a:rPr lang="en-US" dirty="0" smtClean="0">
-                <a:sym typeface="Symbol" panose="05050102010706020507" pitchFamily="18" charset="2"/>
-              </a:rPr>
-              <a:t>.REMOVE(key</a:t>
-            </a:r>
-            <a:r>
-              <a:rPr lang="en-US" dirty="0" smtClean="0">
-                <a:sym typeface="Symbol" panose="05050102010706020507" pitchFamily="18" charset="2"/>
-              </a:rPr>
-              <a:t>)</a:t>
-            </a:r>
-            <a:r>
-              <a:rPr lang="en-US" dirty="0">
-                <a:sym typeface="Symbol" panose="05050102010706020507" pitchFamily="18" charset="2"/>
-              </a:rPr>
-              <a:t> if </a:t>
-            </a:r>
-            <a:r>
-              <a:rPr lang="en-US" dirty="0" smtClean="0">
-                <a:sym typeface="Symbol" panose="05050102010706020507" pitchFamily="18" charset="2"/>
-              </a:rPr>
-              <a:t>MAP</a:t>
-            </a:r>
-            <a:r>
-              <a:rPr lang="en-US" dirty="0" smtClean="0">
-                <a:sym typeface="Symbol" panose="05050102010706020507" pitchFamily="18" charset="2"/>
-              </a:rPr>
-              <a:t>.HAS_KEY(key</a:t>
-            </a:r>
-            <a:r>
-              <a:rPr lang="en-US" dirty="0" smtClean="0">
-                <a:sym typeface="Symbol" panose="05050102010706020507" pitchFamily="18" charset="2"/>
-              </a:rPr>
-              <a:t>)</a:t>
-            </a:r>
-          </a:p>
-          <a:p>
-            <a:r>
-              <a:rPr lang="en-US" dirty="0" smtClean="0">
-                <a:sym typeface="Symbol" panose="05050102010706020507" pitchFamily="18" charset="2"/>
-              </a:rPr>
-              <a:t>MAP.IS_EMPTY</a:t>
-            </a:r>
-            <a:r>
-              <a:rPr lang="en-US" dirty="0" smtClean="0">
-                <a:sym typeface="Symbol" panose="05050102010706020507" pitchFamily="18" charset="2"/>
-              </a:rPr>
-              <a:t>()</a:t>
-            </a:r>
-            <a:r>
-              <a:rPr lang="en-US" dirty="0"/>
-              <a:t> </a:t>
-            </a:r>
-            <a:r>
-              <a:rPr lang="en-US" dirty="0">
-                <a:sym typeface="Symbol" panose="05050102010706020507" pitchFamily="18" charset="2"/>
-              </a:rPr>
-              <a:t> </a:t>
-            </a:r>
-            <a:r>
-              <a:rPr lang="en-US" dirty="0" err="1" smtClean="0">
-                <a:sym typeface="Symbol" panose="05050102010706020507" pitchFamily="18" charset="2"/>
-              </a:rPr>
-              <a:t>boolean</a:t>
-            </a:r>
-            <a:endParaRPr lang="en-US" dirty="0" smtClean="0">
-              <a:sym typeface="Symbol" panose="05050102010706020507" pitchFamily="18" charset="2"/>
-            </a:endParaRPr>
-          </a:p>
-          <a:p>
-            <a:r>
-              <a:rPr lang="en-US" dirty="0" smtClean="0">
-                <a:sym typeface="Symbol" panose="05050102010706020507" pitchFamily="18" charset="2"/>
-              </a:rPr>
-              <a:t>MAP</a:t>
-            </a:r>
-            <a:r>
-              <a:rPr lang="en-US" dirty="0" smtClean="0">
-                <a:sym typeface="Symbol" panose="05050102010706020507" pitchFamily="18" charset="2"/>
-              </a:rPr>
-              <a:t>.SIZE</a:t>
-            </a:r>
-            <a:r>
-              <a:rPr lang="en-US" dirty="0" smtClean="0">
-                <a:sym typeface="Symbol" panose="05050102010706020507" pitchFamily="18" charset="2"/>
-              </a:rPr>
-              <a:t>()</a:t>
+              <a:t>MAP.SIZE()</a:t>
             </a:r>
             <a:r>
               <a:rPr lang="en-US" dirty="0" smtClean="0"/>
@@ -14410,7 +16757,7 @@
           <a:p>
             <a:fld id="{11AD1F4E-1E51-402E-B221-310F004E7D3B}" type="slidenum">
               <a:rPr lang="en-US" smtClean="0"/>
-              <a:t>22</a:t>
+              <a:t>25</a:t>
             </a:fld>
             <a:endParaRPr lang="en-US"/>
           </a:p>
@@ -15056,7 +17403,7 @@
 </p:sld>
 </file>
 
-<file path=ppt/slides/slide23.xml><?xml version="1.0" encoding="utf-8"?>
+<file path=ppt/slides/slide26.xml><?xml version="1.0" encoding="utf-8"?>
 <p:sld xmlns:a="http://schemas.openxmlformats.org/drawingml/2006/main" xmlns:r="http://schemas.openxmlformats.org/officeDocument/2006/relationships" xmlns:p="http://schemas.openxmlformats.org/presentationml/2006/main">
   <p:cSld>
     <p:spTree>
@@ -15113,7 +17460,7 @@
           <a:p>
             <a:fld id="{11AD1F4E-1E51-402E-B221-310F004E7D3B}" type="slidenum">
               <a:rPr lang="en-US" smtClean="0"/>
-              <a:t>23</a:t>
+              <a:t>26</a:t>
             </a:fld>
             <a:endParaRPr lang="en-US"/>
           </a:p>
@@ -15649,7 +17996,7 @@
 </p:sld>
 </file>
 
-<file path=ppt/slides/slide24.xml><?xml version="1.0" encoding="utf-8"?>
+<file path=ppt/slides/slide27.xml><?xml version="1.0" encoding="utf-8"?>
 <p:sld xmlns:a="http://schemas.openxmlformats.org/drawingml/2006/main" xmlns:r="http://schemas.openxmlformats.org/officeDocument/2006/relationships" xmlns:p="http://schemas.openxmlformats.org/presentationml/2006/main">
   <p:cSld>
     <p:spTree>
@@ -15725,7 +18072,7 @@
           <a:p>
             <a:fld id="{11AD1F4E-1E51-402E-B221-310F004E7D3B}" type="slidenum">
               <a:rPr lang="en-US" smtClean="0"/>
-              <a:t>24</a:t>
+              <a:t>27</a:t>
             </a:fld>
             <a:endParaRPr lang="en-US"/>
           </a:p>
@@ -15751,7 +18098,7 @@
 </p:sld>
 </file>
 
-<file path=ppt/slides/slide25.xml><?xml version="1.0" encoding="utf-8"?>
+<file path=ppt/slides/slide28.xml><?xml version="1.0" encoding="utf-8"?>
 <p:sld xmlns:a="http://schemas.openxmlformats.org/drawingml/2006/main" xmlns:r="http://schemas.openxmlformats.org/officeDocument/2006/relationships" xmlns:p="http://schemas.openxmlformats.org/presentationml/2006/main">
   <p:cSld>
     <p:spTree>
@@ -15885,7 +18232,7 @@
           <a:p>
             <a:fld id="{11AD1F4E-1E51-402E-B221-310F004E7D3B}" type="slidenum">
               <a:rPr lang="en-US" smtClean="0"/>
-              <a:t>25</a:t>
+              <a:t>28</a:t>
             </a:fld>
             <a:endParaRPr lang="en-US"/>
           </a:p>
@@ -15911,7 +18258,7 @@
 </p:sld>
 </file>
 
-<file path=ppt/slides/slide26.xml><?xml version="1.0" encoding="utf-8"?>
+<file path=ppt/slides/slide29.xml><?xml version="1.0" encoding="utf-8"?>
 <p:sld xmlns:a="http://schemas.openxmlformats.org/drawingml/2006/main" xmlns:r="http://schemas.openxmlformats.org/officeDocument/2006/relationships" xmlns:p="http://schemas.openxmlformats.org/presentationml/2006/main">
   <p:cSld>
     <p:spTree>
@@ -16050,7 +18397,7 @@
           <a:p>
             <a:fld id="{11AD1F4E-1E51-402E-B221-310F004E7D3B}" type="slidenum">
               <a:rPr lang="en-US" smtClean="0"/>
-              <a:t>26</a:t>
+              <a:t>29</a:t>
             </a:fld>
             <a:endParaRPr lang="en-US"/>
           </a:p>
@@ -16127,7 +18474,7 @@
             <a:graphicData uri="http://schemas.openxmlformats.org/presentationml/2006/ole">
               <mc:AlternateContent xmlns:mc="http://schemas.openxmlformats.org/markup-compatibility/2006">
                 <mc:Choice xmlns:v="urn:schemas-microsoft-com:vml" Requires="v">
-                  <p:oleObj spid="_x0000_s7226" name="Equation" r:id="rId3" imgW="431640" imgH="241200" progId="Equation.3">
+                  <p:oleObj spid="_x0000_s7228" name="Equation" r:id="rId3" imgW="431640" imgH="241200" progId="Equation.3">
                     <p:embed/>
                   </p:oleObj>
                 </mc:Choice>
@@ -16260,7 +18607,7 @@
 </p:sld>
 </file>
 
-<file path=ppt/slides/slide27.xml><?xml version="1.0" encoding="utf-8"?>
+<file path=ppt/slides/slide3.xml><?xml version="1.0" encoding="utf-8"?>
 <p:sld xmlns:a="http://schemas.openxmlformats.org/drawingml/2006/main" xmlns:r="http://schemas.openxmlformats.org/officeDocument/2006/relationships" xmlns:p="http://schemas.openxmlformats.org/presentationml/2006/main">
   <p:cSld>
     <p:spTree>
@@ -16294,7 +18641,7 @@
           <a:p>
             <a:r>
               <a:rPr lang="en-US" dirty="0" smtClean="0"/>
-              <a:t>Stack ADT</a:t>
+              <a:t>Introduction</a:t>
             </a:r>
             <a:endParaRPr lang="en-US" dirty="0"/>
           </a:p>
@@ -16302,12 +18649,12 @@
       </p:sp>
       <p:sp>
         <p:nvSpPr>
-          <p:cNvPr id="3" name="Content Placeholder 2"/>
+          <p:cNvPr id="3" name="Text Placeholder 2"/>
           <p:cNvSpPr>
             <a:spLocks noGrp="1"/>
           </p:cNvSpPr>
           <p:nvPr>
-            <p:ph idx="1"/>
+            <p:ph type="body" idx="1"/>
           </p:nvPr>
         </p:nvSpPr>
         <p:spPr/>
@@ -16315,135 +18662,7 @@
           <a:bodyPr/>
           <a:lstStyle/>
           <a:p>
-            <a:r>
-              <a:rPr lang="en-US" dirty="0" smtClean="0"/>
-              <a:t>EMPTY_STACK()</a:t>
-            </a:r>
-            <a:r>
-              <a:rPr lang="en-US" dirty="0"/>
-              <a:t> </a:t>
-            </a:r>
-            <a:r>
-              <a:rPr lang="en-US" dirty="0">
-                <a:sym typeface="Symbol" panose="05050102010706020507" pitchFamily="18" charset="2"/>
-              </a:rPr>
-              <a:t> </a:t>
-            </a:r>
-            <a:r>
-              <a:rPr lang="en-US" dirty="0" smtClean="0">
-                <a:sym typeface="Symbol" panose="05050102010706020507" pitchFamily="18" charset="2"/>
-              </a:rPr>
-              <a:t>stack</a:t>
-            </a:r>
-          </a:p>
-          <a:p>
-            <a:r>
-              <a:rPr lang="en-US" dirty="0" smtClean="0">
-                <a:sym typeface="Symbol" panose="05050102010706020507" pitchFamily="18" charset="2"/>
-              </a:rPr>
-              <a:t>STACK.PUSH(value)</a:t>
-            </a:r>
-          </a:p>
-          <a:p>
-            <a:r>
-              <a:rPr lang="en-US" dirty="0" smtClean="0">
-                <a:sym typeface="Symbol" panose="05050102010706020507" pitchFamily="18" charset="2"/>
-              </a:rPr>
-              <a:t>STACK.POP()</a:t>
-            </a:r>
-          </a:p>
-          <a:p>
-            <a:r>
-              <a:rPr lang="en-US" dirty="0" smtClean="0">
-                <a:sym typeface="Symbol" panose="05050102010706020507" pitchFamily="18" charset="2"/>
-              </a:rPr>
-              <a:t>STACK.TOP()</a:t>
-            </a:r>
-            <a:r>
-              <a:rPr lang="en-US" dirty="0"/>
-              <a:t> </a:t>
-            </a:r>
-            <a:r>
-              <a:rPr lang="en-US" dirty="0">
-                <a:sym typeface="Symbol" panose="05050102010706020507" pitchFamily="18" charset="2"/>
-              </a:rPr>
-              <a:t> </a:t>
-            </a:r>
-            <a:r>
-              <a:rPr lang="en-US" dirty="0" smtClean="0">
-                <a:sym typeface="Symbol" panose="05050102010706020507" pitchFamily="18" charset="2"/>
-              </a:rPr>
-              <a:t>value</a:t>
-            </a:r>
-          </a:p>
-          <a:p>
-            <a:r>
-              <a:rPr lang="en-US" dirty="0" smtClean="0">
-                <a:sym typeface="Symbol" panose="05050102010706020507" pitchFamily="18" charset="2"/>
-              </a:rPr>
-              <a:t>STACK.IS_EMPTY()</a:t>
-            </a:r>
-            <a:r>
-              <a:rPr lang="en-US" dirty="0"/>
-              <a:t> </a:t>
-            </a:r>
-            <a:r>
-              <a:rPr lang="en-US" dirty="0">
-                <a:sym typeface="Symbol" panose="05050102010706020507" pitchFamily="18" charset="2"/>
-              </a:rPr>
-              <a:t> </a:t>
-            </a:r>
-            <a:r>
-              <a:rPr lang="en-US" dirty="0" err="1">
-                <a:sym typeface="Symbol" panose="05050102010706020507" pitchFamily="18" charset="2"/>
-              </a:rPr>
-              <a:t>b</a:t>
-            </a:r>
-            <a:r>
-              <a:rPr lang="en-US" dirty="0" err="1" smtClean="0">
-                <a:sym typeface="Symbol" panose="05050102010706020507" pitchFamily="18" charset="2"/>
-              </a:rPr>
-              <a:t>oolean</a:t>
-            </a:r>
-            <a:endParaRPr lang="en-US" dirty="0" smtClean="0">
-              <a:sym typeface="Symbol" panose="05050102010706020507" pitchFamily="18" charset="2"/>
-            </a:endParaRPr>
-          </a:p>
-          <a:p>
-            <a:r>
-              <a:rPr lang="en-US" dirty="0" smtClean="0">
-                <a:sym typeface="Symbol" panose="05050102010706020507" pitchFamily="18" charset="2"/>
-              </a:rPr>
-              <a:t>STACK.SIZE()</a:t>
-            </a:r>
-            <a:r>
-              <a:rPr lang="en-US" dirty="0"/>
-              <a:t> </a:t>
-            </a:r>
-            <a:r>
-              <a:rPr lang="en-US" dirty="0">
-                <a:sym typeface="Symbol" panose="05050102010706020507" pitchFamily="18" charset="2"/>
-              </a:rPr>
-              <a:t> </a:t>
-            </a:r>
-            <a:r>
-              <a:rPr lang="en-US" dirty="0" smtClean="0">
-                <a:sym typeface="Symbol" panose="05050102010706020507" pitchFamily="18" charset="2"/>
-              </a:rPr>
-              <a:t>size</a:t>
-            </a:r>
-            <a:br>
-              <a:rPr lang="en-US" dirty="0" smtClean="0">
-                <a:sym typeface="Symbol" panose="05050102010706020507" pitchFamily="18" charset="2"/>
-              </a:rPr>
-            </a:br>
-            <a:r>
-              <a:rPr lang="en-US" dirty="0" smtClean="0">
-                <a:sym typeface="Symbol" panose="05050102010706020507" pitchFamily="18" charset="2"/>
-              </a:rPr>
-              <a:t>      = #push - #pop</a:t>
-            </a:r>
-            <a:endParaRPr lang="en-US" dirty="0"/>
+            <a:endParaRPr lang="en-US"/>
           </a:p>
         </p:txBody>
       </p:sp>
@@ -16464,7 +18683,7 @@
           <a:p>
             <a:fld id="{11AD1F4E-1E51-402E-B221-310F004E7D3B}" type="slidenum">
               <a:rPr lang="en-US" smtClean="0"/>
-              <a:t>27</a:t>
+              <a:t>3</a:t>
             </a:fld>
             <a:endParaRPr lang="en-US"/>
           </a:p>
@@ -16473,7 +18692,7 @@
     </p:spTree>
     <p:extLst>
       <p:ext uri="{BB962C8B-B14F-4D97-AF65-F5344CB8AC3E}">
-        <p14:creationId xmlns:p14="http://schemas.microsoft.com/office/powerpoint/2010/main" val="3731668153"/>
+        <p14:creationId xmlns:p14="http://schemas.microsoft.com/office/powerpoint/2010/main" val="33640868"/>
       </p:ext>
     </p:extLst>
   </p:cSld>
@@ -16490,7 +18709,7 @@
 </p:sld>
 </file>
 
-<file path=ppt/slides/slide28.xml><?xml version="1.0" encoding="utf-8"?>
+<file path=ppt/slides/slide30.xml><?xml version="1.0" encoding="utf-8"?>
 <p:sld xmlns:a="http://schemas.openxmlformats.org/drawingml/2006/main" xmlns:r="http://schemas.openxmlformats.org/officeDocument/2006/relationships" xmlns:p="http://schemas.openxmlformats.org/presentationml/2006/main">
   <p:cSld>
     <p:spTree>
@@ -16524,7 +18743,154 @@
           <a:p>
             <a:r>
               <a:rPr lang="en-US" dirty="0" smtClean="0"/>
-              <a:t>Stack examples</a:t>
+              <a:t>Stack ADT</a:t>
+            </a:r>
+            <a:endParaRPr lang="en-US" dirty="0"/>
+          </a:p>
+        </p:txBody>
+      </p:sp>
+      <p:sp>
+        <p:nvSpPr>
+          <p:cNvPr id="3" name="Content Placeholder 2"/>
+          <p:cNvSpPr>
+            <a:spLocks noGrp="1"/>
+          </p:cNvSpPr>
+          <p:nvPr>
+            <p:ph idx="1"/>
+          </p:nvPr>
+        </p:nvSpPr>
+        <p:spPr/>
+        <p:txBody>
+          <a:bodyPr/>
+          <a:lstStyle/>
+          <a:p>
+            <a:r>
+              <a:rPr lang="en-US" dirty="0" smtClean="0"/>
+              <a:t>EMPTY_STACK()</a:t>
+            </a:r>
+            <a:r>
+              <a:rPr lang="en-US" dirty="0"/>
+              <a:t> </a:t>
+            </a:r>
+            <a:r>
+              <a:rPr lang="en-US" dirty="0">
+                <a:sym typeface="Symbol" panose="05050102010706020507" pitchFamily="18" charset="2"/>
+              </a:rPr>
+              <a:t> </a:t>
+            </a:r>
+            <a:r>
+              <a:rPr lang="en-US" dirty="0" smtClean="0">
+                <a:sym typeface="Symbol" panose="05050102010706020507" pitchFamily="18" charset="2"/>
+              </a:rPr>
+              <a:t>stack</a:t>
+            </a:r>
+          </a:p>
+          <a:p>
+            <a:r>
+              <a:rPr lang="en-US" dirty="0" smtClean="0">
+                <a:sym typeface="Symbol" panose="05050102010706020507" pitchFamily="18" charset="2"/>
+              </a:rPr>
+              <a:t>STACK.PUSH(value)</a:t>
+            </a:r>
+          </a:p>
+          <a:p>
+            <a:r>
+              <a:rPr lang="en-US" dirty="0" smtClean="0">
+                <a:sym typeface="Symbol" panose="05050102010706020507" pitchFamily="18" charset="2"/>
+              </a:rPr>
+              <a:t>STACK.POP()</a:t>
+            </a:r>
+          </a:p>
+          <a:p>
+            <a:r>
+              <a:rPr lang="en-US" dirty="0" smtClean="0">
+                <a:sym typeface="Symbol" panose="05050102010706020507" pitchFamily="18" charset="2"/>
+              </a:rPr>
+              <a:t>STACK.TOP()</a:t>
+            </a:r>
+            <a:r>
+              <a:rPr lang="en-US" dirty="0"/>
+              <a:t> </a:t>
+            </a:r>
+            <a:r>
+              <a:rPr lang="en-US" dirty="0">
+                <a:sym typeface="Symbol" panose="05050102010706020507" pitchFamily="18" charset="2"/>
+              </a:rPr>
+              <a:t> </a:t>
+            </a:r>
+            <a:r>
+              <a:rPr lang="en-US" dirty="0" smtClean="0">
+                <a:sym typeface="Symbol" panose="05050102010706020507" pitchFamily="18" charset="2"/>
+              </a:rPr>
+              <a:t>value</a:t>
+            </a:r>
+          </a:p>
+          <a:p>
+            <a:r>
+              <a:rPr lang="en-US" dirty="0" smtClean="0">
+                <a:sym typeface="Symbol" panose="05050102010706020507" pitchFamily="18" charset="2"/>
+              </a:rPr>
+              <a:t>STACK.IS_EMPTY()</a:t>
+            </a:r>
+            <a:r>
+              <a:rPr lang="en-US" dirty="0"/>
+              <a:t> </a:t>
+            </a:r>
+            <a:r>
+              <a:rPr lang="en-US" dirty="0">
+                <a:sym typeface="Symbol" panose="05050102010706020507" pitchFamily="18" charset="2"/>
+              </a:rPr>
+              <a:t> </a:t>
+            </a:r>
+            <a:r>
+              <a:rPr lang="en-US" dirty="0" err="1">
+                <a:sym typeface="Symbol" panose="05050102010706020507" pitchFamily="18" charset="2"/>
+              </a:rPr>
+              <a:t>b</a:t>
+            </a:r>
+            <a:r>
+              <a:rPr lang="en-US" dirty="0" err="1" smtClean="0">
+                <a:sym typeface="Symbol" panose="05050102010706020507" pitchFamily="18" charset="2"/>
+              </a:rPr>
+              <a:t>oolean</a:t>
+            </a:r>
+            <a:endParaRPr lang="en-US" dirty="0" smtClean="0">
+              <a:sym typeface="Symbol" panose="05050102010706020507" pitchFamily="18" charset="2"/>
+            </a:endParaRPr>
+          </a:p>
+          <a:p>
+            <a:r>
+              <a:rPr lang="en-US" dirty="0" smtClean="0">
+                <a:sym typeface="Symbol" panose="05050102010706020507" pitchFamily="18" charset="2"/>
+              </a:rPr>
+              <a:t>STACK.SIZE()</a:t>
+            </a:r>
+            <a:r>
+              <a:rPr lang="en-US" dirty="0"/>
+              <a:t> </a:t>
+            </a:r>
+            <a:r>
+              <a:rPr lang="en-US" dirty="0">
+                <a:sym typeface="Symbol" panose="05050102010706020507" pitchFamily="18" charset="2"/>
+              </a:rPr>
+              <a:t> </a:t>
+            </a:r>
+            <a:r>
+              <a:rPr lang="en-US" dirty="0" smtClean="0">
+                <a:sym typeface="Symbol" panose="05050102010706020507" pitchFamily="18" charset="2"/>
+              </a:rPr>
+              <a:t>size</a:t>
+            </a:r>
+            <a:br>
+              <a:rPr lang="en-US" dirty="0" smtClean="0">
+                <a:sym typeface="Symbol" panose="05050102010706020507" pitchFamily="18" charset="2"/>
+              </a:rPr>
+            </a:br>
+            <a:r>
+              <a:rPr lang="en-US" dirty="0" smtClean="0">
+                <a:sym typeface="Symbol" panose="05050102010706020507" pitchFamily="18" charset="2"/>
+              </a:rPr>
+              <a:t>      = #push - #pop</a:t>
             </a:r>
             <a:endParaRPr lang="en-US" dirty="0"/>
           </a:p>
@@ -16547,7 +18913,90 @@
           <a:p>
             <a:fld id="{11AD1F4E-1E51-402E-B221-310F004E7D3B}" type="slidenum">
               <a:rPr lang="en-US" smtClean="0"/>
-              <a:t>28</a:t>
+              <a:t>30</a:t>
+            </a:fld>
+            <a:endParaRPr lang="en-US"/>
+          </a:p>
+        </p:txBody>
+      </p:sp>
+    </p:spTree>
+    <p:extLst>
+      <p:ext uri="{BB962C8B-B14F-4D97-AF65-F5344CB8AC3E}">
+        <p14:creationId xmlns:p14="http://schemas.microsoft.com/office/powerpoint/2010/main" val="3731668153"/>
+      </p:ext>
+    </p:extLst>
+  </p:cSld>
+  <p:clrMapOvr>
+    <a:masterClrMapping/>
+  </p:clrMapOvr>
+  <p:timing>
+    <p:tnLst>
+      <p:par>
+        <p:cTn id="1" dur="indefinite" restart="never" nodeType="tmRoot"/>
+      </p:par>
+    </p:tnLst>
+  </p:timing>
+</p:sld>
+</file>
+
+<file path=ppt/slides/slide31.xml><?xml version="1.0" encoding="utf-8"?>
+<p:sld xmlns:a="http://schemas.openxmlformats.org/drawingml/2006/main" xmlns:r="http://schemas.openxmlformats.org/officeDocument/2006/relationships" xmlns:p="http://schemas.openxmlformats.org/presentationml/2006/main">
+  <p:cSld>
+    <p:spTree>
+      <p:nvGrpSpPr>
+        <p:cNvPr id="1" name=""/>
+        <p:cNvGrpSpPr/>
+        <p:nvPr/>
+      </p:nvGrpSpPr>
+      <p:grpSpPr>
+        <a:xfrm>
+          <a:off x="0" y="0"/>
+          <a:ext cx="0" cy="0"/>
+          <a:chOff x="0" y="0"/>
+          <a:chExt cx="0" cy="0"/>
+        </a:xfrm>
+      </p:grpSpPr>
+      <p:sp>
+        <p:nvSpPr>
+          <p:cNvPr id="2" name="Title 1"/>
+          <p:cNvSpPr>
+            <a:spLocks noGrp="1"/>
+          </p:cNvSpPr>
+          <p:nvPr>
+            <p:ph type="title"/>
+          </p:nvPr>
+        </p:nvSpPr>
+        <p:spPr/>
+        <p:txBody>
+          <a:bodyPr/>
+          <a:lstStyle/>
+          <a:p>
+            <a:r>
+              <a:rPr lang="en-US" dirty="0" smtClean="0"/>
+              <a:t>Stack examples</a:t>
+            </a:r>
+            <a:endParaRPr lang="en-US" dirty="0"/>
+          </a:p>
+        </p:txBody>
+      </p:sp>
+      <p:sp>
+        <p:nvSpPr>
+          <p:cNvPr id="4" name="Slide Number Placeholder 3"/>
+          <p:cNvSpPr>
+            <a:spLocks noGrp="1"/>
+          </p:cNvSpPr>
+          <p:nvPr>
+            <p:ph type="sldNum" sz="quarter" idx="12"/>
+          </p:nvPr>
+        </p:nvSpPr>
+        <p:spPr/>
+        <p:txBody>
+          <a:bodyPr/>
+          <a:lstStyle/>
+          <a:p>
+            <a:fld id="{11AD1F4E-1E51-402E-B221-310F004E7D3B}" type="slidenum">
+              <a:rPr lang="en-US" smtClean="0"/>
+              <a:t>31</a:t>
             </a:fld>
             <a:endParaRPr lang="en-US"/>
           </a:p>
@@ -16589,35 +19038,17 @@
                 <a:latin typeface="Courier New" panose="02070309020205020404" pitchFamily="49" charset="0"/>
                 <a:cs typeface="Courier New" panose="02070309020205020404" pitchFamily="49" charset="0"/>
               </a:rPr>
-              <a:t>#</a:t>
-            </a:r>
+              <a:t>#include &lt;stack&gt;</a:t>
+            </a:r>
+          </a:p>
+          <a:p>
             <a:r>
               <a:rPr lang="en-US" dirty="0" smtClean="0">
                 <a:latin typeface="Courier New" panose="02070309020205020404" pitchFamily="49" charset="0"/>
                 <a:cs typeface="Courier New" panose="02070309020205020404" pitchFamily="49" charset="0"/>
               </a:rPr>
-              <a:t>include &lt;stack</a:t>
-            </a:r>
-            <a:r>
-              <a:rPr lang="en-US" dirty="0" smtClean="0">
-                <a:latin typeface="Courier New" panose="02070309020205020404" pitchFamily="49" charset="0"/>
-                <a:cs typeface="Courier New" panose="02070309020205020404" pitchFamily="49" charset="0"/>
-              </a:rPr>
-              <a:t>&gt;</a:t>
-            </a:r>
-          </a:p>
-          <a:p>
-            <a:r>
-              <a:rPr lang="en-US" dirty="0" smtClean="0">
-                <a:latin typeface="Courier New" panose="02070309020205020404" pitchFamily="49" charset="0"/>
-                <a:cs typeface="Courier New" panose="02070309020205020404" pitchFamily="49" charset="0"/>
-              </a:rPr>
               <a:t>…</a:t>
             </a:r>
-            <a:endParaRPr lang="en-US" dirty="0" smtClean="0">
-              <a:latin typeface="Courier New" panose="02070309020205020404" pitchFamily="49" charset="0"/>
-              <a:cs typeface="Courier New" panose="02070309020205020404" pitchFamily="49" charset="0"/>
-            </a:endParaRPr>
           </a:p>
           <a:p>
             <a:r>
@@ -16932,7 +19363,7 @@
 </p:sld>
 </file>
 
-<file path=ppt/slides/slide29.xml><?xml version="1.0" encoding="utf-8"?>
+<file path=ppt/slides/slide32.xml><?xml version="1.0" encoding="utf-8"?>
 <p:sld xmlns:a="http://schemas.openxmlformats.org/drawingml/2006/main" xmlns:r="http://schemas.openxmlformats.org/officeDocument/2006/relationships" xmlns:p="http://schemas.openxmlformats.org/presentationml/2006/main">
   <p:cSld>
     <p:spTree>
@@ -17073,7 +19504,7 @@
           <a:p>
             <a:fld id="{11AD1F4E-1E51-402E-B221-310F004E7D3B}" type="slidenum">
               <a:rPr lang="en-US" smtClean="0"/>
-              <a:t>29</a:t>
+              <a:t>32</a:t>
             </a:fld>
             <a:endParaRPr lang="en-US"/>
           </a:p>
@@ -17150,7 +19581,7 @@
             <a:graphicData uri="http://schemas.openxmlformats.org/presentationml/2006/ole">
               <mc:AlternateContent xmlns:mc="http://schemas.openxmlformats.org/markup-compatibility/2006">
                 <mc:Choice xmlns:v="urn:schemas-microsoft-com:vml" Requires="v">
-                  <p:oleObj spid="_x0000_s8258" name="Equation" r:id="rId3" imgW="444240" imgH="241200" progId="Equation.3">
+                  <p:oleObj spid="_x0000_s8260" name="Equation" r:id="rId3" imgW="444240" imgH="241200" progId="Equation.3">
                     <p:embed/>
                   </p:oleObj>
                 </mc:Choice>
@@ -17539,7 +19970,7 @@
 </p:sld>
 </file>
 
-<file path=ppt/slides/slide3.xml><?xml version="1.0" encoding="utf-8"?>
+<file path=ppt/slides/slide33.xml><?xml version="1.0" encoding="utf-8"?>
 <p:sld xmlns:a="http://schemas.openxmlformats.org/drawingml/2006/main" xmlns:r="http://schemas.openxmlformats.org/officeDocument/2006/relationships" xmlns:p="http://schemas.openxmlformats.org/presentationml/2006/main">
   <p:cSld>
     <p:spTree>
@@ -17573,7 +20004,7 @@
           <a:p>
             <a:r>
               <a:rPr lang="en-US" dirty="0" smtClean="0"/>
-              <a:t>Introduction</a:t>
+              <a:t>Queue ADT</a:t>
             </a:r>
             <a:endParaRPr lang="en-US" dirty="0"/>
           </a:p>
@@ -17581,12 +20012,12 @@
       </p:sp>
       <p:sp>
         <p:nvSpPr>
-          <p:cNvPr id="3" name="Text Placeholder 2"/>
+          <p:cNvPr id="3" name="Content Placeholder 2"/>
           <p:cNvSpPr>
             <a:spLocks noGrp="1"/>
           </p:cNvSpPr>
           <p:nvPr>
-            <p:ph type="body" idx="1"/>
+            <p:ph idx="1"/>
           </p:nvPr>
         </p:nvSpPr>
         <p:spPr/>
@@ -17594,7 +20025,109 @@
           <a:bodyPr/>
           <a:lstStyle/>
           <a:p>
-            <a:endParaRPr lang="en-US"/>
+            <a:r>
+              <a:rPr lang="en-US" dirty="0" smtClean="0"/>
+              <a:t>EMPTY_QUEUE() </a:t>
+            </a:r>
+            <a:r>
+              <a:rPr lang="en-US" dirty="0" smtClean="0">
+                <a:sym typeface="Symbol" panose="05050102010706020507" pitchFamily="18" charset="2"/>
+              </a:rPr>
+              <a:t> queue</a:t>
+            </a:r>
+            <a:endParaRPr lang="en-US" dirty="0" smtClean="0"/>
+          </a:p>
+          <a:p>
+            <a:r>
+              <a:rPr lang="en-US" dirty="0" smtClean="0"/>
+              <a:t>QUEUE.PUSH(value</a:t>
+            </a:r>
+            <a:r>
+              <a:rPr lang="en-US" dirty="0"/>
+              <a:t>)</a:t>
+            </a:r>
+          </a:p>
+          <a:p>
+            <a:r>
+              <a:rPr lang="en-US" dirty="0" smtClean="0"/>
+              <a:t>QUEUE.POP()</a:t>
+            </a:r>
+          </a:p>
+          <a:p>
+            <a:r>
+              <a:rPr lang="en-US" dirty="0" smtClean="0"/>
+              <a:t>QUEUE.FRONT()</a:t>
+            </a:r>
+            <a:r>
+              <a:rPr lang="en-US" dirty="0"/>
+              <a:t> </a:t>
+            </a:r>
+            <a:r>
+              <a:rPr lang="en-US" dirty="0">
+                <a:sym typeface="Symbol" panose="05050102010706020507" pitchFamily="18" charset="2"/>
+              </a:rPr>
+              <a:t> </a:t>
+            </a:r>
+            <a:r>
+              <a:rPr lang="en-US" dirty="0" smtClean="0">
+                <a:sym typeface="Symbol" panose="05050102010706020507" pitchFamily="18" charset="2"/>
+              </a:rPr>
+              <a:t>value</a:t>
+            </a:r>
+            <a:endParaRPr lang="en-US" dirty="0"/>
+          </a:p>
+          <a:p>
+            <a:r>
+              <a:rPr lang="en-US" dirty="0" smtClean="0"/>
+              <a:t>QUEUE.IS_EMPTY()</a:t>
+            </a:r>
+            <a:r>
+              <a:rPr lang="en-US" dirty="0"/>
+              <a:t> </a:t>
+            </a:r>
+            <a:r>
+              <a:rPr lang="en-US" dirty="0">
+                <a:sym typeface="Symbol" panose="05050102010706020507" pitchFamily="18" charset="2"/>
+              </a:rPr>
+              <a:t> </a:t>
+            </a:r>
+            <a:r>
+              <a:rPr lang="en-US" dirty="0" err="1" smtClean="0">
+                <a:sym typeface="Symbol" panose="05050102010706020507" pitchFamily="18" charset="2"/>
+              </a:rPr>
+              <a:t>boolean</a:t>
+            </a:r>
+            <a:endParaRPr lang="en-US" dirty="0" smtClean="0"/>
+          </a:p>
+          <a:p>
+            <a:r>
+              <a:rPr lang="en-US" dirty="0" smtClean="0"/>
+              <a:t>QUEUE.LENGTH() </a:t>
+            </a:r>
+            <a:r>
+              <a:rPr lang="en-US" dirty="0">
+                <a:sym typeface="Symbol" panose="05050102010706020507" pitchFamily="18" charset="2"/>
+              </a:rPr>
+              <a:t> </a:t>
+            </a:r>
+            <a:r>
+              <a:rPr lang="en-US" dirty="0" smtClean="0">
+                <a:sym typeface="Symbol" panose="05050102010706020507" pitchFamily="18" charset="2"/>
+              </a:rPr>
+              <a:t>length</a:t>
+            </a:r>
+            <a:br>
+              <a:rPr lang="en-US" dirty="0" smtClean="0">
+                <a:sym typeface="Symbol" panose="05050102010706020507" pitchFamily="18" charset="2"/>
+              </a:rPr>
+            </a:br>
+            <a:r>
+              <a:rPr lang="en-US" dirty="0" smtClean="0">
+                <a:sym typeface="Symbol" panose="05050102010706020507" pitchFamily="18" charset="2"/>
+              </a:rPr>
+              <a:t>      = #push - #pop</a:t>
+            </a:r>
+            <a:endParaRPr lang="en-US" dirty="0"/>
           </a:p>
         </p:txBody>
       </p:sp>
@@ -17615,7 +20148,7 @@
           <a:p>
             <a:fld id="{11AD1F4E-1E51-402E-B221-310F004E7D3B}" type="slidenum">
               <a:rPr lang="en-US" smtClean="0"/>
-              <a:t>3</a:t>
+              <a:t>33</a:t>
             </a:fld>
             <a:endParaRPr lang="en-US"/>
           </a:p>
@@ -17624,7 +20157,7 @@
     </p:spTree>
     <p:extLst>
       <p:ext uri="{BB962C8B-B14F-4D97-AF65-F5344CB8AC3E}">
-        <p14:creationId xmlns:p14="http://schemas.microsoft.com/office/powerpoint/2010/main" val="33640868"/>
+        <p14:creationId xmlns:p14="http://schemas.microsoft.com/office/powerpoint/2010/main" val="1534393266"/>
       </p:ext>
     </p:extLst>
   </p:cSld>
@@ -17641,7 +20174,7 @@
 </p:sld>
 </file>
 
-<file path=ppt/slides/slide30.xml><?xml version="1.0" encoding="utf-8"?>
+<file path=ppt/slides/slide34.xml><?xml version="1.0" encoding="utf-8"?>
 <p:sld xmlns:a="http://schemas.openxmlformats.org/drawingml/2006/main" xmlns:r="http://schemas.openxmlformats.org/officeDocument/2006/relationships" xmlns:p="http://schemas.openxmlformats.org/presentationml/2006/main">
   <p:cSld>
     <p:spTree>
@@ -17675,128 +20208,7 @@
           <a:p>
             <a:r>
               <a:rPr lang="en-US" dirty="0" smtClean="0"/>
-              <a:t>Queue ADT</a:t>
-            </a:r>
-            <a:endParaRPr lang="en-US" dirty="0"/>
-          </a:p>
-        </p:txBody>
-      </p:sp>
-      <p:sp>
-        <p:nvSpPr>
-          <p:cNvPr id="3" name="Content Placeholder 2"/>
-          <p:cNvSpPr>
-            <a:spLocks noGrp="1"/>
-          </p:cNvSpPr>
-          <p:nvPr>
-            <p:ph idx="1"/>
-          </p:nvPr>
-        </p:nvSpPr>
-        <p:spPr/>
-        <p:txBody>
-          <a:bodyPr/>
-          <a:lstStyle/>
-          <a:p>
-            <a:r>
-              <a:rPr lang="en-US" dirty="0" smtClean="0"/>
-              <a:t>EMPTY_QUEUE() </a:t>
-            </a:r>
-            <a:r>
-              <a:rPr lang="en-US" dirty="0" smtClean="0">
-                <a:sym typeface="Symbol" panose="05050102010706020507" pitchFamily="18" charset="2"/>
-              </a:rPr>
-              <a:t> queue</a:t>
-            </a:r>
-            <a:endParaRPr lang="en-US" dirty="0" smtClean="0"/>
-          </a:p>
-          <a:p>
-            <a:r>
-              <a:rPr lang="en-US" dirty="0" smtClean="0"/>
-              <a:t>QUEUE.PUSH(value</a:t>
-            </a:r>
-            <a:r>
-              <a:rPr lang="en-US" dirty="0"/>
-              <a:t>)</a:t>
-            </a:r>
-          </a:p>
-          <a:p>
-            <a:r>
-              <a:rPr lang="en-US" dirty="0" smtClean="0"/>
-              <a:t>QUEUE.POP()</a:t>
-            </a:r>
-          </a:p>
-          <a:p>
-            <a:r>
-              <a:rPr lang="en-US" dirty="0" smtClean="0"/>
-              <a:t>QUEUE.FRONT()</a:t>
-            </a:r>
-            <a:r>
-              <a:rPr lang="en-US" dirty="0"/>
-              <a:t> </a:t>
-            </a:r>
-            <a:r>
-              <a:rPr lang="en-US" dirty="0">
-                <a:sym typeface="Symbol" panose="05050102010706020507" pitchFamily="18" charset="2"/>
-              </a:rPr>
-              <a:t> </a:t>
-            </a:r>
-            <a:r>
-              <a:rPr lang="en-US" dirty="0" smtClean="0">
-                <a:sym typeface="Symbol" panose="05050102010706020507" pitchFamily="18" charset="2"/>
-              </a:rPr>
-              <a:t>value</a:t>
-            </a:r>
-            <a:endParaRPr lang="en-US" dirty="0"/>
-          </a:p>
-          <a:p>
-            <a:r>
-              <a:rPr lang="en-US" dirty="0" smtClean="0"/>
-              <a:t>QUEUE.IS_EMPTY()</a:t>
-            </a:r>
-            <a:r>
-              <a:rPr lang="en-US" dirty="0"/>
-              <a:t> </a:t>
-            </a:r>
-            <a:r>
-              <a:rPr lang="en-US" dirty="0">
-                <a:sym typeface="Symbol" panose="05050102010706020507" pitchFamily="18" charset="2"/>
-              </a:rPr>
-              <a:t> </a:t>
-            </a:r>
-            <a:r>
-              <a:rPr lang="en-US" dirty="0" err="1" smtClean="0">
-                <a:sym typeface="Symbol" panose="05050102010706020507" pitchFamily="18" charset="2"/>
-              </a:rPr>
-              <a:t>boolean</a:t>
-            </a:r>
-            <a:endParaRPr lang="en-US" dirty="0" smtClean="0"/>
-          </a:p>
-          <a:p>
-            <a:r>
-              <a:rPr lang="en-US" dirty="0" smtClean="0"/>
-              <a:t>QUEUE.LENGTH() </a:t>
-            </a:r>
-            <a:r>
-              <a:rPr lang="en-US" dirty="0">
-                <a:sym typeface="Symbol" panose="05050102010706020507" pitchFamily="18" charset="2"/>
-              </a:rPr>
-              <a:t> </a:t>
-            </a:r>
-            <a:r>
-              <a:rPr lang="en-US" dirty="0" smtClean="0">
-                <a:sym typeface="Symbol" panose="05050102010706020507" pitchFamily="18" charset="2"/>
-              </a:rPr>
-              <a:t>length</a:t>
-            </a:r>
-            <a:br>
-              <a:rPr lang="en-US" dirty="0" smtClean="0">
-                <a:sym typeface="Symbol" panose="05050102010706020507" pitchFamily="18" charset="2"/>
-              </a:rPr>
-            </a:br>
-            <a:r>
-              <a:rPr lang="en-US" dirty="0" smtClean="0">
-                <a:sym typeface="Symbol" panose="05050102010706020507" pitchFamily="18" charset="2"/>
-              </a:rPr>
-              <a:t>      = #push - #pop</a:t>
+              <a:t>Queue examples</a:t>
             </a:r>
             <a:endParaRPr lang="en-US" dirty="0"/>
           </a:p>
@@ -17819,90 +20231,7 @@
           <a:p>
             <a:fld id="{11AD1F4E-1E51-402E-B221-310F004E7D3B}" type="slidenum">
               <a:rPr lang="en-US" smtClean="0"/>
-              <a:t>30</a:t>
-            </a:fld>
-            <a:endParaRPr lang="en-US"/>
-          </a:p>
-        </p:txBody>
-      </p:sp>
-    </p:spTree>
-    <p:extLst>
-      <p:ext uri="{BB962C8B-B14F-4D97-AF65-F5344CB8AC3E}">
-        <p14:creationId xmlns:p14="http://schemas.microsoft.com/office/powerpoint/2010/main" val="1534393266"/>
-      </p:ext>
-    </p:extLst>
-  </p:cSld>
-  <p:clrMapOvr>
-    <a:masterClrMapping/>
-  </p:clrMapOvr>
-  <p:timing>
-    <p:tnLst>
-      <p:par>
-        <p:cTn id="1" dur="indefinite" restart="never" nodeType="tmRoot"/>
-      </p:par>
-    </p:tnLst>
-  </p:timing>
-</p:sld>
-</file>
-
-<file path=ppt/slides/slide31.xml><?xml version="1.0" encoding="utf-8"?>
-<p:sld xmlns:a="http://schemas.openxmlformats.org/drawingml/2006/main" xmlns:r="http://schemas.openxmlformats.org/officeDocument/2006/relationships" xmlns:p="http://schemas.openxmlformats.org/presentationml/2006/main">
-  <p:cSld>
-    <p:spTree>
-      <p:nvGrpSpPr>
-        <p:cNvPr id="1" name=""/>
-        <p:cNvGrpSpPr/>
-        <p:nvPr/>
-      </p:nvGrpSpPr>
-      <p:grpSpPr>
-        <a:xfrm>
-          <a:off x="0" y="0"/>
-          <a:ext cx="0" cy="0"/>
-          <a:chOff x="0" y="0"/>
-          <a:chExt cx="0" cy="0"/>
-        </a:xfrm>
-      </p:grpSpPr>
-      <p:sp>
-        <p:nvSpPr>
-          <p:cNvPr id="2" name="Title 1"/>
-          <p:cNvSpPr>
-            <a:spLocks noGrp="1"/>
-          </p:cNvSpPr>
-          <p:nvPr>
-            <p:ph type="title"/>
-          </p:nvPr>
-        </p:nvSpPr>
-        <p:spPr/>
-        <p:txBody>
-          <a:bodyPr/>
-          <a:lstStyle/>
-          <a:p>
-            <a:r>
-              <a:rPr lang="en-US" dirty="0" smtClean="0"/>
-              <a:t>Queue examples</a:t>
-            </a:r>
-            <a:endParaRPr lang="en-US" dirty="0"/>
-          </a:p>
-        </p:txBody>
-      </p:sp>
-      <p:sp>
-        <p:nvSpPr>
-          <p:cNvPr id="4" name="Slide Number Placeholder 3"/>
-          <p:cNvSpPr>
-            <a:spLocks noGrp="1"/>
-          </p:cNvSpPr>
-          <p:nvPr>
-            <p:ph type="sldNum" sz="quarter" idx="12"/>
-          </p:nvPr>
-        </p:nvSpPr>
-        <p:spPr/>
-        <p:txBody>
-          <a:bodyPr/>
-          <a:lstStyle/>
-          <a:p>
-            <a:fld id="{11AD1F4E-1E51-402E-B221-310F004E7D3B}" type="slidenum">
-              <a:rPr lang="en-US" smtClean="0"/>
-              <a:t>31</a:t>
+              <a:t>34</a:t>
             </a:fld>
             <a:endParaRPr lang="en-US"/>
           </a:p>
@@ -17944,14 +20273,7 @@
                 <a:latin typeface="Courier New" panose="02070309020205020404" pitchFamily="49" charset="0"/>
                 <a:cs typeface="Courier New" panose="02070309020205020404" pitchFamily="49" charset="0"/>
               </a:rPr>
-              <a:t>#</a:t>
-            </a:r>
-            <a:r>
-              <a:rPr lang="en-US" dirty="0" smtClean="0">
-                <a:latin typeface="Courier New" panose="02070309020205020404" pitchFamily="49" charset="0"/>
-                <a:cs typeface="Courier New" panose="02070309020205020404" pitchFamily="49" charset="0"/>
-              </a:rPr>
-              <a:t>include &lt;queue&gt;</a:t>
+              <a:t>#include &lt;queue&gt;</a:t>
             </a:r>
           </a:p>
           <a:p>
@@ -18290,7 +20612,7 @@
 </p:sld>
 </file>
 
-<file path=ppt/slides/slide32.xml><?xml version="1.0" encoding="utf-8"?>
+<file path=ppt/slides/slide35.xml><?xml version="1.0" encoding="utf-8"?>
 <p:sld xmlns:a="http://schemas.openxmlformats.org/drawingml/2006/main" xmlns:r="http://schemas.openxmlformats.org/officeDocument/2006/relationships" xmlns:p="http://schemas.openxmlformats.org/presentationml/2006/main">
   <p:cSld>
     <p:spTree>
@@ -18431,7 +20753,7 @@
           <a:p>
             <a:fld id="{11AD1F4E-1E51-402E-B221-310F004E7D3B}" type="slidenum">
               <a:rPr lang="en-US" smtClean="0"/>
-              <a:t>32</a:t>
+              <a:t>35</a:t>
             </a:fld>
             <a:endParaRPr lang="en-US"/>
           </a:p>
@@ -18469,7 +20791,7 @@
             <a:graphicData uri="http://schemas.openxmlformats.org/presentationml/2006/ole">
               <mc:AlternateContent xmlns:mc="http://schemas.openxmlformats.org/markup-compatibility/2006">
                 <mc:Choice xmlns:v="urn:schemas-microsoft-com:vml" Requires="v">
-                  <p:oleObj spid="_x0000_s10275" name="Equation" r:id="rId3" imgW="444240" imgH="241200" progId="Equation.3">
+                  <p:oleObj spid="_x0000_s10277" name="Equation" r:id="rId3" imgW="444240" imgH="241200" progId="Equation.3">
                     <p:embed/>
                   </p:oleObj>
                 </mc:Choice>
@@ -19175,7 +21497,7 @@
 </p:sld>
 </file>
 
-<file path=ppt/slides/slide33.xml><?xml version="1.0" encoding="utf-8"?>
+<file path=ppt/slides/slide36.xml><?xml version="1.0" encoding="utf-8"?>
 <p:sld xmlns:a="http://schemas.openxmlformats.org/drawingml/2006/main" xmlns:r="http://schemas.openxmlformats.org/officeDocument/2006/relationships" xmlns:p="http://schemas.openxmlformats.org/presentationml/2006/main">
   <p:cSld>
     <p:spTree>
@@ -19353,7 +21675,7 @@
           <a:p>
             <a:fld id="{11AD1F4E-1E51-402E-B221-310F004E7D3B}" type="slidenum">
               <a:rPr lang="en-US" smtClean="0"/>
-              <a:t>33</a:t>
+              <a:t>36</a:t>
             </a:fld>
             <a:endParaRPr lang="en-US"/>
           </a:p>
@@ -19379,7 +21701,7 @@
 </p:sld>
 </file>
 
-<file path=ppt/slides/slide34.xml><?xml version="1.0" encoding="utf-8"?>
+<file path=ppt/slides/slide37.xml><?xml version="1.0" encoding="utf-8"?>
 <p:sld xmlns:a="http://schemas.openxmlformats.org/drawingml/2006/main" xmlns:r="http://schemas.openxmlformats.org/officeDocument/2006/relationships" xmlns:p="http://schemas.openxmlformats.org/presentationml/2006/main">
   <p:cSld>
     <p:spTree>
@@ -19539,7 +21861,7 @@
           <a:p>
             <a:fld id="{11AD1F4E-1E51-402E-B221-310F004E7D3B}" type="slidenum">
               <a:rPr lang="en-US" smtClean="0"/>
-              <a:t>34</a:t>
+              <a:t>37</a:t>
             </a:fld>
             <a:endParaRPr lang="en-US"/>
           </a:p>
@@ -19581,7 +21903,7 @@
             <a:graphicData uri="http://schemas.openxmlformats.org/presentationml/2006/ole">
               <mc:AlternateContent xmlns:mc="http://schemas.openxmlformats.org/markup-compatibility/2006">
                 <mc:Choice xmlns:v="urn:schemas-microsoft-com:vml" Requires="v">
-                  <p:oleObj spid="_x0000_s9272" name="Equation" r:id="rId3" imgW="1104840" imgH="215640" progId="Equation.3">
+                  <p:oleObj spid="_x0000_s9274" name="Equation" r:id="rId3" imgW="1104840" imgH="215640" progId="Equation.3">
                     <p:embed/>
                   </p:oleObj>
                 </mc:Choice>
@@ -20673,7 +22995,7 @@
 </p:sld>
 </file>
 
-<file path=ppt/slides/slide35.xml><?xml version="1.0" encoding="utf-8"?>
+<file path=ppt/slides/slide38.xml><?xml version="1.0" encoding="utf-8"?>
 <p:sld xmlns:a="http://schemas.openxmlformats.org/drawingml/2006/main" xmlns:r="http://schemas.openxmlformats.org/officeDocument/2006/relationships" xmlns:p="http://schemas.openxmlformats.org/presentationml/2006/main">
   <p:cSld>
     <p:spTree>
@@ -21089,7 +23411,7 @@
           <a:p>
             <a:fld id="{11AD1F4E-1E51-402E-B221-310F004E7D3B}" type="slidenum">
               <a:rPr lang="en-US" smtClean="0"/>
-              <a:t>35</a:t>
+              <a:t>38</a:t>
             </a:fld>
             <a:endParaRPr lang="en-US"/>
           </a:p>
@@ -21115,7 +23437,7 @@
 </p:sld>
 </file>
 
-<file path=ppt/slides/slide36.xml><?xml version="1.0" encoding="utf-8"?>
+<file path=ppt/slides/slide39.xml><?xml version="1.0" encoding="utf-8"?>
 <p:sld xmlns:a="http://schemas.openxmlformats.org/drawingml/2006/main" xmlns:r="http://schemas.openxmlformats.org/officeDocument/2006/relationships" xmlns:p="http://schemas.openxmlformats.org/presentationml/2006/main">
   <p:cSld>
     <p:spTree>
@@ -21265,7 +23587,7 @@
           <a:p>
             <a:fld id="{11AD1F4E-1E51-402E-B221-310F004E7D3B}" type="slidenum">
               <a:rPr lang="en-US" smtClean="0"/>
-              <a:t>36</a:t>
+              <a:t>39</a:t>
             </a:fld>
             <a:endParaRPr lang="en-US"/>
           </a:p>
@@ -23462,7 +25784,7 @@
 </p:sld>
 </file>
 
-<file path=ppt/slides/slide37.xml><?xml version="1.0" encoding="utf-8"?>
+<file path=ppt/slides/slide4.xml><?xml version="1.0" encoding="utf-8"?>
 <p:sld xmlns:a="http://schemas.openxmlformats.org/drawingml/2006/main" xmlns:r="http://schemas.openxmlformats.org/officeDocument/2006/relationships" xmlns:p="http://schemas.openxmlformats.org/presentationml/2006/main">
   <p:cSld>
     <p:spTree>
@@ -23496,6 +25818,637 @@
           <a:p>
             <a:r>
               <a:rPr lang="en-US" dirty="0" smtClean="0"/>
+              <a:t>Motivation</a:t>
+            </a:r>
+            <a:endParaRPr lang="en-US" dirty="0"/>
+          </a:p>
+        </p:txBody>
+      </p:sp>
+      <p:sp>
+        <p:nvSpPr>
+          <p:cNvPr id="3" name="Content Placeholder 2"/>
+          <p:cNvSpPr>
+            <a:spLocks noGrp="1"/>
+          </p:cNvSpPr>
+          <p:nvPr>
+            <p:ph idx="1"/>
+          </p:nvPr>
+        </p:nvSpPr>
+        <p:spPr>
+          <a:xfrm>
+            <a:off x="628650" y="1825625"/>
+            <a:ext cx="7886700" cy="4351338"/>
+          </a:xfrm>
+        </p:spPr>
+        <p:txBody>
+          <a:bodyPr>
+            <a:normAutofit lnSpcReduction="10000"/>
+          </a:bodyPr>
+          <a:lstStyle/>
+          <a:p>
+            <a:r>
+              <a:rPr lang="en-US" dirty="0" smtClean="0"/>
+              <a:t>Data structures are key to good programming</a:t>
+            </a:r>
+          </a:p>
+          <a:p>
+            <a:pPr lvl="1"/>
+            <a:r>
+              <a:rPr lang="en-US" dirty="0" smtClean="0"/>
+              <a:t>implementation conceptually close to model</a:t>
+            </a:r>
+          </a:p>
+          <a:p>
+            <a:pPr lvl="1"/>
+            <a:r>
+              <a:rPr lang="en-US" dirty="0" smtClean="0"/>
+              <a:t>fewer lines of code = less bugs</a:t>
+            </a:r>
+          </a:p>
+          <a:p>
+            <a:pPr lvl="1"/>
+            <a:r>
+              <a:rPr lang="en-US" dirty="0" smtClean="0"/>
+              <a:t>better performance</a:t>
+            </a:r>
+          </a:p>
+          <a:p>
+            <a:r>
+              <a:rPr lang="en-US" dirty="0" smtClean="0"/>
+              <a:t>Programming languages</a:t>
+            </a:r>
+          </a:p>
+          <a:p>
+            <a:pPr lvl="1"/>
+            <a:r>
+              <a:rPr lang="en-US" dirty="0" smtClean="0"/>
+              <a:t>C++: STL (Standard Template Library)</a:t>
+            </a:r>
+          </a:p>
+          <a:p>
+            <a:pPr lvl="1"/>
+            <a:r>
+              <a:rPr lang="en-US" dirty="0" smtClean="0"/>
+              <a:t>Python: core language, standard library</a:t>
+            </a:r>
+          </a:p>
+          <a:p>
+            <a:pPr lvl="1"/>
+            <a:r>
+              <a:rPr lang="en-US" dirty="0" smtClean="0"/>
+              <a:t>Java: standard library</a:t>
+            </a:r>
+          </a:p>
+          <a:p>
+            <a:pPr lvl="1"/>
+            <a:endParaRPr lang="en-US" dirty="0"/>
+          </a:p>
+          <a:p>
+            <a:endParaRPr lang="en-US" dirty="0" smtClean="0"/>
+          </a:p>
+          <a:p>
+            <a:r>
+              <a:rPr lang="en-US" dirty="0" smtClean="0">
+                <a:solidFill>
+                  <a:srgbClr val="FF0000"/>
+                </a:solidFill>
+              </a:rPr>
+              <a:t>Don't reinvent the wheel!</a:t>
+            </a:r>
+          </a:p>
+          <a:p>
+            <a:pPr lvl="1"/>
+            <a:endParaRPr lang="en-US" dirty="0"/>
+          </a:p>
+        </p:txBody>
+      </p:sp>
+      <p:sp>
+        <p:nvSpPr>
+          <p:cNvPr id="4" name="TextBox 3"/>
+          <p:cNvSpPr txBox="1"/>
+          <p:nvPr/>
+        </p:nvSpPr>
+        <p:spPr>
+          <a:xfrm>
+            <a:off x="1350819" y="5029199"/>
+            <a:ext cx="4668650" cy="415498"/>
+          </a:xfrm>
+          <a:prstGeom prst="rect">
+            <a:avLst/>
+          </a:prstGeom>
+          <a:noFill/>
+          <a:ln>
+            <a:solidFill>
+              <a:schemeClr val="tx1"/>
+            </a:solidFill>
+          </a:ln>
+        </p:spPr>
+        <p:txBody>
+          <a:bodyPr wrap="none" rtlCol="0">
+            <a:spAutoFit/>
+          </a:bodyPr>
+          <a:lstStyle/>
+          <a:p>
+            <a:r>
+              <a:rPr lang="en-US" sz="2100" dirty="0"/>
+              <a:t>For all languages, many 3</a:t>
+            </a:r>
+            <a:r>
+              <a:rPr lang="en-US" sz="2100" baseline="30000" dirty="0"/>
+              <a:t>rd</a:t>
+            </a:r>
+            <a:r>
+              <a:rPr lang="en-US" sz="2100" dirty="0"/>
+              <a:t> party libraries</a:t>
+            </a:r>
+          </a:p>
+        </p:txBody>
+      </p:sp>
+      <p:sp>
+        <p:nvSpPr>
+          <p:cNvPr id="5" name="Slide Number Placeholder 4"/>
+          <p:cNvSpPr>
+            <a:spLocks noGrp="1"/>
+          </p:cNvSpPr>
+          <p:nvPr>
+            <p:ph type="sldNum" sz="quarter" idx="12"/>
+          </p:nvPr>
+        </p:nvSpPr>
+        <p:spPr/>
+        <p:txBody>
+          <a:bodyPr/>
+          <a:lstStyle/>
+          <a:p>
+            <a:fld id="{11AD1F4E-1E51-402E-B221-310F004E7D3B}" type="slidenum">
+              <a:rPr lang="en-US" smtClean="0"/>
+              <a:t>4</a:t>
+            </a:fld>
+            <a:endParaRPr lang="en-US"/>
+          </a:p>
+        </p:txBody>
+      </p:sp>
+    </p:spTree>
+    <p:extLst>
+      <p:ext uri="{BB962C8B-B14F-4D97-AF65-F5344CB8AC3E}">
+        <p14:creationId xmlns:p14="http://schemas.microsoft.com/office/powerpoint/2010/main" val="2709702978"/>
+      </p:ext>
+    </p:extLst>
+  </p:cSld>
+  <p:clrMapOvr>
+    <a:masterClrMapping/>
+  </p:clrMapOvr>
+  <p:timing>
+    <p:tnLst>
+      <p:par>
+        <p:cTn id="1" dur="indefinite" restart="never" nodeType="tmRoot">
+          <p:childTnLst>
+            <p:seq concurrent="1" nextAc="seek">
+              <p:cTn id="2" dur="indefinite" nodeType="mainSeq">
+                <p:childTnLst>
+                  <p:par>
+                    <p:cTn id="3" fill="hold">
+                      <p:stCondLst>
+                        <p:cond delay="indefinite"/>
+                        <p:cond evt="onBegin" delay="0">
+                          <p:tn val="2"/>
+                        </p:cond>
+                      </p:stCondLst>
+                      <p:childTnLst>
+                        <p:par>
+                          <p:cTn id="4" fill="hold">
+                            <p:stCondLst>
+                              <p:cond delay="0"/>
+                            </p:stCondLst>
+                            <p:childTnLst>
+                              <p:par>
+                                <p:cTn id="5" presetID="1" presetClass="entr" presetSubtype="0" fill="hold" grpId="0" nodeType="withEffect">
+                                  <p:stCondLst>
+                                    <p:cond delay="0"/>
+                                  </p:stCondLst>
+                                  <p:childTnLst>
+                                    <p:set>
+                                      <p:cBhvr>
+                                        <p:cTn id="6" dur="1" fill="hold">
+                                          <p:stCondLst>
+                                            <p:cond delay="0"/>
+                                          </p:stCondLst>
+                                        </p:cTn>
+                                        <p:tgtEl>
+                                          <p:spTgt spid="3">
+                                            <p:txEl>
+                                              <p:pRg st="0" end="0"/>
+                                            </p:txEl>
+                                          </p:spTgt>
+                                        </p:tgtEl>
+                                        <p:attrNameLst>
+                                          <p:attrName>style.visibility</p:attrName>
+                                        </p:attrNameLst>
+                                      </p:cBhvr>
+                                      <p:to>
+                                        <p:strVal val="visible"/>
+                                      </p:to>
+                                    </p:set>
+                                  </p:childTnLst>
+                                </p:cTn>
+                              </p:par>
+                              <p:par>
+                                <p:cTn id="7" presetID="1" presetClass="entr" presetSubtype="0" fill="hold" grpId="0" nodeType="withEffect">
+                                  <p:stCondLst>
+                                    <p:cond delay="0"/>
+                                  </p:stCondLst>
+                                  <p:childTnLst>
+                                    <p:set>
+                                      <p:cBhvr>
+                                        <p:cTn id="8" dur="1" fill="hold">
+                                          <p:stCondLst>
+                                            <p:cond delay="0"/>
+                                          </p:stCondLst>
+                                        </p:cTn>
+                                        <p:tgtEl>
+                                          <p:spTgt spid="3">
+                                            <p:txEl>
+                                              <p:pRg st="1" end="1"/>
+                                            </p:txEl>
+                                          </p:spTgt>
+                                        </p:tgtEl>
+                                        <p:attrNameLst>
+                                          <p:attrName>style.visibility</p:attrName>
+                                        </p:attrNameLst>
+                                      </p:cBhvr>
+                                      <p:to>
+                                        <p:strVal val="visible"/>
+                                      </p:to>
+                                    </p:set>
+                                  </p:childTnLst>
+                                </p:cTn>
+                              </p:par>
+                              <p:par>
+                                <p:cTn id="9" presetID="1" presetClass="entr" presetSubtype="0" fill="hold" grpId="0" nodeType="withEffect">
+                                  <p:stCondLst>
+                                    <p:cond delay="0"/>
+                                  </p:stCondLst>
+                                  <p:childTnLst>
+                                    <p:set>
+                                      <p:cBhvr>
+                                        <p:cTn id="10" dur="1" fill="hold">
+                                          <p:stCondLst>
+                                            <p:cond delay="0"/>
+                                          </p:stCondLst>
+                                        </p:cTn>
+                                        <p:tgtEl>
+                                          <p:spTgt spid="3">
+                                            <p:txEl>
+                                              <p:pRg st="2" end="2"/>
+                                            </p:txEl>
+                                          </p:spTgt>
+                                        </p:tgtEl>
+                                        <p:attrNameLst>
+                                          <p:attrName>style.visibility</p:attrName>
+                                        </p:attrNameLst>
+                                      </p:cBhvr>
+                                      <p:to>
+                                        <p:strVal val="visible"/>
+                                      </p:to>
+                                    </p:set>
+                                  </p:childTnLst>
+                                </p:cTn>
+                              </p:par>
+                              <p:par>
+                                <p:cTn id="11" presetID="1" presetClass="entr" presetSubtype="0" fill="hold" grpId="0" nodeType="withEffect">
+                                  <p:stCondLst>
+                                    <p:cond delay="0"/>
+                                  </p:stCondLst>
+                                  <p:childTnLst>
+                                    <p:set>
+                                      <p:cBhvr>
+                                        <p:cTn id="12" dur="1" fill="hold">
+                                          <p:stCondLst>
+                                            <p:cond delay="0"/>
+                                          </p:stCondLst>
+                                        </p:cTn>
+                                        <p:tgtEl>
+                                          <p:spTgt spid="3">
+                                            <p:txEl>
+                                              <p:pRg st="3" end="3"/>
+                                            </p:txEl>
+                                          </p:spTgt>
+                                        </p:tgtEl>
+                                        <p:attrNameLst>
+                                          <p:attrName>style.visibility</p:attrName>
+                                        </p:attrNameLst>
+                                      </p:cBhvr>
+                                      <p:to>
+                                        <p:strVal val="visible"/>
+                                      </p:to>
+                                    </p:set>
+                                  </p:childTnLst>
+                                </p:cTn>
+                              </p:par>
+                            </p:childTnLst>
+                          </p:cTn>
+                        </p:par>
+                      </p:childTnLst>
+                    </p:cTn>
+                  </p:par>
+                  <p:par>
+                    <p:cTn id="13" fill="hold">
+                      <p:stCondLst>
+                        <p:cond delay="indefinite"/>
+                      </p:stCondLst>
+                      <p:childTnLst>
+                        <p:par>
+                          <p:cTn id="14" fill="hold">
+                            <p:stCondLst>
+                              <p:cond delay="0"/>
+                            </p:stCondLst>
+                            <p:childTnLst>
+                              <p:par>
+                                <p:cTn id="15" presetID="1" presetClass="entr" presetSubtype="0" fill="hold" grpId="0" nodeType="clickEffect">
+                                  <p:stCondLst>
+                                    <p:cond delay="0"/>
+                                  </p:stCondLst>
+                                  <p:childTnLst>
+                                    <p:set>
+                                      <p:cBhvr>
+                                        <p:cTn id="16" dur="1" fill="hold">
+                                          <p:stCondLst>
+                                            <p:cond delay="0"/>
+                                          </p:stCondLst>
+                                        </p:cTn>
+                                        <p:tgtEl>
+                                          <p:spTgt spid="3">
+                                            <p:txEl>
+                                              <p:pRg st="4" end="4"/>
+                                            </p:txEl>
+                                          </p:spTgt>
+                                        </p:tgtEl>
+                                        <p:attrNameLst>
+                                          <p:attrName>style.visibility</p:attrName>
+                                        </p:attrNameLst>
+                                      </p:cBhvr>
+                                      <p:to>
+                                        <p:strVal val="visible"/>
+                                      </p:to>
+                                    </p:set>
+                                  </p:childTnLst>
+                                </p:cTn>
+                              </p:par>
+                              <p:par>
+                                <p:cTn id="17" presetID="1" presetClass="entr" presetSubtype="0" fill="hold" grpId="0" nodeType="withEffect">
+                                  <p:stCondLst>
+                                    <p:cond delay="0"/>
+                                  </p:stCondLst>
+                                  <p:childTnLst>
+                                    <p:set>
+                                      <p:cBhvr>
+                                        <p:cTn id="18" dur="1" fill="hold">
+                                          <p:stCondLst>
+                                            <p:cond delay="0"/>
+                                          </p:stCondLst>
+                                        </p:cTn>
+                                        <p:tgtEl>
+                                          <p:spTgt spid="3">
+                                            <p:txEl>
+                                              <p:pRg st="5" end="5"/>
+                                            </p:txEl>
+                                          </p:spTgt>
+                                        </p:tgtEl>
+                                        <p:attrNameLst>
+                                          <p:attrName>style.visibility</p:attrName>
+                                        </p:attrNameLst>
+                                      </p:cBhvr>
+                                      <p:to>
+                                        <p:strVal val="visible"/>
+                                      </p:to>
+                                    </p:set>
+                                  </p:childTnLst>
+                                </p:cTn>
+                              </p:par>
+                              <p:par>
+                                <p:cTn id="19" presetID="1" presetClass="entr" presetSubtype="0" fill="hold" grpId="0" nodeType="withEffect">
+                                  <p:stCondLst>
+                                    <p:cond delay="0"/>
+                                  </p:stCondLst>
+                                  <p:childTnLst>
+                                    <p:set>
+                                      <p:cBhvr>
+                                        <p:cTn id="20" dur="1" fill="hold">
+                                          <p:stCondLst>
+                                            <p:cond delay="0"/>
+                                          </p:stCondLst>
+                                        </p:cTn>
+                                        <p:tgtEl>
+                                          <p:spTgt spid="3">
+                                            <p:txEl>
+                                              <p:pRg st="6" end="6"/>
+                                            </p:txEl>
+                                          </p:spTgt>
+                                        </p:tgtEl>
+                                        <p:attrNameLst>
+                                          <p:attrName>style.visibility</p:attrName>
+                                        </p:attrNameLst>
+                                      </p:cBhvr>
+                                      <p:to>
+                                        <p:strVal val="visible"/>
+                                      </p:to>
+                                    </p:set>
+                                  </p:childTnLst>
+                                </p:cTn>
+                              </p:par>
+                              <p:par>
+                                <p:cTn id="21" presetID="1" presetClass="entr" presetSubtype="0" fill="hold" grpId="0" nodeType="withEffect">
+                                  <p:stCondLst>
+                                    <p:cond delay="0"/>
+                                  </p:stCondLst>
+                                  <p:childTnLst>
+                                    <p:set>
+                                      <p:cBhvr>
+                                        <p:cTn id="22" dur="1" fill="hold">
+                                          <p:stCondLst>
+                                            <p:cond delay="0"/>
+                                          </p:stCondLst>
+                                        </p:cTn>
+                                        <p:tgtEl>
+                                          <p:spTgt spid="3">
+                                            <p:txEl>
+                                              <p:pRg st="7" end="7"/>
+                                            </p:txEl>
+                                          </p:spTgt>
+                                        </p:tgtEl>
+                                        <p:attrNameLst>
+                                          <p:attrName>style.visibility</p:attrName>
+                                        </p:attrNameLst>
+                                      </p:cBhvr>
+                                      <p:to>
+                                        <p:strVal val="visible"/>
+                                      </p:to>
+                                    </p:set>
+                                  </p:childTnLst>
+                                </p:cTn>
+                              </p:par>
+                            </p:childTnLst>
+                          </p:cTn>
+                        </p:par>
+                      </p:childTnLst>
+                    </p:cTn>
+                  </p:par>
+                  <p:par>
+                    <p:cTn id="23" fill="hold">
+                      <p:stCondLst>
+                        <p:cond delay="indefinite"/>
+                      </p:stCondLst>
+                      <p:childTnLst>
+                        <p:par>
+                          <p:cTn id="24" fill="hold">
+                            <p:stCondLst>
+                              <p:cond delay="0"/>
+                            </p:stCondLst>
+                            <p:childTnLst>
+                              <p:par>
+                                <p:cTn id="25" presetID="1" presetClass="entr" presetSubtype="0" fill="hold" grpId="0" nodeType="clickEffect">
+                                  <p:stCondLst>
+                                    <p:cond delay="0"/>
+                                  </p:stCondLst>
+                                  <p:childTnLst>
+                                    <p:set>
+                                      <p:cBhvr>
+                                        <p:cTn id="26" dur="1" fill="hold">
+                                          <p:stCondLst>
+                                            <p:cond delay="0"/>
+                                          </p:stCondLst>
+                                        </p:cTn>
+                                        <p:tgtEl>
+                                          <p:spTgt spid="4"/>
+                                        </p:tgtEl>
+                                        <p:attrNameLst>
+                                          <p:attrName>style.visibility</p:attrName>
+                                        </p:attrNameLst>
+                                      </p:cBhvr>
+                                      <p:to>
+                                        <p:strVal val="visible"/>
+                                      </p:to>
+                                    </p:set>
+                                  </p:childTnLst>
+                                </p:cTn>
+                              </p:par>
+                            </p:childTnLst>
+                          </p:cTn>
+                        </p:par>
+                      </p:childTnLst>
+                    </p:cTn>
+                  </p:par>
+                  <p:par>
+                    <p:cTn id="27" fill="hold">
+                      <p:stCondLst>
+                        <p:cond delay="indefinite"/>
+                      </p:stCondLst>
+                      <p:childTnLst>
+                        <p:par>
+                          <p:cTn id="28" fill="hold">
+                            <p:stCondLst>
+                              <p:cond delay="0"/>
+                            </p:stCondLst>
+                            <p:childTnLst>
+                              <p:par>
+                                <p:cTn id="29" presetID="1" presetClass="entr" presetSubtype="0" fill="hold" grpId="0" nodeType="clickEffect">
+                                  <p:stCondLst>
+                                    <p:cond delay="0"/>
+                                  </p:stCondLst>
+                                  <p:childTnLst>
+                                    <p:set>
+                                      <p:cBhvr>
+                                        <p:cTn id="30" dur="1" fill="hold">
+                                          <p:stCondLst>
+                                            <p:cond delay="0"/>
+                                          </p:stCondLst>
+                                        </p:cTn>
+                                        <p:tgtEl>
+                                          <p:spTgt spid="3">
+                                            <p:txEl>
+                                              <p:pRg st="10" end="10"/>
+                                            </p:txEl>
+                                          </p:spTgt>
+                                        </p:tgtEl>
+                                        <p:attrNameLst>
+                                          <p:attrName>style.visibility</p:attrName>
+                                        </p:attrNameLst>
+                                      </p:cBhvr>
+                                      <p:to>
+                                        <p:strVal val="visible"/>
+                                      </p:to>
+                                    </p:set>
+                                  </p:childTnLst>
+                                </p:cTn>
+                              </p:par>
+                            </p:childTnLst>
+                          </p:cTn>
+                        </p:par>
+                      </p:childTnLst>
+                    </p:cTn>
+                  </p:par>
+                </p:childTnLst>
+              </p:cTn>
+              <p:prevCondLst>
+                <p:cond evt="onPrev" delay="0">
+                  <p:tgtEl>
+                    <p:sldTgt/>
+                  </p:tgtEl>
+                </p:cond>
+              </p:prevCondLst>
+              <p:nextCondLst>
+                <p:cond evt="onNext" delay="0">
+                  <p:tgtEl>
+                    <p:sldTgt/>
+                  </p:tgtEl>
+                </p:cond>
+              </p:nextCondLst>
+            </p:seq>
+          </p:childTnLst>
+        </p:cTn>
+      </p:par>
+    </p:tnLst>
+    <p:bldLst>
+      <p:bldP spid="3" grpId="0" uiExpand="1" build="p"/>
+      <p:bldP spid="4" grpId="0" animBg="1"/>
+    </p:bldLst>
+  </p:timing>
+</p:sld>
+</file>
+
+<file path=ppt/slides/slide40.xml><?xml version="1.0" encoding="utf-8"?>
+<p:sld xmlns:a="http://schemas.openxmlformats.org/drawingml/2006/main" xmlns:r="http://schemas.openxmlformats.org/officeDocument/2006/relationships" xmlns:p="http://schemas.openxmlformats.org/presentationml/2006/main">
+  <p:cSld>
+    <p:spTree>
+      <p:nvGrpSpPr>
+        <p:cNvPr id="1" name=""/>
+        <p:cNvGrpSpPr/>
+        <p:nvPr/>
+      </p:nvGrpSpPr>
+      <p:grpSpPr>
+        <a:xfrm>
+          <a:off x="0" y="0"/>
+          <a:ext cx="0" cy="0"/>
+          <a:chOff x="0" y="0"/>
+          <a:chExt cx="0" cy="0"/>
+        </a:xfrm>
+      </p:grpSpPr>
+      <p:sp>
+        <p:nvSpPr>
+          <p:cNvPr id="2" name="Title 1"/>
+          <p:cNvSpPr>
+            <a:spLocks noGrp="1"/>
+          </p:cNvSpPr>
+          <p:nvPr>
+            <p:ph type="title"/>
+          </p:nvPr>
+        </p:nvSpPr>
+        <p:spPr/>
+        <p:txBody>
+          <a:bodyPr/>
+          <a:lstStyle/>
+          <a:p>
+            <a:r>
+              <a:rPr lang="en-US" dirty="0" smtClean="0"/>
               <a:t>Graph algorithms</a:t>
             </a:r>
             <a:endParaRPr lang="en-US" dirty="0"/>
@@ -23554,7 +26507,7 @@
           <a:p>
             <a:fld id="{11AD1F4E-1E51-402E-B221-310F004E7D3B}" type="slidenum">
               <a:rPr lang="en-US" smtClean="0"/>
-              <a:t>37</a:t>
+              <a:t>40</a:t>
             </a:fld>
             <a:endParaRPr lang="en-US"/>
           </a:p>
@@ -25017,7 +27970,7 @@
 </p:sld>
 </file>
 
-<file path=ppt/slides/slide38.xml><?xml version="1.0" encoding="utf-8"?>
+<file path=ppt/slides/slide41.xml><?xml version="1.0" encoding="utf-8"?>
 <p:sld xmlns:a="http://schemas.openxmlformats.org/drawingml/2006/main" xmlns:r="http://schemas.openxmlformats.org/officeDocument/2006/relationships" xmlns:p="http://schemas.openxmlformats.org/presentationml/2006/main">
   <p:cSld>
     <p:spTree>
@@ -25144,7 +28097,6 @@
               <a:rPr lang="en-US" dirty="0" smtClean="0"/>
               <a:t>)</a:t>
             </a:r>
-            <a:endParaRPr lang="en-US" dirty="0" smtClean="0"/>
           </a:p>
         </p:txBody>
       </p:sp>
@@ -25165,7 +28117,7 @@
           <a:p>
             <a:fld id="{11AD1F4E-1E51-402E-B221-310F004E7D3B}" type="slidenum">
               <a:rPr lang="en-US" smtClean="0"/>
-              <a:t>38</a:t>
+              <a:t>41</a:t>
             </a:fld>
             <a:endParaRPr lang="en-US"/>
           </a:p>
@@ -25187,637 +28139,6 @@
         <p:cTn id="1" dur="indefinite" restart="never" nodeType="tmRoot"/>
       </p:par>
     </p:tnLst>
-  </p:timing>
-</p:sld>
-</file>
-
-<file path=ppt/slides/slide4.xml><?xml version="1.0" encoding="utf-8"?>
-<p:sld xmlns:a="http://schemas.openxmlformats.org/drawingml/2006/main" xmlns:r="http://schemas.openxmlformats.org/officeDocument/2006/relationships" xmlns:p="http://schemas.openxmlformats.org/presentationml/2006/main">
-  <p:cSld>
-    <p:spTree>
-      <p:nvGrpSpPr>
-        <p:cNvPr id="1" name=""/>
-        <p:cNvGrpSpPr/>
-        <p:nvPr/>
-      </p:nvGrpSpPr>
-      <p:grpSpPr>
-        <a:xfrm>
-          <a:off x="0" y="0"/>
-          <a:ext cx="0" cy="0"/>
-          <a:chOff x="0" y="0"/>
-          <a:chExt cx="0" cy="0"/>
-        </a:xfrm>
-      </p:grpSpPr>
-      <p:sp>
-        <p:nvSpPr>
-          <p:cNvPr id="2" name="Title 1"/>
-          <p:cNvSpPr>
-            <a:spLocks noGrp="1"/>
-          </p:cNvSpPr>
-          <p:nvPr>
-            <p:ph type="title"/>
-          </p:nvPr>
-        </p:nvSpPr>
-        <p:spPr/>
-        <p:txBody>
-          <a:bodyPr/>
-          <a:lstStyle/>
-          <a:p>
-            <a:r>
-              <a:rPr lang="en-US" dirty="0" smtClean="0"/>
-              <a:t>Motivation</a:t>
-            </a:r>
-            <a:endParaRPr lang="en-US" dirty="0"/>
-          </a:p>
-        </p:txBody>
-      </p:sp>
-      <p:sp>
-        <p:nvSpPr>
-          <p:cNvPr id="3" name="Content Placeholder 2"/>
-          <p:cNvSpPr>
-            <a:spLocks noGrp="1"/>
-          </p:cNvSpPr>
-          <p:nvPr>
-            <p:ph idx="1"/>
-          </p:nvPr>
-        </p:nvSpPr>
-        <p:spPr>
-          <a:xfrm>
-            <a:off x="628650" y="1825625"/>
-            <a:ext cx="7886700" cy="4351338"/>
-          </a:xfrm>
-        </p:spPr>
-        <p:txBody>
-          <a:bodyPr>
-            <a:normAutofit lnSpcReduction="10000"/>
-          </a:bodyPr>
-          <a:lstStyle/>
-          <a:p>
-            <a:r>
-              <a:rPr lang="en-US" dirty="0" smtClean="0"/>
-              <a:t>Data structures are key to good programming</a:t>
-            </a:r>
-          </a:p>
-          <a:p>
-            <a:pPr lvl="1"/>
-            <a:r>
-              <a:rPr lang="en-US" dirty="0" smtClean="0"/>
-              <a:t>implementation conceptually close to model</a:t>
-            </a:r>
-          </a:p>
-          <a:p>
-            <a:pPr lvl="1"/>
-            <a:r>
-              <a:rPr lang="en-US" dirty="0" smtClean="0"/>
-              <a:t>fewer lines of code = less bugs</a:t>
-            </a:r>
-          </a:p>
-          <a:p>
-            <a:pPr lvl="1"/>
-            <a:r>
-              <a:rPr lang="en-US" dirty="0" smtClean="0"/>
-              <a:t>better performance</a:t>
-            </a:r>
-          </a:p>
-          <a:p>
-            <a:r>
-              <a:rPr lang="en-US" dirty="0" smtClean="0"/>
-              <a:t>Programming languages</a:t>
-            </a:r>
-          </a:p>
-          <a:p>
-            <a:pPr lvl="1"/>
-            <a:r>
-              <a:rPr lang="en-US" dirty="0" smtClean="0"/>
-              <a:t>C++: STL (Standard Template Library)</a:t>
-            </a:r>
-          </a:p>
-          <a:p>
-            <a:pPr lvl="1"/>
-            <a:r>
-              <a:rPr lang="en-US" dirty="0" smtClean="0"/>
-              <a:t>Python: core language, standard library</a:t>
-            </a:r>
-          </a:p>
-          <a:p>
-            <a:pPr lvl="1"/>
-            <a:r>
-              <a:rPr lang="en-US" dirty="0" smtClean="0"/>
-              <a:t>Java: standard library</a:t>
-            </a:r>
-          </a:p>
-          <a:p>
-            <a:pPr lvl="1"/>
-            <a:endParaRPr lang="en-US" dirty="0"/>
-          </a:p>
-          <a:p>
-            <a:endParaRPr lang="en-US" dirty="0" smtClean="0"/>
-          </a:p>
-          <a:p>
-            <a:r>
-              <a:rPr lang="en-US" dirty="0" smtClean="0">
-                <a:solidFill>
-                  <a:srgbClr val="FF0000"/>
-                </a:solidFill>
-              </a:rPr>
-              <a:t>Don't reinvent the wheel!</a:t>
-            </a:r>
-          </a:p>
-          <a:p>
-            <a:pPr lvl="1"/>
-            <a:endParaRPr lang="en-US" dirty="0"/>
-          </a:p>
-        </p:txBody>
-      </p:sp>
-      <p:sp>
-        <p:nvSpPr>
-          <p:cNvPr id="4" name="TextBox 3"/>
-          <p:cNvSpPr txBox="1"/>
-          <p:nvPr/>
-        </p:nvSpPr>
-        <p:spPr>
-          <a:xfrm>
-            <a:off x="1350819" y="5029199"/>
-            <a:ext cx="4668650" cy="415498"/>
-          </a:xfrm>
-          <a:prstGeom prst="rect">
-            <a:avLst/>
-          </a:prstGeom>
-          <a:noFill/>
-          <a:ln>
-            <a:solidFill>
-              <a:schemeClr val="tx1"/>
-            </a:solidFill>
-          </a:ln>
-        </p:spPr>
-        <p:txBody>
-          <a:bodyPr wrap="none" rtlCol="0">
-            <a:spAutoFit/>
-          </a:bodyPr>
-          <a:lstStyle/>
-          <a:p>
-            <a:r>
-              <a:rPr lang="en-US" sz="2100" dirty="0"/>
-              <a:t>For all languages, many 3</a:t>
-            </a:r>
-            <a:r>
-              <a:rPr lang="en-US" sz="2100" baseline="30000" dirty="0"/>
-              <a:t>rd</a:t>
-            </a:r>
-            <a:r>
-              <a:rPr lang="en-US" sz="2100" dirty="0"/>
-              <a:t> party libraries</a:t>
-            </a:r>
-          </a:p>
-        </p:txBody>
-      </p:sp>
-      <p:sp>
-        <p:nvSpPr>
-          <p:cNvPr id="5" name="Slide Number Placeholder 4"/>
-          <p:cNvSpPr>
-            <a:spLocks noGrp="1"/>
-          </p:cNvSpPr>
-          <p:nvPr>
-            <p:ph type="sldNum" sz="quarter" idx="12"/>
-          </p:nvPr>
-        </p:nvSpPr>
-        <p:spPr/>
-        <p:txBody>
-          <a:bodyPr/>
-          <a:lstStyle/>
-          <a:p>
-            <a:fld id="{11AD1F4E-1E51-402E-B221-310F004E7D3B}" type="slidenum">
-              <a:rPr lang="en-US" smtClean="0"/>
-              <a:t>4</a:t>
-            </a:fld>
-            <a:endParaRPr lang="en-US"/>
-          </a:p>
-        </p:txBody>
-      </p:sp>
-    </p:spTree>
-    <p:extLst>
-      <p:ext uri="{BB962C8B-B14F-4D97-AF65-F5344CB8AC3E}">
-        <p14:creationId xmlns:p14="http://schemas.microsoft.com/office/powerpoint/2010/main" val="2709702978"/>
-      </p:ext>
-    </p:extLst>
-  </p:cSld>
-  <p:clrMapOvr>
-    <a:masterClrMapping/>
-  </p:clrMapOvr>
-  <p:timing>
-    <p:tnLst>
-      <p:par>
-        <p:cTn id="1" dur="indefinite" restart="never" nodeType="tmRoot">
-          <p:childTnLst>
-            <p:seq concurrent="1" nextAc="seek">
-              <p:cTn id="2" dur="indefinite" nodeType="mainSeq">
-                <p:childTnLst>
-                  <p:par>
-                    <p:cTn id="3" fill="hold">
-                      <p:stCondLst>
-                        <p:cond delay="indefinite"/>
-                        <p:cond evt="onBegin" delay="0">
-                          <p:tn val="2"/>
-                        </p:cond>
-                      </p:stCondLst>
-                      <p:childTnLst>
-                        <p:par>
-                          <p:cTn id="4" fill="hold">
-                            <p:stCondLst>
-                              <p:cond delay="0"/>
-                            </p:stCondLst>
-                            <p:childTnLst>
-                              <p:par>
-                                <p:cTn id="5" presetID="1" presetClass="entr" presetSubtype="0" fill="hold" grpId="0" nodeType="withEffect">
-                                  <p:stCondLst>
-                                    <p:cond delay="0"/>
-                                  </p:stCondLst>
-                                  <p:childTnLst>
-                                    <p:set>
-                                      <p:cBhvr>
-                                        <p:cTn id="6" dur="1" fill="hold">
-                                          <p:stCondLst>
-                                            <p:cond delay="0"/>
-                                          </p:stCondLst>
-                                        </p:cTn>
-                                        <p:tgtEl>
-                                          <p:spTgt spid="3">
-                                            <p:txEl>
-                                              <p:pRg st="0" end="0"/>
-                                            </p:txEl>
-                                          </p:spTgt>
-                                        </p:tgtEl>
-                                        <p:attrNameLst>
-                                          <p:attrName>style.visibility</p:attrName>
-                                        </p:attrNameLst>
-                                      </p:cBhvr>
-                                      <p:to>
-                                        <p:strVal val="visible"/>
-                                      </p:to>
-                                    </p:set>
-                                  </p:childTnLst>
-                                </p:cTn>
-                              </p:par>
-                              <p:par>
-                                <p:cTn id="7" presetID="1" presetClass="entr" presetSubtype="0" fill="hold" grpId="0" nodeType="withEffect">
-                                  <p:stCondLst>
-                                    <p:cond delay="0"/>
-                                  </p:stCondLst>
-                                  <p:childTnLst>
-                                    <p:set>
-                                      <p:cBhvr>
-                                        <p:cTn id="8" dur="1" fill="hold">
-                                          <p:stCondLst>
-                                            <p:cond delay="0"/>
-                                          </p:stCondLst>
-                                        </p:cTn>
-                                        <p:tgtEl>
-                                          <p:spTgt spid="3">
-                                            <p:txEl>
-                                              <p:pRg st="1" end="1"/>
-                                            </p:txEl>
-                                          </p:spTgt>
-                                        </p:tgtEl>
-                                        <p:attrNameLst>
-                                          <p:attrName>style.visibility</p:attrName>
-                                        </p:attrNameLst>
-                                      </p:cBhvr>
-                                      <p:to>
-                                        <p:strVal val="visible"/>
-                                      </p:to>
-                                    </p:set>
-                                  </p:childTnLst>
-                                </p:cTn>
-                              </p:par>
-                              <p:par>
-                                <p:cTn id="9" presetID="1" presetClass="entr" presetSubtype="0" fill="hold" grpId="0" nodeType="withEffect">
-                                  <p:stCondLst>
-                                    <p:cond delay="0"/>
-                                  </p:stCondLst>
-                                  <p:childTnLst>
-                                    <p:set>
-                                      <p:cBhvr>
-                                        <p:cTn id="10" dur="1" fill="hold">
-                                          <p:stCondLst>
-                                            <p:cond delay="0"/>
-                                          </p:stCondLst>
-                                        </p:cTn>
-                                        <p:tgtEl>
-                                          <p:spTgt spid="3">
-                                            <p:txEl>
-                                              <p:pRg st="2" end="2"/>
-                                            </p:txEl>
-                                          </p:spTgt>
-                                        </p:tgtEl>
-                                        <p:attrNameLst>
-                                          <p:attrName>style.visibility</p:attrName>
-                                        </p:attrNameLst>
-                                      </p:cBhvr>
-                                      <p:to>
-                                        <p:strVal val="visible"/>
-                                      </p:to>
-                                    </p:set>
-                                  </p:childTnLst>
-                                </p:cTn>
-                              </p:par>
-                              <p:par>
-                                <p:cTn id="11" presetID="1" presetClass="entr" presetSubtype="0" fill="hold" grpId="0" nodeType="withEffect">
-                                  <p:stCondLst>
-                                    <p:cond delay="0"/>
-                                  </p:stCondLst>
-                                  <p:childTnLst>
-                                    <p:set>
-                                      <p:cBhvr>
-                                        <p:cTn id="12" dur="1" fill="hold">
-                                          <p:stCondLst>
-                                            <p:cond delay="0"/>
-                                          </p:stCondLst>
-                                        </p:cTn>
-                                        <p:tgtEl>
-                                          <p:spTgt spid="3">
-                                            <p:txEl>
-                                              <p:pRg st="3" end="3"/>
-                                            </p:txEl>
-                                          </p:spTgt>
-                                        </p:tgtEl>
-                                        <p:attrNameLst>
-                                          <p:attrName>style.visibility</p:attrName>
-                                        </p:attrNameLst>
-                                      </p:cBhvr>
-                                      <p:to>
-                                        <p:strVal val="visible"/>
-                                      </p:to>
-                                    </p:set>
-                                  </p:childTnLst>
-                                </p:cTn>
-                              </p:par>
-                            </p:childTnLst>
-                          </p:cTn>
-                        </p:par>
-                      </p:childTnLst>
-                    </p:cTn>
-                  </p:par>
-                  <p:par>
-                    <p:cTn id="13" fill="hold">
-                      <p:stCondLst>
-                        <p:cond delay="indefinite"/>
-                      </p:stCondLst>
-                      <p:childTnLst>
-                        <p:par>
-                          <p:cTn id="14" fill="hold">
-                            <p:stCondLst>
-                              <p:cond delay="0"/>
-                            </p:stCondLst>
-                            <p:childTnLst>
-                              <p:par>
-                                <p:cTn id="15" presetID="1" presetClass="entr" presetSubtype="0" fill="hold" grpId="0" nodeType="clickEffect">
-                                  <p:stCondLst>
-                                    <p:cond delay="0"/>
-                                  </p:stCondLst>
-                                  <p:childTnLst>
-                                    <p:set>
-                                      <p:cBhvr>
-                                        <p:cTn id="16" dur="1" fill="hold">
-                                          <p:stCondLst>
-                                            <p:cond delay="0"/>
-                                          </p:stCondLst>
-                                        </p:cTn>
-                                        <p:tgtEl>
-                                          <p:spTgt spid="3">
-                                            <p:txEl>
-                                              <p:pRg st="4" end="4"/>
-                                            </p:txEl>
-                                          </p:spTgt>
-                                        </p:tgtEl>
-                                        <p:attrNameLst>
-                                          <p:attrName>style.visibility</p:attrName>
-                                        </p:attrNameLst>
-                                      </p:cBhvr>
-                                      <p:to>
-                                        <p:strVal val="visible"/>
-                                      </p:to>
-                                    </p:set>
-                                  </p:childTnLst>
-                                </p:cTn>
-                              </p:par>
-                              <p:par>
-                                <p:cTn id="17" presetID="1" presetClass="entr" presetSubtype="0" fill="hold" grpId="0" nodeType="withEffect">
-                                  <p:stCondLst>
-                                    <p:cond delay="0"/>
-                                  </p:stCondLst>
-                                  <p:childTnLst>
-                                    <p:set>
-                                      <p:cBhvr>
-                                        <p:cTn id="18" dur="1" fill="hold">
-                                          <p:stCondLst>
-                                            <p:cond delay="0"/>
-                                          </p:stCondLst>
-                                        </p:cTn>
-                                        <p:tgtEl>
-                                          <p:spTgt spid="3">
-                                            <p:txEl>
-                                              <p:pRg st="5" end="5"/>
-                                            </p:txEl>
-                                          </p:spTgt>
-                                        </p:tgtEl>
-                                        <p:attrNameLst>
-                                          <p:attrName>style.visibility</p:attrName>
-                                        </p:attrNameLst>
-                                      </p:cBhvr>
-                                      <p:to>
-                                        <p:strVal val="visible"/>
-                                      </p:to>
-                                    </p:set>
-                                  </p:childTnLst>
-                                </p:cTn>
-                              </p:par>
-                              <p:par>
-                                <p:cTn id="19" presetID="1" presetClass="entr" presetSubtype="0" fill="hold" grpId="0" nodeType="withEffect">
-                                  <p:stCondLst>
-                                    <p:cond delay="0"/>
-                                  </p:stCondLst>
-                                  <p:childTnLst>
-                                    <p:set>
-                                      <p:cBhvr>
-                                        <p:cTn id="20" dur="1" fill="hold">
-                                          <p:stCondLst>
-                                            <p:cond delay="0"/>
-                                          </p:stCondLst>
-                                        </p:cTn>
-                                        <p:tgtEl>
-                                          <p:spTgt spid="3">
-                                            <p:txEl>
-                                              <p:pRg st="6" end="6"/>
-                                            </p:txEl>
-                                          </p:spTgt>
-                                        </p:tgtEl>
-                                        <p:attrNameLst>
-                                          <p:attrName>style.visibility</p:attrName>
-                                        </p:attrNameLst>
-                                      </p:cBhvr>
-                                      <p:to>
-                                        <p:strVal val="visible"/>
-                                      </p:to>
-                                    </p:set>
-                                  </p:childTnLst>
-                                </p:cTn>
-                              </p:par>
-                              <p:par>
-                                <p:cTn id="21" presetID="1" presetClass="entr" presetSubtype="0" fill="hold" grpId="0" nodeType="withEffect">
-                                  <p:stCondLst>
-                                    <p:cond delay="0"/>
-                                  </p:stCondLst>
-                                  <p:childTnLst>
-                                    <p:set>
-                                      <p:cBhvr>
-                                        <p:cTn id="22" dur="1" fill="hold">
-                                          <p:stCondLst>
-                                            <p:cond delay="0"/>
-                                          </p:stCondLst>
-                                        </p:cTn>
-                                        <p:tgtEl>
-                                          <p:spTgt spid="3">
-                                            <p:txEl>
-                                              <p:pRg st="7" end="7"/>
-                                            </p:txEl>
-                                          </p:spTgt>
-                                        </p:tgtEl>
-                                        <p:attrNameLst>
-                                          <p:attrName>style.visibility</p:attrName>
-                                        </p:attrNameLst>
-                                      </p:cBhvr>
-                                      <p:to>
-                                        <p:strVal val="visible"/>
-                                      </p:to>
-                                    </p:set>
-                                  </p:childTnLst>
-                                </p:cTn>
-                              </p:par>
-                            </p:childTnLst>
-                          </p:cTn>
-                        </p:par>
-                      </p:childTnLst>
-                    </p:cTn>
-                  </p:par>
-                  <p:par>
-                    <p:cTn id="23" fill="hold">
-                      <p:stCondLst>
-                        <p:cond delay="indefinite"/>
-                      </p:stCondLst>
-                      <p:childTnLst>
-                        <p:par>
-                          <p:cTn id="24" fill="hold">
-                            <p:stCondLst>
-                              <p:cond delay="0"/>
-                            </p:stCondLst>
-                            <p:childTnLst>
-                              <p:par>
-                                <p:cTn id="25" presetID="1" presetClass="entr" presetSubtype="0" fill="hold" grpId="0" nodeType="clickEffect">
-                                  <p:stCondLst>
-                                    <p:cond delay="0"/>
-                                  </p:stCondLst>
-                                  <p:childTnLst>
-                                    <p:set>
-                                      <p:cBhvr>
-                                        <p:cTn id="26" dur="1" fill="hold">
-                                          <p:stCondLst>
-                                            <p:cond delay="0"/>
-                                          </p:stCondLst>
-                                        </p:cTn>
-                                        <p:tgtEl>
-                                          <p:spTgt spid="4"/>
-                                        </p:tgtEl>
-                                        <p:attrNameLst>
-                                          <p:attrName>style.visibility</p:attrName>
-                                        </p:attrNameLst>
-                                      </p:cBhvr>
-                                      <p:to>
-                                        <p:strVal val="visible"/>
-                                      </p:to>
-                                    </p:set>
-                                  </p:childTnLst>
-                                </p:cTn>
-                              </p:par>
-                            </p:childTnLst>
-                          </p:cTn>
-                        </p:par>
-                      </p:childTnLst>
-                    </p:cTn>
-                  </p:par>
-                  <p:par>
-                    <p:cTn id="27" fill="hold">
-                      <p:stCondLst>
-                        <p:cond delay="indefinite"/>
-                      </p:stCondLst>
-                      <p:childTnLst>
-                        <p:par>
-                          <p:cTn id="28" fill="hold">
-                            <p:stCondLst>
-                              <p:cond delay="0"/>
-                            </p:stCondLst>
-                            <p:childTnLst>
-                              <p:par>
-                                <p:cTn id="29" presetID="1" presetClass="entr" presetSubtype="0" fill="hold" grpId="0" nodeType="clickEffect">
-                                  <p:stCondLst>
-                                    <p:cond delay="0"/>
-                                  </p:stCondLst>
-                                  <p:childTnLst>
-                                    <p:set>
-                                      <p:cBhvr>
-                                        <p:cTn id="30" dur="1" fill="hold">
-                                          <p:stCondLst>
-                                            <p:cond delay="0"/>
-                                          </p:stCondLst>
-                                        </p:cTn>
-                                        <p:tgtEl>
-                                          <p:spTgt spid="3">
-                                            <p:txEl>
-                                              <p:pRg st="10" end="10"/>
-                                            </p:txEl>
-                                          </p:spTgt>
-                                        </p:tgtEl>
-                                        <p:attrNameLst>
-                                          <p:attrName>style.visibility</p:attrName>
-                                        </p:attrNameLst>
-                                      </p:cBhvr>
-                                      <p:to>
-                                        <p:strVal val="visible"/>
-                                      </p:to>
-                                    </p:set>
-                                  </p:childTnLst>
-                                </p:cTn>
-                              </p:par>
-                            </p:childTnLst>
-                          </p:cTn>
-                        </p:par>
-                      </p:childTnLst>
-                    </p:cTn>
-                  </p:par>
-                </p:childTnLst>
-              </p:cTn>
-              <p:prevCondLst>
-                <p:cond evt="onPrev" delay="0">
-                  <p:tgtEl>
-                    <p:sldTgt/>
-                  </p:tgtEl>
-                </p:cond>
-              </p:prevCondLst>
-              <p:nextCondLst>
-                <p:cond evt="onNext" delay="0">
-                  <p:tgtEl>
-                    <p:sldTgt/>
-                  </p:tgtEl>
-                </p:cond>
-              </p:nextCondLst>
-            </p:seq>
-          </p:childTnLst>
-        </p:cTn>
-      </p:par>
-    </p:tnLst>
-    <p:bldLst>
-      <p:bldP spid="3" grpId="0" uiExpand="1" build="p"/>
-      <p:bldP spid="4" grpId="0" animBg="1"/>
-    </p:bldLst>
   </p:timing>
 </p:sld>
 </file>
@@ -26907,7 +29228,7 @@
           <a:graphicData uri="http://schemas.openxmlformats.org/presentationml/2006/ole">
             <mc:AlternateContent xmlns:mc="http://schemas.openxmlformats.org/markup-compatibility/2006">
               <mc:Choice xmlns:v="urn:schemas-microsoft-com:vml" Requires="v">
-                <p:oleObj spid="_x0000_s1113" name="Equation" r:id="rId4" imgW="1841400" imgH="215640" progId="Equation.3">
+                <p:oleObj spid="_x0000_s1115" name="Equation" r:id="rId4" imgW="1841400" imgH="215640" progId="Equation.3">
                   <p:embed/>
                 </p:oleObj>
               </mc:Choice>
@@ -27828,7 +30149,9 @@
         </p:nvSpPr>
         <p:spPr/>
         <p:txBody>
-          <a:bodyPr/>
+          <a:bodyPr>
+            <a:normAutofit lnSpcReduction="10000"/>
+          </a:bodyPr>
           <a:lstStyle/>
           <a:p>
             <a:r>
@@ -27868,6 +30191,14 @@
               <a:rPr lang="en-US" dirty="0" smtClean="0"/>
               <a:t>array</a:t>
             </a:r>
+          </a:p>
+          <a:p>
+            <a:pPr lvl="1"/>
+            <a:r>
+              <a:rPr lang="en-US" dirty="0" smtClean="0"/>
+              <a:t>vector</a:t>
+            </a:r>
+            <a:endParaRPr lang="en-US" dirty="0" smtClean="0"/>
           </a:p>
           <a:p>
             <a:pPr lvl="1"/>
@@ -28302,6 +30633,37 @@
                                   </p:childTnLst>
                                 </p:cTn>
                               </p:par>
+                              <p:par>
+                                <p:cTn id="29" presetID="1" presetClass="entr" presetSubtype="0" fill="hold" grpId="0" nodeType="withEffect">
+                                  <p:stCondLst>
+                                    <p:cond delay="0"/>
+                                  </p:stCondLst>
+                                  <p:childTnLst>
+                                    <p:set>
+                                      <p:cBhvr>
+                                        <p:cTn id="30" dur="1" fill="hold">
+                                          <p:stCondLst>
+                                            <p:cond delay="0"/>
+                                          </p:stCondLst>
+                                        </p:cTn>
+                                        <p:tgtEl>
+                                          <p:spTgt spid="3">
+                                            <p:txEl>
+                                              <p:pRg st="10" end="10"/>
+                                            </p:txEl>
+                                          </p:spTgt>
+                                        </p:tgtEl>
+                                        <p:attrNameLst>
+                                          <p:attrName>style.visibility</p:attrName>
+                                        </p:attrNameLst>
+                                      </p:cBhvr>
+                                      <p:to>
+                                        <p:strVal val="visible"/>
+                                      </p:to>
+                                    </p:set>
+                                  </p:childTnLst>
+                                </p:cTn>
+                              </p:par>
                             </p:childTnLst>
                           </p:cTn>
                         </p:par>
@@ -28423,7 +30785,11 @@
             <a:pPr lvl="1"/>
             <a:r>
               <a:rPr lang="en-US" dirty="0" smtClean="0"/>
-              <a:t>insert/update: O(1)</a:t>
+              <a:t>update</a:t>
+            </a:r>
+            <a:r>
+              <a:rPr lang="en-US" dirty="0" smtClean="0"/>
+              <a:t>: O(1)</a:t>
             </a:r>
           </a:p>
           <a:p>
@@ -28495,7 +30861,7 @@
             <a:graphicData uri="http://schemas.openxmlformats.org/presentationml/2006/ole">
               <mc:AlternateContent xmlns:mc="http://schemas.openxmlformats.org/markup-compatibility/2006">
                 <mc:Choice xmlns:v="urn:schemas-microsoft-com:vml" Requires="v">
-                  <p:oleObj spid="_x0000_s2136" name="Equation" r:id="rId3" imgW="1409400" imgH="203040" progId="Equation.3">
+                  <p:oleObj spid="_x0000_s2138" name="Equation" r:id="rId3" imgW="1409400" imgH="203040" progId="Equation.3">
                     <p:embed/>
                   </p:oleObj>
                 </mc:Choice>

--- a/CPlusPlus/09_essential_cpp_containers.pptx
+++ b/CPlusPlus/09_essential_cpp_containers.pptx
@@ -4889,7 +4889,7 @@
             <a:graphicData uri="http://schemas.openxmlformats.org/presentationml/2006/ole">
               <mc:AlternateContent xmlns:mc="http://schemas.openxmlformats.org/markup-compatibility/2006">
                 <mc:Choice xmlns:v="urn:schemas-microsoft-com:vml" Requires="v">
-                  <p:oleObj spid="_x0000_s11267" name="Equation" r:id="rId3" imgW="419040" imgH="203040" progId="Equation.3">
+                  <p:oleObj spid="_x0000_s11268" name="Equation" r:id="rId3" imgW="419040" imgH="203040" progId="Equation.3">
                     <p:embed/>
                   </p:oleObj>
                 </mc:Choice>
@@ -7361,7 +7361,7 @@
             <a:graphicData uri="http://schemas.openxmlformats.org/presentationml/2006/ole">
               <mc:AlternateContent xmlns:mc="http://schemas.openxmlformats.org/markup-compatibility/2006">
                 <mc:Choice xmlns:v="urn:schemas-microsoft-com:vml" Requires="v">
-                  <p:oleObj spid="_x0000_s3164" name="Equation" r:id="rId3" imgW="1180800" imgH="228600" progId="Equation.3">
+                  <p:oleObj spid="_x0000_s3165" name="Equation" r:id="rId3" imgW="1180800" imgH="228600" progId="Equation.3">
                     <p:embed/>
                   </p:oleObj>
                 </mc:Choice>
@@ -9386,7 +9386,7 @@
             <a:graphicData uri="http://schemas.openxmlformats.org/presentationml/2006/ole">
               <mc:AlternateContent xmlns:mc="http://schemas.openxmlformats.org/markup-compatibility/2006">
                 <mc:Choice xmlns:v="urn:schemas-microsoft-com:vml" Requires="v">
-                  <p:oleObj spid="_x0000_s4179" name="Equation" r:id="rId3" imgW="419040" imgH="241200" progId="Equation.3">
+                  <p:oleObj spid="_x0000_s4180" name="Equation" r:id="rId3" imgW="419040" imgH="241200" progId="Equation.3">
                     <p:embed/>
                   </p:oleObj>
                 </mc:Choice>
@@ -12599,7 +12599,7 @@
             <a:graphicData uri="http://schemas.openxmlformats.org/presentationml/2006/ole">
               <mc:AlternateContent xmlns:mc="http://schemas.openxmlformats.org/markup-compatibility/2006">
                 <mc:Choice xmlns:v="urn:schemas-microsoft-com:vml" Requires="v">
-                  <p:oleObj spid="_x0000_s5259" name="Equation" r:id="rId3" imgW="444240" imgH="203040" progId="Equation.3">
+                  <p:oleObj spid="_x0000_s5261" name="Equation" r:id="rId3" imgW="444240" imgH="203040" progId="Equation.3">
                     <p:embed/>
                   </p:oleObj>
                 </mc:Choice>
@@ -12780,7 +12780,7 @@
             <a:graphicData uri="http://schemas.openxmlformats.org/presentationml/2006/ole">
               <mc:AlternateContent xmlns:mc="http://schemas.openxmlformats.org/markup-compatibility/2006">
                 <mc:Choice xmlns:v="urn:schemas-microsoft-com:vml" Requires="v">
-                  <p:oleObj spid="_x0000_s5260" name="Equation" r:id="rId5" imgW="419040" imgH="215640" progId="Equation.3">
+                  <p:oleObj spid="_x0000_s5262" name="Equation" r:id="rId5" imgW="419040" imgH="215640" progId="Equation.3">
                     <p:embed/>
                   </p:oleObj>
                 </mc:Choice>
@@ -15080,7 +15080,7 @@
             <a:graphicData uri="http://schemas.openxmlformats.org/presentationml/2006/ole">
               <mc:AlternateContent xmlns:mc="http://schemas.openxmlformats.org/markup-compatibility/2006">
                 <mc:Choice xmlns:v="urn:schemas-microsoft-com:vml" Requires="v">
-                  <p:oleObj spid="_x0000_s6378" name="Equation" r:id="rId3" imgW="774360" imgH="215640" progId="Equation.3">
+                  <p:oleObj spid="_x0000_s6381" name="Equation" r:id="rId3" imgW="774360" imgH="215640" progId="Equation.3">
                     <p:embed/>
                   </p:oleObj>
                 </mc:Choice>
@@ -15315,7 +15315,7 @@
             <a:graphicData uri="http://schemas.openxmlformats.org/presentationml/2006/ole">
               <mc:AlternateContent xmlns:mc="http://schemas.openxmlformats.org/markup-compatibility/2006">
                 <mc:Choice xmlns:v="urn:schemas-microsoft-com:vml" Requires="v">
-                  <p:oleObj spid="_x0000_s6379" name="Equation" r:id="rId5" imgW="622080" imgH="215640" progId="Equation.3">
+                  <p:oleObj spid="_x0000_s6382" name="Equation" r:id="rId5" imgW="622080" imgH="215640" progId="Equation.3">
                     <p:embed/>
                   </p:oleObj>
                 </mc:Choice>
@@ -15372,7 +15372,7 @@
             <a:graphicData uri="http://schemas.openxmlformats.org/presentationml/2006/ole">
               <mc:AlternateContent xmlns:mc="http://schemas.openxmlformats.org/markup-compatibility/2006">
                 <mc:Choice xmlns:v="urn:schemas-microsoft-com:vml" Requires="v">
-                  <p:oleObj spid="_x0000_s6380" name="Equation" r:id="rId7" imgW="749160" imgH="215640" progId="Equation.3">
+                  <p:oleObj spid="_x0000_s6383" name="Equation" r:id="rId7" imgW="749160" imgH="215640" progId="Equation.3">
                     <p:embed/>
                   </p:oleObj>
                 </mc:Choice>
@@ -18474,7 +18474,7 @@
             <a:graphicData uri="http://schemas.openxmlformats.org/presentationml/2006/ole">
               <mc:AlternateContent xmlns:mc="http://schemas.openxmlformats.org/markup-compatibility/2006">
                 <mc:Choice xmlns:v="urn:schemas-microsoft-com:vml" Requires="v">
-                  <p:oleObj spid="_x0000_s7228" name="Equation" r:id="rId3" imgW="431640" imgH="241200" progId="Equation.3">
+                  <p:oleObj spid="_x0000_s7229" name="Equation" r:id="rId3" imgW="431640" imgH="241200" progId="Equation.3">
                     <p:embed/>
                   </p:oleObj>
                 </mc:Choice>
@@ -19581,7 +19581,7 @@
             <a:graphicData uri="http://schemas.openxmlformats.org/presentationml/2006/ole">
               <mc:AlternateContent xmlns:mc="http://schemas.openxmlformats.org/markup-compatibility/2006">
                 <mc:Choice xmlns:v="urn:schemas-microsoft-com:vml" Requires="v">
-                  <p:oleObj spid="_x0000_s8260" name="Equation" r:id="rId3" imgW="444240" imgH="241200" progId="Equation.3">
+                  <p:oleObj spid="_x0000_s8261" name="Equation" r:id="rId3" imgW="444240" imgH="241200" progId="Equation.3">
                     <p:embed/>
                   </p:oleObj>
                 </mc:Choice>
@@ -20791,7 +20791,7 @@
             <a:graphicData uri="http://schemas.openxmlformats.org/presentationml/2006/ole">
               <mc:AlternateContent xmlns:mc="http://schemas.openxmlformats.org/markup-compatibility/2006">
                 <mc:Choice xmlns:v="urn:schemas-microsoft-com:vml" Requires="v">
-                  <p:oleObj spid="_x0000_s10277" name="Equation" r:id="rId3" imgW="444240" imgH="241200" progId="Equation.3">
+                  <p:oleObj spid="_x0000_s10278" name="Equation" r:id="rId3" imgW="444240" imgH="241200" progId="Equation.3">
                     <p:embed/>
                   </p:oleObj>
                 </mc:Choice>
@@ -21903,7 +21903,7 @@
             <a:graphicData uri="http://schemas.openxmlformats.org/presentationml/2006/ole">
               <mc:AlternateContent xmlns:mc="http://schemas.openxmlformats.org/markup-compatibility/2006">
                 <mc:Choice xmlns:v="urn:schemas-microsoft-com:vml" Requires="v">
-                  <p:oleObj spid="_x0000_s9274" name="Equation" r:id="rId3" imgW="1104840" imgH="215640" progId="Equation.3">
+                  <p:oleObj spid="_x0000_s9275" name="Equation" r:id="rId3" imgW="1104840" imgH="215640" progId="Equation.3">
                     <p:embed/>
                   </p:oleObj>
                 </mc:Choice>
@@ -29228,7 +29228,7 @@
           <a:graphicData uri="http://schemas.openxmlformats.org/presentationml/2006/ole">
             <mc:AlternateContent xmlns:mc="http://schemas.openxmlformats.org/markup-compatibility/2006">
               <mc:Choice xmlns:v="urn:schemas-microsoft-com:vml" Requires="v">
-                <p:oleObj spid="_x0000_s1115" name="Equation" r:id="rId4" imgW="1841400" imgH="215640" progId="Equation.3">
+                <p:oleObj spid="_x0000_s1116" name="Equation" r:id="rId4" imgW="1841400" imgH="215640" progId="Equation.3">
                   <p:embed/>
                 </p:oleObj>
               </mc:Choice>
@@ -30861,7 +30861,7 @@
             <a:graphicData uri="http://schemas.openxmlformats.org/presentationml/2006/ole">
               <mc:AlternateContent xmlns:mc="http://schemas.openxmlformats.org/markup-compatibility/2006">
                 <mc:Choice xmlns:v="urn:schemas-microsoft-com:vml" Requires="v">
-                  <p:oleObj spid="_x0000_s2138" name="Equation" r:id="rId3" imgW="1409400" imgH="203040" progId="Equation.3">
+                  <p:oleObj spid="_x0000_s2139" name="Equation" r:id="rId3" imgW="1409400" imgH="203040" progId="Equation.3">
                     <p:embed/>
                   </p:oleObj>
                 </mc:Choice>

--- a/CPlusPlus/09_essential_cpp_containers.pptx
+++ b/CPlusPlus/09_essential_cpp_containers.pptx
@@ -5,7 +5,7 @@
     <p:sldMasterId id="2147483660" r:id="rId1"/>
   </p:sldMasterIdLst>
   <p:notesMasterIdLst>
-    <p:notesMasterId r:id="rId43"/>
+    <p:notesMasterId r:id="rId44"/>
   </p:notesMasterIdLst>
   <p:sldIdLst>
     <p:sldId id="302" r:id="rId2"/>
@@ -20,35 +20,36 @@
     <p:sldId id="276" r:id="rId11"/>
     <p:sldId id="267" r:id="rId12"/>
     <p:sldId id="304" r:id="rId13"/>
-    <p:sldId id="306" r:id="rId14"/>
-    <p:sldId id="305" r:id="rId15"/>
-    <p:sldId id="265" r:id="rId16"/>
-    <p:sldId id="277" r:id="rId17"/>
-    <p:sldId id="269" r:id="rId18"/>
-    <p:sldId id="262" r:id="rId19"/>
-    <p:sldId id="278" r:id="rId20"/>
-    <p:sldId id="270" r:id="rId21"/>
-    <p:sldId id="263" r:id="rId22"/>
-    <p:sldId id="279" r:id="rId23"/>
-    <p:sldId id="271" r:id="rId24"/>
-    <p:sldId id="264" r:id="rId25"/>
-    <p:sldId id="280" r:id="rId26"/>
-    <p:sldId id="272" r:id="rId27"/>
-    <p:sldId id="290" r:id="rId28"/>
-    <p:sldId id="291" r:id="rId29"/>
-    <p:sldId id="275" r:id="rId30"/>
-    <p:sldId id="281" r:id="rId31"/>
-    <p:sldId id="282" r:id="rId32"/>
-    <p:sldId id="284" r:id="rId33"/>
-    <p:sldId id="283" r:id="rId34"/>
-    <p:sldId id="285" r:id="rId35"/>
-    <p:sldId id="292" r:id="rId36"/>
-    <p:sldId id="293" r:id="rId37"/>
-    <p:sldId id="286" r:id="rId38"/>
-    <p:sldId id="287" r:id="rId39"/>
-    <p:sldId id="289" r:id="rId40"/>
-    <p:sldId id="288" r:id="rId41"/>
-    <p:sldId id="300" r:id="rId42"/>
+    <p:sldId id="307" r:id="rId14"/>
+    <p:sldId id="306" r:id="rId15"/>
+    <p:sldId id="305" r:id="rId16"/>
+    <p:sldId id="265" r:id="rId17"/>
+    <p:sldId id="277" r:id="rId18"/>
+    <p:sldId id="269" r:id="rId19"/>
+    <p:sldId id="262" r:id="rId20"/>
+    <p:sldId id="278" r:id="rId21"/>
+    <p:sldId id="270" r:id="rId22"/>
+    <p:sldId id="263" r:id="rId23"/>
+    <p:sldId id="279" r:id="rId24"/>
+    <p:sldId id="271" r:id="rId25"/>
+    <p:sldId id="264" r:id="rId26"/>
+    <p:sldId id="280" r:id="rId27"/>
+    <p:sldId id="272" r:id="rId28"/>
+    <p:sldId id="290" r:id="rId29"/>
+    <p:sldId id="291" r:id="rId30"/>
+    <p:sldId id="275" r:id="rId31"/>
+    <p:sldId id="281" r:id="rId32"/>
+    <p:sldId id="282" r:id="rId33"/>
+    <p:sldId id="284" r:id="rId34"/>
+    <p:sldId id="283" r:id="rId35"/>
+    <p:sldId id="285" r:id="rId36"/>
+    <p:sldId id="292" r:id="rId37"/>
+    <p:sldId id="293" r:id="rId38"/>
+    <p:sldId id="286" r:id="rId39"/>
+    <p:sldId id="287" r:id="rId40"/>
+    <p:sldId id="289" r:id="rId41"/>
+    <p:sldId id="288" r:id="rId42"/>
+    <p:sldId id="300" r:id="rId43"/>
   </p:sldIdLst>
   <p:sldSz cx="9144000" cy="6858000" type="screen4x3"/>
   <p:notesSz cx="6858000" cy="9144000"/>
@@ -237,7 +238,7 @@
           <a:p>
             <a:fld id="{D3AF4CC3-573B-48A2-BA19-C88E9EEB8008}" type="datetimeFigureOut">
               <a:rPr lang="en-US" smtClean="0"/>
-              <a:t>2017-03-02</a:t>
+              <a:t>2017-03-06</a:t>
             </a:fld>
             <a:endParaRPr lang="en-US"/>
           </a:p>
@@ -654,7 +655,7 @@
           <a:p>
             <a:fld id="{377ED49E-3B52-4D1C-85F4-C21F07234187}" type="slidenum">
               <a:rPr lang="en-US" smtClean="0"/>
-              <a:t>25</a:t>
+              <a:t>26</a:t>
             </a:fld>
             <a:endParaRPr lang="en-US"/>
           </a:p>
@@ -804,7 +805,7 @@
           <a:p>
             <a:fld id="{E7395A51-B5B5-44D7-85E1-1556CCB9180F}" type="datetime1">
               <a:rPr lang="en-US" smtClean="0"/>
-              <a:t>2017-03-02</a:t>
+              <a:t>2017-03-06</a:t>
             </a:fld>
             <a:endParaRPr lang="en-US"/>
           </a:p>
@@ -974,7 +975,7 @@
           <a:p>
             <a:fld id="{BEDB066D-DA80-4992-B507-A911EFD1878C}" type="datetime1">
               <a:rPr lang="en-US" smtClean="0"/>
-              <a:t>2017-03-02</a:t>
+              <a:t>2017-03-06</a:t>
             </a:fld>
             <a:endParaRPr lang="en-US"/>
           </a:p>
@@ -1154,7 +1155,7 @@
           <a:p>
             <a:fld id="{21259CBD-682A-4ABE-AFE9-CACFF55FE875}" type="datetime1">
               <a:rPr lang="en-US" smtClean="0"/>
-              <a:t>2017-03-02</a:t>
+              <a:t>2017-03-06</a:t>
             </a:fld>
             <a:endParaRPr lang="en-US"/>
           </a:p>
@@ -1324,7 +1325,7 @@
           <a:p>
             <a:fld id="{5F76F78E-A200-421E-B0AA-A6018E81E55E}" type="datetime1">
               <a:rPr lang="en-US" smtClean="0"/>
-              <a:t>2017-03-02</a:t>
+              <a:t>2017-03-06</a:t>
             </a:fld>
             <a:endParaRPr lang="en-US"/>
           </a:p>
@@ -1568,7 +1569,7 @@
           <a:p>
             <a:fld id="{EBEC21EE-ED62-44E3-A586-FF0104F19B99}" type="datetime1">
               <a:rPr lang="en-US" smtClean="0"/>
-              <a:t>2017-03-02</a:t>
+              <a:t>2017-03-06</a:t>
             </a:fld>
             <a:endParaRPr lang="en-US"/>
           </a:p>
@@ -1800,7 +1801,7 @@
           <a:p>
             <a:fld id="{30049BC0-4C66-4CED-BC8E-7AF0BD49C9B5}" type="datetime1">
               <a:rPr lang="en-US" smtClean="0"/>
-              <a:t>2017-03-02</a:t>
+              <a:t>2017-03-06</a:t>
             </a:fld>
             <a:endParaRPr lang="en-US"/>
           </a:p>
@@ -2167,7 +2168,7 @@
           <a:p>
             <a:fld id="{C7C90E0A-53F1-4115-8AB2-2E28E481FF48}" type="datetime1">
               <a:rPr lang="en-US" smtClean="0"/>
-              <a:t>2017-03-02</a:t>
+              <a:t>2017-03-06</a:t>
             </a:fld>
             <a:endParaRPr lang="en-US"/>
           </a:p>
@@ -2285,7 +2286,7 @@
           <a:p>
             <a:fld id="{AF79CAB3-789B-4117-A859-FC7082686441}" type="datetime1">
               <a:rPr lang="en-US" smtClean="0"/>
-              <a:t>2017-03-02</a:t>
+              <a:t>2017-03-06</a:t>
             </a:fld>
             <a:endParaRPr lang="en-US"/>
           </a:p>
@@ -2380,7 +2381,7 @@
           <a:p>
             <a:fld id="{82AE2AC5-51ED-46C8-8F1B-788630EE802E}" type="datetime1">
               <a:rPr lang="en-US" smtClean="0"/>
-              <a:t>2017-03-02</a:t>
+              <a:t>2017-03-06</a:t>
             </a:fld>
             <a:endParaRPr lang="en-US"/>
           </a:p>
@@ -2657,7 +2658,7 @@
           <a:p>
             <a:fld id="{49D0F6DD-6796-44CA-AF4C-1B2A2288F444}" type="datetime1">
               <a:rPr lang="en-US" smtClean="0"/>
-              <a:t>2017-03-02</a:t>
+              <a:t>2017-03-06</a:t>
             </a:fld>
             <a:endParaRPr lang="en-US"/>
           </a:p>
@@ -2914,7 +2915,7 @@
           <a:p>
             <a:fld id="{57F6808E-F05D-421A-97B7-12B728993E3B}" type="datetime1">
               <a:rPr lang="en-US" smtClean="0"/>
-              <a:t>2017-03-02</a:t>
+              <a:t>2017-03-06</a:t>
             </a:fld>
             <a:endParaRPr lang="en-US"/>
           </a:p>
@@ -3127,7 +3128,7 @@
           <a:p>
             <a:fld id="{7B995810-2FB7-4DE8-B622-97729F9C53CB}" type="datetime1">
               <a:rPr lang="en-US" smtClean="0"/>
-              <a:t>2017-03-02</a:t>
+              <a:t>2017-03-06</a:t>
             </a:fld>
             <a:endParaRPr lang="en-US"/>
           </a:p>
@@ -4802,17 +4803,12 @@
               <a:rPr lang="en-US" dirty="0" smtClean="0"/>
               <a:t>length can vary</a:t>
             </a:r>
-            <a:endParaRPr lang="en-US" dirty="0" smtClean="0"/>
           </a:p>
           <a:p>
             <a:pPr lvl="1"/>
             <a:r>
               <a:rPr lang="en-US" dirty="0" smtClean="0"/>
-              <a:t>update</a:t>
-            </a:r>
-            <a:r>
-              <a:rPr lang="en-US" dirty="0" smtClean="0"/>
-              <a:t>: O(1)</a:t>
+              <a:t>update: O(1)</a:t>
             </a:r>
           </a:p>
           <a:p>
@@ -4839,13 +4835,8 @@
           <a:p>
             <a:r>
               <a:rPr lang="en-US" dirty="0" smtClean="0"/>
-              <a:t>Implementations: </a:t>
-            </a:r>
-            <a:r>
-              <a:rPr lang="en-US" dirty="0" smtClean="0"/>
-              <a:t>STL</a:t>
-            </a:r>
-            <a:endParaRPr lang="en-US" dirty="0" smtClean="0"/>
+              <a:t>Implementations: STL</a:t>
+            </a:r>
           </a:p>
           <a:p>
             <a:pPr lvl="1"/>
@@ -4889,7 +4880,7 @@
             <a:graphicData uri="http://schemas.openxmlformats.org/presentationml/2006/ole">
               <mc:AlternateContent xmlns:mc="http://schemas.openxmlformats.org/markup-compatibility/2006">
                 <mc:Choice xmlns:v="urn:schemas-microsoft-com:vml" Requires="v">
-                  <p:oleObj spid="_x0000_s11268" name="Equation" r:id="rId3" imgW="419040" imgH="203040" progId="Equation.3">
+                  <p:oleObj spid="_x0000_s11272" name="Equation" r:id="rId3" imgW="419040" imgH="203040" progId="Equation.3">
                     <p:embed/>
                   </p:oleObj>
                 </mc:Choice>
@@ -6151,7 +6142,11 @@
             <p:ph type="sldNum" sz="quarter" idx="12"/>
           </p:nvPr>
         </p:nvSpPr>
-        <p:spPr/>
+        <p:spPr>
+          <a:solidFill>
+            <a:schemeClr val="bg1"/>
+          </a:solidFill>
+        </p:spPr>
         <p:txBody>
           <a:bodyPr/>
           <a:lstStyle/>
@@ -6173,7 +6168,7 @@
         <p:spPr>
           <a:xfrm>
             <a:off x="628649" y="1953400"/>
-            <a:ext cx="6260523" cy="3693319"/>
+            <a:ext cx="7486651" cy="2585323"/>
           </a:xfrm>
           <a:prstGeom prst="rect">
             <a:avLst/>
@@ -6214,141 +6209,135 @@
           </a:p>
           <a:p>
             <a:r>
-              <a:rPr lang="en-US" dirty="0" err="1" smtClean="0">
-                <a:latin typeface="Courier New" panose="02070309020205020404" pitchFamily="49" charset="0"/>
-                <a:cs typeface="Courier New" panose="02070309020205020404" pitchFamily="49" charset="0"/>
-              </a:rPr>
-              <a:t>std</a:t>
-            </a:r>
-            <a:r>
               <a:rPr lang="en-US" dirty="0">
                 <a:latin typeface="Courier New" panose="02070309020205020404" pitchFamily="49" charset="0"/>
                 <a:cs typeface="Courier New" panose="02070309020205020404" pitchFamily="49" charset="0"/>
               </a:rPr>
-              <a:t>::vector&lt;</a:t>
+              <a:t>vector&lt;double&gt; </a:t>
             </a:r>
             <a:r>
               <a:rPr lang="en-US" dirty="0" err="1">
                 <a:latin typeface="Courier New" panose="02070309020205020404" pitchFamily="49" charset="0"/>
                 <a:cs typeface="Courier New" panose="02070309020205020404" pitchFamily="49" charset="0"/>
               </a:rPr>
-              <a:t>int</a:t>
+              <a:t>read_data</a:t>
             </a:r>
             <a:r>
               <a:rPr lang="en-US" dirty="0">
                 <a:latin typeface="Courier New" panose="02070309020205020404" pitchFamily="49" charset="0"/>
                 <a:cs typeface="Courier New" panose="02070309020205020404" pitchFamily="49" charset="0"/>
               </a:rPr>
-              <a:t>&gt; v1;</a:t>
-            </a:r>
-          </a:p>
-          <a:p>
-            <a:r>
-              <a:rPr lang="en-US" dirty="0" smtClean="0">
-                <a:latin typeface="Courier New" panose="02070309020205020404" pitchFamily="49" charset="0"/>
-                <a:cs typeface="Courier New" panose="02070309020205020404" pitchFamily="49" charset="0"/>
-              </a:rPr>
-              <a:t>for </a:t>
+              <a:t>(</a:t>
+            </a:r>
+            <a:r>
+              <a:rPr lang="en-US" dirty="0" err="1">
+                <a:latin typeface="Courier New" panose="02070309020205020404" pitchFamily="49" charset="0"/>
+                <a:cs typeface="Courier New" panose="02070309020205020404" pitchFamily="49" charset="0"/>
+              </a:rPr>
+              <a:t>istream</a:t>
             </a:r>
             <a:r>
               <a:rPr lang="en-US" dirty="0">
                 <a:latin typeface="Courier New" panose="02070309020205020404" pitchFamily="49" charset="0"/>
                 <a:cs typeface="Courier New" panose="02070309020205020404" pitchFamily="49" charset="0"/>
               </a:rPr>
+              <a:t>&amp; in) {</a:t>
+            </a:r>
+          </a:p>
+          <a:p>
+            <a:r>
+              <a:rPr lang="en-US" dirty="0">
+                <a:latin typeface="Courier New" panose="02070309020205020404" pitchFamily="49" charset="0"/>
+                <a:cs typeface="Courier New" panose="02070309020205020404" pitchFamily="49" charset="0"/>
+              </a:rPr>
+              <a:t>    vector&lt;double&gt; data;</a:t>
+            </a:r>
+          </a:p>
+          <a:p>
+            <a:r>
+              <a:rPr lang="en-US" dirty="0">
+                <a:latin typeface="Courier New" panose="02070309020205020404" pitchFamily="49" charset="0"/>
+                <a:cs typeface="Courier New" panose="02070309020205020404" pitchFamily="49" charset="0"/>
+              </a:rPr>
+              <a:t>    double item;</a:t>
+            </a:r>
+          </a:p>
+          <a:p>
+            <a:r>
+              <a:rPr lang="en-US" dirty="0">
+                <a:latin typeface="Courier New" panose="02070309020205020404" pitchFamily="49" charset="0"/>
+                <a:cs typeface="Courier New" panose="02070309020205020404" pitchFamily="49" charset="0"/>
+              </a:rPr>
+              <a:t>    while (in &gt;&gt; item)</a:t>
+            </a:r>
+          </a:p>
+          <a:p>
+            <a:r>
+              <a:rPr lang="en-US" dirty="0">
+                <a:latin typeface="Courier New" panose="02070309020205020404" pitchFamily="49" charset="0"/>
+                <a:cs typeface="Courier New" panose="02070309020205020404" pitchFamily="49" charset="0"/>
+              </a:rPr>
+              <a:t>        </a:t>
+            </a:r>
+            <a:r>
+              <a:rPr lang="en-US" dirty="0" err="1">
+                <a:latin typeface="Courier New" panose="02070309020205020404" pitchFamily="49" charset="0"/>
+                <a:cs typeface="Courier New" panose="02070309020205020404" pitchFamily="49" charset="0"/>
+              </a:rPr>
+              <a:t>data.</a:t>
+            </a:r>
+            <a:r>
+              <a:rPr lang="en-US" b="1" dirty="0" err="1">
+                <a:solidFill>
+                  <a:srgbClr val="C00000"/>
+                </a:solidFill>
+                <a:latin typeface="Courier New" panose="02070309020205020404" pitchFamily="49" charset="0"/>
+                <a:cs typeface="Courier New" panose="02070309020205020404" pitchFamily="49" charset="0"/>
+              </a:rPr>
+              <a:t>push_back</a:t>
+            </a:r>
+            <a:r>
+              <a:rPr lang="en-US" b="1" dirty="0">
+                <a:solidFill>
+                  <a:srgbClr val="C00000"/>
+                </a:solidFill>
+                <a:latin typeface="Courier New" panose="02070309020205020404" pitchFamily="49" charset="0"/>
+                <a:cs typeface="Courier New" panose="02070309020205020404" pitchFamily="49" charset="0"/>
+              </a:rPr>
               <a:t>(</a:t>
             </a:r>
             <a:r>
-              <a:rPr lang="en-US" dirty="0" err="1">
-                <a:latin typeface="Courier New" panose="02070309020205020404" pitchFamily="49" charset="0"/>
-                <a:cs typeface="Courier New" panose="02070309020205020404" pitchFamily="49" charset="0"/>
-              </a:rPr>
-              <a:t>int</a:t>
-            </a:r>
-            <a:r>
               <a:rPr lang="en-US" dirty="0">
                 <a:latin typeface="Courier New" panose="02070309020205020404" pitchFamily="49" charset="0"/>
                 <a:cs typeface="Courier New" panose="02070309020205020404" pitchFamily="49" charset="0"/>
               </a:rPr>
-              <a:t> </a:t>
-            </a:r>
-            <a:r>
-              <a:rPr lang="en-US" dirty="0" err="1">
-                <a:latin typeface="Courier New" panose="02070309020205020404" pitchFamily="49" charset="0"/>
-                <a:cs typeface="Courier New" panose="02070309020205020404" pitchFamily="49" charset="0"/>
-              </a:rPr>
-              <a:t>i</a:t>
+              <a:t>item</a:t>
+            </a:r>
+            <a:r>
+              <a:rPr lang="en-US" b="1" dirty="0">
+                <a:solidFill>
+                  <a:srgbClr val="C00000"/>
+                </a:solidFill>
+                <a:latin typeface="Courier New" panose="02070309020205020404" pitchFamily="49" charset="0"/>
+                <a:cs typeface="Courier New" panose="02070309020205020404" pitchFamily="49" charset="0"/>
+              </a:rPr>
+              <a:t>)</a:t>
             </a:r>
             <a:r>
               <a:rPr lang="en-US" dirty="0">
                 <a:latin typeface="Courier New" panose="02070309020205020404" pitchFamily="49" charset="0"/>
                 <a:cs typeface="Courier New" panose="02070309020205020404" pitchFamily="49" charset="0"/>
               </a:rPr>
-              <a:t> = 0; </a:t>
-            </a:r>
-            <a:r>
-              <a:rPr lang="en-US" dirty="0" err="1">
-                <a:latin typeface="Courier New" panose="02070309020205020404" pitchFamily="49" charset="0"/>
-                <a:cs typeface="Courier New" panose="02070309020205020404" pitchFamily="49" charset="0"/>
-              </a:rPr>
-              <a:t>i</a:t>
-            </a:r>
+              <a:t>;</a:t>
+            </a:r>
+          </a:p>
+          <a:p>
             <a:r>
               <a:rPr lang="en-US" dirty="0">
                 <a:latin typeface="Courier New" panose="02070309020205020404" pitchFamily="49" charset="0"/>
                 <a:cs typeface="Courier New" panose="02070309020205020404" pitchFamily="49" charset="0"/>
               </a:rPr>
-              <a:t> &lt; </a:t>
-            </a:r>
-            <a:r>
-              <a:rPr lang="en-US" dirty="0" smtClean="0">
-                <a:latin typeface="Courier New" panose="02070309020205020404" pitchFamily="49" charset="0"/>
-                <a:cs typeface="Courier New" panose="02070309020205020404" pitchFamily="49" charset="0"/>
-              </a:rPr>
-              <a:t>5; </a:t>
-            </a:r>
-            <a:r>
-              <a:rPr lang="en-US" dirty="0" err="1">
-                <a:latin typeface="Courier New" panose="02070309020205020404" pitchFamily="49" charset="0"/>
-                <a:cs typeface="Courier New" panose="02070309020205020404" pitchFamily="49" charset="0"/>
-              </a:rPr>
-              <a:t>i</a:t>
-            </a:r>
-            <a:r>
-              <a:rPr lang="en-US" dirty="0">
-                <a:latin typeface="Courier New" panose="02070309020205020404" pitchFamily="49" charset="0"/>
-                <a:cs typeface="Courier New" panose="02070309020205020404" pitchFamily="49" charset="0"/>
-              </a:rPr>
-              <a:t>++) {</a:t>
-            </a:r>
-          </a:p>
-          <a:p>
-            <a:r>
-              <a:rPr lang="en-US" dirty="0" smtClean="0">
-                <a:latin typeface="Courier New" panose="02070309020205020404" pitchFamily="49" charset="0"/>
-                <a:cs typeface="Courier New" panose="02070309020205020404" pitchFamily="49" charset="0"/>
-              </a:rPr>
-              <a:t>    </a:t>
-            </a:r>
-            <a:r>
-              <a:rPr lang="en-US" dirty="0">
-                <a:latin typeface="Courier New" panose="02070309020205020404" pitchFamily="49" charset="0"/>
-                <a:cs typeface="Courier New" panose="02070309020205020404" pitchFamily="49" charset="0"/>
-              </a:rPr>
-              <a:t>v1.push_back(2*</a:t>
-            </a:r>
-            <a:r>
-              <a:rPr lang="en-US" dirty="0" err="1">
-                <a:latin typeface="Courier New" panose="02070309020205020404" pitchFamily="49" charset="0"/>
-                <a:cs typeface="Courier New" panose="02070309020205020404" pitchFamily="49" charset="0"/>
-              </a:rPr>
-              <a:t>i</a:t>
-            </a:r>
-            <a:r>
-              <a:rPr lang="en-US" dirty="0">
-                <a:latin typeface="Courier New" panose="02070309020205020404" pitchFamily="49" charset="0"/>
-                <a:cs typeface="Courier New" panose="02070309020205020404" pitchFamily="49" charset="0"/>
-              </a:rPr>
-              <a:t>);</a:t>
+              <a:t>    return data;</a:t>
             </a:r>
           </a:p>
           <a:p>
@@ -6363,319 +6352,13 @@
               <a:latin typeface="Courier New" panose="02070309020205020404" pitchFamily="49" charset="0"/>
               <a:cs typeface="Courier New" panose="02070309020205020404" pitchFamily="49" charset="0"/>
             </a:endParaRPr>
-          </a:p>
-          <a:p>
-            <a:r>
-              <a:rPr lang="en-US" dirty="0" err="1" smtClean="0">
-                <a:latin typeface="Courier New" panose="02070309020205020404" pitchFamily="49" charset="0"/>
-                <a:cs typeface="Courier New" panose="02070309020205020404" pitchFamily="49" charset="0"/>
-              </a:rPr>
-              <a:t>std</a:t>
-            </a:r>
-            <a:r>
-              <a:rPr lang="en-US" dirty="0">
-                <a:latin typeface="Courier New" panose="02070309020205020404" pitchFamily="49" charset="0"/>
-                <a:cs typeface="Courier New" panose="02070309020205020404" pitchFamily="49" charset="0"/>
-              </a:rPr>
-              <a:t>::vector&lt;</a:t>
-            </a:r>
-            <a:r>
-              <a:rPr lang="en-US" dirty="0" err="1">
-                <a:latin typeface="Courier New" panose="02070309020205020404" pitchFamily="49" charset="0"/>
-                <a:cs typeface="Courier New" panose="02070309020205020404" pitchFamily="49" charset="0"/>
-              </a:rPr>
-              <a:t>int</a:t>
-            </a:r>
-            <a:r>
-              <a:rPr lang="en-US" dirty="0">
-                <a:latin typeface="Courier New" panose="02070309020205020404" pitchFamily="49" charset="0"/>
-                <a:cs typeface="Courier New" panose="02070309020205020404" pitchFamily="49" charset="0"/>
-              </a:rPr>
-              <a:t>&gt; v2(v1.size());</a:t>
-            </a:r>
-          </a:p>
-          <a:p>
-            <a:r>
-              <a:rPr lang="en-US" dirty="0" smtClean="0">
-                <a:latin typeface="Courier New" panose="02070309020205020404" pitchFamily="49" charset="0"/>
-                <a:cs typeface="Courier New" panose="02070309020205020404" pitchFamily="49" charset="0"/>
-              </a:rPr>
-              <a:t>for </a:t>
-            </a:r>
-            <a:r>
-              <a:rPr lang="en-US" dirty="0">
-                <a:latin typeface="Courier New" panose="02070309020205020404" pitchFamily="49" charset="0"/>
-                <a:cs typeface="Courier New" panose="02070309020205020404" pitchFamily="49" charset="0"/>
-              </a:rPr>
-              <a:t>(unsigned </a:t>
-            </a:r>
-            <a:r>
-              <a:rPr lang="en-US" dirty="0" err="1">
-                <a:latin typeface="Courier New" panose="02070309020205020404" pitchFamily="49" charset="0"/>
-                <a:cs typeface="Courier New" panose="02070309020205020404" pitchFamily="49" charset="0"/>
-              </a:rPr>
-              <a:t>i</a:t>
-            </a:r>
-            <a:r>
-              <a:rPr lang="en-US" dirty="0">
-                <a:latin typeface="Courier New" panose="02070309020205020404" pitchFamily="49" charset="0"/>
-                <a:cs typeface="Courier New" panose="02070309020205020404" pitchFamily="49" charset="0"/>
-              </a:rPr>
-              <a:t> = 0; </a:t>
-            </a:r>
-            <a:r>
-              <a:rPr lang="en-US" dirty="0" err="1">
-                <a:latin typeface="Courier New" panose="02070309020205020404" pitchFamily="49" charset="0"/>
-                <a:cs typeface="Courier New" panose="02070309020205020404" pitchFamily="49" charset="0"/>
-              </a:rPr>
-              <a:t>i</a:t>
-            </a:r>
-            <a:r>
-              <a:rPr lang="en-US" dirty="0">
-                <a:latin typeface="Courier New" panose="02070309020205020404" pitchFamily="49" charset="0"/>
-                <a:cs typeface="Courier New" panose="02070309020205020404" pitchFamily="49" charset="0"/>
-              </a:rPr>
-              <a:t> &lt; v1.size(); </a:t>
-            </a:r>
-            <a:r>
-              <a:rPr lang="en-US" dirty="0" err="1">
-                <a:latin typeface="Courier New" panose="02070309020205020404" pitchFamily="49" charset="0"/>
-                <a:cs typeface="Courier New" panose="02070309020205020404" pitchFamily="49" charset="0"/>
-              </a:rPr>
-              <a:t>i</a:t>
-            </a:r>
-            <a:r>
-              <a:rPr lang="en-US" dirty="0">
-                <a:latin typeface="Courier New" panose="02070309020205020404" pitchFamily="49" charset="0"/>
-                <a:cs typeface="Courier New" panose="02070309020205020404" pitchFamily="49" charset="0"/>
-              </a:rPr>
-              <a:t>++) {</a:t>
-            </a:r>
-          </a:p>
-          <a:p>
-            <a:r>
-              <a:rPr lang="en-US" dirty="0" smtClean="0">
-                <a:latin typeface="Courier New" panose="02070309020205020404" pitchFamily="49" charset="0"/>
-                <a:cs typeface="Courier New" panose="02070309020205020404" pitchFamily="49" charset="0"/>
-              </a:rPr>
-              <a:t>    </a:t>
-            </a:r>
-            <a:r>
-              <a:rPr lang="en-US" dirty="0">
-                <a:latin typeface="Courier New" panose="02070309020205020404" pitchFamily="49" charset="0"/>
-                <a:cs typeface="Courier New" panose="02070309020205020404" pitchFamily="49" charset="0"/>
-              </a:rPr>
-              <a:t>v2[</a:t>
-            </a:r>
-            <a:r>
-              <a:rPr lang="en-US" dirty="0" err="1">
-                <a:latin typeface="Courier New" panose="02070309020205020404" pitchFamily="49" charset="0"/>
-                <a:cs typeface="Courier New" panose="02070309020205020404" pitchFamily="49" charset="0"/>
-              </a:rPr>
-              <a:t>i</a:t>
-            </a:r>
-            <a:r>
-              <a:rPr lang="en-US" dirty="0">
-                <a:latin typeface="Courier New" panose="02070309020205020404" pitchFamily="49" charset="0"/>
-                <a:cs typeface="Courier New" panose="02070309020205020404" pitchFamily="49" charset="0"/>
-              </a:rPr>
-              <a:t>] = v1[</a:t>
-            </a:r>
-            <a:r>
-              <a:rPr lang="en-US" dirty="0" err="1">
-                <a:latin typeface="Courier New" panose="02070309020205020404" pitchFamily="49" charset="0"/>
-                <a:cs typeface="Courier New" panose="02070309020205020404" pitchFamily="49" charset="0"/>
-              </a:rPr>
-              <a:t>i</a:t>
-            </a:r>
-            <a:r>
-              <a:rPr lang="en-US" dirty="0">
-                <a:latin typeface="Courier New" panose="02070309020205020404" pitchFamily="49" charset="0"/>
-                <a:cs typeface="Courier New" panose="02070309020205020404" pitchFamily="49" charset="0"/>
-              </a:rPr>
-              <a:t>]*v1[</a:t>
-            </a:r>
-            <a:r>
-              <a:rPr lang="en-US" dirty="0" err="1">
-                <a:latin typeface="Courier New" panose="02070309020205020404" pitchFamily="49" charset="0"/>
-                <a:cs typeface="Courier New" panose="02070309020205020404" pitchFamily="49" charset="0"/>
-              </a:rPr>
-              <a:t>i</a:t>
-            </a:r>
-            <a:r>
-              <a:rPr lang="en-US" dirty="0">
-                <a:latin typeface="Courier New" panose="02070309020205020404" pitchFamily="49" charset="0"/>
-                <a:cs typeface="Courier New" panose="02070309020205020404" pitchFamily="49" charset="0"/>
-              </a:rPr>
-              <a:t>];</a:t>
-            </a:r>
-          </a:p>
-          <a:p>
-            <a:r>
-              <a:rPr lang="en-US" dirty="0" smtClean="0">
-                <a:latin typeface="Courier New" panose="02070309020205020404" pitchFamily="49" charset="0"/>
-                <a:cs typeface="Courier New" panose="02070309020205020404" pitchFamily="49" charset="0"/>
-              </a:rPr>
-              <a:t>}</a:t>
-            </a:r>
-          </a:p>
-          <a:p>
-            <a:r>
-              <a:rPr lang="en-US" dirty="0" smtClean="0">
-                <a:latin typeface="Courier New" panose="02070309020205020404" pitchFamily="49" charset="0"/>
-                <a:cs typeface="Courier New" panose="02070309020205020404" pitchFamily="49" charset="0"/>
-              </a:rPr>
-              <a:t>for (</a:t>
-            </a:r>
-            <a:r>
-              <a:rPr lang="en-US" dirty="0" err="1" smtClean="0">
-                <a:latin typeface="Courier New" panose="02070309020205020404" pitchFamily="49" charset="0"/>
-                <a:cs typeface="Courier New" panose="02070309020205020404" pitchFamily="49" charset="0"/>
-              </a:rPr>
-              <a:t>int</a:t>
-            </a:r>
-            <a:r>
-              <a:rPr lang="en-US" dirty="0" smtClean="0">
-                <a:latin typeface="Courier New" panose="02070309020205020404" pitchFamily="49" charset="0"/>
-                <a:cs typeface="Courier New" panose="02070309020205020404" pitchFamily="49" charset="0"/>
-              </a:rPr>
-              <a:t> value: v2) {</a:t>
-            </a:r>
-          </a:p>
-          <a:p>
-            <a:r>
-              <a:rPr lang="en-US" dirty="0">
-                <a:latin typeface="Courier New" panose="02070309020205020404" pitchFamily="49" charset="0"/>
-                <a:cs typeface="Courier New" panose="02070309020205020404" pitchFamily="49" charset="0"/>
-              </a:rPr>
-              <a:t> </a:t>
-            </a:r>
-            <a:r>
-              <a:rPr lang="en-US" dirty="0" smtClean="0">
-                <a:latin typeface="Courier New" panose="02070309020205020404" pitchFamily="49" charset="0"/>
-                <a:cs typeface="Courier New" panose="02070309020205020404" pitchFamily="49" charset="0"/>
-              </a:rPr>
-              <a:t>   </a:t>
-            </a:r>
-            <a:r>
-              <a:rPr lang="en-US" dirty="0" err="1" smtClean="0">
-                <a:latin typeface="Courier New" panose="02070309020205020404" pitchFamily="49" charset="0"/>
-                <a:cs typeface="Courier New" panose="02070309020205020404" pitchFamily="49" charset="0"/>
-              </a:rPr>
-              <a:t>std</a:t>
-            </a:r>
-            <a:r>
-              <a:rPr lang="en-US" dirty="0" smtClean="0">
-                <a:latin typeface="Courier New" panose="02070309020205020404" pitchFamily="49" charset="0"/>
-                <a:cs typeface="Courier New" panose="02070309020205020404" pitchFamily="49" charset="0"/>
-              </a:rPr>
-              <a:t>::</a:t>
-            </a:r>
-            <a:r>
-              <a:rPr lang="en-US" dirty="0" err="1" smtClean="0">
-                <a:latin typeface="Courier New" panose="02070309020205020404" pitchFamily="49" charset="0"/>
-                <a:cs typeface="Courier New" panose="02070309020205020404" pitchFamily="49" charset="0"/>
-              </a:rPr>
-              <a:t>cout</a:t>
-            </a:r>
-            <a:r>
-              <a:rPr lang="en-US" dirty="0" smtClean="0">
-                <a:latin typeface="Courier New" panose="02070309020205020404" pitchFamily="49" charset="0"/>
-                <a:cs typeface="Courier New" panose="02070309020205020404" pitchFamily="49" charset="0"/>
-              </a:rPr>
-              <a:t> &lt;&lt; value &lt;&lt; </a:t>
-            </a:r>
-            <a:r>
-              <a:rPr lang="en-US" dirty="0" err="1" smtClean="0">
-                <a:latin typeface="Courier New" panose="02070309020205020404" pitchFamily="49" charset="0"/>
-                <a:cs typeface="Courier New" panose="02070309020205020404" pitchFamily="49" charset="0"/>
-              </a:rPr>
-              <a:t>std</a:t>
-            </a:r>
-            <a:r>
-              <a:rPr lang="en-US" dirty="0" smtClean="0">
-                <a:latin typeface="Courier New" panose="02070309020205020404" pitchFamily="49" charset="0"/>
-                <a:cs typeface="Courier New" panose="02070309020205020404" pitchFamily="49" charset="0"/>
-              </a:rPr>
-              <a:t>::</a:t>
-            </a:r>
-            <a:r>
-              <a:rPr lang="en-US" dirty="0" err="1" smtClean="0">
-                <a:latin typeface="Courier New" panose="02070309020205020404" pitchFamily="49" charset="0"/>
-                <a:cs typeface="Courier New" panose="02070309020205020404" pitchFamily="49" charset="0"/>
-              </a:rPr>
-              <a:t>endl</a:t>
-            </a:r>
-            <a:r>
-              <a:rPr lang="en-US" dirty="0" smtClean="0">
-                <a:latin typeface="Courier New" panose="02070309020205020404" pitchFamily="49" charset="0"/>
-                <a:cs typeface="Courier New" panose="02070309020205020404" pitchFamily="49" charset="0"/>
-              </a:rPr>
-              <a:t>;</a:t>
-            </a:r>
-          </a:p>
-          <a:p>
-            <a:r>
-              <a:rPr lang="en-US" dirty="0">
-                <a:latin typeface="Courier New" panose="02070309020205020404" pitchFamily="49" charset="0"/>
-                <a:cs typeface="Courier New" panose="02070309020205020404" pitchFamily="49" charset="0"/>
-              </a:rPr>
-              <a:t>}</a:t>
-            </a:r>
-            <a:endParaRPr lang="en-US" dirty="0" smtClean="0">
-              <a:latin typeface="Courier New" panose="02070309020205020404" pitchFamily="49" charset="0"/>
-              <a:cs typeface="Courier New" panose="02070309020205020404" pitchFamily="49" charset="0"/>
-            </a:endParaRPr>
-          </a:p>
-        </p:txBody>
-      </p:sp>
-      <p:sp>
-        <p:nvSpPr>
-          <p:cNvPr id="3" name="TextBox 2"/>
-          <p:cNvSpPr txBox="1"/>
-          <p:nvPr/>
-        </p:nvSpPr>
-        <p:spPr>
-          <a:xfrm>
-            <a:off x="2015837" y="5899039"/>
-            <a:ext cx="5380255" cy="523220"/>
-          </a:xfrm>
-          <a:prstGeom prst="rect">
-            <a:avLst/>
-          </a:prstGeom>
-          <a:noFill/>
-          <a:ln>
-            <a:solidFill>
-              <a:schemeClr val="tx1"/>
-            </a:solidFill>
-          </a:ln>
-        </p:spPr>
-        <p:txBody>
-          <a:bodyPr wrap="none" rtlCol="0">
-            <a:spAutoFit/>
-          </a:bodyPr>
-          <a:lstStyle/>
-          <a:p>
-            <a:r>
-              <a:rPr lang="en-US" sz="2800" dirty="0" smtClean="0"/>
-              <a:t>Note: </a:t>
-            </a:r>
-            <a:r>
-              <a:rPr lang="en-US" sz="2800" dirty="0" smtClean="0"/>
-              <a:t>vector indexing </a:t>
-            </a:r>
-            <a:r>
-              <a:rPr lang="en-US" sz="2800" dirty="0" smtClean="0"/>
-              <a:t>is zero based!</a:t>
-            </a:r>
-            <a:endParaRPr lang="en-US" sz="2800" dirty="0"/>
           </a:p>
         </p:txBody>
       </p:sp>
     </p:spTree>
     <p:extLst>
       <p:ext uri="{BB962C8B-B14F-4D97-AF65-F5344CB8AC3E}">
-        <p14:creationId xmlns:p14="http://schemas.microsoft.com/office/powerpoint/2010/main" val="3242179123"/>
+        <p14:creationId xmlns:p14="http://schemas.microsoft.com/office/powerpoint/2010/main" val="687327569"/>
       </p:ext>
     </p:extLst>
   </p:cSld>
@@ -6726,6 +6409,614 @@
           <a:p>
             <a:r>
               <a:rPr lang="en-US" dirty="0" smtClean="0"/>
+              <a:t>Vector examples</a:t>
+            </a:r>
+            <a:endParaRPr lang="en-US" dirty="0"/>
+          </a:p>
+        </p:txBody>
+      </p:sp>
+      <p:sp>
+        <p:nvSpPr>
+          <p:cNvPr id="4" name="Slide Number Placeholder 3"/>
+          <p:cNvSpPr>
+            <a:spLocks noGrp="1"/>
+          </p:cNvSpPr>
+          <p:nvPr>
+            <p:ph type="sldNum" sz="quarter" idx="12"/>
+          </p:nvPr>
+        </p:nvSpPr>
+        <p:spPr>
+          <a:solidFill>
+            <a:schemeClr val="bg1"/>
+          </a:solidFill>
+        </p:spPr>
+        <p:txBody>
+          <a:bodyPr/>
+          <a:lstStyle/>
+          <a:p>
+            <a:fld id="{11AD1F4E-1E51-402E-B221-310F004E7D3B}" type="slidenum">
+              <a:rPr lang="en-US" smtClean="0"/>
+              <a:t>14</a:t>
+            </a:fld>
+            <a:endParaRPr lang="en-US"/>
+          </a:p>
+        </p:txBody>
+      </p:sp>
+      <p:sp>
+        <p:nvSpPr>
+          <p:cNvPr id="7" name="TextBox 6"/>
+          <p:cNvSpPr txBox="1"/>
+          <p:nvPr/>
+        </p:nvSpPr>
+        <p:spPr>
+          <a:xfrm>
+            <a:off x="628649" y="1953400"/>
+            <a:ext cx="7486651" cy="4247317"/>
+          </a:xfrm>
+          <a:prstGeom prst="rect">
+            <a:avLst/>
+          </a:prstGeom>
+          <a:solidFill>
+            <a:schemeClr val="bg1">
+              <a:lumMod val="75000"/>
+            </a:schemeClr>
+          </a:solidFill>
+          <a:ln>
+            <a:solidFill>
+              <a:schemeClr val="tx1"/>
+            </a:solidFill>
+          </a:ln>
+        </p:spPr>
+        <p:txBody>
+          <a:bodyPr wrap="square" rtlCol="0">
+            <a:spAutoFit/>
+          </a:bodyPr>
+          <a:lstStyle/>
+          <a:p>
+            <a:r>
+              <a:rPr lang="en-US" dirty="0" smtClean="0">
+                <a:latin typeface="Courier New" panose="02070309020205020404" pitchFamily="49" charset="0"/>
+                <a:cs typeface="Courier New" panose="02070309020205020404" pitchFamily="49" charset="0"/>
+              </a:rPr>
+              <a:t>#include </a:t>
+            </a:r>
+            <a:r>
+              <a:rPr lang="en-US" dirty="0" smtClean="0">
+                <a:latin typeface="Courier New" panose="02070309020205020404" pitchFamily="49" charset="0"/>
+                <a:cs typeface="Courier New" panose="02070309020205020404" pitchFamily="49" charset="0"/>
+              </a:rPr>
+              <a:t>&lt;algorithm&gt;</a:t>
+            </a:r>
+            <a:endParaRPr lang="en-US" dirty="0" smtClean="0">
+              <a:latin typeface="Courier New" panose="02070309020205020404" pitchFamily="49" charset="0"/>
+              <a:cs typeface="Courier New" panose="02070309020205020404" pitchFamily="49" charset="0"/>
+            </a:endParaRPr>
+          </a:p>
+          <a:p>
+            <a:r>
+              <a:rPr lang="en-US" dirty="0" smtClean="0">
+                <a:latin typeface="Courier New" panose="02070309020205020404" pitchFamily="49" charset="0"/>
+                <a:cs typeface="Courier New" panose="02070309020205020404" pitchFamily="49" charset="0"/>
+              </a:rPr>
+              <a:t>…</a:t>
+            </a:r>
+          </a:p>
+          <a:p>
+            <a:r>
+              <a:rPr lang="en-US" dirty="0">
+                <a:latin typeface="Courier New" panose="02070309020205020404" pitchFamily="49" charset="0"/>
+                <a:cs typeface="Courier New" panose="02070309020205020404" pitchFamily="49" charset="0"/>
+              </a:rPr>
+              <a:t>Stats </a:t>
+            </a:r>
+            <a:r>
+              <a:rPr lang="en-US" dirty="0" err="1">
+                <a:latin typeface="Courier New" panose="02070309020205020404" pitchFamily="49" charset="0"/>
+                <a:cs typeface="Courier New" panose="02070309020205020404" pitchFamily="49" charset="0"/>
+              </a:rPr>
+              <a:t>compute_stats</a:t>
+            </a:r>
+            <a:r>
+              <a:rPr lang="en-US" dirty="0">
+                <a:latin typeface="Courier New" panose="02070309020205020404" pitchFamily="49" charset="0"/>
+                <a:cs typeface="Courier New" panose="02070309020205020404" pitchFamily="49" charset="0"/>
+              </a:rPr>
+              <a:t>(vector&lt;double&gt; data) {</a:t>
+            </a:r>
+          </a:p>
+          <a:p>
+            <a:r>
+              <a:rPr lang="en-US" dirty="0">
+                <a:latin typeface="Courier New" panose="02070309020205020404" pitchFamily="49" charset="0"/>
+                <a:cs typeface="Courier New" panose="02070309020205020404" pitchFamily="49" charset="0"/>
+              </a:rPr>
+              <a:t>    </a:t>
+            </a:r>
+            <a:r>
+              <a:rPr lang="en-US" dirty="0" err="1">
+                <a:latin typeface="Courier New" panose="02070309020205020404" pitchFamily="49" charset="0"/>
+                <a:cs typeface="Courier New" panose="02070309020205020404" pitchFamily="49" charset="0"/>
+              </a:rPr>
+              <a:t>int</a:t>
+            </a:r>
+            <a:r>
+              <a:rPr lang="en-US" dirty="0">
+                <a:latin typeface="Courier New" panose="02070309020205020404" pitchFamily="49" charset="0"/>
+                <a:cs typeface="Courier New" panose="02070309020205020404" pitchFamily="49" charset="0"/>
+              </a:rPr>
+              <a:t> n = </a:t>
+            </a:r>
+            <a:r>
+              <a:rPr lang="en-US" dirty="0" err="1">
+                <a:latin typeface="Courier New" panose="02070309020205020404" pitchFamily="49" charset="0"/>
+                <a:cs typeface="Courier New" panose="02070309020205020404" pitchFamily="49" charset="0"/>
+              </a:rPr>
+              <a:t>data.</a:t>
+            </a:r>
+            <a:r>
+              <a:rPr lang="en-US" b="1" dirty="0" err="1">
+                <a:solidFill>
+                  <a:srgbClr val="C00000"/>
+                </a:solidFill>
+                <a:latin typeface="Courier New" panose="02070309020205020404" pitchFamily="49" charset="0"/>
+                <a:cs typeface="Courier New" panose="02070309020205020404" pitchFamily="49" charset="0"/>
+              </a:rPr>
+              <a:t>size</a:t>
+            </a:r>
+            <a:r>
+              <a:rPr lang="en-US" b="1" dirty="0">
+                <a:solidFill>
+                  <a:srgbClr val="C00000"/>
+                </a:solidFill>
+                <a:latin typeface="Courier New" panose="02070309020205020404" pitchFamily="49" charset="0"/>
+                <a:cs typeface="Courier New" panose="02070309020205020404" pitchFamily="49" charset="0"/>
+              </a:rPr>
+              <a:t>()</a:t>
+            </a:r>
+            <a:r>
+              <a:rPr lang="en-US" dirty="0">
+                <a:latin typeface="Courier New" panose="02070309020205020404" pitchFamily="49" charset="0"/>
+                <a:cs typeface="Courier New" panose="02070309020205020404" pitchFamily="49" charset="0"/>
+              </a:rPr>
+              <a:t>;</a:t>
+            </a:r>
+          </a:p>
+          <a:p>
+            <a:r>
+              <a:rPr lang="en-US" dirty="0">
+                <a:latin typeface="Courier New" panose="02070309020205020404" pitchFamily="49" charset="0"/>
+                <a:cs typeface="Courier New" panose="02070309020205020404" pitchFamily="49" charset="0"/>
+              </a:rPr>
+              <a:t>    double sum {0.0};</a:t>
+            </a:r>
+          </a:p>
+          <a:p>
+            <a:r>
+              <a:rPr lang="en-US" dirty="0" smtClean="0">
+                <a:latin typeface="Courier New" panose="02070309020205020404" pitchFamily="49" charset="0"/>
+                <a:cs typeface="Courier New" panose="02070309020205020404" pitchFamily="49" charset="0"/>
+              </a:rPr>
+              <a:t>    for </a:t>
+            </a:r>
+            <a:r>
+              <a:rPr lang="en-US" dirty="0">
+                <a:latin typeface="Courier New" panose="02070309020205020404" pitchFamily="49" charset="0"/>
+                <a:cs typeface="Courier New" panose="02070309020205020404" pitchFamily="49" charset="0"/>
+              </a:rPr>
+              <a:t>(</a:t>
+            </a:r>
+            <a:r>
+              <a:rPr lang="en-US" b="1" dirty="0">
+                <a:solidFill>
+                  <a:srgbClr val="C00000"/>
+                </a:solidFill>
+                <a:latin typeface="Courier New" panose="02070309020205020404" pitchFamily="49" charset="0"/>
+                <a:cs typeface="Courier New" panose="02070309020205020404" pitchFamily="49" charset="0"/>
+              </a:rPr>
+              <a:t>double item: data</a:t>
+            </a:r>
+            <a:r>
+              <a:rPr lang="en-US" dirty="0" smtClean="0">
+                <a:latin typeface="Courier New" panose="02070309020205020404" pitchFamily="49" charset="0"/>
+                <a:cs typeface="Courier New" panose="02070309020205020404" pitchFamily="49" charset="0"/>
+              </a:rPr>
+              <a:t>)</a:t>
+            </a:r>
+            <a:endParaRPr lang="en-US" dirty="0">
+              <a:latin typeface="Courier New" panose="02070309020205020404" pitchFamily="49" charset="0"/>
+              <a:cs typeface="Courier New" panose="02070309020205020404" pitchFamily="49" charset="0"/>
+            </a:endParaRPr>
+          </a:p>
+          <a:p>
+            <a:r>
+              <a:rPr lang="en-US" dirty="0">
+                <a:latin typeface="Courier New" panose="02070309020205020404" pitchFamily="49" charset="0"/>
+                <a:cs typeface="Courier New" panose="02070309020205020404" pitchFamily="49" charset="0"/>
+              </a:rPr>
+              <a:t>        sum += item;</a:t>
+            </a:r>
+          </a:p>
+          <a:p>
+            <a:r>
+              <a:rPr lang="en-US" dirty="0" smtClean="0">
+                <a:latin typeface="Courier New" panose="02070309020205020404" pitchFamily="49" charset="0"/>
+                <a:cs typeface="Courier New" panose="02070309020205020404" pitchFamily="49" charset="0"/>
+              </a:rPr>
+              <a:t>    Stats </a:t>
+            </a:r>
+            <a:r>
+              <a:rPr lang="en-US" dirty="0" err="1">
+                <a:latin typeface="Courier New" panose="02070309020205020404" pitchFamily="49" charset="0"/>
+                <a:cs typeface="Courier New" panose="02070309020205020404" pitchFamily="49" charset="0"/>
+              </a:rPr>
+              <a:t>stats</a:t>
+            </a:r>
+            <a:r>
+              <a:rPr lang="en-US" dirty="0">
+                <a:latin typeface="Courier New" panose="02070309020205020404" pitchFamily="49" charset="0"/>
+                <a:cs typeface="Courier New" panose="02070309020205020404" pitchFamily="49" charset="0"/>
+              </a:rPr>
+              <a:t>;</a:t>
+            </a:r>
+          </a:p>
+          <a:p>
+            <a:r>
+              <a:rPr lang="en-US" dirty="0">
+                <a:latin typeface="Courier New" panose="02070309020205020404" pitchFamily="49" charset="0"/>
+                <a:cs typeface="Courier New" panose="02070309020205020404" pitchFamily="49" charset="0"/>
+              </a:rPr>
+              <a:t>    </a:t>
+            </a:r>
+            <a:r>
+              <a:rPr lang="en-US" dirty="0" err="1">
+                <a:latin typeface="Courier New" panose="02070309020205020404" pitchFamily="49" charset="0"/>
+                <a:cs typeface="Courier New" panose="02070309020205020404" pitchFamily="49" charset="0"/>
+              </a:rPr>
+              <a:t>stats.mean</a:t>
+            </a:r>
+            <a:r>
+              <a:rPr lang="en-US" dirty="0">
+                <a:latin typeface="Courier New" panose="02070309020205020404" pitchFamily="49" charset="0"/>
+                <a:cs typeface="Courier New" panose="02070309020205020404" pitchFamily="49" charset="0"/>
+              </a:rPr>
+              <a:t> = sum/n;</a:t>
+            </a:r>
+          </a:p>
+          <a:p>
+            <a:r>
+              <a:rPr lang="en-US" dirty="0" smtClean="0">
+                <a:latin typeface="Courier New" panose="02070309020205020404" pitchFamily="49" charset="0"/>
+                <a:cs typeface="Courier New" panose="02070309020205020404" pitchFamily="49" charset="0"/>
+              </a:rPr>
+              <a:t>    </a:t>
+            </a:r>
+            <a:r>
+              <a:rPr lang="en-US" b="1" dirty="0" smtClean="0">
+                <a:solidFill>
+                  <a:srgbClr val="C00000"/>
+                </a:solidFill>
+                <a:latin typeface="Courier New" panose="02070309020205020404" pitchFamily="49" charset="0"/>
+                <a:cs typeface="Courier New" panose="02070309020205020404" pitchFamily="49" charset="0"/>
+              </a:rPr>
+              <a:t>sort</a:t>
+            </a:r>
+            <a:r>
+              <a:rPr lang="en-US" dirty="0" smtClean="0">
+                <a:latin typeface="Courier New" panose="02070309020205020404" pitchFamily="49" charset="0"/>
+                <a:cs typeface="Courier New" panose="02070309020205020404" pitchFamily="49" charset="0"/>
+              </a:rPr>
+              <a:t>(</a:t>
+            </a:r>
+            <a:r>
+              <a:rPr lang="en-US" dirty="0" err="1" smtClean="0">
+                <a:latin typeface="Courier New" panose="02070309020205020404" pitchFamily="49" charset="0"/>
+                <a:cs typeface="Courier New" panose="02070309020205020404" pitchFamily="49" charset="0"/>
+              </a:rPr>
+              <a:t>data.</a:t>
+            </a:r>
+            <a:r>
+              <a:rPr lang="en-US" b="1" dirty="0" err="1" smtClean="0">
+                <a:solidFill>
+                  <a:srgbClr val="C00000"/>
+                </a:solidFill>
+                <a:latin typeface="Courier New" panose="02070309020205020404" pitchFamily="49" charset="0"/>
+                <a:cs typeface="Courier New" panose="02070309020205020404" pitchFamily="49" charset="0"/>
+              </a:rPr>
+              <a:t>begin</a:t>
+            </a:r>
+            <a:r>
+              <a:rPr lang="en-US" b="1" dirty="0">
+                <a:solidFill>
+                  <a:srgbClr val="C00000"/>
+                </a:solidFill>
+                <a:latin typeface="Courier New" panose="02070309020205020404" pitchFamily="49" charset="0"/>
+                <a:cs typeface="Courier New" panose="02070309020205020404" pitchFamily="49" charset="0"/>
+              </a:rPr>
+              <a:t>()</a:t>
+            </a:r>
+            <a:r>
+              <a:rPr lang="en-US" dirty="0">
+                <a:latin typeface="Courier New" panose="02070309020205020404" pitchFamily="49" charset="0"/>
+                <a:cs typeface="Courier New" panose="02070309020205020404" pitchFamily="49" charset="0"/>
+              </a:rPr>
+              <a:t>, </a:t>
+            </a:r>
+            <a:r>
+              <a:rPr lang="en-US" dirty="0" err="1">
+                <a:latin typeface="Courier New" panose="02070309020205020404" pitchFamily="49" charset="0"/>
+                <a:cs typeface="Courier New" panose="02070309020205020404" pitchFamily="49" charset="0"/>
+              </a:rPr>
+              <a:t>data</a:t>
+            </a:r>
+            <a:r>
+              <a:rPr lang="en-US" b="1" dirty="0" err="1">
+                <a:solidFill>
+                  <a:srgbClr val="C00000"/>
+                </a:solidFill>
+                <a:latin typeface="Courier New" panose="02070309020205020404" pitchFamily="49" charset="0"/>
+                <a:cs typeface="Courier New" panose="02070309020205020404" pitchFamily="49" charset="0"/>
+              </a:rPr>
+              <a:t>.end</a:t>
+            </a:r>
+            <a:r>
+              <a:rPr lang="en-US" b="1" dirty="0">
+                <a:solidFill>
+                  <a:srgbClr val="C00000"/>
+                </a:solidFill>
+                <a:latin typeface="Courier New" panose="02070309020205020404" pitchFamily="49" charset="0"/>
+                <a:cs typeface="Courier New" panose="02070309020205020404" pitchFamily="49" charset="0"/>
+              </a:rPr>
+              <a:t>()</a:t>
+            </a:r>
+            <a:r>
+              <a:rPr lang="en-US" dirty="0">
+                <a:latin typeface="Courier New" panose="02070309020205020404" pitchFamily="49" charset="0"/>
+                <a:cs typeface="Courier New" panose="02070309020205020404" pitchFamily="49" charset="0"/>
+              </a:rPr>
+              <a:t>);</a:t>
+            </a:r>
+          </a:p>
+          <a:p>
+            <a:r>
+              <a:rPr lang="en-US" dirty="0">
+                <a:latin typeface="Courier New" panose="02070309020205020404" pitchFamily="49" charset="0"/>
+                <a:cs typeface="Courier New" panose="02070309020205020404" pitchFamily="49" charset="0"/>
+              </a:rPr>
+              <a:t>    </a:t>
+            </a:r>
+            <a:r>
+              <a:rPr lang="en-US" dirty="0" err="1">
+                <a:latin typeface="Courier New" panose="02070309020205020404" pitchFamily="49" charset="0"/>
+                <a:cs typeface="Courier New" panose="02070309020205020404" pitchFamily="49" charset="0"/>
+              </a:rPr>
+              <a:t>int</a:t>
+            </a:r>
+            <a:r>
+              <a:rPr lang="en-US" dirty="0">
+                <a:latin typeface="Courier New" panose="02070309020205020404" pitchFamily="49" charset="0"/>
+                <a:cs typeface="Courier New" panose="02070309020205020404" pitchFamily="49" charset="0"/>
+              </a:rPr>
+              <a:t> middle {n/2};</a:t>
+            </a:r>
+          </a:p>
+          <a:p>
+            <a:r>
+              <a:rPr lang="en-US" dirty="0">
+                <a:latin typeface="Courier New" panose="02070309020205020404" pitchFamily="49" charset="0"/>
+                <a:cs typeface="Courier New" panose="02070309020205020404" pitchFamily="49" charset="0"/>
+              </a:rPr>
+              <a:t>    </a:t>
+            </a:r>
+            <a:r>
+              <a:rPr lang="en-US" dirty="0" err="1">
+                <a:latin typeface="Courier New" panose="02070309020205020404" pitchFamily="49" charset="0"/>
+                <a:cs typeface="Courier New" panose="02070309020205020404" pitchFamily="49" charset="0"/>
+              </a:rPr>
+              <a:t>stats.median</a:t>
+            </a:r>
+            <a:r>
+              <a:rPr lang="en-US" dirty="0">
+                <a:latin typeface="Courier New" panose="02070309020205020404" pitchFamily="49" charset="0"/>
+                <a:cs typeface="Courier New" panose="02070309020205020404" pitchFamily="49" charset="0"/>
+              </a:rPr>
+              <a:t> = n % 2 == 1 ? data.at(middle) :</a:t>
+            </a:r>
+          </a:p>
+          <a:p>
+            <a:r>
+              <a:rPr lang="en-US" dirty="0">
+                <a:latin typeface="Courier New" panose="02070309020205020404" pitchFamily="49" charset="0"/>
+                <a:cs typeface="Courier New" panose="02070309020205020404" pitchFamily="49" charset="0"/>
+              </a:rPr>
+              <a:t>        (data.</a:t>
+            </a:r>
+            <a:r>
+              <a:rPr lang="en-US" b="1" dirty="0">
+                <a:solidFill>
+                  <a:srgbClr val="C00000"/>
+                </a:solidFill>
+                <a:latin typeface="Courier New" panose="02070309020205020404" pitchFamily="49" charset="0"/>
+                <a:cs typeface="Courier New" panose="02070309020205020404" pitchFamily="49" charset="0"/>
+              </a:rPr>
+              <a:t>at(</a:t>
+            </a:r>
+            <a:r>
+              <a:rPr lang="en-US" dirty="0">
+                <a:latin typeface="Courier New" panose="02070309020205020404" pitchFamily="49" charset="0"/>
+                <a:cs typeface="Courier New" panose="02070309020205020404" pitchFamily="49" charset="0"/>
+              </a:rPr>
+              <a:t>middle - 1</a:t>
+            </a:r>
+            <a:r>
+              <a:rPr lang="en-US" b="1" dirty="0">
+                <a:solidFill>
+                  <a:srgbClr val="C00000"/>
+                </a:solidFill>
+                <a:latin typeface="Courier New" panose="02070309020205020404" pitchFamily="49" charset="0"/>
+                <a:cs typeface="Courier New" panose="02070309020205020404" pitchFamily="49" charset="0"/>
+              </a:rPr>
+              <a:t>)</a:t>
+            </a:r>
+            <a:r>
+              <a:rPr lang="en-US" dirty="0">
+                <a:latin typeface="Courier New" panose="02070309020205020404" pitchFamily="49" charset="0"/>
+                <a:cs typeface="Courier New" panose="02070309020205020404" pitchFamily="49" charset="0"/>
+              </a:rPr>
+              <a:t> + data.</a:t>
+            </a:r>
+            <a:r>
+              <a:rPr lang="en-US" b="1" dirty="0">
+                <a:solidFill>
+                  <a:srgbClr val="C00000"/>
+                </a:solidFill>
+                <a:latin typeface="Courier New" panose="02070309020205020404" pitchFamily="49" charset="0"/>
+                <a:cs typeface="Courier New" panose="02070309020205020404" pitchFamily="49" charset="0"/>
+              </a:rPr>
+              <a:t>at(</a:t>
+            </a:r>
+            <a:r>
+              <a:rPr lang="en-US" dirty="0">
+                <a:latin typeface="Courier New" panose="02070309020205020404" pitchFamily="49" charset="0"/>
+                <a:cs typeface="Courier New" panose="02070309020205020404" pitchFamily="49" charset="0"/>
+              </a:rPr>
+              <a:t>middle</a:t>
+            </a:r>
+            <a:r>
+              <a:rPr lang="en-US" b="1" dirty="0">
+                <a:solidFill>
+                  <a:srgbClr val="C00000"/>
+                </a:solidFill>
+                <a:latin typeface="Courier New" panose="02070309020205020404" pitchFamily="49" charset="0"/>
+                <a:cs typeface="Courier New" panose="02070309020205020404" pitchFamily="49" charset="0"/>
+              </a:rPr>
+              <a:t>)</a:t>
+            </a:r>
+            <a:r>
+              <a:rPr lang="en-US" dirty="0">
+                <a:latin typeface="Courier New" panose="02070309020205020404" pitchFamily="49" charset="0"/>
+                <a:cs typeface="Courier New" panose="02070309020205020404" pitchFamily="49" charset="0"/>
+              </a:rPr>
+              <a:t>)/2.0;</a:t>
+            </a:r>
+          </a:p>
+          <a:p>
+            <a:r>
+              <a:rPr lang="en-US" dirty="0" smtClean="0">
+                <a:latin typeface="Courier New" panose="02070309020205020404" pitchFamily="49" charset="0"/>
+                <a:cs typeface="Courier New" panose="02070309020205020404" pitchFamily="49" charset="0"/>
+              </a:rPr>
+              <a:t>    return </a:t>
+            </a:r>
+            <a:r>
+              <a:rPr lang="en-US" dirty="0">
+                <a:latin typeface="Courier New" panose="02070309020205020404" pitchFamily="49" charset="0"/>
+                <a:cs typeface="Courier New" panose="02070309020205020404" pitchFamily="49" charset="0"/>
+              </a:rPr>
+              <a:t>stats;</a:t>
+            </a:r>
+          </a:p>
+          <a:p>
+            <a:r>
+              <a:rPr lang="en-US" dirty="0">
+                <a:latin typeface="Courier New" panose="02070309020205020404" pitchFamily="49" charset="0"/>
+                <a:cs typeface="Courier New" panose="02070309020205020404" pitchFamily="49" charset="0"/>
+              </a:rPr>
+              <a:t>}</a:t>
+            </a:r>
+          </a:p>
+        </p:txBody>
+      </p:sp>
+      <p:sp>
+        <p:nvSpPr>
+          <p:cNvPr id="3" name="TextBox 2"/>
+          <p:cNvSpPr txBox="1"/>
+          <p:nvPr/>
+        </p:nvSpPr>
+        <p:spPr>
+          <a:xfrm>
+            <a:off x="2106395" y="6016924"/>
+            <a:ext cx="5380255" cy="523220"/>
+          </a:xfrm>
+          <a:prstGeom prst="rect">
+            <a:avLst/>
+          </a:prstGeom>
+          <a:solidFill>
+            <a:schemeClr val="bg1"/>
+          </a:solidFill>
+          <a:ln>
+            <a:solidFill>
+              <a:schemeClr val="tx1"/>
+            </a:solidFill>
+          </a:ln>
+        </p:spPr>
+        <p:txBody>
+          <a:bodyPr wrap="none" rtlCol="0">
+            <a:spAutoFit/>
+          </a:bodyPr>
+          <a:lstStyle/>
+          <a:p>
+            <a:r>
+              <a:rPr lang="en-US" sz="2800" dirty="0" smtClean="0"/>
+              <a:t>Note: vector indexing is zero based!</a:t>
+            </a:r>
+            <a:endParaRPr lang="en-US" sz="2800" dirty="0"/>
+          </a:p>
+        </p:txBody>
+      </p:sp>
+    </p:spTree>
+    <p:extLst>
+      <p:ext uri="{BB962C8B-B14F-4D97-AF65-F5344CB8AC3E}">
+        <p14:creationId xmlns:p14="http://schemas.microsoft.com/office/powerpoint/2010/main" val="3242179123"/>
+      </p:ext>
+    </p:extLst>
+  </p:cSld>
+  <p:clrMapOvr>
+    <a:masterClrMapping/>
+  </p:clrMapOvr>
+  <p:timing>
+    <p:tnLst>
+      <p:par>
+        <p:cTn id="1" dur="indefinite" restart="never" nodeType="tmRoot"/>
+      </p:par>
+    </p:tnLst>
+  </p:timing>
+</p:sld>
+</file>
+
+<file path=ppt/slides/slide15.xml><?xml version="1.0" encoding="utf-8"?>
+<p:sld xmlns:a="http://schemas.openxmlformats.org/drawingml/2006/main" xmlns:r="http://schemas.openxmlformats.org/officeDocument/2006/relationships" xmlns:p="http://schemas.openxmlformats.org/presentationml/2006/main">
+  <p:cSld>
+    <p:spTree>
+      <p:nvGrpSpPr>
+        <p:cNvPr id="1" name=""/>
+        <p:cNvGrpSpPr/>
+        <p:nvPr/>
+      </p:nvGrpSpPr>
+      <p:grpSpPr>
+        <a:xfrm>
+          <a:off x="0" y="0"/>
+          <a:ext cx="0" cy="0"/>
+          <a:chOff x="0" y="0"/>
+          <a:chExt cx="0" cy="0"/>
+        </a:xfrm>
+      </p:grpSpPr>
+      <p:sp>
+        <p:nvSpPr>
+          <p:cNvPr id="2" name="Title 1"/>
+          <p:cNvSpPr>
+            <a:spLocks noGrp="1"/>
+          </p:cNvSpPr>
+          <p:nvPr>
+            <p:ph type="title"/>
+          </p:nvPr>
+        </p:nvSpPr>
+        <p:spPr/>
+        <p:txBody>
+          <a:bodyPr/>
+          <a:lstStyle/>
+          <a:p>
+            <a:r>
+              <a:rPr lang="en-US" dirty="0" smtClean="0"/>
               <a:t>Vector ADT</a:t>
             </a:r>
             <a:endParaRPr lang="en-US" dirty="0"/>
@@ -6768,25 +7059,13 @@
           <a:p>
             <a:r>
               <a:rPr lang="en-US" dirty="0" smtClean="0"/>
-              <a:t>VECTOR</a:t>
-            </a:r>
+              <a:t>VECTOR.SET(index, value)</a:t>
+            </a:r>
+          </a:p>
+          <a:p>
             <a:r>
               <a:rPr lang="en-US" dirty="0" smtClean="0"/>
-              <a:t>.SET(index, </a:t>
-            </a:r>
-            <a:r>
-              <a:rPr lang="en-US" dirty="0" smtClean="0"/>
-              <a:t>value)</a:t>
-            </a:r>
-          </a:p>
-          <a:p>
-            <a:r>
-              <a:rPr lang="en-US" dirty="0" smtClean="0"/>
-              <a:t>VECTOR</a:t>
-            </a:r>
-            <a:r>
-              <a:rPr lang="en-US" dirty="0" smtClean="0"/>
-              <a:t>.GET(index) </a:t>
+              <a:t>VECTOR.GET(index) </a:t>
             </a:r>
             <a:r>
               <a:rPr lang="en-US" dirty="0">
@@ -6799,11 +7078,7 @@
           <a:p>
             <a:r>
               <a:rPr lang="en-US" dirty="0" smtClean="0"/>
-              <a:t>VECTOR</a:t>
-            </a:r>
-            <a:r>
-              <a:rPr lang="en-US" dirty="0" smtClean="0"/>
-              <a:t>.LENGTH() </a:t>
+              <a:t>VECTOR.LENGTH() </a:t>
             </a:r>
             <a:r>
               <a:rPr lang="en-US" dirty="0">
@@ -6838,7 +7113,7 @@
           <a:p>
             <a:fld id="{11AD1F4E-1E51-402E-B221-310F004E7D3B}" type="slidenum">
               <a:rPr lang="en-US" smtClean="0"/>
-              <a:t>14</a:t>
+              <a:t>15</a:t>
             </a:fld>
             <a:endParaRPr lang="en-US"/>
           </a:p>
@@ -6883,11 +7158,7 @@
             </a:r>
             <a:r>
               <a:rPr lang="en-US" sz="2800" dirty="0" smtClean="0"/>
-              <a:t> </a:t>
-            </a:r>
-            <a:r>
-              <a:rPr lang="en-US" sz="2800" dirty="0" smtClean="0"/>
-              <a:t>index </a:t>
+              <a:t> index </a:t>
             </a:r>
             <a:r>
               <a:rPr lang="en-US" sz="2800" dirty="0">
@@ -6897,15 +7168,7 @@
             </a:r>
             <a:r>
               <a:rPr lang="en-US" sz="2800" dirty="0" smtClean="0"/>
-              <a:t> </a:t>
-            </a:r>
-            <a:r>
-              <a:rPr lang="en-US" sz="2800" dirty="0" smtClean="0"/>
-              <a:t>length </a:t>
-            </a:r>
-            <a:r>
-              <a:rPr lang="en-US" sz="2800" dirty="0" smtClean="0"/>
-              <a:t>- 1</a:t>
+              <a:t> length - 1</a:t>
             </a:r>
             <a:endParaRPr lang="en-US" sz="2800" dirty="0"/>
           </a:p>
@@ -7202,7 +7465,7 @@
 </p:sld>
 </file>
 
-<file path=ppt/slides/slide15.xml><?xml version="1.0" encoding="utf-8"?>
+<file path=ppt/slides/slide16.xml><?xml version="1.0" encoding="utf-8"?>
 <p:sld xmlns:a="http://schemas.openxmlformats.org/drawingml/2006/main" xmlns:r="http://schemas.openxmlformats.org/officeDocument/2006/relationships" xmlns:p="http://schemas.openxmlformats.org/presentationml/2006/main">
   <p:cSld>
     <p:spTree>
@@ -7361,7 +7624,7 @@
             <a:graphicData uri="http://schemas.openxmlformats.org/presentationml/2006/ole">
               <mc:AlternateContent xmlns:mc="http://schemas.openxmlformats.org/markup-compatibility/2006">
                 <mc:Choice xmlns:v="urn:schemas-microsoft-com:vml" Requires="v">
-                  <p:oleObj spid="_x0000_s3165" name="Equation" r:id="rId3" imgW="1180800" imgH="228600" progId="Equation.3">
+                  <p:oleObj spid="_x0000_s3169" name="Equation" r:id="rId3" imgW="1180800" imgH="228600" progId="Equation.3">
                     <p:embed/>
                   </p:oleObj>
                 </mc:Choice>
@@ -7453,7 +7716,7 @@
           <a:p>
             <a:fld id="{11AD1F4E-1E51-402E-B221-310F004E7D3B}" type="slidenum">
               <a:rPr lang="en-US" smtClean="0"/>
-              <a:t>15</a:t>
+              <a:t>16</a:t>
             </a:fld>
             <a:endParaRPr lang="en-US"/>
           </a:p>
@@ -8159,7 +8422,7 @@
 </p:sld>
 </file>
 
-<file path=ppt/slides/slide16.xml><?xml version="1.0" encoding="utf-8"?>
+<file path=ppt/slides/slide17.xml><?xml version="1.0" encoding="utf-8"?>
 <p:sld xmlns:a="http://schemas.openxmlformats.org/drawingml/2006/main" xmlns:r="http://schemas.openxmlformats.org/officeDocument/2006/relationships" xmlns:p="http://schemas.openxmlformats.org/presentationml/2006/main">
   <p:cSld>
     <p:spTree>
@@ -8285,7 +8548,7 @@
           <a:p>
             <a:fld id="{11AD1F4E-1E51-402E-B221-310F004E7D3B}" type="slidenum">
               <a:rPr lang="en-US" smtClean="0"/>
-              <a:t>16</a:t>
+              <a:t>17</a:t>
             </a:fld>
             <a:endParaRPr lang="en-US"/>
           </a:p>
@@ -8537,7 +8800,7 @@
 </p:sld>
 </file>
 
-<file path=ppt/slides/slide17.xml><?xml version="1.0" encoding="utf-8"?>
+<file path=ppt/slides/slide18.xml><?xml version="1.0" encoding="utf-8"?>
 <p:sld xmlns:a="http://schemas.openxmlformats.org/drawingml/2006/main" xmlns:r="http://schemas.openxmlformats.org/officeDocument/2006/relationships" xmlns:p="http://schemas.openxmlformats.org/presentationml/2006/main">
   <p:cSld>
     <p:spTree>
@@ -8594,7 +8857,7 @@
           <a:p>
             <a:fld id="{11AD1F4E-1E51-402E-B221-310F004E7D3B}" type="slidenum">
               <a:rPr lang="en-US" smtClean="0"/>
-              <a:t>17</a:t>
+              <a:t>18</a:t>
             </a:fld>
             <a:endParaRPr lang="en-US"/>
           </a:p>
@@ -9191,7 +9454,7 @@
 </p:sld>
 </file>
 
-<file path=ppt/slides/slide18.xml><?xml version="1.0" encoding="utf-8"?>
+<file path=ppt/slides/slide19.xml><?xml version="1.0" encoding="utf-8"?>
 <p:sld xmlns:a="http://schemas.openxmlformats.org/drawingml/2006/main" xmlns:r="http://schemas.openxmlformats.org/officeDocument/2006/relationships" xmlns:p="http://schemas.openxmlformats.org/presentationml/2006/main">
   <p:cSld>
     <p:spTree>
@@ -9386,7 +9649,7 @@
             <a:graphicData uri="http://schemas.openxmlformats.org/presentationml/2006/ole">
               <mc:AlternateContent xmlns:mc="http://schemas.openxmlformats.org/markup-compatibility/2006">
                 <mc:Choice xmlns:v="urn:schemas-microsoft-com:vml" Requires="v">
-                  <p:oleObj spid="_x0000_s4180" name="Equation" r:id="rId3" imgW="419040" imgH="241200" progId="Equation.3">
+                  <p:oleObj spid="_x0000_s4184" name="Equation" r:id="rId3" imgW="419040" imgH="241200" progId="Equation.3">
                     <p:embed/>
                   </p:oleObj>
                 </mc:Choice>
@@ -9474,7 +9737,7 @@
           <a:p>
             <a:fld id="{11AD1F4E-1E51-402E-B221-310F004E7D3B}" type="slidenum">
               <a:rPr lang="en-US" smtClean="0"/>
-              <a:t>18</a:t>
+              <a:t>19</a:t>
             </a:fld>
             <a:endParaRPr lang="en-US"/>
           </a:p>
@@ -11065,7 +11328,201 @@
 </p:sld>
 </file>
 
-<file path=ppt/slides/slide19.xml><?xml version="1.0" encoding="utf-8"?>
+<file path=ppt/slides/slide2.xml><?xml version="1.0" encoding="utf-8"?>
+<p:sld xmlns:a="http://schemas.openxmlformats.org/drawingml/2006/main" xmlns:r="http://schemas.openxmlformats.org/officeDocument/2006/relationships" xmlns:p="http://schemas.openxmlformats.org/presentationml/2006/main">
+  <p:cSld>
+    <p:spTree>
+      <p:nvGrpSpPr>
+        <p:cNvPr id="1" name=""/>
+        <p:cNvGrpSpPr/>
+        <p:nvPr/>
+      </p:nvGrpSpPr>
+      <p:grpSpPr>
+        <a:xfrm>
+          <a:off x="0" y="0"/>
+          <a:ext cx="0" cy="0"/>
+          <a:chOff x="0" y="0"/>
+          <a:chExt cx="0" cy="0"/>
+        </a:xfrm>
+      </p:grpSpPr>
+      <p:sp>
+        <p:nvSpPr>
+          <p:cNvPr id="2" name="Slide Number Placeholder 1"/>
+          <p:cNvSpPr>
+            <a:spLocks noGrp="1"/>
+          </p:cNvSpPr>
+          <p:nvPr>
+            <p:ph type="sldNum" sz="quarter" idx="12"/>
+          </p:nvPr>
+        </p:nvSpPr>
+        <p:spPr/>
+        <p:txBody>
+          <a:bodyPr/>
+          <a:lstStyle/>
+          <a:p>
+            <a:fld id="{033373DF-BCDA-4600-B448-AFBDB22F4A39}" type="slidenum">
+              <a:rPr lang="en-US" smtClean="0"/>
+              <a:t>2</a:t>
+            </a:fld>
+            <a:endParaRPr lang="en-US"/>
+          </a:p>
+        </p:txBody>
+      </p:sp>
+      <p:sp>
+        <p:nvSpPr>
+          <p:cNvPr id="3" name="TextBox 2"/>
+          <p:cNvSpPr txBox="1"/>
+          <p:nvPr/>
+        </p:nvSpPr>
+        <p:spPr>
+          <a:xfrm>
+            <a:off x="1193194" y="2423057"/>
+            <a:ext cx="3404137" cy="1692771"/>
+          </a:xfrm>
+          <a:prstGeom prst="rect">
+            <a:avLst/>
+          </a:prstGeom>
+          <a:noFill/>
+          <a:ln>
+            <a:solidFill>
+              <a:schemeClr val="tx1"/>
+            </a:solidFill>
+          </a:ln>
+        </p:spPr>
+        <p:txBody>
+          <a:bodyPr wrap="none" rtlCol="0">
+            <a:spAutoFit/>
+          </a:bodyPr>
+          <a:lstStyle/>
+          <a:p>
+            <a:r>
+              <a:rPr lang="en-US" dirty="0"/>
+              <a:t>Presentation based on:</a:t>
+            </a:r>
+            <a:br>
+              <a:rPr lang="en-US" dirty="0"/>
+            </a:br>
+            <a:r>
+              <a:rPr lang="en-US" sz="2800" i="1" dirty="0"/>
+              <a:t>A tour of C++</a:t>
+            </a:r>
+            <a:r>
+              <a:rPr lang="en-US" sz="2800" dirty="0"/>
+              <a:t/>
+            </a:r>
+            <a:br>
+              <a:rPr lang="en-US" sz="2800" dirty="0"/>
+            </a:br>
+            <a:r>
+              <a:rPr lang="en-US" sz="2800" dirty="0"/>
+              <a:t>Bjarne </a:t>
+            </a:r>
+            <a:r>
+              <a:rPr lang="en-US" sz="2800" dirty="0" err="1"/>
+              <a:t>Stroustrup</a:t>
+            </a:r>
+            <a:endParaRPr lang="en-US" sz="2800" dirty="0"/>
+          </a:p>
+          <a:p>
+            <a:r>
+              <a:rPr lang="en-US" sz="2800" dirty="0"/>
+              <a:t>Addison-Wesley, 2014</a:t>
+            </a:r>
+          </a:p>
+        </p:txBody>
+      </p:sp>
+    </p:spTree>
+    <p:extLst>
+      <p:ext uri="{BB962C8B-B14F-4D97-AF65-F5344CB8AC3E}">
+        <p14:creationId xmlns:p14="http://schemas.microsoft.com/office/powerpoint/2010/main" val="2596996315"/>
+      </p:ext>
+    </p:extLst>
+  </p:cSld>
+  <p:clrMapOvr>
+    <a:masterClrMapping/>
+  </p:clrMapOvr>
+  <p:timing>
+    <p:tnLst>
+      <p:par>
+        <p:cTn id="1" dur="indefinite" restart="never" nodeType="tmRoot">
+          <p:childTnLst>
+            <p:seq concurrent="1" nextAc="seek">
+              <p:cTn id="2" dur="indefinite" nodeType="mainSeq">
+                <p:childTnLst>
+                  <p:par>
+                    <p:cTn id="3" fill="hold">
+                      <p:stCondLst>
+                        <p:cond delay="indefinite"/>
+                      </p:stCondLst>
+                      <p:childTnLst>
+                        <p:par>
+                          <p:cTn id="4" fill="hold">
+                            <p:stCondLst>
+                              <p:cond delay="0"/>
+                            </p:stCondLst>
+                            <p:childTnLst>
+                              <p:par>
+                                <p:cTn id="5" presetID="1" presetClass="entr" presetSubtype="0" fill="hold" grpId="0" nodeType="clickEffect">
+                                  <p:stCondLst>
+                                    <p:cond delay="0"/>
+                                  </p:stCondLst>
+                                  <p:childTnLst>
+                                    <p:set>
+                                      <p:cBhvr>
+                                        <p:cTn id="6" dur="1" fill="hold">
+                                          <p:stCondLst>
+                                            <p:cond delay="0"/>
+                                          </p:stCondLst>
+                                        </p:cTn>
+                                        <p:tgtEl>
+                                          <p:spTgt spid="3"/>
+                                        </p:tgtEl>
+                                        <p:attrNameLst>
+                                          <p:attrName>style.visibility</p:attrName>
+                                        </p:attrNameLst>
+                                      </p:cBhvr>
+                                      <p:to>
+                                        <p:strVal val="visible"/>
+                                      </p:to>
+                                    </p:set>
+                                  </p:childTnLst>
+                                </p:cTn>
+                              </p:par>
+                            </p:childTnLst>
+                          </p:cTn>
+                        </p:par>
+                      </p:childTnLst>
+                    </p:cTn>
+                  </p:par>
+                </p:childTnLst>
+              </p:cTn>
+              <p:prevCondLst>
+                <p:cond evt="onPrev" delay="0">
+                  <p:tgtEl>
+                    <p:sldTgt/>
+                  </p:tgtEl>
+                </p:cond>
+              </p:prevCondLst>
+              <p:nextCondLst>
+                <p:cond evt="onNext" delay="0">
+                  <p:tgtEl>
+                    <p:sldTgt/>
+                  </p:tgtEl>
+                </p:cond>
+              </p:nextCondLst>
+            </p:seq>
+          </p:childTnLst>
+        </p:cTn>
+      </p:par>
+    </p:tnLst>
+    <p:bldLst>
+      <p:bldP spid="3" grpId="0" animBg="1"/>
+    </p:bldLst>
+  </p:timing>
+</p:sld>
+</file>
+
+<file path=ppt/slides/slide20.xml><?xml version="1.0" encoding="utf-8"?>
 <p:sld xmlns:a="http://schemas.openxmlformats.org/drawingml/2006/main" xmlns:r="http://schemas.openxmlformats.org/officeDocument/2006/relationships" xmlns:p="http://schemas.openxmlformats.org/presentationml/2006/main">
   <p:cSld>
     <p:spTree>
@@ -11269,7 +11726,7 @@
           <a:p>
             <a:fld id="{11AD1F4E-1E51-402E-B221-310F004E7D3B}" type="slidenum">
               <a:rPr lang="en-US" smtClean="0"/>
-              <a:t>19</a:t>
+              <a:t>20</a:t>
             </a:fld>
             <a:endParaRPr lang="en-US"/>
           </a:p>
@@ -11817,201 +12274,7 @@
 </p:sld>
 </file>
 
-<file path=ppt/slides/slide2.xml><?xml version="1.0" encoding="utf-8"?>
-<p:sld xmlns:a="http://schemas.openxmlformats.org/drawingml/2006/main" xmlns:r="http://schemas.openxmlformats.org/officeDocument/2006/relationships" xmlns:p="http://schemas.openxmlformats.org/presentationml/2006/main">
-  <p:cSld>
-    <p:spTree>
-      <p:nvGrpSpPr>
-        <p:cNvPr id="1" name=""/>
-        <p:cNvGrpSpPr/>
-        <p:nvPr/>
-      </p:nvGrpSpPr>
-      <p:grpSpPr>
-        <a:xfrm>
-          <a:off x="0" y="0"/>
-          <a:ext cx="0" cy="0"/>
-          <a:chOff x="0" y="0"/>
-          <a:chExt cx="0" cy="0"/>
-        </a:xfrm>
-      </p:grpSpPr>
-      <p:sp>
-        <p:nvSpPr>
-          <p:cNvPr id="2" name="Slide Number Placeholder 1"/>
-          <p:cNvSpPr>
-            <a:spLocks noGrp="1"/>
-          </p:cNvSpPr>
-          <p:nvPr>
-            <p:ph type="sldNum" sz="quarter" idx="12"/>
-          </p:nvPr>
-        </p:nvSpPr>
-        <p:spPr/>
-        <p:txBody>
-          <a:bodyPr/>
-          <a:lstStyle/>
-          <a:p>
-            <a:fld id="{033373DF-BCDA-4600-B448-AFBDB22F4A39}" type="slidenum">
-              <a:rPr lang="en-US" smtClean="0"/>
-              <a:t>2</a:t>
-            </a:fld>
-            <a:endParaRPr lang="en-US"/>
-          </a:p>
-        </p:txBody>
-      </p:sp>
-      <p:sp>
-        <p:nvSpPr>
-          <p:cNvPr id="3" name="TextBox 2"/>
-          <p:cNvSpPr txBox="1"/>
-          <p:nvPr/>
-        </p:nvSpPr>
-        <p:spPr>
-          <a:xfrm>
-            <a:off x="1193194" y="2423057"/>
-            <a:ext cx="3404137" cy="1692771"/>
-          </a:xfrm>
-          <a:prstGeom prst="rect">
-            <a:avLst/>
-          </a:prstGeom>
-          <a:noFill/>
-          <a:ln>
-            <a:solidFill>
-              <a:schemeClr val="tx1"/>
-            </a:solidFill>
-          </a:ln>
-        </p:spPr>
-        <p:txBody>
-          <a:bodyPr wrap="none" rtlCol="0">
-            <a:spAutoFit/>
-          </a:bodyPr>
-          <a:lstStyle/>
-          <a:p>
-            <a:r>
-              <a:rPr lang="en-US" dirty="0"/>
-              <a:t>Presentation based on:</a:t>
-            </a:r>
-            <a:br>
-              <a:rPr lang="en-US" dirty="0"/>
-            </a:br>
-            <a:r>
-              <a:rPr lang="en-US" sz="2800" i="1" dirty="0"/>
-              <a:t>A tour of C++</a:t>
-            </a:r>
-            <a:r>
-              <a:rPr lang="en-US" sz="2800" dirty="0"/>
-              <a:t/>
-            </a:r>
-            <a:br>
-              <a:rPr lang="en-US" sz="2800" dirty="0"/>
-            </a:br>
-            <a:r>
-              <a:rPr lang="en-US" sz="2800" dirty="0"/>
-              <a:t>Bjarne </a:t>
-            </a:r>
-            <a:r>
-              <a:rPr lang="en-US" sz="2800" dirty="0" err="1"/>
-              <a:t>Stroustrup</a:t>
-            </a:r>
-            <a:endParaRPr lang="en-US" sz="2800" dirty="0"/>
-          </a:p>
-          <a:p>
-            <a:r>
-              <a:rPr lang="en-US" sz="2800" dirty="0"/>
-              <a:t>Addison-Wesley, 2014</a:t>
-            </a:r>
-          </a:p>
-        </p:txBody>
-      </p:sp>
-    </p:spTree>
-    <p:extLst>
-      <p:ext uri="{BB962C8B-B14F-4D97-AF65-F5344CB8AC3E}">
-        <p14:creationId xmlns:p14="http://schemas.microsoft.com/office/powerpoint/2010/main" val="2596996315"/>
-      </p:ext>
-    </p:extLst>
-  </p:cSld>
-  <p:clrMapOvr>
-    <a:masterClrMapping/>
-  </p:clrMapOvr>
-  <p:timing>
-    <p:tnLst>
-      <p:par>
-        <p:cTn id="1" dur="indefinite" restart="never" nodeType="tmRoot">
-          <p:childTnLst>
-            <p:seq concurrent="1" nextAc="seek">
-              <p:cTn id="2" dur="indefinite" nodeType="mainSeq">
-                <p:childTnLst>
-                  <p:par>
-                    <p:cTn id="3" fill="hold">
-                      <p:stCondLst>
-                        <p:cond delay="indefinite"/>
-                      </p:stCondLst>
-                      <p:childTnLst>
-                        <p:par>
-                          <p:cTn id="4" fill="hold">
-                            <p:stCondLst>
-                              <p:cond delay="0"/>
-                            </p:stCondLst>
-                            <p:childTnLst>
-                              <p:par>
-                                <p:cTn id="5" presetID="1" presetClass="entr" presetSubtype="0" fill="hold" grpId="0" nodeType="clickEffect">
-                                  <p:stCondLst>
-                                    <p:cond delay="0"/>
-                                  </p:stCondLst>
-                                  <p:childTnLst>
-                                    <p:set>
-                                      <p:cBhvr>
-                                        <p:cTn id="6" dur="1" fill="hold">
-                                          <p:stCondLst>
-                                            <p:cond delay="0"/>
-                                          </p:stCondLst>
-                                        </p:cTn>
-                                        <p:tgtEl>
-                                          <p:spTgt spid="3"/>
-                                        </p:tgtEl>
-                                        <p:attrNameLst>
-                                          <p:attrName>style.visibility</p:attrName>
-                                        </p:attrNameLst>
-                                      </p:cBhvr>
-                                      <p:to>
-                                        <p:strVal val="visible"/>
-                                      </p:to>
-                                    </p:set>
-                                  </p:childTnLst>
-                                </p:cTn>
-                              </p:par>
-                            </p:childTnLst>
-                          </p:cTn>
-                        </p:par>
-                      </p:childTnLst>
-                    </p:cTn>
-                  </p:par>
-                </p:childTnLst>
-              </p:cTn>
-              <p:prevCondLst>
-                <p:cond evt="onPrev" delay="0">
-                  <p:tgtEl>
-                    <p:sldTgt/>
-                  </p:tgtEl>
-                </p:cond>
-              </p:prevCondLst>
-              <p:nextCondLst>
-                <p:cond evt="onNext" delay="0">
-                  <p:tgtEl>
-                    <p:sldTgt/>
-                  </p:tgtEl>
-                </p:cond>
-              </p:nextCondLst>
-            </p:seq>
-          </p:childTnLst>
-        </p:cTn>
-      </p:par>
-    </p:tnLst>
-    <p:bldLst>
-      <p:bldP spid="3" grpId="0" animBg="1"/>
-    </p:bldLst>
-  </p:timing>
-</p:sld>
-</file>
-
-<file path=ppt/slides/slide20.xml><?xml version="1.0" encoding="utf-8"?>
+<file path=ppt/slides/slide21.xml><?xml version="1.0" encoding="utf-8"?>
 <p:sld xmlns:a="http://schemas.openxmlformats.org/drawingml/2006/main" xmlns:r="http://schemas.openxmlformats.org/officeDocument/2006/relationships" xmlns:p="http://schemas.openxmlformats.org/presentationml/2006/main">
   <p:cSld>
     <p:spTree>
@@ -12068,7 +12331,7 @@
           <a:p>
             <a:fld id="{11AD1F4E-1E51-402E-B221-310F004E7D3B}" type="slidenum">
               <a:rPr lang="en-US" smtClean="0"/>
-              <a:t>20</a:t>
+              <a:t>21</a:t>
             </a:fld>
             <a:endParaRPr lang="en-US"/>
           </a:p>
@@ -12428,7 +12691,7 @@
 </p:sld>
 </file>
 
-<file path=ppt/slides/slide21.xml><?xml version="1.0" encoding="utf-8"?>
+<file path=ppt/slides/slide22.xml><?xml version="1.0" encoding="utf-8"?>
 <p:sld xmlns:a="http://schemas.openxmlformats.org/drawingml/2006/main" xmlns:r="http://schemas.openxmlformats.org/officeDocument/2006/relationships" xmlns:p="http://schemas.openxmlformats.org/presentationml/2006/main">
   <p:cSld>
     <p:spTree>
@@ -12599,7 +12862,7 @@
             <a:graphicData uri="http://schemas.openxmlformats.org/presentationml/2006/ole">
               <mc:AlternateContent xmlns:mc="http://schemas.openxmlformats.org/markup-compatibility/2006">
                 <mc:Choice xmlns:v="urn:schemas-microsoft-com:vml" Requires="v">
-                  <p:oleObj spid="_x0000_s5261" name="Equation" r:id="rId3" imgW="444240" imgH="203040" progId="Equation.3">
+                  <p:oleObj spid="_x0000_s5269" name="Equation" r:id="rId3" imgW="444240" imgH="203040" progId="Equation.3">
                     <p:embed/>
                   </p:oleObj>
                 </mc:Choice>
@@ -12687,7 +12950,7 @@
           <a:p>
             <a:fld id="{11AD1F4E-1E51-402E-B221-310F004E7D3B}" type="slidenum">
               <a:rPr lang="en-US" smtClean="0"/>
-              <a:t>21</a:t>
+              <a:t>22</a:t>
             </a:fld>
             <a:endParaRPr lang="en-US"/>
           </a:p>
@@ -12780,7 +13043,7 @@
             <a:graphicData uri="http://schemas.openxmlformats.org/presentationml/2006/ole">
               <mc:AlternateContent xmlns:mc="http://schemas.openxmlformats.org/markup-compatibility/2006">
                 <mc:Choice xmlns:v="urn:schemas-microsoft-com:vml" Requires="v">
-                  <p:oleObj spid="_x0000_s5262" name="Equation" r:id="rId5" imgW="419040" imgH="215640" progId="Equation.3">
+                  <p:oleObj spid="_x0000_s5270" name="Equation" r:id="rId5" imgW="419040" imgH="215640" progId="Equation.3">
                     <p:embed/>
                   </p:oleObj>
                 </mc:Choice>
@@ -13589,7 +13852,7 @@
 </p:sld>
 </file>
 
-<file path=ppt/slides/slide22.xml><?xml version="1.0" encoding="utf-8"?>
+<file path=ppt/slides/slide23.xml><?xml version="1.0" encoding="utf-8"?>
 <p:sld xmlns:a="http://schemas.openxmlformats.org/drawingml/2006/main" xmlns:r="http://schemas.openxmlformats.org/officeDocument/2006/relationships" xmlns:p="http://schemas.openxmlformats.org/presentationml/2006/main">
   <p:cSld>
     <p:spTree>
@@ -13773,7 +14036,7 @@
           <a:p>
             <a:fld id="{11AD1F4E-1E51-402E-B221-310F004E7D3B}" type="slidenum">
               <a:rPr lang="en-US" smtClean="0"/>
-              <a:t>22</a:t>
+              <a:t>23</a:t>
             </a:fld>
             <a:endParaRPr lang="en-US"/>
           </a:p>
@@ -14370,7 +14633,7 @@
 </p:sld>
 </file>
 
-<file path=ppt/slides/slide23.xml><?xml version="1.0" encoding="utf-8"?>
+<file path=ppt/slides/slide24.xml><?xml version="1.0" encoding="utf-8"?>
 <p:sld xmlns:a="http://schemas.openxmlformats.org/drawingml/2006/main" xmlns:r="http://schemas.openxmlformats.org/officeDocument/2006/relationships" xmlns:p="http://schemas.openxmlformats.org/presentationml/2006/main">
   <p:cSld>
     <p:spTree>
@@ -14427,7 +14690,7 @@
           <a:p>
             <a:fld id="{11AD1F4E-1E51-402E-B221-310F004E7D3B}" type="slidenum">
               <a:rPr lang="en-US" smtClean="0"/>
-              <a:t>23</a:t>
+              <a:t>24</a:t>
             </a:fld>
             <a:endParaRPr lang="en-US"/>
           </a:p>
@@ -14902,7 +15165,7 @@
 </p:sld>
 </file>
 
-<file path=ppt/slides/slide24.xml><?xml version="1.0" encoding="utf-8"?>
+<file path=ppt/slides/slide25.xml><?xml version="1.0" encoding="utf-8"?>
 <p:sld xmlns:a="http://schemas.openxmlformats.org/drawingml/2006/main" xmlns:r="http://schemas.openxmlformats.org/officeDocument/2006/relationships" xmlns:p="http://schemas.openxmlformats.org/presentationml/2006/main">
   <p:cSld>
     <p:spTree>
@@ -15080,7 +15343,7 @@
             <a:graphicData uri="http://schemas.openxmlformats.org/presentationml/2006/ole">
               <mc:AlternateContent xmlns:mc="http://schemas.openxmlformats.org/markup-compatibility/2006">
                 <mc:Choice xmlns:v="urn:schemas-microsoft-com:vml" Requires="v">
-                  <p:oleObj spid="_x0000_s6381" name="Equation" r:id="rId3" imgW="774360" imgH="215640" progId="Equation.3">
+                  <p:oleObj spid="_x0000_s6393" name="Equation" r:id="rId3" imgW="774360" imgH="215640" progId="Equation.3">
                     <p:embed/>
                   </p:oleObj>
                 </mc:Choice>
@@ -15171,7 +15434,7 @@
           <a:p>
             <a:fld id="{11AD1F4E-1E51-402E-B221-310F004E7D3B}" type="slidenum">
               <a:rPr lang="en-US" smtClean="0"/>
-              <a:t>24</a:t>
+              <a:t>25</a:t>
             </a:fld>
             <a:endParaRPr lang="en-US"/>
           </a:p>
@@ -15315,7 +15578,7 @@
             <a:graphicData uri="http://schemas.openxmlformats.org/presentationml/2006/ole">
               <mc:AlternateContent xmlns:mc="http://schemas.openxmlformats.org/markup-compatibility/2006">
                 <mc:Choice xmlns:v="urn:schemas-microsoft-com:vml" Requires="v">
-                  <p:oleObj spid="_x0000_s6382" name="Equation" r:id="rId5" imgW="622080" imgH="215640" progId="Equation.3">
+                  <p:oleObj spid="_x0000_s6394" name="Equation" r:id="rId5" imgW="622080" imgH="215640" progId="Equation.3">
                     <p:embed/>
                   </p:oleObj>
                 </mc:Choice>
@@ -15372,7 +15635,7 @@
             <a:graphicData uri="http://schemas.openxmlformats.org/presentationml/2006/ole">
               <mc:AlternateContent xmlns:mc="http://schemas.openxmlformats.org/markup-compatibility/2006">
                 <mc:Choice xmlns:v="urn:schemas-microsoft-com:vml" Requires="v">
-                  <p:oleObj spid="_x0000_s6383" name="Equation" r:id="rId7" imgW="749160" imgH="215640" progId="Equation.3">
+                  <p:oleObj spid="_x0000_s6395" name="Equation" r:id="rId7" imgW="749160" imgH="215640" progId="Equation.3">
                     <p:embed/>
                   </p:oleObj>
                 </mc:Choice>
@@ -16519,7 +16782,7 @@
 </p:sld>
 </file>
 
-<file path=ppt/slides/slide25.xml><?xml version="1.0" encoding="utf-8"?>
+<file path=ppt/slides/slide26.xml><?xml version="1.0" encoding="utf-8"?>
 <p:sld xmlns:a="http://schemas.openxmlformats.org/drawingml/2006/main" xmlns:r="http://schemas.openxmlformats.org/officeDocument/2006/relationships" xmlns:p="http://schemas.openxmlformats.org/presentationml/2006/main">
   <p:cSld>
     <p:spTree>
@@ -16757,7 +17020,7 @@
           <a:p>
             <a:fld id="{11AD1F4E-1E51-402E-B221-310F004E7D3B}" type="slidenum">
               <a:rPr lang="en-US" smtClean="0"/>
-              <a:t>25</a:t>
+              <a:t>26</a:t>
             </a:fld>
             <a:endParaRPr lang="en-US"/>
           </a:p>
@@ -17403,7 +17666,7 @@
 </p:sld>
 </file>
 
-<file path=ppt/slides/slide26.xml><?xml version="1.0" encoding="utf-8"?>
+<file path=ppt/slides/slide27.xml><?xml version="1.0" encoding="utf-8"?>
 <p:sld xmlns:a="http://schemas.openxmlformats.org/drawingml/2006/main" xmlns:r="http://schemas.openxmlformats.org/officeDocument/2006/relationships" xmlns:p="http://schemas.openxmlformats.org/presentationml/2006/main">
   <p:cSld>
     <p:spTree>
@@ -17460,7 +17723,7 @@
           <a:p>
             <a:fld id="{11AD1F4E-1E51-402E-B221-310F004E7D3B}" type="slidenum">
               <a:rPr lang="en-US" smtClean="0"/>
-              <a:t>26</a:t>
+              <a:t>27</a:t>
             </a:fld>
             <a:endParaRPr lang="en-US"/>
           </a:p>
@@ -17980,108 +18243,6 @@
     <p:extLst>
       <p:ext uri="{BB962C8B-B14F-4D97-AF65-F5344CB8AC3E}">
         <p14:creationId xmlns:p14="http://schemas.microsoft.com/office/powerpoint/2010/main" val="3159559741"/>
-      </p:ext>
-    </p:extLst>
-  </p:cSld>
-  <p:clrMapOvr>
-    <a:masterClrMapping/>
-  </p:clrMapOvr>
-  <p:timing>
-    <p:tnLst>
-      <p:par>
-        <p:cTn id="1" dur="indefinite" restart="never" nodeType="tmRoot"/>
-      </p:par>
-    </p:tnLst>
-  </p:timing>
-</p:sld>
-</file>
-
-<file path=ppt/slides/slide27.xml><?xml version="1.0" encoding="utf-8"?>
-<p:sld xmlns:a="http://schemas.openxmlformats.org/drawingml/2006/main" xmlns:r="http://schemas.openxmlformats.org/officeDocument/2006/relationships" xmlns:p="http://schemas.openxmlformats.org/presentationml/2006/main">
-  <p:cSld>
-    <p:spTree>
-      <p:nvGrpSpPr>
-        <p:cNvPr id="1" name=""/>
-        <p:cNvGrpSpPr/>
-        <p:nvPr/>
-      </p:nvGrpSpPr>
-      <p:grpSpPr>
-        <a:xfrm>
-          <a:off x="0" y="0"/>
-          <a:ext cx="0" cy="0"/>
-          <a:chOff x="0" y="0"/>
-          <a:chExt cx="0" cy="0"/>
-        </a:xfrm>
-      </p:grpSpPr>
-      <p:sp>
-        <p:nvSpPr>
-          <p:cNvPr id="2" name="Title 1"/>
-          <p:cNvSpPr>
-            <a:spLocks noGrp="1"/>
-          </p:cNvSpPr>
-          <p:nvPr>
-            <p:ph type="title"/>
-          </p:nvPr>
-        </p:nvSpPr>
-        <p:spPr/>
-        <p:txBody>
-          <a:bodyPr/>
-          <a:lstStyle/>
-          <a:p>
-            <a:r>
-              <a:rPr lang="en-US" dirty="0" smtClean="0"/>
-              <a:t>Specialized data structures</a:t>
-            </a:r>
-            <a:endParaRPr lang="en-US" dirty="0"/>
-          </a:p>
-        </p:txBody>
-      </p:sp>
-      <p:sp>
-        <p:nvSpPr>
-          <p:cNvPr id="3" name="Text Placeholder 2"/>
-          <p:cNvSpPr>
-            <a:spLocks noGrp="1"/>
-          </p:cNvSpPr>
-          <p:nvPr>
-            <p:ph type="body" idx="1"/>
-          </p:nvPr>
-        </p:nvSpPr>
-        <p:spPr/>
-        <p:txBody>
-          <a:bodyPr/>
-          <a:lstStyle/>
-          <a:p>
-            <a:endParaRPr lang="en-US"/>
-          </a:p>
-        </p:txBody>
-      </p:sp>
-      <p:sp>
-        <p:nvSpPr>
-          <p:cNvPr id="4" name="Slide Number Placeholder 3"/>
-          <p:cNvSpPr>
-            <a:spLocks noGrp="1"/>
-          </p:cNvSpPr>
-          <p:nvPr>
-            <p:ph type="sldNum" sz="quarter" idx="12"/>
-          </p:nvPr>
-        </p:nvSpPr>
-        <p:spPr/>
-        <p:txBody>
-          <a:bodyPr/>
-          <a:lstStyle/>
-          <a:p>
-            <a:fld id="{11AD1F4E-1E51-402E-B221-310F004E7D3B}" type="slidenum">
-              <a:rPr lang="en-US" smtClean="0"/>
-              <a:t>27</a:t>
-            </a:fld>
-            <a:endParaRPr lang="en-US"/>
-          </a:p>
-        </p:txBody>
-      </p:sp>
-    </p:spTree>
-    <p:extLst>
-      <p:ext uri="{BB962C8B-B14F-4D97-AF65-F5344CB8AC3E}">
-        <p14:creationId xmlns:p14="http://schemas.microsoft.com/office/powerpoint/2010/main" val="3507347166"/>
       </p:ext>
     </p:extLst>
   </p:cSld>
@@ -18140,78 +18301,20 @@
       </p:sp>
       <p:sp>
         <p:nvSpPr>
-          <p:cNvPr id="3" name="Content Placeholder 2"/>
+          <p:cNvPr id="3" name="Text Placeholder 2"/>
           <p:cNvSpPr>
             <a:spLocks noGrp="1"/>
           </p:cNvSpPr>
           <p:nvPr>
-            <p:ph idx="1"/>
+            <p:ph type="body" idx="1"/>
           </p:nvPr>
         </p:nvSpPr>
         <p:spPr/>
         <p:txBody>
-          <a:bodyPr>
-            <a:normAutofit/>
-          </a:bodyPr>
+          <a:bodyPr/>
           <a:lstStyle/>
           <a:p>
-            <a:r>
-              <a:rPr lang="en-US" dirty="0" smtClean="0"/>
-              <a:t>Data structures provided</a:t>
-            </a:r>
-          </a:p>
-          <a:p>
-            <a:pPr lvl="1"/>
-            <a:r>
-              <a:rPr lang="en-US" dirty="0" smtClean="0"/>
-              <a:t>standard libraries</a:t>
-            </a:r>
-          </a:p>
-          <a:p>
-            <a:pPr lvl="1"/>
-            <a:r>
-              <a:rPr lang="en-US" dirty="0" smtClean="0"/>
-              <a:t>third-party libraries</a:t>
-            </a:r>
-          </a:p>
-          <a:p>
-            <a:r>
-              <a:rPr lang="en-US" dirty="0" smtClean="0"/>
-              <a:t>Often implemented on top of basic data structures</a:t>
-            </a:r>
-          </a:p>
-          <a:p>
-            <a:r>
-              <a:rPr lang="en-US" dirty="0" smtClean="0"/>
-              <a:t>Other data structures can be implemented on top</a:t>
-            </a:r>
-          </a:p>
-          <a:p>
-            <a:r>
-              <a:rPr lang="en-US" dirty="0" smtClean="0"/>
-              <a:t>Contents</a:t>
-            </a:r>
-          </a:p>
-          <a:p>
-            <a:pPr lvl="1"/>
-            <a:r>
-              <a:rPr lang="en-US" dirty="0" smtClean="0"/>
-              <a:t>stack</a:t>
-            </a:r>
-          </a:p>
-          <a:p>
-            <a:pPr lvl="1"/>
-            <a:r>
-              <a:rPr lang="en-US" dirty="0" smtClean="0"/>
-              <a:t>queue, priority queue</a:t>
-            </a:r>
-          </a:p>
-          <a:p>
-            <a:pPr lvl="1"/>
-            <a:r>
-              <a:rPr lang="en-US" dirty="0" smtClean="0"/>
-              <a:t>graph, DAG, tree</a:t>
-            </a:r>
+            <a:endParaRPr lang="en-US"/>
           </a:p>
         </p:txBody>
       </p:sp>
@@ -18241,7 +18344,7 @@
     </p:spTree>
     <p:extLst>
       <p:ext uri="{BB962C8B-B14F-4D97-AF65-F5344CB8AC3E}">
-        <p14:creationId xmlns:p14="http://schemas.microsoft.com/office/powerpoint/2010/main" val="3456588179"/>
+        <p14:creationId xmlns:p14="http://schemas.microsoft.com/office/powerpoint/2010/main" val="3507347166"/>
       </p:ext>
     </p:extLst>
   </p:cSld>
@@ -18292,6 +18395,268 @@
           <a:p>
             <a:r>
               <a:rPr lang="en-US" dirty="0" smtClean="0"/>
+              <a:t>Specialized data structures</a:t>
+            </a:r>
+            <a:endParaRPr lang="en-US" dirty="0"/>
+          </a:p>
+        </p:txBody>
+      </p:sp>
+      <p:sp>
+        <p:nvSpPr>
+          <p:cNvPr id="3" name="Content Placeholder 2"/>
+          <p:cNvSpPr>
+            <a:spLocks noGrp="1"/>
+          </p:cNvSpPr>
+          <p:nvPr>
+            <p:ph idx="1"/>
+          </p:nvPr>
+        </p:nvSpPr>
+        <p:spPr/>
+        <p:txBody>
+          <a:bodyPr>
+            <a:normAutofit/>
+          </a:bodyPr>
+          <a:lstStyle/>
+          <a:p>
+            <a:r>
+              <a:rPr lang="en-US" dirty="0" smtClean="0"/>
+              <a:t>Data structures provided</a:t>
+            </a:r>
+          </a:p>
+          <a:p>
+            <a:pPr lvl="1"/>
+            <a:r>
+              <a:rPr lang="en-US" dirty="0" smtClean="0"/>
+              <a:t>standard libraries</a:t>
+            </a:r>
+          </a:p>
+          <a:p>
+            <a:pPr lvl="1"/>
+            <a:r>
+              <a:rPr lang="en-US" dirty="0" smtClean="0"/>
+              <a:t>third-party libraries</a:t>
+            </a:r>
+          </a:p>
+          <a:p>
+            <a:r>
+              <a:rPr lang="en-US" dirty="0" smtClean="0"/>
+              <a:t>Often implemented on top of basic data structures</a:t>
+            </a:r>
+          </a:p>
+          <a:p>
+            <a:r>
+              <a:rPr lang="en-US" dirty="0" smtClean="0"/>
+              <a:t>Other data structures can be implemented on top</a:t>
+            </a:r>
+          </a:p>
+          <a:p>
+            <a:r>
+              <a:rPr lang="en-US" dirty="0" smtClean="0"/>
+              <a:t>Contents</a:t>
+            </a:r>
+          </a:p>
+          <a:p>
+            <a:pPr lvl="1"/>
+            <a:r>
+              <a:rPr lang="en-US" dirty="0" smtClean="0"/>
+              <a:t>stack</a:t>
+            </a:r>
+          </a:p>
+          <a:p>
+            <a:pPr lvl="1"/>
+            <a:r>
+              <a:rPr lang="en-US" dirty="0" smtClean="0"/>
+              <a:t>queue, priority queue</a:t>
+            </a:r>
+          </a:p>
+          <a:p>
+            <a:pPr lvl="1"/>
+            <a:r>
+              <a:rPr lang="en-US" dirty="0" smtClean="0"/>
+              <a:t>graph, DAG, tree</a:t>
+            </a:r>
+          </a:p>
+        </p:txBody>
+      </p:sp>
+      <p:sp>
+        <p:nvSpPr>
+          <p:cNvPr id="4" name="Slide Number Placeholder 3"/>
+          <p:cNvSpPr>
+            <a:spLocks noGrp="1"/>
+          </p:cNvSpPr>
+          <p:nvPr>
+            <p:ph type="sldNum" sz="quarter" idx="12"/>
+          </p:nvPr>
+        </p:nvSpPr>
+        <p:spPr/>
+        <p:txBody>
+          <a:bodyPr/>
+          <a:lstStyle/>
+          <a:p>
+            <a:fld id="{11AD1F4E-1E51-402E-B221-310F004E7D3B}" type="slidenum">
+              <a:rPr lang="en-US" smtClean="0"/>
+              <a:t>29</a:t>
+            </a:fld>
+            <a:endParaRPr lang="en-US"/>
+          </a:p>
+        </p:txBody>
+      </p:sp>
+    </p:spTree>
+    <p:extLst>
+      <p:ext uri="{BB962C8B-B14F-4D97-AF65-F5344CB8AC3E}">
+        <p14:creationId xmlns:p14="http://schemas.microsoft.com/office/powerpoint/2010/main" val="3456588179"/>
+      </p:ext>
+    </p:extLst>
+  </p:cSld>
+  <p:clrMapOvr>
+    <a:masterClrMapping/>
+  </p:clrMapOvr>
+  <p:timing>
+    <p:tnLst>
+      <p:par>
+        <p:cTn id="1" dur="indefinite" restart="never" nodeType="tmRoot"/>
+      </p:par>
+    </p:tnLst>
+  </p:timing>
+</p:sld>
+</file>
+
+<file path=ppt/slides/slide3.xml><?xml version="1.0" encoding="utf-8"?>
+<p:sld xmlns:a="http://schemas.openxmlformats.org/drawingml/2006/main" xmlns:r="http://schemas.openxmlformats.org/officeDocument/2006/relationships" xmlns:p="http://schemas.openxmlformats.org/presentationml/2006/main">
+  <p:cSld>
+    <p:spTree>
+      <p:nvGrpSpPr>
+        <p:cNvPr id="1" name=""/>
+        <p:cNvGrpSpPr/>
+        <p:nvPr/>
+      </p:nvGrpSpPr>
+      <p:grpSpPr>
+        <a:xfrm>
+          <a:off x="0" y="0"/>
+          <a:ext cx="0" cy="0"/>
+          <a:chOff x="0" y="0"/>
+          <a:chExt cx="0" cy="0"/>
+        </a:xfrm>
+      </p:grpSpPr>
+      <p:sp>
+        <p:nvSpPr>
+          <p:cNvPr id="2" name="Title 1"/>
+          <p:cNvSpPr>
+            <a:spLocks noGrp="1"/>
+          </p:cNvSpPr>
+          <p:nvPr>
+            <p:ph type="title"/>
+          </p:nvPr>
+        </p:nvSpPr>
+        <p:spPr/>
+        <p:txBody>
+          <a:bodyPr/>
+          <a:lstStyle/>
+          <a:p>
+            <a:r>
+              <a:rPr lang="en-US" dirty="0" smtClean="0"/>
+              <a:t>Introduction</a:t>
+            </a:r>
+            <a:endParaRPr lang="en-US" dirty="0"/>
+          </a:p>
+        </p:txBody>
+      </p:sp>
+      <p:sp>
+        <p:nvSpPr>
+          <p:cNvPr id="3" name="Text Placeholder 2"/>
+          <p:cNvSpPr>
+            <a:spLocks noGrp="1"/>
+          </p:cNvSpPr>
+          <p:nvPr>
+            <p:ph type="body" idx="1"/>
+          </p:nvPr>
+        </p:nvSpPr>
+        <p:spPr/>
+        <p:txBody>
+          <a:bodyPr/>
+          <a:lstStyle/>
+          <a:p>
+            <a:endParaRPr lang="en-US"/>
+          </a:p>
+        </p:txBody>
+      </p:sp>
+      <p:sp>
+        <p:nvSpPr>
+          <p:cNvPr id="4" name="Slide Number Placeholder 3"/>
+          <p:cNvSpPr>
+            <a:spLocks noGrp="1"/>
+          </p:cNvSpPr>
+          <p:nvPr>
+            <p:ph type="sldNum" sz="quarter" idx="12"/>
+          </p:nvPr>
+        </p:nvSpPr>
+        <p:spPr/>
+        <p:txBody>
+          <a:bodyPr/>
+          <a:lstStyle/>
+          <a:p>
+            <a:fld id="{11AD1F4E-1E51-402E-B221-310F004E7D3B}" type="slidenum">
+              <a:rPr lang="en-US" smtClean="0"/>
+              <a:t>3</a:t>
+            </a:fld>
+            <a:endParaRPr lang="en-US"/>
+          </a:p>
+        </p:txBody>
+      </p:sp>
+    </p:spTree>
+    <p:extLst>
+      <p:ext uri="{BB962C8B-B14F-4D97-AF65-F5344CB8AC3E}">
+        <p14:creationId xmlns:p14="http://schemas.microsoft.com/office/powerpoint/2010/main" val="33640868"/>
+      </p:ext>
+    </p:extLst>
+  </p:cSld>
+  <p:clrMapOvr>
+    <a:masterClrMapping/>
+  </p:clrMapOvr>
+  <p:timing>
+    <p:tnLst>
+      <p:par>
+        <p:cTn id="1" dur="indefinite" restart="never" nodeType="tmRoot"/>
+      </p:par>
+    </p:tnLst>
+  </p:timing>
+</p:sld>
+</file>
+
+<file path=ppt/slides/slide30.xml><?xml version="1.0" encoding="utf-8"?>
+<p:sld xmlns:a="http://schemas.openxmlformats.org/drawingml/2006/main" xmlns:r="http://schemas.openxmlformats.org/officeDocument/2006/relationships" xmlns:p="http://schemas.openxmlformats.org/presentationml/2006/main">
+  <p:cSld>
+    <p:spTree>
+      <p:nvGrpSpPr>
+        <p:cNvPr id="1" name=""/>
+        <p:cNvGrpSpPr/>
+        <p:nvPr/>
+      </p:nvGrpSpPr>
+      <p:grpSpPr>
+        <a:xfrm>
+          <a:off x="0" y="0"/>
+          <a:ext cx="0" cy="0"/>
+          <a:chOff x="0" y="0"/>
+          <a:chExt cx="0" cy="0"/>
+        </a:xfrm>
+      </p:grpSpPr>
+      <p:sp>
+        <p:nvSpPr>
+          <p:cNvPr id="2" name="Title 1"/>
+          <p:cNvSpPr>
+            <a:spLocks noGrp="1"/>
+          </p:cNvSpPr>
+          <p:nvPr>
+            <p:ph type="title"/>
+          </p:nvPr>
+        </p:nvSpPr>
+        <p:spPr/>
+        <p:txBody>
+          <a:bodyPr/>
+          <a:lstStyle/>
+          <a:p>
+            <a:r>
+              <a:rPr lang="en-US" dirty="0" smtClean="0"/>
               <a:t>Stack</a:t>
             </a:r>
             <a:endParaRPr lang="en-US" dirty="0"/>
@@ -18397,7 +18762,7 @@
           <a:p>
             <a:fld id="{11AD1F4E-1E51-402E-B221-310F004E7D3B}" type="slidenum">
               <a:rPr lang="en-US" smtClean="0"/>
-              <a:t>29</a:t>
+              <a:t>30</a:t>
             </a:fld>
             <a:endParaRPr lang="en-US"/>
           </a:p>
@@ -18474,7 +18839,7 @@
             <a:graphicData uri="http://schemas.openxmlformats.org/presentationml/2006/ole">
               <mc:AlternateContent xmlns:mc="http://schemas.openxmlformats.org/markup-compatibility/2006">
                 <mc:Choice xmlns:v="urn:schemas-microsoft-com:vml" Requires="v">
-                  <p:oleObj spid="_x0000_s7229" name="Equation" r:id="rId3" imgW="431640" imgH="241200" progId="Equation.3">
+                  <p:oleObj spid="_x0000_s7233" name="Equation" r:id="rId3" imgW="431640" imgH="241200" progId="Equation.3">
                     <p:embed/>
                   </p:oleObj>
                 </mc:Choice>
@@ -18607,338 +18972,6 @@
 </p:sld>
 </file>
 
-<file path=ppt/slides/slide3.xml><?xml version="1.0" encoding="utf-8"?>
-<p:sld xmlns:a="http://schemas.openxmlformats.org/drawingml/2006/main" xmlns:r="http://schemas.openxmlformats.org/officeDocument/2006/relationships" xmlns:p="http://schemas.openxmlformats.org/presentationml/2006/main">
-  <p:cSld>
-    <p:spTree>
-      <p:nvGrpSpPr>
-        <p:cNvPr id="1" name=""/>
-        <p:cNvGrpSpPr/>
-        <p:nvPr/>
-      </p:nvGrpSpPr>
-      <p:grpSpPr>
-        <a:xfrm>
-          <a:off x="0" y="0"/>
-          <a:ext cx="0" cy="0"/>
-          <a:chOff x="0" y="0"/>
-          <a:chExt cx="0" cy="0"/>
-        </a:xfrm>
-      </p:grpSpPr>
-      <p:sp>
-        <p:nvSpPr>
-          <p:cNvPr id="2" name="Title 1"/>
-          <p:cNvSpPr>
-            <a:spLocks noGrp="1"/>
-          </p:cNvSpPr>
-          <p:nvPr>
-            <p:ph type="title"/>
-          </p:nvPr>
-        </p:nvSpPr>
-        <p:spPr/>
-        <p:txBody>
-          <a:bodyPr/>
-          <a:lstStyle/>
-          <a:p>
-            <a:r>
-              <a:rPr lang="en-US" dirty="0" smtClean="0"/>
-              <a:t>Introduction</a:t>
-            </a:r>
-            <a:endParaRPr lang="en-US" dirty="0"/>
-          </a:p>
-        </p:txBody>
-      </p:sp>
-      <p:sp>
-        <p:nvSpPr>
-          <p:cNvPr id="3" name="Text Placeholder 2"/>
-          <p:cNvSpPr>
-            <a:spLocks noGrp="1"/>
-          </p:cNvSpPr>
-          <p:nvPr>
-            <p:ph type="body" idx="1"/>
-          </p:nvPr>
-        </p:nvSpPr>
-        <p:spPr/>
-        <p:txBody>
-          <a:bodyPr/>
-          <a:lstStyle/>
-          <a:p>
-            <a:endParaRPr lang="en-US"/>
-          </a:p>
-        </p:txBody>
-      </p:sp>
-      <p:sp>
-        <p:nvSpPr>
-          <p:cNvPr id="4" name="Slide Number Placeholder 3"/>
-          <p:cNvSpPr>
-            <a:spLocks noGrp="1"/>
-          </p:cNvSpPr>
-          <p:nvPr>
-            <p:ph type="sldNum" sz="quarter" idx="12"/>
-          </p:nvPr>
-        </p:nvSpPr>
-        <p:spPr/>
-        <p:txBody>
-          <a:bodyPr/>
-          <a:lstStyle/>
-          <a:p>
-            <a:fld id="{11AD1F4E-1E51-402E-B221-310F004E7D3B}" type="slidenum">
-              <a:rPr lang="en-US" smtClean="0"/>
-              <a:t>3</a:t>
-            </a:fld>
-            <a:endParaRPr lang="en-US"/>
-          </a:p>
-        </p:txBody>
-      </p:sp>
-    </p:spTree>
-    <p:extLst>
-      <p:ext uri="{BB962C8B-B14F-4D97-AF65-F5344CB8AC3E}">
-        <p14:creationId xmlns:p14="http://schemas.microsoft.com/office/powerpoint/2010/main" val="33640868"/>
-      </p:ext>
-    </p:extLst>
-  </p:cSld>
-  <p:clrMapOvr>
-    <a:masterClrMapping/>
-  </p:clrMapOvr>
-  <p:timing>
-    <p:tnLst>
-      <p:par>
-        <p:cTn id="1" dur="indefinite" restart="never" nodeType="tmRoot"/>
-      </p:par>
-    </p:tnLst>
-  </p:timing>
-</p:sld>
-</file>
-
-<file path=ppt/slides/slide30.xml><?xml version="1.0" encoding="utf-8"?>
-<p:sld xmlns:a="http://schemas.openxmlformats.org/drawingml/2006/main" xmlns:r="http://schemas.openxmlformats.org/officeDocument/2006/relationships" xmlns:p="http://schemas.openxmlformats.org/presentationml/2006/main">
-  <p:cSld>
-    <p:spTree>
-      <p:nvGrpSpPr>
-        <p:cNvPr id="1" name=""/>
-        <p:cNvGrpSpPr/>
-        <p:nvPr/>
-      </p:nvGrpSpPr>
-      <p:grpSpPr>
-        <a:xfrm>
-          <a:off x="0" y="0"/>
-          <a:ext cx="0" cy="0"/>
-          <a:chOff x="0" y="0"/>
-          <a:chExt cx="0" cy="0"/>
-        </a:xfrm>
-      </p:grpSpPr>
-      <p:sp>
-        <p:nvSpPr>
-          <p:cNvPr id="2" name="Title 1"/>
-          <p:cNvSpPr>
-            <a:spLocks noGrp="1"/>
-          </p:cNvSpPr>
-          <p:nvPr>
-            <p:ph type="title"/>
-          </p:nvPr>
-        </p:nvSpPr>
-        <p:spPr/>
-        <p:txBody>
-          <a:bodyPr/>
-          <a:lstStyle/>
-          <a:p>
-            <a:r>
-              <a:rPr lang="en-US" dirty="0" smtClean="0"/>
-              <a:t>Stack ADT</a:t>
-            </a:r>
-            <a:endParaRPr lang="en-US" dirty="0"/>
-          </a:p>
-        </p:txBody>
-      </p:sp>
-      <p:sp>
-        <p:nvSpPr>
-          <p:cNvPr id="3" name="Content Placeholder 2"/>
-          <p:cNvSpPr>
-            <a:spLocks noGrp="1"/>
-          </p:cNvSpPr>
-          <p:nvPr>
-            <p:ph idx="1"/>
-          </p:nvPr>
-        </p:nvSpPr>
-        <p:spPr/>
-        <p:txBody>
-          <a:bodyPr/>
-          <a:lstStyle/>
-          <a:p>
-            <a:r>
-              <a:rPr lang="en-US" dirty="0" smtClean="0"/>
-              <a:t>EMPTY_STACK()</a:t>
-            </a:r>
-            <a:r>
-              <a:rPr lang="en-US" dirty="0"/>
-              <a:t> </a:t>
-            </a:r>
-            <a:r>
-              <a:rPr lang="en-US" dirty="0">
-                <a:sym typeface="Symbol" panose="05050102010706020507" pitchFamily="18" charset="2"/>
-              </a:rPr>
-              <a:t> </a:t>
-            </a:r>
-            <a:r>
-              <a:rPr lang="en-US" dirty="0" smtClean="0">
-                <a:sym typeface="Symbol" panose="05050102010706020507" pitchFamily="18" charset="2"/>
-              </a:rPr>
-              <a:t>stack</a:t>
-            </a:r>
-          </a:p>
-          <a:p>
-            <a:r>
-              <a:rPr lang="en-US" dirty="0" smtClean="0">
-                <a:sym typeface="Symbol" panose="05050102010706020507" pitchFamily="18" charset="2"/>
-              </a:rPr>
-              <a:t>STACK.PUSH(value)</a:t>
-            </a:r>
-          </a:p>
-          <a:p>
-            <a:r>
-              <a:rPr lang="en-US" dirty="0" smtClean="0">
-                <a:sym typeface="Symbol" panose="05050102010706020507" pitchFamily="18" charset="2"/>
-              </a:rPr>
-              <a:t>STACK.POP()</a:t>
-            </a:r>
-          </a:p>
-          <a:p>
-            <a:r>
-              <a:rPr lang="en-US" dirty="0" smtClean="0">
-                <a:sym typeface="Symbol" panose="05050102010706020507" pitchFamily="18" charset="2"/>
-              </a:rPr>
-              <a:t>STACK.TOP()</a:t>
-            </a:r>
-            <a:r>
-              <a:rPr lang="en-US" dirty="0"/>
-              <a:t> </a:t>
-            </a:r>
-            <a:r>
-              <a:rPr lang="en-US" dirty="0">
-                <a:sym typeface="Symbol" panose="05050102010706020507" pitchFamily="18" charset="2"/>
-              </a:rPr>
-              <a:t> </a:t>
-            </a:r>
-            <a:r>
-              <a:rPr lang="en-US" dirty="0" smtClean="0">
-                <a:sym typeface="Symbol" panose="05050102010706020507" pitchFamily="18" charset="2"/>
-              </a:rPr>
-              <a:t>value</a:t>
-            </a:r>
-          </a:p>
-          <a:p>
-            <a:r>
-              <a:rPr lang="en-US" dirty="0" smtClean="0">
-                <a:sym typeface="Symbol" panose="05050102010706020507" pitchFamily="18" charset="2"/>
-              </a:rPr>
-              <a:t>STACK.IS_EMPTY()</a:t>
-            </a:r>
-            <a:r>
-              <a:rPr lang="en-US" dirty="0"/>
-              <a:t> </a:t>
-            </a:r>
-            <a:r>
-              <a:rPr lang="en-US" dirty="0">
-                <a:sym typeface="Symbol" panose="05050102010706020507" pitchFamily="18" charset="2"/>
-              </a:rPr>
-              <a:t> </a:t>
-            </a:r>
-            <a:r>
-              <a:rPr lang="en-US" dirty="0" err="1">
-                <a:sym typeface="Symbol" panose="05050102010706020507" pitchFamily="18" charset="2"/>
-              </a:rPr>
-              <a:t>b</a:t>
-            </a:r>
-            <a:r>
-              <a:rPr lang="en-US" dirty="0" err="1" smtClean="0">
-                <a:sym typeface="Symbol" panose="05050102010706020507" pitchFamily="18" charset="2"/>
-              </a:rPr>
-              <a:t>oolean</a:t>
-            </a:r>
-            <a:endParaRPr lang="en-US" dirty="0" smtClean="0">
-              <a:sym typeface="Symbol" panose="05050102010706020507" pitchFamily="18" charset="2"/>
-            </a:endParaRPr>
-          </a:p>
-          <a:p>
-            <a:r>
-              <a:rPr lang="en-US" dirty="0" smtClean="0">
-                <a:sym typeface="Symbol" panose="05050102010706020507" pitchFamily="18" charset="2"/>
-              </a:rPr>
-              <a:t>STACK.SIZE()</a:t>
-            </a:r>
-            <a:r>
-              <a:rPr lang="en-US" dirty="0"/>
-              <a:t> </a:t>
-            </a:r>
-            <a:r>
-              <a:rPr lang="en-US" dirty="0">
-                <a:sym typeface="Symbol" panose="05050102010706020507" pitchFamily="18" charset="2"/>
-              </a:rPr>
-              <a:t> </a:t>
-            </a:r>
-            <a:r>
-              <a:rPr lang="en-US" dirty="0" smtClean="0">
-                <a:sym typeface="Symbol" panose="05050102010706020507" pitchFamily="18" charset="2"/>
-              </a:rPr>
-              <a:t>size</a:t>
-            </a:r>
-            <a:br>
-              <a:rPr lang="en-US" dirty="0" smtClean="0">
-                <a:sym typeface="Symbol" panose="05050102010706020507" pitchFamily="18" charset="2"/>
-              </a:rPr>
-            </a:br>
-            <a:r>
-              <a:rPr lang="en-US" dirty="0" smtClean="0">
-                <a:sym typeface="Symbol" panose="05050102010706020507" pitchFamily="18" charset="2"/>
-              </a:rPr>
-              <a:t>      = #push - #pop</a:t>
-            </a:r>
-            <a:endParaRPr lang="en-US" dirty="0"/>
-          </a:p>
-        </p:txBody>
-      </p:sp>
-      <p:sp>
-        <p:nvSpPr>
-          <p:cNvPr id="4" name="Slide Number Placeholder 3"/>
-          <p:cNvSpPr>
-            <a:spLocks noGrp="1"/>
-          </p:cNvSpPr>
-          <p:nvPr>
-            <p:ph type="sldNum" sz="quarter" idx="12"/>
-          </p:nvPr>
-        </p:nvSpPr>
-        <p:spPr/>
-        <p:txBody>
-          <a:bodyPr/>
-          <a:lstStyle/>
-          <a:p>
-            <a:fld id="{11AD1F4E-1E51-402E-B221-310F004E7D3B}" type="slidenum">
-              <a:rPr lang="en-US" smtClean="0"/>
-              <a:t>30</a:t>
-            </a:fld>
-            <a:endParaRPr lang="en-US"/>
-          </a:p>
-        </p:txBody>
-      </p:sp>
-    </p:spTree>
-    <p:extLst>
-      <p:ext uri="{BB962C8B-B14F-4D97-AF65-F5344CB8AC3E}">
-        <p14:creationId xmlns:p14="http://schemas.microsoft.com/office/powerpoint/2010/main" val="3731668153"/>
-      </p:ext>
-    </p:extLst>
-  </p:cSld>
-  <p:clrMapOvr>
-    <a:masterClrMapping/>
-  </p:clrMapOvr>
-  <p:timing>
-    <p:tnLst>
-      <p:par>
-        <p:cTn id="1" dur="indefinite" restart="never" nodeType="tmRoot"/>
-      </p:par>
-    </p:tnLst>
-  </p:timing>
-</p:sld>
-</file>
-
 <file path=ppt/slides/slide31.xml><?xml version="1.0" encoding="utf-8"?>
 <p:sld xmlns:a="http://schemas.openxmlformats.org/drawingml/2006/main" xmlns:r="http://schemas.openxmlformats.org/officeDocument/2006/relationships" xmlns:p="http://schemas.openxmlformats.org/presentationml/2006/main">
   <p:cSld>
@@ -18973,7 +19006,154 @@
           <a:p>
             <a:r>
               <a:rPr lang="en-US" dirty="0" smtClean="0"/>
-              <a:t>Stack examples</a:t>
+              <a:t>Stack ADT</a:t>
+            </a:r>
+            <a:endParaRPr lang="en-US" dirty="0"/>
+          </a:p>
+        </p:txBody>
+      </p:sp>
+      <p:sp>
+        <p:nvSpPr>
+          <p:cNvPr id="3" name="Content Placeholder 2"/>
+          <p:cNvSpPr>
+            <a:spLocks noGrp="1"/>
+          </p:cNvSpPr>
+          <p:nvPr>
+            <p:ph idx="1"/>
+          </p:nvPr>
+        </p:nvSpPr>
+        <p:spPr/>
+        <p:txBody>
+          <a:bodyPr/>
+          <a:lstStyle/>
+          <a:p>
+            <a:r>
+              <a:rPr lang="en-US" dirty="0" smtClean="0"/>
+              <a:t>EMPTY_STACK()</a:t>
+            </a:r>
+            <a:r>
+              <a:rPr lang="en-US" dirty="0"/>
+              <a:t> </a:t>
+            </a:r>
+            <a:r>
+              <a:rPr lang="en-US" dirty="0">
+                <a:sym typeface="Symbol" panose="05050102010706020507" pitchFamily="18" charset="2"/>
+              </a:rPr>
+              <a:t> </a:t>
+            </a:r>
+            <a:r>
+              <a:rPr lang="en-US" dirty="0" smtClean="0">
+                <a:sym typeface="Symbol" panose="05050102010706020507" pitchFamily="18" charset="2"/>
+              </a:rPr>
+              <a:t>stack</a:t>
+            </a:r>
+          </a:p>
+          <a:p>
+            <a:r>
+              <a:rPr lang="en-US" dirty="0" smtClean="0">
+                <a:sym typeface="Symbol" panose="05050102010706020507" pitchFamily="18" charset="2"/>
+              </a:rPr>
+              <a:t>STACK.PUSH(value)</a:t>
+            </a:r>
+          </a:p>
+          <a:p>
+            <a:r>
+              <a:rPr lang="en-US" dirty="0" smtClean="0">
+                <a:sym typeface="Symbol" panose="05050102010706020507" pitchFamily="18" charset="2"/>
+              </a:rPr>
+              <a:t>STACK.POP()</a:t>
+            </a:r>
+          </a:p>
+          <a:p>
+            <a:r>
+              <a:rPr lang="en-US" dirty="0" smtClean="0">
+                <a:sym typeface="Symbol" panose="05050102010706020507" pitchFamily="18" charset="2"/>
+              </a:rPr>
+              <a:t>STACK.TOP()</a:t>
+            </a:r>
+            <a:r>
+              <a:rPr lang="en-US" dirty="0"/>
+              <a:t> </a:t>
+            </a:r>
+            <a:r>
+              <a:rPr lang="en-US" dirty="0">
+                <a:sym typeface="Symbol" panose="05050102010706020507" pitchFamily="18" charset="2"/>
+              </a:rPr>
+              <a:t> </a:t>
+            </a:r>
+            <a:r>
+              <a:rPr lang="en-US" dirty="0" smtClean="0">
+                <a:sym typeface="Symbol" panose="05050102010706020507" pitchFamily="18" charset="2"/>
+              </a:rPr>
+              <a:t>value</a:t>
+            </a:r>
+          </a:p>
+          <a:p>
+            <a:r>
+              <a:rPr lang="en-US" dirty="0" smtClean="0">
+                <a:sym typeface="Symbol" panose="05050102010706020507" pitchFamily="18" charset="2"/>
+              </a:rPr>
+              <a:t>STACK.IS_EMPTY()</a:t>
+            </a:r>
+            <a:r>
+              <a:rPr lang="en-US" dirty="0"/>
+              <a:t> </a:t>
+            </a:r>
+            <a:r>
+              <a:rPr lang="en-US" dirty="0">
+                <a:sym typeface="Symbol" panose="05050102010706020507" pitchFamily="18" charset="2"/>
+              </a:rPr>
+              <a:t> </a:t>
+            </a:r>
+            <a:r>
+              <a:rPr lang="en-US" dirty="0" err="1">
+                <a:sym typeface="Symbol" panose="05050102010706020507" pitchFamily="18" charset="2"/>
+              </a:rPr>
+              <a:t>b</a:t>
+            </a:r>
+            <a:r>
+              <a:rPr lang="en-US" dirty="0" err="1" smtClean="0">
+                <a:sym typeface="Symbol" panose="05050102010706020507" pitchFamily="18" charset="2"/>
+              </a:rPr>
+              <a:t>oolean</a:t>
+            </a:r>
+            <a:endParaRPr lang="en-US" dirty="0" smtClean="0">
+              <a:sym typeface="Symbol" panose="05050102010706020507" pitchFamily="18" charset="2"/>
+            </a:endParaRPr>
+          </a:p>
+          <a:p>
+            <a:r>
+              <a:rPr lang="en-US" dirty="0" smtClean="0">
+                <a:sym typeface="Symbol" panose="05050102010706020507" pitchFamily="18" charset="2"/>
+              </a:rPr>
+              <a:t>STACK.SIZE()</a:t>
+            </a:r>
+            <a:r>
+              <a:rPr lang="en-US" dirty="0"/>
+              <a:t> </a:t>
+            </a:r>
+            <a:r>
+              <a:rPr lang="en-US" dirty="0">
+                <a:sym typeface="Symbol" panose="05050102010706020507" pitchFamily="18" charset="2"/>
+              </a:rPr>
+              <a:t> </a:t>
+            </a:r>
+            <a:r>
+              <a:rPr lang="en-US" dirty="0" smtClean="0">
+                <a:sym typeface="Symbol" panose="05050102010706020507" pitchFamily="18" charset="2"/>
+              </a:rPr>
+              <a:t>size</a:t>
+            </a:r>
+            <a:br>
+              <a:rPr lang="en-US" dirty="0" smtClean="0">
+                <a:sym typeface="Symbol" panose="05050102010706020507" pitchFamily="18" charset="2"/>
+              </a:rPr>
+            </a:br>
+            <a:r>
+              <a:rPr lang="en-US" dirty="0" smtClean="0">
+                <a:sym typeface="Symbol" panose="05050102010706020507" pitchFamily="18" charset="2"/>
+              </a:rPr>
+              <a:t>      = #push - #pop</a:t>
             </a:r>
             <a:endParaRPr lang="en-US" dirty="0"/>
           </a:p>
@@ -19002,351 +19182,10 @@
           </a:p>
         </p:txBody>
       </p:sp>
-      <p:sp>
-        <p:nvSpPr>
-          <p:cNvPr id="5" name="TextBox 4"/>
-          <p:cNvSpPr txBox="1"/>
-          <p:nvPr/>
-        </p:nvSpPr>
-        <p:spPr>
-          <a:xfrm>
-            <a:off x="628650" y="1704105"/>
-            <a:ext cx="6665768" cy="2585323"/>
-          </a:xfrm>
-          <a:prstGeom prst="rect">
-            <a:avLst/>
-          </a:prstGeom>
-          <a:solidFill>
-            <a:schemeClr val="bg1">
-              <a:lumMod val="75000"/>
-            </a:schemeClr>
-          </a:solidFill>
-          <a:ln>
-            <a:solidFill>
-              <a:schemeClr val="tx1"/>
-            </a:solidFill>
-          </a:ln>
-        </p:spPr>
-        <p:txBody>
-          <a:bodyPr wrap="square" rtlCol="0">
-            <a:spAutoFit/>
-          </a:bodyPr>
-          <a:lstStyle/>
-          <a:p>
-            <a:r>
-              <a:rPr lang="en-US" dirty="0" smtClean="0">
-                <a:latin typeface="Courier New" panose="02070309020205020404" pitchFamily="49" charset="0"/>
-                <a:cs typeface="Courier New" panose="02070309020205020404" pitchFamily="49" charset="0"/>
-              </a:rPr>
-              <a:t>#include &lt;stack&gt;</a:t>
-            </a:r>
-          </a:p>
-          <a:p>
-            <a:r>
-              <a:rPr lang="en-US" dirty="0" smtClean="0">
-                <a:latin typeface="Courier New" panose="02070309020205020404" pitchFamily="49" charset="0"/>
-                <a:cs typeface="Courier New" panose="02070309020205020404" pitchFamily="49" charset="0"/>
-              </a:rPr>
-              <a:t>…</a:t>
-            </a:r>
-          </a:p>
-          <a:p>
-            <a:r>
-              <a:rPr lang="en-US" dirty="0" err="1" smtClean="0">
-                <a:latin typeface="Courier New" panose="02070309020205020404" pitchFamily="49" charset="0"/>
-                <a:cs typeface="Courier New" panose="02070309020205020404" pitchFamily="49" charset="0"/>
-              </a:rPr>
-              <a:t>std</a:t>
-            </a:r>
-            <a:r>
-              <a:rPr lang="en-US" dirty="0" smtClean="0">
-                <a:latin typeface="Courier New" panose="02070309020205020404" pitchFamily="49" charset="0"/>
-                <a:cs typeface="Courier New" panose="02070309020205020404" pitchFamily="49" charset="0"/>
-              </a:rPr>
-              <a:t>::stack&lt;</a:t>
-            </a:r>
-            <a:r>
-              <a:rPr lang="en-US" dirty="0" err="1" smtClean="0">
-                <a:latin typeface="Courier New" panose="02070309020205020404" pitchFamily="49" charset="0"/>
-                <a:cs typeface="Courier New" panose="02070309020205020404" pitchFamily="49" charset="0"/>
-              </a:rPr>
-              <a:t>int</a:t>
-            </a:r>
-            <a:r>
-              <a:rPr lang="en-US" dirty="0" smtClean="0">
-                <a:latin typeface="Courier New" panose="02070309020205020404" pitchFamily="49" charset="0"/>
-                <a:cs typeface="Courier New" panose="02070309020205020404" pitchFamily="49" charset="0"/>
-              </a:rPr>
-              <a:t>&gt; s;</a:t>
-            </a:r>
-          </a:p>
-          <a:p>
-            <a:r>
-              <a:rPr lang="en-US" dirty="0" smtClean="0">
-                <a:latin typeface="Courier New" panose="02070309020205020404" pitchFamily="49" charset="0"/>
-                <a:cs typeface="Courier New" panose="02070309020205020404" pitchFamily="49" charset="0"/>
-              </a:rPr>
-              <a:t>for (</a:t>
-            </a:r>
-            <a:r>
-              <a:rPr lang="en-US" dirty="0" err="1" smtClean="0">
-                <a:latin typeface="Courier New" panose="02070309020205020404" pitchFamily="49" charset="0"/>
-                <a:cs typeface="Courier New" panose="02070309020205020404" pitchFamily="49" charset="0"/>
-              </a:rPr>
-              <a:t>int</a:t>
-            </a:r>
-            <a:r>
-              <a:rPr lang="en-US" dirty="0" smtClean="0">
-                <a:latin typeface="Courier New" panose="02070309020205020404" pitchFamily="49" charset="0"/>
-                <a:cs typeface="Courier New" panose="02070309020205020404" pitchFamily="49" charset="0"/>
-              </a:rPr>
-              <a:t> </a:t>
-            </a:r>
-            <a:r>
-              <a:rPr lang="en-US" dirty="0" err="1" smtClean="0">
-                <a:latin typeface="Courier New" panose="02070309020205020404" pitchFamily="49" charset="0"/>
-                <a:cs typeface="Courier New" panose="02070309020205020404" pitchFamily="49" charset="0"/>
-              </a:rPr>
-              <a:t>i</a:t>
-            </a:r>
-            <a:r>
-              <a:rPr lang="en-US" dirty="0" smtClean="0">
-                <a:latin typeface="Courier New" panose="02070309020205020404" pitchFamily="49" charset="0"/>
-                <a:cs typeface="Courier New" panose="02070309020205020404" pitchFamily="49" charset="0"/>
-              </a:rPr>
-              <a:t> = 0; </a:t>
-            </a:r>
-            <a:r>
-              <a:rPr lang="en-US" dirty="0" err="1" smtClean="0">
-                <a:latin typeface="Courier New" panose="02070309020205020404" pitchFamily="49" charset="0"/>
-                <a:cs typeface="Courier New" panose="02070309020205020404" pitchFamily="49" charset="0"/>
-              </a:rPr>
-              <a:t>i</a:t>
-            </a:r>
-            <a:r>
-              <a:rPr lang="en-US" dirty="0" smtClean="0">
-                <a:latin typeface="Courier New" panose="02070309020205020404" pitchFamily="49" charset="0"/>
-                <a:cs typeface="Courier New" panose="02070309020205020404" pitchFamily="49" charset="0"/>
-              </a:rPr>
-              <a:t> &lt; 10; </a:t>
-            </a:r>
-            <a:r>
-              <a:rPr lang="en-US" dirty="0" err="1" smtClean="0">
-                <a:latin typeface="Courier New" panose="02070309020205020404" pitchFamily="49" charset="0"/>
-                <a:cs typeface="Courier New" panose="02070309020205020404" pitchFamily="49" charset="0"/>
-              </a:rPr>
-              <a:t>i</a:t>
-            </a:r>
-            <a:r>
-              <a:rPr lang="en-US" dirty="0" smtClean="0">
-                <a:latin typeface="Courier New" panose="02070309020205020404" pitchFamily="49" charset="0"/>
-                <a:cs typeface="Courier New" panose="02070309020205020404" pitchFamily="49" charset="0"/>
-              </a:rPr>
-              <a:t>++)</a:t>
-            </a:r>
-          </a:p>
-          <a:p>
-            <a:r>
-              <a:rPr lang="en-US" dirty="0">
-                <a:latin typeface="Courier New" panose="02070309020205020404" pitchFamily="49" charset="0"/>
-                <a:cs typeface="Courier New" panose="02070309020205020404" pitchFamily="49" charset="0"/>
-              </a:rPr>
-              <a:t> </a:t>
-            </a:r>
-            <a:r>
-              <a:rPr lang="en-US" dirty="0" smtClean="0">
-                <a:latin typeface="Courier New" panose="02070309020205020404" pitchFamily="49" charset="0"/>
-                <a:cs typeface="Courier New" panose="02070309020205020404" pitchFamily="49" charset="0"/>
-              </a:rPr>
-              <a:t>   </a:t>
-            </a:r>
-            <a:r>
-              <a:rPr lang="en-US" dirty="0" err="1" smtClean="0">
-                <a:latin typeface="Courier New" panose="02070309020205020404" pitchFamily="49" charset="0"/>
-                <a:cs typeface="Courier New" panose="02070309020205020404" pitchFamily="49" charset="0"/>
-              </a:rPr>
-              <a:t>s.push</a:t>
-            </a:r>
-            <a:r>
-              <a:rPr lang="en-US" dirty="0" smtClean="0">
-                <a:latin typeface="Courier New" panose="02070309020205020404" pitchFamily="49" charset="0"/>
-                <a:cs typeface="Courier New" panose="02070309020205020404" pitchFamily="49" charset="0"/>
-              </a:rPr>
-              <a:t>(</a:t>
-            </a:r>
-            <a:r>
-              <a:rPr lang="en-US" dirty="0" err="1" smtClean="0">
-                <a:latin typeface="Courier New" panose="02070309020205020404" pitchFamily="49" charset="0"/>
-                <a:cs typeface="Courier New" panose="02070309020205020404" pitchFamily="49" charset="0"/>
-              </a:rPr>
-              <a:t>i</a:t>
-            </a:r>
-            <a:r>
-              <a:rPr lang="en-US" dirty="0" smtClean="0">
-                <a:latin typeface="Courier New" panose="02070309020205020404" pitchFamily="49" charset="0"/>
-                <a:cs typeface="Courier New" panose="02070309020205020404" pitchFamily="49" charset="0"/>
-              </a:rPr>
-              <a:t>);</a:t>
-            </a:r>
-          </a:p>
-          <a:p>
-            <a:r>
-              <a:rPr lang="en-US" dirty="0" smtClean="0">
-                <a:latin typeface="Courier New" panose="02070309020205020404" pitchFamily="49" charset="0"/>
-                <a:cs typeface="Courier New" panose="02070309020205020404" pitchFamily="49" charset="0"/>
-              </a:rPr>
-              <a:t>while (!</a:t>
-            </a:r>
-            <a:r>
-              <a:rPr lang="en-US" dirty="0" err="1" smtClean="0">
-                <a:latin typeface="Courier New" panose="02070309020205020404" pitchFamily="49" charset="0"/>
-                <a:cs typeface="Courier New" panose="02070309020205020404" pitchFamily="49" charset="0"/>
-              </a:rPr>
-              <a:t>s.empty</a:t>
-            </a:r>
-            <a:r>
-              <a:rPr lang="en-US" dirty="0" smtClean="0">
-                <a:latin typeface="Courier New" panose="02070309020205020404" pitchFamily="49" charset="0"/>
-                <a:cs typeface="Courier New" panose="02070309020205020404" pitchFamily="49" charset="0"/>
-              </a:rPr>
-              <a:t>()) {</a:t>
-            </a:r>
-            <a:endParaRPr lang="en-US" dirty="0">
-              <a:latin typeface="Courier New" panose="02070309020205020404" pitchFamily="49" charset="0"/>
-              <a:cs typeface="Courier New" panose="02070309020205020404" pitchFamily="49" charset="0"/>
-            </a:endParaRPr>
-          </a:p>
-          <a:p>
-            <a:r>
-              <a:rPr lang="en-US" dirty="0" smtClean="0">
-                <a:latin typeface="Courier New" panose="02070309020205020404" pitchFamily="49" charset="0"/>
-                <a:cs typeface="Courier New" panose="02070309020205020404" pitchFamily="49" charset="0"/>
-              </a:rPr>
-              <a:t>    </a:t>
-            </a:r>
-            <a:r>
-              <a:rPr lang="en-US" dirty="0" err="1">
-                <a:latin typeface="Courier New" panose="02070309020205020404" pitchFamily="49" charset="0"/>
-                <a:cs typeface="Courier New" panose="02070309020205020404" pitchFamily="49" charset="0"/>
-              </a:rPr>
-              <a:t>std</a:t>
-            </a:r>
-            <a:r>
-              <a:rPr lang="en-US" dirty="0">
-                <a:latin typeface="Courier New" panose="02070309020205020404" pitchFamily="49" charset="0"/>
-                <a:cs typeface="Courier New" panose="02070309020205020404" pitchFamily="49" charset="0"/>
-              </a:rPr>
-              <a:t>::</a:t>
-            </a:r>
-            <a:r>
-              <a:rPr lang="en-US" dirty="0" err="1">
-                <a:latin typeface="Courier New" panose="02070309020205020404" pitchFamily="49" charset="0"/>
-                <a:cs typeface="Courier New" panose="02070309020205020404" pitchFamily="49" charset="0"/>
-              </a:rPr>
-              <a:t>cout</a:t>
-            </a:r>
-            <a:r>
-              <a:rPr lang="en-US" dirty="0">
-                <a:latin typeface="Courier New" panose="02070309020205020404" pitchFamily="49" charset="0"/>
-                <a:cs typeface="Courier New" panose="02070309020205020404" pitchFamily="49" charset="0"/>
-              </a:rPr>
-              <a:t> &lt;&lt; </a:t>
-            </a:r>
-            <a:r>
-              <a:rPr lang="en-US" dirty="0" err="1" smtClean="0">
-                <a:latin typeface="Courier New" panose="02070309020205020404" pitchFamily="49" charset="0"/>
-                <a:cs typeface="Courier New" panose="02070309020205020404" pitchFamily="49" charset="0"/>
-              </a:rPr>
-              <a:t>s.top</a:t>
-            </a:r>
-            <a:r>
-              <a:rPr lang="en-US" dirty="0" smtClean="0">
-                <a:latin typeface="Courier New" panose="02070309020205020404" pitchFamily="49" charset="0"/>
-                <a:cs typeface="Courier New" panose="02070309020205020404" pitchFamily="49" charset="0"/>
-              </a:rPr>
-              <a:t>() </a:t>
-            </a:r>
-            <a:r>
-              <a:rPr lang="en-US" dirty="0">
-                <a:latin typeface="Courier New" panose="02070309020205020404" pitchFamily="49" charset="0"/>
-                <a:cs typeface="Courier New" panose="02070309020205020404" pitchFamily="49" charset="0"/>
-              </a:rPr>
-              <a:t>&lt;&lt; </a:t>
-            </a:r>
-            <a:r>
-              <a:rPr lang="en-US" dirty="0" err="1">
-                <a:latin typeface="Courier New" panose="02070309020205020404" pitchFamily="49" charset="0"/>
-                <a:cs typeface="Courier New" panose="02070309020205020404" pitchFamily="49" charset="0"/>
-              </a:rPr>
-              <a:t>std</a:t>
-            </a:r>
-            <a:r>
-              <a:rPr lang="en-US" dirty="0">
-                <a:latin typeface="Courier New" panose="02070309020205020404" pitchFamily="49" charset="0"/>
-                <a:cs typeface="Courier New" panose="02070309020205020404" pitchFamily="49" charset="0"/>
-              </a:rPr>
-              <a:t>::</a:t>
-            </a:r>
-            <a:r>
-              <a:rPr lang="en-US" dirty="0" err="1">
-                <a:latin typeface="Courier New" panose="02070309020205020404" pitchFamily="49" charset="0"/>
-                <a:cs typeface="Courier New" panose="02070309020205020404" pitchFamily="49" charset="0"/>
-              </a:rPr>
-              <a:t>endl</a:t>
-            </a:r>
-            <a:r>
-              <a:rPr lang="en-US" dirty="0" smtClean="0">
-                <a:latin typeface="Courier New" panose="02070309020205020404" pitchFamily="49" charset="0"/>
-                <a:cs typeface="Courier New" panose="02070309020205020404" pitchFamily="49" charset="0"/>
-              </a:rPr>
-              <a:t>;</a:t>
-            </a:r>
-          </a:p>
-          <a:p>
-            <a:r>
-              <a:rPr lang="en-US" dirty="0">
-                <a:latin typeface="Courier New" panose="02070309020205020404" pitchFamily="49" charset="0"/>
-                <a:cs typeface="Courier New" panose="02070309020205020404" pitchFamily="49" charset="0"/>
-              </a:rPr>
-              <a:t> </a:t>
-            </a:r>
-            <a:r>
-              <a:rPr lang="en-US" dirty="0" smtClean="0">
-                <a:latin typeface="Courier New" panose="02070309020205020404" pitchFamily="49" charset="0"/>
-                <a:cs typeface="Courier New" panose="02070309020205020404" pitchFamily="49" charset="0"/>
-              </a:rPr>
-              <a:t>   </a:t>
-            </a:r>
-            <a:r>
-              <a:rPr lang="en-US" dirty="0" err="1" smtClean="0">
-                <a:latin typeface="Courier New" panose="02070309020205020404" pitchFamily="49" charset="0"/>
-                <a:cs typeface="Courier New" panose="02070309020205020404" pitchFamily="49" charset="0"/>
-              </a:rPr>
-              <a:t>s.pop</a:t>
-            </a:r>
-            <a:r>
-              <a:rPr lang="en-US" dirty="0" smtClean="0">
-                <a:latin typeface="Courier New" panose="02070309020205020404" pitchFamily="49" charset="0"/>
-                <a:cs typeface="Courier New" panose="02070309020205020404" pitchFamily="49" charset="0"/>
-              </a:rPr>
-              <a:t>();</a:t>
-            </a:r>
-          </a:p>
-          <a:p>
-            <a:r>
-              <a:rPr lang="en-US" dirty="0">
-                <a:latin typeface="Courier New" panose="02070309020205020404" pitchFamily="49" charset="0"/>
-                <a:cs typeface="Courier New" panose="02070309020205020404" pitchFamily="49" charset="0"/>
-              </a:rPr>
-              <a:t>}</a:t>
-            </a:r>
-          </a:p>
-        </p:txBody>
-      </p:sp>
     </p:spTree>
     <p:extLst>
       <p:ext uri="{BB962C8B-B14F-4D97-AF65-F5344CB8AC3E}">
-        <p14:creationId xmlns:p14="http://schemas.microsoft.com/office/powerpoint/2010/main" val="961629525"/>
+        <p14:creationId xmlns:p14="http://schemas.microsoft.com/office/powerpoint/2010/main" val="3731668153"/>
       </p:ext>
     </p:extLst>
   </p:cSld>
@@ -19397,6 +19236,430 @@
           <a:p>
             <a:r>
               <a:rPr lang="en-US" dirty="0" smtClean="0"/>
+              <a:t>Stack examples</a:t>
+            </a:r>
+            <a:endParaRPr lang="en-US" dirty="0"/>
+          </a:p>
+        </p:txBody>
+      </p:sp>
+      <p:sp>
+        <p:nvSpPr>
+          <p:cNvPr id="4" name="Slide Number Placeholder 3"/>
+          <p:cNvSpPr>
+            <a:spLocks noGrp="1"/>
+          </p:cNvSpPr>
+          <p:nvPr>
+            <p:ph type="sldNum" sz="quarter" idx="12"/>
+          </p:nvPr>
+        </p:nvSpPr>
+        <p:spPr/>
+        <p:txBody>
+          <a:bodyPr/>
+          <a:lstStyle/>
+          <a:p>
+            <a:fld id="{11AD1F4E-1E51-402E-B221-310F004E7D3B}" type="slidenum">
+              <a:rPr lang="en-US" smtClean="0"/>
+              <a:t>32</a:t>
+            </a:fld>
+            <a:endParaRPr lang="en-US"/>
+          </a:p>
+        </p:txBody>
+      </p:sp>
+      <p:sp>
+        <p:nvSpPr>
+          <p:cNvPr id="5" name="TextBox 4"/>
+          <p:cNvSpPr txBox="1"/>
+          <p:nvPr/>
+        </p:nvSpPr>
+        <p:spPr>
+          <a:xfrm>
+            <a:off x="628650" y="1704105"/>
+            <a:ext cx="6665768" cy="2585323"/>
+          </a:xfrm>
+          <a:prstGeom prst="rect">
+            <a:avLst/>
+          </a:prstGeom>
+          <a:solidFill>
+            <a:schemeClr val="bg1">
+              <a:lumMod val="75000"/>
+            </a:schemeClr>
+          </a:solidFill>
+          <a:ln>
+            <a:solidFill>
+              <a:schemeClr val="tx1"/>
+            </a:solidFill>
+          </a:ln>
+        </p:spPr>
+        <p:txBody>
+          <a:bodyPr wrap="square" rtlCol="0">
+            <a:spAutoFit/>
+          </a:bodyPr>
+          <a:lstStyle/>
+          <a:p>
+            <a:r>
+              <a:rPr lang="en-US" dirty="0" smtClean="0">
+                <a:latin typeface="Courier New" panose="02070309020205020404" pitchFamily="49" charset="0"/>
+                <a:cs typeface="Courier New" panose="02070309020205020404" pitchFamily="49" charset="0"/>
+              </a:rPr>
+              <a:t>#include &lt;stack&gt;</a:t>
+            </a:r>
+          </a:p>
+          <a:p>
+            <a:r>
+              <a:rPr lang="en-US" dirty="0" smtClean="0">
+                <a:latin typeface="Courier New" panose="02070309020205020404" pitchFamily="49" charset="0"/>
+                <a:cs typeface="Courier New" panose="02070309020205020404" pitchFamily="49" charset="0"/>
+              </a:rPr>
+              <a:t>…</a:t>
+            </a:r>
+          </a:p>
+          <a:p>
+            <a:r>
+              <a:rPr lang="en-US" dirty="0" err="1" smtClean="0">
+                <a:latin typeface="Courier New" panose="02070309020205020404" pitchFamily="49" charset="0"/>
+                <a:cs typeface="Courier New" panose="02070309020205020404" pitchFamily="49" charset="0"/>
+              </a:rPr>
+              <a:t>std</a:t>
+            </a:r>
+            <a:r>
+              <a:rPr lang="en-US" dirty="0" smtClean="0">
+                <a:latin typeface="Courier New" panose="02070309020205020404" pitchFamily="49" charset="0"/>
+                <a:cs typeface="Courier New" panose="02070309020205020404" pitchFamily="49" charset="0"/>
+              </a:rPr>
+              <a:t>::stack&lt;</a:t>
+            </a:r>
+            <a:r>
+              <a:rPr lang="en-US" dirty="0" err="1" smtClean="0">
+                <a:latin typeface="Courier New" panose="02070309020205020404" pitchFamily="49" charset="0"/>
+                <a:cs typeface="Courier New" panose="02070309020205020404" pitchFamily="49" charset="0"/>
+              </a:rPr>
+              <a:t>int</a:t>
+            </a:r>
+            <a:r>
+              <a:rPr lang="en-US" dirty="0" smtClean="0">
+                <a:latin typeface="Courier New" panose="02070309020205020404" pitchFamily="49" charset="0"/>
+                <a:cs typeface="Courier New" panose="02070309020205020404" pitchFamily="49" charset="0"/>
+              </a:rPr>
+              <a:t>&gt; s;</a:t>
+            </a:r>
+          </a:p>
+          <a:p>
+            <a:r>
+              <a:rPr lang="en-US" dirty="0" smtClean="0">
+                <a:latin typeface="Courier New" panose="02070309020205020404" pitchFamily="49" charset="0"/>
+                <a:cs typeface="Courier New" panose="02070309020205020404" pitchFamily="49" charset="0"/>
+              </a:rPr>
+              <a:t>for (</a:t>
+            </a:r>
+            <a:r>
+              <a:rPr lang="en-US" dirty="0" err="1" smtClean="0">
+                <a:latin typeface="Courier New" panose="02070309020205020404" pitchFamily="49" charset="0"/>
+                <a:cs typeface="Courier New" panose="02070309020205020404" pitchFamily="49" charset="0"/>
+              </a:rPr>
+              <a:t>int</a:t>
+            </a:r>
+            <a:r>
+              <a:rPr lang="en-US" dirty="0" smtClean="0">
+                <a:latin typeface="Courier New" panose="02070309020205020404" pitchFamily="49" charset="0"/>
+                <a:cs typeface="Courier New" panose="02070309020205020404" pitchFamily="49" charset="0"/>
+              </a:rPr>
+              <a:t> </a:t>
+            </a:r>
+            <a:r>
+              <a:rPr lang="en-US" dirty="0" err="1" smtClean="0">
+                <a:latin typeface="Courier New" panose="02070309020205020404" pitchFamily="49" charset="0"/>
+                <a:cs typeface="Courier New" panose="02070309020205020404" pitchFamily="49" charset="0"/>
+              </a:rPr>
+              <a:t>i</a:t>
+            </a:r>
+            <a:r>
+              <a:rPr lang="en-US" dirty="0" smtClean="0">
+                <a:latin typeface="Courier New" panose="02070309020205020404" pitchFamily="49" charset="0"/>
+                <a:cs typeface="Courier New" panose="02070309020205020404" pitchFamily="49" charset="0"/>
+              </a:rPr>
+              <a:t> = 0; </a:t>
+            </a:r>
+            <a:r>
+              <a:rPr lang="en-US" dirty="0" err="1" smtClean="0">
+                <a:latin typeface="Courier New" panose="02070309020205020404" pitchFamily="49" charset="0"/>
+                <a:cs typeface="Courier New" panose="02070309020205020404" pitchFamily="49" charset="0"/>
+              </a:rPr>
+              <a:t>i</a:t>
+            </a:r>
+            <a:r>
+              <a:rPr lang="en-US" dirty="0" smtClean="0">
+                <a:latin typeface="Courier New" panose="02070309020205020404" pitchFamily="49" charset="0"/>
+                <a:cs typeface="Courier New" panose="02070309020205020404" pitchFamily="49" charset="0"/>
+              </a:rPr>
+              <a:t> &lt; 10; </a:t>
+            </a:r>
+            <a:r>
+              <a:rPr lang="en-US" dirty="0" err="1" smtClean="0">
+                <a:latin typeface="Courier New" panose="02070309020205020404" pitchFamily="49" charset="0"/>
+                <a:cs typeface="Courier New" panose="02070309020205020404" pitchFamily="49" charset="0"/>
+              </a:rPr>
+              <a:t>i</a:t>
+            </a:r>
+            <a:r>
+              <a:rPr lang="en-US" dirty="0" smtClean="0">
+                <a:latin typeface="Courier New" panose="02070309020205020404" pitchFamily="49" charset="0"/>
+                <a:cs typeface="Courier New" panose="02070309020205020404" pitchFamily="49" charset="0"/>
+              </a:rPr>
+              <a:t>++)</a:t>
+            </a:r>
+          </a:p>
+          <a:p>
+            <a:r>
+              <a:rPr lang="en-US" dirty="0">
+                <a:latin typeface="Courier New" panose="02070309020205020404" pitchFamily="49" charset="0"/>
+                <a:cs typeface="Courier New" panose="02070309020205020404" pitchFamily="49" charset="0"/>
+              </a:rPr>
+              <a:t> </a:t>
+            </a:r>
+            <a:r>
+              <a:rPr lang="en-US" dirty="0" smtClean="0">
+                <a:latin typeface="Courier New" panose="02070309020205020404" pitchFamily="49" charset="0"/>
+                <a:cs typeface="Courier New" panose="02070309020205020404" pitchFamily="49" charset="0"/>
+              </a:rPr>
+              <a:t>   </a:t>
+            </a:r>
+            <a:r>
+              <a:rPr lang="en-US" dirty="0" err="1" smtClean="0">
+                <a:latin typeface="Courier New" panose="02070309020205020404" pitchFamily="49" charset="0"/>
+                <a:cs typeface="Courier New" panose="02070309020205020404" pitchFamily="49" charset="0"/>
+              </a:rPr>
+              <a:t>s.push</a:t>
+            </a:r>
+            <a:r>
+              <a:rPr lang="en-US" dirty="0" smtClean="0">
+                <a:latin typeface="Courier New" panose="02070309020205020404" pitchFamily="49" charset="0"/>
+                <a:cs typeface="Courier New" panose="02070309020205020404" pitchFamily="49" charset="0"/>
+              </a:rPr>
+              <a:t>(</a:t>
+            </a:r>
+            <a:r>
+              <a:rPr lang="en-US" dirty="0" err="1" smtClean="0">
+                <a:latin typeface="Courier New" panose="02070309020205020404" pitchFamily="49" charset="0"/>
+                <a:cs typeface="Courier New" panose="02070309020205020404" pitchFamily="49" charset="0"/>
+              </a:rPr>
+              <a:t>i</a:t>
+            </a:r>
+            <a:r>
+              <a:rPr lang="en-US" dirty="0" smtClean="0">
+                <a:latin typeface="Courier New" panose="02070309020205020404" pitchFamily="49" charset="0"/>
+                <a:cs typeface="Courier New" panose="02070309020205020404" pitchFamily="49" charset="0"/>
+              </a:rPr>
+              <a:t>);</a:t>
+            </a:r>
+          </a:p>
+          <a:p>
+            <a:r>
+              <a:rPr lang="en-US" dirty="0" smtClean="0">
+                <a:latin typeface="Courier New" panose="02070309020205020404" pitchFamily="49" charset="0"/>
+                <a:cs typeface="Courier New" panose="02070309020205020404" pitchFamily="49" charset="0"/>
+              </a:rPr>
+              <a:t>while (!</a:t>
+            </a:r>
+            <a:r>
+              <a:rPr lang="en-US" dirty="0" err="1" smtClean="0">
+                <a:latin typeface="Courier New" panose="02070309020205020404" pitchFamily="49" charset="0"/>
+                <a:cs typeface="Courier New" panose="02070309020205020404" pitchFamily="49" charset="0"/>
+              </a:rPr>
+              <a:t>s.empty</a:t>
+            </a:r>
+            <a:r>
+              <a:rPr lang="en-US" dirty="0" smtClean="0">
+                <a:latin typeface="Courier New" panose="02070309020205020404" pitchFamily="49" charset="0"/>
+                <a:cs typeface="Courier New" panose="02070309020205020404" pitchFamily="49" charset="0"/>
+              </a:rPr>
+              <a:t>()) {</a:t>
+            </a:r>
+            <a:endParaRPr lang="en-US" dirty="0">
+              <a:latin typeface="Courier New" panose="02070309020205020404" pitchFamily="49" charset="0"/>
+              <a:cs typeface="Courier New" panose="02070309020205020404" pitchFamily="49" charset="0"/>
+            </a:endParaRPr>
+          </a:p>
+          <a:p>
+            <a:r>
+              <a:rPr lang="en-US" dirty="0" smtClean="0">
+                <a:latin typeface="Courier New" panose="02070309020205020404" pitchFamily="49" charset="0"/>
+                <a:cs typeface="Courier New" panose="02070309020205020404" pitchFamily="49" charset="0"/>
+              </a:rPr>
+              <a:t>    </a:t>
+            </a:r>
+            <a:r>
+              <a:rPr lang="en-US" dirty="0" err="1">
+                <a:latin typeface="Courier New" panose="02070309020205020404" pitchFamily="49" charset="0"/>
+                <a:cs typeface="Courier New" panose="02070309020205020404" pitchFamily="49" charset="0"/>
+              </a:rPr>
+              <a:t>std</a:t>
+            </a:r>
+            <a:r>
+              <a:rPr lang="en-US" dirty="0">
+                <a:latin typeface="Courier New" panose="02070309020205020404" pitchFamily="49" charset="0"/>
+                <a:cs typeface="Courier New" panose="02070309020205020404" pitchFamily="49" charset="0"/>
+              </a:rPr>
+              <a:t>::</a:t>
+            </a:r>
+            <a:r>
+              <a:rPr lang="en-US" dirty="0" err="1">
+                <a:latin typeface="Courier New" panose="02070309020205020404" pitchFamily="49" charset="0"/>
+                <a:cs typeface="Courier New" panose="02070309020205020404" pitchFamily="49" charset="0"/>
+              </a:rPr>
+              <a:t>cout</a:t>
+            </a:r>
+            <a:r>
+              <a:rPr lang="en-US" dirty="0">
+                <a:latin typeface="Courier New" panose="02070309020205020404" pitchFamily="49" charset="0"/>
+                <a:cs typeface="Courier New" panose="02070309020205020404" pitchFamily="49" charset="0"/>
+              </a:rPr>
+              <a:t> &lt;&lt; </a:t>
+            </a:r>
+            <a:r>
+              <a:rPr lang="en-US" dirty="0" err="1" smtClean="0">
+                <a:latin typeface="Courier New" panose="02070309020205020404" pitchFamily="49" charset="0"/>
+                <a:cs typeface="Courier New" panose="02070309020205020404" pitchFamily="49" charset="0"/>
+              </a:rPr>
+              <a:t>s.top</a:t>
+            </a:r>
+            <a:r>
+              <a:rPr lang="en-US" dirty="0" smtClean="0">
+                <a:latin typeface="Courier New" panose="02070309020205020404" pitchFamily="49" charset="0"/>
+                <a:cs typeface="Courier New" panose="02070309020205020404" pitchFamily="49" charset="0"/>
+              </a:rPr>
+              <a:t>() </a:t>
+            </a:r>
+            <a:r>
+              <a:rPr lang="en-US" dirty="0">
+                <a:latin typeface="Courier New" panose="02070309020205020404" pitchFamily="49" charset="0"/>
+                <a:cs typeface="Courier New" panose="02070309020205020404" pitchFamily="49" charset="0"/>
+              </a:rPr>
+              <a:t>&lt;&lt; </a:t>
+            </a:r>
+            <a:r>
+              <a:rPr lang="en-US" dirty="0" err="1">
+                <a:latin typeface="Courier New" panose="02070309020205020404" pitchFamily="49" charset="0"/>
+                <a:cs typeface="Courier New" panose="02070309020205020404" pitchFamily="49" charset="0"/>
+              </a:rPr>
+              <a:t>std</a:t>
+            </a:r>
+            <a:r>
+              <a:rPr lang="en-US" dirty="0">
+                <a:latin typeface="Courier New" panose="02070309020205020404" pitchFamily="49" charset="0"/>
+                <a:cs typeface="Courier New" panose="02070309020205020404" pitchFamily="49" charset="0"/>
+              </a:rPr>
+              <a:t>::</a:t>
+            </a:r>
+            <a:r>
+              <a:rPr lang="en-US" dirty="0" err="1">
+                <a:latin typeface="Courier New" panose="02070309020205020404" pitchFamily="49" charset="0"/>
+                <a:cs typeface="Courier New" panose="02070309020205020404" pitchFamily="49" charset="0"/>
+              </a:rPr>
+              <a:t>endl</a:t>
+            </a:r>
+            <a:r>
+              <a:rPr lang="en-US" dirty="0" smtClean="0">
+                <a:latin typeface="Courier New" panose="02070309020205020404" pitchFamily="49" charset="0"/>
+                <a:cs typeface="Courier New" panose="02070309020205020404" pitchFamily="49" charset="0"/>
+              </a:rPr>
+              <a:t>;</a:t>
+            </a:r>
+          </a:p>
+          <a:p>
+            <a:r>
+              <a:rPr lang="en-US" dirty="0">
+                <a:latin typeface="Courier New" panose="02070309020205020404" pitchFamily="49" charset="0"/>
+                <a:cs typeface="Courier New" panose="02070309020205020404" pitchFamily="49" charset="0"/>
+              </a:rPr>
+              <a:t> </a:t>
+            </a:r>
+            <a:r>
+              <a:rPr lang="en-US" dirty="0" smtClean="0">
+                <a:latin typeface="Courier New" panose="02070309020205020404" pitchFamily="49" charset="0"/>
+                <a:cs typeface="Courier New" panose="02070309020205020404" pitchFamily="49" charset="0"/>
+              </a:rPr>
+              <a:t>   </a:t>
+            </a:r>
+            <a:r>
+              <a:rPr lang="en-US" dirty="0" err="1" smtClean="0">
+                <a:latin typeface="Courier New" panose="02070309020205020404" pitchFamily="49" charset="0"/>
+                <a:cs typeface="Courier New" panose="02070309020205020404" pitchFamily="49" charset="0"/>
+              </a:rPr>
+              <a:t>s.pop</a:t>
+            </a:r>
+            <a:r>
+              <a:rPr lang="en-US" dirty="0" smtClean="0">
+                <a:latin typeface="Courier New" panose="02070309020205020404" pitchFamily="49" charset="0"/>
+                <a:cs typeface="Courier New" panose="02070309020205020404" pitchFamily="49" charset="0"/>
+              </a:rPr>
+              <a:t>();</a:t>
+            </a:r>
+          </a:p>
+          <a:p>
+            <a:r>
+              <a:rPr lang="en-US" dirty="0">
+                <a:latin typeface="Courier New" panose="02070309020205020404" pitchFamily="49" charset="0"/>
+                <a:cs typeface="Courier New" panose="02070309020205020404" pitchFamily="49" charset="0"/>
+              </a:rPr>
+              <a:t>}</a:t>
+            </a:r>
+          </a:p>
+        </p:txBody>
+      </p:sp>
+    </p:spTree>
+    <p:extLst>
+      <p:ext uri="{BB962C8B-B14F-4D97-AF65-F5344CB8AC3E}">
+        <p14:creationId xmlns:p14="http://schemas.microsoft.com/office/powerpoint/2010/main" val="961629525"/>
+      </p:ext>
+    </p:extLst>
+  </p:cSld>
+  <p:clrMapOvr>
+    <a:masterClrMapping/>
+  </p:clrMapOvr>
+  <p:timing>
+    <p:tnLst>
+      <p:par>
+        <p:cTn id="1" dur="indefinite" restart="never" nodeType="tmRoot"/>
+      </p:par>
+    </p:tnLst>
+  </p:timing>
+</p:sld>
+</file>
+
+<file path=ppt/slides/slide33.xml><?xml version="1.0" encoding="utf-8"?>
+<p:sld xmlns:a="http://schemas.openxmlformats.org/drawingml/2006/main" xmlns:r="http://schemas.openxmlformats.org/officeDocument/2006/relationships" xmlns:p="http://schemas.openxmlformats.org/presentationml/2006/main">
+  <p:cSld>
+    <p:spTree>
+      <p:nvGrpSpPr>
+        <p:cNvPr id="1" name=""/>
+        <p:cNvGrpSpPr/>
+        <p:nvPr/>
+      </p:nvGrpSpPr>
+      <p:grpSpPr>
+        <a:xfrm>
+          <a:off x="0" y="0"/>
+          <a:ext cx="0" cy="0"/>
+          <a:chOff x="0" y="0"/>
+          <a:chExt cx="0" cy="0"/>
+        </a:xfrm>
+      </p:grpSpPr>
+      <p:sp>
+        <p:nvSpPr>
+          <p:cNvPr id="2" name="Title 1"/>
+          <p:cNvSpPr>
+            <a:spLocks noGrp="1"/>
+          </p:cNvSpPr>
+          <p:nvPr>
+            <p:ph type="title"/>
+          </p:nvPr>
+        </p:nvSpPr>
+        <p:spPr/>
+        <p:txBody>
+          <a:bodyPr/>
+          <a:lstStyle/>
+          <a:p>
+            <a:r>
+              <a:rPr lang="en-US" dirty="0" smtClean="0"/>
               <a:t>Queue</a:t>
             </a:r>
             <a:endParaRPr lang="en-US" dirty="0"/>
@@ -19504,7 +19767,7 @@
           <a:p>
             <a:fld id="{11AD1F4E-1E51-402E-B221-310F004E7D3B}" type="slidenum">
               <a:rPr lang="en-US" smtClean="0"/>
-              <a:t>32</a:t>
+              <a:t>33</a:t>
             </a:fld>
             <a:endParaRPr lang="en-US"/>
           </a:p>
@@ -19581,7 +19844,7 @@
             <a:graphicData uri="http://schemas.openxmlformats.org/presentationml/2006/ole">
               <mc:AlternateContent xmlns:mc="http://schemas.openxmlformats.org/markup-compatibility/2006">
                 <mc:Choice xmlns:v="urn:schemas-microsoft-com:vml" Requires="v">
-                  <p:oleObj spid="_x0000_s8261" name="Equation" r:id="rId3" imgW="444240" imgH="241200" progId="Equation.3">
+                  <p:oleObj spid="_x0000_s8265" name="Equation" r:id="rId3" imgW="444240" imgH="241200" progId="Equation.3">
                     <p:embed/>
                   </p:oleObj>
                 </mc:Choice>
@@ -19970,210 +20233,6 @@
 </p:sld>
 </file>
 
-<file path=ppt/slides/slide33.xml><?xml version="1.0" encoding="utf-8"?>
-<p:sld xmlns:a="http://schemas.openxmlformats.org/drawingml/2006/main" xmlns:r="http://schemas.openxmlformats.org/officeDocument/2006/relationships" xmlns:p="http://schemas.openxmlformats.org/presentationml/2006/main">
-  <p:cSld>
-    <p:spTree>
-      <p:nvGrpSpPr>
-        <p:cNvPr id="1" name=""/>
-        <p:cNvGrpSpPr/>
-        <p:nvPr/>
-      </p:nvGrpSpPr>
-      <p:grpSpPr>
-        <a:xfrm>
-          <a:off x="0" y="0"/>
-          <a:ext cx="0" cy="0"/>
-          <a:chOff x="0" y="0"/>
-          <a:chExt cx="0" cy="0"/>
-        </a:xfrm>
-      </p:grpSpPr>
-      <p:sp>
-        <p:nvSpPr>
-          <p:cNvPr id="2" name="Title 1"/>
-          <p:cNvSpPr>
-            <a:spLocks noGrp="1"/>
-          </p:cNvSpPr>
-          <p:nvPr>
-            <p:ph type="title"/>
-          </p:nvPr>
-        </p:nvSpPr>
-        <p:spPr/>
-        <p:txBody>
-          <a:bodyPr/>
-          <a:lstStyle/>
-          <a:p>
-            <a:r>
-              <a:rPr lang="en-US" dirty="0" smtClean="0"/>
-              <a:t>Queue ADT</a:t>
-            </a:r>
-            <a:endParaRPr lang="en-US" dirty="0"/>
-          </a:p>
-        </p:txBody>
-      </p:sp>
-      <p:sp>
-        <p:nvSpPr>
-          <p:cNvPr id="3" name="Content Placeholder 2"/>
-          <p:cNvSpPr>
-            <a:spLocks noGrp="1"/>
-          </p:cNvSpPr>
-          <p:nvPr>
-            <p:ph idx="1"/>
-          </p:nvPr>
-        </p:nvSpPr>
-        <p:spPr/>
-        <p:txBody>
-          <a:bodyPr/>
-          <a:lstStyle/>
-          <a:p>
-            <a:r>
-              <a:rPr lang="en-US" dirty="0" smtClean="0"/>
-              <a:t>EMPTY_QUEUE() </a:t>
-            </a:r>
-            <a:r>
-              <a:rPr lang="en-US" dirty="0" smtClean="0">
-                <a:sym typeface="Symbol" panose="05050102010706020507" pitchFamily="18" charset="2"/>
-              </a:rPr>
-              <a:t> queue</a:t>
-            </a:r>
-            <a:endParaRPr lang="en-US" dirty="0" smtClean="0"/>
-          </a:p>
-          <a:p>
-            <a:r>
-              <a:rPr lang="en-US" dirty="0" smtClean="0"/>
-              <a:t>QUEUE.PUSH(value</a:t>
-            </a:r>
-            <a:r>
-              <a:rPr lang="en-US" dirty="0"/>
-              <a:t>)</a:t>
-            </a:r>
-          </a:p>
-          <a:p>
-            <a:r>
-              <a:rPr lang="en-US" dirty="0" smtClean="0"/>
-              <a:t>QUEUE.POP()</a:t>
-            </a:r>
-          </a:p>
-          <a:p>
-            <a:r>
-              <a:rPr lang="en-US" dirty="0" smtClean="0"/>
-              <a:t>QUEUE.FRONT()</a:t>
-            </a:r>
-            <a:r>
-              <a:rPr lang="en-US" dirty="0"/>
-              <a:t> </a:t>
-            </a:r>
-            <a:r>
-              <a:rPr lang="en-US" dirty="0">
-                <a:sym typeface="Symbol" panose="05050102010706020507" pitchFamily="18" charset="2"/>
-              </a:rPr>
-              <a:t> </a:t>
-            </a:r>
-            <a:r>
-              <a:rPr lang="en-US" dirty="0" smtClean="0">
-                <a:sym typeface="Symbol" panose="05050102010706020507" pitchFamily="18" charset="2"/>
-              </a:rPr>
-              <a:t>value</a:t>
-            </a:r>
-            <a:endParaRPr lang="en-US" dirty="0"/>
-          </a:p>
-          <a:p>
-            <a:r>
-              <a:rPr lang="en-US" dirty="0" smtClean="0"/>
-              <a:t>QUEUE.IS_EMPTY()</a:t>
-            </a:r>
-            <a:r>
-              <a:rPr lang="en-US" dirty="0"/>
-              <a:t> </a:t>
-            </a:r>
-            <a:r>
-              <a:rPr lang="en-US" dirty="0">
-                <a:sym typeface="Symbol" panose="05050102010706020507" pitchFamily="18" charset="2"/>
-              </a:rPr>
-              <a:t> </a:t>
-            </a:r>
-            <a:r>
-              <a:rPr lang="en-US" dirty="0" err="1" smtClean="0">
-                <a:sym typeface="Symbol" panose="05050102010706020507" pitchFamily="18" charset="2"/>
-              </a:rPr>
-              <a:t>boolean</a:t>
-            </a:r>
-            <a:endParaRPr lang="en-US" dirty="0" smtClean="0"/>
-          </a:p>
-          <a:p>
-            <a:r>
-              <a:rPr lang="en-US" dirty="0" smtClean="0"/>
-              <a:t>QUEUE.LENGTH() </a:t>
-            </a:r>
-            <a:r>
-              <a:rPr lang="en-US" dirty="0">
-                <a:sym typeface="Symbol" panose="05050102010706020507" pitchFamily="18" charset="2"/>
-              </a:rPr>
-              <a:t> </a:t>
-            </a:r>
-            <a:r>
-              <a:rPr lang="en-US" dirty="0" smtClean="0">
-                <a:sym typeface="Symbol" panose="05050102010706020507" pitchFamily="18" charset="2"/>
-              </a:rPr>
-              <a:t>length</a:t>
-            </a:r>
-            <a:br>
-              <a:rPr lang="en-US" dirty="0" smtClean="0">
-                <a:sym typeface="Symbol" panose="05050102010706020507" pitchFamily="18" charset="2"/>
-              </a:rPr>
-            </a:br>
-            <a:r>
-              <a:rPr lang="en-US" dirty="0" smtClean="0">
-                <a:sym typeface="Symbol" panose="05050102010706020507" pitchFamily="18" charset="2"/>
-              </a:rPr>
-              <a:t>      = #push - #pop</a:t>
-            </a:r>
-            <a:endParaRPr lang="en-US" dirty="0"/>
-          </a:p>
-        </p:txBody>
-      </p:sp>
-      <p:sp>
-        <p:nvSpPr>
-          <p:cNvPr id="4" name="Slide Number Placeholder 3"/>
-          <p:cNvSpPr>
-            <a:spLocks noGrp="1"/>
-          </p:cNvSpPr>
-          <p:nvPr>
-            <p:ph type="sldNum" sz="quarter" idx="12"/>
-          </p:nvPr>
-        </p:nvSpPr>
-        <p:spPr/>
-        <p:txBody>
-          <a:bodyPr/>
-          <a:lstStyle/>
-          <a:p>
-            <a:fld id="{11AD1F4E-1E51-402E-B221-310F004E7D3B}" type="slidenum">
-              <a:rPr lang="en-US" smtClean="0"/>
-              <a:t>33</a:t>
-            </a:fld>
-            <a:endParaRPr lang="en-US"/>
-          </a:p>
-        </p:txBody>
-      </p:sp>
-    </p:spTree>
-    <p:extLst>
-      <p:ext uri="{BB962C8B-B14F-4D97-AF65-F5344CB8AC3E}">
-        <p14:creationId xmlns:p14="http://schemas.microsoft.com/office/powerpoint/2010/main" val="1534393266"/>
-      </p:ext>
-    </p:extLst>
-  </p:cSld>
-  <p:clrMapOvr>
-    <a:masterClrMapping/>
-  </p:clrMapOvr>
-  <p:timing>
-    <p:tnLst>
-      <p:par>
-        <p:cTn id="1" dur="indefinite" restart="never" nodeType="tmRoot"/>
-      </p:par>
-    </p:tnLst>
-  </p:timing>
-</p:sld>
-</file>
-
 <file path=ppt/slides/slide34.xml><?xml version="1.0" encoding="utf-8"?>
 <p:sld xmlns:a="http://schemas.openxmlformats.org/drawingml/2006/main" xmlns:r="http://schemas.openxmlformats.org/officeDocument/2006/relationships" xmlns:p="http://schemas.openxmlformats.org/presentationml/2006/main">
   <p:cSld>
@@ -20208,7 +20267,128 @@
           <a:p>
             <a:r>
               <a:rPr lang="en-US" dirty="0" smtClean="0"/>
-              <a:t>Queue examples</a:t>
+              <a:t>Queue ADT</a:t>
+            </a:r>
+            <a:endParaRPr lang="en-US" dirty="0"/>
+          </a:p>
+        </p:txBody>
+      </p:sp>
+      <p:sp>
+        <p:nvSpPr>
+          <p:cNvPr id="3" name="Content Placeholder 2"/>
+          <p:cNvSpPr>
+            <a:spLocks noGrp="1"/>
+          </p:cNvSpPr>
+          <p:nvPr>
+            <p:ph idx="1"/>
+          </p:nvPr>
+        </p:nvSpPr>
+        <p:spPr/>
+        <p:txBody>
+          <a:bodyPr/>
+          <a:lstStyle/>
+          <a:p>
+            <a:r>
+              <a:rPr lang="en-US" dirty="0" smtClean="0"/>
+              <a:t>EMPTY_QUEUE() </a:t>
+            </a:r>
+            <a:r>
+              <a:rPr lang="en-US" dirty="0" smtClean="0">
+                <a:sym typeface="Symbol" panose="05050102010706020507" pitchFamily="18" charset="2"/>
+              </a:rPr>
+              <a:t> queue</a:t>
+            </a:r>
+            <a:endParaRPr lang="en-US" dirty="0" smtClean="0"/>
+          </a:p>
+          <a:p>
+            <a:r>
+              <a:rPr lang="en-US" dirty="0" smtClean="0"/>
+              <a:t>QUEUE.PUSH(value</a:t>
+            </a:r>
+            <a:r>
+              <a:rPr lang="en-US" dirty="0"/>
+              <a:t>)</a:t>
+            </a:r>
+          </a:p>
+          <a:p>
+            <a:r>
+              <a:rPr lang="en-US" dirty="0" smtClean="0"/>
+              <a:t>QUEUE.POP()</a:t>
+            </a:r>
+          </a:p>
+          <a:p>
+            <a:r>
+              <a:rPr lang="en-US" dirty="0" smtClean="0"/>
+              <a:t>QUEUE.FRONT()</a:t>
+            </a:r>
+            <a:r>
+              <a:rPr lang="en-US" dirty="0"/>
+              <a:t> </a:t>
+            </a:r>
+            <a:r>
+              <a:rPr lang="en-US" dirty="0">
+                <a:sym typeface="Symbol" panose="05050102010706020507" pitchFamily="18" charset="2"/>
+              </a:rPr>
+              <a:t> </a:t>
+            </a:r>
+            <a:r>
+              <a:rPr lang="en-US" dirty="0" smtClean="0">
+                <a:sym typeface="Symbol" panose="05050102010706020507" pitchFamily="18" charset="2"/>
+              </a:rPr>
+              <a:t>value</a:t>
+            </a:r>
+            <a:endParaRPr lang="en-US" dirty="0"/>
+          </a:p>
+          <a:p>
+            <a:r>
+              <a:rPr lang="en-US" dirty="0" smtClean="0"/>
+              <a:t>QUEUE.IS_EMPTY()</a:t>
+            </a:r>
+            <a:r>
+              <a:rPr lang="en-US" dirty="0"/>
+              <a:t> </a:t>
+            </a:r>
+            <a:r>
+              <a:rPr lang="en-US" dirty="0">
+                <a:sym typeface="Symbol" panose="05050102010706020507" pitchFamily="18" charset="2"/>
+              </a:rPr>
+              <a:t> </a:t>
+            </a:r>
+            <a:r>
+              <a:rPr lang="en-US" dirty="0" err="1" smtClean="0">
+                <a:sym typeface="Symbol" panose="05050102010706020507" pitchFamily="18" charset="2"/>
+              </a:rPr>
+              <a:t>boolean</a:t>
+            </a:r>
+            <a:endParaRPr lang="en-US" dirty="0" smtClean="0"/>
+          </a:p>
+          <a:p>
+            <a:r>
+              <a:rPr lang="en-US" dirty="0" smtClean="0"/>
+              <a:t>QUEUE.LENGTH() </a:t>
+            </a:r>
+            <a:r>
+              <a:rPr lang="en-US" dirty="0">
+                <a:sym typeface="Symbol" panose="05050102010706020507" pitchFamily="18" charset="2"/>
+              </a:rPr>
+              <a:t> </a:t>
+            </a:r>
+            <a:r>
+              <a:rPr lang="en-US" dirty="0" smtClean="0">
+                <a:sym typeface="Symbol" panose="05050102010706020507" pitchFamily="18" charset="2"/>
+              </a:rPr>
+              <a:t>length</a:t>
+            </a:r>
+            <a:br>
+              <a:rPr lang="en-US" dirty="0" smtClean="0">
+                <a:sym typeface="Symbol" panose="05050102010706020507" pitchFamily="18" charset="2"/>
+              </a:rPr>
+            </a:br>
+            <a:r>
+              <a:rPr lang="en-US" dirty="0" smtClean="0">
+                <a:sym typeface="Symbol" panose="05050102010706020507" pitchFamily="18" charset="2"/>
+              </a:rPr>
+              <a:t>      = #push - #pop</a:t>
             </a:r>
             <a:endParaRPr lang="en-US" dirty="0"/>
           </a:p>
@@ -20237,365 +20417,10 @@
           </a:p>
         </p:txBody>
       </p:sp>
-      <p:sp>
-        <p:nvSpPr>
-          <p:cNvPr id="5" name="TextBox 4"/>
-          <p:cNvSpPr txBox="1"/>
-          <p:nvPr/>
-        </p:nvSpPr>
-        <p:spPr>
-          <a:xfrm>
-            <a:off x="628650" y="1704105"/>
-            <a:ext cx="6665768" cy="2585323"/>
-          </a:xfrm>
-          <a:prstGeom prst="rect">
-            <a:avLst/>
-          </a:prstGeom>
-          <a:solidFill>
-            <a:schemeClr val="bg1">
-              <a:lumMod val="75000"/>
-            </a:schemeClr>
-          </a:solidFill>
-          <a:ln>
-            <a:solidFill>
-              <a:schemeClr val="tx1"/>
-            </a:solidFill>
-          </a:ln>
-        </p:spPr>
-        <p:txBody>
-          <a:bodyPr wrap="square" rtlCol="0">
-            <a:spAutoFit/>
-          </a:bodyPr>
-          <a:lstStyle/>
-          <a:p>
-            <a:r>
-              <a:rPr lang="en-US" dirty="0" smtClean="0">
-                <a:latin typeface="Courier New" panose="02070309020205020404" pitchFamily="49" charset="0"/>
-                <a:cs typeface="Courier New" panose="02070309020205020404" pitchFamily="49" charset="0"/>
-              </a:rPr>
-              <a:t>#include &lt;queue&gt;</a:t>
-            </a:r>
-          </a:p>
-          <a:p>
-            <a:r>
-              <a:rPr lang="en-US" dirty="0" smtClean="0">
-                <a:latin typeface="Courier New" panose="02070309020205020404" pitchFamily="49" charset="0"/>
-                <a:cs typeface="Courier New" panose="02070309020205020404" pitchFamily="49" charset="0"/>
-              </a:rPr>
-              <a:t>…</a:t>
-            </a:r>
-          </a:p>
-          <a:p>
-            <a:r>
-              <a:rPr lang="en-US" dirty="0" err="1" smtClean="0">
-                <a:latin typeface="Courier New" panose="02070309020205020404" pitchFamily="49" charset="0"/>
-                <a:cs typeface="Courier New" panose="02070309020205020404" pitchFamily="49" charset="0"/>
-              </a:rPr>
-              <a:t>std</a:t>
-            </a:r>
-            <a:r>
-              <a:rPr lang="en-US" dirty="0" smtClean="0">
-                <a:latin typeface="Courier New" panose="02070309020205020404" pitchFamily="49" charset="0"/>
-                <a:cs typeface="Courier New" panose="02070309020205020404" pitchFamily="49" charset="0"/>
-              </a:rPr>
-              <a:t>::queue&lt;</a:t>
-            </a:r>
-            <a:r>
-              <a:rPr lang="en-US" dirty="0" err="1" smtClean="0">
-                <a:latin typeface="Courier New" panose="02070309020205020404" pitchFamily="49" charset="0"/>
-                <a:cs typeface="Courier New" panose="02070309020205020404" pitchFamily="49" charset="0"/>
-              </a:rPr>
-              <a:t>int</a:t>
-            </a:r>
-            <a:r>
-              <a:rPr lang="en-US" dirty="0" smtClean="0">
-                <a:latin typeface="Courier New" panose="02070309020205020404" pitchFamily="49" charset="0"/>
-                <a:cs typeface="Courier New" panose="02070309020205020404" pitchFamily="49" charset="0"/>
-              </a:rPr>
-              <a:t>&gt; q;</a:t>
-            </a:r>
-          </a:p>
-          <a:p>
-            <a:r>
-              <a:rPr lang="en-US" dirty="0" smtClean="0">
-                <a:latin typeface="Courier New" panose="02070309020205020404" pitchFamily="49" charset="0"/>
-                <a:cs typeface="Courier New" panose="02070309020205020404" pitchFamily="49" charset="0"/>
-              </a:rPr>
-              <a:t>for (</a:t>
-            </a:r>
-            <a:r>
-              <a:rPr lang="en-US" dirty="0" err="1" smtClean="0">
-                <a:latin typeface="Courier New" panose="02070309020205020404" pitchFamily="49" charset="0"/>
-                <a:cs typeface="Courier New" panose="02070309020205020404" pitchFamily="49" charset="0"/>
-              </a:rPr>
-              <a:t>int</a:t>
-            </a:r>
-            <a:r>
-              <a:rPr lang="en-US" dirty="0" smtClean="0">
-                <a:latin typeface="Courier New" panose="02070309020205020404" pitchFamily="49" charset="0"/>
-                <a:cs typeface="Courier New" panose="02070309020205020404" pitchFamily="49" charset="0"/>
-              </a:rPr>
-              <a:t> </a:t>
-            </a:r>
-            <a:r>
-              <a:rPr lang="en-US" dirty="0" err="1" smtClean="0">
-                <a:latin typeface="Courier New" panose="02070309020205020404" pitchFamily="49" charset="0"/>
-                <a:cs typeface="Courier New" panose="02070309020205020404" pitchFamily="49" charset="0"/>
-              </a:rPr>
-              <a:t>i</a:t>
-            </a:r>
-            <a:r>
-              <a:rPr lang="en-US" dirty="0" smtClean="0">
-                <a:latin typeface="Courier New" panose="02070309020205020404" pitchFamily="49" charset="0"/>
-                <a:cs typeface="Courier New" panose="02070309020205020404" pitchFamily="49" charset="0"/>
-              </a:rPr>
-              <a:t> = 0; </a:t>
-            </a:r>
-            <a:r>
-              <a:rPr lang="en-US" dirty="0" err="1" smtClean="0">
-                <a:latin typeface="Courier New" panose="02070309020205020404" pitchFamily="49" charset="0"/>
-                <a:cs typeface="Courier New" panose="02070309020205020404" pitchFamily="49" charset="0"/>
-              </a:rPr>
-              <a:t>i</a:t>
-            </a:r>
-            <a:r>
-              <a:rPr lang="en-US" dirty="0" smtClean="0">
-                <a:latin typeface="Courier New" panose="02070309020205020404" pitchFamily="49" charset="0"/>
-                <a:cs typeface="Courier New" panose="02070309020205020404" pitchFamily="49" charset="0"/>
-              </a:rPr>
-              <a:t> &lt; 10; </a:t>
-            </a:r>
-            <a:r>
-              <a:rPr lang="en-US" dirty="0" err="1" smtClean="0">
-                <a:latin typeface="Courier New" panose="02070309020205020404" pitchFamily="49" charset="0"/>
-                <a:cs typeface="Courier New" panose="02070309020205020404" pitchFamily="49" charset="0"/>
-              </a:rPr>
-              <a:t>i</a:t>
-            </a:r>
-            <a:r>
-              <a:rPr lang="en-US" dirty="0" smtClean="0">
-                <a:latin typeface="Courier New" panose="02070309020205020404" pitchFamily="49" charset="0"/>
-                <a:cs typeface="Courier New" panose="02070309020205020404" pitchFamily="49" charset="0"/>
-              </a:rPr>
-              <a:t>++)</a:t>
-            </a:r>
-          </a:p>
-          <a:p>
-            <a:r>
-              <a:rPr lang="en-US" dirty="0">
-                <a:latin typeface="Courier New" panose="02070309020205020404" pitchFamily="49" charset="0"/>
-                <a:cs typeface="Courier New" panose="02070309020205020404" pitchFamily="49" charset="0"/>
-              </a:rPr>
-              <a:t> </a:t>
-            </a:r>
-            <a:r>
-              <a:rPr lang="en-US" dirty="0" smtClean="0">
-                <a:latin typeface="Courier New" panose="02070309020205020404" pitchFamily="49" charset="0"/>
-                <a:cs typeface="Courier New" panose="02070309020205020404" pitchFamily="49" charset="0"/>
-              </a:rPr>
-              <a:t>   </a:t>
-            </a:r>
-            <a:r>
-              <a:rPr lang="en-US" dirty="0" err="1" smtClean="0">
-                <a:latin typeface="Courier New" panose="02070309020205020404" pitchFamily="49" charset="0"/>
-                <a:cs typeface="Courier New" panose="02070309020205020404" pitchFamily="49" charset="0"/>
-              </a:rPr>
-              <a:t>q.push</a:t>
-            </a:r>
-            <a:r>
-              <a:rPr lang="en-US" dirty="0" smtClean="0">
-                <a:latin typeface="Courier New" panose="02070309020205020404" pitchFamily="49" charset="0"/>
-                <a:cs typeface="Courier New" panose="02070309020205020404" pitchFamily="49" charset="0"/>
-              </a:rPr>
-              <a:t>(</a:t>
-            </a:r>
-            <a:r>
-              <a:rPr lang="en-US" dirty="0" err="1" smtClean="0">
-                <a:latin typeface="Courier New" panose="02070309020205020404" pitchFamily="49" charset="0"/>
-                <a:cs typeface="Courier New" panose="02070309020205020404" pitchFamily="49" charset="0"/>
-              </a:rPr>
-              <a:t>i</a:t>
-            </a:r>
-            <a:r>
-              <a:rPr lang="en-US" dirty="0" smtClean="0">
-                <a:latin typeface="Courier New" panose="02070309020205020404" pitchFamily="49" charset="0"/>
-                <a:cs typeface="Courier New" panose="02070309020205020404" pitchFamily="49" charset="0"/>
-              </a:rPr>
-              <a:t>);</a:t>
-            </a:r>
-          </a:p>
-          <a:p>
-            <a:r>
-              <a:rPr lang="en-US" dirty="0" smtClean="0">
-                <a:latin typeface="Courier New" panose="02070309020205020404" pitchFamily="49" charset="0"/>
-                <a:cs typeface="Courier New" panose="02070309020205020404" pitchFamily="49" charset="0"/>
-              </a:rPr>
-              <a:t>while (!</a:t>
-            </a:r>
-            <a:r>
-              <a:rPr lang="en-US" dirty="0" err="1" smtClean="0">
-                <a:latin typeface="Courier New" panose="02070309020205020404" pitchFamily="49" charset="0"/>
-                <a:cs typeface="Courier New" panose="02070309020205020404" pitchFamily="49" charset="0"/>
-              </a:rPr>
-              <a:t>q.empty</a:t>
-            </a:r>
-            <a:r>
-              <a:rPr lang="en-US" dirty="0" smtClean="0">
-                <a:latin typeface="Courier New" panose="02070309020205020404" pitchFamily="49" charset="0"/>
-                <a:cs typeface="Courier New" panose="02070309020205020404" pitchFamily="49" charset="0"/>
-              </a:rPr>
-              <a:t>()) {</a:t>
-            </a:r>
-            <a:endParaRPr lang="en-US" dirty="0">
-              <a:latin typeface="Courier New" panose="02070309020205020404" pitchFamily="49" charset="0"/>
-              <a:cs typeface="Courier New" panose="02070309020205020404" pitchFamily="49" charset="0"/>
-            </a:endParaRPr>
-          </a:p>
-          <a:p>
-            <a:r>
-              <a:rPr lang="en-US" dirty="0" smtClean="0">
-                <a:latin typeface="Courier New" panose="02070309020205020404" pitchFamily="49" charset="0"/>
-                <a:cs typeface="Courier New" panose="02070309020205020404" pitchFamily="49" charset="0"/>
-              </a:rPr>
-              <a:t>    </a:t>
-            </a:r>
-            <a:r>
-              <a:rPr lang="en-US" dirty="0" err="1">
-                <a:latin typeface="Courier New" panose="02070309020205020404" pitchFamily="49" charset="0"/>
-                <a:cs typeface="Courier New" panose="02070309020205020404" pitchFamily="49" charset="0"/>
-              </a:rPr>
-              <a:t>std</a:t>
-            </a:r>
-            <a:r>
-              <a:rPr lang="en-US" dirty="0">
-                <a:latin typeface="Courier New" panose="02070309020205020404" pitchFamily="49" charset="0"/>
-                <a:cs typeface="Courier New" panose="02070309020205020404" pitchFamily="49" charset="0"/>
-              </a:rPr>
-              <a:t>::</a:t>
-            </a:r>
-            <a:r>
-              <a:rPr lang="en-US" dirty="0" err="1">
-                <a:latin typeface="Courier New" panose="02070309020205020404" pitchFamily="49" charset="0"/>
-                <a:cs typeface="Courier New" panose="02070309020205020404" pitchFamily="49" charset="0"/>
-              </a:rPr>
-              <a:t>cout</a:t>
-            </a:r>
-            <a:r>
-              <a:rPr lang="en-US" dirty="0">
-                <a:latin typeface="Courier New" panose="02070309020205020404" pitchFamily="49" charset="0"/>
-                <a:cs typeface="Courier New" panose="02070309020205020404" pitchFamily="49" charset="0"/>
-              </a:rPr>
-              <a:t> &lt;&lt; </a:t>
-            </a:r>
-            <a:r>
-              <a:rPr lang="en-US" dirty="0" err="1">
-                <a:latin typeface="Courier New" panose="02070309020205020404" pitchFamily="49" charset="0"/>
-                <a:cs typeface="Courier New" panose="02070309020205020404" pitchFamily="49" charset="0"/>
-              </a:rPr>
-              <a:t>q</a:t>
-            </a:r>
-            <a:r>
-              <a:rPr lang="en-US" dirty="0" err="1" smtClean="0">
-                <a:latin typeface="Courier New" panose="02070309020205020404" pitchFamily="49" charset="0"/>
-                <a:cs typeface="Courier New" panose="02070309020205020404" pitchFamily="49" charset="0"/>
-              </a:rPr>
-              <a:t>.front</a:t>
-            </a:r>
-            <a:r>
-              <a:rPr lang="en-US" dirty="0" smtClean="0">
-                <a:latin typeface="Courier New" panose="02070309020205020404" pitchFamily="49" charset="0"/>
-                <a:cs typeface="Courier New" panose="02070309020205020404" pitchFamily="49" charset="0"/>
-              </a:rPr>
-              <a:t>() </a:t>
-            </a:r>
-            <a:r>
-              <a:rPr lang="en-US" dirty="0">
-                <a:latin typeface="Courier New" panose="02070309020205020404" pitchFamily="49" charset="0"/>
-                <a:cs typeface="Courier New" panose="02070309020205020404" pitchFamily="49" charset="0"/>
-              </a:rPr>
-              <a:t>&lt;&lt; </a:t>
-            </a:r>
-            <a:r>
-              <a:rPr lang="en-US" dirty="0" err="1">
-                <a:latin typeface="Courier New" panose="02070309020205020404" pitchFamily="49" charset="0"/>
-                <a:cs typeface="Courier New" panose="02070309020205020404" pitchFamily="49" charset="0"/>
-              </a:rPr>
-              <a:t>std</a:t>
-            </a:r>
-            <a:r>
-              <a:rPr lang="en-US" dirty="0">
-                <a:latin typeface="Courier New" panose="02070309020205020404" pitchFamily="49" charset="0"/>
-                <a:cs typeface="Courier New" panose="02070309020205020404" pitchFamily="49" charset="0"/>
-              </a:rPr>
-              <a:t>::</a:t>
-            </a:r>
-            <a:r>
-              <a:rPr lang="en-US" dirty="0" err="1">
-                <a:latin typeface="Courier New" panose="02070309020205020404" pitchFamily="49" charset="0"/>
-                <a:cs typeface="Courier New" panose="02070309020205020404" pitchFamily="49" charset="0"/>
-              </a:rPr>
-              <a:t>endl</a:t>
-            </a:r>
-            <a:r>
-              <a:rPr lang="en-US" dirty="0" smtClean="0">
-                <a:latin typeface="Courier New" panose="02070309020205020404" pitchFamily="49" charset="0"/>
-                <a:cs typeface="Courier New" panose="02070309020205020404" pitchFamily="49" charset="0"/>
-              </a:rPr>
-              <a:t>;</a:t>
-            </a:r>
-          </a:p>
-          <a:p>
-            <a:r>
-              <a:rPr lang="en-US" dirty="0">
-                <a:latin typeface="Courier New" panose="02070309020205020404" pitchFamily="49" charset="0"/>
-                <a:cs typeface="Courier New" panose="02070309020205020404" pitchFamily="49" charset="0"/>
-              </a:rPr>
-              <a:t> </a:t>
-            </a:r>
-            <a:r>
-              <a:rPr lang="en-US" dirty="0" smtClean="0">
-                <a:latin typeface="Courier New" panose="02070309020205020404" pitchFamily="49" charset="0"/>
-                <a:cs typeface="Courier New" panose="02070309020205020404" pitchFamily="49" charset="0"/>
-              </a:rPr>
-              <a:t>   </a:t>
-            </a:r>
-            <a:r>
-              <a:rPr lang="en-US" dirty="0" err="1">
-                <a:latin typeface="Courier New" panose="02070309020205020404" pitchFamily="49" charset="0"/>
-                <a:cs typeface="Courier New" panose="02070309020205020404" pitchFamily="49" charset="0"/>
-              </a:rPr>
-              <a:t>q</a:t>
-            </a:r>
-            <a:r>
-              <a:rPr lang="en-US" dirty="0" err="1" smtClean="0">
-                <a:latin typeface="Courier New" panose="02070309020205020404" pitchFamily="49" charset="0"/>
-                <a:cs typeface="Courier New" panose="02070309020205020404" pitchFamily="49" charset="0"/>
-              </a:rPr>
-              <a:t>.pop</a:t>
-            </a:r>
-            <a:r>
-              <a:rPr lang="en-US" dirty="0" smtClean="0">
-                <a:latin typeface="Courier New" panose="02070309020205020404" pitchFamily="49" charset="0"/>
-                <a:cs typeface="Courier New" panose="02070309020205020404" pitchFamily="49" charset="0"/>
-              </a:rPr>
-              <a:t>();</a:t>
-            </a:r>
-          </a:p>
-          <a:p>
-            <a:r>
-              <a:rPr lang="en-US" dirty="0">
-                <a:latin typeface="Courier New" panose="02070309020205020404" pitchFamily="49" charset="0"/>
-                <a:cs typeface="Courier New" panose="02070309020205020404" pitchFamily="49" charset="0"/>
-              </a:rPr>
-              <a:t>}</a:t>
-            </a:r>
-          </a:p>
-        </p:txBody>
-      </p:sp>
     </p:spTree>
     <p:extLst>
       <p:ext uri="{BB962C8B-B14F-4D97-AF65-F5344CB8AC3E}">
-        <p14:creationId xmlns:p14="http://schemas.microsoft.com/office/powerpoint/2010/main" val="3930827009"/>
+        <p14:creationId xmlns:p14="http://schemas.microsoft.com/office/powerpoint/2010/main" val="1534393266"/>
       </p:ext>
     </p:extLst>
   </p:cSld>
@@ -20631,6 +20456,444 @@
       </p:grpSpPr>
       <p:sp>
         <p:nvSpPr>
+          <p:cNvPr id="2" name="Title 1"/>
+          <p:cNvSpPr>
+            <a:spLocks noGrp="1"/>
+          </p:cNvSpPr>
+          <p:nvPr>
+            <p:ph type="title"/>
+          </p:nvPr>
+        </p:nvSpPr>
+        <p:spPr/>
+        <p:txBody>
+          <a:bodyPr/>
+          <a:lstStyle/>
+          <a:p>
+            <a:r>
+              <a:rPr lang="en-US" dirty="0" smtClean="0"/>
+              <a:t>Queue examples</a:t>
+            </a:r>
+            <a:endParaRPr lang="en-US" dirty="0"/>
+          </a:p>
+        </p:txBody>
+      </p:sp>
+      <p:sp>
+        <p:nvSpPr>
+          <p:cNvPr id="4" name="Slide Number Placeholder 3"/>
+          <p:cNvSpPr>
+            <a:spLocks noGrp="1"/>
+          </p:cNvSpPr>
+          <p:nvPr>
+            <p:ph type="sldNum" sz="quarter" idx="12"/>
+          </p:nvPr>
+        </p:nvSpPr>
+        <p:spPr/>
+        <p:txBody>
+          <a:bodyPr/>
+          <a:lstStyle/>
+          <a:p>
+            <a:fld id="{11AD1F4E-1E51-402E-B221-310F004E7D3B}" type="slidenum">
+              <a:rPr lang="en-US" smtClean="0"/>
+              <a:t>35</a:t>
+            </a:fld>
+            <a:endParaRPr lang="en-US"/>
+          </a:p>
+        </p:txBody>
+      </p:sp>
+      <p:sp>
+        <p:nvSpPr>
+          <p:cNvPr id="5" name="TextBox 4"/>
+          <p:cNvSpPr txBox="1"/>
+          <p:nvPr/>
+        </p:nvSpPr>
+        <p:spPr>
+          <a:xfrm>
+            <a:off x="628650" y="1704105"/>
+            <a:ext cx="6665768" cy="2585323"/>
+          </a:xfrm>
+          <a:prstGeom prst="rect">
+            <a:avLst/>
+          </a:prstGeom>
+          <a:solidFill>
+            <a:schemeClr val="bg1">
+              <a:lumMod val="75000"/>
+            </a:schemeClr>
+          </a:solidFill>
+          <a:ln>
+            <a:solidFill>
+              <a:schemeClr val="tx1"/>
+            </a:solidFill>
+          </a:ln>
+        </p:spPr>
+        <p:txBody>
+          <a:bodyPr wrap="square" rtlCol="0">
+            <a:spAutoFit/>
+          </a:bodyPr>
+          <a:lstStyle/>
+          <a:p>
+            <a:r>
+              <a:rPr lang="en-US" dirty="0" smtClean="0">
+                <a:latin typeface="Courier New" panose="02070309020205020404" pitchFamily="49" charset="0"/>
+                <a:cs typeface="Courier New" panose="02070309020205020404" pitchFamily="49" charset="0"/>
+              </a:rPr>
+              <a:t>#include &lt;queue&gt;</a:t>
+            </a:r>
+          </a:p>
+          <a:p>
+            <a:r>
+              <a:rPr lang="en-US" dirty="0" smtClean="0">
+                <a:latin typeface="Courier New" panose="02070309020205020404" pitchFamily="49" charset="0"/>
+                <a:cs typeface="Courier New" panose="02070309020205020404" pitchFamily="49" charset="0"/>
+              </a:rPr>
+              <a:t>…</a:t>
+            </a:r>
+          </a:p>
+          <a:p>
+            <a:r>
+              <a:rPr lang="en-US" dirty="0" err="1" smtClean="0">
+                <a:latin typeface="Courier New" panose="02070309020205020404" pitchFamily="49" charset="0"/>
+                <a:cs typeface="Courier New" panose="02070309020205020404" pitchFamily="49" charset="0"/>
+              </a:rPr>
+              <a:t>std</a:t>
+            </a:r>
+            <a:r>
+              <a:rPr lang="en-US" dirty="0" smtClean="0">
+                <a:latin typeface="Courier New" panose="02070309020205020404" pitchFamily="49" charset="0"/>
+                <a:cs typeface="Courier New" panose="02070309020205020404" pitchFamily="49" charset="0"/>
+              </a:rPr>
+              <a:t>::queue&lt;</a:t>
+            </a:r>
+            <a:r>
+              <a:rPr lang="en-US" dirty="0" err="1" smtClean="0">
+                <a:latin typeface="Courier New" panose="02070309020205020404" pitchFamily="49" charset="0"/>
+                <a:cs typeface="Courier New" panose="02070309020205020404" pitchFamily="49" charset="0"/>
+              </a:rPr>
+              <a:t>int</a:t>
+            </a:r>
+            <a:r>
+              <a:rPr lang="en-US" dirty="0" smtClean="0">
+                <a:latin typeface="Courier New" panose="02070309020205020404" pitchFamily="49" charset="0"/>
+                <a:cs typeface="Courier New" panose="02070309020205020404" pitchFamily="49" charset="0"/>
+              </a:rPr>
+              <a:t>&gt; q;</a:t>
+            </a:r>
+          </a:p>
+          <a:p>
+            <a:r>
+              <a:rPr lang="en-US" dirty="0" smtClean="0">
+                <a:latin typeface="Courier New" panose="02070309020205020404" pitchFamily="49" charset="0"/>
+                <a:cs typeface="Courier New" panose="02070309020205020404" pitchFamily="49" charset="0"/>
+              </a:rPr>
+              <a:t>for (</a:t>
+            </a:r>
+            <a:r>
+              <a:rPr lang="en-US" dirty="0" err="1" smtClean="0">
+                <a:latin typeface="Courier New" panose="02070309020205020404" pitchFamily="49" charset="0"/>
+                <a:cs typeface="Courier New" panose="02070309020205020404" pitchFamily="49" charset="0"/>
+              </a:rPr>
+              <a:t>int</a:t>
+            </a:r>
+            <a:r>
+              <a:rPr lang="en-US" dirty="0" smtClean="0">
+                <a:latin typeface="Courier New" panose="02070309020205020404" pitchFamily="49" charset="0"/>
+                <a:cs typeface="Courier New" panose="02070309020205020404" pitchFamily="49" charset="0"/>
+              </a:rPr>
+              <a:t> </a:t>
+            </a:r>
+            <a:r>
+              <a:rPr lang="en-US" dirty="0" err="1" smtClean="0">
+                <a:latin typeface="Courier New" panose="02070309020205020404" pitchFamily="49" charset="0"/>
+                <a:cs typeface="Courier New" panose="02070309020205020404" pitchFamily="49" charset="0"/>
+              </a:rPr>
+              <a:t>i</a:t>
+            </a:r>
+            <a:r>
+              <a:rPr lang="en-US" dirty="0" smtClean="0">
+                <a:latin typeface="Courier New" panose="02070309020205020404" pitchFamily="49" charset="0"/>
+                <a:cs typeface="Courier New" panose="02070309020205020404" pitchFamily="49" charset="0"/>
+              </a:rPr>
+              <a:t> = 0; </a:t>
+            </a:r>
+            <a:r>
+              <a:rPr lang="en-US" dirty="0" err="1" smtClean="0">
+                <a:latin typeface="Courier New" panose="02070309020205020404" pitchFamily="49" charset="0"/>
+                <a:cs typeface="Courier New" panose="02070309020205020404" pitchFamily="49" charset="0"/>
+              </a:rPr>
+              <a:t>i</a:t>
+            </a:r>
+            <a:r>
+              <a:rPr lang="en-US" dirty="0" smtClean="0">
+                <a:latin typeface="Courier New" panose="02070309020205020404" pitchFamily="49" charset="0"/>
+                <a:cs typeface="Courier New" panose="02070309020205020404" pitchFamily="49" charset="0"/>
+              </a:rPr>
+              <a:t> &lt; 10; </a:t>
+            </a:r>
+            <a:r>
+              <a:rPr lang="en-US" dirty="0" err="1" smtClean="0">
+                <a:latin typeface="Courier New" panose="02070309020205020404" pitchFamily="49" charset="0"/>
+                <a:cs typeface="Courier New" panose="02070309020205020404" pitchFamily="49" charset="0"/>
+              </a:rPr>
+              <a:t>i</a:t>
+            </a:r>
+            <a:r>
+              <a:rPr lang="en-US" dirty="0" smtClean="0">
+                <a:latin typeface="Courier New" panose="02070309020205020404" pitchFamily="49" charset="0"/>
+                <a:cs typeface="Courier New" panose="02070309020205020404" pitchFamily="49" charset="0"/>
+              </a:rPr>
+              <a:t>++)</a:t>
+            </a:r>
+          </a:p>
+          <a:p>
+            <a:r>
+              <a:rPr lang="en-US" dirty="0">
+                <a:latin typeface="Courier New" panose="02070309020205020404" pitchFamily="49" charset="0"/>
+                <a:cs typeface="Courier New" panose="02070309020205020404" pitchFamily="49" charset="0"/>
+              </a:rPr>
+              <a:t> </a:t>
+            </a:r>
+            <a:r>
+              <a:rPr lang="en-US" dirty="0" smtClean="0">
+                <a:latin typeface="Courier New" panose="02070309020205020404" pitchFamily="49" charset="0"/>
+                <a:cs typeface="Courier New" panose="02070309020205020404" pitchFamily="49" charset="0"/>
+              </a:rPr>
+              <a:t>   </a:t>
+            </a:r>
+            <a:r>
+              <a:rPr lang="en-US" dirty="0" err="1" smtClean="0">
+                <a:latin typeface="Courier New" panose="02070309020205020404" pitchFamily="49" charset="0"/>
+                <a:cs typeface="Courier New" panose="02070309020205020404" pitchFamily="49" charset="0"/>
+              </a:rPr>
+              <a:t>q.push</a:t>
+            </a:r>
+            <a:r>
+              <a:rPr lang="en-US" dirty="0" smtClean="0">
+                <a:latin typeface="Courier New" panose="02070309020205020404" pitchFamily="49" charset="0"/>
+                <a:cs typeface="Courier New" panose="02070309020205020404" pitchFamily="49" charset="0"/>
+              </a:rPr>
+              <a:t>(</a:t>
+            </a:r>
+            <a:r>
+              <a:rPr lang="en-US" dirty="0" err="1" smtClean="0">
+                <a:latin typeface="Courier New" panose="02070309020205020404" pitchFamily="49" charset="0"/>
+                <a:cs typeface="Courier New" panose="02070309020205020404" pitchFamily="49" charset="0"/>
+              </a:rPr>
+              <a:t>i</a:t>
+            </a:r>
+            <a:r>
+              <a:rPr lang="en-US" dirty="0" smtClean="0">
+                <a:latin typeface="Courier New" panose="02070309020205020404" pitchFamily="49" charset="0"/>
+                <a:cs typeface="Courier New" panose="02070309020205020404" pitchFamily="49" charset="0"/>
+              </a:rPr>
+              <a:t>);</a:t>
+            </a:r>
+          </a:p>
+          <a:p>
+            <a:r>
+              <a:rPr lang="en-US" dirty="0" smtClean="0">
+                <a:latin typeface="Courier New" panose="02070309020205020404" pitchFamily="49" charset="0"/>
+                <a:cs typeface="Courier New" panose="02070309020205020404" pitchFamily="49" charset="0"/>
+              </a:rPr>
+              <a:t>while (!</a:t>
+            </a:r>
+            <a:r>
+              <a:rPr lang="en-US" dirty="0" err="1" smtClean="0">
+                <a:latin typeface="Courier New" panose="02070309020205020404" pitchFamily="49" charset="0"/>
+                <a:cs typeface="Courier New" panose="02070309020205020404" pitchFamily="49" charset="0"/>
+              </a:rPr>
+              <a:t>q.empty</a:t>
+            </a:r>
+            <a:r>
+              <a:rPr lang="en-US" dirty="0" smtClean="0">
+                <a:latin typeface="Courier New" panose="02070309020205020404" pitchFamily="49" charset="0"/>
+                <a:cs typeface="Courier New" panose="02070309020205020404" pitchFamily="49" charset="0"/>
+              </a:rPr>
+              <a:t>()) {</a:t>
+            </a:r>
+            <a:endParaRPr lang="en-US" dirty="0">
+              <a:latin typeface="Courier New" panose="02070309020205020404" pitchFamily="49" charset="0"/>
+              <a:cs typeface="Courier New" panose="02070309020205020404" pitchFamily="49" charset="0"/>
+            </a:endParaRPr>
+          </a:p>
+          <a:p>
+            <a:r>
+              <a:rPr lang="en-US" dirty="0" smtClean="0">
+                <a:latin typeface="Courier New" panose="02070309020205020404" pitchFamily="49" charset="0"/>
+                <a:cs typeface="Courier New" panose="02070309020205020404" pitchFamily="49" charset="0"/>
+              </a:rPr>
+              <a:t>    </a:t>
+            </a:r>
+            <a:r>
+              <a:rPr lang="en-US" dirty="0" err="1">
+                <a:latin typeface="Courier New" panose="02070309020205020404" pitchFamily="49" charset="0"/>
+                <a:cs typeface="Courier New" panose="02070309020205020404" pitchFamily="49" charset="0"/>
+              </a:rPr>
+              <a:t>std</a:t>
+            </a:r>
+            <a:r>
+              <a:rPr lang="en-US" dirty="0">
+                <a:latin typeface="Courier New" panose="02070309020205020404" pitchFamily="49" charset="0"/>
+                <a:cs typeface="Courier New" panose="02070309020205020404" pitchFamily="49" charset="0"/>
+              </a:rPr>
+              <a:t>::</a:t>
+            </a:r>
+            <a:r>
+              <a:rPr lang="en-US" dirty="0" err="1">
+                <a:latin typeface="Courier New" panose="02070309020205020404" pitchFamily="49" charset="0"/>
+                <a:cs typeface="Courier New" panose="02070309020205020404" pitchFamily="49" charset="0"/>
+              </a:rPr>
+              <a:t>cout</a:t>
+            </a:r>
+            <a:r>
+              <a:rPr lang="en-US" dirty="0">
+                <a:latin typeface="Courier New" panose="02070309020205020404" pitchFamily="49" charset="0"/>
+                <a:cs typeface="Courier New" panose="02070309020205020404" pitchFamily="49" charset="0"/>
+              </a:rPr>
+              <a:t> &lt;&lt; </a:t>
+            </a:r>
+            <a:r>
+              <a:rPr lang="en-US" dirty="0" err="1">
+                <a:latin typeface="Courier New" panose="02070309020205020404" pitchFamily="49" charset="0"/>
+                <a:cs typeface="Courier New" panose="02070309020205020404" pitchFamily="49" charset="0"/>
+              </a:rPr>
+              <a:t>q</a:t>
+            </a:r>
+            <a:r>
+              <a:rPr lang="en-US" dirty="0" err="1" smtClean="0">
+                <a:latin typeface="Courier New" panose="02070309020205020404" pitchFamily="49" charset="0"/>
+                <a:cs typeface="Courier New" panose="02070309020205020404" pitchFamily="49" charset="0"/>
+              </a:rPr>
+              <a:t>.front</a:t>
+            </a:r>
+            <a:r>
+              <a:rPr lang="en-US" dirty="0" smtClean="0">
+                <a:latin typeface="Courier New" panose="02070309020205020404" pitchFamily="49" charset="0"/>
+                <a:cs typeface="Courier New" panose="02070309020205020404" pitchFamily="49" charset="0"/>
+              </a:rPr>
+              <a:t>() </a:t>
+            </a:r>
+            <a:r>
+              <a:rPr lang="en-US" dirty="0">
+                <a:latin typeface="Courier New" panose="02070309020205020404" pitchFamily="49" charset="0"/>
+                <a:cs typeface="Courier New" panose="02070309020205020404" pitchFamily="49" charset="0"/>
+              </a:rPr>
+              <a:t>&lt;&lt; </a:t>
+            </a:r>
+            <a:r>
+              <a:rPr lang="en-US" dirty="0" err="1">
+                <a:latin typeface="Courier New" panose="02070309020205020404" pitchFamily="49" charset="0"/>
+                <a:cs typeface="Courier New" panose="02070309020205020404" pitchFamily="49" charset="0"/>
+              </a:rPr>
+              <a:t>std</a:t>
+            </a:r>
+            <a:r>
+              <a:rPr lang="en-US" dirty="0">
+                <a:latin typeface="Courier New" panose="02070309020205020404" pitchFamily="49" charset="0"/>
+                <a:cs typeface="Courier New" panose="02070309020205020404" pitchFamily="49" charset="0"/>
+              </a:rPr>
+              <a:t>::</a:t>
+            </a:r>
+            <a:r>
+              <a:rPr lang="en-US" dirty="0" err="1">
+                <a:latin typeface="Courier New" panose="02070309020205020404" pitchFamily="49" charset="0"/>
+                <a:cs typeface="Courier New" panose="02070309020205020404" pitchFamily="49" charset="0"/>
+              </a:rPr>
+              <a:t>endl</a:t>
+            </a:r>
+            <a:r>
+              <a:rPr lang="en-US" dirty="0" smtClean="0">
+                <a:latin typeface="Courier New" panose="02070309020205020404" pitchFamily="49" charset="0"/>
+                <a:cs typeface="Courier New" panose="02070309020205020404" pitchFamily="49" charset="0"/>
+              </a:rPr>
+              <a:t>;</a:t>
+            </a:r>
+          </a:p>
+          <a:p>
+            <a:r>
+              <a:rPr lang="en-US" dirty="0">
+                <a:latin typeface="Courier New" panose="02070309020205020404" pitchFamily="49" charset="0"/>
+                <a:cs typeface="Courier New" panose="02070309020205020404" pitchFamily="49" charset="0"/>
+              </a:rPr>
+              <a:t> </a:t>
+            </a:r>
+            <a:r>
+              <a:rPr lang="en-US" dirty="0" smtClean="0">
+                <a:latin typeface="Courier New" panose="02070309020205020404" pitchFamily="49" charset="0"/>
+                <a:cs typeface="Courier New" panose="02070309020205020404" pitchFamily="49" charset="0"/>
+              </a:rPr>
+              <a:t>   </a:t>
+            </a:r>
+            <a:r>
+              <a:rPr lang="en-US" dirty="0" err="1">
+                <a:latin typeface="Courier New" panose="02070309020205020404" pitchFamily="49" charset="0"/>
+                <a:cs typeface="Courier New" panose="02070309020205020404" pitchFamily="49" charset="0"/>
+              </a:rPr>
+              <a:t>q</a:t>
+            </a:r>
+            <a:r>
+              <a:rPr lang="en-US" dirty="0" err="1" smtClean="0">
+                <a:latin typeface="Courier New" panose="02070309020205020404" pitchFamily="49" charset="0"/>
+                <a:cs typeface="Courier New" panose="02070309020205020404" pitchFamily="49" charset="0"/>
+              </a:rPr>
+              <a:t>.pop</a:t>
+            </a:r>
+            <a:r>
+              <a:rPr lang="en-US" dirty="0" smtClean="0">
+                <a:latin typeface="Courier New" panose="02070309020205020404" pitchFamily="49" charset="0"/>
+                <a:cs typeface="Courier New" panose="02070309020205020404" pitchFamily="49" charset="0"/>
+              </a:rPr>
+              <a:t>();</a:t>
+            </a:r>
+          </a:p>
+          <a:p>
+            <a:r>
+              <a:rPr lang="en-US" dirty="0">
+                <a:latin typeface="Courier New" panose="02070309020205020404" pitchFamily="49" charset="0"/>
+                <a:cs typeface="Courier New" panose="02070309020205020404" pitchFamily="49" charset="0"/>
+              </a:rPr>
+              <a:t>}</a:t>
+            </a:r>
+          </a:p>
+        </p:txBody>
+      </p:sp>
+    </p:spTree>
+    <p:extLst>
+      <p:ext uri="{BB962C8B-B14F-4D97-AF65-F5344CB8AC3E}">
+        <p14:creationId xmlns:p14="http://schemas.microsoft.com/office/powerpoint/2010/main" val="3930827009"/>
+      </p:ext>
+    </p:extLst>
+  </p:cSld>
+  <p:clrMapOvr>
+    <a:masterClrMapping/>
+  </p:clrMapOvr>
+  <p:timing>
+    <p:tnLst>
+      <p:par>
+        <p:cTn id="1" dur="indefinite" restart="never" nodeType="tmRoot"/>
+      </p:par>
+    </p:tnLst>
+  </p:timing>
+</p:sld>
+</file>
+
+<file path=ppt/slides/slide36.xml><?xml version="1.0" encoding="utf-8"?>
+<p:sld xmlns:a="http://schemas.openxmlformats.org/drawingml/2006/main" xmlns:r="http://schemas.openxmlformats.org/officeDocument/2006/relationships" xmlns:p="http://schemas.openxmlformats.org/presentationml/2006/main">
+  <p:cSld>
+    <p:spTree>
+      <p:nvGrpSpPr>
+        <p:cNvPr id="1" name=""/>
+        <p:cNvGrpSpPr/>
+        <p:nvPr/>
+      </p:nvGrpSpPr>
+      <p:grpSpPr>
+        <a:xfrm>
+          <a:off x="0" y="0"/>
+          <a:ext cx="0" cy="0"/>
+          <a:chOff x="0" y="0"/>
+          <a:chExt cx="0" cy="0"/>
+        </a:xfrm>
+      </p:grpSpPr>
+      <p:sp>
+        <p:nvSpPr>
           <p:cNvPr id="3" name="Content Placeholder 2"/>
           <p:cNvSpPr>
             <a:spLocks noGrp="1"/>
@@ -20753,7 +21016,7 @@
           <a:p>
             <a:fld id="{11AD1F4E-1E51-402E-B221-310F004E7D3B}" type="slidenum">
               <a:rPr lang="en-US" smtClean="0"/>
-              <a:t>35</a:t>
+              <a:t>36</a:t>
             </a:fld>
             <a:endParaRPr lang="en-US"/>
           </a:p>
@@ -20791,7 +21054,7 @@
             <a:graphicData uri="http://schemas.openxmlformats.org/presentationml/2006/ole">
               <mc:AlternateContent xmlns:mc="http://schemas.openxmlformats.org/markup-compatibility/2006">
                 <mc:Choice xmlns:v="urn:schemas-microsoft-com:vml" Requires="v">
-                  <p:oleObj spid="_x0000_s10278" name="Equation" r:id="rId3" imgW="444240" imgH="241200" progId="Equation.3">
+                  <p:oleObj spid="_x0000_s10282" name="Equation" r:id="rId3" imgW="444240" imgH="241200" progId="Equation.3">
                     <p:embed/>
                   </p:oleObj>
                 </mc:Choice>
@@ -21497,210 +21760,6 @@
 </p:sld>
 </file>
 
-<file path=ppt/slides/slide36.xml><?xml version="1.0" encoding="utf-8"?>
-<p:sld xmlns:a="http://schemas.openxmlformats.org/drawingml/2006/main" xmlns:r="http://schemas.openxmlformats.org/officeDocument/2006/relationships" xmlns:p="http://schemas.openxmlformats.org/presentationml/2006/main">
-  <p:cSld>
-    <p:spTree>
-      <p:nvGrpSpPr>
-        <p:cNvPr id="1" name=""/>
-        <p:cNvGrpSpPr/>
-        <p:nvPr/>
-      </p:nvGrpSpPr>
-      <p:grpSpPr>
-        <a:xfrm>
-          <a:off x="0" y="0"/>
-          <a:ext cx="0" cy="0"/>
-          <a:chOff x="0" y="0"/>
-          <a:chExt cx="0" cy="0"/>
-        </a:xfrm>
-      </p:grpSpPr>
-      <p:sp>
-        <p:nvSpPr>
-          <p:cNvPr id="2" name="Title 1"/>
-          <p:cNvSpPr>
-            <a:spLocks noGrp="1"/>
-          </p:cNvSpPr>
-          <p:nvPr>
-            <p:ph type="title"/>
-          </p:nvPr>
-        </p:nvSpPr>
-        <p:spPr/>
-        <p:txBody>
-          <a:bodyPr/>
-          <a:lstStyle/>
-          <a:p>
-            <a:r>
-              <a:rPr lang="en-US" dirty="0" smtClean="0"/>
-              <a:t>Priority queue ADT</a:t>
-            </a:r>
-            <a:endParaRPr lang="en-US" dirty="0"/>
-          </a:p>
-        </p:txBody>
-      </p:sp>
-      <p:sp>
-        <p:nvSpPr>
-          <p:cNvPr id="3" name="Content Placeholder 2"/>
-          <p:cNvSpPr>
-            <a:spLocks noGrp="1"/>
-          </p:cNvSpPr>
-          <p:nvPr>
-            <p:ph idx="1"/>
-          </p:nvPr>
-        </p:nvSpPr>
-        <p:spPr/>
-        <p:txBody>
-          <a:bodyPr/>
-          <a:lstStyle/>
-          <a:p>
-            <a:r>
-              <a:rPr lang="en-US" dirty="0" smtClean="0"/>
-              <a:t>EMPTY_QUEUE() </a:t>
-            </a:r>
-            <a:r>
-              <a:rPr lang="en-US" dirty="0" smtClean="0">
-                <a:sym typeface="Symbol" panose="05050102010706020507" pitchFamily="18" charset="2"/>
-              </a:rPr>
-              <a:t> queue</a:t>
-            </a:r>
-            <a:endParaRPr lang="en-US" dirty="0" smtClean="0"/>
-          </a:p>
-          <a:p>
-            <a:r>
-              <a:rPr lang="en-US" dirty="0" smtClean="0"/>
-              <a:t>QUEUE.PUSH(value</a:t>
-            </a:r>
-            <a:r>
-              <a:rPr lang="en-US" dirty="0"/>
-              <a:t>)</a:t>
-            </a:r>
-          </a:p>
-          <a:p>
-            <a:r>
-              <a:rPr lang="en-US" dirty="0" smtClean="0"/>
-              <a:t>QUEUE.POP()</a:t>
-            </a:r>
-          </a:p>
-          <a:p>
-            <a:r>
-              <a:rPr lang="en-US" dirty="0" smtClean="0"/>
-              <a:t>QUEUE.FRONT()</a:t>
-            </a:r>
-            <a:r>
-              <a:rPr lang="en-US" dirty="0"/>
-              <a:t> </a:t>
-            </a:r>
-            <a:r>
-              <a:rPr lang="en-US" dirty="0">
-                <a:sym typeface="Symbol" panose="05050102010706020507" pitchFamily="18" charset="2"/>
-              </a:rPr>
-              <a:t> </a:t>
-            </a:r>
-            <a:r>
-              <a:rPr lang="en-US" dirty="0" smtClean="0">
-                <a:sym typeface="Symbol" panose="05050102010706020507" pitchFamily="18" charset="2"/>
-              </a:rPr>
-              <a:t>value</a:t>
-            </a:r>
-            <a:endParaRPr lang="en-US" dirty="0"/>
-          </a:p>
-          <a:p>
-            <a:r>
-              <a:rPr lang="en-US" dirty="0" smtClean="0"/>
-              <a:t>QUEUE.IS_EMPTY()</a:t>
-            </a:r>
-            <a:r>
-              <a:rPr lang="en-US" dirty="0"/>
-              <a:t> </a:t>
-            </a:r>
-            <a:r>
-              <a:rPr lang="en-US" dirty="0">
-                <a:sym typeface="Symbol" panose="05050102010706020507" pitchFamily="18" charset="2"/>
-              </a:rPr>
-              <a:t> </a:t>
-            </a:r>
-            <a:r>
-              <a:rPr lang="en-US" dirty="0" err="1" smtClean="0">
-                <a:sym typeface="Symbol" panose="05050102010706020507" pitchFamily="18" charset="2"/>
-              </a:rPr>
-              <a:t>boolean</a:t>
-            </a:r>
-            <a:endParaRPr lang="en-US" dirty="0" smtClean="0"/>
-          </a:p>
-          <a:p>
-            <a:r>
-              <a:rPr lang="en-US" dirty="0" smtClean="0"/>
-              <a:t>QUEUE.LENGTH() </a:t>
-            </a:r>
-            <a:r>
-              <a:rPr lang="en-US" dirty="0">
-                <a:sym typeface="Symbol" panose="05050102010706020507" pitchFamily="18" charset="2"/>
-              </a:rPr>
-              <a:t> </a:t>
-            </a:r>
-            <a:r>
-              <a:rPr lang="en-US" dirty="0" smtClean="0">
-                <a:sym typeface="Symbol" panose="05050102010706020507" pitchFamily="18" charset="2"/>
-              </a:rPr>
-              <a:t>length</a:t>
-            </a:r>
-            <a:br>
-              <a:rPr lang="en-US" dirty="0" smtClean="0">
-                <a:sym typeface="Symbol" panose="05050102010706020507" pitchFamily="18" charset="2"/>
-              </a:rPr>
-            </a:br>
-            <a:r>
-              <a:rPr lang="en-US" dirty="0" smtClean="0">
-                <a:sym typeface="Symbol" panose="05050102010706020507" pitchFamily="18" charset="2"/>
-              </a:rPr>
-              <a:t>      = #push - #pop</a:t>
-            </a:r>
-            <a:endParaRPr lang="en-US" dirty="0"/>
-          </a:p>
-        </p:txBody>
-      </p:sp>
-      <p:sp>
-        <p:nvSpPr>
-          <p:cNvPr id="4" name="Slide Number Placeholder 3"/>
-          <p:cNvSpPr>
-            <a:spLocks noGrp="1"/>
-          </p:cNvSpPr>
-          <p:nvPr>
-            <p:ph type="sldNum" sz="quarter" idx="12"/>
-          </p:nvPr>
-        </p:nvSpPr>
-        <p:spPr/>
-        <p:txBody>
-          <a:bodyPr/>
-          <a:lstStyle/>
-          <a:p>
-            <a:fld id="{11AD1F4E-1E51-402E-B221-310F004E7D3B}" type="slidenum">
-              <a:rPr lang="en-US" smtClean="0"/>
-              <a:t>36</a:t>
-            </a:fld>
-            <a:endParaRPr lang="en-US"/>
-          </a:p>
-        </p:txBody>
-      </p:sp>
-    </p:spTree>
-    <p:extLst>
-      <p:ext uri="{BB962C8B-B14F-4D97-AF65-F5344CB8AC3E}">
-        <p14:creationId xmlns:p14="http://schemas.microsoft.com/office/powerpoint/2010/main" val="2510982706"/>
-      </p:ext>
-    </p:extLst>
-  </p:cSld>
-  <p:clrMapOvr>
-    <a:masterClrMapping/>
-  </p:clrMapOvr>
-  <p:timing>
-    <p:tnLst>
-      <p:par>
-        <p:cTn id="1" dur="indefinite" restart="never" nodeType="tmRoot"/>
-      </p:par>
-    </p:tnLst>
-  </p:timing>
-</p:sld>
-</file>
-
 <file path=ppt/slides/slide37.xml><?xml version="1.0" encoding="utf-8"?>
 <p:sld xmlns:a="http://schemas.openxmlformats.org/drawingml/2006/main" xmlns:r="http://schemas.openxmlformats.org/officeDocument/2006/relationships" xmlns:p="http://schemas.openxmlformats.org/presentationml/2006/main">
   <p:cSld>
@@ -21735,6 +21794,210 @@
           <a:p>
             <a:r>
               <a:rPr lang="en-US" dirty="0" smtClean="0"/>
+              <a:t>Priority queue ADT</a:t>
+            </a:r>
+            <a:endParaRPr lang="en-US" dirty="0"/>
+          </a:p>
+        </p:txBody>
+      </p:sp>
+      <p:sp>
+        <p:nvSpPr>
+          <p:cNvPr id="3" name="Content Placeholder 2"/>
+          <p:cNvSpPr>
+            <a:spLocks noGrp="1"/>
+          </p:cNvSpPr>
+          <p:nvPr>
+            <p:ph idx="1"/>
+          </p:nvPr>
+        </p:nvSpPr>
+        <p:spPr/>
+        <p:txBody>
+          <a:bodyPr/>
+          <a:lstStyle/>
+          <a:p>
+            <a:r>
+              <a:rPr lang="en-US" dirty="0" smtClean="0"/>
+              <a:t>EMPTY_QUEUE() </a:t>
+            </a:r>
+            <a:r>
+              <a:rPr lang="en-US" dirty="0" smtClean="0">
+                <a:sym typeface="Symbol" panose="05050102010706020507" pitchFamily="18" charset="2"/>
+              </a:rPr>
+              <a:t> queue</a:t>
+            </a:r>
+            <a:endParaRPr lang="en-US" dirty="0" smtClean="0"/>
+          </a:p>
+          <a:p>
+            <a:r>
+              <a:rPr lang="en-US" dirty="0" smtClean="0"/>
+              <a:t>QUEUE.PUSH(value</a:t>
+            </a:r>
+            <a:r>
+              <a:rPr lang="en-US" dirty="0"/>
+              <a:t>)</a:t>
+            </a:r>
+          </a:p>
+          <a:p>
+            <a:r>
+              <a:rPr lang="en-US" dirty="0" smtClean="0"/>
+              <a:t>QUEUE.POP()</a:t>
+            </a:r>
+          </a:p>
+          <a:p>
+            <a:r>
+              <a:rPr lang="en-US" dirty="0" smtClean="0"/>
+              <a:t>QUEUE.FRONT()</a:t>
+            </a:r>
+            <a:r>
+              <a:rPr lang="en-US" dirty="0"/>
+              <a:t> </a:t>
+            </a:r>
+            <a:r>
+              <a:rPr lang="en-US" dirty="0">
+                <a:sym typeface="Symbol" panose="05050102010706020507" pitchFamily="18" charset="2"/>
+              </a:rPr>
+              <a:t> </a:t>
+            </a:r>
+            <a:r>
+              <a:rPr lang="en-US" dirty="0" smtClean="0">
+                <a:sym typeface="Symbol" panose="05050102010706020507" pitchFamily="18" charset="2"/>
+              </a:rPr>
+              <a:t>value</a:t>
+            </a:r>
+            <a:endParaRPr lang="en-US" dirty="0"/>
+          </a:p>
+          <a:p>
+            <a:r>
+              <a:rPr lang="en-US" dirty="0" smtClean="0"/>
+              <a:t>QUEUE.IS_EMPTY()</a:t>
+            </a:r>
+            <a:r>
+              <a:rPr lang="en-US" dirty="0"/>
+              <a:t> </a:t>
+            </a:r>
+            <a:r>
+              <a:rPr lang="en-US" dirty="0">
+                <a:sym typeface="Symbol" panose="05050102010706020507" pitchFamily="18" charset="2"/>
+              </a:rPr>
+              <a:t> </a:t>
+            </a:r>
+            <a:r>
+              <a:rPr lang="en-US" dirty="0" err="1" smtClean="0">
+                <a:sym typeface="Symbol" panose="05050102010706020507" pitchFamily="18" charset="2"/>
+              </a:rPr>
+              <a:t>boolean</a:t>
+            </a:r>
+            <a:endParaRPr lang="en-US" dirty="0" smtClean="0"/>
+          </a:p>
+          <a:p>
+            <a:r>
+              <a:rPr lang="en-US" dirty="0" smtClean="0"/>
+              <a:t>QUEUE.LENGTH() </a:t>
+            </a:r>
+            <a:r>
+              <a:rPr lang="en-US" dirty="0">
+                <a:sym typeface="Symbol" panose="05050102010706020507" pitchFamily="18" charset="2"/>
+              </a:rPr>
+              <a:t> </a:t>
+            </a:r>
+            <a:r>
+              <a:rPr lang="en-US" dirty="0" smtClean="0">
+                <a:sym typeface="Symbol" panose="05050102010706020507" pitchFamily="18" charset="2"/>
+              </a:rPr>
+              <a:t>length</a:t>
+            </a:r>
+            <a:br>
+              <a:rPr lang="en-US" dirty="0" smtClean="0">
+                <a:sym typeface="Symbol" panose="05050102010706020507" pitchFamily="18" charset="2"/>
+              </a:rPr>
+            </a:br>
+            <a:r>
+              <a:rPr lang="en-US" dirty="0" smtClean="0">
+                <a:sym typeface="Symbol" panose="05050102010706020507" pitchFamily="18" charset="2"/>
+              </a:rPr>
+              <a:t>      = #push - #pop</a:t>
+            </a:r>
+            <a:endParaRPr lang="en-US" dirty="0"/>
+          </a:p>
+        </p:txBody>
+      </p:sp>
+      <p:sp>
+        <p:nvSpPr>
+          <p:cNvPr id="4" name="Slide Number Placeholder 3"/>
+          <p:cNvSpPr>
+            <a:spLocks noGrp="1"/>
+          </p:cNvSpPr>
+          <p:nvPr>
+            <p:ph type="sldNum" sz="quarter" idx="12"/>
+          </p:nvPr>
+        </p:nvSpPr>
+        <p:spPr/>
+        <p:txBody>
+          <a:bodyPr/>
+          <a:lstStyle/>
+          <a:p>
+            <a:fld id="{11AD1F4E-1E51-402E-B221-310F004E7D3B}" type="slidenum">
+              <a:rPr lang="en-US" smtClean="0"/>
+              <a:t>37</a:t>
+            </a:fld>
+            <a:endParaRPr lang="en-US"/>
+          </a:p>
+        </p:txBody>
+      </p:sp>
+    </p:spTree>
+    <p:extLst>
+      <p:ext uri="{BB962C8B-B14F-4D97-AF65-F5344CB8AC3E}">
+        <p14:creationId xmlns:p14="http://schemas.microsoft.com/office/powerpoint/2010/main" val="2510982706"/>
+      </p:ext>
+    </p:extLst>
+  </p:cSld>
+  <p:clrMapOvr>
+    <a:masterClrMapping/>
+  </p:clrMapOvr>
+  <p:timing>
+    <p:tnLst>
+      <p:par>
+        <p:cTn id="1" dur="indefinite" restart="never" nodeType="tmRoot"/>
+      </p:par>
+    </p:tnLst>
+  </p:timing>
+</p:sld>
+</file>
+
+<file path=ppt/slides/slide38.xml><?xml version="1.0" encoding="utf-8"?>
+<p:sld xmlns:a="http://schemas.openxmlformats.org/drawingml/2006/main" xmlns:r="http://schemas.openxmlformats.org/officeDocument/2006/relationships" xmlns:p="http://schemas.openxmlformats.org/presentationml/2006/main">
+  <p:cSld>
+    <p:spTree>
+      <p:nvGrpSpPr>
+        <p:cNvPr id="1" name=""/>
+        <p:cNvGrpSpPr/>
+        <p:nvPr/>
+      </p:nvGrpSpPr>
+      <p:grpSpPr>
+        <a:xfrm>
+          <a:off x="0" y="0"/>
+          <a:ext cx="0" cy="0"/>
+          <a:chOff x="0" y="0"/>
+          <a:chExt cx="0" cy="0"/>
+        </a:xfrm>
+      </p:grpSpPr>
+      <p:sp>
+        <p:nvSpPr>
+          <p:cNvPr id="2" name="Title 1"/>
+          <p:cNvSpPr>
+            <a:spLocks noGrp="1"/>
+          </p:cNvSpPr>
+          <p:nvPr>
+            <p:ph type="title"/>
+          </p:nvPr>
+        </p:nvSpPr>
+        <p:spPr/>
+        <p:txBody>
+          <a:bodyPr/>
+          <a:lstStyle/>
+          <a:p>
+            <a:r>
+              <a:rPr lang="en-US" dirty="0" smtClean="0"/>
               <a:t>Graph</a:t>
             </a:r>
             <a:endParaRPr lang="en-US" dirty="0"/>
@@ -21861,7 +22124,7 @@
           <a:p>
             <a:fld id="{11AD1F4E-1E51-402E-B221-310F004E7D3B}" type="slidenum">
               <a:rPr lang="en-US" smtClean="0"/>
-              <a:t>37</a:t>
+              <a:t>38</a:t>
             </a:fld>
             <a:endParaRPr lang="en-US"/>
           </a:p>
@@ -21903,7 +22166,7 @@
             <a:graphicData uri="http://schemas.openxmlformats.org/presentationml/2006/ole">
               <mc:AlternateContent xmlns:mc="http://schemas.openxmlformats.org/markup-compatibility/2006">
                 <mc:Choice xmlns:v="urn:schemas-microsoft-com:vml" Requires="v">
-                  <p:oleObj spid="_x0000_s9275" name="Equation" r:id="rId3" imgW="1104840" imgH="215640" progId="Equation.3">
+                  <p:oleObj spid="_x0000_s9279" name="Equation" r:id="rId3" imgW="1104840" imgH="215640" progId="Equation.3">
                     <p:embed/>
                   </p:oleObj>
                 </mc:Choice>
@@ -22995,448 +23258,6 @@
 </p:sld>
 </file>
 
-<file path=ppt/slides/slide38.xml><?xml version="1.0" encoding="utf-8"?>
-<p:sld xmlns:a="http://schemas.openxmlformats.org/drawingml/2006/main" xmlns:r="http://schemas.openxmlformats.org/officeDocument/2006/relationships" xmlns:p="http://schemas.openxmlformats.org/presentationml/2006/main">
-  <p:cSld>
-    <p:spTree>
-      <p:nvGrpSpPr>
-        <p:cNvPr id="1" name=""/>
-        <p:cNvGrpSpPr/>
-        <p:nvPr/>
-      </p:nvGrpSpPr>
-      <p:grpSpPr>
-        <a:xfrm>
-          <a:off x="0" y="0"/>
-          <a:ext cx="0" cy="0"/>
-          <a:chOff x="0" y="0"/>
-          <a:chExt cx="0" cy="0"/>
-        </a:xfrm>
-      </p:grpSpPr>
-      <p:sp>
-        <p:nvSpPr>
-          <p:cNvPr id="2" name="Title 1"/>
-          <p:cNvSpPr>
-            <a:spLocks noGrp="1"/>
-          </p:cNvSpPr>
-          <p:nvPr>
-            <p:ph type="title"/>
-          </p:nvPr>
-        </p:nvSpPr>
-        <p:spPr/>
-        <p:txBody>
-          <a:bodyPr/>
-          <a:lstStyle/>
-          <a:p>
-            <a:r>
-              <a:rPr lang="en-US" dirty="0" smtClean="0"/>
-              <a:t>Graph ADT</a:t>
-            </a:r>
-            <a:endParaRPr lang="en-US" dirty="0"/>
-          </a:p>
-        </p:txBody>
-      </p:sp>
-      <p:sp>
-        <p:nvSpPr>
-          <p:cNvPr id="3" name="Content Placeholder 2"/>
-          <p:cNvSpPr>
-            <a:spLocks noGrp="1"/>
-          </p:cNvSpPr>
-          <p:nvPr>
-            <p:ph idx="1"/>
-          </p:nvPr>
-        </p:nvSpPr>
-        <p:spPr/>
-        <p:txBody>
-          <a:bodyPr>
-            <a:normAutofit fontScale="62500" lnSpcReduction="20000"/>
-          </a:bodyPr>
-          <a:lstStyle/>
-          <a:p>
-            <a:r>
-              <a:rPr lang="en-US" dirty="0" smtClean="0"/>
-              <a:t>EMPTY_GRAPH() </a:t>
-            </a:r>
-            <a:r>
-              <a:rPr lang="en-US" dirty="0" smtClean="0">
-                <a:sym typeface="Symbol" panose="05050102010706020507" pitchFamily="18" charset="2"/>
-              </a:rPr>
-              <a:t> graph</a:t>
-            </a:r>
-            <a:endParaRPr lang="en-US" dirty="0" smtClean="0"/>
-          </a:p>
-          <a:p>
-            <a:r>
-              <a:rPr lang="en-US" dirty="0" smtClean="0"/>
-              <a:t>GRAPH.ADD_NODE(value)</a:t>
-            </a:r>
-          </a:p>
-          <a:p>
-            <a:r>
-              <a:rPr lang="en-US" dirty="0" smtClean="0"/>
-              <a:t>GRAPH.REMOVE(node)</a:t>
-            </a:r>
-            <a:endParaRPr lang="en-US" dirty="0"/>
-          </a:p>
-          <a:p>
-            <a:r>
-              <a:rPr lang="en-US" dirty="0" smtClean="0"/>
-              <a:t>GRAPH.ADD_EDGE(</a:t>
-            </a:r>
-            <a:r>
-              <a:rPr lang="en-US" dirty="0" err="1" smtClean="0"/>
-              <a:t>node</a:t>
-            </a:r>
-            <a:r>
-              <a:rPr lang="en-US" i="1" baseline="-25000" dirty="0" err="1" smtClean="0"/>
-              <a:t>i</a:t>
-            </a:r>
-            <a:r>
-              <a:rPr lang="en-US" dirty="0" smtClean="0"/>
-              <a:t>, </a:t>
-            </a:r>
-            <a:r>
-              <a:rPr lang="en-US" dirty="0" err="1" smtClean="0"/>
-              <a:t>node</a:t>
-            </a:r>
-            <a:r>
-              <a:rPr lang="en-US" i="1" baseline="-25000" dirty="0" err="1" smtClean="0"/>
-              <a:t>j</a:t>
-            </a:r>
-            <a:r>
-              <a:rPr lang="en-US" dirty="0" smtClean="0"/>
-              <a:t>)</a:t>
-            </a:r>
-          </a:p>
-          <a:p>
-            <a:r>
-              <a:rPr lang="en-US" dirty="0" smtClean="0"/>
-              <a:t>GRAPH.REMOVE_EDGE(</a:t>
-            </a:r>
-            <a:r>
-              <a:rPr lang="en-US" dirty="0" err="1"/>
-              <a:t>node</a:t>
-            </a:r>
-            <a:r>
-              <a:rPr lang="en-US" i="1" baseline="-25000" dirty="0" err="1"/>
-              <a:t>i</a:t>
-            </a:r>
-            <a:r>
-              <a:rPr lang="en-US" dirty="0"/>
-              <a:t>, </a:t>
-            </a:r>
-            <a:r>
-              <a:rPr lang="en-US" dirty="0" err="1"/>
-              <a:t>node</a:t>
-            </a:r>
-            <a:r>
-              <a:rPr lang="en-US" i="1" baseline="-25000" dirty="0" err="1"/>
-              <a:t>j</a:t>
-            </a:r>
-            <a:r>
-              <a:rPr lang="en-US" dirty="0" smtClean="0"/>
-              <a:t>)</a:t>
-            </a:r>
-          </a:p>
-          <a:p>
-            <a:r>
-              <a:rPr lang="en-US" dirty="0" smtClean="0"/>
-              <a:t>GRAPH.GET_NODES()</a:t>
-            </a:r>
-            <a:r>
-              <a:rPr lang="en-US" dirty="0"/>
-              <a:t> </a:t>
-            </a:r>
-            <a:r>
-              <a:rPr lang="en-US" dirty="0">
-                <a:sym typeface="Symbol" panose="05050102010706020507" pitchFamily="18" charset="2"/>
-              </a:rPr>
-              <a:t> </a:t>
-            </a:r>
-            <a:r>
-              <a:rPr lang="en-US" dirty="0" smtClean="0">
-                <a:sym typeface="Symbol" panose="05050102010706020507" pitchFamily="18" charset="2"/>
-              </a:rPr>
-              <a:t>{node</a:t>
-            </a:r>
-            <a:r>
-              <a:rPr lang="en-US" baseline="-25000" dirty="0" smtClean="0">
-                <a:sym typeface="Symbol" panose="05050102010706020507" pitchFamily="18" charset="2"/>
-              </a:rPr>
-              <a:t>0</a:t>
-            </a:r>
-            <a:r>
-              <a:rPr lang="en-US" dirty="0" smtClean="0">
-                <a:sym typeface="Symbol" panose="05050102010706020507" pitchFamily="18" charset="2"/>
-              </a:rPr>
-              <a:t>, …, node</a:t>
-            </a:r>
-            <a:r>
-              <a:rPr lang="en-US" i="1" baseline="-25000" dirty="0" smtClean="0">
-                <a:sym typeface="Symbol" panose="05050102010706020507" pitchFamily="18" charset="2"/>
-              </a:rPr>
-              <a:t>n</a:t>
-            </a:r>
-            <a:r>
-              <a:rPr lang="en-US" baseline="-25000" dirty="0" smtClean="0">
-                <a:sym typeface="Symbol" panose="05050102010706020507" pitchFamily="18" charset="2"/>
-              </a:rPr>
-              <a:t>-1</a:t>
-            </a:r>
-            <a:r>
-              <a:rPr lang="en-US" dirty="0" smtClean="0">
-                <a:sym typeface="Symbol" panose="05050102010706020507" pitchFamily="18" charset="2"/>
-              </a:rPr>
-              <a:t>}</a:t>
-            </a:r>
-            <a:endParaRPr lang="en-US" dirty="0" smtClean="0"/>
-          </a:p>
-          <a:p>
-            <a:r>
-              <a:rPr lang="en-US" dirty="0" smtClean="0"/>
-              <a:t>NODE.GET_VALUE() </a:t>
-            </a:r>
-            <a:r>
-              <a:rPr lang="en-US" dirty="0">
-                <a:sym typeface="Symbol" panose="05050102010706020507" pitchFamily="18" charset="2"/>
-              </a:rPr>
-              <a:t> </a:t>
-            </a:r>
-            <a:r>
-              <a:rPr lang="en-US" dirty="0" smtClean="0">
-                <a:sym typeface="Symbol" panose="05050102010706020507" pitchFamily="18" charset="2"/>
-              </a:rPr>
-              <a:t>value</a:t>
-            </a:r>
-          </a:p>
-          <a:p>
-            <a:r>
-              <a:rPr lang="en-US" dirty="0" smtClean="0">
-                <a:sym typeface="Symbol" panose="05050102010706020507" pitchFamily="18" charset="2"/>
-              </a:rPr>
-              <a:t>NODE.GET_INCOMING_EDGES()</a:t>
-            </a:r>
-            <a:r>
-              <a:rPr lang="en-US" dirty="0"/>
-              <a:t> </a:t>
-            </a:r>
-            <a:r>
-              <a:rPr lang="en-US" dirty="0">
-                <a:sym typeface="Symbol" panose="05050102010706020507" pitchFamily="18" charset="2"/>
-              </a:rPr>
-              <a:t> </a:t>
-            </a:r>
-            <a:r>
-              <a:rPr lang="en-US" dirty="0" smtClean="0">
-                <a:sym typeface="Symbol" panose="05050102010706020507" pitchFamily="18" charset="2"/>
-              </a:rPr>
-              <a:t>{edge</a:t>
-            </a:r>
-            <a:r>
-              <a:rPr lang="en-US" baseline="-25000" dirty="0">
-                <a:sym typeface="Symbol" panose="05050102010706020507" pitchFamily="18" charset="2"/>
-              </a:rPr>
-              <a:t>0</a:t>
-            </a:r>
-            <a:r>
-              <a:rPr lang="en-US" dirty="0">
-                <a:sym typeface="Symbol" panose="05050102010706020507" pitchFamily="18" charset="2"/>
-              </a:rPr>
-              <a:t>, …, </a:t>
-            </a:r>
-            <a:r>
-              <a:rPr lang="en-US" dirty="0" err="1" smtClean="0">
-                <a:sym typeface="Symbol" panose="05050102010706020507" pitchFamily="18" charset="2"/>
-              </a:rPr>
-              <a:t>edge</a:t>
-            </a:r>
-            <a:r>
-              <a:rPr lang="en-US" baseline="-25000" dirty="0" err="1" smtClean="0">
-                <a:sym typeface="Symbol" panose="05050102010706020507" pitchFamily="18" charset="2"/>
-              </a:rPr>
-              <a:t>k</a:t>
-            </a:r>
-            <a:r>
-              <a:rPr lang="en-US" dirty="0" smtClean="0">
-                <a:sym typeface="Symbol" panose="05050102010706020507" pitchFamily="18" charset="2"/>
-              </a:rPr>
-              <a:t>}</a:t>
-            </a:r>
-          </a:p>
-          <a:p>
-            <a:r>
-              <a:rPr lang="en-US" dirty="0" smtClean="0">
-                <a:sym typeface="Symbol" panose="05050102010706020507" pitchFamily="18" charset="2"/>
-              </a:rPr>
-              <a:t>NODE.GET_OUTGOING_EDGES</a:t>
-            </a:r>
-            <a:r>
-              <a:rPr lang="en-US" dirty="0">
-                <a:sym typeface="Symbol" panose="05050102010706020507" pitchFamily="18" charset="2"/>
-              </a:rPr>
-              <a:t>()  {edge</a:t>
-            </a:r>
-            <a:r>
-              <a:rPr lang="en-US" baseline="-25000" dirty="0">
-                <a:sym typeface="Symbol" panose="05050102010706020507" pitchFamily="18" charset="2"/>
-              </a:rPr>
-              <a:t>0</a:t>
-            </a:r>
-            <a:r>
-              <a:rPr lang="en-US" dirty="0">
-                <a:sym typeface="Symbol" panose="05050102010706020507" pitchFamily="18" charset="2"/>
-              </a:rPr>
-              <a:t>, …, </a:t>
-            </a:r>
-            <a:r>
-              <a:rPr lang="en-US" dirty="0" err="1">
-                <a:sym typeface="Symbol" panose="05050102010706020507" pitchFamily="18" charset="2"/>
-              </a:rPr>
-              <a:t>edge</a:t>
-            </a:r>
-            <a:r>
-              <a:rPr lang="en-US" baseline="-25000" dirty="0" err="1">
-                <a:sym typeface="Symbol" panose="05050102010706020507" pitchFamily="18" charset="2"/>
-              </a:rPr>
-              <a:t>k</a:t>
-            </a:r>
-            <a:r>
-              <a:rPr lang="en-US" dirty="0">
-                <a:sym typeface="Symbol" panose="05050102010706020507" pitchFamily="18" charset="2"/>
-              </a:rPr>
-              <a:t>}</a:t>
-            </a:r>
-            <a:endParaRPr lang="en-US" dirty="0" smtClean="0">
-              <a:sym typeface="Symbol" panose="05050102010706020507" pitchFamily="18" charset="2"/>
-            </a:endParaRPr>
-          </a:p>
-          <a:p>
-            <a:r>
-              <a:rPr lang="en-US" dirty="0" smtClean="0">
-                <a:sym typeface="Symbol" panose="05050102010706020507" pitchFamily="18" charset="2"/>
-              </a:rPr>
-              <a:t>EDGE.GET_FROM</a:t>
-            </a:r>
-            <a:r>
-              <a:rPr lang="en-US" dirty="0">
-                <a:sym typeface="Symbol" panose="05050102010706020507" pitchFamily="18" charset="2"/>
-              </a:rPr>
-              <a:t>()  </a:t>
-            </a:r>
-            <a:r>
-              <a:rPr lang="en-US" dirty="0" smtClean="0">
-                <a:sym typeface="Symbol" panose="05050102010706020507" pitchFamily="18" charset="2"/>
-              </a:rPr>
-              <a:t>node</a:t>
-            </a:r>
-          </a:p>
-          <a:p>
-            <a:r>
-              <a:rPr lang="en-US" dirty="0" smtClean="0">
-                <a:sym typeface="Symbol" panose="05050102010706020507" pitchFamily="18" charset="2"/>
-              </a:rPr>
-              <a:t>EDGE.GET_TO</a:t>
-            </a:r>
-            <a:r>
-              <a:rPr lang="en-US" dirty="0">
-                <a:sym typeface="Symbol" panose="05050102010706020507" pitchFamily="18" charset="2"/>
-              </a:rPr>
-              <a:t>()  </a:t>
-            </a:r>
-            <a:r>
-              <a:rPr lang="en-US" dirty="0" smtClean="0">
-                <a:sym typeface="Symbol" panose="05050102010706020507" pitchFamily="18" charset="2"/>
-              </a:rPr>
-              <a:t>node</a:t>
-            </a:r>
-            <a:endParaRPr lang="en-US" dirty="0"/>
-          </a:p>
-          <a:p>
-            <a:r>
-              <a:rPr lang="en-US" dirty="0" smtClean="0"/>
-              <a:t>GRAPH.IS_EMPTY()</a:t>
-            </a:r>
-            <a:r>
-              <a:rPr lang="en-US" dirty="0"/>
-              <a:t> </a:t>
-            </a:r>
-            <a:r>
-              <a:rPr lang="en-US" dirty="0">
-                <a:sym typeface="Symbol" panose="05050102010706020507" pitchFamily="18" charset="2"/>
-              </a:rPr>
-              <a:t> </a:t>
-            </a:r>
-            <a:r>
-              <a:rPr lang="en-US" dirty="0" err="1" smtClean="0">
-                <a:sym typeface="Symbol" panose="05050102010706020507" pitchFamily="18" charset="2"/>
-              </a:rPr>
-              <a:t>boolean</a:t>
-            </a:r>
-            <a:endParaRPr lang="en-US" dirty="0" smtClean="0"/>
-          </a:p>
-          <a:p>
-            <a:r>
-              <a:rPr lang="en-US" dirty="0" smtClean="0"/>
-              <a:t>GRAPH.SIZE() </a:t>
-            </a:r>
-            <a:r>
-              <a:rPr lang="en-US" dirty="0">
-                <a:sym typeface="Symbol" panose="05050102010706020507" pitchFamily="18" charset="2"/>
-              </a:rPr>
-              <a:t> </a:t>
-            </a:r>
-            <a:r>
-              <a:rPr lang="en-US" dirty="0" smtClean="0">
-                <a:sym typeface="Symbol" panose="05050102010706020507" pitchFamily="18" charset="2"/>
-              </a:rPr>
-              <a:t>#nodes</a:t>
-            </a:r>
-            <a:endParaRPr lang="en-US" dirty="0"/>
-          </a:p>
-        </p:txBody>
-      </p:sp>
-      <p:sp>
-        <p:nvSpPr>
-          <p:cNvPr id="4" name="Slide Number Placeholder 3"/>
-          <p:cNvSpPr>
-            <a:spLocks noGrp="1"/>
-          </p:cNvSpPr>
-          <p:nvPr>
-            <p:ph type="sldNum" sz="quarter" idx="12"/>
-          </p:nvPr>
-        </p:nvSpPr>
-        <p:spPr/>
-        <p:txBody>
-          <a:bodyPr/>
-          <a:lstStyle/>
-          <a:p>
-            <a:fld id="{11AD1F4E-1E51-402E-B221-310F004E7D3B}" type="slidenum">
-              <a:rPr lang="en-US" smtClean="0"/>
-              <a:t>38</a:t>
-            </a:fld>
-            <a:endParaRPr lang="en-US"/>
-          </a:p>
-        </p:txBody>
-      </p:sp>
-    </p:spTree>
-    <p:extLst>
-      <p:ext uri="{BB962C8B-B14F-4D97-AF65-F5344CB8AC3E}">
-        <p14:creationId xmlns:p14="http://schemas.microsoft.com/office/powerpoint/2010/main" val="2564223248"/>
-      </p:ext>
-    </p:extLst>
-  </p:cSld>
-  <p:clrMapOvr>
-    <a:masterClrMapping/>
-  </p:clrMapOvr>
-  <p:timing>
-    <p:tnLst>
-      <p:par>
-        <p:cTn id="1" dur="indefinite" restart="never" nodeType="tmRoot"/>
-      </p:par>
-    </p:tnLst>
-  </p:timing>
-</p:sld>
-</file>
-
 <file path=ppt/slides/slide39.xml><?xml version="1.0" encoding="utf-8"?>
 <p:sld xmlns:a="http://schemas.openxmlformats.org/drawingml/2006/main" xmlns:r="http://schemas.openxmlformats.org/officeDocument/2006/relationships" xmlns:p="http://schemas.openxmlformats.org/presentationml/2006/main">
   <p:cSld>
@@ -23471,6 +23292,1079 @@
           <a:p>
             <a:r>
               <a:rPr lang="en-US" dirty="0" smtClean="0"/>
+              <a:t>Graph ADT</a:t>
+            </a:r>
+            <a:endParaRPr lang="en-US" dirty="0"/>
+          </a:p>
+        </p:txBody>
+      </p:sp>
+      <p:sp>
+        <p:nvSpPr>
+          <p:cNvPr id="3" name="Content Placeholder 2"/>
+          <p:cNvSpPr>
+            <a:spLocks noGrp="1"/>
+          </p:cNvSpPr>
+          <p:nvPr>
+            <p:ph idx="1"/>
+          </p:nvPr>
+        </p:nvSpPr>
+        <p:spPr/>
+        <p:txBody>
+          <a:bodyPr>
+            <a:normAutofit fontScale="62500" lnSpcReduction="20000"/>
+          </a:bodyPr>
+          <a:lstStyle/>
+          <a:p>
+            <a:r>
+              <a:rPr lang="en-US" dirty="0" smtClean="0"/>
+              <a:t>EMPTY_GRAPH() </a:t>
+            </a:r>
+            <a:r>
+              <a:rPr lang="en-US" dirty="0" smtClean="0">
+                <a:sym typeface="Symbol" panose="05050102010706020507" pitchFamily="18" charset="2"/>
+              </a:rPr>
+              <a:t> graph</a:t>
+            </a:r>
+            <a:endParaRPr lang="en-US" dirty="0" smtClean="0"/>
+          </a:p>
+          <a:p>
+            <a:r>
+              <a:rPr lang="en-US" dirty="0" smtClean="0"/>
+              <a:t>GRAPH.ADD_NODE(value)</a:t>
+            </a:r>
+          </a:p>
+          <a:p>
+            <a:r>
+              <a:rPr lang="en-US" dirty="0" smtClean="0"/>
+              <a:t>GRAPH.REMOVE(node)</a:t>
+            </a:r>
+            <a:endParaRPr lang="en-US" dirty="0"/>
+          </a:p>
+          <a:p>
+            <a:r>
+              <a:rPr lang="en-US" dirty="0" smtClean="0"/>
+              <a:t>GRAPH.ADD_EDGE(</a:t>
+            </a:r>
+            <a:r>
+              <a:rPr lang="en-US" dirty="0" err="1" smtClean="0"/>
+              <a:t>node</a:t>
+            </a:r>
+            <a:r>
+              <a:rPr lang="en-US" i="1" baseline="-25000" dirty="0" err="1" smtClean="0"/>
+              <a:t>i</a:t>
+            </a:r>
+            <a:r>
+              <a:rPr lang="en-US" dirty="0" smtClean="0"/>
+              <a:t>, </a:t>
+            </a:r>
+            <a:r>
+              <a:rPr lang="en-US" dirty="0" err="1" smtClean="0"/>
+              <a:t>node</a:t>
+            </a:r>
+            <a:r>
+              <a:rPr lang="en-US" i="1" baseline="-25000" dirty="0" err="1" smtClean="0"/>
+              <a:t>j</a:t>
+            </a:r>
+            <a:r>
+              <a:rPr lang="en-US" dirty="0" smtClean="0"/>
+              <a:t>)</a:t>
+            </a:r>
+          </a:p>
+          <a:p>
+            <a:r>
+              <a:rPr lang="en-US" dirty="0" smtClean="0"/>
+              <a:t>GRAPH.REMOVE_EDGE(</a:t>
+            </a:r>
+            <a:r>
+              <a:rPr lang="en-US" dirty="0" err="1"/>
+              <a:t>node</a:t>
+            </a:r>
+            <a:r>
+              <a:rPr lang="en-US" i="1" baseline="-25000" dirty="0" err="1"/>
+              <a:t>i</a:t>
+            </a:r>
+            <a:r>
+              <a:rPr lang="en-US" dirty="0"/>
+              <a:t>, </a:t>
+            </a:r>
+            <a:r>
+              <a:rPr lang="en-US" dirty="0" err="1"/>
+              <a:t>node</a:t>
+            </a:r>
+            <a:r>
+              <a:rPr lang="en-US" i="1" baseline="-25000" dirty="0" err="1"/>
+              <a:t>j</a:t>
+            </a:r>
+            <a:r>
+              <a:rPr lang="en-US" dirty="0" smtClean="0"/>
+              <a:t>)</a:t>
+            </a:r>
+          </a:p>
+          <a:p>
+            <a:r>
+              <a:rPr lang="en-US" dirty="0" smtClean="0"/>
+              <a:t>GRAPH.GET_NODES()</a:t>
+            </a:r>
+            <a:r>
+              <a:rPr lang="en-US" dirty="0"/>
+              <a:t> </a:t>
+            </a:r>
+            <a:r>
+              <a:rPr lang="en-US" dirty="0">
+                <a:sym typeface="Symbol" panose="05050102010706020507" pitchFamily="18" charset="2"/>
+              </a:rPr>
+              <a:t> </a:t>
+            </a:r>
+            <a:r>
+              <a:rPr lang="en-US" dirty="0" smtClean="0">
+                <a:sym typeface="Symbol" panose="05050102010706020507" pitchFamily="18" charset="2"/>
+              </a:rPr>
+              <a:t>{node</a:t>
+            </a:r>
+            <a:r>
+              <a:rPr lang="en-US" baseline="-25000" dirty="0" smtClean="0">
+                <a:sym typeface="Symbol" panose="05050102010706020507" pitchFamily="18" charset="2"/>
+              </a:rPr>
+              <a:t>0</a:t>
+            </a:r>
+            <a:r>
+              <a:rPr lang="en-US" dirty="0" smtClean="0">
+                <a:sym typeface="Symbol" panose="05050102010706020507" pitchFamily="18" charset="2"/>
+              </a:rPr>
+              <a:t>, …, node</a:t>
+            </a:r>
+            <a:r>
+              <a:rPr lang="en-US" i="1" baseline="-25000" dirty="0" smtClean="0">
+                <a:sym typeface="Symbol" panose="05050102010706020507" pitchFamily="18" charset="2"/>
+              </a:rPr>
+              <a:t>n</a:t>
+            </a:r>
+            <a:r>
+              <a:rPr lang="en-US" baseline="-25000" dirty="0" smtClean="0">
+                <a:sym typeface="Symbol" panose="05050102010706020507" pitchFamily="18" charset="2"/>
+              </a:rPr>
+              <a:t>-1</a:t>
+            </a:r>
+            <a:r>
+              <a:rPr lang="en-US" dirty="0" smtClean="0">
+                <a:sym typeface="Symbol" panose="05050102010706020507" pitchFamily="18" charset="2"/>
+              </a:rPr>
+              <a:t>}</a:t>
+            </a:r>
+            <a:endParaRPr lang="en-US" dirty="0" smtClean="0"/>
+          </a:p>
+          <a:p>
+            <a:r>
+              <a:rPr lang="en-US" dirty="0" smtClean="0"/>
+              <a:t>NODE.GET_VALUE() </a:t>
+            </a:r>
+            <a:r>
+              <a:rPr lang="en-US" dirty="0">
+                <a:sym typeface="Symbol" panose="05050102010706020507" pitchFamily="18" charset="2"/>
+              </a:rPr>
+              <a:t> </a:t>
+            </a:r>
+            <a:r>
+              <a:rPr lang="en-US" dirty="0" smtClean="0">
+                <a:sym typeface="Symbol" panose="05050102010706020507" pitchFamily="18" charset="2"/>
+              </a:rPr>
+              <a:t>value</a:t>
+            </a:r>
+          </a:p>
+          <a:p>
+            <a:r>
+              <a:rPr lang="en-US" dirty="0" smtClean="0">
+                <a:sym typeface="Symbol" panose="05050102010706020507" pitchFamily="18" charset="2"/>
+              </a:rPr>
+              <a:t>NODE.GET_INCOMING_EDGES()</a:t>
+            </a:r>
+            <a:r>
+              <a:rPr lang="en-US" dirty="0"/>
+              <a:t> </a:t>
+            </a:r>
+            <a:r>
+              <a:rPr lang="en-US" dirty="0">
+                <a:sym typeface="Symbol" panose="05050102010706020507" pitchFamily="18" charset="2"/>
+              </a:rPr>
+              <a:t> </a:t>
+            </a:r>
+            <a:r>
+              <a:rPr lang="en-US" dirty="0" smtClean="0">
+                <a:sym typeface="Symbol" panose="05050102010706020507" pitchFamily="18" charset="2"/>
+              </a:rPr>
+              <a:t>{edge</a:t>
+            </a:r>
+            <a:r>
+              <a:rPr lang="en-US" baseline="-25000" dirty="0">
+                <a:sym typeface="Symbol" panose="05050102010706020507" pitchFamily="18" charset="2"/>
+              </a:rPr>
+              <a:t>0</a:t>
+            </a:r>
+            <a:r>
+              <a:rPr lang="en-US" dirty="0">
+                <a:sym typeface="Symbol" panose="05050102010706020507" pitchFamily="18" charset="2"/>
+              </a:rPr>
+              <a:t>, …, </a:t>
+            </a:r>
+            <a:r>
+              <a:rPr lang="en-US" dirty="0" err="1" smtClean="0">
+                <a:sym typeface="Symbol" panose="05050102010706020507" pitchFamily="18" charset="2"/>
+              </a:rPr>
+              <a:t>edge</a:t>
+            </a:r>
+            <a:r>
+              <a:rPr lang="en-US" baseline="-25000" dirty="0" err="1" smtClean="0">
+                <a:sym typeface="Symbol" panose="05050102010706020507" pitchFamily="18" charset="2"/>
+              </a:rPr>
+              <a:t>k</a:t>
+            </a:r>
+            <a:r>
+              <a:rPr lang="en-US" dirty="0" smtClean="0">
+                <a:sym typeface="Symbol" panose="05050102010706020507" pitchFamily="18" charset="2"/>
+              </a:rPr>
+              <a:t>}</a:t>
+            </a:r>
+          </a:p>
+          <a:p>
+            <a:r>
+              <a:rPr lang="en-US" dirty="0" smtClean="0">
+                <a:sym typeface="Symbol" panose="05050102010706020507" pitchFamily="18" charset="2"/>
+              </a:rPr>
+              <a:t>NODE.GET_OUTGOING_EDGES</a:t>
+            </a:r>
+            <a:r>
+              <a:rPr lang="en-US" dirty="0">
+                <a:sym typeface="Symbol" panose="05050102010706020507" pitchFamily="18" charset="2"/>
+              </a:rPr>
+              <a:t>()  {edge</a:t>
+            </a:r>
+            <a:r>
+              <a:rPr lang="en-US" baseline="-25000" dirty="0">
+                <a:sym typeface="Symbol" panose="05050102010706020507" pitchFamily="18" charset="2"/>
+              </a:rPr>
+              <a:t>0</a:t>
+            </a:r>
+            <a:r>
+              <a:rPr lang="en-US" dirty="0">
+                <a:sym typeface="Symbol" panose="05050102010706020507" pitchFamily="18" charset="2"/>
+              </a:rPr>
+              <a:t>, …, </a:t>
+            </a:r>
+            <a:r>
+              <a:rPr lang="en-US" dirty="0" err="1">
+                <a:sym typeface="Symbol" panose="05050102010706020507" pitchFamily="18" charset="2"/>
+              </a:rPr>
+              <a:t>edge</a:t>
+            </a:r>
+            <a:r>
+              <a:rPr lang="en-US" baseline="-25000" dirty="0" err="1">
+                <a:sym typeface="Symbol" panose="05050102010706020507" pitchFamily="18" charset="2"/>
+              </a:rPr>
+              <a:t>k</a:t>
+            </a:r>
+            <a:r>
+              <a:rPr lang="en-US" dirty="0">
+                <a:sym typeface="Symbol" panose="05050102010706020507" pitchFamily="18" charset="2"/>
+              </a:rPr>
+              <a:t>}</a:t>
+            </a:r>
+            <a:endParaRPr lang="en-US" dirty="0" smtClean="0">
+              <a:sym typeface="Symbol" panose="05050102010706020507" pitchFamily="18" charset="2"/>
+            </a:endParaRPr>
+          </a:p>
+          <a:p>
+            <a:r>
+              <a:rPr lang="en-US" dirty="0" smtClean="0">
+                <a:sym typeface="Symbol" panose="05050102010706020507" pitchFamily="18" charset="2"/>
+              </a:rPr>
+              <a:t>EDGE.GET_FROM</a:t>
+            </a:r>
+            <a:r>
+              <a:rPr lang="en-US" dirty="0">
+                <a:sym typeface="Symbol" panose="05050102010706020507" pitchFamily="18" charset="2"/>
+              </a:rPr>
+              <a:t>()  </a:t>
+            </a:r>
+            <a:r>
+              <a:rPr lang="en-US" dirty="0" smtClean="0">
+                <a:sym typeface="Symbol" panose="05050102010706020507" pitchFamily="18" charset="2"/>
+              </a:rPr>
+              <a:t>node</a:t>
+            </a:r>
+          </a:p>
+          <a:p>
+            <a:r>
+              <a:rPr lang="en-US" dirty="0" smtClean="0">
+                <a:sym typeface="Symbol" panose="05050102010706020507" pitchFamily="18" charset="2"/>
+              </a:rPr>
+              <a:t>EDGE.GET_TO</a:t>
+            </a:r>
+            <a:r>
+              <a:rPr lang="en-US" dirty="0">
+                <a:sym typeface="Symbol" panose="05050102010706020507" pitchFamily="18" charset="2"/>
+              </a:rPr>
+              <a:t>()  </a:t>
+            </a:r>
+            <a:r>
+              <a:rPr lang="en-US" dirty="0" smtClean="0">
+                <a:sym typeface="Symbol" panose="05050102010706020507" pitchFamily="18" charset="2"/>
+              </a:rPr>
+              <a:t>node</a:t>
+            </a:r>
+            <a:endParaRPr lang="en-US" dirty="0"/>
+          </a:p>
+          <a:p>
+            <a:r>
+              <a:rPr lang="en-US" dirty="0" smtClean="0"/>
+              <a:t>GRAPH.IS_EMPTY()</a:t>
+            </a:r>
+            <a:r>
+              <a:rPr lang="en-US" dirty="0"/>
+              <a:t> </a:t>
+            </a:r>
+            <a:r>
+              <a:rPr lang="en-US" dirty="0">
+                <a:sym typeface="Symbol" panose="05050102010706020507" pitchFamily="18" charset="2"/>
+              </a:rPr>
+              <a:t> </a:t>
+            </a:r>
+            <a:r>
+              <a:rPr lang="en-US" dirty="0" err="1" smtClean="0">
+                <a:sym typeface="Symbol" panose="05050102010706020507" pitchFamily="18" charset="2"/>
+              </a:rPr>
+              <a:t>boolean</a:t>
+            </a:r>
+            <a:endParaRPr lang="en-US" dirty="0" smtClean="0"/>
+          </a:p>
+          <a:p>
+            <a:r>
+              <a:rPr lang="en-US" dirty="0" smtClean="0"/>
+              <a:t>GRAPH.SIZE() </a:t>
+            </a:r>
+            <a:r>
+              <a:rPr lang="en-US" dirty="0">
+                <a:sym typeface="Symbol" panose="05050102010706020507" pitchFamily="18" charset="2"/>
+              </a:rPr>
+              <a:t> </a:t>
+            </a:r>
+            <a:r>
+              <a:rPr lang="en-US" dirty="0" smtClean="0">
+                <a:sym typeface="Symbol" panose="05050102010706020507" pitchFamily="18" charset="2"/>
+              </a:rPr>
+              <a:t>#nodes</a:t>
+            </a:r>
+            <a:endParaRPr lang="en-US" dirty="0"/>
+          </a:p>
+        </p:txBody>
+      </p:sp>
+      <p:sp>
+        <p:nvSpPr>
+          <p:cNvPr id="4" name="Slide Number Placeholder 3"/>
+          <p:cNvSpPr>
+            <a:spLocks noGrp="1"/>
+          </p:cNvSpPr>
+          <p:nvPr>
+            <p:ph type="sldNum" sz="quarter" idx="12"/>
+          </p:nvPr>
+        </p:nvSpPr>
+        <p:spPr/>
+        <p:txBody>
+          <a:bodyPr/>
+          <a:lstStyle/>
+          <a:p>
+            <a:fld id="{11AD1F4E-1E51-402E-B221-310F004E7D3B}" type="slidenum">
+              <a:rPr lang="en-US" smtClean="0"/>
+              <a:t>39</a:t>
+            </a:fld>
+            <a:endParaRPr lang="en-US"/>
+          </a:p>
+        </p:txBody>
+      </p:sp>
+    </p:spTree>
+    <p:extLst>
+      <p:ext uri="{BB962C8B-B14F-4D97-AF65-F5344CB8AC3E}">
+        <p14:creationId xmlns:p14="http://schemas.microsoft.com/office/powerpoint/2010/main" val="2564223248"/>
+      </p:ext>
+    </p:extLst>
+  </p:cSld>
+  <p:clrMapOvr>
+    <a:masterClrMapping/>
+  </p:clrMapOvr>
+  <p:timing>
+    <p:tnLst>
+      <p:par>
+        <p:cTn id="1" dur="indefinite" restart="never" nodeType="tmRoot"/>
+      </p:par>
+    </p:tnLst>
+  </p:timing>
+</p:sld>
+</file>
+
+<file path=ppt/slides/slide4.xml><?xml version="1.0" encoding="utf-8"?>
+<p:sld xmlns:a="http://schemas.openxmlformats.org/drawingml/2006/main" xmlns:r="http://schemas.openxmlformats.org/officeDocument/2006/relationships" xmlns:p="http://schemas.openxmlformats.org/presentationml/2006/main">
+  <p:cSld>
+    <p:spTree>
+      <p:nvGrpSpPr>
+        <p:cNvPr id="1" name=""/>
+        <p:cNvGrpSpPr/>
+        <p:nvPr/>
+      </p:nvGrpSpPr>
+      <p:grpSpPr>
+        <a:xfrm>
+          <a:off x="0" y="0"/>
+          <a:ext cx="0" cy="0"/>
+          <a:chOff x="0" y="0"/>
+          <a:chExt cx="0" cy="0"/>
+        </a:xfrm>
+      </p:grpSpPr>
+      <p:sp>
+        <p:nvSpPr>
+          <p:cNvPr id="2" name="Title 1"/>
+          <p:cNvSpPr>
+            <a:spLocks noGrp="1"/>
+          </p:cNvSpPr>
+          <p:nvPr>
+            <p:ph type="title"/>
+          </p:nvPr>
+        </p:nvSpPr>
+        <p:spPr/>
+        <p:txBody>
+          <a:bodyPr/>
+          <a:lstStyle/>
+          <a:p>
+            <a:r>
+              <a:rPr lang="en-US" dirty="0" smtClean="0"/>
+              <a:t>Motivation</a:t>
+            </a:r>
+            <a:endParaRPr lang="en-US" dirty="0"/>
+          </a:p>
+        </p:txBody>
+      </p:sp>
+      <p:sp>
+        <p:nvSpPr>
+          <p:cNvPr id="3" name="Content Placeholder 2"/>
+          <p:cNvSpPr>
+            <a:spLocks noGrp="1"/>
+          </p:cNvSpPr>
+          <p:nvPr>
+            <p:ph idx="1"/>
+          </p:nvPr>
+        </p:nvSpPr>
+        <p:spPr>
+          <a:xfrm>
+            <a:off x="628650" y="1825625"/>
+            <a:ext cx="7886700" cy="4351338"/>
+          </a:xfrm>
+        </p:spPr>
+        <p:txBody>
+          <a:bodyPr>
+            <a:normAutofit lnSpcReduction="10000"/>
+          </a:bodyPr>
+          <a:lstStyle/>
+          <a:p>
+            <a:r>
+              <a:rPr lang="en-US" dirty="0" smtClean="0"/>
+              <a:t>Data structures are key to good programming</a:t>
+            </a:r>
+          </a:p>
+          <a:p>
+            <a:pPr lvl="1"/>
+            <a:r>
+              <a:rPr lang="en-US" dirty="0" smtClean="0"/>
+              <a:t>implementation conceptually close to model</a:t>
+            </a:r>
+          </a:p>
+          <a:p>
+            <a:pPr lvl="1"/>
+            <a:r>
+              <a:rPr lang="en-US" dirty="0" smtClean="0"/>
+              <a:t>fewer lines of code = less bugs</a:t>
+            </a:r>
+          </a:p>
+          <a:p>
+            <a:pPr lvl="1"/>
+            <a:r>
+              <a:rPr lang="en-US" dirty="0" smtClean="0"/>
+              <a:t>better performance</a:t>
+            </a:r>
+          </a:p>
+          <a:p>
+            <a:r>
+              <a:rPr lang="en-US" dirty="0" smtClean="0"/>
+              <a:t>Programming languages</a:t>
+            </a:r>
+          </a:p>
+          <a:p>
+            <a:pPr lvl="1"/>
+            <a:r>
+              <a:rPr lang="en-US" dirty="0" smtClean="0"/>
+              <a:t>C++: STL (Standard Template Library)</a:t>
+            </a:r>
+          </a:p>
+          <a:p>
+            <a:pPr lvl="1"/>
+            <a:r>
+              <a:rPr lang="en-US" dirty="0" smtClean="0"/>
+              <a:t>Python: core language, standard library</a:t>
+            </a:r>
+          </a:p>
+          <a:p>
+            <a:pPr lvl="1"/>
+            <a:r>
+              <a:rPr lang="en-US" dirty="0" smtClean="0"/>
+              <a:t>Java: standard library</a:t>
+            </a:r>
+          </a:p>
+          <a:p>
+            <a:pPr lvl="1"/>
+            <a:endParaRPr lang="en-US" dirty="0"/>
+          </a:p>
+          <a:p>
+            <a:endParaRPr lang="en-US" dirty="0" smtClean="0"/>
+          </a:p>
+          <a:p>
+            <a:r>
+              <a:rPr lang="en-US" dirty="0" smtClean="0">
+                <a:solidFill>
+                  <a:srgbClr val="FF0000"/>
+                </a:solidFill>
+              </a:rPr>
+              <a:t>Don't reinvent the wheel!</a:t>
+            </a:r>
+          </a:p>
+          <a:p>
+            <a:pPr lvl="1"/>
+            <a:endParaRPr lang="en-US" dirty="0"/>
+          </a:p>
+        </p:txBody>
+      </p:sp>
+      <p:sp>
+        <p:nvSpPr>
+          <p:cNvPr id="4" name="TextBox 3"/>
+          <p:cNvSpPr txBox="1"/>
+          <p:nvPr/>
+        </p:nvSpPr>
+        <p:spPr>
+          <a:xfrm>
+            <a:off x="1350819" y="5029199"/>
+            <a:ext cx="4668650" cy="415498"/>
+          </a:xfrm>
+          <a:prstGeom prst="rect">
+            <a:avLst/>
+          </a:prstGeom>
+          <a:noFill/>
+          <a:ln>
+            <a:solidFill>
+              <a:schemeClr val="tx1"/>
+            </a:solidFill>
+          </a:ln>
+        </p:spPr>
+        <p:txBody>
+          <a:bodyPr wrap="none" rtlCol="0">
+            <a:spAutoFit/>
+          </a:bodyPr>
+          <a:lstStyle/>
+          <a:p>
+            <a:r>
+              <a:rPr lang="en-US" sz="2100" dirty="0"/>
+              <a:t>For all languages, many 3</a:t>
+            </a:r>
+            <a:r>
+              <a:rPr lang="en-US" sz="2100" baseline="30000" dirty="0"/>
+              <a:t>rd</a:t>
+            </a:r>
+            <a:r>
+              <a:rPr lang="en-US" sz="2100" dirty="0"/>
+              <a:t> party libraries</a:t>
+            </a:r>
+          </a:p>
+        </p:txBody>
+      </p:sp>
+      <p:sp>
+        <p:nvSpPr>
+          <p:cNvPr id="5" name="Slide Number Placeholder 4"/>
+          <p:cNvSpPr>
+            <a:spLocks noGrp="1"/>
+          </p:cNvSpPr>
+          <p:nvPr>
+            <p:ph type="sldNum" sz="quarter" idx="12"/>
+          </p:nvPr>
+        </p:nvSpPr>
+        <p:spPr/>
+        <p:txBody>
+          <a:bodyPr/>
+          <a:lstStyle/>
+          <a:p>
+            <a:fld id="{11AD1F4E-1E51-402E-B221-310F004E7D3B}" type="slidenum">
+              <a:rPr lang="en-US" smtClean="0"/>
+              <a:t>4</a:t>
+            </a:fld>
+            <a:endParaRPr lang="en-US"/>
+          </a:p>
+        </p:txBody>
+      </p:sp>
+    </p:spTree>
+    <p:extLst>
+      <p:ext uri="{BB962C8B-B14F-4D97-AF65-F5344CB8AC3E}">
+        <p14:creationId xmlns:p14="http://schemas.microsoft.com/office/powerpoint/2010/main" val="2709702978"/>
+      </p:ext>
+    </p:extLst>
+  </p:cSld>
+  <p:clrMapOvr>
+    <a:masterClrMapping/>
+  </p:clrMapOvr>
+  <p:timing>
+    <p:tnLst>
+      <p:par>
+        <p:cTn id="1" dur="indefinite" restart="never" nodeType="tmRoot">
+          <p:childTnLst>
+            <p:seq concurrent="1" nextAc="seek">
+              <p:cTn id="2" dur="indefinite" nodeType="mainSeq">
+                <p:childTnLst>
+                  <p:par>
+                    <p:cTn id="3" fill="hold">
+                      <p:stCondLst>
+                        <p:cond delay="indefinite"/>
+                        <p:cond evt="onBegin" delay="0">
+                          <p:tn val="2"/>
+                        </p:cond>
+                      </p:stCondLst>
+                      <p:childTnLst>
+                        <p:par>
+                          <p:cTn id="4" fill="hold">
+                            <p:stCondLst>
+                              <p:cond delay="0"/>
+                            </p:stCondLst>
+                            <p:childTnLst>
+                              <p:par>
+                                <p:cTn id="5" presetID="1" presetClass="entr" presetSubtype="0" fill="hold" grpId="0" nodeType="withEffect">
+                                  <p:stCondLst>
+                                    <p:cond delay="0"/>
+                                  </p:stCondLst>
+                                  <p:childTnLst>
+                                    <p:set>
+                                      <p:cBhvr>
+                                        <p:cTn id="6" dur="1" fill="hold">
+                                          <p:stCondLst>
+                                            <p:cond delay="0"/>
+                                          </p:stCondLst>
+                                        </p:cTn>
+                                        <p:tgtEl>
+                                          <p:spTgt spid="3">
+                                            <p:txEl>
+                                              <p:pRg st="0" end="0"/>
+                                            </p:txEl>
+                                          </p:spTgt>
+                                        </p:tgtEl>
+                                        <p:attrNameLst>
+                                          <p:attrName>style.visibility</p:attrName>
+                                        </p:attrNameLst>
+                                      </p:cBhvr>
+                                      <p:to>
+                                        <p:strVal val="visible"/>
+                                      </p:to>
+                                    </p:set>
+                                  </p:childTnLst>
+                                </p:cTn>
+                              </p:par>
+                              <p:par>
+                                <p:cTn id="7" presetID="1" presetClass="entr" presetSubtype="0" fill="hold" grpId="0" nodeType="withEffect">
+                                  <p:stCondLst>
+                                    <p:cond delay="0"/>
+                                  </p:stCondLst>
+                                  <p:childTnLst>
+                                    <p:set>
+                                      <p:cBhvr>
+                                        <p:cTn id="8" dur="1" fill="hold">
+                                          <p:stCondLst>
+                                            <p:cond delay="0"/>
+                                          </p:stCondLst>
+                                        </p:cTn>
+                                        <p:tgtEl>
+                                          <p:spTgt spid="3">
+                                            <p:txEl>
+                                              <p:pRg st="1" end="1"/>
+                                            </p:txEl>
+                                          </p:spTgt>
+                                        </p:tgtEl>
+                                        <p:attrNameLst>
+                                          <p:attrName>style.visibility</p:attrName>
+                                        </p:attrNameLst>
+                                      </p:cBhvr>
+                                      <p:to>
+                                        <p:strVal val="visible"/>
+                                      </p:to>
+                                    </p:set>
+                                  </p:childTnLst>
+                                </p:cTn>
+                              </p:par>
+                              <p:par>
+                                <p:cTn id="9" presetID="1" presetClass="entr" presetSubtype="0" fill="hold" grpId="0" nodeType="withEffect">
+                                  <p:stCondLst>
+                                    <p:cond delay="0"/>
+                                  </p:stCondLst>
+                                  <p:childTnLst>
+                                    <p:set>
+                                      <p:cBhvr>
+                                        <p:cTn id="10" dur="1" fill="hold">
+                                          <p:stCondLst>
+                                            <p:cond delay="0"/>
+                                          </p:stCondLst>
+                                        </p:cTn>
+                                        <p:tgtEl>
+                                          <p:spTgt spid="3">
+                                            <p:txEl>
+                                              <p:pRg st="2" end="2"/>
+                                            </p:txEl>
+                                          </p:spTgt>
+                                        </p:tgtEl>
+                                        <p:attrNameLst>
+                                          <p:attrName>style.visibility</p:attrName>
+                                        </p:attrNameLst>
+                                      </p:cBhvr>
+                                      <p:to>
+                                        <p:strVal val="visible"/>
+                                      </p:to>
+                                    </p:set>
+                                  </p:childTnLst>
+                                </p:cTn>
+                              </p:par>
+                              <p:par>
+                                <p:cTn id="11" presetID="1" presetClass="entr" presetSubtype="0" fill="hold" grpId="0" nodeType="withEffect">
+                                  <p:stCondLst>
+                                    <p:cond delay="0"/>
+                                  </p:stCondLst>
+                                  <p:childTnLst>
+                                    <p:set>
+                                      <p:cBhvr>
+                                        <p:cTn id="12" dur="1" fill="hold">
+                                          <p:stCondLst>
+                                            <p:cond delay="0"/>
+                                          </p:stCondLst>
+                                        </p:cTn>
+                                        <p:tgtEl>
+                                          <p:spTgt spid="3">
+                                            <p:txEl>
+                                              <p:pRg st="3" end="3"/>
+                                            </p:txEl>
+                                          </p:spTgt>
+                                        </p:tgtEl>
+                                        <p:attrNameLst>
+                                          <p:attrName>style.visibility</p:attrName>
+                                        </p:attrNameLst>
+                                      </p:cBhvr>
+                                      <p:to>
+                                        <p:strVal val="visible"/>
+                                      </p:to>
+                                    </p:set>
+                                  </p:childTnLst>
+                                </p:cTn>
+                              </p:par>
+                            </p:childTnLst>
+                          </p:cTn>
+                        </p:par>
+                      </p:childTnLst>
+                    </p:cTn>
+                  </p:par>
+                  <p:par>
+                    <p:cTn id="13" fill="hold">
+                      <p:stCondLst>
+                        <p:cond delay="indefinite"/>
+                      </p:stCondLst>
+                      <p:childTnLst>
+                        <p:par>
+                          <p:cTn id="14" fill="hold">
+                            <p:stCondLst>
+                              <p:cond delay="0"/>
+                            </p:stCondLst>
+                            <p:childTnLst>
+                              <p:par>
+                                <p:cTn id="15" presetID="1" presetClass="entr" presetSubtype="0" fill="hold" grpId="0" nodeType="clickEffect">
+                                  <p:stCondLst>
+                                    <p:cond delay="0"/>
+                                  </p:stCondLst>
+                                  <p:childTnLst>
+                                    <p:set>
+                                      <p:cBhvr>
+                                        <p:cTn id="16" dur="1" fill="hold">
+                                          <p:stCondLst>
+                                            <p:cond delay="0"/>
+                                          </p:stCondLst>
+                                        </p:cTn>
+                                        <p:tgtEl>
+                                          <p:spTgt spid="3">
+                                            <p:txEl>
+                                              <p:pRg st="4" end="4"/>
+                                            </p:txEl>
+                                          </p:spTgt>
+                                        </p:tgtEl>
+                                        <p:attrNameLst>
+                                          <p:attrName>style.visibility</p:attrName>
+                                        </p:attrNameLst>
+                                      </p:cBhvr>
+                                      <p:to>
+                                        <p:strVal val="visible"/>
+                                      </p:to>
+                                    </p:set>
+                                  </p:childTnLst>
+                                </p:cTn>
+                              </p:par>
+                              <p:par>
+                                <p:cTn id="17" presetID="1" presetClass="entr" presetSubtype="0" fill="hold" grpId="0" nodeType="withEffect">
+                                  <p:stCondLst>
+                                    <p:cond delay="0"/>
+                                  </p:stCondLst>
+                                  <p:childTnLst>
+                                    <p:set>
+                                      <p:cBhvr>
+                                        <p:cTn id="18" dur="1" fill="hold">
+                                          <p:stCondLst>
+                                            <p:cond delay="0"/>
+                                          </p:stCondLst>
+                                        </p:cTn>
+                                        <p:tgtEl>
+                                          <p:spTgt spid="3">
+                                            <p:txEl>
+                                              <p:pRg st="5" end="5"/>
+                                            </p:txEl>
+                                          </p:spTgt>
+                                        </p:tgtEl>
+                                        <p:attrNameLst>
+                                          <p:attrName>style.visibility</p:attrName>
+                                        </p:attrNameLst>
+                                      </p:cBhvr>
+                                      <p:to>
+                                        <p:strVal val="visible"/>
+                                      </p:to>
+                                    </p:set>
+                                  </p:childTnLst>
+                                </p:cTn>
+                              </p:par>
+                              <p:par>
+                                <p:cTn id="19" presetID="1" presetClass="entr" presetSubtype="0" fill="hold" grpId="0" nodeType="withEffect">
+                                  <p:stCondLst>
+                                    <p:cond delay="0"/>
+                                  </p:stCondLst>
+                                  <p:childTnLst>
+                                    <p:set>
+                                      <p:cBhvr>
+                                        <p:cTn id="20" dur="1" fill="hold">
+                                          <p:stCondLst>
+                                            <p:cond delay="0"/>
+                                          </p:stCondLst>
+                                        </p:cTn>
+                                        <p:tgtEl>
+                                          <p:spTgt spid="3">
+                                            <p:txEl>
+                                              <p:pRg st="6" end="6"/>
+                                            </p:txEl>
+                                          </p:spTgt>
+                                        </p:tgtEl>
+                                        <p:attrNameLst>
+                                          <p:attrName>style.visibility</p:attrName>
+                                        </p:attrNameLst>
+                                      </p:cBhvr>
+                                      <p:to>
+                                        <p:strVal val="visible"/>
+                                      </p:to>
+                                    </p:set>
+                                  </p:childTnLst>
+                                </p:cTn>
+                              </p:par>
+                              <p:par>
+                                <p:cTn id="21" presetID="1" presetClass="entr" presetSubtype="0" fill="hold" grpId="0" nodeType="withEffect">
+                                  <p:stCondLst>
+                                    <p:cond delay="0"/>
+                                  </p:stCondLst>
+                                  <p:childTnLst>
+                                    <p:set>
+                                      <p:cBhvr>
+                                        <p:cTn id="22" dur="1" fill="hold">
+                                          <p:stCondLst>
+                                            <p:cond delay="0"/>
+                                          </p:stCondLst>
+                                        </p:cTn>
+                                        <p:tgtEl>
+                                          <p:spTgt spid="3">
+                                            <p:txEl>
+                                              <p:pRg st="7" end="7"/>
+                                            </p:txEl>
+                                          </p:spTgt>
+                                        </p:tgtEl>
+                                        <p:attrNameLst>
+                                          <p:attrName>style.visibility</p:attrName>
+                                        </p:attrNameLst>
+                                      </p:cBhvr>
+                                      <p:to>
+                                        <p:strVal val="visible"/>
+                                      </p:to>
+                                    </p:set>
+                                  </p:childTnLst>
+                                </p:cTn>
+                              </p:par>
+                            </p:childTnLst>
+                          </p:cTn>
+                        </p:par>
+                      </p:childTnLst>
+                    </p:cTn>
+                  </p:par>
+                  <p:par>
+                    <p:cTn id="23" fill="hold">
+                      <p:stCondLst>
+                        <p:cond delay="indefinite"/>
+                      </p:stCondLst>
+                      <p:childTnLst>
+                        <p:par>
+                          <p:cTn id="24" fill="hold">
+                            <p:stCondLst>
+                              <p:cond delay="0"/>
+                            </p:stCondLst>
+                            <p:childTnLst>
+                              <p:par>
+                                <p:cTn id="25" presetID="1" presetClass="entr" presetSubtype="0" fill="hold" grpId="0" nodeType="clickEffect">
+                                  <p:stCondLst>
+                                    <p:cond delay="0"/>
+                                  </p:stCondLst>
+                                  <p:childTnLst>
+                                    <p:set>
+                                      <p:cBhvr>
+                                        <p:cTn id="26" dur="1" fill="hold">
+                                          <p:stCondLst>
+                                            <p:cond delay="0"/>
+                                          </p:stCondLst>
+                                        </p:cTn>
+                                        <p:tgtEl>
+                                          <p:spTgt spid="4"/>
+                                        </p:tgtEl>
+                                        <p:attrNameLst>
+                                          <p:attrName>style.visibility</p:attrName>
+                                        </p:attrNameLst>
+                                      </p:cBhvr>
+                                      <p:to>
+                                        <p:strVal val="visible"/>
+                                      </p:to>
+                                    </p:set>
+                                  </p:childTnLst>
+                                </p:cTn>
+                              </p:par>
+                            </p:childTnLst>
+                          </p:cTn>
+                        </p:par>
+                      </p:childTnLst>
+                    </p:cTn>
+                  </p:par>
+                  <p:par>
+                    <p:cTn id="27" fill="hold">
+                      <p:stCondLst>
+                        <p:cond delay="indefinite"/>
+                      </p:stCondLst>
+                      <p:childTnLst>
+                        <p:par>
+                          <p:cTn id="28" fill="hold">
+                            <p:stCondLst>
+                              <p:cond delay="0"/>
+                            </p:stCondLst>
+                            <p:childTnLst>
+                              <p:par>
+                                <p:cTn id="29" presetID="1" presetClass="entr" presetSubtype="0" fill="hold" grpId="0" nodeType="clickEffect">
+                                  <p:stCondLst>
+                                    <p:cond delay="0"/>
+                                  </p:stCondLst>
+                                  <p:childTnLst>
+                                    <p:set>
+                                      <p:cBhvr>
+                                        <p:cTn id="30" dur="1" fill="hold">
+                                          <p:stCondLst>
+                                            <p:cond delay="0"/>
+                                          </p:stCondLst>
+                                        </p:cTn>
+                                        <p:tgtEl>
+                                          <p:spTgt spid="3">
+                                            <p:txEl>
+                                              <p:pRg st="10" end="10"/>
+                                            </p:txEl>
+                                          </p:spTgt>
+                                        </p:tgtEl>
+                                        <p:attrNameLst>
+                                          <p:attrName>style.visibility</p:attrName>
+                                        </p:attrNameLst>
+                                      </p:cBhvr>
+                                      <p:to>
+                                        <p:strVal val="visible"/>
+                                      </p:to>
+                                    </p:set>
+                                  </p:childTnLst>
+                                </p:cTn>
+                              </p:par>
+                            </p:childTnLst>
+                          </p:cTn>
+                        </p:par>
+                      </p:childTnLst>
+                    </p:cTn>
+                  </p:par>
+                </p:childTnLst>
+              </p:cTn>
+              <p:prevCondLst>
+                <p:cond evt="onPrev" delay="0">
+                  <p:tgtEl>
+                    <p:sldTgt/>
+                  </p:tgtEl>
+                </p:cond>
+              </p:prevCondLst>
+              <p:nextCondLst>
+                <p:cond evt="onNext" delay="0">
+                  <p:tgtEl>
+                    <p:sldTgt/>
+                  </p:tgtEl>
+                </p:cond>
+              </p:nextCondLst>
+            </p:seq>
+          </p:childTnLst>
+        </p:cTn>
+      </p:par>
+    </p:tnLst>
+    <p:bldLst>
+      <p:bldP spid="3" grpId="0" uiExpand="1" build="p"/>
+      <p:bldP spid="4" grpId="0" animBg="1"/>
+    </p:bldLst>
+  </p:timing>
+</p:sld>
+</file>
+
+<file path=ppt/slides/slide40.xml><?xml version="1.0" encoding="utf-8"?>
+<p:sld xmlns:a="http://schemas.openxmlformats.org/drawingml/2006/main" xmlns:r="http://schemas.openxmlformats.org/officeDocument/2006/relationships" xmlns:p="http://schemas.openxmlformats.org/presentationml/2006/main">
+  <p:cSld>
+    <p:spTree>
+      <p:nvGrpSpPr>
+        <p:cNvPr id="1" name=""/>
+        <p:cNvGrpSpPr/>
+        <p:nvPr/>
+      </p:nvGrpSpPr>
+      <p:grpSpPr>
+        <a:xfrm>
+          <a:off x="0" y="0"/>
+          <a:ext cx="0" cy="0"/>
+          <a:chOff x="0" y="0"/>
+          <a:chExt cx="0" cy="0"/>
+        </a:xfrm>
+      </p:grpSpPr>
+      <p:sp>
+        <p:nvSpPr>
+          <p:cNvPr id="2" name="Title 1"/>
+          <p:cNvSpPr>
+            <a:spLocks noGrp="1"/>
+          </p:cNvSpPr>
+          <p:nvPr>
+            <p:ph type="title"/>
+          </p:nvPr>
+        </p:nvSpPr>
+        <p:spPr/>
+        <p:txBody>
+          <a:bodyPr/>
+          <a:lstStyle/>
+          <a:p>
+            <a:r>
+              <a:rPr lang="en-US" dirty="0" smtClean="0"/>
               <a:t>Some special graph types</a:t>
             </a:r>
             <a:endParaRPr lang="en-US" dirty="0"/>
@@ -23587,7 +24481,7 @@
           <a:p>
             <a:fld id="{11AD1F4E-1E51-402E-B221-310F004E7D3B}" type="slidenum">
               <a:rPr lang="en-US" smtClean="0"/>
-              <a:t>39</a:t>
+              <a:t>40</a:t>
             </a:fld>
             <a:endParaRPr lang="en-US"/>
           </a:p>
@@ -25784,7 +26678,7 @@
 </p:sld>
 </file>
 
-<file path=ppt/slides/slide4.xml><?xml version="1.0" encoding="utf-8"?>
+<file path=ppt/slides/slide41.xml><?xml version="1.0" encoding="utf-8"?>
 <p:sld xmlns:a="http://schemas.openxmlformats.org/drawingml/2006/main" xmlns:r="http://schemas.openxmlformats.org/officeDocument/2006/relationships" xmlns:p="http://schemas.openxmlformats.org/presentationml/2006/main">
   <p:cSld>
     <p:spTree>
@@ -25818,637 +26712,6 @@
           <a:p>
             <a:r>
               <a:rPr lang="en-US" dirty="0" smtClean="0"/>
-              <a:t>Motivation</a:t>
-            </a:r>
-            <a:endParaRPr lang="en-US" dirty="0"/>
-          </a:p>
-        </p:txBody>
-      </p:sp>
-      <p:sp>
-        <p:nvSpPr>
-          <p:cNvPr id="3" name="Content Placeholder 2"/>
-          <p:cNvSpPr>
-            <a:spLocks noGrp="1"/>
-          </p:cNvSpPr>
-          <p:nvPr>
-            <p:ph idx="1"/>
-          </p:nvPr>
-        </p:nvSpPr>
-        <p:spPr>
-          <a:xfrm>
-            <a:off x="628650" y="1825625"/>
-            <a:ext cx="7886700" cy="4351338"/>
-          </a:xfrm>
-        </p:spPr>
-        <p:txBody>
-          <a:bodyPr>
-            <a:normAutofit lnSpcReduction="10000"/>
-          </a:bodyPr>
-          <a:lstStyle/>
-          <a:p>
-            <a:r>
-              <a:rPr lang="en-US" dirty="0" smtClean="0"/>
-              <a:t>Data structures are key to good programming</a:t>
-            </a:r>
-          </a:p>
-          <a:p>
-            <a:pPr lvl="1"/>
-            <a:r>
-              <a:rPr lang="en-US" dirty="0" smtClean="0"/>
-              <a:t>implementation conceptually close to model</a:t>
-            </a:r>
-          </a:p>
-          <a:p>
-            <a:pPr lvl="1"/>
-            <a:r>
-              <a:rPr lang="en-US" dirty="0" smtClean="0"/>
-              <a:t>fewer lines of code = less bugs</a:t>
-            </a:r>
-          </a:p>
-          <a:p>
-            <a:pPr lvl="1"/>
-            <a:r>
-              <a:rPr lang="en-US" dirty="0" smtClean="0"/>
-              <a:t>better performance</a:t>
-            </a:r>
-          </a:p>
-          <a:p>
-            <a:r>
-              <a:rPr lang="en-US" dirty="0" smtClean="0"/>
-              <a:t>Programming languages</a:t>
-            </a:r>
-          </a:p>
-          <a:p>
-            <a:pPr lvl="1"/>
-            <a:r>
-              <a:rPr lang="en-US" dirty="0" smtClean="0"/>
-              <a:t>C++: STL (Standard Template Library)</a:t>
-            </a:r>
-          </a:p>
-          <a:p>
-            <a:pPr lvl="1"/>
-            <a:r>
-              <a:rPr lang="en-US" dirty="0" smtClean="0"/>
-              <a:t>Python: core language, standard library</a:t>
-            </a:r>
-          </a:p>
-          <a:p>
-            <a:pPr lvl="1"/>
-            <a:r>
-              <a:rPr lang="en-US" dirty="0" smtClean="0"/>
-              <a:t>Java: standard library</a:t>
-            </a:r>
-          </a:p>
-          <a:p>
-            <a:pPr lvl="1"/>
-            <a:endParaRPr lang="en-US" dirty="0"/>
-          </a:p>
-          <a:p>
-            <a:endParaRPr lang="en-US" dirty="0" smtClean="0"/>
-          </a:p>
-          <a:p>
-            <a:r>
-              <a:rPr lang="en-US" dirty="0" smtClean="0">
-                <a:solidFill>
-                  <a:srgbClr val="FF0000"/>
-                </a:solidFill>
-              </a:rPr>
-              <a:t>Don't reinvent the wheel!</a:t>
-            </a:r>
-          </a:p>
-          <a:p>
-            <a:pPr lvl="1"/>
-            <a:endParaRPr lang="en-US" dirty="0"/>
-          </a:p>
-        </p:txBody>
-      </p:sp>
-      <p:sp>
-        <p:nvSpPr>
-          <p:cNvPr id="4" name="TextBox 3"/>
-          <p:cNvSpPr txBox="1"/>
-          <p:nvPr/>
-        </p:nvSpPr>
-        <p:spPr>
-          <a:xfrm>
-            <a:off x="1350819" y="5029199"/>
-            <a:ext cx="4668650" cy="415498"/>
-          </a:xfrm>
-          <a:prstGeom prst="rect">
-            <a:avLst/>
-          </a:prstGeom>
-          <a:noFill/>
-          <a:ln>
-            <a:solidFill>
-              <a:schemeClr val="tx1"/>
-            </a:solidFill>
-          </a:ln>
-        </p:spPr>
-        <p:txBody>
-          <a:bodyPr wrap="none" rtlCol="0">
-            <a:spAutoFit/>
-          </a:bodyPr>
-          <a:lstStyle/>
-          <a:p>
-            <a:r>
-              <a:rPr lang="en-US" sz="2100" dirty="0"/>
-              <a:t>For all languages, many 3</a:t>
-            </a:r>
-            <a:r>
-              <a:rPr lang="en-US" sz="2100" baseline="30000" dirty="0"/>
-              <a:t>rd</a:t>
-            </a:r>
-            <a:r>
-              <a:rPr lang="en-US" sz="2100" dirty="0"/>
-              <a:t> party libraries</a:t>
-            </a:r>
-          </a:p>
-        </p:txBody>
-      </p:sp>
-      <p:sp>
-        <p:nvSpPr>
-          <p:cNvPr id="5" name="Slide Number Placeholder 4"/>
-          <p:cNvSpPr>
-            <a:spLocks noGrp="1"/>
-          </p:cNvSpPr>
-          <p:nvPr>
-            <p:ph type="sldNum" sz="quarter" idx="12"/>
-          </p:nvPr>
-        </p:nvSpPr>
-        <p:spPr/>
-        <p:txBody>
-          <a:bodyPr/>
-          <a:lstStyle/>
-          <a:p>
-            <a:fld id="{11AD1F4E-1E51-402E-B221-310F004E7D3B}" type="slidenum">
-              <a:rPr lang="en-US" smtClean="0"/>
-              <a:t>4</a:t>
-            </a:fld>
-            <a:endParaRPr lang="en-US"/>
-          </a:p>
-        </p:txBody>
-      </p:sp>
-    </p:spTree>
-    <p:extLst>
-      <p:ext uri="{BB962C8B-B14F-4D97-AF65-F5344CB8AC3E}">
-        <p14:creationId xmlns:p14="http://schemas.microsoft.com/office/powerpoint/2010/main" val="2709702978"/>
-      </p:ext>
-    </p:extLst>
-  </p:cSld>
-  <p:clrMapOvr>
-    <a:masterClrMapping/>
-  </p:clrMapOvr>
-  <p:timing>
-    <p:tnLst>
-      <p:par>
-        <p:cTn id="1" dur="indefinite" restart="never" nodeType="tmRoot">
-          <p:childTnLst>
-            <p:seq concurrent="1" nextAc="seek">
-              <p:cTn id="2" dur="indefinite" nodeType="mainSeq">
-                <p:childTnLst>
-                  <p:par>
-                    <p:cTn id="3" fill="hold">
-                      <p:stCondLst>
-                        <p:cond delay="indefinite"/>
-                        <p:cond evt="onBegin" delay="0">
-                          <p:tn val="2"/>
-                        </p:cond>
-                      </p:stCondLst>
-                      <p:childTnLst>
-                        <p:par>
-                          <p:cTn id="4" fill="hold">
-                            <p:stCondLst>
-                              <p:cond delay="0"/>
-                            </p:stCondLst>
-                            <p:childTnLst>
-                              <p:par>
-                                <p:cTn id="5" presetID="1" presetClass="entr" presetSubtype="0" fill="hold" grpId="0" nodeType="withEffect">
-                                  <p:stCondLst>
-                                    <p:cond delay="0"/>
-                                  </p:stCondLst>
-                                  <p:childTnLst>
-                                    <p:set>
-                                      <p:cBhvr>
-                                        <p:cTn id="6" dur="1" fill="hold">
-                                          <p:stCondLst>
-                                            <p:cond delay="0"/>
-                                          </p:stCondLst>
-                                        </p:cTn>
-                                        <p:tgtEl>
-                                          <p:spTgt spid="3">
-                                            <p:txEl>
-                                              <p:pRg st="0" end="0"/>
-                                            </p:txEl>
-                                          </p:spTgt>
-                                        </p:tgtEl>
-                                        <p:attrNameLst>
-                                          <p:attrName>style.visibility</p:attrName>
-                                        </p:attrNameLst>
-                                      </p:cBhvr>
-                                      <p:to>
-                                        <p:strVal val="visible"/>
-                                      </p:to>
-                                    </p:set>
-                                  </p:childTnLst>
-                                </p:cTn>
-                              </p:par>
-                              <p:par>
-                                <p:cTn id="7" presetID="1" presetClass="entr" presetSubtype="0" fill="hold" grpId="0" nodeType="withEffect">
-                                  <p:stCondLst>
-                                    <p:cond delay="0"/>
-                                  </p:stCondLst>
-                                  <p:childTnLst>
-                                    <p:set>
-                                      <p:cBhvr>
-                                        <p:cTn id="8" dur="1" fill="hold">
-                                          <p:stCondLst>
-                                            <p:cond delay="0"/>
-                                          </p:stCondLst>
-                                        </p:cTn>
-                                        <p:tgtEl>
-                                          <p:spTgt spid="3">
-                                            <p:txEl>
-                                              <p:pRg st="1" end="1"/>
-                                            </p:txEl>
-                                          </p:spTgt>
-                                        </p:tgtEl>
-                                        <p:attrNameLst>
-                                          <p:attrName>style.visibility</p:attrName>
-                                        </p:attrNameLst>
-                                      </p:cBhvr>
-                                      <p:to>
-                                        <p:strVal val="visible"/>
-                                      </p:to>
-                                    </p:set>
-                                  </p:childTnLst>
-                                </p:cTn>
-                              </p:par>
-                              <p:par>
-                                <p:cTn id="9" presetID="1" presetClass="entr" presetSubtype="0" fill="hold" grpId="0" nodeType="withEffect">
-                                  <p:stCondLst>
-                                    <p:cond delay="0"/>
-                                  </p:stCondLst>
-                                  <p:childTnLst>
-                                    <p:set>
-                                      <p:cBhvr>
-                                        <p:cTn id="10" dur="1" fill="hold">
-                                          <p:stCondLst>
-                                            <p:cond delay="0"/>
-                                          </p:stCondLst>
-                                        </p:cTn>
-                                        <p:tgtEl>
-                                          <p:spTgt spid="3">
-                                            <p:txEl>
-                                              <p:pRg st="2" end="2"/>
-                                            </p:txEl>
-                                          </p:spTgt>
-                                        </p:tgtEl>
-                                        <p:attrNameLst>
-                                          <p:attrName>style.visibility</p:attrName>
-                                        </p:attrNameLst>
-                                      </p:cBhvr>
-                                      <p:to>
-                                        <p:strVal val="visible"/>
-                                      </p:to>
-                                    </p:set>
-                                  </p:childTnLst>
-                                </p:cTn>
-                              </p:par>
-                              <p:par>
-                                <p:cTn id="11" presetID="1" presetClass="entr" presetSubtype="0" fill="hold" grpId="0" nodeType="withEffect">
-                                  <p:stCondLst>
-                                    <p:cond delay="0"/>
-                                  </p:stCondLst>
-                                  <p:childTnLst>
-                                    <p:set>
-                                      <p:cBhvr>
-                                        <p:cTn id="12" dur="1" fill="hold">
-                                          <p:stCondLst>
-                                            <p:cond delay="0"/>
-                                          </p:stCondLst>
-                                        </p:cTn>
-                                        <p:tgtEl>
-                                          <p:spTgt spid="3">
-                                            <p:txEl>
-                                              <p:pRg st="3" end="3"/>
-                                            </p:txEl>
-                                          </p:spTgt>
-                                        </p:tgtEl>
-                                        <p:attrNameLst>
-                                          <p:attrName>style.visibility</p:attrName>
-                                        </p:attrNameLst>
-                                      </p:cBhvr>
-                                      <p:to>
-                                        <p:strVal val="visible"/>
-                                      </p:to>
-                                    </p:set>
-                                  </p:childTnLst>
-                                </p:cTn>
-                              </p:par>
-                            </p:childTnLst>
-                          </p:cTn>
-                        </p:par>
-                      </p:childTnLst>
-                    </p:cTn>
-                  </p:par>
-                  <p:par>
-                    <p:cTn id="13" fill="hold">
-                      <p:stCondLst>
-                        <p:cond delay="indefinite"/>
-                      </p:stCondLst>
-                      <p:childTnLst>
-                        <p:par>
-                          <p:cTn id="14" fill="hold">
-                            <p:stCondLst>
-                              <p:cond delay="0"/>
-                            </p:stCondLst>
-                            <p:childTnLst>
-                              <p:par>
-                                <p:cTn id="15" presetID="1" presetClass="entr" presetSubtype="0" fill="hold" grpId="0" nodeType="clickEffect">
-                                  <p:stCondLst>
-                                    <p:cond delay="0"/>
-                                  </p:stCondLst>
-                                  <p:childTnLst>
-                                    <p:set>
-                                      <p:cBhvr>
-                                        <p:cTn id="16" dur="1" fill="hold">
-                                          <p:stCondLst>
-                                            <p:cond delay="0"/>
-                                          </p:stCondLst>
-                                        </p:cTn>
-                                        <p:tgtEl>
-                                          <p:spTgt spid="3">
-                                            <p:txEl>
-                                              <p:pRg st="4" end="4"/>
-                                            </p:txEl>
-                                          </p:spTgt>
-                                        </p:tgtEl>
-                                        <p:attrNameLst>
-                                          <p:attrName>style.visibility</p:attrName>
-                                        </p:attrNameLst>
-                                      </p:cBhvr>
-                                      <p:to>
-                                        <p:strVal val="visible"/>
-                                      </p:to>
-                                    </p:set>
-                                  </p:childTnLst>
-                                </p:cTn>
-                              </p:par>
-                              <p:par>
-                                <p:cTn id="17" presetID="1" presetClass="entr" presetSubtype="0" fill="hold" grpId="0" nodeType="withEffect">
-                                  <p:stCondLst>
-                                    <p:cond delay="0"/>
-                                  </p:stCondLst>
-                                  <p:childTnLst>
-                                    <p:set>
-                                      <p:cBhvr>
-                                        <p:cTn id="18" dur="1" fill="hold">
-                                          <p:stCondLst>
-                                            <p:cond delay="0"/>
-                                          </p:stCondLst>
-                                        </p:cTn>
-                                        <p:tgtEl>
-                                          <p:spTgt spid="3">
-                                            <p:txEl>
-                                              <p:pRg st="5" end="5"/>
-                                            </p:txEl>
-                                          </p:spTgt>
-                                        </p:tgtEl>
-                                        <p:attrNameLst>
-                                          <p:attrName>style.visibility</p:attrName>
-                                        </p:attrNameLst>
-                                      </p:cBhvr>
-                                      <p:to>
-                                        <p:strVal val="visible"/>
-                                      </p:to>
-                                    </p:set>
-                                  </p:childTnLst>
-                                </p:cTn>
-                              </p:par>
-                              <p:par>
-                                <p:cTn id="19" presetID="1" presetClass="entr" presetSubtype="0" fill="hold" grpId="0" nodeType="withEffect">
-                                  <p:stCondLst>
-                                    <p:cond delay="0"/>
-                                  </p:stCondLst>
-                                  <p:childTnLst>
-                                    <p:set>
-                                      <p:cBhvr>
-                                        <p:cTn id="20" dur="1" fill="hold">
-                                          <p:stCondLst>
-                                            <p:cond delay="0"/>
-                                          </p:stCondLst>
-                                        </p:cTn>
-                                        <p:tgtEl>
-                                          <p:spTgt spid="3">
-                                            <p:txEl>
-                                              <p:pRg st="6" end="6"/>
-                                            </p:txEl>
-                                          </p:spTgt>
-                                        </p:tgtEl>
-                                        <p:attrNameLst>
-                                          <p:attrName>style.visibility</p:attrName>
-                                        </p:attrNameLst>
-                                      </p:cBhvr>
-                                      <p:to>
-                                        <p:strVal val="visible"/>
-                                      </p:to>
-                                    </p:set>
-                                  </p:childTnLst>
-                                </p:cTn>
-                              </p:par>
-                              <p:par>
-                                <p:cTn id="21" presetID="1" presetClass="entr" presetSubtype="0" fill="hold" grpId="0" nodeType="withEffect">
-                                  <p:stCondLst>
-                                    <p:cond delay="0"/>
-                                  </p:stCondLst>
-                                  <p:childTnLst>
-                                    <p:set>
-                                      <p:cBhvr>
-                                        <p:cTn id="22" dur="1" fill="hold">
-                                          <p:stCondLst>
-                                            <p:cond delay="0"/>
-                                          </p:stCondLst>
-                                        </p:cTn>
-                                        <p:tgtEl>
-                                          <p:spTgt spid="3">
-                                            <p:txEl>
-                                              <p:pRg st="7" end="7"/>
-                                            </p:txEl>
-                                          </p:spTgt>
-                                        </p:tgtEl>
-                                        <p:attrNameLst>
-                                          <p:attrName>style.visibility</p:attrName>
-                                        </p:attrNameLst>
-                                      </p:cBhvr>
-                                      <p:to>
-                                        <p:strVal val="visible"/>
-                                      </p:to>
-                                    </p:set>
-                                  </p:childTnLst>
-                                </p:cTn>
-                              </p:par>
-                            </p:childTnLst>
-                          </p:cTn>
-                        </p:par>
-                      </p:childTnLst>
-                    </p:cTn>
-                  </p:par>
-                  <p:par>
-                    <p:cTn id="23" fill="hold">
-                      <p:stCondLst>
-                        <p:cond delay="indefinite"/>
-                      </p:stCondLst>
-                      <p:childTnLst>
-                        <p:par>
-                          <p:cTn id="24" fill="hold">
-                            <p:stCondLst>
-                              <p:cond delay="0"/>
-                            </p:stCondLst>
-                            <p:childTnLst>
-                              <p:par>
-                                <p:cTn id="25" presetID="1" presetClass="entr" presetSubtype="0" fill="hold" grpId="0" nodeType="clickEffect">
-                                  <p:stCondLst>
-                                    <p:cond delay="0"/>
-                                  </p:stCondLst>
-                                  <p:childTnLst>
-                                    <p:set>
-                                      <p:cBhvr>
-                                        <p:cTn id="26" dur="1" fill="hold">
-                                          <p:stCondLst>
-                                            <p:cond delay="0"/>
-                                          </p:stCondLst>
-                                        </p:cTn>
-                                        <p:tgtEl>
-                                          <p:spTgt spid="4"/>
-                                        </p:tgtEl>
-                                        <p:attrNameLst>
-                                          <p:attrName>style.visibility</p:attrName>
-                                        </p:attrNameLst>
-                                      </p:cBhvr>
-                                      <p:to>
-                                        <p:strVal val="visible"/>
-                                      </p:to>
-                                    </p:set>
-                                  </p:childTnLst>
-                                </p:cTn>
-                              </p:par>
-                            </p:childTnLst>
-                          </p:cTn>
-                        </p:par>
-                      </p:childTnLst>
-                    </p:cTn>
-                  </p:par>
-                  <p:par>
-                    <p:cTn id="27" fill="hold">
-                      <p:stCondLst>
-                        <p:cond delay="indefinite"/>
-                      </p:stCondLst>
-                      <p:childTnLst>
-                        <p:par>
-                          <p:cTn id="28" fill="hold">
-                            <p:stCondLst>
-                              <p:cond delay="0"/>
-                            </p:stCondLst>
-                            <p:childTnLst>
-                              <p:par>
-                                <p:cTn id="29" presetID="1" presetClass="entr" presetSubtype="0" fill="hold" grpId="0" nodeType="clickEffect">
-                                  <p:stCondLst>
-                                    <p:cond delay="0"/>
-                                  </p:stCondLst>
-                                  <p:childTnLst>
-                                    <p:set>
-                                      <p:cBhvr>
-                                        <p:cTn id="30" dur="1" fill="hold">
-                                          <p:stCondLst>
-                                            <p:cond delay="0"/>
-                                          </p:stCondLst>
-                                        </p:cTn>
-                                        <p:tgtEl>
-                                          <p:spTgt spid="3">
-                                            <p:txEl>
-                                              <p:pRg st="10" end="10"/>
-                                            </p:txEl>
-                                          </p:spTgt>
-                                        </p:tgtEl>
-                                        <p:attrNameLst>
-                                          <p:attrName>style.visibility</p:attrName>
-                                        </p:attrNameLst>
-                                      </p:cBhvr>
-                                      <p:to>
-                                        <p:strVal val="visible"/>
-                                      </p:to>
-                                    </p:set>
-                                  </p:childTnLst>
-                                </p:cTn>
-                              </p:par>
-                            </p:childTnLst>
-                          </p:cTn>
-                        </p:par>
-                      </p:childTnLst>
-                    </p:cTn>
-                  </p:par>
-                </p:childTnLst>
-              </p:cTn>
-              <p:prevCondLst>
-                <p:cond evt="onPrev" delay="0">
-                  <p:tgtEl>
-                    <p:sldTgt/>
-                  </p:tgtEl>
-                </p:cond>
-              </p:prevCondLst>
-              <p:nextCondLst>
-                <p:cond evt="onNext" delay="0">
-                  <p:tgtEl>
-                    <p:sldTgt/>
-                  </p:tgtEl>
-                </p:cond>
-              </p:nextCondLst>
-            </p:seq>
-          </p:childTnLst>
-        </p:cTn>
-      </p:par>
-    </p:tnLst>
-    <p:bldLst>
-      <p:bldP spid="3" grpId="0" uiExpand="1" build="p"/>
-      <p:bldP spid="4" grpId="0" animBg="1"/>
-    </p:bldLst>
-  </p:timing>
-</p:sld>
-</file>
-
-<file path=ppt/slides/slide40.xml><?xml version="1.0" encoding="utf-8"?>
-<p:sld xmlns:a="http://schemas.openxmlformats.org/drawingml/2006/main" xmlns:r="http://schemas.openxmlformats.org/officeDocument/2006/relationships" xmlns:p="http://schemas.openxmlformats.org/presentationml/2006/main">
-  <p:cSld>
-    <p:spTree>
-      <p:nvGrpSpPr>
-        <p:cNvPr id="1" name=""/>
-        <p:cNvGrpSpPr/>
-        <p:nvPr/>
-      </p:nvGrpSpPr>
-      <p:grpSpPr>
-        <a:xfrm>
-          <a:off x="0" y="0"/>
-          <a:ext cx="0" cy="0"/>
-          <a:chOff x="0" y="0"/>
-          <a:chExt cx="0" cy="0"/>
-        </a:xfrm>
-      </p:grpSpPr>
-      <p:sp>
-        <p:nvSpPr>
-          <p:cNvPr id="2" name="Title 1"/>
-          <p:cNvSpPr>
-            <a:spLocks noGrp="1"/>
-          </p:cNvSpPr>
-          <p:nvPr>
-            <p:ph type="title"/>
-          </p:nvPr>
-        </p:nvSpPr>
-        <p:spPr/>
-        <p:txBody>
-          <a:bodyPr/>
-          <a:lstStyle/>
-          <a:p>
-            <a:r>
-              <a:rPr lang="en-US" dirty="0" smtClean="0"/>
               <a:t>Graph algorithms</a:t>
             </a:r>
             <a:endParaRPr lang="en-US" dirty="0"/>
@@ -26507,7 +26770,7 @@
           <a:p>
             <a:fld id="{11AD1F4E-1E51-402E-B221-310F004E7D3B}" type="slidenum">
               <a:rPr lang="en-US" smtClean="0"/>
-              <a:t>40</a:t>
+              <a:t>41</a:t>
             </a:fld>
             <a:endParaRPr lang="en-US"/>
           </a:p>
@@ -27970,7 +28233,7 @@
 </p:sld>
 </file>
 
-<file path=ppt/slides/slide41.xml><?xml version="1.0" encoding="utf-8"?>
+<file path=ppt/slides/slide42.xml><?xml version="1.0" encoding="utf-8"?>
 <p:sld xmlns:a="http://schemas.openxmlformats.org/drawingml/2006/main" xmlns:r="http://schemas.openxmlformats.org/officeDocument/2006/relationships" xmlns:p="http://schemas.openxmlformats.org/presentationml/2006/main">
   <p:cSld>
     <p:spTree>
@@ -28117,7 +28380,7 @@
           <a:p>
             <a:fld id="{11AD1F4E-1E51-402E-B221-310F004E7D3B}" type="slidenum">
               <a:rPr lang="en-US" smtClean="0"/>
-              <a:t>41</a:t>
+              <a:t>42</a:t>
             </a:fld>
             <a:endParaRPr lang="en-US"/>
           </a:p>
@@ -29228,7 +29491,7 @@
           <a:graphicData uri="http://schemas.openxmlformats.org/presentationml/2006/ole">
             <mc:AlternateContent xmlns:mc="http://schemas.openxmlformats.org/markup-compatibility/2006">
               <mc:Choice xmlns:v="urn:schemas-microsoft-com:vml" Requires="v">
-                <p:oleObj spid="_x0000_s1116" name="Equation" r:id="rId4" imgW="1841400" imgH="215640" progId="Equation.3">
+                <p:oleObj spid="_x0000_s1120" name="Equation" r:id="rId4" imgW="1841400" imgH="215640" progId="Equation.3">
                   <p:embed/>
                 </p:oleObj>
               </mc:Choice>
@@ -30198,7 +30461,6 @@
               <a:rPr lang="en-US" dirty="0" smtClean="0"/>
               <a:t>vector</a:t>
             </a:r>
-            <a:endParaRPr lang="en-US" dirty="0" smtClean="0"/>
           </a:p>
           <a:p>
             <a:pPr lvl="1"/>
@@ -30785,11 +31047,7 @@
             <a:pPr lvl="1"/>
             <a:r>
               <a:rPr lang="en-US" dirty="0" smtClean="0"/>
-              <a:t>update</a:t>
-            </a:r>
-            <a:r>
-              <a:rPr lang="en-US" dirty="0" smtClean="0"/>
-              <a:t>: O(1)</a:t>
+              <a:t>update: O(1)</a:t>
             </a:r>
           </a:p>
           <a:p>
@@ -30861,7 +31119,7 @@
             <a:graphicData uri="http://schemas.openxmlformats.org/presentationml/2006/ole">
               <mc:AlternateContent xmlns:mc="http://schemas.openxmlformats.org/markup-compatibility/2006">
                 <mc:Choice xmlns:v="urn:schemas-microsoft-com:vml" Requires="v">
-                  <p:oleObj spid="_x0000_s2139" name="Equation" r:id="rId3" imgW="1409400" imgH="203040" progId="Equation.3">
+                  <p:oleObj spid="_x0000_s2143" name="Equation" r:id="rId3" imgW="1409400" imgH="203040" progId="Equation.3">
                     <p:embed/>
                   </p:oleObj>
                 </mc:Choice>

--- a/CPlusPlus/09_essential_cpp_containers.pptx
+++ b/CPlusPlus/09_essential_cpp_containers.pptx
@@ -5,7 +5,7 @@
     <p:sldMasterId id="2147483660" r:id="rId1"/>
   </p:sldMasterIdLst>
   <p:notesMasterIdLst>
-    <p:notesMasterId r:id="rId44"/>
+    <p:notesMasterId r:id="rId46"/>
   </p:notesMasterIdLst>
   <p:sldIdLst>
     <p:sldId id="302" r:id="rId2"/>
@@ -20,36 +20,38 @@
     <p:sldId id="276" r:id="rId11"/>
     <p:sldId id="267" r:id="rId12"/>
     <p:sldId id="304" r:id="rId13"/>
-    <p:sldId id="307" r:id="rId14"/>
-    <p:sldId id="306" r:id="rId15"/>
-    <p:sldId id="305" r:id="rId16"/>
-    <p:sldId id="265" r:id="rId17"/>
-    <p:sldId id="277" r:id="rId18"/>
-    <p:sldId id="269" r:id="rId19"/>
-    <p:sldId id="262" r:id="rId20"/>
-    <p:sldId id="278" r:id="rId21"/>
-    <p:sldId id="270" r:id="rId22"/>
-    <p:sldId id="263" r:id="rId23"/>
-    <p:sldId id="279" r:id="rId24"/>
-    <p:sldId id="271" r:id="rId25"/>
-    <p:sldId id="264" r:id="rId26"/>
-    <p:sldId id="280" r:id="rId27"/>
-    <p:sldId id="272" r:id="rId28"/>
-    <p:sldId id="290" r:id="rId29"/>
-    <p:sldId id="291" r:id="rId30"/>
-    <p:sldId id="275" r:id="rId31"/>
-    <p:sldId id="281" r:id="rId32"/>
-    <p:sldId id="282" r:id="rId33"/>
-    <p:sldId id="284" r:id="rId34"/>
-    <p:sldId id="283" r:id="rId35"/>
-    <p:sldId id="285" r:id="rId36"/>
-    <p:sldId id="292" r:id="rId37"/>
-    <p:sldId id="293" r:id="rId38"/>
-    <p:sldId id="286" r:id="rId39"/>
-    <p:sldId id="287" r:id="rId40"/>
-    <p:sldId id="289" r:id="rId41"/>
-    <p:sldId id="288" r:id="rId42"/>
-    <p:sldId id="300" r:id="rId43"/>
+    <p:sldId id="305" r:id="rId14"/>
+    <p:sldId id="307" r:id="rId15"/>
+    <p:sldId id="306" r:id="rId16"/>
+    <p:sldId id="309" r:id="rId17"/>
+    <p:sldId id="265" r:id="rId18"/>
+    <p:sldId id="277" r:id="rId19"/>
+    <p:sldId id="269" r:id="rId20"/>
+    <p:sldId id="262" r:id="rId21"/>
+    <p:sldId id="278" r:id="rId22"/>
+    <p:sldId id="270" r:id="rId23"/>
+    <p:sldId id="263" r:id="rId24"/>
+    <p:sldId id="279" r:id="rId25"/>
+    <p:sldId id="271" r:id="rId26"/>
+    <p:sldId id="264" r:id="rId27"/>
+    <p:sldId id="280" r:id="rId28"/>
+    <p:sldId id="272" r:id="rId29"/>
+    <p:sldId id="308" r:id="rId30"/>
+    <p:sldId id="290" r:id="rId31"/>
+    <p:sldId id="291" r:id="rId32"/>
+    <p:sldId id="275" r:id="rId33"/>
+    <p:sldId id="281" r:id="rId34"/>
+    <p:sldId id="282" r:id="rId35"/>
+    <p:sldId id="284" r:id="rId36"/>
+    <p:sldId id="283" r:id="rId37"/>
+    <p:sldId id="285" r:id="rId38"/>
+    <p:sldId id="292" r:id="rId39"/>
+    <p:sldId id="293" r:id="rId40"/>
+    <p:sldId id="286" r:id="rId41"/>
+    <p:sldId id="287" r:id="rId42"/>
+    <p:sldId id="289" r:id="rId43"/>
+    <p:sldId id="288" r:id="rId44"/>
+    <p:sldId id="300" r:id="rId45"/>
   </p:sldIdLst>
   <p:sldSz cx="9144000" cy="6858000" type="screen4x3"/>
   <p:notesSz cx="6858000" cy="9144000"/>
@@ -238,7 +240,7 @@
           <a:p>
             <a:fld id="{D3AF4CC3-573B-48A2-BA19-C88E9EEB8008}" type="datetimeFigureOut">
               <a:rPr lang="en-US" smtClean="0"/>
-              <a:t>2017-03-06</a:t>
+              <a:t>2017-03-14</a:t>
             </a:fld>
             <a:endParaRPr lang="en-US"/>
           </a:p>
@@ -655,7 +657,7 @@
           <a:p>
             <a:fld id="{377ED49E-3B52-4D1C-85F4-C21F07234187}" type="slidenum">
               <a:rPr lang="en-US" smtClean="0"/>
-              <a:t>26</a:t>
+              <a:t>27</a:t>
             </a:fld>
             <a:endParaRPr lang="en-US"/>
           </a:p>
@@ -805,7 +807,7 @@
           <a:p>
             <a:fld id="{E7395A51-B5B5-44D7-85E1-1556CCB9180F}" type="datetime1">
               <a:rPr lang="en-US" smtClean="0"/>
-              <a:t>2017-03-06</a:t>
+              <a:t>2017-03-14</a:t>
             </a:fld>
             <a:endParaRPr lang="en-US"/>
           </a:p>
@@ -975,7 +977,7 @@
           <a:p>
             <a:fld id="{BEDB066D-DA80-4992-B507-A911EFD1878C}" type="datetime1">
               <a:rPr lang="en-US" smtClean="0"/>
-              <a:t>2017-03-06</a:t>
+              <a:t>2017-03-14</a:t>
             </a:fld>
             <a:endParaRPr lang="en-US"/>
           </a:p>
@@ -1155,7 +1157,7 @@
           <a:p>
             <a:fld id="{21259CBD-682A-4ABE-AFE9-CACFF55FE875}" type="datetime1">
               <a:rPr lang="en-US" smtClean="0"/>
-              <a:t>2017-03-06</a:t>
+              <a:t>2017-03-14</a:t>
             </a:fld>
             <a:endParaRPr lang="en-US"/>
           </a:p>
@@ -1325,7 +1327,7 @@
           <a:p>
             <a:fld id="{5F76F78E-A200-421E-B0AA-A6018E81E55E}" type="datetime1">
               <a:rPr lang="en-US" smtClean="0"/>
-              <a:t>2017-03-06</a:t>
+              <a:t>2017-03-14</a:t>
             </a:fld>
             <a:endParaRPr lang="en-US"/>
           </a:p>
@@ -1569,7 +1571,7 @@
           <a:p>
             <a:fld id="{EBEC21EE-ED62-44E3-A586-FF0104F19B99}" type="datetime1">
               <a:rPr lang="en-US" smtClean="0"/>
-              <a:t>2017-03-06</a:t>
+              <a:t>2017-03-14</a:t>
             </a:fld>
             <a:endParaRPr lang="en-US"/>
           </a:p>
@@ -1801,7 +1803,7 @@
           <a:p>
             <a:fld id="{30049BC0-4C66-4CED-BC8E-7AF0BD49C9B5}" type="datetime1">
               <a:rPr lang="en-US" smtClean="0"/>
-              <a:t>2017-03-06</a:t>
+              <a:t>2017-03-14</a:t>
             </a:fld>
             <a:endParaRPr lang="en-US"/>
           </a:p>
@@ -2168,7 +2170,7 @@
           <a:p>
             <a:fld id="{C7C90E0A-53F1-4115-8AB2-2E28E481FF48}" type="datetime1">
               <a:rPr lang="en-US" smtClean="0"/>
-              <a:t>2017-03-06</a:t>
+              <a:t>2017-03-14</a:t>
             </a:fld>
             <a:endParaRPr lang="en-US"/>
           </a:p>
@@ -2286,7 +2288,7 @@
           <a:p>
             <a:fld id="{AF79CAB3-789B-4117-A859-FC7082686441}" type="datetime1">
               <a:rPr lang="en-US" smtClean="0"/>
-              <a:t>2017-03-06</a:t>
+              <a:t>2017-03-14</a:t>
             </a:fld>
             <a:endParaRPr lang="en-US"/>
           </a:p>
@@ -2381,7 +2383,7 @@
           <a:p>
             <a:fld id="{82AE2AC5-51ED-46C8-8F1B-788630EE802E}" type="datetime1">
               <a:rPr lang="en-US" smtClean="0"/>
-              <a:t>2017-03-06</a:t>
+              <a:t>2017-03-14</a:t>
             </a:fld>
             <a:endParaRPr lang="en-US"/>
           </a:p>
@@ -2658,7 +2660,7 @@
           <a:p>
             <a:fld id="{49D0F6DD-6796-44CA-AF4C-1B2A2288F444}" type="datetime1">
               <a:rPr lang="en-US" smtClean="0"/>
-              <a:t>2017-03-06</a:t>
+              <a:t>2017-03-14</a:t>
             </a:fld>
             <a:endParaRPr lang="en-US"/>
           </a:p>
@@ -2915,7 +2917,7 @@
           <a:p>
             <a:fld id="{57F6808E-F05D-421A-97B7-12B728993E3B}" type="datetime1">
               <a:rPr lang="en-US" smtClean="0"/>
-              <a:t>2017-03-06</a:t>
+              <a:t>2017-03-14</a:t>
             </a:fld>
             <a:endParaRPr lang="en-US"/>
           </a:p>
@@ -3128,7 +3130,7 @@
           <a:p>
             <a:fld id="{7B995810-2FB7-4DE8-B622-97729F9C53CB}" type="datetime1">
               <a:rPr lang="en-US" smtClean="0"/>
-              <a:t>2017-03-06</a:t>
+              <a:t>2017-03-14</a:t>
             </a:fld>
             <a:endParaRPr lang="en-US"/>
           </a:p>
@@ -4880,7 +4882,7 @@
             <a:graphicData uri="http://schemas.openxmlformats.org/presentationml/2006/ole">
               <mc:AlternateContent xmlns:mc="http://schemas.openxmlformats.org/markup-compatibility/2006">
                 <mc:Choice xmlns:v="urn:schemas-microsoft-com:vml" Requires="v">
-                  <p:oleObj spid="_x0000_s11272" name="Equation" r:id="rId3" imgW="419040" imgH="203040" progId="Equation.3">
+                  <p:oleObj spid="_x0000_s11275" name="Equation" r:id="rId3" imgW="419040" imgH="203040" progId="Equation.3">
                     <p:embed/>
                   </p:oleObj>
                 </mc:Choice>
@@ -6126,897 +6128,6 @@
           <a:p>
             <a:r>
               <a:rPr lang="en-US" dirty="0" smtClean="0"/>
-              <a:t>Vector examples</a:t>
-            </a:r>
-            <a:endParaRPr lang="en-US" dirty="0"/>
-          </a:p>
-        </p:txBody>
-      </p:sp>
-      <p:sp>
-        <p:nvSpPr>
-          <p:cNvPr id="4" name="Slide Number Placeholder 3"/>
-          <p:cNvSpPr>
-            <a:spLocks noGrp="1"/>
-          </p:cNvSpPr>
-          <p:nvPr>
-            <p:ph type="sldNum" sz="quarter" idx="12"/>
-          </p:nvPr>
-        </p:nvSpPr>
-        <p:spPr>
-          <a:solidFill>
-            <a:schemeClr val="bg1"/>
-          </a:solidFill>
-        </p:spPr>
-        <p:txBody>
-          <a:bodyPr/>
-          <a:lstStyle/>
-          <a:p>
-            <a:fld id="{11AD1F4E-1E51-402E-B221-310F004E7D3B}" type="slidenum">
-              <a:rPr lang="en-US" smtClean="0"/>
-              <a:t>13</a:t>
-            </a:fld>
-            <a:endParaRPr lang="en-US"/>
-          </a:p>
-        </p:txBody>
-      </p:sp>
-      <p:sp>
-        <p:nvSpPr>
-          <p:cNvPr id="7" name="TextBox 6"/>
-          <p:cNvSpPr txBox="1"/>
-          <p:nvPr/>
-        </p:nvSpPr>
-        <p:spPr>
-          <a:xfrm>
-            <a:off x="628649" y="1953400"/>
-            <a:ext cx="7486651" cy="2585323"/>
-          </a:xfrm>
-          <a:prstGeom prst="rect">
-            <a:avLst/>
-          </a:prstGeom>
-          <a:solidFill>
-            <a:schemeClr val="bg1">
-              <a:lumMod val="75000"/>
-            </a:schemeClr>
-          </a:solidFill>
-          <a:ln>
-            <a:solidFill>
-              <a:schemeClr val="tx1"/>
-            </a:solidFill>
-          </a:ln>
-        </p:spPr>
-        <p:txBody>
-          <a:bodyPr wrap="square" rtlCol="0">
-            <a:spAutoFit/>
-          </a:bodyPr>
-          <a:lstStyle/>
-          <a:p>
-            <a:r>
-              <a:rPr lang="en-US" dirty="0" smtClean="0">
-                <a:latin typeface="Courier New" panose="02070309020205020404" pitchFamily="49" charset="0"/>
-                <a:cs typeface="Courier New" panose="02070309020205020404" pitchFamily="49" charset="0"/>
-              </a:rPr>
-              <a:t>#include &lt;vector&gt;</a:t>
-            </a:r>
-          </a:p>
-          <a:p>
-            <a:r>
-              <a:rPr lang="en-US" dirty="0" smtClean="0">
-                <a:latin typeface="Courier New" panose="02070309020205020404" pitchFamily="49" charset="0"/>
-                <a:cs typeface="Courier New" panose="02070309020205020404" pitchFamily="49" charset="0"/>
-              </a:rPr>
-              <a:t>…</a:t>
-            </a:r>
-          </a:p>
-          <a:p>
-            <a:r>
-              <a:rPr lang="en-US" dirty="0">
-                <a:latin typeface="Courier New" panose="02070309020205020404" pitchFamily="49" charset="0"/>
-                <a:cs typeface="Courier New" panose="02070309020205020404" pitchFamily="49" charset="0"/>
-              </a:rPr>
-              <a:t>vector&lt;double&gt; </a:t>
-            </a:r>
-            <a:r>
-              <a:rPr lang="en-US" dirty="0" err="1">
-                <a:latin typeface="Courier New" panose="02070309020205020404" pitchFamily="49" charset="0"/>
-                <a:cs typeface="Courier New" panose="02070309020205020404" pitchFamily="49" charset="0"/>
-              </a:rPr>
-              <a:t>read_data</a:t>
-            </a:r>
-            <a:r>
-              <a:rPr lang="en-US" dirty="0">
-                <a:latin typeface="Courier New" panose="02070309020205020404" pitchFamily="49" charset="0"/>
-                <a:cs typeface="Courier New" panose="02070309020205020404" pitchFamily="49" charset="0"/>
-              </a:rPr>
-              <a:t>(</a:t>
-            </a:r>
-            <a:r>
-              <a:rPr lang="en-US" dirty="0" err="1">
-                <a:latin typeface="Courier New" panose="02070309020205020404" pitchFamily="49" charset="0"/>
-                <a:cs typeface="Courier New" panose="02070309020205020404" pitchFamily="49" charset="0"/>
-              </a:rPr>
-              <a:t>istream</a:t>
-            </a:r>
-            <a:r>
-              <a:rPr lang="en-US" dirty="0">
-                <a:latin typeface="Courier New" panose="02070309020205020404" pitchFamily="49" charset="0"/>
-                <a:cs typeface="Courier New" panose="02070309020205020404" pitchFamily="49" charset="0"/>
-              </a:rPr>
-              <a:t>&amp; in) {</a:t>
-            </a:r>
-          </a:p>
-          <a:p>
-            <a:r>
-              <a:rPr lang="en-US" dirty="0">
-                <a:latin typeface="Courier New" panose="02070309020205020404" pitchFamily="49" charset="0"/>
-                <a:cs typeface="Courier New" panose="02070309020205020404" pitchFamily="49" charset="0"/>
-              </a:rPr>
-              <a:t>    vector&lt;double&gt; data;</a:t>
-            </a:r>
-          </a:p>
-          <a:p>
-            <a:r>
-              <a:rPr lang="en-US" dirty="0">
-                <a:latin typeface="Courier New" panose="02070309020205020404" pitchFamily="49" charset="0"/>
-                <a:cs typeface="Courier New" panose="02070309020205020404" pitchFamily="49" charset="0"/>
-              </a:rPr>
-              <a:t>    double item;</a:t>
-            </a:r>
-          </a:p>
-          <a:p>
-            <a:r>
-              <a:rPr lang="en-US" dirty="0">
-                <a:latin typeface="Courier New" panose="02070309020205020404" pitchFamily="49" charset="0"/>
-                <a:cs typeface="Courier New" panose="02070309020205020404" pitchFamily="49" charset="0"/>
-              </a:rPr>
-              <a:t>    while (in &gt;&gt; item)</a:t>
-            </a:r>
-          </a:p>
-          <a:p>
-            <a:r>
-              <a:rPr lang="en-US" dirty="0">
-                <a:latin typeface="Courier New" panose="02070309020205020404" pitchFamily="49" charset="0"/>
-                <a:cs typeface="Courier New" panose="02070309020205020404" pitchFamily="49" charset="0"/>
-              </a:rPr>
-              <a:t>        </a:t>
-            </a:r>
-            <a:r>
-              <a:rPr lang="en-US" dirty="0" err="1">
-                <a:latin typeface="Courier New" panose="02070309020205020404" pitchFamily="49" charset="0"/>
-                <a:cs typeface="Courier New" panose="02070309020205020404" pitchFamily="49" charset="0"/>
-              </a:rPr>
-              <a:t>data.</a:t>
-            </a:r>
-            <a:r>
-              <a:rPr lang="en-US" b="1" dirty="0" err="1">
-                <a:solidFill>
-                  <a:srgbClr val="C00000"/>
-                </a:solidFill>
-                <a:latin typeface="Courier New" panose="02070309020205020404" pitchFamily="49" charset="0"/>
-                <a:cs typeface="Courier New" panose="02070309020205020404" pitchFamily="49" charset="0"/>
-              </a:rPr>
-              <a:t>push_back</a:t>
-            </a:r>
-            <a:r>
-              <a:rPr lang="en-US" b="1" dirty="0">
-                <a:solidFill>
-                  <a:srgbClr val="C00000"/>
-                </a:solidFill>
-                <a:latin typeface="Courier New" panose="02070309020205020404" pitchFamily="49" charset="0"/>
-                <a:cs typeface="Courier New" panose="02070309020205020404" pitchFamily="49" charset="0"/>
-              </a:rPr>
-              <a:t>(</a:t>
-            </a:r>
-            <a:r>
-              <a:rPr lang="en-US" dirty="0">
-                <a:latin typeface="Courier New" panose="02070309020205020404" pitchFamily="49" charset="0"/>
-                <a:cs typeface="Courier New" panose="02070309020205020404" pitchFamily="49" charset="0"/>
-              </a:rPr>
-              <a:t>item</a:t>
-            </a:r>
-            <a:r>
-              <a:rPr lang="en-US" b="1" dirty="0">
-                <a:solidFill>
-                  <a:srgbClr val="C00000"/>
-                </a:solidFill>
-                <a:latin typeface="Courier New" panose="02070309020205020404" pitchFamily="49" charset="0"/>
-                <a:cs typeface="Courier New" panose="02070309020205020404" pitchFamily="49" charset="0"/>
-              </a:rPr>
-              <a:t>)</a:t>
-            </a:r>
-            <a:r>
-              <a:rPr lang="en-US" dirty="0">
-                <a:latin typeface="Courier New" panose="02070309020205020404" pitchFamily="49" charset="0"/>
-                <a:cs typeface="Courier New" panose="02070309020205020404" pitchFamily="49" charset="0"/>
-              </a:rPr>
-              <a:t>;</a:t>
-            </a:r>
-          </a:p>
-          <a:p>
-            <a:r>
-              <a:rPr lang="en-US" dirty="0">
-                <a:latin typeface="Courier New" panose="02070309020205020404" pitchFamily="49" charset="0"/>
-                <a:cs typeface="Courier New" panose="02070309020205020404" pitchFamily="49" charset="0"/>
-              </a:rPr>
-              <a:t>    return data;</a:t>
-            </a:r>
-          </a:p>
-          <a:p>
-            <a:r>
-              <a:rPr lang="en-US" dirty="0" smtClean="0">
-                <a:latin typeface="Courier New" panose="02070309020205020404" pitchFamily="49" charset="0"/>
-                <a:cs typeface="Courier New" panose="02070309020205020404" pitchFamily="49" charset="0"/>
-              </a:rPr>
-              <a:t>}</a:t>
-            </a:r>
-            <a:endParaRPr lang="en-US" dirty="0">
-              <a:latin typeface="Courier New" panose="02070309020205020404" pitchFamily="49" charset="0"/>
-              <a:cs typeface="Courier New" panose="02070309020205020404" pitchFamily="49" charset="0"/>
-            </a:endParaRPr>
-          </a:p>
-        </p:txBody>
-      </p:sp>
-    </p:spTree>
-    <p:extLst>
-      <p:ext uri="{BB962C8B-B14F-4D97-AF65-F5344CB8AC3E}">
-        <p14:creationId xmlns:p14="http://schemas.microsoft.com/office/powerpoint/2010/main" val="687327569"/>
-      </p:ext>
-    </p:extLst>
-  </p:cSld>
-  <p:clrMapOvr>
-    <a:masterClrMapping/>
-  </p:clrMapOvr>
-  <p:timing>
-    <p:tnLst>
-      <p:par>
-        <p:cTn id="1" dur="indefinite" restart="never" nodeType="tmRoot"/>
-      </p:par>
-    </p:tnLst>
-  </p:timing>
-</p:sld>
-</file>
-
-<file path=ppt/slides/slide14.xml><?xml version="1.0" encoding="utf-8"?>
-<p:sld xmlns:a="http://schemas.openxmlformats.org/drawingml/2006/main" xmlns:r="http://schemas.openxmlformats.org/officeDocument/2006/relationships" xmlns:p="http://schemas.openxmlformats.org/presentationml/2006/main">
-  <p:cSld>
-    <p:spTree>
-      <p:nvGrpSpPr>
-        <p:cNvPr id="1" name=""/>
-        <p:cNvGrpSpPr/>
-        <p:nvPr/>
-      </p:nvGrpSpPr>
-      <p:grpSpPr>
-        <a:xfrm>
-          <a:off x="0" y="0"/>
-          <a:ext cx="0" cy="0"/>
-          <a:chOff x="0" y="0"/>
-          <a:chExt cx="0" cy="0"/>
-        </a:xfrm>
-      </p:grpSpPr>
-      <p:sp>
-        <p:nvSpPr>
-          <p:cNvPr id="2" name="Title 1"/>
-          <p:cNvSpPr>
-            <a:spLocks noGrp="1"/>
-          </p:cNvSpPr>
-          <p:nvPr>
-            <p:ph type="title"/>
-          </p:nvPr>
-        </p:nvSpPr>
-        <p:spPr/>
-        <p:txBody>
-          <a:bodyPr/>
-          <a:lstStyle/>
-          <a:p>
-            <a:r>
-              <a:rPr lang="en-US" dirty="0" smtClean="0"/>
-              <a:t>Vector examples</a:t>
-            </a:r>
-            <a:endParaRPr lang="en-US" dirty="0"/>
-          </a:p>
-        </p:txBody>
-      </p:sp>
-      <p:sp>
-        <p:nvSpPr>
-          <p:cNvPr id="4" name="Slide Number Placeholder 3"/>
-          <p:cNvSpPr>
-            <a:spLocks noGrp="1"/>
-          </p:cNvSpPr>
-          <p:nvPr>
-            <p:ph type="sldNum" sz="quarter" idx="12"/>
-          </p:nvPr>
-        </p:nvSpPr>
-        <p:spPr>
-          <a:solidFill>
-            <a:schemeClr val="bg1"/>
-          </a:solidFill>
-        </p:spPr>
-        <p:txBody>
-          <a:bodyPr/>
-          <a:lstStyle/>
-          <a:p>
-            <a:fld id="{11AD1F4E-1E51-402E-B221-310F004E7D3B}" type="slidenum">
-              <a:rPr lang="en-US" smtClean="0"/>
-              <a:t>14</a:t>
-            </a:fld>
-            <a:endParaRPr lang="en-US"/>
-          </a:p>
-        </p:txBody>
-      </p:sp>
-      <p:sp>
-        <p:nvSpPr>
-          <p:cNvPr id="7" name="TextBox 6"/>
-          <p:cNvSpPr txBox="1"/>
-          <p:nvPr/>
-        </p:nvSpPr>
-        <p:spPr>
-          <a:xfrm>
-            <a:off x="628649" y="1953400"/>
-            <a:ext cx="7486651" cy="4247317"/>
-          </a:xfrm>
-          <a:prstGeom prst="rect">
-            <a:avLst/>
-          </a:prstGeom>
-          <a:solidFill>
-            <a:schemeClr val="bg1">
-              <a:lumMod val="75000"/>
-            </a:schemeClr>
-          </a:solidFill>
-          <a:ln>
-            <a:solidFill>
-              <a:schemeClr val="tx1"/>
-            </a:solidFill>
-          </a:ln>
-        </p:spPr>
-        <p:txBody>
-          <a:bodyPr wrap="square" rtlCol="0">
-            <a:spAutoFit/>
-          </a:bodyPr>
-          <a:lstStyle/>
-          <a:p>
-            <a:r>
-              <a:rPr lang="en-US" dirty="0" smtClean="0">
-                <a:latin typeface="Courier New" panose="02070309020205020404" pitchFamily="49" charset="0"/>
-                <a:cs typeface="Courier New" panose="02070309020205020404" pitchFamily="49" charset="0"/>
-              </a:rPr>
-              <a:t>#include </a:t>
-            </a:r>
-            <a:r>
-              <a:rPr lang="en-US" dirty="0" smtClean="0">
-                <a:latin typeface="Courier New" panose="02070309020205020404" pitchFamily="49" charset="0"/>
-                <a:cs typeface="Courier New" panose="02070309020205020404" pitchFamily="49" charset="0"/>
-              </a:rPr>
-              <a:t>&lt;algorithm&gt;</a:t>
-            </a:r>
-            <a:endParaRPr lang="en-US" dirty="0" smtClean="0">
-              <a:latin typeface="Courier New" panose="02070309020205020404" pitchFamily="49" charset="0"/>
-              <a:cs typeface="Courier New" panose="02070309020205020404" pitchFamily="49" charset="0"/>
-            </a:endParaRPr>
-          </a:p>
-          <a:p>
-            <a:r>
-              <a:rPr lang="en-US" dirty="0" smtClean="0">
-                <a:latin typeface="Courier New" panose="02070309020205020404" pitchFamily="49" charset="0"/>
-                <a:cs typeface="Courier New" panose="02070309020205020404" pitchFamily="49" charset="0"/>
-              </a:rPr>
-              <a:t>…</a:t>
-            </a:r>
-          </a:p>
-          <a:p>
-            <a:r>
-              <a:rPr lang="en-US" dirty="0">
-                <a:latin typeface="Courier New" panose="02070309020205020404" pitchFamily="49" charset="0"/>
-                <a:cs typeface="Courier New" panose="02070309020205020404" pitchFamily="49" charset="0"/>
-              </a:rPr>
-              <a:t>Stats </a:t>
-            </a:r>
-            <a:r>
-              <a:rPr lang="en-US" dirty="0" err="1">
-                <a:latin typeface="Courier New" panose="02070309020205020404" pitchFamily="49" charset="0"/>
-                <a:cs typeface="Courier New" panose="02070309020205020404" pitchFamily="49" charset="0"/>
-              </a:rPr>
-              <a:t>compute_stats</a:t>
-            </a:r>
-            <a:r>
-              <a:rPr lang="en-US" dirty="0">
-                <a:latin typeface="Courier New" panose="02070309020205020404" pitchFamily="49" charset="0"/>
-                <a:cs typeface="Courier New" panose="02070309020205020404" pitchFamily="49" charset="0"/>
-              </a:rPr>
-              <a:t>(vector&lt;double&gt; data) {</a:t>
-            </a:r>
-          </a:p>
-          <a:p>
-            <a:r>
-              <a:rPr lang="en-US" dirty="0">
-                <a:latin typeface="Courier New" panose="02070309020205020404" pitchFamily="49" charset="0"/>
-                <a:cs typeface="Courier New" panose="02070309020205020404" pitchFamily="49" charset="0"/>
-              </a:rPr>
-              <a:t>    </a:t>
-            </a:r>
-            <a:r>
-              <a:rPr lang="en-US" dirty="0" err="1">
-                <a:latin typeface="Courier New" panose="02070309020205020404" pitchFamily="49" charset="0"/>
-                <a:cs typeface="Courier New" panose="02070309020205020404" pitchFamily="49" charset="0"/>
-              </a:rPr>
-              <a:t>int</a:t>
-            </a:r>
-            <a:r>
-              <a:rPr lang="en-US" dirty="0">
-                <a:latin typeface="Courier New" panose="02070309020205020404" pitchFamily="49" charset="0"/>
-                <a:cs typeface="Courier New" panose="02070309020205020404" pitchFamily="49" charset="0"/>
-              </a:rPr>
-              <a:t> n = </a:t>
-            </a:r>
-            <a:r>
-              <a:rPr lang="en-US" dirty="0" err="1">
-                <a:latin typeface="Courier New" panose="02070309020205020404" pitchFamily="49" charset="0"/>
-                <a:cs typeface="Courier New" panose="02070309020205020404" pitchFamily="49" charset="0"/>
-              </a:rPr>
-              <a:t>data.</a:t>
-            </a:r>
-            <a:r>
-              <a:rPr lang="en-US" b="1" dirty="0" err="1">
-                <a:solidFill>
-                  <a:srgbClr val="C00000"/>
-                </a:solidFill>
-                <a:latin typeface="Courier New" panose="02070309020205020404" pitchFamily="49" charset="0"/>
-                <a:cs typeface="Courier New" panose="02070309020205020404" pitchFamily="49" charset="0"/>
-              </a:rPr>
-              <a:t>size</a:t>
-            </a:r>
-            <a:r>
-              <a:rPr lang="en-US" b="1" dirty="0">
-                <a:solidFill>
-                  <a:srgbClr val="C00000"/>
-                </a:solidFill>
-                <a:latin typeface="Courier New" panose="02070309020205020404" pitchFamily="49" charset="0"/>
-                <a:cs typeface="Courier New" panose="02070309020205020404" pitchFamily="49" charset="0"/>
-              </a:rPr>
-              <a:t>()</a:t>
-            </a:r>
-            <a:r>
-              <a:rPr lang="en-US" dirty="0">
-                <a:latin typeface="Courier New" panose="02070309020205020404" pitchFamily="49" charset="0"/>
-                <a:cs typeface="Courier New" panose="02070309020205020404" pitchFamily="49" charset="0"/>
-              </a:rPr>
-              <a:t>;</a:t>
-            </a:r>
-          </a:p>
-          <a:p>
-            <a:r>
-              <a:rPr lang="en-US" dirty="0">
-                <a:latin typeface="Courier New" panose="02070309020205020404" pitchFamily="49" charset="0"/>
-                <a:cs typeface="Courier New" panose="02070309020205020404" pitchFamily="49" charset="0"/>
-              </a:rPr>
-              <a:t>    double sum {0.0};</a:t>
-            </a:r>
-          </a:p>
-          <a:p>
-            <a:r>
-              <a:rPr lang="en-US" dirty="0" smtClean="0">
-                <a:latin typeface="Courier New" panose="02070309020205020404" pitchFamily="49" charset="0"/>
-                <a:cs typeface="Courier New" panose="02070309020205020404" pitchFamily="49" charset="0"/>
-              </a:rPr>
-              <a:t>    for </a:t>
-            </a:r>
-            <a:r>
-              <a:rPr lang="en-US" dirty="0">
-                <a:latin typeface="Courier New" panose="02070309020205020404" pitchFamily="49" charset="0"/>
-                <a:cs typeface="Courier New" panose="02070309020205020404" pitchFamily="49" charset="0"/>
-              </a:rPr>
-              <a:t>(</a:t>
-            </a:r>
-            <a:r>
-              <a:rPr lang="en-US" b="1" dirty="0">
-                <a:solidFill>
-                  <a:srgbClr val="C00000"/>
-                </a:solidFill>
-                <a:latin typeface="Courier New" panose="02070309020205020404" pitchFamily="49" charset="0"/>
-                <a:cs typeface="Courier New" panose="02070309020205020404" pitchFamily="49" charset="0"/>
-              </a:rPr>
-              <a:t>double item: data</a:t>
-            </a:r>
-            <a:r>
-              <a:rPr lang="en-US" dirty="0" smtClean="0">
-                <a:latin typeface="Courier New" panose="02070309020205020404" pitchFamily="49" charset="0"/>
-                <a:cs typeface="Courier New" panose="02070309020205020404" pitchFamily="49" charset="0"/>
-              </a:rPr>
-              <a:t>)</a:t>
-            </a:r>
-            <a:endParaRPr lang="en-US" dirty="0">
-              <a:latin typeface="Courier New" panose="02070309020205020404" pitchFamily="49" charset="0"/>
-              <a:cs typeface="Courier New" panose="02070309020205020404" pitchFamily="49" charset="0"/>
-            </a:endParaRPr>
-          </a:p>
-          <a:p>
-            <a:r>
-              <a:rPr lang="en-US" dirty="0">
-                <a:latin typeface="Courier New" panose="02070309020205020404" pitchFamily="49" charset="0"/>
-                <a:cs typeface="Courier New" panose="02070309020205020404" pitchFamily="49" charset="0"/>
-              </a:rPr>
-              <a:t>        sum += item;</a:t>
-            </a:r>
-          </a:p>
-          <a:p>
-            <a:r>
-              <a:rPr lang="en-US" dirty="0" smtClean="0">
-                <a:latin typeface="Courier New" panose="02070309020205020404" pitchFamily="49" charset="0"/>
-                <a:cs typeface="Courier New" panose="02070309020205020404" pitchFamily="49" charset="0"/>
-              </a:rPr>
-              <a:t>    Stats </a:t>
-            </a:r>
-            <a:r>
-              <a:rPr lang="en-US" dirty="0" err="1">
-                <a:latin typeface="Courier New" panose="02070309020205020404" pitchFamily="49" charset="0"/>
-                <a:cs typeface="Courier New" panose="02070309020205020404" pitchFamily="49" charset="0"/>
-              </a:rPr>
-              <a:t>stats</a:t>
-            </a:r>
-            <a:r>
-              <a:rPr lang="en-US" dirty="0">
-                <a:latin typeface="Courier New" panose="02070309020205020404" pitchFamily="49" charset="0"/>
-                <a:cs typeface="Courier New" panose="02070309020205020404" pitchFamily="49" charset="0"/>
-              </a:rPr>
-              <a:t>;</a:t>
-            </a:r>
-          </a:p>
-          <a:p>
-            <a:r>
-              <a:rPr lang="en-US" dirty="0">
-                <a:latin typeface="Courier New" panose="02070309020205020404" pitchFamily="49" charset="0"/>
-                <a:cs typeface="Courier New" panose="02070309020205020404" pitchFamily="49" charset="0"/>
-              </a:rPr>
-              <a:t>    </a:t>
-            </a:r>
-            <a:r>
-              <a:rPr lang="en-US" dirty="0" err="1">
-                <a:latin typeface="Courier New" panose="02070309020205020404" pitchFamily="49" charset="0"/>
-                <a:cs typeface="Courier New" panose="02070309020205020404" pitchFamily="49" charset="0"/>
-              </a:rPr>
-              <a:t>stats.mean</a:t>
-            </a:r>
-            <a:r>
-              <a:rPr lang="en-US" dirty="0">
-                <a:latin typeface="Courier New" panose="02070309020205020404" pitchFamily="49" charset="0"/>
-                <a:cs typeface="Courier New" panose="02070309020205020404" pitchFamily="49" charset="0"/>
-              </a:rPr>
-              <a:t> = sum/n;</a:t>
-            </a:r>
-          </a:p>
-          <a:p>
-            <a:r>
-              <a:rPr lang="en-US" dirty="0" smtClean="0">
-                <a:latin typeface="Courier New" panose="02070309020205020404" pitchFamily="49" charset="0"/>
-                <a:cs typeface="Courier New" panose="02070309020205020404" pitchFamily="49" charset="0"/>
-              </a:rPr>
-              <a:t>    </a:t>
-            </a:r>
-            <a:r>
-              <a:rPr lang="en-US" b="1" dirty="0" smtClean="0">
-                <a:solidFill>
-                  <a:srgbClr val="C00000"/>
-                </a:solidFill>
-                <a:latin typeface="Courier New" panose="02070309020205020404" pitchFamily="49" charset="0"/>
-                <a:cs typeface="Courier New" panose="02070309020205020404" pitchFamily="49" charset="0"/>
-              </a:rPr>
-              <a:t>sort</a:t>
-            </a:r>
-            <a:r>
-              <a:rPr lang="en-US" dirty="0" smtClean="0">
-                <a:latin typeface="Courier New" panose="02070309020205020404" pitchFamily="49" charset="0"/>
-                <a:cs typeface="Courier New" panose="02070309020205020404" pitchFamily="49" charset="0"/>
-              </a:rPr>
-              <a:t>(</a:t>
-            </a:r>
-            <a:r>
-              <a:rPr lang="en-US" dirty="0" err="1" smtClean="0">
-                <a:latin typeface="Courier New" panose="02070309020205020404" pitchFamily="49" charset="0"/>
-                <a:cs typeface="Courier New" panose="02070309020205020404" pitchFamily="49" charset="0"/>
-              </a:rPr>
-              <a:t>data.</a:t>
-            </a:r>
-            <a:r>
-              <a:rPr lang="en-US" b="1" dirty="0" err="1" smtClean="0">
-                <a:solidFill>
-                  <a:srgbClr val="C00000"/>
-                </a:solidFill>
-                <a:latin typeface="Courier New" panose="02070309020205020404" pitchFamily="49" charset="0"/>
-                <a:cs typeface="Courier New" panose="02070309020205020404" pitchFamily="49" charset="0"/>
-              </a:rPr>
-              <a:t>begin</a:t>
-            </a:r>
-            <a:r>
-              <a:rPr lang="en-US" b="1" dirty="0">
-                <a:solidFill>
-                  <a:srgbClr val="C00000"/>
-                </a:solidFill>
-                <a:latin typeface="Courier New" panose="02070309020205020404" pitchFamily="49" charset="0"/>
-                <a:cs typeface="Courier New" panose="02070309020205020404" pitchFamily="49" charset="0"/>
-              </a:rPr>
-              <a:t>()</a:t>
-            </a:r>
-            <a:r>
-              <a:rPr lang="en-US" dirty="0">
-                <a:latin typeface="Courier New" panose="02070309020205020404" pitchFamily="49" charset="0"/>
-                <a:cs typeface="Courier New" panose="02070309020205020404" pitchFamily="49" charset="0"/>
-              </a:rPr>
-              <a:t>, </a:t>
-            </a:r>
-            <a:r>
-              <a:rPr lang="en-US" dirty="0" err="1">
-                <a:latin typeface="Courier New" panose="02070309020205020404" pitchFamily="49" charset="0"/>
-                <a:cs typeface="Courier New" panose="02070309020205020404" pitchFamily="49" charset="0"/>
-              </a:rPr>
-              <a:t>data</a:t>
-            </a:r>
-            <a:r>
-              <a:rPr lang="en-US" b="1" dirty="0" err="1">
-                <a:solidFill>
-                  <a:srgbClr val="C00000"/>
-                </a:solidFill>
-                <a:latin typeface="Courier New" panose="02070309020205020404" pitchFamily="49" charset="0"/>
-                <a:cs typeface="Courier New" panose="02070309020205020404" pitchFamily="49" charset="0"/>
-              </a:rPr>
-              <a:t>.end</a:t>
-            </a:r>
-            <a:r>
-              <a:rPr lang="en-US" b="1" dirty="0">
-                <a:solidFill>
-                  <a:srgbClr val="C00000"/>
-                </a:solidFill>
-                <a:latin typeface="Courier New" panose="02070309020205020404" pitchFamily="49" charset="0"/>
-                <a:cs typeface="Courier New" panose="02070309020205020404" pitchFamily="49" charset="0"/>
-              </a:rPr>
-              <a:t>()</a:t>
-            </a:r>
-            <a:r>
-              <a:rPr lang="en-US" dirty="0">
-                <a:latin typeface="Courier New" panose="02070309020205020404" pitchFamily="49" charset="0"/>
-                <a:cs typeface="Courier New" panose="02070309020205020404" pitchFamily="49" charset="0"/>
-              </a:rPr>
-              <a:t>);</a:t>
-            </a:r>
-          </a:p>
-          <a:p>
-            <a:r>
-              <a:rPr lang="en-US" dirty="0">
-                <a:latin typeface="Courier New" panose="02070309020205020404" pitchFamily="49" charset="0"/>
-                <a:cs typeface="Courier New" panose="02070309020205020404" pitchFamily="49" charset="0"/>
-              </a:rPr>
-              <a:t>    </a:t>
-            </a:r>
-            <a:r>
-              <a:rPr lang="en-US" dirty="0" err="1">
-                <a:latin typeface="Courier New" panose="02070309020205020404" pitchFamily="49" charset="0"/>
-                <a:cs typeface="Courier New" panose="02070309020205020404" pitchFamily="49" charset="0"/>
-              </a:rPr>
-              <a:t>int</a:t>
-            </a:r>
-            <a:r>
-              <a:rPr lang="en-US" dirty="0">
-                <a:latin typeface="Courier New" panose="02070309020205020404" pitchFamily="49" charset="0"/>
-                <a:cs typeface="Courier New" panose="02070309020205020404" pitchFamily="49" charset="0"/>
-              </a:rPr>
-              <a:t> middle {n/2};</a:t>
-            </a:r>
-          </a:p>
-          <a:p>
-            <a:r>
-              <a:rPr lang="en-US" dirty="0">
-                <a:latin typeface="Courier New" panose="02070309020205020404" pitchFamily="49" charset="0"/>
-                <a:cs typeface="Courier New" panose="02070309020205020404" pitchFamily="49" charset="0"/>
-              </a:rPr>
-              <a:t>    </a:t>
-            </a:r>
-            <a:r>
-              <a:rPr lang="en-US" dirty="0" err="1">
-                <a:latin typeface="Courier New" panose="02070309020205020404" pitchFamily="49" charset="0"/>
-                <a:cs typeface="Courier New" panose="02070309020205020404" pitchFamily="49" charset="0"/>
-              </a:rPr>
-              <a:t>stats.median</a:t>
-            </a:r>
-            <a:r>
-              <a:rPr lang="en-US" dirty="0">
-                <a:latin typeface="Courier New" panose="02070309020205020404" pitchFamily="49" charset="0"/>
-                <a:cs typeface="Courier New" panose="02070309020205020404" pitchFamily="49" charset="0"/>
-              </a:rPr>
-              <a:t> = n % 2 == 1 ? data.at(middle) :</a:t>
-            </a:r>
-          </a:p>
-          <a:p>
-            <a:r>
-              <a:rPr lang="en-US" dirty="0">
-                <a:latin typeface="Courier New" panose="02070309020205020404" pitchFamily="49" charset="0"/>
-                <a:cs typeface="Courier New" panose="02070309020205020404" pitchFamily="49" charset="0"/>
-              </a:rPr>
-              <a:t>        (data.</a:t>
-            </a:r>
-            <a:r>
-              <a:rPr lang="en-US" b="1" dirty="0">
-                <a:solidFill>
-                  <a:srgbClr val="C00000"/>
-                </a:solidFill>
-                <a:latin typeface="Courier New" panose="02070309020205020404" pitchFamily="49" charset="0"/>
-                <a:cs typeface="Courier New" panose="02070309020205020404" pitchFamily="49" charset="0"/>
-              </a:rPr>
-              <a:t>at(</a:t>
-            </a:r>
-            <a:r>
-              <a:rPr lang="en-US" dirty="0">
-                <a:latin typeface="Courier New" panose="02070309020205020404" pitchFamily="49" charset="0"/>
-                <a:cs typeface="Courier New" panose="02070309020205020404" pitchFamily="49" charset="0"/>
-              </a:rPr>
-              <a:t>middle - 1</a:t>
-            </a:r>
-            <a:r>
-              <a:rPr lang="en-US" b="1" dirty="0">
-                <a:solidFill>
-                  <a:srgbClr val="C00000"/>
-                </a:solidFill>
-                <a:latin typeface="Courier New" panose="02070309020205020404" pitchFamily="49" charset="0"/>
-                <a:cs typeface="Courier New" panose="02070309020205020404" pitchFamily="49" charset="0"/>
-              </a:rPr>
-              <a:t>)</a:t>
-            </a:r>
-            <a:r>
-              <a:rPr lang="en-US" dirty="0">
-                <a:latin typeface="Courier New" panose="02070309020205020404" pitchFamily="49" charset="0"/>
-                <a:cs typeface="Courier New" panose="02070309020205020404" pitchFamily="49" charset="0"/>
-              </a:rPr>
-              <a:t> + data.</a:t>
-            </a:r>
-            <a:r>
-              <a:rPr lang="en-US" b="1" dirty="0">
-                <a:solidFill>
-                  <a:srgbClr val="C00000"/>
-                </a:solidFill>
-                <a:latin typeface="Courier New" panose="02070309020205020404" pitchFamily="49" charset="0"/>
-                <a:cs typeface="Courier New" panose="02070309020205020404" pitchFamily="49" charset="0"/>
-              </a:rPr>
-              <a:t>at(</a:t>
-            </a:r>
-            <a:r>
-              <a:rPr lang="en-US" dirty="0">
-                <a:latin typeface="Courier New" panose="02070309020205020404" pitchFamily="49" charset="0"/>
-                <a:cs typeface="Courier New" panose="02070309020205020404" pitchFamily="49" charset="0"/>
-              </a:rPr>
-              <a:t>middle</a:t>
-            </a:r>
-            <a:r>
-              <a:rPr lang="en-US" b="1" dirty="0">
-                <a:solidFill>
-                  <a:srgbClr val="C00000"/>
-                </a:solidFill>
-                <a:latin typeface="Courier New" panose="02070309020205020404" pitchFamily="49" charset="0"/>
-                <a:cs typeface="Courier New" panose="02070309020205020404" pitchFamily="49" charset="0"/>
-              </a:rPr>
-              <a:t>)</a:t>
-            </a:r>
-            <a:r>
-              <a:rPr lang="en-US" dirty="0">
-                <a:latin typeface="Courier New" panose="02070309020205020404" pitchFamily="49" charset="0"/>
-                <a:cs typeface="Courier New" panose="02070309020205020404" pitchFamily="49" charset="0"/>
-              </a:rPr>
-              <a:t>)/2.0;</a:t>
-            </a:r>
-          </a:p>
-          <a:p>
-            <a:r>
-              <a:rPr lang="en-US" dirty="0" smtClean="0">
-                <a:latin typeface="Courier New" panose="02070309020205020404" pitchFamily="49" charset="0"/>
-                <a:cs typeface="Courier New" panose="02070309020205020404" pitchFamily="49" charset="0"/>
-              </a:rPr>
-              <a:t>    return </a:t>
-            </a:r>
-            <a:r>
-              <a:rPr lang="en-US" dirty="0">
-                <a:latin typeface="Courier New" panose="02070309020205020404" pitchFamily="49" charset="0"/>
-                <a:cs typeface="Courier New" panose="02070309020205020404" pitchFamily="49" charset="0"/>
-              </a:rPr>
-              <a:t>stats;</a:t>
-            </a:r>
-          </a:p>
-          <a:p>
-            <a:r>
-              <a:rPr lang="en-US" dirty="0">
-                <a:latin typeface="Courier New" panose="02070309020205020404" pitchFamily="49" charset="0"/>
-                <a:cs typeface="Courier New" panose="02070309020205020404" pitchFamily="49" charset="0"/>
-              </a:rPr>
-              <a:t>}</a:t>
-            </a:r>
-          </a:p>
-        </p:txBody>
-      </p:sp>
-      <p:sp>
-        <p:nvSpPr>
-          <p:cNvPr id="3" name="TextBox 2"/>
-          <p:cNvSpPr txBox="1"/>
-          <p:nvPr/>
-        </p:nvSpPr>
-        <p:spPr>
-          <a:xfrm>
-            <a:off x="2106395" y="6016924"/>
-            <a:ext cx="5380255" cy="523220"/>
-          </a:xfrm>
-          <a:prstGeom prst="rect">
-            <a:avLst/>
-          </a:prstGeom>
-          <a:solidFill>
-            <a:schemeClr val="bg1"/>
-          </a:solidFill>
-          <a:ln>
-            <a:solidFill>
-              <a:schemeClr val="tx1"/>
-            </a:solidFill>
-          </a:ln>
-        </p:spPr>
-        <p:txBody>
-          <a:bodyPr wrap="none" rtlCol="0">
-            <a:spAutoFit/>
-          </a:bodyPr>
-          <a:lstStyle/>
-          <a:p>
-            <a:r>
-              <a:rPr lang="en-US" sz="2800" dirty="0" smtClean="0"/>
-              <a:t>Note: vector indexing is zero based!</a:t>
-            </a:r>
-            <a:endParaRPr lang="en-US" sz="2800" dirty="0"/>
-          </a:p>
-        </p:txBody>
-      </p:sp>
-    </p:spTree>
-    <p:extLst>
-      <p:ext uri="{BB962C8B-B14F-4D97-AF65-F5344CB8AC3E}">
-        <p14:creationId xmlns:p14="http://schemas.microsoft.com/office/powerpoint/2010/main" val="3242179123"/>
-      </p:ext>
-    </p:extLst>
-  </p:cSld>
-  <p:clrMapOvr>
-    <a:masterClrMapping/>
-  </p:clrMapOvr>
-  <p:timing>
-    <p:tnLst>
-      <p:par>
-        <p:cTn id="1" dur="indefinite" restart="never" nodeType="tmRoot"/>
-      </p:par>
-    </p:tnLst>
-  </p:timing>
-</p:sld>
-</file>
-
-<file path=ppt/slides/slide15.xml><?xml version="1.0" encoding="utf-8"?>
-<p:sld xmlns:a="http://schemas.openxmlformats.org/drawingml/2006/main" xmlns:r="http://schemas.openxmlformats.org/officeDocument/2006/relationships" xmlns:p="http://schemas.openxmlformats.org/presentationml/2006/main">
-  <p:cSld>
-    <p:spTree>
-      <p:nvGrpSpPr>
-        <p:cNvPr id="1" name=""/>
-        <p:cNvGrpSpPr/>
-        <p:nvPr/>
-      </p:nvGrpSpPr>
-      <p:grpSpPr>
-        <a:xfrm>
-          <a:off x="0" y="0"/>
-          <a:ext cx="0" cy="0"/>
-          <a:chOff x="0" y="0"/>
-          <a:chExt cx="0" cy="0"/>
-        </a:xfrm>
-      </p:grpSpPr>
-      <p:sp>
-        <p:nvSpPr>
-          <p:cNvPr id="2" name="Title 1"/>
-          <p:cNvSpPr>
-            <a:spLocks noGrp="1"/>
-          </p:cNvSpPr>
-          <p:nvPr>
-            <p:ph type="title"/>
-          </p:nvPr>
-        </p:nvSpPr>
-        <p:spPr/>
-        <p:txBody>
-          <a:bodyPr/>
-          <a:lstStyle/>
-          <a:p>
-            <a:r>
-              <a:rPr lang="en-US" dirty="0" smtClean="0"/>
               <a:t>Vector ADT</a:t>
             </a:r>
             <a:endParaRPr lang="en-US" dirty="0"/>
@@ -7113,7 +6224,7 @@
           <a:p>
             <a:fld id="{11AD1F4E-1E51-402E-B221-310F004E7D3B}" type="slidenum">
               <a:rPr lang="en-US" smtClean="0"/>
-              <a:t>15</a:t>
+              <a:t>13</a:t>
             </a:fld>
             <a:endParaRPr lang="en-US"/>
           </a:p>
@@ -7465,7 +6576,1129 @@
 </p:sld>
 </file>
 
+<file path=ppt/slides/slide14.xml><?xml version="1.0" encoding="utf-8"?>
+<p:sld xmlns:a="http://schemas.openxmlformats.org/drawingml/2006/main" xmlns:r="http://schemas.openxmlformats.org/officeDocument/2006/relationships" xmlns:p="http://schemas.openxmlformats.org/presentationml/2006/main">
+  <p:cSld>
+    <p:spTree>
+      <p:nvGrpSpPr>
+        <p:cNvPr id="1" name=""/>
+        <p:cNvGrpSpPr/>
+        <p:nvPr/>
+      </p:nvGrpSpPr>
+      <p:grpSpPr>
+        <a:xfrm>
+          <a:off x="0" y="0"/>
+          <a:ext cx="0" cy="0"/>
+          <a:chOff x="0" y="0"/>
+          <a:chExt cx="0" cy="0"/>
+        </a:xfrm>
+      </p:grpSpPr>
+      <p:sp>
+        <p:nvSpPr>
+          <p:cNvPr id="2" name="Title 1"/>
+          <p:cNvSpPr>
+            <a:spLocks noGrp="1"/>
+          </p:cNvSpPr>
+          <p:nvPr>
+            <p:ph type="title"/>
+          </p:nvPr>
+        </p:nvSpPr>
+        <p:spPr/>
+        <p:txBody>
+          <a:bodyPr/>
+          <a:lstStyle/>
+          <a:p>
+            <a:r>
+              <a:rPr lang="en-US" dirty="0" smtClean="0"/>
+              <a:t>Vector examples</a:t>
+            </a:r>
+            <a:endParaRPr lang="en-US" dirty="0"/>
+          </a:p>
+        </p:txBody>
+      </p:sp>
+      <p:sp>
+        <p:nvSpPr>
+          <p:cNvPr id="4" name="Slide Number Placeholder 3"/>
+          <p:cNvSpPr>
+            <a:spLocks noGrp="1"/>
+          </p:cNvSpPr>
+          <p:nvPr>
+            <p:ph type="sldNum" sz="quarter" idx="12"/>
+          </p:nvPr>
+        </p:nvSpPr>
+        <p:spPr>
+          <a:solidFill>
+            <a:schemeClr val="bg1"/>
+          </a:solidFill>
+        </p:spPr>
+        <p:txBody>
+          <a:bodyPr/>
+          <a:lstStyle/>
+          <a:p>
+            <a:fld id="{11AD1F4E-1E51-402E-B221-310F004E7D3B}" type="slidenum">
+              <a:rPr lang="en-US" smtClean="0"/>
+              <a:t>14</a:t>
+            </a:fld>
+            <a:endParaRPr lang="en-US"/>
+          </a:p>
+        </p:txBody>
+      </p:sp>
+      <p:sp>
+        <p:nvSpPr>
+          <p:cNvPr id="7" name="TextBox 6"/>
+          <p:cNvSpPr txBox="1"/>
+          <p:nvPr/>
+        </p:nvSpPr>
+        <p:spPr>
+          <a:xfrm>
+            <a:off x="628649" y="1953400"/>
+            <a:ext cx="7486651" cy="2585323"/>
+          </a:xfrm>
+          <a:prstGeom prst="rect">
+            <a:avLst/>
+          </a:prstGeom>
+          <a:solidFill>
+            <a:schemeClr val="bg1">
+              <a:lumMod val="75000"/>
+            </a:schemeClr>
+          </a:solidFill>
+          <a:ln>
+            <a:solidFill>
+              <a:schemeClr val="tx1"/>
+            </a:solidFill>
+          </a:ln>
+        </p:spPr>
+        <p:txBody>
+          <a:bodyPr wrap="square" rtlCol="0">
+            <a:spAutoFit/>
+          </a:bodyPr>
+          <a:lstStyle/>
+          <a:p>
+            <a:r>
+              <a:rPr lang="en-US" dirty="0" smtClean="0">
+                <a:latin typeface="Courier New" panose="02070309020205020404" pitchFamily="49" charset="0"/>
+                <a:cs typeface="Courier New" panose="02070309020205020404" pitchFamily="49" charset="0"/>
+              </a:rPr>
+              <a:t>#include &lt;vector&gt;</a:t>
+            </a:r>
+          </a:p>
+          <a:p>
+            <a:r>
+              <a:rPr lang="en-US" dirty="0" smtClean="0">
+                <a:latin typeface="Courier New" panose="02070309020205020404" pitchFamily="49" charset="0"/>
+                <a:cs typeface="Courier New" panose="02070309020205020404" pitchFamily="49" charset="0"/>
+              </a:rPr>
+              <a:t>…</a:t>
+            </a:r>
+          </a:p>
+          <a:p>
+            <a:r>
+              <a:rPr lang="en-US" dirty="0">
+                <a:latin typeface="Courier New" panose="02070309020205020404" pitchFamily="49" charset="0"/>
+                <a:cs typeface="Courier New" panose="02070309020205020404" pitchFamily="49" charset="0"/>
+              </a:rPr>
+              <a:t>vector&lt;double&gt; </a:t>
+            </a:r>
+            <a:r>
+              <a:rPr lang="en-US" dirty="0" err="1">
+                <a:latin typeface="Courier New" panose="02070309020205020404" pitchFamily="49" charset="0"/>
+                <a:cs typeface="Courier New" panose="02070309020205020404" pitchFamily="49" charset="0"/>
+              </a:rPr>
+              <a:t>read_data</a:t>
+            </a:r>
+            <a:r>
+              <a:rPr lang="en-US" dirty="0">
+                <a:latin typeface="Courier New" panose="02070309020205020404" pitchFamily="49" charset="0"/>
+                <a:cs typeface="Courier New" panose="02070309020205020404" pitchFamily="49" charset="0"/>
+              </a:rPr>
+              <a:t>(</a:t>
+            </a:r>
+            <a:r>
+              <a:rPr lang="en-US" dirty="0" err="1">
+                <a:latin typeface="Courier New" panose="02070309020205020404" pitchFamily="49" charset="0"/>
+                <a:cs typeface="Courier New" panose="02070309020205020404" pitchFamily="49" charset="0"/>
+              </a:rPr>
+              <a:t>istream</a:t>
+            </a:r>
+            <a:r>
+              <a:rPr lang="en-US" dirty="0">
+                <a:latin typeface="Courier New" panose="02070309020205020404" pitchFamily="49" charset="0"/>
+                <a:cs typeface="Courier New" panose="02070309020205020404" pitchFamily="49" charset="0"/>
+              </a:rPr>
+              <a:t>&amp; in) {</a:t>
+            </a:r>
+          </a:p>
+          <a:p>
+            <a:r>
+              <a:rPr lang="en-US" dirty="0">
+                <a:latin typeface="Courier New" panose="02070309020205020404" pitchFamily="49" charset="0"/>
+                <a:cs typeface="Courier New" panose="02070309020205020404" pitchFamily="49" charset="0"/>
+              </a:rPr>
+              <a:t>    vector&lt;double&gt; data;</a:t>
+            </a:r>
+          </a:p>
+          <a:p>
+            <a:r>
+              <a:rPr lang="en-US" dirty="0">
+                <a:latin typeface="Courier New" panose="02070309020205020404" pitchFamily="49" charset="0"/>
+                <a:cs typeface="Courier New" panose="02070309020205020404" pitchFamily="49" charset="0"/>
+              </a:rPr>
+              <a:t>    double item;</a:t>
+            </a:r>
+          </a:p>
+          <a:p>
+            <a:r>
+              <a:rPr lang="en-US" dirty="0">
+                <a:latin typeface="Courier New" panose="02070309020205020404" pitchFamily="49" charset="0"/>
+                <a:cs typeface="Courier New" panose="02070309020205020404" pitchFamily="49" charset="0"/>
+              </a:rPr>
+              <a:t>    while (in &gt;&gt; item)</a:t>
+            </a:r>
+          </a:p>
+          <a:p>
+            <a:r>
+              <a:rPr lang="en-US" dirty="0">
+                <a:latin typeface="Courier New" panose="02070309020205020404" pitchFamily="49" charset="0"/>
+                <a:cs typeface="Courier New" panose="02070309020205020404" pitchFamily="49" charset="0"/>
+              </a:rPr>
+              <a:t>        </a:t>
+            </a:r>
+            <a:r>
+              <a:rPr lang="en-US" dirty="0" err="1">
+                <a:latin typeface="Courier New" panose="02070309020205020404" pitchFamily="49" charset="0"/>
+                <a:cs typeface="Courier New" panose="02070309020205020404" pitchFamily="49" charset="0"/>
+              </a:rPr>
+              <a:t>data.</a:t>
+            </a:r>
+            <a:r>
+              <a:rPr lang="en-US" b="1" dirty="0" err="1">
+                <a:solidFill>
+                  <a:srgbClr val="C00000"/>
+                </a:solidFill>
+                <a:latin typeface="Courier New" panose="02070309020205020404" pitchFamily="49" charset="0"/>
+                <a:cs typeface="Courier New" panose="02070309020205020404" pitchFamily="49" charset="0"/>
+              </a:rPr>
+              <a:t>push_back</a:t>
+            </a:r>
+            <a:r>
+              <a:rPr lang="en-US" b="1" dirty="0">
+                <a:solidFill>
+                  <a:srgbClr val="C00000"/>
+                </a:solidFill>
+                <a:latin typeface="Courier New" panose="02070309020205020404" pitchFamily="49" charset="0"/>
+                <a:cs typeface="Courier New" panose="02070309020205020404" pitchFamily="49" charset="0"/>
+              </a:rPr>
+              <a:t>(</a:t>
+            </a:r>
+            <a:r>
+              <a:rPr lang="en-US" dirty="0">
+                <a:latin typeface="Courier New" panose="02070309020205020404" pitchFamily="49" charset="0"/>
+                <a:cs typeface="Courier New" panose="02070309020205020404" pitchFamily="49" charset="0"/>
+              </a:rPr>
+              <a:t>item</a:t>
+            </a:r>
+            <a:r>
+              <a:rPr lang="en-US" b="1" dirty="0">
+                <a:solidFill>
+                  <a:srgbClr val="C00000"/>
+                </a:solidFill>
+                <a:latin typeface="Courier New" panose="02070309020205020404" pitchFamily="49" charset="0"/>
+                <a:cs typeface="Courier New" panose="02070309020205020404" pitchFamily="49" charset="0"/>
+              </a:rPr>
+              <a:t>)</a:t>
+            </a:r>
+            <a:r>
+              <a:rPr lang="en-US" dirty="0">
+                <a:latin typeface="Courier New" panose="02070309020205020404" pitchFamily="49" charset="0"/>
+                <a:cs typeface="Courier New" panose="02070309020205020404" pitchFamily="49" charset="0"/>
+              </a:rPr>
+              <a:t>;</a:t>
+            </a:r>
+          </a:p>
+          <a:p>
+            <a:r>
+              <a:rPr lang="en-US" dirty="0">
+                <a:latin typeface="Courier New" panose="02070309020205020404" pitchFamily="49" charset="0"/>
+                <a:cs typeface="Courier New" panose="02070309020205020404" pitchFamily="49" charset="0"/>
+              </a:rPr>
+              <a:t>    return data;</a:t>
+            </a:r>
+          </a:p>
+          <a:p>
+            <a:r>
+              <a:rPr lang="en-US" dirty="0" smtClean="0">
+                <a:latin typeface="Courier New" panose="02070309020205020404" pitchFamily="49" charset="0"/>
+                <a:cs typeface="Courier New" panose="02070309020205020404" pitchFamily="49" charset="0"/>
+              </a:rPr>
+              <a:t>}</a:t>
+            </a:r>
+            <a:endParaRPr lang="en-US" dirty="0">
+              <a:latin typeface="Courier New" panose="02070309020205020404" pitchFamily="49" charset="0"/>
+              <a:cs typeface="Courier New" panose="02070309020205020404" pitchFamily="49" charset="0"/>
+            </a:endParaRPr>
+          </a:p>
+        </p:txBody>
+      </p:sp>
+    </p:spTree>
+    <p:extLst>
+      <p:ext uri="{BB962C8B-B14F-4D97-AF65-F5344CB8AC3E}">
+        <p14:creationId xmlns:p14="http://schemas.microsoft.com/office/powerpoint/2010/main" val="687327569"/>
+      </p:ext>
+    </p:extLst>
+  </p:cSld>
+  <p:clrMapOvr>
+    <a:masterClrMapping/>
+  </p:clrMapOvr>
+  <p:timing>
+    <p:tnLst>
+      <p:par>
+        <p:cTn id="1" dur="indefinite" restart="never" nodeType="tmRoot"/>
+      </p:par>
+    </p:tnLst>
+  </p:timing>
+</p:sld>
+</file>
+
+<file path=ppt/slides/slide15.xml><?xml version="1.0" encoding="utf-8"?>
+<p:sld xmlns:a="http://schemas.openxmlformats.org/drawingml/2006/main" xmlns:r="http://schemas.openxmlformats.org/officeDocument/2006/relationships" xmlns:p="http://schemas.openxmlformats.org/presentationml/2006/main">
+  <p:cSld>
+    <p:spTree>
+      <p:nvGrpSpPr>
+        <p:cNvPr id="1" name=""/>
+        <p:cNvGrpSpPr/>
+        <p:nvPr/>
+      </p:nvGrpSpPr>
+      <p:grpSpPr>
+        <a:xfrm>
+          <a:off x="0" y="0"/>
+          <a:ext cx="0" cy="0"/>
+          <a:chOff x="0" y="0"/>
+          <a:chExt cx="0" cy="0"/>
+        </a:xfrm>
+      </p:grpSpPr>
+      <p:sp>
+        <p:nvSpPr>
+          <p:cNvPr id="2" name="Title 1"/>
+          <p:cNvSpPr>
+            <a:spLocks noGrp="1"/>
+          </p:cNvSpPr>
+          <p:nvPr>
+            <p:ph type="title"/>
+          </p:nvPr>
+        </p:nvSpPr>
+        <p:spPr/>
+        <p:txBody>
+          <a:bodyPr/>
+          <a:lstStyle/>
+          <a:p>
+            <a:r>
+              <a:rPr lang="en-US" dirty="0" smtClean="0"/>
+              <a:t>Vector examples</a:t>
+            </a:r>
+            <a:endParaRPr lang="en-US" dirty="0"/>
+          </a:p>
+        </p:txBody>
+      </p:sp>
+      <p:sp>
+        <p:nvSpPr>
+          <p:cNvPr id="4" name="Slide Number Placeholder 3"/>
+          <p:cNvSpPr>
+            <a:spLocks noGrp="1"/>
+          </p:cNvSpPr>
+          <p:nvPr>
+            <p:ph type="sldNum" sz="quarter" idx="12"/>
+          </p:nvPr>
+        </p:nvSpPr>
+        <p:spPr>
+          <a:solidFill>
+            <a:schemeClr val="bg1"/>
+          </a:solidFill>
+        </p:spPr>
+        <p:txBody>
+          <a:bodyPr/>
+          <a:lstStyle/>
+          <a:p>
+            <a:fld id="{11AD1F4E-1E51-402E-B221-310F004E7D3B}" type="slidenum">
+              <a:rPr lang="en-US" smtClean="0"/>
+              <a:t>15</a:t>
+            </a:fld>
+            <a:endParaRPr lang="en-US"/>
+          </a:p>
+        </p:txBody>
+      </p:sp>
+      <p:sp>
+        <p:nvSpPr>
+          <p:cNvPr id="7" name="TextBox 6"/>
+          <p:cNvSpPr txBox="1"/>
+          <p:nvPr/>
+        </p:nvSpPr>
+        <p:spPr>
+          <a:xfrm>
+            <a:off x="628649" y="1953400"/>
+            <a:ext cx="7486651" cy="4247317"/>
+          </a:xfrm>
+          <a:prstGeom prst="rect">
+            <a:avLst/>
+          </a:prstGeom>
+          <a:solidFill>
+            <a:schemeClr val="bg1">
+              <a:lumMod val="75000"/>
+            </a:schemeClr>
+          </a:solidFill>
+          <a:ln>
+            <a:solidFill>
+              <a:schemeClr val="tx1"/>
+            </a:solidFill>
+          </a:ln>
+        </p:spPr>
+        <p:txBody>
+          <a:bodyPr wrap="square" rtlCol="0">
+            <a:spAutoFit/>
+          </a:bodyPr>
+          <a:lstStyle/>
+          <a:p>
+            <a:r>
+              <a:rPr lang="en-US" dirty="0" smtClean="0">
+                <a:latin typeface="Courier New" panose="02070309020205020404" pitchFamily="49" charset="0"/>
+                <a:cs typeface="Courier New" panose="02070309020205020404" pitchFamily="49" charset="0"/>
+              </a:rPr>
+              <a:t>#include &lt;algorithm&gt;</a:t>
+            </a:r>
+          </a:p>
+          <a:p>
+            <a:r>
+              <a:rPr lang="en-US" dirty="0" smtClean="0">
+                <a:latin typeface="Courier New" panose="02070309020205020404" pitchFamily="49" charset="0"/>
+                <a:cs typeface="Courier New" panose="02070309020205020404" pitchFamily="49" charset="0"/>
+              </a:rPr>
+              <a:t>…</a:t>
+            </a:r>
+          </a:p>
+          <a:p>
+            <a:r>
+              <a:rPr lang="en-US" dirty="0">
+                <a:latin typeface="Courier New" panose="02070309020205020404" pitchFamily="49" charset="0"/>
+                <a:cs typeface="Courier New" panose="02070309020205020404" pitchFamily="49" charset="0"/>
+              </a:rPr>
+              <a:t>Stats </a:t>
+            </a:r>
+            <a:r>
+              <a:rPr lang="en-US" dirty="0" err="1">
+                <a:latin typeface="Courier New" panose="02070309020205020404" pitchFamily="49" charset="0"/>
+                <a:cs typeface="Courier New" panose="02070309020205020404" pitchFamily="49" charset="0"/>
+              </a:rPr>
+              <a:t>compute_stats</a:t>
+            </a:r>
+            <a:r>
+              <a:rPr lang="en-US" dirty="0">
+                <a:latin typeface="Courier New" panose="02070309020205020404" pitchFamily="49" charset="0"/>
+                <a:cs typeface="Courier New" panose="02070309020205020404" pitchFamily="49" charset="0"/>
+              </a:rPr>
+              <a:t>(vector&lt;double&gt; data) {</a:t>
+            </a:r>
+          </a:p>
+          <a:p>
+            <a:r>
+              <a:rPr lang="en-US" dirty="0">
+                <a:latin typeface="Courier New" panose="02070309020205020404" pitchFamily="49" charset="0"/>
+                <a:cs typeface="Courier New" panose="02070309020205020404" pitchFamily="49" charset="0"/>
+              </a:rPr>
+              <a:t>    </a:t>
+            </a:r>
+            <a:r>
+              <a:rPr lang="en-US" dirty="0" err="1">
+                <a:latin typeface="Courier New" panose="02070309020205020404" pitchFamily="49" charset="0"/>
+                <a:cs typeface="Courier New" panose="02070309020205020404" pitchFamily="49" charset="0"/>
+              </a:rPr>
+              <a:t>int</a:t>
+            </a:r>
+            <a:r>
+              <a:rPr lang="en-US" dirty="0">
+                <a:latin typeface="Courier New" panose="02070309020205020404" pitchFamily="49" charset="0"/>
+                <a:cs typeface="Courier New" panose="02070309020205020404" pitchFamily="49" charset="0"/>
+              </a:rPr>
+              <a:t> n = </a:t>
+            </a:r>
+            <a:r>
+              <a:rPr lang="en-US" dirty="0" err="1">
+                <a:latin typeface="Courier New" panose="02070309020205020404" pitchFamily="49" charset="0"/>
+                <a:cs typeface="Courier New" panose="02070309020205020404" pitchFamily="49" charset="0"/>
+              </a:rPr>
+              <a:t>data.</a:t>
+            </a:r>
+            <a:r>
+              <a:rPr lang="en-US" b="1" dirty="0" err="1">
+                <a:solidFill>
+                  <a:srgbClr val="C00000"/>
+                </a:solidFill>
+                <a:latin typeface="Courier New" panose="02070309020205020404" pitchFamily="49" charset="0"/>
+                <a:cs typeface="Courier New" panose="02070309020205020404" pitchFamily="49" charset="0"/>
+              </a:rPr>
+              <a:t>size</a:t>
+            </a:r>
+            <a:r>
+              <a:rPr lang="en-US" b="1" dirty="0">
+                <a:solidFill>
+                  <a:srgbClr val="C00000"/>
+                </a:solidFill>
+                <a:latin typeface="Courier New" panose="02070309020205020404" pitchFamily="49" charset="0"/>
+                <a:cs typeface="Courier New" panose="02070309020205020404" pitchFamily="49" charset="0"/>
+              </a:rPr>
+              <a:t>()</a:t>
+            </a:r>
+            <a:r>
+              <a:rPr lang="en-US" dirty="0">
+                <a:latin typeface="Courier New" panose="02070309020205020404" pitchFamily="49" charset="0"/>
+                <a:cs typeface="Courier New" panose="02070309020205020404" pitchFamily="49" charset="0"/>
+              </a:rPr>
+              <a:t>;</a:t>
+            </a:r>
+          </a:p>
+          <a:p>
+            <a:r>
+              <a:rPr lang="en-US" dirty="0">
+                <a:latin typeface="Courier New" panose="02070309020205020404" pitchFamily="49" charset="0"/>
+                <a:cs typeface="Courier New" panose="02070309020205020404" pitchFamily="49" charset="0"/>
+              </a:rPr>
+              <a:t>    double sum {0.0};</a:t>
+            </a:r>
+          </a:p>
+          <a:p>
+            <a:r>
+              <a:rPr lang="en-US" dirty="0" smtClean="0">
+                <a:latin typeface="Courier New" panose="02070309020205020404" pitchFamily="49" charset="0"/>
+                <a:cs typeface="Courier New" panose="02070309020205020404" pitchFamily="49" charset="0"/>
+              </a:rPr>
+              <a:t>    for </a:t>
+            </a:r>
+            <a:r>
+              <a:rPr lang="en-US" dirty="0">
+                <a:latin typeface="Courier New" panose="02070309020205020404" pitchFamily="49" charset="0"/>
+                <a:cs typeface="Courier New" panose="02070309020205020404" pitchFamily="49" charset="0"/>
+              </a:rPr>
+              <a:t>(</a:t>
+            </a:r>
+            <a:r>
+              <a:rPr lang="en-US" b="1" dirty="0">
+                <a:solidFill>
+                  <a:srgbClr val="C00000"/>
+                </a:solidFill>
+                <a:latin typeface="Courier New" panose="02070309020205020404" pitchFamily="49" charset="0"/>
+                <a:cs typeface="Courier New" panose="02070309020205020404" pitchFamily="49" charset="0"/>
+              </a:rPr>
+              <a:t>double item: data</a:t>
+            </a:r>
+            <a:r>
+              <a:rPr lang="en-US" dirty="0" smtClean="0">
+                <a:latin typeface="Courier New" panose="02070309020205020404" pitchFamily="49" charset="0"/>
+                <a:cs typeface="Courier New" panose="02070309020205020404" pitchFamily="49" charset="0"/>
+              </a:rPr>
+              <a:t>)</a:t>
+            </a:r>
+            <a:endParaRPr lang="en-US" dirty="0">
+              <a:latin typeface="Courier New" panose="02070309020205020404" pitchFamily="49" charset="0"/>
+              <a:cs typeface="Courier New" panose="02070309020205020404" pitchFamily="49" charset="0"/>
+            </a:endParaRPr>
+          </a:p>
+          <a:p>
+            <a:r>
+              <a:rPr lang="en-US" dirty="0">
+                <a:latin typeface="Courier New" panose="02070309020205020404" pitchFamily="49" charset="0"/>
+                <a:cs typeface="Courier New" panose="02070309020205020404" pitchFamily="49" charset="0"/>
+              </a:rPr>
+              <a:t>        sum += item;</a:t>
+            </a:r>
+          </a:p>
+          <a:p>
+            <a:r>
+              <a:rPr lang="en-US" dirty="0" smtClean="0">
+                <a:latin typeface="Courier New" panose="02070309020205020404" pitchFamily="49" charset="0"/>
+                <a:cs typeface="Courier New" panose="02070309020205020404" pitchFamily="49" charset="0"/>
+              </a:rPr>
+              <a:t>    Stats </a:t>
+            </a:r>
+            <a:r>
+              <a:rPr lang="en-US" dirty="0" err="1">
+                <a:latin typeface="Courier New" panose="02070309020205020404" pitchFamily="49" charset="0"/>
+                <a:cs typeface="Courier New" panose="02070309020205020404" pitchFamily="49" charset="0"/>
+              </a:rPr>
+              <a:t>stats</a:t>
+            </a:r>
+            <a:r>
+              <a:rPr lang="en-US" dirty="0">
+                <a:latin typeface="Courier New" panose="02070309020205020404" pitchFamily="49" charset="0"/>
+                <a:cs typeface="Courier New" panose="02070309020205020404" pitchFamily="49" charset="0"/>
+              </a:rPr>
+              <a:t>;</a:t>
+            </a:r>
+          </a:p>
+          <a:p>
+            <a:r>
+              <a:rPr lang="en-US" dirty="0">
+                <a:latin typeface="Courier New" panose="02070309020205020404" pitchFamily="49" charset="0"/>
+                <a:cs typeface="Courier New" panose="02070309020205020404" pitchFamily="49" charset="0"/>
+              </a:rPr>
+              <a:t>    </a:t>
+            </a:r>
+            <a:r>
+              <a:rPr lang="en-US" dirty="0" err="1">
+                <a:latin typeface="Courier New" panose="02070309020205020404" pitchFamily="49" charset="0"/>
+                <a:cs typeface="Courier New" panose="02070309020205020404" pitchFamily="49" charset="0"/>
+              </a:rPr>
+              <a:t>stats.mean</a:t>
+            </a:r>
+            <a:r>
+              <a:rPr lang="en-US" dirty="0">
+                <a:latin typeface="Courier New" panose="02070309020205020404" pitchFamily="49" charset="0"/>
+                <a:cs typeface="Courier New" panose="02070309020205020404" pitchFamily="49" charset="0"/>
+              </a:rPr>
+              <a:t> = sum/n;</a:t>
+            </a:r>
+          </a:p>
+          <a:p>
+            <a:r>
+              <a:rPr lang="en-US" dirty="0" smtClean="0">
+                <a:latin typeface="Courier New" panose="02070309020205020404" pitchFamily="49" charset="0"/>
+                <a:cs typeface="Courier New" panose="02070309020205020404" pitchFamily="49" charset="0"/>
+              </a:rPr>
+              <a:t>    </a:t>
+            </a:r>
+            <a:r>
+              <a:rPr lang="en-US" b="1" dirty="0" smtClean="0">
+                <a:solidFill>
+                  <a:srgbClr val="C00000"/>
+                </a:solidFill>
+                <a:latin typeface="Courier New" panose="02070309020205020404" pitchFamily="49" charset="0"/>
+                <a:cs typeface="Courier New" panose="02070309020205020404" pitchFamily="49" charset="0"/>
+              </a:rPr>
+              <a:t>sort</a:t>
+            </a:r>
+            <a:r>
+              <a:rPr lang="en-US" dirty="0" smtClean="0">
+                <a:latin typeface="Courier New" panose="02070309020205020404" pitchFamily="49" charset="0"/>
+                <a:cs typeface="Courier New" panose="02070309020205020404" pitchFamily="49" charset="0"/>
+              </a:rPr>
+              <a:t>(</a:t>
+            </a:r>
+            <a:r>
+              <a:rPr lang="en-US" dirty="0" err="1" smtClean="0">
+                <a:latin typeface="Courier New" panose="02070309020205020404" pitchFamily="49" charset="0"/>
+                <a:cs typeface="Courier New" panose="02070309020205020404" pitchFamily="49" charset="0"/>
+              </a:rPr>
+              <a:t>data.</a:t>
+            </a:r>
+            <a:r>
+              <a:rPr lang="en-US" b="1" dirty="0" err="1" smtClean="0">
+                <a:solidFill>
+                  <a:srgbClr val="C00000"/>
+                </a:solidFill>
+                <a:latin typeface="Courier New" panose="02070309020205020404" pitchFamily="49" charset="0"/>
+                <a:cs typeface="Courier New" panose="02070309020205020404" pitchFamily="49" charset="0"/>
+              </a:rPr>
+              <a:t>begin</a:t>
+            </a:r>
+            <a:r>
+              <a:rPr lang="en-US" b="1" dirty="0">
+                <a:solidFill>
+                  <a:srgbClr val="C00000"/>
+                </a:solidFill>
+                <a:latin typeface="Courier New" panose="02070309020205020404" pitchFamily="49" charset="0"/>
+                <a:cs typeface="Courier New" panose="02070309020205020404" pitchFamily="49" charset="0"/>
+              </a:rPr>
+              <a:t>()</a:t>
+            </a:r>
+            <a:r>
+              <a:rPr lang="en-US" dirty="0">
+                <a:latin typeface="Courier New" panose="02070309020205020404" pitchFamily="49" charset="0"/>
+                <a:cs typeface="Courier New" panose="02070309020205020404" pitchFamily="49" charset="0"/>
+              </a:rPr>
+              <a:t>, </a:t>
+            </a:r>
+            <a:r>
+              <a:rPr lang="en-US" dirty="0" err="1">
+                <a:latin typeface="Courier New" panose="02070309020205020404" pitchFamily="49" charset="0"/>
+                <a:cs typeface="Courier New" panose="02070309020205020404" pitchFamily="49" charset="0"/>
+              </a:rPr>
+              <a:t>data</a:t>
+            </a:r>
+            <a:r>
+              <a:rPr lang="en-US" b="1" dirty="0" err="1">
+                <a:solidFill>
+                  <a:srgbClr val="C00000"/>
+                </a:solidFill>
+                <a:latin typeface="Courier New" panose="02070309020205020404" pitchFamily="49" charset="0"/>
+                <a:cs typeface="Courier New" panose="02070309020205020404" pitchFamily="49" charset="0"/>
+              </a:rPr>
+              <a:t>.end</a:t>
+            </a:r>
+            <a:r>
+              <a:rPr lang="en-US" b="1" dirty="0">
+                <a:solidFill>
+                  <a:srgbClr val="C00000"/>
+                </a:solidFill>
+                <a:latin typeface="Courier New" panose="02070309020205020404" pitchFamily="49" charset="0"/>
+                <a:cs typeface="Courier New" panose="02070309020205020404" pitchFamily="49" charset="0"/>
+              </a:rPr>
+              <a:t>()</a:t>
+            </a:r>
+            <a:r>
+              <a:rPr lang="en-US" dirty="0">
+                <a:latin typeface="Courier New" panose="02070309020205020404" pitchFamily="49" charset="0"/>
+                <a:cs typeface="Courier New" panose="02070309020205020404" pitchFamily="49" charset="0"/>
+              </a:rPr>
+              <a:t>);</a:t>
+            </a:r>
+          </a:p>
+          <a:p>
+            <a:r>
+              <a:rPr lang="en-US" dirty="0">
+                <a:latin typeface="Courier New" panose="02070309020205020404" pitchFamily="49" charset="0"/>
+                <a:cs typeface="Courier New" panose="02070309020205020404" pitchFamily="49" charset="0"/>
+              </a:rPr>
+              <a:t>    </a:t>
+            </a:r>
+            <a:r>
+              <a:rPr lang="en-US" dirty="0" err="1">
+                <a:latin typeface="Courier New" panose="02070309020205020404" pitchFamily="49" charset="0"/>
+                <a:cs typeface="Courier New" panose="02070309020205020404" pitchFamily="49" charset="0"/>
+              </a:rPr>
+              <a:t>int</a:t>
+            </a:r>
+            <a:r>
+              <a:rPr lang="en-US" dirty="0">
+                <a:latin typeface="Courier New" panose="02070309020205020404" pitchFamily="49" charset="0"/>
+                <a:cs typeface="Courier New" panose="02070309020205020404" pitchFamily="49" charset="0"/>
+              </a:rPr>
+              <a:t> middle {n/2};</a:t>
+            </a:r>
+          </a:p>
+          <a:p>
+            <a:r>
+              <a:rPr lang="en-US" dirty="0">
+                <a:latin typeface="Courier New" panose="02070309020205020404" pitchFamily="49" charset="0"/>
+                <a:cs typeface="Courier New" panose="02070309020205020404" pitchFamily="49" charset="0"/>
+              </a:rPr>
+              <a:t>    </a:t>
+            </a:r>
+            <a:r>
+              <a:rPr lang="en-US" dirty="0" err="1">
+                <a:latin typeface="Courier New" panose="02070309020205020404" pitchFamily="49" charset="0"/>
+                <a:cs typeface="Courier New" panose="02070309020205020404" pitchFamily="49" charset="0"/>
+              </a:rPr>
+              <a:t>stats.median</a:t>
+            </a:r>
+            <a:r>
+              <a:rPr lang="en-US" dirty="0">
+                <a:latin typeface="Courier New" panose="02070309020205020404" pitchFamily="49" charset="0"/>
+                <a:cs typeface="Courier New" panose="02070309020205020404" pitchFamily="49" charset="0"/>
+              </a:rPr>
+              <a:t> = n % 2 == 1 ? data.at(middle) :</a:t>
+            </a:r>
+          </a:p>
+          <a:p>
+            <a:r>
+              <a:rPr lang="en-US" dirty="0">
+                <a:latin typeface="Courier New" panose="02070309020205020404" pitchFamily="49" charset="0"/>
+                <a:cs typeface="Courier New" panose="02070309020205020404" pitchFamily="49" charset="0"/>
+              </a:rPr>
+              <a:t>        (data.</a:t>
+            </a:r>
+            <a:r>
+              <a:rPr lang="en-US" b="1" dirty="0">
+                <a:solidFill>
+                  <a:srgbClr val="C00000"/>
+                </a:solidFill>
+                <a:latin typeface="Courier New" panose="02070309020205020404" pitchFamily="49" charset="0"/>
+                <a:cs typeface="Courier New" panose="02070309020205020404" pitchFamily="49" charset="0"/>
+              </a:rPr>
+              <a:t>at(</a:t>
+            </a:r>
+            <a:r>
+              <a:rPr lang="en-US" dirty="0">
+                <a:latin typeface="Courier New" panose="02070309020205020404" pitchFamily="49" charset="0"/>
+                <a:cs typeface="Courier New" panose="02070309020205020404" pitchFamily="49" charset="0"/>
+              </a:rPr>
+              <a:t>middle - 1</a:t>
+            </a:r>
+            <a:r>
+              <a:rPr lang="en-US" b="1" dirty="0">
+                <a:solidFill>
+                  <a:srgbClr val="C00000"/>
+                </a:solidFill>
+                <a:latin typeface="Courier New" panose="02070309020205020404" pitchFamily="49" charset="0"/>
+                <a:cs typeface="Courier New" panose="02070309020205020404" pitchFamily="49" charset="0"/>
+              </a:rPr>
+              <a:t>)</a:t>
+            </a:r>
+            <a:r>
+              <a:rPr lang="en-US" dirty="0">
+                <a:latin typeface="Courier New" panose="02070309020205020404" pitchFamily="49" charset="0"/>
+                <a:cs typeface="Courier New" panose="02070309020205020404" pitchFamily="49" charset="0"/>
+              </a:rPr>
+              <a:t> + data.</a:t>
+            </a:r>
+            <a:r>
+              <a:rPr lang="en-US" b="1" dirty="0">
+                <a:solidFill>
+                  <a:srgbClr val="C00000"/>
+                </a:solidFill>
+                <a:latin typeface="Courier New" panose="02070309020205020404" pitchFamily="49" charset="0"/>
+                <a:cs typeface="Courier New" panose="02070309020205020404" pitchFamily="49" charset="0"/>
+              </a:rPr>
+              <a:t>at(</a:t>
+            </a:r>
+            <a:r>
+              <a:rPr lang="en-US" dirty="0">
+                <a:latin typeface="Courier New" panose="02070309020205020404" pitchFamily="49" charset="0"/>
+                <a:cs typeface="Courier New" panose="02070309020205020404" pitchFamily="49" charset="0"/>
+              </a:rPr>
+              <a:t>middle</a:t>
+            </a:r>
+            <a:r>
+              <a:rPr lang="en-US" b="1" dirty="0">
+                <a:solidFill>
+                  <a:srgbClr val="C00000"/>
+                </a:solidFill>
+                <a:latin typeface="Courier New" panose="02070309020205020404" pitchFamily="49" charset="0"/>
+                <a:cs typeface="Courier New" panose="02070309020205020404" pitchFamily="49" charset="0"/>
+              </a:rPr>
+              <a:t>)</a:t>
+            </a:r>
+            <a:r>
+              <a:rPr lang="en-US" dirty="0">
+                <a:latin typeface="Courier New" panose="02070309020205020404" pitchFamily="49" charset="0"/>
+                <a:cs typeface="Courier New" panose="02070309020205020404" pitchFamily="49" charset="0"/>
+              </a:rPr>
+              <a:t>)/2.0;</a:t>
+            </a:r>
+          </a:p>
+          <a:p>
+            <a:r>
+              <a:rPr lang="en-US" dirty="0" smtClean="0">
+                <a:latin typeface="Courier New" panose="02070309020205020404" pitchFamily="49" charset="0"/>
+                <a:cs typeface="Courier New" panose="02070309020205020404" pitchFamily="49" charset="0"/>
+              </a:rPr>
+              <a:t>    return </a:t>
+            </a:r>
+            <a:r>
+              <a:rPr lang="en-US" dirty="0">
+                <a:latin typeface="Courier New" panose="02070309020205020404" pitchFamily="49" charset="0"/>
+                <a:cs typeface="Courier New" panose="02070309020205020404" pitchFamily="49" charset="0"/>
+              </a:rPr>
+              <a:t>stats;</a:t>
+            </a:r>
+          </a:p>
+          <a:p>
+            <a:r>
+              <a:rPr lang="en-US" dirty="0">
+                <a:latin typeface="Courier New" panose="02070309020205020404" pitchFamily="49" charset="0"/>
+                <a:cs typeface="Courier New" panose="02070309020205020404" pitchFamily="49" charset="0"/>
+              </a:rPr>
+              <a:t>}</a:t>
+            </a:r>
+          </a:p>
+        </p:txBody>
+      </p:sp>
+      <p:sp>
+        <p:nvSpPr>
+          <p:cNvPr id="3" name="TextBox 2"/>
+          <p:cNvSpPr txBox="1"/>
+          <p:nvPr/>
+        </p:nvSpPr>
+        <p:spPr>
+          <a:xfrm>
+            <a:off x="2106395" y="6016924"/>
+            <a:ext cx="5380255" cy="523220"/>
+          </a:xfrm>
+          <a:prstGeom prst="rect">
+            <a:avLst/>
+          </a:prstGeom>
+          <a:solidFill>
+            <a:schemeClr val="bg1"/>
+          </a:solidFill>
+          <a:ln>
+            <a:solidFill>
+              <a:schemeClr val="tx1"/>
+            </a:solidFill>
+          </a:ln>
+        </p:spPr>
+        <p:txBody>
+          <a:bodyPr wrap="none" rtlCol="0">
+            <a:spAutoFit/>
+          </a:bodyPr>
+          <a:lstStyle/>
+          <a:p>
+            <a:r>
+              <a:rPr lang="en-US" sz="2800" dirty="0" smtClean="0"/>
+              <a:t>Note: vector indexing is zero based!</a:t>
+            </a:r>
+            <a:endParaRPr lang="en-US" sz="2800" dirty="0"/>
+          </a:p>
+        </p:txBody>
+      </p:sp>
+    </p:spTree>
+    <p:extLst>
+      <p:ext uri="{BB962C8B-B14F-4D97-AF65-F5344CB8AC3E}">
+        <p14:creationId xmlns:p14="http://schemas.microsoft.com/office/powerpoint/2010/main" val="3242179123"/>
+      </p:ext>
+    </p:extLst>
+  </p:cSld>
+  <p:clrMapOvr>
+    <a:masterClrMapping/>
+  </p:clrMapOvr>
+  <p:timing>
+    <p:tnLst>
+      <p:par>
+        <p:cTn id="1" dur="indefinite" restart="never" nodeType="tmRoot"/>
+      </p:par>
+    </p:tnLst>
+  </p:timing>
+</p:sld>
+</file>
+
 <file path=ppt/slides/slide16.xml><?xml version="1.0" encoding="utf-8"?>
+<p:sld xmlns:a="http://schemas.openxmlformats.org/drawingml/2006/main" xmlns:r="http://schemas.openxmlformats.org/officeDocument/2006/relationships" xmlns:p="http://schemas.openxmlformats.org/presentationml/2006/main">
+  <p:cSld>
+    <p:spTree>
+      <p:nvGrpSpPr>
+        <p:cNvPr id="1" name=""/>
+        <p:cNvGrpSpPr/>
+        <p:nvPr/>
+      </p:nvGrpSpPr>
+      <p:grpSpPr>
+        <a:xfrm>
+          <a:off x="0" y="0"/>
+          <a:ext cx="0" cy="0"/>
+          <a:chOff x="0" y="0"/>
+          <a:chExt cx="0" cy="0"/>
+        </a:xfrm>
+      </p:grpSpPr>
+      <p:sp>
+        <p:nvSpPr>
+          <p:cNvPr id="2" name="Title 1"/>
+          <p:cNvSpPr>
+            <a:spLocks noGrp="1"/>
+          </p:cNvSpPr>
+          <p:nvPr>
+            <p:ph type="title"/>
+          </p:nvPr>
+        </p:nvSpPr>
+        <p:spPr/>
+        <p:txBody>
+          <a:bodyPr/>
+          <a:lstStyle/>
+          <a:p>
+            <a:r>
+              <a:rPr lang="en-US" dirty="0" smtClean="0"/>
+              <a:t>STL container API</a:t>
+            </a:r>
+            <a:endParaRPr lang="en-US" dirty="0"/>
+          </a:p>
+        </p:txBody>
+      </p:sp>
+      <p:sp>
+        <p:nvSpPr>
+          <p:cNvPr id="3" name="Content Placeholder 2"/>
+          <p:cNvSpPr>
+            <a:spLocks noGrp="1"/>
+          </p:cNvSpPr>
+          <p:nvPr>
+            <p:ph idx="1"/>
+          </p:nvPr>
+        </p:nvSpPr>
+        <p:spPr/>
+        <p:txBody>
+          <a:bodyPr>
+            <a:normAutofit fontScale="92500" lnSpcReduction="10000"/>
+          </a:bodyPr>
+          <a:lstStyle/>
+          <a:p>
+            <a:r>
+              <a:rPr lang="en-US" dirty="0" err="1" smtClean="0">
+                <a:latin typeface="Courier New" panose="02070309020205020404" pitchFamily="49" charset="0"/>
+                <a:cs typeface="Courier New" panose="02070309020205020404" pitchFamily="49" charset="0"/>
+              </a:rPr>
+              <a:t>c.begin</a:t>
+            </a:r>
+            <a:r>
+              <a:rPr lang="en-US" dirty="0" smtClean="0">
+                <a:latin typeface="Courier New" panose="02070309020205020404" pitchFamily="49" charset="0"/>
+                <a:cs typeface="Courier New" panose="02070309020205020404" pitchFamily="49" charset="0"/>
+              </a:rPr>
+              <a:t>()</a:t>
+            </a:r>
+          </a:p>
+          <a:p>
+            <a:pPr lvl="1"/>
+            <a:r>
+              <a:rPr lang="en-US" dirty="0" smtClean="0"/>
+              <a:t>reference to first element of container</a:t>
+            </a:r>
+          </a:p>
+          <a:p>
+            <a:pPr lvl="1"/>
+            <a:r>
+              <a:rPr lang="en-US" dirty="0" err="1" smtClean="0"/>
+              <a:t>c.begin</a:t>
+            </a:r>
+            <a:r>
+              <a:rPr lang="en-US" dirty="0" smtClean="0"/>
+              <a:t>() == </a:t>
+            </a:r>
+            <a:r>
+              <a:rPr lang="en-US" dirty="0" err="1" smtClean="0"/>
+              <a:t>c.end</a:t>
+            </a:r>
+            <a:r>
+              <a:rPr lang="en-US" dirty="0" smtClean="0"/>
+              <a:t>() if c empty</a:t>
+            </a:r>
+          </a:p>
+          <a:p>
+            <a:r>
+              <a:rPr lang="en-US" dirty="0" err="1" smtClean="0">
+                <a:latin typeface="Courier New" panose="02070309020205020404" pitchFamily="49" charset="0"/>
+                <a:cs typeface="Courier New" panose="02070309020205020404" pitchFamily="49" charset="0"/>
+              </a:rPr>
+              <a:t>c.end</a:t>
+            </a:r>
+            <a:r>
+              <a:rPr lang="en-US" dirty="0" smtClean="0">
+                <a:latin typeface="Courier New" panose="02070309020205020404" pitchFamily="49" charset="0"/>
+                <a:cs typeface="Courier New" panose="02070309020205020404" pitchFamily="49" charset="0"/>
+              </a:rPr>
+              <a:t>()</a:t>
+            </a:r>
+          </a:p>
+          <a:p>
+            <a:pPr lvl="1"/>
+            <a:r>
+              <a:rPr lang="en-US" dirty="0" smtClean="0"/>
+              <a:t>reference to element beyond last of container</a:t>
+            </a:r>
+          </a:p>
+          <a:p>
+            <a:r>
+              <a:rPr lang="en-US" dirty="0" err="1" smtClean="0">
+                <a:latin typeface="Courier New" panose="02070309020205020404" pitchFamily="49" charset="0"/>
+                <a:cs typeface="Courier New" panose="02070309020205020404" pitchFamily="49" charset="0"/>
+              </a:rPr>
+              <a:t>c.empty</a:t>
+            </a:r>
+            <a:r>
+              <a:rPr lang="en-US" dirty="0" smtClean="0">
+                <a:latin typeface="Courier New" panose="02070309020205020404" pitchFamily="49" charset="0"/>
+                <a:cs typeface="Courier New" panose="02070309020205020404" pitchFamily="49" charset="0"/>
+              </a:rPr>
+              <a:t>()</a:t>
+            </a:r>
+          </a:p>
+          <a:p>
+            <a:pPr lvl="1"/>
+            <a:r>
+              <a:rPr lang="en-US" dirty="0" smtClean="0"/>
+              <a:t>true if container empty</a:t>
+            </a:r>
+          </a:p>
+          <a:p>
+            <a:r>
+              <a:rPr lang="en-US" dirty="0" err="1" smtClean="0">
+                <a:latin typeface="Courier New" panose="02070309020205020404" pitchFamily="49" charset="0"/>
+                <a:cs typeface="Courier New" panose="02070309020205020404" pitchFamily="49" charset="0"/>
+              </a:rPr>
+              <a:t>c.size</a:t>
+            </a:r>
+            <a:r>
+              <a:rPr lang="en-US" dirty="0" smtClean="0">
+                <a:latin typeface="Courier New" panose="02070309020205020404" pitchFamily="49" charset="0"/>
+                <a:cs typeface="Courier New" panose="02070309020205020404" pitchFamily="49" charset="0"/>
+              </a:rPr>
+              <a:t>()</a:t>
+            </a:r>
+          </a:p>
+          <a:p>
+            <a:pPr lvl="1"/>
+            <a:r>
+              <a:rPr lang="en-US" dirty="0" smtClean="0"/>
+              <a:t>number of items in container</a:t>
+            </a:r>
+          </a:p>
+          <a:p>
+            <a:r>
+              <a:rPr lang="en-US" dirty="0" err="1" smtClean="0">
+                <a:latin typeface="Courier New" panose="02070309020205020404" pitchFamily="49" charset="0"/>
+                <a:cs typeface="Courier New" panose="02070309020205020404" pitchFamily="49" charset="0"/>
+              </a:rPr>
+              <a:t>c.max_size</a:t>
+            </a:r>
+            <a:r>
+              <a:rPr lang="en-US" dirty="0" smtClean="0">
+                <a:latin typeface="Courier New" panose="02070309020205020404" pitchFamily="49" charset="0"/>
+                <a:cs typeface="Courier New" panose="02070309020205020404" pitchFamily="49" charset="0"/>
+              </a:rPr>
+              <a:t>()</a:t>
+            </a:r>
+          </a:p>
+          <a:p>
+            <a:pPr lvl="1"/>
+            <a:r>
+              <a:rPr lang="en-US" dirty="0" smtClean="0"/>
+              <a:t>maximum capacity of container</a:t>
+            </a:r>
+          </a:p>
+          <a:p>
+            <a:pPr lvl="1"/>
+            <a:endParaRPr lang="en-US" dirty="0" smtClean="0"/>
+          </a:p>
+          <a:p>
+            <a:endParaRPr lang="en-US" dirty="0"/>
+          </a:p>
+        </p:txBody>
+      </p:sp>
+      <p:sp>
+        <p:nvSpPr>
+          <p:cNvPr id="4" name="Slide Number Placeholder 3"/>
+          <p:cNvSpPr>
+            <a:spLocks noGrp="1"/>
+          </p:cNvSpPr>
+          <p:nvPr>
+            <p:ph type="sldNum" sz="quarter" idx="12"/>
+          </p:nvPr>
+        </p:nvSpPr>
+        <p:spPr/>
+        <p:txBody>
+          <a:bodyPr/>
+          <a:lstStyle/>
+          <a:p>
+            <a:fld id="{11AD1F4E-1E51-402E-B221-310F004E7D3B}" type="slidenum">
+              <a:rPr lang="en-US" smtClean="0"/>
+              <a:t>16</a:t>
+            </a:fld>
+            <a:endParaRPr lang="en-US"/>
+          </a:p>
+        </p:txBody>
+      </p:sp>
+    </p:spTree>
+    <p:extLst>
+      <p:ext uri="{BB962C8B-B14F-4D97-AF65-F5344CB8AC3E}">
+        <p14:creationId xmlns:p14="http://schemas.microsoft.com/office/powerpoint/2010/main" val="921299220"/>
+      </p:ext>
+    </p:extLst>
+  </p:cSld>
+  <p:clrMapOvr>
+    <a:masterClrMapping/>
+  </p:clrMapOvr>
+  <p:timing>
+    <p:tnLst>
+      <p:par>
+        <p:cTn id="1" dur="indefinite" restart="never" nodeType="tmRoot"/>
+      </p:par>
+    </p:tnLst>
+  </p:timing>
+</p:sld>
+</file>
+
+<file path=ppt/slides/slide17.xml><?xml version="1.0" encoding="utf-8"?>
 <p:sld xmlns:a="http://schemas.openxmlformats.org/drawingml/2006/main" xmlns:r="http://schemas.openxmlformats.org/officeDocument/2006/relationships" xmlns:p="http://schemas.openxmlformats.org/presentationml/2006/main">
   <p:cSld>
     <p:spTree>
@@ -7624,7 +7857,7 @@
             <a:graphicData uri="http://schemas.openxmlformats.org/presentationml/2006/ole">
               <mc:AlternateContent xmlns:mc="http://schemas.openxmlformats.org/markup-compatibility/2006">
                 <mc:Choice xmlns:v="urn:schemas-microsoft-com:vml" Requires="v">
-                  <p:oleObj spid="_x0000_s3169" name="Equation" r:id="rId3" imgW="1180800" imgH="228600" progId="Equation.3">
+                  <p:oleObj spid="_x0000_s3172" name="Equation" r:id="rId3" imgW="1180800" imgH="228600" progId="Equation.3">
                     <p:embed/>
                   </p:oleObj>
                 </mc:Choice>
@@ -7716,7 +7949,7 @@
           <a:p>
             <a:fld id="{11AD1F4E-1E51-402E-B221-310F004E7D3B}" type="slidenum">
               <a:rPr lang="en-US" smtClean="0"/>
-              <a:t>16</a:t>
+              <a:t>17</a:t>
             </a:fld>
             <a:endParaRPr lang="en-US"/>
           </a:p>
@@ -8422,7 +8655,7 @@
 </p:sld>
 </file>
 
-<file path=ppt/slides/slide17.xml><?xml version="1.0" encoding="utf-8"?>
+<file path=ppt/slides/slide18.xml><?xml version="1.0" encoding="utf-8"?>
 <p:sld xmlns:a="http://schemas.openxmlformats.org/drawingml/2006/main" xmlns:r="http://schemas.openxmlformats.org/officeDocument/2006/relationships" xmlns:p="http://schemas.openxmlformats.org/presentationml/2006/main">
   <p:cSld>
     <p:spTree>
@@ -8548,7 +8781,7 @@
           <a:p>
             <a:fld id="{11AD1F4E-1E51-402E-B221-310F004E7D3B}" type="slidenum">
               <a:rPr lang="en-US" smtClean="0"/>
-              <a:t>17</a:t>
+              <a:t>18</a:t>
             </a:fld>
             <a:endParaRPr lang="en-US"/>
           </a:p>
@@ -8800,7 +9033,7 @@
 </p:sld>
 </file>
 
-<file path=ppt/slides/slide18.xml><?xml version="1.0" encoding="utf-8"?>
+<file path=ppt/slides/slide19.xml><?xml version="1.0" encoding="utf-8"?>
 <p:sld xmlns:a="http://schemas.openxmlformats.org/drawingml/2006/main" xmlns:r="http://schemas.openxmlformats.org/officeDocument/2006/relationships" xmlns:p="http://schemas.openxmlformats.org/presentationml/2006/main">
   <p:cSld>
     <p:spTree>
@@ -8834,7 +9067,11 @@
           <a:p>
             <a:r>
               <a:rPr lang="en-US" dirty="0" smtClean="0"/>
-              <a:t>Tuple examples</a:t>
+              <a:t>Tuple </a:t>
+            </a:r>
+            <a:r>
+              <a:rPr lang="en-US" dirty="0" smtClean="0"/>
+              <a:t>example</a:t>
             </a:r>
             <a:endParaRPr lang="en-US" dirty="0"/>
           </a:p>
@@ -8857,7 +9094,7 @@
           <a:p>
             <a:fld id="{11AD1F4E-1E51-402E-B221-310F004E7D3B}" type="slidenum">
               <a:rPr lang="en-US" smtClean="0"/>
-              <a:t>18</a:t>
+              <a:t>19</a:t>
             </a:fld>
             <a:endParaRPr lang="en-US"/>
           </a:p>
@@ -9454,7 +9691,201 @@
 </p:sld>
 </file>
 
-<file path=ppt/slides/slide19.xml><?xml version="1.0" encoding="utf-8"?>
+<file path=ppt/slides/slide2.xml><?xml version="1.0" encoding="utf-8"?>
+<p:sld xmlns:a="http://schemas.openxmlformats.org/drawingml/2006/main" xmlns:r="http://schemas.openxmlformats.org/officeDocument/2006/relationships" xmlns:p="http://schemas.openxmlformats.org/presentationml/2006/main">
+  <p:cSld>
+    <p:spTree>
+      <p:nvGrpSpPr>
+        <p:cNvPr id="1" name=""/>
+        <p:cNvGrpSpPr/>
+        <p:nvPr/>
+      </p:nvGrpSpPr>
+      <p:grpSpPr>
+        <a:xfrm>
+          <a:off x="0" y="0"/>
+          <a:ext cx="0" cy="0"/>
+          <a:chOff x="0" y="0"/>
+          <a:chExt cx="0" cy="0"/>
+        </a:xfrm>
+      </p:grpSpPr>
+      <p:sp>
+        <p:nvSpPr>
+          <p:cNvPr id="2" name="Slide Number Placeholder 1"/>
+          <p:cNvSpPr>
+            <a:spLocks noGrp="1"/>
+          </p:cNvSpPr>
+          <p:nvPr>
+            <p:ph type="sldNum" sz="quarter" idx="12"/>
+          </p:nvPr>
+        </p:nvSpPr>
+        <p:spPr/>
+        <p:txBody>
+          <a:bodyPr/>
+          <a:lstStyle/>
+          <a:p>
+            <a:fld id="{033373DF-BCDA-4600-B448-AFBDB22F4A39}" type="slidenum">
+              <a:rPr lang="en-US" smtClean="0"/>
+              <a:t>2</a:t>
+            </a:fld>
+            <a:endParaRPr lang="en-US"/>
+          </a:p>
+        </p:txBody>
+      </p:sp>
+      <p:sp>
+        <p:nvSpPr>
+          <p:cNvPr id="3" name="TextBox 2"/>
+          <p:cNvSpPr txBox="1"/>
+          <p:nvPr/>
+        </p:nvSpPr>
+        <p:spPr>
+          <a:xfrm>
+            <a:off x="1193194" y="2423057"/>
+            <a:ext cx="3404137" cy="1692771"/>
+          </a:xfrm>
+          <a:prstGeom prst="rect">
+            <a:avLst/>
+          </a:prstGeom>
+          <a:noFill/>
+          <a:ln>
+            <a:solidFill>
+              <a:schemeClr val="tx1"/>
+            </a:solidFill>
+          </a:ln>
+        </p:spPr>
+        <p:txBody>
+          <a:bodyPr wrap="none" rtlCol="0">
+            <a:spAutoFit/>
+          </a:bodyPr>
+          <a:lstStyle/>
+          <a:p>
+            <a:r>
+              <a:rPr lang="en-US" dirty="0"/>
+              <a:t>Presentation based on:</a:t>
+            </a:r>
+            <a:br>
+              <a:rPr lang="en-US" dirty="0"/>
+            </a:br>
+            <a:r>
+              <a:rPr lang="en-US" sz="2800" i="1" dirty="0"/>
+              <a:t>A tour of C++</a:t>
+            </a:r>
+            <a:r>
+              <a:rPr lang="en-US" sz="2800" dirty="0"/>
+              <a:t/>
+            </a:r>
+            <a:br>
+              <a:rPr lang="en-US" sz="2800" dirty="0"/>
+            </a:br>
+            <a:r>
+              <a:rPr lang="en-US" sz="2800" dirty="0"/>
+              <a:t>Bjarne </a:t>
+            </a:r>
+            <a:r>
+              <a:rPr lang="en-US" sz="2800" dirty="0" err="1"/>
+              <a:t>Stroustrup</a:t>
+            </a:r>
+            <a:endParaRPr lang="en-US" sz="2800" dirty="0"/>
+          </a:p>
+          <a:p>
+            <a:r>
+              <a:rPr lang="en-US" sz="2800" dirty="0"/>
+              <a:t>Addison-Wesley, 2014</a:t>
+            </a:r>
+          </a:p>
+        </p:txBody>
+      </p:sp>
+    </p:spTree>
+    <p:extLst>
+      <p:ext uri="{BB962C8B-B14F-4D97-AF65-F5344CB8AC3E}">
+        <p14:creationId xmlns:p14="http://schemas.microsoft.com/office/powerpoint/2010/main" val="2596996315"/>
+      </p:ext>
+    </p:extLst>
+  </p:cSld>
+  <p:clrMapOvr>
+    <a:masterClrMapping/>
+  </p:clrMapOvr>
+  <p:timing>
+    <p:tnLst>
+      <p:par>
+        <p:cTn id="1" dur="indefinite" restart="never" nodeType="tmRoot">
+          <p:childTnLst>
+            <p:seq concurrent="1" nextAc="seek">
+              <p:cTn id="2" dur="indefinite" nodeType="mainSeq">
+                <p:childTnLst>
+                  <p:par>
+                    <p:cTn id="3" fill="hold">
+                      <p:stCondLst>
+                        <p:cond delay="indefinite"/>
+                      </p:stCondLst>
+                      <p:childTnLst>
+                        <p:par>
+                          <p:cTn id="4" fill="hold">
+                            <p:stCondLst>
+                              <p:cond delay="0"/>
+                            </p:stCondLst>
+                            <p:childTnLst>
+                              <p:par>
+                                <p:cTn id="5" presetID="1" presetClass="entr" presetSubtype="0" fill="hold" grpId="0" nodeType="clickEffect">
+                                  <p:stCondLst>
+                                    <p:cond delay="0"/>
+                                  </p:stCondLst>
+                                  <p:childTnLst>
+                                    <p:set>
+                                      <p:cBhvr>
+                                        <p:cTn id="6" dur="1" fill="hold">
+                                          <p:stCondLst>
+                                            <p:cond delay="0"/>
+                                          </p:stCondLst>
+                                        </p:cTn>
+                                        <p:tgtEl>
+                                          <p:spTgt spid="3"/>
+                                        </p:tgtEl>
+                                        <p:attrNameLst>
+                                          <p:attrName>style.visibility</p:attrName>
+                                        </p:attrNameLst>
+                                      </p:cBhvr>
+                                      <p:to>
+                                        <p:strVal val="visible"/>
+                                      </p:to>
+                                    </p:set>
+                                  </p:childTnLst>
+                                </p:cTn>
+                              </p:par>
+                            </p:childTnLst>
+                          </p:cTn>
+                        </p:par>
+                      </p:childTnLst>
+                    </p:cTn>
+                  </p:par>
+                </p:childTnLst>
+              </p:cTn>
+              <p:prevCondLst>
+                <p:cond evt="onPrev" delay="0">
+                  <p:tgtEl>
+                    <p:sldTgt/>
+                  </p:tgtEl>
+                </p:cond>
+              </p:prevCondLst>
+              <p:nextCondLst>
+                <p:cond evt="onNext" delay="0">
+                  <p:tgtEl>
+                    <p:sldTgt/>
+                  </p:tgtEl>
+                </p:cond>
+              </p:nextCondLst>
+            </p:seq>
+          </p:childTnLst>
+        </p:cTn>
+      </p:par>
+    </p:tnLst>
+    <p:bldLst>
+      <p:bldP spid="3" grpId="0" animBg="1"/>
+    </p:bldLst>
+  </p:timing>
+</p:sld>
+</file>
+
+<file path=ppt/slides/slide20.xml><?xml version="1.0" encoding="utf-8"?>
 <p:sld xmlns:a="http://schemas.openxmlformats.org/drawingml/2006/main" xmlns:r="http://schemas.openxmlformats.org/officeDocument/2006/relationships" xmlns:p="http://schemas.openxmlformats.org/presentationml/2006/main">
   <p:cSld>
     <p:spTree>
@@ -9649,7 +10080,7 @@
             <a:graphicData uri="http://schemas.openxmlformats.org/presentationml/2006/ole">
               <mc:AlternateContent xmlns:mc="http://schemas.openxmlformats.org/markup-compatibility/2006">
                 <mc:Choice xmlns:v="urn:schemas-microsoft-com:vml" Requires="v">
-                  <p:oleObj spid="_x0000_s4184" name="Equation" r:id="rId3" imgW="419040" imgH="241200" progId="Equation.3">
+                  <p:oleObj spid="_x0000_s4187" name="Equation" r:id="rId3" imgW="419040" imgH="241200" progId="Equation.3">
                     <p:embed/>
                   </p:oleObj>
                 </mc:Choice>
@@ -9737,7 +10168,7 @@
           <a:p>
             <a:fld id="{11AD1F4E-1E51-402E-B221-310F004E7D3B}" type="slidenum">
               <a:rPr lang="en-US" smtClean="0"/>
-              <a:t>19</a:t>
+              <a:t>20</a:t>
             </a:fld>
             <a:endParaRPr lang="en-US"/>
           </a:p>
@@ -11328,201 +11759,7 @@
 </p:sld>
 </file>
 
-<file path=ppt/slides/slide2.xml><?xml version="1.0" encoding="utf-8"?>
-<p:sld xmlns:a="http://schemas.openxmlformats.org/drawingml/2006/main" xmlns:r="http://schemas.openxmlformats.org/officeDocument/2006/relationships" xmlns:p="http://schemas.openxmlformats.org/presentationml/2006/main">
-  <p:cSld>
-    <p:spTree>
-      <p:nvGrpSpPr>
-        <p:cNvPr id="1" name=""/>
-        <p:cNvGrpSpPr/>
-        <p:nvPr/>
-      </p:nvGrpSpPr>
-      <p:grpSpPr>
-        <a:xfrm>
-          <a:off x="0" y="0"/>
-          <a:ext cx="0" cy="0"/>
-          <a:chOff x="0" y="0"/>
-          <a:chExt cx="0" cy="0"/>
-        </a:xfrm>
-      </p:grpSpPr>
-      <p:sp>
-        <p:nvSpPr>
-          <p:cNvPr id="2" name="Slide Number Placeholder 1"/>
-          <p:cNvSpPr>
-            <a:spLocks noGrp="1"/>
-          </p:cNvSpPr>
-          <p:nvPr>
-            <p:ph type="sldNum" sz="quarter" idx="12"/>
-          </p:nvPr>
-        </p:nvSpPr>
-        <p:spPr/>
-        <p:txBody>
-          <a:bodyPr/>
-          <a:lstStyle/>
-          <a:p>
-            <a:fld id="{033373DF-BCDA-4600-B448-AFBDB22F4A39}" type="slidenum">
-              <a:rPr lang="en-US" smtClean="0"/>
-              <a:t>2</a:t>
-            </a:fld>
-            <a:endParaRPr lang="en-US"/>
-          </a:p>
-        </p:txBody>
-      </p:sp>
-      <p:sp>
-        <p:nvSpPr>
-          <p:cNvPr id="3" name="TextBox 2"/>
-          <p:cNvSpPr txBox="1"/>
-          <p:nvPr/>
-        </p:nvSpPr>
-        <p:spPr>
-          <a:xfrm>
-            <a:off x="1193194" y="2423057"/>
-            <a:ext cx="3404137" cy="1692771"/>
-          </a:xfrm>
-          <a:prstGeom prst="rect">
-            <a:avLst/>
-          </a:prstGeom>
-          <a:noFill/>
-          <a:ln>
-            <a:solidFill>
-              <a:schemeClr val="tx1"/>
-            </a:solidFill>
-          </a:ln>
-        </p:spPr>
-        <p:txBody>
-          <a:bodyPr wrap="none" rtlCol="0">
-            <a:spAutoFit/>
-          </a:bodyPr>
-          <a:lstStyle/>
-          <a:p>
-            <a:r>
-              <a:rPr lang="en-US" dirty="0"/>
-              <a:t>Presentation based on:</a:t>
-            </a:r>
-            <a:br>
-              <a:rPr lang="en-US" dirty="0"/>
-            </a:br>
-            <a:r>
-              <a:rPr lang="en-US" sz="2800" i="1" dirty="0"/>
-              <a:t>A tour of C++</a:t>
-            </a:r>
-            <a:r>
-              <a:rPr lang="en-US" sz="2800" dirty="0"/>
-              <a:t/>
-            </a:r>
-            <a:br>
-              <a:rPr lang="en-US" sz="2800" dirty="0"/>
-            </a:br>
-            <a:r>
-              <a:rPr lang="en-US" sz="2800" dirty="0"/>
-              <a:t>Bjarne </a:t>
-            </a:r>
-            <a:r>
-              <a:rPr lang="en-US" sz="2800" dirty="0" err="1"/>
-              <a:t>Stroustrup</a:t>
-            </a:r>
-            <a:endParaRPr lang="en-US" sz="2800" dirty="0"/>
-          </a:p>
-          <a:p>
-            <a:r>
-              <a:rPr lang="en-US" sz="2800" dirty="0"/>
-              <a:t>Addison-Wesley, 2014</a:t>
-            </a:r>
-          </a:p>
-        </p:txBody>
-      </p:sp>
-    </p:spTree>
-    <p:extLst>
-      <p:ext uri="{BB962C8B-B14F-4D97-AF65-F5344CB8AC3E}">
-        <p14:creationId xmlns:p14="http://schemas.microsoft.com/office/powerpoint/2010/main" val="2596996315"/>
-      </p:ext>
-    </p:extLst>
-  </p:cSld>
-  <p:clrMapOvr>
-    <a:masterClrMapping/>
-  </p:clrMapOvr>
-  <p:timing>
-    <p:tnLst>
-      <p:par>
-        <p:cTn id="1" dur="indefinite" restart="never" nodeType="tmRoot">
-          <p:childTnLst>
-            <p:seq concurrent="1" nextAc="seek">
-              <p:cTn id="2" dur="indefinite" nodeType="mainSeq">
-                <p:childTnLst>
-                  <p:par>
-                    <p:cTn id="3" fill="hold">
-                      <p:stCondLst>
-                        <p:cond delay="indefinite"/>
-                      </p:stCondLst>
-                      <p:childTnLst>
-                        <p:par>
-                          <p:cTn id="4" fill="hold">
-                            <p:stCondLst>
-                              <p:cond delay="0"/>
-                            </p:stCondLst>
-                            <p:childTnLst>
-                              <p:par>
-                                <p:cTn id="5" presetID="1" presetClass="entr" presetSubtype="0" fill="hold" grpId="0" nodeType="clickEffect">
-                                  <p:stCondLst>
-                                    <p:cond delay="0"/>
-                                  </p:stCondLst>
-                                  <p:childTnLst>
-                                    <p:set>
-                                      <p:cBhvr>
-                                        <p:cTn id="6" dur="1" fill="hold">
-                                          <p:stCondLst>
-                                            <p:cond delay="0"/>
-                                          </p:stCondLst>
-                                        </p:cTn>
-                                        <p:tgtEl>
-                                          <p:spTgt spid="3"/>
-                                        </p:tgtEl>
-                                        <p:attrNameLst>
-                                          <p:attrName>style.visibility</p:attrName>
-                                        </p:attrNameLst>
-                                      </p:cBhvr>
-                                      <p:to>
-                                        <p:strVal val="visible"/>
-                                      </p:to>
-                                    </p:set>
-                                  </p:childTnLst>
-                                </p:cTn>
-                              </p:par>
-                            </p:childTnLst>
-                          </p:cTn>
-                        </p:par>
-                      </p:childTnLst>
-                    </p:cTn>
-                  </p:par>
-                </p:childTnLst>
-              </p:cTn>
-              <p:prevCondLst>
-                <p:cond evt="onPrev" delay="0">
-                  <p:tgtEl>
-                    <p:sldTgt/>
-                  </p:tgtEl>
-                </p:cond>
-              </p:prevCondLst>
-              <p:nextCondLst>
-                <p:cond evt="onNext" delay="0">
-                  <p:tgtEl>
-                    <p:sldTgt/>
-                  </p:tgtEl>
-                </p:cond>
-              </p:nextCondLst>
-            </p:seq>
-          </p:childTnLst>
-        </p:cTn>
-      </p:par>
-    </p:tnLst>
-    <p:bldLst>
-      <p:bldP spid="3" grpId="0" animBg="1"/>
-    </p:bldLst>
-  </p:timing>
-</p:sld>
-</file>
-
-<file path=ppt/slides/slide20.xml><?xml version="1.0" encoding="utf-8"?>
+<file path=ppt/slides/slide21.xml><?xml version="1.0" encoding="utf-8"?>
 <p:sld xmlns:a="http://schemas.openxmlformats.org/drawingml/2006/main" xmlns:r="http://schemas.openxmlformats.org/officeDocument/2006/relationships" xmlns:p="http://schemas.openxmlformats.org/presentationml/2006/main">
   <p:cSld>
     <p:spTree>
@@ -11726,7 +11963,7 @@
           <a:p>
             <a:fld id="{11AD1F4E-1E51-402E-B221-310F004E7D3B}" type="slidenum">
               <a:rPr lang="en-US" smtClean="0"/>
-              <a:t>20</a:t>
+              <a:t>21</a:t>
             </a:fld>
             <a:endParaRPr lang="en-US"/>
           </a:p>
@@ -12274,7 +12511,7 @@
 </p:sld>
 </file>
 
-<file path=ppt/slides/slide21.xml><?xml version="1.0" encoding="utf-8"?>
+<file path=ppt/slides/slide22.xml><?xml version="1.0" encoding="utf-8"?>
 <p:sld xmlns:a="http://schemas.openxmlformats.org/drawingml/2006/main" xmlns:r="http://schemas.openxmlformats.org/officeDocument/2006/relationships" xmlns:p="http://schemas.openxmlformats.org/presentationml/2006/main">
   <p:cSld>
     <p:spTree>
@@ -12331,7 +12568,7 @@
           <a:p>
             <a:fld id="{11AD1F4E-1E51-402E-B221-310F004E7D3B}" type="slidenum">
               <a:rPr lang="en-US" smtClean="0"/>
-              <a:t>21</a:t>
+              <a:t>22</a:t>
             </a:fld>
             <a:endParaRPr lang="en-US"/>
           </a:p>
@@ -12691,7 +12928,7 @@
 </p:sld>
 </file>
 
-<file path=ppt/slides/slide22.xml><?xml version="1.0" encoding="utf-8"?>
+<file path=ppt/slides/slide23.xml><?xml version="1.0" encoding="utf-8"?>
 <p:sld xmlns:a="http://schemas.openxmlformats.org/drawingml/2006/main" xmlns:r="http://schemas.openxmlformats.org/officeDocument/2006/relationships" xmlns:p="http://schemas.openxmlformats.org/presentationml/2006/main">
   <p:cSld>
     <p:spTree>
@@ -12862,7 +13099,7 @@
             <a:graphicData uri="http://schemas.openxmlformats.org/presentationml/2006/ole">
               <mc:AlternateContent xmlns:mc="http://schemas.openxmlformats.org/markup-compatibility/2006">
                 <mc:Choice xmlns:v="urn:schemas-microsoft-com:vml" Requires="v">
-                  <p:oleObj spid="_x0000_s5269" name="Equation" r:id="rId3" imgW="444240" imgH="203040" progId="Equation.3">
+                  <p:oleObj spid="_x0000_s5275" name="Equation" r:id="rId3" imgW="444240" imgH="203040" progId="Equation.3">
                     <p:embed/>
                   </p:oleObj>
                 </mc:Choice>
@@ -12950,7 +13187,7 @@
           <a:p>
             <a:fld id="{11AD1F4E-1E51-402E-B221-310F004E7D3B}" type="slidenum">
               <a:rPr lang="en-US" smtClean="0"/>
-              <a:t>22</a:t>
+              <a:t>23</a:t>
             </a:fld>
             <a:endParaRPr lang="en-US"/>
           </a:p>
@@ -13043,7 +13280,7 @@
             <a:graphicData uri="http://schemas.openxmlformats.org/presentationml/2006/ole">
               <mc:AlternateContent xmlns:mc="http://schemas.openxmlformats.org/markup-compatibility/2006">
                 <mc:Choice xmlns:v="urn:schemas-microsoft-com:vml" Requires="v">
-                  <p:oleObj spid="_x0000_s5270" name="Equation" r:id="rId5" imgW="419040" imgH="215640" progId="Equation.3">
+                  <p:oleObj spid="_x0000_s5276" name="Equation" r:id="rId5" imgW="419040" imgH="215640" progId="Equation.3">
                     <p:embed/>
                   </p:oleObj>
                 </mc:Choice>
@@ -13852,7 +14089,7 @@
 </p:sld>
 </file>
 
-<file path=ppt/slides/slide23.xml><?xml version="1.0" encoding="utf-8"?>
+<file path=ppt/slides/slide24.xml><?xml version="1.0" encoding="utf-8"?>
 <p:sld xmlns:a="http://schemas.openxmlformats.org/drawingml/2006/main" xmlns:r="http://schemas.openxmlformats.org/officeDocument/2006/relationships" xmlns:p="http://schemas.openxmlformats.org/presentationml/2006/main">
   <p:cSld>
     <p:spTree>
@@ -14036,7 +14273,7 @@
           <a:p>
             <a:fld id="{11AD1F4E-1E51-402E-B221-310F004E7D3B}" type="slidenum">
               <a:rPr lang="en-US" smtClean="0"/>
-              <a:t>23</a:t>
+              <a:t>24</a:t>
             </a:fld>
             <a:endParaRPr lang="en-US"/>
           </a:p>
@@ -14633,7 +14870,7 @@
 </p:sld>
 </file>
 
-<file path=ppt/slides/slide24.xml><?xml version="1.0" encoding="utf-8"?>
+<file path=ppt/slides/slide25.xml><?xml version="1.0" encoding="utf-8"?>
 <p:sld xmlns:a="http://schemas.openxmlformats.org/drawingml/2006/main" xmlns:r="http://schemas.openxmlformats.org/officeDocument/2006/relationships" xmlns:p="http://schemas.openxmlformats.org/presentationml/2006/main">
   <p:cSld>
     <p:spTree>
@@ -14667,7 +14904,11 @@
           <a:p>
             <a:r>
               <a:rPr lang="en-US" dirty="0" smtClean="0"/>
-              <a:t>Set examples</a:t>
+              <a:t>Set </a:t>
+            </a:r>
+            <a:r>
+              <a:rPr lang="en-US" dirty="0" smtClean="0"/>
+              <a:t>example</a:t>
             </a:r>
             <a:endParaRPr lang="en-US" dirty="0"/>
           </a:p>
@@ -14690,7 +14931,7 @@
           <a:p>
             <a:fld id="{11AD1F4E-1E51-402E-B221-310F004E7D3B}" type="slidenum">
               <a:rPr lang="en-US" smtClean="0"/>
-              <a:t>24</a:t>
+              <a:t>25</a:t>
             </a:fld>
             <a:endParaRPr lang="en-US"/>
           </a:p>
@@ -14705,7 +14946,7 @@
         <p:spPr>
           <a:xfrm>
             <a:off x="628649" y="1704105"/>
-            <a:ext cx="7886701" cy="2308324"/>
+            <a:ext cx="7886701" cy="4247317"/>
           </a:xfrm>
           <a:prstGeom prst="rect">
             <a:avLst/>
@@ -14739,6 +14980,36 @@
                 <a:latin typeface="Courier New" panose="02070309020205020404" pitchFamily="49" charset="0"/>
                 <a:cs typeface="Courier New" panose="02070309020205020404" pitchFamily="49" charset="0"/>
               </a:rPr>
+              <a:t>iostream</a:t>
+            </a:r>
+            <a:r>
+              <a:rPr lang="en-US" dirty="0" smtClean="0">
+                <a:latin typeface="Courier New" panose="02070309020205020404" pitchFamily="49" charset="0"/>
+                <a:cs typeface="Courier New" panose="02070309020205020404" pitchFamily="49" charset="0"/>
+              </a:rPr>
+              <a:t>&gt;</a:t>
+            </a:r>
+          </a:p>
+          <a:p>
+            <a:r>
+              <a:rPr lang="en-US" dirty="0" smtClean="0">
+                <a:latin typeface="Courier New" panose="02070309020205020404" pitchFamily="49" charset="0"/>
+                <a:cs typeface="Courier New" panose="02070309020205020404" pitchFamily="49" charset="0"/>
+              </a:rPr>
+              <a:t>#</a:t>
+            </a:r>
+            <a:r>
+              <a:rPr lang="en-US" dirty="0" smtClean="0">
+                <a:latin typeface="Courier New" panose="02070309020205020404" pitchFamily="49" charset="0"/>
+                <a:cs typeface="Courier New" panose="02070309020205020404" pitchFamily="49" charset="0"/>
+              </a:rPr>
+              <a:t>include &lt;</a:t>
+            </a:r>
+            <a:r>
+              <a:rPr lang="en-US" dirty="0" err="1" smtClean="0">
+                <a:latin typeface="Courier New" panose="02070309020205020404" pitchFamily="49" charset="0"/>
+                <a:cs typeface="Courier New" panose="02070309020205020404" pitchFamily="49" charset="0"/>
+              </a:rPr>
               <a:t>unordered_set</a:t>
             </a:r>
             <a:r>
@@ -14750,398 +15021,579 @@
             </a:r>
           </a:p>
           <a:p>
-            <a:r>
-              <a:rPr lang="en-US" dirty="0" smtClean="0">
-                <a:latin typeface="Courier New" panose="02070309020205020404" pitchFamily="49" charset="0"/>
-                <a:cs typeface="Courier New" panose="02070309020205020404" pitchFamily="49" charset="0"/>
-              </a:rPr>
-              <a:t>…</a:t>
-            </a:r>
-          </a:p>
-          <a:p>
-            <a:r>
-              <a:rPr lang="en-US" dirty="0" err="1" smtClean="0">
-                <a:latin typeface="Courier New" panose="02070309020205020404" pitchFamily="49" charset="0"/>
-                <a:cs typeface="Courier New" panose="02070309020205020404" pitchFamily="49" charset="0"/>
-              </a:rPr>
-              <a:t>std</a:t>
-            </a:r>
-            <a:r>
-              <a:rPr lang="en-US" dirty="0" smtClean="0">
-                <a:latin typeface="Courier New" panose="02070309020205020404" pitchFamily="49" charset="0"/>
-                <a:cs typeface="Courier New" panose="02070309020205020404" pitchFamily="49" charset="0"/>
-              </a:rPr>
-              <a:t>::</a:t>
-            </a:r>
-            <a:r>
-              <a:rPr lang="en-US" dirty="0" err="1" smtClean="0">
-                <a:latin typeface="Courier New" panose="02070309020205020404" pitchFamily="49" charset="0"/>
-                <a:cs typeface="Courier New" panose="02070309020205020404" pitchFamily="49" charset="0"/>
-              </a:rPr>
-              <a:t>unordered_set</a:t>
-            </a:r>
-            <a:r>
-              <a:rPr lang="en-US" dirty="0" smtClean="0">
-                <a:latin typeface="Courier New" panose="02070309020205020404" pitchFamily="49" charset="0"/>
-                <a:cs typeface="Courier New" panose="02070309020205020404" pitchFamily="49" charset="0"/>
-              </a:rPr>
-              <a:t>&lt;</a:t>
-            </a:r>
-            <a:r>
-              <a:rPr lang="en-US" dirty="0" err="1" smtClean="0">
-                <a:latin typeface="Courier New" panose="02070309020205020404" pitchFamily="49" charset="0"/>
-                <a:cs typeface="Courier New" panose="02070309020205020404" pitchFamily="49" charset="0"/>
-              </a:rPr>
-              <a:t>int</a:t>
-            </a:r>
-            <a:r>
-              <a:rPr lang="en-US" dirty="0">
-                <a:latin typeface="Courier New" panose="02070309020205020404" pitchFamily="49" charset="0"/>
-                <a:cs typeface="Courier New" panose="02070309020205020404" pitchFamily="49" charset="0"/>
-              </a:rPr>
-              <a:t>&gt; </a:t>
-            </a:r>
-            <a:r>
-              <a:rPr lang="en-US" dirty="0" smtClean="0">
-                <a:latin typeface="Courier New" panose="02070309020205020404" pitchFamily="49" charset="0"/>
-                <a:cs typeface="Courier New" panose="02070309020205020404" pitchFamily="49" charset="0"/>
-              </a:rPr>
-              <a:t>s;</a:t>
-            </a:r>
-            <a:endParaRPr lang="en-US" dirty="0">
+            <a:endParaRPr lang="en-US" dirty="0" smtClean="0">
               <a:latin typeface="Courier New" panose="02070309020205020404" pitchFamily="49" charset="0"/>
               <a:cs typeface="Courier New" panose="02070309020205020404" pitchFamily="49" charset="0"/>
             </a:endParaRPr>
           </a:p>
           <a:p>
             <a:r>
+              <a:rPr lang="en-US" dirty="0" err="1">
+                <a:latin typeface="Courier New" panose="02070309020205020404" pitchFamily="49" charset="0"/>
+                <a:cs typeface="Courier New" panose="02070309020205020404" pitchFamily="49" charset="0"/>
+              </a:rPr>
+              <a:t>int</a:t>
+            </a:r>
+            <a:r>
+              <a:rPr lang="en-US" dirty="0">
+                <a:latin typeface="Courier New" panose="02070309020205020404" pitchFamily="49" charset="0"/>
+                <a:cs typeface="Courier New" panose="02070309020205020404" pitchFamily="49" charset="0"/>
+              </a:rPr>
+              <a:t> main(void) {</a:t>
+            </a:r>
+          </a:p>
+          <a:p>
+            <a:r>
+              <a:rPr lang="en-US" dirty="0">
+                <a:latin typeface="Courier New" panose="02070309020205020404" pitchFamily="49" charset="0"/>
+                <a:cs typeface="Courier New" panose="02070309020205020404" pitchFamily="49" charset="0"/>
+              </a:rPr>
+              <a:t>    </a:t>
+            </a:r>
+            <a:r>
+              <a:rPr lang="en-US" dirty="0" err="1" smtClean="0">
+                <a:latin typeface="Courier New" panose="02070309020205020404" pitchFamily="49" charset="0"/>
+                <a:cs typeface="Courier New" panose="02070309020205020404" pitchFamily="49" charset="0"/>
+              </a:rPr>
+              <a:t>std</a:t>
+            </a:r>
+            <a:r>
               <a:rPr lang="en-US" dirty="0" smtClean="0">
                 <a:latin typeface="Courier New" panose="02070309020205020404" pitchFamily="49" charset="0"/>
                 <a:cs typeface="Courier New" panose="02070309020205020404" pitchFamily="49" charset="0"/>
               </a:rPr>
-              <a:t>for </a:t>
+              <a:t>::string </a:t>
             </a:r>
             <a:r>
               <a:rPr lang="en-US" dirty="0">
                 <a:latin typeface="Courier New" panose="02070309020205020404" pitchFamily="49" charset="0"/>
                 <a:cs typeface="Courier New" panose="02070309020205020404" pitchFamily="49" charset="0"/>
               </a:rPr>
+              <a:t>col1, col2, col3;</a:t>
+            </a:r>
+          </a:p>
+          <a:p>
+            <a:r>
+              <a:rPr lang="en-US" dirty="0">
+                <a:latin typeface="Courier New" panose="02070309020205020404" pitchFamily="49" charset="0"/>
+                <a:cs typeface="Courier New" panose="02070309020205020404" pitchFamily="49" charset="0"/>
+              </a:rPr>
+              <a:t>    </a:t>
+            </a:r>
+            <a:r>
+              <a:rPr lang="en-US" dirty="0" err="1" smtClean="0">
+                <a:latin typeface="Courier New" panose="02070309020205020404" pitchFamily="49" charset="0"/>
+                <a:cs typeface="Courier New" panose="02070309020205020404" pitchFamily="49" charset="0"/>
+              </a:rPr>
+              <a:t>std</a:t>
+            </a:r>
+            <a:r>
+              <a:rPr lang="en-US" dirty="0" smtClean="0">
+                <a:latin typeface="Courier New" panose="02070309020205020404" pitchFamily="49" charset="0"/>
+                <a:cs typeface="Courier New" panose="02070309020205020404" pitchFamily="49" charset="0"/>
+              </a:rPr>
+              <a:t>::</a:t>
+            </a:r>
+            <a:r>
+              <a:rPr lang="en-US" dirty="0" err="1" smtClean="0">
+                <a:latin typeface="Courier New" panose="02070309020205020404" pitchFamily="49" charset="0"/>
+                <a:cs typeface="Courier New" panose="02070309020205020404" pitchFamily="49" charset="0"/>
+              </a:rPr>
+              <a:t>cin</a:t>
+            </a:r>
+            <a:r>
+              <a:rPr lang="en-US" dirty="0" smtClean="0">
+                <a:latin typeface="Courier New" panose="02070309020205020404" pitchFamily="49" charset="0"/>
+                <a:cs typeface="Courier New" panose="02070309020205020404" pitchFamily="49" charset="0"/>
+              </a:rPr>
+              <a:t> </a:t>
+            </a:r>
+            <a:r>
+              <a:rPr lang="en-US" dirty="0">
+                <a:latin typeface="Courier New" panose="02070309020205020404" pitchFamily="49" charset="0"/>
+                <a:cs typeface="Courier New" panose="02070309020205020404" pitchFamily="49" charset="0"/>
+              </a:rPr>
+              <a:t>&gt;&gt; col1 &gt;&gt; col2 &gt;&gt; col3;</a:t>
+            </a:r>
+          </a:p>
+          <a:p>
+            <a:r>
+              <a:rPr lang="en-US" dirty="0">
+                <a:latin typeface="Courier New" panose="02070309020205020404" pitchFamily="49" charset="0"/>
+                <a:cs typeface="Courier New" panose="02070309020205020404" pitchFamily="49" charset="0"/>
+              </a:rPr>
+              <a:t>    </a:t>
+            </a:r>
+            <a:r>
+              <a:rPr lang="en-US" dirty="0" err="1">
+                <a:latin typeface="Courier New" panose="02070309020205020404" pitchFamily="49" charset="0"/>
+                <a:cs typeface="Courier New" panose="02070309020205020404" pitchFamily="49" charset="0"/>
+              </a:rPr>
+              <a:t>int</a:t>
+            </a:r>
+            <a:r>
+              <a:rPr lang="en-US" dirty="0">
+                <a:latin typeface="Courier New" panose="02070309020205020404" pitchFamily="49" charset="0"/>
+                <a:cs typeface="Courier New" panose="02070309020205020404" pitchFamily="49" charset="0"/>
+              </a:rPr>
+              <a:t> id, </a:t>
+            </a:r>
+            <a:r>
+              <a:rPr lang="en-US" dirty="0" err="1">
+                <a:latin typeface="Courier New" panose="02070309020205020404" pitchFamily="49" charset="0"/>
+                <a:cs typeface="Courier New" panose="02070309020205020404" pitchFamily="49" charset="0"/>
+              </a:rPr>
+              <a:t>dim_nr</a:t>
+            </a:r>
+            <a:r>
+              <a:rPr lang="en-US" dirty="0">
+                <a:latin typeface="Courier New" panose="02070309020205020404" pitchFamily="49" charset="0"/>
+                <a:cs typeface="Courier New" panose="02070309020205020404" pitchFamily="49" charset="0"/>
+              </a:rPr>
+              <a:t>;</a:t>
+            </a:r>
+          </a:p>
+          <a:p>
+            <a:r>
+              <a:rPr lang="en-US" dirty="0">
+                <a:latin typeface="Courier New" panose="02070309020205020404" pitchFamily="49" charset="0"/>
+                <a:cs typeface="Courier New" panose="02070309020205020404" pitchFamily="49" charset="0"/>
+              </a:rPr>
+              <a:t>    double temp;</a:t>
+            </a:r>
+          </a:p>
+          <a:p>
+            <a:r>
+              <a:rPr lang="en-US" dirty="0">
+                <a:latin typeface="Courier New" panose="02070309020205020404" pitchFamily="49" charset="0"/>
+                <a:cs typeface="Courier New" panose="02070309020205020404" pitchFamily="49" charset="0"/>
+              </a:rPr>
+              <a:t>    </a:t>
+            </a:r>
+            <a:r>
+              <a:rPr lang="en-US" dirty="0" err="1" smtClean="0">
+                <a:latin typeface="Courier New" panose="02070309020205020404" pitchFamily="49" charset="0"/>
+                <a:cs typeface="Courier New" panose="02070309020205020404" pitchFamily="49" charset="0"/>
+              </a:rPr>
+              <a:t>std</a:t>
+            </a:r>
+            <a:r>
+              <a:rPr lang="en-US" dirty="0" smtClean="0">
+                <a:latin typeface="Courier New" panose="02070309020205020404" pitchFamily="49" charset="0"/>
+                <a:cs typeface="Courier New" panose="02070309020205020404" pitchFamily="49" charset="0"/>
+              </a:rPr>
+              <a:t>::</a:t>
+            </a:r>
+            <a:r>
+              <a:rPr lang="en-US" dirty="0" err="1" smtClean="0">
+                <a:latin typeface="Courier New" panose="02070309020205020404" pitchFamily="49" charset="0"/>
+                <a:cs typeface="Courier New" panose="02070309020205020404" pitchFamily="49" charset="0"/>
+              </a:rPr>
+              <a:t>unordered_set</a:t>
+            </a:r>
+            <a:r>
+              <a:rPr lang="en-US" dirty="0" smtClean="0">
+                <a:latin typeface="Courier New" panose="02070309020205020404" pitchFamily="49" charset="0"/>
+                <a:cs typeface="Courier New" panose="02070309020205020404" pitchFamily="49" charset="0"/>
+              </a:rPr>
+              <a:t>&lt;</a:t>
+            </a:r>
+            <a:r>
+              <a:rPr lang="en-US" dirty="0" err="1" smtClean="0">
+                <a:latin typeface="Courier New" panose="02070309020205020404" pitchFamily="49" charset="0"/>
+                <a:cs typeface="Courier New" panose="02070309020205020404" pitchFamily="49" charset="0"/>
+              </a:rPr>
+              <a:t>int</a:t>
+            </a:r>
+            <a:r>
+              <a:rPr lang="en-US" dirty="0">
+                <a:latin typeface="Courier New" panose="02070309020205020404" pitchFamily="49" charset="0"/>
+                <a:cs typeface="Courier New" panose="02070309020205020404" pitchFamily="49" charset="0"/>
+              </a:rPr>
+              <a:t>&gt; </a:t>
+            </a:r>
+            <a:r>
+              <a:rPr lang="en-US" dirty="0" err="1">
+                <a:latin typeface="Courier New" panose="02070309020205020404" pitchFamily="49" charset="0"/>
+                <a:cs typeface="Courier New" panose="02070309020205020404" pitchFamily="49" charset="0"/>
+              </a:rPr>
+              <a:t>dim_nrs</a:t>
+            </a:r>
+            <a:r>
+              <a:rPr lang="en-US" dirty="0">
+                <a:latin typeface="Courier New" panose="02070309020205020404" pitchFamily="49" charset="0"/>
+                <a:cs typeface="Courier New" panose="02070309020205020404" pitchFamily="49" charset="0"/>
+              </a:rPr>
+              <a:t>;</a:t>
+            </a:r>
+          </a:p>
+          <a:p>
+            <a:r>
+              <a:rPr lang="en-US" dirty="0">
+                <a:latin typeface="Courier New" panose="02070309020205020404" pitchFamily="49" charset="0"/>
+                <a:cs typeface="Courier New" panose="02070309020205020404" pitchFamily="49" charset="0"/>
+              </a:rPr>
+              <a:t>    while </a:t>
+            </a:r>
+            <a:r>
+              <a:rPr lang="en-US" dirty="0" smtClean="0">
+                <a:latin typeface="Courier New" panose="02070309020205020404" pitchFamily="49" charset="0"/>
+                <a:cs typeface="Courier New" panose="02070309020205020404" pitchFamily="49" charset="0"/>
+              </a:rPr>
               <a:t>(</a:t>
             </a:r>
             <a:r>
+              <a:rPr lang="en-US" dirty="0" err="1" smtClean="0">
+                <a:latin typeface="Courier New" panose="02070309020205020404" pitchFamily="49" charset="0"/>
+                <a:cs typeface="Courier New" panose="02070309020205020404" pitchFamily="49" charset="0"/>
+              </a:rPr>
+              <a:t>std</a:t>
+            </a:r>
+            <a:r>
+              <a:rPr lang="en-US" dirty="0" smtClean="0">
+                <a:latin typeface="Courier New" panose="02070309020205020404" pitchFamily="49" charset="0"/>
+                <a:cs typeface="Courier New" panose="02070309020205020404" pitchFamily="49" charset="0"/>
+              </a:rPr>
+              <a:t>::</a:t>
+            </a:r>
+            <a:r>
+              <a:rPr lang="en-US" dirty="0" err="1" smtClean="0">
+                <a:latin typeface="Courier New" panose="02070309020205020404" pitchFamily="49" charset="0"/>
+                <a:cs typeface="Courier New" panose="02070309020205020404" pitchFamily="49" charset="0"/>
+              </a:rPr>
+              <a:t>cin</a:t>
+            </a:r>
+            <a:r>
+              <a:rPr lang="en-US" dirty="0" smtClean="0">
+                <a:latin typeface="Courier New" panose="02070309020205020404" pitchFamily="49" charset="0"/>
+                <a:cs typeface="Courier New" panose="02070309020205020404" pitchFamily="49" charset="0"/>
+              </a:rPr>
+              <a:t> </a:t>
+            </a:r>
+            <a:r>
+              <a:rPr lang="en-US" dirty="0">
+                <a:latin typeface="Courier New" panose="02070309020205020404" pitchFamily="49" charset="0"/>
+                <a:cs typeface="Courier New" panose="02070309020205020404" pitchFamily="49" charset="0"/>
+              </a:rPr>
+              <a:t>&gt;&gt; id &gt;&gt; </a:t>
+            </a:r>
+            <a:r>
               <a:rPr lang="en-US" dirty="0" err="1">
                 <a:latin typeface="Courier New" panose="02070309020205020404" pitchFamily="49" charset="0"/>
                 <a:cs typeface="Courier New" panose="02070309020205020404" pitchFamily="49" charset="0"/>
               </a:rPr>
-              <a:t>int</a:t>
+              <a:t>dim_nr</a:t>
             </a:r>
             <a:r>
               <a:rPr lang="en-US" dirty="0">
                 <a:latin typeface="Courier New" panose="02070309020205020404" pitchFamily="49" charset="0"/>
                 <a:cs typeface="Courier New" panose="02070309020205020404" pitchFamily="49" charset="0"/>
               </a:rPr>
+              <a:t> &gt;&gt; temp)</a:t>
+            </a:r>
+          </a:p>
+          <a:p>
+            <a:r>
+              <a:rPr lang="en-US" dirty="0">
+                <a:latin typeface="Courier New" panose="02070309020205020404" pitchFamily="49" charset="0"/>
+                <a:cs typeface="Courier New" panose="02070309020205020404" pitchFamily="49" charset="0"/>
+              </a:rPr>
+              <a:t>        </a:t>
+            </a:r>
+            <a:r>
+              <a:rPr lang="en-US" dirty="0" err="1">
+                <a:latin typeface="Courier New" panose="02070309020205020404" pitchFamily="49" charset="0"/>
+                <a:cs typeface="Courier New" panose="02070309020205020404" pitchFamily="49" charset="0"/>
+              </a:rPr>
+              <a:t>dim_nrs.insert</a:t>
+            </a:r>
+            <a:r>
+              <a:rPr lang="en-US" dirty="0">
+                <a:latin typeface="Courier New" panose="02070309020205020404" pitchFamily="49" charset="0"/>
+                <a:cs typeface="Courier New" panose="02070309020205020404" pitchFamily="49" charset="0"/>
+              </a:rPr>
+              <a:t>(</a:t>
+            </a:r>
+            <a:r>
+              <a:rPr lang="en-US" dirty="0" err="1">
+                <a:latin typeface="Courier New" panose="02070309020205020404" pitchFamily="49" charset="0"/>
+                <a:cs typeface="Courier New" panose="02070309020205020404" pitchFamily="49" charset="0"/>
+              </a:rPr>
+              <a:t>dim_nr</a:t>
+            </a:r>
+            <a:r>
+              <a:rPr lang="en-US" dirty="0">
+                <a:latin typeface="Courier New" panose="02070309020205020404" pitchFamily="49" charset="0"/>
+                <a:cs typeface="Courier New" panose="02070309020205020404" pitchFamily="49" charset="0"/>
+              </a:rPr>
+              <a:t>);</a:t>
+            </a:r>
+          </a:p>
+          <a:p>
+            <a:r>
+              <a:rPr lang="en-US" dirty="0">
+                <a:latin typeface="Courier New" panose="02070309020205020404" pitchFamily="49" charset="0"/>
+                <a:cs typeface="Courier New" panose="02070309020205020404" pitchFamily="49" charset="0"/>
+              </a:rPr>
+              <a:t>    for (auto </a:t>
+            </a:r>
+            <a:r>
+              <a:rPr lang="en-US" dirty="0" err="1">
+                <a:latin typeface="Courier New" panose="02070309020205020404" pitchFamily="49" charset="0"/>
+                <a:cs typeface="Courier New" panose="02070309020205020404" pitchFamily="49" charset="0"/>
+              </a:rPr>
+              <a:t>dim_nr</a:t>
+            </a:r>
+            <a:r>
+              <a:rPr lang="en-US" dirty="0">
+                <a:latin typeface="Courier New" panose="02070309020205020404" pitchFamily="49" charset="0"/>
+                <a:cs typeface="Courier New" panose="02070309020205020404" pitchFamily="49" charset="0"/>
+              </a:rPr>
+              <a:t>: </a:t>
+            </a:r>
+            <a:r>
+              <a:rPr lang="en-US" dirty="0" err="1">
+                <a:latin typeface="Courier New" panose="02070309020205020404" pitchFamily="49" charset="0"/>
+                <a:cs typeface="Courier New" panose="02070309020205020404" pitchFamily="49" charset="0"/>
+              </a:rPr>
+              <a:t>dim_nrs</a:t>
+            </a:r>
+            <a:r>
+              <a:rPr lang="en-US" dirty="0">
+                <a:latin typeface="Courier New" panose="02070309020205020404" pitchFamily="49" charset="0"/>
+                <a:cs typeface="Courier New" panose="02070309020205020404" pitchFamily="49" charset="0"/>
+              </a:rPr>
+              <a:t>)</a:t>
+            </a:r>
+          </a:p>
+          <a:p>
+            <a:r>
+              <a:rPr lang="en-US" dirty="0">
+                <a:latin typeface="Courier New" panose="02070309020205020404" pitchFamily="49" charset="0"/>
+                <a:cs typeface="Courier New" panose="02070309020205020404" pitchFamily="49" charset="0"/>
+              </a:rPr>
+              <a:t>        </a:t>
+            </a:r>
+            <a:r>
+              <a:rPr lang="en-US" dirty="0" err="1" smtClean="0">
+                <a:latin typeface="Courier New" panose="02070309020205020404" pitchFamily="49" charset="0"/>
+                <a:cs typeface="Courier New" panose="02070309020205020404" pitchFamily="49" charset="0"/>
+              </a:rPr>
+              <a:t>std</a:t>
+            </a:r>
+            <a:r>
+              <a:rPr lang="en-US" dirty="0" smtClean="0">
+                <a:latin typeface="Courier New" panose="02070309020205020404" pitchFamily="49" charset="0"/>
+                <a:cs typeface="Courier New" panose="02070309020205020404" pitchFamily="49" charset="0"/>
+              </a:rPr>
+              <a:t>::</a:t>
+            </a:r>
+            <a:r>
+              <a:rPr lang="en-US" dirty="0" err="1" smtClean="0">
+                <a:latin typeface="Courier New" panose="02070309020205020404" pitchFamily="49" charset="0"/>
+                <a:cs typeface="Courier New" panose="02070309020205020404" pitchFamily="49" charset="0"/>
+              </a:rPr>
+              <a:t>cout</a:t>
+            </a:r>
+            <a:r>
+              <a:rPr lang="en-US" dirty="0" smtClean="0">
+                <a:latin typeface="Courier New" panose="02070309020205020404" pitchFamily="49" charset="0"/>
+                <a:cs typeface="Courier New" panose="02070309020205020404" pitchFamily="49" charset="0"/>
+              </a:rPr>
               <a:t> </a:t>
             </a:r>
             <a:r>
+              <a:rPr lang="en-US" dirty="0">
+                <a:latin typeface="Courier New" panose="02070309020205020404" pitchFamily="49" charset="0"/>
+                <a:cs typeface="Courier New" panose="02070309020205020404" pitchFamily="49" charset="0"/>
+              </a:rPr>
+              <a:t>&lt;&lt; </a:t>
+            </a:r>
+            <a:r>
               <a:rPr lang="en-US" dirty="0" err="1">
                 <a:latin typeface="Courier New" panose="02070309020205020404" pitchFamily="49" charset="0"/>
                 <a:cs typeface="Courier New" panose="02070309020205020404" pitchFamily="49" charset="0"/>
               </a:rPr>
-              <a:t>i</a:t>
+              <a:t>dim_nr</a:t>
             </a:r>
             <a:r>
               <a:rPr lang="en-US" dirty="0">
                 <a:latin typeface="Courier New" panose="02070309020205020404" pitchFamily="49" charset="0"/>
                 <a:cs typeface="Courier New" panose="02070309020205020404" pitchFamily="49" charset="0"/>
               </a:rPr>
-              <a:t> = 0; </a:t>
-            </a:r>
-            <a:r>
-              <a:rPr lang="en-US" dirty="0" err="1">
-                <a:latin typeface="Courier New" panose="02070309020205020404" pitchFamily="49" charset="0"/>
-                <a:cs typeface="Courier New" panose="02070309020205020404" pitchFamily="49" charset="0"/>
-              </a:rPr>
-              <a:t>i</a:t>
+              <a:t> &lt;&lt; </a:t>
+            </a:r>
+            <a:r>
+              <a:rPr lang="en-US" dirty="0" err="1" smtClean="0">
+                <a:latin typeface="Courier New" panose="02070309020205020404" pitchFamily="49" charset="0"/>
+                <a:cs typeface="Courier New" panose="02070309020205020404" pitchFamily="49" charset="0"/>
+              </a:rPr>
+              <a:t>std</a:t>
+            </a:r>
+            <a:r>
+              <a:rPr lang="en-US" dirty="0" smtClean="0">
+                <a:latin typeface="Courier New" panose="02070309020205020404" pitchFamily="49" charset="0"/>
+                <a:cs typeface="Courier New" panose="02070309020205020404" pitchFamily="49" charset="0"/>
+              </a:rPr>
+              <a:t>::</a:t>
+            </a:r>
+            <a:r>
+              <a:rPr lang="en-US" dirty="0" err="1" smtClean="0">
+                <a:latin typeface="Courier New" panose="02070309020205020404" pitchFamily="49" charset="0"/>
+                <a:cs typeface="Courier New" panose="02070309020205020404" pitchFamily="49" charset="0"/>
+              </a:rPr>
+              <a:t>endl</a:t>
             </a:r>
             <a:r>
               <a:rPr lang="en-US" dirty="0">
                 <a:latin typeface="Courier New" panose="02070309020205020404" pitchFamily="49" charset="0"/>
                 <a:cs typeface="Courier New" panose="02070309020205020404" pitchFamily="49" charset="0"/>
               </a:rPr>
-              <a:t> &lt; 10; </a:t>
-            </a:r>
-            <a:r>
-              <a:rPr lang="en-US" dirty="0" err="1">
-                <a:latin typeface="Courier New" panose="02070309020205020404" pitchFamily="49" charset="0"/>
-                <a:cs typeface="Courier New" panose="02070309020205020404" pitchFamily="49" charset="0"/>
-              </a:rPr>
-              <a:t>i</a:t>
-            </a:r>
-            <a:r>
-              <a:rPr lang="en-US" dirty="0" smtClean="0">
-                <a:latin typeface="Courier New" panose="02070309020205020404" pitchFamily="49" charset="0"/>
-                <a:cs typeface="Courier New" panose="02070309020205020404" pitchFamily="49" charset="0"/>
-              </a:rPr>
-              <a:t>++)</a:t>
-            </a:r>
-            <a:endParaRPr lang="en-US" dirty="0">
+              <a:t>;</a:t>
+            </a:r>
+          </a:p>
+          <a:p>
+            <a:r>
+              <a:rPr lang="en-US" dirty="0">
+                <a:latin typeface="Courier New" panose="02070309020205020404" pitchFamily="49" charset="0"/>
+                <a:cs typeface="Courier New" panose="02070309020205020404" pitchFamily="49" charset="0"/>
+              </a:rPr>
+              <a:t>    return 0;</a:t>
+            </a:r>
+          </a:p>
+          <a:p>
+            <a:r>
+              <a:rPr lang="en-US" dirty="0">
+                <a:latin typeface="Courier New" panose="02070309020205020404" pitchFamily="49" charset="0"/>
+                <a:cs typeface="Courier New" panose="02070309020205020404" pitchFamily="49" charset="0"/>
+              </a:rPr>
+              <a:t>}</a:t>
+            </a:r>
+          </a:p>
+        </p:txBody>
+      </p:sp>
+      <p:sp>
+        <p:nvSpPr>
+          <p:cNvPr id="3" name="TextBox 2"/>
+          <p:cNvSpPr txBox="1"/>
+          <p:nvPr/>
+        </p:nvSpPr>
+        <p:spPr>
+          <a:xfrm>
+            <a:off x="5922819" y="461993"/>
+            <a:ext cx="2941831" cy="2585323"/>
+          </a:xfrm>
+          <a:prstGeom prst="rect">
+            <a:avLst/>
+          </a:prstGeom>
+          <a:solidFill>
+            <a:schemeClr val="accent4">
+              <a:lumMod val="20000"/>
+              <a:lumOff val="80000"/>
+            </a:schemeClr>
+          </a:solidFill>
+          <a:ln>
+            <a:solidFill>
+              <a:schemeClr val="tx1"/>
+            </a:solidFill>
+          </a:ln>
+        </p:spPr>
+        <p:txBody>
+          <a:bodyPr wrap="none" rtlCol="0">
+            <a:spAutoFit/>
+          </a:bodyPr>
+          <a:lstStyle/>
+          <a:p>
+            <a:r>
+              <a:rPr lang="nn-NO" dirty="0">
+                <a:latin typeface="Courier New" panose="02070309020205020404" pitchFamily="49" charset="0"/>
+                <a:cs typeface="Courier New" panose="02070309020205020404" pitchFamily="49" charset="0"/>
+              </a:rPr>
+              <a:t>id      dim_nr  temp</a:t>
+            </a:r>
+          </a:p>
+          <a:p>
+            <a:r>
+              <a:rPr lang="nn-NO" dirty="0">
+                <a:latin typeface="Courier New" panose="02070309020205020404" pitchFamily="49" charset="0"/>
+                <a:cs typeface="Courier New" panose="02070309020205020404" pitchFamily="49" charset="0"/>
+              </a:rPr>
+              <a:t>1       1       -0.5</a:t>
+            </a:r>
+          </a:p>
+          <a:p>
+            <a:r>
+              <a:rPr lang="nn-NO" dirty="0">
+                <a:latin typeface="Courier New" panose="02070309020205020404" pitchFamily="49" charset="0"/>
+                <a:cs typeface="Courier New" panose="02070309020205020404" pitchFamily="49" charset="0"/>
+              </a:rPr>
+              <a:t>2       1       0.0</a:t>
+            </a:r>
+          </a:p>
+          <a:p>
+            <a:r>
+              <a:rPr lang="nn-NO" dirty="0">
+                <a:latin typeface="Courier New" panose="02070309020205020404" pitchFamily="49" charset="0"/>
+                <a:cs typeface="Courier New" panose="02070309020205020404" pitchFamily="49" charset="0"/>
+              </a:rPr>
+              <a:t>4       2       -0.5</a:t>
+            </a:r>
+          </a:p>
+          <a:p>
+            <a:r>
+              <a:rPr lang="nn-NO" dirty="0">
+                <a:latin typeface="Courier New" panose="02070309020205020404" pitchFamily="49" charset="0"/>
+                <a:cs typeface="Courier New" panose="02070309020205020404" pitchFamily="49" charset="0"/>
+              </a:rPr>
+              <a:t>5       2       0.0</a:t>
+            </a:r>
+          </a:p>
+          <a:p>
+            <a:r>
+              <a:rPr lang="nn-NO" dirty="0">
+                <a:latin typeface="Courier New" panose="02070309020205020404" pitchFamily="49" charset="0"/>
+                <a:cs typeface="Courier New" panose="02070309020205020404" pitchFamily="49" charset="0"/>
+              </a:rPr>
+              <a:t>6       2       0.5</a:t>
+            </a:r>
+          </a:p>
+          <a:p>
+            <a:r>
+              <a:rPr lang="nn-NO" dirty="0">
+                <a:latin typeface="Courier New" panose="02070309020205020404" pitchFamily="49" charset="0"/>
+                <a:cs typeface="Courier New" panose="02070309020205020404" pitchFamily="49" charset="0"/>
+              </a:rPr>
+              <a:t>8       3       0.0</a:t>
+            </a:r>
+          </a:p>
+          <a:p>
+            <a:r>
+              <a:rPr lang="nn-NO" dirty="0">
+                <a:latin typeface="Courier New" panose="02070309020205020404" pitchFamily="49" charset="0"/>
+                <a:cs typeface="Courier New" panose="02070309020205020404" pitchFamily="49" charset="0"/>
+              </a:rPr>
+              <a:t>9       3       0.5</a:t>
+            </a:r>
+          </a:p>
+          <a:p>
+            <a:r>
+              <a:rPr lang="nn-NO" dirty="0">
+                <a:latin typeface="Courier New" panose="02070309020205020404" pitchFamily="49" charset="0"/>
+                <a:cs typeface="Courier New" panose="02070309020205020404" pitchFamily="49" charset="0"/>
+              </a:rPr>
+              <a:t>10      4       </a:t>
+            </a:r>
+            <a:r>
+              <a:rPr lang="nn-NO" dirty="0" smtClean="0">
+                <a:latin typeface="Courier New" panose="02070309020205020404" pitchFamily="49" charset="0"/>
+                <a:cs typeface="Courier New" panose="02070309020205020404" pitchFamily="49" charset="0"/>
+              </a:rPr>
+              <a:t>0.0</a:t>
+            </a:r>
+            <a:endParaRPr lang="nn-NO" dirty="0">
               <a:latin typeface="Courier New" panose="02070309020205020404" pitchFamily="49" charset="0"/>
               <a:cs typeface="Courier New" panose="02070309020205020404" pitchFamily="49" charset="0"/>
             </a:endParaRPr>
-          </a:p>
-          <a:p>
-            <a:r>
-              <a:rPr lang="en-US" dirty="0" smtClean="0">
-                <a:latin typeface="Courier New" panose="02070309020205020404" pitchFamily="49" charset="0"/>
-                <a:cs typeface="Courier New" panose="02070309020205020404" pitchFamily="49" charset="0"/>
-              </a:rPr>
-              <a:t>    </a:t>
-            </a:r>
-            <a:r>
-              <a:rPr lang="en-US" dirty="0" err="1" smtClean="0">
-                <a:latin typeface="Courier New" panose="02070309020205020404" pitchFamily="49" charset="0"/>
-                <a:cs typeface="Courier New" panose="02070309020205020404" pitchFamily="49" charset="0"/>
-              </a:rPr>
-              <a:t>s.insert</a:t>
-            </a:r>
-            <a:r>
-              <a:rPr lang="en-US" dirty="0" smtClean="0">
-                <a:latin typeface="Courier New" panose="02070309020205020404" pitchFamily="49" charset="0"/>
-                <a:cs typeface="Courier New" panose="02070309020205020404" pitchFamily="49" charset="0"/>
-              </a:rPr>
-              <a:t>(</a:t>
-            </a:r>
-            <a:r>
-              <a:rPr lang="en-US" dirty="0" err="1" smtClean="0">
-                <a:latin typeface="Courier New" panose="02070309020205020404" pitchFamily="49" charset="0"/>
-                <a:cs typeface="Courier New" panose="02070309020205020404" pitchFamily="49" charset="0"/>
-              </a:rPr>
-              <a:t>i</a:t>
-            </a:r>
-            <a:r>
-              <a:rPr lang="en-US" dirty="0" smtClean="0">
-                <a:latin typeface="Courier New" panose="02070309020205020404" pitchFamily="49" charset="0"/>
-                <a:cs typeface="Courier New" panose="02070309020205020404" pitchFamily="49" charset="0"/>
-              </a:rPr>
-              <a:t> </a:t>
-            </a:r>
-            <a:r>
-              <a:rPr lang="en-US" dirty="0">
-                <a:latin typeface="Courier New" panose="02070309020205020404" pitchFamily="49" charset="0"/>
-                <a:cs typeface="Courier New" panose="02070309020205020404" pitchFamily="49" charset="0"/>
-              </a:rPr>
-              <a:t>% 7</a:t>
-            </a:r>
-            <a:r>
-              <a:rPr lang="en-US" dirty="0" smtClean="0">
-                <a:latin typeface="Courier New" panose="02070309020205020404" pitchFamily="49" charset="0"/>
-                <a:cs typeface="Courier New" panose="02070309020205020404" pitchFamily="49" charset="0"/>
-              </a:rPr>
-              <a:t>);</a:t>
-            </a:r>
-          </a:p>
-          <a:p>
-            <a:r>
-              <a:rPr lang="en-US" dirty="0" err="1" smtClean="0">
-                <a:latin typeface="Courier New" panose="02070309020205020404" pitchFamily="49" charset="0"/>
-                <a:cs typeface="Courier New" panose="02070309020205020404" pitchFamily="49" charset="0"/>
-              </a:rPr>
-              <a:t>std:cout</a:t>
-            </a:r>
-            <a:r>
-              <a:rPr lang="en-US" dirty="0" smtClean="0">
-                <a:latin typeface="Courier New" panose="02070309020205020404" pitchFamily="49" charset="0"/>
-                <a:cs typeface="Courier New" panose="02070309020205020404" pitchFamily="49" charset="0"/>
-              </a:rPr>
-              <a:t> &lt;&lt; "set size = " &lt;&lt; </a:t>
-            </a:r>
-            <a:r>
-              <a:rPr lang="en-US" dirty="0" err="1" smtClean="0">
-                <a:latin typeface="Courier New" panose="02070309020205020404" pitchFamily="49" charset="0"/>
-                <a:cs typeface="Courier New" panose="02070309020205020404" pitchFamily="49" charset="0"/>
-              </a:rPr>
-              <a:t>s.size</a:t>
-            </a:r>
-            <a:r>
-              <a:rPr lang="en-US" dirty="0" smtClean="0">
-                <a:latin typeface="Courier New" panose="02070309020205020404" pitchFamily="49" charset="0"/>
-                <a:cs typeface="Courier New" panose="02070309020205020404" pitchFamily="49" charset="0"/>
-              </a:rPr>
-              <a:t>() &lt;&lt; </a:t>
-            </a:r>
-            <a:r>
-              <a:rPr lang="en-US" dirty="0" err="1" smtClean="0">
-                <a:latin typeface="Courier New" panose="02070309020205020404" pitchFamily="49" charset="0"/>
-                <a:cs typeface="Courier New" panose="02070309020205020404" pitchFamily="49" charset="0"/>
-              </a:rPr>
-              <a:t>std</a:t>
-            </a:r>
-            <a:r>
-              <a:rPr lang="en-US" dirty="0" smtClean="0">
-                <a:latin typeface="Courier New" panose="02070309020205020404" pitchFamily="49" charset="0"/>
-                <a:cs typeface="Courier New" panose="02070309020205020404" pitchFamily="49" charset="0"/>
-              </a:rPr>
-              <a:t>::</a:t>
-            </a:r>
-            <a:r>
-              <a:rPr lang="en-US" dirty="0" err="1" smtClean="0">
-                <a:latin typeface="Courier New" panose="02070309020205020404" pitchFamily="49" charset="0"/>
-                <a:cs typeface="Courier New" panose="02070309020205020404" pitchFamily="49" charset="0"/>
-              </a:rPr>
-              <a:t>endl</a:t>
-            </a:r>
-            <a:r>
-              <a:rPr lang="en-US" dirty="0" smtClean="0">
-                <a:latin typeface="Courier New" panose="02070309020205020404" pitchFamily="49" charset="0"/>
-                <a:cs typeface="Courier New" panose="02070309020205020404" pitchFamily="49" charset="0"/>
-              </a:rPr>
-              <a:t>;</a:t>
-            </a:r>
-            <a:endParaRPr lang="en-US" dirty="0">
-              <a:latin typeface="Courier New" panose="02070309020205020404" pitchFamily="49" charset="0"/>
-              <a:cs typeface="Courier New" panose="02070309020205020404" pitchFamily="49" charset="0"/>
-            </a:endParaRPr>
-          </a:p>
-          <a:p>
-            <a:r>
-              <a:rPr lang="en-US" dirty="0" smtClean="0">
-                <a:latin typeface="Courier New" panose="02070309020205020404" pitchFamily="49" charset="0"/>
-                <a:cs typeface="Courier New" panose="02070309020205020404" pitchFamily="49" charset="0"/>
-              </a:rPr>
-              <a:t>for (auto it </a:t>
-            </a:r>
-            <a:r>
-              <a:rPr lang="en-US" dirty="0">
-                <a:latin typeface="Courier New" panose="02070309020205020404" pitchFamily="49" charset="0"/>
-                <a:cs typeface="Courier New" panose="02070309020205020404" pitchFamily="49" charset="0"/>
-              </a:rPr>
-              <a:t>= </a:t>
-            </a:r>
-            <a:r>
-              <a:rPr lang="en-US" dirty="0" err="1" smtClean="0">
-                <a:latin typeface="Courier New" panose="02070309020205020404" pitchFamily="49" charset="0"/>
-                <a:cs typeface="Courier New" panose="02070309020205020404" pitchFamily="49" charset="0"/>
-              </a:rPr>
-              <a:t>s.begin</a:t>
-            </a:r>
-            <a:r>
-              <a:rPr lang="en-US" dirty="0" smtClean="0">
-                <a:latin typeface="Courier New" panose="02070309020205020404" pitchFamily="49" charset="0"/>
-                <a:cs typeface="Courier New" panose="02070309020205020404" pitchFamily="49" charset="0"/>
-              </a:rPr>
-              <a:t>(); it </a:t>
-            </a:r>
-            <a:r>
-              <a:rPr lang="en-US" dirty="0">
-                <a:latin typeface="Courier New" panose="02070309020205020404" pitchFamily="49" charset="0"/>
-                <a:cs typeface="Courier New" panose="02070309020205020404" pitchFamily="49" charset="0"/>
-              </a:rPr>
-              <a:t>!= </a:t>
-            </a:r>
-            <a:r>
-              <a:rPr lang="en-US" dirty="0" err="1" smtClean="0">
-                <a:latin typeface="Courier New" panose="02070309020205020404" pitchFamily="49" charset="0"/>
-                <a:cs typeface="Courier New" panose="02070309020205020404" pitchFamily="49" charset="0"/>
-              </a:rPr>
-              <a:t>s.end</a:t>
-            </a:r>
-            <a:r>
-              <a:rPr lang="en-US" dirty="0">
-                <a:latin typeface="Courier New" panose="02070309020205020404" pitchFamily="49" charset="0"/>
-                <a:cs typeface="Courier New" panose="02070309020205020404" pitchFamily="49" charset="0"/>
-              </a:rPr>
-              <a:t>(); </a:t>
-            </a:r>
-            <a:r>
-              <a:rPr lang="en-US" dirty="0" smtClean="0">
-                <a:latin typeface="Courier New" panose="02070309020205020404" pitchFamily="49" charset="0"/>
-                <a:cs typeface="Courier New" panose="02070309020205020404" pitchFamily="49" charset="0"/>
-              </a:rPr>
-              <a:t>it++)</a:t>
-            </a:r>
-            <a:endParaRPr lang="en-US" dirty="0">
-              <a:latin typeface="Courier New" panose="02070309020205020404" pitchFamily="49" charset="0"/>
-              <a:cs typeface="Courier New" panose="02070309020205020404" pitchFamily="49" charset="0"/>
-            </a:endParaRPr>
-          </a:p>
-          <a:p>
-            <a:r>
-              <a:rPr lang="en-US" dirty="0">
-                <a:latin typeface="Courier New" panose="02070309020205020404" pitchFamily="49" charset="0"/>
-                <a:cs typeface="Courier New" panose="02070309020205020404" pitchFamily="49" charset="0"/>
-              </a:rPr>
-              <a:t>    </a:t>
-            </a:r>
-            <a:r>
-              <a:rPr lang="en-US" dirty="0" err="1" smtClean="0">
-                <a:latin typeface="Courier New" panose="02070309020205020404" pitchFamily="49" charset="0"/>
-                <a:cs typeface="Courier New" panose="02070309020205020404" pitchFamily="49" charset="0"/>
-              </a:rPr>
-              <a:t>std</a:t>
-            </a:r>
-            <a:r>
-              <a:rPr lang="en-US" dirty="0">
-                <a:latin typeface="Courier New" panose="02070309020205020404" pitchFamily="49" charset="0"/>
-                <a:cs typeface="Courier New" panose="02070309020205020404" pitchFamily="49" charset="0"/>
-              </a:rPr>
-              <a:t>::</a:t>
-            </a:r>
-            <a:r>
-              <a:rPr lang="en-US" dirty="0" err="1">
-                <a:latin typeface="Courier New" panose="02070309020205020404" pitchFamily="49" charset="0"/>
-                <a:cs typeface="Courier New" panose="02070309020205020404" pitchFamily="49" charset="0"/>
-              </a:rPr>
-              <a:t>cout</a:t>
-            </a:r>
-            <a:r>
-              <a:rPr lang="en-US" dirty="0">
-                <a:latin typeface="Courier New" panose="02070309020205020404" pitchFamily="49" charset="0"/>
-                <a:cs typeface="Courier New" panose="02070309020205020404" pitchFamily="49" charset="0"/>
-              </a:rPr>
-              <a:t> &lt;&lt; *</a:t>
-            </a:r>
-            <a:r>
-              <a:rPr lang="en-US" dirty="0" smtClean="0">
-                <a:latin typeface="Courier New" panose="02070309020205020404" pitchFamily="49" charset="0"/>
-                <a:cs typeface="Courier New" panose="02070309020205020404" pitchFamily="49" charset="0"/>
-              </a:rPr>
-              <a:t>it </a:t>
-            </a:r>
-            <a:r>
-              <a:rPr lang="en-US" dirty="0">
-                <a:latin typeface="Courier New" panose="02070309020205020404" pitchFamily="49" charset="0"/>
-                <a:cs typeface="Courier New" panose="02070309020205020404" pitchFamily="49" charset="0"/>
-              </a:rPr>
-              <a:t>&lt;&lt; </a:t>
-            </a:r>
-            <a:r>
-              <a:rPr lang="en-US" dirty="0" err="1">
-                <a:latin typeface="Courier New" panose="02070309020205020404" pitchFamily="49" charset="0"/>
-                <a:cs typeface="Courier New" panose="02070309020205020404" pitchFamily="49" charset="0"/>
-              </a:rPr>
-              <a:t>std</a:t>
-            </a:r>
-            <a:r>
-              <a:rPr lang="en-US" dirty="0">
-                <a:latin typeface="Courier New" panose="02070309020205020404" pitchFamily="49" charset="0"/>
-                <a:cs typeface="Courier New" panose="02070309020205020404" pitchFamily="49" charset="0"/>
-              </a:rPr>
-              <a:t>::</a:t>
-            </a:r>
-            <a:r>
-              <a:rPr lang="en-US" dirty="0" err="1">
-                <a:latin typeface="Courier New" panose="02070309020205020404" pitchFamily="49" charset="0"/>
-                <a:cs typeface="Courier New" panose="02070309020205020404" pitchFamily="49" charset="0"/>
-              </a:rPr>
-              <a:t>endl</a:t>
-            </a:r>
-            <a:r>
-              <a:rPr lang="en-US" dirty="0">
-                <a:latin typeface="Courier New" panose="02070309020205020404" pitchFamily="49" charset="0"/>
-                <a:cs typeface="Courier New" panose="02070309020205020404" pitchFamily="49" charset="0"/>
-              </a:rPr>
-              <a:t>;</a:t>
-            </a:r>
           </a:p>
         </p:txBody>
       </p:sp>
@@ -15165,7 +15617,7 @@
 </p:sld>
 </file>
 
-<file path=ppt/slides/slide25.xml><?xml version="1.0" encoding="utf-8"?>
+<file path=ppt/slides/slide26.xml><?xml version="1.0" encoding="utf-8"?>
 <p:sld xmlns:a="http://schemas.openxmlformats.org/drawingml/2006/main" xmlns:r="http://schemas.openxmlformats.org/officeDocument/2006/relationships" xmlns:p="http://schemas.openxmlformats.org/presentationml/2006/main">
   <p:cSld>
     <p:spTree>
@@ -15343,7 +15795,7 @@
             <a:graphicData uri="http://schemas.openxmlformats.org/presentationml/2006/ole">
               <mc:AlternateContent xmlns:mc="http://schemas.openxmlformats.org/markup-compatibility/2006">
                 <mc:Choice xmlns:v="urn:schemas-microsoft-com:vml" Requires="v">
-                  <p:oleObj spid="_x0000_s6393" name="Equation" r:id="rId3" imgW="774360" imgH="215640" progId="Equation.3">
+                  <p:oleObj spid="_x0000_s6402" name="Equation" r:id="rId3" imgW="774360" imgH="215640" progId="Equation.3">
                     <p:embed/>
                   </p:oleObj>
                 </mc:Choice>
@@ -15434,7 +15886,7 @@
           <a:p>
             <a:fld id="{11AD1F4E-1E51-402E-B221-310F004E7D3B}" type="slidenum">
               <a:rPr lang="en-US" smtClean="0"/>
-              <a:t>25</a:t>
+              <a:t>26</a:t>
             </a:fld>
             <a:endParaRPr lang="en-US"/>
           </a:p>
@@ -15578,7 +16030,7 @@
             <a:graphicData uri="http://schemas.openxmlformats.org/presentationml/2006/ole">
               <mc:AlternateContent xmlns:mc="http://schemas.openxmlformats.org/markup-compatibility/2006">
                 <mc:Choice xmlns:v="urn:schemas-microsoft-com:vml" Requires="v">
-                  <p:oleObj spid="_x0000_s6394" name="Equation" r:id="rId5" imgW="622080" imgH="215640" progId="Equation.3">
+                  <p:oleObj spid="_x0000_s6403" name="Equation" r:id="rId5" imgW="622080" imgH="215640" progId="Equation.3">
                     <p:embed/>
                   </p:oleObj>
                 </mc:Choice>
@@ -15635,7 +16087,7 @@
             <a:graphicData uri="http://schemas.openxmlformats.org/presentationml/2006/ole">
               <mc:AlternateContent xmlns:mc="http://schemas.openxmlformats.org/markup-compatibility/2006">
                 <mc:Choice xmlns:v="urn:schemas-microsoft-com:vml" Requires="v">
-                  <p:oleObj spid="_x0000_s6395" name="Equation" r:id="rId7" imgW="749160" imgH="215640" progId="Equation.3">
+                  <p:oleObj spid="_x0000_s6404" name="Equation" r:id="rId7" imgW="749160" imgH="215640" progId="Equation.3">
                     <p:embed/>
                   </p:oleObj>
                 </mc:Choice>
@@ -16782,7 +17234,7 @@
 </p:sld>
 </file>
 
-<file path=ppt/slides/slide26.xml><?xml version="1.0" encoding="utf-8"?>
+<file path=ppt/slides/slide27.xml><?xml version="1.0" encoding="utf-8"?>
 <p:sld xmlns:a="http://schemas.openxmlformats.org/drawingml/2006/main" xmlns:r="http://schemas.openxmlformats.org/officeDocument/2006/relationships" xmlns:p="http://schemas.openxmlformats.org/presentationml/2006/main">
   <p:cSld>
     <p:spTree>
@@ -17020,7 +17472,7 @@
           <a:p>
             <a:fld id="{11AD1F4E-1E51-402E-B221-310F004E7D3B}" type="slidenum">
               <a:rPr lang="en-US" smtClean="0"/>
-              <a:t>26</a:t>
+              <a:t>27</a:t>
             </a:fld>
             <a:endParaRPr lang="en-US"/>
           </a:p>
@@ -17666,599 +18118,6 @@
 </p:sld>
 </file>
 
-<file path=ppt/slides/slide27.xml><?xml version="1.0" encoding="utf-8"?>
-<p:sld xmlns:a="http://schemas.openxmlformats.org/drawingml/2006/main" xmlns:r="http://schemas.openxmlformats.org/officeDocument/2006/relationships" xmlns:p="http://schemas.openxmlformats.org/presentationml/2006/main">
-  <p:cSld>
-    <p:spTree>
-      <p:nvGrpSpPr>
-        <p:cNvPr id="1" name=""/>
-        <p:cNvGrpSpPr/>
-        <p:nvPr/>
-      </p:nvGrpSpPr>
-      <p:grpSpPr>
-        <a:xfrm>
-          <a:off x="0" y="0"/>
-          <a:ext cx="0" cy="0"/>
-          <a:chOff x="0" y="0"/>
-          <a:chExt cx="0" cy="0"/>
-        </a:xfrm>
-      </p:grpSpPr>
-      <p:sp>
-        <p:nvSpPr>
-          <p:cNvPr id="2" name="Title 1"/>
-          <p:cNvSpPr>
-            <a:spLocks noGrp="1"/>
-          </p:cNvSpPr>
-          <p:nvPr>
-            <p:ph type="title"/>
-          </p:nvPr>
-        </p:nvSpPr>
-        <p:spPr/>
-        <p:txBody>
-          <a:bodyPr/>
-          <a:lstStyle/>
-          <a:p>
-            <a:r>
-              <a:rPr lang="en-US" dirty="0" smtClean="0"/>
-              <a:t>Map examples</a:t>
-            </a:r>
-            <a:endParaRPr lang="en-US" dirty="0"/>
-          </a:p>
-        </p:txBody>
-      </p:sp>
-      <p:sp>
-        <p:nvSpPr>
-          <p:cNvPr id="4" name="Slide Number Placeholder 3"/>
-          <p:cNvSpPr>
-            <a:spLocks noGrp="1"/>
-          </p:cNvSpPr>
-          <p:nvPr>
-            <p:ph type="sldNum" sz="quarter" idx="12"/>
-          </p:nvPr>
-        </p:nvSpPr>
-        <p:spPr/>
-        <p:txBody>
-          <a:bodyPr/>
-          <a:lstStyle/>
-          <a:p>
-            <a:fld id="{11AD1F4E-1E51-402E-B221-310F004E7D3B}" type="slidenum">
-              <a:rPr lang="en-US" smtClean="0"/>
-              <a:t>27</a:t>
-            </a:fld>
-            <a:endParaRPr lang="en-US"/>
-          </a:p>
-        </p:txBody>
-      </p:sp>
-      <p:sp>
-        <p:nvSpPr>
-          <p:cNvPr id="5" name="TextBox 4"/>
-          <p:cNvSpPr txBox="1"/>
-          <p:nvPr/>
-        </p:nvSpPr>
-        <p:spPr>
-          <a:xfrm>
-            <a:off x="124691" y="1579414"/>
-            <a:ext cx="8842665" cy="2862322"/>
-          </a:xfrm>
-          <a:prstGeom prst="rect">
-            <a:avLst/>
-          </a:prstGeom>
-          <a:solidFill>
-            <a:schemeClr val="bg1">
-              <a:lumMod val="75000"/>
-            </a:schemeClr>
-          </a:solidFill>
-          <a:ln>
-            <a:solidFill>
-              <a:schemeClr val="tx1"/>
-            </a:solidFill>
-          </a:ln>
-        </p:spPr>
-        <p:txBody>
-          <a:bodyPr wrap="square" rtlCol="0">
-            <a:spAutoFit/>
-          </a:bodyPr>
-          <a:lstStyle/>
-          <a:p>
-            <a:r>
-              <a:rPr lang="en-US" dirty="0" smtClean="0">
-                <a:latin typeface="Courier New" panose="02070309020205020404" pitchFamily="49" charset="0"/>
-                <a:cs typeface="Courier New" panose="02070309020205020404" pitchFamily="49" charset="0"/>
-              </a:rPr>
-              <a:t>#</a:t>
-            </a:r>
-            <a:r>
-              <a:rPr lang="en-US" dirty="0">
-                <a:latin typeface="Courier New" panose="02070309020205020404" pitchFamily="49" charset="0"/>
-                <a:cs typeface="Courier New" panose="02070309020205020404" pitchFamily="49" charset="0"/>
-              </a:rPr>
-              <a:t>include </a:t>
-            </a:r>
-            <a:r>
-              <a:rPr lang="en-US" dirty="0" smtClean="0">
-                <a:latin typeface="Courier New" panose="02070309020205020404" pitchFamily="49" charset="0"/>
-                <a:cs typeface="Courier New" panose="02070309020205020404" pitchFamily="49" charset="0"/>
-              </a:rPr>
-              <a:t>&lt;</a:t>
-            </a:r>
-            <a:r>
-              <a:rPr lang="en-US" dirty="0" err="1" smtClean="0">
-                <a:latin typeface="Courier New" panose="02070309020205020404" pitchFamily="49" charset="0"/>
-                <a:cs typeface="Courier New" panose="02070309020205020404" pitchFamily="49" charset="0"/>
-              </a:rPr>
-              <a:t>unordered_map</a:t>
-            </a:r>
-            <a:r>
-              <a:rPr lang="en-US" dirty="0">
-                <a:latin typeface="Courier New" panose="02070309020205020404" pitchFamily="49" charset="0"/>
-                <a:cs typeface="Courier New" panose="02070309020205020404" pitchFamily="49" charset="0"/>
-              </a:rPr>
-              <a:t>&gt;</a:t>
-            </a:r>
-          </a:p>
-          <a:p>
-            <a:r>
-              <a:rPr lang="en-US" dirty="0">
-                <a:latin typeface="Courier New" panose="02070309020205020404" pitchFamily="49" charset="0"/>
-                <a:cs typeface="Courier New" panose="02070309020205020404" pitchFamily="49" charset="0"/>
-              </a:rPr>
-              <a:t>#include &lt;string&gt;</a:t>
-            </a:r>
-          </a:p>
-          <a:p>
-            <a:r>
-              <a:rPr lang="en-US" dirty="0" smtClean="0">
-                <a:latin typeface="Courier New" panose="02070309020205020404" pitchFamily="49" charset="0"/>
-                <a:cs typeface="Courier New" panose="02070309020205020404" pitchFamily="49" charset="0"/>
-              </a:rPr>
-              <a:t>…</a:t>
-            </a:r>
-          </a:p>
-          <a:p>
-            <a:r>
-              <a:rPr lang="en-US" dirty="0" err="1" smtClean="0">
-                <a:latin typeface="Courier New" panose="02070309020205020404" pitchFamily="49" charset="0"/>
-                <a:cs typeface="Courier New" panose="02070309020205020404" pitchFamily="49" charset="0"/>
-              </a:rPr>
-              <a:t>std</a:t>
-            </a:r>
-            <a:r>
-              <a:rPr lang="en-US" dirty="0">
-                <a:latin typeface="Courier New" panose="02070309020205020404" pitchFamily="49" charset="0"/>
-                <a:cs typeface="Courier New" panose="02070309020205020404" pitchFamily="49" charset="0"/>
-              </a:rPr>
-              <a:t>::list&lt;</a:t>
-            </a:r>
-            <a:r>
-              <a:rPr lang="en-US" dirty="0" err="1">
-                <a:latin typeface="Courier New" panose="02070309020205020404" pitchFamily="49" charset="0"/>
-                <a:cs typeface="Courier New" panose="02070309020205020404" pitchFamily="49" charset="0"/>
-              </a:rPr>
-              <a:t>std</a:t>
-            </a:r>
-            <a:r>
-              <a:rPr lang="en-US" dirty="0">
-                <a:latin typeface="Courier New" panose="02070309020205020404" pitchFamily="49" charset="0"/>
-                <a:cs typeface="Courier New" panose="02070309020205020404" pitchFamily="49" charset="0"/>
-              </a:rPr>
-              <a:t>::string&gt; keys = </a:t>
-            </a:r>
-            <a:r>
-              <a:rPr lang="en-US" dirty="0" smtClean="0">
-                <a:latin typeface="Courier New" panose="02070309020205020404" pitchFamily="49" charset="0"/>
-                <a:cs typeface="Courier New" panose="02070309020205020404" pitchFamily="49" charset="0"/>
-              </a:rPr>
-              <a:t>{"one", "two", "three"};</a:t>
-            </a:r>
-            <a:endParaRPr lang="en-US" dirty="0">
-              <a:latin typeface="Courier New" panose="02070309020205020404" pitchFamily="49" charset="0"/>
-              <a:cs typeface="Courier New" panose="02070309020205020404" pitchFamily="49" charset="0"/>
-            </a:endParaRPr>
-          </a:p>
-          <a:p>
-            <a:r>
-              <a:rPr lang="en-US" dirty="0" err="1" smtClean="0">
-                <a:latin typeface="Courier New" panose="02070309020205020404" pitchFamily="49" charset="0"/>
-                <a:cs typeface="Courier New" panose="02070309020205020404" pitchFamily="49" charset="0"/>
-              </a:rPr>
-              <a:t>std</a:t>
-            </a:r>
-            <a:r>
-              <a:rPr lang="en-US" dirty="0" smtClean="0">
-                <a:latin typeface="Courier New" panose="02070309020205020404" pitchFamily="49" charset="0"/>
-                <a:cs typeface="Courier New" panose="02070309020205020404" pitchFamily="49" charset="0"/>
-              </a:rPr>
-              <a:t>::</a:t>
-            </a:r>
-            <a:r>
-              <a:rPr lang="en-US" dirty="0" err="1" smtClean="0">
-                <a:latin typeface="Courier New" panose="02070309020205020404" pitchFamily="49" charset="0"/>
-                <a:cs typeface="Courier New" panose="02070309020205020404" pitchFamily="49" charset="0"/>
-              </a:rPr>
-              <a:t>unordered_map</a:t>
-            </a:r>
-            <a:r>
-              <a:rPr lang="en-US" dirty="0" smtClean="0">
-                <a:latin typeface="Courier New" panose="02070309020205020404" pitchFamily="49" charset="0"/>
-                <a:cs typeface="Courier New" panose="02070309020205020404" pitchFamily="49" charset="0"/>
-              </a:rPr>
-              <a:t>&lt;</a:t>
-            </a:r>
-            <a:r>
-              <a:rPr lang="en-US" dirty="0" err="1" smtClean="0">
-                <a:latin typeface="Courier New" panose="02070309020205020404" pitchFamily="49" charset="0"/>
-                <a:cs typeface="Courier New" panose="02070309020205020404" pitchFamily="49" charset="0"/>
-              </a:rPr>
-              <a:t>std</a:t>
-            </a:r>
-            <a:r>
-              <a:rPr lang="en-US" dirty="0">
-                <a:latin typeface="Courier New" panose="02070309020205020404" pitchFamily="49" charset="0"/>
-                <a:cs typeface="Courier New" panose="02070309020205020404" pitchFamily="49" charset="0"/>
-              </a:rPr>
-              <a:t>::string, </a:t>
-            </a:r>
-            <a:r>
-              <a:rPr lang="en-US" dirty="0" err="1">
-                <a:latin typeface="Courier New" panose="02070309020205020404" pitchFamily="49" charset="0"/>
-                <a:cs typeface="Courier New" panose="02070309020205020404" pitchFamily="49" charset="0"/>
-              </a:rPr>
-              <a:t>int</a:t>
-            </a:r>
-            <a:r>
-              <a:rPr lang="en-US" dirty="0">
-                <a:latin typeface="Courier New" panose="02070309020205020404" pitchFamily="49" charset="0"/>
-                <a:cs typeface="Courier New" panose="02070309020205020404" pitchFamily="49" charset="0"/>
-              </a:rPr>
-              <a:t>&gt; </a:t>
-            </a:r>
-            <a:r>
-              <a:rPr lang="en-US" dirty="0" smtClean="0">
-                <a:latin typeface="Courier New" panose="02070309020205020404" pitchFamily="49" charset="0"/>
-                <a:cs typeface="Courier New" panose="02070309020205020404" pitchFamily="49" charset="0"/>
-              </a:rPr>
-              <a:t>m;</a:t>
-            </a:r>
-            <a:endParaRPr lang="en-US" dirty="0">
-              <a:latin typeface="Courier New" panose="02070309020205020404" pitchFamily="49" charset="0"/>
-              <a:cs typeface="Courier New" panose="02070309020205020404" pitchFamily="49" charset="0"/>
-            </a:endParaRPr>
-          </a:p>
-          <a:p>
-            <a:r>
-              <a:rPr lang="en-US" dirty="0" err="1" smtClean="0">
-                <a:latin typeface="Courier New" panose="02070309020205020404" pitchFamily="49" charset="0"/>
-                <a:cs typeface="Courier New" panose="02070309020205020404" pitchFamily="49" charset="0"/>
-              </a:rPr>
-              <a:t>int</a:t>
-            </a:r>
-            <a:r>
-              <a:rPr lang="en-US" dirty="0" smtClean="0">
-                <a:latin typeface="Courier New" panose="02070309020205020404" pitchFamily="49" charset="0"/>
-                <a:cs typeface="Courier New" panose="02070309020205020404" pitchFamily="49" charset="0"/>
-              </a:rPr>
-              <a:t> value </a:t>
-            </a:r>
-            <a:r>
-              <a:rPr lang="en-US" dirty="0">
-                <a:latin typeface="Courier New" panose="02070309020205020404" pitchFamily="49" charset="0"/>
-                <a:cs typeface="Courier New" panose="02070309020205020404" pitchFamily="49" charset="0"/>
-              </a:rPr>
-              <a:t>= 0;</a:t>
-            </a:r>
-          </a:p>
-          <a:p>
-            <a:r>
-              <a:rPr lang="en-US" dirty="0" smtClean="0">
-                <a:latin typeface="Courier New" panose="02070309020205020404" pitchFamily="49" charset="0"/>
-                <a:cs typeface="Courier New" panose="02070309020205020404" pitchFamily="49" charset="0"/>
-              </a:rPr>
-              <a:t>for </a:t>
-            </a:r>
-            <a:r>
-              <a:rPr lang="en-US" dirty="0">
-                <a:latin typeface="Courier New" panose="02070309020205020404" pitchFamily="49" charset="0"/>
-                <a:cs typeface="Courier New" panose="02070309020205020404" pitchFamily="49" charset="0"/>
-              </a:rPr>
-              <a:t>(auto </a:t>
-            </a:r>
-            <a:r>
-              <a:rPr lang="en-US" dirty="0" smtClean="0">
-                <a:latin typeface="Courier New" panose="02070309020205020404" pitchFamily="49" charset="0"/>
-                <a:cs typeface="Courier New" panose="02070309020205020404" pitchFamily="49" charset="0"/>
-              </a:rPr>
-              <a:t>it </a:t>
-            </a:r>
-            <a:r>
-              <a:rPr lang="en-US" dirty="0">
-                <a:latin typeface="Courier New" panose="02070309020205020404" pitchFamily="49" charset="0"/>
-                <a:cs typeface="Courier New" panose="02070309020205020404" pitchFamily="49" charset="0"/>
-              </a:rPr>
-              <a:t>= </a:t>
-            </a:r>
-            <a:r>
-              <a:rPr lang="en-US" dirty="0" err="1">
-                <a:latin typeface="Courier New" panose="02070309020205020404" pitchFamily="49" charset="0"/>
-                <a:cs typeface="Courier New" panose="02070309020205020404" pitchFamily="49" charset="0"/>
-              </a:rPr>
-              <a:t>keys.begin</a:t>
-            </a:r>
-            <a:r>
-              <a:rPr lang="en-US" dirty="0">
-                <a:latin typeface="Courier New" panose="02070309020205020404" pitchFamily="49" charset="0"/>
-                <a:cs typeface="Courier New" panose="02070309020205020404" pitchFamily="49" charset="0"/>
-              </a:rPr>
-              <a:t>(); </a:t>
-            </a:r>
-            <a:r>
-              <a:rPr lang="en-US" dirty="0" smtClean="0">
-                <a:latin typeface="Courier New" panose="02070309020205020404" pitchFamily="49" charset="0"/>
-                <a:cs typeface="Courier New" panose="02070309020205020404" pitchFamily="49" charset="0"/>
-              </a:rPr>
-              <a:t>it </a:t>
-            </a:r>
-            <a:r>
-              <a:rPr lang="en-US" dirty="0">
-                <a:latin typeface="Courier New" panose="02070309020205020404" pitchFamily="49" charset="0"/>
-                <a:cs typeface="Courier New" panose="02070309020205020404" pitchFamily="49" charset="0"/>
-              </a:rPr>
-              <a:t>!= </a:t>
-            </a:r>
-            <a:r>
-              <a:rPr lang="en-US" dirty="0" err="1">
-                <a:latin typeface="Courier New" panose="02070309020205020404" pitchFamily="49" charset="0"/>
-                <a:cs typeface="Courier New" panose="02070309020205020404" pitchFamily="49" charset="0"/>
-              </a:rPr>
-              <a:t>keys.end</a:t>
-            </a:r>
-            <a:r>
-              <a:rPr lang="en-US" dirty="0">
-                <a:latin typeface="Courier New" panose="02070309020205020404" pitchFamily="49" charset="0"/>
-                <a:cs typeface="Courier New" panose="02070309020205020404" pitchFamily="49" charset="0"/>
-              </a:rPr>
-              <a:t>(); </a:t>
-            </a:r>
-            <a:r>
-              <a:rPr lang="en-US" dirty="0" smtClean="0">
-                <a:latin typeface="Courier New" panose="02070309020205020404" pitchFamily="49" charset="0"/>
-                <a:cs typeface="Courier New" panose="02070309020205020404" pitchFamily="49" charset="0"/>
-              </a:rPr>
-              <a:t>it++)</a:t>
-            </a:r>
-            <a:endParaRPr lang="en-US" dirty="0">
-              <a:latin typeface="Courier New" panose="02070309020205020404" pitchFamily="49" charset="0"/>
-              <a:cs typeface="Courier New" panose="02070309020205020404" pitchFamily="49" charset="0"/>
-            </a:endParaRPr>
-          </a:p>
-          <a:p>
-            <a:r>
-              <a:rPr lang="en-US" dirty="0">
-                <a:latin typeface="Courier New" panose="02070309020205020404" pitchFamily="49" charset="0"/>
-                <a:cs typeface="Courier New" panose="02070309020205020404" pitchFamily="49" charset="0"/>
-              </a:rPr>
-              <a:t>    </a:t>
-            </a:r>
-            <a:r>
-              <a:rPr lang="en-US" dirty="0" smtClean="0">
-                <a:latin typeface="Courier New" panose="02070309020205020404" pitchFamily="49" charset="0"/>
-                <a:cs typeface="Courier New" panose="02070309020205020404" pitchFamily="49" charset="0"/>
-              </a:rPr>
-              <a:t>m[*it] </a:t>
-            </a:r>
-            <a:r>
-              <a:rPr lang="en-US" dirty="0">
-                <a:latin typeface="Courier New" panose="02070309020205020404" pitchFamily="49" charset="0"/>
-                <a:cs typeface="Courier New" panose="02070309020205020404" pitchFamily="49" charset="0"/>
-              </a:rPr>
-              <a:t>= </a:t>
-            </a:r>
-            <a:r>
-              <a:rPr lang="en-US" dirty="0" smtClean="0">
-                <a:latin typeface="Courier New" panose="02070309020205020404" pitchFamily="49" charset="0"/>
-                <a:cs typeface="Courier New" panose="02070309020205020404" pitchFamily="49" charset="0"/>
-              </a:rPr>
-              <a:t>++value;</a:t>
-            </a:r>
-            <a:endParaRPr lang="en-US" dirty="0">
-              <a:latin typeface="Courier New" panose="02070309020205020404" pitchFamily="49" charset="0"/>
-              <a:cs typeface="Courier New" panose="02070309020205020404" pitchFamily="49" charset="0"/>
-            </a:endParaRPr>
-          </a:p>
-          <a:p>
-            <a:r>
-              <a:rPr lang="en-US" dirty="0" smtClean="0">
-                <a:latin typeface="Courier New" panose="02070309020205020404" pitchFamily="49" charset="0"/>
-                <a:cs typeface="Courier New" panose="02070309020205020404" pitchFamily="49" charset="0"/>
-              </a:rPr>
-              <a:t>for </a:t>
-            </a:r>
-            <a:r>
-              <a:rPr lang="en-US" dirty="0">
-                <a:latin typeface="Courier New" panose="02070309020205020404" pitchFamily="49" charset="0"/>
-                <a:cs typeface="Courier New" panose="02070309020205020404" pitchFamily="49" charset="0"/>
-              </a:rPr>
-              <a:t>(auto </a:t>
-            </a:r>
-            <a:r>
-              <a:rPr lang="en-US" dirty="0" smtClean="0">
-                <a:latin typeface="Courier New" panose="02070309020205020404" pitchFamily="49" charset="0"/>
-                <a:cs typeface="Courier New" panose="02070309020205020404" pitchFamily="49" charset="0"/>
-              </a:rPr>
-              <a:t>it </a:t>
-            </a:r>
-            <a:r>
-              <a:rPr lang="en-US" dirty="0">
-                <a:latin typeface="Courier New" panose="02070309020205020404" pitchFamily="49" charset="0"/>
-                <a:cs typeface="Courier New" panose="02070309020205020404" pitchFamily="49" charset="0"/>
-              </a:rPr>
-              <a:t>= </a:t>
-            </a:r>
-            <a:r>
-              <a:rPr lang="en-US" dirty="0" smtClean="0">
-                <a:latin typeface="Courier New" panose="02070309020205020404" pitchFamily="49" charset="0"/>
-                <a:cs typeface="Courier New" panose="02070309020205020404" pitchFamily="49" charset="0"/>
-              </a:rPr>
-              <a:t>m(); it </a:t>
-            </a:r>
-            <a:r>
-              <a:rPr lang="en-US" dirty="0">
-                <a:latin typeface="Courier New" panose="02070309020205020404" pitchFamily="49" charset="0"/>
-                <a:cs typeface="Courier New" panose="02070309020205020404" pitchFamily="49" charset="0"/>
-              </a:rPr>
-              <a:t>!= </a:t>
-            </a:r>
-            <a:r>
-              <a:rPr lang="en-US" dirty="0" smtClean="0">
-                <a:latin typeface="Courier New" panose="02070309020205020404" pitchFamily="49" charset="0"/>
-                <a:cs typeface="Courier New" panose="02070309020205020404" pitchFamily="49" charset="0"/>
-              </a:rPr>
-              <a:t>m(); it++)</a:t>
-            </a:r>
-            <a:endParaRPr lang="en-US" dirty="0">
-              <a:latin typeface="Courier New" panose="02070309020205020404" pitchFamily="49" charset="0"/>
-              <a:cs typeface="Courier New" panose="02070309020205020404" pitchFamily="49" charset="0"/>
-            </a:endParaRPr>
-          </a:p>
-          <a:p>
-            <a:r>
-              <a:rPr lang="en-US" dirty="0" smtClean="0">
-                <a:latin typeface="Courier New" panose="02070309020205020404" pitchFamily="49" charset="0"/>
-                <a:cs typeface="Courier New" panose="02070309020205020404" pitchFamily="49" charset="0"/>
-              </a:rPr>
-              <a:t>    </a:t>
-            </a:r>
-            <a:r>
-              <a:rPr lang="en-US" dirty="0" err="1">
-                <a:latin typeface="Courier New" panose="02070309020205020404" pitchFamily="49" charset="0"/>
-                <a:cs typeface="Courier New" panose="02070309020205020404" pitchFamily="49" charset="0"/>
-              </a:rPr>
-              <a:t>std</a:t>
-            </a:r>
-            <a:r>
-              <a:rPr lang="en-US" dirty="0">
-                <a:latin typeface="Courier New" panose="02070309020205020404" pitchFamily="49" charset="0"/>
-                <a:cs typeface="Courier New" panose="02070309020205020404" pitchFamily="49" charset="0"/>
-              </a:rPr>
-              <a:t>::</a:t>
-            </a:r>
-            <a:r>
-              <a:rPr lang="en-US" dirty="0" err="1">
-                <a:latin typeface="Courier New" panose="02070309020205020404" pitchFamily="49" charset="0"/>
-                <a:cs typeface="Courier New" panose="02070309020205020404" pitchFamily="49" charset="0"/>
-              </a:rPr>
-              <a:t>cout</a:t>
-            </a:r>
-            <a:r>
-              <a:rPr lang="en-US" dirty="0">
-                <a:latin typeface="Courier New" panose="02070309020205020404" pitchFamily="49" charset="0"/>
-                <a:cs typeface="Courier New" panose="02070309020205020404" pitchFamily="49" charset="0"/>
-              </a:rPr>
-              <a:t> &lt;&lt; </a:t>
-            </a:r>
-            <a:r>
-              <a:rPr lang="en-US" dirty="0" smtClean="0">
-                <a:latin typeface="Courier New" panose="02070309020205020404" pitchFamily="49" charset="0"/>
-                <a:cs typeface="Courier New" panose="02070309020205020404" pitchFamily="49" charset="0"/>
-              </a:rPr>
-              <a:t>it-</a:t>
-            </a:r>
-            <a:r>
-              <a:rPr lang="en-US" dirty="0">
-                <a:latin typeface="Courier New" panose="02070309020205020404" pitchFamily="49" charset="0"/>
-                <a:cs typeface="Courier New" panose="02070309020205020404" pitchFamily="49" charset="0"/>
-              </a:rPr>
-              <a:t>&gt;first &lt;&lt; </a:t>
-            </a:r>
-            <a:r>
-              <a:rPr lang="en-US" dirty="0" smtClean="0">
-                <a:latin typeface="Courier New" panose="02070309020205020404" pitchFamily="49" charset="0"/>
-                <a:cs typeface="Courier New" panose="02070309020205020404" pitchFamily="49" charset="0"/>
-              </a:rPr>
-              <a:t>"-&gt;" </a:t>
-            </a:r>
-            <a:r>
-              <a:rPr lang="en-US" dirty="0">
-                <a:latin typeface="Courier New" panose="02070309020205020404" pitchFamily="49" charset="0"/>
-                <a:cs typeface="Courier New" panose="02070309020205020404" pitchFamily="49" charset="0"/>
-              </a:rPr>
-              <a:t>&lt;&lt; </a:t>
-            </a:r>
-            <a:r>
-              <a:rPr lang="en-US" dirty="0" smtClean="0">
-                <a:latin typeface="Courier New" panose="02070309020205020404" pitchFamily="49" charset="0"/>
-                <a:cs typeface="Courier New" panose="02070309020205020404" pitchFamily="49" charset="0"/>
-              </a:rPr>
-              <a:t>it-</a:t>
-            </a:r>
-            <a:r>
-              <a:rPr lang="en-US" dirty="0">
-                <a:latin typeface="Courier New" panose="02070309020205020404" pitchFamily="49" charset="0"/>
-                <a:cs typeface="Courier New" panose="02070309020205020404" pitchFamily="49" charset="0"/>
-              </a:rPr>
-              <a:t>&gt;</a:t>
-            </a:r>
-            <a:r>
-              <a:rPr lang="en-US" dirty="0" smtClean="0">
-                <a:latin typeface="Courier New" panose="02070309020205020404" pitchFamily="49" charset="0"/>
-                <a:cs typeface="Courier New" panose="02070309020205020404" pitchFamily="49" charset="0"/>
-              </a:rPr>
-              <a:t>second &lt;&lt; </a:t>
-            </a:r>
-            <a:r>
-              <a:rPr lang="en-US" dirty="0" err="1" smtClean="0">
-                <a:latin typeface="Courier New" panose="02070309020205020404" pitchFamily="49" charset="0"/>
-                <a:cs typeface="Courier New" panose="02070309020205020404" pitchFamily="49" charset="0"/>
-              </a:rPr>
-              <a:t>std</a:t>
-            </a:r>
-            <a:r>
-              <a:rPr lang="en-US" dirty="0">
-                <a:latin typeface="Courier New" panose="02070309020205020404" pitchFamily="49" charset="0"/>
-                <a:cs typeface="Courier New" panose="02070309020205020404" pitchFamily="49" charset="0"/>
-              </a:rPr>
-              <a:t>::</a:t>
-            </a:r>
-            <a:r>
-              <a:rPr lang="en-US" dirty="0" err="1">
-                <a:latin typeface="Courier New" panose="02070309020205020404" pitchFamily="49" charset="0"/>
-                <a:cs typeface="Courier New" panose="02070309020205020404" pitchFamily="49" charset="0"/>
-              </a:rPr>
-              <a:t>endl</a:t>
-            </a:r>
-            <a:r>
-              <a:rPr lang="en-US" dirty="0">
-                <a:latin typeface="Courier New" panose="02070309020205020404" pitchFamily="49" charset="0"/>
-                <a:cs typeface="Courier New" panose="02070309020205020404" pitchFamily="49" charset="0"/>
-              </a:rPr>
-              <a:t>;</a:t>
-            </a:r>
-            <a:endParaRPr lang="en-US" dirty="0" smtClean="0">
-              <a:latin typeface="Courier New" panose="02070309020205020404" pitchFamily="49" charset="0"/>
-              <a:cs typeface="Courier New" panose="02070309020205020404" pitchFamily="49" charset="0"/>
-            </a:endParaRPr>
-          </a:p>
-        </p:txBody>
-      </p:sp>
-    </p:spTree>
-    <p:extLst>
-      <p:ext uri="{BB962C8B-B14F-4D97-AF65-F5344CB8AC3E}">
-        <p14:creationId xmlns:p14="http://schemas.microsoft.com/office/powerpoint/2010/main" val="3159559741"/>
-      </p:ext>
-    </p:extLst>
-  </p:cSld>
-  <p:clrMapOvr>
-    <a:masterClrMapping/>
-  </p:clrMapOvr>
-  <p:timing>
-    <p:tnLst>
-      <p:par>
-        <p:cTn id="1" dur="indefinite" restart="never" nodeType="tmRoot"/>
-      </p:par>
-    </p:tnLst>
-  </p:timing>
-</p:sld>
-</file>
-
 <file path=ppt/slides/slide28.xml><?xml version="1.0" encoding="utf-8"?>
 <p:sld xmlns:a="http://schemas.openxmlformats.org/drawingml/2006/main" xmlns:r="http://schemas.openxmlformats.org/officeDocument/2006/relationships" xmlns:p="http://schemas.openxmlformats.org/presentationml/2006/main">
   <p:cSld>
@@ -18293,28 +18152,13 @@
           <a:p>
             <a:r>
               <a:rPr lang="en-US" dirty="0" smtClean="0"/>
-              <a:t>Specialized data structures</a:t>
+              <a:t>Map </a:t>
+            </a:r>
+            <a:r>
+              <a:rPr lang="en-US" dirty="0" smtClean="0"/>
+              <a:t>example</a:t>
             </a:r>
             <a:endParaRPr lang="en-US" dirty="0"/>
-          </a:p>
-        </p:txBody>
-      </p:sp>
-      <p:sp>
-        <p:nvSpPr>
-          <p:cNvPr id="3" name="Text Placeholder 2"/>
-          <p:cNvSpPr>
-            <a:spLocks noGrp="1"/>
-          </p:cNvSpPr>
-          <p:nvPr>
-            <p:ph type="body" idx="1"/>
-          </p:nvPr>
-        </p:nvSpPr>
-        <p:spPr/>
-        <p:txBody>
-          <a:bodyPr/>
-          <a:lstStyle/>
-          <a:p>
-            <a:endParaRPr lang="en-US"/>
           </a:p>
         </p:txBody>
       </p:sp>
@@ -18341,10 +18185,721 @@
           </a:p>
         </p:txBody>
       </p:sp>
+      <p:sp>
+        <p:nvSpPr>
+          <p:cNvPr id="5" name="TextBox 4"/>
+          <p:cNvSpPr txBox="1"/>
+          <p:nvPr/>
+        </p:nvSpPr>
+        <p:spPr>
+          <a:xfrm>
+            <a:off x="758537" y="1690689"/>
+            <a:ext cx="7845136" cy="4524315"/>
+          </a:xfrm>
+          <a:prstGeom prst="rect">
+            <a:avLst/>
+          </a:prstGeom>
+          <a:solidFill>
+            <a:schemeClr val="bg1">
+              <a:lumMod val="75000"/>
+            </a:schemeClr>
+          </a:solidFill>
+          <a:ln>
+            <a:solidFill>
+              <a:schemeClr val="tx1"/>
+            </a:solidFill>
+          </a:ln>
+        </p:spPr>
+        <p:txBody>
+          <a:bodyPr wrap="square" rtlCol="0">
+            <a:spAutoFit/>
+          </a:bodyPr>
+          <a:lstStyle/>
+          <a:p>
+            <a:r>
+              <a:rPr lang="en-US" dirty="0">
+                <a:latin typeface="Courier New" panose="02070309020205020404" pitchFamily="49" charset="0"/>
+                <a:cs typeface="Courier New" panose="02070309020205020404" pitchFamily="49" charset="0"/>
+              </a:rPr>
+              <a:t>#include &lt;</a:t>
+            </a:r>
+            <a:r>
+              <a:rPr lang="en-US" dirty="0" err="1">
+                <a:latin typeface="Courier New" panose="02070309020205020404" pitchFamily="49" charset="0"/>
+                <a:cs typeface="Courier New" panose="02070309020205020404" pitchFamily="49" charset="0"/>
+              </a:rPr>
+              <a:t>iostream</a:t>
+            </a:r>
+            <a:r>
+              <a:rPr lang="en-US" dirty="0">
+                <a:latin typeface="Courier New" panose="02070309020205020404" pitchFamily="49" charset="0"/>
+                <a:cs typeface="Courier New" panose="02070309020205020404" pitchFamily="49" charset="0"/>
+              </a:rPr>
+              <a:t>&gt;</a:t>
+            </a:r>
+          </a:p>
+          <a:p>
+            <a:r>
+              <a:rPr lang="en-US" dirty="0">
+                <a:latin typeface="Courier New" panose="02070309020205020404" pitchFamily="49" charset="0"/>
+                <a:cs typeface="Courier New" panose="02070309020205020404" pitchFamily="49" charset="0"/>
+              </a:rPr>
+              <a:t>#include &lt;</a:t>
+            </a:r>
+            <a:r>
+              <a:rPr lang="en-US" dirty="0" err="1">
+                <a:latin typeface="Courier New" panose="02070309020205020404" pitchFamily="49" charset="0"/>
+                <a:cs typeface="Courier New" panose="02070309020205020404" pitchFamily="49" charset="0"/>
+              </a:rPr>
+              <a:t>unordered_map</a:t>
+            </a:r>
+            <a:r>
+              <a:rPr lang="en-US" dirty="0">
+                <a:latin typeface="Courier New" panose="02070309020205020404" pitchFamily="49" charset="0"/>
+                <a:cs typeface="Courier New" panose="02070309020205020404" pitchFamily="49" charset="0"/>
+              </a:rPr>
+              <a:t>&gt;</a:t>
+            </a:r>
+          </a:p>
+          <a:p>
+            <a:endParaRPr lang="en-US" dirty="0">
+              <a:latin typeface="Courier New" panose="02070309020205020404" pitchFamily="49" charset="0"/>
+              <a:cs typeface="Courier New" panose="02070309020205020404" pitchFamily="49" charset="0"/>
+            </a:endParaRPr>
+          </a:p>
+          <a:p>
+            <a:r>
+              <a:rPr lang="en-US" dirty="0" err="1" smtClean="0">
+                <a:latin typeface="Courier New" panose="02070309020205020404" pitchFamily="49" charset="0"/>
+                <a:cs typeface="Courier New" panose="02070309020205020404" pitchFamily="49" charset="0"/>
+              </a:rPr>
+              <a:t>int</a:t>
+            </a:r>
+            <a:r>
+              <a:rPr lang="en-US" dirty="0" smtClean="0">
+                <a:latin typeface="Courier New" panose="02070309020205020404" pitchFamily="49" charset="0"/>
+                <a:cs typeface="Courier New" panose="02070309020205020404" pitchFamily="49" charset="0"/>
+              </a:rPr>
+              <a:t> </a:t>
+            </a:r>
+            <a:r>
+              <a:rPr lang="en-US" dirty="0">
+                <a:latin typeface="Courier New" panose="02070309020205020404" pitchFamily="49" charset="0"/>
+                <a:cs typeface="Courier New" panose="02070309020205020404" pitchFamily="49" charset="0"/>
+              </a:rPr>
+              <a:t>main(void) {</a:t>
+            </a:r>
+          </a:p>
+          <a:p>
+            <a:r>
+              <a:rPr lang="en-US" dirty="0">
+                <a:latin typeface="Courier New" panose="02070309020205020404" pitchFamily="49" charset="0"/>
+                <a:cs typeface="Courier New" panose="02070309020205020404" pitchFamily="49" charset="0"/>
+              </a:rPr>
+              <a:t>    </a:t>
+            </a:r>
+            <a:r>
+              <a:rPr lang="en-US" dirty="0" err="1" smtClean="0">
+                <a:latin typeface="Courier New" panose="02070309020205020404" pitchFamily="49" charset="0"/>
+                <a:cs typeface="Courier New" panose="02070309020205020404" pitchFamily="49" charset="0"/>
+              </a:rPr>
+              <a:t>std</a:t>
+            </a:r>
+            <a:r>
+              <a:rPr lang="en-US" dirty="0" smtClean="0">
+                <a:latin typeface="Courier New" panose="02070309020205020404" pitchFamily="49" charset="0"/>
+                <a:cs typeface="Courier New" panose="02070309020205020404" pitchFamily="49" charset="0"/>
+              </a:rPr>
+              <a:t>::string </a:t>
+            </a:r>
+            <a:r>
+              <a:rPr lang="en-US" dirty="0">
+                <a:latin typeface="Courier New" panose="02070309020205020404" pitchFamily="49" charset="0"/>
+                <a:cs typeface="Courier New" panose="02070309020205020404" pitchFamily="49" charset="0"/>
+              </a:rPr>
+              <a:t>col1, col2, col3;</a:t>
+            </a:r>
+          </a:p>
+          <a:p>
+            <a:r>
+              <a:rPr lang="en-US" dirty="0">
+                <a:latin typeface="Courier New" panose="02070309020205020404" pitchFamily="49" charset="0"/>
+                <a:cs typeface="Courier New" panose="02070309020205020404" pitchFamily="49" charset="0"/>
+              </a:rPr>
+              <a:t>    </a:t>
+            </a:r>
+            <a:r>
+              <a:rPr lang="en-US" dirty="0" err="1" smtClean="0">
+                <a:latin typeface="Courier New" panose="02070309020205020404" pitchFamily="49" charset="0"/>
+                <a:cs typeface="Courier New" panose="02070309020205020404" pitchFamily="49" charset="0"/>
+              </a:rPr>
+              <a:t>std</a:t>
+            </a:r>
+            <a:r>
+              <a:rPr lang="en-US" dirty="0" smtClean="0">
+                <a:latin typeface="Courier New" panose="02070309020205020404" pitchFamily="49" charset="0"/>
+                <a:cs typeface="Courier New" panose="02070309020205020404" pitchFamily="49" charset="0"/>
+              </a:rPr>
+              <a:t>::</a:t>
+            </a:r>
+            <a:r>
+              <a:rPr lang="en-US" dirty="0" err="1" smtClean="0">
+                <a:latin typeface="Courier New" panose="02070309020205020404" pitchFamily="49" charset="0"/>
+                <a:cs typeface="Courier New" panose="02070309020205020404" pitchFamily="49" charset="0"/>
+              </a:rPr>
+              <a:t>cin</a:t>
+            </a:r>
+            <a:r>
+              <a:rPr lang="en-US" dirty="0" smtClean="0">
+                <a:latin typeface="Courier New" panose="02070309020205020404" pitchFamily="49" charset="0"/>
+                <a:cs typeface="Courier New" panose="02070309020205020404" pitchFamily="49" charset="0"/>
+              </a:rPr>
+              <a:t> </a:t>
+            </a:r>
+            <a:r>
+              <a:rPr lang="en-US" dirty="0">
+                <a:latin typeface="Courier New" panose="02070309020205020404" pitchFamily="49" charset="0"/>
+                <a:cs typeface="Courier New" panose="02070309020205020404" pitchFamily="49" charset="0"/>
+              </a:rPr>
+              <a:t>&gt;&gt; col1 &gt;&gt; col2 &gt;&gt; col3;</a:t>
+            </a:r>
+          </a:p>
+          <a:p>
+            <a:r>
+              <a:rPr lang="en-US" dirty="0">
+                <a:latin typeface="Courier New" panose="02070309020205020404" pitchFamily="49" charset="0"/>
+                <a:cs typeface="Courier New" panose="02070309020205020404" pitchFamily="49" charset="0"/>
+              </a:rPr>
+              <a:t>    </a:t>
+            </a:r>
+            <a:r>
+              <a:rPr lang="en-US" dirty="0" err="1">
+                <a:latin typeface="Courier New" panose="02070309020205020404" pitchFamily="49" charset="0"/>
+                <a:cs typeface="Courier New" panose="02070309020205020404" pitchFamily="49" charset="0"/>
+              </a:rPr>
+              <a:t>int</a:t>
+            </a:r>
+            <a:r>
+              <a:rPr lang="en-US" dirty="0">
+                <a:latin typeface="Courier New" panose="02070309020205020404" pitchFamily="49" charset="0"/>
+                <a:cs typeface="Courier New" panose="02070309020205020404" pitchFamily="49" charset="0"/>
+              </a:rPr>
+              <a:t> id, </a:t>
+            </a:r>
+            <a:r>
+              <a:rPr lang="en-US" dirty="0" err="1">
+                <a:latin typeface="Courier New" panose="02070309020205020404" pitchFamily="49" charset="0"/>
+                <a:cs typeface="Courier New" panose="02070309020205020404" pitchFamily="49" charset="0"/>
+              </a:rPr>
+              <a:t>dim_nr</a:t>
+            </a:r>
+            <a:r>
+              <a:rPr lang="en-US" dirty="0">
+                <a:latin typeface="Courier New" panose="02070309020205020404" pitchFamily="49" charset="0"/>
+                <a:cs typeface="Courier New" panose="02070309020205020404" pitchFamily="49" charset="0"/>
+              </a:rPr>
+              <a:t>;</a:t>
+            </a:r>
+          </a:p>
+          <a:p>
+            <a:r>
+              <a:rPr lang="en-US" dirty="0">
+                <a:latin typeface="Courier New" panose="02070309020205020404" pitchFamily="49" charset="0"/>
+                <a:cs typeface="Courier New" panose="02070309020205020404" pitchFamily="49" charset="0"/>
+              </a:rPr>
+              <a:t>    double temp;</a:t>
+            </a:r>
+          </a:p>
+          <a:p>
+            <a:r>
+              <a:rPr lang="en-US" dirty="0">
+                <a:latin typeface="Courier New" panose="02070309020205020404" pitchFamily="49" charset="0"/>
+                <a:cs typeface="Courier New" panose="02070309020205020404" pitchFamily="49" charset="0"/>
+              </a:rPr>
+              <a:t>    </a:t>
+            </a:r>
+            <a:r>
+              <a:rPr lang="en-US" dirty="0" err="1" smtClean="0">
+                <a:latin typeface="Courier New" panose="02070309020205020404" pitchFamily="49" charset="0"/>
+                <a:cs typeface="Courier New" panose="02070309020205020404" pitchFamily="49" charset="0"/>
+              </a:rPr>
+              <a:t>std</a:t>
+            </a:r>
+            <a:r>
+              <a:rPr lang="en-US" dirty="0" smtClean="0">
+                <a:latin typeface="Courier New" panose="02070309020205020404" pitchFamily="49" charset="0"/>
+                <a:cs typeface="Courier New" panose="02070309020205020404" pitchFamily="49" charset="0"/>
+              </a:rPr>
+              <a:t>::</a:t>
+            </a:r>
+            <a:r>
+              <a:rPr lang="en-US" dirty="0" err="1" smtClean="0">
+                <a:latin typeface="Courier New" panose="02070309020205020404" pitchFamily="49" charset="0"/>
+                <a:cs typeface="Courier New" panose="02070309020205020404" pitchFamily="49" charset="0"/>
+              </a:rPr>
+              <a:t>unordered_map</a:t>
+            </a:r>
+            <a:r>
+              <a:rPr lang="en-US" dirty="0" smtClean="0">
+                <a:latin typeface="Courier New" panose="02070309020205020404" pitchFamily="49" charset="0"/>
+                <a:cs typeface="Courier New" panose="02070309020205020404" pitchFamily="49" charset="0"/>
+              </a:rPr>
+              <a:t>&lt;</a:t>
+            </a:r>
+            <a:r>
+              <a:rPr lang="en-US" dirty="0" err="1" smtClean="0">
+                <a:latin typeface="Courier New" panose="02070309020205020404" pitchFamily="49" charset="0"/>
+                <a:cs typeface="Courier New" panose="02070309020205020404" pitchFamily="49" charset="0"/>
+              </a:rPr>
+              <a:t>int</a:t>
+            </a:r>
+            <a:r>
+              <a:rPr lang="en-US" dirty="0">
+                <a:latin typeface="Courier New" panose="02070309020205020404" pitchFamily="49" charset="0"/>
+                <a:cs typeface="Courier New" panose="02070309020205020404" pitchFamily="49" charset="0"/>
+              </a:rPr>
+              <a:t>, </a:t>
+            </a:r>
+            <a:r>
+              <a:rPr lang="en-US" dirty="0" err="1">
+                <a:latin typeface="Courier New" panose="02070309020205020404" pitchFamily="49" charset="0"/>
+                <a:cs typeface="Courier New" panose="02070309020205020404" pitchFamily="49" charset="0"/>
+              </a:rPr>
+              <a:t>int</a:t>
+            </a:r>
+            <a:r>
+              <a:rPr lang="en-US" dirty="0">
+                <a:latin typeface="Courier New" panose="02070309020205020404" pitchFamily="49" charset="0"/>
+                <a:cs typeface="Courier New" panose="02070309020205020404" pitchFamily="49" charset="0"/>
+              </a:rPr>
+              <a:t>&gt; </a:t>
+            </a:r>
+            <a:r>
+              <a:rPr lang="en-US" dirty="0" err="1">
+                <a:latin typeface="Courier New" panose="02070309020205020404" pitchFamily="49" charset="0"/>
+                <a:cs typeface="Courier New" panose="02070309020205020404" pitchFamily="49" charset="0"/>
+              </a:rPr>
+              <a:t>dim_nr_counts</a:t>
+            </a:r>
+            <a:r>
+              <a:rPr lang="en-US" dirty="0">
+                <a:latin typeface="Courier New" panose="02070309020205020404" pitchFamily="49" charset="0"/>
+                <a:cs typeface="Courier New" panose="02070309020205020404" pitchFamily="49" charset="0"/>
+              </a:rPr>
+              <a:t>;</a:t>
+            </a:r>
+          </a:p>
+          <a:p>
+            <a:r>
+              <a:rPr lang="en-US" dirty="0">
+                <a:latin typeface="Courier New" panose="02070309020205020404" pitchFamily="49" charset="0"/>
+                <a:cs typeface="Courier New" panose="02070309020205020404" pitchFamily="49" charset="0"/>
+              </a:rPr>
+              <a:t>    while </a:t>
+            </a:r>
+            <a:r>
+              <a:rPr lang="en-US" dirty="0" smtClean="0">
+                <a:latin typeface="Courier New" panose="02070309020205020404" pitchFamily="49" charset="0"/>
+                <a:cs typeface="Courier New" panose="02070309020205020404" pitchFamily="49" charset="0"/>
+              </a:rPr>
+              <a:t>(</a:t>
+            </a:r>
+            <a:r>
+              <a:rPr lang="en-US" dirty="0" err="1" smtClean="0">
+                <a:latin typeface="Courier New" panose="02070309020205020404" pitchFamily="49" charset="0"/>
+                <a:cs typeface="Courier New" panose="02070309020205020404" pitchFamily="49" charset="0"/>
+              </a:rPr>
+              <a:t>std</a:t>
+            </a:r>
+            <a:r>
+              <a:rPr lang="en-US" dirty="0" smtClean="0">
+                <a:latin typeface="Courier New" panose="02070309020205020404" pitchFamily="49" charset="0"/>
+                <a:cs typeface="Courier New" panose="02070309020205020404" pitchFamily="49" charset="0"/>
+              </a:rPr>
+              <a:t>::</a:t>
+            </a:r>
+            <a:r>
+              <a:rPr lang="en-US" dirty="0" err="1" smtClean="0">
+                <a:latin typeface="Courier New" panose="02070309020205020404" pitchFamily="49" charset="0"/>
+                <a:cs typeface="Courier New" panose="02070309020205020404" pitchFamily="49" charset="0"/>
+              </a:rPr>
+              <a:t>cin</a:t>
+            </a:r>
+            <a:r>
+              <a:rPr lang="en-US" dirty="0" smtClean="0">
+                <a:latin typeface="Courier New" panose="02070309020205020404" pitchFamily="49" charset="0"/>
+                <a:cs typeface="Courier New" panose="02070309020205020404" pitchFamily="49" charset="0"/>
+              </a:rPr>
+              <a:t> </a:t>
+            </a:r>
+            <a:r>
+              <a:rPr lang="en-US" dirty="0">
+                <a:latin typeface="Courier New" panose="02070309020205020404" pitchFamily="49" charset="0"/>
+                <a:cs typeface="Courier New" panose="02070309020205020404" pitchFamily="49" charset="0"/>
+              </a:rPr>
+              <a:t>&gt;&gt; id &gt;&gt; </a:t>
+            </a:r>
+            <a:r>
+              <a:rPr lang="en-US" dirty="0" err="1">
+                <a:latin typeface="Courier New" panose="02070309020205020404" pitchFamily="49" charset="0"/>
+                <a:cs typeface="Courier New" panose="02070309020205020404" pitchFamily="49" charset="0"/>
+              </a:rPr>
+              <a:t>dim_nr</a:t>
+            </a:r>
+            <a:r>
+              <a:rPr lang="en-US" dirty="0">
+                <a:latin typeface="Courier New" panose="02070309020205020404" pitchFamily="49" charset="0"/>
+                <a:cs typeface="Courier New" panose="02070309020205020404" pitchFamily="49" charset="0"/>
+              </a:rPr>
+              <a:t> &gt;&gt; temp)</a:t>
+            </a:r>
+          </a:p>
+          <a:p>
+            <a:r>
+              <a:rPr lang="en-US" dirty="0">
+                <a:latin typeface="Courier New" panose="02070309020205020404" pitchFamily="49" charset="0"/>
+                <a:cs typeface="Courier New" panose="02070309020205020404" pitchFamily="49" charset="0"/>
+              </a:rPr>
+              <a:t>        </a:t>
+            </a:r>
+            <a:r>
+              <a:rPr lang="en-US" dirty="0" err="1">
+                <a:latin typeface="Courier New" panose="02070309020205020404" pitchFamily="49" charset="0"/>
+                <a:cs typeface="Courier New" panose="02070309020205020404" pitchFamily="49" charset="0"/>
+              </a:rPr>
+              <a:t>dim_nr_counts</a:t>
+            </a:r>
+            <a:r>
+              <a:rPr lang="en-US" dirty="0">
+                <a:latin typeface="Courier New" panose="02070309020205020404" pitchFamily="49" charset="0"/>
+                <a:cs typeface="Courier New" panose="02070309020205020404" pitchFamily="49" charset="0"/>
+              </a:rPr>
+              <a:t>[</a:t>
+            </a:r>
+            <a:r>
+              <a:rPr lang="en-US" dirty="0" err="1">
+                <a:latin typeface="Courier New" panose="02070309020205020404" pitchFamily="49" charset="0"/>
+                <a:cs typeface="Courier New" panose="02070309020205020404" pitchFamily="49" charset="0"/>
+              </a:rPr>
+              <a:t>dim_nr</a:t>
+            </a:r>
+            <a:r>
+              <a:rPr lang="en-US" dirty="0">
+                <a:latin typeface="Courier New" panose="02070309020205020404" pitchFamily="49" charset="0"/>
+                <a:cs typeface="Courier New" panose="02070309020205020404" pitchFamily="49" charset="0"/>
+              </a:rPr>
+              <a:t>]++;</a:t>
+            </a:r>
+          </a:p>
+          <a:p>
+            <a:r>
+              <a:rPr lang="en-US" dirty="0">
+                <a:latin typeface="Courier New" panose="02070309020205020404" pitchFamily="49" charset="0"/>
+                <a:cs typeface="Courier New" panose="02070309020205020404" pitchFamily="49" charset="0"/>
+              </a:rPr>
+              <a:t>    for (auto </a:t>
+            </a:r>
+            <a:r>
+              <a:rPr lang="en-US" dirty="0" err="1">
+                <a:latin typeface="Courier New" panose="02070309020205020404" pitchFamily="49" charset="0"/>
+                <a:cs typeface="Courier New" panose="02070309020205020404" pitchFamily="49" charset="0"/>
+              </a:rPr>
+              <a:t>dim_nr</a:t>
+            </a:r>
+            <a:r>
+              <a:rPr lang="en-US" dirty="0">
+                <a:latin typeface="Courier New" panose="02070309020205020404" pitchFamily="49" charset="0"/>
+                <a:cs typeface="Courier New" panose="02070309020205020404" pitchFamily="49" charset="0"/>
+              </a:rPr>
+              <a:t>: </a:t>
+            </a:r>
+            <a:r>
+              <a:rPr lang="en-US" dirty="0" err="1">
+                <a:latin typeface="Courier New" panose="02070309020205020404" pitchFamily="49" charset="0"/>
+                <a:cs typeface="Courier New" panose="02070309020205020404" pitchFamily="49" charset="0"/>
+              </a:rPr>
+              <a:t>dim_nr_counts</a:t>
+            </a:r>
+            <a:r>
+              <a:rPr lang="en-US" dirty="0">
+                <a:latin typeface="Courier New" panose="02070309020205020404" pitchFamily="49" charset="0"/>
+                <a:cs typeface="Courier New" panose="02070309020205020404" pitchFamily="49" charset="0"/>
+              </a:rPr>
+              <a:t>)</a:t>
+            </a:r>
+          </a:p>
+          <a:p>
+            <a:r>
+              <a:rPr lang="en-US" dirty="0">
+                <a:latin typeface="Courier New" panose="02070309020205020404" pitchFamily="49" charset="0"/>
+                <a:cs typeface="Courier New" panose="02070309020205020404" pitchFamily="49" charset="0"/>
+              </a:rPr>
+              <a:t>        </a:t>
+            </a:r>
+            <a:r>
+              <a:rPr lang="en-US" dirty="0" err="1" smtClean="0">
+                <a:latin typeface="Courier New" panose="02070309020205020404" pitchFamily="49" charset="0"/>
+                <a:cs typeface="Courier New" panose="02070309020205020404" pitchFamily="49" charset="0"/>
+              </a:rPr>
+              <a:t>std</a:t>
+            </a:r>
+            <a:r>
+              <a:rPr lang="en-US" dirty="0" smtClean="0">
+                <a:latin typeface="Courier New" panose="02070309020205020404" pitchFamily="49" charset="0"/>
+                <a:cs typeface="Courier New" panose="02070309020205020404" pitchFamily="49" charset="0"/>
+              </a:rPr>
+              <a:t>::</a:t>
+            </a:r>
+            <a:r>
+              <a:rPr lang="en-US" dirty="0" err="1" smtClean="0">
+                <a:latin typeface="Courier New" panose="02070309020205020404" pitchFamily="49" charset="0"/>
+                <a:cs typeface="Courier New" panose="02070309020205020404" pitchFamily="49" charset="0"/>
+              </a:rPr>
+              <a:t>cout</a:t>
+            </a:r>
+            <a:r>
+              <a:rPr lang="en-US" dirty="0" smtClean="0">
+                <a:latin typeface="Courier New" panose="02070309020205020404" pitchFamily="49" charset="0"/>
+                <a:cs typeface="Courier New" panose="02070309020205020404" pitchFamily="49" charset="0"/>
+              </a:rPr>
+              <a:t> </a:t>
+            </a:r>
+            <a:r>
+              <a:rPr lang="en-US" dirty="0">
+                <a:latin typeface="Courier New" panose="02070309020205020404" pitchFamily="49" charset="0"/>
+                <a:cs typeface="Courier New" panose="02070309020205020404" pitchFamily="49" charset="0"/>
+              </a:rPr>
+              <a:t>&lt;&lt; </a:t>
+            </a:r>
+            <a:r>
+              <a:rPr lang="en-US" dirty="0" err="1">
+                <a:latin typeface="Courier New" panose="02070309020205020404" pitchFamily="49" charset="0"/>
+                <a:cs typeface="Courier New" panose="02070309020205020404" pitchFamily="49" charset="0"/>
+              </a:rPr>
+              <a:t>dim_nr.first</a:t>
+            </a:r>
+            <a:r>
+              <a:rPr lang="en-US" dirty="0">
+                <a:latin typeface="Courier New" panose="02070309020205020404" pitchFamily="49" charset="0"/>
+                <a:cs typeface="Courier New" panose="02070309020205020404" pitchFamily="49" charset="0"/>
+              </a:rPr>
+              <a:t> &lt;&lt; ": </a:t>
+            </a:r>
+            <a:r>
+              <a:rPr lang="en-US" dirty="0" smtClean="0">
+                <a:latin typeface="Courier New" panose="02070309020205020404" pitchFamily="49" charset="0"/>
+                <a:cs typeface="Courier New" panose="02070309020205020404" pitchFamily="49" charset="0"/>
+              </a:rPr>
+              <a:t>"</a:t>
+            </a:r>
+          </a:p>
+          <a:p>
+            <a:r>
+              <a:rPr lang="en-US" dirty="0">
+                <a:latin typeface="Courier New" panose="02070309020205020404" pitchFamily="49" charset="0"/>
+                <a:cs typeface="Courier New" panose="02070309020205020404" pitchFamily="49" charset="0"/>
+              </a:rPr>
+              <a:t> </a:t>
+            </a:r>
+            <a:r>
+              <a:rPr lang="en-US" dirty="0" smtClean="0">
+                <a:latin typeface="Courier New" panose="02070309020205020404" pitchFamily="49" charset="0"/>
+                <a:cs typeface="Courier New" panose="02070309020205020404" pitchFamily="49" charset="0"/>
+              </a:rPr>
+              <a:t>                 &lt;&lt; </a:t>
+            </a:r>
+            <a:r>
+              <a:rPr lang="en-US" dirty="0" err="1">
+                <a:latin typeface="Courier New" panose="02070309020205020404" pitchFamily="49" charset="0"/>
+                <a:cs typeface="Courier New" panose="02070309020205020404" pitchFamily="49" charset="0"/>
+              </a:rPr>
+              <a:t>dim_nr.second</a:t>
+            </a:r>
+            <a:r>
+              <a:rPr lang="en-US" dirty="0">
+                <a:latin typeface="Courier New" panose="02070309020205020404" pitchFamily="49" charset="0"/>
+                <a:cs typeface="Courier New" panose="02070309020205020404" pitchFamily="49" charset="0"/>
+              </a:rPr>
+              <a:t> &lt;&lt; </a:t>
+            </a:r>
+            <a:r>
+              <a:rPr lang="en-US" dirty="0" err="1" smtClean="0">
+                <a:latin typeface="Courier New" panose="02070309020205020404" pitchFamily="49" charset="0"/>
+                <a:cs typeface="Courier New" panose="02070309020205020404" pitchFamily="49" charset="0"/>
+              </a:rPr>
+              <a:t>std</a:t>
+            </a:r>
+            <a:r>
+              <a:rPr lang="en-US" dirty="0" smtClean="0">
+                <a:latin typeface="Courier New" panose="02070309020205020404" pitchFamily="49" charset="0"/>
+                <a:cs typeface="Courier New" panose="02070309020205020404" pitchFamily="49" charset="0"/>
+              </a:rPr>
+              <a:t>::</a:t>
+            </a:r>
+            <a:r>
+              <a:rPr lang="en-US" dirty="0" err="1" smtClean="0">
+                <a:latin typeface="Courier New" panose="02070309020205020404" pitchFamily="49" charset="0"/>
+                <a:cs typeface="Courier New" panose="02070309020205020404" pitchFamily="49" charset="0"/>
+              </a:rPr>
+              <a:t>endl</a:t>
+            </a:r>
+            <a:r>
+              <a:rPr lang="en-US" dirty="0">
+                <a:latin typeface="Courier New" panose="02070309020205020404" pitchFamily="49" charset="0"/>
+                <a:cs typeface="Courier New" panose="02070309020205020404" pitchFamily="49" charset="0"/>
+              </a:rPr>
+              <a:t>;</a:t>
+            </a:r>
+          </a:p>
+          <a:p>
+            <a:r>
+              <a:rPr lang="en-US" dirty="0">
+                <a:latin typeface="Courier New" panose="02070309020205020404" pitchFamily="49" charset="0"/>
+                <a:cs typeface="Courier New" panose="02070309020205020404" pitchFamily="49" charset="0"/>
+              </a:rPr>
+              <a:t>    return 0;</a:t>
+            </a:r>
+          </a:p>
+          <a:p>
+            <a:r>
+              <a:rPr lang="en-US" dirty="0">
+                <a:latin typeface="Courier New" panose="02070309020205020404" pitchFamily="49" charset="0"/>
+                <a:cs typeface="Courier New" panose="02070309020205020404" pitchFamily="49" charset="0"/>
+              </a:rPr>
+              <a:t>}</a:t>
+            </a:r>
+          </a:p>
+        </p:txBody>
+      </p:sp>
+      <p:sp>
+        <p:nvSpPr>
+          <p:cNvPr id="6" name="TextBox 5"/>
+          <p:cNvSpPr txBox="1"/>
+          <p:nvPr/>
+        </p:nvSpPr>
+        <p:spPr>
+          <a:xfrm>
+            <a:off x="5922819" y="461993"/>
+            <a:ext cx="2941831" cy="2585323"/>
+          </a:xfrm>
+          <a:prstGeom prst="rect">
+            <a:avLst/>
+          </a:prstGeom>
+          <a:solidFill>
+            <a:schemeClr val="accent4">
+              <a:lumMod val="20000"/>
+              <a:lumOff val="80000"/>
+            </a:schemeClr>
+          </a:solidFill>
+          <a:ln>
+            <a:solidFill>
+              <a:schemeClr val="tx1"/>
+            </a:solidFill>
+          </a:ln>
+        </p:spPr>
+        <p:txBody>
+          <a:bodyPr wrap="none" rtlCol="0">
+            <a:spAutoFit/>
+          </a:bodyPr>
+          <a:lstStyle/>
+          <a:p>
+            <a:r>
+              <a:rPr lang="nn-NO" dirty="0">
+                <a:latin typeface="Courier New" panose="02070309020205020404" pitchFamily="49" charset="0"/>
+                <a:cs typeface="Courier New" panose="02070309020205020404" pitchFamily="49" charset="0"/>
+              </a:rPr>
+              <a:t>id      dim_nr  temp</a:t>
+            </a:r>
+          </a:p>
+          <a:p>
+            <a:r>
+              <a:rPr lang="nn-NO" dirty="0">
+                <a:latin typeface="Courier New" panose="02070309020205020404" pitchFamily="49" charset="0"/>
+                <a:cs typeface="Courier New" panose="02070309020205020404" pitchFamily="49" charset="0"/>
+              </a:rPr>
+              <a:t>1       1       -0.5</a:t>
+            </a:r>
+          </a:p>
+          <a:p>
+            <a:r>
+              <a:rPr lang="nn-NO" dirty="0">
+                <a:latin typeface="Courier New" panose="02070309020205020404" pitchFamily="49" charset="0"/>
+                <a:cs typeface="Courier New" panose="02070309020205020404" pitchFamily="49" charset="0"/>
+              </a:rPr>
+              <a:t>2       1       0.0</a:t>
+            </a:r>
+          </a:p>
+          <a:p>
+            <a:r>
+              <a:rPr lang="nn-NO" dirty="0">
+                <a:latin typeface="Courier New" panose="02070309020205020404" pitchFamily="49" charset="0"/>
+                <a:cs typeface="Courier New" panose="02070309020205020404" pitchFamily="49" charset="0"/>
+              </a:rPr>
+              <a:t>4       2       -0.5</a:t>
+            </a:r>
+          </a:p>
+          <a:p>
+            <a:r>
+              <a:rPr lang="nn-NO" dirty="0">
+                <a:latin typeface="Courier New" panose="02070309020205020404" pitchFamily="49" charset="0"/>
+                <a:cs typeface="Courier New" panose="02070309020205020404" pitchFamily="49" charset="0"/>
+              </a:rPr>
+              <a:t>5       2       0.0</a:t>
+            </a:r>
+          </a:p>
+          <a:p>
+            <a:r>
+              <a:rPr lang="nn-NO" dirty="0">
+                <a:latin typeface="Courier New" panose="02070309020205020404" pitchFamily="49" charset="0"/>
+                <a:cs typeface="Courier New" panose="02070309020205020404" pitchFamily="49" charset="0"/>
+              </a:rPr>
+              <a:t>6       2       0.5</a:t>
+            </a:r>
+          </a:p>
+          <a:p>
+            <a:r>
+              <a:rPr lang="nn-NO" dirty="0">
+                <a:latin typeface="Courier New" panose="02070309020205020404" pitchFamily="49" charset="0"/>
+                <a:cs typeface="Courier New" panose="02070309020205020404" pitchFamily="49" charset="0"/>
+              </a:rPr>
+              <a:t>8       3       0.0</a:t>
+            </a:r>
+          </a:p>
+          <a:p>
+            <a:r>
+              <a:rPr lang="nn-NO" dirty="0">
+                <a:latin typeface="Courier New" panose="02070309020205020404" pitchFamily="49" charset="0"/>
+                <a:cs typeface="Courier New" panose="02070309020205020404" pitchFamily="49" charset="0"/>
+              </a:rPr>
+              <a:t>9       3       0.5</a:t>
+            </a:r>
+          </a:p>
+          <a:p>
+            <a:r>
+              <a:rPr lang="nn-NO" dirty="0">
+                <a:latin typeface="Courier New" panose="02070309020205020404" pitchFamily="49" charset="0"/>
+                <a:cs typeface="Courier New" panose="02070309020205020404" pitchFamily="49" charset="0"/>
+              </a:rPr>
+              <a:t>10      4       </a:t>
+            </a:r>
+            <a:r>
+              <a:rPr lang="nn-NO" dirty="0" smtClean="0">
+                <a:latin typeface="Courier New" panose="02070309020205020404" pitchFamily="49" charset="0"/>
+                <a:cs typeface="Courier New" panose="02070309020205020404" pitchFamily="49" charset="0"/>
+              </a:rPr>
+              <a:t>0.0</a:t>
+            </a:r>
+            <a:endParaRPr lang="nn-NO" dirty="0">
+              <a:latin typeface="Courier New" panose="02070309020205020404" pitchFamily="49" charset="0"/>
+              <a:cs typeface="Courier New" panose="02070309020205020404" pitchFamily="49" charset="0"/>
+            </a:endParaRPr>
+          </a:p>
+        </p:txBody>
+      </p:sp>
     </p:spTree>
     <p:extLst>
       <p:ext uri="{BB962C8B-B14F-4D97-AF65-F5344CB8AC3E}">
-        <p14:creationId xmlns:p14="http://schemas.microsoft.com/office/powerpoint/2010/main" val="3507347166"/>
+        <p14:creationId xmlns:p14="http://schemas.microsoft.com/office/powerpoint/2010/main" val="3159559741"/>
       </p:ext>
     </p:extLst>
   </p:cSld>
@@ -18395,7 +18950,7 @@
           <a:p>
             <a:r>
               <a:rPr lang="en-US" dirty="0" smtClean="0"/>
-              <a:t>Specialized data structures</a:t>
+              <a:t>Unordered versus ordinary</a:t>
             </a:r>
             <a:endParaRPr lang="en-US" dirty="0"/>
           </a:p>
@@ -18414,67 +18969,125 @@
         <p:spPr/>
         <p:txBody>
           <a:bodyPr>
-            <a:normAutofit/>
+            <a:normAutofit fontScale="92500" lnSpcReduction="20000"/>
           </a:bodyPr>
           <a:lstStyle/>
           <a:p>
             <a:r>
+              <a:rPr lang="en-US" dirty="0" err="1" smtClean="0">
+                <a:latin typeface="Courier New" panose="02070309020205020404" pitchFamily="49" charset="0"/>
+                <a:cs typeface="Courier New" panose="02070309020205020404" pitchFamily="49" charset="0"/>
+              </a:rPr>
+              <a:t>unordered_set</a:t>
+            </a:r>
+            <a:endParaRPr lang="en-US" dirty="0">
+              <a:latin typeface="Courier New" panose="02070309020205020404" pitchFamily="49" charset="0"/>
+              <a:cs typeface="Courier New" panose="02070309020205020404" pitchFamily="49" charset="0"/>
+            </a:endParaRPr>
+          </a:p>
+          <a:p>
+            <a:pPr lvl="1"/>
+            <a:r>
               <a:rPr lang="en-US" dirty="0" smtClean="0"/>
-              <a:t>Data structures provided</a:t>
+              <a:t>elements not sorted</a:t>
             </a:r>
           </a:p>
           <a:p>
             <a:pPr lvl="1"/>
             <a:r>
               <a:rPr lang="en-US" dirty="0" smtClean="0"/>
-              <a:t>standard libraries</a:t>
+              <a:t>faster insert</a:t>
+            </a:r>
+          </a:p>
+          <a:p>
+            <a:r>
+              <a:rPr lang="en-US" dirty="0" smtClean="0">
+                <a:latin typeface="Courier New" panose="02070309020205020404" pitchFamily="49" charset="0"/>
+                <a:cs typeface="Courier New" panose="02070309020205020404" pitchFamily="49" charset="0"/>
+              </a:rPr>
+              <a:t>set</a:t>
             </a:r>
           </a:p>
           <a:p>
             <a:pPr lvl="1"/>
             <a:r>
               <a:rPr lang="en-US" dirty="0" smtClean="0"/>
-              <a:t>third-party libraries</a:t>
-            </a:r>
-          </a:p>
-          <a:p>
+              <a:t>elements sorted (custom comparator supported)</a:t>
+            </a:r>
+          </a:p>
+          <a:p>
+            <a:pPr lvl="1"/>
             <a:r>
               <a:rPr lang="en-US" dirty="0" smtClean="0"/>
-              <a:t>Often implemented on top of basic data structures</a:t>
-            </a:r>
-          </a:p>
-          <a:p>
+              <a:t>slower insert</a:t>
+            </a:r>
+          </a:p>
+          <a:p>
+            <a:r>
+              <a:rPr lang="en-US" dirty="0" err="1" smtClean="0">
+                <a:latin typeface="Courier New" panose="02070309020205020404" pitchFamily="49" charset="0"/>
+                <a:cs typeface="Courier New" panose="02070309020205020404" pitchFamily="49" charset="0"/>
+              </a:rPr>
+              <a:t>unordered_map</a:t>
+            </a:r>
+            <a:endParaRPr lang="en-US" dirty="0">
+              <a:latin typeface="Courier New" panose="02070309020205020404" pitchFamily="49" charset="0"/>
+              <a:cs typeface="Courier New" panose="02070309020205020404" pitchFamily="49" charset="0"/>
+            </a:endParaRPr>
+          </a:p>
+          <a:p>
+            <a:pPr lvl="1"/>
             <a:r>
               <a:rPr lang="en-US" dirty="0" smtClean="0"/>
-              <a:t>Other data structures can be implemented on top</a:t>
-            </a:r>
-          </a:p>
-          <a:p>
+              <a:t>keys not </a:t>
+            </a:r>
+            <a:r>
+              <a:rPr lang="en-US" dirty="0"/>
+              <a:t>sorted</a:t>
+            </a:r>
+          </a:p>
+          <a:p>
+            <a:pPr lvl="1"/>
+            <a:r>
+              <a:rPr lang="en-US" dirty="0"/>
+              <a:t>faster insert</a:t>
+            </a:r>
+          </a:p>
+          <a:p>
+            <a:r>
+              <a:rPr lang="en-US" dirty="0" smtClean="0">
+                <a:latin typeface="Courier New" panose="02070309020205020404" pitchFamily="49" charset="0"/>
+                <a:cs typeface="Courier New" panose="02070309020205020404" pitchFamily="49" charset="0"/>
+              </a:rPr>
+              <a:t>map</a:t>
+            </a:r>
+            <a:endParaRPr lang="en-US" dirty="0">
+              <a:latin typeface="Courier New" panose="02070309020205020404" pitchFamily="49" charset="0"/>
+              <a:cs typeface="Courier New" panose="02070309020205020404" pitchFamily="49" charset="0"/>
+            </a:endParaRPr>
+          </a:p>
+          <a:p>
+            <a:pPr lvl="1"/>
             <a:r>
               <a:rPr lang="en-US" dirty="0" smtClean="0"/>
-              <a:t>Contents</a:t>
+              <a:t>keys sorted </a:t>
+            </a:r>
+            <a:r>
+              <a:rPr lang="en-US" dirty="0"/>
+              <a:t>(custom comparator supported)</a:t>
             </a:r>
           </a:p>
           <a:p>
             <a:pPr lvl="1"/>
             <a:r>
-              <a:rPr lang="en-US" dirty="0" smtClean="0"/>
-              <a:t>stack</a:t>
-            </a:r>
-          </a:p>
-          <a:p>
-            <a:pPr lvl="1"/>
-            <a:r>
-              <a:rPr lang="en-US" dirty="0" smtClean="0"/>
-              <a:t>queue, priority queue</a:t>
-            </a:r>
-          </a:p>
-          <a:p>
-            <a:pPr lvl="1"/>
-            <a:r>
-              <a:rPr lang="en-US" dirty="0" smtClean="0"/>
-              <a:t>graph, DAG, tree</a:t>
-            </a:r>
+              <a:rPr lang="en-US" dirty="0"/>
+              <a:t>slower insert</a:t>
+            </a:r>
+            <a:endParaRPr lang="en-US" dirty="0" smtClean="0"/>
+          </a:p>
+          <a:p>
+            <a:pPr lvl="2"/>
+            <a:endParaRPr lang="en-US" dirty="0"/>
           </a:p>
         </p:txBody>
       </p:sp>
@@ -18488,7 +19101,12 @@
             <p:ph type="sldNum" sz="quarter" idx="12"/>
           </p:nvPr>
         </p:nvSpPr>
-        <p:spPr/>
+        <p:spPr>
+          <a:xfrm>
+            <a:off x="6457950" y="6345960"/>
+            <a:ext cx="2057400" cy="365125"/>
+          </a:xfrm>
+        </p:spPr>
         <p:txBody>
           <a:bodyPr/>
           <a:lstStyle/>
@@ -18504,7 +19122,7 @@
     </p:spTree>
     <p:extLst>
       <p:ext uri="{BB962C8B-B14F-4D97-AF65-F5344CB8AC3E}">
-        <p14:creationId xmlns:p14="http://schemas.microsoft.com/office/powerpoint/2010/main" val="3456588179"/>
+        <p14:creationId xmlns:p14="http://schemas.microsoft.com/office/powerpoint/2010/main" val="4265943353"/>
       </p:ext>
     </p:extLst>
   </p:cSld>
@@ -18514,9 +19132,482 @@
   <p:timing>
     <p:tnLst>
       <p:par>
-        <p:cTn id="1" dur="indefinite" restart="never" nodeType="tmRoot"/>
+        <p:cTn id="1" dur="indefinite" restart="never" nodeType="tmRoot">
+          <p:childTnLst>
+            <p:seq concurrent="1" nextAc="seek">
+              <p:cTn id="2" dur="indefinite" nodeType="mainSeq">
+                <p:childTnLst>
+                  <p:par>
+                    <p:cTn id="3" fill="hold">
+                      <p:stCondLst>
+                        <p:cond delay="indefinite"/>
+                        <p:cond evt="onBegin" delay="0">
+                          <p:tn val="2"/>
+                        </p:cond>
+                      </p:stCondLst>
+                      <p:childTnLst>
+                        <p:par>
+                          <p:cTn id="4" fill="hold">
+                            <p:stCondLst>
+                              <p:cond delay="0"/>
+                            </p:stCondLst>
+                            <p:childTnLst>
+                              <p:par>
+                                <p:cTn id="5" presetID="1" presetClass="entr" presetSubtype="0" fill="hold" grpId="0" nodeType="withEffect">
+                                  <p:stCondLst>
+                                    <p:cond delay="0"/>
+                                  </p:stCondLst>
+                                  <p:childTnLst>
+                                    <p:set>
+                                      <p:cBhvr>
+                                        <p:cTn id="6" dur="1" fill="hold">
+                                          <p:stCondLst>
+                                            <p:cond delay="0"/>
+                                          </p:stCondLst>
+                                        </p:cTn>
+                                        <p:tgtEl>
+                                          <p:spTgt spid="3">
+                                            <p:txEl>
+                                              <p:pRg st="0" end="0"/>
+                                            </p:txEl>
+                                          </p:spTgt>
+                                        </p:tgtEl>
+                                        <p:attrNameLst>
+                                          <p:attrName>style.visibility</p:attrName>
+                                        </p:attrNameLst>
+                                      </p:cBhvr>
+                                      <p:to>
+                                        <p:strVal val="visible"/>
+                                      </p:to>
+                                    </p:set>
+                                  </p:childTnLst>
+                                </p:cTn>
+                              </p:par>
+                              <p:par>
+                                <p:cTn id="7" presetID="1" presetClass="entr" presetSubtype="0" fill="hold" grpId="0" nodeType="withEffect">
+                                  <p:stCondLst>
+                                    <p:cond delay="0"/>
+                                  </p:stCondLst>
+                                  <p:childTnLst>
+                                    <p:set>
+                                      <p:cBhvr>
+                                        <p:cTn id="8" dur="1" fill="hold">
+                                          <p:stCondLst>
+                                            <p:cond delay="0"/>
+                                          </p:stCondLst>
+                                        </p:cTn>
+                                        <p:tgtEl>
+                                          <p:spTgt spid="3">
+                                            <p:txEl>
+                                              <p:pRg st="1" end="1"/>
+                                            </p:txEl>
+                                          </p:spTgt>
+                                        </p:tgtEl>
+                                        <p:attrNameLst>
+                                          <p:attrName>style.visibility</p:attrName>
+                                        </p:attrNameLst>
+                                      </p:cBhvr>
+                                      <p:to>
+                                        <p:strVal val="visible"/>
+                                      </p:to>
+                                    </p:set>
+                                  </p:childTnLst>
+                                </p:cTn>
+                              </p:par>
+                              <p:par>
+                                <p:cTn id="9" presetID="1" presetClass="entr" presetSubtype="0" fill="hold" grpId="0" nodeType="withEffect">
+                                  <p:stCondLst>
+                                    <p:cond delay="0"/>
+                                  </p:stCondLst>
+                                  <p:childTnLst>
+                                    <p:set>
+                                      <p:cBhvr>
+                                        <p:cTn id="10" dur="1" fill="hold">
+                                          <p:stCondLst>
+                                            <p:cond delay="0"/>
+                                          </p:stCondLst>
+                                        </p:cTn>
+                                        <p:tgtEl>
+                                          <p:spTgt spid="3">
+                                            <p:txEl>
+                                              <p:pRg st="2" end="2"/>
+                                            </p:txEl>
+                                          </p:spTgt>
+                                        </p:tgtEl>
+                                        <p:attrNameLst>
+                                          <p:attrName>style.visibility</p:attrName>
+                                        </p:attrNameLst>
+                                      </p:cBhvr>
+                                      <p:to>
+                                        <p:strVal val="visible"/>
+                                      </p:to>
+                                    </p:set>
+                                  </p:childTnLst>
+                                </p:cTn>
+                              </p:par>
+                            </p:childTnLst>
+                          </p:cTn>
+                        </p:par>
+                      </p:childTnLst>
+                    </p:cTn>
+                  </p:par>
+                  <p:par>
+                    <p:cTn id="11" fill="hold">
+                      <p:stCondLst>
+                        <p:cond delay="indefinite"/>
+                      </p:stCondLst>
+                      <p:childTnLst>
+                        <p:par>
+                          <p:cTn id="12" fill="hold">
+                            <p:stCondLst>
+                              <p:cond delay="0"/>
+                            </p:stCondLst>
+                            <p:childTnLst>
+                              <p:par>
+                                <p:cTn id="13" presetID="1" presetClass="entr" presetSubtype="0" fill="hold" grpId="0" nodeType="clickEffect">
+                                  <p:stCondLst>
+                                    <p:cond delay="0"/>
+                                  </p:stCondLst>
+                                  <p:childTnLst>
+                                    <p:set>
+                                      <p:cBhvr>
+                                        <p:cTn id="14" dur="1" fill="hold">
+                                          <p:stCondLst>
+                                            <p:cond delay="0"/>
+                                          </p:stCondLst>
+                                        </p:cTn>
+                                        <p:tgtEl>
+                                          <p:spTgt spid="3">
+                                            <p:txEl>
+                                              <p:pRg st="3" end="3"/>
+                                            </p:txEl>
+                                          </p:spTgt>
+                                        </p:tgtEl>
+                                        <p:attrNameLst>
+                                          <p:attrName>style.visibility</p:attrName>
+                                        </p:attrNameLst>
+                                      </p:cBhvr>
+                                      <p:to>
+                                        <p:strVal val="visible"/>
+                                      </p:to>
+                                    </p:set>
+                                  </p:childTnLst>
+                                </p:cTn>
+                              </p:par>
+                              <p:par>
+                                <p:cTn id="15" presetID="1" presetClass="entr" presetSubtype="0" fill="hold" grpId="0" nodeType="withEffect">
+                                  <p:stCondLst>
+                                    <p:cond delay="0"/>
+                                  </p:stCondLst>
+                                  <p:childTnLst>
+                                    <p:set>
+                                      <p:cBhvr>
+                                        <p:cTn id="16" dur="1" fill="hold">
+                                          <p:stCondLst>
+                                            <p:cond delay="0"/>
+                                          </p:stCondLst>
+                                        </p:cTn>
+                                        <p:tgtEl>
+                                          <p:spTgt spid="3">
+                                            <p:txEl>
+                                              <p:pRg st="4" end="4"/>
+                                            </p:txEl>
+                                          </p:spTgt>
+                                        </p:tgtEl>
+                                        <p:attrNameLst>
+                                          <p:attrName>style.visibility</p:attrName>
+                                        </p:attrNameLst>
+                                      </p:cBhvr>
+                                      <p:to>
+                                        <p:strVal val="visible"/>
+                                      </p:to>
+                                    </p:set>
+                                  </p:childTnLst>
+                                </p:cTn>
+                              </p:par>
+                              <p:par>
+                                <p:cTn id="17" presetID="1" presetClass="entr" presetSubtype="0" fill="hold" grpId="0" nodeType="withEffect">
+                                  <p:stCondLst>
+                                    <p:cond delay="0"/>
+                                  </p:stCondLst>
+                                  <p:childTnLst>
+                                    <p:set>
+                                      <p:cBhvr>
+                                        <p:cTn id="18" dur="1" fill="hold">
+                                          <p:stCondLst>
+                                            <p:cond delay="0"/>
+                                          </p:stCondLst>
+                                        </p:cTn>
+                                        <p:tgtEl>
+                                          <p:spTgt spid="3">
+                                            <p:txEl>
+                                              <p:pRg st="5" end="5"/>
+                                            </p:txEl>
+                                          </p:spTgt>
+                                        </p:tgtEl>
+                                        <p:attrNameLst>
+                                          <p:attrName>style.visibility</p:attrName>
+                                        </p:attrNameLst>
+                                      </p:cBhvr>
+                                      <p:to>
+                                        <p:strVal val="visible"/>
+                                      </p:to>
+                                    </p:set>
+                                  </p:childTnLst>
+                                </p:cTn>
+                              </p:par>
+                            </p:childTnLst>
+                          </p:cTn>
+                        </p:par>
+                      </p:childTnLst>
+                    </p:cTn>
+                  </p:par>
+                  <p:par>
+                    <p:cTn id="19" fill="hold">
+                      <p:stCondLst>
+                        <p:cond delay="indefinite"/>
+                      </p:stCondLst>
+                      <p:childTnLst>
+                        <p:par>
+                          <p:cTn id="20" fill="hold">
+                            <p:stCondLst>
+                              <p:cond delay="0"/>
+                            </p:stCondLst>
+                            <p:childTnLst>
+                              <p:par>
+                                <p:cTn id="21" presetID="1" presetClass="entr" presetSubtype="0" fill="hold" grpId="0" nodeType="clickEffect">
+                                  <p:stCondLst>
+                                    <p:cond delay="0"/>
+                                  </p:stCondLst>
+                                  <p:childTnLst>
+                                    <p:set>
+                                      <p:cBhvr>
+                                        <p:cTn id="22" dur="1" fill="hold">
+                                          <p:stCondLst>
+                                            <p:cond delay="0"/>
+                                          </p:stCondLst>
+                                        </p:cTn>
+                                        <p:tgtEl>
+                                          <p:spTgt spid="3">
+                                            <p:txEl>
+                                              <p:pRg st="6" end="6"/>
+                                            </p:txEl>
+                                          </p:spTgt>
+                                        </p:tgtEl>
+                                        <p:attrNameLst>
+                                          <p:attrName>style.visibility</p:attrName>
+                                        </p:attrNameLst>
+                                      </p:cBhvr>
+                                      <p:to>
+                                        <p:strVal val="visible"/>
+                                      </p:to>
+                                    </p:set>
+                                  </p:childTnLst>
+                                </p:cTn>
+                              </p:par>
+                              <p:par>
+                                <p:cTn id="23" presetID="1" presetClass="entr" presetSubtype="0" fill="hold" grpId="0" nodeType="withEffect">
+                                  <p:stCondLst>
+                                    <p:cond delay="0"/>
+                                  </p:stCondLst>
+                                  <p:childTnLst>
+                                    <p:set>
+                                      <p:cBhvr>
+                                        <p:cTn id="24" dur="1" fill="hold">
+                                          <p:stCondLst>
+                                            <p:cond delay="0"/>
+                                          </p:stCondLst>
+                                        </p:cTn>
+                                        <p:tgtEl>
+                                          <p:spTgt spid="3">
+                                            <p:txEl>
+                                              <p:pRg st="7" end="7"/>
+                                            </p:txEl>
+                                          </p:spTgt>
+                                        </p:tgtEl>
+                                        <p:attrNameLst>
+                                          <p:attrName>style.visibility</p:attrName>
+                                        </p:attrNameLst>
+                                      </p:cBhvr>
+                                      <p:to>
+                                        <p:strVal val="visible"/>
+                                      </p:to>
+                                    </p:set>
+                                  </p:childTnLst>
+                                </p:cTn>
+                              </p:par>
+                              <p:par>
+                                <p:cTn id="25" presetID="1" presetClass="entr" presetSubtype="0" fill="hold" grpId="0" nodeType="withEffect">
+                                  <p:stCondLst>
+                                    <p:cond delay="0"/>
+                                  </p:stCondLst>
+                                  <p:childTnLst>
+                                    <p:set>
+                                      <p:cBhvr>
+                                        <p:cTn id="26" dur="1" fill="hold">
+                                          <p:stCondLst>
+                                            <p:cond delay="0"/>
+                                          </p:stCondLst>
+                                        </p:cTn>
+                                        <p:tgtEl>
+                                          <p:spTgt spid="3">
+                                            <p:txEl>
+                                              <p:pRg st="8" end="8"/>
+                                            </p:txEl>
+                                          </p:spTgt>
+                                        </p:tgtEl>
+                                        <p:attrNameLst>
+                                          <p:attrName>style.visibility</p:attrName>
+                                        </p:attrNameLst>
+                                      </p:cBhvr>
+                                      <p:to>
+                                        <p:strVal val="visible"/>
+                                      </p:to>
+                                    </p:set>
+                                  </p:childTnLst>
+                                </p:cTn>
+                              </p:par>
+                            </p:childTnLst>
+                          </p:cTn>
+                        </p:par>
+                      </p:childTnLst>
+                    </p:cTn>
+                  </p:par>
+                  <p:par>
+                    <p:cTn id="27" fill="hold">
+                      <p:stCondLst>
+                        <p:cond delay="indefinite"/>
+                      </p:stCondLst>
+                      <p:childTnLst>
+                        <p:par>
+                          <p:cTn id="28" fill="hold">
+                            <p:stCondLst>
+                              <p:cond delay="0"/>
+                            </p:stCondLst>
+                            <p:childTnLst>
+                              <p:par>
+                                <p:cTn id="29" presetID="1" presetClass="entr" presetSubtype="0" fill="hold" grpId="0" nodeType="clickEffect">
+                                  <p:stCondLst>
+                                    <p:cond delay="0"/>
+                                  </p:stCondLst>
+                                  <p:childTnLst>
+                                    <p:set>
+                                      <p:cBhvr>
+                                        <p:cTn id="30" dur="1" fill="hold">
+                                          <p:stCondLst>
+                                            <p:cond delay="0"/>
+                                          </p:stCondLst>
+                                        </p:cTn>
+                                        <p:tgtEl>
+                                          <p:spTgt spid="3">
+                                            <p:txEl>
+                                              <p:pRg st="9" end="9"/>
+                                            </p:txEl>
+                                          </p:spTgt>
+                                        </p:tgtEl>
+                                        <p:attrNameLst>
+                                          <p:attrName>style.visibility</p:attrName>
+                                        </p:attrNameLst>
+                                      </p:cBhvr>
+                                      <p:to>
+                                        <p:strVal val="visible"/>
+                                      </p:to>
+                                    </p:set>
+                                  </p:childTnLst>
+                                </p:cTn>
+                              </p:par>
+                              <p:par>
+                                <p:cTn id="31" presetID="1" presetClass="entr" presetSubtype="0" fill="hold" grpId="0" nodeType="withEffect">
+                                  <p:stCondLst>
+                                    <p:cond delay="0"/>
+                                  </p:stCondLst>
+                                  <p:childTnLst>
+                                    <p:set>
+                                      <p:cBhvr>
+                                        <p:cTn id="32" dur="1" fill="hold">
+                                          <p:stCondLst>
+                                            <p:cond delay="0"/>
+                                          </p:stCondLst>
+                                        </p:cTn>
+                                        <p:tgtEl>
+                                          <p:spTgt spid="3">
+                                            <p:txEl>
+                                              <p:pRg st="10" end="10"/>
+                                            </p:txEl>
+                                          </p:spTgt>
+                                        </p:tgtEl>
+                                        <p:attrNameLst>
+                                          <p:attrName>style.visibility</p:attrName>
+                                        </p:attrNameLst>
+                                      </p:cBhvr>
+                                      <p:to>
+                                        <p:strVal val="visible"/>
+                                      </p:to>
+                                    </p:set>
+                                  </p:childTnLst>
+                                </p:cTn>
+                              </p:par>
+                              <p:par>
+                                <p:cTn id="33" presetID="1" presetClass="entr" presetSubtype="0" fill="hold" grpId="0" nodeType="withEffect">
+                                  <p:stCondLst>
+                                    <p:cond delay="0"/>
+                                  </p:stCondLst>
+                                  <p:childTnLst>
+                                    <p:set>
+                                      <p:cBhvr>
+                                        <p:cTn id="34" dur="1" fill="hold">
+                                          <p:stCondLst>
+                                            <p:cond delay="0"/>
+                                          </p:stCondLst>
+                                        </p:cTn>
+                                        <p:tgtEl>
+                                          <p:spTgt spid="3">
+                                            <p:txEl>
+                                              <p:pRg st="11" end="11"/>
+                                            </p:txEl>
+                                          </p:spTgt>
+                                        </p:tgtEl>
+                                        <p:attrNameLst>
+                                          <p:attrName>style.visibility</p:attrName>
+                                        </p:attrNameLst>
+                                      </p:cBhvr>
+                                      <p:to>
+                                        <p:strVal val="visible"/>
+                                      </p:to>
+                                    </p:set>
+                                  </p:childTnLst>
+                                </p:cTn>
+                              </p:par>
+                            </p:childTnLst>
+                          </p:cTn>
+                        </p:par>
+                      </p:childTnLst>
+                    </p:cTn>
+                  </p:par>
+                </p:childTnLst>
+              </p:cTn>
+              <p:prevCondLst>
+                <p:cond evt="onPrev" delay="0">
+                  <p:tgtEl>
+                    <p:sldTgt/>
+                  </p:tgtEl>
+                </p:cond>
+              </p:prevCondLst>
+              <p:nextCondLst>
+                <p:cond evt="onNext" delay="0">
+                  <p:tgtEl>
+                    <p:sldTgt/>
+                  </p:tgtEl>
+                </p:cond>
+              </p:nextCondLst>
+            </p:seq>
+          </p:childTnLst>
+        </p:cTn>
       </p:par>
     </p:tnLst>
+    <p:bldLst>
+      <p:bldP spid="3" grpId="0" uiExpand="1" build="p"/>
+    </p:bldLst>
   </p:timing>
 </p:sld>
 </file>
@@ -18657,6 +19748,268 @@
           <a:p>
             <a:r>
               <a:rPr lang="en-US" dirty="0" smtClean="0"/>
+              <a:t>Specialized data structures</a:t>
+            </a:r>
+            <a:endParaRPr lang="en-US" dirty="0"/>
+          </a:p>
+        </p:txBody>
+      </p:sp>
+      <p:sp>
+        <p:nvSpPr>
+          <p:cNvPr id="3" name="Text Placeholder 2"/>
+          <p:cNvSpPr>
+            <a:spLocks noGrp="1"/>
+          </p:cNvSpPr>
+          <p:nvPr>
+            <p:ph type="body" idx="1"/>
+          </p:nvPr>
+        </p:nvSpPr>
+        <p:spPr/>
+        <p:txBody>
+          <a:bodyPr/>
+          <a:lstStyle/>
+          <a:p>
+            <a:endParaRPr lang="en-US"/>
+          </a:p>
+        </p:txBody>
+      </p:sp>
+      <p:sp>
+        <p:nvSpPr>
+          <p:cNvPr id="4" name="Slide Number Placeholder 3"/>
+          <p:cNvSpPr>
+            <a:spLocks noGrp="1"/>
+          </p:cNvSpPr>
+          <p:nvPr>
+            <p:ph type="sldNum" sz="quarter" idx="12"/>
+          </p:nvPr>
+        </p:nvSpPr>
+        <p:spPr/>
+        <p:txBody>
+          <a:bodyPr/>
+          <a:lstStyle/>
+          <a:p>
+            <a:fld id="{11AD1F4E-1E51-402E-B221-310F004E7D3B}" type="slidenum">
+              <a:rPr lang="en-US" smtClean="0"/>
+              <a:t>30</a:t>
+            </a:fld>
+            <a:endParaRPr lang="en-US"/>
+          </a:p>
+        </p:txBody>
+      </p:sp>
+    </p:spTree>
+    <p:extLst>
+      <p:ext uri="{BB962C8B-B14F-4D97-AF65-F5344CB8AC3E}">
+        <p14:creationId xmlns:p14="http://schemas.microsoft.com/office/powerpoint/2010/main" val="3507347166"/>
+      </p:ext>
+    </p:extLst>
+  </p:cSld>
+  <p:clrMapOvr>
+    <a:masterClrMapping/>
+  </p:clrMapOvr>
+  <p:timing>
+    <p:tnLst>
+      <p:par>
+        <p:cTn id="1" dur="indefinite" restart="never" nodeType="tmRoot"/>
+      </p:par>
+    </p:tnLst>
+  </p:timing>
+</p:sld>
+</file>
+
+<file path=ppt/slides/slide31.xml><?xml version="1.0" encoding="utf-8"?>
+<p:sld xmlns:a="http://schemas.openxmlformats.org/drawingml/2006/main" xmlns:r="http://schemas.openxmlformats.org/officeDocument/2006/relationships" xmlns:p="http://schemas.openxmlformats.org/presentationml/2006/main">
+  <p:cSld>
+    <p:spTree>
+      <p:nvGrpSpPr>
+        <p:cNvPr id="1" name=""/>
+        <p:cNvGrpSpPr/>
+        <p:nvPr/>
+      </p:nvGrpSpPr>
+      <p:grpSpPr>
+        <a:xfrm>
+          <a:off x="0" y="0"/>
+          <a:ext cx="0" cy="0"/>
+          <a:chOff x="0" y="0"/>
+          <a:chExt cx="0" cy="0"/>
+        </a:xfrm>
+      </p:grpSpPr>
+      <p:sp>
+        <p:nvSpPr>
+          <p:cNvPr id="2" name="Title 1"/>
+          <p:cNvSpPr>
+            <a:spLocks noGrp="1"/>
+          </p:cNvSpPr>
+          <p:nvPr>
+            <p:ph type="title"/>
+          </p:nvPr>
+        </p:nvSpPr>
+        <p:spPr/>
+        <p:txBody>
+          <a:bodyPr/>
+          <a:lstStyle/>
+          <a:p>
+            <a:r>
+              <a:rPr lang="en-US" dirty="0" smtClean="0"/>
+              <a:t>Specialized data structures</a:t>
+            </a:r>
+            <a:endParaRPr lang="en-US" dirty="0"/>
+          </a:p>
+        </p:txBody>
+      </p:sp>
+      <p:sp>
+        <p:nvSpPr>
+          <p:cNvPr id="3" name="Content Placeholder 2"/>
+          <p:cNvSpPr>
+            <a:spLocks noGrp="1"/>
+          </p:cNvSpPr>
+          <p:nvPr>
+            <p:ph idx="1"/>
+          </p:nvPr>
+        </p:nvSpPr>
+        <p:spPr/>
+        <p:txBody>
+          <a:bodyPr>
+            <a:normAutofit/>
+          </a:bodyPr>
+          <a:lstStyle/>
+          <a:p>
+            <a:r>
+              <a:rPr lang="en-US" dirty="0" smtClean="0"/>
+              <a:t>Data structures provided</a:t>
+            </a:r>
+          </a:p>
+          <a:p>
+            <a:pPr lvl="1"/>
+            <a:r>
+              <a:rPr lang="en-US" dirty="0" smtClean="0"/>
+              <a:t>standard libraries</a:t>
+            </a:r>
+          </a:p>
+          <a:p>
+            <a:pPr lvl="1"/>
+            <a:r>
+              <a:rPr lang="en-US" dirty="0" smtClean="0"/>
+              <a:t>third-party libraries</a:t>
+            </a:r>
+          </a:p>
+          <a:p>
+            <a:r>
+              <a:rPr lang="en-US" dirty="0" smtClean="0"/>
+              <a:t>Often implemented on top of basic data structures</a:t>
+            </a:r>
+          </a:p>
+          <a:p>
+            <a:r>
+              <a:rPr lang="en-US" dirty="0" smtClean="0"/>
+              <a:t>Other data structures can be implemented on top</a:t>
+            </a:r>
+          </a:p>
+          <a:p>
+            <a:r>
+              <a:rPr lang="en-US" dirty="0" smtClean="0"/>
+              <a:t>Contents</a:t>
+            </a:r>
+          </a:p>
+          <a:p>
+            <a:pPr lvl="1"/>
+            <a:r>
+              <a:rPr lang="en-US" dirty="0" smtClean="0"/>
+              <a:t>stack</a:t>
+            </a:r>
+          </a:p>
+          <a:p>
+            <a:pPr lvl="1"/>
+            <a:r>
+              <a:rPr lang="en-US" dirty="0" smtClean="0"/>
+              <a:t>queue, priority queue</a:t>
+            </a:r>
+          </a:p>
+          <a:p>
+            <a:pPr lvl="1"/>
+            <a:r>
+              <a:rPr lang="en-US" dirty="0" smtClean="0"/>
+              <a:t>graph, DAG, tree</a:t>
+            </a:r>
+          </a:p>
+        </p:txBody>
+      </p:sp>
+      <p:sp>
+        <p:nvSpPr>
+          <p:cNvPr id="4" name="Slide Number Placeholder 3"/>
+          <p:cNvSpPr>
+            <a:spLocks noGrp="1"/>
+          </p:cNvSpPr>
+          <p:nvPr>
+            <p:ph type="sldNum" sz="quarter" idx="12"/>
+          </p:nvPr>
+        </p:nvSpPr>
+        <p:spPr/>
+        <p:txBody>
+          <a:bodyPr/>
+          <a:lstStyle/>
+          <a:p>
+            <a:fld id="{11AD1F4E-1E51-402E-B221-310F004E7D3B}" type="slidenum">
+              <a:rPr lang="en-US" smtClean="0"/>
+              <a:t>31</a:t>
+            </a:fld>
+            <a:endParaRPr lang="en-US"/>
+          </a:p>
+        </p:txBody>
+      </p:sp>
+    </p:spTree>
+    <p:extLst>
+      <p:ext uri="{BB962C8B-B14F-4D97-AF65-F5344CB8AC3E}">
+        <p14:creationId xmlns:p14="http://schemas.microsoft.com/office/powerpoint/2010/main" val="3456588179"/>
+      </p:ext>
+    </p:extLst>
+  </p:cSld>
+  <p:clrMapOvr>
+    <a:masterClrMapping/>
+  </p:clrMapOvr>
+  <p:timing>
+    <p:tnLst>
+      <p:par>
+        <p:cTn id="1" dur="indefinite" restart="never" nodeType="tmRoot"/>
+      </p:par>
+    </p:tnLst>
+  </p:timing>
+</p:sld>
+</file>
+
+<file path=ppt/slides/slide32.xml><?xml version="1.0" encoding="utf-8"?>
+<p:sld xmlns:a="http://schemas.openxmlformats.org/drawingml/2006/main" xmlns:r="http://schemas.openxmlformats.org/officeDocument/2006/relationships" xmlns:p="http://schemas.openxmlformats.org/presentationml/2006/main">
+  <p:cSld>
+    <p:spTree>
+      <p:nvGrpSpPr>
+        <p:cNvPr id="1" name=""/>
+        <p:cNvGrpSpPr/>
+        <p:nvPr/>
+      </p:nvGrpSpPr>
+      <p:grpSpPr>
+        <a:xfrm>
+          <a:off x="0" y="0"/>
+          <a:ext cx="0" cy="0"/>
+          <a:chOff x="0" y="0"/>
+          <a:chExt cx="0" cy="0"/>
+        </a:xfrm>
+      </p:grpSpPr>
+      <p:sp>
+        <p:nvSpPr>
+          <p:cNvPr id="2" name="Title 1"/>
+          <p:cNvSpPr>
+            <a:spLocks noGrp="1"/>
+          </p:cNvSpPr>
+          <p:nvPr>
+            <p:ph type="title"/>
+          </p:nvPr>
+        </p:nvSpPr>
+        <p:spPr/>
+        <p:txBody>
+          <a:bodyPr/>
+          <a:lstStyle/>
+          <a:p>
+            <a:r>
+              <a:rPr lang="en-US" dirty="0" smtClean="0"/>
               <a:t>Stack</a:t>
             </a:r>
             <a:endParaRPr lang="en-US" dirty="0"/>
@@ -18762,7 +20115,7 @@
           <a:p>
             <a:fld id="{11AD1F4E-1E51-402E-B221-310F004E7D3B}" type="slidenum">
               <a:rPr lang="en-US" smtClean="0"/>
-              <a:t>30</a:t>
+              <a:t>32</a:t>
             </a:fld>
             <a:endParaRPr lang="en-US"/>
           </a:p>
@@ -18839,7 +20192,7 @@
             <a:graphicData uri="http://schemas.openxmlformats.org/presentationml/2006/ole">
               <mc:AlternateContent xmlns:mc="http://schemas.openxmlformats.org/markup-compatibility/2006">
                 <mc:Choice xmlns:v="urn:schemas-microsoft-com:vml" Requires="v">
-                  <p:oleObj spid="_x0000_s7233" name="Equation" r:id="rId3" imgW="431640" imgH="241200" progId="Equation.3">
+                  <p:oleObj spid="_x0000_s7236" name="Equation" r:id="rId3" imgW="431640" imgH="241200" progId="Equation.3">
                     <p:embed/>
                   </p:oleObj>
                 </mc:Choice>
@@ -18972,7 +20325,7 @@
 </p:sld>
 </file>
 
-<file path=ppt/slides/slide31.xml><?xml version="1.0" encoding="utf-8"?>
+<file path=ppt/slides/slide33.xml><?xml version="1.0" encoding="utf-8"?>
 <p:sld xmlns:a="http://schemas.openxmlformats.org/drawingml/2006/main" xmlns:r="http://schemas.openxmlformats.org/officeDocument/2006/relationships" xmlns:p="http://schemas.openxmlformats.org/presentationml/2006/main">
   <p:cSld>
     <p:spTree>
@@ -19176,7 +20529,7 @@
           <a:p>
             <a:fld id="{11AD1F4E-1E51-402E-B221-310F004E7D3B}" type="slidenum">
               <a:rPr lang="en-US" smtClean="0"/>
-              <a:t>31</a:t>
+              <a:t>33</a:t>
             </a:fld>
             <a:endParaRPr lang="en-US"/>
           </a:p>
@@ -19202,7 +20555,7 @@
 </p:sld>
 </file>
 
-<file path=ppt/slides/slide32.xml><?xml version="1.0" encoding="utf-8"?>
+<file path=ppt/slides/slide34.xml><?xml version="1.0" encoding="utf-8"?>
 <p:sld xmlns:a="http://schemas.openxmlformats.org/drawingml/2006/main" xmlns:r="http://schemas.openxmlformats.org/officeDocument/2006/relationships" xmlns:p="http://schemas.openxmlformats.org/presentationml/2006/main">
   <p:cSld>
     <p:spTree>
@@ -19259,7 +20612,7 @@
           <a:p>
             <a:fld id="{11AD1F4E-1E51-402E-B221-310F004E7D3B}" type="slidenum">
               <a:rPr lang="en-US" smtClean="0"/>
-              <a:t>32</a:t>
+              <a:t>34</a:t>
             </a:fld>
             <a:endParaRPr lang="en-US"/>
           </a:p>
@@ -19626,7 +20979,7 @@
 </p:sld>
 </file>
 
-<file path=ppt/slides/slide33.xml><?xml version="1.0" encoding="utf-8"?>
+<file path=ppt/slides/slide35.xml><?xml version="1.0" encoding="utf-8"?>
 <p:sld xmlns:a="http://schemas.openxmlformats.org/drawingml/2006/main" xmlns:r="http://schemas.openxmlformats.org/officeDocument/2006/relationships" xmlns:p="http://schemas.openxmlformats.org/presentationml/2006/main">
   <p:cSld>
     <p:spTree>
@@ -19767,7 +21120,7 @@
           <a:p>
             <a:fld id="{11AD1F4E-1E51-402E-B221-310F004E7D3B}" type="slidenum">
               <a:rPr lang="en-US" smtClean="0"/>
-              <a:t>33</a:t>
+              <a:t>35</a:t>
             </a:fld>
             <a:endParaRPr lang="en-US"/>
           </a:p>
@@ -19844,7 +21197,7 @@
             <a:graphicData uri="http://schemas.openxmlformats.org/presentationml/2006/ole">
               <mc:AlternateContent xmlns:mc="http://schemas.openxmlformats.org/markup-compatibility/2006">
                 <mc:Choice xmlns:v="urn:schemas-microsoft-com:vml" Requires="v">
-                  <p:oleObj spid="_x0000_s8265" name="Equation" r:id="rId3" imgW="444240" imgH="241200" progId="Equation.3">
+                  <p:oleObj spid="_x0000_s8268" name="Equation" r:id="rId3" imgW="444240" imgH="241200" progId="Equation.3">
                     <p:embed/>
                   </p:oleObj>
                 </mc:Choice>
@@ -20233,7 +21586,7 @@
 </p:sld>
 </file>
 
-<file path=ppt/slides/slide34.xml><?xml version="1.0" encoding="utf-8"?>
+<file path=ppt/slides/slide36.xml><?xml version="1.0" encoding="utf-8"?>
 <p:sld xmlns:a="http://schemas.openxmlformats.org/drawingml/2006/main" xmlns:r="http://schemas.openxmlformats.org/officeDocument/2006/relationships" xmlns:p="http://schemas.openxmlformats.org/presentationml/2006/main">
   <p:cSld>
     <p:spTree>
@@ -20411,7 +21764,7 @@
           <a:p>
             <a:fld id="{11AD1F4E-1E51-402E-B221-310F004E7D3B}" type="slidenum">
               <a:rPr lang="en-US" smtClean="0"/>
-              <a:t>34</a:t>
+              <a:t>36</a:t>
             </a:fld>
             <a:endParaRPr lang="en-US"/>
           </a:p>
@@ -20437,7 +21790,7 @@
 </p:sld>
 </file>
 
-<file path=ppt/slides/slide35.xml><?xml version="1.0" encoding="utf-8"?>
+<file path=ppt/slides/slide37.xml><?xml version="1.0" encoding="utf-8"?>
 <p:sld xmlns:a="http://schemas.openxmlformats.org/drawingml/2006/main" xmlns:r="http://schemas.openxmlformats.org/officeDocument/2006/relationships" xmlns:p="http://schemas.openxmlformats.org/presentationml/2006/main">
   <p:cSld>
     <p:spTree>
@@ -20494,7 +21847,7 @@
           <a:p>
             <a:fld id="{11AD1F4E-1E51-402E-B221-310F004E7D3B}" type="slidenum">
               <a:rPr lang="en-US" smtClean="0"/>
-              <a:t>35</a:t>
+              <a:t>37</a:t>
             </a:fld>
             <a:endParaRPr lang="en-US"/>
           </a:p>
@@ -20875,7 +22228,7 @@
 </p:sld>
 </file>
 
-<file path=ppt/slides/slide36.xml><?xml version="1.0" encoding="utf-8"?>
+<file path=ppt/slides/slide38.xml><?xml version="1.0" encoding="utf-8"?>
 <p:sld xmlns:a="http://schemas.openxmlformats.org/drawingml/2006/main" xmlns:r="http://schemas.openxmlformats.org/officeDocument/2006/relationships" xmlns:p="http://schemas.openxmlformats.org/presentationml/2006/main">
   <p:cSld>
     <p:spTree>
@@ -21016,7 +22369,7 @@
           <a:p>
             <a:fld id="{11AD1F4E-1E51-402E-B221-310F004E7D3B}" type="slidenum">
               <a:rPr lang="en-US" smtClean="0"/>
-              <a:t>36</a:t>
+              <a:t>38</a:t>
             </a:fld>
             <a:endParaRPr lang="en-US"/>
           </a:p>
@@ -21054,7 +22407,7 @@
             <a:graphicData uri="http://schemas.openxmlformats.org/presentationml/2006/ole">
               <mc:AlternateContent xmlns:mc="http://schemas.openxmlformats.org/markup-compatibility/2006">
                 <mc:Choice xmlns:v="urn:schemas-microsoft-com:vml" Requires="v">
-                  <p:oleObj spid="_x0000_s10282" name="Equation" r:id="rId3" imgW="444240" imgH="241200" progId="Equation.3">
+                  <p:oleObj spid="_x0000_s10285" name="Equation" r:id="rId3" imgW="444240" imgH="241200" progId="Equation.3">
                     <p:embed/>
                   </p:oleObj>
                 </mc:Choice>
@@ -21760,7 +23113,7 @@
 </p:sld>
 </file>
 
-<file path=ppt/slides/slide37.xml><?xml version="1.0" encoding="utf-8"?>
+<file path=ppt/slides/slide39.xml><?xml version="1.0" encoding="utf-8"?>
 <p:sld xmlns:a="http://schemas.openxmlformats.org/drawingml/2006/main" xmlns:r="http://schemas.openxmlformats.org/officeDocument/2006/relationships" xmlns:p="http://schemas.openxmlformats.org/presentationml/2006/main">
   <p:cSld>
     <p:spTree>
@@ -21938,7 +23291,7 @@
           <a:p>
             <a:fld id="{11AD1F4E-1E51-402E-B221-310F004E7D3B}" type="slidenum">
               <a:rPr lang="en-US" smtClean="0"/>
-              <a:t>37</a:t>
+              <a:t>39</a:t>
             </a:fld>
             <a:endParaRPr lang="en-US"/>
           </a:p>
@@ -21964,7 +23317,7 @@
 </p:sld>
 </file>
 
-<file path=ppt/slides/slide38.xml><?xml version="1.0" encoding="utf-8"?>
+<file path=ppt/slides/slide4.xml><?xml version="1.0" encoding="utf-8"?>
 <p:sld xmlns:a="http://schemas.openxmlformats.org/drawingml/2006/main" xmlns:r="http://schemas.openxmlformats.org/officeDocument/2006/relationships" xmlns:p="http://schemas.openxmlformats.org/presentationml/2006/main">
   <p:cSld>
     <p:spTree>
@@ -21998,6 +23351,637 @@
           <a:p>
             <a:r>
               <a:rPr lang="en-US" dirty="0" smtClean="0"/>
+              <a:t>Motivation</a:t>
+            </a:r>
+            <a:endParaRPr lang="en-US" dirty="0"/>
+          </a:p>
+        </p:txBody>
+      </p:sp>
+      <p:sp>
+        <p:nvSpPr>
+          <p:cNvPr id="3" name="Content Placeholder 2"/>
+          <p:cNvSpPr>
+            <a:spLocks noGrp="1"/>
+          </p:cNvSpPr>
+          <p:nvPr>
+            <p:ph idx="1"/>
+          </p:nvPr>
+        </p:nvSpPr>
+        <p:spPr>
+          <a:xfrm>
+            <a:off x="628650" y="1825625"/>
+            <a:ext cx="7886700" cy="4351338"/>
+          </a:xfrm>
+        </p:spPr>
+        <p:txBody>
+          <a:bodyPr>
+            <a:normAutofit lnSpcReduction="10000"/>
+          </a:bodyPr>
+          <a:lstStyle/>
+          <a:p>
+            <a:r>
+              <a:rPr lang="en-US" dirty="0" smtClean="0"/>
+              <a:t>Data structures are key to good programming</a:t>
+            </a:r>
+          </a:p>
+          <a:p>
+            <a:pPr lvl="1"/>
+            <a:r>
+              <a:rPr lang="en-US" dirty="0" smtClean="0"/>
+              <a:t>implementation conceptually close to model</a:t>
+            </a:r>
+          </a:p>
+          <a:p>
+            <a:pPr lvl="1"/>
+            <a:r>
+              <a:rPr lang="en-US" dirty="0" smtClean="0"/>
+              <a:t>fewer lines of code = less bugs</a:t>
+            </a:r>
+          </a:p>
+          <a:p>
+            <a:pPr lvl="1"/>
+            <a:r>
+              <a:rPr lang="en-US" dirty="0" smtClean="0"/>
+              <a:t>better performance</a:t>
+            </a:r>
+          </a:p>
+          <a:p>
+            <a:r>
+              <a:rPr lang="en-US" dirty="0" smtClean="0"/>
+              <a:t>Programming languages</a:t>
+            </a:r>
+          </a:p>
+          <a:p>
+            <a:pPr lvl="1"/>
+            <a:r>
+              <a:rPr lang="en-US" dirty="0" smtClean="0"/>
+              <a:t>C++: STL (Standard Template Library)</a:t>
+            </a:r>
+          </a:p>
+          <a:p>
+            <a:pPr lvl="1"/>
+            <a:r>
+              <a:rPr lang="en-US" dirty="0" smtClean="0"/>
+              <a:t>Python: core language, standard library</a:t>
+            </a:r>
+          </a:p>
+          <a:p>
+            <a:pPr lvl="1"/>
+            <a:r>
+              <a:rPr lang="en-US" dirty="0" smtClean="0"/>
+              <a:t>Java: standard library</a:t>
+            </a:r>
+          </a:p>
+          <a:p>
+            <a:pPr lvl="1"/>
+            <a:endParaRPr lang="en-US" dirty="0"/>
+          </a:p>
+          <a:p>
+            <a:endParaRPr lang="en-US" dirty="0" smtClean="0"/>
+          </a:p>
+          <a:p>
+            <a:r>
+              <a:rPr lang="en-US" dirty="0" smtClean="0">
+                <a:solidFill>
+                  <a:srgbClr val="FF0000"/>
+                </a:solidFill>
+              </a:rPr>
+              <a:t>Don't reinvent the wheel!</a:t>
+            </a:r>
+          </a:p>
+          <a:p>
+            <a:pPr lvl="1"/>
+            <a:endParaRPr lang="en-US" dirty="0"/>
+          </a:p>
+        </p:txBody>
+      </p:sp>
+      <p:sp>
+        <p:nvSpPr>
+          <p:cNvPr id="4" name="TextBox 3"/>
+          <p:cNvSpPr txBox="1"/>
+          <p:nvPr/>
+        </p:nvSpPr>
+        <p:spPr>
+          <a:xfrm>
+            <a:off x="1350819" y="5029199"/>
+            <a:ext cx="4668650" cy="415498"/>
+          </a:xfrm>
+          <a:prstGeom prst="rect">
+            <a:avLst/>
+          </a:prstGeom>
+          <a:noFill/>
+          <a:ln>
+            <a:solidFill>
+              <a:schemeClr val="tx1"/>
+            </a:solidFill>
+          </a:ln>
+        </p:spPr>
+        <p:txBody>
+          <a:bodyPr wrap="none" rtlCol="0">
+            <a:spAutoFit/>
+          </a:bodyPr>
+          <a:lstStyle/>
+          <a:p>
+            <a:r>
+              <a:rPr lang="en-US" sz="2100" dirty="0"/>
+              <a:t>For all languages, many 3</a:t>
+            </a:r>
+            <a:r>
+              <a:rPr lang="en-US" sz="2100" baseline="30000" dirty="0"/>
+              <a:t>rd</a:t>
+            </a:r>
+            <a:r>
+              <a:rPr lang="en-US" sz="2100" dirty="0"/>
+              <a:t> party libraries</a:t>
+            </a:r>
+          </a:p>
+        </p:txBody>
+      </p:sp>
+      <p:sp>
+        <p:nvSpPr>
+          <p:cNvPr id="5" name="Slide Number Placeholder 4"/>
+          <p:cNvSpPr>
+            <a:spLocks noGrp="1"/>
+          </p:cNvSpPr>
+          <p:nvPr>
+            <p:ph type="sldNum" sz="quarter" idx="12"/>
+          </p:nvPr>
+        </p:nvSpPr>
+        <p:spPr/>
+        <p:txBody>
+          <a:bodyPr/>
+          <a:lstStyle/>
+          <a:p>
+            <a:fld id="{11AD1F4E-1E51-402E-B221-310F004E7D3B}" type="slidenum">
+              <a:rPr lang="en-US" smtClean="0"/>
+              <a:t>4</a:t>
+            </a:fld>
+            <a:endParaRPr lang="en-US"/>
+          </a:p>
+        </p:txBody>
+      </p:sp>
+    </p:spTree>
+    <p:extLst>
+      <p:ext uri="{BB962C8B-B14F-4D97-AF65-F5344CB8AC3E}">
+        <p14:creationId xmlns:p14="http://schemas.microsoft.com/office/powerpoint/2010/main" val="2709702978"/>
+      </p:ext>
+    </p:extLst>
+  </p:cSld>
+  <p:clrMapOvr>
+    <a:masterClrMapping/>
+  </p:clrMapOvr>
+  <p:timing>
+    <p:tnLst>
+      <p:par>
+        <p:cTn id="1" dur="indefinite" restart="never" nodeType="tmRoot">
+          <p:childTnLst>
+            <p:seq concurrent="1" nextAc="seek">
+              <p:cTn id="2" dur="indefinite" nodeType="mainSeq">
+                <p:childTnLst>
+                  <p:par>
+                    <p:cTn id="3" fill="hold">
+                      <p:stCondLst>
+                        <p:cond delay="indefinite"/>
+                        <p:cond evt="onBegin" delay="0">
+                          <p:tn val="2"/>
+                        </p:cond>
+                      </p:stCondLst>
+                      <p:childTnLst>
+                        <p:par>
+                          <p:cTn id="4" fill="hold">
+                            <p:stCondLst>
+                              <p:cond delay="0"/>
+                            </p:stCondLst>
+                            <p:childTnLst>
+                              <p:par>
+                                <p:cTn id="5" presetID="1" presetClass="entr" presetSubtype="0" fill="hold" grpId="0" nodeType="withEffect">
+                                  <p:stCondLst>
+                                    <p:cond delay="0"/>
+                                  </p:stCondLst>
+                                  <p:childTnLst>
+                                    <p:set>
+                                      <p:cBhvr>
+                                        <p:cTn id="6" dur="1" fill="hold">
+                                          <p:stCondLst>
+                                            <p:cond delay="0"/>
+                                          </p:stCondLst>
+                                        </p:cTn>
+                                        <p:tgtEl>
+                                          <p:spTgt spid="3">
+                                            <p:txEl>
+                                              <p:pRg st="0" end="0"/>
+                                            </p:txEl>
+                                          </p:spTgt>
+                                        </p:tgtEl>
+                                        <p:attrNameLst>
+                                          <p:attrName>style.visibility</p:attrName>
+                                        </p:attrNameLst>
+                                      </p:cBhvr>
+                                      <p:to>
+                                        <p:strVal val="visible"/>
+                                      </p:to>
+                                    </p:set>
+                                  </p:childTnLst>
+                                </p:cTn>
+                              </p:par>
+                              <p:par>
+                                <p:cTn id="7" presetID="1" presetClass="entr" presetSubtype="0" fill="hold" grpId="0" nodeType="withEffect">
+                                  <p:stCondLst>
+                                    <p:cond delay="0"/>
+                                  </p:stCondLst>
+                                  <p:childTnLst>
+                                    <p:set>
+                                      <p:cBhvr>
+                                        <p:cTn id="8" dur="1" fill="hold">
+                                          <p:stCondLst>
+                                            <p:cond delay="0"/>
+                                          </p:stCondLst>
+                                        </p:cTn>
+                                        <p:tgtEl>
+                                          <p:spTgt spid="3">
+                                            <p:txEl>
+                                              <p:pRg st="1" end="1"/>
+                                            </p:txEl>
+                                          </p:spTgt>
+                                        </p:tgtEl>
+                                        <p:attrNameLst>
+                                          <p:attrName>style.visibility</p:attrName>
+                                        </p:attrNameLst>
+                                      </p:cBhvr>
+                                      <p:to>
+                                        <p:strVal val="visible"/>
+                                      </p:to>
+                                    </p:set>
+                                  </p:childTnLst>
+                                </p:cTn>
+                              </p:par>
+                              <p:par>
+                                <p:cTn id="9" presetID="1" presetClass="entr" presetSubtype="0" fill="hold" grpId="0" nodeType="withEffect">
+                                  <p:stCondLst>
+                                    <p:cond delay="0"/>
+                                  </p:stCondLst>
+                                  <p:childTnLst>
+                                    <p:set>
+                                      <p:cBhvr>
+                                        <p:cTn id="10" dur="1" fill="hold">
+                                          <p:stCondLst>
+                                            <p:cond delay="0"/>
+                                          </p:stCondLst>
+                                        </p:cTn>
+                                        <p:tgtEl>
+                                          <p:spTgt spid="3">
+                                            <p:txEl>
+                                              <p:pRg st="2" end="2"/>
+                                            </p:txEl>
+                                          </p:spTgt>
+                                        </p:tgtEl>
+                                        <p:attrNameLst>
+                                          <p:attrName>style.visibility</p:attrName>
+                                        </p:attrNameLst>
+                                      </p:cBhvr>
+                                      <p:to>
+                                        <p:strVal val="visible"/>
+                                      </p:to>
+                                    </p:set>
+                                  </p:childTnLst>
+                                </p:cTn>
+                              </p:par>
+                              <p:par>
+                                <p:cTn id="11" presetID="1" presetClass="entr" presetSubtype="0" fill="hold" grpId="0" nodeType="withEffect">
+                                  <p:stCondLst>
+                                    <p:cond delay="0"/>
+                                  </p:stCondLst>
+                                  <p:childTnLst>
+                                    <p:set>
+                                      <p:cBhvr>
+                                        <p:cTn id="12" dur="1" fill="hold">
+                                          <p:stCondLst>
+                                            <p:cond delay="0"/>
+                                          </p:stCondLst>
+                                        </p:cTn>
+                                        <p:tgtEl>
+                                          <p:spTgt spid="3">
+                                            <p:txEl>
+                                              <p:pRg st="3" end="3"/>
+                                            </p:txEl>
+                                          </p:spTgt>
+                                        </p:tgtEl>
+                                        <p:attrNameLst>
+                                          <p:attrName>style.visibility</p:attrName>
+                                        </p:attrNameLst>
+                                      </p:cBhvr>
+                                      <p:to>
+                                        <p:strVal val="visible"/>
+                                      </p:to>
+                                    </p:set>
+                                  </p:childTnLst>
+                                </p:cTn>
+                              </p:par>
+                            </p:childTnLst>
+                          </p:cTn>
+                        </p:par>
+                      </p:childTnLst>
+                    </p:cTn>
+                  </p:par>
+                  <p:par>
+                    <p:cTn id="13" fill="hold">
+                      <p:stCondLst>
+                        <p:cond delay="indefinite"/>
+                      </p:stCondLst>
+                      <p:childTnLst>
+                        <p:par>
+                          <p:cTn id="14" fill="hold">
+                            <p:stCondLst>
+                              <p:cond delay="0"/>
+                            </p:stCondLst>
+                            <p:childTnLst>
+                              <p:par>
+                                <p:cTn id="15" presetID="1" presetClass="entr" presetSubtype="0" fill="hold" grpId="0" nodeType="clickEffect">
+                                  <p:stCondLst>
+                                    <p:cond delay="0"/>
+                                  </p:stCondLst>
+                                  <p:childTnLst>
+                                    <p:set>
+                                      <p:cBhvr>
+                                        <p:cTn id="16" dur="1" fill="hold">
+                                          <p:stCondLst>
+                                            <p:cond delay="0"/>
+                                          </p:stCondLst>
+                                        </p:cTn>
+                                        <p:tgtEl>
+                                          <p:spTgt spid="3">
+                                            <p:txEl>
+                                              <p:pRg st="4" end="4"/>
+                                            </p:txEl>
+                                          </p:spTgt>
+                                        </p:tgtEl>
+                                        <p:attrNameLst>
+                                          <p:attrName>style.visibility</p:attrName>
+                                        </p:attrNameLst>
+                                      </p:cBhvr>
+                                      <p:to>
+                                        <p:strVal val="visible"/>
+                                      </p:to>
+                                    </p:set>
+                                  </p:childTnLst>
+                                </p:cTn>
+                              </p:par>
+                              <p:par>
+                                <p:cTn id="17" presetID="1" presetClass="entr" presetSubtype="0" fill="hold" grpId="0" nodeType="withEffect">
+                                  <p:stCondLst>
+                                    <p:cond delay="0"/>
+                                  </p:stCondLst>
+                                  <p:childTnLst>
+                                    <p:set>
+                                      <p:cBhvr>
+                                        <p:cTn id="18" dur="1" fill="hold">
+                                          <p:stCondLst>
+                                            <p:cond delay="0"/>
+                                          </p:stCondLst>
+                                        </p:cTn>
+                                        <p:tgtEl>
+                                          <p:spTgt spid="3">
+                                            <p:txEl>
+                                              <p:pRg st="5" end="5"/>
+                                            </p:txEl>
+                                          </p:spTgt>
+                                        </p:tgtEl>
+                                        <p:attrNameLst>
+                                          <p:attrName>style.visibility</p:attrName>
+                                        </p:attrNameLst>
+                                      </p:cBhvr>
+                                      <p:to>
+                                        <p:strVal val="visible"/>
+                                      </p:to>
+                                    </p:set>
+                                  </p:childTnLst>
+                                </p:cTn>
+                              </p:par>
+                              <p:par>
+                                <p:cTn id="19" presetID="1" presetClass="entr" presetSubtype="0" fill="hold" grpId="0" nodeType="withEffect">
+                                  <p:stCondLst>
+                                    <p:cond delay="0"/>
+                                  </p:stCondLst>
+                                  <p:childTnLst>
+                                    <p:set>
+                                      <p:cBhvr>
+                                        <p:cTn id="20" dur="1" fill="hold">
+                                          <p:stCondLst>
+                                            <p:cond delay="0"/>
+                                          </p:stCondLst>
+                                        </p:cTn>
+                                        <p:tgtEl>
+                                          <p:spTgt spid="3">
+                                            <p:txEl>
+                                              <p:pRg st="6" end="6"/>
+                                            </p:txEl>
+                                          </p:spTgt>
+                                        </p:tgtEl>
+                                        <p:attrNameLst>
+                                          <p:attrName>style.visibility</p:attrName>
+                                        </p:attrNameLst>
+                                      </p:cBhvr>
+                                      <p:to>
+                                        <p:strVal val="visible"/>
+                                      </p:to>
+                                    </p:set>
+                                  </p:childTnLst>
+                                </p:cTn>
+                              </p:par>
+                              <p:par>
+                                <p:cTn id="21" presetID="1" presetClass="entr" presetSubtype="0" fill="hold" grpId="0" nodeType="withEffect">
+                                  <p:stCondLst>
+                                    <p:cond delay="0"/>
+                                  </p:stCondLst>
+                                  <p:childTnLst>
+                                    <p:set>
+                                      <p:cBhvr>
+                                        <p:cTn id="22" dur="1" fill="hold">
+                                          <p:stCondLst>
+                                            <p:cond delay="0"/>
+                                          </p:stCondLst>
+                                        </p:cTn>
+                                        <p:tgtEl>
+                                          <p:spTgt spid="3">
+                                            <p:txEl>
+                                              <p:pRg st="7" end="7"/>
+                                            </p:txEl>
+                                          </p:spTgt>
+                                        </p:tgtEl>
+                                        <p:attrNameLst>
+                                          <p:attrName>style.visibility</p:attrName>
+                                        </p:attrNameLst>
+                                      </p:cBhvr>
+                                      <p:to>
+                                        <p:strVal val="visible"/>
+                                      </p:to>
+                                    </p:set>
+                                  </p:childTnLst>
+                                </p:cTn>
+                              </p:par>
+                            </p:childTnLst>
+                          </p:cTn>
+                        </p:par>
+                      </p:childTnLst>
+                    </p:cTn>
+                  </p:par>
+                  <p:par>
+                    <p:cTn id="23" fill="hold">
+                      <p:stCondLst>
+                        <p:cond delay="indefinite"/>
+                      </p:stCondLst>
+                      <p:childTnLst>
+                        <p:par>
+                          <p:cTn id="24" fill="hold">
+                            <p:stCondLst>
+                              <p:cond delay="0"/>
+                            </p:stCondLst>
+                            <p:childTnLst>
+                              <p:par>
+                                <p:cTn id="25" presetID="1" presetClass="entr" presetSubtype="0" fill="hold" grpId="0" nodeType="clickEffect">
+                                  <p:stCondLst>
+                                    <p:cond delay="0"/>
+                                  </p:stCondLst>
+                                  <p:childTnLst>
+                                    <p:set>
+                                      <p:cBhvr>
+                                        <p:cTn id="26" dur="1" fill="hold">
+                                          <p:stCondLst>
+                                            <p:cond delay="0"/>
+                                          </p:stCondLst>
+                                        </p:cTn>
+                                        <p:tgtEl>
+                                          <p:spTgt spid="4"/>
+                                        </p:tgtEl>
+                                        <p:attrNameLst>
+                                          <p:attrName>style.visibility</p:attrName>
+                                        </p:attrNameLst>
+                                      </p:cBhvr>
+                                      <p:to>
+                                        <p:strVal val="visible"/>
+                                      </p:to>
+                                    </p:set>
+                                  </p:childTnLst>
+                                </p:cTn>
+                              </p:par>
+                            </p:childTnLst>
+                          </p:cTn>
+                        </p:par>
+                      </p:childTnLst>
+                    </p:cTn>
+                  </p:par>
+                  <p:par>
+                    <p:cTn id="27" fill="hold">
+                      <p:stCondLst>
+                        <p:cond delay="indefinite"/>
+                      </p:stCondLst>
+                      <p:childTnLst>
+                        <p:par>
+                          <p:cTn id="28" fill="hold">
+                            <p:stCondLst>
+                              <p:cond delay="0"/>
+                            </p:stCondLst>
+                            <p:childTnLst>
+                              <p:par>
+                                <p:cTn id="29" presetID="1" presetClass="entr" presetSubtype="0" fill="hold" grpId="0" nodeType="clickEffect">
+                                  <p:stCondLst>
+                                    <p:cond delay="0"/>
+                                  </p:stCondLst>
+                                  <p:childTnLst>
+                                    <p:set>
+                                      <p:cBhvr>
+                                        <p:cTn id="30" dur="1" fill="hold">
+                                          <p:stCondLst>
+                                            <p:cond delay="0"/>
+                                          </p:stCondLst>
+                                        </p:cTn>
+                                        <p:tgtEl>
+                                          <p:spTgt spid="3">
+                                            <p:txEl>
+                                              <p:pRg st="10" end="10"/>
+                                            </p:txEl>
+                                          </p:spTgt>
+                                        </p:tgtEl>
+                                        <p:attrNameLst>
+                                          <p:attrName>style.visibility</p:attrName>
+                                        </p:attrNameLst>
+                                      </p:cBhvr>
+                                      <p:to>
+                                        <p:strVal val="visible"/>
+                                      </p:to>
+                                    </p:set>
+                                  </p:childTnLst>
+                                </p:cTn>
+                              </p:par>
+                            </p:childTnLst>
+                          </p:cTn>
+                        </p:par>
+                      </p:childTnLst>
+                    </p:cTn>
+                  </p:par>
+                </p:childTnLst>
+              </p:cTn>
+              <p:prevCondLst>
+                <p:cond evt="onPrev" delay="0">
+                  <p:tgtEl>
+                    <p:sldTgt/>
+                  </p:tgtEl>
+                </p:cond>
+              </p:prevCondLst>
+              <p:nextCondLst>
+                <p:cond evt="onNext" delay="0">
+                  <p:tgtEl>
+                    <p:sldTgt/>
+                  </p:tgtEl>
+                </p:cond>
+              </p:nextCondLst>
+            </p:seq>
+          </p:childTnLst>
+        </p:cTn>
+      </p:par>
+    </p:tnLst>
+    <p:bldLst>
+      <p:bldP spid="3" grpId="0" uiExpand="1" build="p"/>
+      <p:bldP spid="4" grpId="0" animBg="1"/>
+    </p:bldLst>
+  </p:timing>
+</p:sld>
+</file>
+
+<file path=ppt/slides/slide40.xml><?xml version="1.0" encoding="utf-8"?>
+<p:sld xmlns:a="http://schemas.openxmlformats.org/drawingml/2006/main" xmlns:r="http://schemas.openxmlformats.org/officeDocument/2006/relationships" xmlns:p="http://schemas.openxmlformats.org/presentationml/2006/main">
+  <p:cSld>
+    <p:spTree>
+      <p:nvGrpSpPr>
+        <p:cNvPr id="1" name=""/>
+        <p:cNvGrpSpPr/>
+        <p:nvPr/>
+      </p:nvGrpSpPr>
+      <p:grpSpPr>
+        <a:xfrm>
+          <a:off x="0" y="0"/>
+          <a:ext cx="0" cy="0"/>
+          <a:chOff x="0" y="0"/>
+          <a:chExt cx="0" cy="0"/>
+        </a:xfrm>
+      </p:grpSpPr>
+      <p:sp>
+        <p:nvSpPr>
+          <p:cNvPr id="2" name="Title 1"/>
+          <p:cNvSpPr>
+            <a:spLocks noGrp="1"/>
+          </p:cNvSpPr>
+          <p:nvPr>
+            <p:ph type="title"/>
+          </p:nvPr>
+        </p:nvSpPr>
+        <p:spPr/>
+        <p:txBody>
+          <a:bodyPr/>
+          <a:lstStyle/>
+          <a:p>
+            <a:r>
+              <a:rPr lang="en-US" dirty="0" smtClean="0"/>
               <a:t>Graph</a:t>
             </a:r>
             <a:endParaRPr lang="en-US" dirty="0"/>
@@ -22124,7 +24108,7 @@
           <a:p>
             <a:fld id="{11AD1F4E-1E51-402E-B221-310F004E7D3B}" type="slidenum">
               <a:rPr lang="en-US" smtClean="0"/>
-              <a:t>38</a:t>
+              <a:t>40</a:t>
             </a:fld>
             <a:endParaRPr lang="en-US"/>
           </a:p>
@@ -22166,7 +24150,7 @@
             <a:graphicData uri="http://schemas.openxmlformats.org/presentationml/2006/ole">
               <mc:AlternateContent xmlns:mc="http://schemas.openxmlformats.org/markup-compatibility/2006">
                 <mc:Choice xmlns:v="urn:schemas-microsoft-com:vml" Requires="v">
-                  <p:oleObj spid="_x0000_s9279" name="Equation" r:id="rId3" imgW="1104840" imgH="215640" progId="Equation.3">
+                  <p:oleObj spid="_x0000_s9282" name="Equation" r:id="rId3" imgW="1104840" imgH="215640" progId="Equation.3">
                     <p:embed/>
                   </p:oleObj>
                 </mc:Choice>
@@ -23258,7 +25242,7 @@
 </p:sld>
 </file>
 
-<file path=ppt/slides/slide39.xml><?xml version="1.0" encoding="utf-8"?>
+<file path=ppt/slides/slide41.xml><?xml version="1.0" encoding="utf-8"?>
 <p:sld xmlns:a="http://schemas.openxmlformats.org/drawingml/2006/main" xmlns:r="http://schemas.openxmlformats.org/officeDocument/2006/relationships" xmlns:p="http://schemas.openxmlformats.org/presentationml/2006/main">
   <p:cSld>
     <p:spTree>
@@ -23674,7 +25658,7 @@
           <a:p>
             <a:fld id="{11AD1F4E-1E51-402E-B221-310F004E7D3B}" type="slidenum">
               <a:rPr lang="en-US" smtClean="0"/>
-              <a:t>39</a:t>
+              <a:t>41</a:t>
             </a:fld>
             <a:endParaRPr lang="en-US"/>
           </a:p>
@@ -23700,7 +25684,7 @@
 </p:sld>
 </file>
 
-<file path=ppt/slides/slide4.xml><?xml version="1.0" encoding="utf-8"?>
+<file path=ppt/slides/slide42.xml><?xml version="1.0" encoding="utf-8"?>
 <p:sld xmlns:a="http://schemas.openxmlformats.org/drawingml/2006/main" xmlns:r="http://schemas.openxmlformats.org/officeDocument/2006/relationships" xmlns:p="http://schemas.openxmlformats.org/presentationml/2006/main">
   <p:cSld>
     <p:spTree>
@@ -23734,637 +25718,6 @@
           <a:p>
             <a:r>
               <a:rPr lang="en-US" dirty="0" smtClean="0"/>
-              <a:t>Motivation</a:t>
-            </a:r>
-            <a:endParaRPr lang="en-US" dirty="0"/>
-          </a:p>
-        </p:txBody>
-      </p:sp>
-      <p:sp>
-        <p:nvSpPr>
-          <p:cNvPr id="3" name="Content Placeholder 2"/>
-          <p:cNvSpPr>
-            <a:spLocks noGrp="1"/>
-          </p:cNvSpPr>
-          <p:nvPr>
-            <p:ph idx="1"/>
-          </p:nvPr>
-        </p:nvSpPr>
-        <p:spPr>
-          <a:xfrm>
-            <a:off x="628650" y="1825625"/>
-            <a:ext cx="7886700" cy="4351338"/>
-          </a:xfrm>
-        </p:spPr>
-        <p:txBody>
-          <a:bodyPr>
-            <a:normAutofit lnSpcReduction="10000"/>
-          </a:bodyPr>
-          <a:lstStyle/>
-          <a:p>
-            <a:r>
-              <a:rPr lang="en-US" dirty="0" smtClean="0"/>
-              <a:t>Data structures are key to good programming</a:t>
-            </a:r>
-          </a:p>
-          <a:p>
-            <a:pPr lvl="1"/>
-            <a:r>
-              <a:rPr lang="en-US" dirty="0" smtClean="0"/>
-              <a:t>implementation conceptually close to model</a:t>
-            </a:r>
-          </a:p>
-          <a:p>
-            <a:pPr lvl="1"/>
-            <a:r>
-              <a:rPr lang="en-US" dirty="0" smtClean="0"/>
-              <a:t>fewer lines of code = less bugs</a:t>
-            </a:r>
-          </a:p>
-          <a:p>
-            <a:pPr lvl="1"/>
-            <a:r>
-              <a:rPr lang="en-US" dirty="0" smtClean="0"/>
-              <a:t>better performance</a:t>
-            </a:r>
-          </a:p>
-          <a:p>
-            <a:r>
-              <a:rPr lang="en-US" dirty="0" smtClean="0"/>
-              <a:t>Programming languages</a:t>
-            </a:r>
-          </a:p>
-          <a:p>
-            <a:pPr lvl="1"/>
-            <a:r>
-              <a:rPr lang="en-US" dirty="0" smtClean="0"/>
-              <a:t>C++: STL (Standard Template Library)</a:t>
-            </a:r>
-          </a:p>
-          <a:p>
-            <a:pPr lvl="1"/>
-            <a:r>
-              <a:rPr lang="en-US" dirty="0" smtClean="0"/>
-              <a:t>Python: core language, standard library</a:t>
-            </a:r>
-          </a:p>
-          <a:p>
-            <a:pPr lvl="1"/>
-            <a:r>
-              <a:rPr lang="en-US" dirty="0" smtClean="0"/>
-              <a:t>Java: standard library</a:t>
-            </a:r>
-          </a:p>
-          <a:p>
-            <a:pPr lvl="1"/>
-            <a:endParaRPr lang="en-US" dirty="0"/>
-          </a:p>
-          <a:p>
-            <a:endParaRPr lang="en-US" dirty="0" smtClean="0"/>
-          </a:p>
-          <a:p>
-            <a:r>
-              <a:rPr lang="en-US" dirty="0" smtClean="0">
-                <a:solidFill>
-                  <a:srgbClr val="FF0000"/>
-                </a:solidFill>
-              </a:rPr>
-              <a:t>Don't reinvent the wheel!</a:t>
-            </a:r>
-          </a:p>
-          <a:p>
-            <a:pPr lvl="1"/>
-            <a:endParaRPr lang="en-US" dirty="0"/>
-          </a:p>
-        </p:txBody>
-      </p:sp>
-      <p:sp>
-        <p:nvSpPr>
-          <p:cNvPr id="4" name="TextBox 3"/>
-          <p:cNvSpPr txBox="1"/>
-          <p:nvPr/>
-        </p:nvSpPr>
-        <p:spPr>
-          <a:xfrm>
-            <a:off x="1350819" y="5029199"/>
-            <a:ext cx="4668650" cy="415498"/>
-          </a:xfrm>
-          <a:prstGeom prst="rect">
-            <a:avLst/>
-          </a:prstGeom>
-          <a:noFill/>
-          <a:ln>
-            <a:solidFill>
-              <a:schemeClr val="tx1"/>
-            </a:solidFill>
-          </a:ln>
-        </p:spPr>
-        <p:txBody>
-          <a:bodyPr wrap="none" rtlCol="0">
-            <a:spAutoFit/>
-          </a:bodyPr>
-          <a:lstStyle/>
-          <a:p>
-            <a:r>
-              <a:rPr lang="en-US" sz="2100" dirty="0"/>
-              <a:t>For all languages, many 3</a:t>
-            </a:r>
-            <a:r>
-              <a:rPr lang="en-US" sz="2100" baseline="30000" dirty="0"/>
-              <a:t>rd</a:t>
-            </a:r>
-            <a:r>
-              <a:rPr lang="en-US" sz="2100" dirty="0"/>
-              <a:t> party libraries</a:t>
-            </a:r>
-          </a:p>
-        </p:txBody>
-      </p:sp>
-      <p:sp>
-        <p:nvSpPr>
-          <p:cNvPr id="5" name="Slide Number Placeholder 4"/>
-          <p:cNvSpPr>
-            <a:spLocks noGrp="1"/>
-          </p:cNvSpPr>
-          <p:nvPr>
-            <p:ph type="sldNum" sz="quarter" idx="12"/>
-          </p:nvPr>
-        </p:nvSpPr>
-        <p:spPr/>
-        <p:txBody>
-          <a:bodyPr/>
-          <a:lstStyle/>
-          <a:p>
-            <a:fld id="{11AD1F4E-1E51-402E-B221-310F004E7D3B}" type="slidenum">
-              <a:rPr lang="en-US" smtClean="0"/>
-              <a:t>4</a:t>
-            </a:fld>
-            <a:endParaRPr lang="en-US"/>
-          </a:p>
-        </p:txBody>
-      </p:sp>
-    </p:spTree>
-    <p:extLst>
-      <p:ext uri="{BB962C8B-B14F-4D97-AF65-F5344CB8AC3E}">
-        <p14:creationId xmlns:p14="http://schemas.microsoft.com/office/powerpoint/2010/main" val="2709702978"/>
-      </p:ext>
-    </p:extLst>
-  </p:cSld>
-  <p:clrMapOvr>
-    <a:masterClrMapping/>
-  </p:clrMapOvr>
-  <p:timing>
-    <p:tnLst>
-      <p:par>
-        <p:cTn id="1" dur="indefinite" restart="never" nodeType="tmRoot">
-          <p:childTnLst>
-            <p:seq concurrent="1" nextAc="seek">
-              <p:cTn id="2" dur="indefinite" nodeType="mainSeq">
-                <p:childTnLst>
-                  <p:par>
-                    <p:cTn id="3" fill="hold">
-                      <p:stCondLst>
-                        <p:cond delay="indefinite"/>
-                        <p:cond evt="onBegin" delay="0">
-                          <p:tn val="2"/>
-                        </p:cond>
-                      </p:stCondLst>
-                      <p:childTnLst>
-                        <p:par>
-                          <p:cTn id="4" fill="hold">
-                            <p:stCondLst>
-                              <p:cond delay="0"/>
-                            </p:stCondLst>
-                            <p:childTnLst>
-                              <p:par>
-                                <p:cTn id="5" presetID="1" presetClass="entr" presetSubtype="0" fill="hold" grpId="0" nodeType="withEffect">
-                                  <p:stCondLst>
-                                    <p:cond delay="0"/>
-                                  </p:stCondLst>
-                                  <p:childTnLst>
-                                    <p:set>
-                                      <p:cBhvr>
-                                        <p:cTn id="6" dur="1" fill="hold">
-                                          <p:stCondLst>
-                                            <p:cond delay="0"/>
-                                          </p:stCondLst>
-                                        </p:cTn>
-                                        <p:tgtEl>
-                                          <p:spTgt spid="3">
-                                            <p:txEl>
-                                              <p:pRg st="0" end="0"/>
-                                            </p:txEl>
-                                          </p:spTgt>
-                                        </p:tgtEl>
-                                        <p:attrNameLst>
-                                          <p:attrName>style.visibility</p:attrName>
-                                        </p:attrNameLst>
-                                      </p:cBhvr>
-                                      <p:to>
-                                        <p:strVal val="visible"/>
-                                      </p:to>
-                                    </p:set>
-                                  </p:childTnLst>
-                                </p:cTn>
-                              </p:par>
-                              <p:par>
-                                <p:cTn id="7" presetID="1" presetClass="entr" presetSubtype="0" fill="hold" grpId="0" nodeType="withEffect">
-                                  <p:stCondLst>
-                                    <p:cond delay="0"/>
-                                  </p:stCondLst>
-                                  <p:childTnLst>
-                                    <p:set>
-                                      <p:cBhvr>
-                                        <p:cTn id="8" dur="1" fill="hold">
-                                          <p:stCondLst>
-                                            <p:cond delay="0"/>
-                                          </p:stCondLst>
-                                        </p:cTn>
-                                        <p:tgtEl>
-                                          <p:spTgt spid="3">
-                                            <p:txEl>
-                                              <p:pRg st="1" end="1"/>
-                                            </p:txEl>
-                                          </p:spTgt>
-                                        </p:tgtEl>
-                                        <p:attrNameLst>
-                                          <p:attrName>style.visibility</p:attrName>
-                                        </p:attrNameLst>
-                                      </p:cBhvr>
-                                      <p:to>
-                                        <p:strVal val="visible"/>
-                                      </p:to>
-                                    </p:set>
-                                  </p:childTnLst>
-                                </p:cTn>
-                              </p:par>
-                              <p:par>
-                                <p:cTn id="9" presetID="1" presetClass="entr" presetSubtype="0" fill="hold" grpId="0" nodeType="withEffect">
-                                  <p:stCondLst>
-                                    <p:cond delay="0"/>
-                                  </p:stCondLst>
-                                  <p:childTnLst>
-                                    <p:set>
-                                      <p:cBhvr>
-                                        <p:cTn id="10" dur="1" fill="hold">
-                                          <p:stCondLst>
-                                            <p:cond delay="0"/>
-                                          </p:stCondLst>
-                                        </p:cTn>
-                                        <p:tgtEl>
-                                          <p:spTgt spid="3">
-                                            <p:txEl>
-                                              <p:pRg st="2" end="2"/>
-                                            </p:txEl>
-                                          </p:spTgt>
-                                        </p:tgtEl>
-                                        <p:attrNameLst>
-                                          <p:attrName>style.visibility</p:attrName>
-                                        </p:attrNameLst>
-                                      </p:cBhvr>
-                                      <p:to>
-                                        <p:strVal val="visible"/>
-                                      </p:to>
-                                    </p:set>
-                                  </p:childTnLst>
-                                </p:cTn>
-                              </p:par>
-                              <p:par>
-                                <p:cTn id="11" presetID="1" presetClass="entr" presetSubtype="0" fill="hold" grpId="0" nodeType="withEffect">
-                                  <p:stCondLst>
-                                    <p:cond delay="0"/>
-                                  </p:stCondLst>
-                                  <p:childTnLst>
-                                    <p:set>
-                                      <p:cBhvr>
-                                        <p:cTn id="12" dur="1" fill="hold">
-                                          <p:stCondLst>
-                                            <p:cond delay="0"/>
-                                          </p:stCondLst>
-                                        </p:cTn>
-                                        <p:tgtEl>
-                                          <p:spTgt spid="3">
-                                            <p:txEl>
-                                              <p:pRg st="3" end="3"/>
-                                            </p:txEl>
-                                          </p:spTgt>
-                                        </p:tgtEl>
-                                        <p:attrNameLst>
-                                          <p:attrName>style.visibility</p:attrName>
-                                        </p:attrNameLst>
-                                      </p:cBhvr>
-                                      <p:to>
-                                        <p:strVal val="visible"/>
-                                      </p:to>
-                                    </p:set>
-                                  </p:childTnLst>
-                                </p:cTn>
-                              </p:par>
-                            </p:childTnLst>
-                          </p:cTn>
-                        </p:par>
-                      </p:childTnLst>
-                    </p:cTn>
-                  </p:par>
-                  <p:par>
-                    <p:cTn id="13" fill="hold">
-                      <p:stCondLst>
-                        <p:cond delay="indefinite"/>
-                      </p:stCondLst>
-                      <p:childTnLst>
-                        <p:par>
-                          <p:cTn id="14" fill="hold">
-                            <p:stCondLst>
-                              <p:cond delay="0"/>
-                            </p:stCondLst>
-                            <p:childTnLst>
-                              <p:par>
-                                <p:cTn id="15" presetID="1" presetClass="entr" presetSubtype="0" fill="hold" grpId="0" nodeType="clickEffect">
-                                  <p:stCondLst>
-                                    <p:cond delay="0"/>
-                                  </p:stCondLst>
-                                  <p:childTnLst>
-                                    <p:set>
-                                      <p:cBhvr>
-                                        <p:cTn id="16" dur="1" fill="hold">
-                                          <p:stCondLst>
-                                            <p:cond delay="0"/>
-                                          </p:stCondLst>
-                                        </p:cTn>
-                                        <p:tgtEl>
-                                          <p:spTgt spid="3">
-                                            <p:txEl>
-                                              <p:pRg st="4" end="4"/>
-                                            </p:txEl>
-                                          </p:spTgt>
-                                        </p:tgtEl>
-                                        <p:attrNameLst>
-                                          <p:attrName>style.visibility</p:attrName>
-                                        </p:attrNameLst>
-                                      </p:cBhvr>
-                                      <p:to>
-                                        <p:strVal val="visible"/>
-                                      </p:to>
-                                    </p:set>
-                                  </p:childTnLst>
-                                </p:cTn>
-                              </p:par>
-                              <p:par>
-                                <p:cTn id="17" presetID="1" presetClass="entr" presetSubtype="0" fill="hold" grpId="0" nodeType="withEffect">
-                                  <p:stCondLst>
-                                    <p:cond delay="0"/>
-                                  </p:stCondLst>
-                                  <p:childTnLst>
-                                    <p:set>
-                                      <p:cBhvr>
-                                        <p:cTn id="18" dur="1" fill="hold">
-                                          <p:stCondLst>
-                                            <p:cond delay="0"/>
-                                          </p:stCondLst>
-                                        </p:cTn>
-                                        <p:tgtEl>
-                                          <p:spTgt spid="3">
-                                            <p:txEl>
-                                              <p:pRg st="5" end="5"/>
-                                            </p:txEl>
-                                          </p:spTgt>
-                                        </p:tgtEl>
-                                        <p:attrNameLst>
-                                          <p:attrName>style.visibility</p:attrName>
-                                        </p:attrNameLst>
-                                      </p:cBhvr>
-                                      <p:to>
-                                        <p:strVal val="visible"/>
-                                      </p:to>
-                                    </p:set>
-                                  </p:childTnLst>
-                                </p:cTn>
-                              </p:par>
-                              <p:par>
-                                <p:cTn id="19" presetID="1" presetClass="entr" presetSubtype="0" fill="hold" grpId="0" nodeType="withEffect">
-                                  <p:stCondLst>
-                                    <p:cond delay="0"/>
-                                  </p:stCondLst>
-                                  <p:childTnLst>
-                                    <p:set>
-                                      <p:cBhvr>
-                                        <p:cTn id="20" dur="1" fill="hold">
-                                          <p:stCondLst>
-                                            <p:cond delay="0"/>
-                                          </p:stCondLst>
-                                        </p:cTn>
-                                        <p:tgtEl>
-                                          <p:spTgt spid="3">
-                                            <p:txEl>
-                                              <p:pRg st="6" end="6"/>
-                                            </p:txEl>
-                                          </p:spTgt>
-                                        </p:tgtEl>
-                                        <p:attrNameLst>
-                                          <p:attrName>style.visibility</p:attrName>
-                                        </p:attrNameLst>
-                                      </p:cBhvr>
-                                      <p:to>
-                                        <p:strVal val="visible"/>
-                                      </p:to>
-                                    </p:set>
-                                  </p:childTnLst>
-                                </p:cTn>
-                              </p:par>
-                              <p:par>
-                                <p:cTn id="21" presetID="1" presetClass="entr" presetSubtype="0" fill="hold" grpId="0" nodeType="withEffect">
-                                  <p:stCondLst>
-                                    <p:cond delay="0"/>
-                                  </p:stCondLst>
-                                  <p:childTnLst>
-                                    <p:set>
-                                      <p:cBhvr>
-                                        <p:cTn id="22" dur="1" fill="hold">
-                                          <p:stCondLst>
-                                            <p:cond delay="0"/>
-                                          </p:stCondLst>
-                                        </p:cTn>
-                                        <p:tgtEl>
-                                          <p:spTgt spid="3">
-                                            <p:txEl>
-                                              <p:pRg st="7" end="7"/>
-                                            </p:txEl>
-                                          </p:spTgt>
-                                        </p:tgtEl>
-                                        <p:attrNameLst>
-                                          <p:attrName>style.visibility</p:attrName>
-                                        </p:attrNameLst>
-                                      </p:cBhvr>
-                                      <p:to>
-                                        <p:strVal val="visible"/>
-                                      </p:to>
-                                    </p:set>
-                                  </p:childTnLst>
-                                </p:cTn>
-                              </p:par>
-                            </p:childTnLst>
-                          </p:cTn>
-                        </p:par>
-                      </p:childTnLst>
-                    </p:cTn>
-                  </p:par>
-                  <p:par>
-                    <p:cTn id="23" fill="hold">
-                      <p:stCondLst>
-                        <p:cond delay="indefinite"/>
-                      </p:stCondLst>
-                      <p:childTnLst>
-                        <p:par>
-                          <p:cTn id="24" fill="hold">
-                            <p:stCondLst>
-                              <p:cond delay="0"/>
-                            </p:stCondLst>
-                            <p:childTnLst>
-                              <p:par>
-                                <p:cTn id="25" presetID="1" presetClass="entr" presetSubtype="0" fill="hold" grpId="0" nodeType="clickEffect">
-                                  <p:stCondLst>
-                                    <p:cond delay="0"/>
-                                  </p:stCondLst>
-                                  <p:childTnLst>
-                                    <p:set>
-                                      <p:cBhvr>
-                                        <p:cTn id="26" dur="1" fill="hold">
-                                          <p:stCondLst>
-                                            <p:cond delay="0"/>
-                                          </p:stCondLst>
-                                        </p:cTn>
-                                        <p:tgtEl>
-                                          <p:spTgt spid="4"/>
-                                        </p:tgtEl>
-                                        <p:attrNameLst>
-                                          <p:attrName>style.visibility</p:attrName>
-                                        </p:attrNameLst>
-                                      </p:cBhvr>
-                                      <p:to>
-                                        <p:strVal val="visible"/>
-                                      </p:to>
-                                    </p:set>
-                                  </p:childTnLst>
-                                </p:cTn>
-                              </p:par>
-                            </p:childTnLst>
-                          </p:cTn>
-                        </p:par>
-                      </p:childTnLst>
-                    </p:cTn>
-                  </p:par>
-                  <p:par>
-                    <p:cTn id="27" fill="hold">
-                      <p:stCondLst>
-                        <p:cond delay="indefinite"/>
-                      </p:stCondLst>
-                      <p:childTnLst>
-                        <p:par>
-                          <p:cTn id="28" fill="hold">
-                            <p:stCondLst>
-                              <p:cond delay="0"/>
-                            </p:stCondLst>
-                            <p:childTnLst>
-                              <p:par>
-                                <p:cTn id="29" presetID="1" presetClass="entr" presetSubtype="0" fill="hold" grpId="0" nodeType="clickEffect">
-                                  <p:stCondLst>
-                                    <p:cond delay="0"/>
-                                  </p:stCondLst>
-                                  <p:childTnLst>
-                                    <p:set>
-                                      <p:cBhvr>
-                                        <p:cTn id="30" dur="1" fill="hold">
-                                          <p:stCondLst>
-                                            <p:cond delay="0"/>
-                                          </p:stCondLst>
-                                        </p:cTn>
-                                        <p:tgtEl>
-                                          <p:spTgt spid="3">
-                                            <p:txEl>
-                                              <p:pRg st="10" end="10"/>
-                                            </p:txEl>
-                                          </p:spTgt>
-                                        </p:tgtEl>
-                                        <p:attrNameLst>
-                                          <p:attrName>style.visibility</p:attrName>
-                                        </p:attrNameLst>
-                                      </p:cBhvr>
-                                      <p:to>
-                                        <p:strVal val="visible"/>
-                                      </p:to>
-                                    </p:set>
-                                  </p:childTnLst>
-                                </p:cTn>
-                              </p:par>
-                            </p:childTnLst>
-                          </p:cTn>
-                        </p:par>
-                      </p:childTnLst>
-                    </p:cTn>
-                  </p:par>
-                </p:childTnLst>
-              </p:cTn>
-              <p:prevCondLst>
-                <p:cond evt="onPrev" delay="0">
-                  <p:tgtEl>
-                    <p:sldTgt/>
-                  </p:tgtEl>
-                </p:cond>
-              </p:prevCondLst>
-              <p:nextCondLst>
-                <p:cond evt="onNext" delay="0">
-                  <p:tgtEl>
-                    <p:sldTgt/>
-                  </p:tgtEl>
-                </p:cond>
-              </p:nextCondLst>
-            </p:seq>
-          </p:childTnLst>
-        </p:cTn>
-      </p:par>
-    </p:tnLst>
-    <p:bldLst>
-      <p:bldP spid="3" grpId="0" uiExpand="1" build="p"/>
-      <p:bldP spid="4" grpId="0" animBg="1"/>
-    </p:bldLst>
-  </p:timing>
-</p:sld>
-</file>
-
-<file path=ppt/slides/slide40.xml><?xml version="1.0" encoding="utf-8"?>
-<p:sld xmlns:a="http://schemas.openxmlformats.org/drawingml/2006/main" xmlns:r="http://schemas.openxmlformats.org/officeDocument/2006/relationships" xmlns:p="http://schemas.openxmlformats.org/presentationml/2006/main">
-  <p:cSld>
-    <p:spTree>
-      <p:nvGrpSpPr>
-        <p:cNvPr id="1" name=""/>
-        <p:cNvGrpSpPr/>
-        <p:nvPr/>
-      </p:nvGrpSpPr>
-      <p:grpSpPr>
-        <a:xfrm>
-          <a:off x="0" y="0"/>
-          <a:ext cx="0" cy="0"/>
-          <a:chOff x="0" y="0"/>
-          <a:chExt cx="0" cy="0"/>
-        </a:xfrm>
-      </p:grpSpPr>
-      <p:sp>
-        <p:nvSpPr>
-          <p:cNvPr id="2" name="Title 1"/>
-          <p:cNvSpPr>
-            <a:spLocks noGrp="1"/>
-          </p:cNvSpPr>
-          <p:nvPr>
-            <p:ph type="title"/>
-          </p:nvPr>
-        </p:nvSpPr>
-        <p:spPr/>
-        <p:txBody>
-          <a:bodyPr/>
-          <a:lstStyle/>
-          <a:p>
-            <a:r>
-              <a:rPr lang="en-US" dirty="0" smtClean="0"/>
               <a:t>Some special graph types</a:t>
             </a:r>
             <a:endParaRPr lang="en-US" dirty="0"/>
@@ -24481,7 +25834,7 @@
           <a:p>
             <a:fld id="{11AD1F4E-1E51-402E-B221-310F004E7D3B}" type="slidenum">
               <a:rPr lang="en-US" smtClean="0"/>
-              <a:t>40</a:t>
+              <a:t>42</a:t>
             </a:fld>
             <a:endParaRPr lang="en-US"/>
           </a:p>
@@ -26678,7 +28031,7 @@
 </p:sld>
 </file>
 
-<file path=ppt/slides/slide41.xml><?xml version="1.0" encoding="utf-8"?>
+<file path=ppt/slides/slide43.xml><?xml version="1.0" encoding="utf-8"?>
 <p:sld xmlns:a="http://schemas.openxmlformats.org/drawingml/2006/main" xmlns:r="http://schemas.openxmlformats.org/officeDocument/2006/relationships" xmlns:p="http://schemas.openxmlformats.org/presentationml/2006/main">
   <p:cSld>
     <p:spTree>
@@ -26770,7 +28123,7 @@
           <a:p>
             <a:fld id="{11AD1F4E-1E51-402E-B221-310F004E7D3B}" type="slidenum">
               <a:rPr lang="en-US" smtClean="0"/>
-              <a:t>41</a:t>
+              <a:t>43</a:t>
             </a:fld>
             <a:endParaRPr lang="en-US"/>
           </a:p>
@@ -28233,7 +29586,7 @@
 </p:sld>
 </file>
 
-<file path=ppt/slides/slide42.xml><?xml version="1.0" encoding="utf-8"?>
+<file path=ppt/slides/slide44.xml><?xml version="1.0" encoding="utf-8"?>
 <p:sld xmlns:a="http://schemas.openxmlformats.org/drawingml/2006/main" xmlns:r="http://schemas.openxmlformats.org/officeDocument/2006/relationships" xmlns:p="http://schemas.openxmlformats.org/presentationml/2006/main">
   <p:cSld>
     <p:spTree>
@@ -28380,7 +29733,7 @@
           <a:p>
             <a:fld id="{11AD1F4E-1E51-402E-B221-310F004E7D3B}" type="slidenum">
               <a:rPr lang="en-US" smtClean="0"/>
-              <a:t>42</a:t>
+              <a:t>44</a:t>
             </a:fld>
             <a:endParaRPr lang="en-US"/>
           </a:p>
@@ -29491,7 +30844,7 @@
           <a:graphicData uri="http://schemas.openxmlformats.org/presentationml/2006/ole">
             <mc:AlternateContent xmlns:mc="http://schemas.openxmlformats.org/markup-compatibility/2006">
               <mc:Choice xmlns:v="urn:schemas-microsoft-com:vml" Requires="v">
-                <p:oleObj spid="_x0000_s1120" name="Equation" r:id="rId4" imgW="1841400" imgH="215640" progId="Equation.3">
+                <p:oleObj spid="_x0000_s1123" name="Equation" r:id="rId4" imgW="1841400" imgH="215640" progId="Equation.3">
                   <p:embed/>
                 </p:oleObj>
               </mc:Choice>
@@ -31119,7 +32472,7 @@
             <a:graphicData uri="http://schemas.openxmlformats.org/presentationml/2006/ole">
               <mc:AlternateContent xmlns:mc="http://schemas.openxmlformats.org/markup-compatibility/2006">
                 <mc:Choice xmlns:v="urn:schemas-microsoft-com:vml" Requires="v">
-                  <p:oleObj spid="_x0000_s2143" name="Equation" r:id="rId3" imgW="1409400" imgH="203040" progId="Equation.3">
+                  <p:oleObj spid="_x0000_s2146" name="Equation" r:id="rId3" imgW="1409400" imgH="203040" progId="Equation.3">
                     <p:embed/>
                   </p:oleObj>
                 </mc:Choice>

--- a/CPlusPlus/09_essential_cpp_containers.pptx
+++ b/CPlusPlus/09_essential_cpp_containers.pptx
@@ -5,7 +5,7 @@
     <p:sldMasterId id="2147483660" r:id="rId1"/>
   </p:sldMasterIdLst>
   <p:notesMasterIdLst>
-    <p:notesMasterId r:id="rId46"/>
+    <p:notesMasterId r:id="rId47"/>
   </p:notesMasterIdLst>
   <p:sldIdLst>
     <p:sldId id="302" r:id="rId2"/>
@@ -24,34 +24,35 @@
     <p:sldId id="307" r:id="rId15"/>
     <p:sldId id="306" r:id="rId16"/>
     <p:sldId id="309" r:id="rId17"/>
-    <p:sldId id="265" r:id="rId18"/>
-    <p:sldId id="277" r:id="rId19"/>
-    <p:sldId id="269" r:id="rId20"/>
-    <p:sldId id="262" r:id="rId21"/>
-    <p:sldId id="278" r:id="rId22"/>
-    <p:sldId id="270" r:id="rId23"/>
-    <p:sldId id="263" r:id="rId24"/>
-    <p:sldId id="279" r:id="rId25"/>
-    <p:sldId id="271" r:id="rId26"/>
-    <p:sldId id="264" r:id="rId27"/>
-    <p:sldId id="280" r:id="rId28"/>
-    <p:sldId id="272" r:id="rId29"/>
-    <p:sldId id="308" r:id="rId30"/>
-    <p:sldId id="290" r:id="rId31"/>
-    <p:sldId id="291" r:id="rId32"/>
-    <p:sldId id="275" r:id="rId33"/>
-    <p:sldId id="281" r:id="rId34"/>
-    <p:sldId id="282" r:id="rId35"/>
-    <p:sldId id="284" r:id="rId36"/>
-    <p:sldId id="283" r:id="rId37"/>
-    <p:sldId id="285" r:id="rId38"/>
-    <p:sldId id="292" r:id="rId39"/>
-    <p:sldId id="293" r:id="rId40"/>
-    <p:sldId id="286" r:id="rId41"/>
-    <p:sldId id="287" r:id="rId42"/>
-    <p:sldId id="289" r:id="rId43"/>
-    <p:sldId id="288" r:id="rId44"/>
-    <p:sldId id="300" r:id="rId45"/>
+    <p:sldId id="310" r:id="rId18"/>
+    <p:sldId id="265" r:id="rId19"/>
+    <p:sldId id="277" r:id="rId20"/>
+    <p:sldId id="269" r:id="rId21"/>
+    <p:sldId id="262" r:id="rId22"/>
+    <p:sldId id="278" r:id="rId23"/>
+    <p:sldId id="270" r:id="rId24"/>
+    <p:sldId id="263" r:id="rId25"/>
+    <p:sldId id="279" r:id="rId26"/>
+    <p:sldId id="271" r:id="rId27"/>
+    <p:sldId id="264" r:id="rId28"/>
+    <p:sldId id="280" r:id="rId29"/>
+    <p:sldId id="272" r:id="rId30"/>
+    <p:sldId id="308" r:id="rId31"/>
+    <p:sldId id="290" r:id="rId32"/>
+    <p:sldId id="291" r:id="rId33"/>
+    <p:sldId id="275" r:id="rId34"/>
+    <p:sldId id="281" r:id="rId35"/>
+    <p:sldId id="282" r:id="rId36"/>
+    <p:sldId id="284" r:id="rId37"/>
+    <p:sldId id="283" r:id="rId38"/>
+    <p:sldId id="285" r:id="rId39"/>
+    <p:sldId id="292" r:id="rId40"/>
+    <p:sldId id="293" r:id="rId41"/>
+    <p:sldId id="286" r:id="rId42"/>
+    <p:sldId id="287" r:id="rId43"/>
+    <p:sldId id="289" r:id="rId44"/>
+    <p:sldId id="288" r:id="rId45"/>
+    <p:sldId id="300" r:id="rId46"/>
   </p:sldIdLst>
   <p:sldSz cx="9144000" cy="6858000" type="screen4x3"/>
   <p:notesSz cx="6858000" cy="9144000"/>
@@ -240,7 +241,7 @@
           <a:p>
             <a:fld id="{D3AF4CC3-573B-48A2-BA19-C88E9EEB8008}" type="datetimeFigureOut">
               <a:rPr lang="en-US" smtClean="0"/>
-              <a:t>2017-03-14</a:t>
+              <a:t>2017-03-15</a:t>
             </a:fld>
             <a:endParaRPr lang="en-US"/>
           </a:p>
@@ -657,7 +658,7 @@
           <a:p>
             <a:fld id="{377ED49E-3B52-4D1C-85F4-C21F07234187}" type="slidenum">
               <a:rPr lang="en-US" smtClean="0"/>
-              <a:t>27</a:t>
+              <a:t>28</a:t>
             </a:fld>
             <a:endParaRPr lang="en-US"/>
           </a:p>
@@ -807,7 +808,7 @@
           <a:p>
             <a:fld id="{E7395A51-B5B5-44D7-85E1-1556CCB9180F}" type="datetime1">
               <a:rPr lang="en-US" smtClean="0"/>
-              <a:t>2017-03-14</a:t>
+              <a:t>2017-03-15</a:t>
             </a:fld>
             <a:endParaRPr lang="en-US"/>
           </a:p>
@@ -977,7 +978,7 @@
           <a:p>
             <a:fld id="{BEDB066D-DA80-4992-B507-A911EFD1878C}" type="datetime1">
               <a:rPr lang="en-US" smtClean="0"/>
-              <a:t>2017-03-14</a:t>
+              <a:t>2017-03-15</a:t>
             </a:fld>
             <a:endParaRPr lang="en-US"/>
           </a:p>
@@ -1157,7 +1158,7 @@
           <a:p>
             <a:fld id="{21259CBD-682A-4ABE-AFE9-CACFF55FE875}" type="datetime1">
               <a:rPr lang="en-US" smtClean="0"/>
-              <a:t>2017-03-14</a:t>
+              <a:t>2017-03-15</a:t>
             </a:fld>
             <a:endParaRPr lang="en-US"/>
           </a:p>
@@ -1327,7 +1328,7 @@
           <a:p>
             <a:fld id="{5F76F78E-A200-421E-B0AA-A6018E81E55E}" type="datetime1">
               <a:rPr lang="en-US" smtClean="0"/>
-              <a:t>2017-03-14</a:t>
+              <a:t>2017-03-15</a:t>
             </a:fld>
             <a:endParaRPr lang="en-US"/>
           </a:p>
@@ -1571,7 +1572,7 @@
           <a:p>
             <a:fld id="{EBEC21EE-ED62-44E3-A586-FF0104F19B99}" type="datetime1">
               <a:rPr lang="en-US" smtClean="0"/>
-              <a:t>2017-03-14</a:t>
+              <a:t>2017-03-15</a:t>
             </a:fld>
             <a:endParaRPr lang="en-US"/>
           </a:p>
@@ -1803,7 +1804,7 @@
           <a:p>
             <a:fld id="{30049BC0-4C66-4CED-BC8E-7AF0BD49C9B5}" type="datetime1">
               <a:rPr lang="en-US" smtClean="0"/>
-              <a:t>2017-03-14</a:t>
+              <a:t>2017-03-15</a:t>
             </a:fld>
             <a:endParaRPr lang="en-US"/>
           </a:p>
@@ -2170,7 +2171,7 @@
           <a:p>
             <a:fld id="{C7C90E0A-53F1-4115-8AB2-2E28E481FF48}" type="datetime1">
               <a:rPr lang="en-US" smtClean="0"/>
-              <a:t>2017-03-14</a:t>
+              <a:t>2017-03-15</a:t>
             </a:fld>
             <a:endParaRPr lang="en-US"/>
           </a:p>
@@ -2288,7 +2289,7 @@
           <a:p>
             <a:fld id="{AF79CAB3-789B-4117-A859-FC7082686441}" type="datetime1">
               <a:rPr lang="en-US" smtClean="0"/>
-              <a:t>2017-03-14</a:t>
+              <a:t>2017-03-15</a:t>
             </a:fld>
             <a:endParaRPr lang="en-US"/>
           </a:p>
@@ -2383,7 +2384,7 @@
           <a:p>
             <a:fld id="{82AE2AC5-51ED-46C8-8F1B-788630EE802E}" type="datetime1">
               <a:rPr lang="en-US" smtClean="0"/>
-              <a:t>2017-03-14</a:t>
+              <a:t>2017-03-15</a:t>
             </a:fld>
             <a:endParaRPr lang="en-US"/>
           </a:p>
@@ -2660,7 +2661,7 @@
           <a:p>
             <a:fld id="{49D0F6DD-6796-44CA-AF4C-1B2A2288F444}" type="datetime1">
               <a:rPr lang="en-US" smtClean="0"/>
-              <a:t>2017-03-14</a:t>
+              <a:t>2017-03-15</a:t>
             </a:fld>
             <a:endParaRPr lang="en-US"/>
           </a:p>
@@ -2917,7 +2918,7 @@
           <a:p>
             <a:fld id="{57F6808E-F05D-421A-97B7-12B728993E3B}" type="datetime1">
               <a:rPr lang="en-US" smtClean="0"/>
-              <a:t>2017-03-14</a:t>
+              <a:t>2017-03-15</a:t>
             </a:fld>
             <a:endParaRPr lang="en-US"/>
           </a:p>
@@ -3130,7 +3131,7 @@
           <a:p>
             <a:fld id="{7B995810-2FB7-4DE8-B622-97729F9C53CB}" type="datetime1">
               <a:rPr lang="en-US" smtClean="0"/>
-              <a:t>2017-03-14</a:t>
+              <a:t>2017-03-15</a:t>
             </a:fld>
             <a:endParaRPr lang="en-US"/>
           </a:p>
@@ -4882,7 +4883,7 @@
             <a:graphicData uri="http://schemas.openxmlformats.org/presentationml/2006/ole">
               <mc:AlternateContent xmlns:mc="http://schemas.openxmlformats.org/markup-compatibility/2006">
                 <mc:Choice xmlns:v="urn:schemas-microsoft-com:vml" Requires="v">
-                  <p:oleObj spid="_x0000_s11275" name="Equation" r:id="rId3" imgW="419040" imgH="203040" progId="Equation.3">
+                  <p:oleObj spid="_x0000_s11278" name="Equation" r:id="rId3" imgW="419040" imgH="203040" progId="Equation.3">
                     <p:embed/>
                   </p:oleObj>
                 </mc:Choice>
@@ -7490,7 +7491,22 @@
           <a:p>
             <a:r>
               <a:rPr lang="en-US" dirty="0" smtClean="0"/>
-              <a:t>STL container API</a:t>
+              <a:t>STL </a:t>
+            </a:r>
+            <a:r>
+              <a:rPr lang="en-US" dirty="0" smtClean="0">
+                <a:latin typeface="Courier New" panose="02070309020205020404" pitchFamily="49" charset="0"/>
+                <a:cs typeface="Courier New" panose="02070309020205020404" pitchFamily="49" charset="0"/>
+              </a:rPr>
+              <a:t>Container</a:t>
+            </a:r>
+            <a:r>
+              <a:rPr lang="en-US" dirty="0" smtClean="0"/>
+              <a:t> </a:t>
+            </a:r>
+            <a:r>
+              <a:rPr lang="en-US" dirty="0" smtClean="0"/>
+              <a:t>API</a:t>
             </a:r>
             <a:endParaRPr lang="en-US" dirty="0"/>
           </a:p>
@@ -7527,6 +7543,30 @@
               </a:rPr>
               <a:t>()</a:t>
             </a:r>
+            <a:r>
+              <a:rPr lang="en-US" dirty="0" smtClean="0">
+                <a:cs typeface="Courier New" panose="02070309020205020404" pitchFamily="49" charset="0"/>
+              </a:rPr>
+              <a:t>/</a:t>
+            </a:r>
+            <a:r>
+              <a:rPr lang="en-US" dirty="0" err="1" smtClean="0">
+                <a:latin typeface="Courier New" panose="02070309020205020404" pitchFamily="49" charset="0"/>
+                <a:cs typeface="Courier New" panose="02070309020205020404" pitchFamily="49" charset="0"/>
+              </a:rPr>
+              <a:t>c.cbegin</a:t>
+            </a:r>
+            <a:r>
+              <a:rPr lang="en-US" dirty="0" smtClean="0">
+                <a:latin typeface="Courier New" panose="02070309020205020404" pitchFamily="49" charset="0"/>
+                <a:cs typeface="Courier New" panose="02070309020205020404" pitchFamily="49" charset="0"/>
+              </a:rPr>
+              <a:t>()</a:t>
+            </a:r>
+            <a:endParaRPr lang="en-US" dirty="0" smtClean="0">
+              <a:latin typeface="Courier New" panose="02070309020205020404" pitchFamily="49" charset="0"/>
+              <a:cs typeface="Courier New" panose="02070309020205020404" pitchFamily="49" charset="0"/>
+            </a:endParaRPr>
           </a:p>
           <a:p>
             <a:pPr lvl="1"/>
@@ -7538,29 +7578,76 @@
           <a:p>
             <a:pPr lvl="1"/>
             <a:r>
-              <a:rPr lang="en-US" dirty="0" err="1" smtClean="0"/>
+              <a:rPr lang="en-US" dirty="0" err="1" smtClean="0">
+                <a:latin typeface="Courier New" panose="02070309020205020404" pitchFamily="49" charset="0"/>
+                <a:cs typeface="Courier New" panose="02070309020205020404" pitchFamily="49" charset="0"/>
+              </a:rPr>
               <a:t>c.begin</a:t>
             </a:r>
             <a:r>
+              <a:rPr lang="en-US" dirty="0" smtClean="0">
+                <a:latin typeface="Courier New" panose="02070309020205020404" pitchFamily="49" charset="0"/>
+                <a:cs typeface="Courier New" panose="02070309020205020404" pitchFamily="49" charset="0"/>
+              </a:rPr>
+              <a:t>() == </a:t>
+            </a:r>
+            <a:r>
+              <a:rPr lang="en-US" dirty="0" err="1" smtClean="0">
+                <a:latin typeface="Courier New" panose="02070309020205020404" pitchFamily="49" charset="0"/>
+                <a:cs typeface="Courier New" panose="02070309020205020404" pitchFamily="49" charset="0"/>
+              </a:rPr>
+              <a:t>c.end</a:t>
+            </a:r>
+            <a:r>
+              <a:rPr lang="en-US" dirty="0" smtClean="0">
+                <a:latin typeface="Courier New" panose="02070309020205020404" pitchFamily="49" charset="0"/>
+                <a:cs typeface="Courier New" panose="02070309020205020404" pitchFamily="49" charset="0"/>
+              </a:rPr>
+              <a:t>()</a:t>
+            </a:r>
+            <a:r>
               <a:rPr lang="en-US" dirty="0" smtClean="0"/>
-              <a:t>() == </a:t>
-            </a:r>
-            <a:r>
-              <a:rPr lang="en-US" dirty="0" err="1" smtClean="0"/>
+              <a:t> if </a:t>
+            </a:r>
+            <a:r>
+              <a:rPr lang="en-US" dirty="0" smtClean="0">
+                <a:latin typeface="Courier New" panose="02070309020205020404" pitchFamily="49" charset="0"/>
+                <a:cs typeface="Courier New" panose="02070309020205020404" pitchFamily="49" charset="0"/>
+              </a:rPr>
+              <a:t>c</a:t>
+            </a:r>
+            <a:r>
+              <a:rPr lang="en-US" dirty="0" smtClean="0"/>
+              <a:t> empty</a:t>
+            </a:r>
+          </a:p>
+          <a:p>
+            <a:r>
+              <a:rPr lang="en-US" dirty="0" err="1" smtClean="0">
+                <a:latin typeface="Courier New" panose="02070309020205020404" pitchFamily="49" charset="0"/>
+                <a:cs typeface="Courier New" panose="02070309020205020404" pitchFamily="49" charset="0"/>
+              </a:rPr>
               <a:t>c.end</a:t>
             </a:r>
             <a:r>
-              <a:rPr lang="en-US" dirty="0" smtClean="0"/>
-              <a:t>() if c empty</a:t>
-            </a:r>
-          </a:p>
-          <a:p>
+              <a:rPr lang="en-US" dirty="0" smtClean="0">
+                <a:latin typeface="Courier New" panose="02070309020205020404" pitchFamily="49" charset="0"/>
+                <a:cs typeface="Courier New" panose="02070309020205020404" pitchFamily="49" charset="0"/>
+              </a:rPr>
+              <a:t>()</a:t>
+            </a:r>
+            <a:r>
+              <a:rPr lang="en-US" dirty="0" smtClean="0">
+                <a:cs typeface="Courier New" panose="02070309020205020404" pitchFamily="49" charset="0"/>
+              </a:rPr>
+              <a:t>/</a:t>
+            </a:r>
             <a:r>
               <a:rPr lang="en-US" dirty="0" err="1" smtClean="0">
                 <a:latin typeface="Courier New" panose="02070309020205020404" pitchFamily="49" charset="0"/>
                 <a:cs typeface="Courier New" panose="02070309020205020404" pitchFamily="49" charset="0"/>
               </a:rPr>
-              <a:t>c.end</a:t>
+              <a:t>c.cend</a:t>
             </a:r>
             <a:r>
               <a:rPr lang="en-US" dirty="0" smtClean="0">
@@ -7569,6 +7656,10 @@
               </a:rPr>
               <a:t>()</a:t>
             </a:r>
+            <a:endParaRPr lang="en-US" dirty="0" smtClean="0">
+              <a:latin typeface="Courier New" panose="02070309020205020404" pitchFamily="49" charset="0"/>
+              <a:cs typeface="Courier New" panose="02070309020205020404" pitchFamily="49" charset="0"/>
+            </a:endParaRPr>
           </a:p>
           <a:p>
             <a:pPr lvl="1"/>
@@ -7691,14 +7782,1266 @@
   <p:timing>
     <p:tnLst>
       <p:par>
-        <p:cTn id="1" dur="indefinite" restart="never" nodeType="tmRoot"/>
+        <p:cTn id="1" dur="indefinite" restart="never" nodeType="tmRoot">
+          <p:childTnLst>
+            <p:seq concurrent="1" nextAc="seek">
+              <p:cTn id="2" dur="indefinite" nodeType="mainSeq">
+                <p:childTnLst>
+                  <p:par>
+                    <p:cTn id="3" fill="hold">
+                      <p:stCondLst>
+                        <p:cond delay="indefinite"/>
+                        <p:cond evt="onBegin" delay="0">
+                          <p:tn val="2"/>
+                        </p:cond>
+                      </p:stCondLst>
+                      <p:childTnLst>
+                        <p:par>
+                          <p:cTn id="4" fill="hold">
+                            <p:stCondLst>
+                              <p:cond delay="0"/>
+                            </p:stCondLst>
+                            <p:childTnLst>
+                              <p:par>
+                                <p:cTn id="5" presetID="1" presetClass="entr" presetSubtype="0" fill="hold" grpId="0" nodeType="withEffect">
+                                  <p:stCondLst>
+                                    <p:cond delay="0"/>
+                                  </p:stCondLst>
+                                  <p:childTnLst>
+                                    <p:set>
+                                      <p:cBhvr>
+                                        <p:cTn id="6" dur="1" fill="hold">
+                                          <p:stCondLst>
+                                            <p:cond delay="0"/>
+                                          </p:stCondLst>
+                                        </p:cTn>
+                                        <p:tgtEl>
+                                          <p:spTgt spid="3">
+                                            <p:txEl>
+                                              <p:pRg st="0" end="0"/>
+                                            </p:txEl>
+                                          </p:spTgt>
+                                        </p:tgtEl>
+                                        <p:attrNameLst>
+                                          <p:attrName>style.visibility</p:attrName>
+                                        </p:attrNameLst>
+                                      </p:cBhvr>
+                                      <p:to>
+                                        <p:strVal val="visible"/>
+                                      </p:to>
+                                    </p:set>
+                                  </p:childTnLst>
+                                </p:cTn>
+                              </p:par>
+                              <p:par>
+                                <p:cTn id="7" presetID="1" presetClass="entr" presetSubtype="0" fill="hold" grpId="0" nodeType="withEffect">
+                                  <p:stCondLst>
+                                    <p:cond delay="0"/>
+                                  </p:stCondLst>
+                                  <p:childTnLst>
+                                    <p:set>
+                                      <p:cBhvr>
+                                        <p:cTn id="8" dur="1" fill="hold">
+                                          <p:stCondLst>
+                                            <p:cond delay="0"/>
+                                          </p:stCondLst>
+                                        </p:cTn>
+                                        <p:tgtEl>
+                                          <p:spTgt spid="3">
+                                            <p:txEl>
+                                              <p:pRg st="1" end="1"/>
+                                            </p:txEl>
+                                          </p:spTgt>
+                                        </p:tgtEl>
+                                        <p:attrNameLst>
+                                          <p:attrName>style.visibility</p:attrName>
+                                        </p:attrNameLst>
+                                      </p:cBhvr>
+                                      <p:to>
+                                        <p:strVal val="visible"/>
+                                      </p:to>
+                                    </p:set>
+                                  </p:childTnLst>
+                                </p:cTn>
+                              </p:par>
+                              <p:par>
+                                <p:cTn id="9" presetID="1" presetClass="entr" presetSubtype="0" fill="hold" grpId="0" nodeType="withEffect">
+                                  <p:stCondLst>
+                                    <p:cond delay="0"/>
+                                  </p:stCondLst>
+                                  <p:childTnLst>
+                                    <p:set>
+                                      <p:cBhvr>
+                                        <p:cTn id="10" dur="1" fill="hold">
+                                          <p:stCondLst>
+                                            <p:cond delay="0"/>
+                                          </p:stCondLst>
+                                        </p:cTn>
+                                        <p:tgtEl>
+                                          <p:spTgt spid="3">
+                                            <p:txEl>
+                                              <p:pRg st="2" end="2"/>
+                                            </p:txEl>
+                                          </p:spTgt>
+                                        </p:tgtEl>
+                                        <p:attrNameLst>
+                                          <p:attrName>style.visibility</p:attrName>
+                                        </p:attrNameLst>
+                                      </p:cBhvr>
+                                      <p:to>
+                                        <p:strVal val="visible"/>
+                                      </p:to>
+                                    </p:set>
+                                  </p:childTnLst>
+                                </p:cTn>
+                              </p:par>
+                            </p:childTnLst>
+                          </p:cTn>
+                        </p:par>
+                      </p:childTnLst>
+                    </p:cTn>
+                  </p:par>
+                  <p:par>
+                    <p:cTn id="11" fill="hold">
+                      <p:stCondLst>
+                        <p:cond delay="indefinite"/>
+                      </p:stCondLst>
+                      <p:childTnLst>
+                        <p:par>
+                          <p:cTn id="12" fill="hold">
+                            <p:stCondLst>
+                              <p:cond delay="0"/>
+                            </p:stCondLst>
+                            <p:childTnLst>
+                              <p:par>
+                                <p:cTn id="13" presetID="1" presetClass="entr" presetSubtype="0" fill="hold" grpId="0" nodeType="clickEffect">
+                                  <p:stCondLst>
+                                    <p:cond delay="0"/>
+                                  </p:stCondLst>
+                                  <p:childTnLst>
+                                    <p:set>
+                                      <p:cBhvr>
+                                        <p:cTn id="14" dur="1" fill="hold">
+                                          <p:stCondLst>
+                                            <p:cond delay="0"/>
+                                          </p:stCondLst>
+                                        </p:cTn>
+                                        <p:tgtEl>
+                                          <p:spTgt spid="3">
+                                            <p:txEl>
+                                              <p:pRg st="3" end="3"/>
+                                            </p:txEl>
+                                          </p:spTgt>
+                                        </p:tgtEl>
+                                        <p:attrNameLst>
+                                          <p:attrName>style.visibility</p:attrName>
+                                        </p:attrNameLst>
+                                      </p:cBhvr>
+                                      <p:to>
+                                        <p:strVal val="visible"/>
+                                      </p:to>
+                                    </p:set>
+                                  </p:childTnLst>
+                                </p:cTn>
+                              </p:par>
+                              <p:par>
+                                <p:cTn id="15" presetID="1" presetClass="entr" presetSubtype="0" fill="hold" grpId="0" nodeType="withEffect">
+                                  <p:stCondLst>
+                                    <p:cond delay="0"/>
+                                  </p:stCondLst>
+                                  <p:childTnLst>
+                                    <p:set>
+                                      <p:cBhvr>
+                                        <p:cTn id="16" dur="1" fill="hold">
+                                          <p:stCondLst>
+                                            <p:cond delay="0"/>
+                                          </p:stCondLst>
+                                        </p:cTn>
+                                        <p:tgtEl>
+                                          <p:spTgt spid="3">
+                                            <p:txEl>
+                                              <p:pRg st="4" end="4"/>
+                                            </p:txEl>
+                                          </p:spTgt>
+                                        </p:tgtEl>
+                                        <p:attrNameLst>
+                                          <p:attrName>style.visibility</p:attrName>
+                                        </p:attrNameLst>
+                                      </p:cBhvr>
+                                      <p:to>
+                                        <p:strVal val="visible"/>
+                                      </p:to>
+                                    </p:set>
+                                  </p:childTnLst>
+                                </p:cTn>
+                              </p:par>
+                            </p:childTnLst>
+                          </p:cTn>
+                        </p:par>
+                      </p:childTnLst>
+                    </p:cTn>
+                  </p:par>
+                  <p:par>
+                    <p:cTn id="17" fill="hold">
+                      <p:stCondLst>
+                        <p:cond delay="indefinite"/>
+                      </p:stCondLst>
+                      <p:childTnLst>
+                        <p:par>
+                          <p:cTn id="18" fill="hold">
+                            <p:stCondLst>
+                              <p:cond delay="0"/>
+                            </p:stCondLst>
+                            <p:childTnLst>
+                              <p:par>
+                                <p:cTn id="19" presetID="1" presetClass="entr" presetSubtype="0" fill="hold" grpId="0" nodeType="clickEffect">
+                                  <p:stCondLst>
+                                    <p:cond delay="0"/>
+                                  </p:stCondLst>
+                                  <p:childTnLst>
+                                    <p:set>
+                                      <p:cBhvr>
+                                        <p:cTn id="20" dur="1" fill="hold">
+                                          <p:stCondLst>
+                                            <p:cond delay="0"/>
+                                          </p:stCondLst>
+                                        </p:cTn>
+                                        <p:tgtEl>
+                                          <p:spTgt spid="3">
+                                            <p:txEl>
+                                              <p:pRg st="5" end="5"/>
+                                            </p:txEl>
+                                          </p:spTgt>
+                                        </p:tgtEl>
+                                        <p:attrNameLst>
+                                          <p:attrName>style.visibility</p:attrName>
+                                        </p:attrNameLst>
+                                      </p:cBhvr>
+                                      <p:to>
+                                        <p:strVal val="visible"/>
+                                      </p:to>
+                                    </p:set>
+                                  </p:childTnLst>
+                                </p:cTn>
+                              </p:par>
+                              <p:par>
+                                <p:cTn id="21" presetID="1" presetClass="entr" presetSubtype="0" fill="hold" grpId="0" nodeType="withEffect">
+                                  <p:stCondLst>
+                                    <p:cond delay="0"/>
+                                  </p:stCondLst>
+                                  <p:childTnLst>
+                                    <p:set>
+                                      <p:cBhvr>
+                                        <p:cTn id="22" dur="1" fill="hold">
+                                          <p:stCondLst>
+                                            <p:cond delay="0"/>
+                                          </p:stCondLst>
+                                        </p:cTn>
+                                        <p:tgtEl>
+                                          <p:spTgt spid="3">
+                                            <p:txEl>
+                                              <p:pRg st="6" end="6"/>
+                                            </p:txEl>
+                                          </p:spTgt>
+                                        </p:tgtEl>
+                                        <p:attrNameLst>
+                                          <p:attrName>style.visibility</p:attrName>
+                                        </p:attrNameLst>
+                                      </p:cBhvr>
+                                      <p:to>
+                                        <p:strVal val="visible"/>
+                                      </p:to>
+                                    </p:set>
+                                  </p:childTnLst>
+                                </p:cTn>
+                              </p:par>
+                            </p:childTnLst>
+                          </p:cTn>
+                        </p:par>
+                      </p:childTnLst>
+                    </p:cTn>
+                  </p:par>
+                  <p:par>
+                    <p:cTn id="23" fill="hold">
+                      <p:stCondLst>
+                        <p:cond delay="indefinite"/>
+                      </p:stCondLst>
+                      <p:childTnLst>
+                        <p:par>
+                          <p:cTn id="24" fill="hold">
+                            <p:stCondLst>
+                              <p:cond delay="0"/>
+                            </p:stCondLst>
+                            <p:childTnLst>
+                              <p:par>
+                                <p:cTn id="25" presetID="1" presetClass="entr" presetSubtype="0" fill="hold" grpId="0" nodeType="clickEffect">
+                                  <p:stCondLst>
+                                    <p:cond delay="0"/>
+                                  </p:stCondLst>
+                                  <p:childTnLst>
+                                    <p:set>
+                                      <p:cBhvr>
+                                        <p:cTn id="26" dur="1" fill="hold">
+                                          <p:stCondLst>
+                                            <p:cond delay="0"/>
+                                          </p:stCondLst>
+                                        </p:cTn>
+                                        <p:tgtEl>
+                                          <p:spTgt spid="3">
+                                            <p:txEl>
+                                              <p:pRg st="7" end="7"/>
+                                            </p:txEl>
+                                          </p:spTgt>
+                                        </p:tgtEl>
+                                        <p:attrNameLst>
+                                          <p:attrName>style.visibility</p:attrName>
+                                        </p:attrNameLst>
+                                      </p:cBhvr>
+                                      <p:to>
+                                        <p:strVal val="visible"/>
+                                      </p:to>
+                                    </p:set>
+                                  </p:childTnLst>
+                                </p:cTn>
+                              </p:par>
+                              <p:par>
+                                <p:cTn id="27" presetID="1" presetClass="entr" presetSubtype="0" fill="hold" grpId="0" nodeType="withEffect">
+                                  <p:stCondLst>
+                                    <p:cond delay="0"/>
+                                  </p:stCondLst>
+                                  <p:childTnLst>
+                                    <p:set>
+                                      <p:cBhvr>
+                                        <p:cTn id="28" dur="1" fill="hold">
+                                          <p:stCondLst>
+                                            <p:cond delay="0"/>
+                                          </p:stCondLst>
+                                        </p:cTn>
+                                        <p:tgtEl>
+                                          <p:spTgt spid="3">
+                                            <p:txEl>
+                                              <p:pRg st="8" end="8"/>
+                                            </p:txEl>
+                                          </p:spTgt>
+                                        </p:tgtEl>
+                                        <p:attrNameLst>
+                                          <p:attrName>style.visibility</p:attrName>
+                                        </p:attrNameLst>
+                                      </p:cBhvr>
+                                      <p:to>
+                                        <p:strVal val="visible"/>
+                                      </p:to>
+                                    </p:set>
+                                  </p:childTnLst>
+                                </p:cTn>
+                              </p:par>
+                            </p:childTnLst>
+                          </p:cTn>
+                        </p:par>
+                      </p:childTnLst>
+                    </p:cTn>
+                  </p:par>
+                  <p:par>
+                    <p:cTn id="29" fill="hold">
+                      <p:stCondLst>
+                        <p:cond delay="indefinite"/>
+                      </p:stCondLst>
+                      <p:childTnLst>
+                        <p:par>
+                          <p:cTn id="30" fill="hold">
+                            <p:stCondLst>
+                              <p:cond delay="0"/>
+                            </p:stCondLst>
+                            <p:childTnLst>
+                              <p:par>
+                                <p:cTn id="31" presetID="1" presetClass="entr" presetSubtype="0" fill="hold" grpId="0" nodeType="clickEffect">
+                                  <p:stCondLst>
+                                    <p:cond delay="0"/>
+                                  </p:stCondLst>
+                                  <p:childTnLst>
+                                    <p:set>
+                                      <p:cBhvr>
+                                        <p:cTn id="32" dur="1" fill="hold">
+                                          <p:stCondLst>
+                                            <p:cond delay="0"/>
+                                          </p:stCondLst>
+                                        </p:cTn>
+                                        <p:tgtEl>
+                                          <p:spTgt spid="3">
+                                            <p:txEl>
+                                              <p:pRg st="9" end="9"/>
+                                            </p:txEl>
+                                          </p:spTgt>
+                                        </p:tgtEl>
+                                        <p:attrNameLst>
+                                          <p:attrName>style.visibility</p:attrName>
+                                        </p:attrNameLst>
+                                      </p:cBhvr>
+                                      <p:to>
+                                        <p:strVal val="visible"/>
+                                      </p:to>
+                                    </p:set>
+                                  </p:childTnLst>
+                                </p:cTn>
+                              </p:par>
+                              <p:par>
+                                <p:cTn id="33" presetID="1" presetClass="entr" presetSubtype="0" fill="hold" grpId="0" nodeType="withEffect">
+                                  <p:stCondLst>
+                                    <p:cond delay="0"/>
+                                  </p:stCondLst>
+                                  <p:childTnLst>
+                                    <p:set>
+                                      <p:cBhvr>
+                                        <p:cTn id="34" dur="1" fill="hold">
+                                          <p:stCondLst>
+                                            <p:cond delay="0"/>
+                                          </p:stCondLst>
+                                        </p:cTn>
+                                        <p:tgtEl>
+                                          <p:spTgt spid="3">
+                                            <p:txEl>
+                                              <p:pRg st="10" end="10"/>
+                                            </p:txEl>
+                                          </p:spTgt>
+                                        </p:tgtEl>
+                                        <p:attrNameLst>
+                                          <p:attrName>style.visibility</p:attrName>
+                                        </p:attrNameLst>
+                                      </p:cBhvr>
+                                      <p:to>
+                                        <p:strVal val="visible"/>
+                                      </p:to>
+                                    </p:set>
+                                  </p:childTnLst>
+                                </p:cTn>
+                              </p:par>
+                            </p:childTnLst>
+                          </p:cTn>
+                        </p:par>
+                      </p:childTnLst>
+                    </p:cTn>
+                  </p:par>
+                </p:childTnLst>
+              </p:cTn>
+              <p:prevCondLst>
+                <p:cond evt="onPrev" delay="0">
+                  <p:tgtEl>
+                    <p:sldTgt/>
+                  </p:tgtEl>
+                </p:cond>
+              </p:prevCondLst>
+              <p:nextCondLst>
+                <p:cond evt="onNext" delay="0">
+                  <p:tgtEl>
+                    <p:sldTgt/>
+                  </p:tgtEl>
+                </p:cond>
+              </p:nextCondLst>
+            </p:seq>
+          </p:childTnLst>
+        </p:cTn>
       </p:par>
     </p:tnLst>
+    <p:bldLst>
+      <p:bldP spid="3" grpId="0" uiExpand="1" build="p"/>
+    </p:bldLst>
   </p:timing>
 </p:sld>
 </file>
 
 <file path=ppt/slides/slide17.xml><?xml version="1.0" encoding="utf-8"?>
+<p:sld xmlns:a="http://schemas.openxmlformats.org/drawingml/2006/main" xmlns:r="http://schemas.openxmlformats.org/officeDocument/2006/relationships" xmlns:p="http://schemas.openxmlformats.org/presentationml/2006/main">
+  <p:cSld>
+    <p:spTree>
+      <p:nvGrpSpPr>
+        <p:cNvPr id="1" name=""/>
+        <p:cNvGrpSpPr/>
+        <p:nvPr/>
+      </p:nvGrpSpPr>
+      <p:grpSpPr>
+        <a:xfrm>
+          <a:off x="0" y="0"/>
+          <a:ext cx="0" cy="0"/>
+          <a:chOff x="0" y="0"/>
+          <a:chExt cx="0" cy="0"/>
+        </a:xfrm>
+      </p:grpSpPr>
+      <p:sp>
+        <p:nvSpPr>
+          <p:cNvPr id="2" name="Title 1"/>
+          <p:cNvSpPr>
+            <a:spLocks noGrp="1"/>
+          </p:cNvSpPr>
+          <p:nvPr>
+            <p:ph type="title"/>
+          </p:nvPr>
+        </p:nvSpPr>
+        <p:spPr/>
+        <p:txBody>
+          <a:bodyPr/>
+          <a:lstStyle/>
+          <a:p>
+            <a:r>
+              <a:rPr lang="en-US" dirty="0" smtClean="0"/>
+              <a:t>STL </a:t>
+            </a:r>
+            <a:r>
+              <a:rPr lang="en-US" dirty="0" err="1" smtClean="0">
+                <a:latin typeface="Courier New" panose="02070309020205020404" pitchFamily="49" charset="0"/>
+                <a:cs typeface="Courier New" panose="02070309020205020404" pitchFamily="49" charset="0"/>
+              </a:rPr>
+              <a:t>SequenceContainer</a:t>
+            </a:r>
+            <a:r>
+              <a:rPr lang="en-US" dirty="0" smtClean="0"/>
+              <a:t> API</a:t>
+            </a:r>
+            <a:endParaRPr lang="en-US" dirty="0"/>
+          </a:p>
+        </p:txBody>
+      </p:sp>
+      <p:sp>
+        <p:nvSpPr>
+          <p:cNvPr id="3" name="Content Placeholder 2"/>
+          <p:cNvSpPr>
+            <a:spLocks noGrp="1"/>
+          </p:cNvSpPr>
+          <p:nvPr>
+            <p:ph idx="1"/>
+          </p:nvPr>
+        </p:nvSpPr>
+        <p:spPr/>
+        <p:txBody>
+          <a:bodyPr>
+            <a:normAutofit fontScale="92500" lnSpcReduction="20000"/>
+          </a:bodyPr>
+          <a:lstStyle/>
+          <a:p>
+            <a:r>
+              <a:rPr lang="en-US" dirty="0" smtClean="0">
+                <a:latin typeface="Courier New" panose="02070309020205020404" pitchFamily="49" charset="0"/>
+                <a:cs typeface="Courier New" panose="02070309020205020404" pitchFamily="49" charset="0"/>
+              </a:rPr>
+              <a:t>c.at(index)</a:t>
+            </a:r>
+          </a:p>
+          <a:p>
+            <a:pPr lvl="1"/>
+            <a:r>
+              <a:rPr lang="en-US" dirty="0" smtClean="0"/>
+              <a:t>accessing element at </a:t>
+            </a:r>
+            <a:r>
+              <a:rPr lang="en-US" dirty="0" smtClean="0">
+                <a:latin typeface="Courier New" panose="02070309020205020404" pitchFamily="49" charset="0"/>
+                <a:cs typeface="Courier New" panose="02070309020205020404" pitchFamily="49" charset="0"/>
+              </a:rPr>
+              <a:t>index</a:t>
+            </a:r>
+            <a:r>
+              <a:rPr lang="en-US" dirty="0" smtClean="0"/>
+              <a:t> (0-based)</a:t>
+            </a:r>
+          </a:p>
+          <a:p>
+            <a:pPr lvl="1"/>
+            <a:r>
+              <a:rPr lang="en-US" dirty="0" smtClean="0"/>
+              <a:t>range checked, safer</a:t>
+            </a:r>
+          </a:p>
+          <a:p>
+            <a:r>
+              <a:rPr lang="en-US" dirty="0" smtClean="0">
+                <a:latin typeface="Courier New" panose="02070309020205020404" pitchFamily="49" charset="0"/>
+                <a:cs typeface="Courier New" panose="02070309020205020404" pitchFamily="49" charset="0"/>
+              </a:rPr>
+              <a:t>c[index]</a:t>
+            </a:r>
+          </a:p>
+          <a:p>
+            <a:pPr lvl="1"/>
+            <a:r>
+              <a:rPr lang="en-US" dirty="0" smtClean="0"/>
+              <a:t>accessing element </a:t>
+            </a:r>
+            <a:r>
+              <a:rPr lang="en-US" dirty="0" smtClean="0">
+                <a:latin typeface="Courier New" panose="02070309020205020404" pitchFamily="49" charset="0"/>
+                <a:cs typeface="Courier New" panose="02070309020205020404" pitchFamily="49" charset="0"/>
+              </a:rPr>
+              <a:t>index</a:t>
+            </a:r>
+            <a:r>
+              <a:rPr lang="en-US" dirty="0" smtClean="0"/>
+              <a:t> (0-based)</a:t>
+            </a:r>
+          </a:p>
+          <a:p>
+            <a:pPr lvl="1"/>
+            <a:r>
+              <a:rPr lang="en-US" dirty="0" smtClean="0"/>
+              <a:t>not ranged checked, faster</a:t>
+            </a:r>
+          </a:p>
+          <a:p>
+            <a:r>
+              <a:rPr lang="en-US" dirty="0" err="1" smtClean="0">
+                <a:latin typeface="Courier New" panose="02070309020205020404" pitchFamily="49" charset="0"/>
+                <a:cs typeface="Courier New" panose="02070309020205020404" pitchFamily="49" charset="0"/>
+              </a:rPr>
+              <a:t>c.front</a:t>
+            </a:r>
+            <a:r>
+              <a:rPr lang="en-US" dirty="0" smtClean="0">
+                <a:latin typeface="Courier New" panose="02070309020205020404" pitchFamily="49" charset="0"/>
+                <a:cs typeface="Courier New" panose="02070309020205020404" pitchFamily="49" charset="0"/>
+              </a:rPr>
+              <a:t>()</a:t>
+            </a:r>
+            <a:r>
+              <a:rPr lang="en-US" dirty="0" smtClean="0"/>
+              <a:t>/</a:t>
+            </a:r>
+            <a:r>
+              <a:rPr lang="en-US" dirty="0" err="1" smtClean="0">
+                <a:latin typeface="Courier New" panose="02070309020205020404" pitchFamily="49" charset="0"/>
+                <a:cs typeface="Courier New" panose="02070309020205020404" pitchFamily="49" charset="0"/>
+              </a:rPr>
+              <a:t>c.back</a:t>
+            </a:r>
+            <a:r>
+              <a:rPr lang="en-US" dirty="0" smtClean="0">
+                <a:latin typeface="Courier New" panose="02070309020205020404" pitchFamily="49" charset="0"/>
+                <a:cs typeface="Courier New" panose="02070309020205020404" pitchFamily="49" charset="0"/>
+              </a:rPr>
+              <a:t>()</a:t>
+            </a:r>
+          </a:p>
+          <a:p>
+            <a:pPr lvl="1"/>
+            <a:r>
+              <a:rPr lang="en-US" dirty="0" smtClean="0"/>
+              <a:t>first/last element</a:t>
+            </a:r>
+          </a:p>
+          <a:p>
+            <a:r>
+              <a:rPr lang="en-US" dirty="0" err="1" smtClean="0">
+                <a:latin typeface="Courier New" panose="02070309020205020404" pitchFamily="49" charset="0"/>
+                <a:cs typeface="Courier New" panose="02070309020205020404" pitchFamily="49" charset="0"/>
+              </a:rPr>
+              <a:t>c.push_back</a:t>
+            </a:r>
+            <a:r>
+              <a:rPr lang="en-US" dirty="0" smtClean="0">
+                <a:latin typeface="Courier New" panose="02070309020205020404" pitchFamily="49" charset="0"/>
+                <a:cs typeface="Courier New" panose="02070309020205020404" pitchFamily="49" charset="0"/>
+              </a:rPr>
+              <a:t>(e)</a:t>
+            </a:r>
+          </a:p>
+          <a:p>
+            <a:pPr lvl="1"/>
+            <a:r>
+              <a:rPr lang="en-US" dirty="0" smtClean="0"/>
+              <a:t>add element </a:t>
+            </a:r>
+            <a:r>
+              <a:rPr lang="en-US" dirty="0" smtClean="0">
+                <a:latin typeface="Courier New" panose="02070309020205020404" pitchFamily="49" charset="0"/>
+                <a:cs typeface="Courier New" panose="02070309020205020404" pitchFamily="49" charset="0"/>
+              </a:rPr>
+              <a:t>e</a:t>
+            </a:r>
+            <a:r>
+              <a:rPr lang="en-US" dirty="0" smtClean="0"/>
+              <a:t> at end</a:t>
+            </a:r>
+          </a:p>
+          <a:p>
+            <a:r>
+              <a:rPr lang="en-US" dirty="0" err="1" smtClean="0">
+                <a:latin typeface="Courier New" panose="02070309020205020404" pitchFamily="49" charset="0"/>
+                <a:cs typeface="Courier New" panose="02070309020205020404" pitchFamily="49" charset="0"/>
+              </a:rPr>
+              <a:t>c.insert</a:t>
+            </a:r>
+            <a:r>
+              <a:rPr lang="en-US" dirty="0" smtClean="0">
+                <a:latin typeface="Courier New" panose="02070309020205020404" pitchFamily="49" charset="0"/>
+                <a:cs typeface="Courier New" panose="02070309020205020404" pitchFamily="49" charset="0"/>
+              </a:rPr>
+              <a:t>(it, e)</a:t>
+            </a:r>
+          </a:p>
+          <a:p>
+            <a:pPr lvl="1"/>
+            <a:r>
+              <a:rPr lang="en-US" dirty="0" smtClean="0"/>
+              <a:t>insert an element </a:t>
+            </a:r>
+            <a:r>
+              <a:rPr lang="en-US" dirty="0" smtClean="0">
+                <a:latin typeface="Courier New" panose="02070309020205020404" pitchFamily="49" charset="0"/>
+                <a:cs typeface="Courier New" panose="02070309020205020404" pitchFamily="49" charset="0"/>
+              </a:rPr>
+              <a:t>e</a:t>
+            </a:r>
+            <a:r>
+              <a:rPr lang="en-US" dirty="0" smtClean="0"/>
+              <a:t> before position </a:t>
+            </a:r>
+            <a:r>
+              <a:rPr lang="en-US" dirty="0" smtClean="0">
+                <a:latin typeface="Courier New" panose="02070309020205020404" pitchFamily="49" charset="0"/>
+                <a:cs typeface="Courier New" panose="02070309020205020404" pitchFamily="49" charset="0"/>
+              </a:rPr>
+              <a:t>it</a:t>
+            </a:r>
+            <a:r>
+              <a:rPr lang="en-US" dirty="0" smtClean="0"/>
+              <a:t> iterator</a:t>
+            </a:r>
+            <a:endParaRPr lang="en-US" dirty="0"/>
+          </a:p>
+        </p:txBody>
+      </p:sp>
+      <p:sp>
+        <p:nvSpPr>
+          <p:cNvPr id="4" name="Slide Number Placeholder 3"/>
+          <p:cNvSpPr>
+            <a:spLocks noGrp="1"/>
+          </p:cNvSpPr>
+          <p:nvPr>
+            <p:ph type="sldNum" sz="quarter" idx="12"/>
+          </p:nvPr>
+        </p:nvSpPr>
+        <p:spPr/>
+        <p:txBody>
+          <a:bodyPr/>
+          <a:lstStyle/>
+          <a:p>
+            <a:fld id="{11AD1F4E-1E51-402E-B221-310F004E7D3B}" type="slidenum">
+              <a:rPr lang="en-US" smtClean="0"/>
+              <a:t>17</a:t>
+            </a:fld>
+            <a:endParaRPr lang="en-US"/>
+          </a:p>
+        </p:txBody>
+      </p:sp>
+    </p:spTree>
+    <p:extLst>
+      <p:ext uri="{BB962C8B-B14F-4D97-AF65-F5344CB8AC3E}">
+        <p14:creationId xmlns:p14="http://schemas.microsoft.com/office/powerpoint/2010/main" val="3360170668"/>
+      </p:ext>
+    </p:extLst>
+  </p:cSld>
+  <p:clrMapOvr>
+    <a:masterClrMapping/>
+  </p:clrMapOvr>
+  <p:timing>
+    <p:tnLst>
+      <p:par>
+        <p:cTn id="1" dur="indefinite" restart="never" nodeType="tmRoot">
+          <p:childTnLst>
+            <p:seq concurrent="1" nextAc="seek">
+              <p:cTn id="2" dur="indefinite" nodeType="mainSeq">
+                <p:childTnLst>
+                  <p:par>
+                    <p:cTn id="3" fill="hold">
+                      <p:stCondLst>
+                        <p:cond delay="indefinite"/>
+                        <p:cond evt="onBegin" delay="0">
+                          <p:tn val="2"/>
+                        </p:cond>
+                      </p:stCondLst>
+                      <p:childTnLst>
+                        <p:par>
+                          <p:cTn id="4" fill="hold">
+                            <p:stCondLst>
+                              <p:cond delay="0"/>
+                            </p:stCondLst>
+                            <p:childTnLst>
+                              <p:par>
+                                <p:cTn id="5" presetID="1" presetClass="entr" presetSubtype="0" fill="hold" grpId="0" nodeType="withEffect">
+                                  <p:stCondLst>
+                                    <p:cond delay="0"/>
+                                  </p:stCondLst>
+                                  <p:childTnLst>
+                                    <p:set>
+                                      <p:cBhvr>
+                                        <p:cTn id="6" dur="1" fill="hold">
+                                          <p:stCondLst>
+                                            <p:cond delay="0"/>
+                                          </p:stCondLst>
+                                        </p:cTn>
+                                        <p:tgtEl>
+                                          <p:spTgt spid="3">
+                                            <p:txEl>
+                                              <p:pRg st="0" end="0"/>
+                                            </p:txEl>
+                                          </p:spTgt>
+                                        </p:tgtEl>
+                                        <p:attrNameLst>
+                                          <p:attrName>style.visibility</p:attrName>
+                                        </p:attrNameLst>
+                                      </p:cBhvr>
+                                      <p:to>
+                                        <p:strVal val="visible"/>
+                                      </p:to>
+                                    </p:set>
+                                  </p:childTnLst>
+                                </p:cTn>
+                              </p:par>
+                              <p:par>
+                                <p:cTn id="7" presetID="1" presetClass="entr" presetSubtype="0" fill="hold" grpId="0" nodeType="withEffect">
+                                  <p:stCondLst>
+                                    <p:cond delay="0"/>
+                                  </p:stCondLst>
+                                  <p:childTnLst>
+                                    <p:set>
+                                      <p:cBhvr>
+                                        <p:cTn id="8" dur="1" fill="hold">
+                                          <p:stCondLst>
+                                            <p:cond delay="0"/>
+                                          </p:stCondLst>
+                                        </p:cTn>
+                                        <p:tgtEl>
+                                          <p:spTgt spid="3">
+                                            <p:txEl>
+                                              <p:pRg st="1" end="1"/>
+                                            </p:txEl>
+                                          </p:spTgt>
+                                        </p:tgtEl>
+                                        <p:attrNameLst>
+                                          <p:attrName>style.visibility</p:attrName>
+                                        </p:attrNameLst>
+                                      </p:cBhvr>
+                                      <p:to>
+                                        <p:strVal val="visible"/>
+                                      </p:to>
+                                    </p:set>
+                                  </p:childTnLst>
+                                </p:cTn>
+                              </p:par>
+                              <p:par>
+                                <p:cTn id="9" presetID="1" presetClass="entr" presetSubtype="0" fill="hold" grpId="0" nodeType="withEffect">
+                                  <p:stCondLst>
+                                    <p:cond delay="0"/>
+                                  </p:stCondLst>
+                                  <p:childTnLst>
+                                    <p:set>
+                                      <p:cBhvr>
+                                        <p:cTn id="10" dur="1" fill="hold">
+                                          <p:stCondLst>
+                                            <p:cond delay="0"/>
+                                          </p:stCondLst>
+                                        </p:cTn>
+                                        <p:tgtEl>
+                                          <p:spTgt spid="3">
+                                            <p:txEl>
+                                              <p:pRg st="2" end="2"/>
+                                            </p:txEl>
+                                          </p:spTgt>
+                                        </p:tgtEl>
+                                        <p:attrNameLst>
+                                          <p:attrName>style.visibility</p:attrName>
+                                        </p:attrNameLst>
+                                      </p:cBhvr>
+                                      <p:to>
+                                        <p:strVal val="visible"/>
+                                      </p:to>
+                                    </p:set>
+                                  </p:childTnLst>
+                                </p:cTn>
+                              </p:par>
+                            </p:childTnLst>
+                          </p:cTn>
+                        </p:par>
+                      </p:childTnLst>
+                    </p:cTn>
+                  </p:par>
+                  <p:par>
+                    <p:cTn id="11" fill="hold">
+                      <p:stCondLst>
+                        <p:cond delay="indefinite"/>
+                      </p:stCondLst>
+                      <p:childTnLst>
+                        <p:par>
+                          <p:cTn id="12" fill="hold">
+                            <p:stCondLst>
+                              <p:cond delay="0"/>
+                            </p:stCondLst>
+                            <p:childTnLst>
+                              <p:par>
+                                <p:cTn id="13" presetID="1" presetClass="entr" presetSubtype="0" fill="hold" grpId="0" nodeType="clickEffect">
+                                  <p:stCondLst>
+                                    <p:cond delay="0"/>
+                                  </p:stCondLst>
+                                  <p:childTnLst>
+                                    <p:set>
+                                      <p:cBhvr>
+                                        <p:cTn id="14" dur="1" fill="hold">
+                                          <p:stCondLst>
+                                            <p:cond delay="0"/>
+                                          </p:stCondLst>
+                                        </p:cTn>
+                                        <p:tgtEl>
+                                          <p:spTgt spid="3">
+                                            <p:txEl>
+                                              <p:pRg st="3" end="3"/>
+                                            </p:txEl>
+                                          </p:spTgt>
+                                        </p:tgtEl>
+                                        <p:attrNameLst>
+                                          <p:attrName>style.visibility</p:attrName>
+                                        </p:attrNameLst>
+                                      </p:cBhvr>
+                                      <p:to>
+                                        <p:strVal val="visible"/>
+                                      </p:to>
+                                    </p:set>
+                                  </p:childTnLst>
+                                </p:cTn>
+                              </p:par>
+                              <p:par>
+                                <p:cTn id="15" presetID="1" presetClass="entr" presetSubtype="0" fill="hold" grpId="0" nodeType="withEffect">
+                                  <p:stCondLst>
+                                    <p:cond delay="0"/>
+                                  </p:stCondLst>
+                                  <p:childTnLst>
+                                    <p:set>
+                                      <p:cBhvr>
+                                        <p:cTn id="16" dur="1" fill="hold">
+                                          <p:stCondLst>
+                                            <p:cond delay="0"/>
+                                          </p:stCondLst>
+                                        </p:cTn>
+                                        <p:tgtEl>
+                                          <p:spTgt spid="3">
+                                            <p:txEl>
+                                              <p:pRg st="4" end="4"/>
+                                            </p:txEl>
+                                          </p:spTgt>
+                                        </p:tgtEl>
+                                        <p:attrNameLst>
+                                          <p:attrName>style.visibility</p:attrName>
+                                        </p:attrNameLst>
+                                      </p:cBhvr>
+                                      <p:to>
+                                        <p:strVal val="visible"/>
+                                      </p:to>
+                                    </p:set>
+                                  </p:childTnLst>
+                                </p:cTn>
+                              </p:par>
+                              <p:par>
+                                <p:cTn id="17" presetID="1" presetClass="entr" presetSubtype="0" fill="hold" grpId="0" nodeType="withEffect">
+                                  <p:stCondLst>
+                                    <p:cond delay="0"/>
+                                  </p:stCondLst>
+                                  <p:childTnLst>
+                                    <p:set>
+                                      <p:cBhvr>
+                                        <p:cTn id="18" dur="1" fill="hold">
+                                          <p:stCondLst>
+                                            <p:cond delay="0"/>
+                                          </p:stCondLst>
+                                        </p:cTn>
+                                        <p:tgtEl>
+                                          <p:spTgt spid="3">
+                                            <p:txEl>
+                                              <p:pRg st="5" end="5"/>
+                                            </p:txEl>
+                                          </p:spTgt>
+                                        </p:tgtEl>
+                                        <p:attrNameLst>
+                                          <p:attrName>style.visibility</p:attrName>
+                                        </p:attrNameLst>
+                                      </p:cBhvr>
+                                      <p:to>
+                                        <p:strVal val="visible"/>
+                                      </p:to>
+                                    </p:set>
+                                  </p:childTnLst>
+                                </p:cTn>
+                              </p:par>
+                            </p:childTnLst>
+                          </p:cTn>
+                        </p:par>
+                      </p:childTnLst>
+                    </p:cTn>
+                  </p:par>
+                  <p:par>
+                    <p:cTn id="19" fill="hold">
+                      <p:stCondLst>
+                        <p:cond delay="indefinite"/>
+                      </p:stCondLst>
+                      <p:childTnLst>
+                        <p:par>
+                          <p:cTn id="20" fill="hold">
+                            <p:stCondLst>
+                              <p:cond delay="0"/>
+                            </p:stCondLst>
+                            <p:childTnLst>
+                              <p:par>
+                                <p:cTn id="21" presetID="1" presetClass="entr" presetSubtype="0" fill="hold" grpId="0" nodeType="clickEffect">
+                                  <p:stCondLst>
+                                    <p:cond delay="0"/>
+                                  </p:stCondLst>
+                                  <p:childTnLst>
+                                    <p:set>
+                                      <p:cBhvr>
+                                        <p:cTn id="22" dur="1" fill="hold">
+                                          <p:stCondLst>
+                                            <p:cond delay="0"/>
+                                          </p:stCondLst>
+                                        </p:cTn>
+                                        <p:tgtEl>
+                                          <p:spTgt spid="3">
+                                            <p:txEl>
+                                              <p:pRg st="6" end="6"/>
+                                            </p:txEl>
+                                          </p:spTgt>
+                                        </p:tgtEl>
+                                        <p:attrNameLst>
+                                          <p:attrName>style.visibility</p:attrName>
+                                        </p:attrNameLst>
+                                      </p:cBhvr>
+                                      <p:to>
+                                        <p:strVal val="visible"/>
+                                      </p:to>
+                                    </p:set>
+                                  </p:childTnLst>
+                                </p:cTn>
+                              </p:par>
+                              <p:par>
+                                <p:cTn id="23" presetID="1" presetClass="entr" presetSubtype="0" fill="hold" grpId="0" nodeType="withEffect">
+                                  <p:stCondLst>
+                                    <p:cond delay="0"/>
+                                  </p:stCondLst>
+                                  <p:childTnLst>
+                                    <p:set>
+                                      <p:cBhvr>
+                                        <p:cTn id="24" dur="1" fill="hold">
+                                          <p:stCondLst>
+                                            <p:cond delay="0"/>
+                                          </p:stCondLst>
+                                        </p:cTn>
+                                        <p:tgtEl>
+                                          <p:spTgt spid="3">
+                                            <p:txEl>
+                                              <p:pRg st="7" end="7"/>
+                                            </p:txEl>
+                                          </p:spTgt>
+                                        </p:tgtEl>
+                                        <p:attrNameLst>
+                                          <p:attrName>style.visibility</p:attrName>
+                                        </p:attrNameLst>
+                                      </p:cBhvr>
+                                      <p:to>
+                                        <p:strVal val="visible"/>
+                                      </p:to>
+                                    </p:set>
+                                  </p:childTnLst>
+                                </p:cTn>
+                              </p:par>
+                            </p:childTnLst>
+                          </p:cTn>
+                        </p:par>
+                      </p:childTnLst>
+                    </p:cTn>
+                  </p:par>
+                  <p:par>
+                    <p:cTn id="25" fill="hold">
+                      <p:stCondLst>
+                        <p:cond delay="indefinite"/>
+                      </p:stCondLst>
+                      <p:childTnLst>
+                        <p:par>
+                          <p:cTn id="26" fill="hold">
+                            <p:stCondLst>
+                              <p:cond delay="0"/>
+                            </p:stCondLst>
+                            <p:childTnLst>
+                              <p:par>
+                                <p:cTn id="27" presetID="1" presetClass="entr" presetSubtype="0" fill="hold" grpId="0" nodeType="clickEffect">
+                                  <p:stCondLst>
+                                    <p:cond delay="0"/>
+                                  </p:stCondLst>
+                                  <p:childTnLst>
+                                    <p:set>
+                                      <p:cBhvr>
+                                        <p:cTn id="28" dur="1" fill="hold">
+                                          <p:stCondLst>
+                                            <p:cond delay="0"/>
+                                          </p:stCondLst>
+                                        </p:cTn>
+                                        <p:tgtEl>
+                                          <p:spTgt spid="3">
+                                            <p:txEl>
+                                              <p:pRg st="8" end="8"/>
+                                            </p:txEl>
+                                          </p:spTgt>
+                                        </p:tgtEl>
+                                        <p:attrNameLst>
+                                          <p:attrName>style.visibility</p:attrName>
+                                        </p:attrNameLst>
+                                      </p:cBhvr>
+                                      <p:to>
+                                        <p:strVal val="visible"/>
+                                      </p:to>
+                                    </p:set>
+                                  </p:childTnLst>
+                                </p:cTn>
+                              </p:par>
+                              <p:par>
+                                <p:cTn id="29" presetID="1" presetClass="entr" presetSubtype="0" fill="hold" grpId="0" nodeType="withEffect">
+                                  <p:stCondLst>
+                                    <p:cond delay="0"/>
+                                  </p:stCondLst>
+                                  <p:childTnLst>
+                                    <p:set>
+                                      <p:cBhvr>
+                                        <p:cTn id="30" dur="1" fill="hold">
+                                          <p:stCondLst>
+                                            <p:cond delay="0"/>
+                                          </p:stCondLst>
+                                        </p:cTn>
+                                        <p:tgtEl>
+                                          <p:spTgt spid="3">
+                                            <p:txEl>
+                                              <p:pRg st="9" end="9"/>
+                                            </p:txEl>
+                                          </p:spTgt>
+                                        </p:tgtEl>
+                                        <p:attrNameLst>
+                                          <p:attrName>style.visibility</p:attrName>
+                                        </p:attrNameLst>
+                                      </p:cBhvr>
+                                      <p:to>
+                                        <p:strVal val="visible"/>
+                                      </p:to>
+                                    </p:set>
+                                  </p:childTnLst>
+                                </p:cTn>
+                              </p:par>
+                            </p:childTnLst>
+                          </p:cTn>
+                        </p:par>
+                      </p:childTnLst>
+                    </p:cTn>
+                  </p:par>
+                  <p:par>
+                    <p:cTn id="31" fill="hold">
+                      <p:stCondLst>
+                        <p:cond delay="indefinite"/>
+                      </p:stCondLst>
+                      <p:childTnLst>
+                        <p:par>
+                          <p:cTn id="32" fill="hold">
+                            <p:stCondLst>
+                              <p:cond delay="0"/>
+                            </p:stCondLst>
+                            <p:childTnLst>
+                              <p:par>
+                                <p:cTn id="33" presetID="1" presetClass="entr" presetSubtype="0" fill="hold" grpId="0" nodeType="clickEffect">
+                                  <p:stCondLst>
+                                    <p:cond delay="0"/>
+                                  </p:stCondLst>
+                                  <p:childTnLst>
+                                    <p:set>
+                                      <p:cBhvr>
+                                        <p:cTn id="34" dur="1" fill="hold">
+                                          <p:stCondLst>
+                                            <p:cond delay="0"/>
+                                          </p:stCondLst>
+                                        </p:cTn>
+                                        <p:tgtEl>
+                                          <p:spTgt spid="3">
+                                            <p:txEl>
+                                              <p:pRg st="10" end="10"/>
+                                            </p:txEl>
+                                          </p:spTgt>
+                                        </p:tgtEl>
+                                        <p:attrNameLst>
+                                          <p:attrName>style.visibility</p:attrName>
+                                        </p:attrNameLst>
+                                      </p:cBhvr>
+                                      <p:to>
+                                        <p:strVal val="visible"/>
+                                      </p:to>
+                                    </p:set>
+                                  </p:childTnLst>
+                                </p:cTn>
+                              </p:par>
+                              <p:par>
+                                <p:cTn id="35" presetID="1" presetClass="entr" presetSubtype="0" fill="hold" grpId="0" nodeType="withEffect">
+                                  <p:stCondLst>
+                                    <p:cond delay="0"/>
+                                  </p:stCondLst>
+                                  <p:childTnLst>
+                                    <p:set>
+                                      <p:cBhvr>
+                                        <p:cTn id="36" dur="1" fill="hold">
+                                          <p:stCondLst>
+                                            <p:cond delay="0"/>
+                                          </p:stCondLst>
+                                        </p:cTn>
+                                        <p:tgtEl>
+                                          <p:spTgt spid="3">
+                                            <p:txEl>
+                                              <p:pRg st="11" end="11"/>
+                                            </p:txEl>
+                                          </p:spTgt>
+                                        </p:tgtEl>
+                                        <p:attrNameLst>
+                                          <p:attrName>style.visibility</p:attrName>
+                                        </p:attrNameLst>
+                                      </p:cBhvr>
+                                      <p:to>
+                                        <p:strVal val="visible"/>
+                                      </p:to>
+                                    </p:set>
+                                  </p:childTnLst>
+                                </p:cTn>
+                              </p:par>
+                            </p:childTnLst>
+                          </p:cTn>
+                        </p:par>
+                      </p:childTnLst>
+                    </p:cTn>
+                  </p:par>
+                </p:childTnLst>
+              </p:cTn>
+              <p:prevCondLst>
+                <p:cond evt="onPrev" delay="0">
+                  <p:tgtEl>
+                    <p:sldTgt/>
+                  </p:tgtEl>
+                </p:cond>
+              </p:prevCondLst>
+              <p:nextCondLst>
+                <p:cond evt="onNext" delay="0">
+                  <p:tgtEl>
+                    <p:sldTgt/>
+                  </p:tgtEl>
+                </p:cond>
+              </p:nextCondLst>
+            </p:seq>
+          </p:childTnLst>
+        </p:cTn>
+      </p:par>
+    </p:tnLst>
+    <p:bldLst>
+      <p:bldP spid="3" grpId="0" uiExpand="1" build="p"/>
+    </p:bldLst>
+  </p:timing>
+</p:sld>
+</file>
+
+<file path=ppt/slides/slide18.xml><?xml version="1.0" encoding="utf-8"?>
 <p:sld xmlns:a="http://schemas.openxmlformats.org/drawingml/2006/main" xmlns:r="http://schemas.openxmlformats.org/officeDocument/2006/relationships" xmlns:p="http://schemas.openxmlformats.org/presentationml/2006/main">
   <p:cSld>
     <p:spTree>
@@ -7857,7 +9200,7 @@
             <a:graphicData uri="http://schemas.openxmlformats.org/presentationml/2006/ole">
               <mc:AlternateContent xmlns:mc="http://schemas.openxmlformats.org/markup-compatibility/2006">
                 <mc:Choice xmlns:v="urn:schemas-microsoft-com:vml" Requires="v">
-                  <p:oleObj spid="_x0000_s3172" name="Equation" r:id="rId3" imgW="1180800" imgH="228600" progId="Equation.3">
+                  <p:oleObj spid="_x0000_s3175" name="Equation" r:id="rId3" imgW="1180800" imgH="228600" progId="Equation.3">
                     <p:embed/>
                   </p:oleObj>
                 </mc:Choice>
@@ -7949,7 +9292,7 @@
           <a:p>
             <a:fld id="{11AD1F4E-1E51-402E-B221-310F004E7D3B}" type="slidenum">
               <a:rPr lang="en-US" smtClean="0"/>
-              <a:t>17</a:t>
+              <a:t>18</a:t>
             </a:fld>
             <a:endParaRPr lang="en-US"/>
           </a:p>
@@ -8655,7 +9998,7 @@
 </p:sld>
 </file>
 
-<file path=ppt/slides/slide18.xml><?xml version="1.0" encoding="utf-8"?>
+<file path=ppt/slides/slide19.xml><?xml version="1.0" encoding="utf-8"?>
 <p:sld xmlns:a="http://schemas.openxmlformats.org/drawingml/2006/main" xmlns:r="http://schemas.openxmlformats.org/officeDocument/2006/relationships" xmlns:p="http://schemas.openxmlformats.org/presentationml/2006/main">
   <p:cSld>
     <p:spTree>
@@ -8781,7 +10124,7 @@
           <a:p>
             <a:fld id="{11AD1F4E-1E51-402E-B221-310F004E7D3B}" type="slidenum">
               <a:rPr lang="en-US" smtClean="0"/>
-              <a:t>18</a:t>
+              <a:t>19</a:t>
             </a:fld>
             <a:endParaRPr lang="en-US"/>
           </a:p>
@@ -9033,664 +10376,6 @@
 </p:sld>
 </file>
 
-<file path=ppt/slides/slide19.xml><?xml version="1.0" encoding="utf-8"?>
-<p:sld xmlns:a="http://schemas.openxmlformats.org/drawingml/2006/main" xmlns:r="http://schemas.openxmlformats.org/officeDocument/2006/relationships" xmlns:p="http://schemas.openxmlformats.org/presentationml/2006/main">
-  <p:cSld>
-    <p:spTree>
-      <p:nvGrpSpPr>
-        <p:cNvPr id="1" name=""/>
-        <p:cNvGrpSpPr/>
-        <p:nvPr/>
-      </p:nvGrpSpPr>
-      <p:grpSpPr>
-        <a:xfrm>
-          <a:off x="0" y="0"/>
-          <a:ext cx="0" cy="0"/>
-          <a:chOff x="0" y="0"/>
-          <a:chExt cx="0" cy="0"/>
-        </a:xfrm>
-      </p:grpSpPr>
-      <p:sp>
-        <p:nvSpPr>
-          <p:cNvPr id="2" name="Title 1"/>
-          <p:cNvSpPr>
-            <a:spLocks noGrp="1"/>
-          </p:cNvSpPr>
-          <p:nvPr>
-            <p:ph type="title"/>
-          </p:nvPr>
-        </p:nvSpPr>
-        <p:spPr/>
-        <p:txBody>
-          <a:bodyPr/>
-          <a:lstStyle/>
-          <a:p>
-            <a:r>
-              <a:rPr lang="en-US" dirty="0" smtClean="0"/>
-              <a:t>Tuple </a:t>
-            </a:r>
-            <a:r>
-              <a:rPr lang="en-US" dirty="0" smtClean="0"/>
-              <a:t>example</a:t>
-            </a:r>
-            <a:endParaRPr lang="en-US" dirty="0"/>
-          </a:p>
-        </p:txBody>
-      </p:sp>
-      <p:sp>
-        <p:nvSpPr>
-          <p:cNvPr id="4" name="Slide Number Placeholder 3"/>
-          <p:cNvSpPr>
-            <a:spLocks noGrp="1"/>
-          </p:cNvSpPr>
-          <p:nvPr>
-            <p:ph type="sldNum" sz="quarter" idx="12"/>
-          </p:nvPr>
-        </p:nvSpPr>
-        <p:spPr/>
-        <p:txBody>
-          <a:bodyPr/>
-          <a:lstStyle/>
-          <a:p>
-            <a:fld id="{11AD1F4E-1E51-402E-B221-310F004E7D3B}" type="slidenum">
-              <a:rPr lang="en-US" smtClean="0"/>
-              <a:t>19</a:t>
-            </a:fld>
-            <a:endParaRPr lang="en-US"/>
-          </a:p>
-        </p:txBody>
-      </p:sp>
-      <p:sp>
-        <p:nvSpPr>
-          <p:cNvPr id="5" name="TextBox 4"/>
-          <p:cNvSpPr txBox="1"/>
-          <p:nvPr/>
-        </p:nvSpPr>
-        <p:spPr>
-          <a:xfrm>
-            <a:off x="628650" y="1463860"/>
-            <a:ext cx="7540565" cy="3970318"/>
-          </a:xfrm>
-          <a:prstGeom prst="rect">
-            <a:avLst/>
-          </a:prstGeom>
-          <a:solidFill>
-            <a:schemeClr val="bg1">
-              <a:lumMod val="75000"/>
-            </a:schemeClr>
-          </a:solidFill>
-          <a:ln>
-            <a:solidFill>
-              <a:schemeClr val="tx1"/>
-            </a:solidFill>
-          </a:ln>
-        </p:spPr>
-        <p:txBody>
-          <a:bodyPr wrap="square" rtlCol="0">
-            <a:spAutoFit/>
-          </a:bodyPr>
-          <a:lstStyle/>
-          <a:p>
-            <a:r>
-              <a:rPr lang="en-US" dirty="0" smtClean="0">
-                <a:latin typeface="Courier New" panose="02070309020205020404" pitchFamily="49" charset="0"/>
-                <a:cs typeface="Courier New" panose="02070309020205020404" pitchFamily="49" charset="0"/>
-              </a:rPr>
-              <a:t>#include &lt;tuple&gt;</a:t>
-            </a:r>
-          </a:p>
-          <a:p>
-            <a:r>
-              <a:rPr lang="en-US" dirty="0" smtClean="0">
-                <a:latin typeface="Courier New" panose="02070309020205020404" pitchFamily="49" charset="0"/>
-                <a:cs typeface="Courier New" panose="02070309020205020404" pitchFamily="49" charset="0"/>
-              </a:rPr>
-              <a:t>…</a:t>
-            </a:r>
-          </a:p>
-          <a:p>
-            <a:r>
-              <a:rPr lang="en-US" dirty="0" smtClean="0">
-                <a:latin typeface="Courier New" panose="02070309020205020404" pitchFamily="49" charset="0"/>
-                <a:cs typeface="Courier New" panose="02070309020205020404" pitchFamily="49" charset="0"/>
-              </a:rPr>
-              <a:t>auto </a:t>
-            </a:r>
-            <a:r>
-              <a:rPr lang="en-US" dirty="0" err="1" smtClean="0">
-                <a:latin typeface="Courier New" panose="02070309020205020404" pitchFamily="49" charset="0"/>
-                <a:cs typeface="Courier New" panose="02070309020205020404" pitchFamily="49" charset="0"/>
-              </a:rPr>
-              <a:t>electron_prop</a:t>
-            </a:r>
-            <a:r>
-              <a:rPr lang="en-US" dirty="0" smtClean="0">
-                <a:latin typeface="Courier New" panose="02070309020205020404" pitchFamily="49" charset="0"/>
-                <a:cs typeface="Courier New" panose="02070309020205020404" pitchFamily="49" charset="0"/>
-              </a:rPr>
-              <a:t> = </a:t>
-            </a:r>
-            <a:r>
-              <a:rPr lang="en-US" dirty="0" err="1" smtClean="0">
-                <a:latin typeface="Courier New" panose="02070309020205020404" pitchFamily="49" charset="0"/>
-                <a:cs typeface="Courier New" panose="02070309020205020404" pitchFamily="49" charset="0"/>
-              </a:rPr>
-              <a:t>std</a:t>
-            </a:r>
-            <a:r>
-              <a:rPr lang="en-US" dirty="0" smtClean="0">
-                <a:latin typeface="Courier New" panose="02070309020205020404" pitchFamily="49" charset="0"/>
-                <a:cs typeface="Courier New" panose="02070309020205020404" pitchFamily="49" charset="0"/>
-              </a:rPr>
-              <a:t>::</a:t>
-            </a:r>
-            <a:r>
-              <a:rPr lang="en-US" dirty="0" err="1" smtClean="0">
-                <a:latin typeface="Courier New" panose="02070309020205020404" pitchFamily="49" charset="0"/>
-                <a:cs typeface="Courier New" panose="02070309020205020404" pitchFamily="49" charset="0"/>
-              </a:rPr>
-              <a:t>make_tuple</a:t>
-            </a:r>
-            <a:r>
-              <a:rPr lang="en-US" dirty="0" smtClean="0">
-                <a:latin typeface="Courier New" panose="02070309020205020404" pitchFamily="49" charset="0"/>
-                <a:cs typeface="Courier New" panose="02070309020205020404" pitchFamily="49" charset="0"/>
-              </a:rPr>
-              <a:t>(9.11e-31, -1);</a:t>
-            </a:r>
-          </a:p>
-          <a:p>
-            <a:r>
-              <a:rPr lang="en-US" dirty="0" smtClean="0">
-                <a:latin typeface="Courier New" panose="02070309020205020404" pitchFamily="49" charset="0"/>
-                <a:cs typeface="Courier New" panose="02070309020205020404" pitchFamily="49" charset="0"/>
-              </a:rPr>
-              <a:t>…</a:t>
-            </a:r>
-          </a:p>
-          <a:p>
-            <a:r>
-              <a:rPr lang="en-US" dirty="0" err="1" smtClean="0">
-                <a:latin typeface="Courier New" panose="02070309020205020404" pitchFamily="49" charset="0"/>
-                <a:cs typeface="Courier New" panose="02070309020205020404" pitchFamily="49" charset="0"/>
-              </a:rPr>
-              <a:t>std</a:t>
-            </a:r>
-            <a:r>
-              <a:rPr lang="en-US" dirty="0" smtClean="0">
-                <a:latin typeface="Courier New" panose="02070309020205020404" pitchFamily="49" charset="0"/>
-                <a:cs typeface="Courier New" panose="02070309020205020404" pitchFamily="49" charset="0"/>
-              </a:rPr>
-              <a:t>::</a:t>
-            </a:r>
-            <a:r>
-              <a:rPr lang="en-US" dirty="0" err="1" smtClean="0">
-                <a:latin typeface="Courier New" panose="02070309020205020404" pitchFamily="49" charset="0"/>
-                <a:cs typeface="Courier New" panose="02070309020205020404" pitchFamily="49" charset="0"/>
-              </a:rPr>
-              <a:t>cout</a:t>
-            </a:r>
-            <a:r>
-              <a:rPr lang="en-US" dirty="0" smtClean="0">
-                <a:latin typeface="Courier New" panose="02070309020205020404" pitchFamily="49" charset="0"/>
-                <a:cs typeface="Courier New" panose="02070309020205020404" pitchFamily="49" charset="0"/>
-              </a:rPr>
-              <a:t> &lt;&lt; "mass: " &lt;&lt; </a:t>
-            </a:r>
-            <a:r>
-              <a:rPr lang="en-US" dirty="0" err="1" smtClean="0">
-                <a:latin typeface="Courier New" panose="02070309020205020404" pitchFamily="49" charset="0"/>
-                <a:cs typeface="Courier New" panose="02070309020205020404" pitchFamily="49" charset="0"/>
-              </a:rPr>
-              <a:t>std</a:t>
-            </a:r>
-            <a:r>
-              <a:rPr lang="en-US" dirty="0" smtClean="0">
-                <a:latin typeface="Courier New" panose="02070309020205020404" pitchFamily="49" charset="0"/>
-                <a:cs typeface="Courier New" panose="02070309020205020404" pitchFamily="49" charset="0"/>
-              </a:rPr>
-              <a:t>::get&lt;0&gt;(</a:t>
-            </a:r>
-            <a:r>
-              <a:rPr lang="en-US" dirty="0" err="1" smtClean="0">
-                <a:latin typeface="Courier New" panose="02070309020205020404" pitchFamily="49" charset="0"/>
-                <a:cs typeface="Courier New" panose="02070309020205020404" pitchFamily="49" charset="0"/>
-              </a:rPr>
-              <a:t>electron_prop</a:t>
-            </a:r>
-            <a:r>
-              <a:rPr lang="en-US" dirty="0" smtClean="0">
-                <a:latin typeface="Courier New" panose="02070309020205020404" pitchFamily="49" charset="0"/>
-                <a:cs typeface="Courier New" panose="02070309020205020404" pitchFamily="49" charset="0"/>
-              </a:rPr>
-              <a:t>)</a:t>
-            </a:r>
-            <a:br>
-              <a:rPr lang="en-US" dirty="0" smtClean="0">
-                <a:latin typeface="Courier New" panose="02070309020205020404" pitchFamily="49" charset="0"/>
-                <a:cs typeface="Courier New" panose="02070309020205020404" pitchFamily="49" charset="0"/>
-              </a:rPr>
-            </a:br>
-            <a:r>
-              <a:rPr lang="en-US" dirty="0" smtClean="0">
-                <a:latin typeface="Courier New" panose="02070309020205020404" pitchFamily="49" charset="0"/>
-                <a:cs typeface="Courier New" panose="02070309020205020404" pitchFamily="49" charset="0"/>
-              </a:rPr>
-              <a:t>          &lt;&lt; </a:t>
-            </a:r>
-            <a:r>
-              <a:rPr lang="en-US" dirty="0" err="1" smtClean="0">
-                <a:latin typeface="Courier New" panose="02070309020205020404" pitchFamily="49" charset="0"/>
-                <a:cs typeface="Courier New" panose="02070309020205020404" pitchFamily="49" charset="0"/>
-              </a:rPr>
-              <a:t>std</a:t>
-            </a:r>
-            <a:r>
-              <a:rPr lang="en-US" dirty="0" smtClean="0">
-                <a:latin typeface="Courier New" panose="02070309020205020404" pitchFamily="49" charset="0"/>
-                <a:cs typeface="Courier New" panose="02070309020205020404" pitchFamily="49" charset="0"/>
-              </a:rPr>
-              <a:t>::</a:t>
-            </a:r>
-            <a:r>
-              <a:rPr lang="en-US" dirty="0" err="1" smtClean="0">
-                <a:latin typeface="Courier New" panose="02070309020205020404" pitchFamily="49" charset="0"/>
-                <a:cs typeface="Courier New" panose="02070309020205020404" pitchFamily="49" charset="0"/>
-              </a:rPr>
-              <a:t>endl</a:t>
-            </a:r>
-            <a:r>
-              <a:rPr lang="en-US" dirty="0" smtClean="0">
-                <a:latin typeface="Courier New" panose="02070309020205020404" pitchFamily="49" charset="0"/>
-                <a:cs typeface="Courier New" panose="02070309020205020404" pitchFamily="49" charset="0"/>
-              </a:rPr>
-              <a:t>;</a:t>
-            </a:r>
-          </a:p>
-          <a:p>
-            <a:r>
-              <a:rPr lang="en-US" dirty="0" err="1" smtClean="0">
-                <a:latin typeface="Courier New" panose="02070309020205020404" pitchFamily="49" charset="0"/>
-                <a:cs typeface="Courier New" panose="02070309020205020404" pitchFamily="49" charset="0"/>
-              </a:rPr>
-              <a:t>std</a:t>
-            </a:r>
-            <a:r>
-              <a:rPr lang="en-US" dirty="0" smtClean="0">
-                <a:latin typeface="Courier New" panose="02070309020205020404" pitchFamily="49" charset="0"/>
-                <a:cs typeface="Courier New" panose="02070309020205020404" pitchFamily="49" charset="0"/>
-              </a:rPr>
-              <a:t>::</a:t>
-            </a:r>
-            <a:r>
-              <a:rPr lang="en-US" dirty="0" err="1" smtClean="0">
-                <a:latin typeface="Courier New" panose="02070309020205020404" pitchFamily="49" charset="0"/>
-                <a:cs typeface="Courier New" panose="02070309020205020404" pitchFamily="49" charset="0"/>
-              </a:rPr>
-              <a:t>cout</a:t>
-            </a:r>
-            <a:r>
-              <a:rPr lang="en-US" dirty="0" smtClean="0">
-                <a:latin typeface="Courier New" panose="02070309020205020404" pitchFamily="49" charset="0"/>
-                <a:cs typeface="Courier New" panose="02070309020205020404" pitchFamily="49" charset="0"/>
-              </a:rPr>
-              <a:t> &lt;&lt; "charge: " &lt;&lt; </a:t>
-            </a:r>
-            <a:r>
-              <a:rPr lang="en-US" dirty="0" err="1" smtClean="0">
-                <a:latin typeface="Courier New" panose="02070309020205020404" pitchFamily="49" charset="0"/>
-                <a:cs typeface="Courier New" panose="02070309020205020404" pitchFamily="49" charset="0"/>
-              </a:rPr>
-              <a:t>std</a:t>
-            </a:r>
-            <a:r>
-              <a:rPr lang="en-US" dirty="0" smtClean="0">
-                <a:latin typeface="Courier New" panose="02070309020205020404" pitchFamily="49" charset="0"/>
-                <a:cs typeface="Courier New" panose="02070309020205020404" pitchFamily="49" charset="0"/>
-              </a:rPr>
-              <a:t>::get&lt;1&gt;(</a:t>
-            </a:r>
-            <a:r>
-              <a:rPr lang="en-US" dirty="0" err="1">
-                <a:latin typeface="Courier New" panose="02070309020205020404" pitchFamily="49" charset="0"/>
-                <a:cs typeface="Courier New" panose="02070309020205020404" pitchFamily="49" charset="0"/>
-              </a:rPr>
-              <a:t>electron_prop</a:t>
-            </a:r>
-            <a:r>
-              <a:rPr lang="en-US" dirty="0" smtClean="0">
-                <a:latin typeface="Courier New" panose="02070309020205020404" pitchFamily="49" charset="0"/>
-                <a:cs typeface="Courier New" panose="02070309020205020404" pitchFamily="49" charset="0"/>
-              </a:rPr>
-              <a:t>) </a:t>
-            </a:r>
-            <a:br>
-              <a:rPr lang="en-US" dirty="0" smtClean="0">
-                <a:latin typeface="Courier New" panose="02070309020205020404" pitchFamily="49" charset="0"/>
-                <a:cs typeface="Courier New" panose="02070309020205020404" pitchFamily="49" charset="0"/>
-              </a:rPr>
-            </a:br>
-            <a:r>
-              <a:rPr lang="en-US" dirty="0" smtClean="0">
-                <a:latin typeface="Courier New" panose="02070309020205020404" pitchFamily="49" charset="0"/>
-                <a:cs typeface="Courier New" panose="02070309020205020404" pitchFamily="49" charset="0"/>
-              </a:rPr>
-              <a:t>          &lt;&lt; </a:t>
-            </a:r>
-            <a:r>
-              <a:rPr lang="en-US" dirty="0" err="1" smtClean="0">
-                <a:latin typeface="Courier New" panose="02070309020205020404" pitchFamily="49" charset="0"/>
-                <a:cs typeface="Courier New" panose="02070309020205020404" pitchFamily="49" charset="0"/>
-              </a:rPr>
-              <a:t>std</a:t>
-            </a:r>
-            <a:r>
-              <a:rPr lang="en-US" dirty="0" smtClean="0">
-                <a:latin typeface="Courier New" panose="02070309020205020404" pitchFamily="49" charset="0"/>
-                <a:cs typeface="Courier New" panose="02070309020205020404" pitchFamily="49" charset="0"/>
-              </a:rPr>
-              <a:t>::</a:t>
-            </a:r>
-            <a:r>
-              <a:rPr lang="en-US" dirty="0" err="1" smtClean="0">
-                <a:latin typeface="Courier New" panose="02070309020205020404" pitchFamily="49" charset="0"/>
-                <a:cs typeface="Courier New" panose="02070309020205020404" pitchFamily="49" charset="0"/>
-              </a:rPr>
-              <a:t>endl</a:t>
-            </a:r>
-            <a:r>
-              <a:rPr lang="en-US" dirty="0" smtClean="0">
-                <a:latin typeface="Courier New" panose="02070309020205020404" pitchFamily="49" charset="0"/>
-                <a:cs typeface="Courier New" panose="02070309020205020404" pitchFamily="49" charset="0"/>
-              </a:rPr>
-              <a:t>;</a:t>
-            </a:r>
-          </a:p>
-          <a:p>
-            <a:r>
-              <a:rPr lang="en-US" dirty="0" smtClean="0">
-                <a:latin typeface="Courier New" panose="02070309020205020404" pitchFamily="49" charset="0"/>
-                <a:cs typeface="Courier New" panose="02070309020205020404" pitchFamily="49" charset="0"/>
-              </a:rPr>
-              <a:t>…</a:t>
-            </a:r>
-          </a:p>
-          <a:p>
-            <a:r>
-              <a:rPr lang="en-US" dirty="0" smtClean="0">
-                <a:latin typeface="Courier New" panose="02070309020205020404" pitchFamily="49" charset="0"/>
-                <a:cs typeface="Courier New" panose="02070309020205020404" pitchFamily="49" charset="0"/>
-              </a:rPr>
-              <a:t>double mass;</a:t>
-            </a:r>
-          </a:p>
-          <a:p>
-            <a:r>
-              <a:rPr lang="en-US" dirty="0" err="1" smtClean="0">
-                <a:latin typeface="Courier New" panose="02070309020205020404" pitchFamily="49" charset="0"/>
-                <a:cs typeface="Courier New" panose="02070309020205020404" pitchFamily="49" charset="0"/>
-              </a:rPr>
-              <a:t>int</a:t>
-            </a:r>
-            <a:r>
-              <a:rPr lang="en-US" dirty="0" smtClean="0">
-                <a:latin typeface="Courier New" panose="02070309020205020404" pitchFamily="49" charset="0"/>
-                <a:cs typeface="Courier New" panose="02070309020205020404" pitchFamily="49" charset="0"/>
-              </a:rPr>
-              <a:t> charge;</a:t>
-            </a:r>
-          </a:p>
-          <a:p>
-            <a:r>
-              <a:rPr lang="en-US" dirty="0" err="1" smtClean="0">
-                <a:latin typeface="Courier New" panose="02070309020205020404" pitchFamily="49" charset="0"/>
-                <a:cs typeface="Courier New" panose="02070309020205020404" pitchFamily="49" charset="0"/>
-              </a:rPr>
-              <a:t>std</a:t>
-            </a:r>
-            <a:r>
-              <a:rPr lang="en-US" dirty="0" smtClean="0">
-                <a:latin typeface="Courier New" panose="02070309020205020404" pitchFamily="49" charset="0"/>
-                <a:cs typeface="Courier New" panose="02070309020205020404" pitchFamily="49" charset="0"/>
-              </a:rPr>
-              <a:t>::tie(mass, charge) = </a:t>
-            </a:r>
-            <a:r>
-              <a:rPr lang="en-US" dirty="0" err="1" smtClean="0">
-                <a:latin typeface="Courier New" panose="02070309020205020404" pitchFamily="49" charset="0"/>
-                <a:cs typeface="Courier New" panose="02070309020205020404" pitchFamily="49" charset="0"/>
-              </a:rPr>
-              <a:t>electron_properties</a:t>
-            </a:r>
-            <a:r>
-              <a:rPr lang="en-US" dirty="0" smtClean="0">
-                <a:latin typeface="Courier New" panose="02070309020205020404" pitchFamily="49" charset="0"/>
-                <a:cs typeface="Courier New" panose="02070309020205020404" pitchFamily="49" charset="0"/>
-              </a:rPr>
-              <a:t>;</a:t>
-            </a:r>
-          </a:p>
-          <a:p>
-            <a:r>
-              <a:rPr lang="en-US" dirty="0" err="1" smtClean="0">
-                <a:latin typeface="Courier New" panose="02070309020205020404" pitchFamily="49" charset="0"/>
-                <a:cs typeface="Courier New" panose="02070309020205020404" pitchFamily="49" charset="0"/>
-              </a:rPr>
-              <a:t>std</a:t>
-            </a:r>
-            <a:r>
-              <a:rPr lang="en-US" dirty="0" smtClean="0">
-                <a:latin typeface="Courier New" panose="02070309020205020404" pitchFamily="49" charset="0"/>
-                <a:cs typeface="Courier New" panose="02070309020205020404" pitchFamily="49" charset="0"/>
-              </a:rPr>
-              <a:t>::</a:t>
-            </a:r>
-            <a:r>
-              <a:rPr lang="en-US" dirty="0" err="1" smtClean="0">
-                <a:latin typeface="Courier New" panose="02070309020205020404" pitchFamily="49" charset="0"/>
-                <a:cs typeface="Courier New" panose="02070309020205020404" pitchFamily="49" charset="0"/>
-              </a:rPr>
-              <a:t>cout</a:t>
-            </a:r>
-            <a:r>
-              <a:rPr lang="en-US" dirty="0" smtClean="0">
-                <a:latin typeface="Courier New" panose="02070309020205020404" pitchFamily="49" charset="0"/>
-                <a:cs typeface="Courier New" panose="02070309020205020404" pitchFamily="49" charset="0"/>
-              </a:rPr>
-              <a:t> </a:t>
-            </a:r>
-            <a:r>
-              <a:rPr lang="en-US" dirty="0">
-                <a:latin typeface="Courier New" panose="02070309020205020404" pitchFamily="49" charset="0"/>
-                <a:cs typeface="Courier New" panose="02070309020205020404" pitchFamily="49" charset="0"/>
-              </a:rPr>
-              <a:t>&lt;&lt; "mass: " &lt;&lt; </a:t>
-            </a:r>
-            <a:r>
-              <a:rPr lang="en-US" dirty="0" smtClean="0">
-                <a:latin typeface="Courier New" panose="02070309020205020404" pitchFamily="49" charset="0"/>
-                <a:cs typeface="Courier New" panose="02070309020205020404" pitchFamily="49" charset="0"/>
-              </a:rPr>
-              <a:t>mass </a:t>
-            </a:r>
-            <a:r>
-              <a:rPr lang="en-US" dirty="0">
-                <a:latin typeface="Courier New" panose="02070309020205020404" pitchFamily="49" charset="0"/>
-                <a:cs typeface="Courier New" panose="02070309020205020404" pitchFamily="49" charset="0"/>
-              </a:rPr>
-              <a:t>&lt;&lt; </a:t>
-            </a:r>
-            <a:r>
-              <a:rPr lang="en-US" dirty="0" err="1" smtClean="0">
-                <a:latin typeface="Courier New" panose="02070309020205020404" pitchFamily="49" charset="0"/>
-                <a:cs typeface="Courier New" panose="02070309020205020404" pitchFamily="49" charset="0"/>
-              </a:rPr>
-              <a:t>std</a:t>
-            </a:r>
-            <a:r>
-              <a:rPr lang="en-US" dirty="0" smtClean="0">
-                <a:latin typeface="Courier New" panose="02070309020205020404" pitchFamily="49" charset="0"/>
-                <a:cs typeface="Courier New" panose="02070309020205020404" pitchFamily="49" charset="0"/>
-              </a:rPr>
-              <a:t>::</a:t>
-            </a:r>
-            <a:r>
-              <a:rPr lang="en-US" dirty="0" err="1" smtClean="0">
-                <a:latin typeface="Courier New" panose="02070309020205020404" pitchFamily="49" charset="0"/>
-                <a:cs typeface="Courier New" panose="02070309020205020404" pitchFamily="49" charset="0"/>
-              </a:rPr>
-              <a:t>endl</a:t>
-            </a:r>
-            <a:r>
-              <a:rPr lang="en-US" dirty="0">
-                <a:latin typeface="Courier New" panose="02070309020205020404" pitchFamily="49" charset="0"/>
-                <a:cs typeface="Courier New" panose="02070309020205020404" pitchFamily="49" charset="0"/>
-              </a:rPr>
-              <a:t>;</a:t>
-            </a:r>
-          </a:p>
-          <a:p>
-            <a:r>
-              <a:rPr lang="en-US" dirty="0" err="1" smtClean="0">
-                <a:latin typeface="Courier New" panose="02070309020205020404" pitchFamily="49" charset="0"/>
-                <a:cs typeface="Courier New" panose="02070309020205020404" pitchFamily="49" charset="0"/>
-              </a:rPr>
-              <a:t>std</a:t>
-            </a:r>
-            <a:r>
-              <a:rPr lang="en-US" dirty="0" smtClean="0">
-                <a:latin typeface="Courier New" panose="02070309020205020404" pitchFamily="49" charset="0"/>
-                <a:cs typeface="Courier New" panose="02070309020205020404" pitchFamily="49" charset="0"/>
-              </a:rPr>
-              <a:t>::</a:t>
-            </a:r>
-            <a:r>
-              <a:rPr lang="en-US" dirty="0" err="1" smtClean="0">
-                <a:latin typeface="Courier New" panose="02070309020205020404" pitchFamily="49" charset="0"/>
-                <a:cs typeface="Courier New" panose="02070309020205020404" pitchFamily="49" charset="0"/>
-              </a:rPr>
-              <a:t>cout</a:t>
-            </a:r>
-            <a:r>
-              <a:rPr lang="en-US" dirty="0" smtClean="0">
-                <a:latin typeface="Courier New" panose="02070309020205020404" pitchFamily="49" charset="0"/>
-                <a:cs typeface="Courier New" panose="02070309020205020404" pitchFamily="49" charset="0"/>
-              </a:rPr>
-              <a:t> </a:t>
-            </a:r>
-            <a:r>
-              <a:rPr lang="en-US" dirty="0">
-                <a:latin typeface="Courier New" panose="02070309020205020404" pitchFamily="49" charset="0"/>
-                <a:cs typeface="Courier New" panose="02070309020205020404" pitchFamily="49" charset="0"/>
-              </a:rPr>
-              <a:t>&lt;&lt; "charge: " &lt;&lt; </a:t>
-            </a:r>
-            <a:r>
-              <a:rPr lang="en-US" dirty="0" smtClean="0">
-                <a:latin typeface="Courier New" panose="02070309020205020404" pitchFamily="49" charset="0"/>
-                <a:cs typeface="Courier New" panose="02070309020205020404" pitchFamily="49" charset="0"/>
-              </a:rPr>
-              <a:t>charge </a:t>
-            </a:r>
-            <a:r>
-              <a:rPr lang="en-US" dirty="0">
-                <a:latin typeface="Courier New" panose="02070309020205020404" pitchFamily="49" charset="0"/>
-                <a:cs typeface="Courier New" panose="02070309020205020404" pitchFamily="49" charset="0"/>
-              </a:rPr>
-              <a:t>&lt;&lt; </a:t>
-            </a:r>
-            <a:r>
-              <a:rPr lang="en-US" dirty="0" err="1" smtClean="0">
-                <a:latin typeface="Courier New" panose="02070309020205020404" pitchFamily="49" charset="0"/>
-                <a:cs typeface="Courier New" panose="02070309020205020404" pitchFamily="49" charset="0"/>
-              </a:rPr>
-              <a:t>std</a:t>
-            </a:r>
-            <a:r>
-              <a:rPr lang="en-US" dirty="0" smtClean="0">
-                <a:latin typeface="Courier New" panose="02070309020205020404" pitchFamily="49" charset="0"/>
-                <a:cs typeface="Courier New" panose="02070309020205020404" pitchFamily="49" charset="0"/>
-              </a:rPr>
-              <a:t>::</a:t>
-            </a:r>
-            <a:r>
-              <a:rPr lang="en-US" dirty="0" err="1" smtClean="0">
-                <a:latin typeface="Courier New" panose="02070309020205020404" pitchFamily="49" charset="0"/>
-                <a:cs typeface="Courier New" panose="02070309020205020404" pitchFamily="49" charset="0"/>
-              </a:rPr>
-              <a:t>endl</a:t>
-            </a:r>
-            <a:r>
-              <a:rPr lang="en-US" dirty="0" smtClean="0">
-                <a:latin typeface="Courier New" panose="02070309020205020404" pitchFamily="49" charset="0"/>
-                <a:cs typeface="Courier New" panose="02070309020205020404" pitchFamily="49" charset="0"/>
-              </a:rPr>
-              <a:t>;</a:t>
-            </a:r>
-            <a:endParaRPr lang="en-US" dirty="0">
-              <a:latin typeface="Courier New" panose="02070309020205020404" pitchFamily="49" charset="0"/>
-              <a:cs typeface="Courier New" panose="02070309020205020404" pitchFamily="49" charset="0"/>
-            </a:endParaRPr>
-          </a:p>
-        </p:txBody>
-      </p:sp>
-      <p:sp>
-        <p:nvSpPr>
-          <p:cNvPr id="6" name="TextBox 5"/>
-          <p:cNvSpPr txBox="1"/>
-          <p:nvPr/>
-        </p:nvSpPr>
-        <p:spPr>
-          <a:xfrm>
-            <a:off x="3684261" y="5726565"/>
-            <a:ext cx="5218993" cy="523220"/>
-          </a:xfrm>
-          <a:prstGeom prst="rect">
-            <a:avLst/>
-          </a:prstGeom>
-          <a:solidFill>
-            <a:schemeClr val="bg1"/>
-          </a:solidFill>
-          <a:ln>
-            <a:solidFill>
-              <a:schemeClr val="tx1"/>
-            </a:solidFill>
-          </a:ln>
-        </p:spPr>
-        <p:txBody>
-          <a:bodyPr wrap="none" rtlCol="0">
-            <a:spAutoFit/>
-          </a:bodyPr>
-          <a:lstStyle/>
-          <a:p>
-            <a:r>
-              <a:rPr lang="en-US" sz="2800" dirty="0" smtClean="0"/>
-              <a:t>Note: tuple indexing is zero based!</a:t>
-            </a:r>
-            <a:endParaRPr lang="en-US" sz="2800" dirty="0"/>
-          </a:p>
-        </p:txBody>
-      </p:sp>
-    </p:spTree>
-    <p:extLst>
-      <p:ext uri="{BB962C8B-B14F-4D97-AF65-F5344CB8AC3E}">
-        <p14:creationId xmlns:p14="http://schemas.microsoft.com/office/powerpoint/2010/main" val="2082031519"/>
-      </p:ext>
-    </p:extLst>
-  </p:cSld>
-  <p:clrMapOvr>
-    <a:masterClrMapping/>
-  </p:clrMapOvr>
-  <p:timing>
-    <p:tnLst>
-      <p:par>
-        <p:cTn id="1" dur="indefinite" restart="never" nodeType="tmRoot"/>
-      </p:par>
-    </p:tnLst>
-  </p:timing>
-</p:sld>
-</file>
-
 <file path=ppt/slides/slide2.xml><?xml version="1.0" encoding="utf-8"?>
 <p:sld xmlns:a="http://schemas.openxmlformats.org/drawingml/2006/main" xmlns:r="http://schemas.openxmlformats.org/officeDocument/2006/relationships" xmlns:p="http://schemas.openxmlformats.org/presentationml/2006/main">
   <p:cSld>
@@ -9919,6 +10604,660 @@
           <a:p>
             <a:r>
               <a:rPr lang="en-US" dirty="0" smtClean="0"/>
+              <a:t>Tuple example</a:t>
+            </a:r>
+            <a:endParaRPr lang="en-US" dirty="0"/>
+          </a:p>
+        </p:txBody>
+      </p:sp>
+      <p:sp>
+        <p:nvSpPr>
+          <p:cNvPr id="4" name="Slide Number Placeholder 3"/>
+          <p:cNvSpPr>
+            <a:spLocks noGrp="1"/>
+          </p:cNvSpPr>
+          <p:nvPr>
+            <p:ph type="sldNum" sz="quarter" idx="12"/>
+          </p:nvPr>
+        </p:nvSpPr>
+        <p:spPr/>
+        <p:txBody>
+          <a:bodyPr/>
+          <a:lstStyle/>
+          <a:p>
+            <a:fld id="{11AD1F4E-1E51-402E-B221-310F004E7D3B}" type="slidenum">
+              <a:rPr lang="en-US" smtClean="0"/>
+              <a:t>20</a:t>
+            </a:fld>
+            <a:endParaRPr lang="en-US"/>
+          </a:p>
+        </p:txBody>
+      </p:sp>
+      <p:sp>
+        <p:nvSpPr>
+          <p:cNvPr id="5" name="TextBox 4"/>
+          <p:cNvSpPr txBox="1"/>
+          <p:nvPr/>
+        </p:nvSpPr>
+        <p:spPr>
+          <a:xfrm>
+            <a:off x="628650" y="1463860"/>
+            <a:ext cx="7540565" cy="3970318"/>
+          </a:xfrm>
+          <a:prstGeom prst="rect">
+            <a:avLst/>
+          </a:prstGeom>
+          <a:solidFill>
+            <a:schemeClr val="bg1">
+              <a:lumMod val="75000"/>
+            </a:schemeClr>
+          </a:solidFill>
+          <a:ln>
+            <a:solidFill>
+              <a:schemeClr val="tx1"/>
+            </a:solidFill>
+          </a:ln>
+        </p:spPr>
+        <p:txBody>
+          <a:bodyPr wrap="square" rtlCol="0">
+            <a:spAutoFit/>
+          </a:bodyPr>
+          <a:lstStyle/>
+          <a:p>
+            <a:r>
+              <a:rPr lang="en-US" dirty="0" smtClean="0">
+                <a:latin typeface="Courier New" panose="02070309020205020404" pitchFamily="49" charset="0"/>
+                <a:cs typeface="Courier New" panose="02070309020205020404" pitchFamily="49" charset="0"/>
+              </a:rPr>
+              <a:t>#include &lt;tuple&gt;</a:t>
+            </a:r>
+          </a:p>
+          <a:p>
+            <a:r>
+              <a:rPr lang="en-US" dirty="0" smtClean="0">
+                <a:latin typeface="Courier New" panose="02070309020205020404" pitchFamily="49" charset="0"/>
+                <a:cs typeface="Courier New" panose="02070309020205020404" pitchFamily="49" charset="0"/>
+              </a:rPr>
+              <a:t>…</a:t>
+            </a:r>
+          </a:p>
+          <a:p>
+            <a:r>
+              <a:rPr lang="en-US" dirty="0" smtClean="0">
+                <a:latin typeface="Courier New" panose="02070309020205020404" pitchFamily="49" charset="0"/>
+                <a:cs typeface="Courier New" panose="02070309020205020404" pitchFamily="49" charset="0"/>
+              </a:rPr>
+              <a:t>auto </a:t>
+            </a:r>
+            <a:r>
+              <a:rPr lang="en-US" dirty="0" err="1" smtClean="0">
+                <a:latin typeface="Courier New" panose="02070309020205020404" pitchFamily="49" charset="0"/>
+                <a:cs typeface="Courier New" panose="02070309020205020404" pitchFamily="49" charset="0"/>
+              </a:rPr>
+              <a:t>electron_prop</a:t>
+            </a:r>
+            <a:r>
+              <a:rPr lang="en-US" dirty="0" smtClean="0">
+                <a:latin typeface="Courier New" panose="02070309020205020404" pitchFamily="49" charset="0"/>
+                <a:cs typeface="Courier New" panose="02070309020205020404" pitchFamily="49" charset="0"/>
+              </a:rPr>
+              <a:t> = </a:t>
+            </a:r>
+            <a:r>
+              <a:rPr lang="en-US" dirty="0" err="1" smtClean="0">
+                <a:latin typeface="Courier New" panose="02070309020205020404" pitchFamily="49" charset="0"/>
+                <a:cs typeface="Courier New" panose="02070309020205020404" pitchFamily="49" charset="0"/>
+              </a:rPr>
+              <a:t>std</a:t>
+            </a:r>
+            <a:r>
+              <a:rPr lang="en-US" dirty="0" smtClean="0">
+                <a:latin typeface="Courier New" panose="02070309020205020404" pitchFamily="49" charset="0"/>
+                <a:cs typeface="Courier New" panose="02070309020205020404" pitchFamily="49" charset="0"/>
+              </a:rPr>
+              <a:t>::</a:t>
+            </a:r>
+            <a:r>
+              <a:rPr lang="en-US" dirty="0" err="1" smtClean="0">
+                <a:latin typeface="Courier New" panose="02070309020205020404" pitchFamily="49" charset="0"/>
+                <a:cs typeface="Courier New" panose="02070309020205020404" pitchFamily="49" charset="0"/>
+              </a:rPr>
+              <a:t>make_tuple</a:t>
+            </a:r>
+            <a:r>
+              <a:rPr lang="en-US" dirty="0" smtClean="0">
+                <a:latin typeface="Courier New" panose="02070309020205020404" pitchFamily="49" charset="0"/>
+                <a:cs typeface="Courier New" panose="02070309020205020404" pitchFamily="49" charset="0"/>
+              </a:rPr>
+              <a:t>(9.11e-31, -1);</a:t>
+            </a:r>
+          </a:p>
+          <a:p>
+            <a:r>
+              <a:rPr lang="en-US" dirty="0" smtClean="0">
+                <a:latin typeface="Courier New" panose="02070309020205020404" pitchFamily="49" charset="0"/>
+                <a:cs typeface="Courier New" panose="02070309020205020404" pitchFamily="49" charset="0"/>
+              </a:rPr>
+              <a:t>…</a:t>
+            </a:r>
+          </a:p>
+          <a:p>
+            <a:r>
+              <a:rPr lang="en-US" dirty="0" err="1" smtClean="0">
+                <a:latin typeface="Courier New" panose="02070309020205020404" pitchFamily="49" charset="0"/>
+                <a:cs typeface="Courier New" panose="02070309020205020404" pitchFamily="49" charset="0"/>
+              </a:rPr>
+              <a:t>std</a:t>
+            </a:r>
+            <a:r>
+              <a:rPr lang="en-US" dirty="0" smtClean="0">
+                <a:latin typeface="Courier New" panose="02070309020205020404" pitchFamily="49" charset="0"/>
+                <a:cs typeface="Courier New" panose="02070309020205020404" pitchFamily="49" charset="0"/>
+              </a:rPr>
+              <a:t>::</a:t>
+            </a:r>
+            <a:r>
+              <a:rPr lang="en-US" dirty="0" err="1" smtClean="0">
+                <a:latin typeface="Courier New" panose="02070309020205020404" pitchFamily="49" charset="0"/>
+                <a:cs typeface="Courier New" panose="02070309020205020404" pitchFamily="49" charset="0"/>
+              </a:rPr>
+              <a:t>cout</a:t>
+            </a:r>
+            <a:r>
+              <a:rPr lang="en-US" dirty="0" smtClean="0">
+                <a:latin typeface="Courier New" panose="02070309020205020404" pitchFamily="49" charset="0"/>
+                <a:cs typeface="Courier New" panose="02070309020205020404" pitchFamily="49" charset="0"/>
+              </a:rPr>
+              <a:t> &lt;&lt; "mass: " &lt;&lt; </a:t>
+            </a:r>
+            <a:r>
+              <a:rPr lang="en-US" dirty="0" err="1" smtClean="0">
+                <a:latin typeface="Courier New" panose="02070309020205020404" pitchFamily="49" charset="0"/>
+                <a:cs typeface="Courier New" panose="02070309020205020404" pitchFamily="49" charset="0"/>
+              </a:rPr>
+              <a:t>std</a:t>
+            </a:r>
+            <a:r>
+              <a:rPr lang="en-US" dirty="0" smtClean="0">
+                <a:latin typeface="Courier New" panose="02070309020205020404" pitchFamily="49" charset="0"/>
+                <a:cs typeface="Courier New" panose="02070309020205020404" pitchFamily="49" charset="0"/>
+              </a:rPr>
+              <a:t>::get&lt;0&gt;(</a:t>
+            </a:r>
+            <a:r>
+              <a:rPr lang="en-US" dirty="0" err="1" smtClean="0">
+                <a:latin typeface="Courier New" panose="02070309020205020404" pitchFamily="49" charset="0"/>
+                <a:cs typeface="Courier New" panose="02070309020205020404" pitchFamily="49" charset="0"/>
+              </a:rPr>
+              <a:t>electron_prop</a:t>
+            </a:r>
+            <a:r>
+              <a:rPr lang="en-US" dirty="0" smtClean="0">
+                <a:latin typeface="Courier New" panose="02070309020205020404" pitchFamily="49" charset="0"/>
+                <a:cs typeface="Courier New" panose="02070309020205020404" pitchFamily="49" charset="0"/>
+              </a:rPr>
+              <a:t>)</a:t>
+            </a:r>
+            <a:br>
+              <a:rPr lang="en-US" dirty="0" smtClean="0">
+                <a:latin typeface="Courier New" panose="02070309020205020404" pitchFamily="49" charset="0"/>
+                <a:cs typeface="Courier New" panose="02070309020205020404" pitchFamily="49" charset="0"/>
+              </a:rPr>
+            </a:br>
+            <a:r>
+              <a:rPr lang="en-US" dirty="0" smtClean="0">
+                <a:latin typeface="Courier New" panose="02070309020205020404" pitchFamily="49" charset="0"/>
+                <a:cs typeface="Courier New" panose="02070309020205020404" pitchFamily="49" charset="0"/>
+              </a:rPr>
+              <a:t>          &lt;&lt; </a:t>
+            </a:r>
+            <a:r>
+              <a:rPr lang="en-US" dirty="0" err="1" smtClean="0">
+                <a:latin typeface="Courier New" panose="02070309020205020404" pitchFamily="49" charset="0"/>
+                <a:cs typeface="Courier New" panose="02070309020205020404" pitchFamily="49" charset="0"/>
+              </a:rPr>
+              <a:t>std</a:t>
+            </a:r>
+            <a:r>
+              <a:rPr lang="en-US" dirty="0" smtClean="0">
+                <a:latin typeface="Courier New" panose="02070309020205020404" pitchFamily="49" charset="0"/>
+                <a:cs typeface="Courier New" panose="02070309020205020404" pitchFamily="49" charset="0"/>
+              </a:rPr>
+              <a:t>::</a:t>
+            </a:r>
+            <a:r>
+              <a:rPr lang="en-US" dirty="0" err="1" smtClean="0">
+                <a:latin typeface="Courier New" panose="02070309020205020404" pitchFamily="49" charset="0"/>
+                <a:cs typeface="Courier New" panose="02070309020205020404" pitchFamily="49" charset="0"/>
+              </a:rPr>
+              <a:t>endl</a:t>
+            </a:r>
+            <a:r>
+              <a:rPr lang="en-US" dirty="0" smtClean="0">
+                <a:latin typeface="Courier New" panose="02070309020205020404" pitchFamily="49" charset="0"/>
+                <a:cs typeface="Courier New" panose="02070309020205020404" pitchFamily="49" charset="0"/>
+              </a:rPr>
+              <a:t>;</a:t>
+            </a:r>
+          </a:p>
+          <a:p>
+            <a:r>
+              <a:rPr lang="en-US" dirty="0" err="1" smtClean="0">
+                <a:latin typeface="Courier New" panose="02070309020205020404" pitchFamily="49" charset="0"/>
+                <a:cs typeface="Courier New" panose="02070309020205020404" pitchFamily="49" charset="0"/>
+              </a:rPr>
+              <a:t>std</a:t>
+            </a:r>
+            <a:r>
+              <a:rPr lang="en-US" dirty="0" smtClean="0">
+                <a:latin typeface="Courier New" panose="02070309020205020404" pitchFamily="49" charset="0"/>
+                <a:cs typeface="Courier New" panose="02070309020205020404" pitchFamily="49" charset="0"/>
+              </a:rPr>
+              <a:t>::</a:t>
+            </a:r>
+            <a:r>
+              <a:rPr lang="en-US" dirty="0" err="1" smtClean="0">
+                <a:latin typeface="Courier New" panose="02070309020205020404" pitchFamily="49" charset="0"/>
+                <a:cs typeface="Courier New" panose="02070309020205020404" pitchFamily="49" charset="0"/>
+              </a:rPr>
+              <a:t>cout</a:t>
+            </a:r>
+            <a:r>
+              <a:rPr lang="en-US" dirty="0" smtClean="0">
+                <a:latin typeface="Courier New" panose="02070309020205020404" pitchFamily="49" charset="0"/>
+                <a:cs typeface="Courier New" panose="02070309020205020404" pitchFamily="49" charset="0"/>
+              </a:rPr>
+              <a:t> &lt;&lt; "charge: " &lt;&lt; </a:t>
+            </a:r>
+            <a:r>
+              <a:rPr lang="en-US" dirty="0" err="1" smtClean="0">
+                <a:latin typeface="Courier New" panose="02070309020205020404" pitchFamily="49" charset="0"/>
+                <a:cs typeface="Courier New" panose="02070309020205020404" pitchFamily="49" charset="0"/>
+              </a:rPr>
+              <a:t>std</a:t>
+            </a:r>
+            <a:r>
+              <a:rPr lang="en-US" dirty="0" smtClean="0">
+                <a:latin typeface="Courier New" panose="02070309020205020404" pitchFamily="49" charset="0"/>
+                <a:cs typeface="Courier New" panose="02070309020205020404" pitchFamily="49" charset="0"/>
+              </a:rPr>
+              <a:t>::get&lt;1&gt;(</a:t>
+            </a:r>
+            <a:r>
+              <a:rPr lang="en-US" dirty="0" err="1">
+                <a:latin typeface="Courier New" panose="02070309020205020404" pitchFamily="49" charset="0"/>
+                <a:cs typeface="Courier New" panose="02070309020205020404" pitchFamily="49" charset="0"/>
+              </a:rPr>
+              <a:t>electron_prop</a:t>
+            </a:r>
+            <a:r>
+              <a:rPr lang="en-US" dirty="0" smtClean="0">
+                <a:latin typeface="Courier New" panose="02070309020205020404" pitchFamily="49" charset="0"/>
+                <a:cs typeface="Courier New" panose="02070309020205020404" pitchFamily="49" charset="0"/>
+              </a:rPr>
+              <a:t>) </a:t>
+            </a:r>
+            <a:br>
+              <a:rPr lang="en-US" dirty="0" smtClean="0">
+                <a:latin typeface="Courier New" panose="02070309020205020404" pitchFamily="49" charset="0"/>
+                <a:cs typeface="Courier New" panose="02070309020205020404" pitchFamily="49" charset="0"/>
+              </a:rPr>
+            </a:br>
+            <a:r>
+              <a:rPr lang="en-US" dirty="0" smtClean="0">
+                <a:latin typeface="Courier New" panose="02070309020205020404" pitchFamily="49" charset="0"/>
+                <a:cs typeface="Courier New" panose="02070309020205020404" pitchFamily="49" charset="0"/>
+              </a:rPr>
+              <a:t>          &lt;&lt; </a:t>
+            </a:r>
+            <a:r>
+              <a:rPr lang="en-US" dirty="0" err="1" smtClean="0">
+                <a:latin typeface="Courier New" panose="02070309020205020404" pitchFamily="49" charset="0"/>
+                <a:cs typeface="Courier New" panose="02070309020205020404" pitchFamily="49" charset="0"/>
+              </a:rPr>
+              <a:t>std</a:t>
+            </a:r>
+            <a:r>
+              <a:rPr lang="en-US" dirty="0" smtClean="0">
+                <a:latin typeface="Courier New" panose="02070309020205020404" pitchFamily="49" charset="0"/>
+                <a:cs typeface="Courier New" panose="02070309020205020404" pitchFamily="49" charset="0"/>
+              </a:rPr>
+              <a:t>::</a:t>
+            </a:r>
+            <a:r>
+              <a:rPr lang="en-US" dirty="0" err="1" smtClean="0">
+                <a:latin typeface="Courier New" panose="02070309020205020404" pitchFamily="49" charset="0"/>
+                <a:cs typeface="Courier New" panose="02070309020205020404" pitchFamily="49" charset="0"/>
+              </a:rPr>
+              <a:t>endl</a:t>
+            </a:r>
+            <a:r>
+              <a:rPr lang="en-US" dirty="0" smtClean="0">
+                <a:latin typeface="Courier New" panose="02070309020205020404" pitchFamily="49" charset="0"/>
+                <a:cs typeface="Courier New" panose="02070309020205020404" pitchFamily="49" charset="0"/>
+              </a:rPr>
+              <a:t>;</a:t>
+            </a:r>
+          </a:p>
+          <a:p>
+            <a:r>
+              <a:rPr lang="en-US" dirty="0" smtClean="0">
+                <a:latin typeface="Courier New" panose="02070309020205020404" pitchFamily="49" charset="0"/>
+                <a:cs typeface="Courier New" panose="02070309020205020404" pitchFamily="49" charset="0"/>
+              </a:rPr>
+              <a:t>…</a:t>
+            </a:r>
+          </a:p>
+          <a:p>
+            <a:r>
+              <a:rPr lang="en-US" dirty="0" smtClean="0">
+                <a:latin typeface="Courier New" panose="02070309020205020404" pitchFamily="49" charset="0"/>
+                <a:cs typeface="Courier New" panose="02070309020205020404" pitchFamily="49" charset="0"/>
+              </a:rPr>
+              <a:t>double mass;</a:t>
+            </a:r>
+          </a:p>
+          <a:p>
+            <a:r>
+              <a:rPr lang="en-US" dirty="0" err="1" smtClean="0">
+                <a:latin typeface="Courier New" panose="02070309020205020404" pitchFamily="49" charset="0"/>
+                <a:cs typeface="Courier New" panose="02070309020205020404" pitchFamily="49" charset="0"/>
+              </a:rPr>
+              <a:t>int</a:t>
+            </a:r>
+            <a:r>
+              <a:rPr lang="en-US" dirty="0" smtClean="0">
+                <a:latin typeface="Courier New" panose="02070309020205020404" pitchFamily="49" charset="0"/>
+                <a:cs typeface="Courier New" panose="02070309020205020404" pitchFamily="49" charset="0"/>
+              </a:rPr>
+              <a:t> charge;</a:t>
+            </a:r>
+          </a:p>
+          <a:p>
+            <a:r>
+              <a:rPr lang="en-US" dirty="0" err="1" smtClean="0">
+                <a:latin typeface="Courier New" panose="02070309020205020404" pitchFamily="49" charset="0"/>
+                <a:cs typeface="Courier New" panose="02070309020205020404" pitchFamily="49" charset="0"/>
+              </a:rPr>
+              <a:t>std</a:t>
+            </a:r>
+            <a:r>
+              <a:rPr lang="en-US" dirty="0" smtClean="0">
+                <a:latin typeface="Courier New" panose="02070309020205020404" pitchFamily="49" charset="0"/>
+                <a:cs typeface="Courier New" panose="02070309020205020404" pitchFamily="49" charset="0"/>
+              </a:rPr>
+              <a:t>::tie(mass, charge) = </a:t>
+            </a:r>
+            <a:r>
+              <a:rPr lang="en-US" dirty="0" err="1" smtClean="0">
+                <a:latin typeface="Courier New" panose="02070309020205020404" pitchFamily="49" charset="0"/>
+                <a:cs typeface="Courier New" panose="02070309020205020404" pitchFamily="49" charset="0"/>
+              </a:rPr>
+              <a:t>electron_properties</a:t>
+            </a:r>
+            <a:r>
+              <a:rPr lang="en-US" dirty="0" smtClean="0">
+                <a:latin typeface="Courier New" panose="02070309020205020404" pitchFamily="49" charset="0"/>
+                <a:cs typeface="Courier New" panose="02070309020205020404" pitchFamily="49" charset="0"/>
+              </a:rPr>
+              <a:t>;</a:t>
+            </a:r>
+          </a:p>
+          <a:p>
+            <a:r>
+              <a:rPr lang="en-US" dirty="0" err="1" smtClean="0">
+                <a:latin typeface="Courier New" panose="02070309020205020404" pitchFamily="49" charset="0"/>
+                <a:cs typeface="Courier New" panose="02070309020205020404" pitchFamily="49" charset="0"/>
+              </a:rPr>
+              <a:t>std</a:t>
+            </a:r>
+            <a:r>
+              <a:rPr lang="en-US" dirty="0" smtClean="0">
+                <a:latin typeface="Courier New" panose="02070309020205020404" pitchFamily="49" charset="0"/>
+                <a:cs typeface="Courier New" panose="02070309020205020404" pitchFamily="49" charset="0"/>
+              </a:rPr>
+              <a:t>::</a:t>
+            </a:r>
+            <a:r>
+              <a:rPr lang="en-US" dirty="0" err="1" smtClean="0">
+                <a:latin typeface="Courier New" panose="02070309020205020404" pitchFamily="49" charset="0"/>
+                <a:cs typeface="Courier New" panose="02070309020205020404" pitchFamily="49" charset="0"/>
+              </a:rPr>
+              <a:t>cout</a:t>
+            </a:r>
+            <a:r>
+              <a:rPr lang="en-US" dirty="0" smtClean="0">
+                <a:latin typeface="Courier New" panose="02070309020205020404" pitchFamily="49" charset="0"/>
+                <a:cs typeface="Courier New" panose="02070309020205020404" pitchFamily="49" charset="0"/>
+              </a:rPr>
+              <a:t> </a:t>
+            </a:r>
+            <a:r>
+              <a:rPr lang="en-US" dirty="0">
+                <a:latin typeface="Courier New" panose="02070309020205020404" pitchFamily="49" charset="0"/>
+                <a:cs typeface="Courier New" panose="02070309020205020404" pitchFamily="49" charset="0"/>
+              </a:rPr>
+              <a:t>&lt;&lt; "mass: " &lt;&lt; </a:t>
+            </a:r>
+            <a:r>
+              <a:rPr lang="en-US" dirty="0" smtClean="0">
+                <a:latin typeface="Courier New" panose="02070309020205020404" pitchFamily="49" charset="0"/>
+                <a:cs typeface="Courier New" panose="02070309020205020404" pitchFamily="49" charset="0"/>
+              </a:rPr>
+              <a:t>mass </a:t>
+            </a:r>
+            <a:r>
+              <a:rPr lang="en-US" dirty="0">
+                <a:latin typeface="Courier New" panose="02070309020205020404" pitchFamily="49" charset="0"/>
+                <a:cs typeface="Courier New" panose="02070309020205020404" pitchFamily="49" charset="0"/>
+              </a:rPr>
+              <a:t>&lt;&lt; </a:t>
+            </a:r>
+            <a:r>
+              <a:rPr lang="en-US" dirty="0" err="1" smtClean="0">
+                <a:latin typeface="Courier New" panose="02070309020205020404" pitchFamily="49" charset="0"/>
+                <a:cs typeface="Courier New" panose="02070309020205020404" pitchFamily="49" charset="0"/>
+              </a:rPr>
+              <a:t>std</a:t>
+            </a:r>
+            <a:r>
+              <a:rPr lang="en-US" dirty="0" smtClean="0">
+                <a:latin typeface="Courier New" panose="02070309020205020404" pitchFamily="49" charset="0"/>
+                <a:cs typeface="Courier New" panose="02070309020205020404" pitchFamily="49" charset="0"/>
+              </a:rPr>
+              <a:t>::</a:t>
+            </a:r>
+            <a:r>
+              <a:rPr lang="en-US" dirty="0" err="1" smtClean="0">
+                <a:latin typeface="Courier New" panose="02070309020205020404" pitchFamily="49" charset="0"/>
+                <a:cs typeface="Courier New" panose="02070309020205020404" pitchFamily="49" charset="0"/>
+              </a:rPr>
+              <a:t>endl</a:t>
+            </a:r>
+            <a:r>
+              <a:rPr lang="en-US" dirty="0">
+                <a:latin typeface="Courier New" panose="02070309020205020404" pitchFamily="49" charset="0"/>
+                <a:cs typeface="Courier New" panose="02070309020205020404" pitchFamily="49" charset="0"/>
+              </a:rPr>
+              <a:t>;</a:t>
+            </a:r>
+          </a:p>
+          <a:p>
+            <a:r>
+              <a:rPr lang="en-US" dirty="0" err="1" smtClean="0">
+                <a:latin typeface="Courier New" panose="02070309020205020404" pitchFamily="49" charset="0"/>
+                <a:cs typeface="Courier New" panose="02070309020205020404" pitchFamily="49" charset="0"/>
+              </a:rPr>
+              <a:t>std</a:t>
+            </a:r>
+            <a:r>
+              <a:rPr lang="en-US" dirty="0" smtClean="0">
+                <a:latin typeface="Courier New" panose="02070309020205020404" pitchFamily="49" charset="0"/>
+                <a:cs typeface="Courier New" panose="02070309020205020404" pitchFamily="49" charset="0"/>
+              </a:rPr>
+              <a:t>::</a:t>
+            </a:r>
+            <a:r>
+              <a:rPr lang="en-US" dirty="0" err="1" smtClean="0">
+                <a:latin typeface="Courier New" panose="02070309020205020404" pitchFamily="49" charset="0"/>
+                <a:cs typeface="Courier New" panose="02070309020205020404" pitchFamily="49" charset="0"/>
+              </a:rPr>
+              <a:t>cout</a:t>
+            </a:r>
+            <a:r>
+              <a:rPr lang="en-US" dirty="0" smtClean="0">
+                <a:latin typeface="Courier New" panose="02070309020205020404" pitchFamily="49" charset="0"/>
+                <a:cs typeface="Courier New" panose="02070309020205020404" pitchFamily="49" charset="0"/>
+              </a:rPr>
+              <a:t> </a:t>
+            </a:r>
+            <a:r>
+              <a:rPr lang="en-US" dirty="0">
+                <a:latin typeface="Courier New" panose="02070309020205020404" pitchFamily="49" charset="0"/>
+                <a:cs typeface="Courier New" panose="02070309020205020404" pitchFamily="49" charset="0"/>
+              </a:rPr>
+              <a:t>&lt;&lt; "charge: " &lt;&lt; </a:t>
+            </a:r>
+            <a:r>
+              <a:rPr lang="en-US" dirty="0" smtClean="0">
+                <a:latin typeface="Courier New" panose="02070309020205020404" pitchFamily="49" charset="0"/>
+                <a:cs typeface="Courier New" panose="02070309020205020404" pitchFamily="49" charset="0"/>
+              </a:rPr>
+              <a:t>charge </a:t>
+            </a:r>
+            <a:r>
+              <a:rPr lang="en-US" dirty="0">
+                <a:latin typeface="Courier New" panose="02070309020205020404" pitchFamily="49" charset="0"/>
+                <a:cs typeface="Courier New" panose="02070309020205020404" pitchFamily="49" charset="0"/>
+              </a:rPr>
+              <a:t>&lt;&lt; </a:t>
+            </a:r>
+            <a:r>
+              <a:rPr lang="en-US" dirty="0" err="1" smtClean="0">
+                <a:latin typeface="Courier New" panose="02070309020205020404" pitchFamily="49" charset="0"/>
+                <a:cs typeface="Courier New" panose="02070309020205020404" pitchFamily="49" charset="0"/>
+              </a:rPr>
+              <a:t>std</a:t>
+            </a:r>
+            <a:r>
+              <a:rPr lang="en-US" dirty="0" smtClean="0">
+                <a:latin typeface="Courier New" panose="02070309020205020404" pitchFamily="49" charset="0"/>
+                <a:cs typeface="Courier New" panose="02070309020205020404" pitchFamily="49" charset="0"/>
+              </a:rPr>
+              <a:t>::</a:t>
+            </a:r>
+            <a:r>
+              <a:rPr lang="en-US" dirty="0" err="1" smtClean="0">
+                <a:latin typeface="Courier New" panose="02070309020205020404" pitchFamily="49" charset="0"/>
+                <a:cs typeface="Courier New" panose="02070309020205020404" pitchFamily="49" charset="0"/>
+              </a:rPr>
+              <a:t>endl</a:t>
+            </a:r>
+            <a:r>
+              <a:rPr lang="en-US" dirty="0" smtClean="0">
+                <a:latin typeface="Courier New" panose="02070309020205020404" pitchFamily="49" charset="0"/>
+                <a:cs typeface="Courier New" panose="02070309020205020404" pitchFamily="49" charset="0"/>
+              </a:rPr>
+              <a:t>;</a:t>
+            </a:r>
+            <a:endParaRPr lang="en-US" dirty="0">
+              <a:latin typeface="Courier New" panose="02070309020205020404" pitchFamily="49" charset="0"/>
+              <a:cs typeface="Courier New" panose="02070309020205020404" pitchFamily="49" charset="0"/>
+            </a:endParaRPr>
+          </a:p>
+        </p:txBody>
+      </p:sp>
+      <p:sp>
+        <p:nvSpPr>
+          <p:cNvPr id="6" name="TextBox 5"/>
+          <p:cNvSpPr txBox="1"/>
+          <p:nvPr/>
+        </p:nvSpPr>
+        <p:spPr>
+          <a:xfrm>
+            <a:off x="3684261" y="5726565"/>
+            <a:ext cx="5218993" cy="523220"/>
+          </a:xfrm>
+          <a:prstGeom prst="rect">
+            <a:avLst/>
+          </a:prstGeom>
+          <a:solidFill>
+            <a:schemeClr val="bg1"/>
+          </a:solidFill>
+          <a:ln>
+            <a:solidFill>
+              <a:schemeClr val="tx1"/>
+            </a:solidFill>
+          </a:ln>
+        </p:spPr>
+        <p:txBody>
+          <a:bodyPr wrap="none" rtlCol="0">
+            <a:spAutoFit/>
+          </a:bodyPr>
+          <a:lstStyle/>
+          <a:p>
+            <a:r>
+              <a:rPr lang="en-US" sz="2800" dirty="0" smtClean="0"/>
+              <a:t>Note: tuple indexing is zero based!</a:t>
+            </a:r>
+            <a:endParaRPr lang="en-US" sz="2800" dirty="0"/>
+          </a:p>
+        </p:txBody>
+      </p:sp>
+    </p:spTree>
+    <p:extLst>
+      <p:ext uri="{BB962C8B-B14F-4D97-AF65-F5344CB8AC3E}">
+        <p14:creationId xmlns:p14="http://schemas.microsoft.com/office/powerpoint/2010/main" val="2082031519"/>
+      </p:ext>
+    </p:extLst>
+  </p:cSld>
+  <p:clrMapOvr>
+    <a:masterClrMapping/>
+  </p:clrMapOvr>
+  <p:timing>
+    <p:tnLst>
+      <p:par>
+        <p:cTn id="1" dur="indefinite" restart="never" nodeType="tmRoot"/>
+      </p:par>
+    </p:tnLst>
+  </p:timing>
+</p:sld>
+</file>
+
+<file path=ppt/slides/slide21.xml><?xml version="1.0" encoding="utf-8"?>
+<p:sld xmlns:a="http://schemas.openxmlformats.org/drawingml/2006/main" xmlns:r="http://schemas.openxmlformats.org/officeDocument/2006/relationships" xmlns:p="http://schemas.openxmlformats.org/presentationml/2006/main">
+  <p:cSld>
+    <p:spTree>
+      <p:nvGrpSpPr>
+        <p:cNvPr id="1" name=""/>
+        <p:cNvGrpSpPr/>
+        <p:nvPr/>
+      </p:nvGrpSpPr>
+      <p:grpSpPr>
+        <a:xfrm>
+          <a:off x="0" y="0"/>
+          <a:ext cx="0" cy="0"/>
+          <a:chOff x="0" y="0"/>
+          <a:chExt cx="0" cy="0"/>
+        </a:xfrm>
+      </p:grpSpPr>
+      <p:sp>
+        <p:nvSpPr>
+          <p:cNvPr id="2" name="Title 1"/>
+          <p:cNvSpPr>
+            <a:spLocks noGrp="1"/>
+          </p:cNvSpPr>
+          <p:nvPr>
+            <p:ph type="title"/>
+          </p:nvPr>
+        </p:nvSpPr>
+        <p:spPr/>
+        <p:txBody>
+          <a:bodyPr/>
+          <a:lstStyle/>
+          <a:p>
+            <a:r>
+              <a:rPr lang="en-US" dirty="0" smtClean="0"/>
               <a:t>List</a:t>
             </a:r>
             <a:endParaRPr lang="en-US" dirty="0"/>
@@ -10080,7 +11419,7 @@
             <a:graphicData uri="http://schemas.openxmlformats.org/presentationml/2006/ole">
               <mc:AlternateContent xmlns:mc="http://schemas.openxmlformats.org/markup-compatibility/2006">
                 <mc:Choice xmlns:v="urn:schemas-microsoft-com:vml" Requires="v">
-                  <p:oleObj spid="_x0000_s4187" name="Equation" r:id="rId3" imgW="419040" imgH="241200" progId="Equation.3">
+                  <p:oleObj spid="_x0000_s4190" name="Equation" r:id="rId3" imgW="419040" imgH="241200" progId="Equation.3">
                     <p:embed/>
                   </p:oleObj>
                 </mc:Choice>
@@ -10168,7 +11507,7 @@
           <a:p>
             <a:fld id="{11AD1F4E-1E51-402E-B221-310F004E7D3B}" type="slidenum">
               <a:rPr lang="en-US" smtClean="0"/>
-              <a:t>20</a:t>
+              <a:t>21</a:t>
             </a:fld>
             <a:endParaRPr lang="en-US"/>
           </a:p>
@@ -11759,7 +13098,7 @@
 </p:sld>
 </file>
 
-<file path=ppt/slides/slide21.xml><?xml version="1.0" encoding="utf-8"?>
+<file path=ppt/slides/slide22.xml><?xml version="1.0" encoding="utf-8"?>
 <p:sld xmlns:a="http://schemas.openxmlformats.org/drawingml/2006/main" xmlns:r="http://schemas.openxmlformats.org/officeDocument/2006/relationships" xmlns:p="http://schemas.openxmlformats.org/presentationml/2006/main">
   <p:cSld>
     <p:spTree>
@@ -11963,7 +13302,7 @@
           <a:p>
             <a:fld id="{11AD1F4E-1E51-402E-B221-310F004E7D3B}" type="slidenum">
               <a:rPr lang="en-US" smtClean="0"/>
-              <a:t>21</a:t>
+              <a:t>22</a:t>
             </a:fld>
             <a:endParaRPr lang="en-US"/>
           </a:p>
@@ -12511,7 +13850,7 @@
 </p:sld>
 </file>
 
-<file path=ppt/slides/slide22.xml><?xml version="1.0" encoding="utf-8"?>
+<file path=ppt/slides/slide23.xml><?xml version="1.0" encoding="utf-8"?>
 <p:sld xmlns:a="http://schemas.openxmlformats.org/drawingml/2006/main" xmlns:r="http://schemas.openxmlformats.org/officeDocument/2006/relationships" xmlns:p="http://schemas.openxmlformats.org/presentationml/2006/main">
   <p:cSld>
     <p:spTree>
@@ -12568,7 +13907,7 @@
           <a:p>
             <a:fld id="{11AD1F4E-1E51-402E-B221-310F004E7D3B}" type="slidenum">
               <a:rPr lang="en-US" smtClean="0"/>
-              <a:t>22</a:t>
+              <a:t>23</a:t>
             </a:fld>
             <a:endParaRPr lang="en-US"/>
           </a:p>
@@ -12928,7 +14267,7 @@
 </p:sld>
 </file>
 
-<file path=ppt/slides/slide23.xml><?xml version="1.0" encoding="utf-8"?>
+<file path=ppt/slides/slide24.xml><?xml version="1.0" encoding="utf-8"?>
 <p:sld xmlns:a="http://schemas.openxmlformats.org/drawingml/2006/main" xmlns:r="http://schemas.openxmlformats.org/officeDocument/2006/relationships" xmlns:p="http://schemas.openxmlformats.org/presentationml/2006/main">
   <p:cSld>
     <p:spTree>
@@ -13099,7 +14438,7 @@
             <a:graphicData uri="http://schemas.openxmlformats.org/presentationml/2006/ole">
               <mc:AlternateContent xmlns:mc="http://schemas.openxmlformats.org/markup-compatibility/2006">
                 <mc:Choice xmlns:v="urn:schemas-microsoft-com:vml" Requires="v">
-                  <p:oleObj spid="_x0000_s5275" name="Equation" r:id="rId3" imgW="444240" imgH="203040" progId="Equation.3">
+                  <p:oleObj spid="_x0000_s5281" name="Equation" r:id="rId3" imgW="444240" imgH="203040" progId="Equation.3">
                     <p:embed/>
                   </p:oleObj>
                 </mc:Choice>
@@ -13187,7 +14526,7 @@
           <a:p>
             <a:fld id="{11AD1F4E-1E51-402E-B221-310F004E7D3B}" type="slidenum">
               <a:rPr lang="en-US" smtClean="0"/>
-              <a:t>23</a:t>
+              <a:t>24</a:t>
             </a:fld>
             <a:endParaRPr lang="en-US"/>
           </a:p>
@@ -13280,7 +14619,7 @@
             <a:graphicData uri="http://schemas.openxmlformats.org/presentationml/2006/ole">
               <mc:AlternateContent xmlns:mc="http://schemas.openxmlformats.org/markup-compatibility/2006">
                 <mc:Choice xmlns:v="urn:schemas-microsoft-com:vml" Requires="v">
-                  <p:oleObj spid="_x0000_s5276" name="Equation" r:id="rId5" imgW="419040" imgH="215640" progId="Equation.3">
+                  <p:oleObj spid="_x0000_s5282" name="Equation" r:id="rId5" imgW="419040" imgH="215640" progId="Equation.3">
                     <p:embed/>
                   </p:oleObj>
                 </mc:Choice>
@@ -14089,7 +15428,7 @@
 </p:sld>
 </file>
 
-<file path=ppt/slides/slide24.xml><?xml version="1.0" encoding="utf-8"?>
+<file path=ppt/slides/slide25.xml><?xml version="1.0" encoding="utf-8"?>
 <p:sld xmlns:a="http://schemas.openxmlformats.org/drawingml/2006/main" xmlns:r="http://schemas.openxmlformats.org/officeDocument/2006/relationships" xmlns:p="http://schemas.openxmlformats.org/presentationml/2006/main">
   <p:cSld>
     <p:spTree>
@@ -14273,7 +15612,7 @@
           <a:p>
             <a:fld id="{11AD1F4E-1E51-402E-B221-310F004E7D3B}" type="slidenum">
               <a:rPr lang="en-US" smtClean="0"/>
-              <a:t>24</a:t>
+              <a:t>25</a:t>
             </a:fld>
             <a:endParaRPr lang="en-US"/>
           </a:p>
@@ -14870,7 +16209,7 @@
 </p:sld>
 </file>
 
-<file path=ppt/slides/slide25.xml><?xml version="1.0" encoding="utf-8"?>
+<file path=ppt/slides/slide26.xml><?xml version="1.0" encoding="utf-8"?>
 <p:sld xmlns:a="http://schemas.openxmlformats.org/drawingml/2006/main" xmlns:r="http://schemas.openxmlformats.org/officeDocument/2006/relationships" xmlns:p="http://schemas.openxmlformats.org/presentationml/2006/main">
   <p:cSld>
     <p:spTree>
@@ -14904,11 +16243,7 @@
           <a:p>
             <a:r>
               <a:rPr lang="en-US" dirty="0" smtClean="0"/>
-              <a:t>Set </a:t>
-            </a:r>
-            <a:r>
-              <a:rPr lang="en-US" dirty="0" smtClean="0"/>
-              <a:t>example</a:t>
+              <a:t>Set example</a:t>
             </a:r>
             <a:endParaRPr lang="en-US" dirty="0"/>
           </a:p>
@@ -14931,7 +16266,7 @@
           <a:p>
             <a:fld id="{11AD1F4E-1E51-402E-B221-310F004E7D3B}" type="slidenum">
               <a:rPr lang="en-US" smtClean="0"/>
-              <a:t>25</a:t>
+              <a:t>26</a:t>
             </a:fld>
             <a:endParaRPr lang="en-US"/>
           </a:p>
@@ -14996,14 +16331,7 @@
                 <a:latin typeface="Courier New" panose="02070309020205020404" pitchFamily="49" charset="0"/>
                 <a:cs typeface="Courier New" panose="02070309020205020404" pitchFamily="49" charset="0"/>
               </a:rPr>
-              <a:t>#</a:t>
-            </a:r>
-            <a:r>
-              <a:rPr lang="en-US" dirty="0" smtClean="0">
-                <a:latin typeface="Courier New" panose="02070309020205020404" pitchFamily="49" charset="0"/>
-                <a:cs typeface="Courier New" panose="02070309020205020404" pitchFamily="49" charset="0"/>
-              </a:rPr>
-              <a:t>include &lt;</a:t>
+              <a:t>#include &lt;</a:t>
             </a:r>
             <a:r>
               <a:rPr lang="en-US" dirty="0" err="1" smtClean="0">
@@ -15617,7 +16945,7 @@
 </p:sld>
 </file>
 
-<file path=ppt/slides/slide26.xml><?xml version="1.0" encoding="utf-8"?>
+<file path=ppt/slides/slide27.xml><?xml version="1.0" encoding="utf-8"?>
 <p:sld xmlns:a="http://schemas.openxmlformats.org/drawingml/2006/main" xmlns:r="http://schemas.openxmlformats.org/officeDocument/2006/relationships" xmlns:p="http://schemas.openxmlformats.org/presentationml/2006/main">
   <p:cSld>
     <p:spTree>
@@ -15795,7 +17123,7 @@
             <a:graphicData uri="http://schemas.openxmlformats.org/presentationml/2006/ole">
               <mc:AlternateContent xmlns:mc="http://schemas.openxmlformats.org/markup-compatibility/2006">
                 <mc:Choice xmlns:v="urn:schemas-microsoft-com:vml" Requires="v">
-                  <p:oleObj spid="_x0000_s6402" name="Equation" r:id="rId3" imgW="774360" imgH="215640" progId="Equation.3">
+                  <p:oleObj spid="_x0000_s6411" name="Equation" r:id="rId3" imgW="774360" imgH="215640" progId="Equation.3">
                     <p:embed/>
                   </p:oleObj>
                 </mc:Choice>
@@ -15886,7 +17214,7 @@
           <a:p>
             <a:fld id="{11AD1F4E-1E51-402E-B221-310F004E7D3B}" type="slidenum">
               <a:rPr lang="en-US" smtClean="0"/>
-              <a:t>26</a:t>
+              <a:t>27</a:t>
             </a:fld>
             <a:endParaRPr lang="en-US"/>
           </a:p>
@@ -16030,7 +17358,7 @@
             <a:graphicData uri="http://schemas.openxmlformats.org/presentationml/2006/ole">
               <mc:AlternateContent xmlns:mc="http://schemas.openxmlformats.org/markup-compatibility/2006">
                 <mc:Choice xmlns:v="urn:schemas-microsoft-com:vml" Requires="v">
-                  <p:oleObj spid="_x0000_s6403" name="Equation" r:id="rId5" imgW="622080" imgH="215640" progId="Equation.3">
+                  <p:oleObj spid="_x0000_s6412" name="Equation" r:id="rId5" imgW="622080" imgH="215640" progId="Equation.3">
                     <p:embed/>
                   </p:oleObj>
                 </mc:Choice>
@@ -16087,7 +17415,7 @@
             <a:graphicData uri="http://schemas.openxmlformats.org/presentationml/2006/ole">
               <mc:AlternateContent xmlns:mc="http://schemas.openxmlformats.org/markup-compatibility/2006">
                 <mc:Choice xmlns:v="urn:schemas-microsoft-com:vml" Requires="v">
-                  <p:oleObj spid="_x0000_s6404" name="Equation" r:id="rId7" imgW="749160" imgH="215640" progId="Equation.3">
+                  <p:oleObj spid="_x0000_s6413" name="Equation" r:id="rId7" imgW="749160" imgH="215640" progId="Equation.3">
                     <p:embed/>
                   </p:oleObj>
                 </mc:Choice>
@@ -17234,7 +18562,7 @@
 </p:sld>
 </file>
 
-<file path=ppt/slides/slide27.xml><?xml version="1.0" encoding="utf-8"?>
+<file path=ppt/slides/slide28.xml><?xml version="1.0" encoding="utf-8"?>
 <p:sld xmlns:a="http://schemas.openxmlformats.org/drawingml/2006/main" xmlns:r="http://schemas.openxmlformats.org/officeDocument/2006/relationships" xmlns:p="http://schemas.openxmlformats.org/presentationml/2006/main">
   <p:cSld>
     <p:spTree>
@@ -17472,7 +18800,7 @@
           <a:p>
             <a:fld id="{11AD1F4E-1E51-402E-B221-310F004E7D3B}" type="slidenum">
               <a:rPr lang="en-US" smtClean="0"/>
-              <a:t>27</a:t>
+              <a:t>28</a:t>
             </a:fld>
             <a:endParaRPr lang="en-US"/>
           </a:p>
@@ -18118,7 +19446,7 @@
 </p:sld>
 </file>
 
-<file path=ppt/slides/slide28.xml><?xml version="1.0" encoding="utf-8"?>
+<file path=ppt/slides/slide29.xml><?xml version="1.0" encoding="utf-8"?>
 <p:sld xmlns:a="http://schemas.openxmlformats.org/drawingml/2006/main" xmlns:r="http://schemas.openxmlformats.org/officeDocument/2006/relationships" xmlns:p="http://schemas.openxmlformats.org/presentationml/2006/main">
   <p:cSld>
     <p:spTree>
@@ -18152,11 +19480,7 @@
           <a:p>
             <a:r>
               <a:rPr lang="en-US" dirty="0" smtClean="0"/>
-              <a:t>Map </a:t>
-            </a:r>
-            <a:r>
-              <a:rPr lang="en-US" dirty="0" smtClean="0"/>
-              <a:t>example</a:t>
+              <a:t>Map example</a:t>
             </a:r>
             <a:endParaRPr lang="en-US" dirty="0"/>
           </a:p>
@@ -18179,7 +19503,7 @@
           <a:p>
             <a:fld id="{11AD1F4E-1E51-402E-B221-310F004E7D3B}" type="slidenum">
               <a:rPr lang="en-US" smtClean="0"/>
-              <a:t>28</a:t>
+              <a:t>29</a:t>
             </a:fld>
             <a:endParaRPr lang="en-US"/>
           </a:p>
@@ -18916,7 +20240,7 @@
 </p:sld>
 </file>
 
-<file path=ppt/slides/slide29.xml><?xml version="1.0" encoding="utf-8"?>
+<file path=ppt/slides/slide3.xml><?xml version="1.0" encoding="utf-8"?>
 <p:sld xmlns:a="http://schemas.openxmlformats.org/drawingml/2006/main" xmlns:r="http://schemas.openxmlformats.org/officeDocument/2006/relationships" xmlns:p="http://schemas.openxmlformats.org/presentationml/2006/main">
   <p:cSld>
     <p:spTree>
@@ -18950,6 +20274,108 @@
           <a:p>
             <a:r>
               <a:rPr lang="en-US" dirty="0" smtClean="0"/>
+              <a:t>Introduction</a:t>
+            </a:r>
+            <a:endParaRPr lang="en-US" dirty="0"/>
+          </a:p>
+        </p:txBody>
+      </p:sp>
+      <p:sp>
+        <p:nvSpPr>
+          <p:cNvPr id="3" name="Text Placeholder 2"/>
+          <p:cNvSpPr>
+            <a:spLocks noGrp="1"/>
+          </p:cNvSpPr>
+          <p:nvPr>
+            <p:ph type="body" idx="1"/>
+          </p:nvPr>
+        </p:nvSpPr>
+        <p:spPr/>
+        <p:txBody>
+          <a:bodyPr/>
+          <a:lstStyle/>
+          <a:p>
+            <a:endParaRPr lang="en-US"/>
+          </a:p>
+        </p:txBody>
+      </p:sp>
+      <p:sp>
+        <p:nvSpPr>
+          <p:cNvPr id="4" name="Slide Number Placeholder 3"/>
+          <p:cNvSpPr>
+            <a:spLocks noGrp="1"/>
+          </p:cNvSpPr>
+          <p:nvPr>
+            <p:ph type="sldNum" sz="quarter" idx="12"/>
+          </p:nvPr>
+        </p:nvSpPr>
+        <p:spPr/>
+        <p:txBody>
+          <a:bodyPr/>
+          <a:lstStyle/>
+          <a:p>
+            <a:fld id="{11AD1F4E-1E51-402E-B221-310F004E7D3B}" type="slidenum">
+              <a:rPr lang="en-US" smtClean="0"/>
+              <a:t>3</a:t>
+            </a:fld>
+            <a:endParaRPr lang="en-US"/>
+          </a:p>
+        </p:txBody>
+      </p:sp>
+    </p:spTree>
+    <p:extLst>
+      <p:ext uri="{BB962C8B-B14F-4D97-AF65-F5344CB8AC3E}">
+        <p14:creationId xmlns:p14="http://schemas.microsoft.com/office/powerpoint/2010/main" val="33640868"/>
+      </p:ext>
+    </p:extLst>
+  </p:cSld>
+  <p:clrMapOvr>
+    <a:masterClrMapping/>
+  </p:clrMapOvr>
+  <p:timing>
+    <p:tnLst>
+      <p:par>
+        <p:cTn id="1" dur="indefinite" restart="never" nodeType="tmRoot"/>
+      </p:par>
+    </p:tnLst>
+  </p:timing>
+</p:sld>
+</file>
+
+<file path=ppt/slides/slide30.xml><?xml version="1.0" encoding="utf-8"?>
+<p:sld xmlns:a="http://schemas.openxmlformats.org/drawingml/2006/main" xmlns:r="http://schemas.openxmlformats.org/officeDocument/2006/relationships" xmlns:p="http://schemas.openxmlformats.org/presentationml/2006/main">
+  <p:cSld>
+    <p:spTree>
+      <p:nvGrpSpPr>
+        <p:cNvPr id="1" name=""/>
+        <p:cNvGrpSpPr/>
+        <p:nvPr/>
+      </p:nvGrpSpPr>
+      <p:grpSpPr>
+        <a:xfrm>
+          <a:off x="0" y="0"/>
+          <a:ext cx="0" cy="0"/>
+          <a:chOff x="0" y="0"/>
+          <a:chExt cx="0" cy="0"/>
+        </a:xfrm>
+      </p:grpSpPr>
+      <p:sp>
+        <p:nvSpPr>
+          <p:cNvPr id="2" name="Title 1"/>
+          <p:cNvSpPr>
+            <a:spLocks noGrp="1"/>
+          </p:cNvSpPr>
+          <p:nvPr>
+            <p:ph type="title"/>
+          </p:nvPr>
+        </p:nvSpPr>
+        <p:spPr/>
+        <p:txBody>
+          <a:bodyPr/>
+          <a:lstStyle/>
+          <a:p>
+            <a:r>
+              <a:rPr lang="en-US" dirty="0" smtClean="0"/>
               <a:t>Unordered versus ordinary</a:t>
             </a:r>
             <a:endParaRPr lang="en-US" dirty="0"/>
@@ -19113,7 +20539,7 @@
           <a:p>
             <a:fld id="{11AD1F4E-1E51-402E-B221-310F004E7D3B}" type="slidenum">
               <a:rPr lang="en-US" smtClean="0"/>
-              <a:t>29</a:t>
+              <a:t>30</a:t>
             </a:fld>
             <a:endParaRPr lang="en-US"/>
           </a:p>
@@ -19612,210 +21038,6 @@
 </p:sld>
 </file>
 
-<file path=ppt/slides/slide3.xml><?xml version="1.0" encoding="utf-8"?>
-<p:sld xmlns:a="http://schemas.openxmlformats.org/drawingml/2006/main" xmlns:r="http://schemas.openxmlformats.org/officeDocument/2006/relationships" xmlns:p="http://schemas.openxmlformats.org/presentationml/2006/main">
-  <p:cSld>
-    <p:spTree>
-      <p:nvGrpSpPr>
-        <p:cNvPr id="1" name=""/>
-        <p:cNvGrpSpPr/>
-        <p:nvPr/>
-      </p:nvGrpSpPr>
-      <p:grpSpPr>
-        <a:xfrm>
-          <a:off x="0" y="0"/>
-          <a:ext cx="0" cy="0"/>
-          <a:chOff x="0" y="0"/>
-          <a:chExt cx="0" cy="0"/>
-        </a:xfrm>
-      </p:grpSpPr>
-      <p:sp>
-        <p:nvSpPr>
-          <p:cNvPr id="2" name="Title 1"/>
-          <p:cNvSpPr>
-            <a:spLocks noGrp="1"/>
-          </p:cNvSpPr>
-          <p:nvPr>
-            <p:ph type="title"/>
-          </p:nvPr>
-        </p:nvSpPr>
-        <p:spPr/>
-        <p:txBody>
-          <a:bodyPr/>
-          <a:lstStyle/>
-          <a:p>
-            <a:r>
-              <a:rPr lang="en-US" dirty="0" smtClean="0"/>
-              <a:t>Introduction</a:t>
-            </a:r>
-            <a:endParaRPr lang="en-US" dirty="0"/>
-          </a:p>
-        </p:txBody>
-      </p:sp>
-      <p:sp>
-        <p:nvSpPr>
-          <p:cNvPr id="3" name="Text Placeholder 2"/>
-          <p:cNvSpPr>
-            <a:spLocks noGrp="1"/>
-          </p:cNvSpPr>
-          <p:nvPr>
-            <p:ph type="body" idx="1"/>
-          </p:nvPr>
-        </p:nvSpPr>
-        <p:spPr/>
-        <p:txBody>
-          <a:bodyPr/>
-          <a:lstStyle/>
-          <a:p>
-            <a:endParaRPr lang="en-US"/>
-          </a:p>
-        </p:txBody>
-      </p:sp>
-      <p:sp>
-        <p:nvSpPr>
-          <p:cNvPr id="4" name="Slide Number Placeholder 3"/>
-          <p:cNvSpPr>
-            <a:spLocks noGrp="1"/>
-          </p:cNvSpPr>
-          <p:nvPr>
-            <p:ph type="sldNum" sz="quarter" idx="12"/>
-          </p:nvPr>
-        </p:nvSpPr>
-        <p:spPr/>
-        <p:txBody>
-          <a:bodyPr/>
-          <a:lstStyle/>
-          <a:p>
-            <a:fld id="{11AD1F4E-1E51-402E-B221-310F004E7D3B}" type="slidenum">
-              <a:rPr lang="en-US" smtClean="0"/>
-              <a:t>3</a:t>
-            </a:fld>
-            <a:endParaRPr lang="en-US"/>
-          </a:p>
-        </p:txBody>
-      </p:sp>
-    </p:spTree>
-    <p:extLst>
-      <p:ext uri="{BB962C8B-B14F-4D97-AF65-F5344CB8AC3E}">
-        <p14:creationId xmlns:p14="http://schemas.microsoft.com/office/powerpoint/2010/main" val="33640868"/>
-      </p:ext>
-    </p:extLst>
-  </p:cSld>
-  <p:clrMapOvr>
-    <a:masterClrMapping/>
-  </p:clrMapOvr>
-  <p:timing>
-    <p:tnLst>
-      <p:par>
-        <p:cTn id="1" dur="indefinite" restart="never" nodeType="tmRoot"/>
-      </p:par>
-    </p:tnLst>
-  </p:timing>
-</p:sld>
-</file>
-
-<file path=ppt/slides/slide30.xml><?xml version="1.0" encoding="utf-8"?>
-<p:sld xmlns:a="http://schemas.openxmlformats.org/drawingml/2006/main" xmlns:r="http://schemas.openxmlformats.org/officeDocument/2006/relationships" xmlns:p="http://schemas.openxmlformats.org/presentationml/2006/main">
-  <p:cSld>
-    <p:spTree>
-      <p:nvGrpSpPr>
-        <p:cNvPr id="1" name=""/>
-        <p:cNvGrpSpPr/>
-        <p:nvPr/>
-      </p:nvGrpSpPr>
-      <p:grpSpPr>
-        <a:xfrm>
-          <a:off x="0" y="0"/>
-          <a:ext cx="0" cy="0"/>
-          <a:chOff x="0" y="0"/>
-          <a:chExt cx="0" cy="0"/>
-        </a:xfrm>
-      </p:grpSpPr>
-      <p:sp>
-        <p:nvSpPr>
-          <p:cNvPr id="2" name="Title 1"/>
-          <p:cNvSpPr>
-            <a:spLocks noGrp="1"/>
-          </p:cNvSpPr>
-          <p:nvPr>
-            <p:ph type="title"/>
-          </p:nvPr>
-        </p:nvSpPr>
-        <p:spPr/>
-        <p:txBody>
-          <a:bodyPr/>
-          <a:lstStyle/>
-          <a:p>
-            <a:r>
-              <a:rPr lang="en-US" dirty="0" smtClean="0"/>
-              <a:t>Specialized data structures</a:t>
-            </a:r>
-            <a:endParaRPr lang="en-US" dirty="0"/>
-          </a:p>
-        </p:txBody>
-      </p:sp>
-      <p:sp>
-        <p:nvSpPr>
-          <p:cNvPr id="3" name="Text Placeholder 2"/>
-          <p:cNvSpPr>
-            <a:spLocks noGrp="1"/>
-          </p:cNvSpPr>
-          <p:nvPr>
-            <p:ph type="body" idx="1"/>
-          </p:nvPr>
-        </p:nvSpPr>
-        <p:spPr/>
-        <p:txBody>
-          <a:bodyPr/>
-          <a:lstStyle/>
-          <a:p>
-            <a:endParaRPr lang="en-US"/>
-          </a:p>
-        </p:txBody>
-      </p:sp>
-      <p:sp>
-        <p:nvSpPr>
-          <p:cNvPr id="4" name="Slide Number Placeholder 3"/>
-          <p:cNvSpPr>
-            <a:spLocks noGrp="1"/>
-          </p:cNvSpPr>
-          <p:nvPr>
-            <p:ph type="sldNum" sz="quarter" idx="12"/>
-          </p:nvPr>
-        </p:nvSpPr>
-        <p:spPr/>
-        <p:txBody>
-          <a:bodyPr/>
-          <a:lstStyle/>
-          <a:p>
-            <a:fld id="{11AD1F4E-1E51-402E-B221-310F004E7D3B}" type="slidenum">
-              <a:rPr lang="en-US" smtClean="0"/>
-              <a:t>30</a:t>
-            </a:fld>
-            <a:endParaRPr lang="en-US"/>
-          </a:p>
-        </p:txBody>
-      </p:sp>
-    </p:spTree>
-    <p:extLst>
-      <p:ext uri="{BB962C8B-B14F-4D97-AF65-F5344CB8AC3E}">
-        <p14:creationId xmlns:p14="http://schemas.microsoft.com/office/powerpoint/2010/main" val="3507347166"/>
-      </p:ext>
-    </p:extLst>
-  </p:cSld>
-  <p:clrMapOvr>
-    <a:masterClrMapping/>
-  </p:clrMapOvr>
-  <p:timing>
-    <p:tnLst>
-      <p:par>
-        <p:cTn id="1" dur="indefinite" restart="never" nodeType="tmRoot"/>
-      </p:par>
-    </p:tnLst>
-  </p:timing>
-</p:sld>
-</file>
-
 <file path=ppt/slides/slide31.xml><?xml version="1.0" encoding="utf-8"?>
 <p:sld xmlns:a="http://schemas.openxmlformats.org/drawingml/2006/main" xmlns:r="http://schemas.openxmlformats.org/officeDocument/2006/relationships" xmlns:p="http://schemas.openxmlformats.org/presentationml/2006/main">
   <p:cSld>
@@ -19858,78 +21080,20 @@
       </p:sp>
       <p:sp>
         <p:nvSpPr>
-          <p:cNvPr id="3" name="Content Placeholder 2"/>
+          <p:cNvPr id="3" name="Text Placeholder 2"/>
           <p:cNvSpPr>
             <a:spLocks noGrp="1"/>
           </p:cNvSpPr>
           <p:nvPr>
-            <p:ph idx="1"/>
+            <p:ph type="body" idx="1"/>
           </p:nvPr>
         </p:nvSpPr>
         <p:spPr/>
         <p:txBody>
-          <a:bodyPr>
-            <a:normAutofit/>
-          </a:bodyPr>
+          <a:bodyPr/>
           <a:lstStyle/>
           <a:p>
-            <a:r>
-              <a:rPr lang="en-US" dirty="0" smtClean="0"/>
-              <a:t>Data structures provided</a:t>
-            </a:r>
-          </a:p>
-          <a:p>
-            <a:pPr lvl="1"/>
-            <a:r>
-              <a:rPr lang="en-US" dirty="0" smtClean="0"/>
-              <a:t>standard libraries</a:t>
-            </a:r>
-          </a:p>
-          <a:p>
-            <a:pPr lvl="1"/>
-            <a:r>
-              <a:rPr lang="en-US" dirty="0" smtClean="0"/>
-              <a:t>third-party libraries</a:t>
-            </a:r>
-          </a:p>
-          <a:p>
-            <a:r>
-              <a:rPr lang="en-US" dirty="0" smtClean="0"/>
-              <a:t>Often implemented on top of basic data structures</a:t>
-            </a:r>
-          </a:p>
-          <a:p>
-            <a:r>
-              <a:rPr lang="en-US" dirty="0" smtClean="0"/>
-              <a:t>Other data structures can be implemented on top</a:t>
-            </a:r>
-          </a:p>
-          <a:p>
-            <a:r>
-              <a:rPr lang="en-US" dirty="0" smtClean="0"/>
-              <a:t>Contents</a:t>
-            </a:r>
-          </a:p>
-          <a:p>
-            <a:pPr lvl="1"/>
-            <a:r>
-              <a:rPr lang="en-US" dirty="0" smtClean="0"/>
-              <a:t>stack</a:t>
-            </a:r>
-          </a:p>
-          <a:p>
-            <a:pPr lvl="1"/>
-            <a:r>
-              <a:rPr lang="en-US" dirty="0" smtClean="0"/>
-              <a:t>queue, priority queue</a:t>
-            </a:r>
-          </a:p>
-          <a:p>
-            <a:pPr lvl="1"/>
-            <a:r>
-              <a:rPr lang="en-US" dirty="0" smtClean="0"/>
-              <a:t>graph, DAG, tree</a:t>
-            </a:r>
+            <a:endParaRPr lang="en-US"/>
           </a:p>
         </p:txBody>
       </p:sp>
@@ -19959,7 +21123,7 @@
     </p:spTree>
     <p:extLst>
       <p:ext uri="{BB962C8B-B14F-4D97-AF65-F5344CB8AC3E}">
-        <p14:creationId xmlns:p14="http://schemas.microsoft.com/office/powerpoint/2010/main" val="3456588179"/>
+        <p14:creationId xmlns:p14="http://schemas.microsoft.com/office/powerpoint/2010/main" val="3507347166"/>
       </p:ext>
     </p:extLst>
   </p:cSld>
@@ -20010,6 +21174,166 @@
           <a:p>
             <a:r>
               <a:rPr lang="en-US" dirty="0" smtClean="0"/>
+              <a:t>Specialized data structures</a:t>
+            </a:r>
+            <a:endParaRPr lang="en-US" dirty="0"/>
+          </a:p>
+        </p:txBody>
+      </p:sp>
+      <p:sp>
+        <p:nvSpPr>
+          <p:cNvPr id="3" name="Content Placeholder 2"/>
+          <p:cNvSpPr>
+            <a:spLocks noGrp="1"/>
+          </p:cNvSpPr>
+          <p:nvPr>
+            <p:ph idx="1"/>
+          </p:nvPr>
+        </p:nvSpPr>
+        <p:spPr/>
+        <p:txBody>
+          <a:bodyPr>
+            <a:normAutofit/>
+          </a:bodyPr>
+          <a:lstStyle/>
+          <a:p>
+            <a:r>
+              <a:rPr lang="en-US" dirty="0" smtClean="0"/>
+              <a:t>Data structures provided</a:t>
+            </a:r>
+          </a:p>
+          <a:p>
+            <a:pPr lvl="1"/>
+            <a:r>
+              <a:rPr lang="en-US" dirty="0" smtClean="0"/>
+              <a:t>standard libraries</a:t>
+            </a:r>
+          </a:p>
+          <a:p>
+            <a:pPr lvl="1"/>
+            <a:r>
+              <a:rPr lang="en-US" dirty="0" smtClean="0"/>
+              <a:t>third-party libraries</a:t>
+            </a:r>
+          </a:p>
+          <a:p>
+            <a:r>
+              <a:rPr lang="en-US" dirty="0" smtClean="0"/>
+              <a:t>Often implemented on top of basic data structures</a:t>
+            </a:r>
+          </a:p>
+          <a:p>
+            <a:r>
+              <a:rPr lang="en-US" dirty="0" smtClean="0"/>
+              <a:t>Other data structures can be implemented on top</a:t>
+            </a:r>
+          </a:p>
+          <a:p>
+            <a:r>
+              <a:rPr lang="en-US" dirty="0" smtClean="0"/>
+              <a:t>Contents</a:t>
+            </a:r>
+          </a:p>
+          <a:p>
+            <a:pPr lvl="1"/>
+            <a:r>
+              <a:rPr lang="en-US" dirty="0" smtClean="0"/>
+              <a:t>stack</a:t>
+            </a:r>
+          </a:p>
+          <a:p>
+            <a:pPr lvl="1"/>
+            <a:r>
+              <a:rPr lang="en-US" dirty="0" smtClean="0"/>
+              <a:t>queue, priority queue</a:t>
+            </a:r>
+          </a:p>
+          <a:p>
+            <a:pPr lvl="1"/>
+            <a:r>
+              <a:rPr lang="en-US" dirty="0" smtClean="0"/>
+              <a:t>graph, DAG, tree</a:t>
+            </a:r>
+          </a:p>
+        </p:txBody>
+      </p:sp>
+      <p:sp>
+        <p:nvSpPr>
+          <p:cNvPr id="4" name="Slide Number Placeholder 3"/>
+          <p:cNvSpPr>
+            <a:spLocks noGrp="1"/>
+          </p:cNvSpPr>
+          <p:nvPr>
+            <p:ph type="sldNum" sz="quarter" idx="12"/>
+          </p:nvPr>
+        </p:nvSpPr>
+        <p:spPr/>
+        <p:txBody>
+          <a:bodyPr/>
+          <a:lstStyle/>
+          <a:p>
+            <a:fld id="{11AD1F4E-1E51-402E-B221-310F004E7D3B}" type="slidenum">
+              <a:rPr lang="en-US" smtClean="0"/>
+              <a:t>32</a:t>
+            </a:fld>
+            <a:endParaRPr lang="en-US"/>
+          </a:p>
+        </p:txBody>
+      </p:sp>
+    </p:spTree>
+    <p:extLst>
+      <p:ext uri="{BB962C8B-B14F-4D97-AF65-F5344CB8AC3E}">
+        <p14:creationId xmlns:p14="http://schemas.microsoft.com/office/powerpoint/2010/main" val="3456588179"/>
+      </p:ext>
+    </p:extLst>
+  </p:cSld>
+  <p:clrMapOvr>
+    <a:masterClrMapping/>
+  </p:clrMapOvr>
+  <p:timing>
+    <p:tnLst>
+      <p:par>
+        <p:cTn id="1" dur="indefinite" restart="never" nodeType="tmRoot"/>
+      </p:par>
+    </p:tnLst>
+  </p:timing>
+</p:sld>
+</file>
+
+<file path=ppt/slides/slide33.xml><?xml version="1.0" encoding="utf-8"?>
+<p:sld xmlns:a="http://schemas.openxmlformats.org/drawingml/2006/main" xmlns:r="http://schemas.openxmlformats.org/officeDocument/2006/relationships" xmlns:p="http://schemas.openxmlformats.org/presentationml/2006/main">
+  <p:cSld>
+    <p:spTree>
+      <p:nvGrpSpPr>
+        <p:cNvPr id="1" name=""/>
+        <p:cNvGrpSpPr/>
+        <p:nvPr/>
+      </p:nvGrpSpPr>
+      <p:grpSpPr>
+        <a:xfrm>
+          <a:off x="0" y="0"/>
+          <a:ext cx="0" cy="0"/>
+          <a:chOff x="0" y="0"/>
+          <a:chExt cx="0" cy="0"/>
+        </a:xfrm>
+      </p:grpSpPr>
+      <p:sp>
+        <p:nvSpPr>
+          <p:cNvPr id="2" name="Title 1"/>
+          <p:cNvSpPr>
+            <a:spLocks noGrp="1"/>
+          </p:cNvSpPr>
+          <p:nvPr>
+            <p:ph type="title"/>
+          </p:nvPr>
+        </p:nvSpPr>
+        <p:spPr/>
+        <p:txBody>
+          <a:bodyPr/>
+          <a:lstStyle/>
+          <a:p>
+            <a:r>
+              <a:rPr lang="en-US" dirty="0" smtClean="0"/>
               <a:t>Stack</a:t>
             </a:r>
             <a:endParaRPr lang="en-US" dirty="0"/>
@@ -20115,7 +21439,7 @@
           <a:p>
             <a:fld id="{11AD1F4E-1E51-402E-B221-310F004E7D3B}" type="slidenum">
               <a:rPr lang="en-US" smtClean="0"/>
-              <a:t>32</a:t>
+              <a:t>33</a:t>
             </a:fld>
             <a:endParaRPr lang="en-US"/>
           </a:p>
@@ -20192,7 +21516,7 @@
             <a:graphicData uri="http://schemas.openxmlformats.org/presentationml/2006/ole">
               <mc:AlternateContent xmlns:mc="http://schemas.openxmlformats.org/markup-compatibility/2006">
                 <mc:Choice xmlns:v="urn:schemas-microsoft-com:vml" Requires="v">
-                  <p:oleObj spid="_x0000_s7236" name="Equation" r:id="rId3" imgW="431640" imgH="241200" progId="Equation.3">
+                  <p:oleObj spid="_x0000_s7239" name="Equation" r:id="rId3" imgW="431640" imgH="241200" progId="Equation.3">
                     <p:embed/>
                   </p:oleObj>
                 </mc:Choice>
@@ -20325,236 +21649,6 @@
 </p:sld>
 </file>
 
-<file path=ppt/slides/slide33.xml><?xml version="1.0" encoding="utf-8"?>
-<p:sld xmlns:a="http://schemas.openxmlformats.org/drawingml/2006/main" xmlns:r="http://schemas.openxmlformats.org/officeDocument/2006/relationships" xmlns:p="http://schemas.openxmlformats.org/presentationml/2006/main">
-  <p:cSld>
-    <p:spTree>
-      <p:nvGrpSpPr>
-        <p:cNvPr id="1" name=""/>
-        <p:cNvGrpSpPr/>
-        <p:nvPr/>
-      </p:nvGrpSpPr>
-      <p:grpSpPr>
-        <a:xfrm>
-          <a:off x="0" y="0"/>
-          <a:ext cx="0" cy="0"/>
-          <a:chOff x="0" y="0"/>
-          <a:chExt cx="0" cy="0"/>
-        </a:xfrm>
-      </p:grpSpPr>
-      <p:sp>
-        <p:nvSpPr>
-          <p:cNvPr id="2" name="Title 1"/>
-          <p:cNvSpPr>
-            <a:spLocks noGrp="1"/>
-          </p:cNvSpPr>
-          <p:nvPr>
-            <p:ph type="title"/>
-          </p:nvPr>
-        </p:nvSpPr>
-        <p:spPr/>
-        <p:txBody>
-          <a:bodyPr/>
-          <a:lstStyle/>
-          <a:p>
-            <a:r>
-              <a:rPr lang="en-US" dirty="0" smtClean="0"/>
-              <a:t>Stack ADT</a:t>
-            </a:r>
-            <a:endParaRPr lang="en-US" dirty="0"/>
-          </a:p>
-        </p:txBody>
-      </p:sp>
-      <p:sp>
-        <p:nvSpPr>
-          <p:cNvPr id="3" name="Content Placeholder 2"/>
-          <p:cNvSpPr>
-            <a:spLocks noGrp="1"/>
-          </p:cNvSpPr>
-          <p:nvPr>
-            <p:ph idx="1"/>
-          </p:nvPr>
-        </p:nvSpPr>
-        <p:spPr/>
-        <p:txBody>
-          <a:bodyPr/>
-          <a:lstStyle/>
-          <a:p>
-            <a:r>
-              <a:rPr lang="en-US" dirty="0" smtClean="0"/>
-              <a:t>EMPTY_STACK()</a:t>
-            </a:r>
-            <a:r>
-              <a:rPr lang="en-US" dirty="0"/>
-              <a:t> </a:t>
-            </a:r>
-            <a:r>
-              <a:rPr lang="en-US" dirty="0">
-                <a:sym typeface="Symbol" panose="05050102010706020507" pitchFamily="18" charset="2"/>
-              </a:rPr>
-              <a:t> </a:t>
-            </a:r>
-            <a:r>
-              <a:rPr lang="en-US" dirty="0" smtClean="0">
-                <a:sym typeface="Symbol" panose="05050102010706020507" pitchFamily="18" charset="2"/>
-              </a:rPr>
-              <a:t>stack</a:t>
-            </a:r>
-          </a:p>
-          <a:p>
-            <a:r>
-              <a:rPr lang="en-US" dirty="0" smtClean="0">
-                <a:sym typeface="Symbol" panose="05050102010706020507" pitchFamily="18" charset="2"/>
-              </a:rPr>
-              <a:t>STACK.PUSH(value)</a:t>
-            </a:r>
-          </a:p>
-          <a:p>
-            <a:r>
-              <a:rPr lang="en-US" dirty="0" smtClean="0">
-                <a:sym typeface="Symbol" panose="05050102010706020507" pitchFamily="18" charset="2"/>
-              </a:rPr>
-              <a:t>STACK.POP()</a:t>
-            </a:r>
-          </a:p>
-          <a:p>
-            <a:r>
-              <a:rPr lang="en-US" dirty="0" smtClean="0">
-                <a:sym typeface="Symbol" panose="05050102010706020507" pitchFamily="18" charset="2"/>
-              </a:rPr>
-              <a:t>STACK.TOP()</a:t>
-            </a:r>
-            <a:r>
-              <a:rPr lang="en-US" dirty="0"/>
-              <a:t> </a:t>
-            </a:r>
-            <a:r>
-              <a:rPr lang="en-US" dirty="0">
-                <a:sym typeface="Symbol" panose="05050102010706020507" pitchFamily="18" charset="2"/>
-              </a:rPr>
-              <a:t> </a:t>
-            </a:r>
-            <a:r>
-              <a:rPr lang="en-US" dirty="0" smtClean="0">
-                <a:sym typeface="Symbol" panose="05050102010706020507" pitchFamily="18" charset="2"/>
-              </a:rPr>
-              <a:t>value</a:t>
-            </a:r>
-          </a:p>
-          <a:p>
-            <a:r>
-              <a:rPr lang="en-US" dirty="0" smtClean="0">
-                <a:sym typeface="Symbol" panose="05050102010706020507" pitchFamily="18" charset="2"/>
-              </a:rPr>
-              <a:t>STACK.IS_EMPTY()</a:t>
-            </a:r>
-            <a:r>
-              <a:rPr lang="en-US" dirty="0"/>
-              <a:t> </a:t>
-            </a:r>
-            <a:r>
-              <a:rPr lang="en-US" dirty="0">
-                <a:sym typeface="Symbol" panose="05050102010706020507" pitchFamily="18" charset="2"/>
-              </a:rPr>
-              <a:t> </a:t>
-            </a:r>
-            <a:r>
-              <a:rPr lang="en-US" dirty="0" err="1">
-                <a:sym typeface="Symbol" panose="05050102010706020507" pitchFamily="18" charset="2"/>
-              </a:rPr>
-              <a:t>b</a:t>
-            </a:r>
-            <a:r>
-              <a:rPr lang="en-US" dirty="0" err="1" smtClean="0">
-                <a:sym typeface="Symbol" panose="05050102010706020507" pitchFamily="18" charset="2"/>
-              </a:rPr>
-              <a:t>oolean</a:t>
-            </a:r>
-            <a:endParaRPr lang="en-US" dirty="0" smtClean="0">
-              <a:sym typeface="Symbol" panose="05050102010706020507" pitchFamily="18" charset="2"/>
-            </a:endParaRPr>
-          </a:p>
-          <a:p>
-            <a:r>
-              <a:rPr lang="en-US" dirty="0" smtClean="0">
-                <a:sym typeface="Symbol" panose="05050102010706020507" pitchFamily="18" charset="2"/>
-              </a:rPr>
-              <a:t>STACK.SIZE()</a:t>
-            </a:r>
-            <a:r>
-              <a:rPr lang="en-US" dirty="0"/>
-              <a:t> </a:t>
-            </a:r>
-            <a:r>
-              <a:rPr lang="en-US" dirty="0">
-                <a:sym typeface="Symbol" panose="05050102010706020507" pitchFamily="18" charset="2"/>
-              </a:rPr>
-              <a:t> </a:t>
-            </a:r>
-            <a:r>
-              <a:rPr lang="en-US" dirty="0" smtClean="0">
-                <a:sym typeface="Symbol" panose="05050102010706020507" pitchFamily="18" charset="2"/>
-              </a:rPr>
-              <a:t>size</a:t>
-            </a:r>
-            <a:br>
-              <a:rPr lang="en-US" dirty="0" smtClean="0">
-                <a:sym typeface="Symbol" panose="05050102010706020507" pitchFamily="18" charset="2"/>
-              </a:rPr>
-            </a:br>
-            <a:r>
-              <a:rPr lang="en-US" dirty="0" smtClean="0">
-                <a:sym typeface="Symbol" panose="05050102010706020507" pitchFamily="18" charset="2"/>
-              </a:rPr>
-              <a:t>      = #push - #pop</a:t>
-            </a:r>
-            <a:endParaRPr lang="en-US" dirty="0"/>
-          </a:p>
-        </p:txBody>
-      </p:sp>
-      <p:sp>
-        <p:nvSpPr>
-          <p:cNvPr id="4" name="Slide Number Placeholder 3"/>
-          <p:cNvSpPr>
-            <a:spLocks noGrp="1"/>
-          </p:cNvSpPr>
-          <p:nvPr>
-            <p:ph type="sldNum" sz="quarter" idx="12"/>
-          </p:nvPr>
-        </p:nvSpPr>
-        <p:spPr/>
-        <p:txBody>
-          <a:bodyPr/>
-          <a:lstStyle/>
-          <a:p>
-            <a:fld id="{11AD1F4E-1E51-402E-B221-310F004E7D3B}" type="slidenum">
-              <a:rPr lang="en-US" smtClean="0"/>
-              <a:t>33</a:t>
-            </a:fld>
-            <a:endParaRPr lang="en-US"/>
-          </a:p>
-        </p:txBody>
-      </p:sp>
-    </p:spTree>
-    <p:extLst>
-      <p:ext uri="{BB962C8B-B14F-4D97-AF65-F5344CB8AC3E}">
-        <p14:creationId xmlns:p14="http://schemas.microsoft.com/office/powerpoint/2010/main" val="3731668153"/>
-      </p:ext>
-    </p:extLst>
-  </p:cSld>
-  <p:clrMapOvr>
-    <a:masterClrMapping/>
-  </p:clrMapOvr>
-  <p:timing>
-    <p:tnLst>
-      <p:par>
-        <p:cTn id="1" dur="indefinite" restart="never" nodeType="tmRoot"/>
-      </p:par>
-    </p:tnLst>
-  </p:timing>
-</p:sld>
-</file>
-
 <file path=ppt/slides/slide34.xml><?xml version="1.0" encoding="utf-8"?>
 <p:sld xmlns:a="http://schemas.openxmlformats.org/drawingml/2006/main" xmlns:r="http://schemas.openxmlformats.org/officeDocument/2006/relationships" xmlns:p="http://schemas.openxmlformats.org/presentationml/2006/main">
   <p:cSld>
@@ -20589,7 +21683,154 @@
           <a:p>
             <a:r>
               <a:rPr lang="en-US" dirty="0" smtClean="0"/>
-              <a:t>Stack examples</a:t>
+              <a:t>Stack ADT</a:t>
+            </a:r>
+            <a:endParaRPr lang="en-US" dirty="0"/>
+          </a:p>
+        </p:txBody>
+      </p:sp>
+      <p:sp>
+        <p:nvSpPr>
+          <p:cNvPr id="3" name="Content Placeholder 2"/>
+          <p:cNvSpPr>
+            <a:spLocks noGrp="1"/>
+          </p:cNvSpPr>
+          <p:nvPr>
+            <p:ph idx="1"/>
+          </p:nvPr>
+        </p:nvSpPr>
+        <p:spPr/>
+        <p:txBody>
+          <a:bodyPr/>
+          <a:lstStyle/>
+          <a:p>
+            <a:r>
+              <a:rPr lang="en-US" dirty="0" smtClean="0"/>
+              <a:t>EMPTY_STACK()</a:t>
+            </a:r>
+            <a:r>
+              <a:rPr lang="en-US" dirty="0"/>
+              <a:t> </a:t>
+            </a:r>
+            <a:r>
+              <a:rPr lang="en-US" dirty="0">
+                <a:sym typeface="Symbol" panose="05050102010706020507" pitchFamily="18" charset="2"/>
+              </a:rPr>
+              <a:t> </a:t>
+            </a:r>
+            <a:r>
+              <a:rPr lang="en-US" dirty="0" smtClean="0">
+                <a:sym typeface="Symbol" panose="05050102010706020507" pitchFamily="18" charset="2"/>
+              </a:rPr>
+              <a:t>stack</a:t>
+            </a:r>
+          </a:p>
+          <a:p>
+            <a:r>
+              <a:rPr lang="en-US" dirty="0" smtClean="0">
+                <a:sym typeface="Symbol" panose="05050102010706020507" pitchFamily="18" charset="2"/>
+              </a:rPr>
+              <a:t>STACK.PUSH(value)</a:t>
+            </a:r>
+          </a:p>
+          <a:p>
+            <a:r>
+              <a:rPr lang="en-US" dirty="0" smtClean="0">
+                <a:sym typeface="Symbol" panose="05050102010706020507" pitchFamily="18" charset="2"/>
+              </a:rPr>
+              <a:t>STACK.POP()</a:t>
+            </a:r>
+          </a:p>
+          <a:p>
+            <a:r>
+              <a:rPr lang="en-US" dirty="0" smtClean="0">
+                <a:sym typeface="Symbol" panose="05050102010706020507" pitchFamily="18" charset="2"/>
+              </a:rPr>
+              <a:t>STACK.TOP()</a:t>
+            </a:r>
+            <a:r>
+              <a:rPr lang="en-US" dirty="0"/>
+              <a:t> </a:t>
+            </a:r>
+            <a:r>
+              <a:rPr lang="en-US" dirty="0">
+                <a:sym typeface="Symbol" panose="05050102010706020507" pitchFamily="18" charset="2"/>
+              </a:rPr>
+              <a:t> </a:t>
+            </a:r>
+            <a:r>
+              <a:rPr lang="en-US" dirty="0" smtClean="0">
+                <a:sym typeface="Symbol" panose="05050102010706020507" pitchFamily="18" charset="2"/>
+              </a:rPr>
+              <a:t>value</a:t>
+            </a:r>
+          </a:p>
+          <a:p>
+            <a:r>
+              <a:rPr lang="en-US" dirty="0" smtClean="0">
+                <a:sym typeface="Symbol" panose="05050102010706020507" pitchFamily="18" charset="2"/>
+              </a:rPr>
+              <a:t>STACK.IS_EMPTY()</a:t>
+            </a:r>
+            <a:r>
+              <a:rPr lang="en-US" dirty="0"/>
+              <a:t> </a:t>
+            </a:r>
+            <a:r>
+              <a:rPr lang="en-US" dirty="0">
+                <a:sym typeface="Symbol" panose="05050102010706020507" pitchFamily="18" charset="2"/>
+              </a:rPr>
+              <a:t> </a:t>
+            </a:r>
+            <a:r>
+              <a:rPr lang="en-US" dirty="0" err="1">
+                <a:sym typeface="Symbol" panose="05050102010706020507" pitchFamily="18" charset="2"/>
+              </a:rPr>
+              <a:t>b</a:t>
+            </a:r>
+            <a:r>
+              <a:rPr lang="en-US" dirty="0" err="1" smtClean="0">
+                <a:sym typeface="Symbol" panose="05050102010706020507" pitchFamily="18" charset="2"/>
+              </a:rPr>
+              <a:t>oolean</a:t>
+            </a:r>
+            <a:endParaRPr lang="en-US" dirty="0" smtClean="0">
+              <a:sym typeface="Symbol" panose="05050102010706020507" pitchFamily="18" charset="2"/>
+            </a:endParaRPr>
+          </a:p>
+          <a:p>
+            <a:r>
+              <a:rPr lang="en-US" dirty="0" smtClean="0">
+                <a:sym typeface="Symbol" panose="05050102010706020507" pitchFamily="18" charset="2"/>
+              </a:rPr>
+              <a:t>STACK.SIZE()</a:t>
+            </a:r>
+            <a:r>
+              <a:rPr lang="en-US" dirty="0"/>
+              <a:t> </a:t>
+            </a:r>
+            <a:r>
+              <a:rPr lang="en-US" dirty="0">
+                <a:sym typeface="Symbol" panose="05050102010706020507" pitchFamily="18" charset="2"/>
+              </a:rPr>
+              <a:t> </a:t>
+            </a:r>
+            <a:r>
+              <a:rPr lang="en-US" dirty="0" smtClean="0">
+                <a:sym typeface="Symbol" panose="05050102010706020507" pitchFamily="18" charset="2"/>
+              </a:rPr>
+              <a:t>size</a:t>
+            </a:r>
+            <a:br>
+              <a:rPr lang="en-US" dirty="0" smtClean="0">
+                <a:sym typeface="Symbol" panose="05050102010706020507" pitchFamily="18" charset="2"/>
+              </a:rPr>
+            </a:br>
+            <a:r>
+              <a:rPr lang="en-US" dirty="0" smtClean="0">
+                <a:sym typeface="Symbol" panose="05050102010706020507" pitchFamily="18" charset="2"/>
+              </a:rPr>
+              <a:t>      = #push - #pop</a:t>
             </a:r>
             <a:endParaRPr lang="en-US" dirty="0"/>
           </a:p>
@@ -20618,351 +21859,10 @@
           </a:p>
         </p:txBody>
       </p:sp>
-      <p:sp>
-        <p:nvSpPr>
-          <p:cNvPr id="5" name="TextBox 4"/>
-          <p:cNvSpPr txBox="1"/>
-          <p:nvPr/>
-        </p:nvSpPr>
-        <p:spPr>
-          <a:xfrm>
-            <a:off x="628650" y="1704105"/>
-            <a:ext cx="6665768" cy="2585323"/>
-          </a:xfrm>
-          <a:prstGeom prst="rect">
-            <a:avLst/>
-          </a:prstGeom>
-          <a:solidFill>
-            <a:schemeClr val="bg1">
-              <a:lumMod val="75000"/>
-            </a:schemeClr>
-          </a:solidFill>
-          <a:ln>
-            <a:solidFill>
-              <a:schemeClr val="tx1"/>
-            </a:solidFill>
-          </a:ln>
-        </p:spPr>
-        <p:txBody>
-          <a:bodyPr wrap="square" rtlCol="0">
-            <a:spAutoFit/>
-          </a:bodyPr>
-          <a:lstStyle/>
-          <a:p>
-            <a:r>
-              <a:rPr lang="en-US" dirty="0" smtClean="0">
-                <a:latin typeface="Courier New" panose="02070309020205020404" pitchFamily="49" charset="0"/>
-                <a:cs typeface="Courier New" panose="02070309020205020404" pitchFamily="49" charset="0"/>
-              </a:rPr>
-              <a:t>#include &lt;stack&gt;</a:t>
-            </a:r>
-          </a:p>
-          <a:p>
-            <a:r>
-              <a:rPr lang="en-US" dirty="0" smtClean="0">
-                <a:latin typeface="Courier New" panose="02070309020205020404" pitchFamily="49" charset="0"/>
-                <a:cs typeface="Courier New" panose="02070309020205020404" pitchFamily="49" charset="0"/>
-              </a:rPr>
-              <a:t>…</a:t>
-            </a:r>
-          </a:p>
-          <a:p>
-            <a:r>
-              <a:rPr lang="en-US" dirty="0" err="1" smtClean="0">
-                <a:latin typeface="Courier New" panose="02070309020205020404" pitchFamily="49" charset="0"/>
-                <a:cs typeface="Courier New" panose="02070309020205020404" pitchFamily="49" charset="0"/>
-              </a:rPr>
-              <a:t>std</a:t>
-            </a:r>
-            <a:r>
-              <a:rPr lang="en-US" dirty="0" smtClean="0">
-                <a:latin typeface="Courier New" panose="02070309020205020404" pitchFamily="49" charset="0"/>
-                <a:cs typeface="Courier New" panose="02070309020205020404" pitchFamily="49" charset="0"/>
-              </a:rPr>
-              <a:t>::stack&lt;</a:t>
-            </a:r>
-            <a:r>
-              <a:rPr lang="en-US" dirty="0" err="1" smtClean="0">
-                <a:latin typeface="Courier New" panose="02070309020205020404" pitchFamily="49" charset="0"/>
-                <a:cs typeface="Courier New" panose="02070309020205020404" pitchFamily="49" charset="0"/>
-              </a:rPr>
-              <a:t>int</a:t>
-            </a:r>
-            <a:r>
-              <a:rPr lang="en-US" dirty="0" smtClean="0">
-                <a:latin typeface="Courier New" panose="02070309020205020404" pitchFamily="49" charset="0"/>
-                <a:cs typeface="Courier New" panose="02070309020205020404" pitchFamily="49" charset="0"/>
-              </a:rPr>
-              <a:t>&gt; s;</a:t>
-            </a:r>
-          </a:p>
-          <a:p>
-            <a:r>
-              <a:rPr lang="en-US" dirty="0" smtClean="0">
-                <a:latin typeface="Courier New" panose="02070309020205020404" pitchFamily="49" charset="0"/>
-                <a:cs typeface="Courier New" panose="02070309020205020404" pitchFamily="49" charset="0"/>
-              </a:rPr>
-              <a:t>for (</a:t>
-            </a:r>
-            <a:r>
-              <a:rPr lang="en-US" dirty="0" err="1" smtClean="0">
-                <a:latin typeface="Courier New" panose="02070309020205020404" pitchFamily="49" charset="0"/>
-                <a:cs typeface="Courier New" panose="02070309020205020404" pitchFamily="49" charset="0"/>
-              </a:rPr>
-              <a:t>int</a:t>
-            </a:r>
-            <a:r>
-              <a:rPr lang="en-US" dirty="0" smtClean="0">
-                <a:latin typeface="Courier New" panose="02070309020205020404" pitchFamily="49" charset="0"/>
-                <a:cs typeface="Courier New" panose="02070309020205020404" pitchFamily="49" charset="0"/>
-              </a:rPr>
-              <a:t> </a:t>
-            </a:r>
-            <a:r>
-              <a:rPr lang="en-US" dirty="0" err="1" smtClean="0">
-                <a:latin typeface="Courier New" panose="02070309020205020404" pitchFamily="49" charset="0"/>
-                <a:cs typeface="Courier New" panose="02070309020205020404" pitchFamily="49" charset="0"/>
-              </a:rPr>
-              <a:t>i</a:t>
-            </a:r>
-            <a:r>
-              <a:rPr lang="en-US" dirty="0" smtClean="0">
-                <a:latin typeface="Courier New" panose="02070309020205020404" pitchFamily="49" charset="0"/>
-                <a:cs typeface="Courier New" panose="02070309020205020404" pitchFamily="49" charset="0"/>
-              </a:rPr>
-              <a:t> = 0; </a:t>
-            </a:r>
-            <a:r>
-              <a:rPr lang="en-US" dirty="0" err="1" smtClean="0">
-                <a:latin typeface="Courier New" panose="02070309020205020404" pitchFamily="49" charset="0"/>
-                <a:cs typeface="Courier New" panose="02070309020205020404" pitchFamily="49" charset="0"/>
-              </a:rPr>
-              <a:t>i</a:t>
-            </a:r>
-            <a:r>
-              <a:rPr lang="en-US" dirty="0" smtClean="0">
-                <a:latin typeface="Courier New" panose="02070309020205020404" pitchFamily="49" charset="0"/>
-                <a:cs typeface="Courier New" panose="02070309020205020404" pitchFamily="49" charset="0"/>
-              </a:rPr>
-              <a:t> &lt; 10; </a:t>
-            </a:r>
-            <a:r>
-              <a:rPr lang="en-US" dirty="0" err="1" smtClean="0">
-                <a:latin typeface="Courier New" panose="02070309020205020404" pitchFamily="49" charset="0"/>
-                <a:cs typeface="Courier New" panose="02070309020205020404" pitchFamily="49" charset="0"/>
-              </a:rPr>
-              <a:t>i</a:t>
-            </a:r>
-            <a:r>
-              <a:rPr lang="en-US" dirty="0" smtClean="0">
-                <a:latin typeface="Courier New" panose="02070309020205020404" pitchFamily="49" charset="0"/>
-                <a:cs typeface="Courier New" panose="02070309020205020404" pitchFamily="49" charset="0"/>
-              </a:rPr>
-              <a:t>++)</a:t>
-            </a:r>
-          </a:p>
-          <a:p>
-            <a:r>
-              <a:rPr lang="en-US" dirty="0">
-                <a:latin typeface="Courier New" panose="02070309020205020404" pitchFamily="49" charset="0"/>
-                <a:cs typeface="Courier New" panose="02070309020205020404" pitchFamily="49" charset="0"/>
-              </a:rPr>
-              <a:t> </a:t>
-            </a:r>
-            <a:r>
-              <a:rPr lang="en-US" dirty="0" smtClean="0">
-                <a:latin typeface="Courier New" panose="02070309020205020404" pitchFamily="49" charset="0"/>
-                <a:cs typeface="Courier New" panose="02070309020205020404" pitchFamily="49" charset="0"/>
-              </a:rPr>
-              <a:t>   </a:t>
-            </a:r>
-            <a:r>
-              <a:rPr lang="en-US" dirty="0" err="1" smtClean="0">
-                <a:latin typeface="Courier New" panose="02070309020205020404" pitchFamily="49" charset="0"/>
-                <a:cs typeface="Courier New" panose="02070309020205020404" pitchFamily="49" charset="0"/>
-              </a:rPr>
-              <a:t>s.push</a:t>
-            </a:r>
-            <a:r>
-              <a:rPr lang="en-US" dirty="0" smtClean="0">
-                <a:latin typeface="Courier New" panose="02070309020205020404" pitchFamily="49" charset="0"/>
-                <a:cs typeface="Courier New" panose="02070309020205020404" pitchFamily="49" charset="0"/>
-              </a:rPr>
-              <a:t>(</a:t>
-            </a:r>
-            <a:r>
-              <a:rPr lang="en-US" dirty="0" err="1" smtClean="0">
-                <a:latin typeface="Courier New" panose="02070309020205020404" pitchFamily="49" charset="0"/>
-                <a:cs typeface="Courier New" panose="02070309020205020404" pitchFamily="49" charset="0"/>
-              </a:rPr>
-              <a:t>i</a:t>
-            </a:r>
-            <a:r>
-              <a:rPr lang="en-US" dirty="0" smtClean="0">
-                <a:latin typeface="Courier New" panose="02070309020205020404" pitchFamily="49" charset="0"/>
-                <a:cs typeface="Courier New" panose="02070309020205020404" pitchFamily="49" charset="0"/>
-              </a:rPr>
-              <a:t>);</a:t>
-            </a:r>
-          </a:p>
-          <a:p>
-            <a:r>
-              <a:rPr lang="en-US" dirty="0" smtClean="0">
-                <a:latin typeface="Courier New" panose="02070309020205020404" pitchFamily="49" charset="0"/>
-                <a:cs typeface="Courier New" panose="02070309020205020404" pitchFamily="49" charset="0"/>
-              </a:rPr>
-              <a:t>while (!</a:t>
-            </a:r>
-            <a:r>
-              <a:rPr lang="en-US" dirty="0" err="1" smtClean="0">
-                <a:latin typeface="Courier New" panose="02070309020205020404" pitchFamily="49" charset="0"/>
-                <a:cs typeface="Courier New" panose="02070309020205020404" pitchFamily="49" charset="0"/>
-              </a:rPr>
-              <a:t>s.empty</a:t>
-            </a:r>
-            <a:r>
-              <a:rPr lang="en-US" dirty="0" smtClean="0">
-                <a:latin typeface="Courier New" panose="02070309020205020404" pitchFamily="49" charset="0"/>
-                <a:cs typeface="Courier New" panose="02070309020205020404" pitchFamily="49" charset="0"/>
-              </a:rPr>
-              <a:t>()) {</a:t>
-            </a:r>
-            <a:endParaRPr lang="en-US" dirty="0">
-              <a:latin typeface="Courier New" panose="02070309020205020404" pitchFamily="49" charset="0"/>
-              <a:cs typeface="Courier New" panose="02070309020205020404" pitchFamily="49" charset="0"/>
-            </a:endParaRPr>
-          </a:p>
-          <a:p>
-            <a:r>
-              <a:rPr lang="en-US" dirty="0" smtClean="0">
-                <a:latin typeface="Courier New" panose="02070309020205020404" pitchFamily="49" charset="0"/>
-                <a:cs typeface="Courier New" panose="02070309020205020404" pitchFamily="49" charset="0"/>
-              </a:rPr>
-              <a:t>    </a:t>
-            </a:r>
-            <a:r>
-              <a:rPr lang="en-US" dirty="0" err="1">
-                <a:latin typeface="Courier New" panose="02070309020205020404" pitchFamily="49" charset="0"/>
-                <a:cs typeface="Courier New" panose="02070309020205020404" pitchFamily="49" charset="0"/>
-              </a:rPr>
-              <a:t>std</a:t>
-            </a:r>
-            <a:r>
-              <a:rPr lang="en-US" dirty="0">
-                <a:latin typeface="Courier New" panose="02070309020205020404" pitchFamily="49" charset="0"/>
-                <a:cs typeface="Courier New" panose="02070309020205020404" pitchFamily="49" charset="0"/>
-              </a:rPr>
-              <a:t>::</a:t>
-            </a:r>
-            <a:r>
-              <a:rPr lang="en-US" dirty="0" err="1">
-                <a:latin typeface="Courier New" panose="02070309020205020404" pitchFamily="49" charset="0"/>
-                <a:cs typeface="Courier New" panose="02070309020205020404" pitchFamily="49" charset="0"/>
-              </a:rPr>
-              <a:t>cout</a:t>
-            </a:r>
-            <a:r>
-              <a:rPr lang="en-US" dirty="0">
-                <a:latin typeface="Courier New" panose="02070309020205020404" pitchFamily="49" charset="0"/>
-                <a:cs typeface="Courier New" panose="02070309020205020404" pitchFamily="49" charset="0"/>
-              </a:rPr>
-              <a:t> &lt;&lt; </a:t>
-            </a:r>
-            <a:r>
-              <a:rPr lang="en-US" dirty="0" err="1" smtClean="0">
-                <a:latin typeface="Courier New" panose="02070309020205020404" pitchFamily="49" charset="0"/>
-                <a:cs typeface="Courier New" panose="02070309020205020404" pitchFamily="49" charset="0"/>
-              </a:rPr>
-              <a:t>s.top</a:t>
-            </a:r>
-            <a:r>
-              <a:rPr lang="en-US" dirty="0" smtClean="0">
-                <a:latin typeface="Courier New" panose="02070309020205020404" pitchFamily="49" charset="0"/>
-                <a:cs typeface="Courier New" panose="02070309020205020404" pitchFamily="49" charset="0"/>
-              </a:rPr>
-              <a:t>() </a:t>
-            </a:r>
-            <a:r>
-              <a:rPr lang="en-US" dirty="0">
-                <a:latin typeface="Courier New" panose="02070309020205020404" pitchFamily="49" charset="0"/>
-                <a:cs typeface="Courier New" panose="02070309020205020404" pitchFamily="49" charset="0"/>
-              </a:rPr>
-              <a:t>&lt;&lt; </a:t>
-            </a:r>
-            <a:r>
-              <a:rPr lang="en-US" dirty="0" err="1">
-                <a:latin typeface="Courier New" panose="02070309020205020404" pitchFamily="49" charset="0"/>
-                <a:cs typeface="Courier New" panose="02070309020205020404" pitchFamily="49" charset="0"/>
-              </a:rPr>
-              <a:t>std</a:t>
-            </a:r>
-            <a:r>
-              <a:rPr lang="en-US" dirty="0">
-                <a:latin typeface="Courier New" panose="02070309020205020404" pitchFamily="49" charset="0"/>
-                <a:cs typeface="Courier New" panose="02070309020205020404" pitchFamily="49" charset="0"/>
-              </a:rPr>
-              <a:t>::</a:t>
-            </a:r>
-            <a:r>
-              <a:rPr lang="en-US" dirty="0" err="1">
-                <a:latin typeface="Courier New" panose="02070309020205020404" pitchFamily="49" charset="0"/>
-                <a:cs typeface="Courier New" panose="02070309020205020404" pitchFamily="49" charset="0"/>
-              </a:rPr>
-              <a:t>endl</a:t>
-            </a:r>
-            <a:r>
-              <a:rPr lang="en-US" dirty="0" smtClean="0">
-                <a:latin typeface="Courier New" panose="02070309020205020404" pitchFamily="49" charset="0"/>
-                <a:cs typeface="Courier New" panose="02070309020205020404" pitchFamily="49" charset="0"/>
-              </a:rPr>
-              <a:t>;</a:t>
-            </a:r>
-          </a:p>
-          <a:p>
-            <a:r>
-              <a:rPr lang="en-US" dirty="0">
-                <a:latin typeface="Courier New" panose="02070309020205020404" pitchFamily="49" charset="0"/>
-                <a:cs typeface="Courier New" panose="02070309020205020404" pitchFamily="49" charset="0"/>
-              </a:rPr>
-              <a:t> </a:t>
-            </a:r>
-            <a:r>
-              <a:rPr lang="en-US" dirty="0" smtClean="0">
-                <a:latin typeface="Courier New" panose="02070309020205020404" pitchFamily="49" charset="0"/>
-                <a:cs typeface="Courier New" panose="02070309020205020404" pitchFamily="49" charset="0"/>
-              </a:rPr>
-              <a:t>   </a:t>
-            </a:r>
-            <a:r>
-              <a:rPr lang="en-US" dirty="0" err="1" smtClean="0">
-                <a:latin typeface="Courier New" panose="02070309020205020404" pitchFamily="49" charset="0"/>
-                <a:cs typeface="Courier New" panose="02070309020205020404" pitchFamily="49" charset="0"/>
-              </a:rPr>
-              <a:t>s.pop</a:t>
-            </a:r>
-            <a:r>
-              <a:rPr lang="en-US" dirty="0" smtClean="0">
-                <a:latin typeface="Courier New" panose="02070309020205020404" pitchFamily="49" charset="0"/>
-                <a:cs typeface="Courier New" panose="02070309020205020404" pitchFamily="49" charset="0"/>
-              </a:rPr>
-              <a:t>();</a:t>
-            </a:r>
-          </a:p>
-          <a:p>
-            <a:r>
-              <a:rPr lang="en-US" dirty="0">
-                <a:latin typeface="Courier New" panose="02070309020205020404" pitchFamily="49" charset="0"/>
-                <a:cs typeface="Courier New" panose="02070309020205020404" pitchFamily="49" charset="0"/>
-              </a:rPr>
-              <a:t>}</a:t>
-            </a:r>
-          </a:p>
-        </p:txBody>
-      </p:sp>
     </p:spTree>
     <p:extLst>
       <p:ext uri="{BB962C8B-B14F-4D97-AF65-F5344CB8AC3E}">
-        <p14:creationId xmlns:p14="http://schemas.microsoft.com/office/powerpoint/2010/main" val="961629525"/>
+        <p14:creationId xmlns:p14="http://schemas.microsoft.com/office/powerpoint/2010/main" val="3731668153"/>
       </p:ext>
     </p:extLst>
   </p:cSld>
@@ -21013,6 +21913,430 @@
           <a:p>
             <a:r>
               <a:rPr lang="en-US" dirty="0" smtClean="0"/>
+              <a:t>Stack examples</a:t>
+            </a:r>
+            <a:endParaRPr lang="en-US" dirty="0"/>
+          </a:p>
+        </p:txBody>
+      </p:sp>
+      <p:sp>
+        <p:nvSpPr>
+          <p:cNvPr id="4" name="Slide Number Placeholder 3"/>
+          <p:cNvSpPr>
+            <a:spLocks noGrp="1"/>
+          </p:cNvSpPr>
+          <p:nvPr>
+            <p:ph type="sldNum" sz="quarter" idx="12"/>
+          </p:nvPr>
+        </p:nvSpPr>
+        <p:spPr/>
+        <p:txBody>
+          <a:bodyPr/>
+          <a:lstStyle/>
+          <a:p>
+            <a:fld id="{11AD1F4E-1E51-402E-B221-310F004E7D3B}" type="slidenum">
+              <a:rPr lang="en-US" smtClean="0"/>
+              <a:t>35</a:t>
+            </a:fld>
+            <a:endParaRPr lang="en-US"/>
+          </a:p>
+        </p:txBody>
+      </p:sp>
+      <p:sp>
+        <p:nvSpPr>
+          <p:cNvPr id="5" name="TextBox 4"/>
+          <p:cNvSpPr txBox="1"/>
+          <p:nvPr/>
+        </p:nvSpPr>
+        <p:spPr>
+          <a:xfrm>
+            <a:off x="628650" y="1704105"/>
+            <a:ext cx="6665768" cy="2585323"/>
+          </a:xfrm>
+          <a:prstGeom prst="rect">
+            <a:avLst/>
+          </a:prstGeom>
+          <a:solidFill>
+            <a:schemeClr val="bg1">
+              <a:lumMod val="75000"/>
+            </a:schemeClr>
+          </a:solidFill>
+          <a:ln>
+            <a:solidFill>
+              <a:schemeClr val="tx1"/>
+            </a:solidFill>
+          </a:ln>
+        </p:spPr>
+        <p:txBody>
+          <a:bodyPr wrap="square" rtlCol="0">
+            <a:spAutoFit/>
+          </a:bodyPr>
+          <a:lstStyle/>
+          <a:p>
+            <a:r>
+              <a:rPr lang="en-US" dirty="0" smtClean="0">
+                <a:latin typeface="Courier New" panose="02070309020205020404" pitchFamily="49" charset="0"/>
+                <a:cs typeface="Courier New" panose="02070309020205020404" pitchFamily="49" charset="0"/>
+              </a:rPr>
+              <a:t>#include &lt;stack&gt;</a:t>
+            </a:r>
+          </a:p>
+          <a:p>
+            <a:r>
+              <a:rPr lang="en-US" dirty="0" smtClean="0">
+                <a:latin typeface="Courier New" panose="02070309020205020404" pitchFamily="49" charset="0"/>
+                <a:cs typeface="Courier New" panose="02070309020205020404" pitchFamily="49" charset="0"/>
+              </a:rPr>
+              <a:t>…</a:t>
+            </a:r>
+          </a:p>
+          <a:p>
+            <a:r>
+              <a:rPr lang="en-US" dirty="0" err="1" smtClean="0">
+                <a:latin typeface="Courier New" panose="02070309020205020404" pitchFamily="49" charset="0"/>
+                <a:cs typeface="Courier New" panose="02070309020205020404" pitchFamily="49" charset="0"/>
+              </a:rPr>
+              <a:t>std</a:t>
+            </a:r>
+            <a:r>
+              <a:rPr lang="en-US" dirty="0" smtClean="0">
+                <a:latin typeface="Courier New" panose="02070309020205020404" pitchFamily="49" charset="0"/>
+                <a:cs typeface="Courier New" panose="02070309020205020404" pitchFamily="49" charset="0"/>
+              </a:rPr>
+              <a:t>::stack&lt;</a:t>
+            </a:r>
+            <a:r>
+              <a:rPr lang="en-US" dirty="0" err="1" smtClean="0">
+                <a:latin typeface="Courier New" panose="02070309020205020404" pitchFamily="49" charset="0"/>
+                <a:cs typeface="Courier New" panose="02070309020205020404" pitchFamily="49" charset="0"/>
+              </a:rPr>
+              <a:t>int</a:t>
+            </a:r>
+            <a:r>
+              <a:rPr lang="en-US" dirty="0" smtClean="0">
+                <a:latin typeface="Courier New" panose="02070309020205020404" pitchFamily="49" charset="0"/>
+                <a:cs typeface="Courier New" panose="02070309020205020404" pitchFamily="49" charset="0"/>
+              </a:rPr>
+              <a:t>&gt; s;</a:t>
+            </a:r>
+          </a:p>
+          <a:p>
+            <a:r>
+              <a:rPr lang="en-US" dirty="0" smtClean="0">
+                <a:latin typeface="Courier New" panose="02070309020205020404" pitchFamily="49" charset="0"/>
+                <a:cs typeface="Courier New" panose="02070309020205020404" pitchFamily="49" charset="0"/>
+              </a:rPr>
+              <a:t>for (</a:t>
+            </a:r>
+            <a:r>
+              <a:rPr lang="en-US" dirty="0" err="1" smtClean="0">
+                <a:latin typeface="Courier New" panose="02070309020205020404" pitchFamily="49" charset="0"/>
+                <a:cs typeface="Courier New" panose="02070309020205020404" pitchFamily="49" charset="0"/>
+              </a:rPr>
+              <a:t>int</a:t>
+            </a:r>
+            <a:r>
+              <a:rPr lang="en-US" dirty="0" smtClean="0">
+                <a:latin typeface="Courier New" panose="02070309020205020404" pitchFamily="49" charset="0"/>
+                <a:cs typeface="Courier New" panose="02070309020205020404" pitchFamily="49" charset="0"/>
+              </a:rPr>
+              <a:t> </a:t>
+            </a:r>
+            <a:r>
+              <a:rPr lang="en-US" dirty="0" err="1" smtClean="0">
+                <a:latin typeface="Courier New" panose="02070309020205020404" pitchFamily="49" charset="0"/>
+                <a:cs typeface="Courier New" panose="02070309020205020404" pitchFamily="49" charset="0"/>
+              </a:rPr>
+              <a:t>i</a:t>
+            </a:r>
+            <a:r>
+              <a:rPr lang="en-US" dirty="0" smtClean="0">
+                <a:latin typeface="Courier New" panose="02070309020205020404" pitchFamily="49" charset="0"/>
+                <a:cs typeface="Courier New" panose="02070309020205020404" pitchFamily="49" charset="0"/>
+              </a:rPr>
+              <a:t> = 0; </a:t>
+            </a:r>
+            <a:r>
+              <a:rPr lang="en-US" dirty="0" err="1" smtClean="0">
+                <a:latin typeface="Courier New" panose="02070309020205020404" pitchFamily="49" charset="0"/>
+                <a:cs typeface="Courier New" panose="02070309020205020404" pitchFamily="49" charset="0"/>
+              </a:rPr>
+              <a:t>i</a:t>
+            </a:r>
+            <a:r>
+              <a:rPr lang="en-US" dirty="0" smtClean="0">
+                <a:latin typeface="Courier New" panose="02070309020205020404" pitchFamily="49" charset="0"/>
+                <a:cs typeface="Courier New" panose="02070309020205020404" pitchFamily="49" charset="0"/>
+              </a:rPr>
+              <a:t> &lt; 10; </a:t>
+            </a:r>
+            <a:r>
+              <a:rPr lang="en-US" dirty="0" err="1" smtClean="0">
+                <a:latin typeface="Courier New" panose="02070309020205020404" pitchFamily="49" charset="0"/>
+                <a:cs typeface="Courier New" panose="02070309020205020404" pitchFamily="49" charset="0"/>
+              </a:rPr>
+              <a:t>i</a:t>
+            </a:r>
+            <a:r>
+              <a:rPr lang="en-US" dirty="0" smtClean="0">
+                <a:latin typeface="Courier New" panose="02070309020205020404" pitchFamily="49" charset="0"/>
+                <a:cs typeface="Courier New" panose="02070309020205020404" pitchFamily="49" charset="0"/>
+              </a:rPr>
+              <a:t>++)</a:t>
+            </a:r>
+          </a:p>
+          <a:p>
+            <a:r>
+              <a:rPr lang="en-US" dirty="0">
+                <a:latin typeface="Courier New" panose="02070309020205020404" pitchFamily="49" charset="0"/>
+                <a:cs typeface="Courier New" panose="02070309020205020404" pitchFamily="49" charset="0"/>
+              </a:rPr>
+              <a:t> </a:t>
+            </a:r>
+            <a:r>
+              <a:rPr lang="en-US" dirty="0" smtClean="0">
+                <a:latin typeface="Courier New" panose="02070309020205020404" pitchFamily="49" charset="0"/>
+                <a:cs typeface="Courier New" panose="02070309020205020404" pitchFamily="49" charset="0"/>
+              </a:rPr>
+              <a:t>   </a:t>
+            </a:r>
+            <a:r>
+              <a:rPr lang="en-US" dirty="0" err="1" smtClean="0">
+                <a:latin typeface="Courier New" panose="02070309020205020404" pitchFamily="49" charset="0"/>
+                <a:cs typeface="Courier New" panose="02070309020205020404" pitchFamily="49" charset="0"/>
+              </a:rPr>
+              <a:t>s.push</a:t>
+            </a:r>
+            <a:r>
+              <a:rPr lang="en-US" dirty="0" smtClean="0">
+                <a:latin typeface="Courier New" panose="02070309020205020404" pitchFamily="49" charset="0"/>
+                <a:cs typeface="Courier New" panose="02070309020205020404" pitchFamily="49" charset="0"/>
+              </a:rPr>
+              <a:t>(</a:t>
+            </a:r>
+            <a:r>
+              <a:rPr lang="en-US" dirty="0" err="1" smtClean="0">
+                <a:latin typeface="Courier New" panose="02070309020205020404" pitchFamily="49" charset="0"/>
+                <a:cs typeface="Courier New" panose="02070309020205020404" pitchFamily="49" charset="0"/>
+              </a:rPr>
+              <a:t>i</a:t>
+            </a:r>
+            <a:r>
+              <a:rPr lang="en-US" dirty="0" smtClean="0">
+                <a:latin typeface="Courier New" panose="02070309020205020404" pitchFamily="49" charset="0"/>
+                <a:cs typeface="Courier New" panose="02070309020205020404" pitchFamily="49" charset="0"/>
+              </a:rPr>
+              <a:t>);</a:t>
+            </a:r>
+          </a:p>
+          <a:p>
+            <a:r>
+              <a:rPr lang="en-US" dirty="0" smtClean="0">
+                <a:latin typeface="Courier New" panose="02070309020205020404" pitchFamily="49" charset="0"/>
+                <a:cs typeface="Courier New" panose="02070309020205020404" pitchFamily="49" charset="0"/>
+              </a:rPr>
+              <a:t>while (!</a:t>
+            </a:r>
+            <a:r>
+              <a:rPr lang="en-US" dirty="0" err="1" smtClean="0">
+                <a:latin typeface="Courier New" panose="02070309020205020404" pitchFamily="49" charset="0"/>
+                <a:cs typeface="Courier New" panose="02070309020205020404" pitchFamily="49" charset="0"/>
+              </a:rPr>
+              <a:t>s.empty</a:t>
+            </a:r>
+            <a:r>
+              <a:rPr lang="en-US" dirty="0" smtClean="0">
+                <a:latin typeface="Courier New" panose="02070309020205020404" pitchFamily="49" charset="0"/>
+                <a:cs typeface="Courier New" panose="02070309020205020404" pitchFamily="49" charset="0"/>
+              </a:rPr>
+              <a:t>()) {</a:t>
+            </a:r>
+            <a:endParaRPr lang="en-US" dirty="0">
+              <a:latin typeface="Courier New" panose="02070309020205020404" pitchFamily="49" charset="0"/>
+              <a:cs typeface="Courier New" panose="02070309020205020404" pitchFamily="49" charset="0"/>
+            </a:endParaRPr>
+          </a:p>
+          <a:p>
+            <a:r>
+              <a:rPr lang="en-US" dirty="0" smtClean="0">
+                <a:latin typeface="Courier New" panose="02070309020205020404" pitchFamily="49" charset="0"/>
+                <a:cs typeface="Courier New" panose="02070309020205020404" pitchFamily="49" charset="0"/>
+              </a:rPr>
+              <a:t>    </a:t>
+            </a:r>
+            <a:r>
+              <a:rPr lang="en-US" dirty="0" err="1">
+                <a:latin typeface="Courier New" panose="02070309020205020404" pitchFamily="49" charset="0"/>
+                <a:cs typeface="Courier New" panose="02070309020205020404" pitchFamily="49" charset="0"/>
+              </a:rPr>
+              <a:t>std</a:t>
+            </a:r>
+            <a:r>
+              <a:rPr lang="en-US" dirty="0">
+                <a:latin typeface="Courier New" panose="02070309020205020404" pitchFamily="49" charset="0"/>
+                <a:cs typeface="Courier New" panose="02070309020205020404" pitchFamily="49" charset="0"/>
+              </a:rPr>
+              <a:t>::</a:t>
+            </a:r>
+            <a:r>
+              <a:rPr lang="en-US" dirty="0" err="1">
+                <a:latin typeface="Courier New" panose="02070309020205020404" pitchFamily="49" charset="0"/>
+                <a:cs typeface="Courier New" panose="02070309020205020404" pitchFamily="49" charset="0"/>
+              </a:rPr>
+              <a:t>cout</a:t>
+            </a:r>
+            <a:r>
+              <a:rPr lang="en-US" dirty="0">
+                <a:latin typeface="Courier New" panose="02070309020205020404" pitchFamily="49" charset="0"/>
+                <a:cs typeface="Courier New" panose="02070309020205020404" pitchFamily="49" charset="0"/>
+              </a:rPr>
+              <a:t> &lt;&lt; </a:t>
+            </a:r>
+            <a:r>
+              <a:rPr lang="en-US" dirty="0" err="1" smtClean="0">
+                <a:latin typeface="Courier New" panose="02070309020205020404" pitchFamily="49" charset="0"/>
+                <a:cs typeface="Courier New" panose="02070309020205020404" pitchFamily="49" charset="0"/>
+              </a:rPr>
+              <a:t>s.top</a:t>
+            </a:r>
+            <a:r>
+              <a:rPr lang="en-US" dirty="0" smtClean="0">
+                <a:latin typeface="Courier New" panose="02070309020205020404" pitchFamily="49" charset="0"/>
+                <a:cs typeface="Courier New" panose="02070309020205020404" pitchFamily="49" charset="0"/>
+              </a:rPr>
+              <a:t>() </a:t>
+            </a:r>
+            <a:r>
+              <a:rPr lang="en-US" dirty="0">
+                <a:latin typeface="Courier New" panose="02070309020205020404" pitchFamily="49" charset="0"/>
+                <a:cs typeface="Courier New" panose="02070309020205020404" pitchFamily="49" charset="0"/>
+              </a:rPr>
+              <a:t>&lt;&lt; </a:t>
+            </a:r>
+            <a:r>
+              <a:rPr lang="en-US" dirty="0" err="1">
+                <a:latin typeface="Courier New" panose="02070309020205020404" pitchFamily="49" charset="0"/>
+                <a:cs typeface="Courier New" panose="02070309020205020404" pitchFamily="49" charset="0"/>
+              </a:rPr>
+              <a:t>std</a:t>
+            </a:r>
+            <a:r>
+              <a:rPr lang="en-US" dirty="0">
+                <a:latin typeface="Courier New" panose="02070309020205020404" pitchFamily="49" charset="0"/>
+                <a:cs typeface="Courier New" panose="02070309020205020404" pitchFamily="49" charset="0"/>
+              </a:rPr>
+              <a:t>::</a:t>
+            </a:r>
+            <a:r>
+              <a:rPr lang="en-US" dirty="0" err="1">
+                <a:latin typeface="Courier New" panose="02070309020205020404" pitchFamily="49" charset="0"/>
+                <a:cs typeface="Courier New" panose="02070309020205020404" pitchFamily="49" charset="0"/>
+              </a:rPr>
+              <a:t>endl</a:t>
+            </a:r>
+            <a:r>
+              <a:rPr lang="en-US" dirty="0" smtClean="0">
+                <a:latin typeface="Courier New" panose="02070309020205020404" pitchFamily="49" charset="0"/>
+                <a:cs typeface="Courier New" panose="02070309020205020404" pitchFamily="49" charset="0"/>
+              </a:rPr>
+              <a:t>;</a:t>
+            </a:r>
+          </a:p>
+          <a:p>
+            <a:r>
+              <a:rPr lang="en-US" dirty="0">
+                <a:latin typeface="Courier New" panose="02070309020205020404" pitchFamily="49" charset="0"/>
+                <a:cs typeface="Courier New" panose="02070309020205020404" pitchFamily="49" charset="0"/>
+              </a:rPr>
+              <a:t> </a:t>
+            </a:r>
+            <a:r>
+              <a:rPr lang="en-US" dirty="0" smtClean="0">
+                <a:latin typeface="Courier New" panose="02070309020205020404" pitchFamily="49" charset="0"/>
+                <a:cs typeface="Courier New" panose="02070309020205020404" pitchFamily="49" charset="0"/>
+              </a:rPr>
+              <a:t>   </a:t>
+            </a:r>
+            <a:r>
+              <a:rPr lang="en-US" dirty="0" err="1" smtClean="0">
+                <a:latin typeface="Courier New" panose="02070309020205020404" pitchFamily="49" charset="0"/>
+                <a:cs typeface="Courier New" panose="02070309020205020404" pitchFamily="49" charset="0"/>
+              </a:rPr>
+              <a:t>s.pop</a:t>
+            </a:r>
+            <a:r>
+              <a:rPr lang="en-US" dirty="0" smtClean="0">
+                <a:latin typeface="Courier New" panose="02070309020205020404" pitchFamily="49" charset="0"/>
+                <a:cs typeface="Courier New" panose="02070309020205020404" pitchFamily="49" charset="0"/>
+              </a:rPr>
+              <a:t>();</a:t>
+            </a:r>
+          </a:p>
+          <a:p>
+            <a:r>
+              <a:rPr lang="en-US" dirty="0">
+                <a:latin typeface="Courier New" panose="02070309020205020404" pitchFamily="49" charset="0"/>
+                <a:cs typeface="Courier New" panose="02070309020205020404" pitchFamily="49" charset="0"/>
+              </a:rPr>
+              <a:t>}</a:t>
+            </a:r>
+          </a:p>
+        </p:txBody>
+      </p:sp>
+    </p:spTree>
+    <p:extLst>
+      <p:ext uri="{BB962C8B-B14F-4D97-AF65-F5344CB8AC3E}">
+        <p14:creationId xmlns:p14="http://schemas.microsoft.com/office/powerpoint/2010/main" val="961629525"/>
+      </p:ext>
+    </p:extLst>
+  </p:cSld>
+  <p:clrMapOvr>
+    <a:masterClrMapping/>
+  </p:clrMapOvr>
+  <p:timing>
+    <p:tnLst>
+      <p:par>
+        <p:cTn id="1" dur="indefinite" restart="never" nodeType="tmRoot"/>
+      </p:par>
+    </p:tnLst>
+  </p:timing>
+</p:sld>
+</file>
+
+<file path=ppt/slides/slide36.xml><?xml version="1.0" encoding="utf-8"?>
+<p:sld xmlns:a="http://schemas.openxmlformats.org/drawingml/2006/main" xmlns:r="http://schemas.openxmlformats.org/officeDocument/2006/relationships" xmlns:p="http://schemas.openxmlformats.org/presentationml/2006/main">
+  <p:cSld>
+    <p:spTree>
+      <p:nvGrpSpPr>
+        <p:cNvPr id="1" name=""/>
+        <p:cNvGrpSpPr/>
+        <p:nvPr/>
+      </p:nvGrpSpPr>
+      <p:grpSpPr>
+        <a:xfrm>
+          <a:off x="0" y="0"/>
+          <a:ext cx="0" cy="0"/>
+          <a:chOff x="0" y="0"/>
+          <a:chExt cx="0" cy="0"/>
+        </a:xfrm>
+      </p:grpSpPr>
+      <p:sp>
+        <p:nvSpPr>
+          <p:cNvPr id="2" name="Title 1"/>
+          <p:cNvSpPr>
+            <a:spLocks noGrp="1"/>
+          </p:cNvSpPr>
+          <p:nvPr>
+            <p:ph type="title"/>
+          </p:nvPr>
+        </p:nvSpPr>
+        <p:spPr/>
+        <p:txBody>
+          <a:bodyPr/>
+          <a:lstStyle/>
+          <a:p>
+            <a:r>
+              <a:rPr lang="en-US" dirty="0" smtClean="0"/>
               <a:t>Queue</a:t>
             </a:r>
             <a:endParaRPr lang="en-US" dirty="0"/>
@@ -21120,7 +22444,7 @@
           <a:p>
             <a:fld id="{11AD1F4E-1E51-402E-B221-310F004E7D3B}" type="slidenum">
               <a:rPr lang="en-US" smtClean="0"/>
-              <a:t>35</a:t>
+              <a:t>36</a:t>
             </a:fld>
             <a:endParaRPr lang="en-US"/>
           </a:p>
@@ -21197,7 +22521,7 @@
             <a:graphicData uri="http://schemas.openxmlformats.org/presentationml/2006/ole">
               <mc:AlternateContent xmlns:mc="http://schemas.openxmlformats.org/markup-compatibility/2006">
                 <mc:Choice xmlns:v="urn:schemas-microsoft-com:vml" Requires="v">
-                  <p:oleObj spid="_x0000_s8268" name="Equation" r:id="rId3" imgW="444240" imgH="241200" progId="Equation.3">
+                  <p:oleObj spid="_x0000_s8271" name="Equation" r:id="rId3" imgW="444240" imgH="241200" progId="Equation.3">
                     <p:embed/>
                   </p:oleObj>
                 </mc:Choice>
@@ -21586,210 +22910,6 @@
 </p:sld>
 </file>
 
-<file path=ppt/slides/slide36.xml><?xml version="1.0" encoding="utf-8"?>
-<p:sld xmlns:a="http://schemas.openxmlformats.org/drawingml/2006/main" xmlns:r="http://schemas.openxmlformats.org/officeDocument/2006/relationships" xmlns:p="http://schemas.openxmlformats.org/presentationml/2006/main">
-  <p:cSld>
-    <p:spTree>
-      <p:nvGrpSpPr>
-        <p:cNvPr id="1" name=""/>
-        <p:cNvGrpSpPr/>
-        <p:nvPr/>
-      </p:nvGrpSpPr>
-      <p:grpSpPr>
-        <a:xfrm>
-          <a:off x="0" y="0"/>
-          <a:ext cx="0" cy="0"/>
-          <a:chOff x="0" y="0"/>
-          <a:chExt cx="0" cy="0"/>
-        </a:xfrm>
-      </p:grpSpPr>
-      <p:sp>
-        <p:nvSpPr>
-          <p:cNvPr id="2" name="Title 1"/>
-          <p:cNvSpPr>
-            <a:spLocks noGrp="1"/>
-          </p:cNvSpPr>
-          <p:nvPr>
-            <p:ph type="title"/>
-          </p:nvPr>
-        </p:nvSpPr>
-        <p:spPr/>
-        <p:txBody>
-          <a:bodyPr/>
-          <a:lstStyle/>
-          <a:p>
-            <a:r>
-              <a:rPr lang="en-US" dirty="0" smtClean="0"/>
-              <a:t>Queue ADT</a:t>
-            </a:r>
-            <a:endParaRPr lang="en-US" dirty="0"/>
-          </a:p>
-        </p:txBody>
-      </p:sp>
-      <p:sp>
-        <p:nvSpPr>
-          <p:cNvPr id="3" name="Content Placeholder 2"/>
-          <p:cNvSpPr>
-            <a:spLocks noGrp="1"/>
-          </p:cNvSpPr>
-          <p:nvPr>
-            <p:ph idx="1"/>
-          </p:nvPr>
-        </p:nvSpPr>
-        <p:spPr/>
-        <p:txBody>
-          <a:bodyPr/>
-          <a:lstStyle/>
-          <a:p>
-            <a:r>
-              <a:rPr lang="en-US" dirty="0" smtClean="0"/>
-              <a:t>EMPTY_QUEUE() </a:t>
-            </a:r>
-            <a:r>
-              <a:rPr lang="en-US" dirty="0" smtClean="0">
-                <a:sym typeface="Symbol" panose="05050102010706020507" pitchFamily="18" charset="2"/>
-              </a:rPr>
-              <a:t> queue</a:t>
-            </a:r>
-            <a:endParaRPr lang="en-US" dirty="0" smtClean="0"/>
-          </a:p>
-          <a:p>
-            <a:r>
-              <a:rPr lang="en-US" dirty="0" smtClean="0"/>
-              <a:t>QUEUE.PUSH(value</a:t>
-            </a:r>
-            <a:r>
-              <a:rPr lang="en-US" dirty="0"/>
-              <a:t>)</a:t>
-            </a:r>
-          </a:p>
-          <a:p>
-            <a:r>
-              <a:rPr lang="en-US" dirty="0" smtClean="0"/>
-              <a:t>QUEUE.POP()</a:t>
-            </a:r>
-          </a:p>
-          <a:p>
-            <a:r>
-              <a:rPr lang="en-US" dirty="0" smtClean="0"/>
-              <a:t>QUEUE.FRONT()</a:t>
-            </a:r>
-            <a:r>
-              <a:rPr lang="en-US" dirty="0"/>
-              <a:t> </a:t>
-            </a:r>
-            <a:r>
-              <a:rPr lang="en-US" dirty="0">
-                <a:sym typeface="Symbol" panose="05050102010706020507" pitchFamily="18" charset="2"/>
-              </a:rPr>
-              <a:t> </a:t>
-            </a:r>
-            <a:r>
-              <a:rPr lang="en-US" dirty="0" smtClean="0">
-                <a:sym typeface="Symbol" panose="05050102010706020507" pitchFamily="18" charset="2"/>
-              </a:rPr>
-              <a:t>value</a:t>
-            </a:r>
-            <a:endParaRPr lang="en-US" dirty="0"/>
-          </a:p>
-          <a:p>
-            <a:r>
-              <a:rPr lang="en-US" dirty="0" smtClean="0"/>
-              <a:t>QUEUE.IS_EMPTY()</a:t>
-            </a:r>
-            <a:r>
-              <a:rPr lang="en-US" dirty="0"/>
-              <a:t> </a:t>
-            </a:r>
-            <a:r>
-              <a:rPr lang="en-US" dirty="0">
-                <a:sym typeface="Symbol" panose="05050102010706020507" pitchFamily="18" charset="2"/>
-              </a:rPr>
-              <a:t> </a:t>
-            </a:r>
-            <a:r>
-              <a:rPr lang="en-US" dirty="0" err="1" smtClean="0">
-                <a:sym typeface="Symbol" panose="05050102010706020507" pitchFamily="18" charset="2"/>
-              </a:rPr>
-              <a:t>boolean</a:t>
-            </a:r>
-            <a:endParaRPr lang="en-US" dirty="0" smtClean="0"/>
-          </a:p>
-          <a:p>
-            <a:r>
-              <a:rPr lang="en-US" dirty="0" smtClean="0"/>
-              <a:t>QUEUE.LENGTH() </a:t>
-            </a:r>
-            <a:r>
-              <a:rPr lang="en-US" dirty="0">
-                <a:sym typeface="Symbol" panose="05050102010706020507" pitchFamily="18" charset="2"/>
-              </a:rPr>
-              <a:t> </a:t>
-            </a:r>
-            <a:r>
-              <a:rPr lang="en-US" dirty="0" smtClean="0">
-                <a:sym typeface="Symbol" panose="05050102010706020507" pitchFamily="18" charset="2"/>
-              </a:rPr>
-              <a:t>length</a:t>
-            </a:r>
-            <a:br>
-              <a:rPr lang="en-US" dirty="0" smtClean="0">
-                <a:sym typeface="Symbol" panose="05050102010706020507" pitchFamily="18" charset="2"/>
-              </a:rPr>
-            </a:br>
-            <a:r>
-              <a:rPr lang="en-US" dirty="0" smtClean="0">
-                <a:sym typeface="Symbol" panose="05050102010706020507" pitchFamily="18" charset="2"/>
-              </a:rPr>
-              <a:t>      = #push - #pop</a:t>
-            </a:r>
-            <a:endParaRPr lang="en-US" dirty="0"/>
-          </a:p>
-        </p:txBody>
-      </p:sp>
-      <p:sp>
-        <p:nvSpPr>
-          <p:cNvPr id="4" name="Slide Number Placeholder 3"/>
-          <p:cNvSpPr>
-            <a:spLocks noGrp="1"/>
-          </p:cNvSpPr>
-          <p:nvPr>
-            <p:ph type="sldNum" sz="quarter" idx="12"/>
-          </p:nvPr>
-        </p:nvSpPr>
-        <p:spPr/>
-        <p:txBody>
-          <a:bodyPr/>
-          <a:lstStyle/>
-          <a:p>
-            <a:fld id="{11AD1F4E-1E51-402E-B221-310F004E7D3B}" type="slidenum">
-              <a:rPr lang="en-US" smtClean="0"/>
-              <a:t>36</a:t>
-            </a:fld>
-            <a:endParaRPr lang="en-US"/>
-          </a:p>
-        </p:txBody>
-      </p:sp>
-    </p:spTree>
-    <p:extLst>
-      <p:ext uri="{BB962C8B-B14F-4D97-AF65-F5344CB8AC3E}">
-        <p14:creationId xmlns:p14="http://schemas.microsoft.com/office/powerpoint/2010/main" val="1534393266"/>
-      </p:ext>
-    </p:extLst>
-  </p:cSld>
-  <p:clrMapOvr>
-    <a:masterClrMapping/>
-  </p:clrMapOvr>
-  <p:timing>
-    <p:tnLst>
-      <p:par>
-        <p:cTn id="1" dur="indefinite" restart="never" nodeType="tmRoot"/>
-      </p:par>
-    </p:tnLst>
-  </p:timing>
-</p:sld>
-</file>
-
 <file path=ppt/slides/slide37.xml><?xml version="1.0" encoding="utf-8"?>
 <p:sld xmlns:a="http://schemas.openxmlformats.org/drawingml/2006/main" xmlns:r="http://schemas.openxmlformats.org/officeDocument/2006/relationships" xmlns:p="http://schemas.openxmlformats.org/presentationml/2006/main">
   <p:cSld>
@@ -21824,7 +22944,128 @@
           <a:p>
             <a:r>
               <a:rPr lang="en-US" dirty="0" smtClean="0"/>
-              <a:t>Queue examples</a:t>
+              <a:t>Queue ADT</a:t>
+            </a:r>
+            <a:endParaRPr lang="en-US" dirty="0"/>
+          </a:p>
+        </p:txBody>
+      </p:sp>
+      <p:sp>
+        <p:nvSpPr>
+          <p:cNvPr id="3" name="Content Placeholder 2"/>
+          <p:cNvSpPr>
+            <a:spLocks noGrp="1"/>
+          </p:cNvSpPr>
+          <p:nvPr>
+            <p:ph idx="1"/>
+          </p:nvPr>
+        </p:nvSpPr>
+        <p:spPr/>
+        <p:txBody>
+          <a:bodyPr/>
+          <a:lstStyle/>
+          <a:p>
+            <a:r>
+              <a:rPr lang="en-US" dirty="0" smtClean="0"/>
+              <a:t>EMPTY_QUEUE() </a:t>
+            </a:r>
+            <a:r>
+              <a:rPr lang="en-US" dirty="0" smtClean="0">
+                <a:sym typeface="Symbol" panose="05050102010706020507" pitchFamily="18" charset="2"/>
+              </a:rPr>
+              <a:t> queue</a:t>
+            </a:r>
+            <a:endParaRPr lang="en-US" dirty="0" smtClean="0"/>
+          </a:p>
+          <a:p>
+            <a:r>
+              <a:rPr lang="en-US" dirty="0" smtClean="0"/>
+              <a:t>QUEUE.PUSH(value</a:t>
+            </a:r>
+            <a:r>
+              <a:rPr lang="en-US" dirty="0"/>
+              <a:t>)</a:t>
+            </a:r>
+          </a:p>
+          <a:p>
+            <a:r>
+              <a:rPr lang="en-US" dirty="0" smtClean="0"/>
+              <a:t>QUEUE.POP()</a:t>
+            </a:r>
+          </a:p>
+          <a:p>
+            <a:r>
+              <a:rPr lang="en-US" dirty="0" smtClean="0"/>
+              <a:t>QUEUE.FRONT()</a:t>
+            </a:r>
+            <a:r>
+              <a:rPr lang="en-US" dirty="0"/>
+              <a:t> </a:t>
+            </a:r>
+            <a:r>
+              <a:rPr lang="en-US" dirty="0">
+                <a:sym typeface="Symbol" panose="05050102010706020507" pitchFamily="18" charset="2"/>
+              </a:rPr>
+              <a:t> </a:t>
+            </a:r>
+            <a:r>
+              <a:rPr lang="en-US" dirty="0" smtClean="0">
+                <a:sym typeface="Symbol" panose="05050102010706020507" pitchFamily="18" charset="2"/>
+              </a:rPr>
+              <a:t>value</a:t>
+            </a:r>
+            <a:endParaRPr lang="en-US" dirty="0"/>
+          </a:p>
+          <a:p>
+            <a:r>
+              <a:rPr lang="en-US" dirty="0" smtClean="0"/>
+              <a:t>QUEUE.IS_EMPTY()</a:t>
+            </a:r>
+            <a:r>
+              <a:rPr lang="en-US" dirty="0"/>
+              <a:t> </a:t>
+            </a:r>
+            <a:r>
+              <a:rPr lang="en-US" dirty="0">
+                <a:sym typeface="Symbol" panose="05050102010706020507" pitchFamily="18" charset="2"/>
+              </a:rPr>
+              <a:t> </a:t>
+            </a:r>
+            <a:r>
+              <a:rPr lang="en-US" dirty="0" err="1" smtClean="0">
+                <a:sym typeface="Symbol" panose="05050102010706020507" pitchFamily="18" charset="2"/>
+              </a:rPr>
+              <a:t>boolean</a:t>
+            </a:r>
+            <a:endParaRPr lang="en-US" dirty="0" smtClean="0"/>
+          </a:p>
+          <a:p>
+            <a:r>
+              <a:rPr lang="en-US" dirty="0" smtClean="0"/>
+              <a:t>QUEUE.LENGTH() </a:t>
+            </a:r>
+            <a:r>
+              <a:rPr lang="en-US" dirty="0">
+                <a:sym typeface="Symbol" panose="05050102010706020507" pitchFamily="18" charset="2"/>
+              </a:rPr>
+              <a:t> </a:t>
+            </a:r>
+            <a:r>
+              <a:rPr lang="en-US" dirty="0" smtClean="0">
+                <a:sym typeface="Symbol" panose="05050102010706020507" pitchFamily="18" charset="2"/>
+              </a:rPr>
+              <a:t>length</a:t>
+            </a:r>
+            <a:br>
+              <a:rPr lang="en-US" dirty="0" smtClean="0">
+                <a:sym typeface="Symbol" panose="05050102010706020507" pitchFamily="18" charset="2"/>
+              </a:rPr>
+            </a:br>
+            <a:r>
+              <a:rPr lang="en-US" dirty="0" smtClean="0">
+                <a:sym typeface="Symbol" panose="05050102010706020507" pitchFamily="18" charset="2"/>
+              </a:rPr>
+              <a:t>      = #push - #pop</a:t>
             </a:r>
             <a:endParaRPr lang="en-US" dirty="0"/>
           </a:p>
@@ -21853,365 +23094,10 @@
           </a:p>
         </p:txBody>
       </p:sp>
-      <p:sp>
-        <p:nvSpPr>
-          <p:cNvPr id="5" name="TextBox 4"/>
-          <p:cNvSpPr txBox="1"/>
-          <p:nvPr/>
-        </p:nvSpPr>
-        <p:spPr>
-          <a:xfrm>
-            <a:off x="628650" y="1704105"/>
-            <a:ext cx="6665768" cy="2585323"/>
-          </a:xfrm>
-          <a:prstGeom prst="rect">
-            <a:avLst/>
-          </a:prstGeom>
-          <a:solidFill>
-            <a:schemeClr val="bg1">
-              <a:lumMod val="75000"/>
-            </a:schemeClr>
-          </a:solidFill>
-          <a:ln>
-            <a:solidFill>
-              <a:schemeClr val="tx1"/>
-            </a:solidFill>
-          </a:ln>
-        </p:spPr>
-        <p:txBody>
-          <a:bodyPr wrap="square" rtlCol="0">
-            <a:spAutoFit/>
-          </a:bodyPr>
-          <a:lstStyle/>
-          <a:p>
-            <a:r>
-              <a:rPr lang="en-US" dirty="0" smtClean="0">
-                <a:latin typeface="Courier New" panose="02070309020205020404" pitchFamily="49" charset="0"/>
-                <a:cs typeface="Courier New" panose="02070309020205020404" pitchFamily="49" charset="0"/>
-              </a:rPr>
-              <a:t>#include &lt;queue&gt;</a:t>
-            </a:r>
-          </a:p>
-          <a:p>
-            <a:r>
-              <a:rPr lang="en-US" dirty="0" smtClean="0">
-                <a:latin typeface="Courier New" panose="02070309020205020404" pitchFamily="49" charset="0"/>
-                <a:cs typeface="Courier New" panose="02070309020205020404" pitchFamily="49" charset="0"/>
-              </a:rPr>
-              <a:t>…</a:t>
-            </a:r>
-          </a:p>
-          <a:p>
-            <a:r>
-              <a:rPr lang="en-US" dirty="0" err="1" smtClean="0">
-                <a:latin typeface="Courier New" panose="02070309020205020404" pitchFamily="49" charset="0"/>
-                <a:cs typeface="Courier New" panose="02070309020205020404" pitchFamily="49" charset="0"/>
-              </a:rPr>
-              <a:t>std</a:t>
-            </a:r>
-            <a:r>
-              <a:rPr lang="en-US" dirty="0" smtClean="0">
-                <a:latin typeface="Courier New" panose="02070309020205020404" pitchFamily="49" charset="0"/>
-                <a:cs typeface="Courier New" panose="02070309020205020404" pitchFamily="49" charset="0"/>
-              </a:rPr>
-              <a:t>::queue&lt;</a:t>
-            </a:r>
-            <a:r>
-              <a:rPr lang="en-US" dirty="0" err="1" smtClean="0">
-                <a:latin typeface="Courier New" panose="02070309020205020404" pitchFamily="49" charset="0"/>
-                <a:cs typeface="Courier New" panose="02070309020205020404" pitchFamily="49" charset="0"/>
-              </a:rPr>
-              <a:t>int</a:t>
-            </a:r>
-            <a:r>
-              <a:rPr lang="en-US" dirty="0" smtClean="0">
-                <a:latin typeface="Courier New" panose="02070309020205020404" pitchFamily="49" charset="0"/>
-                <a:cs typeface="Courier New" panose="02070309020205020404" pitchFamily="49" charset="0"/>
-              </a:rPr>
-              <a:t>&gt; q;</a:t>
-            </a:r>
-          </a:p>
-          <a:p>
-            <a:r>
-              <a:rPr lang="en-US" dirty="0" smtClean="0">
-                <a:latin typeface="Courier New" panose="02070309020205020404" pitchFamily="49" charset="0"/>
-                <a:cs typeface="Courier New" panose="02070309020205020404" pitchFamily="49" charset="0"/>
-              </a:rPr>
-              <a:t>for (</a:t>
-            </a:r>
-            <a:r>
-              <a:rPr lang="en-US" dirty="0" err="1" smtClean="0">
-                <a:latin typeface="Courier New" panose="02070309020205020404" pitchFamily="49" charset="0"/>
-                <a:cs typeface="Courier New" panose="02070309020205020404" pitchFamily="49" charset="0"/>
-              </a:rPr>
-              <a:t>int</a:t>
-            </a:r>
-            <a:r>
-              <a:rPr lang="en-US" dirty="0" smtClean="0">
-                <a:latin typeface="Courier New" panose="02070309020205020404" pitchFamily="49" charset="0"/>
-                <a:cs typeface="Courier New" panose="02070309020205020404" pitchFamily="49" charset="0"/>
-              </a:rPr>
-              <a:t> </a:t>
-            </a:r>
-            <a:r>
-              <a:rPr lang="en-US" dirty="0" err="1" smtClean="0">
-                <a:latin typeface="Courier New" panose="02070309020205020404" pitchFamily="49" charset="0"/>
-                <a:cs typeface="Courier New" panose="02070309020205020404" pitchFamily="49" charset="0"/>
-              </a:rPr>
-              <a:t>i</a:t>
-            </a:r>
-            <a:r>
-              <a:rPr lang="en-US" dirty="0" smtClean="0">
-                <a:latin typeface="Courier New" panose="02070309020205020404" pitchFamily="49" charset="0"/>
-                <a:cs typeface="Courier New" panose="02070309020205020404" pitchFamily="49" charset="0"/>
-              </a:rPr>
-              <a:t> = 0; </a:t>
-            </a:r>
-            <a:r>
-              <a:rPr lang="en-US" dirty="0" err="1" smtClean="0">
-                <a:latin typeface="Courier New" panose="02070309020205020404" pitchFamily="49" charset="0"/>
-                <a:cs typeface="Courier New" panose="02070309020205020404" pitchFamily="49" charset="0"/>
-              </a:rPr>
-              <a:t>i</a:t>
-            </a:r>
-            <a:r>
-              <a:rPr lang="en-US" dirty="0" smtClean="0">
-                <a:latin typeface="Courier New" panose="02070309020205020404" pitchFamily="49" charset="0"/>
-                <a:cs typeface="Courier New" panose="02070309020205020404" pitchFamily="49" charset="0"/>
-              </a:rPr>
-              <a:t> &lt; 10; </a:t>
-            </a:r>
-            <a:r>
-              <a:rPr lang="en-US" dirty="0" err="1" smtClean="0">
-                <a:latin typeface="Courier New" panose="02070309020205020404" pitchFamily="49" charset="0"/>
-                <a:cs typeface="Courier New" panose="02070309020205020404" pitchFamily="49" charset="0"/>
-              </a:rPr>
-              <a:t>i</a:t>
-            </a:r>
-            <a:r>
-              <a:rPr lang="en-US" dirty="0" smtClean="0">
-                <a:latin typeface="Courier New" panose="02070309020205020404" pitchFamily="49" charset="0"/>
-                <a:cs typeface="Courier New" panose="02070309020205020404" pitchFamily="49" charset="0"/>
-              </a:rPr>
-              <a:t>++)</a:t>
-            </a:r>
-          </a:p>
-          <a:p>
-            <a:r>
-              <a:rPr lang="en-US" dirty="0">
-                <a:latin typeface="Courier New" panose="02070309020205020404" pitchFamily="49" charset="0"/>
-                <a:cs typeface="Courier New" panose="02070309020205020404" pitchFamily="49" charset="0"/>
-              </a:rPr>
-              <a:t> </a:t>
-            </a:r>
-            <a:r>
-              <a:rPr lang="en-US" dirty="0" smtClean="0">
-                <a:latin typeface="Courier New" panose="02070309020205020404" pitchFamily="49" charset="0"/>
-                <a:cs typeface="Courier New" panose="02070309020205020404" pitchFamily="49" charset="0"/>
-              </a:rPr>
-              <a:t>   </a:t>
-            </a:r>
-            <a:r>
-              <a:rPr lang="en-US" dirty="0" err="1" smtClean="0">
-                <a:latin typeface="Courier New" panose="02070309020205020404" pitchFamily="49" charset="0"/>
-                <a:cs typeface="Courier New" panose="02070309020205020404" pitchFamily="49" charset="0"/>
-              </a:rPr>
-              <a:t>q.push</a:t>
-            </a:r>
-            <a:r>
-              <a:rPr lang="en-US" dirty="0" smtClean="0">
-                <a:latin typeface="Courier New" panose="02070309020205020404" pitchFamily="49" charset="0"/>
-                <a:cs typeface="Courier New" panose="02070309020205020404" pitchFamily="49" charset="0"/>
-              </a:rPr>
-              <a:t>(</a:t>
-            </a:r>
-            <a:r>
-              <a:rPr lang="en-US" dirty="0" err="1" smtClean="0">
-                <a:latin typeface="Courier New" panose="02070309020205020404" pitchFamily="49" charset="0"/>
-                <a:cs typeface="Courier New" panose="02070309020205020404" pitchFamily="49" charset="0"/>
-              </a:rPr>
-              <a:t>i</a:t>
-            </a:r>
-            <a:r>
-              <a:rPr lang="en-US" dirty="0" smtClean="0">
-                <a:latin typeface="Courier New" panose="02070309020205020404" pitchFamily="49" charset="0"/>
-                <a:cs typeface="Courier New" panose="02070309020205020404" pitchFamily="49" charset="0"/>
-              </a:rPr>
-              <a:t>);</a:t>
-            </a:r>
-          </a:p>
-          <a:p>
-            <a:r>
-              <a:rPr lang="en-US" dirty="0" smtClean="0">
-                <a:latin typeface="Courier New" panose="02070309020205020404" pitchFamily="49" charset="0"/>
-                <a:cs typeface="Courier New" panose="02070309020205020404" pitchFamily="49" charset="0"/>
-              </a:rPr>
-              <a:t>while (!</a:t>
-            </a:r>
-            <a:r>
-              <a:rPr lang="en-US" dirty="0" err="1" smtClean="0">
-                <a:latin typeface="Courier New" panose="02070309020205020404" pitchFamily="49" charset="0"/>
-                <a:cs typeface="Courier New" panose="02070309020205020404" pitchFamily="49" charset="0"/>
-              </a:rPr>
-              <a:t>q.empty</a:t>
-            </a:r>
-            <a:r>
-              <a:rPr lang="en-US" dirty="0" smtClean="0">
-                <a:latin typeface="Courier New" panose="02070309020205020404" pitchFamily="49" charset="0"/>
-                <a:cs typeface="Courier New" panose="02070309020205020404" pitchFamily="49" charset="0"/>
-              </a:rPr>
-              <a:t>()) {</a:t>
-            </a:r>
-            <a:endParaRPr lang="en-US" dirty="0">
-              <a:latin typeface="Courier New" panose="02070309020205020404" pitchFamily="49" charset="0"/>
-              <a:cs typeface="Courier New" panose="02070309020205020404" pitchFamily="49" charset="0"/>
-            </a:endParaRPr>
-          </a:p>
-          <a:p>
-            <a:r>
-              <a:rPr lang="en-US" dirty="0" smtClean="0">
-                <a:latin typeface="Courier New" panose="02070309020205020404" pitchFamily="49" charset="0"/>
-                <a:cs typeface="Courier New" panose="02070309020205020404" pitchFamily="49" charset="0"/>
-              </a:rPr>
-              <a:t>    </a:t>
-            </a:r>
-            <a:r>
-              <a:rPr lang="en-US" dirty="0" err="1">
-                <a:latin typeface="Courier New" panose="02070309020205020404" pitchFamily="49" charset="0"/>
-                <a:cs typeface="Courier New" panose="02070309020205020404" pitchFamily="49" charset="0"/>
-              </a:rPr>
-              <a:t>std</a:t>
-            </a:r>
-            <a:r>
-              <a:rPr lang="en-US" dirty="0">
-                <a:latin typeface="Courier New" panose="02070309020205020404" pitchFamily="49" charset="0"/>
-                <a:cs typeface="Courier New" panose="02070309020205020404" pitchFamily="49" charset="0"/>
-              </a:rPr>
-              <a:t>::</a:t>
-            </a:r>
-            <a:r>
-              <a:rPr lang="en-US" dirty="0" err="1">
-                <a:latin typeface="Courier New" panose="02070309020205020404" pitchFamily="49" charset="0"/>
-                <a:cs typeface="Courier New" panose="02070309020205020404" pitchFamily="49" charset="0"/>
-              </a:rPr>
-              <a:t>cout</a:t>
-            </a:r>
-            <a:r>
-              <a:rPr lang="en-US" dirty="0">
-                <a:latin typeface="Courier New" panose="02070309020205020404" pitchFamily="49" charset="0"/>
-                <a:cs typeface="Courier New" panose="02070309020205020404" pitchFamily="49" charset="0"/>
-              </a:rPr>
-              <a:t> &lt;&lt; </a:t>
-            </a:r>
-            <a:r>
-              <a:rPr lang="en-US" dirty="0" err="1">
-                <a:latin typeface="Courier New" panose="02070309020205020404" pitchFamily="49" charset="0"/>
-                <a:cs typeface="Courier New" panose="02070309020205020404" pitchFamily="49" charset="0"/>
-              </a:rPr>
-              <a:t>q</a:t>
-            </a:r>
-            <a:r>
-              <a:rPr lang="en-US" dirty="0" err="1" smtClean="0">
-                <a:latin typeface="Courier New" panose="02070309020205020404" pitchFamily="49" charset="0"/>
-                <a:cs typeface="Courier New" panose="02070309020205020404" pitchFamily="49" charset="0"/>
-              </a:rPr>
-              <a:t>.front</a:t>
-            </a:r>
-            <a:r>
-              <a:rPr lang="en-US" dirty="0" smtClean="0">
-                <a:latin typeface="Courier New" panose="02070309020205020404" pitchFamily="49" charset="0"/>
-                <a:cs typeface="Courier New" panose="02070309020205020404" pitchFamily="49" charset="0"/>
-              </a:rPr>
-              <a:t>() </a:t>
-            </a:r>
-            <a:r>
-              <a:rPr lang="en-US" dirty="0">
-                <a:latin typeface="Courier New" panose="02070309020205020404" pitchFamily="49" charset="0"/>
-                <a:cs typeface="Courier New" panose="02070309020205020404" pitchFamily="49" charset="0"/>
-              </a:rPr>
-              <a:t>&lt;&lt; </a:t>
-            </a:r>
-            <a:r>
-              <a:rPr lang="en-US" dirty="0" err="1">
-                <a:latin typeface="Courier New" panose="02070309020205020404" pitchFamily="49" charset="0"/>
-                <a:cs typeface="Courier New" panose="02070309020205020404" pitchFamily="49" charset="0"/>
-              </a:rPr>
-              <a:t>std</a:t>
-            </a:r>
-            <a:r>
-              <a:rPr lang="en-US" dirty="0">
-                <a:latin typeface="Courier New" panose="02070309020205020404" pitchFamily="49" charset="0"/>
-                <a:cs typeface="Courier New" panose="02070309020205020404" pitchFamily="49" charset="0"/>
-              </a:rPr>
-              <a:t>::</a:t>
-            </a:r>
-            <a:r>
-              <a:rPr lang="en-US" dirty="0" err="1">
-                <a:latin typeface="Courier New" panose="02070309020205020404" pitchFamily="49" charset="0"/>
-                <a:cs typeface="Courier New" panose="02070309020205020404" pitchFamily="49" charset="0"/>
-              </a:rPr>
-              <a:t>endl</a:t>
-            </a:r>
-            <a:r>
-              <a:rPr lang="en-US" dirty="0" smtClean="0">
-                <a:latin typeface="Courier New" panose="02070309020205020404" pitchFamily="49" charset="0"/>
-                <a:cs typeface="Courier New" panose="02070309020205020404" pitchFamily="49" charset="0"/>
-              </a:rPr>
-              <a:t>;</a:t>
-            </a:r>
-          </a:p>
-          <a:p>
-            <a:r>
-              <a:rPr lang="en-US" dirty="0">
-                <a:latin typeface="Courier New" panose="02070309020205020404" pitchFamily="49" charset="0"/>
-                <a:cs typeface="Courier New" panose="02070309020205020404" pitchFamily="49" charset="0"/>
-              </a:rPr>
-              <a:t> </a:t>
-            </a:r>
-            <a:r>
-              <a:rPr lang="en-US" dirty="0" smtClean="0">
-                <a:latin typeface="Courier New" panose="02070309020205020404" pitchFamily="49" charset="0"/>
-                <a:cs typeface="Courier New" panose="02070309020205020404" pitchFamily="49" charset="0"/>
-              </a:rPr>
-              <a:t>   </a:t>
-            </a:r>
-            <a:r>
-              <a:rPr lang="en-US" dirty="0" err="1">
-                <a:latin typeface="Courier New" panose="02070309020205020404" pitchFamily="49" charset="0"/>
-                <a:cs typeface="Courier New" panose="02070309020205020404" pitchFamily="49" charset="0"/>
-              </a:rPr>
-              <a:t>q</a:t>
-            </a:r>
-            <a:r>
-              <a:rPr lang="en-US" dirty="0" err="1" smtClean="0">
-                <a:latin typeface="Courier New" panose="02070309020205020404" pitchFamily="49" charset="0"/>
-                <a:cs typeface="Courier New" panose="02070309020205020404" pitchFamily="49" charset="0"/>
-              </a:rPr>
-              <a:t>.pop</a:t>
-            </a:r>
-            <a:r>
-              <a:rPr lang="en-US" dirty="0" smtClean="0">
-                <a:latin typeface="Courier New" panose="02070309020205020404" pitchFamily="49" charset="0"/>
-                <a:cs typeface="Courier New" panose="02070309020205020404" pitchFamily="49" charset="0"/>
-              </a:rPr>
-              <a:t>();</a:t>
-            </a:r>
-          </a:p>
-          <a:p>
-            <a:r>
-              <a:rPr lang="en-US" dirty="0">
-                <a:latin typeface="Courier New" panose="02070309020205020404" pitchFamily="49" charset="0"/>
-                <a:cs typeface="Courier New" panose="02070309020205020404" pitchFamily="49" charset="0"/>
-              </a:rPr>
-              <a:t>}</a:t>
-            </a:r>
-          </a:p>
-        </p:txBody>
-      </p:sp>
     </p:spTree>
     <p:extLst>
       <p:ext uri="{BB962C8B-B14F-4D97-AF65-F5344CB8AC3E}">
-        <p14:creationId xmlns:p14="http://schemas.microsoft.com/office/powerpoint/2010/main" val="3930827009"/>
+        <p14:creationId xmlns:p14="http://schemas.microsoft.com/office/powerpoint/2010/main" val="1534393266"/>
       </p:ext>
     </p:extLst>
   </p:cSld>
@@ -22247,6 +23133,444 @@
       </p:grpSpPr>
       <p:sp>
         <p:nvSpPr>
+          <p:cNvPr id="2" name="Title 1"/>
+          <p:cNvSpPr>
+            <a:spLocks noGrp="1"/>
+          </p:cNvSpPr>
+          <p:nvPr>
+            <p:ph type="title"/>
+          </p:nvPr>
+        </p:nvSpPr>
+        <p:spPr/>
+        <p:txBody>
+          <a:bodyPr/>
+          <a:lstStyle/>
+          <a:p>
+            <a:r>
+              <a:rPr lang="en-US" dirty="0" smtClean="0"/>
+              <a:t>Queue examples</a:t>
+            </a:r>
+            <a:endParaRPr lang="en-US" dirty="0"/>
+          </a:p>
+        </p:txBody>
+      </p:sp>
+      <p:sp>
+        <p:nvSpPr>
+          <p:cNvPr id="4" name="Slide Number Placeholder 3"/>
+          <p:cNvSpPr>
+            <a:spLocks noGrp="1"/>
+          </p:cNvSpPr>
+          <p:nvPr>
+            <p:ph type="sldNum" sz="quarter" idx="12"/>
+          </p:nvPr>
+        </p:nvSpPr>
+        <p:spPr/>
+        <p:txBody>
+          <a:bodyPr/>
+          <a:lstStyle/>
+          <a:p>
+            <a:fld id="{11AD1F4E-1E51-402E-B221-310F004E7D3B}" type="slidenum">
+              <a:rPr lang="en-US" smtClean="0"/>
+              <a:t>38</a:t>
+            </a:fld>
+            <a:endParaRPr lang="en-US"/>
+          </a:p>
+        </p:txBody>
+      </p:sp>
+      <p:sp>
+        <p:nvSpPr>
+          <p:cNvPr id="5" name="TextBox 4"/>
+          <p:cNvSpPr txBox="1"/>
+          <p:nvPr/>
+        </p:nvSpPr>
+        <p:spPr>
+          <a:xfrm>
+            <a:off x="628650" y="1704105"/>
+            <a:ext cx="6665768" cy="2585323"/>
+          </a:xfrm>
+          <a:prstGeom prst="rect">
+            <a:avLst/>
+          </a:prstGeom>
+          <a:solidFill>
+            <a:schemeClr val="bg1">
+              <a:lumMod val="75000"/>
+            </a:schemeClr>
+          </a:solidFill>
+          <a:ln>
+            <a:solidFill>
+              <a:schemeClr val="tx1"/>
+            </a:solidFill>
+          </a:ln>
+        </p:spPr>
+        <p:txBody>
+          <a:bodyPr wrap="square" rtlCol="0">
+            <a:spAutoFit/>
+          </a:bodyPr>
+          <a:lstStyle/>
+          <a:p>
+            <a:r>
+              <a:rPr lang="en-US" dirty="0" smtClean="0">
+                <a:latin typeface="Courier New" panose="02070309020205020404" pitchFamily="49" charset="0"/>
+                <a:cs typeface="Courier New" panose="02070309020205020404" pitchFamily="49" charset="0"/>
+              </a:rPr>
+              <a:t>#include &lt;queue&gt;</a:t>
+            </a:r>
+          </a:p>
+          <a:p>
+            <a:r>
+              <a:rPr lang="en-US" dirty="0" smtClean="0">
+                <a:latin typeface="Courier New" panose="02070309020205020404" pitchFamily="49" charset="0"/>
+                <a:cs typeface="Courier New" panose="02070309020205020404" pitchFamily="49" charset="0"/>
+              </a:rPr>
+              <a:t>…</a:t>
+            </a:r>
+          </a:p>
+          <a:p>
+            <a:r>
+              <a:rPr lang="en-US" dirty="0" err="1" smtClean="0">
+                <a:latin typeface="Courier New" panose="02070309020205020404" pitchFamily="49" charset="0"/>
+                <a:cs typeface="Courier New" panose="02070309020205020404" pitchFamily="49" charset="0"/>
+              </a:rPr>
+              <a:t>std</a:t>
+            </a:r>
+            <a:r>
+              <a:rPr lang="en-US" dirty="0" smtClean="0">
+                <a:latin typeface="Courier New" panose="02070309020205020404" pitchFamily="49" charset="0"/>
+                <a:cs typeface="Courier New" panose="02070309020205020404" pitchFamily="49" charset="0"/>
+              </a:rPr>
+              <a:t>::queue&lt;</a:t>
+            </a:r>
+            <a:r>
+              <a:rPr lang="en-US" dirty="0" err="1" smtClean="0">
+                <a:latin typeface="Courier New" panose="02070309020205020404" pitchFamily="49" charset="0"/>
+                <a:cs typeface="Courier New" panose="02070309020205020404" pitchFamily="49" charset="0"/>
+              </a:rPr>
+              <a:t>int</a:t>
+            </a:r>
+            <a:r>
+              <a:rPr lang="en-US" dirty="0" smtClean="0">
+                <a:latin typeface="Courier New" panose="02070309020205020404" pitchFamily="49" charset="0"/>
+                <a:cs typeface="Courier New" panose="02070309020205020404" pitchFamily="49" charset="0"/>
+              </a:rPr>
+              <a:t>&gt; q;</a:t>
+            </a:r>
+          </a:p>
+          <a:p>
+            <a:r>
+              <a:rPr lang="en-US" dirty="0" smtClean="0">
+                <a:latin typeface="Courier New" panose="02070309020205020404" pitchFamily="49" charset="0"/>
+                <a:cs typeface="Courier New" panose="02070309020205020404" pitchFamily="49" charset="0"/>
+              </a:rPr>
+              <a:t>for (</a:t>
+            </a:r>
+            <a:r>
+              <a:rPr lang="en-US" dirty="0" err="1" smtClean="0">
+                <a:latin typeface="Courier New" panose="02070309020205020404" pitchFamily="49" charset="0"/>
+                <a:cs typeface="Courier New" panose="02070309020205020404" pitchFamily="49" charset="0"/>
+              </a:rPr>
+              <a:t>int</a:t>
+            </a:r>
+            <a:r>
+              <a:rPr lang="en-US" dirty="0" smtClean="0">
+                <a:latin typeface="Courier New" panose="02070309020205020404" pitchFamily="49" charset="0"/>
+                <a:cs typeface="Courier New" panose="02070309020205020404" pitchFamily="49" charset="0"/>
+              </a:rPr>
+              <a:t> </a:t>
+            </a:r>
+            <a:r>
+              <a:rPr lang="en-US" dirty="0" err="1" smtClean="0">
+                <a:latin typeface="Courier New" panose="02070309020205020404" pitchFamily="49" charset="0"/>
+                <a:cs typeface="Courier New" panose="02070309020205020404" pitchFamily="49" charset="0"/>
+              </a:rPr>
+              <a:t>i</a:t>
+            </a:r>
+            <a:r>
+              <a:rPr lang="en-US" dirty="0" smtClean="0">
+                <a:latin typeface="Courier New" panose="02070309020205020404" pitchFamily="49" charset="0"/>
+                <a:cs typeface="Courier New" panose="02070309020205020404" pitchFamily="49" charset="0"/>
+              </a:rPr>
+              <a:t> = 0; </a:t>
+            </a:r>
+            <a:r>
+              <a:rPr lang="en-US" dirty="0" err="1" smtClean="0">
+                <a:latin typeface="Courier New" panose="02070309020205020404" pitchFamily="49" charset="0"/>
+                <a:cs typeface="Courier New" panose="02070309020205020404" pitchFamily="49" charset="0"/>
+              </a:rPr>
+              <a:t>i</a:t>
+            </a:r>
+            <a:r>
+              <a:rPr lang="en-US" dirty="0" smtClean="0">
+                <a:latin typeface="Courier New" panose="02070309020205020404" pitchFamily="49" charset="0"/>
+                <a:cs typeface="Courier New" panose="02070309020205020404" pitchFamily="49" charset="0"/>
+              </a:rPr>
+              <a:t> &lt; 10; </a:t>
+            </a:r>
+            <a:r>
+              <a:rPr lang="en-US" dirty="0" err="1" smtClean="0">
+                <a:latin typeface="Courier New" panose="02070309020205020404" pitchFamily="49" charset="0"/>
+                <a:cs typeface="Courier New" panose="02070309020205020404" pitchFamily="49" charset="0"/>
+              </a:rPr>
+              <a:t>i</a:t>
+            </a:r>
+            <a:r>
+              <a:rPr lang="en-US" dirty="0" smtClean="0">
+                <a:latin typeface="Courier New" panose="02070309020205020404" pitchFamily="49" charset="0"/>
+                <a:cs typeface="Courier New" panose="02070309020205020404" pitchFamily="49" charset="0"/>
+              </a:rPr>
+              <a:t>++)</a:t>
+            </a:r>
+          </a:p>
+          <a:p>
+            <a:r>
+              <a:rPr lang="en-US" dirty="0">
+                <a:latin typeface="Courier New" panose="02070309020205020404" pitchFamily="49" charset="0"/>
+                <a:cs typeface="Courier New" panose="02070309020205020404" pitchFamily="49" charset="0"/>
+              </a:rPr>
+              <a:t> </a:t>
+            </a:r>
+            <a:r>
+              <a:rPr lang="en-US" dirty="0" smtClean="0">
+                <a:latin typeface="Courier New" panose="02070309020205020404" pitchFamily="49" charset="0"/>
+                <a:cs typeface="Courier New" panose="02070309020205020404" pitchFamily="49" charset="0"/>
+              </a:rPr>
+              <a:t>   </a:t>
+            </a:r>
+            <a:r>
+              <a:rPr lang="en-US" dirty="0" err="1" smtClean="0">
+                <a:latin typeface="Courier New" panose="02070309020205020404" pitchFamily="49" charset="0"/>
+                <a:cs typeface="Courier New" panose="02070309020205020404" pitchFamily="49" charset="0"/>
+              </a:rPr>
+              <a:t>q.push</a:t>
+            </a:r>
+            <a:r>
+              <a:rPr lang="en-US" dirty="0" smtClean="0">
+                <a:latin typeface="Courier New" panose="02070309020205020404" pitchFamily="49" charset="0"/>
+                <a:cs typeface="Courier New" panose="02070309020205020404" pitchFamily="49" charset="0"/>
+              </a:rPr>
+              <a:t>(</a:t>
+            </a:r>
+            <a:r>
+              <a:rPr lang="en-US" dirty="0" err="1" smtClean="0">
+                <a:latin typeface="Courier New" panose="02070309020205020404" pitchFamily="49" charset="0"/>
+                <a:cs typeface="Courier New" panose="02070309020205020404" pitchFamily="49" charset="0"/>
+              </a:rPr>
+              <a:t>i</a:t>
+            </a:r>
+            <a:r>
+              <a:rPr lang="en-US" dirty="0" smtClean="0">
+                <a:latin typeface="Courier New" panose="02070309020205020404" pitchFamily="49" charset="0"/>
+                <a:cs typeface="Courier New" panose="02070309020205020404" pitchFamily="49" charset="0"/>
+              </a:rPr>
+              <a:t>);</a:t>
+            </a:r>
+          </a:p>
+          <a:p>
+            <a:r>
+              <a:rPr lang="en-US" dirty="0" smtClean="0">
+                <a:latin typeface="Courier New" panose="02070309020205020404" pitchFamily="49" charset="0"/>
+                <a:cs typeface="Courier New" panose="02070309020205020404" pitchFamily="49" charset="0"/>
+              </a:rPr>
+              <a:t>while (!</a:t>
+            </a:r>
+            <a:r>
+              <a:rPr lang="en-US" dirty="0" err="1" smtClean="0">
+                <a:latin typeface="Courier New" panose="02070309020205020404" pitchFamily="49" charset="0"/>
+                <a:cs typeface="Courier New" panose="02070309020205020404" pitchFamily="49" charset="0"/>
+              </a:rPr>
+              <a:t>q.empty</a:t>
+            </a:r>
+            <a:r>
+              <a:rPr lang="en-US" dirty="0" smtClean="0">
+                <a:latin typeface="Courier New" panose="02070309020205020404" pitchFamily="49" charset="0"/>
+                <a:cs typeface="Courier New" panose="02070309020205020404" pitchFamily="49" charset="0"/>
+              </a:rPr>
+              <a:t>()) {</a:t>
+            </a:r>
+            <a:endParaRPr lang="en-US" dirty="0">
+              <a:latin typeface="Courier New" panose="02070309020205020404" pitchFamily="49" charset="0"/>
+              <a:cs typeface="Courier New" panose="02070309020205020404" pitchFamily="49" charset="0"/>
+            </a:endParaRPr>
+          </a:p>
+          <a:p>
+            <a:r>
+              <a:rPr lang="en-US" dirty="0" smtClean="0">
+                <a:latin typeface="Courier New" panose="02070309020205020404" pitchFamily="49" charset="0"/>
+                <a:cs typeface="Courier New" panose="02070309020205020404" pitchFamily="49" charset="0"/>
+              </a:rPr>
+              <a:t>    </a:t>
+            </a:r>
+            <a:r>
+              <a:rPr lang="en-US" dirty="0" err="1">
+                <a:latin typeface="Courier New" panose="02070309020205020404" pitchFamily="49" charset="0"/>
+                <a:cs typeface="Courier New" panose="02070309020205020404" pitchFamily="49" charset="0"/>
+              </a:rPr>
+              <a:t>std</a:t>
+            </a:r>
+            <a:r>
+              <a:rPr lang="en-US" dirty="0">
+                <a:latin typeface="Courier New" panose="02070309020205020404" pitchFamily="49" charset="0"/>
+                <a:cs typeface="Courier New" panose="02070309020205020404" pitchFamily="49" charset="0"/>
+              </a:rPr>
+              <a:t>::</a:t>
+            </a:r>
+            <a:r>
+              <a:rPr lang="en-US" dirty="0" err="1">
+                <a:latin typeface="Courier New" panose="02070309020205020404" pitchFamily="49" charset="0"/>
+                <a:cs typeface="Courier New" panose="02070309020205020404" pitchFamily="49" charset="0"/>
+              </a:rPr>
+              <a:t>cout</a:t>
+            </a:r>
+            <a:r>
+              <a:rPr lang="en-US" dirty="0">
+                <a:latin typeface="Courier New" panose="02070309020205020404" pitchFamily="49" charset="0"/>
+                <a:cs typeface="Courier New" panose="02070309020205020404" pitchFamily="49" charset="0"/>
+              </a:rPr>
+              <a:t> &lt;&lt; </a:t>
+            </a:r>
+            <a:r>
+              <a:rPr lang="en-US" dirty="0" err="1">
+                <a:latin typeface="Courier New" panose="02070309020205020404" pitchFamily="49" charset="0"/>
+                <a:cs typeface="Courier New" panose="02070309020205020404" pitchFamily="49" charset="0"/>
+              </a:rPr>
+              <a:t>q</a:t>
+            </a:r>
+            <a:r>
+              <a:rPr lang="en-US" dirty="0" err="1" smtClean="0">
+                <a:latin typeface="Courier New" panose="02070309020205020404" pitchFamily="49" charset="0"/>
+                <a:cs typeface="Courier New" panose="02070309020205020404" pitchFamily="49" charset="0"/>
+              </a:rPr>
+              <a:t>.front</a:t>
+            </a:r>
+            <a:r>
+              <a:rPr lang="en-US" dirty="0" smtClean="0">
+                <a:latin typeface="Courier New" panose="02070309020205020404" pitchFamily="49" charset="0"/>
+                <a:cs typeface="Courier New" panose="02070309020205020404" pitchFamily="49" charset="0"/>
+              </a:rPr>
+              <a:t>() </a:t>
+            </a:r>
+            <a:r>
+              <a:rPr lang="en-US" dirty="0">
+                <a:latin typeface="Courier New" panose="02070309020205020404" pitchFamily="49" charset="0"/>
+                <a:cs typeface="Courier New" panose="02070309020205020404" pitchFamily="49" charset="0"/>
+              </a:rPr>
+              <a:t>&lt;&lt; </a:t>
+            </a:r>
+            <a:r>
+              <a:rPr lang="en-US" dirty="0" err="1">
+                <a:latin typeface="Courier New" panose="02070309020205020404" pitchFamily="49" charset="0"/>
+                <a:cs typeface="Courier New" panose="02070309020205020404" pitchFamily="49" charset="0"/>
+              </a:rPr>
+              <a:t>std</a:t>
+            </a:r>
+            <a:r>
+              <a:rPr lang="en-US" dirty="0">
+                <a:latin typeface="Courier New" panose="02070309020205020404" pitchFamily="49" charset="0"/>
+                <a:cs typeface="Courier New" panose="02070309020205020404" pitchFamily="49" charset="0"/>
+              </a:rPr>
+              <a:t>::</a:t>
+            </a:r>
+            <a:r>
+              <a:rPr lang="en-US" dirty="0" err="1">
+                <a:latin typeface="Courier New" panose="02070309020205020404" pitchFamily="49" charset="0"/>
+                <a:cs typeface="Courier New" panose="02070309020205020404" pitchFamily="49" charset="0"/>
+              </a:rPr>
+              <a:t>endl</a:t>
+            </a:r>
+            <a:r>
+              <a:rPr lang="en-US" dirty="0" smtClean="0">
+                <a:latin typeface="Courier New" panose="02070309020205020404" pitchFamily="49" charset="0"/>
+                <a:cs typeface="Courier New" panose="02070309020205020404" pitchFamily="49" charset="0"/>
+              </a:rPr>
+              <a:t>;</a:t>
+            </a:r>
+          </a:p>
+          <a:p>
+            <a:r>
+              <a:rPr lang="en-US" dirty="0">
+                <a:latin typeface="Courier New" panose="02070309020205020404" pitchFamily="49" charset="0"/>
+                <a:cs typeface="Courier New" panose="02070309020205020404" pitchFamily="49" charset="0"/>
+              </a:rPr>
+              <a:t> </a:t>
+            </a:r>
+            <a:r>
+              <a:rPr lang="en-US" dirty="0" smtClean="0">
+                <a:latin typeface="Courier New" panose="02070309020205020404" pitchFamily="49" charset="0"/>
+                <a:cs typeface="Courier New" panose="02070309020205020404" pitchFamily="49" charset="0"/>
+              </a:rPr>
+              <a:t>   </a:t>
+            </a:r>
+            <a:r>
+              <a:rPr lang="en-US" dirty="0" err="1">
+                <a:latin typeface="Courier New" panose="02070309020205020404" pitchFamily="49" charset="0"/>
+                <a:cs typeface="Courier New" panose="02070309020205020404" pitchFamily="49" charset="0"/>
+              </a:rPr>
+              <a:t>q</a:t>
+            </a:r>
+            <a:r>
+              <a:rPr lang="en-US" dirty="0" err="1" smtClean="0">
+                <a:latin typeface="Courier New" panose="02070309020205020404" pitchFamily="49" charset="0"/>
+                <a:cs typeface="Courier New" panose="02070309020205020404" pitchFamily="49" charset="0"/>
+              </a:rPr>
+              <a:t>.pop</a:t>
+            </a:r>
+            <a:r>
+              <a:rPr lang="en-US" dirty="0" smtClean="0">
+                <a:latin typeface="Courier New" panose="02070309020205020404" pitchFamily="49" charset="0"/>
+                <a:cs typeface="Courier New" panose="02070309020205020404" pitchFamily="49" charset="0"/>
+              </a:rPr>
+              <a:t>();</a:t>
+            </a:r>
+          </a:p>
+          <a:p>
+            <a:r>
+              <a:rPr lang="en-US" dirty="0">
+                <a:latin typeface="Courier New" panose="02070309020205020404" pitchFamily="49" charset="0"/>
+                <a:cs typeface="Courier New" panose="02070309020205020404" pitchFamily="49" charset="0"/>
+              </a:rPr>
+              <a:t>}</a:t>
+            </a:r>
+          </a:p>
+        </p:txBody>
+      </p:sp>
+    </p:spTree>
+    <p:extLst>
+      <p:ext uri="{BB962C8B-B14F-4D97-AF65-F5344CB8AC3E}">
+        <p14:creationId xmlns:p14="http://schemas.microsoft.com/office/powerpoint/2010/main" val="3930827009"/>
+      </p:ext>
+    </p:extLst>
+  </p:cSld>
+  <p:clrMapOvr>
+    <a:masterClrMapping/>
+  </p:clrMapOvr>
+  <p:timing>
+    <p:tnLst>
+      <p:par>
+        <p:cTn id="1" dur="indefinite" restart="never" nodeType="tmRoot"/>
+      </p:par>
+    </p:tnLst>
+  </p:timing>
+</p:sld>
+</file>
+
+<file path=ppt/slides/slide39.xml><?xml version="1.0" encoding="utf-8"?>
+<p:sld xmlns:a="http://schemas.openxmlformats.org/drawingml/2006/main" xmlns:r="http://schemas.openxmlformats.org/officeDocument/2006/relationships" xmlns:p="http://schemas.openxmlformats.org/presentationml/2006/main">
+  <p:cSld>
+    <p:spTree>
+      <p:nvGrpSpPr>
+        <p:cNvPr id="1" name=""/>
+        <p:cNvGrpSpPr/>
+        <p:nvPr/>
+      </p:nvGrpSpPr>
+      <p:grpSpPr>
+        <a:xfrm>
+          <a:off x="0" y="0"/>
+          <a:ext cx="0" cy="0"/>
+          <a:chOff x="0" y="0"/>
+          <a:chExt cx="0" cy="0"/>
+        </a:xfrm>
+      </p:grpSpPr>
+      <p:sp>
+        <p:nvSpPr>
           <p:cNvPr id="3" name="Content Placeholder 2"/>
           <p:cNvSpPr>
             <a:spLocks noGrp="1"/>
@@ -22369,7 +23693,7 @@
           <a:p>
             <a:fld id="{11AD1F4E-1E51-402E-B221-310F004E7D3B}" type="slidenum">
               <a:rPr lang="en-US" smtClean="0"/>
-              <a:t>38</a:t>
+              <a:t>39</a:t>
             </a:fld>
             <a:endParaRPr lang="en-US"/>
           </a:p>
@@ -22407,7 +23731,7 @@
             <a:graphicData uri="http://schemas.openxmlformats.org/presentationml/2006/ole">
               <mc:AlternateContent xmlns:mc="http://schemas.openxmlformats.org/markup-compatibility/2006">
                 <mc:Choice xmlns:v="urn:schemas-microsoft-com:vml" Requires="v">
-                  <p:oleObj spid="_x0000_s10285" name="Equation" r:id="rId3" imgW="444240" imgH="241200" progId="Equation.3">
+                  <p:oleObj spid="_x0000_s10288" name="Equation" r:id="rId3" imgW="444240" imgH="241200" progId="Equation.3">
                     <p:embed/>
                   </p:oleObj>
                 </mc:Choice>
@@ -23113,210 +24437,6 @@
 </p:sld>
 </file>
 
-<file path=ppt/slides/slide39.xml><?xml version="1.0" encoding="utf-8"?>
-<p:sld xmlns:a="http://schemas.openxmlformats.org/drawingml/2006/main" xmlns:r="http://schemas.openxmlformats.org/officeDocument/2006/relationships" xmlns:p="http://schemas.openxmlformats.org/presentationml/2006/main">
-  <p:cSld>
-    <p:spTree>
-      <p:nvGrpSpPr>
-        <p:cNvPr id="1" name=""/>
-        <p:cNvGrpSpPr/>
-        <p:nvPr/>
-      </p:nvGrpSpPr>
-      <p:grpSpPr>
-        <a:xfrm>
-          <a:off x="0" y="0"/>
-          <a:ext cx="0" cy="0"/>
-          <a:chOff x="0" y="0"/>
-          <a:chExt cx="0" cy="0"/>
-        </a:xfrm>
-      </p:grpSpPr>
-      <p:sp>
-        <p:nvSpPr>
-          <p:cNvPr id="2" name="Title 1"/>
-          <p:cNvSpPr>
-            <a:spLocks noGrp="1"/>
-          </p:cNvSpPr>
-          <p:nvPr>
-            <p:ph type="title"/>
-          </p:nvPr>
-        </p:nvSpPr>
-        <p:spPr/>
-        <p:txBody>
-          <a:bodyPr/>
-          <a:lstStyle/>
-          <a:p>
-            <a:r>
-              <a:rPr lang="en-US" dirty="0" smtClean="0"/>
-              <a:t>Priority queue ADT</a:t>
-            </a:r>
-            <a:endParaRPr lang="en-US" dirty="0"/>
-          </a:p>
-        </p:txBody>
-      </p:sp>
-      <p:sp>
-        <p:nvSpPr>
-          <p:cNvPr id="3" name="Content Placeholder 2"/>
-          <p:cNvSpPr>
-            <a:spLocks noGrp="1"/>
-          </p:cNvSpPr>
-          <p:nvPr>
-            <p:ph idx="1"/>
-          </p:nvPr>
-        </p:nvSpPr>
-        <p:spPr/>
-        <p:txBody>
-          <a:bodyPr/>
-          <a:lstStyle/>
-          <a:p>
-            <a:r>
-              <a:rPr lang="en-US" dirty="0" smtClean="0"/>
-              <a:t>EMPTY_QUEUE() </a:t>
-            </a:r>
-            <a:r>
-              <a:rPr lang="en-US" dirty="0" smtClean="0">
-                <a:sym typeface="Symbol" panose="05050102010706020507" pitchFamily="18" charset="2"/>
-              </a:rPr>
-              <a:t> queue</a:t>
-            </a:r>
-            <a:endParaRPr lang="en-US" dirty="0" smtClean="0"/>
-          </a:p>
-          <a:p>
-            <a:r>
-              <a:rPr lang="en-US" dirty="0" smtClean="0"/>
-              <a:t>QUEUE.PUSH(value</a:t>
-            </a:r>
-            <a:r>
-              <a:rPr lang="en-US" dirty="0"/>
-              <a:t>)</a:t>
-            </a:r>
-          </a:p>
-          <a:p>
-            <a:r>
-              <a:rPr lang="en-US" dirty="0" smtClean="0"/>
-              <a:t>QUEUE.POP()</a:t>
-            </a:r>
-          </a:p>
-          <a:p>
-            <a:r>
-              <a:rPr lang="en-US" dirty="0" smtClean="0"/>
-              <a:t>QUEUE.FRONT()</a:t>
-            </a:r>
-            <a:r>
-              <a:rPr lang="en-US" dirty="0"/>
-              <a:t> </a:t>
-            </a:r>
-            <a:r>
-              <a:rPr lang="en-US" dirty="0">
-                <a:sym typeface="Symbol" panose="05050102010706020507" pitchFamily="18" charset="2"/>
-              </a:rPr>
-              <a:t> </a:t>
-            </a:r>
-            <a:r>
-              <a:rPr lang="en-US" dirty="0" smtClean="0">
-                <a:sym typeface="Symbol" panose="05050102010706020507" pitchFamily="18" charset="2"/>
-              </a:rPr>
-              <a:t>value</a:t>
-            </a:r>
-            <a:endParaRPr lang="en-US" dirty="0"/>
-          </a:p>
-          <a:p>
-            <a:r>
-              <a:rPr lang="en-US" dirty="0" smtClean="0"/>
-              <a:t>QUEUE.IS_EMPTY()</a:t>
-            </a:r>
-            <a:r>
-              <a:rPr lang="en-US" dirty="0"/>
-              <a:t> </a:t>
-            </a:r>
-            <a:r>
-              <a:rPr lang="en-US" dirty="0">
-                <a:sym typeface="Symbol" panose="05050102010706020507" pitchFamily="18" charset="2"/>
-              </a:rPr>
-              <a:t> </a:t>
-            </a:r>
-            <a:r>
-              <a:rPr lang="en-US" dirty="0" err="1" smtClean="0">
-                <a:sym typeface="Symbol" panose="05050102010706020507" pitchFamily="18" charset="2"/>
-              </a:rPr>
-              <a:t>boolean</a:t>
-            </a:r>
-            <a:endParaRPr lang="en-US" dirty="0" smtClean="0"/>
-          </a:p>
-          <a:p>
-            <a:r>
-              <a:rPr lang="en-US" dirty="0" smtClean="0"/>
-              <a:t>QUEUE.LENGTH() </a:t>
-            </a:r>
-            <a:r>
-              <a:rPr lang="en-US" dirty="0">
-                <a:sym typeface="Symbol" panose="05050102010706020507" pitchFamily="18" charset="2"/>
-              </a:rPr>
-              <a:t> </a:t>
-            </a:r>
-            <a:r>
-              <a:rPr lang="en-US" dirty="0" smtClean="0">
-                <a:sym typeface="Symbol" panose="05050102010706020507" pitchFamily="18" charset="2"/>
-              </a:rPr>
-              <a:t>length</a:t>
-            </a:r>
-            <a:br>
-              <a:rPr lang="en-US" dirty="0" smtClean="0">
-                <a:sym typeface="Symbol" panose="05050102010706020507" pitchFamily="18" charset="2"/>
-              </a:rPr>
-            </a:br>
-            <a:r>
-              <a:rPr lang="en-US" dirty="0" smtClean="0">
-                <a:sym typeface="Symbol" panose="05050102010706020507" pitchFamily="18" charset="2"/>
-              </a:rPr>
-              <a:t>      = #push - #pop</a:t>
-            </a:r>
-            <a:endParaRPr lang="en-US" dirty="0"/>
-          </a:p>
-        </p:txBody>
-      </p:sp>
-      <p:sp>
-        <p:nvSpPr>
-          <p:cNvPr id="4" name="Slide Number Placeholder 3"/>
-          <p:cNvSpPr>
-            <a:spLocks noGrp="1"/>
-          </p:cNvSpPr>
-          <p:nvPr>
-            <p:ph type="sldNum" sz="quarter" idx="12"/>
-          </p:nvPr>
-        </p:nvSpPr>
-        <p:spPr/>
-        <p:txBody>
-          <a:bodyPr/>
-          <a:lstStyle/>
-          <a:p>
-            <a:fld id="{11AD1F4E-1E51-402E-B221-310F004E7D3B}" type="slidenum">
-              <a:rPr lang="en-US" smtClean="0"/>
-              <a:t>39</a:t>
-            </a:fld>
-            <a:endParaRPr lang="en-US"/>
-          </a:p>
-        </p:txBody>
-      </p:sp>
-    </p:spTree>
-    <p:extLst>
-      <p:ext uri="{BB962C8B-B14F-4D97-AF65-F5344CB8AC3E}">
-        <p14:creationId xmlns:p14="http://schemas.microsoft.com/office/powerpoint/2010/main" val="2510982706"/>
-      </p:ext>
-    </p:extLst>
-  </p:cSld>
-  <p:clrMapOvr>
-    <a:masterClrMapping/>
-  </p:clrMapOvr>
-  <p:timing>
-    <p:tnLst>
-      <p:par>
-        <p:cTn id="1" dur="indefinite" restart="never" nodeType="tmRoot"/>
-      </p:par>
-    </p:tnLst>
-  </p:timing>
-</p:sld>
-</file>
-
 <file path=ppt/slides/slide4.xml><?xml version="1.0" encoding="utf-8"?>
 <p:sld xmlns:a="http://schemas.openxmlformats.org/drawingml/2006/main" xmlns:r="http://schemas.openxmlformats.org/officeDocument/2006/relationships" xmlns:p="http://schemas.openxmlformats.org/presentationml/2006/main">
   <p:cSld>
@@ -23982,6 +25102,210 @@
           <a:p>
             <a:r>
               <a:rPr lang="en-US" dirty="0" smtClean="0"/>
+              <a:t>Priority queue ADT</a:t>
+            </a:r>
+            <a:endParaRPr lang="en-US" dirty="0"/>
+          </a:p>
+        </p:txBody>
+      </p:sp>
+      <p:sp>
+        <p:nvSpPr>
+          <p:cNvPr id="3" name="Content Placeholder 2"/>
+          <p:cNvSpPr>
+            <a:spLocks noGrp="1"/>
+          </p:cNvSpPr>
+          <p:nvPr>
+            <p:ph idx="1"/>
+          </p:nvPr>
+        </p:nvSpPr>
+        <p:spPr/>
+        <p:txBody>
+          <a:bodyPr/>
+          <a:lstStyle/>
+          <a:p>
+            <a:r>
+              <a:rPr lang="en-US" dirty="0" smtClean="0"/>
+              <a:t>EMPTY_QUEUE() </a:t>
+            </a:r>
+            <a:r>
+              <a:rPr lang="en-US" dirty="0" smtClean="0">
+                <a:sym typeface="Symbol" panose="05050102010706020507" pitchFamily="18" charset="2"/>
+              </a:rPr>
+              <a:t> queue</a:t>
+            </a:r>
+            <a:endParaRPr lang="en-US" dirty="0" smtClean="0"/>
+          </a:p>
+          <a:p>
+            <a:r>
+              <a:rPr lang="en-US" dirty="0" smtClean="0"/>
+              <a:t>QUEUE.PUSH(value</a:t>
+            </a:r>
+            <a:r>
+              <a:rPr lang="en-US" dirty="0"/>
+              <a:t>)</a:t>
+            </a:r>
+          </a:p>
+          <a:p>
+            <a:r>
+              <a:rPr lang="en-US" dirty="0" smtClean="0"/>
+              <a:t>QUEUE.POP()</a:t>
+            </a:r>
+          </a:p>
+          <a:p>
+            <a:r>
+              <a:rPr lang="en-US" dirty="0" smtClean="0"/>
+              <a:t>QUEUE.FRONT()</a:t>
+            </a:r>
+            <a:r>
+              <a:rPr lang="en-US" dirty="0"/>
+              <a:t> </a:t>
+            </a:r>
+            <a:r>
+              <a:rPr lang="en-US" dirty="0">
+                <a:sym typeface="Symbol" panose="05050102010706020507" pitchFamily="18" charset="2"/>
+              </a:rPr>
+              <a:t> </a:t>
+            </a:r>
+            <a:r>
+              <a:rPr lang="en-US" dirty="0" smtClean="0">
+                <a:sym typeface="Symbol" panose="05050102010706020507" pitchFamily="18" charset="2"/>
+              </a:rPr>
+              <a:t>value</a:t>
+            </a:r>
+            <a:endParaRPr lang="en-US" dirty="0"/>
+          </a:p>
+          <a:p>
+            <a:r>
+              <a:rPr lang="en-US" dirty="0" smtClean="0"/>
+              <a:t>QUEUE.IS_EMPTY()</a:t>
+            </a:r>
+            <a:r>
+              <a:rPr lang="en-US" dirty="0"/>
+              <a:t> </a:t>
+            </a:r>
+            <a:r>
+              <a:rPr lang="en-US" dirty="0">
+                <a:sym typeface="Symbol" panose="05050102010706020507" pitchFamily="18" charset="2"/>
+              </a:rPr>
+              <a:t> </a:t>
+            </a:r>
+            <a:r>
+              <a:rPr lang="en-US" dirty="0" err="1" smtClean="0">
+                <a:sym typeface="Symbol" panose="05050102010706020507" pitchFamily="18" charset="2"/>
+              </a:rPr>
+              <a:t>boolean</a:t>
+            </a:r>
+            <a:endParaRPr lang="en-US" dirty="0" smtClean="0"/>
+          </a:p>
+          <a:p>
+            <a:r>
+              <a:rPr lang="en-US" dirty="0" smtClean="0"/>
+              <a:t>QUEUE.LENGTH() </a:t>
+            </a:r>
+            <a:r>
+              <a:rPr lang="en-US" dirty="0">
+                <a:sym typeface="Symbol" panose="05050102010706020507" pitchFamily="18" charset="2"/>
+              </a:rPr>
+              <a:t> </a:t>
+            </a:r>
+            <a:r>
+              <a:rPr lang="en-US" dirty="0" smtClean="0">
+                <a:sym typeface="Symbol" panose="05050102010706020507" pitchFamily="18" charset="2"/>
+              </a:rPr>
+              <a:t>length</a:t>
+            </a:r>
+            <a:br>
+              <a:rPr lang="en-US" dirty="0" smtClean="0">
+                <a:sym typeface="Symbol" panose="05050102010706020507" pitchFamily="18" charset="2"/>
+              </a:rPr>
+            </a:br>
+            <a:r>
+              <a:rPr lang="en-US" dirty="0" smtClean="0">
+                <a:sym typeface="Symbol" panose="05050102010706020507" pitchFamily="18" charset="2"/>
+              </a:rPr>
+              <a:t>      = #push - #pop</a:t>
+            </a:r>
+            <a:endParaRPr lang="en-US" dirty="0"/>
+          </a:p>
+        </p:txBody>
+      </p:sp>
+      <p:sp>
+        <p:nvSpPr>
+          <p:cNvPr id="4" name="Slide Number Placeholder 3"/>
+          <p:cNvSpPr>
+            <a:spLocks noGrp="1"/>
+          </p:cNvSpPr>
+          <p:nvPr>
+            <p:ph type="sldNum" sz="quarter" idx="12"/>
+          </p:nvPr>
+        </p:nvSpPr>
+        <p:spPr/>
+        <p:txBody>
+          <a:bodyPr/>
+          <a:lstStyle/>
+          <a:p>
+            <a:fld id="{11AD1F4E-1E51-402E-B221-310F004E7D3B}" type="slidenum">
+              <a:rPr lang="en-US" smtClean="0"/>
+              <a:t>40</a:t>
+            </a:fld>
+            <a:endParaRPr lang="en-US"/>
+          </a:p>
+        </p:txBody>
+      </p:sp>
+    </p:spTree>
+    <p:extLst>
+      <p:ext uri="{BB962C8B-B14F-4D97-AF65-F5344CB8AC3E}">
+        <p14:creationId xmlns:p14="http://schemas.microsoft.com/office/powerpoint/2010/main" val="2510982706"/>
+      </p:ext>
+    </p:extLst>
+  </p:cSld>
+  <p:clrMapOvr>
+    <a:masterClrMapping/>
+  </p:clrMapOvr>
+  <p:timing>
+    <p:tnLst>
+      <p:par>
+        <p:cTn id="1" dur="indefinite" restart="never" nodeType="tmRoot"/>
+      </p:par>
+    </p:tnLst>
+  </p:timing>
+</p:sld>
+</file>
+
+<file path=ppt/slides/slide41.xml><?xml version="1.0" encoding="utf-8"?>
+<p:sld xmlns:a="http://schemas.openxmlformats.org/drawingml/2006/main" xmlns:r="http://schemas.openxmlformats.org/officeDocument/2006/relationships" xmlns:p="http://schemas.openxmlformats.org/presentationml/2006/main">
+  <p:cSld>
+    <p:spTree>
+      <p:nvGrpSpPr>
+        <p:cNvPr id="1" name=""/>
+        <p:cNvGrpSpPr/>
+        <p:nvPr/>
+      </p:nvGrpSpPr>
+      <p:grpSpPr>
+        <a:xfrm>
+          <a:off x="0" y="0"/>
+          <a:ext cx="0" cy="0"/>
+          <a:chOff x="0" y="0"/>
+          <a:chExt cx="0" cy="0"/>
+        </a:xfrm>
+      </p:grpSpPr>
+      <p:sp>
+        <p:nvSpPr>
+          <p:cNvPr id="2" name="Title 1"/>
+          <p:cNvSpPr>
+            <a:spLocks noGrp="1"/>
+          </p:cNvSpPr>
+          <p:nvPr>
+            <p:ph type="title"/>
+          </p:nvPr>
+        </p:nvSpPr>
+        <p:spPr/>
+        <p:txBody>
+          <a:bodyPr/>
+          <a:lstStyle/>
+          <a:p>
+            <a:r>
+              <a:rPr lang="en-US" dirty="0" smtClean="0"/>
               <a:t>Graph</a:t>
             </a:r>
             <a:endParaRPr lang="en-US" dirty="0"/>
@@ -24108,7 +25432,7 @@
           <a:p>
             <a:fld id="{11AD1F4E-1E51-402E-B221-310F004E7D3B}" type="slidenum">
               <a:rPr lang="en-US" smtClean="0"/>
-              <a:t>40</a:t>
+              <a:t>41</a:t>
             </a:fld>
             <a:endParaRPr lang="en-US"/>
           </a:p>
@@ -24150,7 +25474,7 @@
             <a:graphicData uri="http://schemas.openxmlformats.org/presentationml/2006/ole">
               <mc:AlternateContent xmlns:mc="http://schemas.openxmlformats.org/markup-compatibility/2006">
                 <mc:Choice xmlns:v="urn:schemas-microsoft-com:vml" Requires="v">
-                  <p:oleObj spid="_x0000_s9282" name="Equation" r:id="rId3" imgW="1104840" imgH="215640" progId="Equation.3">
+                  <p:oleObj spid="_x0000_s9285" name="Equation" r:id="rId3" imgW="1104840" imgH="215640" progId="Equation.3">
                     <p:embed/>
                   </p:oleObj>
                 </mc:Choice>
@@ -25242,448 +26566,6 @@
 </p:sld>
 </file>
 
-<file path=ppt/slides/slide41.xml><?xml version="1.0" encoding="utf-8"?>
-<p:sld xmlns:a="http://schemas.openxmlformats.org/drawingml/2006/main" xmlns:r="http://schemas.openxmlformats.org/officeDocument/2006/relationships" xmlns:p="http://schemas.openxmlformats.org/presentationml/2006/main">
-  <p:cSld>
-    <p:spTree>
-      <p:nvGrpSpPr>
-        <p:cNvPr id="1" name=""/>
-        <p:cNvGrpSpPr/>
-        <p:nvPr/>
-      </p:nvGrpSpPr>
-      <p:grpSpPr>
-        <a:xfrm>
-          <a:off x="0" y="0"/>
-          <a:ext cx="0" cy="0"/>
-          <a:chOff x="0" y="0"/>
-          <a:chExt cx="0" cy="0"/>
-        </a:xfrm>
-      </p:grpSpPr>
-      <p:sp>
-        <p:nvSpPr>
-          <p:cNvPr id="2" name="Title 1"/>
-          <p:cNvSpPr>
-            <a:spLocks noGrp="1"/>
-          </p:cNvSpPr>
-          <p:nvPr>
-            <p:ph type="title"/>
-          </p:nvPr>
-        </p:nvSpPr>
-        <p:spPr/>
-        <p:txBody>
-          <a:bodyPr/>
-          <a:lstStyle/>
-          <a:p>
-            <a:r>
-              <a:rPr lang="en-US" dirty="0" smtClean="0"/>
-              <a:t>Graph ADT</a:t>
-            </a:r>
-            <a:endParaRPr lang="en-US" dirty="0"/>
-          </a:p>
-        </p:txBody>
-      </p:sp>
-      <p:sp>
-        <p:nvSpPr>
-          <p:cNvPr id="3" name="Content Placeholder 2"/>
-          <p:cNvSpPr>
-            <a:spLocks noGrp="1"/>
-          </p:cNvSpPr>
-          <p:nvPr>
-            <p:ph idx="1"/>
-          </p:nvPr>
-        </p:nvSpPr>
-        <p:spPr/>
-        <p:txBody>
-          <a:bodyPr>
-            <a:normAutofit fontScale="62500" lnSpcReduction="20000"/>
-          </a:bodyPr>
-          <a:lstStyle/>
-          <a:p>
-            <a:r>
-              <a:rPr lang="en-US" dirty="0" smtClean="0"/>
-              <a:t>EMPTY_GRAPH() </a:t>
-            </a:r>
-            <a:r>
-              <a:rPr lang="en-US" dirty="0" smtClean="0">
-                <a:sym typeface="Symbol" panose="05050102010706020507" pitchFamily="18" charset="2"/>
-              </a:rPr>
-              <a:t> graph</a:t>
-            </a:r>
-            <a:endParaRPr lang="en-US" dirty="0" smtClean="0"/>
-          </a:p>
-          <a:p>
-            <a:r>
-              <a:rPr lang="en-US" dirty="0" smtClean="0"/>
-              <a:t>GRAPH.ADD_NODE(value)</a:t>
-            </a:r>
-          </a:p>
-          <a:p>
-            <a:r>
-              <a:rPr lang="en-US" dirty="0" smtClean="0"/>
-              <a:t>GRAPH.REMOVE(node)</a:t>
-            </a:r>
-            <a:endParaRPr lang="en-US" dirty="0"/>
-          </a:p>
-          <a:p>
-            <a:r>
-              <a:rPr lang="en-US" dirty="0" smtClean="0"/>
-              <a:t>GRAPH.ADD_EDGE(</a:t>
-            </a:r>
-            <a:r>
-              <a:rPr lang="en-US" dirty="0" err="1" smtClean="0"/>
-              <a:t>node</a:t>
-            </a:r>
-            <a:r>
-              <a:rPr lang="en-US" i="1" baseline="-25000" dirty="0" err="1" smtClean="0"/>
-              <a:t>i</a:t>
-            </a:r>
-            <a:r>
-              <a:rPr lang="en-US" dirty="0" smtClean="0"/>
-              <a:t>, </a:t>
-            </a:r>
-            <a:r>
-              <a:rPr lang="en-US" dirty="0" err="1" smtClean="0"/>
-              <a:t>node</a:t>
-            </a:r>
-            <a:r>
-              <a:rPr lang="en-US" i="1" baseline="-25000" dirty="0" err="1" smtClean="0"/>
-              <a:t>j</a:t>
-            </a:r>
-            <a:r>
-              <a:rPr lang="en-US" dirty="0" smtClean="0"/>
-              <a:t>)</a:t>
-            </a:r>
-          </a:p>
-          <a:p>
-            <a:r>
-              <a:rPr lang="en-US" dirty="0" smtClean="0"/>
-              <a:t>GRAPH.REMOVE_EDGE(</a:t>
-            </a:r>
-            <a:r>
-              <a:rPr lang="en-US" dirty="0" err="1"/>
-              <a:t>node</a:t>
-            </a:r>
-            <a:r>
-              <a:rPr lang="en-US" i="1" baseline="-25000" dirty="0" err="1"/>
-              <a:t>i</a:t>
-            </a:r>
-            <a:r>
-              <a:rPr lang="en-US" dirty="0"/>
-              <a:t>, </a:t>
-            </a:r>
-            <a:r>
-              <a:rPr lang="en-US" dirty="0" err="1"/>
-              <a:t>node</a:t>
-            </a:r>
-            <a:r>
-              <a:rPr lang="en-US" i="1" baseline="-25000" dirty="0" err="1"/>
-              <a:t>j</a:t>
-            </a:r>
-            <a:r>
-              <a:rPr lang="en-US" dirty="0" smtClean="0"/>
-              <a:t>)</a:t>
-            </a:r>
-          </a:p>
-          <a:p>
-            <a:r>
-              <a:rPr lang="en-US" dirty="0" smtClean="0"/>
-              <a:t>GRAPH.GET_NODES()</a:t>
-            </a:r>
-            <a:r>
-              <a:rPr lang="en-US" dirty="0"/>
-              <a:t> </a:t>
-            </a:r>
-            <a:r>
-              <a:rPr lang="en-US" dirty="0">
-                <a:sym typeface="Symbol" panose="05050102010706020507" pitchFamily="18" charset="2"/>
-              </a:rPr>
-              <a:t> </a:t>
-            </a:r>
-            <a:r>
-              <a:rPr lang="en-US" dirty="0" smtClean="0">
-                <a:sym typeface="Symbol" panose="05050102010706020507" pitchFamily="18" charset="2"/>
-              </a:rPr>
-              <a:t>{node</a:t>
-            </a:r>
-            <a:r>
-              <a:rPr lang="en-US" baseline="-25000" dirty="0" smtClean="0">
-                <a:sym typeface="Symbol" panose="05050102010706020507" pitchFamily="18" charset="2"/>
-              </a:rPr>
-              <a:t>0</a:t>
-            </a:r>
-            <a:r>
-              <a:rPr lang="en-US" dirty="0" smtClean="0">
-                <a:sym typeface="Symbol" panose="05050102010706020507" pitchFamily="18" charset="2"/>
-              </a:rPr>
-              <a:t>, …, node</a:t>
-            </a:r>
-            <a:r>
-              <a:rPr lang="en-US" i="1" baseline="-25000" dirty="0" smtClean="0">
-                <a:sym typeface="Symbol" panose="05050102010706020507" pitchFamily="18" charset="2"/>
-              </a:rPr>
-              <a:t>n</a:t>
-            </a:r>
-            <a:r>
-              <a:rPr lang="en-US" baseline="-25000" dirty="0" smtClean="0">
-                <a:sym typeface="Symbol" panose="05050102010706020507" pitchFamily="18" charset="2"/>
-              </a:rPr>
-              <a:t>-1</a:t>
-            </a:r>
-            <a:r>
-              <a:rPr lang="en-US" dirty="0" smtClean="0">
-                <a:sym typeface="Symbol" panose="05050102010706020507" pitchFamily="18" charset="2"/>
-              </a:rPr>
-              <a:t>}</a:t>
-            </a:r>
-            <a:endParaRPr lang="en-US" dirty="0" smtClean="0"/>
-          </a:p>
-          <a:p>
-            <a:r>
-              <a:rPr lang="en-US" dirty="0" smtClean="0"/>
-              <a:t>NODE.GET_VALUE() </a:t>
-            </a:r>
-            <a:r>
-              <a:rPr lang="en-US" dirty="0">
-                <a:sym typeface="Symbol" panose="05050102010706020507" pitchFamily="18" charset="2"/>
-              </a:rPr>
-              <a:t> </a:t>
-            </a:r>
-            <a:r>
-              <a:rPr lang="en-US" dirty="0" smtClean="0">
-                <a:sym typeface="Symbol" panose="05050102010706020507" pitchFamily="18" charset="2"/>
-              </a:rPr>
-              <a:t>value</a:t>
-            </a:r>
-          </a:p>
-          <a:p>
-            <a:r>
-              <a:rPr lang="en-US" dirty="0" smtClean="0">
-                <a:sym typeface="Symbol" panose="05050102010706020507" pitchFamily="18" charset="2"/>
-              </a:rPr>
-              <a:t>NODE.GET_INCOMING_EDGES()</a:t>
-            </a:r>
-            <a:r>
-              <a:rPr lang="en-US" dirty="0"/>
-              <a:t> </a:t>
-            </a:r>
-            <a:r>
-              <a:rPr lang="en-US" dirty="0">
-                <a:sym typeface="Symbol" panose="05050102010706020507" pitchFamily="18" charset="2"/>
-              </a:rPr>
-              <a:t> </a:t>
-            </a:r>
-            <a:r>
-              <a:rPr lang="en-US" dirty="0" smtClean="0">
-                <a:sym typeface="Symbol" panose="05050102010706020507" pitchFamily="18" charset="2"/>
-              </a:rPr>
-              <a:t>{edge</a:t>
-            </a:r>
-            <a:r>
-              <a:rPr lang="en-US" baseline="-25000" dirty="0">
-                <a:sym typeface="Symbol" panose="05050102010706020507" pitchFamily="18" charset="2"/>
-              </a:rPr>
-              <a:t>0</a:t>
-            </a:r>
-            <a:r>
-              <a:rPr lang="en-US" dirty="0">
-                <a:sym typeface="Symbol" panose="05050102010706020507" pitchFamily="18" charset="2"/>
-              </a:rPr>
-              <a:t>, …, </a:t>
-            </a:r>
-            <a:r>
-              <a:rPr lang="en-US" dirty="0" err="1" smtClean="0">
-                <a:sym typeface="Symbol" panose="05050102010706020507" pitchFamily="18" charset="2"/>
-              </a:rPr>
-              <a:t>edge</a:t>
-            </a:r>
-            <a:r>
-              <a:rPr lang="en-US" baseline="-25000" dirty="0" err="1" smtClean="0">
-                <a:sym typeface="Symbol" panose="05050102010706020507" pitchFamily="18" charset="2"/>
-              </a:rPr>
-              <a:t>k</a:t>
-            </a:r>
-            <a:r>
-              <a:rPr lang="en-US" dirty="0" smtClean="0">
-                <a:sym typeface="Symbol" panose="05050102010706020507" pitchFamily="18" charset="2"/>
-              </a:rPr>
-              <a:t>}</a:t>
-            </a:r>
-          </a:p>
-          <a:p>
-            <a:r>
-              <a:rPr lang="en-US" dirty="0" smtClean="0">
-                <a:sym typeface="Symbol" panose="05050102010706020507" pitchFamily="18" charset="2"/>
-              </a:rPr>
-              <a:t>NODE.GET_OUTGOING_EDGES</a:t>
-            </a:r>
-            <a:r>
-              <a:rPr lang="en-US" dirty="0">
-                <a:sym typeface="Symbol" panose="05050102010706020507" pitchFamily="18" charset="2"/>
-              </a:rPr>
-              <a:t>()  {edge</a:t>
-            </a:r>
-            <a:r>
-              <a:rPr lang="en-US" baseline="-25000" dirty="0">
-                <a:sym typeface="Symbol" panose="05050102010706020507" pitchFamily="18" charset="2"/>
-              </a:rPr>
-              <a:t>0</a:t>
-            </a:r>
-            <a:r>
-              <a:rPr lang="en-US" dirty="0">
-                <a:sym typeface="Symbol" panose="05050102010706020507" pitchFamily="18" charset="2"/>
-              </a:rPr>
-              <a:t>, …, </a:t>
-            </a:r>
-            <a:r>
-              <a:rPr lang="en-US" dirty="0" err="1">
-                <a:sym typeface="Symbol" panose="05050102010706020507" pitchFamily="18" charset="2"/>
-              </a:rPr>
-              <a:t>edge</a:t>
-            </a:r>
-            <a:r>
-              <a:rPr lang="en-US" baseline="-25000" dirty="0" err="1">
-                <a:sym typeface="Symbol" panose="05050102010706020507" pitchFamily="18" charset="2"/>
-              </a:rPr>
-              <a:t>k</a:t>
-            </a:r>
-            <a:r>
-              <a:rPr lang="en-US" dirty="0">
-                <a:sym typeface="Symbol" panose="05050102010706020507" pitchFamily="18" charset="2"/>
-              </a:rPr>
-              <a:t>}</a:t>
-            </a:r>
-            <a:endParaRPr lang="en-US" dirty="0" smtClean="0">
-              <a:sym typeface="Symbol" panose="05050102010706020507" pitchFamily="18" charset="2"/>
-            </a:endParaRPr>
-          </a:p>
-          <a:p>
-            <a:r>
-              <a:rPr lang="en-US" dirty="0" smtClean="0">
-                <a:sym typeface="Symbol" panose="05050102010706020507" pitchFamily="18" charset="2"/>
-              </a:rPr>
-              <a:t>EDGE.GET_FROM</a:t>
-            </a:r>
-            <a:r>
-              <a:rPr lang="en-US" dirty="0">
-                <a:sym typeface="Symbol" panose="05050102010706020507" pitchFamily="18" charset="2"/>
-              </a:rPr>
-              <a:t>()  </a:t>
-            </a:r>
-            <a:r>
-              <a:rPr lang="en-US" dirty="0" smtClean="0">
-                <a:sym typeface="Symbol" panose="05050102010706020507" pitchFamily="18" charset="2"/>
-              </a:rPr>
-              <a:t>node</a:t>
-            </a:r>
-          </a:p>
-          <a:p>
-            <a:r>
-              <a:rPr lang="en-US" dirty="0" smtClean="0">
-                <a:sym typeface="Symbol" panose="05050102010706020507" pitchFamily="18" charset="2"/>
-              </a:rPr>
-              <a:t>EDGE.GET_TO</a:t>
-            </a:r>
-            <a:r>
-              <a:rPr lang="en-US" dirty="0">
-                <a:sym typeface="Symbol" panose="05050102010706020507" pitchFamily="18" charset="2"/>
-              </a:rPr>
-              <a:t>()  </a:t>
-            </a:r>
-            <a:r>
-              <a:rPr lang="en-US" dirty="0" smtClean="0">
-                <a:sym typeface="Symbol" panose="05050102010706020507" pitchFamily="18" charset="2"/>
-              </a:rPr>
-              <a:t>node</a:t>
-            </a:r>
-            <a:endParaRPr lang="en-US" dirty="0"/>
-          </a:p>
-          <a:p>
-            <a:r>
-              <a:rPr lang="en-US" dirty="0" smtClean="0"/>
-              <a:t>GRAPH.IS_EMPTY()</a:t>
-            </a:r>
-            <a:r>
-              <a:rPr lang="en-US" dirty="0"/>
-              <a:t> </a:t>
-            </a:r>
-            <a:r>
-              <a:rPr lang="en-US" dirty="0">
-                <a:sym typeface="Symbol" panose="05050102010706020507" pitchFamily="18" charset="2"/>
-              </a:rPr>
-              <a:t> </a:t>
-            </a:r>
-            <a:r>
-              <a:rPr lang="en-US" dirty="0" err="1" smtClean="0">
-                <a:sym typeface="Symbol" panose="05050102010706020507" pitchFamily="18" charset="2"/>
-              </a:rPr>
-              <a:t>boolean</a:t>
-            </a:r>
-            <a:endParaRPr lang="en-US" dirty="0" smtClean="0"/>
-          </a:p>
-          <a:p>
-            <a:r>
-              <a:rPr lang="en-US" dirty="0" smtClean="0"/>
-              <a:t>GRAPH.SIZE() </a:t>
-            </a:r>
-            <a:r>
-              <a:rPr lang="en-US" dirty="0">
-                <a:sym typeface="Symbol" panose="05050102010706020507" pitchFamily="18" charset="2"/>
-              </a:rPr>
-              <a:t> </a:t>
-            </a:r>
-            <a:r>
-              <a:rPr lang="en-US" dirty="0" smtClean="0">
-                <a:sym typeface="Symbol" panose="05050102010706020507" pitchFamily="18" charset="2"/>
-              </a:rPr>
-              <a:t>#nodes</a:t>
-            </a:r>
-            <a:endParaRPr lang="en-US" dirty="0"/>
-          </a:p>
-        </p:txBody>
-      </p:sp>
-      <p:sp>
-        <p:nvSpPr>
-          <p:cNvPr id="4" name="Slide Number Placeholder 3"/>
-          <p:cNvSpPr>
-            <a:spLocks noGrp="1"/>
-          </p:cNvSpPr>
-          <p:nvPr>
-            <p:ph type="sldNum" sz="quarter" idx="12"/>
-          </p:nvPr>
-        </p:nvSpPr>
-        <p:spPr/>
-        <p:txBody>
-          <a:bodyPr/>
-          <a:lstStyle/>
-          <a:p>
-            <a:fld id="{11AD1F4E-1E51-402E-B221-310F004E7D3B}" type="slidenum">
-              <a:rPr lang="en-US" smtClean="0"/>
-              <a:t>41</a:t>
-            </a:fld>
-            <a:endParaRPr lang="en-US"/>
-          </a:p>
-        </p:txBody>
-      </p:sp>
-    </p:spTree>
-    <p:extLst>
-      <p:ext uri="{BB962C8B-B14F-4D97-AF65-F5344CB8AC3E}">
-        <p14:creationId xmlns:p14="http://schemas.microsoft.com/office/powerpoint/2010/main" val="2564223248"/>
-      </p:ext>
-    </p:extLst>
-  </p:cSld>
-  <p:clrMapOvr>
-    <a:masterClrMapping/>
-  </p:clrMapOvr>
-  <p:timing>
-    <p:tnLst>
-      <p:par>
-        <p:cTn id="1" dur="indefinite" restart="never" nodeType="tmRoot"/>
-      </p:par>
-    </p:tnLst>
-  </p:timing>
-</p:sld>
-</file>
-
 <file path=ppt/slides/slide42.xml><?xml version="1.0" encoding="utf-8"?>
 <p:sld xmlns:a="http://schemas.openxmlformats.org/drawingml/2006/main" xmlns:r="http://schemas.openxmlformats.org/officeDocument/2006/relationships" xmlns:p="http://schemas.openxmlformats.org/presentationml/2006/main">
   <p:cSld>
@@ -25718,6 +26600,448 @@
           <a:p>
             <a:r>
               <a:rPr lang="en-US" dirty="0" smtClean="0"/>
+              <a:t>Graph ADT</a:t>
+            </a:r>
+            <a:endParaRPr lang="en-US" dirty="0"/>
+          </a:p>
+        </p:txBody>
+      </p:sp>
+      <p:sp>
+        <p:nvSpPr>
+          <p:cNvPr id="3" name="Content Placeholder 2"/>
+          <p:cNvSpPr>
+            <a:spLocks noGrp="1"/>
+          </p:cNvSpPr>
+          <p:nvPr>
+            <p:ph idx="1"/>
+          </p:nvPr>
+        </p:nvSpPr>
+        <p:spPr/>
+        <p:txBody>
+          <a:bodyPr>
+            <a:normAutofit fontScale="62500" lnSpcReduction="20000"/>
+          </a:bodyPr>
+          <a:lstStyle/>
+          <a:p>
+            <a:r>
+              <a:rPr lang="en-US" dirty="0" smtClean="0"/>
+              <a:t>EMPTY_GRAPH() </a:t>
+            </a:r>
+            <a:r>
+              <a:rPr lang="en-US" dirty="0" smtClean="0">
+                <a:sym typeface="Symbol" panose="05050102010706020507" pitchFamily="18" charset="2"/>
+              </a:rPr>
+              <a:t> graph</a:t>
+            </a:r>
+            <a:endParaRPr lang="en-US" dirty="0" smtClean="0"/>
+          </a:p>
+          <a:p>
+            <a:r>
+              <a:rPr lang="en-US" dirty="0" smtClean="0"/>
+              <a:t>GRAPH.ADD_NODE(value)</a:t>
+            </a:r>
+          </a:p>
+          <a:p>
+            <a:r>
+              <a:rPr lang="en-US" dirty="0" smtClean="0"/>
+              <a:t>GRAPH.REMOVE(node)</a:t>
+            </a:r>
+            <a:endParaRPr lang="en-US" dirty="0"/>
+          </a:p>
+          <a:p>
+            <a:r>
+              <a:rPr lang="en-US" dirty="0" smtClean="0"/>
+              <a:t>GRAPH.ADD_EDGE(</a:t>
+            </a:r>
+            <a:r>
+              <a:rPr lang="en-US" dirty="0" err="1" smtClean="0"/>
+              <a:t>node</a:t>
+            </a:r>
+            <a:r>
+              <a:rPr lang="en-US" i="1" baseline="-25000" dirty="0" err="1" smtClean="0"/>
+              <a:t>i</a:t>
+            </a:r>
+            <a:r>
+              <a:rPr lang="en-US" dirty="0" smtClean="0"/>
+              <a:t>, </a:t>
+            </a:r>
+            <a:r>
+              <a:rPr lang="en-US" dirty="0" err="1" smtClean="0"/>
+              <a:t>node</a:t>
+            </a:r>
+            <a:r>
+              <a:rPr lang="en-US" i="1" baseline="-25000" dirty="0" err="1" smtClean="0"/>
+              <a:t>j</a:t>
+            </a:r>
+            <a:r>
+              <a:rPr lang="en-US" dirty="0" smtClean="0"/>
+              <a:t>)</a:t>
+            </a:r>
+          </a:p>
+          <a:p>
+            <a:r>
+              <a:rPr lang="en-US" dirty="0" smtClean="0"/>
+              <a:t>GRAPH.REMOVE_EDGE(</a:t>
+            </a:r>
+            <a:r>
+              <a:rPr lang="en-US" dirty="0" err="1"/>
+              <a:t>node</a:t>
+            </a:r>
+            <a:r>
+              <a:rPr lang="en-US" i="1" baseline="-25000" dirty="0" err="1"/>
+              <a:t>i</a:t>
+            </a:r>
+            <a:r>
+              <a:rPr lang="en-US" dirty="0"/>
+              <a:t>, </a:t>
+            </a:r>
+            <a:r>
+              <a:rPr lang="en-US" dirty="0" err="1"/>
+              <a:t>node</a:t>
+            </a:r>
+            <a:r>
+              <a:rPr lang="en-US" i="1" baseline="-25000" dirty="0" err="1"/>
+              <a:t>j</a:t>
+            </a:r>
+            <a:r>
+              <a:rPr lang="en-US" dirty="0" smtClean="0"/>
+              <a:t>)</a:t>
+            </a:r>
+          </a:p>
+          <a:p>
+            <a:r>
+              <a:rPr lang="en-US" dirty="0" smtClean="0"/>
+              <a:t>GRAPH.GET_NODES()</a:t>
+            </a:r>
+            <a:r>
+              <a:rPr lang="en-US" dirty="0"/>
+              <a:t> </a:t>
+            </a:r>
+            <a:r>
+              <a:rPr lang="en-US" dirty="0">
+                <a:sym typeface="Symbol" panose="05050102010706020507" pitchFamily="18" charset="2"/>
+              </a:rPr>
+              <a:t> </a:t>
+            </a:r>
+            <a:r>
+              <a:rPr lang="en-US" dirty="0" smtClean="0">
+                <a:sym typeface="Symbol" panose="05050102010706020507" pitchFamily="18" charset="2"/>
+              </a:rPr>
+              <a:t>{node</a:t>
+            </a:r>
+            <a:r>
+              <a:rPr lang="en-US" baseline="-25000" dirty="0" smtClean="0">
+                <a:sym typeface="Symbol" panose="05050102010706020507" pitchFamily="18" charset="2"/>
+              </a:rPr>
+              <a:t>0</a:t>
+            </a:r>
+            <a:r>
+              <a:rPr lang="en-US" dirty="0" smtClean="0">
+                <a:sym typeface="Symbol" panose="05050102010706020507" pitchFamily="18" charset="2"/>
+              </a:rPr>
+              <a:t>, …, node</a:t>
+            </a:r>
+            <a:r>
+              <a:rPr lang="en-US" i="1" baseline="-25000" dirty="0" smtClean="0">
+                <a:sym typeface="Symbol" panose="05050102010706020507" pitchFamily="18" charset="2"/>
+              </a:rPr>
+              <a:t>n</a:t>
+            </a:r>
+            <a:r>
+              <a:rPr lang="en-US" baseline="-25000" dirty="0" smtClean="0">
+                <a:sym typeface="Symbol" panose="05050102010706020507" pitchFamily="18" charset="2"/>
+              </a:rPr>
+              <a:t>-1</a:t>
+            </a:r>
+            <a:r>
+              <a:rPr lang="en-US" dirty="0" smtClean="0">
+                <a:sym typeface="Symbol" panose="05050102010706020507" pitchFamily="18" charset="2"/>
+              </a:rPr>
+              <a:t>}</a:t>
+            </a:r>
+            <a:endParaRPr lang="en-US" dirty="0" smtClean="0"/>
+          </a:p>
+          <a:p>
+            <a:r>
+              <a:rPr lang="en-US" dirty="0" smtClean="0"/>
+              <a:t>NODE.GET_VALUE() </a:t>
+            </a:r>
+            <a:r>
+              <a:rPr lang="en-US" dirty="0">
+                <a:sym typeface="Symbol" panose="05050102010706020507" pitchFamily="18" charset="2"/>
+              </a:rPr>
+              <a:t> </a:t>
+            </a:r>
+            <a:r>
+              <a:rPr lang="en-US" dirty="0" smtClean="0">
+                <a:sym typeface="Symbol" panose="05050102010706020507" pitchFamily="18" charset="2"/>
+              </a:rPr>
+              <a:t>value</a:t>
+            </a:r>
+          </a:p>
+          <a:p>
+            <a:r>
+              <a:rPr lang="en-US" dirty="0" smtClean="0">
+                <a:sym typeface="Symbol" panose="05050102010706020507" pitchFamily="18" charset="2"/>
+              </a:rPr>
+              <a:t>NODE.GET_INCOMING_EDGES()</a:t>
+            </a:r>
+            <a:r>
+              <a:rPr lang="en-US" dirty="0"/>
+              <a:t> </a:t>
+            </a:r>
+            <a:r>
+              <a:rPr lang="en-US" dirty="0">
+                <a:sym typeface="Symbol" panose="05050102010706020507" pitchFamily="18" charset="2"/>
+              </a:rPr>
+              <a:t> </a:t>
+            </a:r>
+            <a:r>
+              <a:rPr lang="en-US" dirty="0" smtClean="0">
+                <a:sym typeface="Symbol" panose="05050102010706020507" pitchFamily="18" charset="2"/>
+              </a:rPr>
+              <a:t>{edge</a:t>
+            </a:r>
+            <a:r>
+              <a:rPr lang="en-US" baseline="-25000" dirty="0">
+                <a:sym typeface="Symbol" panose="05050102010706020507" pitchFamily="18" charset="2"/>
+              </a:rPr>
+              <a:t>0</a:t>
+            </a:r>
+            <a:r>
+              <a:rPr lang="en-US" dirty="0">
+                <a:sym typeface="Symbol" panose="05050102010706020507" pitchFamily="18" charset="2"/>
+              </a:rPr>
+              <a:t>, …, </a:t>
+            </a:r>
+            <a:r>
+              <a:rPr lang="en-US" dirty="0" err="1" smtClean="0">
+                <a:sym typeface="Symbol" panose="05050102010706020507" pitchFamily="18" charset="2"/>
+              </a:rPr>
+              <a:t>edge</a:t>
+            </a:r>
+            <a:r>
+              <a:rPr lang="en-US" baseline="-25000" dirty="0" err="1" smtClean="0">
+                <a:sym typeface="Symbol" panose="05050102010706020507" pitchFamily="18" charset="2"/>
+              </a:rPr>
+              <a:t>k</a:t>
+            </a:r>
+            <a:r>
+              <a:rPr lang="en-US" dirty="0" smtClean="0">
+                <a:sym typeface="Symbol" panose="05050102010706020507" pitchFamily="18" charset="2"/>
+              </a:rPr>
+              <a:t>}</a:t>
+            </a:r>
+          </a:p>
+          <a:p>
+            <a:r>
+              <a:rPr lang="en-US" dirty="0" smtClean="0">
+                <a:sym typeface="Symbol" panose="05050102010706020507" pitchFamily="18" charset="2"/>
+              </a:rPr>
+              <a:t>NODE.GET_OUTGOING_EDGES</a:t>
+            </a:r>
+            <a:r>
+              <a:rPr lang="en-US" dirty="0">
+                <a:sym typeface="Symbol" panose="05050102010706020507" pitchFamily="18" charset="2"/>
+              </a:rPr>
+              <a:t>()  {edge</a:t>
+            </a:r>
+            <a:r>
+              <a:rPr lang="en-US" baseline="-25000" dirty="0">
+                <a:sym typeface="Symbol" panose="05050102010706020507" pitchFamily="18" charset="2"/>
+              </a:rPr>
+              <a:t>0</a:t>
+            </a:r>
+            <a:r>
+              <a:rPr lang="en-US" dirty="0">
+                <a:sym typeface="Symbol" panose="05050102010706020507" pitchFamily="18" charset="2"/>
+              </a:rPr>
+              <a:t>, …, </a:t>
+            </a:r>
+            <a:r>
+              <a:rPr lang="en-US" dirty="0" err="1">
+                <a:sym typeface="Symbol" panose="05050102010706020507" pitchFamily="18" charset="2"/>
+              </a:rPr>
+              <a:t>edge</a:t>
+            </a:r>
+            <a:r>
+              <a:rPr lang="en-US" baseline="-25000" dirty="0" err="1">
+                <a:sym typeface="Symbol" panose="05050102010706020507" pitchFamily="18" charset="2"/>
+              </a:rPr>
+              <a:t>k</a:t>
+            </a:r>
+            <a:r>
+              <a:rPr lang="en-US" dirty="0">
+                <a:sym typeface="Symbol" panose="05050102010706020507" pitchFamily="18" charset="2"/>
+              </a:rPr>
+              <a:t>}</a:t>
+            </a:r>
+            <a:endParaRPr lang="en-US" dirty="0" smtClean="0">
+              <a:sym typeface="Symbol" panose="05050102010706020507" pitchFamily="18" charset="2"/>
+            </a:endParaRPr>
+          </a:p>
+          <a:p>
+            <a:r>
+              <a:rPr lang="en-US" dirty="0" smtClean="0">
+                <a:sym typeface="Symbol" panose="05050102010706020507" pitchFamily="18" charset="2"/>
+              </a:rPr>
+              <a:t>EDGE.GET_FROM</a:t>
+            </a:r>
+            <a:r>
+              <a:rPr lang="en-US" dirty="0">
+                <a:sym typeface="Symbol" panose="05050102010706020507" pitchFamily="18" charset="2"/>
+              </a:rPr>
+              <a:t>()  </a:t>
+            </a:r>
+            <a:r>
+              <a:rPr lang="en-US" dirty="0" smtClean="0">
+                <a:sym typeface="Symbol" panose="05050102010706020507" pitchFamily="18" charset="2"/>
+              </a:rPr>
+              <a:t>node</a:t>
+            </a:r>
+          </a:p>
+          <a:p>
+            <a:r>
+              <a:rPr lang="en-US" dirty="0" smtClean="0">
+                <a:sym typeface="Symbol" panose="05050102010706020507" pitchFamily="18" charset="2"/>
+              </a:rPr>
+              <a:t>EDGE.GET_TO</a:t>
+            </a:r>
+            <a:r>
+              <a:rPr lang="en-US" dirty="0">
+                <a:sym typeface="Symbol" panose="05050102010706020507" pitchFamily="18" charset="2"/>
+              </a:rPr>
+              <a:t>()  </a:t>
+            </a:r>
+            <a:r>
+              <a:rPr lang="en-US" dirty="0" smtClean="0">
+                <a:sym typeface="Symbol" panose="05050102010706020507" pitchFamily="18" charset="2"/>
+              </a:rPr>
+              <a:t>node</a:t>
+            </a:r>
+            <a:endParaRPr lang="en-US" dirty="0"/>
+          </a:p>
+          <a:p>
+            <a:r>
+              <a:rPr lang="en-US" dirty="0" smtClean="0"/>
+              <a:t>GRAPH.IS_EMPTY()</a:t>
+            </a:r>
+            <a:r>
+              <a:rPr lang="en-US" dirty="0"/>
+              <a:t> </a:t>
+            </a:r>
+            <a:r>
+              <a:rPr lang="en-US" dirty="0">
+                <a:sym typeface="Symbol" panose="05050102010706020507" pitchFamily="18" charset="2"/>
+              </a:rPr>
+              <a:t> </a:t>
+            </a:r>
+            <a:r>
+              <a:rPr lang="en-US" dirty="0" err="1" smtClean="0">
+                <a:sym typeface="Symbol" panose="05050102010706020507" pitchFamily="18" charset="2"/>
+              </a:rPr>
+              <a:t>boolean</a:t>
+            </a:r>
+            <a:endParaRPr lang="en-US" dirty="0" smtClean="0"/>
+          </a:p>
+          <a:p>
+            <a:r>
+              <a:rPr lang="en-US" dirty="0" smtClean="0"/>
+              <a:t>GRAPH.SIZE() </a:t>
+            </a:r>
+            <a:r>
+              <a:rPr lang="en-US" dirty="0">
+                <a:sym typeface="Symbol" panose="05050102010706020507" pitchFamily="18" charset="2"/>
+              </a:rPr>
+              <a:t> </a:t>
+            </a:r>
+            <a:r>
+              <a:rPr lang="en-US" dirty="0" smtClean="0">
+                <a:sym typeface="Symbol" panose="05050102010706020507" pitchFamily="18" charset="2"/>
+              </a:rPr>
+              <a:t>#nodes</a:t>
+            </a:r>
+            <a:endParaRPr lang="en-US" dirty="0"/>
+          </a:p>
+        </p:txBody>
+      </p:sp>
+      <p:sp>
+        <p:nvSpPr>
+          <p:cNvPr id="4" name="Slide Number Placeholder 3"/>
+          <p:cNvSpPr>
+            <a:spLocks noGrp="1"/>
+          </p:cNvSpPr>
+          <p:nvPr>
+            <p:ph type="sldNum" sz="quarter" idx="12"/>
+          </p:nvPr>
+        </p:nvSpPr>
+        <p:spPr/>
+        <p:txBody>
+          <a:bodyPr/>
+          <a:lstStyle/>
+          <a:p>
+            <a:fld id="{11AD1F4E-1E51-402E-B221-310F004E7D3B}" type="slidenum">
+              <a:rPr lang="en-US" smtClean="0"/>
+              <a:t>42</a:t>
+            </a:fld>
+            <a:endParaRPr lang="en-US"/>
+          </a:p>
+        </p:txBody>
+      </p:sp>
+    </p:spTree>
+    <p:extLst>
+      <p:ext uri="{BB962C8B-B14F-4D97-AF65-F5344CB8AC3E}">
+        <p14:creationId xmlns:p14="http://schemas.microsoft.com/office/powerpoint/2010/main" val="2564223248"/>
+      </p:ext>
+    </p:extLst>
+  </p:cSld>
+  <p:clrMapOvr>
+    <a:masterClrMapping/>
+  </p:clrMapOvr>
+  <p:timing>
+    <p:tnLst>
+      <p:par>
+        <p:cTn id="1" dur="indefinite" restart="never" nodeType="tmRoot"/>
+      </p:par>
+    </p:tnLst>
+  </p:timing>
+</p:sld>
+</file>
+
+<file path=ppt/slides/slide43.xml><?xml version="1.0" encoding="utf-8"?>
+<p:sld xmlns:a="http://schemas.openxmlformats.org/drawingml/2006/main" xmlns:r="http://schemas.openxmlformats.org/officeDocument/2006/relationships" xmlns:p="http://schemas.openxmlformats.org/presentationml/2006/main">
+  <p:cSld>
+    <p:spTree>
+      <p:nvGrpSpPr>
+        <p:cNvPr id="1" name=""/>
+        <p:cNvGrpSpPr/>
+        <p:nvPr/>
+      </p:nvGrpSpPr>
+      <p:grpSpPr>
+        <a:xfrm>
+          <a:off x="0" y="0"/>
+          <a:ext cx="0" cy="0"/>
+          <a:chOff x="0" y="0"/>
+          <a:chExt cx="0" cy="0"/>
+        </a:xfrm>
+      </p:grpSpPr>
+      <p:sp>
+        <p:nvSpPr>
+          <p:cNvPr id="2" name="Title 1"/>
+          <p:cNvSpPr>
+            <a:spLocks noGrp="1"/>
+          </p:cNvSpPr>
+          <p:nvPr>
+            <p:ph type="title"/>
+          </p:nvPr>
+        </p:nvSpPr>
+        <p:spPr/>
+        <p:txBody>
+          <a:bodyPr/>
+          <a:lstStyle/>
+          <a:p>
+            <a:r>
+              <a:rPr lang="en-US" dirty="0" smtClean="0"/>
               <a:t>Some special graph types</a:t>
             </a:r>
             <a:endParaRPr lang="en-US" dirty="0"/>
@@ -25834,7 +27158,7 @@
           <a:p>
             <a:fld id="{11AD1F4E-1E51-402E-B221-310F004E7D3B}" type="slidenum">
               <a:rPr lang="en-US" smtClean="0"/>
-              <a:t>42</a:t>
+              <a:t>43</a:t>
             </a:fld>
             <a:endParaRPr lang="en-US"/>
           </a:p>
@@ -28031,7 +29355,7 @@
 </p:sld>
 </file>
 
-<file path=ppt/slides/slide43.xml><?xml version="1.0" encoding="utf-8"?>
+<file path=ppt/slides/slide44.xml><?xml version="1.0" encoding="utf-8"?>
 <p:sld xmlns:a="http://schemas.openxmlformats.org/drawingml/2006/main" xmlns:r="http://schemas.openxmlformats.org/officeDocument/2006/relationships" xmlns:p="http://schemas.openxmlformats.org/presentationml/2006/main">
   <p:cSld>
     <p:spTree>
@@ -28123,7 +29447,7 @@
           <a:p>
             <a:fld id="{11AD1F4E-1E51-402E-B221-310F004E7D3B}" type="slidenum">
               <a:rPr lang="en-US" smtClean="0"/>
-              <a:t>43</a:t>
+              <a:t>44</a:t>
             </a:fld>
             <a:endParaRPr lang="en-US"/>
           </a:p>
@@ -29586,7 +30910,7 @@
 </p:sld>
 </file>
 
-<file path=ppt/slides/slide44.xml><?xml version="1.0" encoding="utf-8"?>
+<file path=ppt/slides/slide45.xml><?xml version="1.0" encoding="utf-8"?>
 <p:sld xmlns:a="http://schemas.openxmlformats.org/drawingml/2006/main" xmlns:r="http://schemas.openxmlformats.org/officeDocument/2006/relationships" xmlns:p="http://schemas.openxmlformats.org/presentationml/2006/main">
   <p:cSld>
     <p:spTree>
@@ -29733,7 +31057,7 @@
           <a:p>
             <a:fld id="{11AD1F4E-1E51-402E-B221-310F004E7D3B}" type="slidenum">
               <a:rPr lang="en-US" smtClean="0"/>
-              <a:t>44</a:t>
+              <a:t>45</a:t>
             </a:fld>
             <a:endParaRPr lang="en-US"/>
           </a:p>
@@ -30844,7 +32168,7 @@
           <a:graphicData uri="http://schemas.openxmlformats.org/presentationml/2006/ole">
             <mc:AlternateContent xmlns:mc="http://schemas.openxmlformats.org/markup-compatibility/2006">
               <mc:Choice xmlns:v="urn:schemas-microsoft-com:vml" Requires="v">
-                <p:oleObj spid="_x0000_s1123" name="Equation" r:id="rId4" imgW="1841400" imgH="215640" progId="Equation.3">
+                <p:oleObj spid="_x0000_s1126" name="Equation" r:id="rId4" imgW="1841400" imgH="215640" progId="Equation.3">
                   <p:embed/>
                 </p:oleObj>
               </mc:Choice>
@@ -32472,7 +33796,7 @@
             <a:graphicData uri="http://schemas.openxmlformats.org/presentationml/2006/ole">
               <mc:AlternateContent xmlns:mc="http://schemas.openxmlformats.org/markup-compatibility/2006">
                 <mc:Choice xmlns:v="urn:schemas-microsoft-com:vml" Requires="v">
-                  <p:oleObj spid="_x0000_s2146" name="Equation" r:id="rId3" imgW="1409400" imgH="203040" progId="Equation.3">
+                  <p:oleObj spid="_x0000_s2149" name="Equation" r:id="rId3" imgW="1409400" imgH="203040" progId="Equation.3">
                     <p:embed/>
                   </p:oleObj>
                 </mc:Choice>

--- a/CPlusPlus/09_essential_cpp_containers.pptx
+++ b/CPlusPlus/09_essential_cpp_containers.pptx
@@ -5,7 +5,7 @@
     <p:sldMasterId id="2147483660" r:id="rId1"/>
   </p:sldMasterIdLst>
   <p:notesMasterIdLst>
-    <p:notesMasterId r:id="rId47"/>
+    <p:notesMasterId r:id="rId48"/>
   </p:notesMasterIdLst>
   <p:sldIdLst>
     <p:sldId id="302" r:id="rId2"/>
@@ -19,40 +19,41 @@
     <p:sldId id="261" r:id="rId10"/>
     <p:sldId id="276" r:id="rId11"/>
     <p:sldId id="267" r:id="rId12"/>
-    <p:sldId id="304" r:id="rId13"/>
-    <p:sldId id="305" r:id="rId14"/>
-    <p:sldId id="307" r:id="rId15"/>
-    <p:sldId id="306" r:id="rId16"/>
-    <p:sldId id="309" r:id="rId17"/>
-    <p:sldId id="310" r:id="rId18"/>
-    <p:sldId id="265" r:id="rId19"/>
-    <p:sldId id="277" r:id="rId20"/>
-    <p:sldId id="269" r:id="rId21"/>
-    <p:sldId id="262" r:id="rId22"/>
-    <p:sldId id="278" r:id="rId23"/>
-    <p:sldId id="270" r:id="rId24"/>
-    <p:sldId id="263" r:id="rId25"/>
-    <p:sldId id="279" r:id="rId26"/>
-    <p:sldId id="271" r:id="rId27"/>
-    <p:sldId id="264" r:id="rId28"/>
-    <p:sldId id="280" r:id="rId29"/>
-    <p:sldId id="272" r:id="rId30"/>
-    <p:sldId id="308" r:id="rId31"/>
-    <p:sldId id="290" r:id="rId32"/>
-    <p:sldId id="291" r:id="rId33"/>
-    <p:sldId id="275" r:id="rId34"/>
-    <p:sldId id="281" r:id="rId35"/>
-    <p:sldId id="282" r:id="rId36"/>
-    <p:sldId id="284" r:id="rId37"/>
-    <p:sldId id="283" r:id="rId38"/>
-    <p:sldId id="285" r:id="rId39"/>
-    <p:sldId id="292" r:id="rId40"/>
-    <p:sldId id="293" r:id="rId41"/>
-    <p:sldId id="286" r:id="rId42"/>
-    <p:sldId id="287" r:id="rId43"/>
-    <p:sldId id="289" r:id="rId44"/>
-    <p:sldId id="288" r:id="rId45"/>
-    <p:sldId id="300" r:id="rId46"/>
+    <p:sldId id="311" r:id="rId13"/>
+    <p:sldId id="304" r:id="rId14"/>
+    <p:sldId id="305" r:id="rId15"/>
+    <p:sldId id="307" r:id="rId16"/>
+    <p:sldId id="306" r:id="rId17"/>
+    <p:sldId id="309" r:id="rId18"/>
+    <p:sldId id="310" r:id="rId19"/>
+    <p:sldId id="265" r:id="rId20"/>
+    <p:sldId id="277" r:id="rId21"/>
+    <p:sldId id="269" r:id="rId22"/>
+    <p:sldId id="262" r:id="rId23"/>
+    <p:sldId id="278" r:id="rId24"/>
+    <p:sldId id="270" r:id="rId25"/>
+    <p:sldId id="263" r:id="rId26"/>
+    <p:sldId id="279" r:id="rId27"/>
+    <p:sldId id="271" r:id="rId28"/>
+    <p:sldId id="264" r:id="rId29"/>
+    <p:sldId id="280" r:id="rId30"/>
+    <p:sldId id="272" r:id="rId31"/>
+    <p:sldId id="308" r:id="rId32"/>
+    <p:sldId id="290" r:id="rId33"/>
+    <p:sldId id="291" r:id="rId34"/>
+    <p:sldId id="275" r:id="rId35"/>
+    <p:sldId id="281" r:id="rId36"/>
+    <p:sldId id="282" r:id="rId37"/>
+    <p:sldId id="284" r:id="rId38"/>
+    <p:sldId id="283" r:id="rId39"/>
+    <p:sldId id="285" r:id="rId40"/>
+    <p:sldId id="292" r:id="rId41"/>
+    <p:sldId id="293" r:id="rId42"/>
+    <p:sldId id="286" r:id="rId43"/>
+    <p:sldId id="287" r:id="rId44"/>
+    <p:sldId id="289" r:id="rId45"/>
+    <p:sldId id="288" r:id="rId46"/>
+    <p:sldId id="300" r:id="rId47"/>
   </p:sldIdLst>
   <p:sldSz cx="9144000" cy="6858000" type="screen4x3"/>
   <p:notesSz cx="6858000" cy="9144000"/>
@@ -241,7 +242,7 @@
           <a:p>
             <a:fld id="{D3AF4CC3-573B-48A2-BA19-C88E9EEB8008}" type="datetimeFigureOut">
               <a:rPr lang="en-US" smtClean="0"/>
-              <a:t>2017-03-15</a:t>
+              <a:t>2017-03-16</a:t>
             </a:fld>
             <a:endParaRPr lang="en-US"/>
           </a:p>
@@ -658,7 +659,7 @@
           <a:p>
             <a:fld id="{377ED49E-3B52-4D1C-85F4-C21F07234187}" type="slidenum">
               <a:rPr lang="en-US" smtClean="0"/>
-              <a:t>28</a:t>
+              <a:t>29</a:t>
             </a:fld>
             <a:endParaRPr lang="en-US"/>
           </a:p>
@@ -808,7 +809,7 @@
           <a:p>
             <a:fld id="{E7395A51-B5B5-44D7-85E1-1556CCB9180F}" type="datetime1">
               <a:rPr lang="en-US" smtClean="0"/>
-              <a:t>2017-03-15</a:t>
+              <a:t>2017-03-16</a:t>
             </a:fld>
             <a:endParaRPr lang="en-US"/>
           </a:p>
@@ -978,7 +979,7 @@
           <a:p>
             <a:fld id="{BEDB066D-DA80-4992-B507-A911EFD1878C}" type="datetime1">
               <a:rPr lang="en-US" smtClean="0"/>
-              <a:t>2017-03-15</a:t>
+              <a:t>2017-03-16</a:t>
             </a:fld>
             <a:endParaRPr lang="en-US"/>
           </a:p>
@@ -1158,7 +1159,7 @@
           <a:p>
             <a:fld id="{21259CBD-682A-4ABE-AFE9-CACFF55FE875}" type="datetime1">
               <a:rPr lang="en-US" smtClean="0"/>
-              <a:t>2017-03-15</a:t>
+              <a:t>2017-03-16</a:t>
             </a:fld>
             <a:endParaRPr lang="en-US"/>
           </a:p>
@@ -1328,7 +1329,7 @@
           <a:p>
             <a:fld id="{5F76F78E-A200-421E-B0AA-A6018E81E55E}" type="datetime1">
               <a:rPr lang="en-US" smtClean="0"/>
-              <a:t>2017-03-15</a:t>
+              <a:t>2017-03-16</a:t>
             </a:fld>
             <a:endParaRPr lang="en-US"/>
           </a:p>
@@ -1572,7 +1573,7 @@
           <a:p>
             <a:fld id="{EBEC21EE-ED62-44E3-A586-FF0104F19B99}" type="datetime1">
               <a:rPr lang="en-US" smtClean="0"/>
-              <a:t>2017-03-15</a:t>
+              <a:t>2017-03-16</a:t>
             </a:fld>
             <a:endParaRPr lang="en-US"/>
           </a:p>
@@ -1804,7 +1805,7 @@
           <a:p>
             <a:fld id="{30049BC0-4C66-4CED-BC8E-7AF0BD49C9B5}" type="datetime1">
               <a:rPr lang="en-US" smtClean="0"/>
-              <a:t>2017-03-15</a:t>
+              <a:t>2017-03-16</a:t>
             </a:fld>
             <a:endParaRPr lang="en-US"/>
           </a:p>
@@ -2171,7 +2172,7 @@
           <a:p>
             <a:fld id="{C7C90E0A-53F1-4115-8AB2-2E28E481FF48}" type="datetime1">
               <a:rPr lang="en-US" smtClean="0"/>
-              <a:t>2017-03-15</a:t>
+              <a:t>2017-03-16</a:t>
             </a:fld>
             <a:endParaRPr lang="en-US"/>
           </a:p>
@@ -2289,7 +2290,7 @@
           <a:p>
             <a:fld id="{AF79CAB3-789B-4117-A859-FC7082686441}" type="datetime1">
               <a:rPr lang="en-US" smtClean="0"/>
-              <a:t>2017-03-15</a:t>
+              <a:t>2017-03-16</a:t>
             </a:fld>
             <a:endParaRPr lang="en-US"/>
           </a:p>
@@ -2384,7 +2385,7 @@
           <a:p>
             <a:fld id="{82AE2AC5-51ED-46C8-8F1B-788630EE802E}" type="datetime1">
               <a:rPr lang="en-US" smtClean="0"/>
-              <a:t>2017-03-15</a:t>
+              <a:t>2017-03-16</a:t>
             </a:fld>
             <a:endParaRPr lang="en-US"/>
           </a:p>
@@ -2661,7 +2662,7 @@
           <a:p>
             <a:fld id="{49D0F6DD-6796-44CA-AF4C-1B2A2288F444}" type="datetime1">
               <a:rPr lang="en-US" smtClean="0"/>
-              <a:t>2017-03-15</a:t>
+              <a:t>2017-03-16</a:t>
             </a:fld>
             <a:endParaRPr lang="en-US"/>
           </a:p>
@@ -2918,7 +2919,7 @@
           <a:p>
             <a:fld id="{57F6808E-F05D-421A-97B7-12B728993E3B}" type="datetime1">
               <a:rPr lang="en-US" smtClean="0"/>
-              <a:t>2017-03-15</a:t>
+              <a:t>2017-03-16</a:t>
             </a:fld>
             <a:endParaRPr lang="en-US"/>
           </a:p>
@@ -3131,7 +3132,7 @@
           <a:p>
             <a:fld id="{7B995810-2FB7-4DE8-B622-97729F9C53CB}" type="datetime1">
               <a:rPr lang="en-US" smtClean="0"/>
-              <a:t>2017-03-15</a:t>
+              <a:t>2017-03-16</a:t>
             </a:fld>
             <a:endParaRPr lang="en-US"/>
           </a:p>
@@ -4758,6 +4759,108 @@
           <a:p>
             <a:r>
               <a:rPr lang="en-US" dirty="0" smtClean="0"/>
+              <a:t>Value array</a:t>
+            </a:r>
+            <a:endParaRPr lang="en-US" dirty="0"/>
+          </a:p>
+        </p:txBody>
+      </p:sp>
+      <p:sp>
+        <p:nvSpPr>
+          <p:cNvPr id="3" name="Content Placeholder 2"/>
+          <p:cNvSpPr>
+            <a:spLocks noGrp="1"/>
+          </p:cNvSpPr>
+          <p:nvPr>
+            <p:ph idx="1"/>
+          </p:nvPr>
+        </p:nvSpPr>
+        <p:spPr/>
+        <p:txBody>
+          <a:bodyPr/>
+          <a:lstStyle/>
+          <a:p>
+            <a:endParaRPr lang="en-US"/>
+          </a:p>
+        </p:txBody>
+      </p:sp>
+      <p:sp>
+        <p:nvSpPr>
+          <p:cNvPr id="4" name="Slide Number Placeholder 3"/>
+          <p:cNvSpPr>
+            <a:spLocks noGrp="1"/>
+          </p:cNvSpPr>
+          <p:nvPr>
+            <p:ph type="sldNum" sz="quarter" idx="12"/>
+          </p:nvPr>
+        </p:nvSpPr>
+        <p:spPr/>
+        <p:txBody>
+          <a:bodyPr/>
+          <a:lstStyle/>
+          <a:p>
+            <a:fld id="{11AD1F4E-1E51-402E-B221-310F004E7D3B}" type="slidenum">
+              <a:rPr lang="en-US" smtClean="0"/>
+              <a:t>12</a:t>
+            </a:fld>
+            <a:endParaRPr lang="en-US"/>
+          </a:p>
+        </p:txBody>
+      </p:sp>
+    </p:spTree>
+    <p:extLst>
+      <p:ext uri="{BB962C8B-B14F-4D97-AF65-F5344CB8AC3E}">
+        <p14:creationId xmlns:p14="http://schemas.microsoft.com/office/powerpoint/2010/main" val="1422656140"/>
+      </p:ext>
+    </p:extLst>
+  </p:cSld>
+  <p:clrMapOvr>
+    <a:masterClrMapping/>
+  </p:clrMapOvr>
+  <p:timing>
+    <p:tnLst>
+      <p:par>
+        <p:cTn id="1" dur="indefinite" restart="never" nodeType="tmRoot"/>
+      </p:par>
+    </p:tnLst>
+  </p:timing>
+</p:sld>
+</file>
+
+<file path=ppt/slides/slide13.xml><?xml version="1.0" encoding="utf-8"?>
+<p:sld xmlns:a="http://schemas.openxmlformats.org/drawingml/2006/main" xmlns:r="http://schemas.openxmlformats.org/officeDocument/2006/relationships" xmlns:p="http://schemas.openxmlformats.org/presentationml/2006/main">
+  <p:cSld>
+    <p:spTree>
+      <p:nvGrpSpPr>
+        <p:cNvPr id="1" name=""/>
+        <p:cNvGrpSpPr/>
+        <p:nvPr/>
+      </p:nvGrpSpPr>
+      <p:grpSpPr>
+        <a:xfrm>
+          <a:off x="0" y="0"/>
+          <a:ext cx="0" cy="0"/>
+          <a:chOff x="0" y="0"/>
+          <a:chExt cx="0" cy="0"/>
+        </a:xfrm>
+      </p:grpSpPr>
+      <p:sp>
+        <p:nvSpPr>
+          <p:cNvPr id="2" name="Title 1"/>
+          <p:cNvSpPr>
+            <a:spLocks noGrp="1"/>
+          </p:cNvSpPr>
+          <p:nvPr>
+            <p:ph type="title"/>
+          </p:nvPr>
+        </p:nvSpPr>
+        <p:spPr/>
+        <p:txBody>
+          <a:bodyPr/>
+          <a:lstStyle/>
+          <a:p>
+            <a:r>
+              <a:rPr lang="en-US" dirty="0" smtClean="0"/>
               <a:t>Vector</a:t>
             </a:r>
             <a:endParaRPr lang="en-US" dirty="0"/>
@@ -4883,7 +4986,7 @@
             <a:graphicData uri="http://schemas.openxmlformats.org/presentationml/2006/ole">
               <mc:AlternateContent xmlns:mc="http://schemas.openxmlformats.org/markup-compatibility/2006">
                 <mc:Choice xmlns:v="urn:schemas-microsoft-com:vml" Requires="v">
-                  <p:oleObj spid="_x0000_s11278" name="Equation" r:id="rId3" imgW="419040" imgH="203040" progId="Equation.3">
+                  <p:oleObj spid="_x0000_s11281" name="Equation" r:id="rId3" imgW="419040" imgH="203040" progId="Equation.3">
                     <p:embed/>
                   </p:oleObj>
                 </mc:Choice>
@@ -4975,7 +5078,7 @@
           <a:p>
             <a:fld id="{11AD1F4E-1E51-402E-B221-310F004E7D3B}" type="slidenum">
               <a:rPr lang="en-US" smtClean="0"/>
-              <a:t>12</a:t>
+              <a:t>13</a:t>
             </a:fld>
             <a:endParaRPr lang="en-US"/>
           </a:p>
@@ -6095,7 +6198,7 @@
 </p:sld>
 </file>
 
-<file path=ppt/slides/slide13.xml><?xml version="1.0" encoding="utf-8"?>
+<file path=ppt/slides/slide14.xml><?xml version="1.0" encoding="utf-8"?>
 <p:sld xmlns:a="http://schemas.openxmlformats.org/drawingml/2006/main" xmlns:r="http://schemas.openxmlformats.org/officeDocument/2006/relationships" xmlns:p="http://schemas.openxmlformats.org/presentationml/2006/main">
   <p:cSld>
     <p:spTree>
@@ -6225,7 +6328,7 @@
           <a:p>
             <a:fld id="{11AD1F4E-1E51-402E-B221-310F004E7D3B}" type="slidenum">
               <a:rPr lang="en-US" smtClean="0"/>
-              <a:t>13</a:t>
+              <a:t>14</a:t>
             </a:fld>
             <a:endParaRPr lang="en-US"/>
           </a:p>
@@ -6577,7 +6680,7 @@
 </p:sld>
 </file>
 
-<file path=ppt/slides/slide14.xml><?xml version="1.0" encoding="utf-8"?>
+<file path=ppt/slides/slide15.xml><?xml version="1.0" encoding="utf-8"?>
 <p:sld xmlns:a="http://schemas.openxmlformats.org/drawingml/2006/main" xmlns:r="http://schemas.openxmlformats.org/officeDocument/2006/relationships" xmlns:p="http://schemas.openxmlformats.org/presentationml/2006/main">
   <p:cSld>
     <p:spTree>
@@ -6638,7 +6741,7 @@
           <a:p>
             <a:fld id="{11AD1F4E-1E51-402E-B221-310F004E7D3B}" type="slidenum">
               <a:rPr lang="en-US" smtClean="0"/>
-              <a:t>14</a:t>
+              <a:t>15</a:t>
             </a:fld>
             <a:endParaRPr lang="en-US"/>
           </a:p>
@@ -6844,603 +6947,6 @@
     <p:extLst>
       <p:ext uri="{BB962C8B-B14F-4D97-AF65-F5344CB8AC3E}">
         <p14:creationId xmlns:p14="http://schemas.microsoft.com/office/powerpoint/2010/main" val="687327569"/>
-      </p:ext>
-    </p:extLst>
-  </p:cSld>
-  <p:clrMapOvr>
-    <a:masterClrMapping/>
-  </p:clrMapOvr>
-  <p:timing>
-    <p:tnLst>
-      <p:par>
-        <p:cTn id="1" dur="indefinite" restart="never" nodeType="tmRoot"/>
-      </p:par>
-    </p:tnLst>
-  </p:timing>
-</p:sld>
-</file>
-
-<file path=ppt/slides/slide15.xml><?xml version="1.0" encoding="utf-8"?>
-<p:sld xmlns:a="http://schemas.openxmlformats.org/drawingml/2006/main" xmlns:r="http://schemas.openxmlformats.org/officeDocument/2006/relationships" xmlns:p="http://schemas.openxmlformats.org/presentationml/2006/main">
-  <p:cSld>
-    <p:spTree>
-      <p:nvGrpSpPr>
-        <p:cNvPr id="1" name=""/>
-        <p:cNvGrpSpPr/>
-        <p:nvPr/>
-      </p:nvGrpSpPr>
-      <p:grpSpPr>
-        <a:xfrm>
-          <a:off x="0" y="0"/>
-          <a:ext cx="0" cy="0"/>
-          <a:chOff x="0" y="0"/>
-          <a:chExt cx="0" cy="0"/>
-        </a:xfrm>
-      </p:grpSpPr>
-      <p:sp>
-        <p:nvSpPr>
-          <p:cNvPr id="2" name="Title 1"/>
-          <p:cNvSpPr>
-            <a:spLocks noGrp="1"/>
-          </p:cNvSpPr>
-          <p:nvPr>
-            <p:ph type="title"/>
-          </p:nvPr>
-        </p:nvSpPr>
-        <p:spPr/>
-        <p:txBody>
-          <a:bodyPr/>
-          <a:lstStyle/>
-          <a:p>
-            <a:r>
-              <a:rPr lang="en-US" dirty="0" smtClean="0"/>
-              <a:t>Vector examples</a:t>
-            </a:r>
-            <a:endParaRPr lang="en-US" dirty="0"/>
-          </a:p>
-        </p:txBody>
-      </p:sp>
-      <p:sp>
-        <p:nvSpPr>
-          <p:cNvPr id="4" name="Slide Number Placeholder 3"/>
-          <p:cNvSpPr>
-            <a:spLocks noGrp="1"/>
-          </p:cNvSpPr>
-          <p:nvPr>
-            <p:ph type="sldNum" sz="quarter" idx="12"/>
-          </p:nvPr>
-        </p:nvSpPr>
-        <p:spPr>
-          <a:solidFill>
-            <a:schemeClr val="bg1"/>
-          </a:solidFill>
-        </p:spPr>
-        <p:txBody>
-          <a:bodyPr/>
-          <a:lstStyle/>
-          <a:p>
-            <a:fld id="{11AD1F4E-1E51-402E-B221-310F004E7D3B}" type="slidenum">
-              <a:rPr lang="en-US" smtClean="0"/>
-              <a:t>15</a:t>
-            </a:fld>
-            <a:endParaRPr lang="en-US"/>
-          </a:p>
-        </p:txBody>
-      </p:sp>
-      <p:sp>
-        <p:nvSpPr>
-          <p:cNvPr id="7" name="TextBox 6"/>
-          <p:cNvSpPr txBox="1"/>
-          <p:nvPr/>
-        </p:nvSpPr>
-        <p:spPr>
-          <a:xfrm>
-            <a:off x="628649" y="1953400"/>
-            <a:ext cx="7486651" cy="4247317"/>
-          </a:xfrm>
-          <a:prstGeom prst="rect">
-            <a:avLst/>
-          </a:prstGeom>
-          <a:solidFill>
-            <a:schemeClr val="bg1">
-              <a:lumMod val="75000"/>
-            </a:schemeClr>
-          </a:solidFill>
-          <a:ln>
-            <a:solidFill>
-              <a:schemeClr val="tx1"/>
-            </a:solidFill>
-          </a:ln>
-        </p:spPr>
-        <p:txBody>
-          <a:bodyPr wrap="square" rtlCol="0">
-            <a:spAutoFit/>
-          </a:bodyPr>
-          <a:lstStyle/>
-          <a:p>
-            <a:r>
-              <a:rPr lang="en-US" dirty="0" smtClean="0">
-                <a:latin typeface="Courier New" panose="02070309020205020404" pitchFamily="49" charset="0"/>
-                <a:cs typeface="Courier New" panose="02070309020205020404" pitchFamily="49" charset="0"/>
-              </a:rPr>
-              <a:t>#include &lt;algorithm&gt;</a:t>
-            </a:r>
-          </a:p>
-          <a:p>
-            <a:r>
-              <a:rPr lang="en-US" dirty="0" smtClean="0">
-                <a:latin typeface="Courier New" panose="02070309020205020404" pitchFamily="49" charset="0"/>
-                <a:cs typeface="Courier New" panose="02070309020205020404" pitchFamily="49" charset="0"/>
-              </a:rPr>
-              <a:t>…</a:t>
-            </a:r>
-          </a:p>
-          <a:p>
-            <a:r>
-              <a:rPr lang="en-US" dirty="0">
-                <a:latin typeface="Courier New" panose="02070309020205020404" pitchFamily="49" charset="0"/>
-                <a:cs typeface="Courier New" panose="02070309020205020404" pitchFamily="49" charset="0"/>
-              </a:rPr>
-              <a:t>Stats </a:t>
-            </a:r>
-            <a:r>
-              <a:rPr lang="en-US" dirty="0" err="1">
-                <a:latin typeface="Courier New" panose="02070309020205020404" pitchFamily="49" charset="0"/>
-                <a:cs typeface="Courier New" panose="02070309020205020404" pitchFamily="49" charset="0"/>
-              </a:rPr>
-              <a:t>compute_stats</a:t>
-            </a:r>
-            <a:r>
-              <a:rPr lang="en-US" dirty="0">
-                <a:latin typeface="Courier New" panose="02070309020205020404" pitchFamily="49" charset="0"/>
-                <a:cs typeface="Courier New" panose="02070309020205020404" pitchFamily="49" charset="0"/>
-              </a:rPr>
-              <a:t>(vector&lt;double&gt; data) {</a:t>
-            </a:r>
-          </a:p>
-          <a:p>
-            <a:r>
-              <a:rPr lang="en-US" dirty="0">
-                <a:latin typeface="Courier New" panose="02070309020205020404" pitchFamily="49" charset="0"/>
-                <a:cs typeface="Courier New" panose="02070309020205020404" pitchFamily="49" charset="0"/>
-              </a:rPr>
-              <a:t>    </a:t>
-            </a:r>
-            <a:r>
-              <a:rPr lang="en-US" dirty="0" err="1">
-                <a:latin typeface="Courier New" panose="02070309020205020404" pitchFamily="49" charset="0"/>
-                <a:cs typeface="Courier New" panose="02070309020205020404" pitchFamily="49" charset="0"/>
-              </a:rPr>
-              <a:t>int</a:t>
-            </a:r>
-            <a:r>
-              <a:rPr lang="en-US" dirty="0">
-                <a:latin typeface="Courier New" panose="02070309020205020404" pitchFamily="49" charset="0"/>
-                <a:cs typeface="Courier New" panose="02070309020205020404" pitchFamily="49" charset="0"/>
-              </a:rPr>
-              <a:t> n = </a:t>
-            </a:r>
-            <a:r>
-              <a:rPr lang="en-US" dirty="0" err="1">
-                <a:latin typeface="Courier New" panose="02070309020205020404" pitchFamily="49" charset="0"/>
-                <a:cs typeface="Courier New" panose="02070309020205020404" pitchFamily="49" charset="0"/>
-              </a:rPr>
-              <a:t>data.</a:t>
-            </a:r>
-            <a:r>
-              <a:rPr lang="en-US" b="1" dirty="0" err="1">
-                <a:solidFill>
-                  <a:srgbClr val="C00000"/>
-                </a:solidFill>
-                <a:latin typeface="Courier New" panose="02070309020205020404" pitchFamily="49" charset="0"/>
-                <a:cs typeface="Courier New" panose="02070309020205020404" pitchFamily="49" charset="0"/>
-              </a:rPr>
-              <a:t>size</a:t>
-            </a:r>
-            <a:r>
-              <a:rPr lang="en-US" b="1" dirty="0">
-                <a:solidFill>
-                  <a:srgbClr val="C00000"/>
-                </a:solidFill>
-                <a:latin typeface="Courier New" panose="02070309020205020404" pitchFamily="49" charset="0"/>
-                <a:cs typeface="Courier New" panose="02070309020205020404" pitchFamily="49" charset="0"/>
-              </a:rPr>
-              <a:t>()</a:t>
-            </a:r>
-            <a:r>
-              <a:rPr lang="en-US" dirty="0">
-                <a:latin typeface="Courier New" panose="02070309020205020404" pitchFamily="49" charset="0"/>
-                <a:cs typeface="Courier New" panose="02070309020205020404" pitchFamily="49" charset="0"/>
-              </a:rPr>
-              <a:t>;</a:t>
-            </a:r>
-          </a:p>
-          <a:p>
-            <a:r>
-              <a:rPr lang="en-US" dirty="0">
-                <a:latin typeface="Courier New" panose="02070309020205020404" pitchFamily="49" charset="0"/>
-                <a:cs typeface="Courier New" panose="02070309020205020404" pitchFamily="49" charset="0"/>
-              </a:rPr>
-              <a:t>    double sum {0.0};</a:t>
-            </a:r>
-          </a:p>
-          <a:p>
-            <a:r>
-              <a:rPr lang="en-US" dirty="0" smtClean="0">
-                <a:latin typeface="Courier New" panose="02070309020205020404" pitchFamily="49" charset="0"/>
-                <a:cs typeface="Courier New" panose="02070309020205020404" pitchFamily="49" charset="0"/>
-              </a:rPr>
-              <a:t>    for </a:t>
-            </a:r>
-            <a:r>
-              <a:rPr lang="en-US" dirty="0">
-                <a:latin typeface="Courier New" panose="02070309020205020404" pitchFamily="49" charset="0"/>
-                <a:cs typeface="Courier New" panose="02070309020205020404" pitchFamily="49" charset="0"/>
-              </a:rPr>
-              <a:t>(</a:t>
-            </a:r>
-            <a:r>
-              <a:rPr lang="en-US" b="1" dirty="0">
-                <a:solidFill>
-                  <a:srgbClr val="C00000"/>
-                </a:solidFill>
-                <a:latin typeface="Courier New" panose="02070309020205020404" pitchFamily="49" charset="0"/>
-                <a:cs typeface="Courier New" panose="02070309020205020404" pitchFamily="49" charset="0"/>
-              </a:rPr>
-              <a:t>double item: data</a:t>
-            </a:r>
-            <a:r>
-              <a:rPr lang="en-US" dirty="0" smtClean="0">
-                <a:latin typeface="Courier New" panose="02070309020205020404" pitchFamily="49" charset="0"/>
-                <a:cs typeface="Courier New" panose="02070309020205020404" pitchFamily="49" charset="0"/>
-              </a:rPr>
-              <a:t>)</a:t>
-            </a:r>
-            <a:endParaRPr lang="en-US" dirty="0">
-              <a:latin typeface="Courier New" panose="02070309020205020404" pitchFamily="49" charset="0"/>
-              <a:cs typeface="Courier New" panose="02070309020205020404" pitchFamily="49" charset="0"/>
-            </a:endParaRPr>
-          </a:p>
-          <a:p>
-            <a:r>
-              <a:rPr lang="en-US" dirty="0">
-                <a:latin typeface="Courier New" panose="02070309020205020404" pitchFamily="49" charset="0"/>
-                <a:cs typeface="Courier New" panose="02070309020205020404" pitchFamily="49" charset="0"/>
-              </a:rPr>
-              <a:t>        sum += item;</a:t>
-            </a:r>
-          </a:p>
-          <a:p>
-            <a:r>
-              <a:rPr lang="en-US" dirty="0" smtClean="0">
-                <a:latin typeface="Courier New" panose="02070309020205020404" pitchFamily="49" charset="0"/>
-                <a:cs typeface="Courier New" panose="02070309020205020404" pitchFamily="49" charset="0"/>
-              </a:rPr>
-              <a:t>    Stats </a:t>
-            </a:r>
-            <a:r>
-              <a:rPr lang="en-US" dirty="0" err="1">
-                <a:latin typeface="Courier New" panose="02070309020205020404" pitchFamily="49" charset="0"/>
-                <a:cs typeface="Courier New" panose="02070309020205020404" pitchFamily="49" charset="0"/>
-              </a:rPr>
-              <a:t>stats</a:t>
-            </a:r>
-            <a:r>
-              <a:rPr lang="en-US" dirty="0">
-                <a:latin typeface="Courier New" panose="02070309020205020404" pitchFamily="49" charset="0"/>
-                <a:cs typeface="Courier New" panose="02070309020205020404" pitchFamily="49" charset="0"/>
-              </a:rPr>
-              <a:t>;</a:t>
-            </a:r>
-          </a:p>
-          <a:p>
-            <a:r>
-              <a:rPr lang="en-US" dirty="0">
-                <a:latin typeface="Courier New" panose="02070309020205020404" pitchFamily="49" charset="0"/>
-                <a:cs typeface="Courier New" panose="02070309020205020404" pitchFamily="49" charset="0"/>
-              </a:rPr>
-              <a:t>    </a:t>
-            </a:r>
-            <a:r>
-              <a:rPr lang="en-US" dirty="0" err="1">
-                <a:latin typeface="Courier New" panose="02070309020205020404" pitchFamily="49" charset="0"/>
-                <a:cs typeface="Courier New" panose="02070309020205020404" pitchFamily="49" charset="0"/>
-              </a:rPr>
-              <a:t>stats.mean</a:t>
-            </a:r>
-            <a:r>
-              <a:rPr lang="en-US" dirty="0">
-                <a:latin typeface="Courier New" panose="02070309020205020404" pitchFamily="49" charset="0"/>
-                <a:cs typeface="Courier New" panose="02070309020205020404" pitchFamily="49" charset="0"/>
-              </a:rPr>
-              <a:t> = sum/n;</a:t>
-            </a:r>
-          </a:p>
-          <a:p>
-            <a:r>
-              <a:rPr lang="en-US" dirty="0" smtClean="0">
-                <a:latin typeface="Courier New" panose="02070309020205020404" pitchFamily="49" charset="0"/>
-                <a:cs typeface="Courier New" panose="02070309020205020404" pitchFamily="49" charset="0"/>
-              </a:rPr>
-              <a:t>    </a:t>
-            </a:r>
-            <a:r>
-              <a:rPr lang="en-US" b="1" dirty="0" smtClean="0">
-                <a:solidFill>
-                  <a:srgbClr val="C00000"/>
-                </a:solidFill>
-                <a:latin typeface="Courier New" panose="02070309020205020404" pitchFamily="49" charset="0"/>
-                <a:cs typeface="Courier New" panose="02070309020205020404" pitchFamily="49" charset="0"/>
-              </a:rPr>
-              <a:t>sort</a:t>
-            </a:r>
-            <a:r>
-              <a:rPr lang="en-US" dirty="0" smtClean="0">
-                <a:latin typeface="Courier New" panose="02070309020205020404" pitchFamily="49" charset="0"/>
-                <a:cs typeface="Courier New" panose="02070309020205020404" pitchFamily="49" charset="0"/>
-              </a:rPr>
-              <a:t>(</a:t>
-            </a:r>
-            <a:r>
-              <a:rPr lang="en-US" dirty="0" err="1" smtClean="0">
-                <a:latin typeface="Courier New" panose="02070309020205020404" pitchFamily="49" charset="0"/>
-                <a:cs typeface="Courier New" panose="02070309020205020404" pitchFamily="49" charset="0"/>
-              </a:rPr>
-              <a:t>data.</a:t>
-            </a:r>
-            <a:r>
-              <a:rPr lang="en-US" b="1" dirty="0" err="1" smtClean="0">
-                <a:solidFill>
-                  <a:srgbClr val="C00000"/>
-                </a:solidFill>
-                <a:latin typeface="Courier New" panose="02070309020205020404" pitchFamily="49" charset="0"/>
-                <a:cs typeface="Courier New" panose="02070309020205020404" pitchFamily="49" charset="0"/>
-              </a:rPr>
-              <a:t>begin</a:t>
-            </a:r>
-            <a:r>
-              <a:rPr lang="en-US" b="1" dirty="0">
-                <a:solidFill>
-                  <a:srgbClr val="C00000"/>
-                </a:solidFill>
-                <a:latin typeface="Courier New" panose="02070309020205020404" pitchFamily="49" charset="0"/>
-                <a:cs typeface="Courier New" panose="02070309020205020404" pitchFamily="49" charset="0"/>
-              </a:rPr>
-              <a:t>()</a:t>
-            </a:r>
-            <a:r>
-              <a:rPr lang="en-US" dirty="0">
-                <a:latin typeface="Courier New" panose="02070309020205020404" pitchFamily="49" charset="0"/>
-                <a:cs typeface="Courier New" panose="02070309020205020404" pitchFamily="49" charset="0"/>
-              </a:rPr>
-              <a:t>, </a:t>
-            </a:r>
-            <a:r>
-              <a:rPr lang="en-US" dirty="0" err="1">
-                <a:latin typeface="Courier New" panose="02070309020205020404" pitchFamily="49" charset="0"/>
-                <a:cs typeface="Courier New" panose="02070309020205020404" pitchFamily="49" charset="0"/>
-              </a:rPr>
-              <a:t>data</a:t>
-            </a:r>
-            <a:r>
-              <a:rPr lang="en-US" b="1" dirty="0" err="1">
-                <a:solidFill>
-                  <a:srgbClr val="C00000"/>
-                </a:solidFill>
-                <a:latin typeface="Courier New" panose="02070309020205020404" pitchFamily="49" charset="0"/>
-                <a:cs typeface="Courier New" panose="02070309020205020404" pitchFamily="49" charset="0"/>
-              </a:rPr>
-              <a:t>.end</a:t>
-            </a:r>
-            <a:r>
-              <a:rPr lang="en-US" b="1" dirty="0">
-                <a:solidFill>
-                  <a:srgbClr val="C00000"/>
-                </a:solidFill>
-                <a:latin typeface="Courier New" panose="02070309020205020404" pitchFamily="49" charset="0"/>
-                <a:cs typeface="Courier New" panose="02070309020205020404" pitchFamily="49" charset="0"/>
-              </a:rPr>
-              <a:t>()</a:t>
-            </a:r>
-            <a:r>
-              <a:rPr lang="en-US" dirty="0">
-                <a:latin typeface="Courier New" panose="02070309020205020404" pitchFamily="49" charset="0"/>
-                <a:cs typeface="Courier New" panose="02070309020205020404" pitchFamily="49" charset="0"/>
-              </a:rPr>
-              <a:t>);</a:t>
-            </a:r>
-          </a:p>
-          <a:p>
-            <a:r>
-              <a:rPr lang="en-US" dirty="0">
-                <a:latin typeface="Courier New" panose="02070309020205020404" pitchFamily="49" charset="0"/>
-                <a:cs typeface="Courier New" panose="02070309020205020404" pitchFamily="49" charset="0"/>
-              </a:rPr>
-              <a:t>    </a:t>
-            </a:r>
-            <a:r>
-              <a:rPr lang="en-US" dirty="0" err="1">
-                <a:latin typeface="Courier New" panose="02070309020205020404" pitchFamily="49" charset="0"/>
-                <a:cs typeface="Courier New" panose="02070309020205020404" pitchFamily="49" charset="0"/>
-              </a:rPr>
-              <a:t>int</a:t>
-            </a:r>
-            <a:r>
-              <a:rPr lang="en-US" dirty="0">
-                <a:latin typeface="Courier New" panose="02070309020205020404" pitchFamily="49" charset="0"/>
-                <a:cs typeface="Courier New" panose="02070309020205020404" pitchFamily="49" charset="0"/>
-              </a:rPr>
-              <a:t> middle {n/2};</a:t>
-            </a:r>
-          </a:p>
-          <a:p>
-            <a:r>
-              <a:rPr lang="en-US" dirty="0">
-                <a:latin typeface="Courier New" panose="02070309020205020404" pitchFamily="49" charset="0"/>
-                <a:cs typeface="Courier New" panose="02070309020205020404" pitchFamily="49" charset="0"/>
-              </a:rPr>
-              <a:t>    </a:t>
-            </a:r>
-            <a:r>
-              <a:rPr lang="en-US" dirty="0" err="1">
-                <a:latin typeface="Courier New" panose="02070309020205020404" pitchFamily="49" charset="0"/>
-                <a:cs typeface="Courier New" panose="02070309020205020404" pitchFamily="49" charset="0"/>
-              </a:rPr>
-              <a:t>stats.median</a:t>
-            </a:r>
-            <a:r>
-              <a:rPr lang="en-US" dirty="0">
-                <a:latin typeface="Courier New" panose="02070309020205020404" pitchFamily="49" charset="0"/>
-                <a:cs typeface="Courier New" panose="02070309020205020404" pitchFamily="49" charset="0"/>
-              </a:rPr>
-              <a:t> = n % 2 == 1 ? data.at(middle) :</a:t>
-            </a:r>
-          </a:p>
-          <a:p>
-            <a:r>
-              <a:rPr lang="en-US" dirty="0">
-                <a:latin typeface="Courier New" panose="02070309020205020404" pitchFamily="49" charset="0"/>
-                <a:cs typeface="Courier New" panose="02070309020205020404" pitchFamily="49" charset="0"/>
-              </a:rPr>
-              <a:t>        (data.</a:t>
-            </a:r>
-            <a:r>
-              <a:rPr lang="en-US" b="1" dirty="0">
-                <a:solidFill>
-                  <a:srgbClr val="C00000"/>
-                </a:solidFill>
-                <a:latin typeface="Courier New" panose="02070309020205020404" pitchFamily="49" charset="0"/>
-                <a:cs typeface="Courier New" panose="02070309020205020404" pitchFamily="49" charset="0"/>
-              </a:rPr>
-              <a:t>at(</a:t>
-            </a:r>
-            <a:r>
-              <a:rPr lang="en-US" dirty="0">
-                <a:latin typeface="Courier New" panose="02070309020205020404" pitchFamily="49" charset="0"/>
-                <a:cs typeface="Courier New" panose="02070309020205020404" pitchFamily="49" charset="0"/>
-              </a:rPr>
-              <a:t>middle - 1</a:t>
-            </a:r>
-            <a:r>
-              <a:rPr lang="en-US" b="1" dirty="0">
-                <a:solidFill>
-                  <a:srgbClr val="C00000"/>
-                </a:solidFill>
-                <a:latin typeface="Courier New" panose="02070309020205020404" pitchFamily="49" charset="0"/>
-                <a:cs typeface="Courier New" panose="02070309020205020404" pitchFamily="49" charset="0"/>
-              </a:rPr>
-              <a:t>)</a:t>
-            </a:r>
-            <a:r>
-              <a:rPr lang="en-US" dirty="0">
-                <a:latin typeface="Courier New" panose="02070309020205020404" pitchFamily="49" charset="0"/>
-                <a:cs typeface="Courier New" panose="02070309020205020404" pitchFamily="49" charset="0"/>
-              </a:rPr>
-              <a:t> + data.</a:t>
-            </a:r>
-            <a:r>
-              <a:rPr lang="en-US" b="1" dirty="0">
-                <a:solidFill>
-                  <a:srgbClr val="C00000"/>
-                </a:solidFill>
-                <a:latin typeface="Courier New" panose="02070309020205020404" pitchFamily="49" charset="0"/>
-                <a:cs typeface="Courier New" panose="02070309020205020404" pitchFamily="49" charset="0"/>
-              </a:rPr>
-              <a:t>at(</a:t>
-            </a:r>
-            <a:r>
-              <a:rPr lang="en-US" dirty="0">
-                <a:latin typeface="Courier New" panose="02070309020205020404" pitchFamily="49" charset="0"/>
-                <a:cs typeface="Courier New" panose="02070309020205020404" pitchFamily="49" charset="0"/>
-              </a:rPr>
-              <a:t>middle</a:t>
-            </a:r>
-            <a:r>
-              <a:rPr lang="en-US" b="1" dirty="0">
-                <a:solidFill>
-                  <a:srgbClr val="C00000"/>
-                </a:solidFill>
-                <a:latin typeface="Courier New" panose="02070309020205020404" pitchFamily="49" charset="0"/>
-                <a:cs typeface="Courier New" panose="02070309020205020404" pitchFamily="49" charset="0"/>
-              </a:rPr>
-              <a:t>)</a:t>
-            </a:r>
-            <a:r>
-              <a:rPr lang="en-US" dirty="0">
-                <a:latin typeface="Courier New" panose="02070309020205020404" pitchFamily="49" charset="0"/>
-                <a:cs typeface="Courier New" panose="02070309020205020404" pitchFamily="49" charset="0"/>
-              </a:rPr>
-              <a:t>)/2.0;</a:t>
-            </a:r>
-          </a:p>
-          <a:p>
-            <a:r>
-              <a:rPr lang="en-US" dirty="0" smtClean="0">
-                <a:latin typeface="Courier New" panose="02070309020205020404" pitchFamily="49" charset="0"/>
-                <a:cs typeface="Courier New" panose="02070309020205020404" pitchFamily="49" charset="0"/>
-              </a:rPr>
-              <a:t>    return </a:t>
-            </a:r>
-            <a:r>
-              <a:rPr lang="en-US" dirty="0">
-                <a:latin typeface="Courier New" panose="02070309020205020404" pitchFamily="49" charset="0"/>
-                <a:cs typeface="Courier New" panose="02070309020205020404" pitchFamily="49" charset="0"/>
-              </a:rPr>
-              <a:t>stats;</a:t>
-            </a:r>
-          </a:p>
-          <a:p>
-            <a:r>
-              <a:rPr lang="en-US" dirty="0">
-                <a:latin typeface="Courier New" panose="02070309020205020404" pitchFamily="49" charset="0"/>
-                <a:cs typeface="Courier New" panose="02070309020205020404" pitchFamily="49" charset="0"/>
-              </a:rPr>
-              <a:t>}</a:t>
-            </a:r>
-          </a:p>
-        </p:txBody>
-      </p:sp>
-      <p:sp>
-        <p:nvSpPr>
-          <p:cNvPr id="3" name="TextBox 2"/>
-          <p:cNvSpPr txBox="1"/>
-          <p:nvPr/>
-        </p:nvSpPr>
-        <p:spPr>
-          <a:xfrm>
-            <a:off x="2106395" y="6016924"/>
-            <a:ext cx="5380255" cy="523220"/>
-          </a:xfrm>
-          <a:prstGeom prst="rect">
-            <a:avLst/>
-          </a:prstGeom>
-          <a:solidFill>
-            <a:schemeClr val="bg1"/>
-          </a:solidFill>
-          <a:ln>
-            <a:solidFill>
-              <a:schemeClr val="tx1"/>
-            </a:solidFill>
-          </a:ln>
-        </p:spPr>
-        <p:txBody>
-          <a:bodyPr wrap="none" rtlCol="0">
-            <a:spAutoFit/>
-          </a:bodyPr>
-          <a:lstStyle/>
-          <a:p>
-            <a:r>
-              <a:rPr lang="en-US" sz="2800" dirty="0" smtClean="0"/>
-              <a:t>Note: vector indexing is zero based!</a:t>
-            </a:r>
-            <a:endParaRPr lang="en-US" sz="2800" dirty="0"/>
-          </a:p>
-        </p:txBody>
-      </p:sp>
-    </p:spTree>
-    <p:extLst>
-      <p:ext uri="{BB962C8B-B14F-4D97-AF65-F5344CB8AC3E}">
-        <p14:creationId xmlns:p14="http://schemas.microsoft.com/office/powerpoint/2010/main" val="3242179123"/>
       </p:ext>
     </p:extLst>
   </p:cSld>
@@ -7491,6 +6997,603 @@
           <a:p>
             <a:r>
               <a:rPr lang="en-US" dirty="0" smtClean="0"/>
+              <a:t>Vector examples</a:t>
+            </a:r>
+            <a:endParaRPr lang="en-US" dirty="0"/>
+          </a:p>
+        </p:txBody>
+      </p:sp>
+      <p:sp>
+        <p:nvSpPr>
+          <p:cNvPr id="4" name="Slide Number Placeholder 3"/>
+          <p:cNvSpPr>
+            <a:spLocks noGrp="1"/>
+          </p:cNvSpPr>
+          <p:nvPr>
+            <p:ph type="sldNum" sz="quarter" idx="12"/>
+          </p:nvPr>
+        </p:nvSpPr>
+        <p:spPr>
+          <a:solidFill>
+            <a:schemeClr val="bg1"/>
+          </a:solidFill>
+        </p:spPr>
+        <p:txBody>
+          <a:bodyPr/>
+          <a:lstStyle/>
+          <a:p>
+            <a:fld id="{11AD1F4E-1E51-402E-B221-310F004E7D3B}" type="slidenum">
+              <a:rPr lang="en-US" smtClean="0"/>
+              <a:t>16</a:t>
+            </a:fld>
+            <a:endParaRPr lang="en-US"/>
+          </a:p>
+        </p:txBody>
+      </p:sp>
+      <p:sp>
+        <p:nvSpPr>
+          <p:cNvPr id="7" name="TextBox 6"/>
+          <p:cNvSpPr txBox="1"/>
+          <p:nvPr/>
+        </p:nvSpPr>
+        <p:spPr>
+          <a:xfrm>
+            <a:off x="628649" y="1953400"/>
+            <a:ext cx="7486651" cy="4247317"/>
+          </a:xfrm>
+          <a:prstGeom prst="rect">
+            <a:avLst/>
+          </a:prstGeom>
+          <a:solidFill>
+            <a:schemeClr val="bg1">
+              <a:lumMod val="75000"/>
+            </a:schemeClr>
+          </a:solidFill>
+          <a:ln>
+            <a:solidFill>
+              <a:schemeClr val="tx1"/>
+            </a:solidFill>
+          </a:ln>
+        </p:spPr>
+        <p:txBody>
+          <a:bodyPr wrap="square" rtlCol="0">
+            <a:spAutoFit/>
+          </a:bodyPr>
+          <a:lstStyle/>
+          <a:p>
+            <a:r>
+              <a:rPr lang="en-US" dirty="0" smtClean="0">
+                <a:latin typeface="Courier New" panose="02070309020205020404" pitchFamily="49" charset="0"/>
+                <a:cs typeface="Courier New" panose="02070309020205020404" pitchFamily="49" charset="0"/>
+              </a:rPr>
+              <a:t>#include &lt;algorithm&gt;</a:t>
+            </a:r>
+          </a:p>
+          <a:p>
+            <a:r>
+              <a:rPr lang="en-US" dirty="0" smtClean="0">
+                <a:latin typeface="Courier New" panose="02070309020205020404" pitchFamily="49" charset="0"/>
+                <a:cs typeface="Courier New" panose="02070309020205020404" pitchFamily="49" charset="0"/>
+              </a:rPr>
+              <a:t>…</a:t>
+            </a:r>
+          </a:p>
+          <a:p>
+            <a:r>
+              <a:rPr lang="en-US" dirty="0">
+                <a:latin typeface="Courier New" panose="02070309020205020404" pitchFamily="49" charset="0"/>
+                <a:cs typeface="Courier New" panose="02070309020205020404" pitchFamily="49" charset="0"/>
+              </a:rPr>
+              <a:t>Stats </a:t>
+            </a:r>
+            <a:r>
+              <a:rPr lang="en-US" dirty="0" err="1">
+                <a:latin typeface="Courier New" panose="02070309020205020404" pitchFamily="49" charset="0"/>
+                <a:cs typeface="Courier New" panose="02070309020205020404" pitchFamily="49" charset="0"/>
+              </a:rPr>
+              <a:t>compute_stats</a:t>
+            </a:r>
+            <a:r>
+              <a:rPr lang="en-US" dirty="0">
+                <a:latin typeface="Courier New" panose="02070309020205020404" pitchFamily="49" charset="0"/>
+                <a:cs typeface="Courier New" panose="02070309020205020404" pitchFamily="49" charset="0"/>
+              </a:rPr>
+              <a:t>(vector&lt;double&gt; data) {</a:t>
+            </a:r>
+          </a:p>
+          <a:p>
+            <a:r>
+              <a:rPr lang="en-US" dirty="0">
+                <a:latin typeface="Courier New" panose="02070309020205020404" pitchFamily="49" charset="0"/>
+                <a:cs typeface="Courier New" panose="02070309020205020404" pitchFamily="49" charset="0"/>
+              </a:rPr>
+              <a:t>    </a:t>
+            </a:r>
+            <a:r>
+              <a:rPr lang="en-US" dirty="0" err="1">
+                <a:latin typeface="Courier New" panose="02070309020205020404" pitchFamily="49" charset="0"/>
+                <a:cs typeface="Courier New" panose="02070309020205020404" pitchFamily="49" charset="0"/>
+              </a:rPr>
+              <a:t>int</a:t>
+            </a:r>
+            <a:r>
+              <a:rPr lang="en-US" dirty="0">
+                <a:latin typeface="Courier New" panose="02070309020205020404" pitchFamily="49" charset="0"/>
+                <a:cs typeface="Courier New" panose="02070309020205020404" pitchFamily="49" charset="0"/>
+              </a:rPr>
+              <a:t> n = </a:t>
+            </a:r>
+            <a:r>
+              <a:rPr lang="en-US" dirty="0" err="1">
+                <a:latin typeface="Courier New" panose="02070309020205020404" pitchFamily="49" charset="0"/>
+                <a:cs typeface="Courier New" panose="02070309020205020404" pitchFamily="49" charset="0"/>
+              </a:rPr>
+              <a:t>data.</a:t>
+            </a:r>
+            <a:r>
+              <a:rPr lang="en-US" b="1" dirty="0" err="1">
+                <a:solidFill>
+                  <a:srgbClr val="C00000"/>
+                </a:solidFill>
+                <a:latin typeface="Courier New" panose="02070309020205020404" pitchFamily="49" charset="0"/>
+                <a:cs typeface="Courier New" panose="02070309020205020404" pitchFamily="49" charset="0"/>
+              </a:rPr>
+              <a:t>size</a:t>
+            </a:r>
+            <a:r>
+              <a:rPr lang="en-US" b="1" dirty="0">
+                <a:solidFill>
+                  <a:srgbClr val="C00000"/>
+                </a:solidFill>
+                <a:latin typeface="Courier New" panose="02070309020205020404" pitchFamily="49" charset="0"/>
+                <a:cs typeface="Courier New" panose="02070309020205020404" pitchFamily="49" charset="0"/>
+              </a:rPr>
+              <a:t>()</a:t>
+            </a:r>
+            <a:r>
+              <a:rPr lang="en-US" dirty="0">
+                <a:latin typeface="Courier New" panose="02070309020205020404" pitchFamily="49" charset="0"/>
+                <a:cs typeface="Courier New" panose="02070309020205020404" pitchFamily="49" charset="0"/>
+              </a:rPr>
+              <a:t>;</a:t>
+            </a:r>
+          </a:p>
+          <a:p>
+            <a:r>
+              <a:rPr lang="en-US" dirty="0">
+                <a:latin typeface="Courier New" panose="02070309020205020404" pitchFamily="49" charset="0"/>
+                <a:cs typeface="Courier New" panose="02070309020205020404" pitchFamily="49" charset="0"/>
+              </a:rPr>
+              <a:t>    double sum {0.0};</a:t>
+            </a:r>
+          </a:p>
+          <a:p>
+            <a:r>
+              <a:rPr lang="en-US" dirty="0" smtClean="0">
+                <a:latin typeface="Courier New" panose="02070309020205020404" pitchFamily="49" charset="0"/>
+                <a:cs typeface="Courier New" panose="02070309020205020404" pitchFamily="49" charset="0"/>
+              </a:rPr>
+              <a:t>    for </a:t>
+            </a:r>
+            <a:r>
+              <a:rPr lang="en-US" dirty="0">
+                <a:latin typeface="Courier New" panose="02070309020205020404" pitchFamily="49" charset="0"/>
+                <a:cs typeface="Courier New" panose="02070309020205020404" pitchFamily="49" charset="0"/>
+              </a:rPr>
+              <a:t>(</a:t>
+            </a:r>
+            <a:r>
+              <a:rPr lang="en-US" b="1" dirty="0">
+                <a:solidFill>
+                  <a:srgbClr val="C00000"/>
+                </a:solidFill>
+                <a:latin typeface="Courier New" panose="02070309020205020404" pitchFamily="49" charset="0"/>
+                <a:cs typeface="Courier New" panose="02070309020205020404" pitchFamily="49" charset="0"/>
+              </a:rPr>
+              <a:t>double item: data</a:t>
+            </a:r>
+            <a:r>
+              <a:rPr lang="en-US" dirty="0" smtClean="0">
+                <a:latin typeface="Courier New" panose="02070309020205020404" pitchFamily="49" charset="0"/>
+                <a:cs typeface="Courier New" panose="02070309020205020404" pitchFamily="49" charset="0"/>
+              </a:rPr>
+              <a:t>)</a:t>
+            </a:r>
+            <a:endParaRPr lang="en-US" dirty="0">
+              <a:latin typeface="Courier New" panose="02070309020205020404" pitchFamily="49" charset="0"/>
+              <a:cs typeface="Courier New" panose="02070309020205020404" pitchFamily="49" charset="0"/>
+            </a:endParaRPr>
+          </a:p>
+          <a:p>
+            <a:r>
+              <a:rPr lang="en-US" dirty="0">
+                <a:latin typeface="Courier New" panose="02070309020205020404" pitchFamily="49" charset="0"/>
+                <a:cs typeface="Courier New" panose="02070309020205020404" pitchFamily="49" charset="0"/>
+              </a:rPr>
+              <a:t>        sum += item;</a:t>
+            </a:r>
+          </a:p>
+          <a:p>
+            <a:r>
+              <a:rPr lang="en-US" dirty="0" smtClean="0">
+                <a:latin typeface="Courier New" panose="02070309020205020404" pitchFamily="49" charset="0"/>
+                <a:cs typeface="Courier New" panose="02070309020205020404" pitchFamily="49" charset="0"/>
+              </a:rPr>
+              <a:t>    Stats </a:t>
+            </a:r>
+            <a:r>
+              <a:rPr lang="en-US" dirty="0" err="1">
+                <a:latin typeface="Courier New" panose="02070309020205020404" pitchFamily="49" charset="0"/>
+                <a:cs typeface="Courier New" panose="02070309020205020404" pitchFamily="49" charset="0"/>
+              </a:rPr>
+              <a:t>stats</a:t>
+            </a:r>
+            <a:r>
+              <a:rPr lang="en-US" dirty="0">
+                <a:latin typeface="Courier New" panose="02070309020205020404" pitchFamily="49" charset="0"/>
+                <a:cs typeface="Courier New" panose="02070309020205020404" pitchFamily="49" charset="0"/>
+              </a:rPr>
+              <a:t>;</a:t>
+            </a:r>
+          </a:p>
+          <a:p>
+            <a:r>
+              <a:rPr lang="en-US" dirty="0">
+                <a:latin typeface="Courier New" panose="02070309020205020404" pitchFamily="49" charset="0"/>
+                <a:cs typeface="Courier New" panose="02070309020205020404" pitchFamily="49" charset="0"/>
+              </a:rPr>
+              <a:t>    </a:t>
+            </a:r>
+            <a:r>
+              <a:rPr lang="en-US" dirty="0" err="1">
+                <a:latin typeface="Courier New" panose="02070309020205020404" pitchFamily="49" charset="0"/>
+                <a:cs typeface="Courier New" panose="02070309020205020404" pitchFamily="49" charset="0"/>
+              </a:rPr>
+              <a:t>stats.mean</a:t>
+            </a:r>
+            <a:r>
+              <a:rPr lang="en-US" dirty="0">
+                <a:latin typeface="Courier New" panose="02070309020205020404" pitchFamily="49" charset="0"/>
+                <a:cs typeface="Courier New" panose="02070309020205020404" pitchFamily="49" charset="0"/>
+              </a:rPr>
+              <a:t> = sum/n;</a:t>
+            </a:r>
+          </a:p>
+          <a:p>
+            <a:r>
+              <a:rPr lang="en-US" dirty="0" smtClean="0">
+                <a:latin typeface="Courier New" panose="02070309020205020404" pitchFamily="49" charset="0"/>
+                <a:cs typeface="Courier New" panose="02070309020205020404" pitchFamily="49" charset="0"/>
+              </a:rPr>
+              <a:t>    </a:t>
+            </a:r>
+            <a:r>
+              <a:rPr lang="en-US" b="1" dirty="0" smtClean="0">
+                <a:solidFill>
+                  <a:srgbClr val="C00000"/>
+                </a:solidFill>
+                <a:latin typeface="Courier New" panose="02070309020205020404" pitchFamily="49" charset="0"/>
+                <a:cs typeface="Courier New" panose="02070309020205020404" pitchFamily="49" charset="0"/>
+              </a:rPr>
+              <a:t>sort</a:t>
+            </a:r>
+            <a:r>
+              <a:rPr lang="en-US" dirty="0" smtClean="0">
+                <a:latin typeface="Courier New" panose="02070309020205020404" pitchFamily="49" charset="0"/>
+                <a:cs typeface="Courier New" panose="02070309020205020404" pitchFamily="49" charset="0"/>
+              </a:rPr>
+              <a:t>(</a:t>
+            </a:r>
+            <a:r>
+              <a:rPr lang="en-US" dirty="0" err="1" smtClean="0">
+                <a:latin typeface="Courier New" panose="02070309020205020404" pitchFamily="49" charset="0"/>
+                <a:cs typeface="Courier New" panose="02070309020205020404" pitchFamily="49" charset="0"/>
+              </a:rPr>
+              <a:t>data.</a:t>
+            </a:r>
+            <a:r>
+              <a:rPr lang="en-US" b="1" dirty="0" err="1" smtClean="0">
+                <a:solidFill>
+                  <a:srgbClr val="C00000"/>
+                </a:solidFill>
+                <a:latin typeface="Courier New" panose="02070309020205020404" pitchFamily="49" charset="0"/>
+                <a:cs typeface="Courier New" panose="02070309020205020404" pitchFamily="49" charset="0"/>
+              </a:rPr>
+              <a:t>begin</a:t>
+            </a:r>
+            <a:r>
+              <a:rPr lang="en-US" b="1" dirty="0">
+                <a:solidFill>
+                  <a:srgbClr val="C00000"/>
+                </a:solidFill>
+                <a:latin typeface="Courier New" panose="02070309020205020404" pitchFamily="49" charset="0"/>
+                <a:cs typeface="Courier New" panose="02070309020205020404" pitchFamily="49" charset="0"/>
+              </a:rPr>
+              <a:t>()</a:t>
+            </a:r>
+            <a:r>
+              <a:rPr lang="en-US" dirty="0">
+                <a:latin typeface="Courier New" panose="02070309020205020404" pitchFamily="49" charset="0"/>
+                <a:cs typeface="Courier New" panose="02070309020205020404" pitchFamily="49" charset="0"/>
+              </a:rPr>
+              <a:t>, </a:t>
+            </a:r>
+            <a:r>
+              <a:rPr lang="en-US" dirty="0" err="1">
+                <a:latin typeface="Courier New" panose="02070309020205020404" pitchFamily="49" charset="0"/>
+                <a:cs typeface="Courier New" panose="02070309020205020404" pitchFamily="49" charset="0"/>
+              </a:rPr>
+              <a:t>data</a:t>
+            </a:r>
+            <a:r>
+              <a:rPr lang="en-US" b="1" dirty="0" err="1">
+                <a:solidFill>
+                  <a:srgbClr val="C00000"/>
+                </a:solidFill>
+                <a:latin typeface="Courier New" panose="02070309020205020404" pitchFamily="49" charset="0"/>
+                <a:cs typeface="Courier New" panose="02070309020205020404" pitchFamily="49" charset="0"/>
+              </a:rPr>
+              <a:t>.end</a:t>
+            </a:r>
+            <a:r>
+              <a:rPr lang="en-US" b="1" dirty="0">
+                <a:solidFill>
+                  <a:srgbClr val="C00000"/>
+                </a:solidFill>
+                <a:latin typeface="Courier New" panose="02070309020205020404" pitchFamily="49" charset="0"/>
+                <a:cs typeface="Courier New" panose="02070309020205020404" pitchFamily="49" charset="0"/>
+              </a:rPr>
+              <a:t>()</a:t>
+            </a:r>
+            <a:r>
+              <a:rPr lang="en-US" dirty="0">
+                <a:latin typeface="Courier New" panose="02070309020205020404" pitchFamily="49" charset="0"/>
+                <a:cs typeface="Courier New" panose="02070309020205020404" pitchFamily="49" charset="0"/>
+              </a:rPr>
+              <a:t>);</a:t>
+            </a:r>
+          </a:p>
+          <a:p>
+            <a:r>
+              <a:rPr lang="en-US" dirty="0">
+                <a:latin typeface="Courier New" panose="02070309020205020404" pitchFamily="49" charset="0"/>
+                <a:cs typeface="Courier New" panose="02070309020205020404" pitchFamily="49" charset="0"/>
+              </a:rPr>
+              <a:t>    </a:t>
+            </a:r>
+            <a:r>
+              <a:rPr lang="en-US" dirty="0" err="1">
+                <a:latin typeface="Courier New" panose="02070309020205020404" pitchFamily="49" charset="0"/>
+                <a:cs typeface="Courier New" panose="02070309020205020404" pitchFamily="49" charset="0"/>
+              </a:rPr>
+              <a:t>int</a:t>
+            </a:r>
+            <a:r>
+              <a:rPr lang="en-US" dirty="0">
+                <a:latin typeface="Courier New" panose="02070309020205020404" pitchFamily="49" charset="0"/>
+                <a:cs typeface="Courier New" panose="02070309020205020404" pitchFamily="49" charset="0"/>
+              </a:rPr>
+              <a:t> middle {n/2};</a:t>
+            </a:r>
+          </a:p>
+          <a:p>
+            <a:r>
+              <a:rPr lang="en-US" dirty="0">
+                <a:latin typeface="Courier New" panose="02070309020205020404" pitchFamily="49" charset="0"/>
+                <a:cs typeface="Courier New" panose="02070309020205020404" pitchFamily="49" charset="0"/>
+              </a:rPr>
+              <a:t>    </a:t>
+            </a:r>
+            <a:r>
+              <a:rPr lang="en-US" dirty="0" err="1">
+                <a:latin typeface="Courier New" panose="02070309020205020404" pitchFamily="49" charset="0"/>
+                <a:cs typeface="Courier New" panose="02070309020205020404" pitchFamily="49" charset="0"/>
+              </a:rPr>
+              <a:t>stats.median</a:t>
+            </a:r>
+            <a:r>
+              <a:rPr lang="en-US" dirty="0">
+                <a:latin typeface="Courier New" panose="02070309020205020404" pitchFamily="49" charset="0"/>
+                <a:cs typeface="Courier New" panose="02070309020205020404" pitchFamily="49" charset="0"/>
+              </a:rPr>
+              <a:t> = n % 2 == 1 ? data.at(middle) :</a:t>
+            </a:r>
+          </a:p>
+          <a:p>
+            <a:r>
+              <a:rPr lang="en-US" dirty="0">
+                <a:latin typeface="Courier New" panose="02070309020205020404" pitchFamily="49" charset="0"/>
+                <a:cs typeface="Courier New" panose="02070309020205020404" pitchFamily="49" charset="0"/>
+              </a:rPr>
+              <a:t>        (data.</a:t>
+            </a:r>
+            <a:r>
+              <a:rPr lang="en-US" b="1" dirty="0">
+                <a:solidFill>
+                  <a:srgbClr val="C00000"/>
+                </a:solidFill>
+                <a:latin typeface="Courier New" panose="02070309020205020404" pitchFamily="49" charset="0"/>
+                <a:cs typeface="Courier New" panose="02070309020205020404" pitchFamily="49" charset="0"/>
+              </a:rPr>
+              <a:t>at(</a:t>
+            </a:r>
+            <a:r>
+              <a:rPr lang="en-US" dirty="0">
+                <a:latin typeface="Courier New" panose="02070309020205020404" pitchFamily="49" charset="0"/>
+                <a:cs typeface="Courier New" panose="02070309020205020404" pitchFamily="49" charset="0"/>
+              </a:rPr>
+              <a:t>middle - 1</a:t>
+            </a:r>
+            <a:r>
+              <a:rPr lang="en-US" b="1" dirty="0">
+                <a:solidFill>
+                  <a:srgbClr val="C00000"/>
+                </a:solidFill>
+                <a:latin typeface="Courier New" panose="02070309020205020404" pitchFamily="49" charset="0"/>
+                <a:cs typeface="Courier New" panose="02070309020205020404" pitchFamily="49" charset="0"/>
+              </a:rPr>
+              <a:t>)</a:t>
+            </a:r>
+            <a:r>
+              <a:rPr lang="en-US" dirty="0">
+                <a:latin typeface="Courier New" panose="02070309020205020404" pitchFamily="49" charset="0"/>
+                <a:cs typeface="Courier New" panose="02070309020205020404" pitchFamily="49" charset="0"/>
+              </a:rPr>
+              <a:t> + data.</a:t>
+            </a:r>
+            <a:r>
+              <a:rPr lang="en-US" b="1" dirty="0">
+                <a:solidFill>
+                  <a:srgbClr val="C00000"/>
+                </a:solidFill>
+                <a:latin typeface="Courier New" panose="02070309020205020404" pitchFamily="49" charset="0"/>
+                <a:cs typeface="Courier New" panose="02070309020205020404" pitchFamily="49" charset="0"/>
+              </a:rPr>
+              <a:t>at(</a:t>
+            </a:r>
+            <a:r>
+              <a:rPr lang="en-US" dirty="0">
+                <a:latin typeface="Courier New" panose="02070309020205020404" pitchFamily="49" charset="0"/>
+                <a:cs typeface="Courier New" panose="02070309020205020404" pitchFamily="49" charset="0"/>
+              </a:rPr>
+              <a:t>middle</a:t>
+            </a:r>
+            <a:r>
+              <a:rPr lang="en-US" b="1" dirty="0">
+                <a:solidFill>
+                  <a:srgbClr val="C00000"/>
+                </a:solidFill>
+                <a:latin typeface="Courier New" panose="02070309020205020404" pitchFamily="49" charset="0"/>
+                <a:cs typeface="Courier New" panose="02070309020205020404" pitchFamily="49" charset="0"/>
+              </a:rPr>
+              <a:t>)</a:t>
+            </a:r>
+            <a:r>
+              <a:rPr lang="en-US" dirty="0">
+                <a:latin typeface="Courier New" panose="02070309020205020404" pitchFamily="49" charset="0"/>
+                <a:cs typeface="Courier New" panose="02070309020205020404" pitchFamily="49" charset="0"/>
+              </a:rPr>
+              <a:t>)/2.0;</a:t>
+            </a:r>
+          </a:p>
+          <a:p>
+            <a:r>
+              <a:rPr lang="en-US" dirty="0" smtClean="0">
+                <a:latin typeface="Courier New" panose="02070309020205020404" pitchFamily="49" charset="0"/>
+                <a:cs typeface="Courier New" panose="02070309020205020404" pitchFamily="49" charset="0"/>
+              </a:rPr>
+              <a:t>    return </a:t>
+            </a:r>
+            <a:r>
+              <a:rPr lang="en-US" dirty="0">
+                <a:latin typeface="Courier New" panose="02070309020205020404" pitchFamily="49" charset="0"/>
+                <a:cs typeface="Courier New" panose="02070309020205020404" pitchFamily="49" charset="0"/>
+              </a:rPr>
+              <a:t>stats;</a:t>
+            </a:r>
+          </a:p>
+          <a:p>
+            <a:r>
+              <a:rPr lang="en-US" dirty="0">
+                <a:latin typeface="Courier New" panose="02070309020205020404" pitchFamily="49" charset="0"/>
+                <a:cs typeface="Courier New" panose="02070309020205020404" pitchFamily="49" charset="0"/>
+              </a:rPr>
+              <a:t>}</a:t>
+            </a:r>
+          </a:p>
+        </p:txBody>
+      </p:sp>
+      <p:sp>
+        <p:nvSpPr>
+          <p:cNvPr id="3" name="TextBox 2"/>
+          <p:cNvSpPr txBox="1"/>
+          <p:nvPr/>
+        </p:nvSpPr>
+        <p:spPr>
+          <a:xfrm>
+            <a:off x="2106395" y="6016924"/>
+            <a:ext cx="5380255" cy="523220"/>
+          </a:xfrm>
+          <a:prstGeom prst="rect">
+            <a:avLst/>
+          </a:prstGeom>
+          <a:solidFill>
+            <a:schemeClr val="bg1"/>
+          </a:solidFill>
+          <a:ln>
+            <a:solidFill>
+              <a:schemeClr val="tx1"/>
+            </a:solidFill>
+          </a:ln>
+        </p:spPr>
+        <p:txBody>
+          <a:bodyPr wrap="none" rtlCol="0">
+            <a:spAutoFit/>
+          </a:bodyPr>
+          <a:lstStyle/>
+          <a:p>
+            <a:r>
+              <a:rPr lang="en-US" sz="2800" dirty="0" smtClean="0"/>
+              <a:t>Note: vector indexing is zero based!</a:t>
+            </a:r>
+            <a:endParaRPr lang="en-US" sz="2800" dirty="0"/>
+          </a:p>
+        </p:txBody>
+      </p:sp>
+    </p:spTree>
+    <p:extLst>
+      <p:ext uri="{BB962C8B-B14F-4D97-AF65-F5344CB8AC3E}">
+        <p14:creationId xmlns:p14="http://schemas.microsoft.com/office/powerpoint/2010/main" val="3242179123"/>
+      </p:ext>
+    </p:extLst>
+  </p:cSld>
+  <p:clrMapOvr>
+    <a:masterClrMapping/>
+  </p:clrMapOvr>
+  <p:timing>
+    <p:tnLst>
+      <p:par>
+        <p:cTn id="1" dur="indefinite" restart="never" nodeType="tmRoot"/>
+      </p:par>
+    </p:tnLst>
+  </p:timing>
+</p:sld>
+</file>
+
+<file path=ppt/slides/slide17.xml><?xml version="1.0" encoding="utf-8"?>
+<p:sld xmlns:a="http://schemas.openxmlformats.org/drawingml/2006/main" xmlns:r="http://schemas.openxmlformats.org/officeDocument/2006/relationships" xmlns:p="http://schemas.openxmlformats.org/presentationml/2006/main">
+  <p:cSld>
+    <p:spTree>
+      <p:nvGrpSpPr>
+        <p:cNvPr id="1" name=""/>
+        <p:cNvGrpSpPr/>
+        <p:nvPr/>
+      </p:nvGrpSpPr>
+      <p:grpSpPr>
+        <a:xfrm>
+          <a:off x="0" y="0"/>
+          <a:ext cx="0" cy="0"/>
+          <a:chOff x="0" y="0"/>
+          <a:chExt cx="0" cy="0"/>
+        </a:xfrm>
+      </p:grpSpPr>
+      <p:sp>
+        <p:nvSpPr>
+          <p:cNvPr id="2" name="Title 1"/>
+          <p:cNvSpPr>
+            <a:spLocks noGrp="1"/>
+          </p:cNvSpPr>
+          <p:nvPr>
+            <p:ph type="title"/>
+          </p:nvPr>
+        </p:nvSpPr>
+        <p:spPr/>
+        <p:txBody>
+          <a:bodyPr/>
+          <a:lstStyle/>
+          <a:p>
+            <a:r>
+              <a:rPr lang="en-US" dirty="0" smtClean="0"/>
               <a:t>STL </a:t>
             </a:r>
             <a:r>
@@ -7502,11 +7605,7 @@
             </a:r>
             <a:r>
               <a:rPr lang="en-US" dirty="0" smtClean="0"/>
-              <a:t> </a:t>
-            </a:r>
-            <a:r>
-              <a:rPr lang="en-US" dirty="0" smtClean="0"/>
-              <a:t>API</a:t>
+              <a:t> API</a:t>
             </a:r>
             <a:endParaRPr lang="en-US" dirty="0"/>
           </a:p>
@@ -7563,10 +7662,6 @@
               </a:rPr>
               <a:t>()</a:t>
             </a:r>
-            <a:endParaRPr lang="en-US" dirty="0" smtClean="0">
-              <a:latin typeface="Courier New" panose="02070309020205020404" pitchFamily="49" charset="0"/>
-              <a:cs typeface="Courier New" panose="02070309020205020404" pitchFamily="49" charset="0"/>
-            </a:endParaRPr>
           </a:p>
           <a:p>
             <a:pPr lvl="1"/>
@@ -7656,10 +7751,6 @@
               </a:rPr>
               <a:t>()</a:t>
             </a:r>
-            <a:endParaRPr lang="en-US" dirty="0" smtClean="0">
-              <a:latin typeface="Courier New" panose="02070309020205020404" pitchFamily="49" charset="0"/>
-              <a:cs typeface="Courier New" panose="02070309020205020404" pitchFamily="49" charset="0"/>
-            </a:endParaRPr>
           </a:p>
           <a:p>
             <a:pPr lvl="1"/>
@@ -7763,7 +7854,7 @@
           <a:p>
             <a:fld id="{11AD1F4E-1E51-402E-B221-310F004E7D3B}" type="slidenum">
               <a:rPr lang="en-US" smtClean="0"/>
-              <a:t>16</a:t>
+              <a:t>17</a:t>
             </a:fld>
             <a:endParaRPr lang="en-US"/>
           </a:p>
@@ -8249,7 +8340,7 @@
 </p:sld>
 </file>
 
-<file path=ppt/slides/slide17.xml><?xml version="1.0" encoding="utf-8"?>
+<file path=ppt/slides/slide18.xml><?xml version="1.0" encoding="utf-8"?>
 <p:sld xmlns:a="http://schemas.openxmlformats.org/drawingml/2006/main" xmlns:r="http://schemas.openxmlformats.org/officeDocument/2006/relationships" xmlns:p="http://schemas.openxmlformats.org/presentationml/2006/main">
   <p:cSld>
     <p:spTree>
@@ -8524,7 +8615,7 @@
           <a:p>
             <a:fld id="{11AD1F4E-1E51-402E-B221-310F004E7D3B}" type="slidenum">
               <a:rPr lang="en-US" smtClean="0"/>
-              <a:t>17</a:t>
+              <a:t>18</a:t>
             </a:fld>
             <a:endParaRPr lang="en-US"/>
           </a:p>
@@ -9041,7 +9132,7 @@
 </p:sld>
 </file>
 
-<file path=ppt/slides/slide18.xml><?xml version="1.0" encoding="utf-8"?>
+<file path=ppt/slides/slide19.xml><?xml version="1.0" encoding="utf-8"?>
 <p:sld xmlns:a="http://schemas.openxmlformats.org/drawingml/2006/main" xmlns:r="http://schemas.openxmlformats.org/officeDocument/2006/relationships" xmlns:p="http://schemas.openxmlformats.org/presentationml/2006/main">
   <p:cSld>
     <p:spTree>
@@ -9200,7 +9291,7 @@
             <a:graphicData uri="http://schemas.openxmlformats.org/presentationml/2006/ole">
               <mc:AlternateContent xmlns:mc="http://schemas.openxmlformats.org/markup-compatibility/2006">
                 <mc:Choice xmlns:v="urn:schemas-microsoft-com:vml" Requires="v">
-                  <p:oleObj spid="_x0000_s3175" name="Equation" r:id="rId3" imgW="1180800" imgH="228600" progId="Equation.3">
+                  <p:oleObj spid="_x0000_s3178" name="Equation" r:id="rId3" imgW="1180800" imgH="228600" progId="Equation.3">
                     <p:embed/>
                   </p:oleObj>
                 </mc:Choice>
@@ -9292,7 +9383,7 @@
           <a:p>
             <a:fld id="{11AD1F4E-1E51-402E-B221-310F004E7D3B}" type="slidenum">
               <a:rPr lang="en-US" smtClean="0"/>
-              <a:t>18</a:t>
+              <a:t>19</a:t>
             </a:fld>
             <a:endParaRPr lang="en-US"/>
           </a:p>
@@ -9998,7 +10089,201 @@
 </p:sld>
 </file>
 
-<file path=ppt/slides/slide19.xml><?xml version="1.0" encoding="utf-8"?>
+<file path=ppt/slides/slide2.xml><?xml version="1.0" encoding="utf-8"?>
+<p:sld xmlns:a="http://schemas.openxmlformats.org/drawingml/2006/main" xmlns:r="http://schemas.openxmlformats.org/officeDocument/2006/relationships" xmlns:p="http://schemas.openxmlformats.org/presentationml/2006/main">
+  <p:cSld>
+    <p:spTree>
+      <p:nvGrpSpPr>
+        <p:cNvPr id="1" name=""/>
+        <p:cNvGrpSpPr/>
+        <p:nvPr/>
+      </p:nvGrpSpPr>
+      <p:grpSpPr>
+        <a:xfrm>
+          <a:off x="0" y="0"/>
+          <a:ext cx="0" cy="0"/>
+          <a:chOff x="0" y="0"/>
+          <a:chExt cx="0" cy="0"/>
+        </a:xfrm>
+      </p:grpSpPr>
+      <p:sp>
+        <p:nvSpPr>
+          <p:cNvPr id="2" name="Slide Number Placeholder 1"/>
+          <p:cNvSpPr>
+            <a:spLocks noGrp="1"/>
+          </p:cNvSpPr>
+          <p:nvPr>
+            <p:ph type="sldNum" sz="quarter" idx="12"/>
+          </p:nvPr>
+        </p:nvSpPr>
+        <p:spPr/>
+        <p:txBody>
+          <a:bodyPr/>
+          <a:lstStyle/>
+          <a:p>
+            <a:fld id="{033373DF-BCDA-4600-B448-AFBDB22F4A39}" type="slidenum">
+              <a:rPr lang="en-US" smtClean="0"/>
+              <a:t>2</a:t>
+            </a:fld>
+            <a:endParaRPr lang="en-US"/>
+          </a:p>
+        </p:txBody>
+      </p:sp>
+      <p:sp>
+        <p:nvSpPr>
+          <p:cNvPr id="3" name="TextBox 2"/>
+          <p:cNvSpPr txBox="1"/>
+          <p:nvPr/>
+        </p:nvSpPr>
+        <p:spPr>
+          <a:xfrm>
+            <a:off x="1193194" y="2423057"/>
+            <a:ext cx="3404137" cy="1692771"/>
+          </a:xfrm>
+          <a:prstGeom prst="rect">
+            <a:avLst/>
+          </a:prstGeom>
+          <a:noFill/>
+          <a:ln>
+            <a:solidFill>
+              <a:schemeClr val="tx1"/>
+            </a:solidFill>
+          </a:ln>
+        </p:spPr>
+        <p:txBody>
+          <a:bodyPr wrap="none" rtlCol="0">
+            <a:spAutoFit/>
+          </a:bodyPr>
+          <a:lstStyle/>
+          <a:p>
+            <a:r>
+              <a:rPr lang="en-US" dirty="0"/>
+              <a:t>Presentation based on:</a:t>
+            </a:r>
+            <a:br>
+              <a:rPr lang="en-US" dirty="0"/>
+            </a:br>
+            <a:r>
+              <a:rPr lang="en-US" sz="2800" i="1" dirty="0"/>
+              <a:t>A tour of C++</a:t>
+            </a:r>
+            <a:r>
+              <a:rPr lang="en-US" sz="2800" dirty="0"/>
+              <a:t/>
+            </a:r>
+            <a:br>
+              <a:rPr lang="en-US" sz="2800" dirty="0"/>
+            </a:br>
+            <a:r>
+              <a:rPr lang="en-US" sz="2800" dirty="0"/>
+              <a:t>Bjarne </a:t>
+            </a:r>
+            <a:r>
+              <a:rPr lang="en-US" sz="2800" dirty="0" err="1"/>
+              <a:t>Stroustrup</a:t>
+            </a:r>
+            <a:endParaRPr lang="en-US" sz="2800" dirty="0"/>
+          </a:p>
+          <a:p>
+            <a:r>
+              <a:rPr lang="en-US" sz="2800" dirty="0"/>
+              <a:t>Addison-Wesley, 2014</a:t>
+            </a:r>
+          </a:p>
+        </p:txBody>
+      </p:sp>
+    </p:spTree>
+    <p:extLst>
+      <p:ext uri="{BB962C8B-B14F-4D97-AF65-F5344CB8AC3E}">
+        <p14:creationId xmlns:p14="http://schemas.microsoft.com/office/powerpoint/2010/main" val="2596996315"/>
+      </p:ext>
+    </p:extLst>
+  </p:cSld>
+  <p:clrMapOvr>
+    <a:masterClrMapping/>
+  </p:clrMapOvr>
+  <p:timing>
+    <p:tnLst>
+      <p:par>
+        <p:cTn id="1" dur="indefinite" restart="never" nodeType="tmRoot">
+          <p:childTnLst>
+            <p:seq concurrent="1" nextAc="seek">
+              <p:cTn id="2" dur="indefinite" nodeType="mainSeq">
+                <p:childTnLst>
+                  <p:par>
+                    <p:cTn id="3" fill="hold">
+                      <p:stCondLst>
+                        <p:cond delay="indefinite"/>
+                      </p:stCondLst>
+                      <p:childTnLst>
+                        <p:par>
+                          <p:cTn id="4" fill="hold">
+                            <p:stCondLst>
+                              <p:cond delay="0"/>
+                            </p:stCondLst>
+                            <p:childTnLst>
+                              <p:par>
+                                <p:cTn id="5" presetID="1" presetClass="entr" presetSubtype="0" fill="hold" grpId="0" nodeType="clickEffect">
+                                  <p:stCondLst>
+                                    <p:cond delay="0"/>
+                                  </p:stCondLst>
+                                  <p:childTnLst>
+                                    <p:set>
+                                      <p:cBhvr>
+                                        <p:cTn id="6" dur="1" fill="hold">
+                                          <p:stCondLst>
+                                            <p:cond delay="0"/>
+                                          </p:stCondLst>
+                                        </p:cTn>
+                                        <p:tgtEl>
+                                          <p:spTgt spid="3"/>
+                                        </p:tgtEl>
+                                        <p:attrNameLst>
+                                          <p:attrName>style.visibility</p:attrName>
+                                        </p:attrNameLst>
+                                      </p:cBhvr>
+                                      <p:to>
+                                        <p:strVal val="visible"/>
+                                      </p:to>
+                                    </p:set>
+                                  </p:childTnLst>
+                                </p:cTn>
+                              </p:par>
+                            </p:childTnLst>
+                          </p:cTn>
+                        </p:par>
+                      </p:childTnLst>
+                    </p:cTn>
+                  </p:par>
+                </p:childTnLst>
+              </p:cTn>
+              <p:prevCondLst>
+                <p:cond evt="onPrev" delay="0">
+                  <p:tgtEl>
+                    <p:sldTgt/>
+                  </p:tgtEl>
+                </p:cond>
+              </p:prevCondLst>
+              <p:nextCondLst>
+                <p:cond evt="onNext" delay="0">
+                  <p:tgtEl>
+                    <p:sldTgt/>
+                  </p:tgtEl>
+                </p:cond>
+              </p:nextCondLst>
+            </p:seq>
+          </p:childTnLst>
+        </p:cTn>
+      </p:par>
+    </p:tnLst>
+    <p:bldLst>
+      <p:bldP spid="3" grpId="0" animBg="1"/>
+    </p:bldLst>
+  </p:timing>
+</p:sld>
+</file>
+
+<file path=ppt/slides/slide20.xml><?xml version="1.0" encoding="utf-8"?>
 <p:sld xmlns:a="http://schemas.openxmlformats.org/drawingml/2006/main" xmlns:r="http://schemas.openxmlformats.org/officeDocument/2006/relationships" xmlns:p="http://schemas.openxmlformats.org/presentationml/2006/main">
   <p:cSld>
     <p:spTree>
@@ -10124,7 +10409,7 @@
           <a:p>
             <a:fld id="{11AD1F4E-1E51-402E-B221-310F004E7D3B}" type="slidenum">
               <a:rPr lang="en-US" smtClean="0"/>
-              <a:t>19</a:t>
+              <a:t>20</a:t>
             </a:fld>
             <a:endParaRPr lang="en-US"/>
           </a:p>
@@ -10376,201 +10661,7 @@
 </p:sld>
 </file>
 
-<file path=ppt/slides/slide2.xml><?xml version="1.0" encoding="utf-8"?>
-<p:sld xmlns:a="http://schemas.openxmlformats.org/drawingml/2006/main" xmlns:r="http://schemas.openxmlformats.org/officeDocument/2006/relationships" xmlns:p="http://schemas.openxmlformats.org/presentationml/2006/main">
-  <p:cSld>
-    <p:spTree>
-      <p:nvGrpSpPr>
-        <p:cNvPr id="1" name=""/>
-        <p:cNvGrpSpPr/>
-        <p:nvPr/>
-      </p:nvGrpSpPr>
-      <p:grpSpPr>
-        <a:xfrm>
-          <a:off x="0" y="0"/>
-          <a:ext cx="0" cy="0"/>
-          <a:chOff x="0" y="0"/>
-          <a:chExt cx="0" cy="0"/>
-        </a:xfrm>
-      </p:grpSpPr>
-      <p:sp>
-        <p:nvSpPr>
-          <p:cNvPr id="2" name="Slide Number Placeholder 1"/>
-          <p:cNvSpPr>
-            <a:spLocks noGrp="1"/>
-          </p:cNvSpPr>
-          <p:nvPr>
-            <p:ph type="sldNum" sz="quarter" idx="12"/>
-          </p:nvPr>
-        </p:nvSpPr>
-        <p:spPr/>
-        <p:txBody>
-          <a:bodyPr/>
-          <a:lstStyle/>
-          <a:p>
-            <a:fld id="{033373DF-BCDA-4600-B448-AFBDB22F4A39}" type="slidenum">
-              <a:rPr lang="en-US" smtClean="0"/>
-              <a:t>2</a:t>
-            </a:fld>
-            <a:endParaRPr lang="en-US"/>
-          </a:p>
-        </p:txBody>
-      </p:sp>
-      <p:sp>
-        <p:nvSpPr>
-          <p:cNvPr id="3" name="TextBox 2"/>
-          <p:cNvSpPr txBox="1"/>
-          <p:nvPr/>
-        </p:nvSpPr>
-        <p:spPr>
-          <a:xfrm>
-            <a:off x="1193194" y="2423057"/>
-            <a:ext cx="3404137" cy="1692771"/>
-          </a:xfrm>
-          <a:prstGeom prst="rect">
-            <a:avLst/>
-          </a:prstGeom>
-          <a:noFill/>
-          <a:ln>
-            <a:solidFill>
-              <a:schemeClr val="tx1"/>
-            </a:solidFill>
-          </a:ln>
-        </p:spPr>
-        <p:txBody>
-          <a:bodyPr wrap="none" rtlCol="0">
-            <a:spAutoFit/>
-          </a:bodyPr>
-          <a:lstStyle/>
-          <a:p>
-            <a:r>
-              <a:rPr lang="en-US" dirty="0"/>
-              <a:t>Presentation based on:</a:t>
-            </a:r>
-            <a:br>
-              <a:rPr lang="en-US" dirty="0"/>
-            </a:br>
-            <a:r>
-              <a:rPr lang="en-US" sz="2800" i="1" dirty="0"/>
-              <a:t>A tour of C++</a:t>
-            </a:r>
-            <a:r>
-              <a:rPr lang="en-US" sz="2800" dirty="0"/>
-              <a:t/>
-            </a:r>
-            <a:br>
-              <a:rPr lang="en-US" sz="2800" dirty="0"/>
-            </a:br>
-            <a:r>
-              <a:rPr lang="en-US" sz="2800" dirty="0"/>
-              <a:t>Bjarne </a:t>
-            </a:r>
-            <a:r>
-              <a:rPr lang="en-US" sz="2800" dirty="0" err="1"/>
-              <a:t>Stroustrup</a:t>
-            </a:r>
-            <a:endParaRPr lang="en-US" sz="2800" dirty="0"/>
-          </a:p>
-          <a:p>
-            <a:r>
-              <a:rPr lang="en-US" sz="2800" dirty="0"/>
-              <a:t>Addison-Wesley, 2014</a:t>
-            </a:r>
-          </a:p>
-        </p:txBody>
-      </p:sp>
-    </p:spTree>
-    <p:extLst>
-      <p:ext uri="{BB962C8B-B14F-4D97-AF65-F5344CB8AC3E}">
-        <p14:creationId xmlns:p14="http://schemas.microsoft.com/office/powerpoint/2010/main" val="2596996315"/>
-      </p:ext>
-    </p:extLst>
-  </p:cSld>
-  <p:clrMapOvr>
-    <a:masterClrMapping/>
-  </p:clrMapOvr>
-  <p:timing>
-    <p:tnLst>
-      <p:par>
-        <p:cTn id="1" dur="indefinite" restart="never" nodeType="tmRoot">
-          <p:childTnLst>
-            <p:seq concurrent="1" nextAc="seek">
-              <p:cTn id="2" dur="indefinite" nodeType="mainSeq">
-                <p:childTnLst>
-                  <p:par>
-                    <p:cTn id="3" fill="hold">
-                      <p:stCondLst>
-                        <p:cond delay="indefinite"/>
-                      </p:stCondLst>
-                      <p:childTnLst>
-                        <p:par>
-                          <p:cTn id="4" fill="hold">
-                            <p:stCondLst>
-                              <p:cond delay="0"/>
-                            </p:stCondLst>
-                            <p:childTnLst>
-                              <p:par>
-                                <p:cTn id="5" presetID="1" presetClass="entr" presetSubtype="0" fill="hold" grpId="0" nodeType="clickEffect">
-                                  <p:stCondLst>
-                                    <p:cond delay="0"/>
-                                  </p:stCondLst>
-                                  <p:childTnLst>
-                                    <p:set>
-                                      <p:cBhvr>
-                                        <p:cTn id="6" dur="1" fill="hold">
-                                          <p:stCondLst>
-                                            <p:cond delay="0"/>
-                                          </p:stCondLst>
-                                        </p:cTn>
-                                        <p:tgtEl>
-                                          <p:spTgt spid="3"/>
-                                        </p:tgtEl>
-                                        <p:attrNameLst>
-                                          <p:attrName>style.visibility</p:attrName>
-                                        </p:attrNameLst>
-                                      </p:cBhvr>
-                                      <p:to>
-                                        <p:strVal val="visible"/>
-                                      </p:to>
-                                    </p:set>
-                                  </p:childTnLst>
-                                </p:cTn>
-                              </p:par>
-                            </p:childTnLst>
-                          </p:cTn>
-                        </p:par>
-                      </p:childTnLst>
-                    </p:cTn>
-                  </p:par>
-                </p:childTnLst>
-              </p:cTn>
-              <p:prevCondLst>
-                <p:cond evt="onPrev" delay="0">
-                  <p:tgtEl>
-                    <p:sldTgt/>
-                  </p:tgtEl>
-                </p:cond>
-              </p:prevCondLst>
-              <p:nextCondLst>
-                <p:cond evt="onNext" delay="0">
-                  <p:tgtEl>
-                    <p:sldTgt/>
-                  </p:tgtEl>
-                </p:cond>
-              </p:nextCondLst>
-            </p:seq>
-          </p:childTnLst>
-        </p:cTn>
-      </p:par>
-    </p:tnLst>
-    <p:bldLst>
-      <p:bldP spid="3" grpId="0" animBg="1"/>
-    </p:bldLst>
-  </p:timing>
-</p:sld>
-</file>
-
-<file path=ppt/slides/slide20.xml><?xml version="1.0" encoding="utf-8"?>
+<file path=ppt/slides/slide21.xml><?xml version="1.0" encoding="utf-8"?>
 <p:sld xmlns:a="http://schemas.openxmlformats.org/drawingml/2006/main" xmlns:r="http://schemas.openxmlformats.org/officeDocument/2006/relationships" xmlns:p="http://schemas.openxmlformats.org/presentationml/2006/main">
   <p:cSld>
     <p:spTree>
@@ -10627,7 +10718,7 @@
           <a:p>
             <a:fld id="{11AD1F4E-1E51-402E-B221-310F004E7D3B}" type="slidenum">
               <a:rPr lang="en-US" smtClean="0"/>
-              <a:t>20</a:t>
+              <a:t>21</a:t>
             </a:fld>
             <a:endParaRPr lang="en-US"/>
           </a:p>
@@ -11224,7 +11315,7 @@
 </p:sld>
 </file>
 
-<file path=ppt/slides/slide21.xml><?xml version="1.0" encoding="utf-8"?>
+<file path=ppt/slides/slide22.xml><?xml version="1.0" encoding="utf-8"?>
 <p:sld xmlns:a="http://schemas.openxmlformats.org/drawingml/2006/main" xmlns:r="http://schemas.openxmlformats.org/officeDocument/2006/relationships" xmlns:p="http://schemas.openxmlformats.org/presentationml/2006/main">
   <p:cSld>
     <p:spTree>
@@ -11419,7 +11510,7 @@
             <a:graphicData uri="http://schemas.openxmlformats.org/presentationml/2006/ole">
               <mc:AlternateContent xmlns:mc="http://schemas.openxmlformats.org/markup-compatibility/2006">
                 <mc:Choice xmlns:v="urn:schemas-microsoft-com:vml" Requires="v">
-                  <p:oleObj spid="_x0000_s4190" name="Equation" r:id="rId3" imgW="419040" imgH="241200" progId="Equation.3">
+                  <p:oleObj spid="_x0000_s4193" name="Equation" r:id="rId3" imgW="419040" imgH="241200" progId="Equation.3">
                     <p:embed/>
                   </p:oleObj>
                 </mc:Choice>
@@ -11507,7 +11598,7 @@
           <a:p>
             <a:fld id="{11AD1F4E-1E51-402E-B221-310F004E7D3B}" type="slidenum">
               <a:rPr lang="en-US" smtClean="0"/>
-              <a:t>21</a:t>
+              <a:t>22</a:t>
             </a:fld>
             <a:endParaRPr lang="en-US"/>
           </a:p>
@@ -13098,7 +13189,7 @@
 </p:sld>
 </file>
 
-<file path=ppt/slides/slide22.xml><?xml version="1.0" encoding="utf-8"?>
+<file path=ppt/slides/slide23.xml><?xml version="1.0" encoding="utf-8"?>
 <p:sld xmlns:a="http://schemas.openxmlformats.org/drawingml/2006/main" xmlns:r="http://schemas.openxmlformats.org/officeDocument/2006/relationships" xmlns:p="http://schemas.openxmlformats.org/presentationml/2006/main">
   <p:cSld>
     <p:spTree>
@@ -13302,7 +13393,7 @@
           <a:p>
             <a:fld id="{11AD1F4E-1E51-402E-B221-310F004E7D3B}" type="slidenum">
               <a:rPr lang="en-US" smtClean="0"/>
-              <a:t>22</a:t>
+              <a:t>23</a:t>
             </a:fld>
             <a:endParaRPr lang="en-US"/>
           </a:p>
@@ -13850,7 +13941,7 @@
 </p:sld>
 </file>
 
-<file path=ppt/slides/slide23.xml><?xml version="1.0" encoding="utf-8"?>
+<file path=ppt/slides/slide24.xml><?xml version="1.0" encoding="utf-8"?>
 <p:sld xmlns:a="http://schemas.openxmlformats.org/drawingml/2006/main" xmlns:r="http://schemas.openxmlformats.org/officeDocument/2006/relationships" xmlns:p="http://schemas.openxmlformats.org/presentationml/2006/main">
   <p:cSld>
     <p:spTree>
@@ -13907,7 +13998,7 @@
           <a:p>
             <a:fld id="{11AD1F4E-1E51-402E-B221-310F004E7D3B}" type="slidenum">
               <a:rPr lang="en-US" smtClean="0"/>
-              <a:t>23</a:t>
+              <a:t>24</a:t>
             </a:fld>
             <a:endParaRPr lang="en-US"/>
           </a:p>
@@ -14267,7 +14358,7 @@
 </p:sld>
 </file>
 
-<file path=ppt/slides/slide24.xml><?xml version="1.0" encoding="utf-8"?>
+<file path=ppt/slides/slide25.xml><?xml version="1.0" encoding="utf-8"?>
 <p:sld xmlns:a="http://schemas.openxmlformats.org/drawingml/2006/main" xmlns:r="http://schemas.openxmlformats.org/officeDocument/2006/relationships" xmlns:p="http://schemas.openxmlformats.org/presentationml/2006/main">
   <p:cSld>
     <p:spTree>
@@ -14438,7 +14529,7 @@
             <a:graphicData uri="http://schemas.openxmlformats.org/presentationml/2006/ole">
               <mc:AlternateContent xmlns:mc="http://schemas.openxmlformats.org/markup-compatibility/2006">
                 <mc:Choice xmlns:v="urn:schemas-microsoft-com:vml" Requires="v">
-                  <p:oleObj spid="_x0000_s5281" name="Equation" r:id="rId3" imgW="444240" imgH="203040" progId="Equation.3">
+                  <p:oleObj spid="_x0000_s5287" name="Equation" r:id="rId3" imgW="444240" imgH="203040" progId="Equation.3">
                     <p:embed/>
                   </p:oleObj>
                 </mc:Choice>
@@ -14526,7 +14617,7 @@
           <a:p>
             <a:fld id="{11AD1F4E-1E51-402E-B221-310F004E7D3B}" type="slidenum">
               <a:rPr lang="en-US" smtClean="0"/>
-              <a:t>24</a:t>
+              <a:t>25</a:t>
             </a:fld>
             <a:endParaRPr lang="en-US"/>
           </a:p>
@@ -14619,7 +14710,7 @@
             <a:graphicData uri="http://schemas.openxmlformats.org/presentationml/2006/ole">
               <mc:AlternateContent xmlns:mc="http://schemas.openxmlformats.org/markup-compatibility/2006">
                 <mc:Choice xmlns:v="urn:schemas-microsoft-com:vml" Requires="v">
-                  <p:oleObj spid="_x0000_s5282" name="Equation" r:id="rId5" imgW="419040" imgH="215640" progId="Equation.3">
+                  <p:oleObj spid="_x0000_s5288" name="Equation" r:id="rId5" imgW="419040" imgH="215640" progId="Equation.3">
                     <p:embed/>
                   </p:oleObj>
                 </mc:Choice>
@@ -15428,7 +15519,7 @@
 </p:sld>
 </file>
 
-<file path=ppt/slides/slide25.xml><?xml version="1.0" encoding="utf-8"?>
+<file path=ppt/slides/slide26.xml><?xml version="1.0" encoding="utf-8"?>
 <p:sld xmlns:a="http://schemas.openxmlformats.org/drawingml/2006/main" xmlns:r="http://schemas.openxmlformats.org/officeDocument/2006/relationships" xmlns:p="http://schemas.openxmlformats.org/presentationml/2006/main">
   <p:cSld>
     <p:spTree>
@@ -15612,7 +15703,7 @@
           <a:p>
             <a:fld id="{11AD1F4E-1E51-402E-B221-310F004E7D3B}" type="slidenum">
               <a:rPr lang="en-US" smtClean="0"/>
-              <a:t>25</a:t>
+              <a:t>26</a:t>
             </a:fld>
             <a:endParaRPr lang="en-US"/>
           </a:p>
@@ -16209,7 +16300,7 @@
 </p:sld>
 </file>
 
-<file path=ppt/slides/slide26.xml><?xml version="1.0" encoding="utf-8"?>
+<file path=ppt/slides/slide27.xml><?xml version="1.0" encoding="utf-8"?>
 <p:sld xmlns:a="http://schemas.openxmlformats.org/drawingml/2006/main" xmlns:r="http://schemas.openxmlformats.org/officeDocument/2006/relationships" xmlns:p="http://schemas.openxmlformats.org/presentationml/2006/main">
   <p:cSld>
     <p:spTree>
@@ -16266,7 +16357,7 @@
           <a:p>
             <a:fld id="{11AD1F4E-1E51-402E-B221-310F004E7D3B}" type="slidenum">
               <a:rPr lang="en-US" smtClean="0"/>
-              <a:t>26</a:t>
+              <a:t>27</a:t>
             </a:fld>
             <a:endParaRPr lang="en-US"/>
           </a:p>
@@ -16945,7 +17036,7 @@
 </p:sld>
 </file>
 
-<file path=ppt/slides/slide27.xml><?xml version="1.0" encoding="utf-8"?>
+<file path=ppt/slides/slide28.xml><?xml version="1.0" encoding="utf-8"?>
 <p:sld xmlns:a="http://schemas.openxmlformats.org/drawingml/2006/main" xmlns:r="http://schemas.openxmlformats.org/officeDocument/2006/relationships" xmlns:p="http://schemas.openxmlformats.org/presentationml/2006/main">
   <p:cSld>
     <p:spTree>
@@ -17123,7 +17214,7 @@
             <a:graphicData uri="http://schemas.openxmlformats.org/presentationml/2006/ole">
               <mc:AlternateContent xmlns:mc="http://schemas.openxmlformats.org/markup-compatibility/2006">
                 <mc:Choice xmlns:v="urn:schemas-microsoft-com:vml" Requires="v">
-                  <p:oleObj spid="_x0000_s6411" name="Equation" r:id="rId3" imgW="774360" imgH="215640" progId="Equation.3">
+                  <p:oleObj spid="_x0000_s6420" name="Equation" r:id="rId3" imgW="774360" imgH="215640" progId="Equation.3">
                     <p:embed/>
                   </p:oleObj>
                 </mc:Choice>
@@ -17214,7 +17305,7 @@
           <a:p>
             <a:fld id="{11AD1F4E-1E51-402E-B221-310F004E7D3B}" type="slidenum">
               <a:rPr lang="en-US" smtClean="0"/>
-              <a:t>27</a:t>
+              <a:t>28</a:t>
             </a:fld>
             <a:endParaRPr lang="en-US"/>
           </a:p>
@@ -17358,7 +17449,7 @@
             <a:graphicData uri="http://schemas.openxmlformats.org/presentationml/2006/ole">
               <mc:AlternateContent xmlns:mc="http://schemas.openxmlformats.org/markup-compatibility/2006">
                 <mc:Choice xmlns:v="urn:schemas-microsoft-com:vml" Requires="v">
-                  <p:oleObj spid="_x0000_s6412" name="Equation" r:id="rId5" imgW="622080" imgH="215640" progId="Equation.3">
+                  <p:oleObj spid="_x0000_s6421" name="Equation" r:id="rId5" imgW="622080" imgH="215640" progId="Equation.3">
                     <p:embed/>
                   </p:oleObj>
                 </mc:Choice>
@@ -17415,7 +17506,7 @@
             <a:graphicData uri="http://schemas.openxmlformats.org/presentationml/2006/ole">
               <mc:AlternateContent xmlns:mc="http://schemas.openxmlformats.org/markup-compatibility/2006">
                 <mc:Choice xmlns:v="urn:schemas-microsoft-com:vml" Requires="v">
-                  <p:oleObj spid="_x0000_s6413" name="Equation" r:id="rId7" imgW="749160" imgH="215640" progId="Equation.3">
+                  <p:oleObj spid="_x0000_s6422" name="Equation" r:id="rId7" imgW="749160" imgH="215640" progId="Equation.3">
                     <p:embed/>
                   </p:oleObj>
                 </mc:Choice>
@@ -18562,7 +18653,7 @@
 </p:sld>
 </file>
 
-<file path=ppt/slides/slide28.xml><?xml version="1.0" encoding="utf-8"?>
+<file path=ppt/slides/slide29.xml><?xml version="1.0" encoding="utf-8"?>
 <p:sld xmlns:a="http://schemas.openxmlformats.org/drawingml/2006/main" xmlns:r="http://schemas.openxmlformats.org/officeDocument/2006/relationships" xmlns:p="http://schemas.openxmlformats.org/presentationml/2006/main">
   <p:cSld>
     <p:spTree>
@@ -18800,7 +18891,7 @@
           <a:p>
             <a:fld id="{11AD1F4E-1E51-402E-B221-310F004E7D3B}" type="slidenum">
               <a:rPr lang="en-US" smtClean="0"/>
-              <a:t>28</a:t>
+              <a:t>29</a:t>
             </a:fld>
             <a:endParaRPr lang="en-US"/>
           </a:p>
@@ -19446,800 +19537,6 @@
 </p:sld>
 </file>
 
-<file path=ppt/slides/slide29.xml><?xml version="1.0" encoding="utf-8"?>
-<p:sld xmlns:a="http://schemas.openxmlformats.org/drawingml/2006/main" xmlns:r="http://schemas.openxmlformats.org/officeDocument/2006/relationships" xmlns:p="http://schemas.openxmlformats.org/presentationml/2006/main">
-  <p:cSld>
-    <p:spTree>
-      <p:nvGrpSpPr>
-        <p:cNvPr id="1" name=""/>
-        <p:cNvGrpSpPr/>
-        <p:nvPr/>
-      </p:nvGrpSpPr>
-      <p:grpSpPr>
-        <a:xfrm>
-          <a:off x="0" y="0"/>
-          <a:ext cx="0" cy="0"/>
-          <a:chOff x="0" y="0"/>
-          <a:chExt cx="0" cy="0"/>
-        </a:xfrm>
-      </p:grpSpPr>
-      <p:sp>
-        <p:nvSpPr>
-          <p:cNvPr id="2" name="Title 1"/>
-          <p:cNvSpPr>
-            <a:spLocks noGrp="1"/>
-          </p:cNvSpPr>
-          <p:nvPr>
-            <p:ph type="title"/>
-          </p:nvPr>
-        </p:nvSpPr>
-        <p:spPr/>
-        <p:txBody>
-          <a:bodyPr/>
-          <a:lstStyle/>
-          <a:p>
-            <a:r>
-              <a:rPr lang="en-US" dirty="0" smtClean="0"/>
-              <a:t>Map example</a:t>
-            </a:r>
-            <a:endParaRPr lang="en-US" dirty="0"/>
-          </a:p>
-        </p:txBody>
-      </p:sp>
-      <p:sp>
-        <p:nvSpPr>
-          <p:cNvPr id="4" name="Slide Number Placeholder 3"/>
-          <p:cNvSpPr>
-            <a:spLocks noGrp="1"/>
-          </p:cNvSpPr>
-          <p:nvPr>
-            <p:ph type="sldNum" sz="quarter" idx="12"/>
-          </p:nvPr>
-        </p:nvSpPr>
-        <p:spPr/>
-        <p:txBody>
-          <a:bodyPr/>
-          <a:lstStyle/>
-          <a:p>
-            <a:fld id="{11AD1F4E-1E51-402E-B221-310F004E7D3B}" type="slidenum">
-              <a:rPr lang="en-US" smtClean="0"/>
-              <a:t>29</a:t>
-            </a:fld>
-            <a:endParaRPr lang="en-US"/>
-          </a:p>
-        </p:txBody>
-      </p:sp>
-      <p:sp>
-        <p:nvSpPr>
-          <p:cNvPr id="5" name="TextBox 4"/>
-          <p:cNvSpPr txBox="1"/>
-          <p:nvPr/>
-        </p:nvSpPr>
-        <p:spPr>
-          <a:xfrm>
-            <a:off x="758537" y="1690689"/>
-            <a:ext cx="7845136" cy="4524315"/>
-          </a:xfrm>
-          <a:prstGeom prst="rect">
-            <a:avLst/>
-          </a:prstGeom>
-          <a:solidFill>
-            <a:schemeClr val="bg1">
-              <a:lumMod val="75000"/>
-            </a:schemeClr>
-          </a:solidFill>
-          <a:ln>
-            <a:solidFill>
-              <a:schemeClr val="tx1"/>
-            </a:solidFill>
-          </a:ln>
-        </p:spPr>
-        <p:txBody>
-          <a:bodyPr wrap="square" rtlCol="0">
-            <a:spAutoFit/>
-          </a:bodyPr>
-          <a:lstStyle/>
-          <a:p>
-            <a:r>
-              <a:rPr lang="en-US" dirty="0">
-                <a:latin typeface="Courier New" panose="02070309020205020404" pitchFamily="49" charset="0"/>
-                <a:cs typeface="Courier New" panose="02070309020205020404" pitchFamily="49" charset="0"/>
-              </a:rPr>
-              <a:t>#include &lt;</a:t>
-            </a:r>
-            <a:r>
-              <a:rPr lang="en-US" dirty="0" err="1">
-                <a:latin typeface="Courier New" panose="02070309020205020404" pitchFamily="49" charset="0"/>
-                <a:cs typeface="Courier New" panose="02070309020205020404" pitchFamily="49" charset="0"/>
-              </a:rPr>
-              <a:t>iostream</a:t>
-            </a:r>
-            <a:r>
-              <a:rPr lang="en-US" dirty="0">
-                <a:latin typeface="Courier New" panose="02070309020205020404" pitchFamily="49" charset="0"/>
-                <a:cs typeface="Courier New" panose="02070309020205020404" pitchFamily="49" charset="0"/>
-              </a:rPr>
-              <a:t>&gt;</a:t>
-            </a:r>
-          </a:p>
-          <a:p>
-            <a:r>
-              <a:rPr lang="en-US" dirty="0">
-                <a:latin typeface="Courier New" panose="02070309020205020404" pitchFamily="49" charset="0"/>
-                <a:cs typeface="Courier New" panose="02070309020205020404" pitchFamily="49" charset="0"/>
-              </a:rPr>
-              <a:t>#include &lt;</a:t>
-            </a:r>
-            <a:r>
-              <a:rPr lang="en-US" dirty="0" err="1">
-                <a:latin typeface="Courier New" panose="02070309020205020404" pitchFamily="49" charset="0"/>
-                <a:cs typeface="Courier New" panose="02070309020205020404" pitchFamily="49" charset="0"/>
-              </a:rPr>
-              <a:t>unordered_map</a:t>
-            </a:r>
-            <a:r>
-              <a:rPr lang="en-US" dirty="0">
-                <a:latin typeface="Courier New" panose="02070309020205020404" pitchFamily="49" charset="0"/>
-                <a:cs typeface="Courier New" panose="02070309020205020404" pitchFamily="49" charset="0"/>
-              </a:rPr>
-              <a:t>&gt;</a:t>
-            </a:r>
-          </a:p>
-          <a:p>
-            <a:endParaRPr lang="en-US" dirty="0">
-              <a:latin typeface="Courier New" panose="02070309020205020404" pitchFamily="49" charset="0"/>
-              <a:cs typeface="Courier New" panose="02070309020205020404" pitchFamily="49" charset="0"/>
-            </a:endParaRPr>
-          </a:p>
-          <a:p>
-            <a:r>
-              <a:rPr lang="en-US" dirty="0" err="1" smtClean="0">
-                <a:latin typeface="Courier New" panose="02070309020205020404" pitchFamily="49" charset="0"/>
-                <a:cs typeface="Courier New" panose="02070309020205020404" pitchFamily="49" charset="0"/>
-              </a:rPr>
-              <a:t>int</a:t>
-            </a:r>
-            <a:r>
-              <a:rPr lang="en-US" dirty="0" smtClean="0">
-                <a:latin typeface="Courier New" panose="02070309020205020404" pitchFamily="49" charset="0"/>
-                <a:cs typeface="Courier New" panose="02070309020205020404" pitchFamily="49" charset="0"/>
-              </a:rPr>
-              <a:t> </a:t>
-            </a:r>
-            <a:r>
-              <a:rPr lang="en-US" dirty="0">
-                <a:latin typeface="Courier New" panose="02070309020205020404" pitchFamily="49" charset="0"/>
-                <a:cs typeface="Courier New" panose="02070309020205020404" pitchFamily="49" charset="0"/>
-              </a:rPr>
-              <a:t>main(void) {</a:t>
-            </a:r>
-          </a:p>
-          <a:p>
-            <a:r>
-              <a:rPr lang="en-US" dirty="0">
-                <a:latin typeface="Courier New" panose="02070309020205020404" pitchFamily="49" charset="0"/>
-                <a:cs typeface="Courier New" panose="02070309020205020404" pitchFamily="49" charset="0"/>
-              </a:rPr>
-              <a:t>    </a:t>
-            </a:r>
-            <a:r>
-              <a:rPr lang="en-US" dirty="0" err="1" smtClean="0">
-                <a:latin typeface="Courier New" panose="02070309020205020404" pitchFamily="49" charset="0"/>
-                <a:cs typeface="Courier New" panose="02070309020205020404" pitchFamily="49" charset="0"/>
-              </a:rPr>
-              <a:t>std</a:t>
-            </a:r>
-            <a:r>
-              <a:rPr lang="en-US" dirty="0" smtClean="0">
-                <a:latin typeface="Courier New" panose="02070309020205020404" pitchFamily="49" charset="0"/>
-                <a:cs typeface="Courier New" panose="02070309020205020404" pitchFamily="49" charset="0"/>
-              </a:rPr>
-              <a:t>::string </a:t>
-            </a:r>
-            <a:r>
-              <a:rPr lang="en-US" dirty="0">
-                <a:latin typeface="Courier New" panose="02070309020205020404" pitchFamily="49" charset="0"/>
-                <a:cs typeface="Courier New" panose="02070309020205020404" pitchFamily="49" charset="0"/>
-              </a:rPr>
-              <a:t>col1, col2, col3;</a:t>
-            </a:r>
-          </a:p>
-          <a:p>
-            <a:r>
-              <a:rPr lang="en-US" dirty="0">
-                <a:latin typeface="Courier New" panose="02070309020205020404" pitchFamily="49" charset="0"/>
-                <a:cs typeface="Courier New" panose="02070309020205020404" pitchFamily="49" charset="0"/>
-              </a:rPr>
-              <a:t>    </a:t>
-            </a:r>
-            <a:r>
-              <a:rPr lang="en-US" dirty="0" err="1" smtClean="0">
-                <a:latin typeface="Courier New" panose="02070309020205020404" pitchFamily="49" charset="0"/>
-                <a:cs typeface="Courier New" panose="02070309020205020404" pitchFamily="49" charset="0"/>
-              </a:rPr>
-              <a:t>std</a:t>
-            </a:r>
-            <a:r>
-              <a:rPr lang="en-US" dirty="0" smtClean="0">
-                <a:latin typeface="Courier New" panose="02070309020205020404" pitchFamily="49" charset="0"/>
-                <a:cs typeface="Courier New" panose="02070309020205020404" pitchFamily="49" charset="0"/>
-              </a:rPr>
-              <a:t>::</a:t>
-            </a:r>
-            <a:r>
-              <a:rPr lang="en-US" dirty="0" err="1" smtClean="0">
-                <a:latin typeface="Courier New" panose="02070309020205020404" pitchFamily="49" charset="0"/>
-                <a:cs typeface="Courier New" panose="02070309020205020404" pitchFamily="49" charset="0"/>
-              </a:rPr>
-              <a:t>cin</a:t>
-            </a:r>
-            <a:r>
-              <a:rPr lang="en-US" dirty="0" smtClean="0">
-                <a:latin typeface="Courier New" panose="02070309020205020404" pitchFamily="49" charset="0"/>
-                <a:cs typeface="Courier New" panose="02070309020205020404" pitchFamily="49" charset="0"/>
-              </a:rPr>
-              <a:t> </a:t>
-            </a:r>
-            <a:r>
-              <a:rPr lang="en-US" dirty="0">
-                <a:latin typeface="Courier New" panose="02070309020205020404" pitchFamily="49" charset="0"/>
-                <a:cs typeface="Courier New" panose="02070309020205020404" pitchFamily="49" charset="0"/>
-              </a:rPr>
-              <a:t>&gt;&gt; col1 &gt;&gt; col2 &gt;&gt; col3;</a:t>
-            </a:r>
-          </a:p>
-          <a:p>
-            <a:r>
-              <a:rPr lang="en-US" dirty="0">
-                <a:latin typeface="Courier New" panose="02070309020205020404" pitchFamily="49" charset="0"/>
-                <a:cs typeface="Courier New" panose="02070309020205020404" pitchFamily="49" charset="0"/>
-              </a:rPr>
-              <a:t>    </a:t>
-            </a:r>
-            <a:r>
-              <a:rPr lang="en-US" dirty="0" err="1">
-                <a:latin typeface="Courier New" panose="02070309020205020404" pitchFamily="49" charset="0"/>
-                <a:cs typeface="Courier New" panose="02070309020205020404" pitchFamily="49" charset="0"/>
-              </a:rPr>
-              <a:t>int</a:t>
-            </a:r>
-            <a:r>
-              <a:rPr lang="en-US" dirty="0">
-                <a:latin typeface="Courier New" panose="02070309020205020404" pitchFamily="49" charset="0"/>
-                <a:cs typeface="Courier New" panose="02070309020205020404" pitchFamily="49" charset="0"/>
-              </a:rPr>
-              <a:t> id, </a:t>
-            </a:r>
-            <a:r>
-              <a:rPr lang="en-US" dirty="0" err="1">
-                <a:latin typeface="Courier New" panose="02070309020205020404" pitchFamily="49" charset="0"/>
-                <a:cs typeface="Courier New" panose="02070309020205020404" pitchFamily="49" charset="0"/>
-              </a:rPr>
-              <a:t>dim_nr</a:t>
-            </a:r>
-            <a:r>
-              <a:rPr lang="en-US" dirty="0">
-                <a:latin typeface="Courier New" panose="02070309020205020404" pitchFamily="49" charset="0"/>
-                <a:cs typeface="Courier New" panose="02070309020205020404" pitchFamily="49" charset="0"/>
-              </a:rPr>
-              <a:t>;</a:t>
-            </a:r>
-          </a:p>
-          <a:p>
-            <a:r>
-              <a:rPr lang="en-US" dirty="0">
-                <a:latin typeface="Courier New" panose="02070309020205020404" pitchFamily="49" charset="0"/>
-                <a:cs typeface="Courier New" panose="02070309020205020404" pitchFamily="49" charset="0"/>
-              </a:rPr>
-              <a:t>    double temp;</a:t>
-            </a:r>
-          </a:p>
-          <a:p>
-            <a:r>
-              <a:rPr lang="en-US" dirty="0">
-                <a:latin typeface="Courier New" panose="02070309020205020404" pitchFamily="49" charset="0"/>
-                <a:cs typeface="Courier New" panose="02070309020205020404" pitchFamily="49" charset="0"/>
-              </a:rPr>
-              <a:t>    </a:t>
-            </a:r>
-            <a:r>
-              <a:rPr lang="en-US" dirty="0" err="1" smtClean="0">
-                <a:latin typeface="Courier New" panose="02070309020205020404" pitchFamily="49" charset="0"/>
-                <a:cs typeface="Courier New" panose="02070309020205020404" pitchFamily="49" charset="0"/>
-              </a:rPr>
-              <a:t>std</a:t>
-            </a:r>
-            <a:r>
-              <a:rPr lang="en-US" dirty="0" smtClean="0">
-                <a:latin typeface="Courier New" panose="02070309020205020404" pitchFamily="49" charset="0"/>
-                <a:cs typeface="Courier New" panose="02070309020205020404" pitchFamily="49" charset="0"/>
-              </a:rPr>
-              <a:t>::</a:t>
-            </a:r>
-            <a:r>
-              <a:rPr lang="en-US" dirty="0" err="1" smtClean="0">
-                <a:latin typeface="Courier New" panose="02070309020205020404" pitchFamily="49" charset="0"/>
-                <a:cs typeface="Courier New" panose="02070309020205020404" pitchFamily="49" charset="0"/>
-              </a:rPr>
-              <a:t>unordered_map</a:t>
-            </a:r>
-            <a:r>
-              <a:rPr lang="en-US" dirty="0" smtClean="0">
-                <a:latin typeface="Courier New" panose="02070309020205020404" pitchFamily="49" charset="0"/>
-                <a:cs typeface="Courier New" panose="02070309020205020404" pitchFamily="49" charset="0"/>
-              </a:rPr>
-              <a:t>&lt;</a:t>
-            </a:r>
-            <a:r>
-              <a:rPr lang="en-US" dirty="0" err="1" smtClean="0">
-                <a:latin typeface="Courier New" panose="02070309020205020404" pitchFamily="49" charset="0"/>
-                <a:cs typeface="Courier New" panose="02070309020205020404" pitchFamily="49" charset="0"/>
-              </a:rPr>
-              <a:t>int</a:t>
-            </a:r>
-            <a:r>
-              <a:rPr lang="en-US" dirty="0">
-                <a:latin typeface="Courier New" panose="02070309020205020404" pitchFamily="49" charset="0"/>
-                <a:cs typeface="Courier New" panose="02070309020205020404" pitchFamily="49" charset="0"/>
-              </a:rPr>
-              <a:t>, </a:t>
-            </a:r>
-            <a:r>
-              <a:rPr lang="en-US" dirty="0" err="1">
-                <a:latin typeface="Courier New" panose="02070309020205020404" pitchFamily="49" charset="0"/>
-                <a:cs typeface="Courier New" panose="02070309020205020404" pitchFamily="49" charset="0"/>
-              </a:rPr>
-              <a:t>int</a:t>
-            </a:r>
-            <a:r>
-              <a:rPr lang="en-US" dirty="0">
-                <a:latin typeface="Courier New" panose="02070309020205020404" pitchFamily="49" charset="0"/>
-                <a:cs typeface="Courier New" panose="02070309020205020404" pitchFamily="49" charset="0"/>
-              </a:rPr>
-              <a:t>&gt; </a:t>
-            </a:r>
-            <a:r>
-              <a:rPr lang="en-US" dirty="0" err="1">
-                <a:latin typeface="Courier New" panose="02070309020205020404" pitchFamily="49" charset="0"/>
-                <a:cs typeface="Courier New" panose="02070309020205020404" pitchFamily="49" charset="0"/>
-              </a:rPr>
-              <a:t>dim_nr_counts</a:t>
-            </a:r>
-            <a:r>
-              <a:rPr lang="en-US" dirty="0">
-                <a:latin typeface="Courier New" panose="02070309020205020404" pitchFamily="49" charset="0"/>
-                <a:cs typeface="Courier New" panose="02070309020205020404" pitchFamily="49" charset="0"/>
-              </a:rPr>
-              <a:t>;</a:t>
-            </a:r>
-          </a:p>
-          <a:p>
-            <a:r>
-              <a:rPr lang="en-US" dirty="0">
-                <a:latin typeface="Courier New" panose="02070309020205020404" pitchFamily="49" charset="0"/>
-                <a:cs typeface="Courier New" panose="02070309020205020404" pitchFamily="49" charset="0"/>
-              </a:rPr>
-              <a:t>    while </a:t>
-            </a:r>
-            <a:r>
-              <a:rPr lang="en-US" dirty="0" smtClean="0">
-                <a:latin typeface="Courier New" panose="02070309020205020404" pitchFamily="49" charset="0"/>
-                <a:cs typeface="Courier New" panose="02070309020205020404" pitchFamily="49" charset="0"/>
-              </a:rPr>
-              <a:t>(</a:t>
-            </a:r>
-            <a:r>
-              <a:rPr lang="en-US" dirty="0" err="1" smtClean="0">
-                <a:latin typeface="Courier New" panose="02070309020205020404" pitchFamily="49" charset="0"/>
-                <a:cs typeface="Courier New" panose="02070309020205020404" pitchFamily="49" charset="0"/>
-              </a:rPr>
-              <a:t>std</a:t>
-            </a:r>
-            <a:r>
-              <a:rPr lang="en-US" dirty="0" smtClean="0">
-                <a:latin typeface="Courier New" panose="02070309020205020404" pitchFamily="49" charset="0"/>
-                <a:cs typeface="Courier New" panose="02070309020205020404" pitchFamily="49" charset="0"/>
-              </a:rPr>
-              <a:t>::</a:t>
-            </a:r>
-            <a:r>
-              <a:rPr lang="en-US" dirty="0" err="1" smtClean="0">
-                <a:latin typeface="Courier New" panose="02070309020205020404" pitchFamily="49" charset="0"/>
-                <a:cs typeface="Courier New" panose="02070309020205020404" pitchFamily="49" charset="0"/>
-              </a:rPr>
-              <a:t>cin</a:t>
-            </a:r>
-            <a:r>
-              <a:rPr lang="en-US" dirty="0" smtClean="0">
-                <a:latin typeface="Courier New" panose="02070309020205020404" pitchFamily="49" charset="0"/>
-                <a:cs typeface="Courier New" panose="02070309020205020404" pitchFamily="49" charset="0"/>
-              </a:rPr>
-              <a:t> </a:t>
-            </a:r>
-            <a:r>
-              <a:rPr lang="en-US" dirty="0">
-                <a:latin typeface="Courier New" panose="02070309020205020404" pitchFamily="49" charset="0"/>
-                <a:cs typeface="Courier New" panose="02070309020205020404" pitchFamily="49" charset="0"/>
-              </a:rPr>
-              <a:t>&gt;&gt; id &gt;&gt; </a:t>
-            </a:r>
-            <a:r>
-              <a:rPr lang="en-US" dirty="0" err="1">
-                <a:latin typeface="Courier New" panose="02070309020205020404" pitchFamily="49" charset="0"/>
-                <a:cs typeface="Courier New" panose="02070309020205020404" pitchFamily="49" charset="0"/>
-              </a:rPr>
-              <a:t>dim_nr</a:t>
-            </a:r>
-            <a:r>
-              <a:rPr lang="en-US" dirty="0">
-                <a:latin typeface="Courier New" panose="02070309020205020404" pitchFamily="49" charset="0"/>
-                <a:cs typeface="Courier New" panose="02070309020205020404" pitchFamily="49" charset="0"/>
-              </a:rPr>
-              <a:t> &gt;&gt; temp)</a:t>
-            </a:r>
-          </a:p>
-          <a:p>
-            <a:r>
-              <a:rPr lang="en-US" dirty="0">
-                <a:latin typeface="Courier New" panose="02070309020205020404" pitchFamily="49" charset="0"/>
-                <a:cs typeface="Courier New" panose="02070309020205020404" pitchFamily="49" charset="0"/>
-              </a:rPr>
-              <a:t>        </a:t>
-            </a:r>
-            <a:r>
-              <a:rPr lang="en-US" dirty="0" err="1">
-                <a:latin typeface="Courier New" panose="02070309020205020404" pitchFamily="49" charset="0"/>
-                <a:cs typeface="Courier New" panose="02070309020205020404" pitchFamily="49" charset="0"/>
-              </a:rPr>
-              <a:t>dim_nr_counts</a:t>
-            </a:r>
-            <a:r>
-              <a:rPr lang="en-US" dirty="0">
-                <a:latin typeface="Courier New" panose="02070309020205020404" pitchFamily="49" charset="0"/>
-                <a:cs typeface="Courier New" panose="02070309020205020404" pitchFamily="49" charset="0"/>
-              </a:rPr>
-              <a:t>[</a:t>
-            </a:r>
-            <a:r>
-              <a:rPr lang="en-US" dirty="0" err="1">
-                <a:latin typeface="Courier New" panose="02070309020205020404" pitchFamily="49" charset="0"/>
-                <a:cs typeface="Courier New" panose="02070309020205020404" pitchFamily="49" charset="0"/>
-              </a:rPr>
-              <a:t>dim_nr</a:t>
-            </a:r>
-            <a:r>
-              <a:rPr lang="en-US" dirty="0">
-                <a:latin typeface="Courier New" panose="02070309020205020404" pitchFamily="49" charset="0"/>
-                <a:cs typeface="Courier New" panose="02070309020205020404" pitchFamily="49" charset="0"/>
-              </a:rPr>
-              <a:t>]++;</a:t>
-            </a:r>
-          </a:p>
-          <a:p>
-            <a:r>
-              <a:rPr lang="en-US" dirty="0">
-                <a:latin typeface="Courier New" panose="02070309020205020404" pitchFamily="49" charset="0"/>
-                <a:cs typeface="Courier New" panose="02070309020205020404" pitchFamily="49" charset="0"/>
-              </a:rPr>
-              <a:t>    for (auto </a:t>
-            </a:r>
-            <a:r>
-              <a:rPr lang="en-US" dirty="0" err="1">
-                <a:latin typeface="Courier New" panose="02070309020205020404" pitchFamily="49" charset="0"/>
-                <a:cs typeface="Courier New" panose="02070309020205020404" pitchFamily="49" charset="0"/>
-              </a:rPr>
-              <a:t>dim_nr</a:t>
-            </a:r>
-            <a:r>
-              <a:rPr lang="en-US" dirty="0">
-                <a:latin typeface="Courier New" panose="02070309020205020404" pitchFamily="49" charset="0"/>
-                <a:cs typeface="Courier New" panose="02070309020205020404" pitchFamily="49" charset="0"/>
-              </a:rPr>
-              <a:t>: </a:t>
-            </a:r>
-            <a:r>
-              <a:rPr lang="en-US" dirty="0" err="1">
-                <a:latin typeface="Courier New" panose="02070309020205020404" pitchFamily="49" charset="0"/>
-                <a:cs typeface="Courier New" panose="02070309020205020404" pitchFamily="49" charset="0"/>
-              </a:rPr>
-              <a:t>dim_nr_counts</a:t>
-            </a:r>
-            <a:r>
-              <a:rPr lang="en-US" dirty="0">
-                <a:latin typeface="Courier New" panose="02070309020205020404" pitchFamily="49" charset="0"/>
-                <a:cs typeface="Courier New" panose="02070309020205020404" pitchFamily="49" charset="0"/>
-              </a:rPr>
-              <a:t>)</a:t>
-            </a:r>
-          </a:p>
-          <a:p>
-            <a:r>
-              <a:rPr lang="en-US" dirty="0">
-                <a:latin typeface="Courier New" panose="02070309020205020404" pitchFamily="49" charset="0"/>
-                <a:cs typeface="Courier New" panose="02070309020205020404" pitchFamily="49" charset="0"/>
-              </a:rPr>
-              <a:t>        </a:t>
-            </a:r>
-            <a:r>
-              <a:rPr lang="en-US" dirty="0" err="1" smtClean="0">
-                <a:latin typeface="Courier New" panose="02070309020205020404" pitchFamily="49" charset="0"/>
-                <a:cs typeface="Courier New" panose="02070309020205020404" pitchFamily="49" charset="0"/>
-              </a:rPr>
-              <a:t>std</a:t>
-            </a:r>
-            <a:r>
-              <a:rPr lang="en-US" dirty="0" smtClean="0">
-                <a:latin typeface="Courier New" panose="02070309020205020404" pitchFamily="49" charset="0"/>
-                <a:cs typeface="Courier New" panose="02070309020205020404" pitchFamily="49" charset="0"/>
-              </a:rPr>
-              <a:t>::</a:t>
-            </a:r>
-            <a:r>
-              <a:rPr lang="en-US" dirty="0" err="1" smtClean="0">
-                <a:latin typeface="Courier New" panose="02070309020205020404" pitchFamily="49" charset="0"/>
-                <a:cs typeface="Courier New" panose="02070309020205020404" pitchFamily="49" charset="0"/>
-              </a:rPr>
-              <a:t>cout</a:t>
-            </a:r>
-            <a:r>
-              <a:rPr lang="en-US" dirty="0" smtClean="0">
-                <a:latin typeface="Courier New" panose="02070309020205020404" pitchFamily="49" charset="0"/>
-                <a:cs typeface="Courier New" panose="02070309020205020404" pitchFamily="49" charset="0"/>
-              </a:rPr>
-              <a:t> </a:t>
-            </a:r>
-            <a:r>
-              <a:rPr lang="en-US" dirty="0">
-                <a:latin typeface="Courier New" panose="02070309020205020404" pitchFamily="49" charset="0"/>
-                <a:cs typeface="Courier New" panose="02070309020205020404" pitchFamily="49" charset="0"/>
-              </a:rPr>
-              <a:t>&lt;&lt; </a:t>
-            </a:r>
-            <a:r>
-              <a:rPr lang="en-US" dirty="0" err="1">
-                <a:latin typeface="Courier New" panose="02070309020205020404" pitchFamily="49" charset="0"/>
-                <a:cs typeface="Courier New" panose="02070309020205020404" pitchFamily="49" charset="0"/>
-              </a:rPr>
-              <a:t>dim_nr.first</a:t>
-            </a:r>
-            <a:r>
-              <a:rPr lang="en-US" dirty="0">
-                <a:latin typeface="Courier New" panose="02070309020205020404" pitchFamily="49" charset="0"/>
-                <a:cs typeface="Courier New" panose="02070309020205020404" pitchFamily="49" charset="0"/>
-              </a:rPr>
-              <a:t> &lt;&lt; ": </a:t>
-            </a:r>
-            <a:r>
-              <a:rPr lang="en-US" dirty="0" smtClean="0">
-                <a:latin typeface="Courier New" panose="02070309020205020404" pitchFamily="49" charset="0"/>
-                <a:cs typeface="Courier New" panose="02070309020205020404" pitchFamily="49" charset="0"/>
-              </a:rPr>
-              <a:t>"</a:t>
-            </a:r>
-          </a:p>
-          <a:p>
-            <a:r>
-              <a:rPr lang="en-US" dirty="0">
-                <a:latin typeface="Courier New" panose="02070309020205020404" pitchFamily="49" charset="0"/>
-                <a:cs typeface="Courier New" panose="02070309020205020404" pitchFamily="49" charset="0"/>
-              </a:rPr>
-              <a:t> </a:t>
-            </a:r>
-            <a:r>
-              <a:rPr lang="en-US" dirty="0" smtClean="0">
-                <a:latin typeface="Courier New" panose="02070309020205020404" pitchFamily="49" charset="0"/>
-                <a:cs typeface="Courier New" panose="02070309020205020404" pitchFamily="49" charset="0"/>
-              </a:rPr>
-              <a:t>                 &lt;&lt; </a:t>
-            </a:r>
-            <a:r>
-              <a:rPr lang="en-US" dirty="0" err="1">
-                <a:latin typeface="Courier New" panose="02070309020205020404" pitchFamily="49" charset="0"/>
-                <a:cs typeface="Courier New" panose="02070309020205020404" pitchFamily="49" charset="0"/>
-              </a:rPr>
-              <a:t>dim_nr.second</a:t>
-            </a:r>
-            <a:r>
-              <a:rPr lang="en-US" dirty="0">
-                <a:latin typeface="Courier New" panose="02070309020205020404" pitchFamily="49" charset="0"/>
-                <a:cs typeface="Courier New" panose="02070309020205020404" pitchFamily="49" charset="0"/>
-              </a:rPr>
-              <a:t> &lt;&lt; </a:t>
-            </a:r>
-            <a:r>
-              <a:rPr lang="en-US" dirty="0" err="1" smtClean="0">
-                <a:latin typeface="Courier New" panose="02070309020205020404" pitchFamily="49" charset="0"/>
-                <a:cs typeface="Courier New" panose="02070309020205020404" pitchFamily="49" charset="0"/>
-              </a:rPr>
-              <a:t>std</a:t>
-            </a:r>
-            <a:r>
-              <a:rPr lang="en-US" dirty="0" smtClean="0">
-                <a:latin typeface="Courier New" panose="02070309020205020404" pitchFamily="49" charset="0"/>
-                <a:cs typeface="Courier New" panose="02070309020205020404" pitchFamily="49" charset="0"/>
-              </a:rPr>
-              <a:t>::</a:t>
-            </a:r>
-            <a:r>
-              <a:rPr lang="en-US" dirty="0" err="1" smtClean="0">
-                <a:latin typeface="Courier New" panose="02070309020205020404" pitchFamily="49" charset="0"/>
-                <a:cs typeface="Courier New" panose="02070309020205020404" pitchFamily="49" charset="0"/>
-              </a:rPr>
-              <a:t>endl</a:t>
-            </a:r>
-            <a:r>
-              <a:rPr lang="en-US" dirty="0">
-                <a:latin typeface="Courier New" panose="02070309020205020404" pitchFamily="49" charset="0"/>
-                <a:cs typeface="Courier New" panose="02070309020205020404" pitchFamily="49" charset="0"/>
-              </a:rPr>
-              <a:t>;</a:t>
-            </a:r>
-          </a:p>
-          <a:p>
-            <a:r>
-              <a:rPr lang="en-US" dirty="0">
-                <a:latin typeface="Courier New" panose="02070309020205020404" pitchFamily="49" charset="0"/>
-                <a:cs typeface="Courier New" panose="02070309020205020404" pitchFamily="49" charset="0"/>
-              </a:rPr>
-              <a:t>    return 0;</a:t>
-            </a:r>
-          </a:p>
-          <a:p>
-            <a:r>
-              <a:rPr lang="en-US" dirty="0">
-                <a:latin typeface="Courier New" panose="02070309020205020404" pitchFamily="49" charset="0"/>
-                <a:cs typeface="Courier New" panose="02070309020205020404" pitchFamily="49" charset="0"/>
-              </a:rPr>
-              <a:t>}</a:t>
-            </a:r>
-          </a:p>
-        </p:txBody>
-      </p:sp>
-      <p:sp>
-        <p:nvSpPr>
-          <p:cNvPr id="6" name="TextBox 5"/>
-          <p:cNvSpPr txBox="1"/>
-          <p:nvPr/>
-        </p:nvSpPr>
-        <p:spPr>
-          <a:xfrm>
-            <a:off x="5922819" y="461993"/>
-            <a:ext cx="2941831" cy="2585323"/>
-          </a:xfrm>
-          <a:prstGeom prst="rect">
-            <a:avLst/>
-          </a:prstGeom>
-          <a:solidFill>
-            <a:schemeClr val="accent4">
-              <a:lumMod val="20000"/>
-              <a:lumOff val="80000"/>
-            </a:schemeClr>
-          </a:solidFill>
-          <a:ln>
-            <a:solidFill>
-              <a:schemeClr val="tx1"/>
-            </a:solidFill>
-          </a:ln>
-        </p:spPr>
-        <p:txBody>
-          <a:bodyPr wrap="none" rtlCol="0">
-            <a:spAutoFit/>
-          </a:bodyPr>
-          <a:lstStyle/>
-          <a:p>
-            <a:r>
-              <a:rPr lang="nn-NO" dirty="0">
-                <a:latin typeface="Courier New" panose="02070309020205020404" pitchFamily="49" charset="0"/>
-                <a:cs typeface="Courier New" panose="02070309020205020404" pitchFamily="49" charset="0"/>
-              </a:rPr>
-              <a:t>id      dim_nr  temp</a:t>
-            </a:r>
-          </a:p>
-          <a:p>
-            <a:r>
-              <a:rPr lang="nn-NO" dirty="0">
-                <a:latin typeface="Courier New" panose="02070309020205020404" pitchFamily="49" charset="0"/>
-                <a:cs typeface="Courier New" panose="02070309020205020404" pitchFamily="49" charset="0"/>
-              </a:rPr>
-              <a:t>1       1       -0.5</a:t>
-            </a:r>
-          </a:p>
-          <a:p>
-            <a:r>
-              <a:rPr lang="nn-NO" dirty="0">
-                <a:latin typeface="Courier New" panose="02070309020205020404" pitchFamily="49" charset="0"/>
-                <a:cs typeface="Courier New" panose="02070309020205020404" pitchFamily="49" charset="0"/>
-              </a:rPr>
-              <a:t>2       1       0.0</a:t>
-            </a:r>
-          </a:p>
-          <a:p>
-            <a:r>
-              <a:rPr lang="nn-NO" dirty="0">
-                <a:latin typeface="Courier New" panose="02070309020205020404" pitchFamily="49" charset="0"/>
-                <a:cs typeface="Courier New" panose="02070309020205020404" pitchFamily="49" charset="0"/>
-              </a:rPr>
-              <a:t>4       2       -0.5</a:t>
-            </a:r>
-          </a:p>
-          <a:p>
-            <a:r>
-              <a:rPr lang="nn-NO" dirty="0">
-                <a:latin typeface="Courier New" panose="02070309020205020404" pitchFamily="49" charset="0"/>
-                <a:cs typeface="Courier New" panose="02070309020205020404" pitchFamily="49" charset="0"/>
-              </a:rPr>
-              <a:t>5       2       0.0</a:t>
-            </a:r>
-          </a:p>
-          <a:p>
-            <a:r>
-              <a:rPr lang="nn-NO" dirty="0">
-                <a:latin typeface="Courier New" panose="02070309020205020404" pitchFamily="49" charset="0"/>
-                <a:cs typeface="Courier New" panose="02070309020205020404" pitchFamily="49" charset="0"/>
-              </a:rPr>
-              <a:t>6       2       0.5</a:t>
-            </a:r>
-          </a:p>
-          <a:p>
-            <a:r>
-              <a:rPr lang="nn-NO" dirty="0">
-                <a:latin typeface="Courier New" panose="02070309020205020404" pitchFamily="49" charset="0"/>
-                <a:cs typeface="Courier New" panose="02070309020205020404" pitchFamily="49" charset="0"/>
-              </a:rPr>
-              <a:t>8       3       0.0</a:t>
-            </a:r>
-          </a:p>
-          <a:p>
-            <a:r>
-              <a:rPr lang="nn-NO" dirty="0">
-                <a:latin typeface="Courier New" panose="02070309020205020404" pitchFamily="49" charset="0"/>
-                <a:cs typeface="Courier New" panose="02070309020205020404" pitchFamily="49" charset="0"/>
-              </a:rPr>
-              <a:t>9       3       0.5</a:t>
-            </a:r>
-          </a:p>
-          <a:p>
-            <a:r>
-              <a:rPr lang="nn-NO" dirty="0">
-                <a:latin typeface="Courier New" panose="02070309020205020404" pitchFamily="49" charset="0"/>
-                <a:cs typeface="Courier New" panose="02070309020205020404" pitchFamily="49" charset="0"/>
-              </a:rPr>
-              <a:t>10      4       </a:t>
-            </a:r>
-            <a:r>
-              <a:rPr lang="nn-NO" dirty="0" smtClean="0">
-                <a:latin typeface="Courier New" panose="02070309020205020404" pitchFamily="49" charset="0"/>
-                <a:cs typeface="Courier New" panose="02070309020205020404" pitchFamily="49" charset="0"/>
-              </a:rPr>
-              <a:t>0.0</a:t>
-            </a:r>
-            <a:endParaRPr lang="nn-NO" dirty="0">
-              <a:latin typeface="Courier New" panose="02070309020205020404" pitchFamily="49" charset="0"/>
-              <a:cs typeface="Courier New" panose="02070309020205020404" pitchFamily="49" charset="0"/>
-            </a:endParaRPr>
-          </a:p>
-        </p:txBody>
-      </p:sp>
-    </p:spTree>
-    <p:extLst>
-      <p:ext uri="{BB962C8B-B14F-4D97-AF65-F5344CB8AC3E}">
-        <p14:creationId xmlns:p14="http://schemas.microsoft.com/office/powerpoint/2010/main" val="3159559741"/>
-      </p:ext>
-    </p:extLst>
-  </p:cSld>
-  <p:clrMapOvr>
-    <a:masterClrMapping/>
-  </p:clrMapOvr>
-  <p:timing>
-    <p:tnLst>
-      <p:par>
-        <p:cTn id="1" dur="indefinite" restart="never" nodeType="tmRoot"/>
-      </p:par>
-    </p:tnLst>
-  </p:timing>
-</p:sld>
-</file>
-
 <file path=ppt/slides/slide3.xml><?xml version="1.0" encoding="utf-8"?>
 <p:sld xmlns:a="http://schemas.openxmlformats.org/drawingml/2006/main" xmlns:r="http://schemas.openxmlformats.org/officeDocument/2006/relationships" xmlns:p="http://schemas.openxmlformats.org/presentationml/2006/main">
   <p:cSld>
@@ -20376,6 +19673,800 @@
           <a:p>
             <a:r>
               <a:rPr lang="en-US" dirty="0" smtClean="0"/>
+              <a:t>Map example</a:t>
+            </a:r>
+            <a:endParaRPr lang="en-US" dirty="0"/>
+          </a:p>
+        </p:txBody>
+      </p:sp>
+      <p:sp>
+        <p:nvSpPr>
+          <p:cNvPr id="4" name="Slide Number Placeholder 3"/>
+          <p:cNvSpPr>
+            <a:spLocks noGrp="1"/>
+          </p:cNvSpPr>
+          <p:nvPr>
+            <p:ph type="sldNum" sz="quarter" idx="12"/>
+          </p:nvPr>
+        </p:nvSpPr>
+        <p:spPr/>
+        <p:txBody>
+          <a:bodyPr/>
+          <a:lstStyle/>
+          <a:p>
+            <a:fld id="{11AD1F4E-1E51-402E-B221-310F004E7D3B}" type="slidenum">
+              <a:rPr lang="en-US" smtClean="0"/>
+              <a:t>30</a:t>
+            </a:fld>
+            <a:endParaRPr lang="en-US"/>
+          </a:p>
+        </p:txBody>
+      </p:sp>
+      <p:sp>
+        <p:nvSpPr>
+          <p:cNvPr id="5" name="TextBox 4"/>
+          <p:cNvSpPr txBox="1"/>
+          <p:nvPr/>
+        </p:nvSpPr>
+        <p:spPr>
+          <a:xfrm>
+            <a:off x="758537" y="1690689"/>
+            <a:ext cx="7845136" cy="4524315"/>
+          </a:xfrm>
+          <a:prstGeom prst="rect">
+            <a:avLst/>
+          </a:prstGeom>
+          <a:solidFill>
+            <a:schemeClr val="bg1">
+              <a:lumMod val="75000"/>
+            </a:schemeClr>
+          </a:solidFill>
+          <a:ln>
+            <a:solidFill>
+              <a:schemeClr val="tx1"/>
+            </a:solidFill>
+          </a:ln>
+        </p:spPr>
+        <p:txBody>
+          <a:bodyPr wrap="square" rtlCol="0">
+            <a:spAutoFit/>
+          </a:bodyPr>
+          <a:lstStyle/>
+          <a:p>
+            <a:r>
+              <a:rPr lang="en-US" dirty="0">
+                <a:latin typeface="Courier New" panose="02070309020205020404" pitchFamily="49" charset="0"/>
+                <a:cs typeface="Courier New" panose="02070309020205020404" pitchFamily="49" charset="0"/>
+              </a:rPr>
+              <a:t>#include &lt;</a:t>
+            </a:r>
+            <a:r>
+              <a:rPr lang="en-US" dirty="0" err="1">
+                <a:latin typeface="Courier New" panose="02070309020205020404" pitchFamily="49" charset="0"/>
+                <a:cs typeface="Courier New" panose="02070309020205020404" pitchFamily="49" charset="0"/>
+              </a:rPr>
+              <a:t>iostream</a:t>
+            </a:r>
+            <a:r>
+              <a:rPr lang="en-US" dirty="0">
+                <a:latin typeface="Courier New" panose="02070309020205020404" pitchFamily="49" charset="0"/>
+                <a:cs typeface="Courier New" panose="02070309020205020404" pitchFamily="49" charset="0"/>
+              </a:rPr>
+              <a:t>&gt;</a:t>
+            </a:r>
+          </a:p>
+          <a:p>
+            <a:r>
+              <a:rPr lang="en-US" dirty="0">
+                <a:latin typeface="Courier New" panose="02070309020205020404" pitchFamily="49" charset="0"/>
+                <a:cs typeface="Courier New" panose="02070309020205020404" pitchFamily="49" charset="0"/>
+              </a:rPr>
+              <a:t>#include &lt;</a:t>
+            </a:r>
+            <a:r>
+              <a:rPr lang="en-US" dirty="0" err="1">
+                <a:latin typeface="Courier New" panose="02070309020205020404" pitchFamily="49" charset="0"/>
+                <a:cs typeface="Courier New" panose="02070309020205020404" pitchFamily="49" charset="0"/>
+              </a:rPr>
+              <a:t>unordered_map</a:t>
+            </a:r>
+            <a:r>
+              <a:rPr lang="en-US" dirty="0">
+                <a:latin typeface="Courier New" panose="02070309020205020404" pitchFamily="49" charset="0"/>
+                <a:cs typeface="Courier New" panose="02070309020205020404" pitchFamily="49" charset="0"/>
+              </a:rPr>
+              <a:t>&gt;</a:t>
+            </a:r>
+          </a:p>
+          <a:p>
+            <a:endParaRPr lang="en-US" dirty="0">
+              <a:latin typeface="Courier New" panose="02070309020205020404" pitchFamily="49" charset="0"/>
+              <a:cs typeface="Courier New" panose="02070309020205020404" pitchFamily="49" charset="0"/>
+            </a:endParaRPr>
+          </a:p>
+          <a:p>
+            <a:r>
+              <a:rPr lang="en-US" dirty="0" err="1" smtClean="0">
+                <a:latin typeface="Courier New" panose="02070309020205020404" pitchFamily="49" charset="0"/>
+                <a:cs typeface="Courier New" panose="02070309020205020404" pitchFamily="49" charset="0"/>
+              </a:rPr>
+              <a:t>int</a:t>
+            </a:r>
+            <a:r>
+              <a:rPr lang="en-US" dirty="0" smtClean="0">
+                <a:latin typeface="Courier New" panose="02070309020205020404" pitchFamily="49" charset="0"/>
+                <a:cs typeface="Courier New" panose="02070309020205020404" pitchFamily="49" charset="0"/>
+              </a:rPr>
+              <a:t> </a:t>
+            </a:r>
+            <a:r>
+              <a:rPr lang="en-US" dirty="0">
+                <a:latin typeface="Courier New" panose="02070309020205020404" pitchFamily="49" charset="0"/>
+                <a:cs typeface="Courier New" panose="02070309020205020404" pitchFamily="49" charset="0"/>
+              </a:rPr>
+              <a:t>main(void) {</a:t>
+            </a:r>
+          </a:p>
+          <a:p>
+            <a:r>
+              <a:rPr lang="en-US" dirty="0">
+                <a:latin typeface="Courier New" panose="02070309020205020404" pitchFamily="49" charset="0"/>
+                <a:cs typeface="Courier New" panose="02070309020205020404" pitchFamily="49" charset="0"/>
+              </a:rPr>
+              <a:t>    </a:t>
+            </a:r>
+            <a:r>
+              <a:rPr lang="en-US" dirty="0" err="1" smtClean="0">
+                <a:latin typeface="Courier New" panose="02070309020205020404" pitchFamily="49" charset="0"/>
+                <a:cs typeface="Courier New" panose="02070309020205020404" pitchFamily="49" charset="0"/>
+              </a:rPr>
+              <a:t>std</a:t>
+            </a:r>
+            <a:r>
+              <a:rPr lang="en-US" dirty="0" smtClean="0">
+                <a:latin typeface="Courier New" panose="02070309020205020404" pitchFamily="49" charset="0"/>
+                <a:cs typeface="Courier New" panose="02070309020205020404" pitchFamily="49" charset="0"/>
+              </a:rPr>
+              <a:t>::string </a:t>
+            </a:r>
+            <a:r>
+              <a:rPr lang="en-US" dirty="0">
+                <a:latin typeface="Courier New" panose="02070309020205020404" pitchFamily="49" charset="0"/>
+                <a:cs typeface="Courier New" panose="02070309020205020404" pitchFamily="49" charset="0"/>
+              </a:rPr>
+              <a:t>col1, col2, col3;</a:t>
+            </a:r>
+          </a:p>
+          <a:p>
+            <a:r>
+              <a:rPr lang="en-US" dirty="0">
+                <a:latin typeface="Courier New" panose="02070309020205020404" pitchFamily="49" charset="0"/>
+                <a:cs typeface="Courier New" panose="02070309020205020404" pitchFamily="49" charset="0"/>
+              </a:rPr>
+              <a:t>    </a:t>
+            </a:r>
+            <a:r>
+              <a:rPr lang="en-US" dirty="0" err="1" smtClean="0">
+                <a:latin typeface="Courier New" panose="02070309020205020404" pitchFamily="49" charset="0"/>
+                <a:cs typeface="Courier New" panose="02070309020205020404" pitchFamily="49" charset="0"/>
+              </a:rPr>
+              <a:t>std</a:t>
+            </a:r>
+            <a:r>
+              <a:rPr lang="en-US" dirty="0" smtClean="0">
+                <a:latin typeface="Courier New" panose="02070309020205020404" pitchFamily="49" charset="0"/>
+                <a:cs typeface="Courier New" panose="02070309020205020404" pitchFamily="49" charset="0"/>
+              </a:rPr>
+              <a:t>::</a:t>
+            </a:r>
+            <a:r>
+              <a:rPr lang="en-US" dirty="0" err="1" smtClean="0">
+                <a:latin typeface="Courier New" panose="02070309020205020404" pitchFamily="49" charset="0"/>
+                <a:cs typeface="Courier New" panose="02070309020205020404" pitchFamily="49" charset="0"/>
+              </a:rPr>
+              <a:t>cin</a:t>
+            </a:r>
+            <a:r>
+              <a:rPr lang="en-US" dirty="0" smtClean="0">
+                <a:latin typeface="Courier New" panose="02070309020205020404" pitchFamily="49" charset="0"/>
+                <a:cs typeface="Courier New" panose="02070309020205020404" pitchFamily="49" charset="0"/>
+              </a:rPr>
+              <a:t> </a:t>
+            </a:r>
+            <a:r>
+              <a:rPr lang="en-US" dirty="0">
+                <a:latin typeface="Courier New" panose="02070309020205020404" pitchFamily="49" charset="0"/>
+                <a:cs typeface="Courier New" panose="02070309020205020404" pitchFamily="49" charset="0"/>
+              </a:rPr>
+              <a:t>&gt;&gt; col1 &gt;&gt; col2 &gt;&gt; col3;</a:t>
+            </a:r>
+          </a:p>
+          <a:p>
+            <a:r>
+              <a:rPr lang="en-US" dirty="0">
+                <a:latin typeface="Courier New" panose="02070309020205020404" pitchFamily="49" charset="0"/>
+                <a:cs typeface="Courier New" panose="02070309020205020404" pitchFamily="49" charset="0"/>
+              </a:rPr>
+              <a:t>    </a:t>
+            </a:r>
+            <a:r>
+              <a:rPr lang="en-US" dirty="0" err="1">
+                <a:latin typeface="Courier New" panose="02070309020205020404" pitchFamily="49" charset="0"/>
+                <a:cs typeface="Courier New" panose="02070309020205020404" pitchFamily="49" charset="0"/>
+              </a:rPr>
+              <a:t>int</a:t>
+            </a:r>
+            <a:r>
+              <a:rPr lang="en-US" dirty="0">
+                <a:latin typeface="Courier New" panose="02070309020205020404" pitchFamily="49" charset="0"/>
+                <a:cs typeface="Courier New" panose="02070309020205020404" pitchFamily="49" charset="0"/>
+              </a:rPr>
+              <a:t> id, </a:t>
+            </a:r>
+            <a:r>
+              <a:rPr lang="en-US" dirty="0" err="1">
+                <a:latin typeface="Courier New" panose="02070309020205020404" pitchFamily="49" charset="0"/>
+                <a:cs typeface="Courier New" panose="02070309020205020404" pitchFamily="49" charset="0"/>
+              </a:rPr>
+              <a:t>dim_nr</a:t>
+            </a:r>
+            <a:r>
+              <a:rPr lang="en-US" dirty="0">
+                <a:latin typeface="Courier New" panose="02070309020205020404" pitchFamily="49" charset="0"/>
+                <a:cs typeface="Courier New" panose="02070309020205020404" pitchFamily="49" charset="0"/>
+              </a:rPr>
+              <a:t>;</a:t>
+            </a:r>
+          </a:p>
+          <a:p>
+            <a:r>
+              <a:rPr lang="en-US" dirty="0">
+                <a:latin typeface="Courier New" panose="02070309020205020404" pitchFamily="49" charset="0"/>
+                <a:cs typeface="Courier New" panose="02070309020205020404" pitchFamily="49" charset="0"/>
+              </a:rPr>
+              <a:t>    double temp;</a:t>
+            </a:r>
+          </a:p>
+          <a:p>
+            <a:r>
+              <a:rPr lang="en-US" dirty="0">
+                <a:latin typeface="Courier New" panose="02070309020205020404" pitchFamily="49" charset="0"/>
+                <a:cs typeface="Courier New" panose="02070309020205020404" pitchFamily="49" charset="0"/>
+              </a:rPr>
+              <a:t>    </a:t>
+            </a:r>
+            <a:r>
+              <a:rPr lang="en-US" dirty="0" err="1" smtClean="0">
+                <a:latin typeface="Courier New" panose="02070309020205020404" pitchFamily="49" charset="0"/>
+                <a:cs typeface="Courier New" panose="02070309020205020404" pitchFamily="49" charset="0"/>
+              </a:rPr>
+              <a:t>std</a:t>
+            </a:r>
+            <a:r>
+              <a:rPr lang="en-US" dirty="0" smtClean="0">
+                <a:latin typeface="Courier New" panose="02070309020205020404" pitchFamily="49" charset="0"/>
+                <a:cs typeface="Courier New" panose="02070309020205020404" pitchFamily="49" charset="0"/>
+              </a:rPr>
+              <a:t>::</a:t>
+            </a:r>
+            <a:r>
+              <a:rPr lang="en-US" dirty="0" err="1" smtClean="0">
+                <a:latin typeface="Courier New" panose="02070309020205020404" pitchFamily="49" charset="0"/>
+                <a:cs typeface="Courier New" panose="02070309020205020404" pitchFamily="49" charset="0"/>
+              </a:rPr>
+              <a:t>unordered_map</a:t>
+            </a:r>
+            <a:r>
+              <a:rPr lang="en-US" dirty="0" smtClean="0">
+                <a:latin typeface="Courier New" panose="02070309020205020404" pitchFamily="49" charset="0"/>
+                <a:cs typeface="Courier New" panose="02070309020205020404" pitchFamily="49" charset="0"/>
+              </a:rPr>
+              <a:t>&lt;</a:t>
+            </a:r>
+            <a:r>
+              <a:rPr lang="en-US" dirty="0" err="1" smtClean="0">
+                <a:latin typeface="Courier New" panose="02070309020205020404" pitchFamily="49" charset="0"/>
+                <a:cs typeface="Courier New" panose="02070309020205020404" pitchFamily="49" charset="0"/>
+              </a:rPr>
+              <a:t>int</a:t>
+            </a:r>
+            <a:r>
+              <a:rPr lang="en-US" dirty="0">
+                <a:latin typeface="Courier New" panose="02070309020205020404" pitchFamily="49" charset="0"/>
+                <a:cs typeface="Courier New" panose="02070309020205020404" pitchFamily="49" charset="0"/>
+              </a:rPr>
+              <a:t>, </a:t>
+            </a:r>
+            <a:r>
+              <a:rPr lang="en-US" dirty="0" err="1">
+                <a:latin typeface="Courier New" panose="02070309020205020404" pitchFamily="49" charset="0"/>
+                <a:cs typeface="Courier New" panose="02070309020205020404" pitchFamily="49" charset="0"/>
+              </a:rPr>
+              <a:t>int</a:t>
+            </a:r>
+            <a:r>
+              <a:rPr lang="en-US" dirty="0">
+                <a:latin typeface="Courier New" panose="02070309020205020404" pitchFamily="49" charset="0"/>
+                <a:cs typeface="Courier New" panose="02070309020205020404" pitchFamily="49" charset="0"/>
+              </a:rPr>
+              <a:t>&gt; </a:t>
+            </a:r>
+            <a:r>
+              <a:rPr lang="en-US" dirty="0" err="1">
+                <a:latin typeface="Courier New" panose="02070309020205020404" pitchFamily="49" charset="0"/>
+                <a:cs typeface="Courier New" panose="02070309020205020404" pitchFamily="49" charset="0"/>
+              </a:rPr>
+              <a:t>dim_nr_counts</a:t>
+            </a:r>
+            <a:r>
+              <a:rPr lang="en-US" dirty="0">
+                <a:latin typeface="Courier New" panose="02070309020205020404" pitchFamily="49" charset="0"/>
+                <a:cs typeface="Courier New" panose="02070309020205020404" pitchFamily="49" charset="0"/>
+              </a:rPr>
+              <a:t>;</a:t>
+            </a:r>
+          </a:p>
+          <a:p>
+            <a:r>
+              <a:rPr lang="en-US" dirty="0">
+                <a:latin typeface="Courier New" panose="02070309020205020404" pitchFamily="49" charset="0"/>
+                <a:cs typeface="Courier New" panose="02070309020205020404" pitchFamily="49" charset="0"/>
+              </a:rPr>
+              <a:t>    while </a:t>
+            </a:r>
+            <a:r>
+              <a:rPr lang="en-US" dirty="0" smtClean="0">
+                <a:latin typeface="Courier New" panose="02070309020205020404" pitchFamily="49" charset="0"/>
+                <a:cs typeface="Courier New" panose="02070309020205020404" pitchFamily="49" charset="0"/>
+              </a:rPr>
+              <a:t>(</a:t>
+            </a:r>
+            <a:r>
+              <a:rPr lang="en-US" dirty="0" err="1" smtClean="0">
+                <a:latin typeface="Courier New" panose="02070309020205020404" pitchFamily="49" charset="0"/>
+                <a:cs typeface="Courier New" panose="02070309020205020404" pitchFamily="49" charset="0"/>
+              </a:rPr>
+              <a:t>std</a:t>
+            </a:r>
+            <a:r>
+              <a:rPr lang="en-US" dirty="0" smtClean="0">
+                <a:latin typeface="Courier New" panose="02070309020205020404" pitchFamily="49" charset="0"/>
+                <a:cs typeface="Courier New" panose="02070309020205020404" pitchFamily="49" charset="0"/>
+              </a:rPr>
+              <a:t>::</a:t>
+            </a:r>
+            <a:r>
+              <a:rPr lang="en-US" dirty="0" err="1" smtClean="0">
+                <a:latin typeface="Courier New" panose="02070309020205020404" pitchFamily="49" charset="0"/>
+                <a:cs typeface="Courier New" panose="02070309020205020404" pitchFamily="49" charset="0"/>
+              </a:rPr>
+              <a:t>cin</a:t>
+            </a:r>
+            <a:r>
+              <a:rPr lang="en-US" dirty="0" smtClean="0">
+                <a:latin typeface="Courier New" panose="02070309020205020404" pitchFamily="49" charset="0"/>
+                <a:cs typeface="Courier New" panose="02070309020205020404" pitchFamily="49" charset="0"/>
+              </a:rPr>
+              <a:t> </a:t>
+            </a:r>
+            <a:r>
+              <a:rPr lang="en-US" dirty="0">
+                <a:latin typeface="Courier New" panose="02070309020205020404" pitchFamily="49" charset="0"/>
+                <a:cs typeface="Courier New" panose="02070309020205020404" pitchFamily="49" charset="0"/>
+              </a:rPr>
+              <a:t>&gt;&gt; id &gt;&gt; </a:t>
+            </a:r>
+            <a:r>
+              <a:rPr lang="en-US" dirty="0" err="1">
+                <a:latin typeface="Courier New" panose="02070309020205020404" pitchFamily="49" charset="0"/>
+                <a:cs typeface="Courier New" panose="02070309020205020404" pitchFamily="49" charset="0"/>
+              </a:rPr>
+              <a:t>dim_nr</a:t>
+            </a:r>
+            <a:r>
+              <a:rPr lang="en-US" dirty="0">
+                <a:latin typeface="Courier New" panose="02070309020205020404" pitchFamily="49" charset="0"/>
+                <a:cs typeface="Courier New" panose="02070309020205020404" pitchFamily="49" charset="0"/>
+              </a:rPr>
+              <a:t> &gt;&gt; temp)</a:t>
+            </a:r>
+          </a:p>
+          <a:p>
+            <a:r>
+              <a:rPr lang="en-US" dirty="0">
+                <a:latin typeface="Courier New" panose="02070309020205020404" pitchFamily="49" charset="0"/>
+                <a:cs typeface="Courier New" panose="02070309020205020404" pitchFamily="49" charset="0"/>
+              </a:rPr>
+              <a:t>        </a:t>
+            </a:r>
+            <a:r>
+              <a:rPr lang="en-US" dirty="0" err="1">
+                <a:latin typeface="Courier New" panose="02070309020205020404" pitchFamily="49" charset="0"/>
+                <a:cs typeface="Courier New" panose="02070309020205020404" pitchFamily="49" charset="0"/>
+              </a:rPr>
+              <a:t>dim_nr_counts</a:t>
+            </a:r>
+            <a:r>
+              <a:rPr lang="en-US" dirty="0">
+                <a:latin typeface="Courier New" panose="02070309020205020404" pitchFamily="49" charset="0"/>
+                <a:cs typeface="Courier New" panose="02070309020205020404" pitchFamily="49" charset="0"/>
+              </a:rPr>
+              <a:t>[</a:t>
+            </a:r>
+            <a:r>
+              <a:rPr lang="en-US" dirty="0" err="1">
+                <a:latin typeface="Courier New" panose="02070309020205020404" pitchFamily="49" charset="0"/>
+                <a:cs typeface="Courier New" panose="02070309020205020404" pitchFamily="49" charset="0"/>
+              </a:rPr>
+              <a:t>dim_nr</a:t>
+            </a:r>
+            <a:r>
+              <a:rPr lang="en-US" dirty="0">
+                <a:latin typeface="Courier New" panose="02070309020205020404" pitchFamily="49" charset="0"/>
+                <a:cs typeface="Courier New" panose="02070309020205020404" pitchFamily="49" charset="0"/>
+              </a:rPr>
+              <a:t>]++;</a:t>
+            </a:r>
+          </a:p>
+          <a:p>
+            <a:r>
+              <a:rPr lang="en-US" dirty="0">
+                <a:latin typeface="Courier New" panose="02070309020205020404" pitchFamily="49" charset="0"/>
+                <a:cs typeface="Courier New" panose="02070309020205020404" pitchFamily="49" charset="0"/>
+              </a:rPr>
+              <a:t>    for (auto </a:t>
+            </a:r>
+            <a:r>
+              <a:rPr lang="en-US" dirty="0" err="1">
+                <a:latin typeface="Courier New" panose="02070309020205020404" pitchFamily="49" charset="0"/>
+                <a:cs typeface="Courier New" panose="02070309020205020404" pitchFamily="49" charset="0"/>
+              </a:rPr>
+              <a:t>dim_nr</a:t>
+            </a:r>
+            <a:r>
+              <a:rPr lang="en-US" dirty="0">
+                <a:latin typeface="Courier New" panose="02070309020205020404" pitchFamily="49" charset="0"/>
+                <a:cs typeface="Courier New" panose="02070309020205020404" pitchFamily="49" charset="0"/>
+              </a:rPr>
+              <a:t>: </a:t>
+            </a:r>
+            <a:r>
+              <a:rPr lang="en-US" dirty="0" err="1">
+                <a:latin typeface="Courier New" panose="02070309020205020404" pitchFamily="49" charset="0"/>
+                <a:cs typeface="Courier New" panose="02070309020205020404" pitchFamily="49" charset="0"/>
+              </a:rPr>
+              <a:t>dim_nr_counts</a:t>
+            </a:r>
+            <a:r>
+              <a:rPr lang="en-US" dirty="0">
+                <a:latin typeface="Courier New" panose="02070309020205020404" pitchFamily="49" charset="0"/>
+                <a:cs typeface="Courier New" panose="02070309020205020404" pitchFamily="49" charset="0"/>
+              </a:rPr>
+              <a:t>)</a:t>
+            </a:r>
+          </a:p>
+          <a:p>
+            <a:r>
+              <a:rPr lang="en-US" dirty="0">
+                <a:latin typeface="Courier New" panose="02070309020205020404" pitchFamily="49" charset="0"/>
+                <a:cs typeface="Courier New" panose="02070309020205020404" pitchFamily="49" charset="0"/>
+              </a:rPr>
+              <a:t>        </a:t>
+            </a:r>
+            <a:r>
+              <a:rPr lang="en-US" dirty="0" err="1" smtClean="0">
+                <a:latin typeface="Courier New" panose="02070309020205020404" pitchFamily="49" charset="0"/>
+                <a:cs typeface="Courier New" panose="02070309020205020404" pitchFamily="49" charset="0"/>
+              </a:rPr>
+              <a:t>std</a:t>
+            </a:r>
+            <a:r>
+              <a:rPr lang="en-US" dirty="0" smtClean="0">
+                <a:latin typeface="Courier New" panose="02070309020205020404" pitchFamily="49" charset="0"/>
+                <a:cs typeface="Courier New" panose="02070309020205020404" pitchFamily="49" charset="0"/>
+              </a:rPr>
+              <a:t>::</a:t>
+            </a:r>
+            <a:r>
+              <a:rPr lang="en-US" dirty="0" err="1" smtClean="0">
+                <a:latin typeface="Courier New" panose="02070309020205020404" pitchFamily="49" charset="0"/>
+                <a:cs typeface="Courier New" panose="02070309020205020404" pitchFamily="49" charset="0"/>
+              </a:rPr>
+              <a:t>cout</a:t>
+            </a:r>
+            <a:r>
+              <a:rPr lang="en-US" dirty="0" smtClean="0">
+                <a:latin typeface="Courier New" panose="02070309020205020404" pitchFamily="49" charset="0"/>
+                <a:cs typeface="Courier New" panose="02070309020205020404" pitchFamily="49" charset="0"/>
+              </a:rPr>
+              <a:t> </a:t>
+            </a:r>
+            <a:r>
+              <a:rPr lang="en-US" dirty="0">
+                <a:latin typeface="Courier New" panose="02070309020205020404" pitchFamily="49" charset="0"/>
+                <a:cs typeface="Courier New" panose="02070309020205020404" pitchFamily="49" charset="0"/>
+              </a:rPr>
+              <a:t>&lt;&lt; </a:t>
+            </a:r>
+            <a:r>
+              <a:rPr lang="en-US" dirty="0" err="1">
+                <a:latin typeface="Courier New" panose="02070309020205020404" pitchFamily="49" charset="0"/>
+                <a:cs typeface="Courier New" panose="02070309020205020404" pitchFamily="49" charset="0"/>
+              </a:rPr>
+              <a:t>dim_nr.first</a:t>
+            </a:r>
+            <a:r>
+              <a:rPr lang="en-US" dirty="0">
+                <a:latin typeface="Courier New" panose="02070309020205020404" pitchFamily="49" charset="0"/>
+                <a:cs typeface="Courier New" panose="02070309020205020404" pitchFamily="49" charset="0"/>
+              </a:rPr>
+              <a:t> &lt;&lt; ": </a:t>
+            </a:r>
+            <a:r>
+              <a:rPr lang="en-US" dirty="0" smtClean="0">
+                <a:latin typeface="Courier New" panose="02070309020205020404" pitchFamily="49" charset="0"/>
+                <a:cs typeface="Courier New" panose="02070309020205020404" pitchFamily="49" charset="0"/>
+              </a:rPr>
+              <a:t>"</a:t>
+            </a:r>
+          </a:p>
+          <a:p>
+            <a:r>
+              <a:rPr lang="en-US" dirty="0">
+                <a:latin typeface="Courier New" panose="02070309020205020404" pitchFamily="49" charset="0"/>
+                <a:cs typeface="Courier New" panose="02070309020205020404" pitchFamily="49" charset="0"/>
+              </a:rPr>
+              <a:t> </a:t>
+            </a:r>
+            <a:r>
+              <a:rPr lang="en-US" dirty="0" smtClean="0">
+                <a:latin typeface="Courier New" panose="02070309020205020404" pitchFamily="49" charset="0"/>
+                <a:cs typeface="Courier New" panose="02070309020205020404" pitchFamily="49" charset="0"/>
+              </a:rPr>
+              <a:t>                 &lt;&lt; </a:t>
+            </a:r>
+            <a:r>
+              <a:rPr lang="en-US" dirty="0" err="1">
+                <a:latin typeface="Courier New" panose="02070309020205020404" pitchFamily="49" charset="0"/>
+                <a:cs typeface="Courier New" panose="02070309020205020404" pitchFamily="49" charset="0"/>
+              </a:rPr>
+              <a:t>dim_nr.second</a:t>
+            </a:r>
+            <a:r>
+              <a:rPr lang="en-US" dirty="0">
+                <a:latin typeface="Courier New" panose="02070309020205020404" pitchFamily="49" charset="0"/>
+                <a:cs typeface="Courier New" panose="02070309020205020404" pitchFamily="49" charset="0"/>
+              </a:rPr>
+              <a:t> &lt;&lt; </a:t>
+            </a:r>
+            <a:r>
+              <a:rPr lang="en-US" dirty="0" err="1" smtClean="0">
+                <a:latin typeface="Courier New" panose="02070309020205020404" pitchFamily="49" charset="0"/>
+                <a:cs typeface="Courier New" panose="02070309020205020404" pitchFamily="49" charset="0"/>
+              </a:rPr>
+              <a:t>std</a:t>
+            </a:r>
+            <a:r>
+              <a:rPr lang="en-US" dirty="0" smtClean="0">
+                <a:latin typeface="Courier New" panose="02070309020205020404" pitchFamily="49" charset="0"/>
+                <a:cs typeface="Courier New" panose="02070309020205020404" pitchFamily="49" charset="0"/>
+              </a:rPr>
+              <a:t>::</a:t>
+            </a:r>
+            <a:r>
+              <a:rPr lang="en-US" dirty="0" err="1" smtClean="0">
+                <a:latin typeface="Courier New" panose="02070309020205020404" pitchFamily="49" charset="0"/>
+                <a:cs typeface="Courier New" panose="02070309020205020404" pitchFamily="49" charset="0"/>
+              </a:rPr>
+              <a:t>endl</a:t>
+            </a:r>
+            <a:r>
+              <a:rPr lang="en-US" dirty="0">
+                <a:latin typeface="Courier New" panose="02070309020205020404" pitchFamily="49" charset="0"/>
+                <a:cs typeface="Courier New" panose="02070309020205020404" pitchFamily="49" charset="0"/>
+              </a:rPr>
+              <a:t>;</a:t>
+            </a:r>
+          </a:p>
+          <a:p>
+            <a:r>
+              <a:rPr lang="en-US" dirty="0">
+                <a:latin typeface="Courier New" panose="02070309020205020404" pitchFamily="49" charset="0"/>
+                <a:cs typeface="Courier New" panose="02070309020205020404" pitchFamily="49" charset="0"/>
+              </a:rPr>
+              <a:t>    return 0;</a:t>
+            </a:r>
+          </a:p>
+          <a:p>
+            <a:r>
+              <a:rPr lang="en-US" dirty="0">
+                <a:latin typeface="Courier New" panose="02070309020205020404" pitchFamily="49" charset="0"/>
+                <a:cs typeface="Courier New" panose="02070309020205020404" pitchFamily="49" charset="0"/>
+              </a:rPr>
+              <a:t>}</a:t>
+            </a:r>
+          </a:p>
+        </p:txBody>
+      </p:sp>
+      <p:sp>
+        <p:nvSpPr>
+          <p:cNvPr id="6" name="TextBox 5"/>
+          <p:cNvSpPr txBox="1"/>
+          <p:nvPr/>
+        </p:nvSpPr>
+        <p:spPr>
+          <a:xfrm>
+            <a:off x="5922819" y="461993"/>
+            <a:ext cx="2941831" cy="2585323"/>
+          </a:xfrm>
+          <a:prstGeom prst="rect">
+            <a:avLst/>
+          </a:prstGeom>
+          <a:solidFill>
+            <a:schemeClr val="accent4">
+              <a:lumMod val="20000"/>
+              <a:lumOff val="80000"/>
+            </a:schemeClr>
+          </a:solidFill>
+          <a:ln>
+            <a:solidFill>
+              <a:schemeClr val="tx1"/>
+            </a:solidFill>
+          </a:ln>
+        </p:spPr>
+        <p:txBody>
+          <a:bodyPr wrap="none" rtlCol="0">
+            <a:spAutoFit/>
+          </a:bodyPr>
+          <a:lstStyle/>
+          <a:p>
+            <a:r>
+              <a:rPr lang="nn-NO" dirty="0">
+                <a:latin typeface="Courier New" panose="02070309020205020404" pitchFamily="49" charset="0"/>
+                <a:cs typeface="Courier New" panose="02070309020205020404" pitchFamily="49" charset="0"/>
+              </a:rPr>
+              <a:t>id      dim_nr  temp</a:t>
+            </a:r>
+          </a:p>
+          <a:p>
+            <a:r>
+              <a:rPr lang="nn-NO" dirty="0">
+                <a:latin typeface="Courier New" panose="02070309020205020404" pitchFamily="49" charset="0"/>
+                <a:cs typeface="Courier New" panose="02070309020205020404" pitchFamily="49" charset="0"/>
+              </a:rPr>
+              <a:t>1       1       -0.5</a:t>
+            </a:r>
+          </a:p>
+          <a:p>
+            <a:r>
+              <a:rPr lang="nn-NO" dirty="0">
+                <a:latin typeface="Courier New" panose="02070309020205020404" pitchFamily="49" charset="0"/>
+                <a:cs typeface="Courier New" panose="02070309020205020404" pitchFamily="49" charset="0"/>
+              </a:rPr>
+              <a:t>2       1       0.0</a:t>
+            </a:r>
+          </a:p>
+          <a:p>
+            <a:r>
+              <a:rPr lang="nn-NO" dirty="0">
+                <a:latin typeface="Courier New" panose="02070309020205020404" pitchFamily="49" charset="0"/>
+                <a:cs typeface="Courier New" panose="02070309020205020404" pitchFamily="49" charset="0"/>
+              </a:rPr>
+              <a:t>4       2       -0.5</a:t>
+            </a:r>
+          </a:p>
+          <a:p>
+            <a:r>
+              <a:rPr lang="nn-NO" dirty="0">
+                <a:latin typeface="Courier New" panose="02070309020205020404" pitchFamily="49" charset="0"/>
+                <a:cs typeface="Courier New" panose="02070309020205020404" pitchFamily="49" charset="0"/>
+              </a:rPr>
+              <a:t>5       2       0.0</a:t>
+            </a:r>
+          </a:p>
+          <a:p>
+            <a:r>
+              <a:rPr lang="nn-NO" dirty="0">
+                <a:latin typeface="Courier New" panose="02070309020205020404" pitchFamily="49" charset="0"/>
+                <a:cs typeface="Courier New" panose="02070309020205020404" pitchFamily="49" charset="0"/>
+              </a:rPr>
+              <a:t>6       2       0.5</a:t>
+            </a:r>
+          </a:p>
+          <a:p>
+            <a:r>
+              <a:rPr lang="nn-NO" dirty="0">
+                <a:latin typeface="Courier New" panose="02070309020205020404" pitchFamily="49" charset="0"/>
+                <a:cs typeface="Courier New" panose="02070309020205020404" pitchFamily="49" charset="0"/>
+              </a:rPr>
+              <a:t>8       3       0.0</a:t>
+            </a:r>
+          </a:p>
+          <a:p>
+            <a:r>
+              <a:rPr lang="nn-NO" dirty="0">
+                <a:latin typeface="Courier New" panose="02070309020205020404" pitchFamily="49" charset="0"/>
+                <a:cs typeface="Courier New" panose="02070309020205020404" pitchFamily="49" charset="0"/>
+              </a:rPr>
+              <a:t>9       3       0.5</a:t>
+            </a:r>
+          </a:p>
+          <a:p>
+            <a:r>
+              <a:rPr lang="nn-NO" dirty="0">
+                <a:latin typeface="Courier New" panose="02070309020205020404" pitchFamily="49" charset="0"/>
+                <a:cs typeface="Courier New" panose="02070309020205020404" pitchFamily="49" charset="0"/>
+              </a:rPr>
+              <a:t>10      4       </a:t>
+            </a:r>
+            <a:r>
+              <a:rPr lang="nn-NO" dirty="0" smtClean="0">
+                <a:latin typeface="Courier New" panose="02070309020205020404" pitchFamily="49" charset="0"/>
+                <a:cs typeface="Courier New" panose="02070309020205020404" pitchFamily="49" charset="0"/>
+              </a:rPr>
+              <a:t>0.0</a:t>
+            </a:r>
+            <a:endParaRPr lang="nn-NO" dirty="0">
+              <a:latin typeface="Courier New" panose="02070309020205020404" pitchFamily="49" charset="0"/>
+              <a:cs typeface="Courier New" panose="02070309020205020404" pitchFamily="49" charset="0"/>
+            </a:endParaRPr>
+          </a:p>
+        </p:txBody>
+      </p:sp>
+    </p:spTree>
+    <p:extLst>
+      <p:ext uri="{BB962C8B-B14F-4D97-AF65-F5344CB8AC3E}">
+        <p14:creationId xmlns:p14="http://schemas.microsoft.com/office/powerpoint/2010/main" val="3159559741"/>
+      </p:ext>
+    </p:extLst>
+  </p:cSld>
+  <p:clrMapOvr>
+    <a:masterClrMapping/>
+  </p:clrMapOvr>
+  <p:timing>
+    <p:tnLst>
+      <p:par>
+        <p:cTn id="1" dur="indefinite" restart="never" nodeType="tmRoot"/>
+      </p:par>
+    </p:tnLst>
+  </p:timing>
+</p:sld>
+</file>
+
+<file path=ppt/slides/slide31.xml><?xml version="1.0" encoding="utf-8"?>
+<p:sld xmlns:a="http://schemas.openxmlformats.org/drawingml/2006/main" xmlns:r="http://schemas.openxmlformats.org/officeDocument/2006/relationships" xmlns:p="http://schemas.openxmlformats.org/presentationml/2006/main">
+  <p:cSld>
+    <p:spTree>
+      <p:nvGrpSpPr>
+        <p:cNvPr id="1" name=""/>
+        <p:cNvGrpSpPr/>
+        <p:nvPr/>
+      </p:nvGrpSpPr>
+      <p:grpSpPr>
+        <a:xfrm>
+          <a:off x="0" y="0"/>
+          <a:ext cx="0" cy="0"/>
+          <a:chOff x="0" y="0"/>
+          <a:chExt cx="0" cy="0"/>
+        </a:xfrm>
+      </p:grpSpPr>
+      <p:sp>
+        <p:nvSpPr>
+          <p:cNvPr id="2" name="Title 1"/>
+          <p:cNvSpPr>
+            <a:spLocks noGrp="1"/>
+          </p:cNvSpPr>
+          <p:nvPr>
+            <p:ph type="title"/>
+          </p:nvPr>
+        </p:nvSpPr>
+        <p:spPr/>
+        <p:txBody>
+          <a:bodyPr/>
+          <a:lstStyle/>
+          <a:p>
+            <a:r>
+              <a:rPr lang="en-US" dirty="0" smtClean="0"/>
               <a:t>Unordered versus ordinary</a:t>
             </a:r>
             <a:endParaRPr lang="en-US" dirty="0"/>
@@ -20539,7 +20630,7 @@
           <a:p>
             <a:fld id="{11AD1F4E-1E51-402E-B221-310F004E7D3B}" type="slidenum">
               <a:rPr lang="en-US" smtClean="0"/>
-              <a:t>30</a:t>
+              <a:t>31</a:t>
             </a:fld>
             <a:endParaRPr lang="en-US"/>
           </a:p>
@@ -21038,108 +21129,6 @@
 </p:sld>
 </file>
 
-<file path=ppt/slides/slide31.xml><?xml version="1.0" encoding="utf-8"?>
-<p:sld xmlns:a="http://schemas.openxmlformats.org/drawingml/2006/main" xmlns:r="http://schemas.openxmlformats.org/officeDocument/2006/relationships" xmlns:p="http://schemas.openxmlformats.org/presentationml/2006/main">
-  <p:cSld>
-    <p:spTree>
-      <p:nvGrpSpPr>
-        <p:cNvPr id="1" name=""/>
-        <p:cNvGrpSpPr/>
-        <p:nvPr/>
-      </p:nvGrpSpPr>
-      <p:grpSpPr>
-        <a:xfrm>
-          <a:off x="0" y="0"/>
-          <a:ext cx="0" cy="0"/>
-          <a:chOff x="0" y="0"/>
-          <a:chExt cx="0" cy="0"/>
-        </a:xfrm>
-      </p:grpSpPr>
-      <p:sp>
-        <p:nvSpPr>
-          <p:cNvPr id="2" name="Title 1"/>
-          <p:cNvSpPr>
-            <a:spLocks noGrp="1"/>
-          </p:cNvSpPr>
-          <p:nvPr>
-            <p:ph type="title"/>
-          </p:nvPr>
-        </p:nvSpPr>
-        <p:spPr/>
-        <p:txBody>
-          <a:bodyPr/>
-          <a:lstStyle/>
-          <a:p>
-            <a:r>
-              <a:rPr lang="en-US" dirty="0" smtClean="0"/>
-              <a:t>Specialized data structures</a:t>
-            </a:r>
-            <a:endParaRPr lang="en-US" dirty="0"/>
-          </a:p>
-        </p:txBody>
-      </p:sp>
-      <p:sp>
-        <p:nvSpPr>
-          <p:cNvPr id="3" name="Text Placeholder 2"/>
-          <p:cNvSpPr>
-            <a:spLocks noGrp="1"/>
-          </p:cNvSpPr>
-          <p:nvPr>
-            <p:ph type="body" idx="1"/>
-          </p:nvPr>
-        </p:nvSpPr>
-        <p:spPr/>
-        <p:txBody>
-          <a:bodyPr/>
-          <a:lstStyle/>
-          <a:p>
-            <a:endParaRPr lang="en-US"/>
-          </a:p>
-        </p:txBody>
-      </p:sp>
-      <p:sp>
-        <p:nvSpPr>
-          <p:cNvPr id="4" name="Slide Number Placeholder 3"/>
-          <p:cNvSpPr>
-            <a:spLocks noGrp="1"/>
-          </p:cNvSpPr>
-          <p:nvPr>
-            <p:ph type="sldNum" sz="quarter" idx="12"/>
-          </p:nvPr>
-        </p:nvSpPr>
-        <p:spPr/>
-        <p:txBody>
-          <a:bodyPr/>
-          <a:lstStyle/>
-          <a:p>
-            <a:fld id="{11AD1F4E-1E51-402E-B221-310F004E7D3B}" type="slidenum">
-              <a:rPr lang="en-US" smtClean="0"/>
-              <a:t>31</a:t>
-            </a:fld>
-            <a:endParaRPr lang="en-US"/>
-          </a:p>
-        </p:txBody>
-      </p:sp>
-    </p:spTree>
-    <p:extLst>
-      <p:ext uri="{BB962C8B-B14F-4D97-AF65-F5344CB8AC3E}">
-        <p14:creationId xmlns:p14="http://schemas.microsoft.com/office/powerpoint/2010/main" val="3507347166"/>
-      </p:ext>
-    </p:extLst>
-  </p:cSld>
-  <p:clrMapOvr>
-    <a:masterClrMapping/>
-  </p:clrMapOvr>
-  <p:timing>
-    <p:tnLst>
-      <p:par>
-        <p:cTn id="1" dur="indefinite" restart="never" nodeType="tmRoot"/>
-      </p:par>
-    </p:tnLst>
-  </p:timing>
-</p:sld>
-</file>
-
 <file path=ppt/slides/slide32.xml><?xml version="1.0" encoding="utf-8"?>
 <p:sld xmlns:a="http://schemas.openxmlformats.org/drawingml/2006/main" xmlns:r="http://schemas.openxmlformats.org/officeDocument/2006/relationships" xmlns:p="http://schemas.openxmlformats.org/presentationml/2006/main">
   <p:cSld>
@@ -21182,78 +21171,20 @@
       </p:sp>
       <p:sp>
         <p:nvSpPr>
-          <p:cNvPr id="3" name="Content Placeholder 2"/>
+          <p:cNvPr id="3" name="Text Placeholder 2"/>
           <p:cNvSpPr>
             <a:spLocks noGrp="1"/>
           </p:cNvSpPr>
           <p:nvPr>
-            <p:ph idx="1"/>
+            <p:ph type="body" idx="1"/>
           </p:nvPr>
         </p:nvSpPr>
         <p:spPr/>
         <p:txBody>
-          <a:bodyPr>
-            <a:normAutofit/>
-          </a:bodyPr>
+          <a:bodyPr/>
           <a:lstStyle/>
           <a:p>
-            <a:r>
-              <a:rPr lang="en-US" dirty="0" smtClean="0"/>
-              <a:t>Data structures provided</a:t>
-            </a:r>
-          </a:p>
-          <a:p>
-            <a:pPr lvl="1"/>
-            <a:r>
-              <a:rPr lang="en-US" dirty="0" smtClean="0"/>
-              <a:t>standard libraries</a:t>
-            </a:r>
-          </a:p>
-          <a:p>
-            <a:pPr lvl="1"/>
-            <a:r>
-              <a:rPr lang="en-US" dirty="0" smtClean="0"/>
-              <a:t>third-party libraries</a:t>
-            </a:r>
-          </a:p>
-          <a:p>
-            <a:r>
-              <a:rPr lang="en-US" dirty="0" smtClean="0"/>
-              <a:t>Often implemented on top of basic data structures</a:t>
-            </a:r>
-          </a:p>
-          <a:p>
-            <a:r>
-              <a:rPr lang="en-US" dirty="0" smtClean="0"/>
-              <a:t>Other data structures can be implemented on top</a:t>
-            </a:r>
-          </a:p>
-          <a:p>
-            <a:r>
-              <a:rPr lang="en-US" dirty="0" smtClean="0"/>
-              <a:t>Contents</a:t>
-            </a:r>
-          </a:p>
-          <a:p>
-            <a:pPr lvl="1"/>
-            <a:r>
-              <a:rPr lang="en-US" dirty="0" smtClean="0"/>
-              <a:t>stack</a:t>
-            </a:r>
-          </a:p>
-          <a:p>
-            <a:pPr lvl="1"/>
-            <a:r>
-              <a:rPr lang="en-US" dirty="0" smtClean="0"/>
-              <a:t>queue, priority queue</a:t>
-            </a:r>
-          </a:p>
-          <a:p>
-            <a:pPr lvl="1"/>
-            <a:r>
-              <a:rPr lang="en-US" dirty="0" smtClean="0"/>
-              <a:t>graph, DAG, tree</a:t>
-            </a:r>
+            <a:endParaRPr lang="en-US"/>
           </a:p>
         </p:txBody>
       </p:sp>
@@ -21283,7 +21214,7 @@
     </p:spTree>
     <p:extLst>
       <p:ext uri="{BB962C8B-B14F-4D97-AF65-F5344CB8AC3E}">
-        <p14:creationId xmlns:p14="http://schemas.microsoft.com/office/powerpoint/2010/main" val="3456588179"/>
+        <p14:creationId xmlns:p14="http://schemas.microsoft.com/office/powerpoint/2010/main" val="3507347166"/>
       </p:ext>
     </p:extLst>
   </p:cSld>
@@ -21334,6 +21265,166 @@
           <a:p>
             <a:r>
               <a:rPr lang="en-US" dirty="0" smtClean="0"/>
+              <a:t>Specialized data structures</a:t>
+            </a:r>
+            <a:endParaRPr lang="en-US" dirty="0"/>
+          </a:p>
+        </p:txBody>
+      </p:sp>
+      <p:sp>
+        <p:nvSpPr>
+          <p:cNvPr id="3" name="Content Placeholder 2"/>
+          <p:cNvSpPr>
+            <a:spLocks noGrp="1"/>
+          </p:cNvSpPr>
+          <p:nvPr>
+            <p:ph idx="1"/>
+          </p:nvPr>
+        </p:nvSpPr>
+        <p:spPr/>
+        <p:txBody>
+          <a:bodyPr>
+            <a:normAutofit/>
+          </a:bodyPr>
+          <a:lstStyle/>
+          <a:p>
+            <a:r>
+              <a:rPr lang="en-US" dirty="0" smtClean="0"/>
+              <a:t>Data structures provided</a:t>
+            </a:r>
+          </a:p>
+          <a:p>
+            <a:pPr lvl="1"/>
+            <a:r>
+              <a:rPr lang="en-US" dirty="0" smtClean="0"/>
+              <a:t>standard libraries</a:t>
+            </a:r>
+          </a:p>
+          <a:p>
+            <a:pPr lvl="1"/>
+            <a:r>
+              <a:rPr lang="en-US" dirty="0" smtClean="0"/>
+              <a:t>third-party libraries</a:t>
+            </a:r>
+          </a:p>
+          <a:p>
+            <a:r>
+              <a:rPr lang="en-US" dirty="0" smtClean="0"/>
+              <a:t>Often implemented on top of basic data structures</a:t>
+            </a:r>
+          </a:p>
+          <a:p>
+            <a:r>
+              <a:rPr lang="en-US" dirty="0" smtClean="0"/>
+              <a:t>Other data structures can be implemented on top</a:t>
+            </a:r>
+          </a:p>
+          <a:p>
+            <a:r>
+              <a:rPr lang="en-US" dirty="0" smtClean="0"/>
+              <a:t>Contents</a:t>
+            </a:r>
+          </a:p>
+          <a:p>
+            <a:pPr lvl="1"/>
+            <a:r>
+              <a:rPr lang="en-US" dirty="0" smtClean="0"/>
+              <a:t>stack</a:t>
+            </a:r>
+          </a:p>
+          <a:p>
+            <a:pPr lvl="1"/>
+            <a:r>
+              <a:rPr lang="en-US" dirty="0" smtClean="0"/>
+              <a:t>queue, priority queue</a:t>
+            </a:r>
+          </a:p>
+          <a:p>
+            <a:pPr lvl="1"/>
+            <a:r>
+              <a:rPr lang="en-US" dirty="0" smtClean="0"/>
+              <a:t>graph, DAG, tree</a:t>
+            </a:r>
+          </a:p>
+        </p:txBody>
+      </p:sp>
+      <p:sp>
+        <p:nvSpPr>
+          <p:cNvPr id="4" name="Slide Number Placeholder 3"/>
+          <p:cNvSpPr>
+            <a:spLocks noGrp="1"/>
+          </p:cNvSpPr>
+          <p:nvPr>
+            <p:ph type="sldNum" sz="quarter" idx="12"/>
+          </p:nvPr>
+        </p:nvSpPr>
+        <p:spPr/>
+        <p:txBody>
+          <a:bodyPr/>
+          <a:lstStyle/>
+          <a:p>
+            <a:fld id="{11AD1F4E-1E51-402E-B221-310F004E7D3B}" type="slidenum">
+              <a:rPr lang="en-US" smtClean="0"/>
+              <a:t>33</a:t>
+            </a:fld>
+            <a:endParaRPr lang="en-US"/>
+          </a:p>
+        </p:txBody>
+      </p:sp>
+    </p:spTree>
+    <p:extLst>
+      <p:ext uri="{BB962C8B-B14F-4D97-AF65-F5344CB8AC3E}">
+        <p14:creationId xmlns:p14="http://schemas.microsoft.com/office/powerpoint/2010/main" val="3456588179"/>
+      </p:ext>
+    </p:extLst>
+  </p:cSld>
+  <p:clrMapOvr>
+    <a:masterClrMapping/>
+  </p:clrMapOvr>
+  <p:timing>
+    <p:tnLst>
+      <p:par>
+        <p:cTn id="1" dur="indefinite" restart="never" nodeType="tmRoot"/>
+      </p:par>
+    </p:tnLst>
+  </p:timing>
+</p:sld>
+</file>
+
+<file path=ppt/slides/slide34.xml><?xml version="1.0" encoding="utf-8"?>
+<p:sld xmlns:a="http://schemas.openxmlformats.org/drawingml/2006/main" xmlns:r="http://schemas.openxmlformats.org/officeDocument/2006/relationships" xmlns:p="http://schemas.openxmlformats.org/presentationml/2006/main">
+  <p:cSld>
+    <p:spTree>
+      <p:nvGrpSpPr>
+        <p:cNvPr id="1" name=""/>
+        <p:cNvGrpSpPr/>
+        <p:nvPr/>
+      </p:nvGrpSpPr>
+      <p:grpSpPr>
+        <a:xfrm>
+          <a:off x="0" y="0"/>
+          <a:ext cx="0" cy="0"/>
+          <a:chOff x="0" y="0"/>
+          <a:chExt cx="0" cy="0"/>
+        </a:xfrm>
+      </p:grpSpPr>
+      <p:sp>
+        <p:nvSpPr>
+          <p:cNvPr id="2" name="Title 1"/>
+          <p:cNvSpPr>
+            <a:spLocks noGrp="1"/>
+          </p:cNvSpPr>
+          <p:nvPr>
+            <p:ph type="title"/>
+          </p:nvPr>
+        </p:nvSpPr>
+        <p:spPr/>
+        <p:txBody>
+          <a:bodyPr/>
+          <a:lstStyle/>
+          <a:p>
+            <a:r>
+              <a:rPr lang="en-US" dirty="0" smtClean="0"/>
               <a:t>Stack</a:t>
             </a:r>
             <a:endParaRPr lang="en-US" dirty="0"/>
@@ -21439,7 +21530,7 @@
           <a:p>
             <a:fld id="{11AD1F4E-1E51-402E-B221-310F004E7D3B}" type="slidenum">
               <a:rPr lang="en-US" smtClean="0"/>
-              <a:t>33</a:t>
+              <a:t>34</a:t>
             </a:fld>
             <a:endParaRPr lang="en-US"/>
           </a:p>
@@ -21516,7 +21607,7 @@
             <a:graphicData uri="http://schemas.openxmlformats.org/presentationml/2006/ole">
               <mc:AlternateContent xmlns:mc="http://schemas.openxmlformats.org/markup-compatibility/2006">
                 <mc:Choice xmlns:v="urn:schemas-microsoft-com:vml" Requires="v">
-                  <p:oleObj spid="_x0000_s7239" name="Equation" r:id="rId3" imgW="431640" imgH="241200" progId="Equation.3">
+                  <p:oleObj spid="_x0000_s7242" name="Equation" r:id="rId3" imgW="431640" imgH="241200" progId="Equation.3">
                     <p:embed/>
                   </p:oleObj>
                 </mc:Choice>
@@ -21649,236 +21740,6 @@
 </p:sld>
 </file>
 
-<file path=ppt/slides/slide34.xml><?xml version="1.0" encoding="utf-8"?>
-<p:sld xmlns:a="http://schemas.openxmlformats.org/drawingml/2006/main" xmlns:r="http://schemas.openxmlformats.org/officeDocument/2006/relationships" xmlns:p="http://schemas.openxmlformats.org/presentationml/2006/main">
-  <p:cSld>
-    <p:spTree>
-      <p:nvGrpSpPr>
-        <p:cNvPr id="1" name=""/>
-        <p:cNvGrpSpPr/>
-        <p:nvPr/>
-      </p:nvGrpSpPr>
-      <p:grpSpPr>
-        <a:xfrm>
-          <a:off x="0" y="0"/>
-          <a:ext cx="0" cy="0"/>
-          <a:chOff x="0" y="0"/>
-          <a:chExt cx="0" cy="0"/>
-        </a:xfrm>
-      </p:grpSpPr>
-      <p:sp>
-        <p:nvSpPr>
-          <p:cNvPr id="2" name="Title 1"/>
-          <p:cNvSpPr>
-            <a:spLocks noGrp="1"/>
-          </p:cNvSpPr>
-          <p:nvPr>
-            <p:ph type="title"/>
-          </p:nvPr>
-        </p:nvSpPr>
-        <p:spPr/>
-        <p:txBody>
-          <a:bodyPr/>
-          <a:lstStyle/>
-          <a:p>
-            <a:r>
-              <a:rPr lang="en-US" dirty="0" smtClean="0"/>
-              <a:t>Stack ADT</a:t>
-            </a:r>
-            <a:endParaRPr lang="en-US" dirty="0"/>
-          </a:p>
-        </p:txBody>
-      </p:sp>
-      <p:sp>
-        <p:nvSpPr>
-          <p:cNvPr id="3" name="Content Placeholder 2"/>
-          <p:cNvSpPr>
-            <a:spLocks noGrp="1"/>
-          </p:cNvSpPr>
-          <p:nvPr>
-            <p:ph idx="1"/>
-          </p:nvPr>
-        </p:nvSpPr>
-        <p:spPr/>
-        <p:txBody>
-          <a:bodyPr/>
-          <a:lstStyle/>
-          <a:p>
-            <a:r>
-              <a:rPr lang="en-US" dirty="0" smtClean="0"/>
-              <a:t>EMPTY_STACK()</a:t>
-            </a:r>
-            <a:r>
-              <a:rPr lang="en-US" dirty="0"/>
-              <a:t> </a:t>
-            </a:r>
-            <a:r>
-              <a:rPr lang="en-US" dirty="0">
-                <a:sym typeface="Symbol" panose="05050102010706020507" pitchFamily="18" charset="2"/>
-              </a:rPr>
-              <a:t> </a:t>
-            </a:r>
-            <a:r>
-              <a:rPr lang="en-US" dirty="0" smtClean="0">
-                <a:sym typeface="Symbol" panose="05050102010706020507" pitchFamily="18" charset="2"/>
-              </a:rPr>
-              <a:t>stack</a:t>
-            </a:r>
-          </a:p>
-          <a:p>
-            <a:r>
-              <a:rPr lang="en-US" dirty="0" smtClean="0">
-                <a:sym typeface="Symbol" panose="05050102010706020507" pitchFamily="18" charset="2"/>
-              </a:rPr>
-              <a:t>STACK.PUSH(value)</a:t>
-            </a:r>
-          </a:p>
-          <a:p>
-            <a:r>
-              <a:rPr lang="en-US" dirty="0" smtClean="0">
-                <a:sym typeface="Symbol" panose="05050102010706020507" pitchFamily="18" charset="2"/>
-              </a:rPr>
-              <a:t>STACK.POP()</a:t>
-            </a:r>
-          </a:p>
-          <a:p>
-            <a:r>
-              <a:rPr lang="en-US" dirty="0" smtClean="0">
-                <a:sym typeface="Symbol" panose="05050102010706020507" pitchFamily="18" charset="2"/>
-              </a:rPr>
-              <a:t>STACK.TOP()</a:t>
-            </a:r>
-            <a:r>
-              <a:rPr lang="en-US" dirty="0"/>
-              <a:t> </a:t>
-            </a:r>
-            <a:r>
-              <a:rPr lang="en-US" dirty="0">
-                <a:sym typeface="Symbol" panose="05050102010706020507" pitchFamily="18" charset="2"/>
-              </a:rPr>
-              <a:t> </a:t>
-            </a:r>
-            <a:r>
-              <a:rPr lang="en-US" dirty="0" smtClean="0">
-                <a:sym typeface="Symbol" panose="05050102010706020507" pitchFamily="18" charset="2"/>
-              </a:rPr>
-              <a:t>value</a:t>
-            </a:r>
-          </a:p>
-          <a:p>
-            <a:r>
-              <a:rPr lang="en-US" dirty="0" smtClean="0">
-                <a:sym typeface="Symbol" panose="05050102010706020507" pitchFamily="18" charset="2"/>
-              </a:rPr>
-              <a:t>STACK.IS_EMPTY()</a:t>
-            </a:r>
-            <a:r>
-              <a:rPr lang="en-US" dirty="0"/>
-              <a:t> </a:t>
-            </a:r>
-            <a:r>
-              <a:rPr lang="en-US" dirty="0">
-                <a:sym typeface="Symbol" panose="05050102010706020507" pitchFamily="18" charset="2"/>
-              </a:rPr>
-              <a:t> </a:t>
-            </a:r>
-            <a:r>
-              <a:rPr lang="en-US" dirty="0" err="1">
-                <a:sym typeface="Symbol" panose="05050102010706020507" pitchFamily="18" charset="2"/>
-              </a:rPr>
-              <a:t>b</a:t>
-            </a:r>
-            <a:r>
-              <a:rPr lang="en-US" dirty="0" err="1" smtClean="0">
-                <a:sym typeface="Symbol" panose="05050102010706020507" pitchFamily="18" charset="2"/>
-              </a:rPr>
-              <a:t>oolean</a:t>
-            </a:r>
-            <a:endParaRPr lang="en-US" dirty="0" smtClean="0">
-              <a:sym typeface="Symbol" panose="05050102010706020507" pitchFamily="18" charset="2"/>
-            </a:endParaRPr>
-          </a:p>
-          <a:p>
-            <a:r>
-              <a:rPr lang="en-US" dirty="0" smtClean="0">
-                <a:sym typeface="Symbol" panose="05050102010706020507" pitchFamily="18" charset="2"/>
-              </a:rPr>
-              <a:t>STACK.SIZE()</a:t>
-            </a:r>
-            <a:r>
-              <a:rPr lang="en-US" dirty="0"/>
-              <a:t> </a:t>
-            </a:r>
-            <a:r>
-              <a:rPr lang="en-US" dirty="0">
-                <a:sym typeface="Symbol" panose="05050102010706020507" pitchFamily="18" charset="2"/>
-              </a:rPr>
-              <a:t> </a:t>
-            </a:r>
-            <a:r>
-              <a:rPr lang="en-US" dirty="0" smtClean="0">
-                <a:sym typeface="Symbol" panose="05050102010706020507" pitchFamily="18" charset="2"/>
-              </a:rPr>
-              <a:t>size</a:t>
-            </a:r>
-            <a:br>
-              <a:rPr lang="en-US" dirty="0" smtClean="0">
-                <a:sym typeface="Symbol" panose="05050102010706020507" pitchFamily="18" charset="2"/>
-              </a:rPr>
-            </a:br>
-            <a:r>
-              <a:rPr lang="en-US" dirty="0" smtClean="0">
-                <a:sym typeface="Symbol" panose="05050102010706020507" pitchFamily="18" charset="2"/>
-              </a:rPr>
-              <a:t>      = #push - #pop</a:t>
-            </a:r>
-            <a:endParaRPr lang="en-US" dirty="0"/>
-          </a:p>
-        </p:txBody>
-      </p:sp>
-      <p:sp>
-        <p:nvSpPr>
-          <p:cNvPr id="4" name="Slide Number Placeholder 3"/>
-          <p:cNvSpPr>
-            <a:spLocks noGrp="1"/>
-          </p:cNvSpPr>
-          <p:nvPr>
-            <p:ph type="sldNum" sz="quarter" idx="12"/>
-          </p:nvPr>
-        </p:nvSpPr>
-        <p:spPr/>
-        <p:txBody>
-          <a:bodyPr/>
-          <a:lstStyle/>
-          <a:p>
-            <a:fld id="{11AD1F4E-1E51-402E-B221-310F004E7D3B}" type="slidenum">
-              <a:rPr lang="en-US" smtClean="0"/>
-              <a:t>34</a:t>
-            </a:fld>
-            <a:endParaRPr lang="en-US"/>
-          </a:p>
-        </p:txBody>
-      </p:sp>
-    </p:spTree>
-    <p:extLst>
-      <p:ext uri="{BB962C8B-B14F-4D97-AF65-F5344CB8AC3E}">
-        <p14:creationId xmlns:p14="http://schemas.microsoft.com/office/powerpoint/2010/main" val="3731668153"/>
-      </p:ext>
-    </p:extLst>
-  </p:cSld>
-  <p:clrMapOvr>
-    <a:masterClrMapping/>
-  </p:clrMapOvr>
-  <p:timing>
-    <p:tnLst>
-      <p:par>
-        <p:cTn id="1" dur="indefinite" restart="never" nodeType="tmRoot"/>
-      </p:par>
-    </p:tnLst>
-  </p:timing>
-</p:sld>
-</file>
-
 <file path=ppt/slides/slide35.xml><?xml version="1.0" encoding="utf-8"?>
 <p:sld xmlns:a="http://schemas.openxmlformats.org/drawingml/2006/main" xmlns:r="http://schemas.openxmlformats.org/officeDocument/2006/relationships" xmlns:p="http://schemas.openxmlformats.org/presentationml/2006/main">
   <p:cSld>
@@ -21913,7 +21774,154 @@
           <a:p>
             <a:r>
               <a:rPr lang="en-US" dirty="0" smtClean="0"/>
-              <a:t>Stack examples</a:t>
+              <a:t>Stack ADT</a:t>
+            </a:r>
+            <a:endParaRPr lang="en-US" dirty="0"/>
+          </a:p>
+        </p:txBody>
+      </p:sp>
+      <p:sp>
+        <p:nvSpPr>
+          <p:cNvPr id="3" name="Content Placeholder 2"/>
+          <p:cNvSpPr>
+            <a:spLocks noGrp="1"/>
+          </p:cNvSpPr>
+          <p:nvPr>
+            <p:ph idx="1"/>
+          </p:nvPr>
+        </p:nvSpPr>
+        <p:spPr/>
+        <p:txBody>
+          <a:bodyPr/>
+          <a:lstStyle/>
+          <a:p>
+            <a:r>
+              <a:rPr lang="en-US" dirty="0" smtClean="0"/>
+              <a:t>EMPTY_STACK()</a:t>
+            </a:r>
+            <a:r>
+              <a:rPr lang="en-US" dirty="0"/>
+              <a:t> </a:t>
+            </a:r>
+            <a:r>
+              <a:rPr lang="en-US" dirty="0">
+                <a:sym typeface="Symbol" panose="05050102010706020507" pitchFamily="18" charset="2"/>
+              </a:rPr>
+              <a:t> </a:t>
+            </a:r>
+            <a:r>
+              <a:rPr lang="en-US" dirty="0" smtClean="0">
+                <a:sym typeface="Symbol" panose="05050102010706020507" pitchFamily="18" charset="2"/>
+              </a:rPr>
+              <a:t>stack</a:t>
+            </a:r>
+          </a:p>
+          <a:p>
+            <a:r>
+              <a:rPr lang="en-US" dirty="0" smtClean="0">
+                <a:sym typeface="Symbol" panose="05050102010706020507" pitchFamily="18" charset="2"/>
+              </a:rPr>
+              <a:t>STACK.PUSH(value)</a:t>
+            </a:r>
+          </a:p>
+          <a:p>
+            <a:r>
+              <a:rPr lang="en-US" dirty="0" smtClean="0">
+                <a:sym typeface="Symbol" panose="05050102010706020507" pitchFamily="18" charset="2"/>
+              </a:rPr>
+              <a:t>STACK.POP()</a:t>
+            </a:r>
+          </a:p>
+          <a:p>
+            <a:r>
+              <a:rPr lang="en-US" dirty="0" smtClean="0">
+                <a:sym typeface="Symbol" panose="05050102010706020507" pitchFamily="18" charset="2"/>
+              </a:rPr>
+              <a:t>STACK.TOP()</a:t>
+            </a:r>
+            <a:r>
+              <a:rPr lang="en-US" dirty="0"/>
+              <a:t> </a:t>
+            </a:r>
+            <a:r>
+              <a:rPr lang="en-US" dirty="0">
+                <a:sym typeface="Symbol" panose="05050102010706020507" pitchFamily="18" charset="2"/>
+              </a:rPr>
+              <a:t> </a:t>
+            </a:r>
+            <a:r>
+              <a:rPr lang="en-US" dirty="0" smtClean="0">
+                <a:sym typeface="Symbol" panose="05050102010706020507" pitchFamily="18" charset="2"/>
+              </a:rPr>
+              <a:t>value</a:t>
+            </a:r>
+          </a:p>
+          <a:p>
+            <a:r>
+              <a:rPr lang="en-US" dirty="0" smtClean="0">
+                <a:sym typeface="Symbol" panose="05050102010706020507" pitchFamily="18" charset="2"/>
+              </a:rPr>
+              <a:t>STACK.IS_EMPTY()</a:t>
+            </a:r>
+            <a:r>
+              <a:rPr lang="en-US" dirty="0"/>
+              <a:t> </a:t>
+            </a:r>
+            <a:r>
+              <a:rPr lang="en-US" dirty="0">
+                <a:sym typeface="Symbol" panose="05050102010706020507" pitchFamily="18" charset="2"/>
+              </a:rPr>
+              <a:t> </a:t>
+            </a:r>
+            <a:r>
+              <a:rPr lang="en-US" dirty="0" err="1">
+                <a:sym typeface="Symbol" panose="05050102010706020507" pitchFamily="18" charset="2"/>
+              </a:rPr>
+              <a:t>b</a:t>
+            </a:r>
+            <a:r>
+              <a:rPr lang="en-US" dirty="0" err="1" smtClean="0">
+                <a:sym typeface="Symbol" panose="05050102010706020507" pitchFamily="18" charset="2"/>
+              </a:rPr>
+              <a:t>oolean</a:t>
+            </a:r>
+            <a:endParaRPr lang="en-US" dirty="0" smtClean="0">
+              <a:sym typeface="Symbol" panose="05050102010706020507" pitchFamily="18" charset="2"/>
+            </a:endParaRPr>
+          </a:p>
+          <a:p>
+            <a:r>
+              <a:rPr lang="en-US" dirty="0" smtClean="0">
+                <a:sym typeface="Symbol" panose="05050102010706020507" pitchFamily="18" charset="2"/>
+              </a:rPr>
+              <a:t>STACK.SIZE()</a:t>
+            </a:r>
+            <a:r>
+              <a:rPr lang="en-US" dirty="0"/>
+              <a:t> </a:t>
+            </a:r>
+            <a:r>
+              <a:rPr lang="en-US" dirty="0">
+                <a:sym typeface="Symbol" panose="05050102010706020507" pitchFamily="18" charset="2"/>
+              </a:rPr>
+              <a:t> </a:t>
+            </a:r>
+            <a:r>
+              <a:rPr lang="en-US" dirty="0" smtClean="0">
+                <a:sym typeface="Symbol" panose="05050102010706020507" pitchFamily="18" charset="2"/>
+              </a:rPr>
+              <a:t>size</a:t>
+            </a:r>
+            <a:br>
+              <a:rPr lang="en-US" dirty="0" smtClean="0">
+                <a:sym typeface="Symbol" panose="05050102010706020507" pitchFamily="18" charset="2"/>
+              </a:rPr>
+            </a:br>
+            <a:r>
+              <a:rPr lang="en-US" dirty="0" smtClean="0">
+                <a:sym typeface="Symbol" panose="05050102010706020507" pitchFamily="18" charset="2"/>
+              </a:rPr>
+              <a:t>      = #push - #pop</a:t>
             </a:r>
             <a:endParaRPr lang="en-US" dirty="0"/>
           </a:p>
@@ -21942,351 +21950,10 @@
           </a:p>
         </p:txBody>
       </p:sp>
-      <p:sp>
-        <p:nvSpPr>
-          <p:cNvPr id="5" name="TextBox 4"/>
-          <p:cNvSpPr txBox="1"/>
-          <p:nvPr/>
-        </p:nvSpPr>
-        <p:spPr>
-          <a:xfrm>
-            <a:off x="628650" y="1704105"/>
-            <a:ext cx="6665768" cy="2585323"/>
-          </a:xfrm>
-          <a:prstGeom prst="rect">
-            <a:avLst/>
-          </a:prstGeom>
-          <a:solidFill>
-            <a:schemeClr val="bg1">
-              <a:lumMod val="75000"/>
-            </a:schemeClr>
-          </a:solidFill>
-          <a:ln>
-            <a:solidFill>
-              <a:schemeClr val="tx1"/>
-            </a:solidFill>
-          </a:ln>
-        </p:spPr>
-        <p:txBody>
-          <a:bodyPr wrap="square" rtlCol="0">
-            <a:spAutoFit/>
-          </a:bodyPr>
-          <a:lstStyle/>
-          <a:p>
-            <a:r>
-              <a:rPr lang="en-US" dirty="0" smtClean="0">
-                <a:latin typeface="Courier New" panose="02070309020205020404" pitchFamily="49" charset="0"/>
-                <a:cs typeface="Courier New" panose="02070309020205020404" pitchFamily="49" charset="0"/>
-              </a:rPr>
-              <a:t>#include &lt;stack&gt;</a:t>
-            </a:r>
-          </a:p>
-          <a:p>
-            <a:r>
-              <a:rPr lang="en-US" dirty="0" smtClean="0">
-                <a:latin typeface="Courier New" panose="02070309020205020404" pitchFamily="49" charset="0"/>
-                <a:cs typeface="Courier New" panose="02070309020205020404" pitchFamily="49" charset="0"/>
-              </a:rPr>
-              <a:t>…</a:t>
-            </a:r>
-          </a:p>
-          <a:p>
-            <a:r>
-              <a:rPr lang="en-US" dirty="0" err="1" smtClean="0">
-                <a:latin typeface="Courier New" panose="02070309020205020404" pitchFamily="49" charset="0"/>
-                <a:cs typeface="Courier New" panose="02070309020205020404" pitchFamily="49" charset="0"/>
-              </a:rPr>
-              <a:t>std</a:t>
-            </a:r>
-            <a:r>
-              <a:rPr lang="en-US" dirty="0" smtClean="0">
-                <a:latin typeface="Courier New" panose="02070309020205020404" pitchFamily="49" charset="0"/>
-                <a:cs typeface="Courier New" panose="02070309020205020404" pitchFamily="49" charset="0"/>
-              </a:rPr>
-              <a:t>::stack&lt;</a:t>
-            </a:r>
-            <a:r>
-              <a:rPr lang="en-US" dirty="0" err="1" smtClean="0">
-                <a:latin typeface="Courier New" panose="02070309020205020404" pitchFamily="49" charset="0"/>
-                <a:cs typeface="Courier New" panose="02070309020205020404" pitchFamily="49" charset="0"/>
-              </a:rPr>
-              <a:t>int</a:t>
-            </a:r>
-            <a:r>
-              <a:rPr lang="en-US" dirty="0" smtClean="0">
-                <a:latin typeface="Courier New" panose="02070309020205020404" pitchFamily="49" charset="0"/>
-                <a:cs typeface="Courier New" panose="02070309020205020404" pitchFamily="49" charset="0"/>
-              </a:rPr>
-              <a:t>&gt; s;</a:t>
-            </a:r>
-          </a:p>
-          <a:p>
-            <a:r>
-              <a:rPr lang="en-US" dirty="0" smtClean="0">
-                <a:latin typeface="Courier New" panose="02070309020205020404" pitchFamily="49" charset="0"/>
-                <a:cs typeface="Courier New" panose="02070309020205020404" pitchFamily="49" charset="0"/>
-              </a:rPr>
-              <a:t>for (</a:t>
-            </a:r>
-            <a:r>
-              <a:rPr lang="en-US" dirty="0" err="1" smtClean="0">
-                <a:latin typeface="Courier New" panose="02070309020205020404" pitchFamily="49" charset="0"/>
-                <a:cs typeface="Courier New" panose="02070309020205020404" pitchFamily="49" charset="0"/>
-              </a:rPr>
-              <a:t>int</a:t>
-            </a:r>
-            <a:r>
-              <a:rPr lang="en-US" dirty="0" smtClean="0">
-                <a:latin typeface="Courier New" panose="02070309020205020404" pitchFamily="49" charset="0"/>
-                <a:cs typeface="Courier New" panose="02070309020205020404" pitchFamily="49" charset="0"/>
-              </a:rPr>
-              <a:t> </a:t>
-            </a:r>
-            <a:r>
-              <a:rPr lang="en-US" dirty="0" err="1" smtClean="0">
-                <a:latin typeface="Courier New" panose="02070309020205020404" pitchFamily="49" charset="0"/>
-                <a:cs typeface="Courier New" panose="02070309020205020404" pitchFamily="49" charset="0"/>
-              </a:rPr>
-              <a:t>i</a:t>
-            </a:r>
-            <a:r>
-              <a:rPr lang="en-US" dirty="0" smtClean="0">
-                <a:latin typeface="Courier New" panose="02070309020205020404" pitchFamily="49" charset="0"/>
-                <a:cs typeface="Courier New" panose="02070309020205020404" pitchFamily="49" charset="0"/>
-              </a:rPr>
-              <a:t> = 0; </a:t>
-            </a:r>
-            <a:r>
-              <a:rPr lang="en-US" dirty="0" err="1" smtClean="0">
-                <a:latin typeface="Courier New" panose="02070309020205020404" pitchFamily="49" charset="0"/>
-                <a:cs typeface="Courier New" panose="02070309020205020404" pitchFamily="49" charset="0"/>
-              </a:rPr>
-              <a:t>i</a:t>
-            </a:r>
-            <a:r>
-              <a:rPr lang="en-US" dirty="0" smtClean="0">
-                <a:latin typeface="Courier New" panose="02070309020205020404" pitchFamily="49" charset="0"/>
-                <a:cs typeface="Courier New" panose="02070309020205020404" pitchFamily="49" charset="0"/>
-              </a:rPr>
-              <a:t> &lt; 10; </a:t>
-            </a:r>
-            <a:r>
-              <a:rPr lang="en-US" dirty="0" err="1" smtClean="0">
-                <a:latin typeface="Courier New" panose="02070309020205020404" pitchFamily="49" charset="0"/>
-                <a:cs typeface="Courier New" panose="02070309020205020404" pitchFamily="49" charset="0"/>
-              </a:rPr>
-              <a:t>i</a:t>
-            </a:r>
-            <a:r>
-              <a:rPr lang="en-US" dirty="0" smtClean="0">
-                <a:latin typeface="Courier New" panose="02070309020205020404" pitchFamily="49" charset="0"/>
-                <a:cs typeface="Courier New" panose="02070309020205020404" pitchFamily="49" charset="0"/>
-              </a:rPr>
-              <a:t>++)</a:t>
-            </a:r>
-          </a:p>
-          <a:p>
-            <a:r>
-              <a:rPr lang="en-US" dirty="0">
-                <a:latin typeface="Courier New" panose="02070309020205020404" pitchFamily="49" charset="0"/>
-                <a:cs typeface="Courier New" panose="02070309020205020404" pitchFamily="49" charset="0"/>
-              </a:rPr>
-              <a:t> </a:t>
-            </a:r>
-            <a:r>
-              <a:rPr lang="en-US" dirty="0" smtClean="0">
-                <a:latin typeface="Courier New" panose="02070309020205020404" pitchFamily="49" charset="0"/>
-                <a:cs typeface="Courier New" panose="02070309020205020404" pitchFamily="49" charset="0"/>
-              </a:rPr>
-              <a:t>   </a:t>
-            </a:r>
-            <a:r>
-              <a:rPr lang="en-US" dirty="0" err="1" smtClean="0">
-                <a:latin typeface="Courier New" panose="02070309020205020404" pitchFamily="49" charset="0"/>
-                <a:cs typeface="Courier New" panose="02070309020205020404" pitchFamily="49" charset="0"/>
-              </a:rPr>
-              <a:t>s.push</a:t>
-            </a:r>
-            <a:r>
-              <a:rPr lang="en-US" dirty="0" smtClean="0">
-                <a:latin typeface="Courier New" panose="02070309020205020404" pitchFamily="49" charset="0"/>
-                <a:cs typeface="Courier New" panose="02070309020205020404" pitchFamily="49" charset="0"/>
-              </a:rPr>
-              <a:t>(</a:t>
-            </a:r>
-            <a:r>
-              <a:rPr lang="en-US" dirty="0" err="1" smtClean="0">
-                <a:latin typeface="Courier New" panose="02070309020205020404" pitchFamily="49" charset="0"/>
-                <a:cs typeface="Courier New" panose="02070309020205020404" pitchFamily="49" charset="0"/>
-              </a:rPr>
-              <a:t>i</a:t>
-            </a:r>
-            <a:r>
-              <a:rPr lang="en-US" dirty="0" smtClean="0">
-                <a:latin typeface="Courier New" panose="02070309020205020404" pitchFamily="49" charset="0"/>
-                <a:cs typeface="Courier New" panose="02070309020205020404" pitchFamily="49" charset="0"/>
-              </a:rPr>
-              <a:t>);</a:t>
-            </a:r>
-          </a:p>
-          <a:p>
-            <a:r>
-              <a:rPr lang="en-US" dirty="0" smtClean="0">
-                <a:latin typeface="Courier New" panose="02070309020205020404" pitchFamily="49" charset="0"/>
-                <a:cs typeface="Courier New" panose="02070309020205020404" pitchFamily="49" charset="0"/>
-              </a:rPr>
-              <a:t>while (!</a:t>
-            </a:r>
-            <a:r>
-              <a:rPr lang="en-US" dirty="0" err="1" smtClean="0">
-                <a:latin typeface="Courier New" panose="02070309020205020404" pitchFamily="49" charset="0"/>
-                <a:cs typeface="Courier New" panose="02070309020205020404" pitchFamily="49" charset="0"/>
-              </a:rPr>
-              <a:t>s.empty</a:t>
-            </a:r>
-            <a:r>
-              <a:rPr lang="en-US" dirty="0" smtClean="0">
-                <a:latin typeface="Courier New" panose="02070309020205020404" pitchFamily="49" charset="0"/>
-                <a:cs typeface="Courier New" panose="02070309020205020404" pitchFamily="49" charset="0"/>
-              </a:rPr>
-              <a:t>()) {</a:t>
-            </a:r>
-            <a:endParaRPr lang="en-US" dirty="0">
-              <a:latin typeface="Courier New" panose="02070309020205020404" pitchFamily="49" charset="0"/>
-              <a:cs typeface="Courier New" panose="02070309020205020404" pitchFamily="49" charset="0"/>
-            </a:endParaRPr>
-          </a:p>
-          <a:p>
-            <a:r>
-              <a:rPr lang="en-US" dirty="0" smtClean="0">
-                <a:latin typeface="Courier New" panose="02070309020205020404" pitchFamily="49" charset="0"/>
-                <a:cs typeface="Courier New" panose="02070309020205020404" pitchFamily="49" charset="0"/>
-              </a:rPr>
-              <a:t>    </a:t>
-            </a:r>
-            <a:r>
-              <a:rPr lang="en-US" dirty="0" err="1">
-                <a:latin typeface="Courier New" panose="02070309020205020404" pitchFamily="49" charset="0"/>
-                <a:cs typeface="Courier New" panose="02070309020205020404" pitchFamily="49" charset="0"/>
-              </a:rPr>
-              <a:t>std</a:t>
-            </a:r>
-            <a:r>
-              <a:rPr lang="en-US" dirty="0">
-                <a:latin typeface="Courier New" panose="02070309020205020404" pitchFamily="49" charset="0"/>
-                <a:cs typeface="Courier New" panose="02070309020205020404" pitchFamily="49" charset="0"/>
-              </a:rPr>
-              <a:t>::</a:t>
-            </a:r>
-            <a:r>
-              <a:rPr lang="en-US" dirty="0" err="1">
-                <a:latin typeface="Courier New" panose="02070309020205020404" pitchFamily="49" charset="0"/>
-                <a:cs typeface="Courier New" panose="02070309020205020404" pitchFamily="49" charset="0"/>
-              </a:rPr>
-              <a:t>cout</a:t>
-            </a:r>
-            <a:r>
-              <a:rPr lang="en-US" dirty="0">
-                <a:latin typeface="Courier New" panose="02070309020205020404" pitchFamily="49" charset="0"/>
-                <a:cs typeface="Courier New" panose="02070309020205020404" pitchFamily="49" charset="0"/>
-              </a:rPr>
-              <a:t> &lt;&lt; </a:t>
-            </a:r>
-            <a:r>
-              <a:rPr lang="en-US" dirty="0" err="1" smtClean="0">
-                <a:latin typeface="Courier New" panose="02070309020205020404" pitchFamily="49" charset="0"/>
-                <a:cs typeface="Courier New" panose="02070309020205020404" pitchFamily="49" charset="0"/>
-              </a:rPr>
-              <a:t>s.top</a:t>
-            </a:r>
-            <a:r>
-              <a:rPr lang="en-US" dirty="0" smtClean="0">
-                <a:latin typeface="Courier New" panose="02070309020205020404" pitchFamily="49" charset="0"/>
-                <a:cs typeface="Courier New" panose="02070309020205020404" pitchFamily="49" charset="0"/>
-              </a:rPr>
-              <a:t>() </a:t>
-            </a:r>
-            <a:r>
-              <a:rPr lang="en-US" dirty="0">
-                <a:latin typeface="Courier New" panose="02070309020205020404" pitchFamily="49" charset="0"/>
-                <a:cs typeface="Courier New" panose="02070309020205020404" pitchFamily="49" charset="0"/>
-              </a:rPr>
-              <a:t>&lt;&lt; </a:t>
-            </a:r>
-            <a:r>
-              <a:rPr lang="en-US" dirty="0" err="1">
-                <a:latin typeface="Courier New" panose="02070309020205020404" pitchFamily="49" charset="0"/>
-                <a:cs typeface="Courier New" panose="02070309020205020404" pitchFamily="49" charset="0"/>
-              </a:rPr>
-              <a:t>std</a:t>
-            </a:r>
-            <a:r>
-              <a:rPr lang="en-US" dirty="0">
-                <a:latin typeface="Courier New" panose="02070309020205020404" pitchFamily="49" charset="0"/>
-                <a:cs typeface="Courier New" panose="02070309020205020404" pitchFamily="49" charset="0"/>
-              </a:rPr>
-              <a:t>::</a:t>
-            </a:r>
-            <a:r>
-              <a:rPr lang="en-US" dirty="0" err="1">
-                <a:latin typeface="Courier New" panose="02070309020205020404" pitchFamily="49" charset="0"/>
-                <a:cs typeface="Courier New" panose="02070309020205020404" pitchFamily="49" charset="0"/>
-              </a:rPr>
-              <a:t>endl</a:t>
-            </a:r>
-            <a:r>
-              <a:rPr lang="en-US" dirty="0" smtClean="0">
-                <a:latin typeface="Courier New" panose="02070309020205020404" pitchFamily="49" charset="0"/>
-                <a:cs typeface="Courier New" panose="02070309020205020404" pitchFamily="49" charset="0"/>
-              </a:rPr>
-              <a:t>;</a:t>
-            </a:r>
-          </a:p>
-          <a:p>
-            <a:r>
-              <a:rPr lang="en-US" dirty="0">
-                <a:latin typeface="Courier New" panose="02070309020205020404" pitchFamily="49" charset="0"/>
-                <a:cs typeface="Courier New" panose="02070309020205020404" pitchFamily="49" charset="0"/>
-              </a:rPr>
-              <a:t> </a:t>
-            </a:r>
-            <a:r>
-              <a:rPr lang="en-US" dirty="0" smtClean="0">
-                <a:latin typeface="Courier New" panose="02070309020205020404" pitchFamily="49" charset="0"/>
-                <a:cs typeface="Courier New" panose="02070309020205020404" pitchFamily="49" charset="0"/>
-              </a:rPr>
-              <a:t>   </a:t>
-            </a:r>
-            <a:r>
-              <a:rPr lang="en-US" dirty="0" err="1" smtClean="0">
-                <a:latin typeface="Courier New" panose="02070309020205020404" pitchFamily="49" charset="0"/>
-                <a:cs typeface="Courier New" panose="02070309020205020404" pitchFamily="49" charset="0"/>
-              </a:rPr>
-              <a:t>s.pop</a:t>
-            </a:r>
-            <a:r>
-              <a:rPr lang="en-US" dirty="0" smtClean="0">
-                <a:latin typeface="Courier New" panose="02070309020205020404" pitchFamily="49" charset="0"/>
-                <a:cs typeface="Courier New" panose="02070309020205020404" pitchFamily="49" charset="0"/>
-              </a:rPr>
-              <a:t>();</a:t>
-            </a:r>
-          </a:p>
-          <a:p>
-            <a:r>
-              <a:rPr lang="en-US" dirty="0">
-                <a:latin typeface="Courier New" panose="02070309020205020404" pitchFamily="49" charset="0"/>
-                <a:cs typeface="Courier New" panose="02070309020205020404" pitchFamily="49" charset="0"/>
-              </a:rPr>
-              <a:t>}</a:t>
-            </a:r>
-          </a:p>
-        </p:txBody>
-      </p:sp>
     </p:spTree>
     <p:extLst>
       <p:ext uri="{BB962C8B-B14F-4D97-AF65-F5344CB8AC3E}">
-        <p14:creationId xmlns:p14="http://schemas.microsoft.com/office/powerpoint/2010/main" val="961629525"/>
+        <p14:creationId xmlns:p14="http://schemas.microsoft.com/office/powerpoint/2010/main" val="3731668153"/>
       </p:ext>
     </p:extLst>
   </p:cSld>
@@ -22337,6 +22004,430 @@
           <a:p>
             <a:r>
               <a:rPr lang="en-US" dirty="0" smtClean="0"/>
+              <a:t>Stack examples</a:t>
+            </a:r>
+            <a:endParaRPr lang="en-US" dirty="0"/>
+          </a:p>
+        </p:txBody>
+      </p:sp>
+      <p:sp>
+        <p:nvSpPr>
+          <p:cNvPr id="4" name="Slide Number Placeholder 3"/>
+          <p:cNvSpPr>
+            <a:spLocks noGrp="1"/>
+          </p:cNvSpPr>
+          <p:nvPr>
+            <p:ph type="sldNum" sz="quarter" idx="12"/>
+          </p:nvPr>
+        </p:nvSpPr>
+        <p:spPr/>
+        <p:txBody>
+          <a:bodyPr/>
+          <a:lstStyle/>
+          <a:p>
+            <a:fld id="{11AD1F4E-1E51-402E-B221-310F004E7D3B}" type="slidenum">
+              <a:rPr lang="en-US" smtClean="0"/>
+              <a:t>36</a:t>
+            </a:fld>
+            <a:endParaRPr lang="en-US"/>
+          </a:p>
+        </p:txBody>
+      </p:sp>
+      <p:sp>
+        <p:nvSpPr>
+          <p:cNvPr id="5" name="TextBox 4"/>
+          <p:cNvSpPr txBox="1"/>
+          <p:nvPr/>
+        </p:nvSpPr>
+        <p:spPr>
+          <a:xfrm>
+            <a:off x="628650" y="1704105"/>
+            <a:ext cx="6665768" cy="2585323"/>
+          </a:xfrm>
+          <a:prstGeom prst="rect">
+            <a:avLst/>
+          </a:prstGeom>
+          <a:solidFill>
+            <a:schemeClr val="bg1">
+              <a:lumMod val="75000"/>
+            </a:schemeClr>
+          </a:solidFill>
+          <a:ln>
+            <a:solidFill>
+              <a:schemeClr val="tx1"/>
+            </a:solidFill>
+          </a:ln>
+        </p:spPr>
+        <p:txBody>
+          <a:bodyPr wrap="square" rtlCol="0">
+            <a:spAutoFit/>
+          </a:bodyPr>
+          <a:lstStyle/>
+          <a:p>
+            <a:r>
+              <a:rPr lang="en-US" dirty="0" smtClean="0">
+                <a:latin typeface="Courier New" panose="02070309020205020404" pitchFamily="49" charset="0"/>
+                <a:cs typeface="Courier New" panose="02070309020205020404" pitchFamily="49" charset="0"/>
+              </a:rPr>
+              <a:t>#include &lt;stack&gt;</a:t>
+            </a:r>
+          </a:p>
+          <a:p>
+            <a:r>
+              <a:rPr lang="en-US" dirty="0" smtClean="0">
+                <a:latin typeface="Courier New" panose="02070309020205020404" pitchFamily="49" charset="0"/>
+                <a:cs typeface="Courier New" panose="02070309020205020404" pitchFamily="49" charset="0"/>
+              </a:rPr>
+              <a:t>…</a:t>
+            </a:r>
+          </a:p>
+          <a:p>
+            <a:r>
+              <a:rPr lang="en-US" dirty="0" err="1" smtClean="0">
+                <a:latin typeface="Courier New" panose="02070309020205020404" pitchFamily="49" charset="0"/>
+                <a:cs typeface="Courier New" panose="02070309020205020404" pitchFamily="49" charset="0"/>
+              </a:rPr>
+              <a:t>std</a:t>
+            </a:r>
+            <a:r>
+              <a:rPr lang="en-US" dirty="0" smtClean="0">
+                <a:latin typeface="Courier New" panose="02070309020205020404" pitchFamily="49" charset="0"/>
+                <a:cs typeface="Courier New" panose="02070309020205020404" pitchFamily="49" charset="0"/>
+              </a:rPr>
+              <a:t>::stack&lt;</a:t>
+            </a:r>
+            <a:r>
+              <a:rPr lang="en-US" dirty="0" err="1" smtClean="0">
+                <a:latin typeface="Courier New" panose="02070309020205020404" pitchFamily="49" charset="0"/>
+                <a:cs typeface="Courier New" panose="02070309020205020404" pitchFamily="49" charset="0"/>
+              </a:rPr>
+              <a:t>int</a:t>
+            </a:r>
+            <a:r>
+              <a:rPr lang="en-US" dirty="0" smtClean="0">
+                <a:latin typeface="Courier New" panose="02070309020205020404" pitchFamily="49" charset="0"/>
+                <a:cs typeface="Courier New" panose="02070309020205020404" pitchFamily="49" charset="0"/>
+              </a:rPr>
+              <a:t>&gt; s;</a:t>
+            </a:r>
+          </a:p>
+          <a:p>
+            <a:r>
+              <a:rPr lang="en-US" dirty="0" smtClean="0">
+                <a:latin typeface="Courier New" panose="02070309020205020404" pitchFamily="49" charset="0"/>
+                <a:cs typeface="Courier New" panose="02070309020205020404" pitchFamily="49" charset="0"/>
+              </a:rPr>
+              <a:t>for (</a:t>
+            </a:r>
+            <a:r>
+              <a:rPr lang="en-US" dirty="0" err="1" smtClean="0">
+                <a:latin typeface="Courier New" panose="02070309020205020404" pitchFamily="49" charset="0"/>
+                <a:cs typeface="Courier New" panose="02070309020205020404" pitchFamily="49" charset="0"/>
+              </a:rPr>
+              <a:t>int</a:t>
+            </a:r>
+            <a:r>
+              <a:rPr lang="en-US" dirty="0" smtClean="0">
+                <a:latin typeface="Courier New" panose="02070309020205020404" pitchFamily="49" charset="0"/>
+                <a:cs typeface="Courier New" panose="02070309020205020404" pitchFamily="49" charset="0"/>
+              </a:rPr>
+              <a:t> </a:t>
+            </a:r>
+            <a:r>
+              <a:rPr lang="en-US" dirty="0" err="1" smtClean="0">
+                <a:latin typeface="Courier New" panose="02070309020205020404" pitchFamily="49" charset="0"/>
+                <a:cs typeface="Courier New" panose="02070309020205020404" pitchFamily="49" charset="0"/>
+              </a:rPr>
+              <a:t>i</a:t>
+            </a:r>
+            <a:r>
+              <a:rPr lang="en-US" dirty="0" smtClean="0">
+                <a:latin typeface="Courier New" panose="02070309020205020404" pitchFamily="49" charset="0"/>
+                <a:cs typeface="Courier New" panose="02070309020205020404" pitchFamily="49" charset="0"/>
+              </a:rPr>
+              <a:t> = 0; </a:t>
+            </a:r>
+            <a:r>
+              <a:rPr lang="en-US" dirty="0" err="1" smtClean="0">
+                <a:latin typeface="Courier New" panose="02070309020205020404" pitchFamily="49" charset="0"/>
+                <a:cs typeface="Courier New" panose="02070309020205020404" pitchFamily="49" charset="0"/>
+              </a:rPr>
+              <a:t>i</a:t>
+            </a:r>
+            <a:r>
+              <a:rPr lang="en-US" dirty="0" smtClean="0">
+                <a:latin typeface="Courier New" panose="02070309020205020404" pitchFamily="49" charset="0"/>
+                <a:cs typeface="Courier New" panose="02070309020205020404" pitchFamily="49" charset="0"/>
+              </a:rPr>
+              <a:t> &lt; 10; </a:t>
+            </a:r>
+            <a:r>
+              <a:rPr lang="en-US" dirty="0" err="1" smtClean="0">
+                <a:latin typeface="Courier New" panose="02070309020205020404" pitchFamily="49" charset="0"/>
+                <a:cs typeface="Courier New" panose="02070309020205020404" pitchFamily="49" charset="0"/>
+              </a:rPr>
+              <a:t>i</a:t>
+            </a:r>
+            <a:r>
+              <a:rPr lang="en-US" dirty="0" smtClean="0">
+                <a:latin typeface="Courier New" panose="02070309020205020404" pitchFamily="49" charset="0"/>
+                <a:cs typeface="Courier New" panose="02070309020205020404" pitchFamily="49" charset="0"/>
+              </a:rPr>
+              <a:t>++)</a:t>
+            </a:r>
+          </a:p>
+          <a:p>
+            <a:r>
+              <a:rPr lang="en-US" dirty="0">
+                <a:latin typeface="Courier New" panose="02070309020205020404" pitchFamily="49" charset="0"/>
+                <a:cs typeface="Courier New" panose="02070309020205020404" pitchFamily="49" charset="0"/>
+              </a:rPr>
+              <a:t> </a:t>
+            </a:r>
+            <a:r>
+              <a:rPr lang="en-US" dirty="0" smtClean="0">
+                <a:latin typeface="Courier New" panose="02070309020205020404" pitchFamily="49" charset="0"/>
+                <a:cs typeface="Courier New" panose="02070309020205020404" pitchFamily="49" charset="0"/>
+              </a:rPr>
+              <a:t>   </a:t>
+            </a:r>
+            <a:r>
+              <a:rPr lang="en-US" dirty="0" err="1" smtClean="0">
+                <a:latin typeface="Courier New" panose="02070309020205020404" pitchFamily="49" charset="0"/>
+                <a:cs typeface="Courier New" panose="02070309020205020404" pitchFamily="49" charset="0"/>
+              </a:rPr>
+              <a:t>s.push</a:t>
+            </a:r>
+            <a:r>
+              <a:rPr lang="en-US" dirty="0" smtClean="0">
+                <a:latin typeface="Courier New" panose="02070309020205020404" pitchFamily="49" charset="0"/>
+                <a:cs typeface="Courier New" panose="02070309020205020404" pitchFamily="49" charset="0"/>
+              </a:rPr>
+              <a:t>(</a:t>
+            </a:r>
+            <a:r>
+              <a:rPr lang="en-US" dirty="0" err="1" smtClean="0">
+                <a:latin typeface="Courier New" panose="02070309020205020404" pitchFamily="49" charset="0"/>
+                <a:cs typeface="Courier New" panose="02070309020205020404" pitchFamily="49" charset="0"/>
+              </a:rPr>
+              <a:t>i</a:t>
+            </a:r>
+            <a:r>
+              <a:rPr lang="en-US" dirty="0" smtClean="0">
+                <a:latin typeface="Courier New" panose="02070309020205020404" pitchFamily="49" charset="0"/>
+                <a:cs typeface="Courier New" panose="02070309020205020404" pitchFamily="49" charset="0"/>
+              </a:rPr>
+              <a:t>);</a:t>
+            </a:r>
+          </a:p>
+          <a:p>
+            <a:r>
+              <a:rPr lang="en-US" dirty="0" smtClean="0">
+                <a:latin typeface="Courier New" panose="02070309020205020404" pitchFamily="49" charset="0"/>
+                <a:cs typeface="Courier New" panose="02070309020205020404" pitchFamily="49" charset="0"/>
+              </a:rPr>
+              <a:t>while (!</a:t>
+            </a:r>
+            <a:r>
+              <a:rPr lang="en-US" dirty="0" err="1" smtClean="0">
+                <a:latin typeface="Courier New" panose="02070309020205020404" pitchFamily="49" charset="0"/>
+                <a:cs typeface="Courier New" panose="02070309020205020404" pitchFamily="49" charset="0"/>
+              </a:rPr>
+              <a:t>s.empty</a:t>
+            </a:r>
+            <a:r>
+              <a:rPr lang="en-US" dirty="0" smtClean="0">
+                <a:latin typeface="Courier New" panose="02070309020205020404" pitchFamily="49" charset="0"/>
+                <a:cs typeface="Courier New" panose="02070309020205020404" pitchFamily="49" charset="0"/>
+              </a:rPr>
+              <a:t>()) {</a:t>
+            </a:r>
+            <a:endParaRPr lang="en-US" dirty="0">
+              <a:latin typeface="Courier New" panose="02070309020205020404" pitchFamily="49" charset="0"/>
+              <a:cs typeface="Courier New" panose="02070309020205020404" pitchFamily="49" charset="0"/>
+            </a:endParaRPr>
+          </a:p>
+          <a:p>
+            <a:r>
+              <a:rPr lang="en-US" dirty="0" smtClean="0">
+                <a:latin typeface="Courier New" panose="02070309020205020404" pitchFamily="49" charset="0"/>
+                <a:cs typeface="Courier New" panose="02070309020205020404" pitchFamily="49" charset="0"/>
+              </a:rPr>
+              <a:t>    </a:t>
+            </a:r>
+            <a:r>
+              <a:rPr lang="en-US" dirty="0" err="1">
+                <a:latin typeface="Courier New" panose="02070309020205020404" pitchFamily="49" charset="0"/>
+                <a:cs typeface="Courier New" panose="02070309020205020404" pitchFamily="49" charset="0"/>
+              </a:rPr>
+              <a:t>std</a:t>
+            </a:r>
+            <a:r>
+              <a:rPr lang="en-US" dirty="0">
+                <a:latin typeface="Courier New" panose="02070309020205020404" pitchFamily="49" charset="0"/>
+                <a:cs typeface="Courier New" panose="02070309020205020404" pitchFamily="49" charset="0"/>
+              </a:rPr>
+              <a:t>::</a:t>
+            </a:r>
+            <a:r>
+              <a:rPr lang="en-US" dirty="0" err="1">
+                <a:latin typeface="Courier New" panose="02070309020205020404" pitchFamily="49" charset="0"/>
+                <a:cs typeface="Courier New" panose="02070309020205020404" pitchFamily="49" charset="0"/>
+              </a:rPr>
+              <a:t>cout</a:t>
+            </a:r>
+            <a:r>
+              <a:rPr lang="en-US" dirty="0">
+                <a:latin typeface="Courier New" panose="02070309020205020404" pitchFamily="49" charset="0"/>
+                <a:cs typeface="Courier New" panose="02070309020205020404" pitchFamily="49" charset="0"/>
+              </a:rPr>
+              <a:t> &lt;&lt; </a:t>
+            </a:r>
+            <a:r>
+              <a:rPr lang="en-US" dirty="0" err="1" smtClean="0">
+                <a:latin typeface="Courier New" panose="02070309020205020404" pitchFamily="49" charset="0"/>
+                <a:cs typeface="Courier New" panose="02070309020205020404" pitchFamily="49" charset="0"/>
+              </a:rPr>
+              <a:t>s.top</a:t>
+            </a:r>
+            <a:r>
+              <a:rPr lang="en-US" dirty="0" smtClean="0">
+                <a:latin typeface="Courier New" panose="02070309020205020404" pitchFamily="49" charset="0"/>
+                <a:cs typeface="Courier New" panose="02070309020205020404" pitchFamily="49" charset="0"/>
+              </a:rPr>
+              <a:t>() </a:t>
+            </a:r>
+            <a:r>
+              <a:rPr lang="en-US" dirty="0">
+                <a:latin typeface="Courier New" panose="02070309020205020404" pitchFamily="49" charset="0"/>
+                <a:cs typeface="Courier New" panose="02070309020205020404" pitchFamily="49" charset="0"/>
+              </a:rPr>
+              <a:t>&lt;&lt; </a:t>
+            </a:r>
+            <a:r>
+              <a:rPr lang="en-US" dirty="0" err="1">
+                <a:latin typeface="Courier New" panose="02070309020205020404" pitchFamily="49" charset="0"/>
+                <a:cs typeface="Courier New" panose="02070309020205020404" pitchFamily="49" charset="0"/>
+              </a:rPr>
+              <a:t>std</a:t>
+            </a:r>
+            <a:r>
+              <a:rPr lang="en-US" dirty="0">
+                <a:latin typeface="Courier New" panose="02070309020205020404" pitchFamily="49" charset="0"/>
+                <a:cs typeface="Courier New" panose="02070309020205020404" pitchFamily="49" charset="0"/>
+              </a:rPr>
+              <a:t>::</a:t>
+            </a:r>
+            <a:r>
+              <a:rPr lang="en-US" dirty="0" err="1">
+                <a:latin typeface="Courier New" panose="02070309020205020404" pitchFamily="49" charset="0"/>
+                <a:cs typeface="Courier New" panose="02070309020205020404" pitchFamily="49" charset="0"/>
+              </a:rPr>
+              <a:t>endl</a:t>
+            </a:r>
+            <a:r>
+              <a:rPr lang="en-US" dirty="0" smtClean="0">
+                <a:latin typeface="Courier New" panose="02070309020205020404" pitchFamily="49" charset="0"/>
+                <a:cs typeface="Courier New" panose="02070309020205020404" pitchFamily="49" charset="0"/>
+              </a:rPr>
+              <a:t>;</a:t>
+            </a:r>
+          </a:p>
+          <a:p>
+            <a:r>
+              <a:rPr lang="en-US" dirty="0">
+                <a:latin typeface="Courier New" panose="02070309020205020404" pitchFamily="49" charset="0"/>
+                <a:cs typeface="Courier New" panose="02070309020205020404" pitchFamily="49" charset="0"/>
+              </a:rPr>
+              <a:t> </a:t>
+            </a:r>
+            <a:r>
+              <a:rPr lang="en-US" dirty="0" smtClean="0">
+                <a:latin typeface="Courier New" panose="02070309020205020404" pitchFamily="49" charset="0"/>
+                <a:cs typeface="Courier New" panose="02070309020205020404" pitchFamily="49" charset="0"/>
+              </a:rPr>
+              <a:t>   </a:t>
+            </a:r>
+            <a:r>
+              <a:rPr lang="en-US" dirty="0" err="1" smtClean="0">
+                <a:latin typeface="Courier New" panose="02070309020205020404" pitchFamily="49" charset="0"/>
+                <a:cs typeface="Courier New" panose="02070309020205020404" pitchFamily="49" charset="0"/>
+              </a:rPr>
+              <a:t>s.pop</a:t>
+            </a:r>
+            <a:r>
+              <a:rPr lang="en-US" dirty="0" smtClean="0">
+                <a:latin typeface="Courier New" panose="02070309020205020404" pitchFamily="49" charset="0"/>
+                <a:cs typeface="Courier New" panose="02070309020205020404" pitchFamily="49" charset="0"/>
+              </a:rPr>
+              <a:t>();</a:t>
+            </a:r>
+          </a:p>
+          <a:p>
+            <a:r>
+              <a:rPr lang="en-US" dirty="0">
+                <a:latin typeface="Courier New" panose="02070309020205020404" pitchFamily="49" charset="0"/>
+                <a:cs typeface="Courier New" panose="02070309020205020404" pitchFamily="49" charset="0"/>
+              </a:rPr>
+              <a:t>}</a:t>
+            </a:r>
+          </a:p>
+        </p:txBody>
+      </p:sp>
+    </p:spTree>
+    <p:extLst>
+      <p:ext uri="{BB962C8B-B14F-4D97-AF65-F5344CB8AC3E}">
+        <p14:creationId xmlns:p14="http://schemas.microsoft.com/office/powerpoint/2010/main" val="961629525"/>
+      </p:ext>
+    </p:extLst>
+  </p:cSld>
+  <p:clrMapOvr>
+    <a:masterClrMapping/>
+  </p:clrMapOvr>
+  <p:timing>
+    <p:tnLst>
+      <p:par>
+        <p:cTn id="1" dur="indefinite" restart="never" nodeType="tmRoot"/>
+      </p:par>
+    </p:tnLst>
+  </p:timing>
+</p:sld>
+</file>
+
+<file path=ppt/slides/slide37.xml><?xml version="1.0" encoding="utf-8"?>
+<p:sld xmlns:a="http://schemas.openxmlformats.org/drawingml/2006/main" xmlns:r="http://schemas.openxmlformats.org/officeDocument/2006/relationships" xmlns:p="http://schemas.openxmlformats.org/presentationml/2006/main">
+  <p:cSld>
+    <p:spTree>
+      <p:nvGrpSpPr>
+        <p:cNvPr id="1" name=""/>
+        <p:cNvGrpSpPr/>
+        <p:nvPr/>
+      </p:nvGrpSpPr>
+      <p:grpSpPr>
+        <a:xfrm>
+          <a:off x="0" y="0"/>
+          <a:ext cx="0" cy="0"/>
+          <a:chOff x="0" y="0"/>
+          <a:chExt cx="0" cy="0"/>
+        </a:xfrm>
+      </p:grpSpPr>
+      <p:sp>
+        <p:nvSpPr>
+          <p:cNvPr id="2" name="Title 1"/>
+          <p:cNvSpPr>
+            <a:spLocks noGrp="1"/>
+          </p:cNvSpPr>
+          <p:nvPr>
+            <p:ph type="title"/>
+          </p:nvPr>
+        </p:nvSpPr>
+        <p:spPr/>
+        <p:txBody>
+          <a:bodyPr/>
+          <a:lstStyle/>
+          <a:p>
+            <a:r>
+              <a:rPr lang="en-US" dirty="0" smtClean="0"/>
               <a:t>Queue</a:t>
             </a:r>
             <a:endParaRPr lang="en-US" dirty="0"/>
@@ -22444,7 +22535,7 @@
           <a:p>
             <a:fld id="{11AD1F4E-1E51-402E-B221-310F004E7D3B}" type="slidenum">
               <a:rPr lang="en-US" smtClean="0"/>
-              <a:t>36</a:t>
+              <a:t>37</a:t>
             </a:fld>
             <a:endParaRPr lang="en-US"/>
           </a:p>
@@ -22521,7 +22612,7 @@
             <a:graphicData uri="http://schemas.openxmlformats.org/presentationml/2006/ole">
               <mc:AlternateContent xmlns:mc="http://schemas.openxmlformats.org/markup-compatibility/2006">
                 <mc:Choice xmlns:v="urn:schemas-microsoft-com:vml" Requires="v">
-                  <p:oleObj spid="_x0000_s8271" name="Equation" r:id="rId3" imgW="444240" imgH="241200" progId="Equation.3">
+                  <p:oleObj spid="_x0000_s8274" name="Equation" r:id="rId3" imgW="444240" imgH="241200" progId="Equation.3">
                     <p:embed/>
                   </p:oleObj>
                 </mc:Choice>
@@ -22910,210 +23001,6 @@
 </p:sld>
 </file>
 
-<file path=ppt/slides/slide37.xml><?xml version="1.0" encoding="utf-8"?>
-<p:sld xmlns:a="http://schemas.openxmlformats.org/drawingml/2006/main" xmlns:r="http://schemas.openxmlformats.org/officeDocument/2006/relationships" xmlns:p="http://schemas.openxmlformats.org/presentationml/2006/main">
-  <p:cSld>
-    <p:spTree>
-      <p:nvGrpSpPr>
-        <p:cNvPr id="1" name=""/>
-        <p:cNvGrpSpPr/>
-        <p:nvPr/>
-      </p:nvGrpSpPr>
-      <p:grpSpPr>
-        <a:xfrm>
-          <a:off x="0" y="0"/>
-          <a:ext cx="0" cy="0"/>
-          <a:chOff x="0" y="0"/>
-          <a:chExt cx="0" cy="0"/>
-        </a:xfrm>
-      </p:grpSpPr>
-      <p:sp>
-        <p:nvSpPr>
-          <p:cNvPr id="2" name="Title 1"/>
-          <p:cNvSpPr>
-            <a:spLocks noGrp="1"/>
-          </p:cNvSpPr>
-          <p:nvPr>
-            <p:ph type="title"/>
-          </p:nvPr>
-        </p:nvSpPr>
-        <p:spPr/>
-        <p:txBody>
-          <a:bodyPr/>
-          <a:lstStyle/>
-          <a:p>
-            <a:r>
-              <a:rPr lang="en-US" dirty="0" smtClean="0"/>
-              <a:t>Queue ADT</a:t>
-            </a:r>
-            <a:endParaRPr lang="en-US" dirty="0"/>
-          </a:p>
-        </p:txBody>
-      </p:sp>
-      <p:sp>
-        <p:nvSpPr>
-          <p:cNvPr id="3" name="Content Placeholder 2"/>
-          <p:cNvSpPr>
-            <a:spLocks noGrp="1"/>
-          </p:cNvSpPr>
-          <p:nvPr>
-            <p:ph idx="1"/>
-          </p:nvPr>
-        </p:nvSpPr>
-        <p:spPr/>
-        <p:txBody>
-          <a:bodyPr/>
-          <a:lstStyle/>
-          <a:p>
-            <a:r>
-              <a:rPr lang="en-US" dirty="0" smtClean="0"/>
-              <a:t>EMPTY_QUEUE() </a:t>
-            </a:r>
-            <a:r>
-              <a:rPr lang="en-US" dirty="0" smtClean="0">
-                <a:sym typeface="Symbol" panose="05050102010706020507" pitchFamily="18" charset="2"/>
-              </a:rPr>
-              <a:t> queue</a:t>
-            </a:r>
-            <a:endParaRPr lang="en-US" dirty="0" smtClean="0"/>
-          </a:p>
-          <a:p>
-            <a:r>
-              <a:rPr lang="en-US" dirty="0" smtClean="0"/>
-              <a:t>QUEUE.PUSH(value</a:t>
-            </a:r>
-            <a:r>
-              <a:rPr lang="en-US" dirty="0"/>
-              <a:t>)</a:t>
-            </a:r>
-          </a:p>
-          <a:p>
-            <a:r>
-              <a:rPr lang="en-US" dirty="0" smtClean="0"/>
-              <a:t>QUEUE.POP()</a:t>
-            </a:r>
-          </a:p>
-          <a:p>
-            <a:r>
-              <a:rPr lang="en-US" dirty="0" smtClean="0"/>
-              <a:t>QUEUE.FRONT()</a:t>
-            </a:r>
-            <a:r>
-              <a:rPr lang="en-US" dirty="0"/>
-              <a:t> </a:t>
-            </a:r>
-            <a:r>
-              <a:rPr lang="en-US" dirty="0">
-                <a:sym typeface="Symbol" panose="05050102010706020507" pitchFamily="18" charset="2"/>
-              </a:rPr>
-              <a:t> </a:t>
-            </a:r>
-            <a:r>
-              <a:rPr lang="en-US" dirty="0" smtClean="0">
-                <a:sym typeface="Symbol" panose="05050102010706020507" pitchFamily="18" charset="2"/>
-              </a:rPr>
-              <a:t>value</a:t>
-            </a:r>
-            <a:endParaRPr lang="en-US" dirty="0"/>
-          </a:p>
-          <a:p>
-            <a:r>
-              <a:rPr lang="en-US" dirty="0" smtClean="0"/>
-              <a:t>QUEUE.IS_EMPTY()</a:t>
-            </a:r>
-            <a:r>
-              <a:rPr lang="en-US" dirty="0"/>
-              <a:t> </a:t>
-            </a:r>
-            <a:r>
-              <a:rPr lang="en-US" dirty="0">
-                <a:sym typeface="Symbol" panose="05050102010706020507" pitchFamily="18" charset="2"/>
-              </a:rPr>
-              <a:t> </a:t>
-            </a:r>
-            <a:r>
-              <a:rPr lang="en-US" dirty="0" err="1" smtClean="0">
-                <a:sym typeface="Symbol" panose="05050102010706020507" pitchFamily="18" charset="2"/>
-              </a:rPr>
-              <a:t>boolean</a:t>
-            </a:r>
-            <a:endParaRPr lang="en-US" dirty="0" smtClean="0"/>
-          </a:p>
-          <a:p>
-            <a:r>
-              <a:rPr lang="en-US" dirty="0" smtClean="0"/>
-              <a:t>QUEUE.LENGTH() </a:t>
-            </a:r>
-            <a:r>
-              <a:rPr lang="en-US" dirty="0">
-                <a:sym typeface="Symbol" panose="05050102010706020507" pitchFamily="18" charset="2"/>
-              </a:rPr>
-              <a:t> </a:t>
-            </a:r>
-            <a:r>
-              <a:rPr lang="en-US" dirty="0" smtClean="0">
-                <a:sym typeface="Symbol" panose="05050102010706020507" pitchFamily="18" charset="2"/>
-              </a:rPr>
-              <a:t>length</a:t>
-            </a:r>
-            <a:br>
-              <a:rPr lang="en-US" dirty="0" smtClean="0">
-                <a:sym typeface="Symbol" panose="05050102010706020507" pitchFamily="18" charset="2"/>
-              </a:rPr>
-            </a:br>
-            <a:r>
-              <a:rPr lang="en-US" dirty="0" smtClean="0">
-                <a:sym typeface="Symbol" panose="05050102010706020507" pitchFamily="18" charset="2"/>
-              </a:rPr>
-              <a:t>      = #push - #pop</a:t>
-            </a:r>
-            <a:endParaRPr lang="en-US" dirty="0"/>
-          </a:p>
-        </p:txBody>
-      </p:sp>
-      <p:sp>
-        <p:nvSpPr>
-          <p:cNvPr id="4" name="Slide Number Placeholder 3"/>
-          <p:cNvSpPr>
-            <a:spLocks noGrp="1"/>
-          </p:cNvSpPr>
-          <p:nvPr>
-            <p:ph type="sldNum" sz="quarter" idx="12"/>
-          </p:nvPr>
-        </p:nvSpPr>
-        <p:spPr/>
-        <p:txBody>
-          <a:bodyPr/>
-          <a:lstStyle/>
-          <a:p>
-            <a:fld id="{11AD1F4E-1E51-402E-B221-310F004E7D3B}" type="slidenum">
-              <a:rPr lang="en-US" smtClean="0"/>
-              <a:t>37</a:t>
-            </a:fld>
-            <a:endParaRPr lang="en-US"/>
-          </a:p>
-        </p:txBody>
-      </p:sp>
-    </p:spTree>
-    <p:extLst>
-      <p:ext uri="{BB962C8B-B14F-4D97-AF65-F5344CB8AC3E}">
-        <p14:creationId xmlns:p14="http://schemas.microsoft.com/office/powerpoint/2010/main" val="1534393266"/>
-      </p:ext>
-    </p:extLst>
-  </p:cSld>
-  <p:clrMapOvr>
-    <a:masterClrMapping/>
-  </p:clrMapOvr>
-  <p:timing>
-    <p:tnLst>
-      <p:par>
-        <p:cTn id="1" dur="indefinite" restart="never" nodeType="tmRoot"/>
-      </p:par>
-    </p:tnLst>
-  </p:timing>
-</p:sld>
-</file>
-
 <file path=ppt/slides/slide38.xml><?xml version="1.0" encoding="utf-8"?>
 <p:sld xmlns:a="http://schemas.openxmlformats.org/drawingml/2006/main" xmlns:r="http://schemas.openxmlformats.org/officeDocument/2006/relationships" xmlns:p="http://schemas.openxmlformats.org/presentationml/2006/main">
   <p:cSld>
@@ -23148,7 +23035,128 @@
           <a:p>
             <a:r>
               <a:rPr lang="en-US" dirty="0" smtClean="0"/>
-              <a:t>Queue examples</a:t>
+              <a:t>Queue ADT</a:t>
+            </a:r>
+            <a:endParaRPr lang="en-US" dirty="0"/>
+          </a:p>
+        </p:txBody>
+      </p:sp>
+      <p:sp>
+        <p:nvSpPr>
+          <p:cNvPr id="3" name="Content Placeholder 2"/>
+          <p:cNvSpPr>
+            <a:spLocks noGrp="1"/>
+          </p:cNvSpPr>
+          <p:nvPr>
+            <p:ph idx="1"/>
+          </p:nvPr>
+        </p:nvSpPr>
+        <p:spPr/>
+        <p:txBody>
+          <a:bodyPr/>
+          <a:lstStyle/>
+          <a:p>
+            <a:r>
+              <a:rPr lang="en-US" dirty="0" smtClean="0"/>
+              <a:t>EMPTY_QUEUE() </a:t>
+            </a:r>
+            <a:r>
+              <a:rPr lang="en-US" dirty="0" smtClean="0">
+                <a:sym typeface="Symbol" panose="05050102010706020507" pitchFamily="18" charset="2"/>
+              </a:rPr>
+              <a:t> queue</a:t>
+            </a:r>
+            <a:endParaRPr lang="en-US" dirty="0" smtClean="0"/>
+          </a:p>
+          <a:p>
+            <a:r>
+              <a:rPr lang="en-US" dirty="0" smtClean="0"/>
+              <a:t>QUEUE.PUSH(value</a:t>
+            </a:r>
+            <a:r>
+              <a:rPr lang="en-US" dirty="0"/>
+              <a:t>)</a:t>
+            </a:r>
+          </a:p>
+          <a:p>
+            <a:r>
+              <a:rPr lang="en-US" dirty="0" smtClean="0"/>
+              <a:t>QUEUE.POP()</a:t>
+            </a:r>
+          </a:p>
+          <a:p>
+            <a:r>
+              <a:rPr lang="en-US" dirty="0" smtClean="0"/>
+              <a:t>QUEUE.FRONT()</a:t>
+            </a:r>
+            <a:r>
+              <a:rPr lang="en-US" dirty="0"/>
+              <a:t> </a:t>
+            </a:r>
+            <a:r>
+              <a:rPr lang="en-US" dirty="0">
+                <a:sym typeface="Symbol" panose="05050102010706020507" pitchFamily="18" charset="2"/>
+              </a:rPr>
+              <a:t> </a:t>
+            </a:r>
+            <a:r>
+              <a:rPr lang="en-US" dirty="0" smtClean="0">
+                <a:sym typeface="Symbol" panose="05050102010706020507" pitchFamily="18" charset="2"/>
+              </a:rPr>
+              <a:t>value</a:t>
+            </a:r>
+            <a:endParaRPr lang="en-US" dirty="0"/>
+          </a:p>
+          <a:p>
+            <a:r>
+              <a:rPr lang="en-US" dirty="0" smtClean="0"/>
+              <a:t>QUEUE.IS_EMPTY()</a:t>
+            </a:r>
+            <a:r>
+              <a:rPr lang="en-US" dirty="0"/>
+              <a:t> </a:t>
+            </a:r>
+            <a:r>
+              <a:rPr lang="en-US" dirty="0">
+                <a:sym typeface="Symbol" panose="05050102010706020507" pitchFamily="18" charset="2"/>
+              </a:rPr>
+              <a:t> </a:t>
+            </a:r>
+            <a:r>
+              <a:rPr lang="en-US" dirty="0" err="1" smtClean="0">
+                <a:sym typeface="Symbol" panose="05050102010706020507" pitchFamily="18" charset="2"/>
+              </a:rPr>
+              <a:t>boolean</a:t>
+            </a:r>
+            <a:endParaRPr lang="en-US" dirty="0" smtClean="0"/>
+          </a:p>
+          <a:p>
+            <a:r>
+              <a:rPr lang="en-US" dirty="0" smtClean="0"/>
+              <a:t>QUEUE.LENGTH() </a:t>
+            </a:r>
+            <a:r>
+              <a:rPr lang="en-US" dirty="0">
+                <a:sym typeface="Symbol" panose="05050102010706020507" pitchFamily="18" charset="2"/>
+              </a:rPr>
+              <a:t> </a:t>
+            </a:r>
+            <a:r>
+              <a:rPr lang="en-US" dirty="0" smtClean="0">
+                <a:sym typeface="Symbol" panose="05050102010706020507" pitchFamily="18" charset="2"/>
+              </a:rPr>
+              <a:t>length</a:t>
+            </a:r>
+            <a:br>
+              <a:rPr lang="en-US" dirty="0" smtClean="0">
+                <a:sym typeface="Symbol" panose="05050102010706020507" pitchFamily="18" charset="2"/>
+              </a:rPr>
+            </a:br>
+            <a:r>
+              <a:rPr lang="en-US" dirty="0" smtClean="0">
+                <a:sym typeface="Symbol" panose="05050102010706020507" pitchFamily="18" charset="2"/>
+              </a:rPr>
+              <a:t>      = #push - #pop</a:t>
             </a:r>
             <a:endParaRPr lang="en-US" dirty="0"/>
           </a:p>
@@ -23177,365 +23185,10 @@
           </a:p>
         </p:txBody>
       </p:sp>
-      <p:sp>
-        <p:nvSpPr>
-          <p:cNvPr id="5" name="TextBox 4"/>
-          <p:cNvSpPr txBox="1"/>
-          <p:nvPr/>
-        </p:nvSpPr>
-        <p:spPr>
-          <a:xfrm>
-            <a:off x="628650" y="1704105"/>
-            <a:ext cx="6665768" cy="2585323"/>
-          </a:xfrm>
-          <a:prstGeom prst="rect">
-            <a:avLst/>
-          </a:prstGeom>
-          <a:solidFill>
-            <a:schemeClr val="bg1">
-              <a:lumMod val="75000"/>
-            </a:schemeClr>
-          </a:solidFill>
-          <a:ln>
-            <a:solidFill>
-              <a:schemeClr val="tx1"/>
-            </a:solidFill>
-          </a:ln>
-        </p:spPr>
-        <p:txBody>
-          <a:bodyPr wrap="square" rtlCol="0">
-            <a:spAutoFit/>
-          </a:bodyPr>
-          <a:lstStyle/>
-          <a:p>
-            <a:r>
-              <a:rPr lang="en-US" dirty="0" smtClean="0">
-                <a:latin typeface="Courier New" panose="02070309020205020404" pitchFamily="49" charset="0"/>
-                <a:cs typeface="Courier New" panose="02070309020205020404" pitchFamily="49" charset="0"/>
-              </a:rPr>
-              <a:t>#include &lt;queue&gt;</a:t>
-            </a:r>
-          </a:p>
-          <a:p>
-            <a:r>
-              <a:rPr lang="en-US" dirty="0" smtClean="0">
-                <a:latin typeface="Courier New" panose="02070309020205020404" pitchFamily="49" charset="0"/>
-                <a:cs typeface="Courier New" panose="02070309020205020404" pitchFamily="49" charset="0"/>
-              </a:rPr>
-              <a:t>…</a:t>
-            </a:r>
-          </a:p>
-          <a:p>
-            <a:r>
-              <a:rPr lang="en-US" dirty="0" err="1" smtClean="0">
-                <a:latin typeface="Courier New" panose="02070309020205020404" pitchFamily="49" charset="0"/>
-                <a:cs typeface="Courier New" panose="02070309020205020404" pitchFamily="49" charset="0"/>
-              </a:rPr>
-              <a:t>std</a:t>
-            </a:r>
-            <a:r>
-              <a:rPr lang="en-US" dirty="0" smtClean="0">
-                <a:latin typeface="Courier New" panose="02070309020205020404" pitchFamily="49" charset="0"/>
-                <a:cs typeface="Courier New" panose="02070309020205020404" pitchFamily="49" charset="0"/>
-              </a:rPr>
-              <a:t>::queue&lt;</a:t>
-            </a:r>
-            <a:r>
-              <a:rPr lang="en-US" dirty="0" err="1" smtClean="0">
-                <a:latin typeface="Courier New" panose="02070309020205020404" pitchFamily="49" charset="0"/>
-                <a:cs typeface="Courier New" panose="02070309020205020404" pitchFamily="49" charset="0"/>
-              </a:rPr>
-              <a:t>int</a:t>
-            </a:r>
-            <a:r>
-              <a:rPr lang="en-US" dirty="0" smtClean="0">
-                <a:latin typeface="Courier New" panose="02070309020205020404" pitchFamily="49" charset="0"/>
-                <a:cs typeface="Courier New" panose="02070309020205020404" pitchFamily="49" charset="0"/>
-              </a:rPr>
-              <a:t>&gt; q;</a:t>
-            </a:r>
-          </a:p>
-          <a:p>
-            <a:r>
-              <a:rPr lang="en-US" dirty="0" smtClean="0">
-                <a:latin typeface="Courier New" panose="02070309020205020404" pitchFamily="49" charset="0"/>
-                <a:cs typeface="Courier New" panose="02070309020205020404" pitchFamily="49" charset="0"/>
-              </a:rPr>
-              <a:t>for (</a:t>
-            </a:r>
-            <a:r>
-              <a:rPr lang="en-US" dirty="0" err="1" smtClean="0">
-                <a:latin typeface="Courier New" panose="02070309020205020404" pitchFamily="49" charset="0"/>
-                <a:cs typeface="Courier New" panose="02070309020205020404" pitchFamily="49" charset="0"/>
-              </a:rPr>
-              <a:t>int</a:t>
-            </a:r>
-            <a:r>
-              <a:rPr lang="en-US" dirty="0" smtClean="0">
-                <a:latin typeface="Courier New" panose="02070309020205020404" pitchFamily="49" charset="0"/>
-                <a:cs typeface="Courier New" panose="02070309020205020404" pitchFamily="49" charset="0"/>
-              </a:rPr>
-              <a:t> </a:t>
-            </a:r>
-            <a:r>
-              <a:rPr lang="en-US" dirty="0" err="1" smtClean="0">
-                <a:latin typeface="Courier New" panose="02070309020205020404" pitchFamily="49" charset="0"/>
-                <a:cs typeface="Courier New" panose="02070309020205020404" pitchFamily="49" charset="0"/>
-              </a:rPr>
-              <a:t>i</a:t>
-            </a:r>
-            <a:r>
-              <a:rPr lang="en-US" dirty="0" smtClean="0">
-                <a:latin typeface="Courier New" panose="02070309020205020404" pitchFamily="49" charset="0"/>
-                <a:cs typeface="Courier New" panose="02070309020205020404" pitchFamily="49" charset="0"/>
-              </a:rPr>
-              <a:t> = 0; </a:t>
-            </a:r>
-            <a:r>
-              <a:rPr lang="en-US" dirty="0" err="1" smtClean="0">
-                <a:latin typeface="Courier New" panose="02070309020205020404" pitchFamily="49" charset="0"/>
-                <a:cs typeface="Courier New" panose="02070309020205020404" pitchFamily="49" charset="0"/>
-              </a:rPr>
-              <a:t>i</a:t>
-            </a:r>
-            <a:r>
-              <a:rPr lang="en-US" dirty="0" smtClean="0">
-                <a:latin typeface="Courier New" panose="02070309020205020404" pitchFamily="49" charset="0"/>
-                <a:cs typeface="Courier New" panose="02070309020205020404" pitchFamily="49" charset="0"/>
-              </a:rPr>
-              <a:t> &lt; 10; </a:t>
-            </a:r>
-            <a:r>
-              <a:rPr lang="en-US" dirty="0" err="1" smtClean="0">
-                <a:latin typeface="Courier New" panose="02070309020205020404" pitchFamily="49" charset="0"/>
-                <a:cs typeface="Courier New" panose="02070309020205020404" pitchFamily="49" charset="0"/>
-              </a:rPr>
-              <a:t>i</a:t>
-            </a:r>
-            <a:r>
-              <a:rPr lang="en-US" dirty="0" smtClean="0">
-                <a:latin typeface="Courier New" panose="02070309020205020404" pitchFamily="49" charset="0"/>
-                <a:cs typeface="Courier New" panose="02070309020205020404" pitchFamily="49" charset="0"/>
-              </a:rPr>
-              <a:t>++)</a:t>
-            </a:r>
-          </a:p>
-          <a:p>
-            <a:r>
-              <a:rPr lang="en-US" dirty="0">
-                <a:latin typeface="Courier New" panose="02070309020205020404" pitchFamily="49" charset="0"/>
-                <a:cs typeface="Courier New" panose="02070309020205020404" pitchFamily="49" charset="0"/>
-              </a:rPr>
-              <a:t> </a:t>
-            </a:r>
-            <a:r>
-              <a:rPr lang="en-US" dirty="0" smtClean="0">
-                <a:latin typeface="Courier New" panose="02070309020205020404" pitchFamily="49" charset="0"/>
-                <a:cs typeface="Courier New" panose="02070309020205020404" pitchFamily="49" charset="0"/>
-              </a:rPr>
-              <a:t>   </a:t>
-            </a:r>
-            <a:r>
-              <a:rPr lang="en-US" dirty="0" err="1" smtClean="0">
-                <a:latin typeface="Courier New" panose="02070309020205020404" pitchFamily="49" charset="0"/>
-                <a:cs typeface="Courier New" panose="02070309020205020404" pitchFamily="49" charset="0"/>
-              </a:rPr>
-              <a:t>q.push</a:t>
-            </a:r>
-            <a:r>
-              <a:rPr lang="en-US" dirty="0" smtClean="0">
-                <a:latin typeface="Courier New" panose="02070309020205020404" pitchFamily="49" charset="0"/>
-                <a:cs typeface="Courier New" panose="02070309020205020404" pitchFamily="49" charset="0"/>
-              </a:rPr>
-              <a:t>(</a:t>
-            </a:r>
-            <a:r>
-              <a:rPr lang="en-US" dirty="0" err="1" smtClean="0">
-                <a:latin typeface="Courier New" panose="02070309020205020404" pitchFamily="49" charset="0"/>
-                <a:cs typeface="Courier New" panose="02070309020205020404" pitchFamily="49" charset="0"/>
-              </a:rPr>
-              <a:t>i</a:t>
-            </a:r>
-            <a:r>
-              <a:rPr lang="en-US" dirty="0" smtClean="0">
-                <a:latin typeface="Courier New" panose="02070309020205020404" pitchFamily="49" charset="0"/>
-                <a:cs typeface="Courier New" panose="02070309020205020404" pitchFamily="49" charset="0"/>
-              </a:rPr>
-              <a:t>);</a:t>
-            </a:r>
-          </a:p>
-          <a:p>
-            <a:r>
-              <a:rPr lang="en-US" dirty="0" smtClean="0">
-                <a:latin typeface="Courier New" panose="02070309020205020404" pitchFamily="49" charset="0"/>
-                <a:cs typeface="Courier New" panose="02070309020205020404" pitchFamily="49" charset="0"/>
-              </a:rPr>
-              <a:t>while (!</a:t>
-            </a:r>
-            <a:r>
-              <a:rPr lang="en-US" dirty="0" err="1" smtClean="0">
-                <a:latin typeface="Courier New" panose="02070309020205020404" pitchFamily="49" charset="0"/>
-                <a:cs typeface="Courier New" panose="02070309020205020404" pitchFamily="49" charset="0"/>
-              </a:rPr>
-              <a:t>q.empty</a:t>
-            </a:r>
-            <a:r>
-              <a:rPr lang="en-US" dirty="0" smtClean="0">
-                <a:latin typeface="Courier New" panose="02070309020205020404" pitchFamily="49" charset="0"/>
-                <a:cs typeface="Courier New" panose="02070309020205020404" pitchFamily="49" charset="0"/>
-              </a:rPr>
-              <a:t>()) {</a:t>
-            </a:r>
-            <a:endParaRPr lang="en-US" dirty="0">
-              <a:latin typeface="Courier New" panose="02070309020205020404" pitchFamily="49" charset="0"/>
-              <a:cs typeface="Courier New" panose="02070309020205020404" pitchFamily="49" charset="0"/>
-            </a:endParaRPr>
-          </a:p>
-          <a:p>
-            <a:r>
-              <a:rPr lang="en-US" dirty="0" smtClean="0">
-                <a:latin typeface="Courier New" panose="02070309020205020404" pitchFamily="49" charset="0"/>
-                <a:cs typeface="Courier New" panose="02070309020205020404" pitchFamily="49" charset="0"/>
-              </a:rPr>
-              <a:t>    </a:t>
-            </a:r>
-            <a:r>
-              <a:rPr lang="en-US" dirty="0" err="1">
-                <a:latin typeface="Courier New" panose="02070309020205020404" pitchFamily="49" charset="0"/>
-                <a:cs typeface="Courier New" panose="02070309020205020404" pitchFamily="49" charset="0"/>
-              </a:rPr>
-              <a:t>std</a:t>
-            </a:r>
-            <a:r>
-              <a:rPr lang="en-US" dirty="0">
-                <a:latin typeface="Courier New" panose="02070309020205020404" pitchFamily="49" charset="0"/>
-                <a:cs typeface="Courier New" panose="02070309020205020404" pitchFamily="49" charset="0"/>
-              </a:rPr>
-              <a:t>::</a:t>
-            </a:r>
-            <a:r>
-              <a:rPr lang="en-US" dirty="0" err="1">
-                <a:latin typeface="Courier New" panose="02070309020205020404" pitchFamily="49" charset="0"/>
-                <a:cs typeface="Courier New" panose="02070309020205020404" pitchFamily="49" charset="0"/>
-              </a:rPr>
-              <a:t>cout</a:t>
-            </a:r>
-            <a:r>
-              <a:rPr lang="en-US" dirty="0">
-                <a:latin typeface="Courier New" panose="02070309020205020404" pitchFamily="49" charset="0"/>
-                <a:cs typeface="Courier New" panose="02070309020205020404" pitchFamily="49" charset="0"/>
-              </a:rPr>
-              <a:t> &lt;&lt; </a:t>
-            </a:r>
-            <a:r>
-              <a:rPr lang="en-US" dirty="0" err="1">
-                <a:latin typeface="Courier New" panose="02070309020205020404" pitchFamily="49" charset="0"/>
-                <a:cs typeface="Courier New" panose="02070309020205020404" pitchFamily="49" charset="0"/>
-              </a:rPr>
-              <a:t>q</a:t>
-            </a:r>
-            <a:r>
-              <a:rPr lang="en-US" dirty="0" err="1" smtClean="0">
-                <a:latin typeface="Courier New" panose="02070309020205020404" pitchFamily="49" charset="0"/>
-                <a:cs typeface="Courier New" panose="02070309020205020404" pitchFamily="49" charset="0"/>
-              </a:rPr>
-              <a:t>.front</a:t>
-            </a:r>
-            <a:r>
-              <a:rPr lang="en-US" dirty="0" smtClean="0">
-                <a:latin typeface="Courier New" panose="02070309020205020404" pitchFamily="49" charset="0"/>
-                <a:cs typeface="Courier New" panose="02070309020205020404" pitchFamily="49" charset="0"/>
-              </a:rPr>
-              <a:t>() </a:t>
-            </a:r>
-            <a:r>
-              <a:rPr lang="en-US" dirty="0">
-                <a:latin typeface="Courier New" panose="02070309020205020404" pitchFamily="49" charset="0"/>
-                <a:cs typeface="Courier New" panose="02070309020205020404" pitchFamily="49" charset="0"/>
-              </a:rPr>
-              <a:t>&lt;&lt; </a:t>
-            </a:r>
-            <a:r>
-              <a:rPr lang="en-US" dirty="0" err="1">
-                <a:latin typeface="Courier New" panose="02070309020205020404" pitchFamily="49" charset="0"/>
-                <a:cs typeface="Courier New" panose="02070309020205020404" pitchFamily="49" charset="0"/>
-              </a:rPr>
-              <a:t>std</a:t>
-            </a:r>
-            <a:r>
-              <a:rPr lang="en-US" dirty="0">
-                <a:latin typeface="Courier New" panose="02070309020205020404" pitchFamily="49" charset="0"/>
-                <a:cs typeface="Courier New" panose="02070309020205020404" pitchFamily="49" charset="0"/>
-              </a:rPr>
-              <a:t>::</a:t>
-            </a:r>
-            <a:r>
-              <a:rPr lang="en-US" dirty="0" err="1">
-                <a:latin typeface="Courier New" panose="02070309020205020404" pitchFamily="49" charset="0"/>
-                <a:cs typeface="Courier New" panose="02070309020205020404" pitchFamily="49" charset="0"/>
-              </a:rPr>
-              <a:t>endl</a:t>
-            </a:r>
-            <a:r>
-              <a:rPr lang="en-US" dirty="0" smtClean="0">
-                <a:latin typeface="Courier New" panose="02070309020205020404" pitchFamily="49" charset="0"/>
-                <a:cs typeface="Courier New" panose="02070309020205020404" pitchFamily="49" charset="0"/>
-              </a:rPr>
-              <a:t>;</a:t>
-            </a:r>
-          </a:p>
-          <a:p>
-            <a:r>
-              <a:rPr lang="en-US" dirty="0">
-                <a:latin typeface="Courier New" panose="02070309020205020404" pitchFamily="49" charset="0"/>
-                <a:cs typeface="Courier New" panose="02070309020205020404" pitchFamily="49" charset="0"/>
-              </a:rPr>
-              <a:t> </a:t>
-            </a:r>
-            <a:r>
-              <a:rPr lang="en-US" dirty="0" smtClean="0">
-                <a:latin typeface="Courier New" panose="02070309020205020404" pitchFamily="49" charset="0"/>
-                <a:cs typeface="Courier New" panose="02070309020205020404" pitchFamily="49" charset="0"/>
-              </a:rPr>
-              <a:t>   </a:t>
-            </a:r>
-            <a:r>
-              <a:rPr lang="en-US" dirty="0" err="1">
-                <a:latin typeface="Courier New" panose="02070309020205020404" pitchFamily="49" charset="0"/>
-                <a:cs typeface="Courier New" panose="02070309020205020404" pitchFamily="49" charset="0"/>
-              </a:rPr>
-              <a:t>q</a:t>
-            </a:r>
-            <a:r>
-              <a:rPr lang="en-US" dirty="0" err="1" smtClean="0">
-                <a:latin typeface="Courier New" panose="02070309020205020404" pitchFamily="49" charset="0"/>
-                <a:cs typeface="Courier New" panose="02070309020205020404" pitchFamily="49" charset="0"/>
-              </a:rPr>
-              <a:t>.pop</a:t>
-            </a:r>
-            <a:r>
-              <a:rPr lang="en-US" dirty="0" smtClean="0">
-                <a:latin typeface="Courier New" panose="02070309020205020404" pitchFamily="49" charset="0"/>
-                <a:cs typeface="Courier New" panose="02070309020205020404" pitchFamily="49" charset="0"/>
-              </a:rPr>
-              <a:t>();</a:t>
-            </a:r>
-          </a:p>
-          <a:p>
-            <a:r>
-              <a:rPr lang="en-US" dirty="0">
-                <a:latin typeface="Courier New" panose="02070309020205020404" pitchFamily="49" charset="0"/>
-                <a:cs typeface="Courier New" panose="02070309020205020404" pitchFamily="49" charset="0"/>
-              </a:rPr>
-              <a:t>}</a:t>
-            </a:r>
-          </a:p>
-        </p:txBody>
-      </p:sp>
     </p:spTree>
     <p:extLst>
       <p:ext uri="{BB962C8B-B14F-4D97-AF65-F5344CB8AC3E}">
-        <p14:creationId xmlns:p14="http://schemas.microsoft.com/office/powerpoint/2010/main" val="3930827009"/>
+        <p14:creationId xmlns:p14="http://schemas.microsoft.com/office/powerpoint/2010/main" val="1534393266"/>
       </p:ext>
     </p:extLst>
   </p:cSld>
@@ -23571,6 +23224,1075 @@
       </p:grpSpPr>
       <p:sp>
         <p:nvSpPr>
+          <p:cNvPr id="2" name="Title 1"/>
+          <p:cNvSpPr>
+            <a:spLocks noGrp="1"/>
+          </p:cNvSpPr>
+          <p:nvPr>
+            <p:ph type="title"/>
+          </p:nvPr>
+        </p:nvSpPr>
+        <p:spPr/>
+        <p:txBody>
+          <a:bodyPr/>
+          <a:lstStyle/>
+          <a:p>
+            <a:r>
+              <a:rPr lang="en-US" dirty="0" smtClean="0"/>
+              <a:t>Queue examples</a:t>
+            </a:r>
+            <a:endParaRPr lang="en-US" dirty="0"/>
+          </a:p>
+        </p:txBody>
+      </p:sp>
+      <p:sp>
+        <p:nvSpPr>
+          <p:cNvPr id="4" name="Slide Number Placeholder 3"/>
+          <p:cNvSpPr>
+            <a:spLocks noGrp="1"/>
+          </p:cNvSpPr>
+          <p:nvPr>
+            <p:ph type="sldNum" sz="quarter" idx="12"/>
+          </p:nvPr>
+        </p:nvSpPr>
+        <p:spPr/>
+        <p:txBody>
+          <a:bodyPr/>
+          <a:lstStyle/>
+          <a:p>
+            <a:fld id="{11AD1F4E-1E51-402E-B221-310F004E7D3B}" type="slidenum">
+              <a:rPr lang="en-US" smtClean="0"/>
+              <a:t>39</a:t>
+            </a:fld>
+            <a:endParaRPr lang="en-US"/>
+          </a:p>
+        </p:txBody>
+      </p:sp>
+      <p:sp>
+        <p:nvSpPr>
+          <p:cNvPr id="5" name="TextBox 4"/>
+          <p:cNvSpPr txBox="1"/>
+          <p:nvPr/>
+        </p:nvSpPr>
+        <p:spPr>
+          <a:xfrm>
+            <a:off x="628650" y="1704105"/>
+            <a:ext cx="6665768" cy="2585323"/>
+          </a:xfrm>
+          <a:prstGeom prst="rect">
+            <a:avLst/>
+          </a:prstGeom>
+          <a:solidFill>
+            <a:schemeClr val="bg1">
+              <a:lumMod val="75000"/>
+            </a:schemeClr>
+          </a:solidFill>
+          <a:ln>
+            <a:solidFill>
+              <a:schemeClr val="tx1"/>
+            </a:solidFill>
+          </a:ln>
+        </p:spPr>
+        <p:txBody>
+          <a:bodyPr wrap="square" rtlCol="0">
+            <a:spAutoFit/>
+          </a:bodyPr>
+          <a:lstStyle/>
+          <a:p>
+            <a:r>
+              <a:rPr lang="en-US" dirty="0" smtClean="0">
+                <a:latin typeface="Courier New" panose="02070309020205020404" pitchFamily="49" charset="0"/>
+                <a:cs typeface="Courier New" panose="02070309020205020404" pitchFamily="49" charset="0"/>
+              </a:rPr>
+              <a:t>#include &lt;queue&gt;</a:t>
+            </a:r>
+          </a:p>
+          <a:p>
+            <a:r>
+              <a:rPr lang="en-US" dirty="0" smtClean="0">
+                <a:latin typeface="Courier New" panose="02070309020205020404" pitchFamily="49" charset="0"/>
+                <a:cs typeface="Courier New" panose="02070309020205020404" pitchFamily="49" charset="0"/>
+              </a:rPr>
+              <a:t>…</a:t>
+            </a:r>
+          </a:p>
+          <a:p>
+            <a:r>
+              <a:rPr lang="en-US" dirty="0" err="1" smtClean="0">
+                <a:latin typeface="Courier New" panose="02070309020205020404" pitchFamily="49" charset="0"/>
+                <a:cs typeface="Courier New" panose="02070309020205020404" pitchFamily="49" charset="0"/>
+              </a:rPr>
+              <a:t>std</a:t>
+            </a:r>
+            <a:r>
+              <a:rPr lang="en-US" dirty="0" smtClean="0">
+                <a:latin typeface="Courier New" panose="02070309020205020404" pitchFamily="49" charset="0"/>
+                <a:cs typeface="Courier New" panose="02070309020205020404" pitchFamily="49" charset="0"/>
+              </a:rPr>
+              <a:t>::queue&lt;</a:t>
+            </a:r>
+            <a:r>
+              <a:rPr lang="en-US" dirty="0" err="1" smtClean="0">
+                <a:latin typeface="Courier New" panose="02070309020205020404" pitchFamily="49" charset="0"/>
+                <a:cs typeface="Courier New" panose="02070309020205020404" pitchFamily="49" charset="0"/>
+              </a:rPr>
+              <a:t>int</a:t>
+            </a:r>
+            <a:r>
+              <a:rPr lang="en-US" dirty="0" smtClean="0">
+                <a:latin typeface="Courier New" panose="02070309020205020404" pitchFamily="49" charset="0"/>
+                <a:cs typeface="Courier New" panose="02070309020205020404" pitchFamily="49" charset="0"/>
+              </a:rPr>
+              <a:t>&gt; q;</a:t>
+            </a:r>
+          </a:p>
+          <a:p>
+            <a:r>
+              <a:rPr lang="en-US" dirty="0" smtClean="0">
+                <a:latin typeface="Courier New" panose="02070309020205020404" pitchFamily="49" charset="0"/>
+                <a:cs typeface="Courier New" panose="02070309020205020404" pitchFamily="49" charset="0"/>
+              </a:rPr>
+              <a:t>for (</a:t>
+            </a:r>
+            <a:r>
+              <a:rPr lang="en-US" dirty="0" err="1" smtClean="0">
+                <a:latin typeface="Courier New" panose="02070309020205020404" pitchFamily="49" charset="0"/>
+                <a:cs typeface="Courier New" panose="02070309020205020404" pitchFamily="49" charset="0"/>
+              </a:rPr>
+              <a:t>int</a:t>
+            </a:r>
+            <a:r>
+              <a:rPr lang="en-US" dirty="0" smtClean="0">
+                <a:latin typeface="Courier New" panose="02070309020205020404" pitchFamily="49" charset="0"/>
+                <a:cs typeface="Courier New" panose="02070309020205020404" pitchFamily="49" charset="0"/>
+              </a:rPr>
+              <a:t> </a:t>
+            </a:r>
+            <a:r>
+              <a:rPr lang="en-US" dirty="0" err="1" smtClean="0">
+                <a:latin typeface="Courier New" panose="02070309020205020404" pitchFamily="49" charset="0"/>
+                <a:cs typeface="Courier New" panose="02070309020205020404" pitchFamily="49" charset="0"/>
+              </a:rPr>
+              <a:t>i</a:t>
+            </a:r>
+            <a:r>
+              <a:rPr lang="en-US" dirty="0" smtClean="0">
+                <a:latin typeface="Courier New" panose="02070309020205020404" pitchFamily="49" charset="0"/>
+                <a:cs typeface="Courier New" panose="02070309020205020404" pitchFamily="49" charset="0"/>
+              </a:rPr>
+              <a:t> = 0; </a:t>
+            </a:r>
+            <a:r>
+              <a:rPr lang="en-US" dirty="0" err="1" smtClean="0">
+                <a:latin typeface="Courier New" panose="02070309020205020404" pitchFamily="49" charset="0"/>
+                <a:cs typeface="Courier New" panose="02070309020205020404" pitchFamily="49" charset="0"/>
+              </a:rPr>
+              <a:t>i</a:t>
+            </a:r>
+            <a:r>
+              <a:rPr lang="en-US" dirty="0" smtClean="0">
+                <a:latin typeface="Courier New" panose="02070309020205020404" pitchFamily="49" charset="0"/>
+                <a:cs typeface="Courier New" panose="02070309020205020404" pitchFamily="49" charset="0"/>
+              </a:rPr>
+              <a:t> &lt; 10; </a:t>
+            </a:r>
+            <a:r>
+              <a:rPr lang="en-US" dirty="0" err="1" smtClean="0">
+                <a:latin typeface="Courier New" panose="02070309020205020404" pitchFamily="49" charset="0"/>
+                <a:cs typeface="Courier New" panose="02070309020205020404" pitchFamily="49" charset="0"/>
+              </a:rPr>
+              <a:t>i</a:t>
+            </a:r>
+            <a:r>
+              <a:rPr lang="en-US" dirty="0" smtClean="0">
+                <a:latin typeface="Courier New" panose="02070309020205020404" pitchFamily="49" charset="0"/>
+                <a:cs typeface="Courier New" panose="02070309020205020404" pitchFamily="49" charset="0"/>
+              </a:rPr>
+              <a:t>++)</a:t>
+            </a:r>
+          </a:p>
+          <a:p>
+            <a:r>
+              <a:rPr lang="en-US" dirty="0">
+                <a:latin typeface="Courier New" panose="02070309020205020404" pitchFamily="49" charset="0"/>
+                <a:cs typeface="Courier New" panose="02070309020205020404" pitchFamily="49" charset="0"/>
+              </a:rPr>
+              <a:t> </a:t>
+            </a:r>
+            <a:r>
+              <a:rPr lang="en-US" dirty="0" smtClean="0">
+                <a:latin typeface="Courier New" panose="02070309020205020404" pitchFamily="49" charset="0"/>
+                <a:cs typeface="Courier New" panose="02070309020205020404" pitchFamily="49" charset="0"/>
+              </a:rPr>
+              <a:t>   </a:t>
+            </a:r>
+            <a:r>
+              <a:rPr lang="en-US" dirty="0" err="1" smtClean="0">
+                <a:latin typeface="Courier New" panose="02070309020205020404" pitchFamily="49" charset="0"/>
+                <a:cs typeface="Courier New" panose="02070309020205020404" pitchFamily="49" charset="0"/>
+              </a:rPr>
+              <a:t>q.push</a:t>
+            </a:r>
+            <a:r>
+              <a:rPr lang="en-US" dirty="0" smtClean="0">
+                <a:latin typeface="Courier New" panose="02070309020205020404" pitchFamily="49" charset="0"/>
+                <a:cs typeface="Courier New" panose="02070309020205020404" pitchFamily="49" charset="0"/>
+              </a:rPr>
+              <a:t>(</a:t>
+            </a:r>
+            <a:r>
+              <a:rPr lang="en-US" dirty="0" err="1" smtClean="0">
+                <a:latin typeface="Courier New" panose="02070309020205020404" pitchFamily="49" charset="0"/>
+                <a:cs typeface="Courier New" panose="02070309020205020404" pitchFamily="49" charset="0"/>
+              </a:rPr>
+              <a:t>i</a:t>
+            </a:r>
+            <a:r>
+              <a:rPr lang="en-US" dirty="0" smtClean="0">
+                <a:latin typeface="Courier New" panose="02070309020205020404" pitchFamily="49" charset="0"/>
+                <a:cs typeface="Courier New" panose="02070309020205020404" pitchFamily="49" charset="0"/>
+              </a:rPr>
+              <a:t>);</a:t>
+            </a:r>
+          </a:p>
+          <a:p>
+            <a:r>
+              <a:rPr lang="en-US" dirty="0" smtClean="0">
+                <a:latin typeface="Courier New" panose="02070309020205020404" pitchFamily="49" charset="0"/>
+                <a:cs typeface="Courier New" panose="02070309020205020404" pitchFamily="49" charset="0"/>
+              </a:rPr>
+              <a:t>while (!</a:t>
+            </a:r>
+            <a:r>
+              <a:rPr lang="en-US" dirty="0" err="1" smtClean="0">
+                <a:latin typeface="Courier New" panose="02070309020205020404" pitchFamily="49" charset="0"/>
+                <a:cs typeface="Courier New" panose="02070309020205020404" pitchFamily="49" charset="0"/>
+              </a:rPr>
+              <a:t>q.empty</a:t>
+            </a:r>
+            <a:r>
+              <a:rPr lang="en-US" dirty="0" smtClean="0">
+                <a:latin typeface="Courier New" panose="02070309020205020404" pitchFamily="49" charset="0"/>
+                <a:cs typeface="Courier New" panose="02070309020205020404" pitchFamily="49" charset="0"/>
+              </a:rPr>
+              <a:t>()) {</a:t>
+            </a:r>
+            <a:endParaRPr lang="en-US" dirty="0">
+              <a:latin typeface="Courier New" panose="02070309020205020404" pitchFamily="49" charset="0"/>
+              <a:cs typeface="Courier New" panose="02070309020205020404" pitchFamily="49" charset="0"/>
+            </a:endParaRPr>
+          </a:p>
+          <a:p>
+            <a:r>
+              <a:rPr lang="en-US" dirty="0" smtClean="0">
+                <a:latin typeface="Courier New" panose="02070309020205020404" pitchFamily="49" charset="0"/>
+                <a:cs typeface="Courier New" panose="02070309020205020404" pitchFamily="49" charset="0"/>
+              </a:rPr>
+              <a:t>    </a:t>
+            </a:r>
+            <a:r>
+              <a:rPr lang="en-US" dirty="0" err="1">
+                <a:latin typeface="Courier New" panose="02070309020205020404" pitchFamily="49" charset="0"/>
+                <a:cs typeface="Courier New" panose="02070309020205020404" pitchFamily="49" charset="0"/>
+              </a:rPr>
+              <a:t>std</a:t>
+            </a:r>
+            <a:r>
+              <a:rPr lang="en-US" dirty="0">
+                <a:latin typeface="Courier New" panose="02070309020205020404" pitchFamily="49" charset="0"/>
+                <a:cs typeface="Courier New" panose="02070309020205020404" pitchFamily="49" charset="0"/>
+              </a:rPr>
+              <a:t>::</a:t>
+            </a:r>
+            <a:r>
+              <a:rPr lang="en-US" dirty="0" err="1">
+                <a:latin typeface="Courier New" panose="02070309020205020404" pitchFamily="49" charset="0"/>
+                <a:cs typeface="Courier New" panose="02070309020205020404" pitchFamily="49" charset="0"/>
+              </a:rPr>
+              <a:t>cout</a:t>
+            </a:r>
+            <a:r>
+              <a:rPr lang="en-US" dirty="0">
+                <a:latin typeface="Courier New" panose="02070309020205020404" pitchFamily="49" charset="0"/>
+                <a:cs typeface="Courier New" panose="02070309020205020404" pitchFamily="49" charset="0"/>
+              </a:rPr>
+              <a:t> &lt;&lt; </a:t>
+            </a:r>
+            <a:r>
+              <a:rPr lang="en-US" dirty="0" err="1">
+                <a:latin typeface="Courier New" panose="02070309020205020404" pitchFamily="49" charset="0"/>
+                <a:cs typeface="Courier New" panose="02070309020205020404" pitchFamily="49" charset="0"/>
+              </a:rPr>
+              <a:t>q</a:t>
+            </a:r>
+            <a:r>
+              <a:rPr lang="en-US" dirty="0" err="1" smtClean="0">
+                <a:latin typeface="Courier New" panose="02070309020205020404" pitchFamily="49" charset="0"/>
+                <a:cs typeface="Courier New" panose="02070309020205020404" pitchFamily="49" charset="0"/>
+              </a:rPr>
+              <a:t>.front</a:t>
+            </a:r>
+            <a:r>
+              <a:rPr lang="en-US" dirty="0" smtClean="0">
+                <a:latin typeface="Courier New" panose="02070309020205020404" pitchFamily="49" charset="0"/>
+                <a:cs typeface="Courier New" panose="02070309020205020404" pitchFamily="49" charset="0"/>
+              </a:rPr>
+              <a:t>() </a:t>
+            </a:r>
+            <a:r>
+              <a:rPr lang="en-US" dirty="0">
+                <a:latin typeface="Courier New" panose="02070309020205020404" pitchFamily="49" charset="0"/>
+                <a:cs typeface="Courier New" panose="02070309020205020404" pitchFamily="49" charset="0"/>
+              </a:rPr>
+              <a:t>&lt;&lt; </a:t>
+            </a:r>
+            <a:r>
+              <a:rPr lang="en-US" dirty="0" err="1">
+                <a:latin typeface="Courier New" panose="02070309020205020404" pitchFamily="49" charset="0"/>
+                <a:cs typeface="Courier New" panose="02070309020205020404" pitchFamily="49" charset="0"/>
+              </a:rPr>
+              <a:t>std</a:t>
+            </a:r>
+            <a:r>
+              <a:rPr lang="en-US" dirty="0">
+                <a:latin typeface="Courier New" panose="02070309020205020404" pitchFamily="49" charset="0"/>
+                <a:cs typeface="Courier New" panose="02070309020205020404" pitchFamily="49" charset="0"/>
+              </a:rPr>
+              <a:t>::</a:t>
+            </a:r>
+            <a:r>
+              <a:rPr lang="en-US" dirty="0" err="1">
+                <a:latin typeface="Courier New" panose="02070309020205020404" pitchFamily="49" charset="0"/>
+                <a:cs typeface="Courier New" panose="02070309020205020404" pitchFamily="49" charset="0"/>
+              </a:rPr>
+              <a:t>endl</a:t>
+            </a:r>
+            <a:r>
+              <a:rPr lang="en-US" dirty="0" smtClean="0">
+                <a:latin typeface="Courier New" panose="02070309020205020404" pitchFamily="49" charset="0"/>
+                <a:cs typeface="Courier New" panose="02070309020205020404" pitchFamily="49" charset="0"/>
+              </a:rPr>
+              <a:t>;</a:t>
+            </a:r>
+          </a:p>
+          <a:p>
+            <a:r>
+              <a:rPr lang="en-US" dirty="0">
+                <a:latin typeface="Courier New" panose="02070309020205020404" pitchFamily="49" charset="0"/>
+                <a:cs typeface="Courier New" panose="02070309020205020404" pitchFamily="49" charset="0"/>
+              </a:rPr>
+              <a:t> </a:t>
+            </a:r>
+            <a:r>
+              <a:rPr lang="en-US" dirty="0" smtClean="0">
+                <a:latin typeface="Courier New" panose="02070309020205020404" pitchFamily="49" charset="0"/>
+                <a:cs typeface="Courier New" panose="02070309020205020404" pitchFamily="49" charset="0"/>
+              </a:rPr>
+              <a:t>   </a:t>
+            </a:r>
+            <a:r>
+              <a:rPr lang="en-US" dirty="0" err="1">
+                <a:latin typeface="Courier New" panose="02070309020205020404" pitchFamily="49" charset="0"/>
+                <a:cs typeface="Courier New" panose="02070309020205020404" pitchFamily="49" charset="0"/>
+              </a:rPr>
+              <a:t>q</a:t>
+            </a:r>
+            <a:r>
+              <a:rPr lang="en-US" dirty="0" err="1" smtClean="0">
+                <a:latin typeface="Courier New" panose="02070309020205020404" pitchFamily="49" charset="0"/>
+                <a:cs typeface="Courier New" panose="02070309020205020404" pitchFamily="49" charset="0"/>
+              </a:rPr>
+              <a:t>.pop</a:t>
+            </a:r>
+            <a:r>
+              <a:rPr lang="en-US" dirty="0" smtClean="0">
+                <a:latin typeface="Courier New" panose="02070309020205020404" pitchFamily="49" charset="0"/>
+                <a:cs typeface="Courier New" panose="02070309020205020404" pitchFamily="49" charset="0"/>
+              </a:rPr>
+              <a:t>();</a:t>
+            </a:r>
+          </a:p>
+          <a:p>
+            <a:r>
+              <a:rPr lang="en-US" dirty="0">
+                <a:latin typeface="Courier New" panose="02070309020205020404" pitchFamily="49" charset="0"/>
+                <a:cs typeface="Courier New" panose="02070309020205020404" pitchFamily="49" charset="0"/>
+              </a:rPr>
+              <a:t>}</a:t>
+            </a:r>
+          </a:p>
+        </p:txBody>
+      </p:sp>
+    </p:spTree>
+    <p:extLst>
+      <p:ext uri="{BB962C8B-B14F-4D97-AF65-F5344CB8AC3E}">
+        <p14:creationId xmlns:p14="http://schemas.microsoft.com/office/powerpoint/2010/main" val="3930827009"/>
+      </p:ext>
+    </p:extLst>
+  </p:cSld>
+  <p:clrMapOvr>
+    <a:masterClrMapping/>
+  </p:clrMapOvr>
+  <p:timing>
+    <p:tnLst>
+      <p:par>
+        <p:cTn id="1" dur="indefinite" restart="never" nodeType="tmRoot"/>
+      </p:par>
+    </p:tnLst>
+  </p:timing>
+</p:sld>
+</file>
+
+<file path=ppt/slides/slide4.xml><?xml version="1.0" encoding="utf-8"?>
+<p:sld xmlns:a="http://schemas.openxmlformats.org/drawingml/2006/main" xmlns:r="http://schemas.openxmlformats.org/officeDocument/2006/relationships" xmlns:p="http://schemas.openxmlformats.org/presentationml/2006/main">
+  <p:cSld>
+    <p:spTree>
+      <p:nvGrpSpPr>
+        <p:cNvPr id="1" name=""/>
+        <p:cNvGrpSpPr/>
+        <p:nvPr/>
+      </p:nvGrpSpPr>
+      <p:grpSpPr>
+        <a:xfrm>
+          <a:off x="0" y="0"/>
+          <a:ext cx="0" cy="0"/>
+          <a:chOff x="0" y="0"/>
+          <a:chExt cx="0" cy="0"/>
+        </a:xfrm>
+      </p:grpSpPr>
+      <p:sp>
+        <p:nvSpPr>
+          <p:cNvPr id="2" name="Title 1"/>
+          <p:cNvSpPr>
+            <a:spLocks noGrp="1"/>
+          </p:cNvSpPr>
+          <p:nvPr>
+            <p:ph type="title"/>
+          </p:nvPr>
+        </p:nvSpPr>
+        <p:spPr/>
+        <p:txBody>
+          <a:bodyPr/>
+          <a:lstStyle/>
+          <a:p>
+            <a:r>
+              <a:rPr lang="en-US" dirty="0" smtClean="0"/>
+              <a:t>Motivation</a:t>
+            </a:r>
+            <a:endParaRPr lang="en-US" dirty="0"/>
+          </a:p>
+        </p:txBody>
+      </p:sp>
+      <p:sp>
+        <p:nvSpPr>
+          <p:cNvPr id="3" name="Content Placeholder 2"/>
+          <p:cNvSpPr>
+            <a:spLocks noGrp="1"/>
+          </p:cNvSpPr>
+          <p:nvPr>
+            <p:ph idx="1"/>
+          </p:nvPr>
+        </p:nvSpPr>
+        <p:spPr>
+          <a:xfrm>
+            <a:off x="628650" y="1825625"/>
+            <a:ext cx="7886700" cy="4351338"/>
+          </a:xfrm>
+        </p:spPr>
+        <p:txBody>
+          <a:bodyPr>
+            <a:normAutofit lnSpcReduction="10000"/>
+          </a:bodyPr>
+          <a:lstStyle/>
+          <a:p>
+            <a:r>
+              <a:rPr lang="en-US" dirty="0" smtClean="0"/>
+              <a:t>Data structures are key to good programming</a:t>
+            </a:r>
+          </a:p>
+          <a:p>
+            <a:pPr lvl="1"/>
+            <a:r>
+              <a:rPr lang="en-US" dirty="0" smtClean="0"/>
+              <a:t>implementation conceptually close to model</a:t>
+            </a:r>
+          </a:p>
+          <a:p>
+            <a:pPr lvl="1"/>
+            <a:r>
+              <a:rPr lang="en-US" dirty="0" smtClean="0"/>
+              <a:t>fewer lines of code = less bugs</a:t>
+            </a:r>
+          </a:p>
+          <a:p>
+            <a:pPr lvl="1"/>
+            <a:r>
+              <a:rPr lang="en-US" dirty="0" smtClean="0"/>
+              <a:t>better performance</a:t>
+            </a:r>
+          </a:p>
+          <a:p>
+            <a:r>
+              <a:rPr lang="en-US" dirty="0" smtClean="0"/>
+              <a:t>Programming languages</a:t>
+            </a:r>
+          </a:p>
+          <a:p>
+            <a:pPr lvl="1"/>
+            <a:r>
+              <a:rPr lang="en-US" dirty="0" smtClean="0"/>
+              <a:t>C++: STL (Standard Template Library)</a:t>
+            </a:r>
+          </a:p>
+          <a:p>
+            <a:pPr lvl="1"/>
+            <a:r>
+              <a:rPr lang="en-US" dirty="0" smtClean="0"/>
+              <a:t>Python: core language, standard library</a:t>
+            </a:r>
+          </a:p>
+          <a:p>
+            <a:pPr lvl="1"/>
+            <a:r>
+              <a:rPr lang="en-US" dirty="0" smtClean="0"/>
+              <a:t>Java: standard library</a:t>
+            </a:r>
+          </a:p>
+          <a:p>
+            <a:pPr lvl="1"/>
+            <a:endParaRPr lang="en-US" dirty="0"/>
+          </a:p>
+          <a:p>
+            <a:endParaRPr lang="en-US" dirty="0" smtClean="0"/>
+          </a:p>
+          <a:p>
+            <a:r>
+              <a:rPr lang="en-US" dirty="0" smtClean="0">
+                <a:solidFill>
+                  <a:srgbClr val="FF0000"/>
+                </a:solidFill>
+              </a:rPr>
+              <a:t>Don't reinvent the wheel!</a:t>
+            </a:r>
+          </a:p>
+          <a:p>
+            <a:pPr lvl="1"/>
+            <a:endParaRPr lang="en-US" dirty="0"/>
+          </a:p>
+        </p:txBody>
+      </p:sp>
+      <p:sp>
+        <p:nvSpPr>
+          <p:cNvPr id="4" name="TextBox 3"/>
+          <p:cNvSpPr txBox="1"/>
+          <p:nvPr/>
+        </p:nvSpPr>
+        <p:spPr>
+          <a:xfrm>
+            <a:off x="1350819" y="5029199"/>
+            <a:ext cx="4668650" cy="415498"/>
+          </a:xfrm>
+          <a:prstGeom prst="rect">
+            <a:avLst/>
+          </a:prstGeom>
+          <a:noFill/>
+          <a:ln>
+            <a:solidFill>
+              <a:schemeClr val="tx1"/>
+            </a:solidFill>
+          </a:ln>
+        </p:spPr>
+        <p:txBody>
+          <a:bodyPr wrap="none" rtlCol="0">
+            <a:spAutoFit/>
+          </a:bodyPr>
+          <a:lstStyle/>
+          <a:p>
+            <a:r>
+              <a:rPr lang="en-US" sz="2100" dirty="0"/>
+              <a:t>For all languages, many 3</a:t>
+            </a:r>
+            <a:r>
+              <a:rPr lang="en-US" sz="2100" baseline="30000" dirty="0"/>
+              <a:t>rd</a:t>
+            </a:r>
+            <a:r>
+              <a:rPr lang="en-US" sz="2100" dirty="0"/>
+              <a:t> party libraries</a:t>
+            </a:r>
+          </a:p>
+        </p:txBody>
+      </p:sp>
+      <p:sp>
+        <p:nvSpPr>
+          <p:cNvPr id="5" name="Slide Number Placeholder 4"/>
+          <p:cNvSpPr>
+            <a:spLocks noGrp="1"/>
+          </p:cNvSpPr>
+          <p:nvPr>
+            <p:ph type="sldNum" sz="quarter" idx="12"/>
+          </p:nvPr>
+        </p:nvSpPr>
+        <p:spPr/>
+        <p:txBody>
+          <a:bodyPr/>
+          <a:lstStyle/>
+          <a:p>
+            <a:fld id="{11AD1F4E-1E51-402E-B221-310F004E7D3B}" type="slidenum">
+              <a:rPr lang="en-US" smtClean="0"/>
+              <a:t>4</a:t>
+            </a:fld>
+            <a:endParaRPr lang="en-US"/>
+          </a:p>
+        </p:txBody>
+      </p:sp>
+    </p:spTree>
+    <p:extLst>
+      <p:ext uri="{BB962C8B-B14F-4D97-AF65-F5344CB8AC3E}">
+        <p14:creationId xmlns:p14="http://schemas.microsoft.com/office/powerpoint/2010/main" val="2709702978"/>
+      </p:ext>
+    </p:extLst>
+  </p:cSld>
+  <p:clrMapOvr>
+    <a:masterClrMapping/>
+  </p:clrMapOvr>
+  <p:timing>
+    <p:tnLst>
+      <p:par>
+        <p:cTn id="1" dur="indefinite" restart="never" nodeType="tmRoot">
+          <p:childTnLst>
+            <p:seq concurrent="1" nextAc="seek">
+              <p:cTn id="2" dur="indefinite" nodeType="mainSeq">
+                <p:childTnLst>
+                  <p:par>
+                    <p:cTn id="3" fill="hold">
+                      <p:stCondLst>
+                        <p:cond delay="indefinite"/>
+                        <p:cond evt="onBegin" delay="0">
+                          <p:tn val="2"/>
+                        </p:cond>
+                      </p:stCondLst>
+                      <p:childTnLst>
+                        <p:par>
+                          <p:cTn id="4" fill="hold">
+                            <p:stCondLst>
+                              <p:cond delay="0"/>
+                            </p:stCondLst>
+                            <p:childTnLst>
+                              <p:par>
+                                <p:cTn id="5" presetID="1" presetClass="entr" presetSubtype="0" fill="hold" grpId="0" nodeType="withEffect">
+                                  <p:stCondLst>
+                                    <p:cond delay="0"/>
+                                  </p:stCondLst>
+                                  <p:childTnLst>
+                                    <p:set>
+                                      <p:cBhvr>
+                                        <p:cTn id="6" dur="1" fill="hold">
+                                          <p:stCondLst>
+                                            <p:cond delay="0"/>
+                                          </p:stCondLst>
+                                        </p:cTn>
+                                        <p:tgtEl>
+                                          <p:spTgt spid="3">
+                                            <p:txEl>
+                                              <p:pRg st="0" end="0"/>
+                                            </p:txEl>
+                                          </p:spTgt>
+                                        </p:tgtEl>
+                                        <p:attrNameLst>
+                                          <p:attrName>style.visibility</p:attrName>
+                                        </p:attrNameLst>
+                                      </p:cBhvr>
+                                      <p:to>
+                                        <p:strVal val="visible"/>
+                                      </p:to>
+                                    </p:set>
+                                  </p:childTnLst>
+                                </p:cTn>
+                              </p:par>
+                              <p:par>
+                                <p:cTn id="7" presetID="1" presetClass="entr" presetSubtype="0" fill="hold" grpId="0" nodeType="withEffect">
+                                  <p:stCondLst>
+                                    <p:cond delay="0"/>
+                                  </p:stCondLst>
+                                  <p:childTnLst>
+                                    <p:set>
+                                      <p:cBhvr>
+                                        <p:cTn id="8" dur="1" fill="hold">
+                                          <p:stCondLst>
+                                            <p:cond delay="0"/>
+                                          </p:stCondLst>
+                                        </p:cTn>
+                                        <p:tgtEl>
+                                          <p:spTgt spid="3">
+                                            <p:txEl>
+                                              <p:pRg st="1" end="1"/>
+                                            </p:txEl>
+                                          </p:spTgt>
+                                        </p:tgtEl>
+                                        <p:attrNameLst>
+                                          <p:attrName>style.visibility</p:attrName>
+                                        </p:attrNameLst>
+                                      </p:cBhvr>
+                                      <p:to>
+                                        <p:strVal val="visible"/>
+                                      </p:to>
+                                    </p:set>
+                                  </p:childTnLst>
+                                </p:cTn>
+                              </p:par>
+                              <p:par>
+                                <p:cTn id="9" presetID="1" presetClass="entr" presetSubtype="0" fill="hold" grpId="0" nodeType="withEffect">
+                                  <p:stCondLst>
+                                    <p:cond delay="0"/>
+                                  </p:stCondLst>
+                                  <p:childTnLst>
+                                    <p:set>
+                                      <p:cBhvr>
+                                        <p:cTn id="10" dur="1" fill="hold">
+                                          <p:stCondLst>
+                                            <p:cond delay="0"/>
+                                          </p:stCondLst>
+                                        </p:cTn>
+                                        <p:tgtEl>
+                                          <p:spTgt spid="3">
+                                            <p:txEl>
+                                              <p:pRg st="2" end="2"/>
+                                            </p:txEl>
+                                          </p:spTgt>
+                                        </p:tgtEl>
+                                        <p:attrNameLst>
+                                          <p:attrName>style.visibility</p:attrName>
+                                        </p:attrNameLst>
+                                      </p:cBhvr>
+                                      <p:to>
+                                        <p:strVal val="visible"/>
+                                      </p:to>
+                                    </p:set>
+                                  </p:childTnLst>
+                                </p:cTn>
+                              </p:par>
+                              <p:par>
+                                <p:cTn id="11" presetID="1" presetClass="entr" presetSubtype="0" fill="hold" grpId="0" nodeType="withEffect">
+                                  <p:stCondLst>
+                                    <p:cond delay="0"/>
+                                  </p:stCondLst>
+                                  <p:childTnLst>
+                                    <p:set>
+                                      <p:cBhvr>
+                                        <p:cTn id="12" dur="1" fill="hold">
+                                          <p:stCondLst>
+                                            <p:cond delay="0"/>
+                                          </p:stCondLst>
+                                        </p:cTn>
+                                        <p:tgtEl>
+                                          <p:spTgt spid="3">
+                                            <p:txEl>
+                                              <p:pRg st="3" end="3"/>
+                                            </p:txEl>
+                                          </p:spTgt>
+                                        </p:tgtEl>
+                                        <p:attrNameLst>
+                                          <p:attrName>style.visibility</p:attrName>
+                                        </p:attrNameLst>
+                                      </p:cBhvr>
+                                      <p:to>
+                                        <p:strVal val="visible"/>
+                                      </p:to>
+                                    </p:set>
+                                  </p:childTnLst>
+                                </p:cTn>
+                              </p:par>
+                            </p:childTnLst>
+                          </p:cTn>
+                        </p:par>
+                      </p:childTnLst>
+                    </p:cTn>
+                  </p:par>
+                  <p:par>
+                    <p:cTn id="13" fill="hold">
+                      <p:stCondLst>
+                        <p:cond delay="indefinite"/>
+                      </p:stCondLst>
+                      <p:childTnLst>
+                        <p:par>
+                          <p:cTn id="14" fill="hold">
+                            <p:stCondLst>
+                              <p:cond delay="0"/>
+                            </p:stCondLst>
+                            <p:childTnLst>
+                              <p:par>
+                                <p:cTn id="15" presetID="1" presetClass="entr" presetSubtype="0" fill="hold" grpId="0" nodeType="clickEffect">
+                                  <p:stCondLst>
+                                    <p:cond delay="0"/>
+                                  </p:stCondLst>
+                                  <p:childTnLst>
+                                    <p:set>
+                                      <p:cBhvr>
+                                        <p:cTn id="16" dur="1" fill="hold">
+                                          <p:stCondLst>
+                                            <p:cond delay="0"/>
+                                          </p:stCondLst>
+                                        </p:cTn>
+                                        <p:tgtEl>
+                                          <p:spTgt spid="3">
+                                            <p:txEl>
+                                              <p:pRg st="4" end="4"/>
+                                            </p:txEl>
+                                          </p:spTgt>
+                                        </p:tgtEl>
+                                        <p:attrNameLst>
+                                          <p:attrName>style.visibility</p:attrName>
+                                        </p:attrNameLst>
+                                      </p:cBhvr>
+                                      <p:to>
+                                        <p:strVal val="visible"/>
+                                      </p:to>
+                                    </p:set>
+                                  </p:childTnLst>
+                                </p:cTn>
+                              </p:par>
+                              <p:par>
+                                <p:cTn id="17" presetID="1" presetClass="entr" presetSubtype="0" fill="hold" grpId="0" nodeType="withEffect">
+                                  <p:stCondLst>
+                                    <p:cond delay="0"/>
+                                  </p:stCondLst>
+                                  <p:childTnLst>
+                                    <p:set>
+                                      <p:cBhvr>
+                                        <p:cTn id="18" dur="1" fill="hold">
+                                          <p:stCondLst>
+                                            <p:cond delay="0"/>
+                                          </p:stCondLst>
+                                        </p:cTn>
+                                        <p:tgtEl>
+                                          <p:spTgt spid="3">
+                                            <p:txEl>
+                                              <p:pRg st="5" end="5"/>
+                                            </p:txEl>
+                                          </p:spTgt>
+                                        </p:tgtEl>
+                                        <p:attrNameLst>
+                                          <p:attrName>style.visibility</p:attrName>
+                                        </p:attrNameLst>
+                                      </p:cBhvr>
+                                      <p:to>
+                                        <p:strVal val="visible"/>
+                                      </p:to>
+                                    </p:set>
+                                  </p:childTnLst>
+                                </p:cTn>
+                              </p:par>
+                              <p:par>
+                                <p:cTn id="19" presetID="1" presetClass="entr" presetSubtype="0" fill="hold" grpId="0" nodeType="withEffect">
+                                  <p:stCondLst>
+                                    <p:cond delay="0"/>
+                                  </p:stCondLst>
+                                  <p:childTnLst>
+                                    <p:set>
+                                      <p:cBhvr>
+                                        <p:cTn id="20" dur="1" fill="hold">
+                                          <p:stCondLst>
+                                            <p:cond delay="0"/>
+                                          </p:stCondLst>
+                                        </p:cTn>
+                                        <p:tgtEl>
+                                          <p:spTgt spid="3">
+                                            <p:txEl>
+                                              <p:pRg st="6" end="6"/>
+                                            </p:txEl>
+                                          </p:spTgt>
+                                        </p:tgtEl>
+                                        <p:attrNameLst>
+                                          <p:attrName>style.visibility</p:attrName>
+                                        </p:attrNameLst>
+                                      </p:cBhvr>
+                                      <p:to>
+                                        <p:strVal val="visible"/>
+                                      </p:to>
+                                    </p:set>
+                                  </p:childTnLst>
+                                </p:cTn>
+                              </p:par>
+                              <p:par>
+                                <p:cTn id="21" presetID="1" presetClass="entr" presetSubtype="0" fill="hold" grpId="0" nodeType="withEffect">
+                                  <p:stCondLst>
+                                    <p:cond delay="0"/>
+                                  </p:stCondLst>
+                                  <p:childTnLst>
+                                    <p:set>
+                                      <p:cBhvr>
+                                        <p:cTn id="22" dur="1" fill="hold">
+                                          <p:stCondLst>
+                                            <p:cond delay="0"/>
+                                          </p:stCondLst>
+                                        </p:cTn>
+                                        <p:tgtEl>
+                                          <p:spTgt spid="3">
+                                            <p:txEl>
+                                              <p:pRg st="7" end="7"/>
+                                            </p:txEl>
+                                          </p:spTgt>
+                                        </p:tgtEl>
+                                        <p:attrNameLst>
+                                          <p:attrName>style.visibility</p:attrName>
+                                        </p:attrNameLst>
+                                      </p:cBhvr>
+                                      <p:to>
+                                        <p:strVal val="visible"/>
+                                      </p:to>
+                                    </p:set>
+                                  </p:childTnLst>
+                                </p:cTn>
+                              </p:par>
+                            </p:childTnLst>
+                          </p:cTn>
+                        </p:par>
+                      </p:childTnLst>
+                    </p:cTn>
+                  </p:par>
+                  <p:par>
+                    <p:cTn id="23" fill="hold">
+                      <p:stCondLst>
+                        <p:cond delay="indefinite"/>
+                      </p:stCondLst>
+                      <p:childTnLst>
+                        <p:par>
+                          <p:cTn id="24" fill="hold">
+                            <p:stCondLst>
+                              <p:cond delay="0"/>
+                            </p:stCondLst>
+                            <p:childTnLst>
+                              <p:par>
+                                <p:cTn id="25" presetID="1" presetClass="entr" presetSubtype="0" fill="hold" grpId="0" nodeType="clickEffect">
+                                  <p:stCondLst>
+                                    <p:cond delay="0"/>
+                                  </p:stCondLst>
+                                  <p:childTnLst>
+                                    <p:set>
+                                      <p:cBhvr>
+                                        <p:cTn id="26" dur="1" fill="hold">
+                                          <p:stCondLst>
+                                            <p:cond delay="0"/>
+                                          </p:stCondLst>
+                                        </p:cTn>
+                                        <p:tgtEl>
+                                          <p:spTgt spid="4"/>
+                                        </p:tgtEl>
+                                        <p:attrNameLst>
+                                          <p:attrName>style.visibility</p:attrName>
+                                        </p:attrNameLst>
+                                      </p:cBhvr>
+                                      <p:to>
+                                        <p:strVal val="visible"/>
+                                      </p:to>
+                                    </p:set>
+                                  </p:childTnLst>
+                                </p:cTn>
+                              </p:par>
+                            </p:childTnLst>
+                          </p:cTn>
+                        </p:par>
+                      </p:childTnLst>
+                    </p:cTn>
+                  </p:par>
+                  <p:par>
+                    <p:cTn id="27" fill="hold">
+                      <p:stCondLst>
+                        <p:cond delay="indefinite"/>
+                      </p:stCondLst>
+                      <p:childTnLst>
+                        <p:par>
+                          <p:cTn id="28" fill="hold">
+                            <p:stCondLst>
+                              <p:cond delay="0"/>
+                            </p:stCondLst>
+                            <p:childTnLst>
+                              <p:par>
+                                <p:cTn id="29" presetID="1" presetClass="entr" presetSubtype="0" fill="hold" grpId="0" nodeType="clickEffect">
+                                  <p:stCondLst>
+                                    <p:cond delay="0"/>
+                                  </p:stCondLst>
+                                  <p:childTnLst>
+                                    <p:set>
+                                      <p:cBhvr>
+                                        <p:cTn id="30" dur="1" fill="hold">
+                                          <p:stCondLst>
+                                            <p:cond delay="0"/>
+                                          </p:stCondLst>
+                                        </p:cTn>
+                                        <p:tgtEl>
+                                          <p:spTgt spid="3">
+                                            <p:txEl>
+                                              <p:pRg st="10" end="10"/>
+                                            </p:txEl>
+                                          </p:spTgt>
+                                        </p:tgtEl>
+                                        <p:attrNameLst>
+                                          <p:attrName>style.visibility</p:attrName>
+                                        </p:attrNameLst>
+                                      </p:cBhvr>
+                                      <p:to>
+                                        <p:strVal val="visible"/>
+                                      </p:to>
+                                    </p:set>
+                                  </p:childTnLst>
+                                </p:cTn>
+                              </p:par>
+                            </p:childTnLst>
+                          </p:cTn>
+                        </p:par>
+                      </p:childTnLst>
+                    </p:cTn>
+                  </p:par>
+                </p:childTnLst>
+              </p:cTn>
+              <p:prevCondLst>
+                <p:cond evt="onPrev" delay="0">
+                  <p:tgtEl>
+                    <p:sldTgt/>
+                  </p:tgtEl>
+                </p:cond>
+              </p:prevCondLst>
+              <p:nextCondLst>
+                <p:cond evt="onNext" delay="0">
+                  <p:tgtEl>
+                    <p:sldTgt/>
+                  </p:tgtEl>
+                </p:cond>
+              </p:nextCondLst>
+            </p:seq>
+          </p:childTnLst>
+        </p:cTn>
+      </p:par>
+    </p:tnLst>
+    <p:bldLst>
+      <p:bldP spid="3" grpId="0" uiExpand="1" build="p"/>
+      <p:bldP spid="4" grpId="0" animBg="1"/>
+    </p:bldLst>
+  </p:timing>
+</p:sld>
+</file>
+
+<file path=ppt/slides/slide40.xml><?xml version="1.0" encoding="utf-8"?>
+<p:sld xmlns:a="http://schemas.openxmlformats.org/drawingml/2006/main" xmlns:r="http://schemas.openxmlformats.org/officeDocument/2006/relationships" xmlns:p="http://schemas.openxmlformats.org/presentationml/2006/main">
+  <p:cSld>
+    <p:spTree>
+      <p:nvGrpSpPr>
+        <p:cNvPr id="1" name=""/>
+        <p:cNvGrpSpPr/>
+        <p:nvPr/>
+      </p:nvGrpSpPr>
+      <p:grpSpPr>
+        <a:xfrm>
+          <a:off x="0" y="0"/>
+          <a:ext cx="0" cy="0"/>
+          <a:chOff x="0" y="0"/>
+          <a:chExt cx="0" cy="0"/>
+        </a:xfrm>
+      </p:grpSpPr>
+      <p:sp>
+        <p:nvSpPr>
           <p:cNvPr id="3" name="Content Placeholder 2"/>
           <p:cNvSpPr>
             <a:spLocks noGrp="1"/>
@@ -23693,7 +24415,7 @@
           <a:p>
             <a:fld id="{11AD1F4E-1E51-402E-B221-310F004E7D3B}" type="slidenum">
               <a:rPr lang="en-US" smtClean="0"/>
-              <a:t>39</a:t>
+              <a:t>40</a:t>
             </a:fld>
             <a:endParaRPr lang="en-US"/>
           </a:p>
@@ -23731,7 +24453,7 @@
             <a:graphicData uri="http://schemas.openxmlformats.org/presentationml/2006/ole">
               <mc:AlternateContent xmlns:mc="http://schemas.openxmlformats.org/markup-compatibility/2006">
                 <mc:Choice xmlns:v="urn:schemas-microsoft-com:vml" Requires="v">
-                  <p:oleObj spid="_x0000_s10288" name="Equation" r:id="rId3" imgW="444240" imgH="241200" progId="Equation.3">
+                  <p:oleObj spid="_x0000_s10291" name="Equation" r:id="rId3" imgW="444240" imgH="241200" progId="Equation.3">
                     <p:embed/>
                   </p:oleObj>
                 </mc:Choice>
@@ -24437,841 +25159,6 @@
 </p:sld>
 </file>
 
-<file path=ppt/slides/slide4.xml><?xml version="1.0" encoding="utf-8"?>
-<p:sld xmlns:a="http://schemas.openxmlformats.org/drawingml/2006/main" xmlns:r="http://schemas.openxmlformats.org/officeDocument/2006/relationships" xmlns:p="http://schemas.openxmlformats.org/presentationml/2006/main">
-  <p:cSld>
-    <p:spTree>
-      <p:nvGrpSpPr>
-        <p:cNvPr id="1" name=""/>
-        <p:cNvGrpSpPr/>
-        <p:nvPr/>
-      </p:nvGrpSpPr>
-      <p:grpSpPr>
-        <a:xfrm>
-          <a:off x="0" y="0"/>
-          <a:ext cx="0" cy="0"/>
-          <a:chOff x="0" y="0"/>
-          <a:chExt cx="0" cy="0"/>
-        </a:xfrm>
-      </p:grpSpPr>
-      <p:sp>
-        <p:nvSpPr>
-          <p:cNvPr id="2" name="Title 1"/>
-          <p:cNvSpPr>
-            <a:spLocks noGrp="1"/>
-          </p:cNvSpPr>
-          <p:nvPr>
-            <p:ph type="title"/>
-          </p:nvPr>
-        </p:nvSpPr>
-        <p:spPr/>
-        <p:txBody>
-          <a:bodyPr/>
-          <a:lstStyle/>
-          <a:p>
-            <a:r>
-              <a:rPr lang="en-US" dirty="0" smtClean="0"/>
-              <a:t>Motivation</a:t>
-            </a:r>
-            <a:endParaRPr lang="en-US" dirty="0"/>
-          </a:p>
-        </p:txBody>
-      </p:sp>
-      <p:sp>
-        <p:nvSpPr>
-          <p:cNvPr id="3" name="Content Placeholder 2"/>
-          <p:cNvSpPr>
-            <a:spLocks noGrp="1"/>
-          </p:cNvSpPr>
-          <p:nvPr>
-            <p:ph idx="1"/>
-          </p:nvPr>
-        </p:nvSpPr>
-        <p:spPr>
-          <a:xfrm>
-            <a:off x="628650" y="1825625"/>
-            <a:ext cx="7886700" cy="4351338"/>
-          </a:xfrm>
-        </p:spPr>
-        <p:txBody>
-          <a:bodyPr>
-            <a:normAutofit lnSpcReduction="10000"/>
-          </a:bodyPr>
-          <a:lstStyle/>
-          <a:p>
-            <a:r>
-              <a:rPr lang="en-US" dirty="0" smtClean="0"/>
-              <a:t>Data structures are key to good programming</a:t>
-            </a:r>
-          </a:p>
-          <a:p>
-            <a:pPr lvl="1"/>
-            <a:r>
-              <a:rPr lang="en-US" dirty="0" smtClean="0"/>
-              <a:t>implementation conceptually close to model</a:t>
-            </a:r>
-          </a:p>
-          <a:p>
-            <a:pPr lvl="1"/>
-            <a:r>
-              <a:rPr lang="en-US" dirty="0" smtClean="0"/>
-              <a:t>fewer lines of code = less bugs</a:t>
-            </a:r>
-          </a:p>
-          <a:p>
-            <a:pPr lvl="1"/>
-            <a:r>
-              <a:rPr lang="en-US" dirty="0" smtClean="0"/>
-              <a:t>better performance</a:t>
-            </a:r>
-          </a:p>
-          <a:p>
-            <a:r>
-              <a:rPr lang="en-US" dirty="0" smtClean="0"/>
-              <a:t>Programming languages</a:t>
-            </a:r>
-          </a:p>
-          <a:p>
-            <a:pPr lvl="1"/>
-            <a:r>
-              <a:rPr lang="en-US" dirty="0" smtClean="0"/>
-              <a:t>C++: STL (Standard Template Library)</a:t>
-            </a:r>
-          </a:p>
-          <a:p>
-            <a:pPr lvl="1"/>
-            <a:r>
-              <a:rPr lang="en-US" dirty="0" smtClean="0"/>
-              <a:t>Python: core language, standard library</a:t>
-            </a:r>
-          </a:p>
-          <a:p>
-            <a:pPr lvl="1"/>
-            <a:r>
-              <a:rPr lang="en-US" dirty="0" smtClean="0"/>
-              <a:t>Java: standard library</a:t>
-            </a:r>
-          </a:p>
-          <a:p>
-            <a:pPr lvl="1"/>
-            <a:endParaRPr lang="en-US" dirty="0"/>
-          </a:p>
-          <a:p>
-            <a:endParaRPr lang="en-US" dirty="0" smtClean="0"/>
-          </a:p>
-          <a:p>
-            <a:r>
-              <a:rPr lang="en-US" dirty="0" smtClean="0">
-                <a:solidFill>
-                  <a:srgbClr val="FF0000"/>
-                </a:solidFill>
-              </a:rPr>
-              <a:t>Don't reinvent the wheel!</a:t>
-            </a:r>
-          </a:p>
-          <a:p>
-            <a:pPr lvl="1"/>
-            <a:endParaRPr lang="en-US" dirty="0"/>
-          </a:p>
-        </p:txBody>
-      </p:sp>
-      <p:sp>
-        <p:nvSpPr>
-          <p:cNvPr id="4" name="TextBox 3"/>
-          <p:cNvSpPr txBox="1"/>
-          <p:nvPr/>
-        </p:nvSpPr>
-        <p:spPr>
-          <a:xfrm>
-            <a:off x="1350819" y="5029199"/>
-            <a:ext cx="4668650" cy="415498"/>
-          </a:xfrm>
-          <a:prstGeom prst="rect">
-            <a:avLst/>
-          </a:prstGeom>
-          <a:noFill/>
-          <a:ln>
-            <a:solidFill>
-              <a:schemeClr val="tx1"/>
-            </a:solidFill>
-          </a:ln>
-        </p:spPr>
-        <p:txBody>
-          <a:bodyPr wrap="none" rtlCol="0">
-            <a:spAutoFit/>
-          </a:bodyPr>
-          <a:lstStyle/>
-          <a:p>
-            <a:r>
-              <a:rPr lang="en-US" sz="2100" dirty="0"/>
-              <a:t>For all languages, many 3</a:t>
-            </a:r>
-            <a:r>
-              <a:rPr lang="en-US" sz="2100" baseline="30000" dirty="0"/>
-              <a:t>rd</a:t>
-            </a:r>
-            <a:r>
-              <a:rPr lang="en-US" sz="2100" dirty="0"/>
-              <a:t> party libraries</a:t>
-            </a:r>
-          </a:p>
-        </p:txBody>
-      </p:sp>
-      <p:sp>
-        <p:nvSpPr>
-          <p:cNvPr id="5" name="Slide Number Placeholder 4"/>
-          <p:cNvSpPr>
-            <a:spLocks noGrp="1"/>
-          </p:cNvSpPr>
-          <p:nvPr>
-            <p:ph type="sldNum" sz="quarter" idx="12"/>
-          </p:nvPr>
-        </p:nvSpPr>
-        <p:spPr/>
-        <p:txBody>
-          <a:bodyPr/>
-          <a:lstStyle/>
-          <a:p>
-            <a:fld id="{11AD1F4E-1E51-402E-B221-310F004E7D3B}" type="slidenum">
-              <a:rPr lang="en-US" smtClean="0"/>
-              <a:t>4</a:t>
-            </a:fld>
-            <a:endParaRPr lang="en-US"/>
-          </a:p>
-        </p:txBody>
-      </p:sp>
-    </p:spTree>
-    <p:extLst>
-      <p:ext uri="{BB962C8B-B14F-4D97-AF65-F5344CB8AC3E}">
-        <p14:creationId xmlns:p14="http://schemas.microsoft.com/office/powerpoint/2010/main" val="2709702978"/>
-      </p:ext>
-    </p:extLst>
-  </p:cSld>
-  <p:clrMapOvr>
-    <a:masterClrMapping/>
-  </p:clrMapOvr>
-  <p:timing>
-    <p:tnLst>
-      <p:par>
-        <p:cTn id="1" dur="indefinite" restart="never" nodeType="tmRoot">
-          <p:childTnLst>
-            <p:seq concurrent="1" nextAc="seek">
-              <p:cTn id="2" dur="indefinite" nodeType="mainSeq">
-                <p:childTnLst>
-                  <p:par>
-                    <p:cTn id="3" fill="hold">
-                      <p:stCondLst>
-                        <p:cond delay="indefinite"/>
-                        <p:cond evt="onBegin" delay="0">
-                          <p:tn val="2"/>
-                        </p:cond>
-                      </p:stCondLst>
-                      <p:childTnLst>
-                        <p:par>
-                          <p:cTn id="4" fill="hold">
-                            <p:stCondLst>
-                              <p:cond delay="0"/>
-                            </p:stCondLst>
-                            <p:childTnLst>
-                              <p:par>
-                                <p:cTn id="5" presetID="1" presetClass="entr" presetSubtype="0" fill="hold" grpId="0" nodeType="withEffect">
-                                  <p:stCondLst>
-                                    <p:cond delay="0"/>
-                                  </p:stCondLst>
-                                  <p:childTnLst>
-                                    <p:set>
-                                      <p:cBhvr>
-                                        <p:cTn id="6" dur="1" fill="hold">
-                                          <p:stCondLst>
-                                            <p:cond delay="0"/>
-                                          </p:stCondLst>
-                                        </p:cTn>
-                                        <p:tgtEl>
-                                          <p:spTgt spid="3">
-                                            <p:txEl>
-                                              <p:pRg st="0" end="0"/>
-                                            </p:txEl>
-                                          </p:spTgt>
-                                        </p:tgtEl>
-                                        <p:attrNameLst>
-                                          <p:attrName>style.visibility</p:attrName>
-                                        </p:attrNameLst>
-                                      </p:cBhvr>
-                                      <p:to>
-                                        <p:strVal val="visible"/>
-                                      </p:to>
-                                    </p:set>
-                                  </p:childTnLst>
-                                </p:cTn>
-                              </p:par>
-                              <p:par>
-                                <p:cTn id="7" presetID="1" presetClass="entr" presetSubtype="0" fill="hold" grpId="0" nodeType="withEffect">
-                                  <p:stCondLst>
-                                    <p:cond delay="0"/>
-                                  </p:stCondLst>
-                                  <p:childTnLst>
-                                    <p:set>
-                                      <p:cBhvr>
-                                        <p:cTn id="8" dur="1" fill="hold">
-                                          <p:stCondLst>
-                                            <p:cond delay="0"/>
-                                          </p:stCondLst>
-                                        </p:cTn>
-                                        <p:tgtEl>
-                                          <p:spTgt spid="3">
-                                            <p:txEl>
-                                              <p:pRg st="1" end="1"/>
-                                            </p:txEl>
-                                          </p:spTgt>
-                                        </p:tgtEl>
-                                        <p:attrNameLst>
-                                          <p:attrName>style.visibility</p:attrName>
-                                        </p:attrNameLst>
-                                      </p:cBhvr>
-                                      <p:to>
-                                        <p:strVal val="visible"/>
-                                      </p:to>
-                                    </p:set>
-                                  </p:childTnLst>
-                                </p:cTn>
-                              </p:par>
-                              <p:par>
-                                <p:cTn id="9" presetID="1" presetClass="entr" presetSubtype="0" fill="hold" grpId="0" nodeType="withEffect">
-                                  <p:stCondLst>
-                                    <p:cond delay="0"/>
-                                  </p:stCondLst>
-                                  <p:childTnLst>
-                                    <p:set>
-                                      <p:cBhvr>
-                                        <p:cTn id="10" dur="1" fill="hold">
-                                          <p:stCondLst>
-                                            <p:cond delay="0"/>
-                                          </p:stCondLst>
-                                        </p:cTn>
-                                        <p:tgtEl>
-                                          <p:spTgt spid="3">
-                                            <p:txEl>
-                                              <p:pRg st="2" end="2"/>
-                                            </p:txEl>
-                                          </p:spTgt>
-                                        </p:tgtEl>
-                                        <p:attrNameLst>
-                                          <p:attrName>style.visibility</p:attrName>
-                                        </p:attrNameLst>
-                                      </p:cBhvr>
-                                      <p:to>
-                                        <p:strVal val="visible"/>
-                                      </p:to>
-                                    </p:set>
-                                  </p:childTnLst>
-                                </p:cTn>
-                              </p:par>
-                              <p:par>
-                                <p:cTn id="11" presetID="1" presetClass="entr" presetSubtype="0" fill="hold" grpId="0" nodeType="withEffect">
-                                  <p:stCondLst>
-                                    <p:cond delay="0"/>
-                                  </p:stCondLst>
-                                  <p:childTnLst>
-                                    <p:set>
-                                      <p:cBhvr>
-                                        <p:cTn id="12" dur="1" fill="hold">
-                                          <p:stCondLst>
-                                            <p:cond delay="0"/>
-                                          </p:stCondLst>
-                                        </p:cTn>
-                                        <p:tgtEl>
-                                          <p:spTgt spid="3">
-                                            <p:txEl>
-                                              <p:pRg st="3" end="3"/>
-                                            </p:txEl>
-                                          </p:spTgt>
-                                        </p:tgtEl>
-                                        <p:attrNameLst>
-                                          <p:attrName>style.visibility</p:attrName>
-                                        </p:attrNameLst>
-                                      </p:cBhvr>
-                                      <p:to>
-                                        <p:strVal val="visible"/>
-                                      </p:to>
-                                    </p:set>
-                                  </p:childTnLst>
-                                </p:cTn>
-                              </p:par>
-                            </p:childTnLst>
-                          </p:cTn>
-                        </p:par>
-                      </p:childTnLst>
-                    </p:cTn>
-                  </p:par>
-                  <p:par>
-                    <p:cTn id="13" fill="hold">
-                      <p:stCondLst>
-                        <p:cond delay="indefinite"/>
-                      </p:stCondLst>
-                      <p:childTnLst>
-                        <p:par>
-                          <p:cTn id="14" fill="hold">
-                            <p:stCondLst>
-                              <p:cond delay="0"/>
-                            </p:stCondLst>
-                            <p:childTnLst>
-                              <p:par>
-                                <p:cTn id="15" presetID="1" presetClass="entr" presetSubtype="0" fill="hold" grpId="0" nodeType="clickEffect">
-                                  <p:stCondLst>
-                                    <p:cond delay="0"/>
-                                  </p:stCondLst>
-                                  <p:childTnLst>
-                                    <p:set>
-                                      <p:cBhvr>
-                                        <p:cTn id="16" dur="1" fill="hold">
-                                          <p:stCondLst>
-                                            <p:cond delay="0"/>
-                                          </p:stCondLst>
-                                        </p:cTn>
-                                        <p:tgtEl>
-                                          <p:spTgt spid="3">
-                                            <p:txEl>
-                                              <p:pRg st="4" end="4"/>
-                                            </p:txEl>
-                                          </p:spTgt>
-                                        </p:tgtEl>
-                                        <p:attrNameLst>
-                                          <p:attrName>style.visibility</p:attrName>
-                                        </p:attrNameLst>
-                                      </p:cBhvr>
-                                      <p:to>
-                                        <p:strVal val="visible"/>
-                                      </p:to>
-                                    </p:set>
-                                  </p:childTnLst>
-                                </p:cTn>
-                              </p:par>
-                              <p:par>
-                                <p:cTn id="17" presetID="1" presetClass="entr" presetSubtype="0" fill="hold" grpId="0" nodeType="withEffect">
-                                  <p:stCondLst>
-                                    <p:cond delay="0"/>
-                                  </p:stCondLst>
-                                  <p:childTnLst>
-                                    <p:set>
-                                      <p:cBhvr>
-                                        <p:cTn id="18" dur="1" fill="hold">
-                                          <p:stCondLst>
-                                            <p:cond delay="0"/>
-                                          </p:stCondLst>
-                                        </p:cTn>
-                                        <p:tgtEl>
-                                          <p:spTgt spid="3">
-                                            <p:txEl>
-                                              <p:pRg st="5" end="5"/>
-                                            </p:txEl>
-                                          </p:spTgt>
-                                        </p:tgtEl>
-                                        <p:attrNameLst>
-                                          <p:attrName>style.visibility</p:attrName>
-                                        </p:attrNameLst>
-                                      </p:cBhvr>
-                                      <p:to>
-                                        <p:strVal val="visible"/>
-                                      </p:to>
-                                    </p:set>
-                                  </p:childTnLst>
-                                </p:cTn>
-                              </p:par>
-                              <p:par>
-                                <p:cTn id="19" presetID="1" presetClass="entr" presetSubtype="0" fill="hold" grpId="0" nodeType="withEffect">
-                                  <p:stCondLst>
-                                    <p:cond delay="0"/>
-                                  </p:stCondLst>
-                                  <p:childTnLst>
-                                    <p:set>
-                                      <p:cBhvr>
-                                        <p:cTn id="20" dur="1" fill="hold">
-                                          <p:stCondLst>
-                                            <p:cond delay="0"/>
-                                          </p:stCondLst>
-                                        </p:cTn>
-                                        <p:tgtEl>
-                                          <p:spTgt spid="3">
-                                            <p:txEl>
-                                              <p:pRg st="6" end="6"/>
-                                            </p:txEl>
-                                          </p:spTgt>
-                                        </p:tgtEl>
-                                        <p:attrNameLst>
-                                          <p:attrName>style.visibility</p:attrName>
-                                        </p:attrNameLst>
-                                      </p:cBhvr>
-                                      <p:to>
-                                        <p:strVal val="visible"/>
-                                      </p:to>
-                                    </p:set>
-                                  </p:childTnLst>
-                                </p:cTn>
-                              </p:par>
-                              <p:par>
-                                <p:cTn id="21" presetID="1" presetClass="entr" presetSubtype="0" fill="hold" grpId="0" nodeType="withEffect">
-                                  <p:stCondLst>
-                                    <p:cond delay="0"/>
-                                  </p:stCondLst>
-                                  <p:childTnLst>
-                                    <p:set>
-                                      <p:cBhvr>
-                                        <p:cTn id="22" dur="1" fill="hold">
-                                          <p:stCondLst>
-                                            <p:cond delay="0"/>
-                                          </p:stCondLst>
-                                        </p:cTn>
-                                        <p:tgtEl>
-                                          <p:spTgt spid="3">
-                                            <p:txEl>
-                                              <p:pRg st="7" end="7"/>
-                                            </p:txEl>
-                                          </p:spTgt>
-                                        </p:tgtEl>
-                                        <p:attrNameLst>
-                                          <p:attrName>style.visibility</p:attrName>
-                                        </p:attrNameLst>
-                                      </p:cBhvr>
-                                      <p:to>
-                                        <p:strVal val="visible"/>
-                                      </p:to>
-                                    </p:set>
-                                  </p:childTnLst>
-                                </p:cTn>
-                              </p:par>
-                            </p:childTnLst>
-                          </p:cTn>
-                        </p:par>
-                      </p:childTnLst>
-                    </p:cTn>
-                  </p:par>
-                  <p:par>
-                    <p:cTn id="23" fill="hold">
-                      <p:stCondLst>
-                        <p:cond delay="indefinite"/>
-                      </p:stCondLst>
-                      <p:childTnLst>
-                        <p:par>
-                          <p:cTn id="24" fill="hold">
-                            <p:stCondLst>
-                              <p:cond delay="0"/>
-                            </p:stCondLst>
-                            <p:childTnLst>
-                              <p:par>
-                                <p:cTn id="25" presetID="1" presetClass="entr" presetSubtype="0" fill="hold" grpId="0" nodeType="clickEffect">
-                                  <p:stCondLst>
-                                    <p:cond delay="0"/>
-                                  </p:stCondLst>
-                                  <p:childTnLst>
-                                    <p:set>
-                                      <p:cBhvr>
-                                        <p:cTn id="26" dur="1" fill="hold">
-                                          <p:stCondLst>
-                                            <p:cond delay="0"/>
-                                          </p:stCondLst>
-                                        </p:cTn>
-                                        <p:tgtEl>
-                                          <p:spTgt spid="4"/>
-                                        </p:tgtEl>
-                                        <p:attrNameLst>
-                                          <p:attrName>style.visibility</p:attrName>
-                                        </p:attrNameLst>
-                                      </p:cBhvr>
-                                      <p:to>
-                                        <p:strVal val="visible"/>
-                                      </p:to>
-                                    </p:set>
-                                  </p:childTnLst>
-                                </p:cTn>
-                              </p:par>
-                            </p:childTnLst>
-                          </p:cTn>
-                        </p:par>
-                      </p:childTnLst>
-                    </p:cTn>
-                  </p:par>
-                  <p:par>
-                    <p:cTn id="27" fill="hold">
-                      <p:stCondLst>
-                        <p:cond delay="indefinite"/>
-                      </p:stCondLst>
-                      <p:childTnLst>
-                        <p:par>
-                          <p:cTn id="28" fill="hold">
-                            <p:stCondLst>
-                              <p:cond delay="0"/>
-                            </p:stCondLst>
-                            <p:childTnLst>
-                              <p:par>
-                                <p:cTn id="29" presetID="1" presetClass="entr" presetSubtype="0" fill="hold" grpId="0" nodeType="clickEffect">
-                                  <p:stCondLst>
-                                    <p:cond delay="0"/>
-                                  </p:stCondLst>
-                                  <p:childTnLst>
-                                    <p:set>
-                                      <p:cBhvr>
-                                        <p:cTn id="30" dur="1" fill="hold">
-                                          <p:stCondLst>
-                                            <p:cond delay="0"/>
-                                          </p:stCondLst>
-                                        </p:cTn>
-                                        <p:tgtEl>
-                                          <p:spTgt spid="3">
-                                            <p:txEl>
-                                              <p:pRg st="10" end="10"/>
-                                            </p:txEl>
-                                          </p:spTgt>
-                                        </p:tgtEl>
-                                        <p:attrNameLst>
-                                          <p:attrName>style.visibility</p:attrName>
-                                        </p:attrNameLst>
-                                      </p:cBhvr>
-                                      <p:to>
-                                        <p:strVal val="visible"/>
-                                      </p:to>
-                                    </p:set>
-                                  </p:childTnLst>
-                                </p:cTn>
-                              </p:par>
-                            </p:childTnLst>
-                          </p:cTn>
-                        </p:par>
-                      </p:childTnLst>
-                    </p:cTn>
-                  </p:par>
-                </p:childTnLst>
-              </p:cTn>
-              <p:prevCondLst>
-                <p:cond evt="onPrev" delay="0">
-                  <p:tgtEl>
-                    <p:sldTgt/>
-                  </p:tgtEl>
-                </p:cond>
-              </p:prevCondLst>
-              <p:nextCondLst>
-                <p:cond evt="onNext" delay="0">
-                  <p:tgtEl>
-                    <p:sldTgt/>
-                  </p:tgtEl>
-                </p:cond>
-              </p:nextCondLst>
-            </p:seq>
-          </p:childTnLst>
-        </p:cTn>
-      </p:par>
-    </p:tnLst>
-    <p:bldLst>
-      <p:bldP spid="3" grpId="0" uiExpand="1" build="p"/>
-      <p:bldP spid="4" grpId="0" animBg="1"/>
-    </p:bldLst>
-  </p:timing>
-</p:sld>
-</file>
-
-<file path=ppt/slides/slide40.xml><?xml version="1.0" encoding="utf-8"?>
-<p:sld xmlns:a="http://schemas.openxmlformats.org/drawingml/2006/main" xmlns:r="http://schemas.openxmlformats.org/officeDocument/2006/relationships" xmlns:p="http://schemas.openxmlformats.org/presentationml/2006/main">
-  <p:cSld>
-    <p:spTree>
-      <p:nvGrpSpPr>
-        <p:cNvPr id="1" name=""/>
-        <p:cNvGrpSpPr/>
-        <p:nvPr/>
-      </p:nvGrpSpPr>
-      <p:grpSpPr>
-        <a:xfrm>
-          <a:off x="0" y="0"/>
-          <a:ext cx="0" cy="0"/>
-          <a:chOff x="0" y="0"/>
-          <a:chExt cx="0" cy="0"/>
-        </a:xfrm>
-      </p:grpSpPr>
-      <p:sp>
-        <p:nvSpPr>
-          <p:cNvPr id="2" name="Title 1"/>
-          <p:cNvSpPr>
-            <a:spLocks noGrp="1"/>
-          </p:cNvSpPr>
-          <p:nvPr>
-            <p:ph type="title"/>
-          </p:nvPr>
-        </p:nvSpPr>
-        <p:spPr/>
-        <p:txBody>
-          <a:bodyPr/>
-          <a:lstStyle/>
-          <a:p>
-            <a:r>
-              <a:rPr lang="en-US" dirty="0" smtClean="0"/>
-              <a:t>Priority queue ADT</a:t>
-            </a:r>
-            <a:endParaRPr lang="en-US" dirty="0"/>
-          </a:p>
-        </p:txBody>
-      </p:sp>
-      <p:sp>
-        <p:nvSpPr>
-          <p:cNvPr id="3" name="Content Placeholder 2"/>
-          <p:cNvSpPr>
-            <a:spLocks noGrp="1"/>
-          </p:cNvSpPr>
-          <p:nvPr>
-            <p:ph idx="1"/>
-          </p:nvPr>
-        </p:nvSpPr>
-        <p:spPr/>
-        <p:txBody>
-          <a:bodyPr/>
-          <a:lstStyle/>
-          <a:p>
-            <a:r>
-              <a:rPr lang="en-US" dirty="0" smtClean="0"/>
-              <a:t>EMPTY_QUEUE() </a:t>
-            </a:r>
-            <a:r>
-              <a:rPr lang="en-US" dirty="0" smtClean="0">
-                <a:sym typeface="Symbol" panose="05050102010706020507" pitchFamily="18" charset="2"/>
-              </a:rPr>
-              <a:t> queue</a:t>
-            </a:r>
-            <a:endParaRPr lang="en-US" dirty="0" smtClean="0"/>
-          </a:p>
-          <a:p>
-            <a:r>
-              <a:rPr lang="en-US" dirty="0" smtClean="0"/>
-              <a:t>QUEUE.PUSH(value</a:t>
-            </a:r>
-            <a:r>
-              <a:rPr lang="en-US" dirty="0"/>
-              <a:t>)</a:t>
-            </a:r>
-          </a:p>
-          <a:p>
-            <a:r>
-              <a:rPr lang="en-US" dirty="0" smtClean="0"/>
-              <a:t>QUEUE.POP()</a:t>
-            </a:r>
-          </a:p>
-          <a:p>
-            <a:r>
-              <a:rPr lang="en-US" dirty="0" smtClean="0"/>
-              <a:t>QUEUE.FRONT()</a:t>
-            </a:r>
-            <a:r>
-              <a:rPr lang="en-US" dirty="0"/>
-              <a:t> </a:t>
-            </a:r>
-            <a:r>
-              <a:rPr lang="en-US" dirty="0">
-                <a:sym typeface="Symbol" panose="05050102010706020507" pitchFamily="18" charset="2"/>
-              </a:rPr>
-              <a:t> </a:t>
-            </a:r>
-            <a:r>
-              <a:rPr lang="en-US" dirty="0" smtClean="0">
-                <a:sym typeface="Symbol" panose="05050102010706020507" pitchFamily="18" charset="2"/>
-              </a:rPr>
-              <a:t>value</a:t>
-            </a:r>
-            <a:endParaRPr lang="en-US" dirty="0"/>
-          </a:p>
-          <a:p>
-            <a:r>
-              <a:rPr lang="en-US" dirty="0" smtClean="0"/>
-              <a:t>QUEUE.IS_EMPTY()</a:t>
-            </a:r>
-            <a:r>
-              <a:rPr lang="en-US" dirty="0"/>
-              <a:t> </a:t>
-            </a:r>
-            <a:r>
-              <a:rPr lang="en-US" dirty="0">
-                <a:sym typeface="Symbol" panose="05050102010706020507" pitchFamily="18" charset="2"/>
-              </a:rPr>
-              <a:t> </a:t>
-            </a:r>
-            <a:r>
-              <a:rPr lang="en-US" dirty="0" err="1" smtClean="0">
-                <a:sym typeface="Symbol" panose="05050102010706020507" pitchFamily="18" charset="2"/>
-              </a:rPr>
-              <a:t>boolean</a:t>
-            </a:r>
-            <a:endParaRPr lang="en-US" dirty="0" smtClean="0"/>
-          </a:p>
-          <a:p>
-            <a:r>
-              <a:rPr lang="en-US" dirty="0" smtClean="0"/>
-              <a:t>QUEUE.LENGTH() </a:t>
-            </a:r>
-            <a:r>
-              <a:rPr lang="en-US" dirty="0">
-                <a:sym typeface="Symbol" panose="05050102010706020507" pitchFamily="18" charset="2"/>
-              </a:rPr>
-              <a:t> </a:t>
-            </a:r>
-            <a:r>
-              <a:rPr lang="en-US" dirty="0" smtClean="0">
-                <a:sym typeface="Symbol" panose="05050102010706020507" pitchFamily="18" charset="2"/>
-              </a:rPr>
-              <a:t>length</a:t>
-            </a:r>
-            <a:br>
-              <a:rPr lang="en-US" dirty="0" smtClean="0">
-                <a:sym typeface="Symbol" panose="05050102010706020507" pitchFamily="18" charset="2"/>
-              </a:rPr>
-            </a:br>
-            <a:r>
-              <a:rPr lang="en-US" dirty="0" smtClean="0">
-                <a:sym typeface="Symbol" panose="05050102010706020507" pitchFamily="18" charset="2"/>
-              </a:rPr>
-              <a:t>      = #push - #pop</a:t>
-            </a:r>
-            <a:endParaRPr lang="en-US" dirty="0"/>
-          </a:p>
-        </p:txBody>
-      </p:sp>
-      <p:sp>
-        <p:nvSpPr>
-          <p:cNvPr id="4" name="Slide Number Placeholder 3"/>
-          <p:cNvSpPr>
-            <a:spLocks noGrp="1"/>
-          </p:cNvSpPr>
-          <p:nvPr>
-            <p:ph type="sldNum" sz="quarter" idx="12"/>
-          </p:nvPr>
-        </p:nvSpPr>
-        <p:spPr/>
-        <p:txBody>
-          <a:bodyPr/>
-          <a:lstStyle/>
-          <a:p>
-            <a:fld id="{11AD1F4E-1E51-402E-B221-310F004E7D3B}" type="slidenum">
-              <a:rPr lang="en-US" smtClean="0"/>
-              <a:t>40</a:t>
-            </a:fld>
-            <a:endParaRPr lang="en-US"/>
-          </a:p>
-        </p:txBody>
-      </p:sp>
-    </p:spTree>
-    <p:extLst>
-      <p:ext uri="{BB962C8B-B14F-4D97-AF65-F5344CB8AC3E}">
-        <p14:creationId xmlns:p14="http://schemas.microsoft.com/office/powerpoint/2010/main" val="2510982706"/>
-      </p:ext>
-    </p:extLst>
-  </p:cSld>
-  <p:clrMapOvr>
-    <a:masterClrMapping/>
-  </p:clrMapOvr>
-  <p:timing>
-    <p:tnLst>
-      <p:par>
-        <p:cTn id="1" dur="indefinite" restart="never" nodeType="tmRoot"/>
-      </p:par>
-    </p:tnLst>
-  </p:timing>
-</p:sld>
-</file>
-
 <file path=ppt/slides/slide41.xml><?xml version="1.0" encoding="utf-8"?>
 <p:sld xmlns:a="http://schemas.openxmlformats.org/drawingml/2006/main" xmlns:r="http://schemas.openxmlformats.org/officeDocument/2006/relationships" xmlns:p="http://schemas.openxmlformats.org/presentationml/2006/main">
   <p:cSld>
@@ -25306,6 +25193,210 @@
           <a:p>
             <a:r>
               <a:rPr lang="en-US" dirty="0" smtClean="0"/>
+              <a:t>Priority queue ADT</a:t>
+            </a:r>
+            <a:endParaRPr lang="en-US" dirty="0"/>
+          </a:p>
+        </p:txBody>
+      </p:sp>
+      <p:sp>
+        <p:nvSpPr>
+          <p:cNvPr id="3" name="Content Placeholder 2"/>
+          <p:cNvSpPr>
+            <a:spLocks noGrp="1"/>
+          </p:cNvSpPr>
+          <p:nvPr>
+            <p:ph idx="1"/>
+          </p:nvPr>
+        </p:nvSpPr>
+        <p:spPr/>
+        <p:txBody>
+          <a:bodyPr/>
+          <a:lstStyle/>
+          <a:p>
+            <a:r>
+              <a:rPr lang="en-US" dirty="0" smtClean="0"/>
+              <a:t>EMPTY_QUEUE() </a:t>
+            </a:r>
+            <a:r>
+              <a:rPr lang="en-US" dirty="0" smtClean="0">
+                <a:sym typeface="Symbol" panose="05050102010706020507" pitchFamily="18" charset="2"/>
+              </a:rPr>
+              <a:t> queue</a:t>
+            </a:r>
+            <a:endParaRPr lang="en-US" dirty="0" smtClean="0"/>
+          </a:p>
+          <a:p>
+            <a:r>
+              <a:rPr lang="en-US" dirty="0" smtClean="0"/>
+              <a:t>QUEUE.PUSH(value</a:t>
+            </a:r>
+            <a:r>
+              <a:rPr lang="en-US" dirty="0"/>
+              <a:t>)</a:t>
+            </a:r>
+          </a:p>
+          <a:p>
+            <a:r>
+              <a:rPr lang="en-US" dirty="0" smtClean="0"/>
+              <a:t>QUEUE.POP()</a:t>
+            </a:r>
+          </a:p>
+          <a:p>
+            <a:r>
+              <a:rPr lang="en-US" dirty="0" smtClean="0"/>
+              <a:t>QUEUE.FRONT()</a:t>
+            </a:r>
+            <a:r>
+              <a:rPr lang="en-US" dirty="0"/>
+              <a:t> </a:t>
+            </a:r>
+            <a:r>
+              <a:rPr lang="en-US" dirty="0">
+                <a:sym typeface="Symbol" panose="05050102010706020507" pitchFamily="18" charset="2"/>
+              </a:rPr>
+              <a:t> </a:t>
+            </a:r>
+            <a:r>
+              <a:rPr lang="en-US" dirty="0" smtClean="0">
+                <a:sym typeface="Symbol" panose="05050102010706020507" pitchFamily="18" charset="2"/>
+              </a:rPr>
+              <a:t>value</a:t>
+            </a:r>
+            <a:endParaRPr lang="en-US" dirty="0"/>
+          </a:p>
+          <a:p>
+            <a:r>
+              <a:rPr lang="en-US" dirty="0" smtClean="0"/>
+              <a:t>QUEUE.IS_EMPTY()</a:t>
+            </a:r>
+            <a:r>
+              <a:rPr lang="en-US" dirty="0"/>
+              <a:t> </a:t>
+            </a:r>
+            <a:r>
+              <a:rPr lang="en-US" dirty="0">
+                <a:sym typeface="Symbol" panose="05050102010706020507" pitchFamily="18" charset="2"/>
+              </a:rPr>
+              <a:t> </a:t>
+            </a:r>
+            <a:r>
+              <a:rPr lang="en-US" dirty="0" err="1" smtClean="0">
+                <a:sym typeface="Symbol" panose="05050102010706020507" pitchFamily="18" charset="2"/>
+              </a:rPr>
+              <a:t>boolean</a:t>
+            </a:r>
+            <a:endParaRPr lang="en-US" dirty="0" smtClean="0"/>
+          </a:p>
+          <a:p>
+            <a:r>
+              <a:rPr lang="en-US" dirty="0" smtClean="0"/>
+              <a:t>QUEUE.LENGTH() </a:t>
+            </a:r>
+            <a:r>
+              <a:rPr lang="en-US" dirty="0">
+                <a:sym typeface="Symbol" panose="05050102010706020507" pitchFamily="18" charset="2"/>
+              </a:rPr>
+              <a:t> </a:t>
+            </a:r>
+            <a:r>
+              <a:rPr lang="en-US" dirty="0" smtClean="0">
+                <a:sym typeface="Symbol" panose="05050102010706020507" pitchFamily="18" charset="2"/>
+              </a:rPr>
+              <a:t>length</a:t>
+            </a:r>
+            <a:br>
+              <a:rPr lang="en-US" dirty="0" smtClean="0">
+                <a:sym typeface="Symbol" panose="05050102010706020507" pitchFamily="18" charset="2"/>
+              </a:rPr>
+            </a:br>
+            <a:r>
+              <a:rPr lang="en-US" dirty="0" smtClean="0">
+                <a:sym typeface="Symbol" panose="05050102010706020507" pitchFamily="18" charset="2"/>
+              </a:rPr>
+              <a:t>      = #push - #pop</a:t>
+            </a:r>
+            <a:endParaRPr lang="en-US" dirty="0"/>
+          </a:p>
+        </p:txBody>
+      </p:sp>
+      <p:sp>
+        <p:nvSpPr>
+          <p:cNvPr id="4" name="Slide Number Placeholder 3"/>
+          <p:cNvSpPr>
+            <a:spLocks noGrp="1"/>
+          </p:cNvSpPr>
+          <p:nvPr>
+            <p:ph type="sldNum" sz="quarter" idx="12"/>
+          </p:nvPr>
+        </p:nvSpPr>
+        <p:spPr/>
+        <p:txBody>
+          <a:bodyPr/>
+          <a:lstStyle/>
+          <a:p>
+            <a:fld id="{11AD1F4E-1E51-402E-B221-310F004E7D3B}" type="slidenum">
+              <a:rPr lang="en-US" smtClean="0"/>
+              <a:t>41</a:t>
+            </a:fld>
+            <a:endParaRPr lang="en-US"/>
+          </a:p>
+        </p:txBody>
+      </p:sp>
+    </p:spTree>
+    <p:extLst>
+      <p:ext uri="{BB962C8B-B14F-4D97-AF65-F5344CB8AC3E}">
+        <p14:creationId xmlns:p14="http://schemas.microsoft.com/office/powerpoint/2010/main" val="2510982706"/>
+      </p:ext>
+    </p:extLst>
+  </p:cSld>
+  <p:clrMapOvr>
+    <a:masterClrMapping/>
+  </p:clrMapOvr>
+  <p:timing>
+    <p:tnLst>
+      <p:par>
+        <p:cTn id="1" dur="indefinite" restart="never" nodeType="tmRoot"/>
+      </p:par>
+    </p:tnLst>
+  </p:timing>
+</p:sld>
+</file>
+
+<file path=ppt/slides/slide42.xml><?xml version="1.0" encoding="utf-8"?>
+<p:sld xmlns:a="http://schemas.openxmlformats.org/drawingml/2006/main" xmlns:r="http://schemas.openxmlformats.org/officeDocument/2006/relationships" xmlns:p="http://schemas.openxmlformats.org/presentationml/2006/main">
+  <p:cSld>
+    <p:spTree>
+      <p:nvGrpSpPr>
+        <p:cNvPr id="1" name=""/>
+        <p:cNvGrpSpPr/>
+        <p:nvPr/>
+      </p:nvGrpSpPr>
+      <p:grpSpPr>
+        <a:xfrm>
+          <a:off x="0" y="0"/>
+          <a:ext cx="0" cy="0"/>
+          <a:chOff x="0" y="0"/>
+          <a:chExt cx="0" cy="0"/>
+        </a:xfrm>
+      </p:grpSpPr>
+      <p:sp>
+        <p:nvSpPr>
+          <p:cNvPr id="2" name="Title 1"/>
+          <p:cNvSpPr>
+            <a:spLocks noGrp="1"/>
+          </p:cNvSpPr>
+          <p:nvPr>
+            <p:ph type="title"/>
+          </p:nvPr>
+        </p:nvSpPr>
+        <p:spPr/>
+        <p:txBody>
+          <a:bodyPr/>
+          <a:lstStyle/>
+          <a:p>
+            <a:r>
+              <a:rPr lang="en-US" dirty="0" smtClean="0"/>
               <a:t>Graph</a:t>
             </a:r>
             <a:endParaRPr lang="en-US" dirty="0"/>
@@ -25432,7 +25523,7 @@
           <a:p>
             <a:fld id="{11AD1F4E-1E51-402E-B221-310F004E7D3B}" type="slidenum">
               <a:rPr lang="en-US" smtClean="0"/>
-              <a:t>41</a:t>
+              <a:t>42</a:t>
             </a:fld>
             <a:endParaRPr lang="en-US"/>
           </a:p>
@@ -25474,7 +25565,7 @@
             <a:graphicData uri="http://schemas.openxmlformats.org/presentationml/2006/ole">
               <mc:AlternateContent xmlns:mc="http://schemas.openxmlformats.org/markup-compatibility/2006">
                 <mc:Choice xmlns:v="urn:schemas-microsoft-com:vml" Requires="v">
-                  <p:oleObj spid="_x0000_s9285" name="Equation" r:id="rId3" imgW="1104840" imgH="215640" progId="Equation.3">
+                  <p:oleObj spid="_x0000_s9288" name="Equation" r:id="rId3" imgW="1104840" imgH="215640" progId="Equation.3">
                     <p:embed/>
                   </p:oleObj>
                 </mc:Choice>
@@ -26566,448 +26657,6 @@
 </p:sld>
 </file>
 
-<file path=ppt/slides/slide42.xml><?xml version="1.0" encoding="utf-8"?>
-<p:sld xmlns:a="http://schemas.openxmlformats.org/drawingml/2006/main" xmlns:r="http://schemas.openxmlformats.org/officeDocument/2006/relationships" xmlns:p="http://schemas.openxmlformats.org/presentationml/2006/main">
-  <p:cSld>
-    <p:spTree>
-      <p:nvGrpSpPr>
-        <p:cNvPr id="1" name=""/>
-        <p:cNvGrpSpPr/>
-        <p:nvPr/>
-      </p:nvGrpSpPr>
-      <p:grpSpPr>
-        <a:xfrm>
-          <a:off x="0" y="0"/>
-          <a:ext cx="0" cy="0"/>
-          <a:chOff x="0" y="0"/>
-          <a:chExt cx="0" cy="0"/>
-        </a:xfrm>
-      </p:grpSpPr>
-      <p:sp>
-        <p:nvSpPr>
-          <p:cNvPr id="2" name="Title 1"/>
-          <p:cNvSpPr>
-            <a:spLocks noGrp="1"/>
-          </p:cNvSpPr>
-          <p:nvPr>
-            <p:ph type="title"/>
-          </p:nvPr>
-        </p:nvSpPr>
-        <p:spPr/>
-        <p:txBody>
-          <a:bodyPr/>
-          <a:lstStyle/>
-          <a:p>
-            <a:r>
-              <a:rPr lang="en-US" dirty="0" smtClean="0"/>
-              <a:t>Graph ADT</a:t>
-            </a:r>
-            <a:endParaRPr lang="en-US" dirty="0"/>
-          </a:p>
-        </p:txBody>
-      </p:sp>
-      <p:sp>
-        <p:nvSpPr>
-          <p:cNvPr id="3" name="Content Placeholder 2"/>
-          <p:cNvSpPr>
-            <a:spLocks noGrp="1"/>
-          </p:cNvSpPr>
-          <p:nvPr>
-            <p:ph idx="1"/>
-          </p:nvPr>
-        </p:nvSpPr>
-        <p:spPr/>
-        <p:txBody>
-          <a:bodyPr>
-            <a:normAutofit fontScale="62500" lnSpcReduction="20000"/>
-          </a:bodyPr>
-          <a:lstStyle/>
-          <a:p>
-            <a:r>
-              <a:rPr lang="en-US" dirty="0" smtClean="0"/>
-              <a:t>EMPTY_GRAPH() </a:t>
-            </a:r>
-            <a:r>
-              <a:rPr lang="en-US" dirty="0" smtClean="0">
-                <a:sym typeface="Symbol" panose="05050102010706020507" pitchFamily="18" charset="2"/>
-              </a:rPr>
-              <a:t> graph</a:t>
-            </a:r>
-            <a:endParaRPr lang="en-US" dirty="0" smtClean="0"/>
-          </a:p>
-          <a:p>
-            <a:r>
-              <a:rPr lang="en-US" dirty="0" smtClean="0"/>
-              <a:t>GRAPH.ADD_NODE(value)</a:t>
-            </a:r>
-          </a:p>
-          <a:p>
-            <a:r>
-              <a:rPr lang="en-US" dirty="0" smtClean="0"/>
-              <a:t>GRAPH.REMOVE(node)</a:t>
-            </a:r>
-            <a:endParaRPr lang="en-US" dirty="0"/>
-          </a:p>
-          <a:p>
-            <a:r>
-              <a:rPr lang="en-US" dirty="0" smtClean="0"/>
-              <a:t>GRAPH.ADD_EDGE(</a:t>
-            </a:r>
-            <a:r>
-              <a:rPr lang="en-US" dirty="0" err="1" smtClean="0"/>
-              <a:t>node</a:t>
-            </a:r>
-            <a:r>
-              <a:rPr lang="en-US" i="1" baseline="-25000" dirty="0" err="1" smtClean="0"/>
-              <a:t>i</a:t>
-            </a:r>
-            <a:r>
-              <a:rPr lang="en-US" dirty="0" smtClean="0"/>
-              <a:t>, </a:t>
-            </a:r>
-            <a:r>
-              <a:rPr lang="en-US" dirty="0" err="1" smtClean="0"/>
-              <a:t>node</a:t>
-            </a:r>
-            <a:r>
-              <a:rPr lang="en-US" i="1" baseline="-25000" dirty="0" err="1" smtClean="0"/>
-              <a:t>j</a:t>
-            </a:r>
-            <a:r>
-              <a:rPr lang="en-US" dirty="0" smtClean="0"/>
-              <a:t>)</a:t>
-            </a:r>
-          </a:p>
-          <a:p>
-            <a:r>
-              <a:rPr lang="en-US" dirty="0" smtClean="0"/>
-              <a:t>GRAPH.REMOVE_EDGE(</a:t>
-            </a:r>
-            <a:r>
-              <a:rPr lang="en-US" dirty="0" err="1"/>
-              <a:t>node</a:t>
-            </a:r>
-            <a:r>
-              <a:rPr lang="en-US" i="1" baseline="-25000" dirty="0" err="1"/>
-              <a:t>i</a:t>
-            </a:r>
-            <a:r>
-              <a:rPr lang="en-US" dirty="0"/>
-              <a:t>, </a:t>
-            </a:r>
-            <a:r>
-              <a:rPr lang="en-US" dirty="0" err="1"/>
-              <a:t>node</a:t>
-            </a:r>
-            <a:r>
-              <a:rPr lang="en-US" i="1" baseline="-25000" dirty="0" err="1"/>
-              <a:t>j</a:t>
-            </a:r>
-            <a:r>
-              <a:rPr lang="en-US" dirty="0" smtClean="0"/>
-              <a:t>)</a:t>
-            </a:r>
-          </a:p>
-          <a:p>
-            <a:r>
-              <a:rPr lang="en-US" dirty="0" smtClean="0"/>
-              <a:t>GRAPH.GET_NODES()</a:t>
-            </a:r>
-            <a:r>
-              <a:rPr lang="en-US" dirty="0"/>
-              <a:t> </a:t>
-            </a:r>
-            <a:r>
-              <a:rPr lang="en-US" dirty="0">
-                <a:sym typeface="Symbol" panose="05050102010706020507" pitchFamily="18" charset="2"/>
-              </a:rPr>
-              <a:t> </a:t>
-            </a:r>
-            <a:r>
-              <a:rPr lang="en-US" dirty="0" smtClean="0">
-                <a:sym typeface="Symbol" panose="05050102010706020507" pitchFamily="18" charset="2"/>
-              </a:rPr>
-              <a:t>{node</a:t>
-            </a:r>
-            <a:r>
-              <a:rPr lang="en-US" baseline="-25000" dirty="0" smtClean="0">
-                <a:sym typeface="Symbol" panose="05050102010706020507" pitchFamily="18" charset="2"/>
-              </a:rPr>
-              <a:t>0</a:t>
-            </a:r>
-            <a:r>
-              <a:rPr lang="en-US" dirty="0" smtClean="0">
-                <a:sym typeface="Symbol" panose="05050102010706020507" pitchFamily="18" charset="2"/>
-              </a:rPr>
-              <a:t>, …, node</a:t>
-            </a:r>
-            <a:r>
-              <a:rPr lang="en-US" i="1" baseline="-25000" dirty="0" smtClean="0">
-                <a:sym typeface="Symbol" panose="05050102010706020507" pitchFamily="18" charset="2"/>
-              </a:rPr>
-              <a:t>n</a:t>
-            </a:r>
-            <a:r>
-              <a:rPr lang="en-US" baseline="-25000" dirty="0" smtClean="0">
-                <a:sym typeface="Symbol" panose="05050102010706020507" pitchFamily="18" charset="2"/>
-              </a:rPr>
-              <a:t>-1</a:t>
-            </a:r>
-            <a:r>
-              <a:rPr lang="en-US" dirty="0" smtClean="0">
-                <a:sym typeface="Symbol" panose="05050102010706020507" pitchFamily="18" charset="2"/>
-              </a:rPr>
-              <a:t>}</a:t>
-            </a:r>
-            <a:endParaRPr lang="en-US" dirty="0" smtClean="0"/>
-          </a:p>
-          <a:p>
-            <a:r>
-              <a:rPr lang="en-US" dirty="0" smtClean="0"/>
-              <a:t>NODE.GET_VALUE() </a:t>
-            </a:r>
-            <a:r>
-              <a:rPr lang="en-US" dirty="0">
-                <a:sym typeface="Symbol" panose="05050102010706020507" pitchFamily="18" charset="2"/>
-              </a:rPr>
-              <a:t> </a:t>
-            </a:r>
-            <a:r>
-              <a:rPr lang="en-US" dirty="0" smtClean="0">
-                <a:sym typeface="Symbol" panose="05050102010706020507" pitchFamily="18" charset="2"/>
-              </a:rPr>
-              <a:t>value</a:t>
-            </a:r>
-          </a:p>
-          <a:p>
-            <a:r>
-              <a:rPr lang="en-US" dirty="0" smtClean="0">
-                <a:sym typeface="Symbol" panose="05050102010706020507" pitchFamily="18" charset="2"/>
-              </a:rPr>
-              <a:t>NODE.GET_INCOMING_EDGES()</a:t>
-            </a:r>
-            <a:r>
-              <a:rPr lang="en-US" dirty="0"/>
-              <a:t> </a:t>
-            </a:r>
-            <a:r>
-              <a:rPr lang="en-US" dirty="0">
-                <a:sym typeface="Symbol" panose="05050102010706020507" pitchFamily="18" charset="2"/>
-              </a:rPr>
-              <a:t> </a:t>
-            </a:r>
-            <a:r>
-              <a:rPr lang="en-US" dirty="0" smtClean="0">
-                <a:sym typeface="Symbol" panose="05050102010706020507" pitchFamily="18" charset="2"/>
-              </a:rPr>
-              <a:t>{edge</a:t>
-            </a:r>
-            <a:r>
-              <a:rPr lang="en-US" baseline="-25000" dirty="0">
-                <a:sym typeface="Symbol" panose="05050102010706020507" pitchFamily="18" charset="2"/>
-              </a:rPr>
-              <a:t>0</a:t>
-            </a:r>
-            <a:r>
-              <a:rPr lang="en-US" dirty="0">
-                <a:sym typeface="Symbol" panose="05050102010706020507" pitchFamily="18" charset="2"/>
-              </a:rPr>
-              <a:t>, …, </a:t>
-            </a:r>
-            <a:r>
-              <a:rPr lang="en-US" dirty="0" err="1" smtClean="0">
-                <a:sym typeface="Symbol" panose="05050102010706020507" pitchFamily="18" charset="2"/>
-              </a:rPr>
-              <a:t>edge</a:t>
-            </a:r>
-            <a:r>
-              <a:rPr lang="en-US" baseline="-25000" dirty="0" err="1" smtClean="0">
-                <a:sym typeface="Symbol" panose="05050102010706020507" pitchFamily="18" charset="2"/>
-              </a:rPr>
-              <a:t>k</a:t>
-            </a:r>
-            <a:r>
-              <a:rPr lang="en-US" dirty="0" smtClean="0">
-                <a:sym typeface="Symbol" panose="05050102010706020507" pitchFamily="18" charset="2"/>
-              </a:rPr>
-              <a:t>}</a:t>
-            </a:r>
-          </a:p>
-          <a:p>
-            <a:r>
-              <a:rPr lang="en-US" dirty="0" smtClean="0">
-                <a:sym typeface="Symbol" panose="05050102010706020507" pitchFamily="18" charset="2"/>
-              </a:rPr>
-              <a:t>NODE.GET_OUTGOING_EDGES</a:t>
-            </a:r>
-            <a:r>
-              <a:rPr lang="en-US" dirty="0">
-                <a:sym typeface="Symbol" panose="05050102010706020507" pitchFamily="18" charset="2"/>
-              </a:rPr>
-              <a:t>()  {edge</a:t>
-            </a:r>
-            <a:r>
-              <a:rPr lang="en-US" baseline="-25000" dirty="0">
-                <a:sym typeface="Symbol" panose="05050102010706020507" pitchFamily="18" charset="2"/>
-              </a:rPr>
-              <a:t>0</a:t>
-            </a:r>
-            <a:r>
-              <a:rPr lang="en-US" dirty="0">
-                <a:sym typeface="Symbol" panose="05050102010706020507" pitchFamily="18" charset="2"/>
-              </a:rPr>
-              <a:t>, …, </a:t>
-            </a:r>
-            <a:r>
-              <a:rPr lang="en-US" dirty="0" err="1">
-                <a:sym typeface="Symbol" panose="05050102010706020507" pitchFamily="18" charset="2"/>
-              </a:rPr>
-              <a:t>edge</a:t>
-            </a:r>
-            <a:r>
-              <a:rPr lang="en-US" baseline="-25000" dirty="0" err="1">
-                <a:sym typeface="Symbol" panose="05050102010706020507" pitchFamily="18" charset="2"/>
-              </a:rPr>
-              <a:t>k</a:t>
-            </a:r>
-            <a:r>
-              <a:rPr lang="en-US" dirty="0">
-                <a:sym typeface="Symbol" panose="05050102010706020507" pitchFamily="18" charset="2"/>
-              </a:rPr>
-              <a:t>}</a:t>
-            </a:r>
-            <a:endParaRPr lang="en-US" dirty="0" smtClean="0">
-              <a:sym typeface="Symbol" panose="05050102010706020507" pitchFamily="18" charset="2"/>
-            </a:endParaRPr>
-          </a:p>
-          <a:p>
-            <a:r>
-              <a:rPr lang="en-US" dirty="0" smtClean="0">
-                <a:sym typeface="Symbol" panose="05050102010706020507" pitchFamily="18" charset="2"/>
-              </a:rPr>
-              <a:t>EDGE.GET_FROM</a:t>
-            </a:r>
-            <a:r>
-              <a:rPr lang="en-US" dirty="0">
-                <a:sym typeface="Symbol" panose="05050102010706020507" pitchFamily="18" charset="2"/>
-              </a:rPr>
-              <a:t>()  </a:t>
-            </a:r>
-            <a:r>
-              <a:rPr lang="en-US" dirty="0" smtClean="0">
-                <a:sym typeface="Symbol" panose="05050102010706020507" pitchFamily="18" charset="2"/>
-              </a:rPr>
-              <a:t>node</a:t>
-            </a:r>
-          </a:p>
-          <a:p>
-            <a:r>
-              <a:rPr lang="en-US" dirty="0" smtClean="0">
-                <a:sym typeface="Symbol" panose="05050102010706020507" pitchFamily="18" charset="2"/>
-              </a:rPr>
-              <a:t>EDGE.GET_TO</a:t>
-            </a:r>
-            <a:r>
-              <a:rPr lang="en-US" dirty="0">
-                <a:sym typeface="Symbol" panose="05050102010706020507" pitchFamily="18" charset="2"/>
-              </a:rPr>
-              <a:t>()  </a:t>
-            </a:r>
-            <a:r>
-              <a:rPr lang="en-US" dirty="0" smtClean="0">
-                <a:sym typeface="Symbol" panose="05050102010706020507" pitchFamily="18" charset="2"/>
-              </a:rPr>
-              <a:t>node</a:t>
-            </a:r>
-            <a:endParaRPr lang="en-US" dirty="0"/>
-          </a:p>
-          <a:p>
-            <a:r>
-              <a:rPr lang="en-US" dirty="0" smtClean="0"/>
-              <a:t>GRAPH.IS_EMPTY()</a:t>
-            </a:r>
-            <a:r>
-              <a:rPr lang="en-US" dirty="0"/>
-              <a:t> </a:t>
-            </a:r>
-            <a:r>
-              <a:rPr lang="en-US" dirty="0">
-                <a:sym typeface="Symbol" panose="05050102010706020507" pitchFamily="18" charset="2"/>
-              </a:rPr>
-              <a:t> </a:t>
-            </a:r>
-            <a:r>
-              <a:rPr lang="en-US" dirty="0" err="1" smtClean="0">
-                <a:sym typeface="Symbol" panose="05050102010706020507" pitchFamily="18" charset="2"/>
-              </a:rPr>
-              <a:t>boolean</a:t>
-            </a:r>
-            <a:endParaRPr lang="en-US" dirty="0" smtClean="0"/>
-          </a:p>
-          <a:p>
-            <a:r>
-              <a:rPr lang="en-US" dirty="0" smtClean="0"/>
-              <a:t>GRAPH.SIZE() </a:t>
-            </a:r>
-            <a:r>
-              <a:rPr lang="en-US" dirty="0">
-                <a:sym typeface="Symbol" panose="05050102010706020507" pitchFamily="18" charset="2"/>
-              </a:rPr>
-              <a:t> </a:t>
-            </a:r>
-            <a:r>
-              <a:rPr lang="en-US" dirty="0" smtClean="0">
-                <a:sym typeface="Symbol" panose="05050102010706020507" pitchFamily="18" charset="2"/>
-              </a:rPr>
-              <a:t>#nodes</a:t>
-            </a:r>
-            <a:endParaRPr lang="en-US" dirty="0"/>
-          </a:p>
-        </p:txBody>
-      </p:sp>
-      <p:sp>
-        <p:nvSpPr>
-          <p:cNvPr id="4" name="Slide Number Placeholder 3"/>
-          <p:cNvSpPr>
-            <a:spLocks noGrp="1"/>
-          </p:cNvSpPr>
-          <p:nvPr>
-            <p:ph type="sldNum" sz="quarter" idx="12"/>
-          </p:nvPr>
-        </p:nvSpPr>
-        <p:spPr/>
-        <p:txBody>
-          <a:bodyPr/>
-          <a:lstStyle/>
-          <a:p>
-            <a:fld id="{11AD1F4E-1E51-402E-B221-310F004E7D3B}" type="slidenum">
-              <a:rPr lang="en-US" smtClean="0"/>
-              <a:t>42</a:t>
-            </a:fld>
-            <a:endParaRPr lang="en-US"/>
-          </a:p>
-        </p:txBody>
-      </p:sp>
-    </p:spTree>
-    <p:extLst>
-      <p:ext uri="{BB962C8B-B14F-4D97-AF65-F5344CB8AC3E}">
-        <p14:creationId xmlns:p14="http://schemas.microsoft.com/office/powerpoint/2010/main" val="2564223248"/>
-      </p:ext>
-    </p:extLst>
-  </p:cSld>
-  <p:clrMapOvr>
-    <a:masterClrMapping/>
-  </p:clrMapOvr>
-  <p:timing>
-    <p:tnLst>
-      <p:par>
-        <p:cTn id="1" dur="indefinite" restart="never" nodeType="tmRoot"/>
-      </p:par>
-    </p:tnLst>
-  </p:timing>
-</p:sld>
-</file>
-
 <file path=ppt/slides/slide43.xml><?xml version="1.0" encoding="utf-8"?>
 <p:sld xmlns:a="http://schemas.openxmlformats.org/drawingml/2006/main" xmlns:r="http://schemas.openxmlformats.org/officeDocument/2006/relationships" xmlns:p="http://schemas.openxmlformats.org/presentationml/2006/main">
   <p:cSld>
@@ -27042,6 +26691,448 @@
           <a:p>
             <a:r>
               <a:rPr lang="en-US" dirty="0" smtClean="0"/>
+              <a:t>Graph ADT</a:t>
+            </a:r>
+            <a:endParaRPr lang="en-US" dirty="0"/>
+          </a:p>
+        </p:txBody>
+      </p:sp>
+      <p:sp>
+        <p:nvSpPr>
+          <p:cNvPr id="3" name="Content Placeholder 2"/>
+          <p:cNvSpPr>
+            <a:spLocks noGrp="1"/>
+          </p:cNvSpPr>
+          <p:nvPr>
+            <p:ph idx="1"/>
+          </p:nvPr>
+        </p:nvSpPr>
+        <p:spPr/>
+        <p:txBody>
+          <a:bodyPr>
+            <a:normAutofit fontScale="62500" lnSpcReduction="20000"/>
+          </a:bodyPr>
+          <a:lstStyle/>
+          <a:p>
+            <a:r>
+              <a:rPr lang="en-US" dirty="0" smtClean="0"/>
+              <a:t>EMPTY_GRAPH() </a:t>
+            </a:r>
+            <a:r>
+              <a:rPr lang="en-US" dirty="0" smtClean="0">
+                <a:sym typeface="Symbol" panose="05050102010706020507" pitchFamily="18" charset="2"/>
+              </a:rPr>
+              <a:t> graph</a:t>
+            </a:r>
+            <a:endParaRPr lang="en-US" dirty="0" smtClean="0"/>
+          </a:p>
+          <a:p>
+            <a:r>
+              <a:rPr lang="en-US" dirty="0" smtClean="0"/>
+              <a:t>GRAPH.ADD_NODE(value)</a:t>
+            </a:r>
+          </a:p>
+          <a:p>
+            <a:r>
+              <a:rPr lang="en-US" dirty="0" smtClean="0"/>
+              <a:t>GRAPH.REMOVE(node)</a:t>
+            </a:r>
+            <a:endParaRPr lang="en-US" dirty="0"/>
+          </a:p>
+          <a:p>
+            <a:r>
+              <a:rPr lang="en-US" dirty="0" smtClean="0"/>
+              <a:t>GRAPH.ADD_EDGE(</a:t>
+            </a:r>
+            <a:r>
+              <a:rPr lang="en-US" dirty="0" err="1" smtClean="0"/>
+              <a:t>node</a:t>
+            </a:r>
+            <a:r>
+              <a:rPr lang="en-US" i="1" baseline="-25000" dirty="0" err="1" smtClean="0"/>
+              <a:t>i</a:t>
+            </a:r>
+            <a:r>
+              <a:rPr lang="en-US" dirty="0" smtClean="0"/>
+              <a:t>, </a:t>
+            </a:r>
+            <a:r>
+              <a:rPr lang="en-US" dirty="0" err="1" smtClean="0"/>
+              <a:t>node</a:t>
+            </a:r>
+            <a:r>
+              <a:rPr lang="en-US" i="1" baseline="-25000" dirty="0" err="1" smtClean="0"/>
+              <a:t>j</a:t>
+            </a:r>
+            <a:r>
+              <a:rPr lang="en-US" dirty="0" smtClean="0"/>
+              <a:t>)</a:t>
+            </a:r>
+          </a:p>
+          <a:p>
+            <a:r>
+              <a:rPr lang="en-US" dirty="0" smtClean="0"/>
+              <a:t>GRAPH.REMOVE_EDGE(</a:t>
+            </a:r>
+            <a:r>
+              <a:rPr lang="en-US" dirty="0" err="1"/>
+              <a:t>node</a:t>
+            </a:r>
+            <a:r>
+              <a:rPr lang="en-US" i="1" baseline="-25000" dirty="0" err="1"/>
+              <a:t>i</a:t>
+            </a:r>
+            <a:r>
+              <a:rPr lang="en-US" dirty="0"/>
+              <a:t>, </a:t>
+            </a:r>
+            <a:r>
+              <a:rPr lang="en-US" dirty="0" err="1"/>
+              <a:t>node</a:t>
+            </a:r>
+            <a:r>
+              <a:rPr lang="en-US" i="1" baseline="-25000" dirty="0" err="1"/>
+              <a:t>j</a:t>
+            </a:r>
+            <a:r>
+              <a:rPr lang="en-US" dirty="0" smtClean="0"/>
+              <a:t>)</a:t>
+            </a:r>
+          </a:p>
+          <a:p>
+            <a:r>
+              <a:rPr lang="en-US" dirty="0" smtClean="0"/>
+              <a:t>GRAPH.GET_NODES()</a:t>
+            </a:r>
+            <a:r>
+              <a:rPr lang="en-US" dirty="0"/>
+              <a:t> </a:t>
+            </a:r>
+            <a:r>
+              <a:rPr lang="en-US" dirty="0">
+                <a:sym typeface="Symbol" panose="05050102010706020507" pitchFamily="18" charset="2"/>
+              </a:rPr>
+              <a:t> </a:t>
+            </a:r>
+            <a:r>
+              <a:rPr lang="en-US" dirty="0" smtClean="0">
+                <a:sym typeface="Symbol" panose="05050102010706020507" pitchFamily="18" charset="2"/>
+              </a:rPr>
+              <a:t>{node</a:t>
+            </a:r>
+            <a:r>
+              <a:rPr lang="en-US" baseline="-25000" dirty="0" smtClean="0">
+                <a:sym typeface="Symbol" panose="05050102010706020507" pitchFamily="18" charset="2"/>
+              </a:rPr>
+              <a:t>0</a:t>
+            </a:r>
+            <a:r>
+              <a:rPr lang="en-US" dirty="0" smtClean="0">
+                <a:sym typeface="Symbol" panose="05050102010706020507" pitchFamily="18" charset="2"/>
+              </a:rPr>
+              <a:t>, …, node</a:t>
+            </a:r>
+            <a:r>
+              <a:rPr lang="en-US" i="1" baseline="-25000" dirty="0" smtClean="0">
+                <a:sym typeface="Symbol" panose="05050102010706020507" pitchFamily="18" charset="2"/>
+              </a:rPr>
+              <a:t>n</a:t>
+            </a:r>
+            <a:r>
+              <a:rPr lang="en-US" baseline="-25000" dirty="0" smtClean="0">
+                <a:sym typeface="Symbol" panose="05050102010706020507" pitchFamily="18" charset="2"/>
+              </a:rPr>
+              <a:t>-1</a:t>
+            </a:r>
+            <a:r>
+              <a:rPr lang="en-US" dirty="0" smtClean="0">
+                <a:sym typeface="Symbol" panose="05050102010706020507" pitchFamily="18" charset="2"/>
+              </a:rPr>
+              <a:t>}</a:t>
+            </a:r>
+            <a:endParaRPr lang="en-US" dirty="0" smtClean="0"/>
+          </a:p>
+          <a:p>
+            <a:r>
+              <a:rPr lang="en-US" dirty="0" smtClean="0"/>
+              <a:t>NODE.GET_VALUE() </a:t>
+            </a:r>
+            <a:r>
+              <a:rPr lang="en-US" dirty="0">
+                <a:sym typeface="Symbol" panose="05050102010706020507" pitchFamily="18" charset="2"/>
+              </a:rPr>
+              <a:t> </a:t>
+            </a:r>
+            <a:r>
+              <a:rPr lang="en-US" dirty="0" smtClean="0">
+                <a:sym typeface="Symbol" panose="05050102010706020507" pitchFamily="18" charset="2"/>
+              </a:rPr>
+              <a:t>value</a:t>
+            </a:r>
+          </a:p>
+          <a:p>
+            <a:r>
+              <a:rPr lang="en-US" dirty="0" smtClean="0">
+                <a:sym typeface="Symbol" panose="05050102010706020507" pitchFamily="18" charset="2"/>
+              </a:rPr>
+              <a:t>NODE.GET_INCOMING_EDGES()</a:t>
+            </a:r>
+            <a:r>
+              <a:rPr lang="en-US" dirty="0"/>
+              <a:t> </a:t>
+            </a:r>
+            <a:r>
+              <a:rPr lang="en-US" dirty="0">
+                <a:sym typeface="Symbol" panose="05050102010706020507" pitchFamily="18" charset="2"/>
+              </a:rPr>
+              <a:t> </a:t>
+            </a:r>
+            <a:r>
+              <a:rPr lang="en-US" dirty="0" smtClean="0">
+                <a:sym typeface="Symbol" panose="05050102010706020507" pitchFamily="18" charset="2"/>
+              </a:rPr>
+              <a:t>{edge</a:t>
+            </a:r>
+            <a:r>
+              <a:rPr lang="en-US" baseline="-25000" dirty="0">
+                <a:sym typeface="Symbol" panose="05050102010706020507" pitchFamily="18" charset="2"/>
+              </a:rPr>
+              <a:t>0</a:t>
+            </a:r>
+            <a:r>
+              <a:rPr lang="en-US" dirty="0">
+                <a:sym typeface="Symbol" panose="05050102010706020507" pitchFamily="18" charset="2"/>
+              </a:rPr>
+              <a:t>, …, </a:t>
+            </a:r>
+            <a:r>
+              <a:rPr lang="en-US" dirty="0" err="1" smtClean="0">
+                <a:sym typeface="Symbol" panose="05050102010706020507" pitchFamily="18" charset="2"/>
+              </a:rPr>
+              <a:t>edge</a:t>
+            </a:r>
+            <a:r>
+              <a:rPr lang="en-US" baseline="-25000" dirty="0" err="1" smtClean="0">
+                <a:sym typeface="Symbol" panose="05050102010706020507" pitchFamily="18" charset="2"/>
+              </a:rPr>
+              <a:t>k</a:t>
+            </a:r>
+            <a:r>
+              <a:rPr lang="en-US" dirty="0" smtClean="0">
+                <a:sym typeface="Symbol" panose="05050102010706020507" pitchFamily="18" charset="2"/>
+              </a:rPr>
+              <a:t>}</a:t>
+            </a:r>
+          </a:p>
+          <a:p>
+            <a:r>
+              <a:rPr lang="en-US" dirty="0" smtClean="0">
+                <a:sym typeface="Symbol" panose="05050102010706020507" pitchFamily="18" charset="2"/>
+              </a:rPr>
+              <a:t>NODE.GET_OUTGOING_EDGES</a:t>
+            </a:r>
+            <a:r>
+              <a:rPr lang="en-US" dirty="0">
+                <a:sym typeface="Symbol" panose="05050102010706020507" pitchFamily="18" charset="2"/>
+              </a:rPr>
+              <a:t>()  {edge</a:t>
+            </a:r>
+            <a:r>
+              <a:rPr lang="en-US" baseline="-25000" dirty="0">
+                <a:sym typeface="Symbol" panose="05050102010706020507" pitchFamily="18" charset="2"/>
+              </a:rPr>
+              <a:t>0</a:t>
+            </a:r>
+            <a:r>
+              <a:rPr lang="en-US" dirty="0">
+                <a:sym typeface="Symbol" panose="05050102010706020507" pitchFamily="18" charset="2"/>
+              </a:rPr>
+              <a:t>, …, </a:t>
+            </a:r>
+            <a:r>
+              <a:rPr lang="en-US" dirty="0" err="1">
+                <a:sym typeface="Symbol" panose="05050102010706020507" pitchFamily="18" charset="2"/>
+              </a:rPr>
+              <a:t>edge</a:t>
+            </a:r>
+            <a:r>
+              <a:rPr lang="en-US" baseline="-25000" dirty="0" err="1">
+                <a:sym typeface="Symbol" panose="05050102010706020507" pitchFamily="18" charset="2"/>
+              </a:rPr>
+              <a:t>k</a:t>
+            </a:r>
+            <a:r>
+              <a:rPr lang="en-US" dirty="0">
+                <a:sym typeface="Symbol" panose="05050102010706020507" pitchFamily="18" charset="2"/>
+              </a:rPr>
+              <a:t>}</a:t>
+            </a:r>
+            <a:endParaRPr lang="en-US" dirty="0" smtClean="0">
+              <a:sym typeface="Symbol" panose="05050102010706020507" pitchFamily="18" charset="2"/>
+            </a:endParaRPr>
+          </a:p>
+          <a:p>
+            <a:r>
+              <a:rPr lang="en-US" dirty="0" smtClean="0">
+                <a:sym typeface="Symbol" panose="05050102010706020507" pitchFamily="18" charset="2"/>
+              </a:rPr>
+              <a:t>EDGE.GET_FROM</a:t>
+            </a:r>
+            <a:r>
+              <a:rPr lang="en-US" dirty="0">
+                <a:sym typeface="Symbol" panose="05050102010706020507" pitchFamily="18" charset="2"/>
+              </a:rPr>
+              <a:t>()  </a:t>
+            </a:r>
+            <a:r>
+              <a:rPr lang="en-US" dirty="0" smtClean="0">
+                <a:sym typeface="Symbol" panose="05050102010706020507" pitchFamily="18" charset="2"/>
+              </a:rPr>
+              <a:t>node</a:t>
+            </a:r>
+          </a:p>
+          <a:p>
+            <a:r>
+              <a:rPr lang="en-US" dirty="0" smtClean="0">
+                <a:sym typeface="Symbol" panose="05050102010706020507" pitchFamily="18" charset="2"/>
+              </a:rPr>
+              <a:t>EDGE.GET_TO</a:t>
+            </a:r>
+            <a:r>
+              <a:rPr lang="en-US" dirty="0">
+                <a:sym typeface="Symbol" panose="05050102010706020507" pitchFamily="18" charset="2"/>
+              </a:rPr>
+              <a:t>()  </a:t>
+            </a:r>
+            <a:r>
+              <a:rPr lang="en-US" dirty="0" smtClean="0">
+                <a:sym typeface="Symbol" panose="05050102010706020507" pitchFamily="18" charset="2"/>
+              </a:rPr>
+              <a:t>node</a:t>
+            </a:r>
+            <a:endParaRPr lang="en-US" dirty="0"/>
+          </a:p>
+          <a:p>
+            <a:r>
+              <a:rPr lang="en-US" dirty="0" smtClean="0"/>
+              <a:t>GRAPH.IS_EMPTY()</a:t>
+            </a:r>
+            <a:r>
+              <a:rPr lang="en-US" dirty="0"/>
+              <a:t> </a:t>
+            </a:r>
+            <a:r>
+              <a:rPr lang="en-US" dirty="0">
+                <a:sym typeface="Symbol" panose="05050102010706020507" pitchFamily="18" charset="2"/>
+              </a:rPr>
+              <a:t> </a:t>
+            </a:r>
+            <a:r>
+              <a:rPr lang="en-US" dirty="0" err="1" smtClean="0">
+                <a:sym typeface="Symbol" panose="05050102010706020507" pitchFamily="18" charset="2"/>
+              </a:rPr>
+              <a:t>boolean</a:t>
+            </a:r>
+            <a:endParaRPr lang="en-US" dirty="0" smtClean="0"/>
+          </a:p>
+          <a:p>
+            <a:r>
+              <a:rPr lang="en-US" dirty="0" smtClean="0"/>
+              <a:t>GRAPH.SIZE() </a:t>
+            </a:r>
+            <a:r>
+              <a:rPr lang="en-US" dirty="0">
+                <a:sym typeface="Symbol" panose="05050102010706020507" pitchFamily="18" charset="2"/>
+              </a:rPr>
+              <a:t> </a:t>
+            </a:r>
+            <a:r>
+              <a:rPr lang="en-US" dirty="0" smtClean="0">
+                <a:sym typeface="Symbol" panose="05050102010706020507" pitchFamily="18" charset="2"/>
+              </a:rPr>
+              <a:t>#nodes</a:t>
+            </a:r>
+            <a:endParaRPr lang="en-US" dirty="0"/>
+          </a:p>
+        </p:txBody>
+      </p:sp>
+      <p:sp>
+        <p:nvSpPr>
+          <p:cNvPr id="4" name="Slide Number Placeholder 3"/>
+          <p:cNvSpPr>
+            <a:spLocks noGrp="1"/>
+          </p:cNvSpPr>
+          <p:nvPr>
+            <p:ph type="sldNum" sz="quarter" idx="12"/>
+          </p:nvPr>
+        </p:nvSpPr>
+        <p:spPr/>
+        <p:txBody>
+          <a:bodyPr/>
+          <a:lstStyle/>
+          <a:p>
+            <a:fld id="{11AD1F4E-1E51-402E-B221-310F004E7D3B}" type="slidenum">
+              <a:rPr lang="en-US" smtClean="0"/>
+              <a:t>43</a:t>
+            </a:fld>
+            <a:endParaRPr lang="en-US"/>
+          </a:p>
+        </p:txBody>
+      </p:sp>
+    </p:spTree>
+    <p:extLst>
+      <p:ext uri="{BB962C8B-B14F-4D97-AF65-F5344CB8AC3E}">
+        <p14:creationId xmlns:p14="http://schemas.microsoft.com/office/powerpoint/2010/main" val="2564223248"/>
+      </p:ext>
+    </p:extLst>
+  </p:cSld>
+  <p:clrMapOvr>
+    <a:masterClrMapping/>
+  </p:clrMapOvr>
+  <p:timing>
+    <p:tnLst>
+      <p:par>
+        <p:cTn id="1" dur="indefinite" restart="never" nodeType="tmRoot"/>
+      </p:par>
+    </p:tnLst>
+  </p:timing>
+</p:sld>
+</file>
+
+<file path=ppt/slides/slide44.xml><?xml version="1.0" encoding="utf-8"?>
+<p:sld xmlns:a="http://schemas.openxmlformats.org/drawingml/2006/main" xmlns:r="http://schemas.openxmlformats.org/officeDocument/2006/relationships" xmlns:p="http://schemas.openxmlformats.org/presentationml/2006/main">
+  <p:cSld>
+    <p:spTree>
+      <p:nvGrpSpPr>
+        <p:cNvPr id="1" name=""/>
+        <p:cNvGrpSpPr/>
+        <p:nvPr/>
+      </p:nvGrpSpPr>
+      <p:grpSpPr>
+        <a:xfrm>
+          <a:off x="0" y="0"/>
+          <a:ext cx="0" cy="0"/>
+          <a:chOff x="0" y="0"/>
+          <a:chExt cx="0" cy="0"/>
+        </a:xfrm>
+      </p:grpSpPr>
+      <p:sp>
+        <p:nvSpPr>
+          <p:cNvPr id="2" name="Title 1"/>
+          <p:cNvSpPr>
+            <a:spLocks noGrp="1"/>
+          </p:cNvSpPr>
+          <p:nvPr>
+            <p:ph type="title"/>
+          </p:nvPr>
+        </p:nvSpPr>
+        <p:spPr/>
+        <p:txBody>
+          <a:bodyPr/>
+          <a:lstStyle/>
+          <a:p>
+            <a:r>
+              <a:rPr lang="en-US" dirty="0" smtClean="0"/>
               <a:t>Some special graph types</a:t>
             </a:r>
             <a:endParaRPr lang="en-US" dirty="0"/>
@@ -27158,7 +27249,7 @@
           <a:p>
             <a:fld id="{11AD1F4E-1E51-402E-B221-310F004E7D3B}" type="slidenum">
               <a:rPr lang="en-US" smtClean="0"/>
-              <a:t>43</a:t>
+              <a:t>44</a:t>
             </a:fld>
             <a:endParaRPr lang="en-US"/>
           </a:p>
@@ -29355,7 +29446,7 @@
 </p:sld>
 </file>
 
-<file path=ppt/slides/slide44.xml><?xml version="1.0" encoding="utf-8"?>
+<file path=ppt/slides/slide45.xml><?xml version="1.0" encoding="utf-8"?>
 <p:sld xmlns:a="http://schemas.openxmlformats.org/drawingml/2006/main" xmlns:r="http://schemas.openxmlformats.org/officeDocument/2006/relationships" xmlns:p="http://schemas.openxmlformats.org/presentationml/2006/main">
   <p:cSld>
     <p:spTree>
@@ -29447,7 +29538,7 @@
           <a:p>
             <a:fld id="{11AD1F4E-1E51-402E-B221-310F004E7D3B}" type="slidenum">
               <a:rPr lang="en-US" smtClean="0"/>
-              <a:t>44</a:t>
+              <a:t>45</a:t>
             </a:fld>
             <a:endParaRPr lang="en-US"/>
           </a:p>
@@ -30910,7 +31001,7 @@
 </p:sld>
 </file>
 
-<file path=ppt/slides/slide45.xml><?xml version="1.0" encoding="utf-8"?>
+<file path=ppt/slides/slide46.xml><?xml version="1.0" encoding="utf-8"?>
 <p:sld xmlns:a="http://schemas.openxmlformats.org/drawingml/2006/main" xmlns:r="http://schemas.openxmlformats.org/officeDocument/2006/relationships" xmlns:p="http://schemas.openxmlformats.org/presentationml/2006/main">
   <p:cSld>
     <p:spTree>
@@ -31057,7 +31148,7 @@
           <a:p>
             <a:fld id="{11AD1F4E-1E51-402E-B221-310F004E7D3B}" type="slidenum">
               <a:rPr lang="en-US" smtClean="0"/>
-              <a:t>45</a:t>
+              <a:t>46</a:t>
             </a:fld>
             <a:endParaRPr lang="en-US"/>
           </a:p>
@@ -32168,7 +32259,7 @@
           <a:graphicData uri="http://schemas.openxmlformats.org/presentationml/2006/ole">
             <mc:AlternateContent xmlns:mc="http://schemas.openxmlformats.org/markup-compatibility/2006">
               <mc:Choice xmlns:v="urn:schemas-microsoft-com:vml" Requires="v">
-                <p:oleObj spid="_x0000_s1126" name="Equation" r:id="rId4" imgW="1841400" imgH="215640" progId="Equation.3">
+                <p:oleObj spid="_x0000_s1129" name="Equation" r:id="rId4" imgW="1841400" imgH="215640" progId="Equation.3">
                   <p:embed/>
                 </p:oleObj>
               </mc:Choice>
@@ -33796,7 +33887,7 @@
             <a:graphicData uri="http://schemas.openxmlformats.org/presentationml/2006/ole">
               <mc:AlternateContent xmlns:mc="http://schemas.openxmlformats.org/markup-compatibility/2006">
                 <mc:Choice xmlns:v="urn:schemas-microsoft-com:vml" Requires="v">
-                  <p:oleObj spid="_x0000_s2149" name="Equation" r:id="rId3" imgW="1409400" imgH="203040" progId="Equation.3">
+                  <p:oleObj spid="_x0000_s2152" name="Equation" r:id="rId3" imgW="1409400" imgH="203040" progId="Equation.3">
                     <p:embed/>
                   </p:oleObj>
                 </mc:Choice>

--- a/CPlusPlus/09_essential_cpp_containers.pptx
+++ b/CPlusPlus/09_essential_cpp_containers.pptx
@@ -5,7 +5,7 @@
     <p:sldMasterId id="2147483660" r:id="rId1"/>
   </p:sldMasterIdLst>
   <p:notesMasterIdLst>
-    <p:notesMasterId r:id="rId48"/>
+    <p:notesMasterId r:id="rId51"/>
   </p:notesMasterIdLst>
   <p:sldIdLst>
     <p:sldId id="302" r:id="rId2"/>
@@ -20,40 +20,43 @@
     <p:sldId id="276" r:id="rId11"/>
     <p:sldId id="267" r:id="rId12"/>
     <p:sldId id="311" r:id="rId13"/>
-    <p:sldId id="304" r:id="rId14"/>
-    <p:sldId id="305" r:id="rId15"/>
-    <p:sldId id="307" r:id="rId16"/>
-    <p:sldId id="306" r:id="rId17"/>
-    <p:sldId id="309" r:id="rId18"/>
-    <p:sldId id="310" r:id="rId19"/>
-    <p:sldId id="265" r:id="rId20"/>
-    <p:sldId id="277" r:id="rId21"/>
-    <p:sldId id="269" r:id="rId22"/>
-    <p:sldId id="262" r:id="rId23"/>
-    <p:sldId id="278" r:id="rId24"/>
-    <p:sldId id="270" r:id="rId25"/>
-    <p:sldId id="263" r:id="rId26"/>
-    <p:sldId id="279" r:id="rId27"/>
-    <p:sldId id="271" r:id="rId28"/>
-    <p:sldId id="264" r:id="rId29"/>
-    <p:sldId id="280" r:id="rId30"/>
-    <p:sldId id="272" r:id="rId31"/>
-    <p:sldId id="308" r:id="rId32"/>
-    <p:sldId id="290" r:id="rId33"/>
-    <p:sldId id="291" r:id="rId34"/>
-    <p:sldId id="275" r:id="rId35"/>
-    <p:sldId id="281" r:id="rId36"/>
-    <p:sldId id="282" r:id="rId37"/>
-    <p:sldId id="284" r:id="rId38"/>
-    <p:sldId id="283" r:id="rId39"/>
-    <p:sldId id="285" r:id="rId40"/>
-    <p:sldId id="292" r:id="rId41"/>
-    <p:sldId id="293" r:id="rId42"/>
-    <p:sldId id="286" r:id="rId43"/>
-    <p:sldId id="287" r:id="rId44"/>
-    <p:sldId id="289" r:id="rId45"/>
-    <p:sldId id="288" r:id="rId46"/>
-    <p:sldId id="300" r:id="rId47"/>
+    <p:sldId id="312" r:id="rId14"/>
+    <p:sldId id="304" r:id="rId15"/>
+    <p:sldId id="305" r:id="rId16"/>
+    <p:sldId id="307" r:id="rId17"/>
+    <p:sldId id="306" r:id="rId18"/>
+    <p:sldId id="309" r:id="rId19"/>
+    <p:sldId id="310" r:id="rId20"/>
+    <p:sldId id="265" r:id="rId21"/>
+    <p:sldId id="277" r:id="rId22"/>
+    <p:sldId id="269" r:id="rId23"/>
+    <p:sldId id="262" r:id="rId24"/>
+    <p:sldId id="278" r:id="rId25"/>
+    <p:sldId id="270" r:id="rId26"/>
+    <p:sldId id="263" r:id="rId27"/>
+    <p:sldId id="279" r:id="rId28"/>
+    <p:sldId id="271" r:id="rId29"/>
+    <p:sldId id="264" r:id="rId30"/>
+    <p:sldId id="280" r:id="rId31"/>
+    <p:sldId id="272" r:id="rId32"/>
+    <p:sldId id="308" r:id="rId33"/>
+    <p:sldId id="314" r:id="rId34"/>
+    <p:sldId id="290" r:id="rId35"/>
+    <p:sldId id="291" r:id="rId36"/>
+    <p:sldId id="275" r:id="rId37"/>
+    <p:sldId id="281" r:id="rId38"/>
+    <p:sldId id="282" r:id="rId39"/>
+    <p:sldId id="284" r:id="rId40"/>
+    <p:sldId id="283" r:id="rId41"/>
+    <p:sldId id="285" r:id="rId42"/>
+    <p:sldId id="292" r:id="rId43"/>
+    <p:sldId id="293" r:id="rId44"/>
+    <p:sldId id="286" r:id="rId45"/>
+    <p:sldId id="287" r:id="rId46"/>
+    <p:sldId id="289" r:id="rId47"/>
+    <p:sldId id="288" r:id="rId48"/>
+    <p:sldId id="313" r:id="rId49"/>
+    <p:sldId id="300" r:id="rId50"/>
   </p:sldIdLst>
   <p:sldSz cx="9144000" cy="6858000" type="screen4x3"/>
   <p:notesSz cx="6858000" cy="9144000"/>
@@ -242,7 +245,7 @@
           <a:p>
             <a:fld id="{D3AF4CC3-573B-48A2-BA19-C88E9EEB8008}" type="datetimeFigureOut">
               <a:rPr lang="en-US" smtClean="0"/>
-              <a:t>2017-03-16</a:t>
+              <a:t>2017-03-17</a:t>
             </a:fld>
             <a:endParaRPr lang="en-US"/>
           </a:p>
@@ -659,7 +662,7 @@
           <a:p>
             <a:fld id="{377ED49E-3B52-4D1C-85F4-C21F07234187}" type="slidenum">
               <a:rPr lang="en-US" smtClean="0"/>
-              <a:t>29</a:t>
+              <a:t>30</a:t>
             </a:fld>
             <a:endParaRPr lang="en-US"/>
           </a:p>
@@ -809,7 +812,7 @@
           <a:p>
             <a:fld id="{E7395A51-B5B5-44D7-85E1-1556CCB9180F}" type="datetime1">
               <a:rPr lang="en-US" smtClean="0"/>
-              <a:t>2017-03-16</a:t>
+              <a:t>2017-03-17</a:t>
             </a:fld>
             <a:endParaRPr lang="en-US"/>
           </a:p>
@@ -979,7 +982,7 @@
           <a:p>
             <a:fld id="{BEDB066D-DA80-4992-B507-A911EFD1878C}" type="datetime1">
               <a:rPr lang="en-US" smtClean="0"/>
-              <a:t>2017-03-16</a:t>
+              <a:t>2017-03-17</a:t>
             </a:fld>
             <a:endParaRPr lang="en-US"/>
           </a:p>
@@ -1159,7 +1162,7 @@
           <a:p>
             <a:fld id="{21259CBD-682A-4ABE-AFE9-CACFF55FE875}" type="datetime1">
               <a:rPr lang="en-US" smtClean="0"/>
-              <a:t>2017-03-16</a:t>
+              <a:t>2017-03-17</a:t>
             </a:fld>
             <a:endParaRPr lang="en-US"/>
           </a:p>
@@ -1329,7 +1332,7 @@
           <a:p>
             <a:fld id="{5F76F78E-A200-421E-B0AA-A6018E81E55E}" type="datetime1">
               <a:rPr lang="en-US" smtClean="0"/>
-              <a:t>2017-03-16</a:t>
+              <a:t>2017-03-17</a:t>
             </a:fld>
             <a:endParaRPr lang="en-US"/>
           </a:p>
@@ -1573,7 +1576,7 @@
           <a:p>
             <a:fld id="{EBEC21EE-ED62-44E3-A586-FF0104F19B99}" type="datetime1">
               <a:rPr lang="en-US" smtClean="0"/>
-              <a:t>2017-03-16</a:t>
+              <a:t>2017-03-17</a:t>
             </a:fld>
             <a:endParaRPr lang="en-US"/>
           </a:p>
@@ -1805,7 +1808,7 @@
           <a:p>
             <a:fld id="{30049BC0-4C66-4CED-BC8E-7AF0BD49C9B5}" type="datetime1">
               <a:rPr lang="en-US" smtClean="0"/>
-              <a:t>2017-03-16</a:t>
+              <a:t>2017-03-17</a:t>
             </a:fld>
             <a:endParaRPr lang="en-US"/>
           </a:p>
@@ -2172,7 +2175,7 @@
           <a:p>
             <a:fld id="{C7C90E0A-53F1-4115-8AB2-2E28E481FF48}" type="datetime1">
               <a:rPr lang="en-US" smtClean="0"/>
-              <a:t>2017-03-16</a:t>
+              <a:t>2017-03-17</a:t>
             </a:fld>
             <a:endParaRPr lang="en-US"/>
           </a:p>
@@ -2290,7 +2293,7 @@
           <a:p>
             <a:fld id="{AF79CAB3-789B-4117-A859-FC7082686441}" type="datetime1">
               <a:rPr lang="en-US" smtClean="0"/>
-              <a:t>2017-03-16</a:t>
+              <a:t>2017-03-17</a:t>
             </a:fld>
             <a:endParaRPr lang="en-US"/>
           </a:p>
@@ -2385,7 +2388,7 @@
           <a:p>
             <a:fld id="{82AE2AC5-51ED-46C8-8F1B-788630EE802E}" type="datetime1">
               <a:rPr lang="en-US" smtClean="0"/>
-              <a:t>2017-03-16</a:t>
+              <a:t>2017-03-17</a:t>
             </a:fld>
             <a:endParaRPr lang="en-US"/>
           </a:p>
@@ -2662,7 +2665,7 @@
           <a:p>
             <a:fld id="{49D0F6DD-6796-44CA-AF4C-1B2A2288F444}" type="datetime1">
               <a:rPr lang="en-US" smtClean="0"/>
-              <a:t>2017-03-16</a:t>
+              <a:t>2017-03-17</a:t>
             </a:fld>
             <a:endParaRPr lang="en-US"/>
           </a:p>
@@ -2919,7 +2922,7 @@
           <a:p>
             <a:fld id="{57F6808E-F05D-421A-97B7-12B728993E3B}" type="datetime1">
               <a:rPr lang="en-US" smtClean="0"/>
-              <a:t>2017-03-16</a:t>
+              <a:t>2017-03-17</a:t>
             </a:fld>
             <a:endParaRPr lang="en-US"/>
           </a:p>
@@ -3132,7 +3135,7 @@
           <a:p>
             <a:fld id="{7B995810-2FB7-4DE8-B622-97729F9C53CB}" type="datetime1">
               <a:rPr lang="en-US" smtClean="0"/>
-              <a:t>2017-03-16</a:t>
+              <a:t>2017-03-17</a:t>
             </a:fld>
             <a:endParaRPr lang="en-US"/>
           </a:p>
@@ -4780,7 +4783,172 @@
           <a:bodyPr/>
           <a:lstStyle/>
           <a:p>
-            <a:endParaRPr lang="en-US"/>
+            <a:r>
+              <a:rPr lang="en-US" dirty="0" smtClean="0"/>
+              <a:t>Properties of array</a:t>
+            </a:r>
+          </a:p>
+          <a:p>
+            <a:r>
+              <a:rPr lang="en-US" dirty="0" smtClean="0"/>
+              <a:t>Support for mathematical operations</a:t>
+            </a:r>
+          </a:p>
+          <a:p>
+            <a:pPr lvl="1"/>
+            <a:r>
+              <a:rPr lang="en-US" dirty="0" smtClean="0">
+                <a:latin typeface="Courier New" panose="02070309020205020404" pitchFamily="49" charset="0"/>
+                <a:cs typeface="Courier New" panose="02070309020205020404" pitchFamily="49" charset="0"/>
+              </a:rPr>
+              <a:t>+</a:t>
+            </a:r>
+            <a:r>
+              <a:rPr lang="en-US" dirty="0" smtClean="0"/>
+              <a:t>, </a:t>
+            </a:r>
+            <a:r>
+              <a:rPr lang="en-US" dirty="0" smtClean="0">
+                <a:latin typeface="Courier New" panose="02070309020205020404" pitchFamily="49" charset="0"/>
+                <a:cs typeface="Courier New" panose="02070309020205020404" pitchFamily="49" charset="0"/>
+              </a:rPr>
+              <a:t>-</a:t>
+            </a:r>
+            <a:r>
+              <a:rPr lang="en-US" dirty="0" smtClean="0"/>
+              <a:t>, </a:t>
+            </a:r>
+            <a:r>
+              <a:rPr lang="en-US" dirty="0" smtClean="0">
+                <a:latin typeface="Courier New" panose="02070309020205020404" pitchFamily="49" charset="0"/>
+                <a:cs typeface="Courier New" panose="02070309020205020404" pitchFamily="49" charset="0"/>
+              </a:rPr>
+              <a:t>*</a:t>
+            </a:r>
+            <a:r>
+              <a:rPr lang="en-US" dirty="0" smtClean="0"/>
+              <a:t>, </a:t>
+            </a:r>
+            <a:r>
+              <a:rPr lang="en-US" dirty="0" smtClean="0">
+                <a:latin typeface="Courier New" panose="02070309020205020404" pitchFamily="49" charset="0"/>
+                <a:cs typeface="Courier New" panose="02070309020205020404" pitchFamily="49" charset="0"/>
+              </a:rPr>
+              <a:t>/</a:t>
+            </a:r>
+            <a:r>
+              <a:rPr lang="en-US" dirty="0" smtClean="0"/>
+              <a:t>, </a:t>
+            </a:r>
+            <a:r>
+              <a:rPr lang="en-US" dirty="0" smtClean="0">
+                <a:latin typeface="Courier New" panose="02070309020205020404" pitchFamily="49" charset="0"/>
+                <a:cs typeface="Courier New" panose="02070309020205020404" pitchFamily="49" charset="0"/>
+              </a:rPr>
+              <a:t>+=</a:t>
+            </a:r>
+            <a:r>
+              <a:rPr lang="en-US" dirty="0" smtClean="0"/>
+              <a:t>, </a:t>
+            </a:r>
+            <a:r>
+              <a:rPr lang="en-US" dirty="0" smtClean="0">
+                <a:latin typeface="Courier New" panose="02070309020205020404" pitchFamily="49" charset="0"/>
+                <a:cs typeface="Courier New" panose="02070309020205020404" pitchFamily="49" charset="0"/>
+              </a:rPr>
+              <a:t>-=</a:t>
+            </a:r>
+            <a:r>
+              <a:rPr lang="en-US" dirty="0" smtClean="0"/>
+              <a:t>, </a:t>
+            </a:r>
+            <a:r>
+              <a:rPr lang="en-US" dirty="0" smtClean="0">
+                <a:latin typeface="Courier New" panose="02070309020205020404" pitchFamily="49" charset="0"/>
+                <a:cs typeface="Courier New" panose="02070309020205020404" pitchFamily="49" charset="0"/>
+              </a:rPr>
+              <a:t>*=</a:t>
+            </a:r>
+            <a:r>
+              <a:rPr lang="en-US" dirty="0" smtClean="0"/>
+              <a:t>, </a:t>
+            </a:r>
+            <a:r>
+              <a:rPr lang="en-US" dirty="0" smtClean="0">
+                <a:latin typeface="Courier New" panose="02070309020205020404" pitchFamily="49" charset="0"/>
+                <a:cs typeface="Courier New" panose="02070309020205020404" pitchFamily="49" charset="0"/>
+              </a:rPr>
+              <a:t>/=</a:t>
+            </a:r>
+          </a:p>
+          <a:p>
+            <a:pPr lvl="1"/>
+            <a:r>
+              <a:rPr lang="en-US" dirty="0" smtClean="0"/>
+              <a:t>functions: </a:t>
+            </a:r>
+            <a:r>
+              <a:rPr lang="en-US" dirty="0" err="1" smtClean="0">
+                <a:latin typeface="Courier New" panose="02070309020205020404" pitchFamily="49" charset="0"/>
+                <a:cs typeface="Courier New" panose="02070309020205020404" pitchFamily="49" charset="0"/>
+              </a:rPr>
+              <a:t>sqrt</a:t>
+            </a:r>
+            <a:r>
+              <a:rPr lang="en-US" dirty="0" smtClean="0"/>
+              <a:t>, </a:t>
+            </a:r>
+            <a:r>
+              <a:rPr lang="en-US" dirty="0" smtClean="0">
+                <a:latin typeface="Courier New" panose="02070309020205020404" pitchFamily="49" charset="0"/>
+                <a:cs typeface="Courier New" panose="02070309020205020404" pitchFamily="49" charset="0"/>
+              </a:rPr>
+              <a:t>sin</a:t>
+            </a:r>
+            <a:r>
+              <a:rPr lang="en-US" dirty="0" smtClean="0"/>
+              <a:t>, </a:t>
+            </a:r>
+            <a:r>
+              <a:rPr lang="en-US" dirty="0" smtClean="0">
+                <a:latin typeface="Courier New" panose="02070309020205020404" pitchFamily="49" charset="0"/>
+                <a:cs typeface="Courier New" panose="02070309020205020404" pitchFamily="49" charset="0"/>
+              </a:rPr>
+              <a:t>cos</a:t>
+            </a:r>
+            <a:r>
+              <a:rPr lang="en-US" dirty="0" smtClean="0"/>
+              <a:t>, </a:t>
+            </a:r>
+            <a:r>
+              <a:rPr lang="en-US" dirty="0" smtClean="0">
+                <a:latin typeface="Courier New" panose="02070309020205020404" pitchFamily="49" charset="0"/>
+                <a:cs typeface="Courier New" panose="02070309020205020404" pitchFamily="49" charset="0"/>
+              </a:rPr>
+              <a:t>log</a:t>
+            </a:r>
+            <a:r>
+              <a:rPr lang="en-US" dirty="0" smtClean="0"/>
+              <a:t>, </a:t>
+            </a:r>
+            <a:r>
+              <a:rPr lang="en-US" dirty="0" err="1" smtClean="0">
+                <a:latin typeface="Courier New" panose="02070309020205020404" pitchFamily="49" charset="0"/>
+                <a:cs typeface="Courier New" panose="02070309020205020404" pitchFamily="49" charset="0"/>
+              </a:rPr>
+              <a:t>exp</a:t>
+            </a:r>
+            <a:r>
+              <a:rPr lang="en-US" dirty="0" smtClean="0"/>
+              <a:t>, …</a:t>
+            </a:r>
+          </a:p>
+          <a:p>
+            <a:r>
+              <a:rPr lang="en-US" dirty="0" smtClean="0"/>
+              <a:t>Implementation: STL</a:t>
+            </a:r>
+            <a:endParaRPr lang="en-US" dirty="0"/>
           </a:p>
         </p:txBody>
       </p:sp>
@@ -4861,6 +5029,471 @@
           <a:p>
             <a:r>
               <a:rPr lang="en-US" dirty="0" smtClean="0"/>
+              <a:t>Value array example</a:t>
+            </a:r>
+            <a:endParaRPr lang="en-US" dirty="0"/>
+          </a:p>
+        </p:txBody>
+      </p:sp>
+      <p:sp>
+        <p:nvSpPr>
+          <p:cNvPr id="4" name="Slide Number Placeholder 3"/>
+          <p:cNvSpPr>
+            <a:spLocks noGrp="1"/>
+          </p:cNvSpPr>
+          <p:nvPr>
+            <p:ph type="sldNum" sz="quarter" idx="12"/>
+          </p:nvPr>
+        </p:nvSpPr>
+        <p:spPr/>
+        <p:txBody>
+          <a:bodyPr/>
+          <a:lstStyle/>
+          <a:p>
+            <a:fld id="{11AD1F4E-1E51-402E-B221-310F004E7D3B}" type="slidenum">
+              <a:rPr lang="en-US" smtClean="0"/>
+              <a:t>13</a:t>
+            </a:fld>
+            <a:endParaRPr lang="en-US"/>
+          </a:p>
+        </p:txBody>
+      </p:sp>
+      <p:sp>
+        <p:nvSpPr>
+          <p:cNvPr id="5" name="TextBox 4"/>
+          <p:cNvSpPr txBox="1"/>
+          <p:nvPr/>
+        </p:nvSpPr>
+        <p:spPr>
+          <a:xfrm>
+            <a:off x="628650" y="1953400"/>
+            <a:ext cx="6979848" cy="4524315"/>
+          </a:xfrm>
+          <a:prstGeom prst="rect">
+            <a:avLst/>
+          </a:prstGeom>
+          <a:solidFill>
+            <a:schemeClr val="bg1">
+              <a:lumMod val="75000"/>
+            </a:schemeClr>
+          </a:solidFill>
+          <a:ln>
+            <a:solidFill>
+              <a:schemeClr val="tx1"/>
+            </a:solidFill>
+          </a:ln>
+        </p:spPr>
+        <p:txBody>
+          <a:bodyPr wrap="square" rtlCol="0">
+            <a:spAutoFit/>
+          </a:bodyPr>
+          <a:lstStyle/>
+          <a:p>
+            <a:r>
+              <a:rPr lang="en-US" dirty="0" smtClean="0">
+                <a:latin typeface="Courier New" panose="02070309020205020404" pitchFamily="49" charset="0"/>
+                <a:cs typeface="Courier New" panose="02070309020205020404" pitchFamily="49" charset="0"/>
+              </a:rPr>
+              <a:t>#include &lt;</a:t>
+            </a:r>
+            <a:r>
+              <a:rPr lang="en-US" dirty="0" err="1" smtClean="0">
+                <a:latin typeface="Courier New" panose="02070309020205020404" pitchFamily="49" charset="0"/>
+                <a:cs typeface="Courier New" panose="02070309020205020404" pitchFamily="49" charset="0"/>
+              </a:rPr>
+              <a:t>valarray</a:t>
+            </a:r>
+            <a:r>
+              <a:rPr lang="en-US" dirty="0" smtClean="0">
+                <a:latin typeface="Courier New" panose="02070309020205020404" pitchFamily="49" charset="0"/>
+                <a:cs typeface="Courier New" panose="02070309020205020404" pitchFamily="49" charset="0"/>
+              </a:rPr>
+              <a:t>&gt;</a:t>
+            </a:r>
+          </a:p>
+          <a:p>
+            <a:r>
+              <a:rPr lang="en-US" dirty="0" smtClean="0">
+                <a:latin typeface="Courier New" panose="02070309020205020404" pitchFamily="49" charset="0"/>
+                <a:cs typeface="Courier New" panose="02070309020205020404" pitchFamily="49" charset="0"/>
+              </a:rPr>
+              <a:t>…</a:t>
+            </a:r>
+            <a:endParaRPr lang="en-US" dirty="0" smtClean="0">
+              <a:latin typeface="Courier New" panose="02070309020205020404" pitchFamily="49" charset="0"/>
+              <a:cs typeface="Courier New" panose="02070309020205020404" pitchFamily="49" charset="0"/>
+            </a:endParaRPr>
+          </a:p>
+          <a:p>
+            <a:r>
+              <a:rPr lang="en-US" dirty="0" smtClean="0">
+                <a:latin typeface="Courier New" panose="02070309020205020404" pitchFamily="49" charset="0"/>
+                <a:cs typeface="Courier New" panose="02070309020205020404" pitchFamily="49" charset="0"/>
+              </a:rPr>
+              <a:t>    </a:t>
+            </a:r>
+            <a:r>
+              <a:rPr lang="en-US" dirty="0" err="1">
+                <a:latin typeface="Courier New" panose="02070309020205020404" pitchFamily="49" charset="0"/>
+                <a:cs typeface="Courier New" panose="02070309020205020404" pitchFamily="49" charset="0"/>
+              </a:rPr>
+              <a:t>valarray</a:t>
+            </a:r>
+            <a:r>
+              <a:rPr lang="en-US" dirty="0">
+                <a:latin typeface="Courier New" panose="02070309020205020404" pitchFamily="49" charset="0"/>
+                <a:cs typeface="Courier New" panose="02070309020205020404" pitchFamily="49" charset="0"/>
+              </a:rPr>
+              <a:t>&lt;double&gt; time(</a:t>
+            </a:r>
+            <a:r>
+              <a:rPr lang="en-US" dirty="0" err="1">
+                <a:latin typeface="Courier New" panose="02070309020205020404" pitchFamily="49" charset="0"/>
+                <a:cs typeface="Courier New" panose="02070309020205020404" pitchFamily="49" charset="0"/>
+              </a:rPr>
+              <a:t>nr_points</a:t>
+            </a:r>
+            <a:r>
+              <a:rPr lang="en-US" dirty="0">
+                <a:latin typeface="Courier New" panose="02070309020205020404" pitchFamily="49" charset="0"/>
+                <a:cs typeface="Courier New" panose="02070309020205020404" pitchFamily="49" charset="0"/>
+              </a:rPr>
+              <a:t>);</a:t>
+            </a:r>
+          </a:p>
+          <a:p>
+            <a:r>
+              <a:rPr lang="en-US" dirty="0">
+                <a:latin typeface="Courier New" panose="02070309020205020404" pitchFamily="49" charset="0"/>
+                <a:cs typeface="Courier New" panose="02070309020205020404" pitchFamily="49" charset="0"/>
+              </a:rPr>
+              <a:t>    generate(begin(time), end(time),</a:t>
+            </a:r>
+          </a:p>
+          <a:p>
+            <a:r>
+              <a:rPr lang="en-US" dirty="0">
+                <a:latin typeface="Courier New" panose="02070309020205020404" pitchFamily="49" charset="0"/>
+                <a:cs typeface="Courier New" panose="02070309020205020404" pitchFamily="49" charset="0"/>
+              </a:rPr>
+              <a:t>             [</a:t>
+            </a:r>
+            <a:r>
+              <a:rPr lang="en-US" dirty="0" err="1">
+                <a:latin typeface="Courier New" panose="02070309020205020404" pitchFamily="49" charset="0"/>
+                <a:cs typeface="Courier New" panose="02070309020205020404" pitchFamily="49" charset="0"/>
+              </a:rPr>
+              <a:t>delta_t</a:t>
+            </a:r>
+            <a:r>
+              <a:rPr lang="en-US" dirty="0">
+                <a:latin typeface="Courier New" panose="02070309020205020404" pitchFamily="49" charset="0"/>
+                <a:cs typeface="Courier New" panose="02070309020205020404" pitchFamily="49" charset="0"/>
+              </a:rPr>
+              <a:t>] () {</a:t>
+            </a:r>
+          </a:p>
+          <a:p>
+            <a:r>
+              <a:rPr lang="en-US" dirty="0">
+                <a:latin typeface="Courier New" panose="02070309020205020404" pitchFamily="49" charset="0"/>
+                <a:cs typeface="Courier New" panose="02070309020205020404" pitchFamily="49" charset="0"/>
+              </a:rPr>
+              <a:t>                 static double t {0.0};</a:t>
+            </a:r>
+          </a:p>
+          <a:p>
+            <a:r>
+              <a:rPr lang="en-US" dirty="0">
+                <a:latin typeface="Courier New" panose="02070309020205020404" pitchFamily="49" charset="0"/>
+                <a:cs typeface="Courier New" panose="02070309020205020404" pitchFamily="49" charset="0"/>
+              </a:rPr>
+              <a:t>                 auto </a:t>
+            </a:r>
+            <a:r>
+              <a:rPr lang="en-US" dirty="0" err="1">
+                <a:latin typeface="Courier New" panose="02070309020205020404" pitchFamily="49" charset="0"/>
+                <a:cs typeface="Courier New" panose="02070309020205020404" pitchFamily="49" charset="0"/>
+              </a:rPr>
+              <a:t>curr_time</a:t>
+            </a:r>
+            <a:r>
+              <a:rPr lang="en-US" dirty="0">
+                <a:latin typeface="Courier New" panose="02070309020205020404" pitchFamily="49" charset="0"/>
+                <a:cs typeface="Courier New" panose="02070309020205020404" pitchFamily="49" charset="0"/>
+              </a:rPr>
+              <a:t> = t;</a:t>
+            </a:r>
+          </a:p>
+          <a:p>
+            <a:r>
+              <a:rPr lang="en-US" dirty="0">
+                <a:latin typeface="Courier New" panose="02070309020205020404" pitchFamily="49" charset="0"/>
+                <a:cs typeface="Courier New" panose="02070309020205020404" pitchFamily="49" charset="0"/>
+              </a:rPr>
+              <a:t>                 t += </a:t>
+            </a:r>
+            <a:r>
+              <a:rPr lang="en-US" dirty="0" err="1">
+                <a:latin typeface="Courier New" panose="02070309020205020404" pitchFamily="49" charset="0"/>
+                <a:cs typeface="Courier New" panose="02070309020205020404" pitchFamily="49" charset="0"/>
+              </a:rPr>
+              <a:t>delta_t</a:t>
+            </a:r>
+            <a:r>
+              <a:rPr lang="en-US" dirty="0">
+                <a:latin typeface="Courier New" panose="02070309020205020404" pitchFamily="49" charset="0"/>
+                <a:cs typeface="Courier New" panose="02070309020205020404" pitchFamily="49" charset="0"/>
+              </a:rPr>
+              <a:t>;</a:t>
+            </a:r>
+          </a:p>
+          <a:p>
+            <a:r>
+              <a:rPr lang="en-US" dirty="0">
+                <a:latin typeface="Courier New" panose="02070309020205020404" pitchFamily="49" charset="0"/>
+                <a:cs typeface="Courier New" panose="02070309020205020404" pitchFamily="49" charset="0"/>
+              </a:rPr>
+              <a:t>                 return </a:t>
+            </a:r>
+            <a:r>
+              <a:rPr lang="en-US" dirty="0" err="1">
+                <a:latin typeface="Courier New" panose="02070309020205020404" pitchFamily="49" charset="0"/>
+                <a:cs typeface="Courier New" panose="02070309020205020404" pitchFamily="49" charset="0"/>
+              </a:rPr>
+              <a:t>curr_time</a:t>
+            </a:r>
+            <a:r>
+              <a:rPr lang="en-US" dirty="0">
+                <a:latin typeface="Courier New" panose="02070309020205020404" pitchFamily="49" charset="0"/>
+                <a:cs typeface="Courier New" panose="02070309020205020404" pitchFamily="49" charset="0"/>
+              </a:rPr>
+              <a:t>;</a:t>
+            </a:r>
+          </a:p>
+          <a:p>
+            <a:r>
+              <a:rPr lang="en-US" dirty="0">
+                <a:latin typeface="Courier New" panose="02070309020205020404" pitchFamily="49" charset="0"/>
+                <a:cs typeface="Courier New" panose="02070309020205020404" pitchFamily="49" charset="0"/>
+              </a:rPr>
+              <a:t>            }); </a:t>
+            </a:r>
+          </a:p>
+          <a:p>
+            <a:r>
+              <a:rPr lang="en-US" dirty="0">
+                <a:latin typeface="Courier New" panose="02070309020205020404" pitchFamily="49" charset="0"/>
+                <a:cs typeface="Courier New" panose="02070309020205020404" pitchFamily="49" charset="0"/>
+              </a:rPr>
+              <a:t>    </a:t>
+            </a:r>
+            <a:r>
+              <a:rPr lang="en-US" dirty="0" err="1">
+                <a:latin typeface="Courier New" panose="02070309020205020404" pitchFamily="49" charset="0"/>
+                <a:cs typeface="Courier New" panose="02070309020205020404" pitchFamily="49" charset="0"/>
+              </a:rPr>
+              <a:t>valarray</a:t>
+            </a:r>
+            <a:r>
+              <a:rPr lang="en-US" dirty="0">
+                <a:latin typeface="Courier New" panose="02070309020205020404" pitchFamily="49" charset="0"/>
+                <a:cs typeface="Courier New" panose="02070309020205020404" pitchFamily="49" charset="0"/>
+              </a:rPr>
+              <a:t>&lt;double&gt; signal(0.0, </a:t>
+            </a:r>
+            <a:r>
+              <a:rPr lang="en-US" dirty="0" err="1">
+                <a:latin typeface="Courier New" panose="02070309020205020404" pitchFamily="49" charset="0"/>
+                <a:cs typeface="Courier New" panose="02070309020205020404" pitchFamily="49" charset="0"/>
+              </a:rPr>
+              <a:t>nr_points</a:t>
+            </a:r>
+            <a:r>
+              <a:rPr lang="en-US" dirty="0">
+                <a:latin typeface="Courier New" panose="02070309020205020404" pitchFamily="49" charset="0"/>
+                <a:cs typeface="Courier New" panose="02070309020205020404" pitchFamily="49" charset="0"/>
+              </a:rPr>
+              <a:t>);</a:t>
+            </a:r>
+          </a:p>
+          <a:p>
+            <a:r>
+              <a:rPr lang="en-US" dirty="0">
+                <a:latin typeface="Courier New" panose="02070309020205020404" pitchFamily="49" charset="0"/>
+                <a:cs typeface="Courier New" panose="02070309020205020404" pitchFamily="49" charset="0"/>
+              </a:rPr>
+              <a:t>    for (auto wave: waves) {</a:t>
+            </a:r>
+          </a:p>
+          <a:p>
+            <a:r>
+              <a:rPr lang="en-US" dirty="0">
+                <a:latin typeface="Courier New" panose="02070309020205020404" pitchFamily="49" charset="0"/>
+                <a:cs typeface="Courier New" panose="02070309020205020404" pitchFamily="49" charset="0"/>
+              </a:rPr>
+              <a:t>        auto </a:t>
+            </a:r>
+            <a:r>
+              <a:rPr lang="en-US" dirty="0" err="1">
+                <a:latin typeface="Courier New" panose="02070309020205020404" pitchFamily="49" charset="0"/>
+                <a:cs typeface="Courier New" panose="02070309020205020404" pitchFamily="49" charset="0"/>
+              </a:rPr>
+              <a:t>freq</a:t>
+            </a:r>
+            <a:r>
+              <a:rPr lang="en-US" dirty="0">
+                <a:latin typeface="Courier New" panose="02070309020205020404" pitchFamily="49" charset="0"/>
+                <a:cs typeface="Courier New" panose="02070309020205020404" pitchFamily="49" charset="0"/>
+              </a:rPr>
+              <a:t> = </a:t>
+            </a:r>
+            <a:r>
+              <a:rPr lang="en-US" dirty="0" err="1">
+                <a:latin typeface="Courier New" panose="02070309020205020404" pitchFamily="49" charset="0"/>
+                <a:cs typeface="Courier New" panose="02070309020205020404" pitchFamily="49" charset="0"/>
+              </a:rPr>
+              <a:t>wave.first</a:t>
+            </a:r>
+            <a:r>
+              <a:rPr lang="en-US" dirty="0">
+                <a:latin typeface="Courier New" panose="02070309020205020404" pitchFamily="49" charset="0"/>
+                <a:cs typeface="Courier New" panose="02070309020205020404" pitchFamily="49" charset="0"/>
+              </a:rPr>
+              <a:t>;</a:t>
+            </a:r>
+          </a:p>
+          <a:p>
+            <a:r>
+              <a:rPr lang="en-US" dirty="0">
+                <a:latin typeface="Courier New" panose="02070309020205020404" pitchFamily="49" charset="0"/>
+                <a:cs typeface="Courier New" panose="02070309020205020404" pitchFamily="49" charset="0"/>
+              </a:rPr>
+              <a:t>        auto phase = </a:t>
+            </a:r>
+            <a:r>
+              <a:rPr lang="en-US" dirty="0" err="1">
+                <a:latin typeface="Courier New" panose="02070309020205020404" pitchFamily="49" charset="0"/>
+                <a:cs typeface="Courier New" panose="02070309020205020404" pitchFamily="49" charset="0"/>
+              </a:rPr>
+              <a:t>wave.second</a:t>
+            </a:r>
+            <a:r>
+              <a:rPr lang="en-US" dirty="0">
+                <a:latin typeface="Courier New" panose="02070309020205020404" pitchFamily="49" charset="0"/>
+                <a:cs typeface="Courier New" panose="02070309020205020404" pitchFamily="49" charset="0"/>
+              </a:rPr>
+              <a:t>;</a:t>
+            </a:r>
+          </a:p>
+          <a:p>
+            <a:r>
+              <a:rPr lang="en-US" dirty="0">
+                <a:latin typeface="Courier New" panose="02070309020205020404" pitchFamily="49" charset="0"/>
+                <a:cs typeface="Courier New" panose="02070309020205020404" pitchFamily="49" charset="0"/>
+              </a:rPr>
+              <a:t>        </a:t>
+            </a:r>
+            <a:r>
+              <a:rPr lang="en-US" b="1" dirty="0">
+                <a:solidFill>
+                  <a:srgbClr val="C00000"/>
+                </a:solidFill>
+                <a:latin typeface="Courier New" panose="02070309020205020404" pitchFamily="49" charset="0"/>
+                <a:cs typeface="Courier New" panose="02070309020205020404" pitchFamily="49" charset="0"/>
+              </a:rPr>
+              <a:t>signal += cos(2.0*pi*</a:t>
+            </a:r>
+            <a:r>
+              <a:rPr lang="en-US" b="1" dirty="0" err="1">
+                <a:solidFill>
+                  <a:srgbClr val="C00000"/>
+                </a:solidFill>
+                <a:latin typeface="Courier New" panose="02070309020205020404" pitchFamily="49" charset="0"/>
+                <a:cs typeface="Courier New" panose="02070309020205020404" pitchFamily="49" charset="0"/>
+              </a:rPr>
+              <a:t>freq</a:t>
+            </a:r>
+            <a:r>
+              <a:rPr lang="en-US" b="1" dirty="0">
+                <a:solidFill>
+                  <a:srgbClr val="C00000"/>
+                </a:solidFill>
+                <a:latin typeface="Courier New" panose="02070309020205020404" pitchFamily="49" charset="0"/>
+                <a:cs typeface="Courier New" panose="02070309020205020404" pitchFamily="49" charset="0"/>
+              </a:rPr>
+              <a:t>*time + phase)</a:t>
+            </a:r>
+            <a:r>
+              <a:rPr lang="en-US" dirty="0">
+                <a:latin typeface="Courier New" panose="02070309020205020404" pitchFamily="49" charset="0"/>
+                <a:cs typeface="Courier New" panose="02070309020205020404" pitchFamily="49" charset="0"/>
+              </a:rPr>
+              <a:t>;</a:t>
+            </a:r>
+          </a:p>
+          <a:p>
+            <a:r>
+              <a:rPr lang="en-US" dirty="0">
+                <a:latin typeface="Courier New" panose="02070309020205020404" pitchFamily="49" charset="0"/>
+                <a:cs typeface="Courier New" panose="02070309020205020404" pitchFamily="49" charset="0"/>
+              </a:rPr>
+              <a:t>    }</a:t>
+            </a:r>
+            <a:endParaRPr lang="en-US" dirty="0" smtClean="0">
+              <a:latin typeface="Courier New" panose="02070309020205020404" pitchFamily="49" charset="0"/>
+              <a:cs typeface="Courier New" panose="02070309020205020404" pitchFamily="49" charset="0"/>
+            </a:endParaRPr>
+          </a:p>
+        </p:txBody>
+      </p:sp>
+    </p:spTree>
+    <p:extLst>
+      <p:ext uri="{BB962C8B-B14F-4D97-AF65-F5344CB8AC3E}">
+        <p14:creationId xmlns:p14="http://schemas.microsoft.com/office/powerpoint/2010/main" val="737269106"/>
+      </p:ext>
+    </p:extLst>
+  </p:cSld>
+  <p:clrMapOvr>
+    <a:masterClrMapping/>
+  </p:clrMapOvr>
+</p:sld>
+</file>
+
+<file path=ppt/slides/slide14.xml><?xml version="1.0" encoding="utf-8"?>
+<p:sld xmlns:a="http://schemas.openxmlformats.org/drawingml/2006/main" xmlns:r="http://schemas.openxmlformats.org/officeDocument/2006/relationships" xmlns:p="http://schemas.openxmlformats.org/presentationml/2006/main">
+  <p:cSld>
+    <p:spTree>
+      <p:nvGrpSpPr>
+        <p:cNvPr id="1" name=""/>
+        <p:cNvGrpSpPr/>
+        <p:nvPr/>
+      </p:nvGrpSpPr>
+      <p:grpSpPr>
+        <a:xfrm>
+          <a:off x="0" y="0"/>
+          <a:ext cx="0" cy="0"/>
+          <a:chOff x="0" y="0"/>
+          <a:chExt cx="0" cy="0"/>
+        </a:xfrm>
+      </p:grpSpPr>
+      <p:sp>
+        <p:nvSpPr>
+          <p:cNvPr id="2" name="Title 1"/>
+          <p:cNvSpPr>
+            <a:spLocks noGrp="1"/>
+          </p:cNvSpPr>
+          <p:nvPr>
+            <p:ph type="title"/>
+          </p:nvPr>
+        </p:nvSpPr>
+        <p:spPr/>
+        <p:txBody>
+          <a:bodyPr/>
+          <a:lstStyle/>
+          <a:p>
+            <a:r>
+              <a:rPr lang="en-US" dirty="0" smtClean="0"/>
               <a:t>Vector</a:t>
             </a:r>
             <a:endParaRPr lang="en-US" dirty="0"/>
@@ -4941,7 +5574,11 @@
           <a:p>
             <a:r>
               <a:rPr lang="en-US" dirty="0" smtClean="0"/>
-              <a:t>Implementations: STL</a:t>
+              <a:t>Implementation: </a:t>
+            </a:r>
+            <a:r>
+              <a:rPr lang="en-US" dirty="0" smtClean="0"/>
+              <a:t>STL</a:t>
             </a:r>
           </a:p>
           <a:p>
@@ -4986,7 +5623,7 @@
             <a:graphicData uri="http://schemas.openxmlformats.org/presentationml/2006/ole">
               <mc:AlternateContent xmlns:mc="http://schemas.openxmlformats.org/markup-compatibility/2006">
                 <mc:Choice xmlns:v="urn:schemas-microsoft-com:vml" Requires="v">
-                  <p:oleObj spid="_x0000_s11281" name="Equation" r:id="rId3" imgW="419040" imgH="203040" progId="Equation.3">
+                  <p:oleObj spid="_x0000_s11289" name="Equation" r:id="rId3" imgW="419040" imgH="203040" progId="Equation.3">
                     <p:embed/>
                   </p:oleObj>
                 </mc:Choice>
@@ -5078,7 +5715,7 @@
           <a:p>
             <a:fld id="{11AD1F4E-1E51-402E-B221-310F004E7D3B}" type="slidenum">
               <a:rPr lang="en-US" smtClean="0"/>
-              <a:t>13</a:t>
+              <a:t>14</a:t>
             </a:fld>
             <a:endParaRPr lang="en-US"/>
           </a:p>
@@ -6198,7 +6835,7 @@
 </p:sld>
 </file>
 
-<file path=ppt/slides/slide14.xml><?xml version="1.0" encoding="utf-8"?>
+<file path=ppt/slides/slide15.xml><?xml version="1.0" encoding="utf-8"?>
 <p:sld xmlns:a="http://schemas.openxmlformats.org/drawingml/2006/main" xmlns:r="http://schemas.openxmlformats.org/officeDocument/2006/relationships" xmlns:p="http://schemas.openxmlformats.org/presentationml/2006/main">
   <p:cSld>
     <p:spTree>
@@ -6328,7 +6965,7 @@
           <a:p>
             <a:fld id="{11AD1F4E-1E51-402E-B221-310F004E7D3B}" type="slidenum">
               <a:rPr lang="en-US" smtClean="0"/>
-              <a:t>14</a:t>
+              <a:t>15</a:t>
             </a:fld>
             <a:endParaRPr lang="en-US"/>
           </a:p>
@@ -6680,7 +7317,7 @@
 </p:sld>
 </file>
 
-<file path=ppt/slides/slide15.xml><?xml version="1.0" encoding="utf-8"?>
+<file path=ppt/slides/slide16.xml><?xml version="1.0" encoding="utf-8"?>
 <p:sld xmlns:a="http://schemas.openxmlformats.org/drawingml/2006/main" xmlns:r="http://schemas.openxmlformats.org/officeDocument/2006/relationships" xmlns:p="http://schemas.openxmlformats.org/presentationml/2006/main">
   <p:cSld>
     <p:spTree>
@@ -6741,7 +7378,7 @@
           <a:p>
             <a:fld id="{11AD1F4E-1E51-402E-B221-310F004E7D3B}" type="slidenum">
               <a:rPr lang="en-US" smtClean="0"/>
-              <a:t>15</a:t>
+              <a:t>16</a:t>
             </a:fld>
             <a:endParaRPr lang="en-US"/>
           </a:p>
@@ -6947,603 +7584,6 @@
     <p:extLst>
       <p:ext uri="{BB962C8B-B14F-4D97-AF65-F5344CB8AC3E}">
         <p14:creationId xmlns:p14="http://schemas.microsoft.com/office/powerpoint/2010/main" val="687327569"/>
-      </p:ext>
-    </p:extLst>
-  </p:cSld>
-  <p:clrMapOvr>
-    <a:masterClrMapping/>
-  </p:clrMapOvr>
-  <p:timing>
-    <p:tnLst>
-      <p:par>
-        <p:cTn id="1" dur="indefinite" restart="never" nodeType="tmRoot"/>
-      </p:par>
-    </p:tnLst>
-  </p:timing>
-</p:sld>
-</file>
-
-<file path=ppt/slides/slide16.xml><?xml version="1.0" encoding="utf-8"?>
-<p:sld xmlns:a="http://schemas.openxmlformats.org/drawingml/2006/main" xmlns:r="http://schemas.openxmlformats.org/officeDocument/2006/relationships" xmlns:p="http://schemas.openxmlformats.org/presentationml/2006/main">
-  <p:cSld>
-    <p:spTree>
-      <p:nvGrpSpPr>
-        <p:cNvPr id="1" name=""/>
-        <p:cNvGrpSpPr/>
-        <p:nvPr/>
-      </p:nvGrpSpPr>
-      <p:grpSpPr>
-        <a:xfrm>
-          <a:off x="0" y="0"/>
-          <a:ext cx="0" cy="0"/>
-          <a:chOff x="0" y="0"/>
-          <a:chExt cx="0" cy="0"/>
-        </a:xfrm>
-      </p:grpSpPr>
-      <p:sp>
-        <p:nvSpPr>
-          <p:cNvPr id="2" name="Title 1"/>
-          <p:cNvSpPr>
-            <a:spLocks noGrp="1"/>
-          </p:cNvSpPr>
-          <p:nvPr>
-            <p:ph type="title"/>
-          </p:nvPr>
-        </p:nvSpPr>
-        <p:spPr/>
-        <p:txBody>
-          <a:bodyPr/>
-          <a:lstStyle/>
-          <a:p>
-            <a:r>
-              <a:rPr lang="en-US" dirty="0" smtClean="0"/>
-              <a:t>Vector examples</a:t>
-            </a:r>
-            <a:endParaRPr lang="en-US" dirty="0"/>
-          </a:p>
-        </p:txBody>
-      </p:sp>
-      <p:sp>
-        <p:nvSpPr>
-          <p:cNvPr id="4" name="Slide Number Placeholder 3"/>
-          <p:cNvSpPr>
-            <a:spLocks noGrp="1"/>
-          </p:cNvSpPr>
-          <p:nvPr>
-            <p:ph type="sldNum" sz="quarter" idx="12"/>
-          </p:nvPr>
-        </p:nvSpPr>
-        <p:spPr>
-          <a:solidFill>
-            <a:schemeClr val="bg1"/>
-          </a:solidFill>
-        </p:spPr>
-        <p:txBody>
-          <a:bodyPr/>
-          <a:lstStyle/>
-          <a:p>
-            <a:fld id="{11AD1F4E-1E51-402E-B221-310F004E7D3B}" type="slidenum">
-              <a:rPr lang="en-US" smtClean="0"/>
-              <a:t>16</a:t>
-            </a:fld>
-            <a:endParaRPr lang="en-US"/>
-          </a:p>
-        </p:txBody>
-      </p:sp>
-      <p:sp>
-        <p:nvSpPr>
-          <p:cNvPr id="7" name="TextBox 6"/>
-          <p:cNvSpPr txBox="1"/>
-          <p:nvPr/>
-        </p:nvSpPr>
-        <p:spPr>
-          <a:xfrm>
-            <a:off x="628649" y="1953400"/>
-            <a:ext cx="7486651" cy="4247317"/>
-          </a:xfrm>
-          <a:prstGeom prst="rect">
-            <a:avLst/>
-          </a:prstGeom>
-          <a:solidFill>
-            <a:schemeClr val="bg1">
-              <a:lumMod val="75000"/>
-            </a:schemeClr>
-          </a:solidFill>
-          <a:ln>
-            <a:solidFill>
-              <a:schemeClr val="tx1"/>
-            </a:solidFill>
-          </a:ln>
-        </p:spPr>
-        <p:txBody>
-          <a:bodyPr wrap="square" rtlCol="0">
-            <a:spAutoFit/>
-          </a:bodyPr>
-          <a:lstStyle/>
-          <a:p>
-            <a:r>
-              <a:rPr lang="en-US" dirty="0" smtClean="0">
-                <a:latin typeface="Courier New" panose="02070309020205020404" pitchFamily="49" charset="0"/>
-                <a:cs typeface="Courier New" panose="02070309020205020404" pitchFamily="49" charset="0"/>
-              </a:rPr>
-              <a:t>#include &lt;algorithm&gt;</a:t>
-            </a:r>
-          </a:p>
-          <a:p>
-            <a:r>
-              <a:rPr lang="en-US" dirty="0" smtClean="0">
-                <a:latin typeface="Courier New" panose="02070309020205020404" pitchFamily="49" charset="0"/>
-                <a:cs typeface="Courier New" panose="02070309020205020404" pitchFamily="49" charset="0"/>
-              </a:rPr>
-              <a:t>…</a:t>
-            </a:r>
-          </a:p>
-          <a:p>
-            <a:r>
-              <a:rPr lang="en-US" dirty="0">
-                <a:latin typeface="Courier New" panose="02070309020205020404" pitchFamily="49" charset="0"/>
-                <a:cs typeface="Courier New" panose="02070309020205020404" pitchFamily="49" charset="0"/>
-              </a:rPr>
-              <a:t>Stats </a:t>
-            </a:r>
-            <a:r>
-              <a:rPr lang="en-US" dirty="0" err="1">
-                <a:latin typeface="Courier New" panose="02070309020205020404" pitchFamily="49" charset="0"/>
-                <a:cs typeface="Courier New" panose="02070309020205020404" pitchFamily="49" charset="0"/>
-              </a:rPr>
-              <a:t>compute_stats</a:t>
-            </a:r>
-            <a:r>
-              <a:rPr lang="en-US" dirty="0">
-                <a:latin typeface="Courier New" panose="02070309020205020404" pitchFamily="49" charset="0"/>
-                <a:cs typeface="Courier New" panose="02070309020205020404" pitchFamily="49" charset="0"/>
-              </a:rPr>
-              <a:t>(vector&lt;double&gt; data) {</a:t>
-            </a:r>
-          </a:p>
-          <a:p>
-            <a:r>
-              <a:rPr lang="en-US" dirty="0">
-                <a:latin typeface="Courier New" panose="02070309020205020404" pitchFamily="49" charset="0"/>
-                <a:cs typeface="Courier New" panose="02070309020205020404" pitchFamily="49" charset="0"/>
-              </a:rPr>
-              <a:t>    </a:t>
-            </a:r>
-            <a:r>
-              <a:rPr lang="en-US" dirty="0" err="1">
-                <a:latin typeface="Courier New" panose="02070309020205020404" pitchFamily="49" charset="0"/>
-                <a:cs typeface="Courier New" panose="02070309020205020404" pitchFamily="49" charset="0"/>
-              </a:rPr>
-              <a:t>int</a:t>
-            </a:r>
-            <a:r>
-              <a:rPr lang="en-US" dirty="0">
-                <a:latin typeface="Courier New" panose="02070309020205020404" pitchFamily="49" charset="0"/>
-                <a:cs typeface="Courier New" panose="02070309020205020404" pitchFamily="49" charset="0"/>
-              </a:rPr>
-              <a:t> n = </a:t>
-            </a:r>
-            <a:r>
-              <a:rPr lang="en-US" dirty="0" err="1">
-                <a:latin typeface="Courier New" panose="02070309020205020404" pitchFamily="49" charset="0"/>
-                <a:cs typeface="Courier New" panose="02070309020205020404" pitchFamily="49" charset="0"/>
-              </a:rPr>
-              <a:t>data.</a:t>
-            </a:r>
-            <a:r>
-              <a:rPr lang="en-US" b="1" dirty="0" err="1">
-                <a:solidFill>
-                  <a:srgbClr val="C00000"/>
-                </a:solidFill>
-                <a:latin typeface="Courier New" panose="02070309020205020404" pitchFamily="49" charset="0"/>
-                <a:cs typeface="Courier New" panose="02070309020205020404" pitchFamily="49" charset="0"/>
-              </a:rPr>
-              <a:t>size</a:t>
-            </a:r>
-            <a:r>
-              <a:rPr lang="en-US" b="1" dirty="0">
-                <a:solidFill>
-                  <a:srgbClr val="C00000"/>
-                </a:solidFill>
-                <a:latin typeface="Courier New" panose="02070309020205020404" pitchFamily="49" charset="0"/>
-                <a:cs typeface="Courier New" panose="02070309020205020404" pitchFamily="49" charset="0"/>
-              </a:rPr>
-              <a:t>()</a:t>
-            </a:r>
-            <a:r>
-              <a:rPr lang="en-US" dirty="0">
-                <a:latin typeface="Courier New" panose="02070309020205020404" pitchFamily="49" charset="0"/>
-                <a:cs typeface="Courier New" panose="02070309020205020404" pitchFamily="49" charset="0"/>
-              </a:rPr>
-              <a:t>;</a:t>
-            </a:r>
-          </a:p>
-          <a:p>
-            <a:r>
-              <a:rPr lang="en-US" dirty="0">
-                <a:latin typeface="Courier New" panose="02070309020205020404" pitchFamily="49" charset="0"/>
-                <a:cs typeface="Courier New" panose="02070309020205020404" pitchFamily="49" charset="0"/>
-              </a:rPr>
-              <a:t>    double sum {0.0};</a:t>
-            </a:r>
-          </a:p>
-          <a:p>
-            <a:r>
-              <a:rPr lang="en-US" dirty="0" smtClean="0">
-                <a:latin typeface="Courier New" panose="02070309020205020404" pitchFamily="49" charset="0"/>
-                <a:cs typeface="Courier New" panose="02070309020205020404" pitchFamily="49" charset="0"/>
-              </a:rPr>
-              <a:t>    for </a:t>
-            </a:r>
-            <a:r>
-              <a:rPr lang="en-US" dirty="0">
-                <a:latin typeface="Courier New" panose="02070309020205020404" pitchFamily="49" charset="0"/>
-                <a:cs typeface="Courier New" panose="02070309020205020404" pitchFamily="49" charset="0"/>
-              </a:rPr>
-              <a:t>(</a:t>
-            </a:r>
-            <a:r>
-              <a:rPr lang="en-US" b="1" dirty="0">
-                <a:solidFill>
-                  <a:srgbClr val="C00000"/>
-                </a:solidFill>
-                <a:latin typeface="Courier New" panose="02070309020205020404" pitchFamily="49" charset="0"/>
-                <a:cs typeface="Courier New" panose="02070309020205020404" pitchFamily="49" charset="0"/>
-              </a:rPr>
-              <a:t>double item: data</a:t>
-            </a:r>
-            <a:r>
-              <a:rPr lang="en-US" dirty="0" smtClean="0">
-                <a:latin typeface="Courier New" panose="02070309020205020404" pitchFamily="49" charset="0"/>
-                <a:cs typeface="Courier New" panose="02070309020205020404" pitchFamily="49" charset="0"/>
-              </a:rPr>
-              <a:t>)</a:t>
-            </a:r>
-            <a:endParaRPr lang="en-US" dirty="0">
-              <a:latin typeface="Courier New" panose="02070309020205020404" pitchFamily="49" charset="0"/>
-              <a:cs typeface="Courier New" panose="02070309020205020404" pitchFamily="49" charset="0"/>
-            </a:endParaRPr>
-          </a:p>
-          <a:p>
-            <a:r>
-              <a:rPr lang="en-US" dirty="0">
-                <a:latin typeface="Courier New" panose="02070309020205020404" pitchFamily="49" charset="0"/>
-                <a:cs typeface="Courier New" panose="02070309020205020404" pitchFamily="49" charset="0"/>
-              </a:rPr>
-              <a:t>        sum += item;</a:t>
-            </a:r>
-          </a:p>
-          <a:p>
-            <a:r>
-              <a:rPr lang="en-US" dirty="0" smtClean="0">
-                <a:latin typeface="Courier New" panose="02070309020205020404" pitchFamily="49" charset="0"/>
-                <a:cs typeface="Courier New" panose="02070309020205020404" pitchFamily="49" charset="0"/>
-              </a:rPr>
-              <a:t>    Stats </a:t>
-            </a:r>
-            <a:r>
-              <a:rPr lang="en-US" dirty="0" err="1">
-                <a:latin typeface="Courier New" panose="02070309020205020404" pitchFamily="49" charset="0"/>
-                <a:cs typeface="Courier New" panose="02070309020205020404" pitchFamily="49" charset="0"/>
-              </a:rPr>
-              <a:t>stats</a:t>
-            </a:r>
-            <a:r>
-              <a:rPr lang="en-US" dirty="0">
-                <a:latin typeface="Courier New" panose="02070309020205020404" pitchFamily="49" charset="0"/>
-                <a:cs typeface="Courier New" panose="02070309020205020404" pitchFamily="49" charset="0"/>
-              </a:rPr>
-              <a:t>;</a:t>
-            </a:r>
-          </a:p>
-          <a:p>
-            <a:r>
-              <a:rPr lang="en-US" dirty="0">
-                <a:latin typeface="Courier New" panose="02070309020205020404" pitchFamily="49" charset="0"/>
-                <a:cs typeface="Courier New" panose="02070309020205020404" pitchFamily="49" charset="0"/>
-              </a:rPr>
-              <a:t>    </a:t>
-            </a:r>
-            <a:r>
-              <a:rPr lang="en-US" dirty="0" err="1">
-                <a:latin typeface="Courier New" panose="02070309020205020404" pitchFamily="49" charset="0"/>
-                <a:cs typeface="Courier New" panose="02070309020205020404" pitchFamily="49" charset="0"/>
-              </a:rPr>
-              <a:t>stats.mean</a:t>
-            </a:r>
-            <a:r>
-              <a:rPr lang="en-US" dirty="0">
-                <a:latin typeface="Courier New" panose="02070309020205020404" pitchFamily="49" charset="0"/>
-                <a:cs typeface="Courier New" panose="02070309020205020404" pitchFamily="49" charset="0"/>
-              </a:rPr>
-              <a:t> = sum/n;</a:t>
-            </a:r>
-          </a:p>
-          <a:p>
-            <a:r>
-              <a:rPr lang="en-US" dirty="0" smtClean="0">
-                <a:latin typeface="Courier New" panose="02070309020205020404" pitchFamily="49" charset="0"/>
-                <a:cs typeface="Courier New" panose="02070309020205020404" pitchFamily="49" charset="0"/>
-              </a:rPr>
-              <a:t>    </a:t>
-            </a:r>
-            <a:r>
-              <a:rPr lang="en-US" b="1" dirty="0" smtClean="0">
-                <a:solidFill>
-                  <a:srgbClr val="C00000"/>
-                </a:solidFill>
-                <a:latin typeface="Courier New" panose="02070309020205020404" pitchFamily="49" charset="0"/>
-                <a:cs typeface="Courier New" panose="02070309020205020404" pitchFamily="49" charset="0"/>
-              </a:rPr>
-              <a:t>sort</a:t>
-            </a:r>
-            <a:r>
-              <a:rPr lang="en-US" dirty="0" smtClean="0">
-                <a:latin typeface="Courier New" panose="02070309020205020404" pitchFamily="49" charset="0"/>
-                <a:cs typeface="Courier New" panose="02070309020205020404" pitchFamily="49" charset="0"/>
-              </a:rPr>
-              <a:t>(</a:t>
-            </a:r>
-            <a:r>
-              <a:rPr lang="en-US" dirty="0" err="1" smtClean="0">
-                <a:latin typeface="Courier New" panose="02070309020205020404" pitchFamily="49" charset="0"/>
-                <a:cs typeface="Courier New" panose="02070309020205020404" pitchFamily="49" charset="0"/>
-              </a:rPr>
-              <a:t>data.</a:t>
-            </a:r>
-            <a:r>
-              <a:rPr lang="en-US" b="1" dirty="0" err="1" smtClean="0">
-                <a:solidFill>
-                  <a:srgbClr val="C00000"/>
-                </a:solidFill>
-                <a:latin typeface="Courier New" panose="02070309020205020404" pitchFamily="49" charset="0"/>
-                <a:cs typeface="Courier New" panose="02070309020205020404" pitchFamily="49" charset="0"/>
-              </a:rPr>
-              <a:t>begin</a:t>
-            </a:r>
-            <a:r>
-              <a:rPr lang="en-US" b="1" dirty="0">
-                <a:solidFill>
-                  <a:srgbClr val="C00000"/>
-                </a:solidFill>
-                <a:latin typeface="Courier New" panose="02070309020205020404" pitchFamily="49" charset="0"/>
-                <a:cs typeface="Courier New" panose="02070309020205020404" pitchFamily="49" charset="0"/>
-              </a:rPr>
-              <a:t>()</a:t>
-            </a:r>
-            <a:r>
-              <a:rPr lang="en-US" dirty="0">
-                <a:latin typeface="Courier New" panose="02070309020205020404" pitchFamily="49" charset="0"/>
-                <a:cs typeface="Courier New" panose="02070309020205020404" pitchFamily="49" charset="0"/>
-              </a:rPr>
-              <a:t>, </a:t>
-            </a:r>
-            <a:r>
-              <a:rPr lang="en-US" dirty="0" err="1">
-                <a:latin typeface="Courier New" panose="02070309020205020404" pitchFamily="49" charset="0"/>
-                <a:cs typeface="Courier New" panose="02070309020205020404" pitchFamily="49" charset="0"/>
-              </a:rPr>
-              <a:t>data</a:t>
-            </a:r>
-            <a:r>
-              <a:rPr lang="en-US" b="1" dirty="0" err="1">
-                <a:solidFill>
-                  <a:srgbClr val="C00000"/>
-                </a:solidFill>
-                <a:latin typeface="Courier New" panose="02070309020205020404" pitchFamily="49" charset="0"/>
-                <a:cs typeface="Courier New" panose="02070309020205020404" pitchFamily="49" charset="0"/>
-              </a:rPr>
-              <a:t>.end</a:t>
-            </a:r>
-            <a:r>
-              <a:rPr lang="en-US" b="1" dirty="0">
-                <a:solidFill>
-                  <a:srgbClr val="C00000"/>
-                </a:solidFill>
-                <a:latin typeface="Courier New" panose="02070309020205020404" pitchFamily="49" charset="0"/>
-                <a:cs typeface="Courier New" panose="02070309020205020404" pitchFamily="49" charset="0"/>
-              </a:rPr>
-              <a:t>()</a:t>
-            </a:r>
-            <a:r>
-              <a:rPr lang="en-US" dirty="0">
-                <a:latin typeface="Courier New" panose="02070309020205020404" pitchFamily="49" charset="0"/>
-                <a:cs typeface="Courier New" panose="02070309020205020404" pitchFamily="49" charset="0"/>
-              </a:rPr>
-              <a:t>);</a:t>
-            </a:r>
-          </a:p>
-          <a:p>
-            <a:r>
-              <a:rPr lang="en-US" dirty="0">
-                <a:latin typeface="Courier New" panose="02070309020205020404" pitchFamily="49" charset="0"/>
-                <a:cs typeface="Courier New" panose="02070309020205020404" pitchFamily="49" charset="0"/>
-              </a:rPr>
-              <a:t>    </a:t>
-            </a:r>
-            <a:r>
-              <a:rPr lang="en-US" dirty="0" err="1">
-                <a:latin typeface="Courier New" panose="02070309020205020404" pitchFamily="49" charset="0"/>
-                <a:cs typeface="Courier New" panose="02070309020205020404" pitchFamily="49" charset="0"/>
-              </a:rPr>
-              <a:t>int</a:t>
-            </a:r>
-            <a:r>
-              <a:rPr lang="en-US" dirty="0">
-                <a:latin typeface="Courier New" panose="02070309020205020404" pitchFamily="49" charset="0"/>
-                <a:cs typeface="Courier New" panose="02070309020205020404" pitchFamily="49" charset="0"/>
-              </a:rPr>
-              <a:t> middle {n/2};</a:t>
-            </a:r>
-          </a:p>
-          <a:p>
-            <a:r>
-              <a:rPr lang="en-US" dirty="0">
-                <a:latin typeface="Courier New" panose="02070309020205020404" pitchFamily="49" charset="0"/>
-                <a:cs typeface="Courier New" panose="02070309020205020404" pitchFamily="49" charset="0"/>
-              </a:rPr>
-              <a:t>    </a:t>
-            </a:r>
-            <a:r>
-              <a:rPr lang="en-US" dirty="0" err="1">
-                <a:latin typeface="Courier New" panose="02070309020205020404" pitchFamily="49" charset="0"/>
-                <a:cs typeface="Courier New" panose="02070309020205020404" pitchFamily="49" charset="0"/>
-              </a:rPr>
-              <a:t>stats.median</a:t>
-            </a:r>
-            <a:r>
-              <a:rPr lang="en-US" dirty="0">
-                <a:latin typeface="Courier New" panose="02070309020205020404" pitchFamily="49" charset="0"/>
-                <a:cs typeface="Courier New" panose="02070309020205020404" pitchFamily="49" charset="0"/>
-              </a:rPr>
-              <a:t> = n % 2 == 1 ? data.at(middle) :</a:t>
-            </a:r>
-          </a:p>
-          <a:p>
-            <a:r>
-              <a:rPr lang="en-US" dirty="0">
-                <a:latin typeface="Courier New" panose="02070309020205020404" pitchFamily="49" charset="0"/>
-                <a:cs typeface="Courier New" panose="02070309020205020404" pitchFamily="49" charset="0"/>
-              </a:rPr>
-              <a:t>        (data.</a:t>
-            </a:r>
-            <a:r>
-              <a:rPr lang="en-US" b="1" dirty="0">
-                <a:solidFill>
-                  <a:srgbClr val="C00000"/>
-                </a:solidFill>
-                <a:latin typeface="Courier New" panose="02070309020205020404" pitchFamily="49" charset="0"/>
-                <a:cs typeface="Courier New" panose="02070309020205020404" pitchFamily="49" charset="0"/>
-              </a:rPr>
-              <a:t>at(</a:t>
-            </a:r>
-            <a:r>
-              <a:rPr lang="en-US" dirty="0">
-                <a:latin typeface="Courier New" panose="02070309020205020404" pitchFamily="49" charset="0"/>
-                <a:cs typeface="Courier New" panose="02070309020205020404" pitchFamily="49" charset="0"/>
-              </a:rPr>
-              <a:t>middle - 1</a:t>
-            </a:r>
-            <a:r>
-              <a:rPr lang="en-US" b="1" dirty="0">
-                <a:solidFill>
-                  <a:srgbClr val="C00000"/>
-                </a:solidFill>
-                <a:latin typeface="Courier New" panose="02070309020205020404" pitchFamily="49" charset="0"/>
-                <a:cs typeface="Courier New" panose="02070309020205020404" pitchFamily="49" charset="0"/>
-              </a:rPr>
-              <a:t>)</a:t>
-            </a:r>
-            <a:r>
-              <a:rPr lang="en-US" dirty="0">
-                <a:latin typeface="Courier New" panose="02070309020205020404" pitchFamily="49" charset="0"/>
-                <a:cs typeface="Courier New" panose="02070309020205020404" pitchFamily="49" charset="0"/>
-              </a:rPr>
-              <a:t> + data.</a:t>
-            </a:r>
-            <a:r>
-              <a:rPr lang="en-US" b="1" dirty="0">
-                <a:solidFill>
-                  <a:srgbClr val="C00000"/>
-                </a:solidFill>
-                <a:latin typeface="Courier New" panose="02070309020205020404" pitchFamily="49" charset="0"/>
-                <a:cs typeface="Courier New" panose="02070309020205020404" pitchFamily="49" charset="0"/>
-              </a:rPr>
-              <a:t>at(</a:t>
-            </a:r>
-            <a:r>
-              <a:rPr lang="en-US" dirty="0">
-                <a:latin typeface="Courier New" panose="02070309020205020404" pitchFamily="49" charset="0"/>
-                <a:cs typeface="Courier New" panose="02070309020205020404" pitchFamily="49" charset="0"/>
-              </a:rPr>
-              <a:t>middle</a:t>
-            </a:r>
-            <a:r>
-              <a:rPr lang="en-US" b="1" dirty="0">
-                <a:solidFill>
-                  <a:srgbClr val="C00000"/>
-                </a:solidFill>
-                <a:latin typeface="Courier New" panose="02070309020205020404" pitchFamily="49" charset="0"/>
-                <a:cs typeface="Courier New" panose="02070309020205020404" pitchFamily="49" charset="0"/>
-              </a:rPr>
-              <a:t>)</a:t>
-            </a:r>
-            <a:r>
-              <a:rPr lang="en-US" dirty="0">
-                <a:latin typeface="Courier New" panose="02070309020205020404" pitchFamily="49" charset="0"/>
-                <a:cs typeface="Courier New" panose="02070309020205020404" pitchFamily="49" charset="0"/>
-              </a:rPr>
-              <a:t>)/2.0;</a:t>
-            </a:r>
-          </a:p>
-          <a:p>
-            <a:r>
-              <a:rPr lang="en-US" dirty="0" smtClean="0">
-                <a:latin typeface="Courier New" panose="02070309020205020404" pitchFamily="49" charset="0"/>
-                <a:cs typeface="Courier New" panose="02070309020205020404" pitchFamily="49" charset="0"/>
-              </a:rPr>
-              <a:t>    return </a:t>
-            </a:r>
-            <a:r>
-              <a:rPr lang="en-US" dirty="0">
-                <a:latin typeface="Courier New" panose="02070309020205020404" pitchFamily="49" charset="0"/>
-                <a:cs typeface="Courier New" panose="02070309020205020404" pitchFamily="49" charset="0"/>
-              </a:rPr>
-              <a:t>stats;</a:t>
-            </a:r>
-          </a:p>
-          <a:p>
-            <a:r>
-              <a:rPr lang="en-US" dirty="0">
-                <a:latin typeface="Courier New" panose="02070309020205020404" pitchFamily="49" charset="0"/>
-                <a:cs typeface="Courier New" panose="02070309020205020404" pitchFamily="49" charset="0"/>
-              </a:rPr>
-              <a:t>}</a:t>
-            </a:r>
-          </a:p>
-        </p:txBody>
-      </p:sp>
-      <p:sp>
-        <p:nvSpPr>
-          <p:cNvPr id="3" name="TextBox 2"/>
-          <p:cNvSpPr txBox="1"/>
-          <p:nvPr/>
-        </p:nvSpPr>
-        <p:spPr>
-          <a:xfrm>
-            <a:off x="2106395" y="6016924"/>
-            <a:ext cx="5380255" cy="523220"/>
-          </a:xfrm>
-          <a:prstGeom prst="rect">
-            <a:avLst/>
-          </a:prstGeom>
-          <a:solidFill>
-            <a:schemeClr val="bg1"/>
-          </a:solidFill>
-          <a:ln>
-            <a:solidFill>
-              <a:schemeClr val="tx1"/>
-            </a:solidFill>
-          </a:ln>
-        </p:spPr>
-        <p:txBody>
-          <a:bodyPr wrap="none" rtlCol="0">
-            <a:spAutoFit/>
-          </a:bodyPr>
-          <a:lstStyle/>
-          <a:p>
-            <a:r>
-              <a:rPr lang="en-US" sz="2800" dirty="0" smtClean="0"/>
-              <a:t>Note: vector indexing is zero based!</a:t>
-            </a:r>
-            <a:endParaRPr lang="en-US" sz="2800" dirty="0"/>
-          </a:p>
-        </p:txBody>
-      </p:sp>
-    </p:spTree>
-    <p:extLst>
-      <p:ext uri="{BB962C8B-B14F-4D97-AF65-F5344CB8AC3E}">
-        <p14:creationId xmlns:p14="http://schemas.microsoft.com/office/powerpoint/2010/main" val="3242179123"/>
       </p:ext>
     </p:extLst>
   </p:cSld>
@@ -7594,6 +7634,603 @@
           <a:p>
             <a:r>
               <a:rPr lang="en-US" dirty="0" smtClean="0"/>
+              <a:t>Vector examples</a:t>
+            </a:r>
+            <a:endParaRPr lang="en-US" dirty="0"/>
+          </a:p>
+        </p:txBody>
+      </p:sp>
+      <p:sp>
+        <p:nvSpPr>
+          <p:cNvPr id="4" name="Slide Number Placeholder 3"/>
+          <p:cNvSpPr>
+            <a:spLocks noGrp="1"/>
+          </p:cNvSpPr>
+          <p:nvPr>
+            <p:ph type="sldNum" sz="quarter" idx="12"/>
+          </p:nvPr>
+        </p:nvSpPr>
+        <p:spPr>
+          <a:solidFill>
+            <a:schemeClr val="bg1"/>
+          </a:solidFill>
+        </p:spPr>
+        <p:txBody>
+          <a:bodyPr/>
+          <a:lstStyle/>
+          <a:p>
+            <a:fld id="{11AD1F4E-1E51-402E-B221-310F004E7D3B}" type="slidenum">
+              <a:rPr lang="en-US" smtClean="0"/>
+              <a:t>17</a:t>
+            </a:fld>
+            <a:endParaRPr lang="en-US"/>
+          </a:p>
+        </p:txBody>
+      </p:sp>
+      <p:sp>
+        <p:nvSpPr>
+          <p:cNvPr id="7" name="TextBox 6"/>
+          <p:cNvSpPr txBox="1"/>
+          <p:nvPr/>
+        </p:nvSpPr>
+        <p:spPr>
+          <a:xfrm>
+            <a:off x="628649" y="1953400"/>
+            <a:ext cx="7486651" cy="4247317"/>
+          </a:xfrm>
+          <a:prstGeom prst="rect">
+            <a:avLst/>
+          </a:prstGeom>
+          <a:solidFill>
+            <a:schemeClr val="bg1">
+              <a:lumMod val="75000"/>
+            </a:schemeClr>
+          </a:solidFill>
+          <a:ln>
+            <a:solidFill>
+              <a:schemeClr val="tx1"/>
+            </a:solidFill>
+          </a:ln>
+        </p:spPr>
+        <p:txBody>
+          <a:bodyPr wrap="square" rtlCol="0">
+            <a:spAutoFit/>
+          </a:bodyPr>
+          <a:lstStyle/>
+          <a:p>
+            <a:r>
+              <a:rPr lang="en-US" dirty="0" smtClean="0">
+                <a:latin typeface="Courier New" panose="02070309020205020404" pitchFamily="49" charset="0"/>
+                <a:cs typeface="Courier New" panose="02070309020205020404" pitchFamily="49" charset="0"/>
+              </a:rPr>
+              <a:t>#include &lt;algorithm&gt;</a:t>
+            </a:r>
+          </a:p>
+          <a:p>
+            <a:r>
+              <a:rPr lang="en-US" dirty="0" smtClean="0">
+                <a:latin typeface="Courier New" panose="02070309020205020404" pitchFamily="49" charset="0"/>
+                <a:cs typeface="Courier New" panose="02070309020205020404" pitchFamily="49" charset="0"/>
+              </a:rPr>
+              <a:t>…</a:t>
+            </a:r>
+          </a:p>
+          <a:p>
+            <a:r>
+              <a:rPr lang="en-US" dirty="0">
+                <a:latin typeface="Courier New" panose="02070309020205020404" pitchFamily="49" charset="0"/>
+                <a:cs typeface="Courier New" panose="02070309020205020404" pitchFamily="49" charset="0"/>
+              </a:rPr>
+              <a:t>Stats </a:t>
+            </a:r>
+            <a:r>
+              <a:rPr lang="en-US" dirty="0" err="1">
+                <a:latin typeface="Courier New" panose="02070309020205020404" pitchFamily="49" charset="0"/>
+                <a:cs typeface="Courier New" panose="02070309020205020404" pitchFamily="49" charset="0"/>
+              </a:rPr>
+              <a:t>compute_stats</a:t>
+            </a:r>
+            <a:r>
+              <a:rPr lang="en-US" dirty="0">
+                <a:latin typeface="Courier New" panose="02070309020205020404" pitchFamily="49" charset="0"/>
+                <a:cs typeface="Courier New" panose="02070309020205020404" pitchFamily="49" charset="0"/>
+              </a:rPr>
+              <a:t>(vector&lt;double&gt; data) {</a:t>
+            </a:r>
+          </a:p>
+          <a:p>
+            <a:r>
+              <a:rPr lang="en-US" dirty="0">
+                <a:latin typeface="Courier New" panose="02070309020205020404" pitchFamily="49" charset="0"/>
+                <a:cs typeface="Courier New" panose="02070309020205020404" pitchFamily="49" charset="0"/>
+              </a:rPr>
+              <a:t>    </a:t>
+            </a:r>
+            <a:r>
+              <a:rPr lang="en-US" dirty="0" err="1">
+                <a:latin typeface="Courier New" panose="02070309020205020404" pitchFamily="49" charset="0"/>
+                <a:cs typeface="Courier New" panose="02070309020205020404" pitchFamily="49" charset="0"/>
+              </a:rPr>
+              <a:t>int</a:t>
+            </a:r>
+            <a:r>
+              <a:rPr lang="en-US" dirty="0">
+                <a:latin typeface="Courier New" panose="02070309020205020404" pitchFamily="49" charset="0"/>
+                <a:cs typeface="Courier New" panose="02070309020205020404" pitchFamily="49" charset="0"/>
+              </a:rPr>
+              <a:t> n = </a:t>
+            </a:r>
+            <a:r>
+              <a:rPr lang="en-US" dirty="0" err="1">
+                <a:latin typeface="Courier New" panose="02070309020205020404" pitchFamily="49" charset="0"/>
+                <a:cs typeface="Courier New" panose="02070309020205020404" pitchFamily="49" charset="0"/>
+              </a:rPr>
+              <a:t>data.</a:t>
+            </a:r>
+            <a:r>
+              <a:rPr lang="en-US" b="1" dirty="0" err="1">
+                <a:solidFill>
+                  <a:srgbClr val="C00000"/>
+                </a:solidFill>
+                <a:latin typeface="Courier New" panose="02070309020205020404" pitchFamily="49" charset="0"/>
+                <a:cs typeface="Courier New" panose="02070309020205020404" pitchFamily="49" charset="0"/>
+              </a:rPr>
+              <a:t>size</a:t>
+            </a:r>
+            <a:r>
+              <a:rPr lang="en-US" b="1" dirty="0">
+                <a:solidFill>
+                  <a:srgbClr val="C00000"/>
+                </a:solidFill>
+                <a:latin typeface="Courier New" panose="02070309020205020404" pitchFamily="49" charset="0"/>
+                <a:cs typeface="Courier New" panose="02070309020205020404" pitchFamily="49" charset="0"/>
+              </a:rPr>
+              <a:t>()</a:t>
+            </a:r>
+            <a:r>
+              <a:rPr lang="en-US" dirty="0">
+                <a:latin typeface="Courier New" panose="02070309020205020404" pitchFamily="49" charset="0"/>
+                <a:cs typeface="Courier New" panose="02070309020205020404" pitchFamily="49" charset="0"/>
+              </a:rPr>
+              <a:t>;</a:t>
+            </a:r>
+          </a:p>
+          <a:p>
+            <a:r>
+              <a:rPr lang="en-US" dirty="0">
+                <a:latin typeface="Courier New" panose="02070309020205020404" pitchFamily="49" charset="0"/>
+                <a:cs typeface="Courier New" panose="02070309020205020404" pitchFamily="49" charset="0"/>
+              </a:rPr>
+              <a:t>    double sum {0.0};</a:t>
+            </a:r>
+          </a:p>
+          <a:p>
+            <a:r>
+              <a:rPr lang="en-US" dirty="0" smtClean="0">
+                <a:latin typeface="Courier New" panose="02070309020205020404" pitchFamily="49" charset="0"/>
+                <a:cs typeface="Courier New" panose="02070309020205020404" pitchFamily="49" charset="0"/>
+              </a:rPr>
+              <a:t>    for </a:t>
+            </a:r>
+            <a:r>
+              <a:rPr lang="en-US" dirty="0">
+                <a:latin typeface="Courier New" panose="02070309020205020404" pitchFamily="49" charset="0"/>
+                <a:cs typeface="Courier New" panose="02070309020205020404" pitchFamily="49" charset="0"/>
+              </a:rPr>
+              <a:t>(</a:t>
+            </a:r>
+            <a:r>
+              <a:rPr lang="en-US" b="1" dirty="0">
+                <a:solidFill>
+                  <a:srgbClr val="C00000"/>
+                </a:solidFill>
+                <a:latin typeface="Courier New" panose="02070309020205020404" pitchFamily="49" charset="0"/>
+                <a:cs typeface="Courier New" panose="02070309020205020404" pitchFamily="49" charset="0"/>
+              </a:rPr>
+              <a:t>double item: data</a:t>
+            </a:r>
+            <a:r>
+              <a:rPr lang="en-US" dirty="0" smtClean="0">
+                <a:latin typeface="Courier New" panose="02070309020205020404" pitchFamily="49" charset="0"/>
+                <a:cs typeface="Courier New" panose="02070309020205020404" pitchFamily="49" charset="0"/>
+              </a:rPr>
+              <a:t>)</a:t>
+            </a:r>
+            <a:endParaRPr lang="en-US" dirty="0">
+              <a:latin typeface="Courier New" panose="02070309020205020404" pitchFamily="49" charset="0"/>
+              <a:cs typeface="Courier New" panose="02070309020205020404" pitchFamily="49" charset="0"/>
+            </a:endParaRPr>
+          </a:p>
+          <a:p>
+            <a:r>
+              <a:rPr lang="en-US" dirty="0">
+                <a:latin typeface="Courier New" panose="02070309020205020404" pitchFamily="49" charset="0"/>
+                <a:cs typeface="Courier New" panose="02070309020205020404" pitchFamily="49" charset="0"/>
+              </a:rPr>
+              <a:t>        sum += item;</a:t>
+            </a:r>
+          </a:p>
+          <a:p>
+            <a:r>
+              <a:rPr lang="en-US" dirty="0" smtClean="0">
+                <a:latin typeface="Courier New" panose="02070309020205020404" pitchFamily="49" charset="0"/>
+                <a:cs typeface="Courier New" panose="02070309020205020404" pitchFamily="49" charset="0"/>
+              </a:rPr>
+              <a:t>    Stats </a:t>
+            </a:r>
+            <a:r>
+              <a:rPr lang="en-US" dirty="0" err="1">
+                <a:latin typeface="Courier New" panose="02070309020205020404" pitchFamily="49" charset="0"/>
+                <a:cs typeface="Courier New" panose="02070309020205020404" pitchFamily="49" charset="0"/>
+              </a:rPr>
+              <a:t>stats</a:t>
+            </a:r>
+            <a:r>
+              <a:rPr lang="en-US" dirty="0">
+                <a:latin typeface="Courier New" panose="02070309020205020404" pitchFamily="49" charset="0"/>
+                <a:cs typeface="Courier New" panose="02070309020205020404" pitchFamily="49" charset="0"/>
+              </a:rPr>
+              <a:t>;</a:t>
+            </a:r>
+          </a:p>
+          <a:p>
+            <a:r>
+              <a:rPr lang="en-US" dirty="0">
+                <a:latin typeface="Courier New" panose="02070309020205020404" pitchFamily="49" charset="0"/>
+                <a:cs typeface="Courier New" panose="02070309020205020404" pitchFamily="49" charset="0"/>
+              </a:rPr>
+              <a:t>    </a:t>
+            </a:r>
+            <a:r>
+              <a:rPr lang="en-US" dirty="0" err="1">
+                <a:latin typeface="Courier New" panose="02070309020205020404" pitchFamily="49" charset="0"/>
+                <a:cs typeface="Courier New" panose="02070309020205020404" pitchFamily="49" charset="0"/>
+              </a:rPr>
+              <a:t>stats.mean</a:t>
+            </a:r>
+            <a:r>
+              <a:rPr lang="en-US" dirty="0">
+                <a:latin typeface="Courier New" panose="02070309020205020404" pitchFamily="49" charset="0"/>
+                <a:cs typeface="Courier New" panose="02070309020205020404" pitchFamily="49" charset="0"/>
+              </a:rPr>
+              <a:t> = sum/n;</a:t>
+            </a:r>
+          </a:p>
+          <a:p>
+            <a:r>
+              <a:rPr lang="en-US" dirty="0" smtClean="0">
+                <a:latin typeface="Courier New" panose="02070309020205020404" pitchFamily="49" charset="0"/>
+                <a:cs typeface="Courier New" panose="02070309020205020404" pitchFamily="49" charset="0"/>
+              </a:rPr>
+              <a:t>    </a:t>
+            </a:r>
+            <a:r>
+              <a:rPr lang="en-US" b="1" dirty="0" smtClean="0">
+                <a:solidFill>
+                  <a:srgbClr val="C00000"/>
+                </a:solidFill>
+                <a:latin typeface="Courier New" panose="02070309020205020404" pitchFamily="49" charset="0"/>
+                <a:cs typeface="Courier New" panose="02070309020205020404" pitchFamily="49" charset="0"/>
+              </a:rPr>
+              <a:t>sort</a:t>
+            </a:r>
+            <a:r>
+              <a:rPr lang="en-US" dirty="0" smtClean="0">
+                <a:latin typeface="Courier New" panose="02070309020205020404" pitchFamily="49" charset="0"/>
+                <a:cs typeface="Courier New" panose="02070309020205020404" pitchFamily="49" charset="0"/>
+              </a:rPr>
+              <a:t>(</a:t>
+            </a:r>
+            <a:r>
+              <a:rPr lang="en-US" dirty="0" err="1" smtClean="0">
+                <a:latin typeface="Courier New" panose="02070309020205020404" pitchFamily="49" charset="0"/>
+                <a:cs typeface="Courier New" panose="02070309020205020404" pitchFamily="49" charset="0"/>
+              </a:rPr>
+              <a:t>data.</a:t>
+            </a:r>
+            <a:r>
+              <a:rPr lang="en-US" b="1" dirty="0" err="1" smtClean="0">
+                <a:solidFill>
+                  <a:srgbClr val="C00000"/>
+                </a:solidFill>
+                <a:latin typeface="Courier New" panose="02070309020205020404" pitchFamily="49" charset="0"/>
+                <a:cs typeface="Courier New" panose="02070309020205020404" pitchFamily="49" charset="0"/>
+              </a:rPr>
+              <a:t>begin</a:t>
+            </a:r>
+            <a:r>
+              <a:rPr lang="en-US" b="1" dirty="0">
+                <a:solidFill>
+                  <a:srgbClr val="C00000"/>
+                </a:solidFill>
+                <a:latin typeface="Courier New" panose="02070309020205020404" pitchFamily="49" charset="0"/>
+                <a:cs typeface="Courier New" panose="02070309020205020404" pitchFamily="49" charset="0"/>
+              </a:rPr>
+              <a:t>()</a:t>
+            </a:r>
+            <a:r>
+              <a:rPr lang="en-US" dirty="0">
+                <a:latin typeface="Courier New" panose="02070309020205020404" pitchFamily="49" charset="0"/>
+                <a:cs typeface="Courier New" panose="02070309020205020404" pitchFamily="49" charset="0"/>
+              </a:rPr>
+              <a:t>, </a:t>
+            </a:r>
+            <a:r>
+              <a:rPr lang="en-US" dirty="0" err="1">
+                <a:latin typeface="Courier New" panose="02070309020205020404" pitchFamily="49" charset="0"/>
+                <a:cs typeface="Courier New" panose="02070309020205020404" pitchFamily="49" charset="0"/>
+              </a:rPr>
+              <a:t>data</a:t>
+            </a:r>
+            <a:r>
+              <a:rPr lang="en-US" b="1" dirty="0" err="1">
+                <a:solidFill>
+                  <a:srgbClr val="C00000"/>
+                </a:solidFill>
+                <a:latin typeface="Courier New" panose="02070309020205020404" pitchFamily="49" charset="0"/>
+                <a:cs typeface="Courier New" panose="02070309020205020404" pitchFamily="49" charset="0"/>
+              </a:rPr>
+              <a:t>.end</a:t>
+            </a:r>
+            <a:r>
+              <a:rPr lang="en-US" b="1" dirty="0">
+                <a:solidFill>
+                  <a:srgbClr val="C00000"/>
+                </a:solidFill>
+                <a:latin typeface="Courier New" panose="02070309020205020404" pitchFamily="49" charset="0"/>
+                <a:cs typeface="Courier New" panose="02070309020205020404" pitchFamily="49" charset="0"/>
+              </a:rPr>
+              <a:t>()</a:t>
+            </a:r>
+            <a:r>
+              <a:rPr lang="en-US" dirty="0">
+                <a:latin typeface="Courier New" panose="02070309020205020404" pitchFamily="49" charset="0"/>
+                <a:cs typeface="Courier New" panose="02070309020205020404" pitchFamily="49" charset="0"/>
+              </a:rPr>
+              <a:t>);</a:t>
+            </a:r>
+          </a:p>
+          <a:p>
+            <a:r>
+              <a:rPr lang="en-US" dirty="0">
+                <a:latin typeface="Courier New" panose="02070309020205020404" pitchFamily="49" charset="0"/>
+                <a:cs typeface="Courier New" panose="02070309020205020404" pitchFamily="49" charset="0"/>
+              </a:rPr>
+              <a:t>    </a:t>
+            </a:r>
+            <a:r>
+              <a:rPr lang="en-US" dirty="0" err="1">
+                <a:latin typeface="Courier New" panose="02070309020205020404" pitchFamily="49" charset="0"/>
+                <a:cs typeface="Courier New" panose="02070309020205020404" pitchFamily="49" charset="0"/>
+              </a:rPr>
+              <a:t>int</a:t>
+            </a:r>
+            <a:r>
+              <a:rPr lang="en-US" dirty="0">
+                <a:latin typeface="Courier New" panose="02070309020205020404" pitchFamily="49" charset="0"/>
+                <a:cs typeface="Courier New" panose="02070309020205020404" pitchFamily="49" charset="0"/>
+              </a:rPr>
+              <a:t> middle {n/2};</a:t>
+            </a:r>
+          </a:p>
+          <a:p>
+            <a:r>
+              <a:rPr lang="en-US" dirty="0">
+                <a:latin typeface="Courier New" panose="02070309020205020404" pitchFamily="49" charset="0"/>
+                <a:cs typeface="Courier New" panose="02070309020205020404" pitchFamily="49" charset="0"/>
+              </a:rPr>
+              <a:t>    </a:t>
+            </a:r>
+            <a:r>
+              <a:rPr lang="en-US" dirty="0" err="1">
+                <a:latin typeface="Courier New" panose="02070309020205020404" pitchFamily="49" charset="0"/>
+                <a:cs typeface="Courier New" panose="02070309020205020404" pitchFamily="49" charset="0"/>
+              </a:rPr>
+              <a:t>stats.median</a:t>
+            </a:r>
+            <a:r>
+              <a:rPr lang="en-US" dirty="0">
+                <a:latin typeface="Courier New" panose="02070309020205020404" pitchFamily="49" charset="0"/>
+                <a:cs typeface="Courier New" panose="02070309020205020404" pitchFamily="49" charset="0"/>
+              </a:rPr>
+              <a:t> = n % 2 == 1 ? data.at(middle) :</a:t>
+            </a:r>
+          </a:p>
+          <a:p>
+            <a:r>
+              <a:rPr lang="en-US" dirty="0">
+                <a:latin typeface="Courier New" panose="02070309020205020404" pitchFamily="49" charset="0"/>
+                <a:cs typeface="Courier New" panose="02070309020205020404" pitchFamily="49" charset="0"/>
+              </a:rPr>
+              <a:t>        (data.</a:t>
+            </a:r>
+            <a:r>
+              <a:rPr lang="en-US" b="1" dirty="0">
+                <a:solidFill>
+                  <a:srgbClr val="C00000"/>
+                </a:solidFill>
+                <a:latin typeface="Courier New" panose="02070309020205020404" pitchFamily="49" charset="0"/>
+                <a:cs typeface="Courier New" panose="02070309020205020404" pitchFamily="49" charset="0"/>
+              </a:rPr>
+              <a:t>at(</a:t>
+            </a:r>
+            <a:r>
+              <a:rPr lang="en-US" dirty="0">
+                <a:latin typeface="Courier New" panose="02070309020205020404" pitchFamily="49" charset="0"/>
+                <a:cs typeface="Courier New" panose="02070309020205020404" pitchFamily="49" charset="0"/>
+              </a:rPr>
+              <a:t>middle - 1</a:t>
+            </a:r>
+            <a:r>
+              <a:rPr lang="en-US" b="1" dirty="0">
+                <a:solidFill>
+                  <a:srgbClr val="C00000"/>
+                </a:solidFill>
+                <a:latin typeface="Courier New" panose="02070309020205020404" pitchFamily="49" charset="0"/>
+                <a:cs typeface="Courier New" panose="02070309020205020404" pitchFamily="49" charset="0"/>
+              </a:rPr>
+              <a:t>)</a:t>
+            </a:r>
+            <a:r>
+              <a:rPr lang="en-US" dirty="0">
+                <a:latin typeface="Courier New" panose="02070309020205020404" pitchFamily="49" charset="0"/>
+                <a:cs typeface="Courier New" panose="02070309020205020404" pitchFamily="49" charset="0"/>
+              </a:rPr>
+              <a:t> + data.</a:t>
+            </a:r>
+            <a:r>
+              <a:rPr lang="en-US" b="1" dirty="0">
+                <a:solidFill>
+                  <a:srgbClr val="C00000"/>
+                </a:solidFill>
+                <a:latin typeface="Courier New" panose="02070309020205020404" pitchFamily="49" charset="0"/>
+                <a:cs typeface="Courier New" panose="02070309020205020404" pitchFamily="49" charset="0"/>
+              </a:rPr>
+              <a:t>at(</a:t>
+            </a:r>
+            <a:r>
+              <a:rPr lang="en-US" dirty="0">
+                <a:latin typeface="Courier New" panose="02070309020205020404" pitchFamily="49" charset="0"/>
+                <a:cs typeface="Courier New" panose="02070309020205020404" pitchFamily="49" charset="0"/>
+              </a:rPr>
+              <a:t>middle</a:t>
+            </a:r>
+            <a:r>
+              <a:rPr lang="en-US" b="1" dirty="0">
+                <a:solidFill>
+                  <a:srgbClr val="C00000"/>
+                </a:solidFill>
+                <a:latin typeface="Courier New" panose="02070309020205020404" pitchFamily="49" charset="0"/>
+                <a:cs typeface="Courier New" panose="02070309020205020404" pitchFamily="49" charset="0"/>
+              </a:rPr>
+              <a:t>)</a:t>
+            </a:r>
+            <a:r>
+              <a:rPr lang="en-US" dirty="0">
+                <a:latin typeface="Courier New" panose="02070309020205020404" pitchFamily="49" charset="0"/>
+                <a:cs typeface="Courier New" panose="02070309020205020404" pitchFamily="49" charset="0"/>
+              </a:rPr>
+              <a:t>)/2.0;</a:t>
+            </a:r>
+          </a:p>
+          <a:p>
+            <a:r>
+              <a:rPr lang="en-US" dirty="0" smtClean="0">
+                <a:latin typeface="Courier New" panose="02070309020205020404" pitchFamily="49" charset="0"/>
+                <a:cs typeface="Courier New" panose="02070309020205020404" pitchFamily="49" charset="0"/>
+              </a:rPr>
+              <a:t>    return </a:t>
+            </a:r>
+            <a:r>
+              <a:rPr lang="en-US" dirty="0">
+                <a:latin typeface="Courier New" panose="02070309020205020404" pitchFamily="49" charset="0"/>
+                <a:cs typeface="Courier New" panose="02070309020205020404" pitchFamily="49" charset="0"/>
+              </a:rPr>
+              <a:t>stats;</a:t>
+            </a:r>
+          </a:p>
+          <a:p>
+            <a:r>
+              <a:rPr lang="en-US" dirty="0">
+                <a:latin typeface="Courier New" panose="02070309020205020404" pitchFamily="49" charset="0"/>
+                <a:cs typeface="Courier New" panose="02070309020205020404" pitchFamily="49" charset="0"/>
+              </a:rPr>
+              <a:t>}</a:t>
+            </a:r>
+          </a:p>
+        </p:txBody>
+      </p:sp>
+      <p:sp>
+        <p:nvSpPr>
+          <p:cNvPr id="3" name="TextBox 2"/>
+          <p:cNvSpPr txBox="1"/>
+          <p:nvPr/>
+        </p:nvSpPr>
+        <p:spPr>
+          <a:xfrm>
+            <a:off x="2106395" y="6016924"/>
+            <a:ext cx="5380255" cy="523220"/>
+          </a:xfrm>
+          <a:prstGeom prst="rect">
+            <a:avLst/>
+          </a:prstGeom>
+          <a:solidFill>
+            <a:schemeClr val="bg1"/>
+          </a:solidFill>
+          <a:ln>
+            <a:solidFill>
+              <a:schemeClr val="tx1"/>
+            </a:solidFill>
+          </a:ln>
+        </p:spPr>
+        <p:txBody>
+          <a:bodyPr wrap="none" rtlCol="0">
+            <a:spAutoFit/>
+          </a:bodyPr>
+          <a:lstStyle/>
+          <a:p>
+            <a:r>
+              <a:rPr lang="en-US" sz="2800" dirty="0" smtClean="0"/>
+              <a:t>Note: vector indexing is zero based!</a:t>
+            </a:r>
+            <a:endParaRPr lang="en-US" sz="2800" dirty="0"/>
+          </a:p>
+        </p:txBody>
+      </p:sp>
+    </p:spTree>
+    <p:extLst>
+      <p:ext uri="{BB962C8B-B14F-4D97-AF65-F5344CB8AC3E}">
+        <p14:creationId xmlns:p14="http://schemas.microsoft.com/office/powerpoint/2010/main" val="3242179123"/>
+      </p:ext>
+    </p:extLst>
+  </p:cSld>
+  <p:clrMapOvr>
+    <a:masterClrMapping/>
+  </p:clrMapOvr>
+  <p:timing>
+    <p:tnLst>
+      <p:par>
+        <p:cTn id="1" dur="indefinite" restart="never" nodeType="tmRoot"/>
+      </p:par>
+    </p:tnLst>
+  </p:timing>
+</p:sld>
+</file>
+
+<file path=ppt/slides/slide18.xml><?xml version="1.0" encoding="utf-8"?>
+<p:sld xmlns:a="http://schemas.openxmlformats.org/drawingml/2006/main" xmlns:r="http://schemas.openxmlformats.org/officeDocument/2006/relationships" xmlns:p="http://schemas.openxmlformats.org/presentationml/2006/main">
+  <p:cSld>
+    <p:spTree>
+      <p:nvGrpSpPr>
+        <p:cNvPr id="1" name=""/>
+        <p:cNvGrpSpPr/>
+        <p:nvPr/>
+      </p:nvGrpSpPr>
+      <p:grpSpPr>
+        <a:xfrm>
+          <a:off x="0" y="0"/>
+          <a:ext cx="0" cy="0"/>
+          <a:chOff x="0" y="0"/>
+          <a:chExt cx="0" cy="0"/>
+        </a:xfrm>
+      </p:grpSpPr>
+      <p:sp>
+        <p:nvSpPr>
+          <p:cNvPr id="2" name="Title 1"/>
+          <p:cNvSpPr>
+            <a:spLocks noGrp="1"/>
+          </p:cNvSpPr>
+          <p:nvPr>
+            <p:ph type="title"/>
+          </p:nvPr>
+        </p:nvSpPr>
+        <p:spPr/>
+        <p:txBody>
+          <a:bodyPr/>
+          <a:lstStyle/>
+          <a:p>
+            <a:r>
+              <a:rPr lang="en-US" dirty="0" smtClean="0"/>
               <a:t>STL </a:t>
             </a:r>
             <a:r>
@@ -7854,7 +8491,7 @@
           <a:p>
             <a:fld id="{11AD1F4E-1E51-402E-B221-310F004E7D3B}" type="slidenum">
               <a:rPr lang="en-US" smtClean="0"/>
-              <a:t>17</a:t>
+              <a:t>18</a:t>
             </a:fld>
             <a:endParaRPr lang="en-US"/>
           </a:p>
@@ -8340,7 +8977,7 @@
 </p:sld>
 </file>
 
-<file path=ppt/slides/slide18.xml><?xml version="1.0" encoding="utf-8"?>
+<file path=ppt/slides/slide19.xml><?xml version="1.0" encoding="utf-8"?>
 <p:sld xmlns:a="http://schemas.openxmlformats.org/drawingml/2006/main" xmlns:r="http://schemas.openxmlformats.org/officeDocument/2006/relationships" xmlns:p="http://schemas.openxmlformats.org/presentationml/2006/main">
   <p:cSld>
     <p:spTree>
@@ -8615,7 +9252,7 @@
           <a:p>
             <a:fld id="{11AD1F4E-1E51-402E-B221-310F004E7D3B}" type="slidenum">
               <a:rPr lang="en-US" smtClean="0"/>
-              <a:t>18</a:t>
+              <a:t>19</a:t>
             </a:fld>
             <a:endParaRPr lang="en-US"/>
           </a:p>
@@ -9132,7 +9769,201 @@
 </p:sld>
 </file>
 
-<file path=ppt/slides/slide19.xml><?xml version="1.0" encoding="utf-8"?>
+<file path=ppt/slides/slide2.xml><?xml version="1.0" encoding="utf-8"?>
+<p:sld xmlns:a="http://schemas.openxmlformats.org/drawingml/2006/main" xmlns:r="http://schemas.openxmlformats.org/officeDocument/2006/relationships" xmlns:p="http://schemas.openxmlformats.org/presentationml/2006/main">
+  <p:cSld>
+    <p:spTree>
+      <p:nvGrpSpPr>
+        <p:cNvPr id="1" name=""/>
+        <p:cNvGrpSpPr/>
+        <p:nvPr/>
+      </p:nvGrpSpPr>
+      <p:grpSpPr>
+        <a:xfrm>
+          <a:off x="0" y="0"/>
+          <a:ext cx="0" cy="0"/>
+          <a:chOff x="0" y="0"/>
+          <a:chExt cx="0" cy="0"/>
+        </a:xfrm>
+      </p:grpSpPr>
+      <p:sp>
+        <p:nvSpPr>
+          <p:cNvPr id="2" name="Slide Number Placeholder 1"/>
+          <p:cNvSpPr>
+            <a:spLocks noGrp="1"/>
+          </p:cNvSpPr>
+          <p:nvPr>
+            <p:ph type="sldNum" sz="quarter" idx="12"/>
+          </p:nvPr>
+        </p:nvSpPr>
+        <p:spPr/>
+        <p:txBody>
+          <a:bodyPr/>
+          <a:lstStyle/>
+          <a:p>
+            <a:fld id="{033373DF-BCDA-4600-B448-AFBDB22F4A39}" type="slidenum">
+              <a:rPr lang="en-US" smtClean="0"/>
+              <a:t>2</a:t>
+            </a:fld>
+            <a:endParaRPr lang="en-US"/>
+          </a:p>
+        </p:txBody>
+      </p:sp>
+      <p:sp>
+        <p:nvSpPr>
+          <p:cNvPr id="3" name="TextBox 2"/>
+          <p:cNvSpPr txBox="1"/>
+          <p:nvPr/>
+        </p:nvSpPr>
+        <p:spPr>
+          <a:xfrm>
+            <a:off x="1193194" y="2423057"/>
+            <a:ext cx="3404137" cy="1692771"/>
+          </a:xfrm>
+          <a:prstGeom prst="rect">
+            <a:avLst/>
+          </a:prstGeom>
+          <a:noFill/>
+          <a:ln>
+            <a:solidFill>
+              <a:schemeClr val="tx1"/>
+            </a:solidFill>
+          </a:ln>
+        </p:spPr>
+        <p:txBody>
+          <a:bodyPr wrap="none" rtlCol="0">
+            <a:spAutoFit/>
+          </a:bodyPr>
+          <a:lstStyle/>
+          <a:p>
+            <a:r>
+              <a:rPr lang="en-US" dirty="0"/>
+              <a:t>Presentation based on:</a:t>
+            </a:r>
+            <a:br>
+              <a:rPr lang="en-US" dirty="0"/>
+            </a:br>
+            <a:r>
+              <a:rPr lang="en-US" sz="2800" i="1" dirty="0"/>
+              <a:t>A tour of C++</a:t>
+            </a:r>
+            <a:r>
+              <a:rPr lang="en-US" sz="2800" dirty="0"/>
+              <a:t/>
+            </a:r>
+            <a:br>
+              <a:rPr lang="en-US" sz="2800" dirty="0"/>
+            </a:br>
+            <a:r>
+              <a:rPr lang="en-US" sz="2800" dirty="0"/>
+              <a:t>Bjarne </a:t>
+            </a:r>
+            <a:r>
+              <a:rPr lang="en-US" sz="2800" dirty="0" err="1"/>
+              <a:t>Stroustrup</a:t>
+            </a:r>
+            <a:endParaRPr lang="en-US" sz="2800" dirty="0"/>
+          </a:p>
+          <a:p>
+            <a:r>
+              <a:rPr lang="en-US" sz="2800" dirty="0"/>
+              <a:t>Addison-Wesley, 2014</a:t>
+            </a:r>
+          </a:p>
+        </p:txBody>
+      </p:sp>
+    </p:spTree>
+    <p:extLst>
+      <p:ext uri="{BB962C8B-B14F-4D97-AF65-F5344CB8AC3E}">
+        <p14:creationId xmlns:p14="http://schemas.microsoft.com/office/powerpoint/2010/main" val="2596996315"/>
+      </p:ext>
+    </p:extLst>
+  </p:cSld>
+  <p:clrMapOvr>
+    <a:masterClrMapping/>
+  </p:clrMapOvr>
+  <p:timing>
+    <p:tnLst>
+      <p:par>
+        <p:cTn id="1" dur="indefinite" restart="never" nodeType="tmRoot">
+          <p:childTnLst>
+            <p:seq concurrent="1" nextAc="seek">
+              <p:cTn id="2" dur="indefinite" nodeType="mainSeq">
+                <p:childTnLst>
+                  <p:par>
+                    <p:cTn id="3" fill="hold">
+                      <p:stCondLst>
+                        <p:cond delay="indefinite"/>
+                      </p:stCondLst>
+                      <p:childTnLst>
+                        <p:par>
+                          <p:cTn id="4" fill="hold">
+                            <p:stCondLst>
+                              <p:cond delay="0"/>
+                            </p:stCondLst>
+                            <p:childTnLst>
+                              <p:par>
+                                <p:cTn id="5" presetID="1" presetClass="entr" presetSubtype="0" fill="hold" grpId="0" nodeType="clickEffect">
+                                  <p:stCondLst>
+                                    <p:cond delay="0"/>
+                                  </p:stCondLst>
+                                  <p:childTnLst>
+                                    <p:set>
+                                      <p:cBhvr>
+                                        <p:cTn id="6" dur="1" fill="hold">
+                                          <p:stCondLst>
+                                            <p:cond delay="0"/>
+                                          </p:stCondLst>
+                                        </p:cTn>
+                                        <p:tgtEl>
+                                          <p:spTgt spid="3"/>
+                                        </p:tgtEl>
+                                        <p:attrNameLst>
+                                          <p:attrName>style.visibility</p:attrName>
+                                        </p:attrNameLst>
+                                      </p:cBhvr>
+                                      <p:to>
+                                        <p:strVal val="visible"/>
+                                      </p:to>
+                                    </p:set>
+                                  </p:childTnLst>
+                                </p:cTn>
+                              </p:par>
+                            </p:childTnLst>
+                          </p:cTn>
+                        </p:par>
+                      </p:childTnLst>
+                    </p:cTn>
+                  </p:par>
+                </p:childTnLst>
+              </p:cTn>
+              <p:prevCondLst>
+                <p:cond evt="onPrev" delay="0">
+                  <p:tgtEl>
+                    <p:sldTgt/>
+                  </p:tgtEl>
+                </p:cond>
+              </p:prevCondLst>
+              <p:nextCondLst>
+                <p:cond evt="onNext" delay="0">
+                  <p:tgtEl>
+                    <p:sldTgt/>
+                  </p:tgtEl>
+                </p:cond>
+              </p:nextCondLst>
+            </p:seq>
+          </p:childTnLst>
+        </p:cTn>
+      </p:par>
+    </p:tnLst>
+    <p:bldLst>
+      <p:bldP spid="3" grpId="0" animBg="1"/>
+    </p:bldLst>
+  </p:timing>
+</p:sld>
+</file>
+
+<file path=ppt/slides/slide20.xml><?xml version="1.0" encoding="utf-8"?>
 <p:sld xmlns:a="http://schemas.openxmlformats.org/drawingml/2006/main" xmlns:r="http://schemas.openxmlformats.org/officeDocument/2006/relationships" xmlns:p="http://schemas.openxmlformats.org/presentationml/2006/main">
   <p:cSld>
     <p:spTree>
@@ -9246,7 +10077,11 @@
           <a:p>
             <a:r>
               <a:rPr lang="en-US" dirty="0" smtClean="0"/>
-              <a:t>Implementations: STL</a:t>
+              <a:t>Implementation: </a:t>
+            </a:r>
+            <a:r>
+              <a:rPr lang="en-US" dirty="0" smtClean="0"/>
+              <a:t>STL</a:t>
             </a:r>
           </a:p>
           <a:p>
@@ -9291,7 +10126,7 @@
             <a:graphicData uri="http://schemas.openxmlformats.org/presentationml/2006/ole">
               <mc:AlternateContent xmlns:mc="http://schemas.openxmlformats.org/markup-compatibility/2006">
                 <mc:Choice xmlns:v="urn:schemas-microsoft-com:vml" Requires="v">
-                  <p:oleObj spid="_x0000_s3178" name="Equation" r:id="rId3" imgW="1180800" imgH="228600" progId="Equation.3">
+                  <p:oleObj spid="_x0000_s3186" name="Equation" r:id="rId3" imgW="1180800" imgH="228600" progId="Equation.3">
                     <p:embed/>
                   </p:oleObj>
                 </mc:Choice>
@@ -9383,7 +10218,7 @@
           <a:p>
             <a:fld id="{11AD1F4E-1E51-402E-B221-310F004E7D3B}" type="slidenum">
               <a:rPr lang="en-US" smtClean="0"/>
-              <a:t>19</a:t>
+              <a:t>20</a:t>
             </a:fld>
             <a:endParaRPr lang="en-US"/>
           </a:p>
@@ -10089,201 +10924,7 @@
 </p:sld>
 </file>
 
-<file path=ppt/slides/slide2.xml><?xml version="1.0" encoding="utf-8"?>
-<p:sld xmlns:a="http://schemas.openxmlformats.org/drawingml/2006/main" xmlns:r="http://schemas.openxmlformats.org/officeDocument/2006/relationships" xmlns:p="http://schemas.openxmlformats.org/presentationml/2006/main">
-  <p:cSld>
-    <p:spTree>
-      <p:nvGrpSpPr>
-        <p:cNvPr id="1" name=""/>
-        <p:cNvGrpSpPr/>
-        <p:nvPr/>
-      </p:nvGrpSpPr>
-      <p:grpSpPr>
-        <a:xfrm>
-          <a:off x="0" y="0"/>
-          <a:ext cx="0" cy="0"/>
-          <a:chOff x="0" y="0"/>
-          <a:chExt cx="0" cy="0"/>
-        </a:xfrm>
-      </p:grpSpPr>
-      <p:sp>
-        <p:nvSpPr>
-          <p:cNvPr id="2" name="Slide Number Placeholder 1"/>
-          <p:cNvSpPr>
-            <a:spLocks noGrp="1"/>
-          </p:cNvSpPr>
-          <p:nvPr>
-            <p:ph type="sldNum" sz="quarter" idx="12"/>
-          </p:nvPr>
-        </p:nvSpPr>
-        <p:spPr/>
-        <p:txBody>
-          <a:bodyPr/>
-          <a:lstStyle/>
-          <a:p>
-            <a:fld id="{033373DF-BCDA-4600-B448-AFBDB22F4A39}" type="slidenum">
-              <a:rPr lang="en-US" smtClean="0"/>
-              <a:t>2</a:t>
-            </a:fld>
-            <a:endParaRPr lang="en-US"/>
-          </a:p>
-        </p:txBody>
-      </p:sp>
-      <p:sp>
-        <p:nvSpPr>
-          <p:cNvPr id="3" name="TextBox 2"/>
-          <p:cNvSpPr txBox="1"/>
-          <p:nvPr/>
-        </p:nvSpPr>
-        <p:spPr>
-          <a:xfrm>
-            <a:off x="1193194" y="2423057"/>
-            <a:ext cx="3404137" cy="1692771"/>
-          </a:xfrm>
-          <a:prstGeom prst="rect">
-            <a:avLst/>
-          </a:prstGeom>
-          <a:noFill/>
-          <a:ln>
-            <a:solidFill>
-              <a:schemeClr val="tx1"/>
-            </a:solidFill>
-          </a:ln>
-        </p:spPr>
-        <p:txBody>
-          <a:bodyPr wrap="none" rtlCol="0">
-            <a:spAutoFit/>
-          </a:bodyPr>
-          <a:lstStyle/>
-          <a:p>
-            <a:r>
-              <a:rPr lang="en-US" dirty="0"/>
-              <a:t>Presentation based on:</a:t>
-            </a:r>
-            <a:br>
-              <a:rPr lang="en-US" dirty="0"/>
-            </a:br>
-            <a:r>
-              <a:rPr lang="en-US" sz="2800" i="1" dirty="0"/>
-              <a:t>A tour of C++</a:t>
-            </a:r>
-            <a:r>
-              <a:rPr lang="en-US" sz="2800" dirty="0"/>
-              <a:t/>
-            </a:r>
-            <a:br>
-              <a:rPr lang="en-US" sz="2800" dirty="0"/>
-            </a:br>
-            <a:r>
-              <a:rPr lang="en-US" sz="2800" dirty="0"/>
-              <a:t>Bjarne </a:t>
-            </a:r>
-            <a:r>
-              <a:rPr lang="en-US" sz="2800" dirty="0" err="1"/>
-              <a:t>Stroustrup</a:t>
-            </a:r>
-            <a:endParaRPr lang="en-US" sz="2800" dirty="0"/>
-          </a:p>
-          <a:p>
-            <a:r>
-              <a:rPr lang="en-US" sz="2800" dirty="0"/>
-              <a:t>Addison-Wesley, 2014</a:t>
-            </a:r>
-          </a:p>
-        </p:txBody>
-      </p:sp>
-    </p:spTree>
-    <p:extLst>
-      <p:ext uri="{BB962C8B-B14F-4D97-AF65-F5344CB8AC3E}">
-        <p14:creationId xmlns:p14="http://schemas.microsoft.com/office/powerpoint/2010/main" val="2596996315"/>
-      </p:ext>
-    </p:extLst>
-  </p:cSld>
-  <p:clrMapOvr>
-    <a:masterClrMapping/>
-  </p:clrMapOvr>
-  <p:timing>
-    <p:tnLst>
-      <p:par>
-        <p:cTn id="1" dur="indefinite" restart="never" nodeType="tmRoot">
-          <p:childTnLst>
-            <p:seq concurrent="1" nextAc="seek">
-              <p:cTn id="2" dur="indefinite" nodeType="mainSeq">
-                <p:childTnLst>
-                  <p:par>
-                    <p:cTn id="3" fill="hold">
-                      <p:stCondLst>
-                        <p:cond delay="indefinite"/>
-                      </p:stCondLst>
-                      <p:childTnLst>
-                        <p:par>
-                          <p:cTn id="4" fill="hold">
-                            <p:stCondLst>
-                              <p:cond delay="0"/>
-                            </p:stCondLst>
-                            <p:childTnLst>
-                              <p:par>
-                                <p:cTn id="5" presetID="1" presetClass="entr" presetSubtype="0" fill="hold" grpId="0" nodeType="clickEffect">
-                                  <p:stCondLst>
-                                    <p:cond delay="0"/>
-                                  </p:stCondLst>
-                                  <p:childTnLst>
-                                    <p:set>
-                                      <p:cBhvr>
-                                        <p:cTn id="6" dur="1" fill="hold">
-                                          <p:stCondLst>
-                                            <p:cond delay="0"/>
-                                          </p:stCondLst>
-                                        </p:cTn>
-                                        <p:tgtEl>
-                                          <p:spTgt spid="3"/>
-                                        </p:tgtEl>
-                                        <p:attrNameLst>
-                                          <p:attrName>style.visibility</p:attrName>
-                                        </p:attrNameLst>
-                                      </p:cBhvr>
-                                      <p:to>
-                                        <p:strVal val="visible"/>
-                                      </p:to>
-                                    </p:set>
-                                  </p:childTnLst>
-                                </p:cTn>
-                              </p:par>
-                            </p:childTnLst>
-                          </p:cTn>
-                        </p:par>
-                      </p:childTnLst>
-                    </p:cTn>
-                  </p:par>
-                </p:childTnLst>
-              </p:cTn>
-              <p:prevCondLst>
-                <p:cond evt="onPrev" delay="0">
-                  <p:tgtEl>
-                    <p:sldTgt/>
-                  </p:tgtEl>
-                </p:cond>
-              </p:prevCondLst>
-              <p:nextCondLst>
-                <p:cond evt="onNext" delay="0">
-                  <p:tgtEl>
-                    <p:sldTgt/>
-                  </p:tgtEl>
-                </p:cond>
-              </p:nextCondLst>
-            </p:seq>
-          </p:childTnLst>
-        </p:cTn>
-      </p:par>
-    </p:tnLst>
-    <p:bldLst>
-      <p:bldP spid="3" grpId="0" animBg="1"/>
-    </p:bldLst>
-  </p:timing>
-</p:sld>
-</file>
-
-<file path=ppt/slides/slide20.xml><?xml version="1.0" encoding="utf-8"?>
+<file path=ppt/slides/slide21.xml><?xml version="1.0" encoding="utf-8"?>
 <p:sld xmlns:a="http://schemas.openxmlformats.org/drawingml/2006/main" xmlns:r="http://schemas.openxmlformats.org/officeDocument/2006/relationships" xmlns:p="http://schemas.openxmlformats.org/presentationml/2006/main">
   <p:cSld>
     <p:spTree>
@@ -10409,7 +11050,7 @@
           <a:p>
             <a:fld id="{11AD1F4E-1E51-402E-B221-310F004E7D3B}" type="slidenum">
               <a:rPr lang="en-US" smtClean="0"/>
-              <a:t>20</a:t>
+              <a:t>21</a:t>
             </a:fld>
             <a:endParaRPr lang="en-US"/>
           </a:p>
@@ -10661,7 +11302,7 @@
 </p:sld>
 </file>
 
-<file path=ppt/slides/slide21.xml><?xml version="1.0" encoding="utf-8"?>
+<file path=ppt/slides/slide22.xml><?xml version="1.0" encoding="utf-8"?>
 <p:sld xmlns:a="http://schemas.openxmlformats.org/drawingml/2006/main" xmlns:r="http://schemas.openxmlformats.org/officeDocument/2006/relationships" xmlns:p="http://schemas.openxmlformats.org/presentationml/2006/main">
   <p:cSld>
     <p:spTree>
@@ -10718,7 +11359,7 @@
           <a:p>
             <a:fld id="{11AD1F4E-1E51-402E-B221-310F004E7D3B}" type="slidenum">
               <a:rPr lang="en-US" smtClean="0"/>
-              <a:t>21</a:t>
+              <a:t>22</a:t>
             </a:fld>
             <a:endParaRPr lang="en-US"/>
           </a:p>
@@ -11315,7 +11956,7 @@
 </p:sld>
 </file>
 
-<file path=ppt/slides/slide22.xml><?xml version="1.0" encoding="utf-8"?>
+<file path=ppt/slides/slide23.xml><?xml version="1.0" encoding="utf-8"?>
 <p:sld xmlns:a="http://schemas.openxmlformats.org/drawingml/2006/main" xmlns:r="http://schemas.openxmlformats.org/officeDocument/2006/relationships" xmlns:p="http://schemas.openxmlformats.org/presentationml/2006/main">
   <p:cSld>
     <p:spTree>
@@ -11368,7 +12009,7 @@
         <p:spPr/>
         <p:txBody>
           <a:bodyPr>
-            <a:normAutofit fontScale="92500" lnSpcReduction="20000"/>
+            <a:normAutofit lnSpcReduction="10000"/>
           </a:bodyPr>
           <a:lstStyle/>
           <a:p>
@@ -11451,22 +12092,9 @@
           <a:p>
             <a:r>
               <a:rPr lang="en-US" dirty="0" smtClean="0"/>
-              <a:t>Implementations</a:t>
-            </a:r>
-          </a:p>
-          <a:p>
-            <a:pPr lvl="1"/>
-            <a:r>
-              <a:rPr lang="en-US" dirty="0" smtClean="0"/>
-              <a:t>C++/Java: standard library</a:t>
-            </a:r>
-          </a:p>
-          <a:p>
-            <a:pPr lvl="1"/>
-            <a:r>
-              <a:rPr lang="en-US" dirty="0" smtClean="0"/>
-              <a:t>Python: core language</a:t>
-            </a:r>
+              <a:t>Implementation: STL</a:t>
+            </a:r>
+            <a:endParaRPr lang="en-US" dirty="0" smtClean="0"/>
           </a:p>
           <a:p>
             <a:pPr lvl="1"/>
@@ -11510,7 +12138,7 @@
             <a:graphicData uri="http://schemas.openxmlformats.org/presentationml/2006/ole">
               <mc:AlternateContent xmlns:mc="http://schemas.openxmlformats.org/markup-compatibility/2006">
                 <mc:Choice xmlns:v="urn:schemas-microsoft-com:vml" Requires="v">
-                  <p:oleObj spid="_x0000_s4193" name="Equation" r:id="rId3" imgW="419040" imgH="241200" progId="Equation.3">
+                  <p:oleObj spid="_x0000_s4201" name="Equation" r:id="rId3" imgW="419040" imgH="241200" progId="Equation.3">
                     <p:embed/>
                   </p:oleObj>
                 </mc:Choice>
@@ -11598,7 +12226,7 @@
           <a:p>
             <a:fld id="{11AD1F4E-1E51-402E-B221-310F004E7D3B}" type="slidenum">
               <a:rPr lang="en-US" smtClean="0"/>
-              <a:t>22</a:t>
+              <a:t>23</a:t>
             </a:fld>
             <a:endParaRPr lang="en-US"/>
           </a:p>
@@ -13075,86 +13703,6 @@
                                   </p:childTnLst>
                                 </p:cTn>
                               </p:par>
-                              <p:par>
-                                <p:cTn id="55" presetID="1" presetClass="entr" presetSubtype="0" fill="hold" grpId="0" nodeType="withEffect">
-                                  <p:stCondLst>
-                                    <p:cond delay="0"/>
-                                  </p:stCondLst>
-                                  <p:childTnLst>
-                                    <p:set>
-                                      <p:cBhvr>
-                                        <p:cTn id="56" dur="1" fill="hold">
-                                          <p:stCondLst>
-                                            <p:cond delay="0"/>
-                                          </p:stCondLst>
-                                        </p:cTn>
-                                        <p:tgtEl>
-                                          <p:spTgt spid="3">
-                                            <p:txEl>
-                                              <p:pRg st="11" end="11"/>
-                                            </p:txEl>
-                                          </p:spTgt>
-                                        </p:tgtEl>
-                                        <p:attrNameLst>
-                                          <p:attrName>style.visibility</p:attrName>
-                                        </p:attrNameLst>
-                                      </p:cBhvr>
-                                      <p:to>
-                                        <p:strVal val="visible"/>
-                                      </p:to>
-                                    </p:set>
-                                  </p:childTnLst>
-                                </p:cTn>
-                              </p:par>
-                            </p:childTnLst>
-                          </p:cTn>
-                        </p:par>
-                      </p:childTnLst>
-                    </p:cTn>
-                  </p:par>
-                  <p:par>
-                    <p:cTn id="57" fill="hold">
-                      <p:stCondLst>
-                        <p:cond delay="indefinite"/>
-                      </p:stCondLst>
-                      <p:childTnLst>
-                        <p:par>
-                          <p:cTn id="58" fill="hold">
-                            <p:stCondLst>
-                              <p:cond delay="0"/>
-                            </p:stCondLst>
-                            <p:childTnLst>
-                              <p:par>
-                                <p:cTn id="59" presetID="1" presetClass="entr" presetSubtype="0" fill="hold" grpId="0" nodeType="clickEffect">
-                                  <p:stCondLst>
-                                    <p:cond delay="0"/>
-                                  </p:stCondLst>
-                                  <p:childTnLst>
-                                    <p:set>
-                                      <p:cBhvr>
-                                        <p:cTn id="60" dur="1" fill="hold">
-                                          <p:stCondLst>
-                                            <p:cond delay="0"/>
-                                          </p:stCondLst>
-                                        </p:cTn>
-                                        <p:tgtEl>
-                                          <p:spTgt spid="3">
-                                            <p:txEl>
-                                              <p:pRg st="12" end="12"/>
-                                            </p:txEl>
-                                          </p:spTgt>
-                                        </p:tgtEl>
-                                        <p:attrNameLst>
-                                          <p:attrName>style.visibility</p:attrName>
-                                        </p:attrNameLst>
-                                      </p:cBhvr>
-                                      <p:to>
-                                        <p:strVal val="visible"/>
-                                      </p:to>
-                                    </p:set>
-                                  </p:childTnLst>
-                                </p:cTn>
-                              </p:par>
                             </p:childTnLst>
                           </p:cTn>
                         </p:par>
@@ -13189,7 +13737,7 @@
 </p:sld>
 </file>
 
-<file path=ppt/slides/slide23.xml><?xml version="1.0" encoding="utf-8"?>
+<file path=ppt/slides/slide24.xml><?xml version="1.0" encoding="utf-8"?>
 <p:sld xmlns:a="http://schemas.openxmlformats.org/drawingml/2006/main" xmlns:r="http://schemas.openxmlformats.org/officeDocument/2006/relationships" xmlns:p="http://schemas.openxmlformats.org/presentationml/2006/main">
   <p:cSld>
     <p:spTree>
@@ -13393,7 +13941,7 @@
           <a:p>
             <a:fld id="{11AD1F4E-1E51-402E-B221-310F004E7D3B}" type="slidenum">
               <a:rPr lang="en-US" smtClean="0"/>
-              <a:t>23</a:t>
+              <a:t>24</a:t>
             </a:fld>
             <a:endParaRPr lang="en-US"/>
           </a:p>
@@ -13941,7 +14489,7 @@
 </p:sld>
 </file>
 
-<file path=ppt/slides/slide24.xml><?xml version="1.0" encoding="utf-8"?>
+<file path=ppt/slides/slide25.xml><?xml version="1.0" encoding="utf-8"?>
 <p:sld xmlns:a="http://schemas.openxmlformats.org/drawingml/2006/main" xmlns:r="http://schemas.openxmlformats.org/officeDocument/2006/relationships" xmlns:p="http://schemas.openxmlformats.org/presentationml/2006/main">
   <p:cSld>
     <p:spTree>
@@ -13998,7 +14546,7 @@
           <a:p>
             <a:fld id="{11AD1F4E-1E51-402E-B221-310F004E7D3B}" type="slidenum">
               <a:rPr lang="en-US" smtClean="0"/>
-              <a:t>24</a:t>
+              <a:t>25</a:t>
             </a:fld>
             <a:endParaRPr lang="en-US"/>
           </a:p>
@@ -14358,7 +14906,7 @@
 </p:sld>
 </file>
 
-<file path=ppt/slides/slide25.xml><?xml version="1.0" encoding="utf-8"?>
+<file path=ppt/slides/slide26.xml><?xml version="1.0" encoding="utf-8"?>
 <p:sld xmlns:a="http://schemas.openxmlformats.org/drawingml/2006/main" xmlns:r="http://schemas.openxmlformats.org/officeDocument/2006/relationships" xmlns:p="http://schemas.openxmlformats.org/presentationml/2006/main">
   <p:cSld>
     <p:spTree>
@@ -14484,7 +15032,11 @@
           <a:p>
             <a:r>
               <a:rPr lang="en-US" dirty="0" smtClean="0"/>
-              <a:t>Implementations: STL</a:t>
+              <a:t>Implementation: </a:t>
+            </a:r>
+            <a:r>
+              <a:rPr lang="en-US" dirty="0" smtClean="0"/>
+              <a:t>STL</a:t>
             </a:r>
           </a:p>
           <a:p>
@@ -14529,7 +15081,7 @@
             <a:graphicData uri="http://schemas.openxmlformats.org/presentationml/2006/ole">
               <mc:AlternateContent xmlns:mc="http://schemas.openxmlformats.org/markup-compatibility/2006">
                 <mc:Choice xmlns:v="urn:schemas-microsoft-com:vml" Requires="v">
-                  <p:oleObj spid="_x0000_s5287" name="Equation" r:id="rId3" imgW="444240" imgH="203040" progId="Equation.3">
+                  <p:oleObj spid="_x0000_s5303" name="Equation" r:id="rId3" imgW="444240" imgH="203040" progId="Equation.3">
                     <p:embed/>
                   </p:oleObj>
                 </mc:Choice>
@@ -14617,7 +15169,7 @@
           <a:p>
             <a:fld id="{11AD1F4E-1E51-402E-B221-310F004E7D3B}" type="slidenum">
               <a:rPr lang="en-US" smtClean="0"/>
-              <a:t>25</a:t>
+              <a:t>26</a:t>
             </a:fld>
             <a:endParaRPr lang="en-US"/>
           </a:p>
@@ -14710,7 +15262,7 @@
             <a:graphicData uri="http://schemas.openxmlformats.org/presentationml/2006/ole">
               <mc:AlternateContent xmlns:mc="http://schemas.openxmlformats.org/markup-compatibility/2006">
                 <mc:Choice xmlns:v="urn:schemas-microsoft-com:vml" Requires="v">
-                  <p:oleObj spid="_x0000_s5288" name="Equation" r:id="rId5" imgW="419040" imgH="215640" progId="Equation.3">
+                  <p:oleObj spid="_x0000_s5304" name="Equation" r:id="rId5" imgW="419040" imgH="215640" progId="Equation.3">
                     <p:embed/>
                   </p:oleObj>
                 </mc:Choice>
@@ -15519,7 +16071,7 @@
 </p:sld>
 </file>
 
-<file path=ppt/slides/slide26.xml><?xml version="1.0" encoding="utf-8"?>
+<file path=ppt/slides/slide27.xml><?xml version="1.0" encoding="utf-8"?>
 <p:sld xmlns:a="http://schemas.openxmlformats.org/drawingml/2006/main" xmlns:r="http://schemas.openxmlformats.org/officeDocument/2006/relationships" xmlns:p="http://schemas.openxmlformats.org/presentationml/2006/main">
   <p:cSld>
     <p:spTree>
@@ -15703,7 +16255,7 @@
           <a:p>
             <a:fld id="{11AD1F4E-1E51-402E-B221-310F004E7D3B}" type="slidenum">
               <a:rPr lang="en-US" smtClean="0"/>
-              <a:t>26</a:t>
+              <a:t>27</a:t>
             </a:fld>
             <a:endParaRPr lang="en-US"/>
           </a:p>
@@ -16300,7 +16852,7 @@
 </p:sld>
 </file>
 
-<file path=ppt/slides/slide27.xml><?xml version="1.0" encoding="utf-8"?>
+<file path=ppt/slides/slide28.xml><?xml version="1.0" encoding="utf-8"?>
 <p:sld xmlns:a="http://schemas.openxmlformats.org/drawingml/2006/main" xmlns:r="http://schemas.openxmlformats.org/officeDocument/2006/relationships" xmlns:p="http://schemas.openxmlformats.org/presentationml/2006/main">
   <p:cSld>
     <p:spTree>
@@ -16357,7 +16909,7 @@
           <a:p>
             <a:fld id="{11AD1F4E-1E51-402E-B221-310F004E7D3B}" type="slidenum">
               <a:rPr lang="en-US" smtClean="0"/>
-              <a:t>27</a:t>
+              <a:t>28</a:t>
             </a:fld>
             <a:endParaRPr lang="en-US"/>
           </a:p>
@@ -17036,7 +17588,7 @@
 </p:sld>
 </file>
 
-<file path=ppt/slides/slide28.xml><?xml version="1.0" encoding="utf-8"?>
+<file path=ppt/slides/slide29.xml><?xml version="1.0" encoding="utf-8"?>
 <p:sld xmlns:a="http://schemas.openxmlformats.org/drawingml/2006/main" xmlns:r="http://schemas.openxmlformats.org/officeDocument/2006/relationships" xmlns:p="http://schemas.openxmlformats.org/presentationml/2006/main">
   <p:cSld>
     <p:spTree>
@@ -17169,7 +17721,11 @@
           <a:p>
             <a:r>
               <a:rPr lang="en-US" dirty="0" smtClean="0"/>
-              <a:t>Implementations: STL</a:t>
+              <a:t>Implementation: </a:t>
+            </a:r>
+            <a:r>
+              <a:rPr lang="en-US" dirty="0" smtClean="0"/>
+              <a:t>STL</a:t>
             </a:r>
           </a:p>
           <a:p>
@@ -17214,7 +17770,7 @@
             <a:graphicData uri="http://schemas.openxmlformats.org/presentationml/2006/ole">
               <mc:AlternateContent xmlns:mc="http://schemas.openxmlformats.org/markup-compatibility/2006">
                 <mc:Choice xmlns:v="urn:schemas-microsoft-com:vml" Requires="v">
-                  <p:oleObj spid="_x0000_s6420" name="Equation" r:id="rId3" imgW="774360" imgH="215640" progId="Equation.3">
+                  <p:oleObj spid="_x0000_s6444" name="Equation" r:id="rId3" imgW="774360" imgH="215640" progId="Equation.3">
                     <p:embed/>
                   </p:oleObj>
                 </mc:Choice>
@@ -17305,7 +17861,7 @@
           <a:p>
             <a:fld id="{11AD1F4E-1E51-402E-B221-310F004E7D3B}" type="slidenum">
               <a:rPr lang="en-US" smtClean="0"/>
-              <a:t>28</a:t>
+              <a:t>29</a:t>
             </a:fld>
             <a:endParaRPr lang="en-US"/>
           </a:p>
@@ -17449,7 +18005,7 @@
             <a:graphicData uri="http://schemas.openxmlformats.org/presentationml/2006/ole">
               <mc:AlternateContent xmlns:mc="http://schemas.openxmlformats.org/markup-compatibility/2006">
                 <mc:Choice xmlns:v="urn:schemas-microsoft-com:vml" Requires="v">
-                  <p:oleObj spid="_x0000_s6421" name="Equation" r:id="rId5" imgW="622080" imgH="215640" progId="Equation.3">
+                  <p:oleObj spid="_x0000_s6445" name="Equation" r:id="rId5" imgW="622080" imgH="215640" progId="Equation.3">
                     <p:embed/>
                   </p:oleObj>
                 </mc:Choice>
@@ -17506,7 +18062,7 @@
             <a:graphicData uri="http://schemas.openxmlformats.org/presentationml/2006/ole">
               <mc:AlternateContent xmlns:mc="http://schemas.openxmlformats.org/markup-compatibility/2006">
                 <mc:Choice xmlns:v="urn:schemas-microsoft-com:vml" Requires="v">
-                  <p:oleObj spid="_x0000_s6422" name="Equation" r:id="rId7" imgW="749160" imgH="215640" progId="Equation.3">
+                  <p:oleObj spid="_x0000_s6446" name="Equation" r:id="rId7" imgW="749160" imgH="215640" progId="Equation.3">
                     <p:embed/>
                   </p:oleObj>
                 </mc:Choice>
@@ -18653,7 +19209,7 @@
 </p:sld>
 </file>
 
-<file path=ppt/slides/slide29.xml><?xml version="1.0" encoding="utf-8"?>
+<file path=ppt/slides/slide3.xml><?xml version="1.0" encoding="utf-8"?>
 <p:sld xmlns:a="http://schemas.openxmlformats.org/drawingml/2006/main" xmlns:r="http://schemas.openxmlformats.org/officeDocument/2006/relationships" xmlns:p="http://schemas.openxmlformats.org/presentationml/2006/main">
   <p:cSld>
     <p:spTree>
@@ -18687,6 +19243,108 @@
           <a:p>
             <a:r>
               <a:rPr lang="en-US" dirty="0" smtClean="0"/>
+              <a:t>Introduction</a:t>
+            </a:r>
+            <a:endParaRPr lang="en-US" dirty="0"/>
+          </a:p>
+        </p:txBody>
+      </p:sp>
+      <p:sp>
+        <p:nvSpPr>
+          <p:cNvPr id="3" name="Text Placeholder 2"/>
+          <p:cNvSpPr>
+            <a:spLocks noGrp="1"/>
+          </p:cNvSpPr>
+          <p:nvPr>
+            <p:ph type="body" idx="1"/>
+          </p:nvPr>
+        </p:nvSpPr>
+        <p:spPr/>
+        <p:txBody>
+          <a:bodyPr/>
+          <a:lstStyle/>
+          <a:p>
+            <a:endParaRPr lang="en-US"/>
+          </a:p>
+        </p:txBody>
+      </p:sp>
+      <p:sp>
+        <p:nvSpPr>
+          <p:cNvPr id="4" name="Slide Number Placeholder 3"/>
+          <p:cNvSpPr>
+            <a:spLocks noGrp="1"/>
+          </p:cNvSpPr>
+          <p:nvPr>
+            <p:ph type="sldNum" sz="quarter" idx="12"/>
+          </p:nvPr>
+        </p:nvSpPr>
+        <p:spPr/>
+        <p:txBody>
+          <a:bodyPr/>
+          <a:lstStyle/>
+          <a:p>
+            <a:fld id="{11AD1F4E-1E51-402E-B221-310F004E7D3B}" type="slidenum">
+              <a:rPr lang="en-US" smtClean="0"/>
+              <a:t>3</a:t>
+            </a:fld>
+            <a:endParaRPr lang="en-US"/>
+          </a:p>
+        </p:txBody>
+      </p:sp>
+    </p:spTree>
+    <p:extLst>
+      <p:ext uri="{BB962C8B-B14F-4D97-AF65-F5344CB8AC3E}">
+        <p14:creationId xmlns:p14="http://schemas.microsoft.com/office/powerpoint/2010/main" val="33640868"/>
+      </p:ext>
+    </p:extLst>
+  </p:cSld>
+  <p:clrMapOvr>
+    <a:masterClrMapping/>
+  </p:clrMapOvr>
+  <p:timing>
+    <p:tnLst>
+      <p:par>
+        <p:cTn id="1" dur="indefinite" restart="never" nodeType="tmRoot"/>
+      </p:par>
+    </p:tnLst>
+  </p:timing>
+</p:sld>
+</file>
+
+<file path=ppt/slides/slide30.xml><?xml version="1.0" encoding="utf-8"?>
+<p:sld xmlns:a="http://schemas.openxmlformats.org/drawingml/2006/main" xmlns:r="http://schemas.openxmlformats.org/officeDocument/2006/relationships" xmlns:p="http://schemas.openxmlformats.org/presentationml/2006/main">
+  <p:cSld>
+    <p:spTree>
+      <p:nvGrpSpPr>
+        <p:cNvPr id="1" name=""/>
+        <p:cNvGrpSpPr/>
+        <p:nvPr/>
+      </p:nvGrpSpPr>
+      <p:grpSpPr>
+        <a:xfrm>
+          <a:off x="0" y="0"/>
+          <a:ext cx="0" cy="0"/>
+          <a:chOff x="0" y="0"/>
+          <a:chExt cx="0" cy="0"/>
+        </a:xfrm>
+      </p:grpSpPr>
+      <p:sp>
+        <p:nvSpPr>
+          <p:cNvPr id="2" name="Title 1"/>
+          <p:cNvSpPr>
+            <a:spLocks noGrp="1"/>
+          </p:cNvSpPr>
+          <p:nvPr>
+            <p:ph type="title"/>
+          </p:nvPr>
+        </p:nvSpPr>
+        <p:spPr/>
+        <p:txBody>
+          <a:bodyPr/>
+          <a:lstStyle/>
+          <a:p>
+            <a:r>
+              <a:rPr lang="en-US" dirty="0" smtClean="0"/>
               <a:t>Map ADT</a:t>
             </a:r>
             <a:endParaRPr lang="en-US" dirty="0"/>
@@ -18891,7 +19549,7 @@
           <a:p>
             <a:fld id="{11AD1F4E-1E51-402E-B221-310F004E7D3B}" type="slidenum">
               <a:rPr lang="en-US" smtClean="0"/>
-              <a:t>29</a:t>
+              <a:t>30</a:t>
             </a:fld>
             <a:endParaRPr lang="en-US"/>
           </a:p>
@@ -19537,7 +20195,7 @@
 </p:sld>
 </file>
 
-<file path=ppt/slides/slide3.xml><?xml version="1.0" encoding="utf-8"?>
+<file path=ppt/slides/slide31.xml><?xml version="1.0" encoding="utf-8"?>
 <p:sld xmlns:a="http://schemas.openxmlformats.org/drawingml/2006/main" xmlns:r="http://schemas.openxmlformats.org/officeDocument/2006/relationships" xmlns:p="http://schemas.openxmlformats.org/presentationml/2006/main">
   <p:cSld>
     <p:spTree>
@@ -19571,28 +20229,9 @@
           <a:p>
             <a:r>
               <a:rPr lang="en-US" dirty="0" smtClean="0"/>
-              <a:t>Introduction</a:t>
+              <a:t>Map example</a:t>
             </a:r>
             <a:endParaRPr lang="en-US" dirty="0"/>
-          </a:p>
-        </p:txBody>
-      </p:sp>
-      <p:sp>
-        <p:nvSpPr>
-          <p:cNvPr id="3" name="Text Placeholder 2"/>
-          <p:cNvSpPr>
-            <a:spLocks noGrp="1"/>
-          </p:cNvSpPr>
-          <p:nvPr>
-            <p:ph type="body" idx="1"/>
-          </p:nvPr>
-        </p:nvSpPr>
-        <p:spPr/>
-        <p:txBody>
-          <a:bodyPr/>
-          <a:lstStyle/>
-          <a:p>
-            <a:endParaRPr lang="en-US"/>
           </a:p>
         </p:txBody>
       </p:sp>
@@ -19613,90 +20252,7 @@
           <a:p>
             <a:fld id="{11AD1F4E-1E51-402E-B221-310F004E7D3B}" type="slidenum">
               <a:rPr lang="en-US" smtClean="0"/>
-              <a:t>3</a:t>
-            </a:fld>
-            <a:endParaRPr lang="en-US"/>
-          </a:p>
-        </p:txBody>
-      </p:sp>
-    </p:spTree>
-    <p:extLst>
-      <p:ext uri="{BB962C8B-B14F-4D97-AF65-F5344CB8AC3E}">
-        <p14:creationId xmlns:p14="http://schemas.microsoft.com/office/powerpoint/2010/main" val="33640868"/>
-      </p:ext>
-    </p:extLst>
-  </p:cSld>
-  <p:clrMapOvr>
-    <a:masterClrMapping/>
-  </p:clrMapOvr>
-  <p:timing>
-    <p:tnLst>
-      <p:par>
-        <p:cTn id="1" dur="indefinite" restart="never" nodeType="tmRoot"/>
-      </p:par>
-    </p:tnLst>
-  </p:timing>
-</p:sld>
-</file>
-
-<file path=ppt/slides/slide30.xml><?xml version="1.0" encoding="utf-8"?>
-<p:sld xmlns:a="http://schemas.openxmlformats.org/drawingml/2006/main" xmlns:r="http://schemas.openxmlformats.org/officeDocument/2006/relationships" xmlns:p="http://schemas.openxmlformats.org/presentationml/2006/main">
-  <p:cSld>
-    <p:spTree>
-      <p:nvGrpSpPr>
-        <p:cNvPr id="1" name=""/>
-        <p:cNvGrpSpPr/>
-        <p:nvPr/>
-      </p:nvGrpSpPr>
-      <p:grpSpPr>
-        <a:xfrm>
-          <a:off x="0" y="0"/>
-          <a:ext cx="0" cy="0"/>
-          <a:chOff x="0" y="0"/>
-          <a:chExt cx="0" cy="0"/>
-        </a:xfrm>
-      </p:grpSpPr>
-      <p:sp>
-        <p:nvSpPr>
-          <p:cNvPr id="2" name="Title 1"/>
-          <p:cNvSpPr>
-            <a:spLocks noGrp="1"/>
-          </p:cNvSpPr>
-          <p:nvPr>
-            <p:ph type="title"/>
-          </p:nvPr>
-        </p:nvSpPr>
-        <p:spPr/>
-        <p:txBody>
-          <a:bodyPr/>
-          <a:lstStyle/>
-          <a:p>
-            <a:r>
-              <a:rPr lang="en-US" dirty="0" smtClean="0"/>
-              <a:t>Map example</a:t>
-            </a:r>
-            <a:endParaRPr lang="en-US" dirty="0"/>
-          </a:p>
-        </p:txBody>
-      </p:sp>
-      <p:sp>
-        <p:nvSpPr>
-          <p:cNvPr id="4" name="Slide Number Placeholder 3"/>
-          <p:cNvSpPr>
-            <a:spLocks noGrp="1"/>
-          </p:cNvSpPr>
-          <p:nvPr>
-            <p:ph type="sldNum" sz="quarter" idx="12"/>
-          </p:nvPr>
-        </p:nvSpPr>
-        <p:spPr/>
-        <p:txBody>
-          <a:bodyPr/>
-          <a:lstStyle/>
-          <a:p>
-            <a:fld id="{11AD1F4E-1E51-402E-B221-310F004E7D3B}" type="slidenum">
-              <a:rPr lang="en-US" smtClean="0"/>
-              <a:t>30</a:t>
+              <a:t>31</a:t>
             </a:fld>
             <a:endParaRPr lang="en-US"/>
           </a:p>
@@ -20433,7 +20989,7 @@
 </p:sld>
 </file>
 
-<file path=ppt/slides/slide31.xml><?xml version="1.0" encoding="utf-8"?>
+<file path=ppt/slides/slide32.xml><?xml version="1.0" encoding="utf-8"?>
 <p:sld xmlns:a="http://schemas.openxmlformats.org/drawingml/2006/main" xmlns:r="http://schemas.openxmlformats.org/officeDocument/2006/relationships" xmlns:p="http://schemas.openxmlformats.org/presentationml/2006/main">
   <p:cSld>
     <p:spTree>
@@ -20630,7 +21186,7 @@
           <a:p>
             <a:fld id="{11AD1F4E-1E51-402E-B221-310F004E7D3B}" type="slidenum">
               <a:rPr lang="en-US" smtClean="0"/>
-              <a:t>31</a:t>
+              <a:t>32</a:t>
             </a:fld>
             <a:endParaRPr lang="en-US"/>
           </a:p>
@@ -21129,108 +21685,6 @@
 </p:sld>
 </file>
 
-<file path=ppt/slides/slide32.xml><?xml version="1.0" encoding="utf-8"?>
-<p:sld xmlns:a="http://schemas.openxmlformats.org/drawingml/2006/main" xmlns:r="http://schemas.openxmlformats.org/officeDocument/2006/relationships" xmlns:p="http://schemas.openxmlformats.org/presentationml/2006/main">
-  <p:cSld>
-    <p:spTree>
-      <p:nvGrpSpPr>
-        <p:cNvPr id="1" name=""/>
-        <p:cNvGrpSpPr/>
-        <p:nvPr/>
-      </p:nvGrpSpPr>
-      <p:grpSpPr>
-        <a:xfrm>
-          <a:off x="0" y="0"/>
-          <a:ext cx="0" cy="0"/>
-          <a:chOff x="0" y="0"/>
-          <a:chExt cx="0" cy="0"/>
-        </a:xfrm>
-      </p:grpSpPr>
-      <p:sp>
-        <p:nvSpPr>
-          <p:cNvPr id="2" name="Title 1"/>
-          <p:cNvSpPr>
-            <a:spLocks noGrp="1"/>
-          </p:cNvSpPr>
-          <p:nvPr>
-            <p:ph type="title"/>
-          </p:nvPr>
-        </p:nvSpPr>
-        <p:spPr/>
-        <p:txBody>
-          <a:bodyPr/>
-          <a:lstStyle/>
-          <a:p>
-            <a:r>
-              <a:rPr lang="en-US" dirty="0" smtClean="0"/>
-              <a:t>Specialized data structures</a:t>
-            </a:r>
-            <a:endParaRPr lang="en-US" dirty="0"/>
-          </a:p>
-        </p:txBody>
-      </p:sp>
-      <p:sp>
-        <p:nvSpPr>
-          <p:cNvPr id="3" name="Text Placeholder 2"/>
-          <p:cNvSpPr>
-            <a:spLocks noGrp="1"/>
-          </p:cNvSpPr>
-          <p:nvPr>
-            <p:ph type="body" idx="1"/>
-          </p:nvPr>
-        </p:nvSpPr>
-        <p:spPr/>
-        <p:txBody>
-          <a:bodyPr/>
-          <a:lstStyle/>
-          <a:p>
-            <a:endParaRPr lang="en-US"/>
-          </a:p>
-        </p:txBody>
-      </p:sp>
-      <p:sp>
-        <p:nvSpPr>
-          <p:cNvPr id="4" name="Slide Number Placeholder 3"/>
-          <p:cNvSpPr>
-            <a:spLocks noGrp="1"/>
-          </p:cNvSpPr>
-          <p:nvPr>
-            <p:ph type="sldNum" sz="quarter" idx="12"/>
-          </p:nvPr>
-        </p:nvSpPr>
-        <p:spPr/>
-        <p:txBody>
-          <a:bodyPr/>
-          <a:lstStyle/>
-          <a:p>
-            <a:fld id="{11AD1F4E-1E51-402E-B221-310F004E7D3B}" type="slidenum">
-              <a:rPr lang="en-US" smtClean="0"/>
-              <a:t>32</a:t>
-            </a:fld>
-            <a:endParaRPr lang="en-US"/>
-          </a:p>
-        </p:txBody>
-      </p:sp>
-    </p:spTree>
-    <p:extLst>
-      <p:ext uri="{BB962C8B-B14F-4D97-AF65-F5344CB8AC3E}">
-        <p14:creationId xmlns:p14="http://schemas.microsoft.com/office/powerpoint/2010/main" val="3507347166"/>
-      </p:ext>
-    </p:extLst>
-  </p:cSld>
-  <p:clrMapOvr>
-    <a:masterClrMapping/>
-  </p:clrMapOvr>
-  <p:timing>
-    <p:tnLst>
-      <p:par>
-        <p:cTn id="1" dur="indefinite" restart="never" nodeType="tmRoot"/>
-      </p:par>
-    </p:tnLst>
-  </p:timing>
-</p:sld>
-</file>
-
 <file path=ppt/slides/slide33.xml><?xml version="1.0" encoding="utf-8"?>
 <p:sld xmlns:a="http://schemas.openxmlformats.org/drawingml/2006/main" xmlns:r="http://schemas.openxmlformats.org/officeDocument/2006/relationships" xmlns:p="http://schemas.openxmlformats.org/presentationml/2006/main">
   <p:cSld>
@@ -21265,7 +21719,7 @@
           <a:p>
             <a:r>
               <a:rPr lang="en-US" dirty="0" smtClean="0"/>
-              <a:t>Specialized data structures</a:t>
+              <a:t>Contiguous vs. non-contiguous</a:t>
             </a:r>
             <a:endParaRPr lang="en-US" dirty="0"/>
           </a:p>
@@ -21283,68 +21737,51 @@
         </p:nvSpPr>
         <p:spPr/>
         <p:txBody>
-          <a:bodyPr>
-            <a:normAutofit/>
-          </a:bodyPr>
+          <a:bodyPr/>
           <a:lstStyle/>
           <a:p>
             <a:r>
               <a:rPr lang="en-US" dirty="0" smtClean="0"/>
-              <a:t>Data structures provided</a:t>
-            </a:r>
+              <a:t>Data stored contiguously in memory allows </a:t>
+            </a:r>
+            <a:r>
+              <a:rPr lang="en-US" dirty="0" err="1" smtClean="0"/>
+              <a:t>prefetch</a:t>
+            </a:r>
+            <a:endParaRPr lang="en-US" dirty="0" smtClean="0"/>
           </a:p>
           <a:p>
             <a:pPr lvl="1"/>
             <a:r>
               <a:rPr lang="en-US" dirty="0" smtClean="0"/>
-              <a:t>standard libraries</a:t>
+              <a:t>decreases memory latency</a:t>
             </a:r>
           </a:p>
           <a:p>
             <a:pPr lvl="1"/>
+            <a:endParaRPr lang="en-US" dirty="0"/>
+          </a:p>
+          <a:p>
             <a:r>
               <a:rPr lang="en-US" dirty="0" smtClean="0"/>
-              <a:t>third-party libraries</a:t>
-            </a:r>
-          </a:p>
-          <a:p>
+              <a:t>Data types</a:t>
+            </a:r>
+          </a:p>
+          <a:p>
+            <a:pPr lvl="1"/>
+            <a:r>
+              <a:rPr lang="en-US" dirty="0" err="1" smtClean="0"/>
+              <a:t>valarray</a:t>
+            </a:r>
+            <a:endParaRPr lang="en-US" dirty="0" smtClean="0"/>
+          </a:p>
+          <a:p>
+            <a:pPr lvl="1"/>
             <a:r>
               <a:rPr lang="en-US" dirty="0" smtClean="0"/>
-              <a:t>Often implemented on top of basic data structures</a:t>
-            </a:r>
-          </a:p>
-          <a:p>
-            <a:r>
-              <a:rPr lang="en-US" dirty="0" smtClean="0"/>
-              <a:t>Other data structures can be implemented on top</a:t>
-            </a:r>
-          </a:p>
-          <a:p>
-            <a:r>
-              <a:rPr lang="en-US" dirty="0" smtClean="0"/>
-              <a:t>Contents</a:t>
-            </a:r>
-          </a:p>
-          <a:p>
-            <a:pPr lvl="1"/>
-            <a:r>
-              <a:rPr lang="en-US" dirty="0" smtClean="0"/>
-              <a:t>stack</a:t>
-            </a:r>
-          </a:p>
-          <a:p>
-            <a:pPr lvl="1"/>
-            <a:r>
-              <a:rPr lang="en-US" dirty="0" smtClean="0"/>
-              <a:t>queue, priority queue</a:t>
-            </a:r>
-          </a:p>
-          <a:p>
-            <a:pPr lvl="1"/>
-            <a:r>
-              <a:rPr lang="en-US" dirty="0" smtClean="0"/>
-              <a:t>graph, DAG, tree</a:t>
-            </a:r>
+              <a:t>vector</a:t>
+            </a:r>
+            <a:endParaRPr lang="en-US" dirty="0"/>
           </a:p>
         </p:txBody>
       </p:sp>
@@ -21371,10 +21808,98 @@
           </a:p>
         </p:txBody>
       </p:sp>
+      <p:sp>
+        <p:nvSpPr>
+          <p:cNvPr id="5" name="TextBox 4"/>
+          <p:cNvSpPr txBox="1"/>
+          <p:nvPr/>
+        </p:nvSpPr>
+        <p:spPr>
+          <a:xfrm>
+            <a:off x="5348575" y="2475781"/>
+            <a:ext cx="2218749" cy="830997"/>
+          </a:xfrm>
+          <a:prstGeom prst="rect">
+            <a:avLst/>
+          </a:prstGeom>
+          <a:noFill/>
+          <a:ln>
+            <a:solidFill>
+              <a:schemeClr val="tx1"/>
+            </a:solidFill>
+          </a:ln>
+        </p:spPr>
+        <p:txBody>
+          <a:bodyPr wrap="none" rtlCol="0">
+            <a:spAutoFit/>
+          </a:bodyPr>
+          <a:lstStyle/>
+          <a:p>
+            <a:r>
+              <a:rPr lang="en-US" sz="2400" dirty="0" smtClean="0"/>
+              <a:t>Many codes are</a:t>
+            </a:r>
+            <a:br>
+              <a:rPr lang="en-US" sz="2400" dirty="0" smtClean="0"/>
+            </a:br>
+            <a:r>
+              <a:rPr lang="en-US" sz="2400" dirty="0" smtClean="0"/>
+              <a:t>memory bound!</a:t>
+            </a:r>
+            <a:endParaRPr lang="en-US" sz="2400" dirty="0"/>
+          </a:p>
+        </p:txBody>
+      </p:sp>
+      <p:sp>
+        <p:nvSpPr>
+          <p:cNvPr id="6" name="TextBox 5"/>
+          <p:cNvSpPr txBox="1"/>
+          <p:nvPr/>
+        </p:nvSpPr>
+        <p:spPr>
+          <a:xfrm>
+            <a:off x="1785668" y="5072332"/>
+            <a:ext cx="6576096" cy="954107"/>
+          </a:xfrm>
+          <a:prstGeom prst="rect">
+            <a:avLst/>
+          </a:prstGeom>
+          <a:noFill/>
+          <a:ln>
+            <a:solidFill>
+              <a:schemeClr val="tx1"/>
+            </a:solidFill>
+          </a:ln>
+        </p:spPr>
+        <p:txBody>
+          <a:bodyPr wrap="none" rtlCol="0">
+            <a:spAutoFit/>
+          </a:bodyPr>
+          <a:lstStyle/>
+          <a:p>
+            <a:r>
+              <a:rPr lang="en-US" sz="2800" dirty="0" smtClean="0"/>
+              <a:t>Use these for memory-intensive algorithms,</a:t>
+            </a:r>
+            <a:br>
+              <a:rPr lang="en-US" sz="2800" dirty="0" smtClean="0"/>
+            </a:br>
+            <a:r>
+              <a:rPr lang="en-US" sz="2800" i="1" dirty="0" smtClean="0"/>
+              <a:t>never</a:t>
+            </a:r>
+            <a:r>
+              <a:rPr lang="en-US" sz="2800" dirty="0" smtClean="0"/>
+              <a:t> list/queue/…</a:t>
+            </a:r>
+            <a:endParaRPr lang="en-US" sz="2800" dirty="0"/>
+          </a:p>
+        </p:txBody>
+      </p:sp>
     </p:spTree>
     <p:extLst>
       <p:ext uri="{BB962C8B-B14F-4D97-AF65-F5344CB8AC3E}">
-        <p14:creationId xmlns:p14="http://schemas.microsoft.com/office/powerpoint/2010/main" val="3456588179"/>
+        <p14:creationId xmlns:p14="http://schemas.microsoft.com/office/powerpoint/2010/main" val="3723935399"/>
       </p:ext>
     </p:extLst>
   </p:cSld>
@@ -21384,9 +21909,321 @@
   <p:timing>
     <p:tnLst>
       <p:par>
-        <p:cTn id="1" dur="indefinite" restart="never" nodeType="tmRoot"/>
+        <p:cTn id="1" dur="indefinite" restart="never" nodeType="tmRoot">
+          <p:childTnLst>
+            <p:seq concurrent="1" nextAc="seek">
+              <p:cTn id="2" dur="indefinite" nodeType="mainSeq">
+                <p:childTnLst>
+                  <p:par>
+                    <p:cTn id="3" fill="hold">
+                      <p:stCondLst>
+                        <p:cond delay="indefinite"/>
+                        <p:cond evt="onBegin" delay="0">
+                          <p:tn val="2"/>
+                        </p:cond>
+                      </p:stCondLst>
+                      <p:childTnLst>
+                        <p:par>
+                          <p:cTn id="4" fill="hold">
+                            <p:stCondLst>
+                              <p:cond delay="0"/>
+                            </p:stCondLst>
+                            <p:childTnLst>
+                              <p:par>
+                                <p:cTn id="5" presetID="1" presetClass="entr" presetSubtype="0" fill="hold" grpId="0" nodeType="withEffect">
+                                  <p:stCondLst>
+                                    <p:cond delay="0"/>
+                                  </p:stCondLst>
+                                  <p:childTnLst>
+                                    <p:set>
+                                      <p:cBhvr>
+                                        <p:cTn id="6" dur="1" fill="hold">
+                                          <p:stCondLst>
+                                            <p:cond delay="0"/>
+                                          </p:stCondLst>
+                                        </p:cTn>
+                                        <p:tgtEl>
+                                          <p:spTgt spid="3">
+                                            <p:txEl>
+                                              <p:pRg st="0" end="0"/>
+                                            </p:txEl>
+                                          </p:spTgt>
+                                        </p:tgtEl>
+                                        <p:attrNameLst>
+                                          <p:attrName>style.visibility</p:attrName>
+                                        </p:attrNameLst>
+                                      </p:cBhvr>
+                                      <p:to>
+                                        <p:strVal val="visible"/>
+                                      </p:to>
+                                    </p:set>
+                                  </p:childTnLst>
+                                </p:cTn>
+                              </p:par>
+                              <p:par>
+                                <p:cTn id="7" presetID="1" presetClass="entr" presetSubtype="0" fill="hold" grpId="0" nodeType="withEffect">
+                                  <p:stCondLst>
+                                    <p:cond delay="0"/>
+                                  </p:stCondLst>
+                                  <p:childTnLst>
+                                    <p:set>
+                                      <p:cBhvr>
+                                        <p:cTn id="8" dur="1" fill="hold">
+                                          <p:stCondLst>
+                                            <p:cond delay="0"/>
+                                          </p:stCondLst>
+                                        </p:cTn>
+                                        <p:tgtEl>
+                                          <p:spTgt spid="3">
+                                            <p:txEl>
+                                              <p:pRg st="1" end="1"/>
+                                            </p:txEl>
+                                          </p:spTgt>
+                                        </p:tgtEl>
+                                        <p:attrNameLst>
+                                          <p:attrName>style.visibility</p:attrName>
+                                        </p:attrNameLst>
+                                      </p:cBhvr>
+                                      <p:to>
+                                        <p:strVal val="visible"/>
+                                      </p:to>
+                                    </p:set>
+                                  </p:childTnLst>
+                                </p:cTn>
+                              </p:par>
+                            </p:childTnLst>
+                          </p:cTn>
+                        </p:par>
+                      </p:childTnLst>
+                    </p:cTn>
+                  </p:par>
+                  <p:par>
+                    <p:cTn id="9" fill="hold">
+                      <p:stCondLst>
+                        <p:cond delay="indefinite"/>
+                      </p:stCondLst>
+                      <p:childTnLst>
+                        <p:par>
+                          <p:cTn id="10" fill="hold">
+                            <p:stCondLst>
+                              <p:cond delay="0"/>
+                            </p:stCondLst>
+                            <p:childTnLst>
+                              <p:par>
+                                <p:cTn id="11" presetID="1" presetClass="entr" presetSubtype="0" fill="hold" grpId="0" nodeType="clickEffect">
+                                  <p:stCondLst>
+                                    <p:cond delay="0"/>
+                                  </p:stCondLst>
+                                  <p:childTnLst>
+                                    <p:set>
+                                      <p:cBhvr>
+                                        <p:cTn id="12" dur="1" fill="hold">
+                                          <p:stCondLst>
+                                            <p:cond delay="0"/>
+                                          </p:stCondLst>
+                                        </p:cTn>
+                                        <p:tgtEl>
+                                          <p:spTgt spid="5"/>
+                                        </p:tgtEl>
+                                        <p:attrNameLst>
+                                          <p:attrName>style.visibility</p:attrName>
+                                        </p:attrNameLst>
+                                      </p:cBhvr>
+                                      <p:to>
+                                        <p:strVal val="visible"/>
+                                      </p:to>
+                                    </p:set>
+                                  </p:childTnLst>
+                                </p:cTn>
+                              </p:par>
+                            </p:childTnLst>
+                          </p:cTn>
+                        </p:par>
+                      </p:childTnLst>
+                    </p:cTn>
+                  </p:par>
+                  <p:par>
+                    <p:cTn id="13" fill="hold">
+                      <p:stCondLst>
+                        <p:cond delay="indefinite"/>
+                      </p:stCondLst>
+                      <p:childTnLst>
+                        <p:par>
+                          <p:cTn id="14" fill="hold">
+                            <p:stCondLst>
+                              <p:cond delay="0"/>
+                            </p:stCondLst>
+                            <p:childTnLst>
+                              <p:par>
+                                <p:cTn id="15" presetID="1" presetClass="entr" presetSubtype="0" fill="hold" grpId="0" nodeType="clickEffect">
+                                  <p:stCondLst>
+                                    <p:cond delay="0"/>
+                                  </p:stCondLst>
+                                  <p:childTnLst>
+                                    <p:set>
+                                      <p:cBhvr>
+                                        <p:cTn id="16" dur="1" fill="hold">
+                                          <p:stCondLst>
+                                            <p:cond delay="0"/>
+                                          </p:stCondLst>
+                                        </p:cTn>
+                                        <p:tgtEl>
+                                          <p:spTgt spid="3">
+                                            <p:txEl>
+                                              <p:pRg st="3" end="3"/>
+                                            </p:txEl>
+                                          </p:spTgt>
+                                        </p:tgtEl>
+                                        <p:attrNameLst>
+                                          <p:attrName>style.visibility</p:attrName>
+                                        </p:attrNameLst>
+                                      </p:cBhvr>
+                                      <p:to>
+                                        <p:strVal val="visible"/>
+                                      </p:to>
+                                    </p:set>
+                                  </p:childTnLst>
+                                </p:cTn>
+                              </p:par>
+                              <p:par>
+                                <p:cTn id="17" presetID="1" presetClass="entr" presetSubtype="0" fill="hold" grpId="0" nodeType="withEffect">
+                                  <p:stCondLst>
+                                    <p:cond delay="0"/>
+                                  </p:stCondLst>
+                                  <p:childTnLst>
+                                    <p:set>
+                                      <p:cBhvr>
+                                        <p:cTn id="18" dur="1" fill="hold">
+                                          <p:stCondLst>
+                                            <p:cond delay="0"/>
+                                          </p:stCondLst>
+                                        </p:cTn>
+                                        <p:tgtEl>
+                                          <p:spTgt spid="3">
+                                            <p:txEl>
+                                              <p:pRg st="4" end="4"/>
+                                            </p:txEl>
+                                          </p:spTgt>
+                                        </p:tgtEl>
+                                        <p:attrNameLst>
+                                          <p:attrName>style.visibility</p:attrName>
+                                        </p:attrNameLst>
+                                      </p:cBhvr>
+                                      <p:to>
+                                        <p:strVal val="visible"/>
+                                      </p:to>
+                                    </p:set>
+                                  </p:childTnLst>
+                                </p:cTn>
+                              </p:par>
+                              <p:par>
+                                <p:cTn id="19" presetID="1" presetClass="entr" presetSubtype="0" fill="hold" grpId="0" nodeType="withEffect">
+                                  <p:stCondLst>
+                                    <p:cond delay="0"/>
+                                  </p:stCondLst>
+                                  <p:childTnLst>
+                                    <p:set>
+                                      <p:cBhvr>
+                                        <p:cTn id="20" dur="1" fill="hold">
+                                          <p:stCondLst>
+                                            <p:cond delay="0"/>
+                                          </p:stCondLst>
+                                        </p:cTn>
+                                        <p:tgtEl>
+                                          <p:spTgt spid="3">
+                                            <p:txEl>
+                                              <p:pRg st="5" end="5"/>
+                                            </p:txEl>
+                                          </p:spTgt>
+                                        </p:tgtEl>
+                                        <p:attrNameLst>
+                                          <p:attrName>style.visibility</p:attrName>
+                                        </p:attrNameLst>
+                                      </p:cBhvr>
+                                      <p:to>
+                                        <p:strVal val="visible"/>
+                                      </p:to>
+                                    </p:set>
+                                  </p:childTnLst>
+                                </p:cTn>
+                              </p:par>
+                            </p:childTnLst>
+                          </p:cTn>
+                        </p:par>
+                      </p:childTnLst>
+                    </p:cTn>
+                  </p:par>
+                  <p:par>
+                    <p:cTn id="21" fill="hold">
+                      <p:stCondLst>
+                        <p:cond delay="indefinite"/>
+                      </p:stCondLst>
+                      <p:childTnLst>
+                        <p:par>
+                          <p:cTn id="22" fill="hold">
+                            <p:stCondLst>
+                              <p:cond delay="0"/>
+                            </p:stCondLst>
+                            <p:childTnLst>
+                              <p:par>
+                                <p:cTn id="23" presetID="1" presetClass="entr" presetSubtype="0" fill="hold" grpId="0" nodeType="clickEffect">
+                                  <p:stCondLst>
+                                    <p:cond delay="0"/>
+                                  </p:stCondLst>
+                                  <p:childTnLst>
+                                    <p:set>
+                                      <p:cBhvr>
+                                        <p:cTn id="24" dur="1" fill="hold">
+                                          <p:stCondLst>
+                                            <p:cond delay="0"/>
+                                          </p:stCondLst>
+                                        </p:cTn>
+                                        <p:tgtEl>
+                                          <p:spTgt spid="6"/>
+                                        </p:tgtEl>
+                                        <p:attrNameLst>
+                                          <p:attrName>style.visibility</p:attrName>
+                                        </p:attrNameLst>
+                                      </p:cBhvr>
+                                      <p:to>
+                                        <p:strVal val="visible"/>
+                                      </p:to>
+                                    </p:set>
+                                  </p:childTnLst>
+                                </p:cTn>
+                              </p:par>
+                            </p:childTnLst>
+                          </p:cTn>
+                        </p:par>
+                      </p:childTnLst>
+                    </p:cTn>
+                  </p:par>
+                </p:childTnLst>
+              </p:cTn>
+              <p:prevCondLst>
+                <p:cond evt="onPrev" delay="0">
+                  <p:tgtEl>
+                    <p:sldTgt/>
+                  </p:tgtEl>
+                </p:cond>
+              </p:prevCondLst>
+              <p:nextCondLst>
+                <p:cond evt="onNext" delay="0">
+                  <p:tgtEl>
+                    <p:sldTgt/>
+                  </p:tgtEl>
+                </p:cond>
+              </p:nextCondLst>
+            </p:seq>
+          </p:childTnLst>
+        </p:cTn>
       </p:par>
     </p:tnLst>
+    <p:bldLst>
+      <p:bldP spid="3" grpId="0" uiExpand="1" build="p"/>
+      <p:bldP spid="5" grpId="0" animBg="1"/>
+      <p:bldP spid="6" grpId="0" animBg="1"/>
+    </p:bldLst>
   </p:timing>
 </p:sld>
 </file>
@@ -21425,7 +22262,109 @@
           <a:p>
             <a:r>
               <a:rPr lang="en-US" dirty="0" smtClean="0"/>
-              <a:t>Stack</a:t>
+              <a:t>Specialized data structures</a:t>
+            </a:r>
+            <a:endParaRPr lang="en-US" dirty="0"/>
+          </a:p>
+        </p:txBody>
+      </p:sp>
+      <p:sp>
+        <p:nvSpPr>
+          <p:cNvPr id="3" name="Text Placeholder 2"/>
+          <p:cNvSpPr>
+            <a:spLocks noGrp="1"/>
+          </p:cNvSpPr>
+          <p:nvPr>
+            <p:ph type="body" idx="1"/>
+          </p:nvPr>
+        </p:nvSpPr>
+        <p:spPr/>
+        <p:txBody>
+          <a:bodyPr/>
+          <a:lstStyle/>
+          <a:p>
+            <a:endParaRPr lang="en-US"/>
+          </a:p>
+        </p:txBody>
+      </p:sp>
+      <p:sp>
+        <p:nvSpPr>
+          <p:cNvPr id="4" name="Slide Number Placeholder 3"/>
+          <p:cNvSpPr>
+            <a:spLocks noGrp="1"/>
+          </p:cNvSpPr>
+          <p:nvPr>
+            <p:ph type="sldNum" sz="quarter" idx="12"/>
+          </p:nvPr>
+        </p:nvSpPr>
+        <p:spPr/>
+        <p:txBody>
+          <a:bodyPr/>
+          <a:lstStyle/>
+          <a:p>
+            <a:fld id="{11AD1F4E-1E51-402E-B221-310F004E7D3B}" type="slidenum">
+              <a:rPr lang="en-US" smtClean="0"/>
+              <a:t>34</a:t>
+            </a:fld>
+            <a:endParaRPr lang="en-US"/>
+          </a:p>
+        </p:txBody>
+      </p:sp>
+    </p:spTree>
+    <p:extLst>
+      <p:ext uri="{BB962C8B-B14F-4D97-AF65-F5344CB8AC3E}">
+        <p14:creationId xmlns:p14="http://schemas.microsoft.com/office/powerpoint/2010/main" val="3507347166"/>
+      </p:ext>
+    </p:extLst>
+  </p:cSld>
+  <p:clrMapOvr>
+    <a:masterClrMapping/>
+  </p:clrMapOvr>
+  <p:timing>
+    <p:tnLst>
+      <p:par>
+        <p:cTn id="1" dur="indefinite" restart="never" nodeType="tmRoot"/>
+      </p:par>
+    </p:tnLst>
+  </p:timing>
+</p:sld>
+</file>
+
+<file path=ppt/slides/slide35.xml><?xml version="1.0" encoding="utf-8"?>
+<p:sld xmlns:a="http://schemas.openxmlformats.org/drawingml/2006/main" xmlns:r="http://schemas.openxmlformats.org/officeDocument/2006/relationships" xmlns:p="http://schemas.openxmlformats.org/presentationml/2006/main">
+  <p:cSld>
+    <p:spTree>
+      <p:nvGrpSpPr>
+        <p:cNvPr id="1" name=""/>
+        <p:cNvGrpSpPr/>
+        <p:nvPr/>
+      </p:nvGrpSpPr>
+      <p:grpSpPr>
+        <a:xfrm>
+          <a:off x="0" y="0"/>
+          <a:ext cx="0" cy="0"/>
+          <a:chOff x="0" y="0"/>
+          <a:chExt cx="0" cy="0"/>
+        </a:xfrm>
+      </p:grpSpPr>
+      <p:sp>
+        <p:nvSpPr>
+          <p:cNvPr id="2" name="Title 1"/>
+          <p:cNvSpPr>
+            <a:spLocks noGrp="1"/>
+          </p:cNvSpPr>
+          <p:nvPr>
+            <p:ph type="title"/>
+          </p:nvPr>
+        </p:nvSpPr>
+        <p:spPr/>
+        <p:txBody>
+          <a:bodyPr/>
+          <a:lstStyle/>
+          <a:p>
+            <a:r>
+              <a:rPr lang="en-US" dirty="0" smtClean="0"/>
+              <a:t>Specialized data structures</a:t>
             </a:r>
             <a:endParaRPr lang="en-US" dirty="0"/>
           </a:p>
@@ -21444,12 +22383,172 @@
         <p:spPr/>
         <p:txBody>
           <a:bodyPr>
-            <a:normAutofit lnSpcReduction="10000"/>
+            <a:normAutofit/>
           </a:bodyPr>
           <a:lstStyle/>
           <a:p>
             <a:r>
               <a:rPr lang="en-US" dirty="0" smtClean="0"/>
+              <a:t>Data structures provided</a:t>
+            </a:r>
+          </a:p>
+          <a:p>
+            <a:pPr lvl="1"/>
+            <a:r>
+              <a:rPr lang="en-US" dirty="0" smtClean="0"/>
+              <a:t>standard libraries</a:t>
+            </a:r>
+          </a:p>
+          <a:p>
+            <a:pPr lvl="1"/>
+            <a:r>
+              <a:rPr lang="en-US" dirty="0" smtClean="0"/>
+              <a:t>third-party libraries</a:t>
+            </a:r>
+          </a:p>
+          <a:p>
+            <a:r>
+              <a:rPr lang="en-US" dirty="0" smtClean="0"/>
+              <a:t>Often implemented on top of basic data structures</a:t>
+            </a:r>
+          </a:p>
+          <a:p>
+            <a:r>
+              <a:rPr lang="en-US" dirty="0" smtClean="0"/>
+              <a:t>Other data structures can be implemented on top</a:t>
+            </a:r>
+          </a:p>
+          <a:p>
+            <a:r>
+              <a:rPr lang="en-US" dirty="0" smtClean="0"/>
+              <a:t>Contents</a:t>
+            </a:r>
+          </a:p>
+          <a:p>
+            <a:pPr lvl="1"/>
+            <a:r>
+              <a:rPr lang="en-US" dirty="0" smtClean="0"/>
+              <a:t>stack</a:t>
+            </a:r>
+          </a:p>
+          <a:p>
+            <a:pPr lvl="1"/>
+            <a:r>
+              <a:rPr lang="en-US" dirty="0" smtClean="0"/>
+              <a:t>queue, priority queue</a:t>
+            </a:r>
+          </a:p>
+          <a:p>
+            <a:pPr lvl="1"/>
+            <a:r>
+              <a:rPr lang="en-US" dirty="0" smtClean="0"/>
+              <a:t>graph, DAG, tree</a:t>
+            </a:r>
+          </a:p>
+        </p:txBody>
+      </p:sp>
+      <p:sp>
+        <p:nvSpPr>
+          <p:cNvPr id="4" name="Slide Number Placeholder 3"/>
+          <p:cNvSpPr>
+            <a:spLocks noGrp="1"/>
+          </p:cNvSpPr>
+          <p:nvPr>
+            <p:ph type="sldNum" sz="quarter" idx="12"/>
+          </p:nvPr>
+        </p:nvSpPr>
+        <p:spPr/>
+        <p:txBody>
+          <a:bodyPr/>
+          <a:lstStyle/>
+          <a:p>
+            <a:fld id="{11AD1F4E-1E51-402E-B221-310F004E7D3B}" type="slidenum">
+              <a:rPr lang="en-US" smtClean="0"/>
+              <a:t>35</a:t>
+            </a:fld>
+            <a:endParaRPr lang="en-US"/>
+          </a:p>
+        </p:txBody>
+      </p:sp>
+    </p:spTree>
+    <p:extLst>
+      <p:ext uri="{BB962C8B-B14F-4D97-AF65-F5344CB8AC3E}">
+        <p14:creationId xmlns:p14="http://schemas.microsoft.com/office/powerpoint/2010/main" val="3456588179"/>
+      </p:ext>
+    </p:extLst>
+  </p:cSld>
+  <p:clrMapOvr>
+    <a:masterClrMapping/>
+  </p:clrMapOvr>
+  <p:timing>
+    <p:tnLst>
+      <p:par>
+        <p:cTn id="1" dur="indefinite" restart="never" nodeType="tmRoot"/>
+      </p:par>
+    </p:tnLst>
+  </p:timing>
+</p:sld>
+</file>
+
+<file path=ppt/slides/slide36.xml><?xml version="1.0" encoding="utf-8"?>
+<p:sld xmlns:a="http://schemas.openxmlformats.org/drawingml/2006/main" xmlns:r="http://schemas.openxmlformats.org/officeDocument/2006/relationships" xmlns:p="http://schemas.openxmlformats.org/presentationml/2006/main">
+  <p:cSld>
+    <p:spTree>
+      <p:nvGrpSpPr>
+        <p:cNvPr id="1" name=""/>
+        <p:cNvGrpSpPr/>
+        <p:nvPr/>
+      </p:nvGrpSpPr>
+      <p:grpSpPr>
+        <a:xfrm>
+          <a:off x="0" y="0"/>
+          <a:ext cx="0" cy="0"/>
+          <a:chOff x="0" y="0"/>
+          <a:chExt cx="0" cy="0"/>
+        </a:xfrm>
+      </p:grpSpPr>
+      <p:sp>
+        <p:nvSpPr>
+          <p:cNvPr id="2" name="Title 1"/>
+          <p:cNvSpPr>
+            <a:spLocks noGrp="1"/>
+          </p:cNvSpPr>
+          <p:nvPr>
+            <p:ph type="title"/>
+          </p:nvPr>
+        </p:nvSpPr>
+        <p:spPr/>
+        <p:txBody>
+          <a:bodyPr/>
+          <a:lstStyle/>
+          <a:p>
+            <a:r>
+              <a:rPr lang="en-US" dirty="0" smtClean="0"/>
+              <a:t>Stack</a:t>
+            </a:r>
+            <a:endParaRPr lang="en-US" dirty="0"/>
+          </a:p>
+        </p:txBody>
+      </p:sp>
+      <p:sp>
+        <p:nvSpPr>
+          <p:cNvPr id="3" name="Content Placeholder 2"/>
+          <p:cNvSpPr>
+            <a:spLocks noGrp="1"/>
+          </p:cNvSpPr>
+          <p:nvPr>
+            <p:ph idx="1"/>
+          </p:nvPr>
+        </p:nvSpPr>
+        <p:spPr/>
+        <p:txBody>
+          <a:bodyPr>
+            <a:normAutofit/>
+          </a:bodyPr>
+          <a:lstStyle/>
+          <a:p>
+            <a:r>
+              <a:rPr lang="en-US" dirty="0" smtClean="0"/>
               <a:t>Characteristics</a:t>
             </a:r>
           </a:p>
@@ -21497,15 +22596,9 @@
           <a:p>
             <a:r>
               <a:rPr lang="en-US" dirty="0" smtClean="0"/>
-              <a:t>Implementations</a:t>
-            </a:r>
-          </a:p>
-          <a:p>
-            <a:pPr lvl="1"/>
-            <a:r>
-              <a:rPr lang="en-US" dirty="0" smtClean="0"/>
-              <a:t>e.g., as list</a:t>
-            </a:r>
+              <a:t>Implementation: STL</a:t>
+            </a:r>
+            <a:endParaRPr lang="en-US" dirty="0" smtClean="0"/>
           </a:p>
           <a:p>
             <a:pPr lvl="1"/>
@@ -21530,7 +22623,7 @@
           <a:p>
             <a:fld id="{11AD1F4E-1E51-402E-B221-310F004E7D3B}" type="slidenum">
               <a:rPr lang="en-US" smtClean="0"/>
-              <a:t>34</a:t>
+              <a:t>36</a:t>
             </a:fld>
             <a:endParaRPr lang="en-US"/>
           </a:p>
@@ -21607,7 +22700,7 @@
             <a:graphicData uri="http://schemas.openxmlformats.org/presentationml/2006/ole">
               <mc:AlternateContent xmlns:mc="http://schemas.openxmlformats.org/markup-compatibility/2006">
                 <mc:Choice xmlns:v="urn:schemas-microsoft-com:vml" Requires="v">
-                  <p:oleObj spid="_x0000_s7242" name="Equation" r:id="rId3" imgW="431640" imgH="241200" progId="Equation.3">
+                  <p:oleObj spid="_x0000_s7250" name="Equation" r:id="rId3" imgW="431640" imgH="241200" progId="Equation.3">
                     <p:embed/>
                   </p:oleObj>
                 </mc:Choice>
@@ -21740,7 +22833,7 @@
 </p:sld>
 </file>
 
-<file path=ppt/slides/slide35.xml><?xml version="1.0" encoding="utf-8"?>
+<file path=ppt/slides/slide37.xml><?xml version="1.0" encoding="utf-8"?>
 <p:sld xmlns:a="http://schemas.openxmlformats.org/drawingml/2006/main" xmlns:r="http://schemas.openxmlformats.org/officeDocument/2006/relationships" xmlns:p="http://schemas.openxmlformats.org/presentationml/2006/main">
   <p:cSld>
     <p:spTree>
@@ -21944,7 +23037,7 @@
           <a:p>
             <a:fld id="{11AD1F4E-1E51-402E-B221-310F004E7D3B}" type="slidenum">
               <a:rPr lang="en-US" smtClean="0"/>
-              <a:t>35</a:t>
+              <a:t>37</a:t>
             </a:fld>
             <a:endParaRPr lang="en-US"/>
           </a:p>
@@ -21970,7 +23063,7 @@
 </p:sld>
 </file>
 
-<file path=ppt/slides/slide36.xml><?xml version="1.0" encoding="utf-8"?>
+<file path=ppt/slides/slide38.xml><?xml version="1.0" encoding="utf-8"?>
 <p:sld xmlns:a="http://schemas.openxmlformats.org/drawingml/2006/main" xmlns:r="http://schemas.openxmlformats.org/officeDocument/2006/relationships" xmlns:p="http://schemas.openxmlformats.org/presentationml/2006/main">
   <p:cSld>
     <p:spTree>
@@ -22027,7 +23120,7 @@
           <a:p>
             <a:fld id="{11AD1F4E-1E51-402E-B221-310F004E7D3B}" type="slidenum">
               <a:rPr lang="en-US" smtClean="0"/>
-              <a:t>36</a:t>
+              <a:t>38</a:t>
             </a:fld>
             <a:endParaRPr lang="en-US"/>
           </a:p>
@@ -22394,7 +23487,7 @@
 </p:sld>
 </file>
 
-<file path=ppt/slides/slide37.xml><?xml version="1.0" encoding="utf-8"?>
+<file path=ppt/slides/slide39.xml><?xml version="1.0" encoding="utf-8"?>
 <p:sld xmlns:a="http://schemas.openxmlformats.org/drawingml/2006/main" xmlns:r="http://schemas.openxmlformats.org/officeDocument/2006/relationships" xmlns:p="http://schemas.openxmlformats.org/presentationml/2006/main">
   <p:cSld>
     <p:spTree>
@@ -22502,15 +23595,9 @@
           <a:p>
             <a:r>
               <a:rPr lang="en-US" dirty="0" smtClean="0"/>
-              <a:t>Implementations</a:t>
-            </a:r>
-          </a:p>
-          <a:p>
-            <a:pPr lvl="1"/>
-            <a:r>
-              <a:rPr lang="en-US" dirty="0" smtClean="0"/>
-              <a:t>e.g., as list</a:t>
-            </a:r>
+              <a:t>Implementation: STL</a:t>
+            </a:r>
+            <a:endParaRPr lang="en-US" dirty="0" smtClean="0"/>
           </a:p>
           <a:p>
             <a:pPr lvl="1"/>
@@ -22535,7 +23622,7 @@
           <a:p>
             <a:fld id="{11AD1F4E-1E51-402E-B221-310F004E7D3B}" type="slidenum">
               <a:rPr lang="en-US" smtClean="0"/>
-              <a:t>37</a:t>
+              <a:t>39</a:t>
             </a:fld>
             <a:endParaRPr lang="en-US"/>
           </a:p>
@@ -22612,7 +23699,7 @@
             <a:graphicData uri="http://schemas.openxmlformats.org/presentationml/2006/ole">
               <mc:AlternateContent xmlns:mc="http://schemas.openxmlformats.org/markup-compatibility/2006">
                 <mc:Choice xmlns:v="urn:schemas-microsoft-com:vml" Requires="v">
-                  <p:oleObj spid="_x0000_s8274" name="Equation" r:id="rId3" imgW="444240" imgH="241200" progId="Equation.3">
+                  <p:oleObj spid="_x0000_s8282" name="Equation" r:id="rId3" imgW="444240" imgH="241200" progId="Equation.3">
                     <p:embed/>
                   </p:oleObj>
                 </mc:Choice>
@@ -22985,648 +24072,6 @@
     <p:extLst>
       <p:ext uri="{BB962C8B-B14F-4D97-AF65-F5344CB8AC3E}">
         <p14:creationId xmlns:p14="http://schemas.microsoft.com/office/powerpoint/2010/main" val="432384342"/>
-      </p:ext>
-    </p:extLst>
-  </p:cSld>
-  <p:clrMapOvr>
-    <a:masterClrMapping/>
-  </p:clrMapOvr>
-  <p:timing>
-    <p:tnLst>
-      <p:par>
-        <p:cTn id="1" dur="indefinite" restart="never" nodeType="tmRoot"/>
-      </p:par>
-    </p:tnLst>
-  </p:timing>
-</p:sld>
-</file>
-
-<file path=ppt/slides/slide38.xml><?xml version="1.0" encoding="utf-8"?>
-<p:sld xmlns:a="http://schemas.openxmlformats.org/drawingml/2006/main" xmlns:r="http://schemas.openxmlformats.org/officeDocument/2006/relationships" xmlns:p="http://schemas.openxmlformats.org/presentationml/2006/main">
-  <p:cSld>
-    <p:spTree>
-      <p:nvGrpSpPr>
-        <p:cNvPr id="1" name=""/>
-        <p:cNvGrpSpPr/>
-        <p:nvPr/>
-      </p:nvGrpSpPr>
-      <p:grpSpPr>
-        <a:xfrm>
-          <a:off x="0" y="0"/>
-          <a:ext cx="0" cy="0"/>
-          <a:chOff x="0" y="0"/>
-          <a:chExt cx="0" cy="0"/>
-        </a:xfrm>
-      </p:grpSpPr>
-      <p:sp>
-        <p:nvSpPr>
-          <p:cNvPr id="2" name="Title 1"/>
-          <p:cNvSpPr>
-            <a:spLocks noGrp="1"/>
-          </p:cNvSpPr>
-          <p:nvPr>
-            <p:ph type="title"/>
-          </p:nvPr>
-        </p:nvSpPr>
-        <p:spPr/>
-        <p:txBody>
-          <a:bodyPr/>
-          <a:lstStyle/>
-          <a:p>
-            <a:r>
-              <a:rPr lang="en-US" dirty="0" smtClean="0"/>
-              <a:t>Queue ADT</a:t>
-            </a:r>
-            <a:endParaRPr lang="en-US" dirty="0"/>
-          </a:p>
-        </p:txBody>
-      </p:sp>
-      <p:sp>
-        <p:nvSpPr>
-          <p:cNvPr id="3" name="Content Placeholder 2"/>
-          <p:cNvSpPr>
-            <a:spLocks noGrp="1"/>
-          </p:cNvSpPr>
-          <p:nvPr>
-            <p:ph idx="1"/>
-          </p:nvPr>
-        </p:nvSpPr>
-        <p:spPr/>
-        <p:txBody>
-          <a:bodyPr/>
-          <a:lstStyle/>
-          <a:p>
-            <a:r>
-              <a:rPr lang="en-US" dirty="0" smtClean="0"/>
-              <a:t>EMPTY_QUEUE() </a:t>
-            </a:r>
-            <a:r>
-              <a:rPr lang="en-US" dirty="0" smtClean="0">
-                <a:sym typeface="Symbol" panose="05050102010706020507" pitchFamily="18" charset="2"/>
-              </a:rPr>
-              <a:t> queue</a:t>
-            </a:r>
-            <a:endParaRPr lang="en-US" dirty="0" smtClean="0"/>
-          </a:p>
-          <a:p>
-            <a:r>
-              <a:rPr lang="en-US" dirty="0" smtClean="0"/>
-              <a:t>QUEUE.PUSH(value</a:t>
-            </a:r>
-            <a:r>
-              <a:rPr lang="en-US" dirty="0"/>
-              <a:t>)</a:t>
-            </a:r>
-          </a:p>
-          <a:p>
-            <a:r>
-              <a:rPr lang="en-US" dirty="0" smtClean="0"/>
-              <a:t>QUEUE.POP()</a:t>
-            </a:r>
-          </a:p>
-          <a:p>
-            <a:r>
-              <a:rPr lang="en-US" dirty="0" smtClean="0"/>
-              <a:t>QUEUE.FRONT()</a:t>
-            </a:r>
-            <a:r>
-              <a:rPr lang="en-US" dirty="0"/>
-              <a:t> </a:t>
-            </a:r>
-            <a:r>
-              <a:rPr lang="en-US" dirty="0">
-                <a:sym typeface="Symbol" panose="05050102010706020507" pitchFamily="18" charset="2"/>
-              </a:rPr>
-              <a:t> </a:t>
-            </a:r>
-            <a:r>
-              <a:rPr lang="en-US" dirty="0" smtClean="0">
-                <a:sym typeface="Symbol" panose="05050102010706020507" pitchFamily="18" charset="2"/>
-              </a:rPr>
-              <a:t>value</a:t>
-            </a:r>
-            <a:endParaRPr lang="en-US" dirty="0"/>
-          </a:p>
-          <a:p>
-            <a:r>
-              <a:rPr lang="en-US" dirty="0" smtClean="0"/>
-              <a:t>QUEUE.IS_EMPTY()</a:t>
-            </a:r>
-            <a:r>
-              <a:rPr lang="en-US" dirty="0"/>
-              <a:t> </a:t>
-            </a:r>
-            <a:r>
-              <a:rPr lang="en-US" dirty="0">
-                <a:sym typeface="Symbol" panose="05050102010706020507" pitchFamily="18" charset="2"/>
-              </a:rPr>
-              <a:t> </a:t>
-            </a:r>
-            <a:r>
-              <a:rPr lang="en-US" dirty="0" err="1" smtClean="0">
-                <a:sym typeface="Symbol" panose="05050102010706020507" pitchFamily="18" charset="2"/>
-              </a:rPr>
-              <a:t>boolean</a:t>
-            </a:r>
-            <a:endParaRPr lang="en-US" dirty="0" smtClean="0"/>
-          </a:p>
-          <a:p>
-            <a:r>
-              <a:rPr lang="en-US" dirty="0" smtClean="0"/>
-              <a:t>QUEUE.LENGTH() </a:t>
-            </a:r>
-            <a:r>
-              <a:rPr lang="en-US" dirty="0">
-                <a:sym typeface="Symbol" panose="05050102010706020507" pitchFamily="18" charset="2"/>
-              </a:rPr>
-              <a:t> </a:t>
-            </a:r>
-            <a:r>
-              <a:rPr lang="en-US" dirty="0" smtClean="0">
-                <a:sym typeface="Symbol" panose="05050102010706020507" pitchFamily="18" charset="2"/>
-              </a:rPr>
-              <a:t>length</a:t>
-            </a:r>
-            <a:br>
-              <a:rPr lang="en-US" dirty="0" smtClean="0">
-                <a:sym typeface="Symbol" panose="05050102010706020507" pitchFamily="18" charset="2"/>
-              </a:rPr>
-            </a:br>
-            <a:r>
-              <a:rPr lang="en-US" dirty="0" smtClean="0">
-                <a:sym typeface="Symbol" panose="05050102010706020507" pitchFamily="18" charset="2"/>
-              </a:rPr>
-              <a:t>      = #push - #pop</a:t>
-            </a:r>
-            <a:endParaRPr lang="en-US" dirty="0"/>
-          </a:p>
-        </p:txBody>
-      </p:sp>
-      <p:sp>
-        <p:nvSpPr>
-          <p:cNvPr id="4" name="Slide Number Placeholder 3"/>
-          <p:cNvSpPr>
-            <a:spLocks noGrp="1"/>
-          </p:cNvSpPr>
-          <p:nvPr>
-            <p:ph type="sldNum" sz="quarter" idx="12"/>
-          </p:nvPr>
-        </p:nvSpPr>
-        <p:spPr/>
-        <p:txBody>
-          <a:bodyPr/>
-          <a:lstStyle/>
-          <a:p>
-            <a:fld id="{11AD1F4E-1E51-402E-B221-310F004E7D3B}" type="slidenum">
-              <a:rPr lang="en-US" smtClean="0"/>
-              <a:t>38</a:t>
-            </a:fld>
-            <a:endParaRPr lang="en-US"/>
-          </a:p>
-        </p:txBody>
-      </p:sp>
-    </p:spTree>
-    <p:extLst>
-      <p:ext uri="{BB962C8B-B14F-4D97-AF65-F5344CB8AC3E}">
-        <p14:creationId xmlns:p14="http://schemas.microsoft.com/office/powerpoint/2010/main" val="1534393266"/>
-      </p:ext>
-    </p:extLst>
-  </p:cSld>
-  <p:clrMapOvr>
-    <a:masterClrMapping/>
-  </p:clrMapOvr>
-  <p:timing>
-    <p:tnLst>
-      <p:par>
-        <p:cTn id="1" dur="indefinite" restart="never" nodeType="tmRoot"/>
-      </p:par>
-    </p:tnLst>
-  </p:timing>
-</p:sld>
-</file>
-
-<file path=ppt/slides/slide39.xml><?xml version="1.0" encoding="utf-8"?>
-<p:sld xmlns:a="http://schemas.openxmlformats.org/drawingml/2006/main" xmlns:r="http://schemas.openxmlformats.org/officeDocument/2006/relationships" xmlns:p="http://schemas.openxmlformats.org/presentationml/2006/main">
-  <p:cSld>
-    <p:spTree>
-      <p:nvGrpSpPr>
-        <p:cNvPr id="1" name=""/>
-        <p:cNvGrpSpPr/>
-        <p:nvPr/>
-      </p:nvGrpSpPr>
-      <p:grpSpPr>
-        <a:xfrm>
-          <a:off x="0" y="0"/>
-          <a:ext cx="0" cy="0"/>
-          <a:chOff x="0" y="0"/>
-          <a:chExt cx="0" cy="0"/>
-        </a:xfrm>
-      </p:grpSpPr>
-      <p:sp>
-        <p:nvSpPr>
-          <p:cNvPr id="2" name="Title 1"/>
-          <p:cNvSpPr>
-            <a:spLocks noGrp="1"/>
-          </p:cNvSpPr>
-          <p:nvPr>
-            <p:ph type="title"/>
-          </p:nvPr>
-        </p:nvSpPr>
-        <p:spPr/>
-        <p:txBody>
-          <a:bodyPr/>
-          <a:lstStyle/>
-          <a:p>
-            <a:r>
-              <a:rPr lang="en-US" dirty="0" smtClean="0"/>
-              <a:t>Queue examples</a:t>
-            </a:r>
-            <a:endParaRPr lang="en-US" dirty="0"/>
-          </a:p>
-        </p:txBody>
-      </p:sp>
-      <p:sp>
-        <p:nvSpPr>
-          <p:cNvPr id="4" name="Slide Number Placeholder 3"/>
-          <p:cNvSpPr>
-            <a:spLocks noGrp="1"/>
-          </p:cNvSpPr>
-          <p:nvPr>
-            <p:ph type="sldNum" sz="quarter" idx="12"/>
-          </p:nvPr>
-        </p:nvSpPr>
-        <p:spPr/>
-        <p:txBody>
-          <a:bodyPr/>
-          <a:lstStyle/>
-          <a:p>
-            <a:fld id="{11AD1F4E-1E51-402E-B221-310F004E7D3B}" type="slidenum">
-              <a:rPr lang="en-US" smtClean="0"/>
-              <a:t>39</a:t>
-            </a:fld>
-            <a:endParaRPr lang="en-US"/>
-          </a:p>
-        </p:txBody>
-      </p:sp>
-      <p:sp>
-        <p:nvSpPr>
-          <p:cNvPr id="5" name="TextBox 4"/>
-          <p:cNvSpPr txBox="1"/>
-          <p:nvPr/>
-        </p:nvSpPr>
-        <p:spPr>
-          <a:xfrm>
-            <a:off x="628650" y="1704105"/>
-            <a:ext cx="6665768" cy="2585323"/>
-          </a:xfrm>
-          <a:prstGeom prst="rect">
-            <a:avLst/>
-          </a:prstGeom>
-          <a:solidFill>
-            <a:schemeClr val="bg1">
-              <a:lumMod val="75000"/>
-            </a:schemeClr>
-          </a:solidFill>
-          <a:ln>
-            <a:solidFill>
-              <a:schemeClr val="tx1"/>
-            </a:solidFill>
-          </a:ln>
-        </p:spPr>
-        <p:txBody>
-          <a:bodyPr wrap="square" rtlCol="0">
-            <a:spAutoFit/>
-          </a:bodyPr>
-          <a:lstStyle/>
-          <a:p>
-            <a:r>
-              <a:rPr lang="en-US" dirty="0" smtClean="0">
-                <a:latin typeface="Courier New" panose="02070309020205020404" pitchFamily="49" charset="0"/>
-                <a:cs typeface="Courier New" panose="02070309020205020404" pitchFamily="49" charset="0"/>
-              </a:rPr>
-              <a:t>#include &lt;queue&gt;</a:t>
-            </a:r>
-          </a:p>
-          <a:p>
-            <a:r>
-              <a:rPr lang="en-US" dirty="0" smtClean="0">
-                <a:latin typeface="Courier New" panose="02070309020205020404" pitchFamily="49" charset="0"/>
-                <a:cs typeface="Courier New" panose="02070309020205020404" pitchFamily="49" charset="0"/>
-              </a:rPr>
-              <a:t>…</a:t>
-            </a:r>
-          </a:p>
-          <a:p>
-            <a:r>
-              <a:rPr lang="en-US" dirty="0" err="1" smtClean="0">
-                <a:latin typeface="Courier New" panose="02070309020205020404" pitchFamily="49" charset="0"/>
-                <a:cs typeface="Courier New" panose="02070309020205020404" pitchFamily="49" charset="0"/>
-              </a:rPr>
-              <a:t>std</a:t>
-            </a:r>
-            <a:r>
-              <a:rPr lang="en-US" dirty="0" smtClean="0">
-                <a:latin typeface="Courier New" panose="02070309020205020404" pitchFamily="49" charset="0"/>
-                <a:cs typeface="Courier New" panose="02070309020205020404" pitchFamily="49" charset="0"/>
-              </a:rPr>
-              <a:t>::queue&lt;</a:t>
-            </a:r>
-            <a:r>
-              <a:rPr lang="en-US" dirty="0" err="1" smtClean="0">
-                <a:latin typeface="Courier New" panose="02070309020205020404" pitchFamily="49" charset="0"/>
-                <a:cs typeface="Courier New" panose="02070309020205020404" pitchFamily="49" charset="0"/>
-              </a:rPr>
-              <a:t>int</a:t>
-            </a:r>
-            <a:r>
-              <a:rPr lang="en-US" dirty="0" smtClean="0">
-                <a:latin typeface="Courier New" panose="02070309020205020404" pitchFamily="49" charset="0"/>
-                <a:cs typeface="Courier New" panose="02070309020205020404" pitchFamily="49" charset="0"/>
-              </a:rPr>
-              <a:t>&gt; q;</a:t>
-            </a:r>
-          </a:p>
-          <a:p>
-            <a:r>
-              <a:rPr lang="en-US" dirty="0" smtClean="0">
-                <a:latin typeface="Courier New" panose="02070309020205020404" pitchFamily="49" charset="0"/>
-                <a:cs typeface="Courier New" panose="02070309020205020404" pitchFamily="49" charset="0"/>
-              </a:rPr>
-              <a:t>for (</a:t>
-            </a:r>
-            <a:r>
-              <a:rPr lang="en-US" dirty="0" err="1" smtClean="0">
-                <a:latin typeface="Courier New" panose="02070309020205020404" pitchFamily="49" charset="0"/>
-                <a:cs typeface="Courier New" panose="02070309020205020404" pitchFamily="49" charset="0"/>
-              </a:rPr>
-              <a:t>int</a:t>
-            </a:r>
-            <a:r>
-              <a:rPr lang="en-US" dirty="0" smtClean="0">
-                <a:latin typeface="Courier New" panose="02070309020205020404" pitchFamily="49" charset="0"/>
-                <a:cs typeface="Courier New" panose="02070309020205020404" pitchFamily="49" charset="0"/>
-              </a:rPr>
-              <a:t> </a:t>
-            </a:r>
-            <a:r>
-              <a:rPr lang="en-US" dirty="0" err="1" smtClean="0">
-                <a:latin typeface="Courier New" panose="02070309020205020404" pitchFamily="49" charset="0"/>
-                <a:cs typeface="Courier New" panose="02070309020205020404" pitchFamily="49" charset="0"/>
-              </a:rPr>
-              <a:t>i</a:t>
-            </a:r>
-            <a:r>
-              <a:rPr lang="en-US" dirty="0" smtClean="0">
-                <a:latin typeface="Courier New" panose="02070309020205020404" pitchFamily="49" charset="0"/>
-                <a:cs typeface="Courier New" panose="02070309020205020404" pitchFamily="49" charset="0"/>
-              </a:rPr>
-              <a:t> = 0; </a:t>
-            </a:r>
-            <a:r>
-              <a:rPr lang="en-US" dirty="0" err="1" smtClean="0">
-                <a:latin typeface="Courier New" panose="02070309020205020404" pitchFamily="49" charset="0"/>
-                <a:cs typeface="Courier New" panose="02070309020205020404" pitchFamily="49" charset="0"/>
-              </a:rPr>
-              <a:t>i</a:t>
-            </a:r>
-            <a:r>
-              <a:rPr lang="en-US" dirty="0" smtClean="0">
-                <a:latin typeface="Courier New" panose="02070309020205020404" pitchFamily="49" charset="0"/>
-                <a:cs typeface="Courier New" panose="02070309020205020404" pitchFamily="49" charset="0"/>
-              </a:rPr>
-              <a:t> &lt; 10; </a:t>
-            </a:r>
-            <a:r>
-              <a:rPr lang="en-US" dirty="0" err="1" smtClean="0">
-                <a:latin typeface="Courier New" panose="02070309020205020404" pitchFamily="49" charset="0"/>
-                <a:cs typeface="Courier New" panose="02070309020205020404" pitchFamily="49" charset="0"/>
-              </a:rPr>
-              <a:t>i</a:t>
-            </a:r>
-            <a:r>
-              <a:rPr lang="en-US" dirty="0" smtClean="0">
-                <a:latin typeface="Courier New" panose="02070309020205020404" pitchFamily="49" charset="0"/>
-                <a:cs typeface="Courier New" panose="02070309020205020404" pitchFamily="49" charset="0"/>
-              </a:rPr>
-              <a:t>++)</a:t>
-            </a:r>
-          </a:p>
-          <a:p>
-            <a:r>
-              <a:rPr lang="en-US" dirty="0">
-                <a:latin typeface="Courier New" panose="02070309020205020404" pitchFamily="49" charset="0"/>
-                <a:cs typeface="Courier New" panose="02070309020205020404" pitchFamily="49" charset="0"/>
-              </a:rPr>
-              <a:t> </a:t>
-            </a:r>
-            <a:r>
-              <a:rPr lang="en-US" dirty="0" smtClean="0">
-                <a:latin typeface="Courier New" panose="02070309020205020404" pitchFamily="49" charset="0"/>
-                <a:cs typeface="Courier New" panose="02070309020205020404" pitchFamily="49" charset="0"/>
-              </a:rPr>
-              <a:t>   </a:t>
-            </a:r>
-            <a:r>
-              <a:rPr lang="en-US" dirty="0" err="1" smtClean="0">
-                <a:latin typeface="Courier New" panose="02070309020205020404" pitchFamily="49" charset="0"/>
-                <a:cs typeface="Courier New" panose="02070309020205020404" pitchFamily="49" charset="0"/>
-              </a:rPr>
-              <a:t>q.push</a:t>
-            </a:r>
-            <a:r>
-              <a:rPr lang="en-US" dirty="0" smtClean="0">
-                <a:latin typeface="Courier New" panose="02070309020205020404" pitchFamily="49" charset="0"/>
-                <a:cs typeface="Courier New" panose="02070309020205020404" pitchFamily="49" charset="0"/>
-              </a:rPr>
-              <a:t>(</a:t>
-            </a:r>
-            <a:r>
-              <a:rPr lang="en-US" dirty="0" err="1" smtClean="0">
-                <a:latin typeface="Courier New" panose="02070309020205020404" pitchFamily="49" charset="0"/>
-                <a:cs typeface="Courier New" panose="02070309020205020404" pitchFamily="49" charset="0"/>
-              </a:rPr>
-              <a:t>i</a:t>
-            </a:r>
-            <a:r>
-              <a:rPr lang="en-US" dirty="0" smtClean="0">
-                <a:latin typeface="Courier New" panose="02070309020205020404" pitchFamily="49" charset="0"/>
-                <a:cs typeface="Courier New" panose="02070309020205020404" pitchFamily="49" charset="0"/>
-              </a:rPr>
-              <a:t>);</a:t>
-            </a:r>
-          </a:p>
-          <a:p>
-            <a:r>
-              <a:rPr lang="en-US" dirty="0" smtClean="0">
-                <a:latin typeface="Courier New" panose="02070309020205020404" pitchFamily="49" charset="0"/>
-                <a:cs typeface="Courier New" panose="02070309020205020404" pitchFamily="49" charset="0"/>
-              </a:rPr>
-              <a:t>while (!</a:t>
-            </a:r>
-            <a:r>
-              <a:rPr lang="en-US" dirty="0" err="1" smtClean="0">
-                <a:latin typeface="Courier New" panose="02070309020205020404" pitchFamily="49" charset="0"/>
-                <a:cs typeface="Courier New" panose="02070309020205020404" pitchFamily="49" charset="0"/>
-              </a:rPr>
-              <a:t>q.empty</a:t>
-            </a:r>
-            <a:r>
-              <a:rPr lang="en-US" dirty="0" smtClean="0">
-                <a:latin typeface="Courier New" panose="02070309020205020404" pitchFamily="49" charset="0"/>
-                <a:cs typeface="Courier New" panose="02070309020205020404" pitchFamily="49" charset="0"/>
-              </a:rPr>
-              <a:t>()) {</a:t>
-            </a:r>
-            <a:endParaRPr lang="en-US" dirty="0">
-              <a:latin typeface="Courier New" panose="02070309020205020404" pitchFamily="49" charset="0"/>
-              <a:cs typeface="Courier New" panose="02070309020205020404" pitchFamily="49" charset="0"/>
-            </a:endParaRPr>
-          </a:p>
-          <a:p>
-            <a:r>
-              <a:rPr lang="en-US" dirty="0" smtClean="0">
-                <a:latin typeface="Courier New" panose="02070309020205020404" pitchFamily="49" charset="0"/>
-                <a:cs typeface="Courier New" panose="02070309020205020404" pitchFamily="49" charset="0"/>
-              </a:rPr>
-              <a:t>    </a:t>
-            </a:r>
-            <a:r>
-              <a:rPr lang="en-US" dirty="0" err="1">
-                <a:latin typeface="Courier New" panose="02070309020205020404" pitchFamily="49" charset="0"/>
-                <a:cs typeface="Courier New" panose="02070309020205020404" pitchFamily="49" charset="0"/>
-              </a:rPr>
-              <a:t>std</a:t>
-            </a:r>
-            <a:r>
-              <a:rPr lang="en-US" dirty="0">
-                <a:latin typeface="Courier New" panose="02070309020205020404" pitchFamily="49" charset="0"/>
-                <a:cs typeface="Courier New" panose="02070309020205020404" pitchFamily="49" charset="0"/>
-              </a:rPr>
-              <a:t>::</a:t>
-            </a:r>
-            <a:r>
-              <a:rPr lang="en-US" dirty="0" err="1">
-                <a:latin typeface="Courier New" panose="02070309020205020404" pitchFamily="49" charset="0"/>
-                <a:cs typeface="Courier New" panose="02070309020205020404" pitchFamily="49" charset="0"/>
-              </a:rPr>
-              <a:t>cout</a:t>
-            </a:r>
-            <a:r>
-              <a:rPr lang="en-US" dirty="0">
-                <a:latin typeface="Courier New" panose="02070309020205020404" pitchFamily="49" charset="0"/>
-                <a:cs typeface="Courier New" panose="02070309020205020404" pitchFamily="49" charset="0"/>
-              </a:rPr>
-              <a:t> &lt;&lt; </a:t>
-            </a:r>
-            <a:r>
-              <a:rPr lang="en-US" dirty="0" err="1">
-                <a:latin typeface="Courier New" panose="02070309020205020404" pitchFamily="49" charset="0"/>
-                <a:cs typeface="Courier New" panose="02070309020205020404" pitchFamily="49" charset="0"/>
-              </a:rPr>
-              <a:t>q</a:t>
-            </a:r>
-            <a:r>
-              <a:rPr lang="en-US" dirty="0" err="1" smtClean="0">
-                <a:latin typeface="Courier New" panose="02070309020205020404" pitchFamily="49" charset="0"/>
-                <a:cs typeface="Courier New" panose="02070309020205020404" pitchFamily="49" charset="0"/>
-              </a:rPr>
-              <a:t>.front</a:t>
-            </a:r>
-            <a:r>
-              <a:rPr lang="en-US" dirty="0" smtClean="0">
-                <a:latin typeface="Courier New" panose="02070309020205020404" pitchFamily="49" charset="0"/>
-                <a:cs typeface="Courier New" panose="02070309020205020404" pitchFamily="49" charset="0"/>
-              </a:rPr>
-              <a:t>() </a:t>
-            </a:r>
-            <a:r>
-              <a:rPr lang="en-US" dirty="0">
-                <a:latin typeface="Courier New" panose="02070309020205020404" pitchFamily="49" charset="0"/>
-                <a:cs typeface="Courier New" panose="02070309020205020404" pitchFamily="49" charset="0"/>
-              </a:rPr>
-              <a:t>&lt;&lt; </a:t>
-            </a:r>
-            <a:r>
-              <a:rPr lang="en-US" dirty="0" err="1">
-                <a:latin typeface="Courier New" panose="02070309020205020404" pitchFamily="49" charset="0"/>
-                <a:cs typeface="Courier New" panose="02070309020205020404" pitchFamily="49" charset="0"/>
-              </a:rPr>
-              <a:t>std</a:t>
-            </a:r>
-            <a:r>
-              <a:rPr lang="en-US" dirty="0">
-                <a:latin typeface="Courier New" panose="02070309020205020404" pitchFamily="49" charset="0"/>
-                <a:cs typeface="Courier New" panose="02070309020205020404" pitchFamily="49" charset="0"/>
-              </a:rPr>
-              <a:t>::</a:t>
-            </a:r>
-            <a:r>
-              <a:rPr lang="en-US" dirty="0" err="1">
-                <a:latin typeface="Courier New" panose="02070309020205020404" pitchFamily="49" charset="0"/>
-                <a:cs typeface="Courier New" panose="02070309020205020404" pitchFamily="49" charset="0"/>
-              </a:rPr>
-              <a:t>endl</a:t>
-            </a:r>
-            <a:r>
-              <a:rPr lang="en-US" dirty="0" smtClean="0">
-                <a:latin typeface="Courier New" panose="02070309020205020404" pitchFamily="49" charset="0"/>
-                <a:cs typeface="Courier New" panose="02070309020205020404" pitchFamily="49" charset="0"/>
-              </a:rPr>
-              <a:t>;</a:t>
-            </a:r>
-          </a:p>
-          <a:p>
-            <a:r>
-              <a:rPr lang="en-US" dirty="0">
-                <a:latin typeface="Courier New" panose="02070309020205020404" pitchFamily="49" charset="0"/>
-                <a:cs typeface="Courier New" panose="02070309020205020404" pitchFamily="49" charset="0"/>
-              </a:rPr>
-              <a:t> </a:t>
-            </a:r>
-            <a:r>
-              <a:rPr lang="en-US" dirty="0" smtClean="0">
-                <a:latin typeface="Courier New" panose="02070309020205020404" pitchFamily="49" charset="0"/>
-                <a:cs typeface="Courier New" panose="02070309020205020404" pitchFamily="49" charset="0"/>
-              </a:rPr>
-              <a:t>   </a:t>
-            </a:r>
-            <a:r>
-              <a:rPr lang="en-US" dirty="0" err="1">
-                <a:latin typeface="Courier New" panose="02070309020205020404" pitchFamily="49" charset="0"/>
-                <a:cs typeface="Courier New" panose="02070309020205020404" pitchFamily="49" charset="0"/>
-              </a:rPr>
-              <a:t>q</a:t>
-            </a:r>
-            <a:r>
-              <a:rPr lang="en-US" dirty="0" err="1" smtClean="0">
-                <a:latin typeface="Courier New" panose="02070309020205020404" pitchFamily="49" charset="0"/>
-                <a:cs typeface="Courier New" panose="02070309020205020404" pitchFamily="49" charset="0"/>
-              </a:rPr>
-              <a:t>.pop</a:t>
-            </a:r>
-            <a:r>
-              <a:rPr lang="en-US" dirty="0" smtClean="0">
-                <a:latin typeface="Courier New" panose="02070309020205020404" pitchFamily="49" charset="0"/>
-                <a:cs typeface="Courier New" panose="02070309020205020404" pitchFamily="49" charset="0"/>
-              </a:rPr>
-              <a:t>();</a:t>
-            </a:r>
-          </a:p>
-          <a:p>
-            <a:r>
-              <a:rPr lang="en-US" dirty="0">
-                <a:latin typeface="Courier New" panose="02070309020205020404" pitchFamily="49" charset="0"/>
-                <a:cs typeface="Courier New" panose="02070309020205020404" pitchFamily="49" charset="0"/>
-              </a:rPr>
-              <a:t>}</a:t>
-            </a:r>
-          </a:p>
-        </p:txBody>
-      </p:sp>
-    </p:spTree>
-    <p:extLst>
-      <p:ext uri="{BB962C8B-B14F-4D97-AF65-F5344CB8AC3E}">
-        <p14:creationId xmlns:p14="http://schemas.microsoft.com/office/powerpoint/2010/main" val="3930827009"/>
       </p:ext>
     </p:extLst>
   </p:cSld>
@@ -24293,6 +24738,648 @@
       </p:grpSpPr>
       <p:sp>
         <p:nvSpPr>
+          <p:cNvPr id="2" name="Title 1"/>
+          <p:cNvSpPr>
+            <a:spLocks noGrp="1"/>
+          </p:cNvSpPr>
+          <p:nvPr>
+            <p:ph type="title"/>
+          </p:nvPr>
+        </p:nvSpPr>
+        <p:spPr/>
+        <p:txBody>
+          <a:bodyPr/>
+          <a:lstStyle/>
+          <a:p>
+            <a:r>
+              <a:rPr lang="en-US" dirty="0" smtClean="0"/>
+              <a:t>Queue ADT</a:t>
+            </a:r>
+            <a:endParaRPr lang="en-US" dirty="0"/>
+          </a:p>
+        </p:txBody>
+      </p:sp>
+      <p:sp>
+        <p:nvSpPr>
+          <p:cNvPr id="3" name="Content Placeholder 2"/>
+          <p:cNvSpPr>
+            <a:spLocks noGrp="1"/>
+          </p:cNvSpPr>
+          <p:nvPr>
+            <p:ph idx="1"/>
+          </p:nvPr>
+        </p:nvSpPr>
+        <p:spPr/>
+        <p:txBody>
+          <a:bodyPr/>
+          <a:lstStyle/>
+          <a:p>
+            <a:r>
+              <a:rPr lang="en-US" dirty="0" smtClean="0"/>
+              <a:t>EMPTY_QUEUE() </a:t>
+            </a:r>
+            <a:r>
+              <a:rPr lang="en-US" dirty="0" smtClean="0">
+                <a:sym typeface="Symbol" panose="05050102010706020507" pitchFamily="18" charset="2"/>
+              </a:rPr>
+              <a:t> queue</a:t>
+            </a:r>
+            <a:endParaRPr lang="en-US" dirty="0" smtClean="0"/>
+          </a:p>
+          <a:p>
+            <a:r>
+              <a:rPr lang="en-US" dirty="0" smtClean="0"/>
+              <a:t>QUEUE.PUSH(value</a:t>
+            </a:r>
+            <a:r>
+              <a:rPr lang="en-US" dirty="0"/>
+              <a:t>)</a:t>
+            </a:r>
+          </a:p>
+          <a:p>
+            <a:r>
+              <a:rPr lang="en-US" dirty="0" smtClean="0"/>
+              <a:t>QUEUE.POP()</a:t>
+            </a:r>
+          </a:p>
+          <a:p>
+            <a:r>
+              <a:rPr lang="en-US" dirty="0" smtClean="0"/>
+              <a:t>QUEUE.FRONT()</a:t>
+            </a:r>
+            <a:r>
+              <a:rPr lang="en-US" dirty="0"/>
+              <a:t> </a:t>
+            </a:r>
+            <a:r>
+              <a:rPr lang="en-US" dirty="0">
+                <a:sym typeface="Symbol" panose="05050102010706020507" pitchFamily="18" charset="2"/>
+              </a:rPr>
+              <a:t> </a:t>
+            </a:r>
+            <a:r>
+              <a:rPr lang="en-US" dirty="0" smtClean="0">
+                <a:sym typeface="Symbol" panose="05050102010706020507" pitchFamily="18" charset="2"/>
+              </a:rPr>
+              <a:t>value</a:t>
+            </a:r>
+            <a:endParaRPr lang="en-US" dirty="0"/>
+          </a:p>
+          <a:p>
+            <a:r>
+              <a:rPr lang="en-US" dirty="0" smtClean="0"/>
+              <a:t>QUEUE.IS_EMPTY()</a:t>
+            </a:r>
+            <a:r>
+              <a:rPr lang="en-US" dirty="0"/>
+              <a:t> </a:t>
+            </a:r>
+            <a:r>
+              <a:rPr lang="en-US" dirty="0">
+                <a:sym typeface="Symbol" panose="05050102010706020507" pitchFamily="18" charset="2"/>
+              </a:rPr>
+              <a:t> </a:t>
+            </a:r>
+            <a:r>
+              <a:rPr lang="en-US" dirty="0" err="1" smtClean="0">
+                <a:sym typeface="Symbol" panose="05050102010706020507" pitchFamily="18" charset="2"/>
+              </a:rPr>
+              <a:t>boolean</a:t>
+            </a:r>
+            <a:endParaRPr lang="en-US" dirty="0" smtClean="0"/>
+          </a:p>
+          <a:p>
+            <a:r>
+              <a:rPr lang="en-US" dirty="0" smtClean="0"/>
+              <a:t>QUEUE.LENGTH() </a:t>
+            </a:r>
+            <a:r>
+              <a:rPr lang="en-US" dirty="0">
+                <a:sym typeface="Symbol" panose="05050102010706020507" pitchFamily="18" charset="2"/>
+              </a:rPr>
+              <a:t> </a:t>
+            </a:r>
+            <a:r>
+              <a:rPr lang="en-US" dirty="0" smtClean="0">
+                <a:sym typeface="Symbol" panose="05050102010706020507" pitchFamily="18" charset="2"/>
+              </a:rPr>
+              <a:t>length</a:t>
+            </a:r>
+            <a:br>
+              <a:rPr lang="en-US" dirty="0" smtClean="0">
+                <a:sym typeface="Symbol" panose="05050102010706020507" pitchFamily="18" charset="2"/>
+              </a:rPr>
+            </a:br>
+            <a:r>
+              <a:rPr lang="en-US" dirty="0" smtClean="0">
+                <a:sym typeface="Symbol" panose="05050102010706020507" pitchFamily="18" charset="2"/>
+              </a:rPr>
+              <a:t>      = #push - #pop</a:t>
+            </a:r>
+            <a:endParaRPr lang="en-US" dirty="0"/>
+          </a:p>
+        </p:txBody>
+      </p:sp>
+      <p:sp>
+        <p:nvSpPr>
+          <p:cNvPr id="4" name="Slide Number Placeholder 3"/>
+          <p:cNvSpPr>
+            <a:spLocks noGrp="1"/>
+          </p:cNvSpPr>
+          <p:nvPr>
+            <p:ph type="sldNum" sz="quarter" idx="12"/>
+          </p:nvPr>
+        </p:nvSpPr>
+        <p:spPr/>
+        <p:txBody>
+          <a:bodyPr/>
+          <a:lstStyle/>
+          <a:p>
+            <a:fld id="{11AD1F4E-1E51-402E-B221-310F004E7D3B}" type="slidenum">
+              <a:rPr lang="en-US" smtClean="0"/>
+              <a:t>40</a:t>
+            </a:fld>
+            <a:endParaRPr lang="en-US"/>
+          </a:p>
+        </p:txBody>
+      </p:sp>
+    </p:spTree>
+    <p:extLst>
+      <p:ext uri="{BB962C8B-B14F-4D97-AF65-F5344CB8AC3E}">
+        <p14:creationId xmlns:p14="http://schemas.microsoft.com/office/powerpoint/2010/main" val="1534393266"/>
+      </p:ext>
+    </p:extLst>
+  </p:cSld>
+  <p:clrMapOvr>
+    <a:masterClrMapping/>
+  </p:clrMapOvr>
+  <p:timing>
+    <p:tnLst>
+      <p:par>
+        <p:cTn id="1" dur="indefinite" restart="never" nodeType="tmRoot"/>
+      </p:par>
+    </p:tnLst>
+  </p:timing>
+</p:sld>
+</file>
+
+<file path=ppt/slides/slide41.xml><?xml version="1.0" encoding="utf-8"?>
+<p:sld xmlns:a="http://schemas.openxmlformats.org/drawingml/2006/main" xmlns:r="http://schemas.openxmlformats.org/officeDocument/2006/relationships" xmlns:p="http://schemas.openxmlformats.org/presentationml/2006/main">
+  <p:cSld>
+    <p:spTree>
+      <p:nvGrpSpPr>
+        <p:cNvPr id="1" name=""/>
+        <p:cNvGrpSpPr/>
+        <p:nvPr/>
+      </p:nvGrpSpPr>
+      <p:grpSpPr>
+        <a:xfrm>
+          <a:off x="0" y="0"/>
+          <a:ext cx="0" cy="0"/>
+          <a:chOff x="0" y="0"/>
+          <a:chExt cx="0" cy="0"/>
+        </a:xfrm>
+      </p:grpSpPr>
+      <p:sp>
+        <p:nvSpPr>
+          <p:cNvPr id="2" name="Title 1"/>
+          <p:cNvSpPr>
+            <a:spLocks noGrp="1"/>
+          </p:cNvSpPr>
+          <p:nvPr>
+            <p:ph type="title"/>
+          </p:nvPr>
+        </p:nvSpPr>
+        <p:spPr/>
+        <p:txBody>
+          <a:bodyPr/>
+          <a:lstStyle/>
+          <a:p>
+            <a:r>
+              <a:rPr lang="en-US" dirty="0" smtClean="0"/>
+              <a:t>Queue examples</a:t>
+            </a:r>
+            <a:endParaRPr lang="en-US" dirty="0"/>
+          </a:p>
+        </p:txBody>
+      </p:sp>
+      <p:sp>
+        <p:nvSpPr>
+          <p:cNvPr id="4" name="Slide Number Placeholder 3"/>
+          <p:cNvSpPr>
+            <a:spLocks noGrp="1"/>
+          </p:cNvSpPr>
+          <p:nvPr>
+            <p:ph type="sldNum" sz="quarter" idx="12"/>
+          </p:nvPr>
+        </p:nvSpPr>
+        <p:spPr/>
+        <p:txBody>
+          <a:bodyPr/>
+          <a:lstStyle/>
+          <a:p>
+            <a:fld id="{11AD1F4E-1E51-402E-B221-310F004E7D3B}" type="slidenum">
+              <a:rPr lang="en-US" smtClean="0"/>
+              <a:t>41</a:t>
+            </a:fld>
+            <a:endParaRPr lang="en-US"/>
+          </a:p>
+        </p:txBody>
+      </p:sp>
+      <p:sp>
+        <p:nvSpPr>
+          <p:cNvPr id="5" name="TextBox 4"/>
+          <p:cNvSpPr txBox="1"/>
+          <p:nvPr/>
+        </p:nvSpPr>
+        <p:spPr>
+          <a:xfrm>
+            <a:off x="628650" y="1704105"/>
+            <a:ext cx="6665768" cy="2585323"/>
+          </a:xfrm>
+          <a:prstGeom prst="rect">
+            <a:avLst/>
+          </a:prstGeom>
+          <a:solidFill>
+            <a:schemeClr val="bg1">
+              <a:lumMod val="75000"/>
+            </a:schemeClr>
+          </a:solidFill>
+          <a:ln>
+            <a:solidFill>
+              <a:schemeClr val="tx1"/>
+            </a:solidFill>
+          </a:ln>
+        </p:spPr>
+        <p:txBody>
+          <a:bodyPr wrap="square" rtlCol="0">
+            <a:spAutoFit/>
+          </a:bodyPr>
+          <a:lstStyle/>
+          <a:p>
+            <a:r>
+              <a:rPr lang="en-US" dirty="0" smtClean="0">
+                <a:latin typeface="Courier New" panose="02070309020205020404" pitchFamily="49" charset="0"/>
+                <a:cs typeface="Courier New" panose="02070309020205020404" pitchFamily="49" charset="0"/>
+              </a:rPr>
+              <a:t>#include &lt;queue&gt;</a:t>
+            </a:r>
+          </a:p>
+          <a:p>
+            <a:r>
+              <a:rPr lang="en-US" dirty="0" smtClean="0">
+                <a:latin typeface="Courier New" panose="02070309020205020404" pitchFamily="49" charset="0"/>
+                <a:cs typeface="Courier New" panose="02070309020205020404" pitchFamily="49" charset="0"/>
+              </a:rPr>
+              <a:t>…</a:t>
+            </a:r>
+          </a:p>
+          <a:p>
+            <a:r>
+              <a:rPr lang="en-US" dirty="0" err="1" smtClean="0">
+                <a:latin typeface="Courier New" panose="02070309020205020404" pitchFamily="49" charset="0"/>
+                <a:cs typeface="Courier New" panose="02070309020205020404" pitchFamily="49" charset="0"/>
+              </a:rPr>
+              <a:t>std</a:t>
+            </a:r>
+            <a:r>
+              <a:rPr lang="en-US" dirty="0" smtClean="0">
+                <a:latin typeface="Courier New" panose="02070309020205020404" pitchFamily="49" charset="0"/>
+                <a:cs typeface="Courier New" panose="02070309020205020404" pitchFamily="49" charset="0"/>
+              </a:rPr>
+              <a:t>::queue&lt;</a:t>
+            </a:r>
+            <a:r>
+              <a:rPr lang="en-US" dirty="0" err="1" smtClean="0">
+                <a:latin typeface="Courier New" panose="02070309020205020404" pitchFamily="49" charset="0"/>
+                <a:cs typeface="Courier New" panose="02070309020205020404" pitchFamily="49" charset="0"/>
+              </a:rPr>
+              <a:t>int</a:t>
+            </a:r>
+            <a:r>
+              <a:rPr lang="en-US" dirty="0" smtClean="0">
+                <a:latin typeface="Courier New" panose="02070309020205020404" pitchFamily="49" charset="0"/>
+                <a:cs typeface="Courier New" panose="02070309020205020404" pitchFamily="49" charset="0"/>
+              </a:rPr>
+              <a:t>&gt; q;</a:t>
+            </a:r>
+          </a:p>
+          <a:p>
+            <a:r>
+              <a:rPr lang="en-US" dirty="0" smtClean="0">
+                <a:latin typeface="Courier New" panose="02070309020205020404" pitchFamily="49" charset="0"/>
+                <a:cs typeface="Courier New" panose="02070309020205020404" pitchFamily="49" charset="0"/>
+              </a:rPr>
+              <a:t>for (</a:t>
+            </a:r>
+            <a:r>
+              <a:rPr lang="en-US" dirty="0" err="1" smtClean="0">
+                <a:latin typeface="Courier New" panose="02070309020205020404" pitchFamily="49" charset="0"/>
+                <a:cs typeface="Courier New" panose="02070309020205020404" pitchFamily="49" charset="0"/>
+              </a:rPr>
+              <a:t>int</a:t>
+            </a:r>
+            <a:r>
+              <a:rPr lang="en-US" dirty="0" smtClean="0">
+                <a:latin typeface="Courier New" panose="02070309020205020404" pitchFamily="49" charset="0"/>
+                <a:cs typeface="Courier New" panose="02070309020205020404" pitchFamily="49" charset="0"/>
+              </a:rPr>
+              <a:t> </a:t>
+            </a:r>
+            <a:r>
+              <a:rPr lang="en-US" dirty="0" err="1" smtClean="0">
+                <a:latin typeface="Courier New" panose="02070309020205020404" pitchFamily="49" charset="0"/>
+                <a:cs typeface="Courier New" panose="02070309020205020404" pitchFamily="49" charset="0"/>
+              </a:rPr>
+              <a:t>i</a:t>
+            </a:r>
+            <a:r>
+              <a:rPr lang="en-US" dirty="0" smtClean="0">
+                <a:latin typeface="Courier New" panose="02070309020205020404" pitchFamily="49" charset="0"/>
+                <a:cs typeface="Courier New" panose="02070309020205020404" pitchFamily="49" charset="0"/>
+              </a:rPr>
+              <a:t> = 0; </a:t>
+            </a:r>
+            <a:r>
+              <a:rPr lang="en-US" dirty="0" err="1" smtClean="0">
+                <a:latin typeface="Courier New" panose="02070309020205020404" pitchFamily="49" charset="0"/>
+                <a:cs typeface="Courier New" panose="02070309020205020404" pitchFamily="49" charset="0"/>
+              </a:rPr>
+              <a:t>i</a:t>
+            </a:r>
+            <a:r>
+              <a:rPr lang="en-US" dirty="0" smtClean="0">
+                <a:latin typeface="Courier New" panose="02070309020205020404" pitchFamily="49" charset="0"/>
+                <a:cs typeface="Courier New" panose="02070309020205020404" pitchFamily="49" charset="0"/>
+              </a:rPr>
+              <a:t> &lt; 10; </a:t>
+            </a:r>
+            <a:r>
+              <a:rPr lang="en-US" dirty="0" err="1" smtClean="0">
+                <a:latin typeface="Courier New" panose="02070309020205020404" pitchFamily="49" charset="0"/>
+                <a:cs typeface="Courier New" panose="02070309020205020404" pitchFamily="49" charset="0"/>
+              </a:rPr>
+              <a:t>i</a:t>
+            </a:r>
+            <a:r>
+              <a:rPr lang="en-US" dirty="0" smtClean="0">
+                <a:latin typeface="Courier New" panose="02070309020205020404" pitchFamily="49" charset="0"/>
+                <a:cs typeface="Courier New" panose="02070309020205020404" pitchFamily="49" charset="0"/>
+              </a:rPr>
+              <a:t>++)</a:t>
+            </a:r>
+          </a:p>
+          <a:p>
+            <a:r>
+              <a:rPr lang="en-US" dirty="0">
+                <a:latin typeface="Courier New" panose="02070309020205020404" pitchFamily="49" charset="0"/>
+                <a:cs typeface="Courier New" panose="02070309020205020404" pitchFamily="49" charset="0"/>
+              </a:rPr>
+              <a:t> </a:t>
+            </a:r>
+            <a:r>
+              <a:rPr lang="en-US" dirty="0" smtClean="0">
+                <a:latin typeface="Courier New" panose="02070309020205020404" pitchFamily="49" charset="0"/>
+                <a:cs typeface="Courier New" panose="02070309020205020404" pitchFamily="49" charset="0"/>
+              </a:rPr>
+              <a:t>   </a:t>
+            </a:r>
+            <a:r>
+              <a:rPr lang="en-US" dirty="0" err="1" smtClean="0">
+                <a:latin typeface="Courier New" panose="02070309020205020404" pitchFamily="49" charset="0"/>
+                <a:cs typeface="Courier New" panose="02070309020205020404" pitchFamily="49" charset="0"/>
+              </a:rPr>
+              <a:t>q.push</a:t>
+            </a:r>
+            <a:r>
+              <a:rPr lang="en-US" dirty="0" smtClean="0">
+                <a:latin typeface="Courier New" panose="02070309020205020404" pitchFamily="49" charset="0"/>
+                <a:cs typeface="Courier New" panose="02070309020205020404" pitchFamily="49" charset="0"/>
+              </a:rPr>
+              <a:t>(</a:t>
+            </a:r>
+            <a:r>
+              <a:rPr lang="en-US" dirty="0" err="1" smtClean="0">
+                <a:latin typeface="Courier New" panose="02070309020205020404" pitchFamily="49" charset="0"/>
+                <a:cs typeface="Courier New" panose="02070309020205020404" pitchFamily="49" charset="0"/>
+              </a:rPr>
+              <a:t>i</a:t>
+            </a:r>
+            <a:r>
+              <a:rPr lang="en-US" dirty="0" smtClean="0">
+                <a:latin typeface="Courier New" panose="02070309020205020404" pitchFamily="49" charset="0"/>
+                <a:cs typeface="Courier New" panose="02070309020205020404" pitchFamily="49" charset="0"/>
+              </a:rPr>
+              <a:t>);</a:t>
+            </a:r>
+          </a:p>
+          <a:p>
+            <a:r>
+              <a:rPr lang="en-US" dirty="0" smtClean="0">
+                <a:latin typeface="Courier New" panose="02070309020205020404" pitchFamily="49" charset="0"/>
+                <a:cs typeface="Courier New" panose="02070309020205020404" pitchFamily="49" charset="0"/>
+              </a:rPr>
+              <a:t>while (!</a:t>
+            </a:r>
+            <a:r>
+              <a:rPr lang="en-US" dirty="0" err="1" smtClean="0">
+                <a:latin typeface="Courier New" panose="02070309020205020404" pitchFamily="49" charset="0"/>
+                <a:cs typeface="Courier New" panose="02070309020205020404" pitchFamily="49" charset="0"/>
+              </a:rPr>
+              <a:t>q.empty</a:t>
+            </a:r>
+            <a:r>
+              <a:rPr lang="en-US" dirty="0" smtClean="0">
+                <a:latin typeface="Courier New" panose="02070309020205020404" pitchFamily="49" charset="0"/>
+                <a:cs typeface="Courier New" panose="02070309020205020404" pitchFamily="49" charset="0"/>
+              </a:rPr>
+              <a:t>()) {</a:t>
+            </a:r>
+            <a:endParaRPr lang="en-US" dirty="0">
+              <a:latin typeface="Courier New" panose="02070309020205020404" pitchFamily="49" charset="0"/>
+              <a:cs typeface="Courier New" panose="02070309020205020404" pitchFamily="49" charset="0"/>
+            </a:endParaRPr>
+          </a:p>
+          <a:p>
+            <a:r>
+              <a:rPr lang="en-US" dirty="0" smtClean="0">
+                <a:latin typeface="Courier New" panose="02070309020205020404" pitchFamily="49" charset="0"/>
+                <a:cs typeface="Courier New" panose="02070309020205020404" pitchFamily="49" charset="0"/>
+              </a:rPr>
+              <a:t>    </a:t>
+            </a:r>
+            <a:r>
+              <a:rPr lang="en-US" dirty="0" err="1">
+                <a:latin typeface="Courier New" panose="02070309020205020404" pitchFamily="49" charset="0"/>
+                <a:cs typeface="Courier New" panose="02070309020205020404" pitchFamily="49" charset="0"/>
+              </a:rPr>
+              <a:t>std</a:t>
+            </a:r>
+            <a:r>
+              <a:rPr lang="en-US" dirty="0">
+                <a:latin typeface="Courier New" panose="02070309020205020404" pitchFamily="49" charset="0"/>
+                <a:cs typeface="Courier New" panose="02070309020205020404" pitchFamily="49" charset="0"/>
+              </a:rPr>
+              <a:t>::</a:t>
+            </a:r>
+            <a:r>
+              <a:rPr lang="en-US" dirty="0" err="1">
+                <a:latin typeface="Courier New" panose="02070309020205020404" pitchFamily="49" charset="0"/>
+                <a:cs typeface="Courier New" panose="02070309020205020404" pitchFamily="49" charset="0"/>
+              </a:rPr>
+              <a:t>cout</a:t>
+            </a:r>
+            <a:r>
+              <a:rPr lang="en-US" dirty="0">
+                <a:latin typeface="Courier New" panose="02070309020205020404" pitchFamily="49" charset="0"/>
+                <a:cs typeface="Courier New" panose="02070309020205020404" pitchFamily="49" charset="0"/>
+              </a:rPr>
+              <a:t> &lt;&lt; </a:t>
+            </a:r>
+            <a:r>
+              <a:rPr lang="en-US" dirty="0" err="1">
+                <a:latin typeface="Courier New" panose="02070309020205020404" pitchFamily="49" charset="0"/>
+                <a:cs typeface="Courier New" panose="02070309020205020404" pitchFamily="49" charset="0"/>
+              </a:rPr>
+              <a:t>q</a:t>
+            </a:r>
+            <a:r>
+              <a:rPr lang="en-US" dirty="0" err="1" smtClean="0">
+                <a:latin typeface="Courier New" panose="02070309020205020404" pitchFamily="49" charset="0"/>
+                <a:cs typeface="Courier New" panose="02070309020205020404" pitchFamily="49" charset="0"/>
+              </a:rPr>
+              <a:t>.front</a:t>
+            </a:r>
+            <a:r>
+              <a:rPr lang="en-US" dirty="0" smtClean="0">
+                <a:latin typeface="Courier New" panose="02070309020205020404" pitchFamily="49" charset="0"/>
+                <a:cs typeface="Courier New" panose="02070309020205020404" pitchFamily="49" charset="0"/>
+              </a:rPr>
+              <a:t>() </a:t>
+            </a:r>
+            <a:r>
+              <a:rPr lang="en-US" dirty="0">
+                <a:latin typeface="Courier New" panose="02070309020205020404" pitchFamily="49" charset="0"/>
+                <a:cs typeface="Courier New" panose="02070309020205020404" pitchFamily="49" charset="0"/>
+              </a:rPr>
+              <a:t>&lt;&lt; </a:t>
+            </a:r>
+            <a:r>
+              <a:rPr lang="en-US" dirty="0" err="1">
+                <a:latin typeface="Courier New" panose="02070309020205020404" pitchFamily="49" charset="0"/>
+                <a:cs typeface="Courier New" panose="02070309020205020404" pitchFamily="49" charset="0"/>
+              </a:rPr>
+              <a:t>std</a:t>
+            </a:r>
+            <a:r>
+              <a:rPr lang="en-US" dirty="0">
+                <a:latin typeface="Courier New" panose="02070309020205020404" pitchFamily="49" charset="0"/>
+                <a:cs typeface="Courier New" panose="02070309020205020404" pitchFamily="49" charset="0"/>
+              </a:rPr>
+              <a:t>::</a:t>
+            </a:r>
+            <a:r>
+              <a:rPr lang="en-US" dirty="0" err="1">
+                <a:latin typeface="Courier New" panose="02070309020205020404" pitchFamily="49" charset="0"/>
+                <a:cs typeface="Courier New" panose="02070309020205020404" pitchFamily="49" charset="0"/>
+              </a:rPr>
+              <a:t>endl</a:t>
+            </a:r>
+            <a:r>
+              <a:rPr lang="en-US" dirty="0" smtClean="0">
+                <a:latin typeface="Courier New" panose="02070309020205020404" pitchFamily="49" charset="0"/>
+                <a:cs typeface="Courier New" panose="02070309020205020404" pitchFamily="49" charset="0"/>
+              </a:rPr>
+              <a:t>;</a:t>
+            </a:r>
+          </a:p>
+          <a:p>
+            <a:r>
+              <a:rPr lang="en-US" dirty="0">
+                <a:latin typeface="Courier New" panose="02070309020205020404" pitchFamily="49" charset="0"/>
+                <a:cs typeface="Courier New" panose="02070309020205020404" pitchFamily="49" charset="0"/>
+              </a:rPr>
+              <a:t> </a:t>
+            </a:r>
+            <a:r>
+              <a:rPr lang="en-US" dirty="0" smtClean="0">
+                <a:latin typeface="Courier New" panose="02070309020205020404" pitchFamily="49" charset="0"/>
+                <a:cs typeface="Courier New" panose="02070309020205020404" pitchFamily="49" charset="0"/>
+              </a:rPr>
+              <a:t>   </a:t>
+            </a:r>
+            <a:r>
+              <a:rPr lang="en-US" dirty="0" err="1">
+                <a:latin typeface="Courier New" panose="02070309020205020404" pitchFamily="49" charset="0"/>
+                <a:cs typeface="Courier New" panose="02070309020205020404" pitchFamily="49" charset="0"/>
+              </a:rPr>
+              <a:t>q</a:t>
+            </a:r>
+            <a:r>
+              <a:rPr lang="en-US" dirty="0" err="1" smtClean="0">
+                <a:latin typeface="Courier New" panose="02070309020205020404" pitchFamily="49" charset="0"/>
+                <a:cs typeface="Courier New" panose="02070309020205020404" pitchFamily="49" charset="0"/>
+              </a:rPr>
+              <a:t>.pop</a:t>
+            </a:r>
+            <a:r>
+              <a:rPr lang="en-US" dirty="0" smtClean="0">
+                <a:latin typeface="Courier New" panose="02070309020205020404" pitchFamily="49" charset="0"/>
+                <a:cs typeface="Courier New" panose="02070309020205020404" pitchFamily="49" charset="0"/>
+              </a:rPr>
+              <a:t>();</a:t>
+            </a:r>
+          </a:p>
+          <a:p>
+            <a:r>
+              <a:rPr lang="en-US" dirty="0">
+                <a:latin typeface="Courier New" panose="02070309020205020404" pitchFamily="49" charset="0"/>
+                <a:cs typeface="Courier New" panose="02070309020205020404" pitchFamily="49" charset="0"/>
+              </a:rPr>
+              <a:t>}</a:t>
+            </a:r>
+          </a:p>
+        </p:txBody>
+      </p:sp>
+    </p:spTree>
+    <p:extLst>
+      <p:ext uri="{BB962C8B-B14F-4D97-AF65-F5344CB8AC3E}">
+        <p14:creationId xmlns:p14="http://schemas.microsoft.com/office/powerpoint/2010/main" val="3930827009"/>
+      </p:ext>
+    </p:extLst>
+  </p:cSld>
+  <p:clrMapOvr>
+    <a:masterClrMapping/>
+  </p:clrMapOvr>
+  <p:timing>
+    <p:tnLst>
+      <p:par>
+        <p:cTn id="1" dur="indefinite" restart="never" nodeType="tmRoot"/>
+      </p:par>
+    </p:tnLst>
+  </p:timing>
+</p:sld>
+</file>
+
+<file path=ppt/slides/slide42.xml><?xml version="1.0" encoding="utf-8"?>
+<p:sld xmlns:a="http://schemas.openxmlformats.org/drawingml/2006/main" xmlns:r="http://schemas.openxmlformats.org/officeDocument/2006/relationships" xmlns:p="http://schemas.openxmlformats.org/presentationml/2006/main">
+  <p:cSld>
+    <p:spTree>
+      <p:nvGrpSpPr>
+        <p:cNvPr id="1" name=""/>
+        <p:cNvGrpSpPr/>
+        <p:nvPr/>
+      </p:nvGrpSpPr>
+      <p:grpSpPr>
+        <a:xfrm>
+          <a:off x="0" y="0"/>
+          <a:ext cx="0" cy="0"/>
+          <a:chOff x="0" y="0"/>
+          <a:chExt cx="0" cy="0"/>
+        </a:xfrm>
+      </p:grpSpPr>
+      <p:sp>
+        <p:nvSpPr>
           <p:cNvPr id="3" name="Content Placeholder 2"/>
           <p:cNvSpPr>
             <a:spLocks noGrp="1"/>
@@ -24359,18 +25446,8 @@
           <a:p>
             <a:r>
               <a:rPr lang="en-US" dirty="0" smtClean="0"/>
-              <a:t>Implementations</a:t>
-            </a:r>
-          </a:p>
-          <a:p>
-            <a:pPr lvl="1"/>
-            <a:r>
-              <a:rPr lang="en-US" dirty="0" smtClean="0"/>
-              <a:t>as heap</a:t>
-            </a:r>
-          </a:p>
-          <a:p>
-            <a:pPr lvl="1"/>
+              <a:t>Implementation: STL</a:t>
+            </a:r>
             <a:endParaRPr lang="en-US" dirty="0"/>
           </a:p>
         </p:txBody>
@@ -24415,7 +25492,7 @@
           <a:p>
             <a:fld id="{11AD1F4E-1E51-402E-B221-310F004E7D3B}" type="slidenum">
               <a:rPr lang="en-US" smtClean="0"/>
-              <a:t>40</a:t>
+              <a:t>42</a:t>
             </a:fld>
             <a:endParaRPr lang="en-US"/>
           </a:p>
@@ -24453,7 +25530,7 @@
             <a:graphicData uri="http://schemas.openxmlformats.org/presentationml/2006/ole">
               <mc:AlternateContent xmlns:mc="http://schemas.openxmlformats.org/markup-compatibility/2006">
                 <mc:Choice xmlns:v="urn:schemas-microsoft-com:vml" Requires="v">
-                  <p:oleObj spid="_x0000_s10291" name="Equation" r:id="rId3" imgW="444240" imgH="241200" progId="Equation.3">
+                  <p:oleObj spid="_x0000_s10299" name="Equation" r:id="rId3" imgW="444240" imgH="241200" progId="Equation.3">
                     <p:embed/>
                   </p:oleObj>
                 </mc:Choice>
@@ -25159,7 +26236,7 @@
 </p:sld>
 </file>
 
-<file path=ppt/slides/slide41.xml><?xml version="1.0" encoding="utf-8"?>
+<file path=ppt/slides/slide43.xml><?xml version="1.0" encoding="utf-8"?>
 <p:sld xmlns:a="http://schemas.openxmlformats.org/drawingml/2006/main" xmlns:r="http://schemas.openxmlformats.org/officeDocument/2006/relationships" xmlns:p="http://schemas.openxmlformats.org/presentationml/2006/main">
   <p:cSld>
     <p:spTree>
@@ -25337,7 +26414,7 @@
           <a:p>
             <a:fld id="{11AD1F4E-1E51-402E-B221-310F004E7D3B}" type="slidenum">
               <a:rPr lang="en-US" smtClean="0"/>
-              <a:t>41</a:t>
+              <a:t>43</a:t>
             </a:fld>
             <a:endParaRPr lang="en-US"/>
           </a:p>
@@ -25363,7 +26440,7 @@
 </p:sld>
 </file>
 
-<file path=ppt/slides/slide42.xml><?xml version="1.0" encoding="utf-8"?>
+<file path=ppt/slides/slide44.xml><?xml version="1.0" encoding="utf-8"?>
 <p:sld xmlns:a="http://schemas.openxmlformats.org/drawingml/2006/main" xmlns:r="http://schemas.openxmlformats.org/officeDocument/2006/relationships" xmlns:p="http://schemas.openxmlformats.org/presentationml/2006/main">
   <p:cSld>
     <p:spTree>
@@ -25523,7 +26600,7 @@
           <a:p>
             <a:fld id="{11AD1F4E-1E51-402E-B221-310F004E7D3B}" type="slidenum">
               <a:rPr lang="en-US" smtClean="0"/>
-              <a:t>42</a:t>
+              <a:t>44</a:t>
             </a:fld>
             <a:endParaRPr lang="en-US"/>
           </a:p>
@@ -25565,7 +26642,7 @@
             <a:graphicData uri="http://schemas.openxmlformats.org/presentationml/2006/ole">
               <mc:AlternateContent xmlns:mc="http://schemas.openxmlformats.org/markup-compatibility/2006">
                 <mc:Choice xmlns:v="urn:schemas-microsoft-com:vml" Requires="v">
-                  <p:oleObj spid="_x0000_s9288" name="Equation" r:id="rId3" imgW="1104840" imgH="215640" progId="Equation.3">
+                  <p:oleObj spid="_x0000_s9296" name="Equation" r:id="rId3" imgW="1104840" imgH="215640" progId="Equation.3">
                     <p:embed/>
                   </p:oleObj>
                 </mc:Choice>
@@ -26657,7 +27734,7 @@
 </p:sld>
 </file>
 
-<file path=ppt/slides/slide43.xml><?xml version="1.0" encoding="utf-8"?>
+<file path=ppt/slides/slide45.xml><?xml version="1.0" encoding="utf-8"?>
 <p:sld xmlns:a="http://schemas.openxmlformats.org/drawingml/2006/main" xmlns:r="http://schemas.openxmlformats.org/officeDocument/2006/relationships" xmlns:p="http://schemas.openxmlformats.org/presentationml/2006/main">
   <p:cSld>
     <p:spTree>
@@ -27073,7 +28150,7 @@
           <a:p>
             <a:fld id="{11AD1F4E-1E51-402E-B221-310F004E7D3B}" type="slidenum">
               <a:rPr lang="en-US" smtClean="0"/>
-              <a:t>43</a:t>
+              <a:t>45</a:t>
             </a:fld>
             <a:endParaRPr lang="en-US"/>
           </a:p>
@@ -27099,7 +28176,7 @@
 </p:sld>
 </file>
 
-<file path=ppt/slides/slide44.xml><?xml version="1.0" encoding="utf-8"?>
+<file path=ppt/slides/slide46.xml><?xml version="1.0" encoding="utf-8"?>
 <p:sld xmlns:a="http://schemas.openxmlformats.org/drawingml/2006/main" xmlns:r="http://schemas.openxmlformats.org/officeDocument/2006/relationships" xmlns:p="http://schemas.openxmlformats.org/presentationml/2006/main">
   <p:cSld>
     <p:spTree>
@@ -27249,7 +28326,7 @@
           <a:p>
             <a:fld id="{11AD1F4E-1E51-402E-B221-310F004E7D3B}" type="slidenum">
               <a:rPr lang="en-US" smtClean="0"/>
-              <a:t>44</a:t>
+              <a:t>46</a:t>
             </a:fld>
             <a:endParaRPr lang="en-US"/>
           </a:p>
@@ -29446,7 +30523,7 @@
 </p:sld>
 </file>
 
-<file path=ppt/slides/slide45.xml><?xml version="1.0" encoding="utf-8"?>
+<file path=ppt/slides/slide47.xml><?xml version="1.0" encoding="utf-8"?>
 <p:sld xmlns:a="http://schemas.openxmlformats.org/drawingml/2006/main" xmlns:r="http://schemas.openxmlformats.org/officeDocument/2006/relationships" xmlns:p="http://schemas.openxmlformats.org/presentationml/2006/main">
   <p:cSld>
     <p:spTree>
@@ -29538,7 +30615,7 @@
           <a:p>
             <a:fld id="{11AD1F4E-1E51-402E-B221-310F004E7D3B}" type="slidenum">
               <a:rPr lang="en-US" smtClean="0"/>
-              <a:t>45</a:t>
+              <a:t>47</a:t>
             </a:fld>
             <a:endParaRPr lang="en-US"/>
           </a:p>
@@ -31001,7 +32078,7 @@
 </p:sld>
 </file>
 
-<file path=ppt/slides/slide46.xml><?xml version="1.0" encoding="utf-8"?>
+<file path=ppt/slides/slide48.xml><?xml version="1.0" encoding="utf-8"?>
 <p:sld xmlns:a="http://schemas.openxmlformats.org/drawingml/2006/main" xmlns:r="http://schemas.openxmlformats.org/officeDocument/2006/relationships" xmlns:p="http://schemas.openxmlformats.org/presentationml/2006/main">
   <p:cSld>
     <p:spTree>
@@ -31035,6 +32112,135 @@
           <a:p>
             <a:r>
               <a:rPr lang="en-US" dirty="0" smtClean="0"/>
+              <a:t>What was </a:t>
+            </a:r>
+            <a:r>
+              <a:rPr lang="en-US" dirty="0" smtClean="0"/>
+              <a:t>added?</a:t>
+            </a:r>
+            <a:endParaRPr lang="en-US" dirty="0"/>
+          </a:p>
+        </p:txBody>
+      </p:sp>
+      <p:sp>
+        <p:nvSpPr>
+          <p:cNvPr id="4" name="Content Placeholder 3"/>
+          <p:cNvSpPr>
+            <a:spLocks noGrp="1"/>
+          </p:cNvSpPr>
+          <p:nvPr>
+            <p:ph idx="1"/>
+          </p:nvPr>
+        </p:nvSpPr>
+        <p:spPr/>
+        <p:txBody>
+          <a:bodyPr/>
+          <a:lstStyle/>
+          <a:p>
+            <a:r>
+              <a:rPr lang="en-US" dirty="0" smtClean="0"/>
+              <a:t>value arrays (discussed in chapter 12.6)</a:t>
+            </a:r>
+          </a:p>
+          <a:p>
+            <a:r>
+              <a:rPr lang="en-US" dirty="0" smtClean="0"/>
+              <a:t>tuple (discussed in chapter 11.3)</a:t>
+            </a:r>
+          </a:p>
+          <a:p>
+            <a:r>
+              <a:rPr lang="en-US" dirty="0" smtClean="0"/>
+              <a:t>set</a:t>
+            </a:r>
+          </a:p>
+          <a:p>
+            <a:r>
+              <a:rPr lang="en-US" dirty="0" smtClean="0"/>
+              <a:t>stack</a:t>
+            </a:r>
+          </a:p>
+          <a:p>
+            <a:r>
+              <a:rPr lang="en-US" dirty="0" smtClean="0"/>
+              <a:t>queue/priority queue</a:t>
+            </a:r>
+          </a:p>
+          <a:p>
+            <a:endParaRPr lang="en-US" dirty="0"/>
+          </a:p>
+        </p:txBody>
+      </p:sp>
+      <p:sp>
+        <p:nvSpPr>
+          <p:cNvPr id="3" name="Slide Number Placeholder 2"/>
+          <p:cNvSpPr>
+            <a:spLocks noGrp="1"/>
+          </p:cNvSpPr>
+          <p:nvPr>
+            <p:ph type="sldNum" sz="quarter" idx="12"/>
+          </p:nvPr>
+        </p:nvSpPr>
+        <p:spPr/>
+        <p:txBody>
+          <a:bodyPr/>
+          <a:lstStyle/>
+          <a:p>
+            <a:fld id="{9CEF4966-5219-4577-B301-14467D565841}" type="slidenum">
+              <a:rPr lang="en-US" smtClean="0"/>
+              <a:t>48</a:t>
+            </a:fld>
+            <a:endParaRPr lang="en-US"/>
+          </a:p>
+        </p:txBody>
+      </p:sp>
+    </p:spTree>
+    <p:extLst>
+      <p:ext uri="{BB962C8B-B14F-4D97-AF65-F5344CB8AC3E}">
+        <p14:creationId xmlns:p14="http://schemas.microsoft.com/office/powerpoint/2010/main" val="3233369179"/>
+      </p:ext>
+    </p:extLst>
+  </p:cSld>
+  <p:clrMapOvr>
+    <a:masterClrMapping/>
+  </p:clrMapOvr>
+</p:sld>
+</file>
+
+<file path=ppt/slides/slide49.xml><?xml version="1.0" encoding="utf-8"?>
+<p:sld xmlns:a="http://schemas.openxmlformats.org/drawingml/2006/main" xmlns:r="http://schemas.openxmlformats.org/officeDocument/2006/relationships" xmlns:p="http://schemas.openxmlformats.org/presentationml/2006/main">
+  <p:cSld>
+    <p:spTree>
+      <p:nvGrpSpPr>
+        <p:cNvPr id="1" name=""/>
+        <p:cNvGrpSpPr/>
+        <p:nvPr/>
+      </p:nvGrpSpPr>
+      <p:grpSpPr>
+        <a:xfrm>
+          <a:off x="0" y="0"/>
+          <a:ext cx="0" cy="0"/>
+          <a:chOff x="0" y="0"/>
+          <a:chExt cx="0" cy="0"/>
+        </a:xfrm>
+      </p:grpSpPr>
+      <p:sp>
+        <p:nvSpPr>
+          <p:cNvPr id="2" name="Title 1"/>
+          <p:cNvSpPr>
+            <a:spLocks noGrp="1"/>
+          </p:cNvSpPr>
+          <p:nvPr>
+            <p:ph type="title"/>
+          </p:nvPr>
+        </p:nvSpPr>
+        <p:spPr/>
+        <p:txBody>
+          <a:bodyPr/>
+          <a:lstStyle/>
+          <a:p>
+            <a:r>
+              <a:rPr lang="en-US" dirty="0" smtClean="0"/>
               <a:t>References</a:t>
             </a:r>
             <a:endParaRPr lang="en-US" dirty="0"/>
@@ -31148,7 +32354,7 @@
           <a:p>
             <a:fld id="{11AD1F4E-1E51-402E-B221-310F004E7D3B}" type="slidenum">
               <a:rPr lang="en-US" smtClean="0"/>
-              <a:t>46</a:t>
+              <a:t>49</a:t>
             </a:fld>
             <a:endParaRPr lang="en-US"/>
           </a:p>
@@ -32259,7 +33465,7 @@
           <a:graphicData uri="http://schemas.openxmlformats.org/presentationml/2006/ole">
             <mc:AlternateContent xmlns:mc="http://schemas.openxmlformats.org/markup-compatibility/2006">
               <mc:Choice xmlns:v="urn:schemas-microsoft-com:vml" Requires="v">
-                <p:oleObj spid="_x0000_s1129" name="Equation" r:id="rId4" imgW="1841400" imgH="215640" progId="Equation.3">
+                <p:oleObj spid="_x0000_s1137" name="Equation" r:id="rId4" imgW="1841400" imgH="215640" progId="Equation.3">
                   <p:embed/>
                 </p:oleObj>
               </mc:Choice>
@@ -33181,7 +34387,7 @@
         <p:spPr/>
         <p:txBody>
           <a:bodyPr>
-            <a:normAutofit lnSpcReduction="10000"/>
+            <a:normAutofit fontScale="92500" lnSpcReduction="10000"/>
           </a:bodyPr>
           <a:lstStyle/>
           <a:p>
@@ -33222,6 +34428,14 @@
               <a:rPr lang="en-US" dirty="0" smtClean="0"/>
               <a:t>array</a:t>
             </a:r>
+          </a:p>
+          <a:p>
+            <a:pPr lvl="1"/>
+            <a:r>
+              <a:rPr lang="en-US" dirty="0" err="1" smtClean="0"/>
+              <a:t>valarray</a:t>
+            </a:r>
+            <a:endParaRPr lang="en-US" dirty="0" smtClean="0"/>
           </a:p>
           <a:p>
             <a:pPr lvl="1"/>
@@ -33694,6 +34908,37 @@
                                   </p:childTnLst>
                                 </p:cTn>
                               </p:par>
+                              <p:par>
+                                <p:cTn id="31" presetID="1" presetClass="entr" presetSubtype="0" fill="hold" grpId="0" nodeType="withEffect">
+                                  <p:stCondLst>
+                                    <p:cond delay="0"/>
+                                  </p:stCondLst>
+                                  <p:childTnLst>
+                                    <p:set>
+                                      <p:cBhvr>
+                                        <p:cTn id="32" dur="1" fill="hold">
+                                          <p:stCondLst>
+                                            <p:cond delay="0"/>
+                                          </p:stCondLst>
+                                        </p:cTn>
+                                        <p:tgtEl>
+                                          <p:spTgt spid="3">
+                                            <p:txEl>
+                                              <p:pRg st="11" end="11"/>
+                                            </p:txEl>
+                                          </p:spTgt>
+                                        </p:tgtEl>
+                                        <p:attrNameLst>
+                                          <p:attrName>style.visibility</p:attrName>
+                                        </p:attrNameLst>
+                                      </p:cBhvr>
+                                      <p:to>
+                                        <p:strVal val="visible"/>
+                                      </p:to>
+                                    </p:set>
+                                  </p:childTnLst>
+                                </p:cTn>
+                              </p:par>
                             </p:childTnLst>
                           </p:cTn>
                         </p:par>
@@ -33842,7 +35087,11 @@
           <a:p>
             <a:r>
               <a:rPr lang="en-US" dirty="0" smtClean="0"/>
-              <a:t>Implementations: core language</a:t>
+              <a:t>Implementation: </a:t>
+            </a:r>
+            <a:r>
+              <a:rPr lang="en-US" dirty="0" smtClean="0"/>
+              <a:t>core language</a:t>
             </a:r>
           </a:p>
           <a:p>
@@ -33887,7 +35136,7 @@
             <a:graphicData uri="http://schemas.openxmlformats.org/presentationml/2006/ole">
               <mc:AlternateContent xmlns:mc="http://schemas.openxmlformats.org/markup-compatibility/2006">
                 <mc:Choice xmlns:v="urn:schemas-microsoft-com:vml" Requires="v">
-                  <p:oleObj spid="_x0000_s2152" name="Equation" r:id="rId3" imgW="1409400" imgH="203040" progId="Equation.3">
+                  <p:oleObj spid="_x0000_s2160" name="Equation" r:id="rId3" imgW="1409400" imgH="203040" progId="Equation.3">
                     <p:embed/>
                   </p:oleObj>
                 </mc:Choice>

--- a/CPlusPlus/09_essential_cpp_containers.pptx
+++ b/CPlusPlus/09_essential_cpp_containers.pptx
@@ -245,7 +245,7 @@
           <a:p>
             <a:fld id="{D3AF4CC3-573B-48A2-BA19-C88E9EEB8008}" type="datetimeFigureOut">
               <a:rPr lang="en-US" smtClean="0"/>
-              <a:t>2017-03-17</a:t>
+              <a:t>2017-04-10</a:t>
             </a:fld>
             <a:endParaRPr lang="en-US"/>
           </a:p>
@@ -812,7 +812,7 @@
           <a:p>
             <a:fld id="{E7395A51-B5B5-44D7-85E1-1556CCB9180F}" type="datetime1">
               <a:rPr lang="en-US" smtClean="0"/>
-              <a:t>2017-03-17</a:t>
+              <a:t>2017-04-10</a:t>
             </a:fld>
             <a:endParaRPr lang="en-US"/>
           </a:p>
@@ -982,7 +982,7 @@
           <a:p>
             <a:fld id="{BEDB066D-DA80-4992-B507-A911EFD1878C}" type="datetime1">
               <a:rPr lang="en-US" smtClean="0"/>
-              <a:t>2017-03-17</a:t>
+              <a:t>2017-04-10</a:t>
             </a:fld>
             <a:endParaRPr lang="en-US"/>
           </a:p>
@@ -1162,7 +1162,7 @@
           <a:p>
             <a:fld id="{21259CBD-682A-4ABE-AFE9-CACFF55FE875}" type="datetime1">
               <a:rPr lang="en-US" smtClean="0"/>
-              <a:t>2017-03-17</a:t>
+              <a:t>2017-04-10</a:t>
             </a:fld>
             <a:endParaRPr lang="en-US"/>
           </a:p>
@@ -1332,7 +1332,7 @@
           <a:p>
             <a:fld id="{5F76F78E-A200-421E-B0AA-A6018E81E55E}" type="datetime1">
               <a:rPr lang="en-US" smtClean="0"/>
-              <a:t>2017-03-17</a:t>
+              <a:t>2017-04-10</a:t>
             </a:fld>
             <a:endParaRPr lang="en-US"/>
           </a:p>
@@ -1576,7 +1576,7 @@
           <a:p>
             <a:fld id="{EBEC21EE-ED62-44E3-A586-FF0104F19B99}" type="datetime1">
               <a:rPr lang="en-US" smtClean="0"/>
-              <a:t>2017-03-17</a:t>
+              <a:t>2017-04-10</a:t>
             </a:fld>
             <a:endParaRPr lang="en-US"/>
           </a:p>
@@ -1808,7 +1808,7 @@
           <a:p>
             <a:fld id="{30049BC0-4C66-4CED-BC8E-7AF0BD49C9B5}" type="datetime1">
               <a:rPr lang="en-US" smtClean="0"/>
-              <a:t>2017-03-17</a:t>
+              <a:t>2017-04-10</a:t>
             </a:fld>
             <a:endParaRPr lang="en-US"/>
           </a:p>
@@ -2175,7 +2175,7 @@
           <a:p>
             <a:fld id="{C7C90E0A-53F1-4115-8AB2-2E28E481FF48}" type="datetime1">
               <a:rPr lang="en-US" smtClean="0"/>
-              <a:t>2017-03-17</a:t>
+              <a:t>2017-04-10</a:t>
             </a:fld>
             <a:endParaRPr lang="en-US"/>
           </a:p>
@@ -2293,7 +2293,7 @@
           <a:p>
             <a:fld id="{AF79CAB3-789B-4117-A859-FC7082686441}" type="datetime1">
               <a:rPr lang="en-US" smtClean="0"/>
-              <a:t>2017-03-17</a:t>
+              <a:t>2017-04-10</a:t>
             </a:fld>
             <a:endParaRPr lang="en-US"/>
           </a:p>
@@ -2388,7 +2388,7 @@
           <a:p>
             <a:fld id="{82AE2AC5-51ED-46C8-8F1B-788630EE802E}" type="datetime1">
               <a:rPr lang="en-US" smtClean="0"/>
-              <a:t>2017-03-17</a:t>
+              <a:t>2017-04-10</a:t>
             </a:fld>
             <a:endParaRPr lang="en-US"/>
           </a:p>
@@ -2665,7 +2665,7 @@
           <a:p>
             <a:fld id="{49D0F6DD-6796-44CA-AF4C-1B2A2288F444}" type="datetime1">
               <a:rPr lang="en-US" smtClean="0"/>
-              <a:t>2017-03-17</a:t>
+              <a:t>2017-04-10</a:t>
             </a:fld>
             <a:endParaRPr lang="en-US"/>
           </a:p>
@@ -2922,7 +2922,7 @@
           <a:p>
             <a:fld id="{57F6808E-F05D-421A-97B7-12B728993E3B}" type="datetime1">
               <a:rPr lang="en-US" smtClean="0"/>
-              <a:t>2017-03-17</a:t>
+              <a:t>2017-04-10</a:t>
             </a:fld>
             <a:endParaRPr lang="en-US"/>
           </a:p>
@@ -3135,7 +3135,7 @@
           <a:p>
             <a:fld id="{7B995810-2FB7-4DE8-B622-97729F9C53CB}" type="datetime1">
               <a:rPr lang="en-US" smtClean="0"/>
-              <a:t>2017-03-17</a:t>
+              <a:t>2017-04-10</a:t>
             </a:fld>
             <a:endParaRPr lang="en-US"/>
           </a:p>
@@ -5119,10 +5119,6 @@
               </a:rPr>
               <a:t>…</a:t>
             </a:r>
-            <a:endParaRPr lang="en-US" dirty="0" smtClean="0">
-              <a:latin typeface="Courier New" panose="02070309020205020404" pitchFamily="49" charset="0"/>
-              <a:cs typeface="Courier New" panose="02070309020205020404" pitchFamily="49" charset="0"/>
-            </a:endParaRPr>
           </a:p>
           <a:p>
             <a:r>
@@ -5323,7 +5319,35 @@
                 <a:latin typeface="Courier New" panose="02070309020205020404" pitchFamily="49" charset="0"/>
                 <a:cs typeface="Courier New" panose="02070309020205020404" pitchFamily="49" charset="0"/>
               </a:rPr>
-              <a:t>    for (auto wave: waves) {</a:t>
+              <a:t>    for </a:t>
+            </a:r>
+            <a:r>
+              <a:rPr lang="en-US" dirty="0" smtClean="0">
+                <a:latin typeface="Courier New" panose="02070309020205020404" pitchFamily="49" charset="0"/>
+                <a:cs typeface="Courier New" panose="02070309020205020404" pitchFamily="49" charset="0"/>
+              </a:rPr>
+              <a:t>(</a:t>
+            </a:r>
+            <a:r>
+              <a:rPr lang="en-US" dirty="0" err="1" smtClean="0">
+                <a:latin typeface="Courier New" panose="02070309020205020404" pitchFamily="49" charset="0"/>
+                <a:cs typeface="Courier New" panose="02070309020205020404" pitchFamily="49" charset="0"/>
+              </a:rPr>
+              <a:t>const</a:t>
+            </a:r>
+            <a:r>
+              <a:rPr lang="en-US" dirty="0" smtClean="0">
+                <a:latin typeface="Courier New" panose="02070309020205020404" pitchFamily="49" charset="0"/>
+                <a:cs typeface="Courier New" panose="02070309020205020404" pitchFamily="49" charset="0"/>
+              </a:rPr>
+              <a:t> auto&amp; </a:t>
+            </a:r>
+            <a:r>
+              <a:rPr lang="en-US" dirty="0">
+                <a:latin typeface="Courier New" panose="02070309020205020404" pitchFamily="49" charset="0"/>
+                <a:cs typeface="Courier New" panose="02070309020205020404" pitchFamily="49" charset="0"/>
+              </a:rPr>
+              <a:t>wave: waves) {</a:t>
             </a:r>
           </a:p>
           <a:p>
@@ -5574,11 +5598,7 @@
           <a:p>
             <a:r>
               <a:rPr lang="en-US" dirty="0" smtClean="0"/>
-              <a:t>Implementation: </a:t>
-            </a:r>
-            <a:r>
-              <a:rPr lang="en-US" dirty="0" smtClean="0"/>
-              <a:t>STL</a:t>
+              <a:t>Implementation: STL</a:t>
             </a:r>
           </a:p>
           <a:p>
@@ -5623,7 +5643,7 @@
             <a:graphicData uri="http://schemas.openxmlformats.org/presentationml/2006/ole">
               <mc:AlternateContent xmlns:mc="http://schemas.openxmlformats.org/markup-compatibility/2006">
                 <mc:Choice xmlns:v="urn:schemas-microsoft-com:vml" Requires="v">
-                  <p:oleObj spid="_x0000_s11289" name="Equation" r:id="rId3" imgW="419040" imgH="203040" progId="Equation.3">
+                  <p:oleObj spid="_x0000_s11290" name="Equation" r:id="rId3" imgW="419040" imgH="203040" progId="Equation.3">
                     <p:embed/>
                   </p:oleObj>
                 </mc:Choice>
@@ -10077,11 +10097,7 @@
           <a:p>
             <a:r>
               <a:rPr lang="en-US" dirty="0" smtClean="0"/>
-              <a:t>Implementation: </a:t>
-            </a:r>
-            <a:r>
-              <a:rPr lang="en-US" dirty="0" smtClean="0"/>
-              <a:t>STL</a:t>
+              <a:t>Implementation: STL</a:t>
             </a:r>
           </a:p>
           <a:p>
@@ -10126,7 +10142,7 @@
             <a:graphicData uri="http://schemas.openxmlformats.org/presentationml/2006/ole">
               <mc:AlternateContent xmlns:mc="http://schemas.openxmlformats.org/markup-compatibility/2006">
                 <mc:Choice xmlns:v="urn:schemas-microsoft-com:vml" Requires="v">
-                  <p:oleObj spid="_x0000_s3186" name="Equation" r:id="rId3" imgW="1180800" imgH="228600" progId="Equation.3">
+                  <p:oleObj spid="_x0000_s3187" name="Equation" r:id="rId3" imgW="1180800" imgH="228600" progId="Equation.3">
                     <p:embed/>
                   </p:oleObj>
                 </mc:Choice>
@@ -12094,7 +12110,6 @@
               <a:rPr lang="en-US" dirty="0" smtClean="0"/>
               <a:t>Implementation: STL</a:t>
             </a:r>
-            <a:endParaRPr lang="en-US" dirty="0" smtClean="0"/>
           </a:p>
           <a:p>
             <a:pPr lvl="1"/>
@@ -12138,7 +12153,7 @@
             <a:graphicData uri="http://schemas.openxmlformats.org/presentationml/2006/ole">
               <mc:AlternateContent xmlns:mc="http://schemas.openxmlformats.org/markup-compatibility/2006">
                 <mc:Choice xmlns:v="urn:schemas-microsoft-com:vml" Requires="v">
-                  <p:oleObj spid="_x0000_s4201" name="Equation" r:id="rId3" imgW="419040" imgH="241200" progId="Equation.3">
+                  <p:oleObj spid="_x0000_s4202" name="Equation" r:id="rId3" imgW="419040" imgH="241200" progId="Equation.3">
                     <p:embed/>
                   </p:oleObj>
                 </mc:Choice>
@@ -14560,8 +14575,8 @@
         </p:nvSpPr>
         <p:spPr>
           <a:xfrm>
-            <a:off x="628650" y="1971523"/>
-            <a:ext cx="6665768" cy="2031325"/>
+            <a:off x="628649" y="1971523"/>
+            <a:ext cx="7746423" cy="2031325"/>
           </a:xfrm>
           <a:prstGeom prst="rect">
             <a:avLst/>
@@ -15032,11 +15047,7 @@
           <a:p>
             <a:r>
               <a:rPr lang="en-US" dirty="0" smtClean="0"/>
-              <a:t>Implementation: </a:t>
-            </a:r>
-            <a:r>
-              <a:rPr lang="en-US" dirty="0" smtClean="0"/>
-              <a:t>STL</a:t>
+              <a:t>Implementation: STL</a:t>
             </a:r>
           </a:p>
           <a:p>
@@ -15081,7 +15092,7 @@
             <a:graphicData uri="http://schemas.openxmlformats.org/presentationml/2006/ole">
               <mc:AlternateContent xmlns:mc="http://schemas.openxmlformats.org/markup-compatibility/2006">
                 <mc:Choice xmlns:v="urn:schemas-microsoft-com:vml" Requires="v">
-                  <p:oleObj spid="_x0000_s5303" name="Equation" r:id="rId3" imgW="444240" imgH="203040" progId="Equation.3">
+                  <p:oleObj spid="_x0000_s5305" name="Equation" r:id="rId3" imgW="444240" imgH="203040" progId="Equation.3">
                     <p:embed/>
                   </p:oleObj>
                 </mc:Choice>
@@ -15262,7 +15273,7 @@
             <a:graphicData uri="http://schemas.openxmlformats.org/presentationml/2006/ole">
               <mc:AlternateContent xmlns:mc="http://schemas.openxmlformats.org/markup-compatibility/2006">
                 <mc:Choice xmlns:v="urn:schemas-microsoft-com:vml" Requires="v">
-                  <p:oleObj spid="_x0000_s5304" name="Equation" r:id="rId5" imgW="419040" imgH="215640" progId="Equation.3">
+                  <p:oleObj spid="_x0000_s5306" name="Equation" r:id="rId5" imgW="419040" imgH="215640" progId="Equation.3">
                     <p:embed/>
                   </p:oleObj>
                 </mc:Choice>
@@ -17306,7 +17317,28 @@
                 <a:latin typeface="Courier New" panose="02070309020205020404" pitchFamily="49" charset="0"/>
                 <a:cs typeface="Courier New" panose="02070309020205020404" pitchFamily="49" charset="0"/>
               </a:rPr>
-              <a:t>    for (auto </a:t>
+              <a:t>    for </a:t>
+            </a:r>
+            <a:r>
+              <a:rPr lang="en-US" dirty="0" smtClean="0">
+                <a:latin typeface="Courier New" panose="02070309020205020404" pitchFamily="49" charset="0"/>
+                <a:cs typeface="Courier New" panose="02070309020205020404" pitchFamily="49" charset="0"/>
+              </a:rPr>
+              <a:t>(</a:t>
+            </a:r>
+            <a:r>
+              <a:rPr lang="en-US" dirty="0" err="1" smtClean="0">
+                <a:latin typeface="Courier New" panose="02070309020205020404" pitchFamily="49" charset="0"/>
+                <a:cs typeface="Courier New" panose="02070309020205020404" pitchFamily="49" charset="0"/>
+              </a:rPr>
+              <a:t>const</a:t>
+            </a:r>
+            <a:r>
+              <a:rPr lang="en-US" dirty="0" smtClean="0">
+                <a:latin typeface="Courier New" panose="02070309020205020404" pitchFamily="49" charset="0"/>
+                <a:cs typeface="Courier New" panose="02070309020205020404" pitchFamily="49" charset="0"/>
+              </a:rPr>
+              <a:t> auto&amp; </a:t>
             </a:r>
             <a:r>
               <a:rPr lang="en-US" dirty="0" err="1">
@@ -17721,11 +17753,7 @@
           <a:p>
             <a:r>
               <a:rPr lang="en-US" dirty="0" smtClean="0"/>
-              <a:t>Implementation: </a:t>
-            </a:r>
-            <a:r>
-              <a:rPr lang="en-US" dirty="0" smtClean="0"/>
-              <a:t>STL</a:t>
+              <a:t>Implementation: STL</a:t>
             </a:r>
           </a:p>
           <a:p>
@@ -17770,7 +17798,7 @@
             <a:graphicData uri="http://schemas.openxmlformats.org/presentationml/2006/ole">
               <mc:AlternateContent xmlns:mc="http://schemas.openxmlformats.org/markup-compatibility/2006">
                 <mc:Choice xmlns:v="urn:schemas-microsoft-com:vml" Requires="v">
-                  <p:oleObj spid="_x0000_s6444" name="Equation" r:id="rId3" imgW="774360" imgH="215640" progId="Equation.3">
+                  <p:oleObj spid="_x0000_s6447" name="Equation" r:id="rId3" imgW="774360" imgH="215640" progId="Equation.3">
                     <p:embed/>
                   </p:oleObj>
                 </mc:Choice>
@@ -18005,7 +18033,7 @@
             <a:graphicData uri="http://schemas.openxmlformats.org/presentationml/2006/ole">
               <mc:AlternateContent xmlns:mc="http://schemas.openxmlformats.org/markup-compatibility/2006">
                 <mc:Choice xmlns:v="urn:schemas-microsoft-com:vml" Requires="v">
-                  <p:oleObj spid="_x0000_s6445" name="Equation" r:id="rId5" imgW="622080" imgH="215640" progId="Equation.3">
+                  <p:oleObj spid="_x0000_s6448" name="Equation" r:id="rId5" imgW="622080" imgH="215640" progId="Equation.3">
                     <p:embed/>
                   </p:oleObj>
                 </mc:Choice>
@@ -18062,7 +18090,7 @@
             <a:graphicData uri="http://schemas.openxmlformats.org/presentationml/2006/ole">
               <mc:AlternateContent xmlns:mc="http://schemas.openxmlformats.org/markup-compatibility/2006">
                 <mc:Choice xmlns:v="urn:schemas-microsoft-com:vml" Requires="v">
-                  <p:oleObj spid="_x0000_s6446" name="Equation" r:id="rId7" imgW="749160" imgH="215640" progId="Equation.3">
+                  <p:oleObj spid="_x0000_s6449" name="Equation" r:id="rId7" imgW="749160" imgH="215640" progId="Equation.3">
                     <p:embed/>
                   </p:oleObj>
                 </mc:Choice>
@@ -20670,7 +20698,28 @@
                 <a:latin typeface="Courier New" panose="02070309020205020404" pitchFamily="49" charset="0"/>
                 <a:cs typeface="Courier New" panose="02070309020205020404" pitchFamily="49" charset="0"/>
               </a:rPr>
-              <a:t>    for (auto </a:t>
+              <a:t>    for </a:t>
+            </a:r>
+            <a:r>
+              <a:rPr lang="en-US" dirty="0" smtClean="0">
+                <a:latin typeface="Courier New" panose="02070309020205020404" pitchFamily="49" charset="0"/>
+                <a:cs typeface="Courier New" panose="02070309020205020404" pitchFamily="49" charset="0"/>
+              </a:rPr>
+              <a:t>(</a:t>
+            </a:r>
+            <a:r>
+              <a:rPr lang="en-US" dirty="0" err="1" smtClean="0">
+                <a:latin typeface="Courier New" panose="02070309020205020404" pitchFamily="49" charset="0"/>
+                <a:cs typeface="Courier New" panose="02070309020205020404" pitchFamily="49" charset="0"/>
+              </a:rPr>
+              <a:t>const</a:t>
+            </a:r>
+            <a:r>
+              <a:rPr lang="en-US" dirty="0" smtClean="0">
+                <a:latin typeface="Courier New" panose="02070309020205020404" pitchFamily="49" charset="0"/>
+                <a:cs typeface="Courier New" panose="02070309020205020404" pitchFamily="49" charset="0"/>
+              </a:rPr>
+              <a:t> auto </a:t>
             </a:r>
             <a:r>
               <a:rPr lang="en-US" dirty="0" err="1">
@@ -22598,7 +22647,6 @@
               <a:rPr lang="en-US" dirty="0" smtClean="0"/>
               <a:t>Implementation: STL</a:t>
             </a:r>
-            <a:endParaRPr lang="en-US" dirty="0" smtClean="0"/>
           </a:p>
           <a:p>
             <a:pPr lvl="1"/>
@@ -22700,7 +22748,7 @@
             <a:graphicData uri="http://schemas.openxmlformats.org/presentationml/2006/ole">
               <mc:AlternateContent xmlns:mc="http://schemas.openxmlformats.org/markup-compatibility/2006">
                 <mc:Choice xmlns:v="urn:schemas-microsoft-com:vml" Requires="v">
-                  <p:oleObj spid="_x0000_s7250" name="Equation" r:id="rId3" imgW="431640" imgH="241200" progId="Equation.3">
+                  <p:oleObj spid="_x0000_s7251" name="Equation" r:id="rId3" imgW="431640" imgH="241200" progId="Equation.3">
                     <p:embed/>
                   </p:oleObj>
                 </mc:Choice>
@@ -23597,7 +23645,6 @@
               <a:rPr lang="en-US" dirty="0" smtClean="0"/>
               <a:t>Implementation: STL</a:t>
             </a:r>
-            <a:endParaRPr lang="en-US" dirty="0" smtClean="0"/>
           </a:p>
           <a:p>
             <a:pPr lvl="1"/>
@@ -23699,7 +23746,7 @@
             <a:graphicData uri="http://schemas.openxmlformats.org/presentationml/2006/ole">
               <mc:AlternateContent xmlns:mc="http://schemas.openxmlformats.org/markup-compatibility/2006">
                 <mc:Choice xmlns:v="urn:schemas-microsoft-com:vml" Requires="v">
-                  <p:oleObj spid="_x0000_s8282" name="Equation" r:id="rId3" imgW="444240" imgH="241200" progId="Equation.3">
+                  <p:oleObj spid="_x0000_s8283" name="Equation" r:id="rId3" imgW="444240" imgH="241200" progId="Equation.3">
                     <p:embed/>
                   </p:oleObj>
                 </mc:Choice>
@@ -25530,7 +25577,7 @@
             <a:graphicData uri="http://schemas.openxmlformats.org/presentationml/2006/ole">
               <mc:AlternateContent xmlns:mc="http://schemas.openxmlformats.org/markup-compatibility/2006">
                 <mc:Choice xmlns:v="urn:schemas-microsoft-com:vml" Requires="v">
-                  <p:oleObj spid="_x0000_s10299" name="Equation" r:id="rId3" imgW="444240" imgH="241200" progId="Equation.3">
+                  <p:oleObj spid="_x0000_s10300" name="Equation" r:id="rId3" imgW="444240" imgH="241200" progId="Equation.3">
                     <p:embed/>
                   </p:oleObj>
                 </mc:Choice>
@@ -26642,7 +26689,7 @@
             <a:graphicData uri="http://schemas.openxmlformats.org/presentationml/2006/ole">
               <mc:AlternateContent xmlns:mc="http://schemas.openxmlformats.org/markup-compatibility/2006">
                 <mc:Choice xmlns:v="urn:schemas-microsoft-com:vml" Requires="v">
-                  <p:oleObj spid="_x0000_s9296" name="Equation" r:id="rId3" imgW="1104840" imgH="215640" progId="Equation.3">
+                  <p:oleObj spid="_x0000_s9297" name="Equation" r:id="rId3" imgW="1104840" imgH="215640" progId="Equation.3">
                     <p:embed/>
                   </p:oleObj>
                 </mc:Choice>
@@ -32112,11 +32159,7 @@
           <a:p>
             <a:r>
               <a:rPr lang="en-US" dirty="0" smtClean="0"/>
-              <a:t>What was </a:t>
-            </a:r>
-            <a:r>
-              <a:rPr lang="en-US" dirty="0" smtClean="0"/>
-              <a:t>added?</a:t>
+              <a:t>What was added?</a:t>
             </a:r>
             <a:endParaRPr lang="en-US" dirty="0"/>
           </a:p>
@@ -33465,7 +33508,7 @@
           <a:graphicData uri="http://schemas.openxmlformats.org/presentationml/2006/ole">
             <mc:AlternateContent xmlns:mc="http://schemas.openxmlformats.org/markup-compatibility/2006">
               <mc:Choice xmlns:v="urn:schemas-microsoft-com:vml" Requires="v">
-                <p:oleObj spid="_x0000_s1137" name="Equation" r:id="rId4" imgW="1841400" imgH="215640" progId="Equation.3">
+                <p:oleObj spid="_x0000_s1138" name="Equation" r:id="rId4" imgW="1841400" imgH="215640" progId="Equation.3">
                   <p:embed/>
                 </p:oleObj>
               </mc:Choice>
@@ -35087,11 +35130,7 @@
           <a:p>
             <a:r>
               <a:rPr lang="en-US" dirty="0" smtClean="0"/>
-              <a:t>Implementation: </a:t>
-            </a:r>
-            <a:r>
-              <a:rPr lang="en-US" dirty="0" smtClean="0"/>
-              <a:t>core language</a:t>
+              <a:t>Implementation: core language</a:t>
             </a:r>
           </a:p>
           <a:p>
@@ -35136,7 +35175,7 @@
             <a:graphicData uri="http://schemas.openxmlformats.org/presentationml/2006/ole">
               <mc:AlternateContent xmlns:mc="http://schemas.openxmlformats.org/markup-compatibility/2006">
                 <mc:Choice xmlns:v="urn:schemas-microsoft-com:vml" Requires="v">
-                  <p:oleObj spid="_x0000_s2160" name="Equation" r:id="rId3" imgW="1409400" imgH="203040" progId="Equation.3">
+                  <p:oleObj spid="_x0000_s2161" name="Equation" r:id="rId3" imgW="1409400" imgH="203040" progId="Equation.3">
                     <p:embed/>
                   </p:oleObj>
                 </mc:Choice>
